--- a/Prezentáció.pptx
+++ b/Prezentáció.pptx
@@ -5,10 +5,11 @@
     <p:sldMasterId id="2147483648" r:id="rId1"/>
   </p:sldMasterIdLst>
   <p:notesMasterIdLst>
-    <p:notesMasterId r:id="rId3"/>
+    <p:notesMasterId r:id="rId4"/>
   </p:notesMasterIdLst>
   <p:sldIdLst>
-    <p:sldId id="259" r:id="rId2"/>
+    <p:sldId id="261" r:id="rId2"/>
+    <p:sldId id="259" r:id="rId3"/>
   </p:sldIdLst>
   <p:sldSz cx="12192000" cy="6858000"/>
   <p:notesSz cx="6858000" cy="9144000"/>
@@ -107,6 +108,14 @@
       </a:defRPr>
     </a:lvl9pPr>
   </p:defaultTextStyle>
+  <p:extLst>
+    <p:ext uri="{EFAFB233-063F-42B5-8137-9DF3F51BA10A}">
+      <p15:sldGuideLst xmlns:p15="http://schemas.microsoft.com/office/powerpoint/2012/main"/>
+    </p:ext>
+    <p:ext uri="{2D200454-40CA-4A62-9FC3-DE9A4176ACB9}">
+      <p15:notesGuideLst xmlns:p15="http://schemas.microsoft.com/office/powerpoint/2012/main"/>
+    </p:ext>
+  </p:extLst>
 </p:presentation>
 </file>
 
@@ -218,7 +227,7 @@
           <a:p>
             <a:fld id="{045CADAF-2C59-4E58-A455-8868FC9726FC}" type="datetimeFigureOut">
               <a:rPr lang="hu-HU" smtClean="0"/>
-              <a:t>2024. 01. 22.</a:t>
+              <a:t>2024. 01. 24.</a:t>
             </a:fld>
             <a:endParaRPr lang="hu-HU"/>
           </a:p>
@@ -632,7 +641,7 @@
           <a:p>
             <a:fld id="{8E532DDB-289F-42C2-8F57-09A656E29423}" type="datetimeFigureOut">
               <a:rPr lang="hu-HU" smtClean="0"/>
-              <a:t>2024. 01. 22.</a:t>
+              <a:t>2024. 01. 24.</a:t>
             </a:fld>
             <a:endParaRPr lang="hu-HU"/>
           </a:p>
@@ -830,7 +839,7 @@
           <a:p>
             <a:fld id="{8E532DDB-289F-42C2-8F57-09A656E29423}" type="datetimeFigureOut">
               <a:rPr lang="hu-HU" smtClean="0"/>
-              <a:t>2024. 01. 22.</a:t>
+              <a:t>2024. 01. 24.</a:t>
             </a:fld>
             <a:endParaRPr lang="hu-HU"/>
           </a:p>
@@ -1038,7 +1047,7 @@
           <a:p>
             <a:fld id="{8E532DDB-289F-42C2-8F57-09A656E29423}" type="datetimeFigureOut">
               <a:rPr lang="hu-HU" smtClean="0"/>
-              <a:t>2024. 01. 22.</a:t>
+              <a:t>2024. 01. 24.</a:t>
             </a:fld>
             <a:endParaRPr lang="hu-HU"/>
           </a:p>
@@ -1236,7 +1245,7 @@
           <a:p>
             <a:fld id="{8E532DDB-289F-42C2-8F57-09A656E29423}" type="datetimeFigureOut">
               <a:rPr lang="hu-HU" smtClean="0"/>
-              <a:t>2024. 01. 22.</a:t>
+              <a:t>2024. 01. 24.</a:t>
             </a:fld>
             <a:endParaRPr lang="hu-HU"/>
           </a:p>
@@ -1511,7 +1520,7 @@
           <a:p>
             <a:fld id="{8E532DDB-289F-42C2-8F57-09A656E29423}" type="datetimeFigureOut">
               <a:rPr lang="hu-HU" smtClean="0"/>
-              <a:t>2024. 01. 22.</a:t>
+              <a:t>2024. 01. 24.</a:t>
             </a:fld>
             <a:endParaRPr lang="hu-HU"/>
           </a:p>
@@ -1776,7 +1785,7 @@
           <a:p>
             <a:fld id="{8E532DDB-289F-42C2-8F57-09A656E29423}" type="datetimeFigureOut">
               <a:rPr lang="hu-HU" smtClean="0"/>
-              <a:t>2024. 01. 22.</a:t>
+              <a:t>2024. 01. 24.</a:t>
             </a:fld>
             <a:endParaRPr lang="hu-HU"/>
           </a:p>
@@ -2188,7 +2197,7 @@
           <a:p>
             <a:fld id="{8E532DDB-289F-42C2-8F57-09A656E29423}" type="datetimeFigureOut">
               <a:rPr lang="hu-HU" smtClean="0"/>
-              <a:t>2024. 01. 22.</a:t>
+              <a:t>2024. 01. 24.</a:t>
             </a:fld>
             <a:endParaRPr lang="hu-HU"/>
           </a:p>
@@ -2329,7 +2338,7 @@
           <a:p>
             <a:fld id="{8E532DDB-289F-42C2-8F57-09A656E29423}" type="datetimeFigureOut">
               <a:rPr lang="hu-HU" smtClean="0"/>
-              <a:t>2024. 01. 22.</a:t>
+              <a:t>2024. 01. 24.</a:t>
             </a:fld>
             <a:endParaRPr lang="hu-HU"/>
           </a:p>
@@ -2793,7 +2802,7 @@
           <a:p>
             <a:fld id="{8E532DDB-289F-42C2-8F57-09A656E29423}" type="datetimeFigureOut">
               <a:rPr lang="hu-HU" smtClean="0"/>
-              <a:t>2024. 01. 22.</a:t>
+              <a:t>2024. 01. 24.</a:t>
             </a:fld>
             <a:endParaRPr lang="hu-HU"/>
           </a:p>
@@ -3081,7 +3090,7 @@
           <a:p>
             <a:fld id="{8E532DDB-289F-42C2-8F57-09A656E29423}" type="datetimeFigureOut">
               <a:rPr lang="hu-HU" smtClean="0"/>
-              <a:t>2024. 01. 22.</a:t>
+              <a:t>2024. 01. 24.</a:t>
             </a:fld>
             <a:endParaRPr lang="hu-HU"/>
           </a:p>
@@ -3322,7 +3331,7 @@
           <a:p>
             <a:fld id="{8E532DDB-289F-42C2-8F57-09A656E29423}" type="datetimeFigureOut">
               <a:rPr lang="hu-HU" smtClean="0"/>
-              <a:t>2024. 01. 22.</a:t>
+              <a:t>2024. 01. 24.</a:t>
             </a:fld>
             <a:endParaRPr lang="hu-HU"/>
           </a:p>
@@ -3723,6 +3732,1500 @@
 </file>
 
 <file path=ppt/slides/slide1.xml><?xml version="1.0" encoding="utf-8"?>
+<p:sld xmlns:a="http://schemas.openxmlformats.org/drawingml/2006/main" xmlns:r="http://schemas.openxmlformats.org/officeDocument/2006/relationships" xmlns:p="http://schemas.openxmlformats.org/presentationml/2006/main">
+  <p:cSld>
+    <p:bg>
+      <p:bgPr>
+        <a:solidFill>
+          <a:srgbClr val="5019B3"/>
+        </a:solidFill>
+        <a:effectLst/>
+      </p:bgPr>
+    </p:bg>
+    <p:spTree>
+      <p:nvGrpSpPr>
+        <p:cNvPr id="1" name=""/>
+        <p:cNvGrpSpPr/>
+        <p:nvPr/>
+      </p:nvGrpSpPr>
+      <p:grpSpPr>
+        <a:xfrm>
+          <a:off x="0" y="0"/>
+          <a:ext cx="0" cy="0"/>
+          <a:chOff x="0" y="0"/>
+          <a:chExt cx="0" cy="0"/>
+        </a:xfrm>
+      </p:grpSpPr>
+      <p:sp>
+        <p:nvSpPr>
+          <p:cNvPr id="4" name="Ellipszis 3">
+            <a:extLst>
+              <a:ext uri="{FF2B5EF4-FFF2-40B4-BE49-F238E27FC236}">
+                <a16:creationId xmlns:a16="http://schemas.microsoft.com/office/drawing/2014/main" id="{5E590742-0F2F-708E-87FC-8CF5ABA75119}"/>
+              </a:ext>
+            </a:extLst>
+          </p:cNvPr>
+          <p:cNvSpPr/>
+          <p:nvPr/>
+        </p:nvSpPr>
+        <p:spPr>
+          <a:xfrm>
+            <a:off x="2803967" y="136967"/>
+            <a:ext cx="6584065" cy="6584065"/>
+          </a:xfrm>
+          <a:prstGeom prst="ellipse">
+            <a:avLst/>
+          </a:prstGeom>
+          <a:solidFill>
+            <a:srgbClr val="4B199F"/>
+          </a:solidFill>
+          <a:ln>
+            <a:noFill/>
+          </a:ln>
+          <a:effectLst>
+            <a:innerShdw blurRad="533400">
+              <a:prstClr val="black">
+                <a:alpha val="71000"/>
+              </a:prstClr>
+            </a:innerShdw>
+          </a:effectLst>
+        </p:spPr>
+        <p:style>
+          <a:lnRef idx="2">
+            <a:schemeClr val="accent1">
+              <a:shade val="15000"/>
+            </a:schemeClr>
+          </a:lnRef>
+          <a:fillRef idx="1">
+            <a:schemeClr val="accent1"/>
+          </a:fillRef>
+          <a:effectRef idx="0">
+            <a:schemeClr val="accent1"/>
+          </a:effectRef>
+          <a:fontRef idx="minor">
+            <a:schemeClr val="lt1"/>
+          </a:fontRef>
+        </p:style>
+        <p:txBody>
+          <a:bodyPr rtlCol="0" anchor="ctr"/>
+          <a:lstStyle/>
+          <a:p>
+            <a:pPr algn="ctr"/>
+            <a:endParaRPr lang="hu-HU"/>
+          </a:p>
+        </p:txBody>
+      </p:sp>
+      <p:sp>
+        <p:nvSpPr>
+          <p:cNvPr id="5" name="Ellipszis 4">
+            <a:extLst>
+              <a:ext uri="{FF2B5EF4-FFF2-40B4-BE49-F238E27FC236}">
+                <a16:creationId xmlns:a16="http://schemas.microsoft.com/office/drawing/2014/main" id="{7BFA035C-0E90-EF99-09EB-F01F1787B99D}"/>
+              </a:ext>
+            </a:extLst>
+          </p:cNvPr>
+          <p:cNvSpPr/>
+          <p:nvPr/>
+        </p:nvSpPr>
+        <p:spPr>
+          <a:xfrm>
+            <a:off x="3530277" y="863277"/>
+            <a:ext cx="5131443" cy="5131443"/>
+          </a:xfrm>
+          <a:prstGeom prst="ellipse">
+            <a:avLst/>
+          </a:prstGeom>
+          <a:solidFill>
+            <a:srgbClr val="441887"/>
+          </a:solidFill>
+          <a:effectLst>
+            <a:innerShdw blurRad="368300">
+              <a:prstClr val="black">
+                <a:alpha val="41000"/>
+              </a:prstClr>
+            </a:innerShdw>
+          </a:effectLst>
+        </p:spPr>
+        <p:style>
+          <a:lnRef idx="2">
+            <a:schemeClr val="accent1">
+              <a:shade val="15000"/>
+            </a:schemeClr>
+          </a:lnRef>
+          <a:fillRef idx="1">
+            <a:schemeClr val="accent1"/>
+          </a:fillRef>
+          <a:effectRef idx="0">
+            <a:schemeClr val="accent1"/>
+          </a:effectRef>
+          <a:fontRef idx="minor">
+            <a:schemeClr val="lt1"/>
+          </a:fontRef>
+        </p:style>
+        <p:txBody>
+          <a:bodyPr rtlCol="0" anchor="ctr"/>
+          <a:lstStyle/>
+          <a:p>
+            <a:pPr algn="ctr"/>
+            <a:endParaRPr lang="hu-HU"/>
+          </a:p>
+        </p:txBody>
+      </p:sp>
+      <p:sp>
+        <p:nvSpPr>
+          <p:cNvPr id="6" name="Téglalap: lekerekített 5">
+            <a:extLst>
+              <a:ext uri="{FF2B5EF4-FFF2-40B4-BE49-F238E27FC236}">
+                <a16:creationId xmlns:a16="http://schemas.microsoft.com/office/drawing/2014/main" id="{FF8E1E1E-E25D-9D44-58A0-641AE3D16840}"/>
+              </a:ext>
+            </a:extLst>
+          </p:cNvPr>
+          <p:cNvSpPr/>
+          <p:nvPr/>
+        </p:nvSpPr>
+        <p:spPr>
+          <a:xfrm>
+            <a:off x="7315202" y="3308351"/>
+            <a:ext cx="781048" cy="419100"/>
+          </a:xfrm>
+          <a:prstGeom prst="roundRect">
+            <a:avLst>
+              <a:gd name="adj" fmla="val 50000"/>
+            </a:avLst>
+          </a:prstGeom>
+          <a:gradFill>
+            <a:gsLst>
+              <a:gs pos="38000">
+                <a:srgbClr val="8077EA"/>
+              </a:gs>
+              <a:gs pos="77000">
+                <a:srgbClr val="EA73FF"/>
+              </a:gs>
+            </a:gsLst>
+            <a:lin ang="8400000" scaled="0"/>
+          </a:gradFill>
+          <a:ln>
+            <a:noFill/>
+            <a:round/>
+          </a:ln>
+          <a:effectLst>
+            <a:softEdge rad="0"/>
+          </a:effectLst>
+        </p:spPr>
+        <p:style>
+          <a:lnRef idx="2">
+            <a:schemeClr val="accent1">
+              <a:shade val="15000"/>
+            </a:schemeClr>
+          </a:lnRef>
+          <a:fillRef idx="1">
+            <a:schemeClr val="accent1"/>
+          </a:fillRef>
+          <a:effectRef idx="0">
+            <a:schemeClr val="accent1"/>
+          </a:effectRef>
+          <a:fontRef idx="minor">
+            <a:schemeClr val="lt1"/>
+          </a:fontRef>
+        </p:style>
+        <p:txBody>
+          <a:bodyPr rtlCol="0" anchor="ctr"/>
+          <a:lstStyle/>
+          <a:p>
+            <a:pPr algn="ctr"/>
+            <a:endParaRPr lang="hu-HU"/>
+          </a:p>
+        </p:txBody>
+      </p:sp>
+      <p:sp>
+        <p:nvSpPr>
+          <p:cNvPr id="7" name="Téglalap: lekerekített 6">
+            <a:extLst>
+              <a:ext uri="{FF2B5EF4-FFF2-40B4-BE49-F238E27FC236}">
+                <a16:creationId xmlns:a16="http://schemas.microsoft.com/office/drawing/2014/main" id="{876BD73A-04ED-68D6-0CFC-B55B322B54B6}"/>
+              </a:ext>
+            </a:extLst>
+          </p:cNvPr>
+          <p:cNvSpPr/>
+          <p:nvPr/>
+        </p:nvSpPr>
+        <p:spPr>
+          <a:xfrm>
+            <a:off x="6826249" y="1576390"/>
+            <a:ext cx="774700" cy="266700"/>
+          </a:xfrm>
+          <a:prstGeom prst="roundRect">
+            <a:avLst>
+              <a:gd name="adj" fmla="val 50000"/>
+            </a:avLst>
+          </a:prstGeom>
+          <a:gradFill>
+            <a:gsLst>
+              <a:gs pos="38000">
+                <a:srgbClr val="EA73FF"/>
+              </a:gs>
+              <a:gs pos="77000">
+                <a:srgbClr val="8077EA"/>
+              </a:gs>
+            </a:gsLst>
+            <a:lin ang="8400000" scaled="0"/>
+          </a:gradFill>
+          <a:ln>
+            <a:noFill/>
+            <a:round/>
+          </a:ln>
+          <a:effectLst>
+            <a:softEdge rad="0"/>
+          </a:effectLst>
+        </p:spPr>
+        <p:style>
+          <a:lnRef idx="2">
+            <a:schemeClr val="accent1">
+              <a:shade val="15000"/>
+            </a:schemeClr>
+          </a:lnRef>
+          <a:fillRef idx="1">
+            <a:schemeClr val="accent1"/>
+          </a:fillRef>
+          <a:effectRef idx="0">
+            <a:schemeClr val="accent1"/>
+          </a:effectRef>
+          <a:fontRef idx="minor">
+            <a:schemeClr val="lt1"/>
+          </a:fontRef>
+        </p:style>
+        <p:txBody>
+          <a:bodyPr rtlCol="0" anchor="ctr"/>
+          <a:lstStyle/>
+          <a:p>
+            <a:pPr algn="ctr"/>
+            <a:endParaRPr lang="hu-HU"/>
+          </a:p>
+        </p:txBody>
+      </p:sp>
+      <p:sp>
+        <p:nvSpPr>
+          <p:cNvPr id="8" name="Téglalap: lekerekített 7">
+            <a:extLst>
+              <a:ext uri="{FF2B5EF4-FFF2-40B4-BE49-F238E27FC236}">
+                <a16:creationId xmlns:a16="http://schemas.microsoft.com/office/drawing/2014/main" id="{A949ACA4-0F6E-139B-8268-493DDA55C128}"/>
+              </a:ext>
+            </a:extLst>
+          </p:cNvPr>
+          <p:cNvSpPr/>
+          <p:nvPr/>
+        </p:nvSpPr>
+        <p:spPr>
+          <a:xfrm>
+            <a:off x="4003674" y="2776540"/>
+            <a:ext cx="1054101" cy="419100"/>
+          </a:xfrm>
+          <a:prstGeom prst="roundRect">
+            <a:avLst>
+              <a:gd name="adj" fmla="val 50000"/>
+            </a:avLst>
+          </a:prstGeom>
+          <a:gradFill>
+            <a:gsLst>
+              <a:gs pos="38000">
+                <a:srgbClr val="FFA089"/>
+              </a:gs>
+              <a:gs pos="77000">
+                <a:srgbClr val="FFE8BD"/>
+              </a:gs>
+            </a:gsLst>
+            <a:lin ang="8400000" scaled="0"/>
+          </a:gradFill>
+          <a:ln>
+            <a:noFill/>
+            <a:round/>
+          </a:ln>
+          <a:effectLst>
+            <a:softEdge rad="0"/>
+          </a:effectLst>
+        </p:spPr>
+        <p:style>
+          <a:lnRef idx="2">
+            <a:schemeClr val="accent1">
+              <a:shade val="15000"/>
+            </a:schemeClr>
+          </a:lnRef>
+          <a:fillRef idx="1">
+            <a:schemeClr val="accent1"/>
+          </a:fillRef>
+          <a:effectRef idx="0">
+            <a:schemeClr val="accent1"/>
+          </a:effectRef>
+          <a:fontRef idx="minor">
+            <a:schemeClr val="lt1"/>
+          </a:fontRef>
+        </p:style>
+        <p:txBody>
+          <a:bodyPr rtlCol="0" anchor="ctr"/>
+          <a:lstStyle/>
+          <a:p>
+            <a:pPr algn="ctr"/>
+            <a:endParaRPr lang="hu-HU"/>
+          </a:p>
+        </p:txBody>
+      </p:sp>
+      <p:sp>
+        <p:nvSpPr>
+          <p:cNvPr id="9" name="Téglalap: lekerekített 8">
+            <a:extLst>
+              <a:ext uri="{FF2B5EF4-FFF2-40B4-BE49-F238E27FC236}">
+                <a16:creationId xmlns:a16="http://schemas.microsoft.com/office/drawing/2014/main" id="{D9B78EC0-CC66-2DDA-134B-90693F675712}"/>
+              </a:ext>
+            </a:extLst>
+          </p:cNvPr>
+          <p:cNvSpPr/>
+          <p:nvPr/>
+        </p:nvSpPr>
+        <p:spPr>
+          <a:xfrm>
+            <a:off x="4059239" y="3790951"/>
+            <a:ext cx="1031874" cy="414339"/>
+          </a:xfrm>
+          <a:prstGeom prst="roundRect">
+            <a:avLst>
+              <a:gd name="adj" fmla="val 50000"/>
+            </a:avLst>
+          </a:prstGeom>
+          <a:solidFill>
+            <a:srgbClr val="FB8A8A"/>
+          </a:solidFill>
+          <a:ln>
+            <a:noFill/>
+            <a:round/>
+          </a:ln>
+          <a:effectLst>
+            <a:softEdge rad="0"/>
+          </a:effectLst>
+        </p:spPr>
+        <p:style>
+          <a:lnRef idx="2">
+            <a:schemeClr val="accent1">
+              <a:shade val="15000"/>
+            </a:schemeClr>
+          </a:lnRef>
+          <a:fillRef idx="1">
+            <a:schemeClr val="accent1"/>
+          </a:fillRef>
+          <a:effectRef idx="0">
+            <a:schemeClr val="accent1"/>
+          </a:effectRef>
+          <a:fontRef idx="minor">
+            <a:schemeClr val="lt1"/>
+          </a:fontRef>
+        </p:style>
+        <p:txBody>
+          <a:bodyPr rtlCol="0" anchor="ctr"/>
+          <a:lstStyle/>
+          <a:p>
+            <a:pPr algn="ctr"/>
+            <a:endParaRPr lang="hu-HU"/>
+          </a:p>
+        </p:txBody>
+      </p:sp>
+      <p:sp>
+        <p:nvSpPr>
+          <p:cNvPr id="10" name="Téglalap: lekerekített 9">
+            <a:extLst>
+              <a:ext uri="{FF2B5EF4-FFF2-40B4-BE49-F238E27FC236}">
+                <a16:creationId xmlns:a16="http://schemas.microsoft.com/office/drawing/2014/main" id="{2E3A3B9D-563A-3AE1-8B49-D5C002EEA99D}"/>
+              </a:ext>
+            </a:extLst>
+          </p:cNvPr>
+          <p:cNvSpPr/>
+          <p:nvPr/>
+        </p:nvSpPr>
+        <p:spPr>
+          <a:xfrm>
+            <a:off x="6307136" y="4830762"/>
+            <a:ext cx="1038226" cy="200025"/>
+          </a:xfrm>
+          <a:prstGeom prst="roundRect">
+            <a:avLst>
+              <a:gd name="adj" fmla="val 50000"/>
+            </a:avLst>
+          </a:prstGeom>
+          <a:gradFill>
+            <a:gsLst>
+              <a:gs pos="38000">
+                <a:srgbClr val="FFA089"/>
+              </a:gs>
+              <a:gs pos="77000">
+                <a:srgbClr val="FFE8BD"/>
+              </a:gs>
+            </a:gsLst>
+            <a:lin ang="8400000" scaled="0"/>
+          </a:gradFill>
+          <a:ln>
+            <a:noFill/>
+            <a:round/>
+          </a:ln>
+          <a:effectLst>
+            <a:softEdge rad="0"/>
+          </a:effectLst>
+        </p:spPr>
+        <p:style>
+          <a:lnRef idx="2">
+            <a:schemeClr val="accent1">
+              <a:shade val="15000"/>
+            </a:schemeClr>
+          </a:lnRef>
+          <a:fillRef idx="1">
+            <a:schemeClr val="accent1"/>
+          </a:fillRef>
+          <a:effectRef idx="0">
+            <a:schemeClr val="accent1"/>
+          </a:effectRef>
+          <a:fontRef idx="minor">
+            <a:schemeClr val="lt1"/>
+          </a:fontRef>
+        </p:style>
+        <p:txBody>
+          <a:bodyPr rtlCol="0" anchor="ctr"/>
+          <a:lstStyle/>
+          <a:p>
+            <a:pPr algn="ctr"/>
+            <a:endParaRPr lang="hu-HU" dirty="0"/>
+          </a:p>
+        </p:txBody>
+      </p:sp>
+      <p:sp>
+        <p:nvSpPr>
+          <p:cNvPr id="11" name="Téglalap: lekerekített 10">
+            <a:extLst>
+              <a:ext uri="{FF2B5EF4-FFF2-40B4-BE49-F238E27FC236}">
+                <a16:creationId xmlns:a16="http://schemas.microsoft.com/office/drawing/2014/main" id="{DF3EB93E-2E32-E334-3C4E-462E031D3FD7}"/>
+              </a:ext>
+            </a:extLst>
+          </p:cNvPr>
+          <p:cNvSpPr/>
+          <p:nvPr/>
+        </p:nvSpPr>
+        <p:spPr>
+          <a:xfrm>
+            <a:off x="4386265" y="4514848"/>
+            <a:ext cx="746124" cy="200025"/>
+          </a:xfrm>
+          <a:prstGeom prst="roundRect">
+            <a:avLst>
+              <a:gd name="adj" fmla="val 50000"/>
+            </a:avLst>
+          </a:prstGeom>
+          <a:solidFill>
+            <a:srgbClr val="FB8A8A"/>
+          </a:solidFill>
+          <a:ln>
+            <a:noFill/>
+            <a:round/>
+          </a:ln>
+          <a:effectLst>
+            <a:softEdge rad="0"/>
+          </a:effectLst>
+        </p:spPr>
+        <p:style>
+          <a:lnRef idx="2">
+            <a:schemeClr val="accent1">
+              <a:shade val="15000"/>
+            </a:schemeClr>
+          </a:lnRef>
+          <a:fillRef idx="1">
+            <a:schemeClr val="accent1"/>
+          </a:fillRef>
+          <a:effectRef idx="0">
+            <a:schemeClr val="accent1"/>
+          </a:effectRef>
+          <a:fontRef idx="minor">
+            <a:schemeClr val="lt1"/>
+          </a:fontRef>
+        </p:style>
+        <p:txBody>
+          <a:bodyPr rtlCol="0" anchor="ctr"/>
+          <a:lstStyle/>
+          <a:p>
+            <a:pPr algn="ctr"/>
+            <a:endParaRPr lang="hu-HU" dirty="0"/>
+          </a:p>
+        </p:txBody>
+      </p:sp>
+      <p:sp>
+        <p:nvSpPr>
+          <p:cNvPr id="12" name="Téglalap: lekerekített 11">
+            <a:extLst>
+              <a:ext uri="{FF2B5EF4-FFF2-40B4-BE49-F238E27FC236}">
+                <a16:creationId xmlns:a16="http://schemas.microsoft.com/office/drawing/2014/main" id="{B12CDA0D-4782-C9A6-DEFD-8858E69E0D7B}"/>
+              </a:ext>
+            </a:extLst>
+          </p:cNvPr>
+          <p:cNvSpPr/>
+          <p:nvPr/>
+        </p:nvSpPr>
+        <p:spPr>
+          <a:xfrm>
+            <a:off x="6899277" y="2171702"/>
+            <a:ext cx="774699" cy="419100"/>
+          </a:xfrm>
+          <a:prstGeom prst="roundRect">
+            <a:avLst>
+              <a:gd name="adj" fmla="val 50000"/>
+            </a:avLst>
+          </a:prstGeom>
+          <a:gradFill>
+            <a:gsLst>
+              <a:gs pos="38000">
+                <a:srgbClr val="FFA089"/>
+              </a:gs>
+              <a:gs pos="77000">
+                <a:srgbClr val="FFE8BD"/>
+              </a:gs>
+            </a:gsLst>
+            <a:lin ang="8400000" scaled="0"/>
+          </a:gradFill>
+          <a:ln>
+            <a:noFill/>
+            <a:round/>
+          </a:ln>
+          <a:effectLst>
+            <a:softEdge rad="0"/>
+          </a:effectLst>
+        </p:spPr>
+        <p:style>
+          <a:lnRef idx="2">
+            <a:schemeClr val="accent1">
+              <a:shade val="15000"/>
+            </a:schemeClr>
+          </a:lnRef>
+          <a:fillRef idx="1">
+            <a:schemeClr val="accent1"/>
+          </a:fillRef>
+          <a:effectRef idx="0">
+            <a:schemeClr val="accent1"/>
+          </a:effectRef>
+          <a:fontRef idx="minor">
+            <a:schemeClr val="lt1"/>
+          </a:fontRef>
+        </p:style>
+        <p:txBody>
+          <a:bodyPr rtlCol="0" anchor="ctr"/>
+          <a:lstStyle/>
+          <a:p>
+            <a:pPr algn="ctr"/>
+            <a:endParaRPr lang="hu-HU"/>
+          </a:p>
+        </p:txBody>
+      </p:sp>
+      <p:sp>
+        <p:nvSpPr>
+          <p:cNvPr id="13" name="Téglalap: lekerekített 12">
+            <a:extLst>
+              <a:ext uri="{FF2B5EF4-FFF2-40B4-BE49-F238E27FC236}">
+                <a16:creationId xmlns:a16="http://schemas.microsoft.com/office/drawing/2014/main" id="{74CFAF27-3E7A-F8C8-BD2F-DD4524B7DCE9}"/>
+              </a:ext>
+            </a:extLst>
+          </p:cNvPr>
+          <p:cNvSpPr/>
+          <p:nvPr/>
+        </p:nvSpPr>
+        <p:spPr>
+          <a:xfrm>
+            <a:off x="4759327" y="5143499"/>
+            <a:ext cx="895352" cy="200025"/>
+          </a:xfrm>
+          <a:prstGeom prst="roundRect">
+            <a:avLst>
+              <a:gd name="adj" fmla="val 50000"/>
+            </a:avLst>
+          </a:prstGeom>
+          <a:gradFill>
+            <a:gsLst>
+              <a:gs pos="38000">
+                <a:srgbClr val="EA73FF"/>
+              </a:gs>
+              <a:gs pos="77000">
+                <a:srgbClr val="8077EA"/>
+              </a:gs>
+            </a:gsLst>
+            <a:lin ang="12600000" scaled="0"/>
+          </a:gradFill>
+          <a:ln>
+            <a:noFill/>
+            <a:round/>
+          </a:ln>
+          <a:effectLst>
+            <a:softEdge rad="0"/>
+          </a:effectLst>
+        </p:spPr>
+        <p:style>
+          <a:lnRef idx="2">
+            <a:schemeClr val="accent1">
+              <a:shade val="15000"/>
+            </a:schemeClr>
+          </a:lnRef>
+          <a:fillRef idx="1">
+            <a:schemeClr val="accent1"/>
+          </a:fillRef>
+          <a:effectRef idx="0">
+            <a:schemeClr val="accent1"/>
+          </a:effectRef>
+          <a:fontRef idx="minor">
+            <a:schemeClr val="lt1"/>
+          </a:fontRef>
+        </p:style>
+        <p:txBody>
+          <a:bodyPr rtlCol="0" anchor="ctr"/>
+          <a:lstStyle/>
+          <a:p>
+            <a:pPr algn="ctr"/>
+            <a:endParaRPr lang="hu-HU" dirty="0"/>
+          </a:p>
+        </p:txBody>
+      </p:sp>
+      <p:sp>
+        <p:nvSpPr>
+          <p:cNvPr id="14" name="Téglalap: lekerekített 13">
+            <a:extLst>
+              <a:ext uri="{FF2B5EF4-FFF2-40B4-BE49-F238E27FC236}">
+                <a16:creationId xmlns:a16="http://schemas.microsoft.com/office/drawing/2014/main" id="{4FF50EB6-58FD-EF34-ECC2-721D27B4C713}"/>
+              </a:ext>
+            </a:extLst>
+          </p:cNvPr>
+          <p:cNvSpPr/>
+          <p:nvPr/>
+        </p:nvSpPr>
+        <p:spPr>
+          <a:xfrm>
+            <a:off x="6684962" y="2776539"/>
+            <a:ext cx="774700" cy="200025"/>
+          </a:xfrm>
+          <a:prstGeom prst="roundRect">
+            <a:avLst>
+              <a:gd name="adj" fmla="val 50000"/>
+            </a:avLst>
+          </a:prstGeom>
+          <a:solidFill>
+            <a:srgbClr val="FB8A8A"/>
+          </a:solidFill>
+          <a:ln>
+            <a:noFill/>
+            <a:round/>
+          </a:ln>
+          <a:effectLst>
+            <a:softEdge rad="0"/>
+          </a:effectLst>
+        </p:spPr>
+        <p:style>
+          <a:lnRef idx="2">
+            <a:schemeClr val="accent1">
+              <a:shade val="15000"/>
+            </a:schemeClr>
+          </a:lnRef>
+          <a:fillRef idx="1">
+            <a:schemeClr val="accent1"/>
+          </a:fillRef>
+          <a:effectRef idx="0">
+            <a:schemeClr val="accent1"/>
+          </a:effectRef>
+          <a:fontRef idx="minor">
+            <a:schemeClr val="lt1"/>
+          </a:fontRef>
+        </p:style>
+        <p:txBody>
+          <a:bodyPr rtlCol="0" anchor="ctr"/>
+          <a:lstStyle/>
+          <a:p>
+            <a:pPr algn="ctr"/>
+            <a:endParaRPr lang="hu-HU"/>
+          </a:p>
+        </p:txBody>
+      </p:sp>
+      <p:sp>
+        <p:nvSpPr>
+          <p:cNvPr id="15" name="Szövegdoboz 14">
+            <a:extLst>
+              <a:ext uri="{FF2B5EF4-FFF2-40B4-BE49-F238E27FC236}">
+                <a16:creationId xmlns:a16="http://schemas.microsoft.com/office/drawing/2014/main" id="{BAD904EC-5503-CAE6-53A8-7648AE393A9D}"/>
+              </a:ext>
+            </a:extLst>
+          </p:cNvPr>
+          <p:cNvSpPr txBox="1"/>
+          <p:nvPr/>
+        </p:nvSpPr>
+        <p:spPr>
+          <a:xfrm>
+            <a:off x="3378259" y="2438401"/>
+            <a:ext cx="5857753" cy="1785104"/>
+          </a:xfrm>
+          <a:prstGeom prst="rect">
+            <a:avLst/>
+          </a:prstGeom>
+          <a:noFill/>
+          <a:effectLst>
+            <a:outerShdw sx="1000" sy="1000" algn="ctr" rotWithShape="0">
+              <a:srgbClr val="000000"/>
+            </a:outerShdw>
+          </a:effectLst>
+        </p:spPr>
+        <p:txBody>
+          <a:bodyPr wrap="square" rtlCol="0">
+            <a:spAutoFit/>
+          </a:bodyPr>
+          <a:lstStyle/>
+          <a:p>
+            <a:r>
+              <a:rPr lang="hu-HU" sz="11000" dirty="0" err="1">
+                <a:solidFill>
+                  <a:schemeClr val="bg1"/>
+                </a:solidFill>
+                <a:effectLst>
+                  <a:outerShdw dist="38100" sx="101000" sy="101000" algn="l" rotWithShape="0">
+                    <a:prstClr val="black">
+                      <a:alpha val="10000"/>
+                    </a:prstClr>
+                  </a:outerShdw>
+                </a:effectLst>
+                <a:latin typeface="Segoe UI Black" panose="020B0A02040204020203" pitchFamily="34" charset="0"/>
+                <a:ea typeface="Segoe UI Black" panose="020B0A02040204020203" pitchFamily="34" charset="0"/>
+              </a:rPr>
+              <a:t>pygame</a:t>
+            </a:r>
+            <a:endParaRPr lang="hu-HU" sz="11000" dirty="0">
+              <a:solidFill>
+                <a:schemeClr val="bg1"/>
+              </a:solidFill>
+              <a:effectLst>
+                <a:outerShdw dist="38100" sx="101000" sy="101000" algn="l" rotWithShape="0">
+                  <a:prstClr val="black">
+                    <a:alpha val="10000"/>
+                  </a:prstClr>
+                </a:outerShdw>
+              </a:effectLst>
+              <a:latin typeface="Segoe UI Black" panose="020B0A02040204020203" pitchFamily="34" charset="0"/>
+              <a:ea typeface="Segoe UI Black" panose="020B0A02040204020203" pitchFamily="34" charset="0"/>
+            </a:endParaRPr>
+          </a:p>
+        </p:txBody>
+      </p:sp>
+      <p:sp>
+        <p:nvSpPr>
+          <p:cNvPr id="16" name="Szövegdoboz 15">
+            <a:extLst>
+              <a:ext uri="{FF2B5EF4-FFF2-40B4-BE49-F238E27FC236}">
+                <a16:creationId xmlns:a16="http://schemas.microsoft.com/office/drawing/2014/main" id="{C9117FAE-FE67-5743-F7DB-0D7FE2C64D91}"/>
+              </a:ext>
+            </a:extLst>
+          </p:cNvPr>
+          <p:cNvSpPr txBox="1"/>
+          <p:nvPr/>
+        </p:nvSpPr>
+        <p:spPr>
+          <a:xfrm>
+            <a:off x="4306474" y="4205290"/>
+            <a:ext cx="4001322" cy="707886"/>
+          </a:xfrm>
+          <a:prstGeom prst="rect">
+            <a:avLst/>
+          </a:prstGeom>
+          <a:noFill/>
+        </p:spPr>
+        <p:txBody>
+          <a:bodyPr wrap="square" rtlCol="0">
+            <a:spAutoFit/>
+          </a:bodyPr>
+          <a:lstStyle/>
+          <a:p>
+            <a:pPr algn="ctr"/>
+            <a:r>
+              <a:rPr lang="hu-HU" sz="2000" b="0" i="0" dirty="0">
+                <a:solidFill>
+                  <a:srgbClr val="FFFFFF"/>
+                </a:solidFill>
+                <a:effectLst/>
+                <a:latin typeface="Barlow" panose="020F0502020204030204" pitchFamily="2" charset="-18"/>
+              </a:rPr>
+              <a:t>5. Fejezet dokumentációja:</a:t>
+            </a:r>
+            <a:br>
+              <a:rPr lang="hu-HU" sz="2000" dirty="0"/>
+            </a:br>
+            <a:r>
+              <a:rPr lang="hu-HU" sz="2000" b="0" i="0" dirty="0" err="1">
+                <a:solidFill>
+                  <a:srgbClr val="FFFFFF"/>
+                </a:solidFill>
+                <a:effectLst/>
+                <a:latin typeface="Barlow" panose="020F0502020204030204" pitchFamily="2" charset="-18"/>
+              </a:rPr>
+              <a:t>Spriteok</a:t>
+            </a:r>
+            <a:endParaRPr lang="hu-HU" sz="2000" dirty="0"/>
+          </a:p>
+        </p:txBody>
+      </p:sp>
+    </p:spTree>
+    <p:extLst>
+      <p:ext uri="{BB962C8B-B14F-4D97-AF65-F5344CB8AC3E}">
+        <p14:creationId xmlns:p14="http://schemas.microsoft.com/office/powerpoint/2010/main" val="809599953"/>
+      </p:ext>
+    </p:extLst>
+  </p:cSld>
+  <p:clrMapOvr>
+    <a:masterClrMapping/>
+  </p:clrMapOvr>
+  <mc:AlternateContent xmlns:mc="http://schemas.openxmlformats.org/markup-compatibility/2006">
+    <mc:Choice xmlns:p14="http://schemas.microsoft.com/office/powerpoint/2010/main" Requires="p14">
+      <p:transition p14:dur="100">
+        <p:cut/>
+      </p:transition>
+    </mc:Choice>
+    <mc:Fallback>
+      <p:transition>
+        <p:cut/>
+      </p:transition>
+    </mc:Fallback>
+  </mc:AlternateContent>
+  <p:timing>
+    <p:tnLst>
+      <p:par>
+        <p:cTn id="1" dur="indefinite" restart="never" nodeType="tmRoot">
+          <p:childTnLst>
+            <p:seq concurrent="1" nextAc="seek">
+              <p:cTn id="2" dur="indefinite" nodeType="mainSeq">
+                <p:childTnLst>
+                  <p:par>
+                    <p:cTn id="3" fill="hold">
+                      <p:stCondLst>
+                        <p:cond delay="indefinite"/>
+                        <p:cond evt="onBegin" delay="0">
+                          <p:tn val="2"/>
+                        </p:cond>
+                      </p:stCondLst>
+                      <p:childTnLst>
+                        <p:par>
+                          <p:cTn id="4" fill="hold">
+                            <p:stCondLst>
+                              <p:cond delay="0"/>
+                            </p:stCondLst>
+                            <p:childTnLst>
+                              <p:par>
+                                <p:cTn id="5" presetID="53" presetClass="entr" presetSubtype="16" fill="hold" grpId="0" nodeType="withEffect">
+                                  <p:stCondLst>
+                                    <p:cond delay="0"/>
+                                  </p:stCondLst>
+                                  <p:childTnLst>
+                                    <p:set>
+                                      <p:cBhvr>
+                                        <p:cTn id="6" dur="1" fill="hold">
+                                          <p:stCondLst>
+                                            <p:cond delay="0"/>
+                                          </p:stCondLst>
+                                        </p:cTn>
+                                        <p:tgtEl>
+                                          <p:spTgt spid="4"/>
+                                        </p:tgtEl>
+                                        <p:attrNameLst>
+                                          <p:attrName>style.visibility</p:attrName>
+                                        </p:attrNameLst>
+                                      </p:cBhvr>
+                                      <p:to>
+                                        <p:strVal val="visible"/>
+                                      </p:to>
+                                    </p:set>
+                                    <p:anim calcmode="lin" valueType="num">
+                                      <p:cBhvr>
+                                        <p:cTn id="7" dur="300" fill="hold"/>
+                                        <p:tgtEl>
+                                          <p:spTgt spid="4"/>
+                                        </p:tgtEl>
+                                        <p:attrNameLst>
+                                          <p:attrName>ppt_w</p:attrName>
+                                        </p:attrNameLst>
+                                      </p:cBhvr>
+                                      <p:tavLst>
+                                        <p:tav tm="0">
+                                          <p:val>
+                                            <p:fltVal val="0"/>
+                                          </p:val>
+                                        </p:tav>
+                                        <p:tav tm="100000">
+                                          <p:val>
+                                            <p:strVal val="#ppt_w"/>
+                                          </p:val>
+                                        </p:tav>
+                                      </p:tavLst>
+                                    </p:anim>
+                                    <p:anim calcmode="lin" valueType="num">
+                                      <p:cBhvr>
+                                        <p:cTn id="8" dur="300" fill="hold"/>
+                                        <p:tgtEl>
+                                          <p:spTgt spid="4"/>
+                                        </p:tgtEl>
+                                        <p:attrNameLst>
+                                          <p:attrName>ppt_h</p:attrName>
+                                        </p:attrNameLst>
+                                      </p:cBhvr>
+                                      <p:tavLst>
+                                        <p:tav tm="0">
+                                          <p:val>
+                                            <p:fltVal val="0"/>
+                                          </p:val>
+                                        </p:tav>
+                                        <p:tav tm="100000">
+                                          <p:val>
+                                            <p:strVal val="#ppt_h"/>
+                                          </p:val>
+                                        </p:tav>
+                                      </p:tavLst>
+                                    </p:anim>
+                                    <p:animEffect transition="in" filter="fade">
+                                      <p:cBhvr>
+                                        <p:cTn id="9" dur="300"/>
+                                        <p:tgtEl>
+                                          <p:spTgt spid="4"/>
+                                        </p:tgtEl>
+                                      </p:cBhvr>
+                                    </p:animEffect>
+                                  </p:childTnLst>
+                                </p:cTn>
+                              </p:par>
+                            </p:childTnLst>
+                          </p:cTn>
+                        </p:par>
+                        <p:par>
+                          <p:cTn id="10" fill="hold">
+                            <p:stCondLst>
+                              <p:cond delay="300"/>
+                            </p:stCondLst>
+                            <p:childTnLst>
+                              <p:par>
+                                <p:cTn id="11" presetID="53" presetClass="entr" presetSubtype="16" fill="hold" grpId="0" nodeType="afterEffect">
+                                  <p:stCondLst>
+                                    <p:cond delay="200"/>
+                                  </p:stCondLst>
+                                  <p:childTnLst>
+                                    <p:set>
+                                      <p:cBhvr>
+                                        <p:cTn id="12" dur="1" fill="hold">
+                                          <p:stCondLst>
+                                            <p:cond delay="0"/>
+                                          </p:stCondLst>
+                                        </p:cTn>
+                                        <p:tgtEl>
+                                          <p:spTgt spid="5"/>
+                                        </p:tgtEl>
+                                        <p:attrNameLst>
+                                          <p:attrName>style.visibility</p:attrName>
+                                        </p:attrNameLst>
+                                      </p:cBhvr>
+                                      <p:to>
+                                        <p:strVal val="visible"/>
+                                      </p:to>
+                                    </p:set>
+                                    <p:anim calcmode="lin" valueType="num">
+                                      <p:cBhvr>
+                                        <p:cTn id="13" dur="300" fill="hold"/>
+                                        <p:tgtEl>
+                                          <p:spTgt spid="5"/>
+                                        </p:tgtEl>
+                                        <p:attrNameLst>
+                                          <p:attrName>ppt_w</p:attrName>
+                                        </p:attrNameLst>
+                                      </p:cBhvr>
+                                      <p:tavLst>
+                                        <p:tav tm="0">
+                                          <p:val>
+                                            <p:fltVal val="0"/>
+                                          </p:val>
+                                        </p:tav>
+                                        <p:tav tm="100000">
+                                          <p:val>
+                                            <p:strVal val="#ppt_w"/>
+                                          </p:val>
+                                        </p:tav>
+                                      </p:tavLst>
+                                    </p:anim>
+                                    <p:anim calcmode="lin" valueType="num">
+                                      <p:cBhvr>
+                                        <p:cTn id="14" dur="300" fill="hold"/>
+                                        <p:tgtEl>
+                                          <p:spTgt spid="5"/>
+                                        </p:tgtEl>
+                                        <p:attrNameLst>
+                                          <p:attrName>ppt_h</p:attrName>
+                                        </p:attrNameLst>
+                                      </p:cBhvr>
+                                      <p:tavLst>
+                                        <p:tav tm="0">
+                                          <p:val>
+                                            <p:fltVal val="0"/>
+                                          </p:val>
+                                        </p:tav>
+                                        <p:tav tm="100000">
+                                          <p:val>
+                                            <p:strVal val="#ppt_h"/>
+                                          </p:val>
+                                        </p:tav>
+                                      </p:tavLst>
+                                    </p:anim>
+                                    <p:animEffect transition="in" filter="fade">
+                                      <p:cBhvr>
+                                        <p:cTn id="15" dur="300"/>
+                                        <p:tgtEl>
+                                          <p:spTgt spid="5"/>
+                                        </p:tgtEl>
+                                      </p:cBhvr>
+                                    </p:animEffect>
+                                  </p:childTnLst>
+                                </p:cTn>
+                              </p:par>
+                              <p:par>
+                                <p:cTn id="16" presetID="35" presetClass="path" presetSubtype="0" repeatCount="indefinite" accel="50000" decel="50000" autoRev="1" fill="hold" grpId="0" nodeType="withEffect">
+                                  <p:stCondLst>
+                                    <p:cond delay="600"/>
+                                  </p:stCondLst>
+                                  <p:childTnLst>
+                                    <p:animMotion origin="layout" path="M 4.16667E-6 -1.48148E-6 L -0.13204 -0.00092 " pathEditMode="relative" rAng="0" ptsTypes="AA">
+                                      <p:cBhvr>
+                                        <p:cTn id="17" dur="2000" fill="hold"/>
+                                        <p:tgtEl>
+                                          <p:spTgt spid="10"/>
+                                        </p:tgtEl>
+                                        <p:attrNameLst>
+                                          <p:attrName>ppt_x</p:attrName>
+                                          <p:attrName>ppt_y</p:attrName>
+                                        </p:attrNameLst>
+                                      </p:cBhvr>
+                                      <p:rCtr x="-6602" y="-46"/>
+                                    </p:animMotion>
+                                  </p:childTnLst>
+                                </p:cTn>
+                              </p:par>
+                              <p:par>
+                                <p:cTn id="18" presetID="35" presetClass="path" presetSubtype="0" repeatCount="indefinite" accel="50000" decel="50000" autoRev="1" fill="hold" grpId="0" nodeType="withEffect">
+                                  <p:stCondLst>
+                                    <p:cond delay="0"/>
+                                  </p:stCondLst>
+                                  <p:childTnLst>
+                                    <p:animMotion origin="layout" path="M -1.25E-6 -2.96296E-6 L -0.20104 -2.96296E-6 " pathEditMode="relative" rAng="0" ptsTypes="AA">
+                                      <p:cBhvr>
+                                        <p:cTn id="19" dur="2000" fill="hold"/>
+                                        <p:tgtEl>
+                                          <p:spTgt spid="6"/>
+                                        </p:tgtEl>
+                                        <p:attrNameLst>
+                                          <p:attrName>ppt_x</p:attrName>
+                                          <p:attrName>ppt_y</p:attrName>
+                                        </p:attrNameLst>
+                                      </p:cBhvr>
+                                      <p:rCtr x="-10052" y="0"/>
+                                    </p:animMotion>
+                                  </p:childTnLst>
+                                </p:cTn>
+                              </p:par>
+                              <p:par>
+                                <p:cTn id="20" presetID="35" presetClass="path" presetSubtype="0" repeatCount="indefinite" accel="50000" decel="50000" autoRev="1" fill="hold" grpId="0" nodeType="withEffect">
+                                  <p:stCondLst>
+                                    <p:cond delay="1500"/>
+                                  </p:stCondLst>
+                                  <p:childTnLst>
+                                    <p:animMotion origin="layout" path="M 3.33333E-6 4.44444E-6 L -0.16354 0.00069 " pathEditMode="relative" rAng="0" ptsTypes="AA">
+                                      <p:cBhvr>
+                                        <p:cTn id="21" dur="2000" fill="hold"/>
+                                        <p:tgtEl>
+                                          <p:spTgt spid="7"/>
+                                        </p:tgtEl>
+                                        <p:attrNameLst>
+                                          <p:attrName>ppt_x</p:attrName>
+                                          <p:attrName>ppt_y</p:attrName>
+                                        </p:attrNameLst>
+                                      </p:cBhvr>
+                                      <p:rCtr x="-8177" y="23"/>
+                                    </p:animMotion>
+                                  </p:childTnLst>
+                                </p:cTn>
+                              </p:par>
+                              <p:par>
+                                <p:cTn id="22" presetID="35" presetClass="path" presetSubtype="0" repeatCount="indefinite" accel="50000" decel="50000" autoRev="1" fill="hold" grpId="0" nodeType="withEffect">
+                                  <p:stCondLst>
+                                    <p:cond delay="500"/>
+                                  </p:stCondLst>
+                                  <p:childTnLst>
+                                    <p:animMotion origin="layout" path="M 1.875E-6 -4.44444E-6 L -0.18685 -4.44444E-6 " pathEditMode="relative" rAng="0" ptsTypes="AA">
+                                      <p:cBhvr>
+                                        <p:cTn id="23" dur="5000" fill="hold"/>
+                                        <p:tgtEl>
+                                          <p:spTgt spid="14"/>
+                                        </p:tgtEl>
+                                        <p:attrNameLst>
+                                          <p:attrName>ppt_x</p:attrName>
+                                          <p:attrName>ppt_y</p:attrName>
+                                        </p:attrNameLst>
+                                      </p:cBhvr>
+                                      <p:rCtr x="-9349" y="0"/>
+                                    </p:animMotion>
+                                  </p:childTnLst>
+                                </p:cTn>
+                              </p:par>
+                              <p:par>
+                                <p:cTn id="24" presetID="63" presetClass="path" presetSubtype="0" repeatCount="indefinite" accel="50000" decel="50000" autoRev="1" fill="hold" grpId="0" nodeType="withEffect">
+                                  <p:stCondLst>
+                                    <p:cond delay="900"/>
+                                  </p:stCondLst>
+                                  <p:childTnLst>
+                                    <p:animMotion origin="layout" path="M -4.58333E-6 3.33333E-6 L 0.25 3.33333E-6 " pathEditMode="relative" rAng="0" ptsTypes="AA">
+                                      <p:cBhvr>
+                                        <p:cTn id="25" dur="3000" fill="hold"/>
+                                        <p:tgtEl>
+                                          <p:spTgt spid="8"/>
+                                        </p:tgtEl>
+                                        <p:attrNameLst>
+                                          <p:attrName>ppt_x</p:attrName>
+                                          <p:attrName>ppt_y</p:attrName>
+                                        </p:attrNameLst>
+                                      </p:cBhvr>
+                                      <p:rCtr x="12500" y="0"/>
+                                    </p:animMotion>
+                                  </p:childTnLst>
+                                </p:cTn>
+                              </p:par>
+                              <p:par>
+                                <p:cTn id="26" presetID="63" presetClass="path" presetSubtype="0" repeatCount="indefinite" accel="50000" decel="50000" autoRev="1" fill="hold" grpId="0" nodeType="withEffect">
+                                  <p:stCondLst>
+                                    <p:cond delay="700"/>
+                                  </p:stCondLst>
+                                  <p:childTnLst>
+                                    <p:animMotion origin="layout" path="M -4.16667E-7 -3.7037E-7 L 0.20534 -3.7037E-7 " pathEditMode="relative" rAng="0" ptsTypes="AA">
+                                      <p:cBhvr>
+                                        <p:cTn id="27" dur="2000" fill="hold"/>
+                                        <p:tgtEl>
+                                          <p:spTgt spid="9"/>
+                                        </p:tgtEl>
+                                        <p:attrNameLst>
+                                          <p:attrName>ppt_x</p:attrName>
+                                          <p:attrName>ppt_y</p:attrName>
+                                        </p:attrNameLst>
+                                      </p:cBhvr>
+                                      <p:rCtr x="10260" y="0"/>
+                                    </p:animMotion>
+                                  </p:childTnLst>
+                                </p:cTn>
+                              </p:par>
+                              <p:par>
+                                <p:cTn id="28" presetID="63" presetClass="path" presetSubtype="0" repeatCount="indefinite" accel="50000" decel="50000" autoRev="1" fill="hold" grpId="0" nodeType="withEffect">
+                                  <p:stCondLst>
+                                    <p:cond delay="0"/>
+                                  </p:stCondLst>
+                                  <p:childTnLst>
+                                    <p:animMotion origin="layout" path="M -4.58333E-6 3.33333E-6 L 0.25 3.33333E-6 " pathEditMode="relative" rAng="0" ptsTypes="AA">
+                                      <p:cBhvr>
+                                        <p:cTn id="29" dur="5000" fill="hold"/>
+                                        <p:tgtEl>
+                                          <p:spTgt spid="11"/>
+                                        </p:tgtEl>
+                                        <p:attrNameLst>
+                                          <p:attrName>ppt_x</p:attrName>
+                                          <p:attrName>ppt_y</p:attrName>
+                                        </p:attrNameLst>
+                                      </p:cBhvr>
+                                      <p:rCtr x="12500" y="0"/>
+                                    </p:animMotion>
+                                  </p:childTnLst>
+                                </p:cTn>
+                              </p:par>
+                              <p:par>
+                                <p:cTn id="30" presetID="63" presetClass="path" presetSubtype="0" repeatCount="indefinite" accel="50000" decel="50000" autoRev="1" fill="hold" grpId="0" nodeType="withEffect">
+                                  <p:stCondLst>
+                                    <p:cond delay="20"/>
+                                  </p:stCondLst>
+                                  <p:childTnLst>
+                                    <p:animMotion origin="layout" path="M -3.33333E-6 -3.33333E-6 L 0.14948 -3.33333E-6 " pathEditMode="relative" rAng="0" ptsTypes="AA">
+                                      <p:cBhvr>
+                                        <p:cTn id="31" dur="2000" fill="hold"/>
+                                        <p:tgtEl>
+                                          <p:spTgt spid="13"/>
+                                        </p:tgtEl>
+                                        <p:attrNameLst>
+                                          <p:attrName>ppt_x</p:attrName>
+                                          <p:attrName>ppt_y</p:attrName>
+                                        </p:attrNameLst>
+                                      </p:cBhvr>
+                                      <p:rCtr x="7474" y="0"/>
+                                    </p:animMotion>
+                                  </p:childTnLst>
+                                </p:cTn>
+                              </p:par>
+                              <p:par>
+                                <p:cTn id="32" presetID="35" presetClass="path" presetSubtype="0" repeatCount="indefinite" accel="50000" decel="50000" autoRev="1" fill="hold" grpId="0" nodeType="withEffect">
+                                  <p:stCondLst>
+                                    <p:cond delay="100"/>
+                                  </p:stCondLst>
+                                  <p:childTnLst>
+                                    <p:animMotion origin="layout" path="M 3.75E-6 -2.22222E-6 L -0.1961 -2.22222E-6 " pathEditMode="relative" rAng="0" ptsTypes="AA">
+                                      <p:cBhvr>
+                                        <p:cTn id="33" dur="5000" fill="hold"/>
+                                        <p:tgtEl>
+                                          <p:spTgt spid="12"/>
+                                        </p:tgtEl>
+                                        <p:attrNameLst>
+                                          <p:attrName>ppt_x</p:attrName>
+                                          <p:attrName>ppt_y</p:attrName>
+                                        </p:attrNameLst>
+                                      </p:cBhvr>
+                                      <p:rCtr x="-9805" y="0"/>
+                                    </p:animMotion>
+                                  </p:childTnLst>
+                                </p:cTn>
+                              </p:par>
+                            </p:childTnLst>
+                          </p:cTn>
+                        </p:par>
+                      </p:childTnLst>
+                    </p:cTn>
+                  </p:par>
+                  <p:par>
+                    <p:cTn id="34" fill="hold">
+                      <p:stCondLst>
+                        <p:cond delay="indefinite"/>
+                      </p:stCondLst>
+                      <p:childTnLst>
+                        <p:par>
+                          <p:cTn id="35" fill="hold">
+                            <p:stCondLst>
+                              <p:cond delay="0"/>
+                            </p:stCondLst>
+                            <p:childTnLst>
+                              <p:par>
+                                <p:cTn id="36" presetID="2" presetClass="entr" presetSubtype="4" fill="hold" nodeType="clickEffect">
+                                  <p:stCondLst>
+                                    <p:cond delay="0"/>
+                                  </p:stCondLst>
+                                  <p:childTnLst>
+                                    <p:set>
+                                      <p:cBhvr>
+                                        <p:cTn id="37" dur="1" fill="hold">
+                                          <p:stCondLst>
+                                            <p:cond delay="0"/>
+                                          </p:stCondLst>
+                                        </p:cTn>
+                                        <p:tgtEl>
+                                          <p:spTgt spid="15">
+                                            <p:txEl>
+                                              <p:pRg st="0" end="0"/>
+                                            </p:txEl>
+                                          </p:spTgt>
+                                        </p:tgtEl>
+                                        <p:attrNameLst>
+                                          <p:attrName>style.visibility</p:attrName>
+                                        </p:attrNameLst>
+                                      </p:cBhvr>
+                                      <p:to>
+                                        <p:strVal val="visible"/>
+                                      </p:to>
+                                    </p:set>
+                                    <p:anim calcmode="lin" valueType="num">
+                                      <p:cBhvr additive="base">
+                                        <p:cTn id="38" dur="1300" fill="hold"/>
+                                        <p:tgtEl>
+                                          <p:spTgt spid="15">
+                                            <p:txEl>
+                                              <p:pRg st="0" end="0"/>
+                                            </p:txEl>
+                                          </p:spTgt>
+                                        </p:tgtEl>
+                                        <p:attrNameLst>
+                                          <p:attrName>ppt_x</p:attrName>
+                                        </p:attrNameLst>
+                                      </p:cBhvr>
+                                      <p:tavLst>
+                                        <p:tav tm="0">
+                                          <p:val>
+                                            <p:strVal val="#ppt_x"/>
+                                          </p:val>
+                                        </p:tav>
+                                        <p:tav tm="100000">
+                                          <p:val>
+                                            <p:strVal val="#ppt_x"/>
+                                          </p:val>
+                                        </p:tav>
+                                      </p:tavLst>
+                                    </p:anim>
+                                    <p:anim calcmode="lin" valueType="num">
+                                      <p:cBhvr additive="base">
+                                        <p:cTn id="39" dur="1300" fill="hold"/>
+                                        <p:tgtEl>
+                                          <p:spTgt spid="15">
+                                            <p:txEl>
+                                              <p:pRg st="0" end="0"/>
+                                            </p:txEl>
+                                          </p:spTgt>
+                                        </p:tgtEl>
+                                        <p:attrNameLst>
+                                          <p:attrName>ppt_y</p:attrName>
+                                        </p:attrNameLst>
+                                      </p:cBhvr>
+                                      <p:tavLst>
+                                        <p:tav tm="0">
+                                          <p:val>
+                                            <p:strVal val="1+#ppt_h/2"/>
+                                          </p:val>
+                                        </p:tav>
+                                        <p:tav tm="100000">
+                                          <p:val>
+                                            <p:strVal val="#ppt_y"/>
+                                          </p:val>
+                                        </p:tav>
+                                      </p:tavLst>
+                                    </p:anim>
+                                  </p:childTnLst>
+                                </p:cTn>
+                              </p:par>
+                            </p:childTnLst>
+                          </p:cTn>
+                        </p:par>
+                      </p:childTnLst>
+                    </p:cTn>
+                  </p:par>
+                  <p:par>
+                    <p:cTn id="40" fill="hold">
+                      <p:stCondLst>
+                        <p:cond delay="indefinite"/>
+                      </p:stCondLst>
+                      <p:childTnLst>
+                        <p:par>
+                          <p:cTn id="41" fill="hold">
+                            <p:stCondLst>
+                              <p:cond delay="0"/>
+                            </p:stCondLst>
+                            <p:childTnLst>
+                              <p:par>
+                                <p:cTn id="42" presetID="42" presetClass="entr" presetSubtype="0" fill="hold" grpId="0" nodeType="clickEffect">
+                                  <p:stCondLst>
+                                    <p:cond delay="0"/>
+                                  </p:stCondLst>
+                                  <p:childTnLst>
+                                    <p:set>
+                                      <p:cBhvr>
+                                        <p:cTn id="43" dur="1" fill="hold">
+                                          <p:stCondLst>
+                                            <p:cond delay="0"/>
+                                          </p:stCondLst>
+                                        </p:cTn>
+                                        <p:tgtEl>
+                                          <p:spTgt spid="16"/>
+                                        </p:tgtEl>
+                                        <p:attrNameLst>
+                                          <p:attrName>style.visibility</p:attrName>
+                                        </p:attrNameLst>
+                                      </p:cBhvr>
+                                      <p:to>
+                                        <p:strVal val="visible"/>
+                                      </p:to>
+                                    </p:set>
+                                    <p:animEffect transition="in" filter="fade">
+                                      <p:cBhvr>
+                                        <p:cTn id="44" dur="1000"/>
+                                        <p:tgtEl>
+                                          <p:spTgt spid="16"/>
+                                        </p:tgtEl>
+                                      </p:cBhvr>
+                                    </p:animEffect>
+                                    <p:anim calcmode="lin" valueType="num">
+                                      <p:cBhvr>
+                                        <p:cTn id="45" dur="1000" fill="hold"/>
+                                        <p:tgtEl>
+                                          <p:spTgt spid="16"/>
+                                        </p:tgtEl>
+                                        <p:attrNameLst>
+                                          <p:attrName>ppt_x</p:attrName>
+                                        </p:attrNameLst>
+                                      </p:cBhvr>
+                                      <p:tavLst>
+                                        <p:tav tm="0">
+                                          <p:val>
+                                            <p:strVal val="#ppt_x"/>
+                                          </p:val>
+                                        </p:tav>
+                                        <p:tav tm="100000">
+                                          <p:val>
+                                            <p:strVal val="#ppt_x"/>
+                                          </p:val>
+                                        </p:tav>
+                                      </p:tavLst>
+                                    </p:anim>
+                                    <p:anim calcmode="lin" valueType="num">
+                                      <p:cBhvr>
+                                        <p:cTn id="46" dur="1000" fill="hold"/>
+                                        <p:tgtEl>
+                                          <p:spTgt spid="16"/>
+                                        </p:tgtEl>
+                                        <p:attrNameLst>
+                                          <p:attrName>ppt_y</p:attrName>
+                                        </p:attrNameLst>
+                                      </p:cBhvr>
+                                      <p:tavLst>
+                                        <p:tav tm="0">
+                                          <p:val>
+                                            <p:strVal val="#ppt_y+.1"/>
+                                          </p:val>
+                                        </p:tav>
+                                        <p:tav tm="100000">
+                                          <p:val>
+                                            <p:strVal val="#ppt_y"/>
+                                          </p:val>
+                                        </p:tav>
+                                      </p:tavLst>
+                                    </p:anim>
+                                  </p:childTnLst>
+                                </p:cTn>
+                              </p:par>
+                            </p:childTnLst>
+                          </p:cTn>
+                        </p:par>
+                      </p:childTnLst>
+                    </p:cTn>
+                  </p:par>
+                </p:childTnLst>
+              </p:cTn>
+              <p:prevCondLst>
+                <p:cond evt="onPrev" delay="0">
+                  <p:tgtEl>
+                    <p:sldTgt/>
+                  </p:tgtEl>
+                </p:cond>
+              </p:prevCondLst>
+              <p:nextCondLst>
+                <p:cond evt="onNext" delay="0">
+                  <p:tgtEl>
+                    <p:sldTgt/>
+                  </p:tgtEl>
+                </p:cond>
+              </p:nextCondLst>
+            </p:seq>
+          </p:childTnLst>
+        </p:cTn>
+      </p:par>
+    </p:tnLst>
+    <p:bldLst>
+      <p:bldP spid="4" grpId="0" animBg="1"/>
+      <p:bldP spid="5" grpId="0" animBg="1"/>
+      <p:bldP spid="6" grpId="0" animBg="1"/>
+      <p:bldP spid="7" grpId="0" animBg="1"/>
+      <p:bldP spid="8" grpId="0" animBg="1"/>
+      <p:bldP spid="9" grpId="0" animBg="1"/>
+      <p:bldP spid="10" grpId="0" animBg="1"/>
+      <p:bldP spid="11" grpId="0" animBg="1"/>
+      <p:bldP spid="12" grpId="0" animBg="1"/>
+      <p:bldP spid="13" grpId="0" animBg="1"/>
+      <p:bldP spid="14" grpId="0" animBg="1"/>
+      <p:bldP spid="16" grpId="0"/>
+    </p:bldLst>
+  </p:timing>
+</p:sld>
+</file>
+
+<file path=ppt/slides/slide2.xml><?xml version="1.0" encoding="utf-8"?>
 <p:sld xmlns:a="http://schemas.openxmlformats.org/drawingml/2006/main" xmlns:r="http://schemas.openxmlformats.org/officeDocument/2006/relationships" xmlns:p="http://schemas.openxmlformats.org/presentationml/2006/main">
   <p:cSld>
     <p:spTree>

--- a/Prezentáció.pptx
+++ b/Prezentáció.pptx
@@ -5,11 +5,14 @@
     <p:sldMasterId id="2147483648" r:id="rId1"/>
   </p:sldMasterIdLst>
   <p:notesMasterIdLst>
-    <p:notesMasterId r:id="rId4"/>
+    <p:notesMasterId r:id="rId7"/>
   </p:notesMasterIdLst>
   <p:sldIdLst>
     <p:sldId id="261" r:id="rId2"/>
-    <p:sldId id="259" r:id="rId3"/>
+    <p:sldId id="263" r:id="rId3"/>
+    <p:sldId id="265" r:id="rId4"/>
+    <p:sldId id="266" r:id="rId5"/>
+    <p:sldId id="264" r:id="rId6"/>
   </p:sldIdLst>
   <p:sldSz cx="12192000" cy="6858000"/>
   <p:notesSz cx="6858000" cy="9144000"/>
@@ -131,20 +134,6 @@
 </p:cmAuthorLst>
 </file>
 
-<file path=ppt/comments/comment1.xml><?xml version="1.0" encoding="utf-8"?>
-<p:cmLst xmlns:a="http://schemas.openxmlformats.org/drawingml/2006/main" xmlns:r="http://schemas.openxmlformats.org/officeDocument/2006/relationships" xmlns:p="http://schemas.openxmlformats.org/presentationml/2006/main">
-  <p:cm authorId="1" dt="2024-01-22T18:58:27.507" idx="1">
-    <p:pos x="10" y="10"/>
-    <p:text/>
-    <p:extLst>
-      <p:ext uri="{C676402C-5697-4E1C-873F-D02D1690AC5C}">
-        <p15:threadingInfo xmlns:p15="http://schemas.microsoft.com/office/powerpoint/2012/main" timeZoneBias="-60"/>
-      </p:ext>
-    </p:extLst>
-  </p:cm>
-</p:cmLst>
-</file>
-
 <file path=ppt/notesMasters/notesMaster1.xml><?xml version="1.0" encoding="utf-8"?>
 <p:notesMaster xmlns:a="http://schemas.openxmlformats.org/drawingml/2006/main" xmlns:r="http://schemas.openxmlformats.org/officeDocument/2006/relationships" xmlns:p="http://schemas.openxmlformats.org/presentationml/2006/main">
   <p:cSld>
@@ -1859,8 +1848,16 @@
 </file>
 
 <file path=ppt/slideLayouts/slideLayout5.xml><?xml version="1.0" encoding="utf-8"?>
-<p:sldLayout xmlns:a="http://schemas.openxmlformats.org/drawingml/2006/main" xmlns:r="http://schemas.openxmlformats.org/officeDocument/2006/relationships" xmlns:p="http://schemas.openxmlformats.org/presentationml/2006/main" type="twoTxTwoObj" preserve="1">
+<p:sldLayout xmlns:a="http://schemas.openxmlformats.org/drawingml/2006/main" xmlns:r="http://schemas.openxmlformats.org/officeDocument/2006/relationships" xmlns:p="http://schemas.openxmlformats.org/presentationml/2006/main" preserve="1" userDrawn="1">
   <p:cSld name="Összehasonlítás">
+    <p:bg>
+      <p:bgPr>
+        <a:solidFill>
+          <a:srgbClr val="5019B3"/>
+        </a:solidFill>
+        <a:effectLst/>
+      </p:bgPr>
+    </p:bg>
     <p:spTree>
       <p:nvGrpSpPr>
         <p:cNvPr id="1" name=""/>
@@ -1877,383 +1874,114 @@
       </p:grpSpPr>
       <p:sp>
         <p:nvSpPr>
-          <p:cNvPr id="2" name="Cím 1">
-            <a:extLst>
-              <a:ext uri="{FF2B5EF4-FFF2-40B4-BE49-F238E27FC236}">
-                <a16:creationId xmlns:a16="http://schemas.microsoft.com/office/drawing/2014/main" id="{F984F479-3953-8B84-BC66-A042FCDAAADF}"/>
-              </a:ext>
-            </a:extLst>
-          </p:cNvPr>
-          <p:cNvSpPr>
-            <a:spLocks noGrp="1"/>
-          </p:cNvSpPr>
-          <p:nvPr>
-            <p:ph type="title"/>
-          </p:nvPr>
+          <p:cNvPr id="10" name="Téglalap: lekerekített 9">
+            <a:extLst>
+              <a:ext uri="{FF2B5EF4-FFF2-40B4-BE49-F238E27FC236}">
+                <a16:creationId xmlns:a16="http://schemas.microsoft.com/office/drawing/2014/main" id="{5C929177-02C2-6B75-4903-1A897B6B857B}"/>
+              </a:ext>
+            </a:extLst>
+          </p:cNvPr>
+          <p:cNvSpPr/>
+          <p:nvPr userDrawn="1"/>
         </p:nvSpPr>
         <p:spPr>
           <a:xfrm>
-            <a:off x="839788" y="365125"/>
-            <a:ext cx="10515600" cy="1325563"/>
+            <a:off x="783771" y="293908"/>
+            <a:ext cx="4784269" cy="6270171"/>
           </a:xfrm>
+          <a:prstGeom prst="roundRect">
+            <a:avLst>
+              <a:gd name="adj" fmla="val 4094"/>
+            </a:avLst>
+          </a:prstGeom>
+          <a:solidFill>
+            <a:schemeClr val="bg1">
+              <a:alpha val="80000"/>
+            </a:schemeClr>
+          </a:solidFill>
+          <a:ln w="120650" cap="sq">
+            <a:noFill/>
+            <a:round/>
+          </a:ln>
         </p:spPr>
-        <p:txBody>
-          <a:bodyPr/>
-          <a:lstStyle/>
-          <a:p>
-            <a:r>
-              <a:rPr lang="hu-HU"/>
-              <a:t>Mintacím szerkesztése</a:t>
-            </a:r>
-          </a:p>
-        </p:txBody>
-      </p:sp>
-      <p:sp>
-        <p:nvSpPr>
-          <p:cNvPr id="3" name="Szöveg helye 2">
-            <a:extLst>
-              <a:ext uri="{FF2B5EF4-FFF2-40B4-BE49-F238E27FC236}">
-                <a16:creationId xmlns:a16="http://schemas.microsoft.com/office/drawing/2014/main" id="{30A025C5-9777-3CCA-1261-F5ADFC4C225F}"/>
-              </a:ext>
-            </a:extLst>
-          </p:cNvPr>
-          <p:cNvSpPr>
-            <a:spLocks noGrp="1"/>
-          </p:cNvSpPr>
-          <p:nvPr>
-            <p:ph type="body" idx="1"/>
-          </p:nvPr>
+        <p:style>
+          <a:lnRef idx="2">
+            <a:schemeClr val="accent1">
+              <a:shade val="15000"/>
+            </a:schemeClr>
+          </a:lnRef>
+          <a:fillRef idx="1">
+            <a:schemeClr val="accent1"/>
+          </a:fillRef>
+          <a:effectRef idx="0">
+            <a:schemeClr val="accent1"/>
+          </a:effectRef>
+          <a:fontRef idx="minor">
+            <a:schemeClr val="lt1"/>
+          </a:fontRef>
+        </p:style>
+        <p:txBody>
+          <a:bodyPr rtlCol="0" anchor="ctr"/>
+          <a:lstStyle/>
+          <a:p>
+            <a:pPr algn="ctr"/>
+            <a:endParaRPr lang="hu-HU" dirty="0"/>
+          </a:p>
+        </p:txBody>
+      </p:sp>
+      <p:sp>
+        <p:nvSpPr>
+          <p:cNvPr id="12" name="Téglalap: lekerekített 11">
+            <a:extLst>
+              <a:ext uri="{FF2B5EF4-FFF2-40B4-BE49-F238E27FC236}">
+                <a16:creationId xmlns:a16="http://schemas.microsoft.com/office/drawing/2014/main" id="{4263DA3D-3720-84C8-46EF-56A35EEE76D5}"/>
+              </a:ext>
+            </a:extLst>
+          </p:cNvPr>
+          <p:cNvSpPr/>
+          <p:nvPr userDrawn="1"/>
         </p:nvSpPr>
         <p:spPr>
           <a:xfrm>
-            <a:off x="839788" y="1681163"/>
-            <a:ext cx="5157787" cy="823912"/>
+            <a:off x="6623961" y="293909"/>
+            <a:ext cx="4784269" cy="6270171"/>
           </a:xfrm>
+          <a:prstGeom prst="roundRect">
+            <a:avLst>
+              <a:gd name="adj" fmla="val 4094"/>
+            </a:avLst>
+          </a:prstGeom>
+          <a:solidFill>
+            <a:schemeClr val="bg1">
+              <a:alpha val="80000"/>
+            </a:schemeClr>
+          </a:solidFill>
+          <a:ln>
+            <a:noFill/>
+          </a:ln>
         </p:spPr>
-        <p:txBody>
-          <a:bodyPr anchor="b"/>
-          <a:lstStyle>
-            <a:lvl1pPr marL="0" indent="0">
-              <a:buNone/>
-              <a:defRPr sz="2400" b="1"/>
-            </a:lvl1pPr>
-            <a:lvl2pPr marL="457200" indent="0">
-              <a:buNone/>
-              <a:defRPr sz="2000" b="1"/>
-            </a:lvl2pPr>
-            <a:lvl3pPr marL="914400" indent="0">
-              <a:buNone/>
-              <a:defRPr sz="1800" b="1"/>
-            </a:lvl3pPr>
-            <a:lvl4pPr marL="1371600" indent="0">
-              <a:buNone/>
-              <a:defRPr sz="1600" b="1"/>
-            </a:lvl4pPr>
-            <a:lvl5pPr marL="1828800" indent="0">
-              <a:buNone/>
-              <a:defRPr sz="1600" b="1"/>
-            </a:lvl5pPr>
-            <a:lvl6pPr marL="2286000" indent="0">
-              <a:buNone/>
-              <a:defRPr sz="1600" b="1"/>
-            </a:lvl6pPr>
-            <a:lvl7pPr marL="2743200" indent="0">
-              <a:buNone/>
-              <a:defRPr sz="1600" b="1"/>
-            </a:lvl7pPr>
-            <a:lvl8pPr marL="3200400" indent="0">
-              <a:buNone/>
-              <a:defRPr sz="1600" b="1"/>
-            </a:lvl8pPr>
-            <a:lvl9pPr marL="3657600" indent="0">
-              <a:buNone/>
-              <a:defRPr sz="1600" b="1"/>
-            </a:lvl9pPr>
-          </a:lstStyle>
-          <a:p>
-            <a:pPr lvl="0"/>
-            <a:r>
-              <a:rPr lang="hu-HU"/>
-              <a:t>Mintaszöveg szerkesztése</a:t>
-            </a:r>
-          </a:p>
-        </p:txBody>
-      </p:sp>
-      <p:sp>
-        <p:nvSpPr>
-          <p:cNvPr id="4" name="Tartalom helye 3">
-            <a:extLst>
-              <a:ext uri="{FF2B5EF4-FFF2-40B4-BE49-F238E27FC236}">
-                <a16:creationId xmlns:a16="http://schemas.microsoft.com/office/drawing/2014/main" id="{1F893820-243D-1C19-E2BD-EF9D00843259}"/>
-              </a:ext>
-            </a:extLst>
-          </p:cNvPr>
-          <p:cNvSpPr>
-            <a:spLocks noGrp="1"/>
-          </p:cNvSpPr>
-          <p:nvPr>
-            <p:ph sz="half" idx="2"/>
-          </p:nvPr>
-        </p:nvSpPr>
-        <p:spPr>
-          <a:xfrm>
-            <a:off x="839788" y="2505075"/>
-            <a:ext cx="5157787" cy="3684588"/>
-          </a:xfrm>
-        </p:spPr>
-        <p:txBody>
-          <a:bodyPr/>
-          <a:lstStyle/>
-          <a:p>
-            <a:pPr lvl="0"/>
-            <a:r>
-              <a:rPr lang="hu-HU"/>
-              <a:t>Mintaszöveg szerkesztése</a:t>
-            </a:r>
-          </a:p>
-          <a:p>
-            <a:pPr lvl="1"/>
-            <a:r>
-              <a:rPr lang="hu-HU"/>
-              <a:t>Második szint</a:t>
-            </a:r>
-          </a:p>
-          <a:p>
-            <a:pPr lvl="2"/>
-            <a:r>
-              <a:rPr lang="hu-HU"/>
-              <a:t>Harmadik szint</a:t>
-            </a:r>
-          </a:p>
-          <a:p>
-            <a:pPr lvl="3"/>
-            <a:r>
-              <a:rPr lang="hu-HU"/>
-              <a:t>Negyedik szint</a:t>
-            </a:r>
-          </a:p>
-          <a:p>
-            <a:pPr lvl="4"/>
-            <a:r>
-              <a:rPr lang="hu-HU"/>
-              <a:t>Ötödik szint</a:t>
-            </a:r>
-          </a:p>
-        </p:txBody>
-      </p:sp>
-      <p:sp>
-        <p:nvSpPr>
-          <p:cNvPr id="5" name="Szöveg helye 4">
-            <a:extLst>
-              <a:ext uri="{FF2B5EF4-FFF2-40B4-BE49-F238E27FC236}">
-                <a16:creationId xmlns:a16="http://schemas.microsoft.com/office/drawing/2014/main" id="{AA87FC9D-AB07-0387-338A-0B619858055D}"/>
-              </a:ext>
-            </a:extLst>
-          </p:cNvPr>
-          <p:cNvSpPr>
-            <a:spLocks noGrp="1"/>
-          </p:cNvSpPr>
-          <p:nvPr>
-            <p:ph type="body" sz="quarter" idx="3"/>
-          </p:nvPr>
-        </p:nvSpPr>
-        <p:spPr>
-          <a:xfrm>
-            <a:off x="6172200" y="1681163"/>
-            <a:ext cx="5183188" cy="823912"/>
-          </a:xfrm>
-        </p:spPr>
-        <p:txBody>
-          <a:bodyPr anchor="b"/>
-          <a:lstStyle>
-            <a:lvl1pPr marL="0" indent="0">
-              <a:buNone/>
-              <a:defRPr sz="2400" b="1"/>
-            </a:lvl1pPr>
-            <a:lvl2pPr marL="457200" indent="0">
-              <a:buNone/>
-              <a:defRPr sz="2000" b="1"/>
-            </a:lvl2pPr>
-            <a:lvl3pPr marL="914400" indent="0">
-              <a:buNone/>
-              <a:defRPr sz="1800" b="1"/>
-            </a:lvl3pPr>
-            <a:lvl4pPr marL="1371600" indent="0">
-              <a:buNone/>
-              <a:defRPr sz="1600" b="1"/>
-            </a:lvl4pPr>
-            <a:lvl5pPr marL="1828800" indent="0">
-              <a:buNone/>
-              <a:defRPr sz="1600" b="1"/>
-            </a:lvl5pPr>
-            <a:lvl6pPr marL="2286000" indent="0">
-              <a:buNone/>
-              <a:defRPr sz="1600" b="1"/>
-            </a:lvl6pPr>
-            <a:lvl7pPr marL="2743200" indent="0">
-              <a:buNone/>
-              <a:defRPr sz="1600" b="1"/>
-            </a:lvl7pPr>
-            <a:lvl8pPr marL="3200400" indent="0">
-              <a:buNone/>
-              <a:defRPr sz="1600" b="1"/>
-            </a:lvl8pPr>
-            <a:lvl9pPr marL="3657600" indent="0">
-              <a:buNone/>
-              <a:defRPr sz="1600" b="1"/>
-            </a:lvl9pPr>
-          </a:lstStyle>
-          <a:p>
-            <a:pPr lvl="0"/>
-            <a:r>
-              <a:rPr lang="hu-HU"/>
-              <a:t>Mintaszöveg szerkesztése</a:t>
-            </a:r>
-          </a:p>
-        </p:txBody>
-      </p:sp>
-      <p:sp>
-        <p:nvSpPr>
-          <p:cNvPr id="6" name="Tartalom helye 5">
-            <a:extLst>
-              <a:ext uri="{FF2B5EF4-FFF2-40B4-BE49-F238E27FC236}">
-                <a16:creationId xmlns:a16="http://schemas.microsoft.com/office/drawing/2014/main" id="{931C68D3-AB18-443C-44A9-254707B71220}"/>
-              </a:ext>
-            </a:extLst>
-          </p:cNvPr>
-          <p:cNvSpPr>
-            <a:spLocks noGrp="1"/>
-          </p:cNvSpPr>
-          <p:nvPr>
-            <p:ph sz="quarter" idx="4"/>
-          </p:nvPr>
-        </p:nvSpPr>
-        <p:spPr>
-          <a:xfrm>
-            <a:off x="6172200" y="2505075"/>
-            <a:ext cx="5183188" cy="3684588"/>
-          </a:xfrm>
-        </p:spPr>
-        <p:txBody>
-          <a:bodyPr/>
-          <a:lstStyle/>
-          <a:p>
-            <a:pPr lvl="0"/>
-            <a:r>
-              <a:rPr lang="hu-HU"/>
-              <a:t>Mintaszöveg szerkesztése</a:t>
-            </a:r>
-          </a:p>
-          <a:p>
-            <a:pPr lvl="1"/>
-            <a:r>
-              <a:rPr lang="hu-HU"/>
-              <a:t>Második szint</a:t>
-            </a:r>
-          </a:p>
-          <a:p>
-            <a:pPr lvl="2"/>
-            <a:r>
-              <a:rPr lang="hu-HU"/>
-              <a:t>Harmadik szint</a:t>
-            </a:r>
-          </a:p>
-          <a:p>
-            <a:pPr lvl="3"/>
-            <a:r>
-              <a:rPr lang="hu-HU"/>
-              <a:t>Negyedik szint</a:t>
-            </a:r>
-          </a:p>
-          <a:p>
-            <a:pPr lvl="4"/>
-            <a:r>
-              <a:rPr lang="hu-HU"/>
-              <a:t>Ötödik szint</a:t>
-            </a:r>
-          </a:p>
-        </p:txBody>
-      </p:sp>
-      <p:sp>
-        <p:nvSpPr>
-          <p:cNvPr id="7" name="Dátum helye 6">
-            <a:extLst>
-              <a:ext uri="{FF2B5EF4-FFF2-40B4-BE49-F238E27FC236}">
-                <a16:creationId xmlns:a16="http://schemas.microsoft.com/office/drawing/2014/main" id="{586DE5FD-F1A9-32CA-7CBA-ED448028E81F}"/>
-              </a:ext>
-            </a:extLst>
-          </p:cNvPr>
-          <p:cNvSpPr>
-            <a:spLocks noGrp="1"/>
-          </p:cNvSpPr>
-          <p:nvPr>
-            <p:ph type="dt" sz="half" idx="10"/>
-          </p:nvPr>
-        </p:nvSpPr>
-        <p:spPr/>
-        <p:txBody>
-          <a:bodyPr/>
-          <a:lstStyle/>
-          <a:p>
-            <a:fld id="{8E532DDB-289F-42C2-8F57-09A656E29423}" type="datetimeFigureOut">
-              <a:rPr lang="hu-HU" smtClean="0"/>
-              <a:t>2024. 01. 24.</a:t>
-            </a:fld>
-            <a:endParaRPr lang="hu-HU"/>
-          </a:p>
-        </p:txBody>
-      </p:sp>
-      <p:sp>
-        <p:nvSpPr>
-          <p:cNvPr id="8" name="Élőláb helye 7">
-            <a:extLst>
-              <a:ext uri="{FF2B5EF4-FFF2-40B4-BE49-F238E27FC236}">
-                <a16:creationId xmlns:a16="http://schemas.microsoft.com/office/drawing/2014/main" id="{D9D7783A-C5B2-1B72-B035-2BB4A1B1A3DC}"/>
-              </a:ext>
-            </a:extLst>
-          </p:cNvPr>
-          <p:cNvSpPr>
-            <a:spLocks noGrp="1"/>
-          </p:cNvSpPr>
-          <p:nvPr>
-            <p:ph type="ftr" sz="quarter" idx="11"/>
-          </p:nvPr>
-        </p:nvSpPr>
-        <p:spPr/>
-        <p:txBody>
-          <a:bodyPr/>
-          <a:lstStyle/>
-          <a:p>
-            <a:endParaRPr lang="hu-HU"/>
-          </a:p>
-        </p:txBody>
-      </p:sp>
-      <p:sp>
-        <p:nvSpPr>
-          <p:cNvPr id="9" name="Dia számának helye 8">
-            <a:extLst>
-              <a:ext uri="{FF2B5EF4-FFF2-40B4-BE49-F238E27FC236}">
-                <a16:creationId xmlns:a16="http://schemas.microsoft.com/office/drawing/2014/main" id="{3A2DF993-E159-03EB-2049-DBDDB8FA5900}"/>
-              </a:ext>
-            </a:extLst>
-          </p:cNvPr>
-          <p:cNvSpPr>
-            <a:spLocks noGrp="1"/>
-          </p:cNvSpPr>
-          <p:nvPr>
-            <p:ph type="sldNum" sz="quarter" idx="12"/>
-          </p:nvPr>
-        </p:nvSpPr>
-        <p:spPr/>
-        <p:txBody>
-          <a:bodyPr/>
-          <a:lstStyle/>
-          <a:p>
-            <a:fld id="{AD470EAF-F6FB-4A33-9A89-56AF8B4470B8}" type="slidenum">
-              <a:rPr lang="hu-HU" smtClean="0"/>
-              <a:t>‹#›</a:t>
-            </a:fld>
-            <a:endParaRPr lang="hu-HU"/>
+        <p:style>
+          <a:lnRef idx="2">
+            <a:schemeClr val="accent1">
+              <a:shade val="15000"/>
+            </a:schemeClr>
+          </a:lnRef>
+          <a:fillRef idx="1">
+            <a:schemeClr val="accent1"/>
+          </a:fillRef>
+          <a:effectRef idx="0">
+            <a:schemeClr val="accent1"/>
+          </a:effectRef>
+          <a:fontRef idx="minor">
+            <a:schemeClr val="lt1"/>
+          </a:fontRef>
+        </p:style>
+        <p:txBody>
+          <a:bodyPr rtlCol="0" anchor="ctr"/>
+          <a:lstStyle/>
+          <a:p>
+            <a:pPr algn="ctr"/>
+            <a:endParaRPr lang="hu-HU" dirty="0"/>
           </a:p>
         </p:txBody>
       </p:sp>
@@ -4574,13 +4302,13 @@
   <p:clrMapOvr>
     <a:masterClrMapping/>
   </p:clrMapOvr>
-  <mc:AlternateContent xmlns:mc="http://schemas.openxmlformats.org/markup-compatibility/2006">
-    <mc:Choice xmlns:p14="http://schemas.microsoft.com/office/powerpoint/2010/main" Requires="p14">
+  <mc:AlternateContent xmlns:mc="http://schemas.openxmlformats.org/markup-compatibility/2006" xmlns:p14="http://schemas.microsoft.com/office/powerpoint/2010/main">
+    <mc:Choice Requires="p14">
       <p:transition p14:dur="100">
         <p:cut/>
       </p:transition>
     </mc:Choice>
-    <mc:Fallback>
+    <mc:Fallback xmlns="">
       <p:transition>
         <p:cut/>
       </p:transition>
@@ -5228,6 +4956,14 @@
 <file path=ppt/slides/slide2.xml><?xml version="1.0" encoding="utf-8"?>
 <p:sld xmlns:a="http://schemas.openxmlformats.org/drawingml/2006/main" xmlns:r="http://schemas.openxmlformats.org/officeDocument/2006/relationships" xmlns:p="http://schemas.openxmlformats.org/presentationml/2006/main">
   <p:cSld>
+    <p:bg>
+      <p:bgPr>
+        <a:solidFill>
+          <a:srgbClr val="5019B3"/>
+        </a:solidFill>
+        <a:effectLst/>
+      </p:bgPr>
+    </p:bg>
     <p:spTree>
       <p:nvGrpSpPr>
         <p:cNvPr id="1" name=""/>
@@ -5247,7 +4983,7 @@
           <p:cNvPr id="4" name="Téglalap: lekerekített 3">
             <a:extLst>
               <a:ext uri="{FF2B5EF4-FFF2-40B4-BE49-F238E27FC236}">
-                <a16:creationId xmlns:a16="http://schemas.microsoft.com/office/drawing/2014/main" id="{FEBE85C7-AE08-4448-2174-EB8B624FA078}"/>
+                <a16:creationId xmlns:a16="http://schemas.microsoft.com/office/drawing/2014/main" id="{BC187220-8284-1B2B-8CE3-7C613265D444}"/>
               </a:ext>
             </a:extLst>
           </p:cNvPr>
@@ -5256,32 +4992,23 @@
         </p:nvSpPr>
         <p:spPr>
           <a:xfrm>
-            <a:off x="7315202" y="3308351"/>
-            <a:ext cx="781048" cy="419100"/>
+            <a:off x="880044" y="293914"/>
+            <a:ext cx="4784269" cy="6270171"/>
           </a:xfrm>
           <a:prstGeom prst="roundRect">
             <a:avLst>
-              <a:gd name="adj" fmla="val 50000"/>
+              <a:gd name="adj" fmla="val 4094"/>
             </a:avLst>
           </a:prstGeom>
-          <a:gradFill>
-            <a:gsLst>
-              <a:gs pos="38000">
-                <a:srgbClr val="8077EA"/>
-              </a:gs>
-              <a:gs pos="77000">
-                <a:srgbClr val="EA73FF"/>
-              </a:gs>
-            </a:gsLst>
-            <a:lin ang="8400000" scaled="0"/>
-          </a:gradFill>
-          <a:ln>
+          <a:solidFill>
+            <a:schemeClr val="bg1">
+              <a:alpha val="80000"/>
+            </a:schemeClr>
+          </a:solidFill>
+          <a:ln w="120650" cap="sq">
             <a:noFill/>
             <a:round/>
           </a:ln>
-          <a:effectLst>
-            <a:softEdge rad="0"/>
-          </a:effectLst>
         </p:spPr>
         <p:style>
           <a:lnRef idx="2">
@@ -5304,16 +5031,16 @@
           <a:lstStyle/>
           <a:p>
             <a:pPr algn="ctr"/>
-            <a:endParaRPr lang="hu-HU"/>
-          </a:p>
-        </p:txBody>
-      </p:sp>
-      <p:sp>
-        <p:nvSpPr>
-          <p:cNvPr id="8" name="Téglalap: lekerekített 7">
-            <a:extLst>
-              <a:ext uri="{FF2B5EF4-FFF2-40B4-BE49-F238E27FC236}">
-                <a16:creationId xmlns:a16="http://schemas.microsoft.com/office/drawing/2014/main" id="{3CAC1FBD-D49E-2CD4-DD50-1CC263F7B7FE}"/>
+            <a:endParaRPr lang="hu-HU" dirty="0"/>
+          </a:p>
+        </p:txBody>
+      </p:sp>
+      <p:sp>
+        <p:nvSpPr>
+          <p:cNvPr id="5" name="Téglalap: lekerekített 4">
+            <a:extLst>
+              <a:ext uri="{FF2B5EF4-FFF2-40B4-BE49-F238E27FC236}">
+                <a16:creationId xmlns:a16="http://schemas.microsoft.com/office/drawing/2014/main" id="{B74CBF98-6A67-702F-008D-E30CBEB44963}"/>
               </a:ext>
             </a:extLst>
           </p:cNvPr>
@@ -5322,32 +5049,23 @@
         </p:nvSpPr>
         <p:spPr>
           <a:xfrm>
-            <a:off x="6826249" y="1576390"/>
-            <a:ext cx="774700" cy="266700"/>
+            <a:off x="6527687" y="417740"/>
+            <a:ext cx="4784269" cy="2811242"/>
           </a:xfrm>
           <a:prstGeom prst="roundRect">
             <a:avLst>
-              <a:gd name="adj" fmla="val 50000"/>
+              <a:gd name="adj" fmla="val 4094"/>
             </a:avLst>
           </a:prstGeom>
-          <a:gradFill>
-            <a:gsLst>
-              <a:gs pos="38000">
-                <a:srgbClr val="EA73FF"/>
-              </a:gs>
-              <a:gs pos="77000">
-                <a:srgbClr val="8077EA"/>
-              </a:gs>
-            </a:gsLst>
-            <a:lin ang="8400000" scaled="0"/>
-          </a:gradFill>
-          <a:ln>
+          <a:solidFill>
+            <a:schemeClr val="bg1">
+              <a:alpha val="80000"/>
+            </a:schemeClr>
+          </a:solidFill>
+          <a:ln w="120650" cap="sq">
             <a:noFill/>
             <a:round/>
           </a:ln>
-          <a:effectLst>
-            <a:softEdge rad="0"/>
-          </a:effectLst>
         </p:spPr>
         <p:style>
           <a:lnRef idx="2">
@@ -5370,16 +5088,167 @@
           <a:lstStyle/>
           <a:p>
             <a:pPr algn="ctr"/>
-            <a:endParaRPr lang="hu-HU"/>
-          </a:p>
-        </p:txBody>
-      </p:sp>
-      <p:sp>
-        <p:nvSpPr>
-          <p:cNvPr id="9" name="Téglalap: lekerekített 8">
-            <a:extLst>
-              <a:ext uri="{FF2B5EF4-FFF2-40B4-BE49-F238E27FC236}">
-                <a16:creationId xmlns:a16="http://schemas.microsoft.com/office/drawing/2014/main" id="{9705F652-2E38-5F53-FF22-63EEADE89133}"/>
+            <a:endParaRPr lang="hu-HU" dirty="0"/>
+          </a:p>
+        </p:txBody>
+      </p:sp>
+      <p:sp>
+        <p:nvSpPr>
+          <p:cNvPr id="6" name="Szövegdoboz 5">
+            <a:extLst>
+              <a:ext uri="{FF2B5EF4-FFF2-40B4-BE49-F238E27FC236}">
+                <a16:creationId xmlns:a16="http://schemas.microsoft.com/office/drawing/2014/main" id="{5B6AC857-2A98-66B3-8AC9-33FBAB3EDDF5}"/>
+              </a:ext>
+            </a:extLst>
+          </p:cNvPr>
+          <p:cNvSpPr txBox="1"/>
+          <p:nvPr/>
+        </p:nvSpPr>
+        <p:spPr>
+          <a:xfrm>
+            <a:off x="1128030" y="1597693"/>
+            <a:ext cx="4095750" cy="2031325"/>
+          </a:xfrm>
+          <a:prstGeom prst="rect">
+            <a:avLst/>
+          </a:prstGeom>
+          <a:noFill/>
+        </p:spPr>
+        <p:txBody>
+          <a:bodyPr wrap="square" rtlCol="0">
+            <a:spAutoFit/>
+          </a:bodyPr>
+          <a:lstStyle/>
+          <a:p>
+            <a:pPr algn="just"/>
+            <a:r>
+              <a:rPr lang="en-US" b="1" i="0" dirty="0">
+                <a:solidFill>
+                  <a:srgbClr val="5019B3"/>
+                </a:solidFill>
+                <a:effectLst/>
+                <a:latin typeface="Rubik"/>
+              </a:rPr>
+              <a:t>In </a:t>
+            </a:r>
+            <a:r>
+              <a:rPr lang="en-US" b="1" i="0" dirty="0" err="1">
+                <a:solidFill>
+                  <a:srgbClr val="5019B3"/>
+                </a:solidFill>
+                <a:effectLst/>
+                <a:latin typeface="Rubik"/>
+              </a:rPr>
+              <a:t>Pygame</a:t>
+            </a:r>
+            <a:r>
+              <a:rPr lang="en-US" b="1" i="0" dirty="0">
+                <a:solidFill>
+                  <a:srgbClr val="5019B3"/>
+                </a:solidFill>
+                <a:effectLst/>
+                <a:latin typeface="Rubik"/>
+              </a:rPr>
+              <a:t>, a sprite is an object that represents a game element. It can be an image, animation, or any other visual element in a game. </a:t>
+            </a:r>
+            <a:r>
+              <a:rPr lang="en-US" b="1" i="0" dirty="0" err="1">
+                <a:solidFill>
+                  <a:srgbClr val="5019B3"/>
+                </a:solidFill>
+                <a:effectLst/>
+                <a:latin typeface="Rubik"/>
+              </a:rPr>
+              <a:t>Pygame</a:t>
+            </a:r>
+            <a:r>
+              <a:rPr lang="en-US" b="1" i="0" dirty="0">
+                <a:solidFill>
+                  <a:srgbClr val="5019B3"/>
+                </a:solidFill>
+                <a:effectLst/>
+                <a:latin typeface="Rubik"/>
+              </a:rPr>
+              <a:t> provides a Sprite class that you can use to create and manage sprites efficiently.</a:t>
+            </a:r>
+            <a:br>
+              <a:rPr lang="en-US" dirty="0"/>
+            </a:br>
+            <a:endParaRPr lang="hu-HU" dirty="0"/>
+          </a:p>
+        </p:txBody>
+      </p:sp>
+      <p:sp>
+        <p:nvSpPr>
+          <p:cNvPr id="7" name="Szövegdoboz 6">
+            <a:extLst>
+              <a:ext uri="{FF2B5EF4-FFF2-40B4-BE49-F238E27FC236}">
+                <a16:creationId xmlns:a16="http://schemas.microsoft.com/office/drawing/2014/main" id="{7819F685-963E-271F-BC1B-FDA54155C9CE}"/>
+              </a:ext>
+            </a:extLst>
+          </p:cNvPr>
+          <p:cNvSpPr txBox="1"/>
+          <p:nvPr/>
+        </p:nvSpPr>
+        <p:spPr>
+          <a:xfrm>
+            <a:off x="1647142" y="735919"/>
+            <a:ext cx="3057525" cy="861774"/>
+          </a:xfrm>
+          <a:prstGeom prst="rect">
+            <a:avLst/>
+          </a:prstGeom>
+          <a:noFill/>
+        </p:spPr>
+        <p:txBody>
+          <a:bodyPr wrap="square" rtlCol="0">
+            <a:spAutoFit/>
+          </a:bodyPr>
+          <a:lstStyle/>
+          <a:p>
+            <a:pPr algn="ctr"/>
+            <a:r>
+              <a:rPr lang="hu-HU" sz="3200" b="1" i="0" dirty="0">
+                <a:solidFill>
+                  <a:srgbClr val="5019B3"/>
+                </a:solidFill>
+                <a:effectLst/>
+                <a:latin typeface="Rubik"/>
+              </a:rPr>
+              <a:t>Mi is az a </a:t>
+            </a:r>
+            <a:r>
+              <a:rPr lang="hu-HU" sz="3200" b="1" i="0" dirty="0" err="1">
+                <a:solidFill>
+                  <a:srgbClr val="5019B3"/>
+                </a:solidFill>
+                <a:effectLst/>
+                <a:latin typeface="Rubik"/>
+              </a:rPr>
+              <a:t>sprite</a:t>
+            </a:r>
+            <a:r>
+              <a:rPr lang="hu-HU" sz="3200" b="1" i="0" dirty="0">
+                <a:solidFill>
+                  <a:srgbClr val="5019B3"/>
+                </a:solidFill>
+                <a:effectLst/>
+                <a:latin typeface="Rubik"/>
+              </a:rPr>
+              <a:t>?</a:t>
+            </a:r>
+          </a:p>
+          <a:p>
+            <a:endParaRPr lang="hu-HU" dirty="0"/>
+          </a:p>
+        </p:txBody>
+      </p:sp>
+      <p:sp>
+        <p:nvSpPr>
+          <p:cNvPr id="8" name="Téglalap: lekerekített 7">
+            <a:extLst>
+              <a:ext uri="{FF2B5EF4-FFF2-40B4-BE49-F238E27FC236}">
+                <a16:creationId xmlns:a16="http://schemas.microsoft.com/office/drawing/2014/main" id="{104486A8-B0E8-F708-7D72-B551D3E54053}"/>
               </a:ext>
             </a:extLst>
           </p:cNvPr>
@@ -5388,32 +5257,23 @@
         </p:nvSpPr>
         <p:spPr>
           <a:xfrm>
-            <a:off x="4003674" y="2776540"/>
-            <a:ext cx="1054101" cy="419100"/>
+            <a:off x="6527687" y="3629018"/>
+            <a:ext cx="4784269" cy="2811242"/>
           </a:xfrm>
           <a:prstGeom prst="roundRect">
             <a:avLst>
-              <a:gd name="adj" fmla="val 50000"/>
+              <a:gd name="adj" fmla="val 4094"/>
             </a:avLst>
           </a:prstGeom>
-          <a:gradFill>
-            <a:gsLst>
-              <a:gs pos="38000">
-                <a:srgbClr val="FFA089"/>
-              </a:gs>
-              <a:gs pos="77000">
-                <a:srgbClr val="FFE8BD"/>
-              </a:gs>
-            </a:gsLst>
-            <a:lin ang="8400000" scaled="0"/>
-          </a:gradFill>
-          <a:ln>
+          <a:solidFill>
+            <a:schemeClr val="bg1">
+              <a:alpha val="80000"/>
+            </a:schemeClr>
+          </a:solidFill>
+          <a:ln w="120650" cap="sq">
             <a:noFill/>
             <a:round/>
           </a:ln>
-          <a:effectLst>
-            <a:softEdge rad="0"/>
-          </a:effectLst>
         </p:spPr>
         <p:style>
           <a:lnRef idx="2">
@@ -5436,16 +5296,101 @@
           <a:lstStyle/>
           <a:p>
             <a:pPr algn="ctr"/>
-            <a:endParaRPr lang="hu-HU"/>
-          </a:p>
-        </p:txBody>
-      </p:sp>
-      <p:sp>
-        <p:nvSpPr>
-          <p:cNvPr id="11" name="Téglalap: lekerekített 10">
-            <a:extLst>
-              <a:ext uri="{FF2B5EF4-FFF2-40B4-BE49-F238E27FC236}">
-                <a16:creationId xmlns:a16="http://schemas.microsoft.com/office/drawing/2014/main" id="{E73AD0B7-5CA4-7877-656D-4405E099FBC2}"/>
+            <a:endParaRPr lang="hu-HU" dirty="0"/>
+          </a:p>
+        </p:txBody>
+      </p:sp>
+      <p:pic>
+        <p:nvPicPr>
+          <p:cNvPr id="1026" name="Picture 2">
+            <a:extLst>
+              <a:ext uri="{FF2B5EF4-FFF2-40B4-BE49-F238E27FC236}">
+                <a16:creationId xmlns:a16="http://schemas.microsoft.com/office/drawing/2014/main" id="{7A82368D-859C-5EE3-8D89-77E6D75EAD7D}"/>
+              </a:ext>
+            </a:extLst>
+          </p:cNvPr>
+          <p:cNvPicPr>
+            <a:picLocks noChangeAspect="1" noChangeArrowheads="1"/>
+          </p:cNvPicPr>
+          <p:nvPr/>
+        </p:nvPicPr>
+        <p:blipFill>
+          <a:blip r:embed="rId2">
+            <a:extLst>
+              <a:ext uri="{28A0092B-C50C-407E-A947-70E740481C1C}">
+                <a14:useLocalDpi xmlns:a14="http://schemas.microsoft.com/office/drawing/2010/main" val="0"/>
+              </a:ext>
+            </a:extLst>
+          </a:blip>
+          <a:srcRect/>
+          <a:stretch>
+            <a:fillRect/>
+          </a:stretch>
+        </p:blipFill>
+        <p:spPr bwMode="auto">
+          <a:xfrm>
+            <a:off x="6725670" y="1166806"/>
+            <a:ext cx="4388302" cy="1234210"/>
+          </a:xfrm>
+          <a:prstGeom prst="rect">
+            <a:avLst/>
+          </a:prstGeom>
+          <a:noFill/>
+          <a:extLst>
+            <a:ext uri="{909E8E84-426E-40DD-AFC4-6F175D3DCCD1}">
+              <a14:hiddenFill xmlns:a14="http://schemas.microsoft.com/office/drawing/2010/main">
+                <a:solidFill>
+                  <a:srgbClr val="FFFFFF"/>
+                </a:solidFill>
+              </a14:hiddenFill>
+            </a:ext>
+          </a:extLst>
+        </p:spPr>
+      </p:pic>
+    </p:spTree>
+    <p:extLst>
+      <p:ext uri="{BB962C8B-B14F-4D97-AF65-F5344CB8AC3E}">
+        <p14:creationId xmlns:p14="http://schemas.microsoft.com/office/powerpoint/2010/main" val="2989583105"/>
+      </p:ext>
+    </p:extLst>
+  </p:cSld>
+  <p:clrMapOvr>
+    <a:masterClrMapping/>
+  </p:clrMapOvr>
+</p:sld>
+</file>
+
+<file path=ppt/slides/slide3.xml><?xml version="1.0" encoding="utf-8"?>
+<p:sld xmlns:a="http://schemas.openxmlformats.org/drawingml/2006/main" xmlns:r="http://schemas.openxmlformats.org/officeDocument/2006/relationships" xmlns:p="http://schemas.openxmlformats.org/presentationml/2006/main">
+  <p:cSld>
+    <p:bg>
+      <p:bgPr>
+        <a:solidFill>
+          <a:srgbClr val="5019B3"/>
+        </a:solidFill>
+        <a:effectLst/>
+      </p:bgPr>
+    </p:bg>
+    <p:spTree>
+      <p:nvGrpSpPr>
+        <p:cNvPr id="1" name=""/>
+        <p:cNvGrpSpPr/>
+        <p:nvPr/>
+      </p:nvGrpSpPr>
+      <p:grpSpPr>
+        <a:xfrm>
+          <a:off x="0" y="0"/>
+          <a:ext cx="0" cy="0"/>
+          <a:chOff x="0" y="0"/>
+          <a:chExt cx="0" cy="0"/>
+        </a:xfrm>
+      </p:grpSpPr>
+      <p:sp>
+        <p:nvSpPr>
+          <p:cNvPr id="4" name="Téglalap: lekerekített 3">
+            <a:extLst>
+              <a:ext uri="{FF2B5EF4-FFF2-40B4-BE49-F238E27FC236}">
+                <a16:creationId xmlns:a16="http://schemas.microsoft.com/office/drawing/2014/main" id="{BC187220-8284-1B2B-8CE3-7C613265D444}"/>
               </a:ext>
             </a:extLst>
           </p:cNvPr>
@@ -5454,24 +5399,23 @@
         </p:nvSpPr>
         <p:spPr>
           <a:xfrm>
-            <a:off x="4059239" y="3790951"/>
-            <a:ext cx="1031874" cy="414339"/>
+            <a:off x="880044" y="293914"/>
+            <a:ext cx="4784269" cy="6270171"/>
           </a:xfrm>
           <a:prstGeom prst="roundRect">
             <a:avLst>
-              <a:gd name="adj" fmla="val 50000"/>
+              <a:gd name="adj" fmla="val 4094"/>
             </a:avLst>
           </a:prstGeom>
           <a:solidFill>
-            <a:srgbClr val="FB8A8A"/>
+            <a:schemeClr val="bg1">
+              <a:alpha val="80000"/>
+            </a:schemeClr>
           </a:solidFill>
-          <a:ln>
+          <a:ln w="120650" cap="sq">
             <a:noFill/>
             <a:round/>
           </a:ln>
-          <a:effectLst>
-            <a:softEdge rad="0"/>
-          </a:effectLst>
         </p:spPr>
         <p:style>
           <a:lnRef idx="2">
@@ -5494,16 +5438,16 @@
           <a:lstStyle/>
           <a:p>
             <a:pPr algn="ctr"/>
-            <a:endParaRPr lang="hu-HU"/>
-          </a:p>
-        </p:txBody>
-      </p:sp>
-      <p:sp>
-        <p:nvSpPr>
-          <p:cNvPr id="12" name="Téglalap: lekerekített 11">
-            <a:extLst>
-              <a:ext uri="{FF2B5EF4-FFF2-40B4-BE49-F238E27FC236}">
-                <a16:creationId xmlns:a16="http://schemas.microsoft.com/office/drawing/2014/main" id="{1B9F179F-C0D6-6856-06A6-2FB61516E47A}"/>
+            <a:endParaRPr lang="hu-HU" dirty="0"/>
+          </a:p>
+        </p:txBody>
+      </p:sp>
+      <p:sp>
+        <p:nvSpPr>
+          <p:cNvPr id="5" name="Téglalap: lekerekített 4">
+            <a:extLst>
+              <a:ext uri="{FF2B5EF4-FFF2-40B4-BE49-F238E27FC236}">
+                <a16:creationId xmlns:a16="http://schemas.microsoft.com/office/drawing/2014/main" id="{B74CBF98-6A67-702F-008D-E30CBEB44963}"/>
               </a:ext>
             </a:extLst>
           </p:cNvPr>
@@ -5512,32 +5456,23 @@
         </p:nvSpPr>
         <p:spPr>
           <a:xfrm>
-            <a:off x="6307136" y="4830762"/>
-            <a:ext cx="1038226" cy="200025"/>
+            <a:off x="6527687" y="293914"/>
+            <a:ext cx="4784269" cy="6270170"/>
           </a:xfrm>
           <a:prstGeom prst="roundRect">
             <a:avLst>
-              <a:gd name="adj" fmla="val 50000"/>
+              <a:gd name="adj" fmla="val 4094"/>
             </a:avLst>
           </a:prstGeom>
-          <a:gradFill>
-            <a:gsLst>
-              <a:gs pos="38000">
-                <a:srgbClr val="FFA089"/>
-              </a:gs>
-              <a:gs pos="77000">
-                <a:srgbClr val="FFE8BD"/>
-              </a:gs>
-            </a:gsLst>
-            <a:lin ang="8400000" scaled="0"/>
-          </a:gradFill>
-          <a:ln>
+          <a:solidFill>
+            <a:schemeClr val="bg1">
+              <a:alpha val="80000"/>
+            </a:schemeClr>
+          </a:solidFill>
+          <a:ln w="120650" cap="sq">
             <a:noFill/>
             <a:round/>
           </a:ln>
-          <a:effectLst>
-            <a:softEdge rad="0"/>
-          </a:effectLst>
         </p:spPr>
         <p:style>
           <a:lnRef idx="2">
@@ -5566,10 +5501,199 @@
       </p:sp>
       <p:sp>
         <p:nvSpPr>
-          <p:cNvPr id="13" name="Téglalap: lekerekített 12">
-            <a:extLst>
-              <a:ext uri="{FF2B5EF4-FFF2-40B4-BE49-F238E27FC236}">
-                <a16:creationId xmlns:a16="http://schemas.microsoft.com/office/drawing/2014/main" id="{42A7C8FD-E660-C1DD-330D-8F9FF02129DD}"/>
+          <p:cNvPr id="6" name="Szövegdoboz 5">
+            <a:extLst>
+              <a:ext uri="{FF2B5EF4-FFF2-40B4-BE49-F238E27FC236}">
+                <a16:creationId xmlns:a16="http://schemas.microsoft.com/office/drawing/2014/main" id="{5B6AC857-2A98-66B3-8AC9-33FBAB3EDDF5}"/>
+              </a:ext>
+            </a:extLst>
+          </p:cNvPr>
+          <p:cNvSpPr txBox="1"/>
+          <p:nvPr/>
+        </p:nvSpPr>
+        <p:spPr>
+          <a:xfrm>
+            <a:off x="1128030" y="1597693"/>
+            <a:ext cx="4095750" cy="2031325"/>
+          </a:xfrm>
+          <a:prstGeom prst="rect">
+            <a:avLst/>
+          </a:prstGeom>
+          <a:noFill/>
+        </p:spPr>
+        <p:txBody>
+          <a:bodyPr wrap="square" rtlCol="0">
+            <a:spAutoFit/>
+          </a:bodyPr>
+          <a:lstStyle/>
+          <a:p>
+            <a:pPr algn="just"/>
+            <a:r>
+              <a:rPr lang="en-US" b="1" i="0" dirty="0">
+                <a:solidFill>
+                  <a:srgbClr val="5019B3"/>
+                </a:solidFill>
+                <a:effectLst/>
+                <a:latin typeface="Rubik"/>
+              </a:rPr>
+              <a:t>In </a:t>
+            </a:r>
+            <a:r>
+              <a:rPr lang="en-US" b="1" i="0" dirty="0" err="1">
+                <a:solidFill>
+                  <a:srgbClr val="5019B3"/>
+                </a:solidFill>
+                <a:effectLst/>
+                <a:latin typeface="Rubik"/>
+              </a:rPr>
+              <a:t>Pygame</a:t>
+            </a:r>
+            <a:r>
+              <a:rPr lang="en-US" b="1" i="0" dirty="0">
+                <a:solidFill>
+                  <a:srgbClr val="5019B3"/>
+                </a:solidFill>
+                <a:effectLst/>
+                <a:latin typeface="Rubik"/>
+              </a:rPr>
+              <a:t>, a sprite is an object that represents a game element. It can be an image, animation, or any other visual element in a game. </a:t>
+            </a:r>
+            <a:r>
+              <a:rPr lang="en-US" b="1" i="0" dirty="0" err="1">
+                <a:solidFill>
+                  <a:srgbClr val="5019B3"/>
+                </a:solidFill>
+                <a:effectLst/>
+                <a:latin typeface="Rubik"/>
+              </a:rPr>
+              <a:t>Pygame</a:t>
+            </a:r>
+            <a:r>
+              <a:rPr lang="en-US" b="1" i="0" dirty="0">
+                <a:solidFill>
+                  <a:srgbClr val="5019B3"/>
+                </a:solidFill>
+                <a:effectLst/>
+                <a:latin typeface="Rubik"/>
+              </a:rPr>
+              <a:t> provides a Sprite class that you can use to create and manage sprites efficiently.</a:t>
+            </a:r>
+            <a:br>
+              <a:rPr lang="en-US" dirty="0"/>
+            </a:br>
+            <a:endParaRPr lang="hu-HU" dirty="0"/>
+          </a:p>
+        </p:txBody>
+      </p:sp>
+      <p:sp>
+        <p:nvSpPr>
+          <p:cNvPr id="7" name="Szövegdoboz 6">
+            <a:extLst>
+              <a:ext uri="{FF2B5EF4-FFF2-40B4-BE49-F238E27FC236}">
+                <a16:creationId xmlns:a16="http://schemas.microsoft.com/office/drawing/2014/main" id="{7819F685-963E-271F-BC1B-FDA54155C9CE}"/>
+              </a:ext>
+            </a:extLst>
+          </p:cNvPr>
+          <p:cNvSpPr txBox="1"/>
+          <p:nvPr/>
+        </p:nvSpPr>
+        <p:spPr>
+          <a:xfrm>
+            <a:off x="1647142" y="735919"/>
+            <a:ext cx="3057525" cy="861774"/>
+          </a:xfrm>
+          <a:prstGeom prst="rect">
+            <a:avLst/>
+          </a:prstGeom>
+          <a:noFill/>
+        </p:spPr>
+        <p:txBody>
+          <a:bodyPr wrap="square" rtlCol="0">
+            <a:spAutoFit/>
+          </a:bodyPr>
+          <a:lstStyle/>
+          <a:p>
+            <a:pPr algn="ctr"/>
+            <a:r>
+              <a:rPr lang="hu-HU" sz="3200" b="1" i="0" dirty="0">
+                <a:solidFill>
+                  <a:srgbClr val="5019B3"/>
+                </a:solidFill>
+                <a:effectLst/>
+                <a:latin typeface="Rubik"/>
+              </a:rPr>
+              <a:t>Mi is az a </a:t>
+            </a:r>
+            <a:r>
+              <a:rPr lang="hu-HU" sz="3200" b="1" i="0" dirty="0" err="1">
+                <a:solidFill>
+                  <a:srgbClr val="5019B3"/>
+                </a:solidFill>
+                <a:effectLst/>
+                <a:latin typeface="Rubik"/>
+              </a:rPr>
+              <a:t>sprite</a:t>
+            </a:r>
+            <a:r>
+              <a:rPr lang="hu-HU" sz="3200" b="1" i="0" dirty="0">
+                <a:solidFill>
+                  <a:srgbClr val="5019B3"/>
+                </a:solidFill>
+                <a:effectLst/>
+                <a:latin typeface="Rubik"/>
+              </a:rPr>
+              <a:t>?</a:t>
+            </a:r>
+          </a:p>
+          <a:p>
+            <a:endParaRPr lang="hu-HU" dirty="0"/>
+          </a:p>
+        </p:txBody>
+      </p:sp>
+    </p:spTree>
+    <p:extLst>
+      <p:ext uri="{BB962C8B-B14F-4D97-AF65-F5344CB8AC3E}">
+        <p14:creationId xmlns:p14="http://schemas.microsoft.com/office/powerpoint/2010/main" val="1827483191"/>
+      </p:ext>
+    </p:extLst>
+  </p:cSld>
+  <p:clrMapOvr>
+    <a:masterClrMapping/>
+  </p:clrMapOvr>
+</p:sld>
+</file>
+
+<file path=ppt/slides/slide4.xml><?xml version="1.0" encoding="utf-8"?>
+<p:sld xmlns:a="http://schemas.openxmlformats.org/drawingml/2006/main" xmlns:r="http://schemas.openxmlformats.org/officeDocument/2006/relationships" xmlns:p="http://schemas.openxmlformats.org/presentationml/2006/main">
+  <p:cSld>
+    <p:bg>
+      <p:bgPr>
+        <a:solidFill>
+          <a:srgbClr val="5019B3"/>
+        </a:solidFill>
+        <a:effectLst/>
+      </p:bgPr>
+    </p:bg>
+    <p:spTree>
+      <p:nvGrpSpPr>
+        <p:cNvPr id="1" name=""/>
+        <p:cNvGrpSpPr/>
+        <p:nvPr/>
+      </p:nvGrpSpPr>
+      <p:grpSpPr>
+        <a:xfrm>
+          <a:off x="0" y="0"/>
+          <a:ext cx="0" cy="0"/>
+          <a:chOff x="0" y="0"/>
+          <a:chExt cx="0" cy="0"/>
+        </a:xfrm>
+      </p:grpSpPr>
+      <p:sp>
+        <p:nvSpPr>
+          <p:cNvPr id="4" name="Téglalap: lekerekített 3">
+            <a:extLst>
+              <a:ext uri="{FF2B5EF4-FFF2-40B4-BE49-F238E27FC236}">
+                <a16:creationId xmlns:a16="http://schemas.microsoft.com/office/drawing/2014/main" id="{BC187220-8284-1B2B-8CE3-7C613265D444}"/>
               </a:ext>
             </a:extLst>
           </p:cNvPr>
@@ -5578,24 +5702,23 @@
         </p:nvSpPr>
         <p:spPr>
           <a:xfrm>
-            <a:off x="4386265" y="4514848"/>
-            <a:ext cx="746124" cy="200025"/>
+            <a:off x="880044" y="293914"/>
+            <a:ext cx="4784269" cy="6270171"/>
           </a:xfrm>
           <a:prstGeom prst="roundRect">
             <a:avLst>
-              <a:gd name="adj" fmla="val 50000"/>
+              <a:gd name="adj" fmla="val 4094"/>
             </a:avLst>
           </a:prstGeom>
           <a:solidFill>
-            <a:srgbClr val="FB8A8A"/>
+            <a:schemeClr val="bg1">
+              <a:alpha val="80000"/>
+            </a:schemeClr>
           </a:solidFill>
-          <a:ln>
+          <a:ln w="120650" cap="sq">
             <a:noFill/>
             <a:round/>
           </a:ln>
-          <a:effectLst>
-            <a:softEdge rad="0"/>
-          </a:effectLst>
         </p:spPr>
         <p:style>
           <a:lnRef idx="2">
@@ -5618,16 +5741,16 @@
           <a:lstStyle/>
           <a:p>
             <a:pPr algn="ctr"/>
-            <a:endParaRPr lang="hu-HU"/>
-          </a:p>
-        </p:txBody>
-      </p:sp>
-      <p:sp>
-        <p:nvSpPr>
-          <p:cNvPr id="14" name="Téglalap: lekerekített 13">
-            <a:extLst>
-              <a:ext uri="{FF2B5EF4-FFF2-40B4-BE49-F238E27FC236}">
-                <a16:creationId xmlns:a16="http://schemas.microsoft.com/office/drawing/2014/main" id="{2F51215C-9865-927A-E51C-C3176DB0DDB4}"/>
+            <a:endParaRPr lang="hu-HU" dirty="0"/>
+          </a:p>
+        </p:txBody>
+      </p:sp>
+      <p:sp>
+        <p:nvSpPr>
+          <p:cNvPr id="5" name="Téglalap: lekerekített 4">
+            <a:extLst>
+              <a:ext uri="{FF2B5EF4-FFF2-40B4-BE49-F238E27FC236}">
+                <a16:creationId xmlns:a16="http://schemas.microsoft.com/office/drawing/2014/main" id="{B74CBF98-6A67-702F-008D-E30CBEB44963}"/>
               </a:ext>
             </a:extLst>
           </p:cNvPr>
@@ -5636,32 +5759,23 @@
         </p:nvSpPr>
         <p:spPr>
           <a:xfrm>
-            <a:off x="6899277" y="2171702"/>
-            <a:ext cx="774699" cy="419100"/>
+            <a:off x="6527687" y="417740"/>
+            <a:ext cx="4784269" cy="2811242"/>
           </a:xfrm>
           <a:prstGeom prst="roundRect">
             <a:avLst>
-              <a:gd name="adj" fmla="val 50000"/>
+              <a:gd name="adj" fmla="val 4094"/>
             </a:avLst>
           </a:prstGeom>
-          <a:gradFill>
-            <a:gsLst>
-              <a:gs pos="38000">
-                <a:srgbClr val="FFA089"/>
-              </a:gs>
-              <a:gs pos="77000">
-                <a:srgbClr val="FFE8BD"/>
-              </a:gs>
-            </a:gsLst>
-            <a:lin ang="8400000" scaled="0"/>
-          </a:gradFill>
-          <a:ln>
+          <a:solidFill>
+            <a:schemeClr val="bg1">
+              <a:alpha val="80000"/>
+            </a:schemeClr>
+          </a:solidFill>
+          <a:ln w="120650" cap="sq">
             <a:noFill/>
             <a:round/>
           </a:ln>
-          <a:effectLst>
-            <a:softEdge rad="0"/>
-          </a:effectLst>
         </p:spPr>
         <p:style>
           <a:lnRef idx="2">
@@ -5684,16 +5798,167 @@
           <a:lstStyle/>
           <a:p>
             <a:pPr algn="ctr"/>
-            <a:endParaRPr lang="hu-HU"/>
-          </a:p>
-        </p:txBody>
-      </p:sp>
-      <p:sp>
-        <p:nvSpPr>
-          <p:cNvPr id="15" name="Téglalap: lekerekített 14">
-            <a:extLst>
-              <a:ext uri="{FF2B5EF4-FFF2-40B4-BE49-F238E27FC236}">
-                <a16:creationId xmlns:a16="http://schemas.microsoft.com/office/drawing/2014/main" id="{EF57FFDA-20CC-0E1D-F310-D2E72237D670}"/>
+            <a:endParaRPr lang="hu-HU" dirty="0"/>
+          </a:p>
+        </p:txBody>
+      </p:sp>
+      <p:sp>
+        <p:nvSpPr>
+          <p:cNvPr id="6" name="Szövegdoboz 5">
+            <a:extLst>
+              <a:ext uri="{FF2B5EF4-FFF2-40B4-BE49-F238E27FC236}">
+                <a16:creationId xmlns:a16="http://schemas.microsoft.com/office/drawing/2014/main" id="{5B6AC857-2A98-66B3-8AC9-33FBAB3EDDF5}"/>
+              </a:ext>
+            </a:extLst>
+          </p:cNvPr>
+          <p:cNvSpPr txBox="1"/>
+          <p:nvPr/>
+        </p:nvSpPr>
+        <p:spPr>
+          <a:xfrm>
+            <a:off x="1128030" y="1597693"/>
+            <a:ext cx="4095750" cy="2031325"/>
+          </a:xfrm>
+          <a:prstGeom prst="rect">
+            <a:avLst/>
+          </a:prstGeom>
+          <a:noFill/>
+        </p:spPr>
+        <p:txBody>
+          <a:bodyPr wrap="square" rtlCol="0">
+            <a:spAutoFit/>
+          </a:bodyPr>
+          <a:lstStyle/>
+          <a:p>
+            <a:pPr algn="just"/>
+            <a:r>
+              <a:rPr lang="en-US" b="1" i="0" dirty="0">
+                <a:solidFill>
+                  <a:srgbClr val="5019B3"/>
+                </a:solidFill>
+                <a:effectLst/>
+                <a:latin typeface="Rubik"/>
+              </a:rPr>
+              <a:t>In </a:t>
+            </a:r>
+            <a:r>
+              <a:rPr lang="en-US" b="1" i="0" dirty="0" err="1">
+                <a:solidFill>
+                  <a:srgbClr val="5019B3"/>
+                </a:solidFill>
+                <a:effectLst/>
+                <a:latin typeface="Rubik"/>
+              </a:rPr>
+              <a:t>Pygame</a:t>
+            </a:r>
+            <a:r>
+              <a:rPr lang="en-US" b="1" i="0" dirty="0">
+                <a:solidFill>
+                  <a:srgbClr val="5019B3"/>
+                </a:solidFill>
+                <a:effectLst/>
+                <a:latin typeface="Rubik"/>
+              </a:rPr>
+              <a:t>, a sprite is an object that represents a game element. It can be an image, animation, or any other visual element in a game. </a:t>
+            </a:r>
+            <a:r>
+              <a:rPr lang="en-US" b="1" i="0" dirty="0" err="1">
+                <a:solidFill>
+                  <a:srgbClr val="5019B3"/>
+                </a:solidFill>
+                <a:effectLst/>
+                <a:latin typeface="Rubik"/>
+              </a:rPr>
+              <a:t>Pygame</a:t>
+            </a:r>
+            <a:r>
+              <a:rPr lang="en-US" b="1" i="0" dirty="0">
+                <a:solidFill>
+                  <a:srgbClr val="5019B3"/>
+                </a:solidFill>
+                <a:effectLst/>
+                <a:latin typeface="Rubik"/>
+              </a:rPr>
+              <a:t> provides a Sprite class that you can use to create and manage sprites efficiently.</a:t>
+            </a:r>
+            <a:br>
+              <a:rPr lang="en-US" dirty="0"/>
+            </a:br>
+            <a:endParaRPr lang="hu-HU" dirty="0"/>
+          </a:p>
+        </p:txBody>
+      </p:sp>
+      <p:sp>
+        <p:nvSpPr>
+          <p:cNvPr id="7" name="Szövegdoboz 6">
+            <a:extLst>
+              <a:ext uri="{FF2B5EF4-FFF2-40B4-BE49-F238E27FC236}">
+                <a16:creationId xmlns:a16="http://schemas.microsoft.com/office/drawing/2014/main" id="{7819F685-963E-271F-BC1B-FDA54155C9CE}"/>
+              </a:ext>
+            </a:extLst>
+          </p:cNvPr>
+          <p:cNvSpPr txBox="1"/>
+          <p:nvPr/>
+        </p:nvSpPr>
+        <p:spPr>
+          <a:xfrm>
+            <a:off x="1647142" y="735919"/>
+            <a:ext cx="3057525" cy="861774"/>
+          </a:xfrm>
+          <a:prstGeom prst="rect">
+            <a:avLst/>
+          </a:prstGeom>
+          <a:noFill/>
+        </p:spPr>
+        <p:txBody>
+          <a:bodyPr wrap="square" rtlCol="0">
+            <a:spAutoFit/>
+          </a:bodyPr>
+          <a:lstStyle/>
+          <a:p>
+            <a:pPr algn="ctr"/>
+            <a:r>
+              <a:rPr lang="hu-HU" sz="3200" b="1" i="0" dirty="0">
+                <a:solidFill>
+                  <a:srgbClr val="5019B3"/>
+                </a:solidFill>
+                <a:effectLst/>
+                <a:latin typeface="Rubik"/>
+              </a:rPr>
+              <a:t>Mi is az a </a:t>
+            </a:r>
+            <a:r>
+              <a:rPr lang="hu-HU" sz="3200" b="1" i="0" dirty="0" err="1">
+                <a:solidFill>
+                  <a:srgbClr val="5019B3"/>
+                </a:solidFill>
+                <a:effectLst/>
+                <a:latin typeface="Rubik"/>
+              </a:rPr>
+              <a:t>sprite</a:t>
+            </a:r>
+            <a:r>
+              <a:rPr lang="hu-HU" sz="3200" b="1" i="0" dirty="0">
+                <a:solidFill>
+                  <a:srgbClr val="5019B3"/>
+                </a:solidFill>
+                <a:effectLst/>
+                <a:latin typeface="Rubik"/>
+              </a:rPr>
+              <a:t>?</a:t>
+            </a:r>
+          </a:p>
+          <a:p>
+            <a:endParaRPr lang="hu-HU" dirty="0"/>
+          </a:p>
+        </p:txBody>
+      </p:sp>
+      <p:sp>
+        <p:nvSpPr>
+          <p:cNvPr id="8" name="Téglalap: lekerekített 7">
+            <a:extLst>
+              <a:ext uri="{FF2B5EF4-FFF2-40B4-BE49-F238E27FC236}">
+                <a16:creationId xmlns:a16="http://schemas.microsoft.com/office/drawing/2014/main" id="{104486A8-B0E8-F708-7D72-B551D3E54053}"/>
               </a:ext>
             </a:extLst>
           </p:cNvPr>
@@ -5702,32 +5967,23 @@
         </p:nvSpPr>
         <p:spPr>
           <a:xfrm>
-            <a:off x="4759327" y="5143499"/>
-            <a:ext cx="895352" cy="200025"/>
+            <a:off x="6527687" y="3629018"/>
+            <a:ext cx="4784269" cy="2811242"/>
           </a:xfrm>
           <a:prstGeom prst="roundRect">
             <a:avLst>
-              <a:gd name="adj" fmla="val 50000"/>
+              <a:gd name="adj" fmla="val 4094"/>
             </a:avLst>
           </a:prstGeom>
-          <a:gradFill>
-            <a:gsLst>
-              <a:gs pos="38000">
-                <a:srgbClr val="EA73FF"/>
-              </a:gs>
-              <a:gs pos="77000">
-                <a:srgbClr val="8077EA"/>
-              </a:gs>
-            </a:gsLst>
-            <a:lin ang="12600000" scaled="0"/>
-          </a:gradFill>
-          <a:ln>
+          <a:solidFill>
+            <a:schemeClr val="bg1">
+              <a:alpha val="80000"/>
+            </a:schemeClr>
+          </a:solidFill>
+          <a:ln w="120650" cap="sq">
             <a:noFill/>
             <a:round/>
           </a:ln>
-          <a:effectLst>
-            <a:softEdge rad="0"/>
-          </a:effectLst>
         </p:spPr>
         <p:style>
           <a:lnRef idx="2">
@@ -5754,334 +6010,151 @@
           </a:p>
         </p:txBody>
       </p:sp>
-      <p:sp>
-        <p:nvSpPr>
-          <p:cNvPr id="10" name="Téglalap: lekerekített 9">
-            <a:extLst>
-              <a:ext uri="{FF2B5EF4-FFF2-40B4-BE49-F238E27FC236}">
-                <a16:creationId xmlns:a16="http://schemas.microsoft.com/office/drawing/2014/main" id="{21A2C1A2-6203-CD38-74DE-D78075CFCB24}"/>
-              </a:ext>
-            </a:extLst>
-          </p:cNvPr>
-          <p:cNvSpPr/>
+      <p:pic>
+        <p:nvPicPr>
+          <p:cNvPr id="1026" name="Picture 2">
+            <a:extLst>
+              <a:ext uri="{FF2B5EF4-FFF2-40B4-BE49-F238E27FC236}">
+                <a16:creationId xmlns:a16="http://schemas.microsoft.com/office/drawing/2014/main" id="{7A82368D-859C-5EE3-8D89-77E6D75EAD7D}"/>
+              </a:ext>
+            </a:extLst>
+          </p:cNvPr>
+          <p:cNvPicPr>
+            <a:picLocks noChangeAspect="1" noChangeArrowheads="1"/>
+          </p:cNvPicPr>
           <p:nvPr/>
-        </p:nvSpPr>
-        <p:spPr>
+        </p:nvPicPr>
+        <p:blipFill>
+          <a:blip r:embed="rId2">
+            <a:extLst>
+              <a:ext uri="{28A0092B-C50C-407E-A947-70E740481C1C}">
+                <a14:useLocalDpi xmlns:a14="http://schemas.microsoft.com/office/drawing/2010/main" val="0"/>
+              </a:ext>
+            </a:extLst>
+          </a:blip>
+          <a:srcRect/>
+          <a:stretch>
+            <a:fillRect/>
+          </a:stretch>
+        </p:blipFill>
+        <p:spPr bwMode="auto">
           <a:xfrm>
-            <a:off x="6684962" y="2776539"/>
-            <a:ext cx="774700" cy="200025"/>
+            <a:off x="6725670" y="1166806"/>
+            <a:ext cx="4388302" cy="1234210"/>
           </a:xfrm>
-          <a:prstGeom prst="roundRect">
-            <a:avLst>
-              <a:gd name="adj" fmla="val 50000"/>
-            </a:avLst>
+          <a:prstGeom prst="rect">
+            <a:avLst/>
           </a:prstGeom>
-          <a:solidFill>
-            <a:srgbClr val="FB8A8A"/>
-          </a:solidFill>
-          <a:ln>
-            <a:noFill/>
-            <a:round/>
-          </a:ln>
-          <a:effectLst>
-            <a:softEdge rad="0"/>
-          </a:effectLst>
+          <a:noFill/>
+          <a:extLst>
+            <a:ext uri="{909E8E84-426E-40DD-AFC4-6F175D3DCCD1}">
+              <a14:hiddenFill xmlns:a14="http://schemas.microsoft.com/office/drawing/2010/main">
+                <a:solidFill>
+                  <a:srgbClr val="FFFFFF"/>
+                </a:solidFill>
+              </a14:hiddenFill>
+            </a:ext>
+          </a:extLst>
         </p:spPr>
-        <p:style>
-          <a:lnRef idx="2">
-            <a:schemeClr val="accent1">
-              <a:shade val="15000"/>
-            </a:schemeClr>
-          </a:lnRef>
-          <a:fillRef idx="1">
-            <a:schemeClr val="accent1"/>
-          </a:fillRef>
-          <a:effectRef idx="0">
-            <a:schemeClr val="accent1"/>
-          </a:effectRef>
-          <a:fontRef idx="minor">
-            <a:schemeClr val="lt1"/>
-          </a:fontRef>
-        </p:style>
-        <p:txBody>
-          <a:bodyPr rtlCol="0" anchor="ctr"/>
-          <a:lstStyle/>
-          <a:p>
-            <a:pPr algn="ctr"/>
-            <a:endParaRPr lang="hu-HU"/>
-          </a:p>
-        </p:txBody>
-      </p:sp>
+      </p:pic>
     </p:spTree>
     <p:extLst>
       <p:ext uri="{BB962C8B-B14F-4D97-AF65-F5344CB8AC3E}">
-        <p14:creationId xmlns:p14="http://schemas.microsoft.com/office/powerpoint/2010/main" val="4064337359"/>
+        <p14:creationId xmlns:p14="http://schemas.microsoft.com/office/powerpoint/2010/main" val="2433985320"/>
       </p:ext>
     </p:extLst>
   </p:cSld>
   <p:clrMapOvr>
     <a:masterClrMapping/>
   </p:clrMapOvr>
-  <p:timing>
-    <p:tnLst>
-      <p:par>
-        <p:cTn id="1" dur="indefinite" restart="never" nodeType="tmRoot">
-          <p:childTnLst>
-            <p:seq concurrent="1" nextAc="seek">
-              <p:cTn id="2" dur="indefinite" nodeType="mainSeq">
-                <p:childTnLst>
-                  <p:par>
-                    <p:cTn id="3" fill="hold">
-                      <p:stCondLst>
-                        <p:cond delay="indefinite"/>
-                        <p:cond evt="onBegin" delay="0">
-                          <p:tn val="2"/>
-                        </p:cond>
-                      </p:stCondLst>
-                      <p:childTnLst>
-                        <p:par>
-                          <p:cTn id="4" fill="hold">
-                            <p:stCondLst>
-                              <p:cond delay="0"/>
-                            </p:stCondLst>
-                            <p:childTnLst>
-                              <p:par>
-                                <p:cTn id="5" presetID="35" presetClass="path" presetSubtype="0" repeatCount="indefinite" accel="50000" decel="50000" autoRev="1" fill="hold" grpId="0" nodeType="withEffect">
-                                  <p:stCondLst>
-                                    <p:cond delay="600"/>
-                                  </p:stCondLst>
-                                  <p:childTnLst>
-                                    <p:animMotion origin="layout" path="M 4.16667E-6 -1.48148E-6 L -0.13204 -0.00092 " pathEditMode="relative" rAng="0" ptsTypes="AA">
-                                      <p:cBhvr>
-                                        <p:cTn id="6" dur="2000" fill="hold"/>
-                                        <p:tgtEl>
-                                          <p:spTgt spid="12"/>
-                                        </p:tgtEl>
-                                        <p:attrNameLst>
-                                          <p:attrName>ppt_x</p:attrName>
-                                          <p:attrName>ppt_y</p:attrName>
-                                        </p:attrNameLst>
-                                      </p:cBhvr>
-                                      <p:rCtr x="-6602" y="-46"/>
-                                    </p:animMotion>
-                                  </p:childTnLst>
-                                </p:cTn>
-                              </p:par>
-                              <p:par>
-                                <p:cTn id="7" presetID="35" presetClass="path" presetSubtype="0" repeatCount="indefinite" accel="50000" decel="50000" autoRev="1" fill="hold" grpId="0" nodeType="withEffect">
-                                  <p:stCondLst>
-                                    <p:cond delay="0"/>
-                                  </p:stCondLst>
-                                  <p:childTnLst>
-                                    <p:animMotion origin="layout" path="M -1.25E-6 -2.96296E-6 L -0.20104 -2.96296E-6 " pathEditMode="relative" rAng="0" ptsTypes="AA">
-                                      <p:cBhvr>
-                                        <p:cTn id="8" dur="2000" fill="hold"/>
-                                        <p:tgtEl>
-                                          <p:spTgt spid="4"/>
-                                        </p:tgtEl>
-                                        <p:attrNameLst>
-                                          <p:attrName>ppt_x</p:attrName>
-                                          <p:attrName>ppt_y</p:attrName>
-                                        </p:attrNameLst>
-                                      </p:cBhvr>
-                                      <p:rCtr x="-10052" y="0"/>
-                                    </p:animMotion>
-                                  </p:childTnLst>
-                                </p:cTn>
-                              </p:par>
-                              <p:par>
-                                <p:cTn id="9" presetID="35" presetClass="path" presetSubtype="0" repeatCount="indefinite" accel="50000" decel="50000" autoRev="1" fill="hold" grpId="0" nodeType="withEffect">
-                                  <p:stCondLst>
-                                    <p:cond delay="1500"/>
-                                  </p:stCondLst>
-                                  <p:childTnLst>
-                                    <p:animMotion origin="layout" path="M 3.33333E-6 4.44444E-6 L -0.16354 0.00069 " pathEditMode="relative" rAng="0" ptsTypes="AA">
-                                      <p:cBhvr>
-                                        <p:cTn id="10" dur="2000" fill="hold"/>
-                                        <p:tgtEl>
-                                          <p:spTgt spid="8"/>
-                                        </p:tgtEl>
-                                        <p:attrNameLst>
-                                          <p:attrName>ppt_x</p:attrName>
-                                          <p:attrName>ppt_y</p:attrName>
-                                        </p:attrNameLst>
-                                      </p:cBhvr>
-                                      <p:rCtr x="-8177" y="23"/>
-                                    </p:animMotion>
-                                  </p:childTnLst>
-                                </p:cTn>
-                              </p:par>
-                              <p:par>
-                                <p:cTn id="11" presetID="35" presetClass="path" presetSubtype="0" repeatCount="indefinite" accel="50000" decel="50000" autoRev="1" fill="hold" grpId="0" nodeType="withEffect">
-                                  <p:stCondLst>
-                                    <p:cond delay="500"/>
-                                  </p:stCondLst>
-                                  <p:childTnLst>
-                                    <p:animMotion origin="layout" path="M 1.875E-6 -4.44444E-6 L -0.18685 -4.44444E-6 " pathEditMode="relative" rAng="0" ptsTypes="AA">
-                                      <p:cBhvr>
-                                        <p:cTn id="12" dur="1000" fill="hold"/>
-                                        <p:tgtEl>
-                                          <p:spTgt spid="10"/>
-                                        </p:tgtEl>
-                                        <p:attrNameLst>
-                                          <p:attrName>ppt_x</p:attrName>
-                                          <p:attrName>ppt_y</p:attrName>
-                                        </p:attrNameLst>
-                                      </p:cBhvr>
-                                      <p:rCtr x="-9349" y="0"/>
-                                    </p:animMotion>
-                                  </p:childTnLst>
-                                </p:cTn>
-                              </p:par>
-                              <p:par>
-                                <p:cTn id="13" presetID="63" presetClass="path" presetSubtype="0" repeatCount="indefinite" accel="50000" decel="50000" autoRev="1" fill="hold" grpId="0" nodeType="withEffect">
-                                  <p:stCondLst>
-                                    <p:cond delay="900"/>
-                                  </p:stCondLst>
-                                  <p:childTnLst>
-                                    <p:animMotion origin="layout" path="M -4.58333E-6 3.33333E-6 L 0.25 3.33333E-6 " pathEditMode="relative" rAng="0" ptsTypes="AA">
-                                      <p:cBhvr>
-                                        <p:cTn id="14" dur="2000" fill="hold"/>
-                                        <p:tgtEl>
-                                          <p:spTgt spid="9"/>
-                                        </p:tgtEl>
-                                        <p:attrNameLst>
-                                          <p:attrName>ppt_x</p:attrName>
-                                          <p:attrName>ppt_y</p:attrName>
-                                        </p:attrNameLst>
-                                      </p:cBhvr>
-                                      <p:rCtr x="12500" y="0"/>
-                                    </p:animMotion>
-                                  </p:childTnLst>
-                                </p:cTn>
-                              </p:par>
-                              <p:par>
-                                <p:cTn id="15" presetID="63" presetClass="path" presetSubtype="0" repeatCount="indefinite" accel="50000" decel="50000" autoRev="1" fill="hold" grpId="0" nodeType="withEffect">
-                                  <p:stCondLst>
-                                    <p:cond delay="700"/>
-                                  </p:stCondLst>
-                                  <p:childTnLst>
-                                    <p:animMotion origin="layout" path="M -4.16667E-7 -3.7037E-7 L 0.20534 -3.7037E-7 " pathEditMode="relative" rAng="0" ptsTypes="AA">
-                                      <p:cBhvr>
-                                        <p:cTn id="16" dur="2000" fill="hold"/>
-                                        <p:tgtEl>
-                                          <p:spTgt spid="11"/>
-                                        </p:tgtEl>
-                                        <p:attrNameLst>
-                                          <p:attrName>ppt_x</p:attrName>
-                                          <p:attrName>ppt_y</p:attrName>
-                                        </p:attrNameLst>
-                                      </p:cBhvr>
-                                      <p:rCtr x="10260" y="0"/>
-                                    </p:animMotion>
-                                  </p:childTnLst>
-                                </p:cTn>
-                              </p:par>
-                              <p:par>
-                                <p:cTn id="17" presetID="63" presetClass="path" presetSubtype="0" repeatCount="indefinite" accel="50000" decel="50000" autoRev="1" fill="hold" grpId="0" nodeType="withEffect">
-                                  <p:stCondLst>
-                                    <p:cond delay="0"/>
-                                  </p:stCondLst>
-                                  <p:childTnLst>
-                                    <p:animMotion origin="layout" path="M -4.58333E-6 3.33333E-6 L 0.25 3.33333E-6 " pathEditMode="relative" rAng="0" ptsTypes="AA">
-                                      <p:cBhvr>
-                                        <p:cTn id="18" dur="2000" fill="hold"/>
-                                        <p:tgtEl>
-                                          <p:spTgt spid="13"/>
-                                        </p:tgtEl>
-                                        <p:attrNameLst>
-                                          <p:attrName>ppt_x</p:attrName>
-                                          <p:attrName>ppt_y</p:attrName>
-                                        </p:attrNameLst>
-                                      </p:cBhvr>
-                                      <p:rCtr x="12500" y="0"/>
-                                    </p:animMotion>
-                                  </p:childTnLst>
-                                </p:cTn>
-                              </p:par>
-                              <p:par>
-                                <p:cTn id="19" presetID="63" presetClass="path" presetSubtype="0" repeatCount="indefinite" accel="50000" decel="50000" autoRev="1" fill="hold" grpId="0" nodeType="withEffect">
-                                  <p:stCondLst>
-                                    <p:cond delay="20"/>
-                                  </p:stCondLst>
-                                  <p:childTnLst>
-                                    <p:animMotion origin="layout" path="M -3.33333E-6 -3.33333E-6 L 0.14948 -3.33333E-6 " pathEditMode="relative" rAng="0" ptsTypes="AA">
-                                      <p:cBhvr>
-                                        <p:cTn id="20" dur="2000" fill="hold"/>
-                                        <p:tgtEl>
-                                          <p:spTgt spid="15"/>
-                                        </p:tgtEl>
-                                        <p:attrNameLst>
-                                          <p:attrName>ppt_x</p:attrName>
-                                          <p:attrName>ppt_y</p:attrName>
-                                        </p:attrNameLst>
-                                      </p:cBhvr>
-                                      <p:rCtr x="7474" y="0"/>
-                                    </p:animMotion>
-                                  </p:childTnLst>
-                                </p:cTn>
-                              </p:par>
-                              <p:par>
-                                <p:cTn id="21" presetID="35" presetClass="path" presetSubtype="0" repeatCount="indefinite" accel="50000" decel="50000" autoRev="1" fill="hold" grpId="1" nodeType="withEffect">
-                                  <p:stCondLst>
-                                    <p:cond delay="100"/>
-                                  </p:stCondLst>
-                                  <p:childTnLst>
-                                    <p:animMotion origin="layout" path="M 3.75E-6 -2.22222E-6 L -0.1961 -2.22222E-6 " pathEditMode="relative" rAng="0" ptsTypes="AA">
-                                      <p:cBhvr>
-                                        <p:cTn id="22" dur="2000" fill="hold"/>
-                                        <p:tgtEl>
-                                          <p:spTgt spid="14"/>
-                                        </p:tgtEl>
-                                        <p:attrNameLst>
-                                          <p:attrName>ppt_x</p:attrName>
-                                          <p:attrName>ppt_y</p:attrName>
-                                        </p:attrNameLst>
-                                      </p:cBhvr>
-                                      <p:rCtr x="-9805" y="0"/>
-                                    </p:animMotion>
-                                  </p:childTnLst>
-                                </p:cTn>
-                              </p:par>
-                            </p:childTnLst>
-                          </p:cTn>
-                        </p:par>
-                      </p:childTnLst>
-                    </p:cTn>
-                  </p:par>
-                </p:childTnLst>
-              </p:cTn>
-              <p:prevCondLst>
-                <p:cond evt="onPrev" delay="0">
-                  <p:tgtEl>
-                    <p:sldTgt/>
-                  </p:tgtEl>
-                </p:cond>
-              </p:prevCondLst>
-              <p:nextCondLst>
-                <p:cond evt="onNext" delay="0">
-                  <p:tgtEl>
-                    <p:sldTgt/>
-                  </p:tgtEl>
-                </p:cond>
-              </p:nextCondLst>
-            </p:seq>
-          </p:childTnLst>
-        </p:cTn>
-      </p:par>
-    </p:tnLst>
-    <p:bldLst>
-      <p:bldP spid="4" grpId="0" animBg="1"/>
-      <p:bldP spid="8" grpId="0" animBg="1"/>
-      <p:bldP spid="9" grpId="0" animBg="1"/>
-      <p:bldP spid="11" grpId="0" animBg="1"/>
-      <p:bldP spid="12" grpId="0" animBg="1"/>
-      <p:bldP spid="13" grpId="0" animBg="1"/>
-      <p:bldP spid="14" grpId="1" animBg="1"/>
-      <p:bldP spid="15" grpId="0" animBg="1"/>
-      <p:bldP spid="10" grpId="0" animBg="1"/>
-    </p:bldLst>
-  </p:timing>
+</p:sld>
+</file>
+
+<file path=ppt/slides/slide5.xml><?xml version="1.0" encoding="utf-8"?>
+<p:sld xmlns:a="http://schemas.openxmlformats.org/drawingml/2006/main" xmlns:r="http://schemas.openxmlformats.org/officeDocument/2006/relationships" xmlns:p="http://schemas.openxmlformats.org/presentationml/2006/main">
+  <p:cSld>
+    <p:bg>
+      <p:bgPr>
+        <a:solidFill>
+          <a:srgbClr val="5019B3"/>
+        </a:solidFill>
+        <a:effectLst/>
+      </p:bgPr>
+    </p:bg>
+    <p:spTree>
+      <p:nvGrpSpPr>
+        <p:cNvPr id="1" name=""/>
+        <p:cNvGrpSpPr/>
+        <p:nvPr/>
+      </p:nvGrpSpPr>
+      <p:grpSpPr>
+        <a:xfrm>
+          <a:off x="0" y="0"/>
+          <a:ext cx="0" cy="0"/>
+          <a:chOff x="0" y="0"/>
+          <a:chExt cx="0" cy="0"/>
+        </a:xfrm>
+      </p:grpSpPr>
+      <p:sp>
+        <p:nvSpPr>
+          <p:cNvPr id="2" name="Cím 1">
+            <a:extLst>
+              <a:ext uri="{FF2B5EF4-FFF2-40B4-BE49-F238E27FC236}">
+                <a16:creationId xmlns:a16="http://schemas.microsoft.com/office/drawing/2014/main" id="{D1CE9B8A-DB08-5227-4E90-0FE396A4D141}"/>
+              </a:ext>
+            </a:extLst>
+          </p:cNvPr>
+          <p:cNvSpPr>
+            <a:spLocks noGrp="1"/>
+          </p:cNvSpPr>
+          <p:nvPr>
+            <p:ph type="ctrTitle"/>
+          </p:nvPr>
+        </p:nvSpPr>
+        <p:spPr/>
+        <p:txBody>
+          <a:bodyPr/>
+          <a:lstStyle/>
+          <a:p>
+            <a:endParaRPr lang="hu-HU"/>
+          </a:p>
+        </p:txBody>
+      </p:sp>
+      <p:sp>
+        <p:nvSpPr>
+          <p:cNvPr id="3" name="Alcím 2">
+            <a:extLst>
+              <a:ext uri="{FF2B5EF4-FFF2-40B4-BE49-F238E27FC236}">
+                <a16:creationId xmlns:a16="http://schemas.microsoft.com/office/drawing/2014/main" id="{33E051B4-6ACD-E318-EC79-47D89175A6C0}"/>
+              </a:ext>
+            </a:extLst>
+          </p:cNvPr>
+          <p:cNvSpPr>
+            <a:spLocks noGrp="1"/>
+          </p:cNvSpPr>
+          <p:nvPr>
+            <p:ph type="subTitle" idx="1"/>
+          </p:nvPr>
+        </p:nvSpPr>
+        <p:spPr/>
+        <p:txBody>
+          <a:bodyPr/>
+          <a:lstStyle/>
+          <a:p>
+            <a:endParaRPr lang="hu-HU"/>
+          </a:p>
+        </p:txBody>
+      </p:sp>
+    </p:spTree>
+    <p:extLst>
+      <p:ext uri="{BB962C8B-B14F-4D97-AF65-F5344CB8AC3E}">
+        <p14:creationId xmlns:p14="http://schemas.microsoft.com/office/powerpoint/2010/main" val="605018872"/>
+      </p:ext>
+    </p:extLst>
+  </p:cSld>
+  <p:clrMapOvr>
+    <a:masterClrMapping/>
+  </p:clrMapOvr>
 </p:sld>
 </file>
 

--- a/Prezentáció.pptx
+++ b/Prezentáció.pptx
@@ -9,10 +9,10 @@
   </p:notesMasterIdLst>
   <p:sldIdLst>
     <p:sldId id="261" r:id="rId2"/>
-    <p:sldId id="263" r:id="rId3"/>
+    <p:sldId id="266" r:id="rId3"/>
     <p:sldId id="265" r:id="rId4"/>
-    <p:sldId id="266" r:id="rId5"/>
-    <p:sldId id="264" r:id="rId6"/>
+    <p:sldId id="264" r:id="rId5"/>
+    <p:sldId id="267" r:id="rId6"/>
   </p:sldIdLst>
   <p:sldSz cx="12192000" cy="6858000"/>
   <p:notesSz cx="6858000" cy="9144000"/>
@@ -216,7 +216,7 @@
           <a:p>
             <a:fld id="{045CADAF-2C59-4E58-A455-8868FC9726FC}" type="datetimeFigureOut">
               <a:rPr lang="hu-HU" smtClean="0"/>
-              <a:t>2024. 01. 24.</a:t>
+              <a:t>2024. 01. 25.</a:t>
             </a:fld>
             <a:endParaRPr lang="hu-HU"/>
           </a:p>
@@ -505,7 +505,7 @@
           <p:cNvPr id="2" name="Cím 1">
             <a:extLst>
               <a:ext uri="{FF2B5EF4-FFF2-40B4-BE49-F238E27FC236}">
-                <a16:creationId xmlns:a16="http://schemas.microsoft.com/office/drawing/2014/main" id="{79B6456A-B89F-DB5E-FE02-0F1DA12AD99C}"/>
+                <a16:creationId xmlns:a16="http://schemas.microsoft.com/office/drawing/2014/main" xmlns="" id="{79B6456A-B89F-DB5E-FE02-0F1DA12AD99C}"/>
               </a:ext>
             </a:extLst>
           </p:cNvPr>
@@ -542,7 +542,7 @@
           <p:cNvPr id="3" name="Alcím 2">
             <a:extLst>
               <a:ext uri="{FF2B5EF4-FFF2-40B4-BE49-F238E27FC236}">
-                <a16:creationId xmlns:a16="http://schemas.microsoft.com/office/drawing/2014/main" id="{A6DE1E2A-F8A7-5B84-A151-03A46EFC33A0}"/>
+                <a16:creationId xmlns:a16="http://schemas.microsoft.com/office/drawing/2014/main" xmlns="" id="{A6DE1E2A-F8A7-5B84-A151-03A46EFC33A0}"/>
               </a:ext>
             </a:extLst>
           </p:cNvPr>
@@ -612,7 +612,7 @@
           <p:cNvPr id="4" name="Dátum helye 3">
             <a:extLst>
               <a:ext uri="{FF2B5EF4-FFF2-40B4-BE49-F238E27FC236}">
-                <a16:creationId xmlns:a16="http://schemas.microsoft.com/office/drawing/2014/main" id="{F980237B-C6D6-EEEC-6B52-84C67949BF3B}"/>
+                <a16:creationId xmlns:a16="http://schemas.microsoft.com/office/drawing/2014/main" xmlns="" id="{F980237B-C6D6-EEEC-6B52-84C67949BF3B}"/>
               </a:ext>
             </a:extLst>
           </p:cNvPr>
@@ -630,7 +630,7 @@
           <a:p>
             <a:fld id="{8E532DDB-289F-42C2-8F57-09A656E29423}" type="datetimeFigureOut">
               <a:rPr lang="hu-HU" smtClean="0"/>
-              <a:t>2024. 01. 24.</a:t>
+              <a:t>2024. 01. 25.</a:t>
             </a:fld>
             <a:endParaRPr lang="hu-HU"/>
           </a:p>
@@ -641,7 +641,7 @@
           <p:cNvPr id="5" name="Élőláb helye 4">
             <a:extLst>
               <a:ext uri="{FF2B5EF4-FFF2-40B4-BE49-F238E27FC236}">
-                <a16:creationId xmlns:a16="http://schemas.microsoft.com/office/drawing/2014/main" id="{28C59F81-E057-3434-B32E-2F293C18052C}"/>
+                <a16:creationId xmlns:a16="http://schemas.microsoft.com/office/drawing/2014/main" xmlns="" id="{28C59F81-E057-3434-B32E-2F293C18052C}"/>
               </a:ext>
             </a:extLst>
           </p:cNvPr>
@@ -666,7 +666,7 @@
           <p:cNvPr id="6" name="Dia számának helye 5">
             <a:extLst>
               <a:ext uri="{FF2B5EF4-FFF2-40B4-BE49-F238E27FC236}">
-                <a16:creationId xmlns:a16="http://schemas.microsoft.com/office/drawing/2014/main" id="{C1AF783E-2A3F-DDD6-8CA2-C976E1B0C6A1}"/>
+                <a16:creationId xmlns:a16="http://schemas.microsoft.com/office/drawing/2014/main" xmlns="" id="{C1AF783E-2A3F-DDD6-8CA2-C976E1B0C6A1}"/>
               </a:ext>
             </a:extLst>
           </p:cNvPr>
@@ -725,7 +725,7 @@
           <p:cNvPr id="2" name="Cím 1">
             <a:extLst>
               <a:ext uri="{FF2B5EF4-FFF2-40B4-BE49-F238E27FC236}">
-                <a16:creationId xmlns:a16="http://schemas.microsoft.com/office/drawing/2014/main" id="{DDA30CDC-3A8E-3316-F1FC-A9220E50C37B}"/>
+                <a16:creationId xmlns:a16="http://schemas.microsoft.com/office/drawing/2014/main" xmlns="" id="{DDA30CDC-3A8E-3316-F1FC-A9220E50C37B}"/>
               </a:ext>
             </a:extLst>
           </p:cNvPr>
@@ -753,7 +753,7 @@
           <p:cNvPr id="3" name="Függőleges szöveg helye 2">
             <a:extLst>
               <a:ext uri="{FF2B5EF4-FFF2-40B4-BE49-F238E27FC236}">
-                <a16:creationId xmlns:a16="http://schemas.microsoft.com/office/drawing/2014/main" id="{83D8B0E5-C35F-E4C0-6AC3-2B5A64F7A76F}"/>
+                <a16:creationId xmlns:a16="http://schemas.microsoft.com/office/drawing/2014/main" xmlns="" id="{83D8B0E5-C35F-E4C0-6AC3-2B5A64F7A76F}"/>
               </a:ext>
             </a:extLst>
           </p:cNvPr>
@@ -810,7 +810,7 @@
           <p:cNvPr id="4" name="Dátum helye 3">
             <a:extLst>
               <a:ext uri="{FF2B5EF4-FFF2-40B4-BE49-F238E27FC236}">
-                <a16:creationId xmlns:a16="http://schemas.microsoft.com/office/drawing/2014/main" id="{27E917AB-2C23-72BC-58BD-AD4F821B36F8}"/>
+                <a16:creationId xmlns:a16="http://schemas.microsoft.com/office/drawing/2014/main" xmlns="" id="{27E917AB-2C23-72BC-58BD-AD4F821B36F8}"/>
               </a:ext>
             </a:extLst>
           </p:cNvPr>
@@ -828,7 +828,7 @@
           <a:p>
             <a:fld id="{8E532DDB-289F-42C2-8F57-09A656E29423}" type="datetimeFigureOut">
               <a:rPr lang="hu-HU" smtClean="0"/>
-              <a:t>2024. 01. 24.</a:t>
+              <a:t>2024. 01. 25.</a:t>
             </a:fld>
             <a:endParaRPr lang="hu-HU"/>
           </a:p>
@@ -839,7 +839,7 @@
           <p:cNvPr id="5" name="Élőláb helye 4">
             <a:extLst>
               <a:ext uri="{FF2B5EF4-FFF2-40B4-BE49-F238E27FC236}">
-                <a16:creationId xmlns:a16="http://schemas.microsoft.com/office/drawing/2014/main" id="{4B6D012D-1C6A-411E-6219-2F45E5523C6B}"/>
+                <a16:creationId xmlns:a16="http://schemas.microsoft.com/office/drawing/2014/main" xmlns="" id="{4B6D012D-1C6A-411E-6219-2F45E5523C6B}"/>
               </a:ext>
             </a:extLst>
           </p:cNvPr>
@@ -864,7 +864,7 @@
           <p:cNvPr id="6" name="Dia számának helye 5">
             <a:extLst>
               <a:ext uri="{FF2B5EF4-FFF2-40B4-BE49-F238E27FC236}">
-                <a16:creationId xmlns:a16="http://schemas.microsoft.com/office/drawing/2014/main" id="{5F592276-49E8-0983-AC04-5D66492B2658}"/>
+                <a16:creationId xmlns:a16="http://schemas.microsoft.com/office/drawing/2014/main" xmlns="" id="{5F592276-49E8-0983-AC04-5D66492B2658}"/>
               </a:ext>
             </a:extLst>
           </p:cNvPr>
@@ -923,7 +923,7 @@
           <p:cNvPr id="2" name="Függőleges cím 1">
             <a:extLst>
               <a:ext uri="{FF2B5EF4-FFF2-40B4-BE49-F238E27FC236}">
-                <a16:creationId xmlns:a16="http://schemas.microsoft.com/office/drawing/2014/main" id="{A6B2959D-F0DB-7505-3887-5F0F8A4ED834}"/>
+                <a16:creationId xmlns:a16="http://schemas.microsoft.com/office/drawing/2014/main" xmlns="" id="{A6B2959D-F0DB-7505-3887-5F0F8A4ED834}"/>
               </a:ext>
             </a:extLst>
           </p:cNvPr>
@@ -956,7 +956,7 @@
           <p:cNvPr id="3" name="Függőleges szöveg helye 2">
             <a:extLst>
               <a:ext uri="{FF2B5EF4-FFF2-40B4-BE49-F238E27FC236}">
-                <a16:creationId xmlns:a16="http://schemas.microsoft.com/office/drawing/2014/main" id="{20E0E6C5-085C-D09C-084F-C460729F9E6D}"/>
+                <a16:creationId xmlns:a16="http://schemas.microsoft.com/office/drawing/2014/main" xmlns="" id="{20E0E6C5-085C-D09C-084F-C460729F9E6D}"/>
               </a:ext>
             </a:extLst>
           </p:cNvPr>
@@ -1018,7 +1018,7 @@
           <p:cNvPr id="4" name="Dátum helye 3">
             <a:extLst>
               <a:ext uri="{FF2B5EF4-FFF2-40B4-BE49-F238E27FC236}">
-                <a16:creationId xmlns:a16="http://schemas.microsoft.com/office/drawing/2014/main" id="{DFF17BF3-0335-8A93-5A46-EC3F20E0ADE1}"/>
+                <a16:creationId xmlns:a16="http://schemas.microsoft.com/office/drawing/2014/main" xmlns="" id="{DFF17BF3-0335-8A93-5A46-EC3F20E0ADE1}"/>
               </a:ext>
             </a:extLst>
           </p:cNvPr>
@@ -1036,7 +1036,7 @@
           <a:p>
             <a:fld id="{8E532DDB-289F-42C2-8F57-09A656E29423}" type="datetimeFigureOut">
               <a:rPr lang="hu-HU" smtClean="0"/>
-              <a:t>2024. 01. 24.</a:t>
+              <a:t>2024. 01. 25.</a:t>
             </a:fld>
             <a:endParaRPr lang="hu-HU"/>
           </a:p>
@@ -1047,7 +1047,7 @@
           <p:cNvPr id="5" name="Élőláb helye 4">
             <a:extLst>
               <a:ext uri="{FF2B5EF4-FFF2-40B4-BE49-F238E27FC236}">
-                <a16:creationId xmlns:a16="http://schemas.microsoft.com/office/drawing/2014/main" id="{3AFF700C-B4A6-FF55-FA3A-937997218C71}"/>
+                <a16:creationId xmlns:a16="http://schemas.microsoft.com/office/drawing/2014/main" xmlns="" id="{3AFF700C-B4A6-FF55-FA3A-937997218C71}"/>
               </a:ext>
             </a:extLst>
           </p:cNvPr>
@@ -1072,7 +1072,7 @@
           <p:cNvPr id="6" name="Dia számának helye 5">
             <a:extLst>
               <a:ext uri="{FF2B5EF4-FFF2-40B4-BE49-F238E27FC236}">
-                <a16:creationId xmlns:a16="http://schemas.microsoft.com/office/drawing/2014/main" id="{B456B9AE-E4C3-00FA-5622-26ECD962BC14}"/>
+                <a16:creationId xmlns:a16="http://schemas.microsoft.com/office/drawing/2014/main" xmlns="" id="{B456B9AE-E4C3-00FA-5622-26ECD962BC14}"/>
               </a:ext>
             </a:extLst>
           </p:cNvPr>
@@ -1131,7 +1131,7 @@
           <p:cNvPr id="2" name="Cím 1">
             <a:extLst>
               <a:ext uri="{FF2B5EF4-FFF2-40B4-BE49-F238E27FC236}">
-                <a16:creationId xmlns:a16="http://schemas.microsoft.com/office/drawing/2014/main" id="{8F09B032-43DE-EB55-9460-DDEBB15DC2E7}"/>
+                <a16:creationId xmlns:a16="http://schemas.microsoft.com/office/drawing/2014/main" xmlns="" id="{8F09B032-43DE-EB55-9460-DDEBB15DC2E7}"/>
               </a:ext>
             </a:extLst>
           </p:cNvPr>
@@ -1159,7 +1159,7 @@
           <p:cNvPr id="3" name="Tartalom helye 2">
             <a:extLst>
               <a:ext uri="{FF2B5EF4-FFF2-40B4-BE49-F238E27FC236}">
-                <a16:creationId xmlns:a16="http://schemas.microsoft.com/office/drawing/2014/main" id="{93761993-65DF-B03B-15A1-DAAA88CF63C3}"/>
+                <a16:creationId xmlns:a16="http://schemas.microsoft.com/office/drawing/2014/main" xmlns="" id="{93761993-65DF-B03B-15A1-DAAA88CF63C3}"/>
               </a:ext>
             </a:extLst>
           </p:cNvPr>
@@ -1216,7 +1216,7 @@
           <p:cNvPr id="4" name="Dátum helye 3">
             <a:extLst>
               <a:ext uri="{FF2B5EF4-FFF2-40B4-BE49-F238E27FC236}">
-                <a16:creationId xmlns:a16="http://schemas.microsoft.com/office/drawing/2014/main" id="{EC19022C-9411-F196-94CA-7EB83954162C}"/>
+                <a16:creationId xmlns:a16="http://schemas.microsoft.com/office/drawing/2014/main" xmlns="" id="{EC19022C-9411-F196-94CA-7EB83954162C}"/>
               </a:ext>
             </a:extLst>
           </p:cNvPr>
@@ -1234,7 +1234,7 @@
           <a:p>
             <a:fld id="{8E532DDB-289F-42C2-8F57-09A656E29423}" type="datetimeFigureOut">
               <a:rPr lang="hu-HU" smtClean="0"/>
-              <a:t>2024. 01. 24.</a:t>
+              <a:t>2024. 01. 25.</a:t>
             </a:fld>
             <a:endParaRPr lang="hu-HU"/>
           </a:p>
@@ -1245,7 +1245,7 @@
           <p:cNvPr id="5" name="Élőláb helye 4">
             <a:extLst>
               <a:ext uri="{FF2B5EF4-FFF2-40B4-BE49-F238E27FC236}">
-                <a16:creationId xmlns:a16="http://schemas.microsoft.com/office/drawing/2014/main" id="{D92C1323-42F5-817C-23A6-5BD482993B91}"/>
+                <a16:creationId xmlns:a16="http://schemas.microsoft.com/office/drawing/2014/main" xmlns="" id="{D92C1323-42F5-817C-23A6-5BD482993B91}"/>
               </a:ext>
             </a:extLst>
           </p:cNvPr>
@@ -1270,7 +1270,7 @@
           <p:cNvPr id="6" name="Dia számának helye 5">
             <a:extLst>
               <a:ext uri="{FF2B5EF4-FFF2-40B4-BE49-F238E27FC236}">
-                <a16:creationId xmlns:a16="http://schemas.microsoft.com/office/drawing/2014/main" id="{7AAADE6D-0E59-9965-FCC6-DEC79020261D}"/>
+                <a16:creationId xmlns:a16="http://schemas.microsoft.com/office/drawing/2014/main" xmlns="" id="{7AAADE6D-0E59-9965-FCC6-DEC79020261D}"/>
               </a:ext>
             </a:extLst>
           </p:cNvPr>
@@ -1329,7 +1329,7 @@
           <p:cNvPr id="2" name="Cím 1">
             <a:extLst>
               <a:ext uri="{FF2B5EF4-FFF2-40B4-BE49-F238E27FC236}">
-                <a16:creationId xmlns:a16="http://schemas.microsoft.com/office/drawing/2014/main" id="{7A4FD609-97C6-FDCF-196C-C04CE372C3DE}"/>
+                <a16:creationId xmlns:a16="http://schemas.microsoft.com/office/drawing/2014/main" xmlns="" id="{7A4FD609-97C6-FDCF-196C-C04CE372C3DE}"/>
               </a:ext>
             </a:extLst>
           </p:cNvPr>
@@ -1366,7 +1366,7 @@
           <p:cNvPr id="3" name="Szöveg helye 2">
             <a:extLst>
               <a:ext uri="{FF2B5EF4-FFF2-40B4-BE49-F238E27FC236}">
-                <a16:creationId xmlns:a16="http://schemas.microsoft.com/office/drawing/2014/main" id="{5FF2CCF6-3BEC-B1BD-A408-1E0E439D4494}"/>
+                <a16:creationId xmlns:a16="http://schemas.microsoft.com/office/drawing/2014/main" xmlns="" id="{5FF2CCF6-3BEC-B1BD-A408-1E0E439D4494}"/>
               </a:ext>
             </a:extLst>
           </p:cNvPr>
@@ -1491,7 +1491,7 @@
           <p:cNvPr id="4" name="Dátum helye 3">
             <a:extLst>
               <a:ext uri="{FF2B5EF4-FFF2-40B4-BE49-F238E27FC236}">
-                <a16:creationId xmlns:a16="http://schemas.microsoft.com/office/drawing/2014/main" id="{02D96E93-B7FD-52C4-1976-571A32AA135C}"/>
+                <a16:creationId xmlns:a16="http://schemas.microsoft.com/office/drawing/2014/main" xmlns="" id="{02D96E93-B7FD-52C4-1976-571A32AA135C}"/>
               </a:ext>
             </a:extLst>
           </p:cNvPr>
@@ -1509,7 +1509,7 @@
           <a:p>
             <a:fld id="{8E532DDB-289F-42C2-8F57-09A656E29423}" type="datetimeFigureOut">
               <a:rPr lang="hu-HU" smtClean="0"/>
-              <a:t>2024. 01. 24.</a:t>
+              <a:t>2024. 01. 25.</a:t>
             </a:fld>
             <a:endParaRPr lang="hu-HU"/>
           </a:p>
@@ -1520,7 +1520,7 @@
           <p:cNvPr id="5" name="Élőláb helye 4">
             <a:extLst>
               <a:ext uri="{FF2B5EF4-FFF2-40B4-BE49-F238E27FC236}">
-                <a16:creationId xmlns:a16="http://schemas.microsoft.com/office/drawing/2014/main" id="{427CAFE0-46BC-55A4-87F5-A8059EC7A0F7}"/>
+                <a16:creationId xmlns:a16="http://schemas.microsoft.com/office/drawing/2014/main" xmlns="" id="{427CAFE0-46BC-55A4-87F5-A8059EC7A0F7}"/>
               </a:ext>
             </a:extLst>
           </p:cNvPr>
@@ -1545,7 +1545,7 @@
           <p:cNvPr id="6" name="Dia számának helye 5">
             <a:extLst>
               <a:ext uri="{FF2B5EF4-FFF2-40B4-BE49-F238E27FC236}">
-                <a16:creationId xmlns:a16="http://schemas.microsoft.com/office/drawing/2014/main" id="{CC3EFF7C-F069-DFE5-3306-0E561AF4AE11}"/>
+                <a16:creationId xmlns:a16="http://schemas.microsoft.com/office/drawing/2014/main" xmlns="" id="{CC3EFF7C-F069-DFE5-3306-0E561AF4AE11}"/>
               </a:ext>
             </a:extLst>
           </p:cNvPr>
@@ -1604,7 +1604,7 @@
           <p:cNvPr id="2" name="Cím 1">
             <a:extLst>
               <a:ext uri="{FF2B5EF4-FFF2-40B4-BE49-F238E27FC236}">
-                <a16:creationId xmlns:a16="http://schemas.microsoft.com/office/drawing/2014/main" id="{DD16BD1C-A96C-C433-11C4-7FB2F9CF4217}"/>
+                <a16:creationId xmlns:a16="http://schemas.microsoft.com/office/drawing/2014/main" xmlns="" id="{DD16BD1C-A96C-C433-11C4-7FB2F9CF4217}"/>
               </a:ext>
             </a:extLst>
           </p:cNvPr>
@@ -1632,7 +1632,7 @@
           <p:cNvPr id="3" name="Tartalom helye 2">
             <a:extLst>
               <a:ext uri="{FF2B5EF4-FFF2-40B4-BE49-F238E27FC236}">
-                <a16:creationId xmlns:a16="http://schemas.microsoft.com/office/drawing/2014/main" id="{216662B5-E8AA-B1E7-B29B-CC9EA1747EB8}"/>
+                <a16:creationId xmlns:a16="http://schemas.microsoft.com/office/drawing/2014/main" xmlns="" id="{216662B5-E8AA-B1E7-B29B-CC9EA1747EB8}"/>
               </a:ext>
             </a:extLst>
           </p:cNvPr>
@@ -1694,7 +1694,7 @@
           <p:cNvPr id="4" name="Tartalom helye 3">
             <a:extLst>
               <a:ext uri="{FF2B5EF4-FFF2-40B4-BE49-F238E27FC236}">
-                <a16:creationId xmlns:a16="http://schemas.microsoft.com/office/drawing/2014/main" id="{F91EB719-6D94-619D-DA44-432529F07A64}"/>
+                <a16:creationId xmlns:a16="http://schemas.microsoft.com/office/drawing/2014/main" xmlns="" id="{F91EB719-6D94-619D-DA44-432529F07A64}"/>
               </a:ext>
             </a:extLst>
           </p:cNvPr>
@@ -1756,7 +1756,7 @@
           <p:cNvPr id="5" name="Dátum helye 4">
             <a:extLst>
               <a:ext uri="{FF2B5EF4-FFF2-40B4-BE49-F238E27FC236}">
-                <a16:creationId xmlns:a16="http://schemas.microsoft.com/office/drawing/2014/main" id="{F719282D-DF51-71E0-FA65-579C7251FFED}"/>
+                <a16:creationId xmlns:a16="http://schemas.microsoft.com/office/drawing/2014/main" xmlns="" id="{F719282D-DF51-71E0-FA65-579C7251FFED}"/>
               </a:ext>
             </a:extLst>
           </p:cNvPr>
@@ -1774,7 +1774,7 @@
           <a:p>
             <a:fld id="{8E532DDB-289F-42C2-8F57-09A656E29423}" type="datetimeFigureOut">
               <a:rPr lang="hu-HU" smtClean="0"/>
-              <a:t>2024. 01. 24.</a:t>
+              <a:t>2024. 01. 25.</a:t>
             </a:fld>
             <a:endParaRPr lang="hu-HU"/>
           </a:p>
@@ -1785,7 +1785,7 @@
           <p:cNvPr id="6" name="Élőláb helye 5">
             <a:extLst>
               <a:ext uri="{FF2B5EF4-FFF2-40B4-BE49-F238E27FC236}">
-                <a16:creationId xmlns:a16="http://schemas.microsoft.com/office/drawing/2014/main" id="{9CA010A5-65CA-F06E-E671-C1073A8C6DFA}"/>
+                <a16:creationId xmlns:a16="http://schemas.microsoft.com/office/drawing/2014/main" xmlns="" id="{9CA010A5-65CA-F06E-E671-C1073A8C6DFA}"/>
               </a:ext>
             </a:extLst>
           </p:cNvPr>
@@ -1810,7 +1810,7 @@
           <p:cNvPr id="7" name="Dia számának helye 6">
             <a:extLst>
               <a:ext uri="{FF2B5EF4-FFF2-40B4-BE49-F238E27FC236}">
-                <a16:creationId xmlns:a16="http://schemas.microsoft.com/office/drawing/2014/main" id="{16635656-463D-7407-9573-D0E1E69DA9BA}"/>
+                <a16:creationId xmlns:a16="http://schemas.microsoft.com/office/drawing/2014/main" xmlns="" id="{16635656-463D-7407-9573-D0E1E69DA9BA}"/>
               </a:ext>
             </a:extLst>
           </p:cNvPr>
@@ -1877,7 +1877,7 @@
           <p:cNvPr id="10" name="Téglalap: lekerekített 9">
             <a:extLst>
               <a:ext uri="{FF2B5EF4-FFF2-40B4-BE49-F238E27FC236}">
-                <a16:creationId xmlns:a16="http://schemas.microsoft.com/office/drawing/2014/main" id="{5C929177-02C2-6B75-4903-1A897B6B857B}"/>
+                <a16:creationId xmlns:a16="http://schemas.microsoft.com/office/drawing/2014/main" xmlns="" id="{5C929177-02C2-6B75-4903-1A897B6B857B}"/>
               </a:ext>
             </a:extLst>
           </p:cNvPr>
@@ -1934,7 +1934,7 @@
           <p:cNvPr id="12" name="Téglalap: lekerekített 11">
             <a:extLst>
               <a:ext uri="{FF2B5EF4-FFF2-40B4-BE49-F238E27FC236}">
-                <a16:creationId xmlns:a16="http://schemas.microsoft.com/office/drawing/2014/main" id="{4263DA3D-3720-84C8-46EF-56A35EEE76D5}"/>
+                <a16:creationId xmlns:a16="http://schemas.microsoft.com/office/drawing/2014/main" xmlns="" id="{4263DA3D-3720-84C8-46EF-56A35EEE76D5}"/>
               </a:ext>
             </a:extLst>
           </p:cNvPr>
@@ -2020,7 +2020,7 @@
           <p:cNvPr id="2" name="Cím 1">
             <a:extLst>
               <a:ext uri="{FF2B5EF4-FFF2-40B4-BE49-F238E27FC236}">
-                <a16:creationId xmlns:a16="http://schemas.microsoft.com/office/drawing/2014/main" id="{9BB4D70D-713A-8887-D67D-44EF31009DDB}"/>
+                <a16:creationId xmlns:a16="http://schemas.microsoft.com/office/drawing/2014/main" xmlns="" id="{9BB4D70D-713A-8887-D67D-44EF31009DDB}"/>
               </a:ext>
             </a:extLst>
           </p:cNvPr>
@@ -2048,7 +2048,7 @@
           <p:cNvPr id="3" name="Dátum helye 2">
             <a:extLst>
               <a:ext uri="{FF2B5EF4-FFF2-40B4-BE49-F238E27FC236}">
-                <a16:creationId xmlns:a16="http://schemas.microsoft.com/office/drawing/2014/main" id="{38F97F01-6921-2071-E7CF-B953B6A631B9}"/>
+                <a16:creationId xmlns:a16="http://schemas.microsoft.com/office/drawing/2014/main" xmlns="" id="{38F97F01-6921-2071-E7CF-B953B6A631B9}"/>
               </a:ext>
             </a:extLst>
           </p:cNvPr>
@@ -2066,7 +2066,7 @@
           <a:p>
             <a:fld id="{8E532DDB-289F-42C2-8F57-09A656E29423}" type="datetimeFigureOut">
               <a:rPr lang="hu-HU" smtClean="0"/>
-              <a:t>2024. 01. 24.</a:t>
+              <a:t>2024. 01. 25.</a:t>
             </a:fld>
             <a:endParaRPr lang="hu-HU"/>
           </a:p>
@@ -2077,7 +2077,7 @@
           <p:cNvPr id="4" name="Élőláb helye 3">
             <a:extLst>
               <a:ext uri="{FF2B5EF4-FFF2-40B4-BE49-F238E27FC236}">
-                <a16:creationId xmlns:a16="http://schemas.microsoft.com/office/drawing/2014/main" id="{792745E5-843C-C4BC-0A40-C73AF021DF1B}"/>
+                <a16:creationId xmlns:a16="http://schemas.microsoft.com/office/drawing/2014/main" xmlns="" id="{792745E5-843C-C4BC-0A40-C73AF021DF1B}"/>
               </a:ext>
             </a:extLst>
           </p:cNvPr>
@@ -2102,7 +2102,7 @@
           <p:cNvPr id="5" name="Dia számának helye 4">
             <a:extLst>
               <a:ext uri="{FF2B5EF4-FFF2-40B4-BE49-F238E27FC236}">
-                <a16:creationId xmlns:a16="http://schemas.microsoft.com/office/drawing/2014/main" id="{368A0A24-A47E-950C-021B-05FD744DD010}"/>
+                <a16:creationId xmlns:a16="http://schemas.microsoft.com/office/drawing/2014/main" xmlns="" id="{368A0A24-A47E-950C-021B-05FD744DD010}"/>
               </a:ext>
             </a:extLst>
           </p:cNvPr>
@@ -2169,7 +2169,7 @@
           <p:cNvPr id="5" name="Ellipszis 4">
             <a:extLst>
               <a:ext uri="{FF2B5EF4-FFF2-40B4-BE49-F238E27FC236}">
-                <a16:creationId xmlns:a16="http://schemas.microsoft.com/office/drawing/2014/main" id="{A0BDDF6C-542F-81C9-9F4B-8813C7292558}"/>
+                <a16:creationId xmlns:a16="http://schemas.microsoft.com/office/drawing/2014/main" xmlns="" id="{A0BDDF6C-542F-81C9-9F4B-8813C7292558}"/>
               </a:ext>
             </a:extLst>
           </p:cNvPr>
@@ -2228,7 +2228,7 @@
           <p:cNvPr id="6" name="Ellipszis 5">
             <a:extLst>
               <a:ext uri="{FF2B5EF4-FFF2-40B4-BE49-F238E27FC236}">
-                <a16:creationId xmlns:a16="http://schemas.microsoft.com/office/drawing/2014/main" id="{9D7F498D-E1BA-D32F-5381-088641790353}"/>
+                <a16:creationId xmlns:a16="http://schemas.microsoft.com/office/drawing/2014/main" xmlns="" id="{9D7F498D-E1BA-D32F-5381-088641790353}"/>
               </a:ext>
             </a:extLst>
           </p:cNvPr>
@@ -2314,7 +2314,7 @@
           <p:cNvPr id="2" name="Cím 1">
             <a:extLst>
               <a:ext uri="{FF2B5EF4-FFF2-40B4-BE49-F238E27FC236}">
-                <a16:creationId xmlns:a16="http://schemas.microsoft.com/office/drawing/2014/main" id="{4BA820B7-A734-61BA-025C-8A1D6FB9D823}"/>
+                <a16:creationId xmlns:a16="http://schemas.microsoft.com/office/drawing/2014/main" xmlns="" id="{4BA820B7-A734-61BA-025C-8A1D6FB9D823}"/>
               </a:ext>
             </a:extLst>
           </p:cNvPr>
@@ -2351,7 +2351,7 @@
           <p:cNvPr id="3" name="Tartalom helye 2">
             <a:extLst>
               <a:ext uri="{FF2B5EF4-FFF2-40B4-BE49-F238E27FC236}">
-                <a16:creationId xmlns:a16="http://schemas.microsoft.com/office/drawing/2014/main" id="{D85A7804-99D9-2553-C6EE-AE084D6A85BE}"/>
+                <a16:creationId xmlns:a16="http://schemas.microsoft.com/office/drawing/2014/main" xmlns="" id="{D85A7804-99D9-2553-C6EE-AE084D6A85BE}"/>
               </a:ext>
             </a:extLst>
           </p:cNvPr>
@@ -2441,7 +2441,7 @@
           <p:cNvPr id="4" name="Szöveg helye 3">
             <a:extLst>
               <a:ext uri="{FF2B5EF4-FFF2-40B4-BE49-F238E27FC236}">
-                <a16:creationId xmlns:a16="http://schemas.microsoft.com/office/drawing/2014/main" id="{6E20636C-67A0-A9ED-9447-E65E3DBC68BE}"/>
+                <a16:creationId xmlns:a16="http://schemas.microsoft.com/office/drawing/2014/main" xmlns="" id="{6E20636C-67A0-A9ED-9447-E65E3DBC68BE}"/>
               </a:ext>
             </a:extLst>
           </p:cNvPr>
@@ -2512,7 +2512,7 @@
           <p:cNvPr id="5" name="Dátum helye 4">
             <a:extLst>
               <a:ext uri="{FF2B5EF4-FFF2-40B4-BE49-F238E27FC236}">
-                <a16:creationId xmlns:a16="http://schemas.microsoft.com/office/drawing/2014/main" id="{9F312683-9595-AE25-326A-8C5877B6B683}"/>
+                <a16:creationId xmlns:a16="http://schemas.microsoft.com/office/drawing/2014/main" xmlns="" id="{9F312683-9595-AE25-326A-8C5877B6B683}"/>
               </a:ext>
             </a:extLst>
           </p:cNvPr>
@@ -2530,7 +2530,7 @@
           <a:p>
             <a:fld id="{8E532DDB-289F-42C2-8F57-09A656E29423}" type="datetimeFigureOut">
               <a:rPr lang="hu-HU" smtClean="0"/>
-              <a:t>2024. 01. 24.</a:t>
+              <a:t>2024. 01. 25.</a:t>
             </a:fld>
             <a:endParaRPr lang="hu-HU"/>
           </a:p>
@@ -2541,7 +2541,7 @@
           <p:cNvPr id="6" name="Élőláb helye 5">
             <a:extLst>
               <a:ext uri="{FF2B5EF4-FFF2-40B4-BE49-F238E27FC236}">
-                <a16:creationId xmlns:a16="http://schemas.microsoft.com/office/drawing/2014/main" id="{8966127D-5FB5-31BD-9ADA-D2182F34B42E}"/>
+                <a16:creationId xmlns:a16="http://schemas.microsoft.com/office/drawing/2014/main" xmlns="" id="{8966127D-5FB5-31BD-9ADA-D2182F34B42E}"/>
               </a:ext>
             </a:extLst>
           </p:cNvPr>
@@ -2566,7 +2566,7 @@
           <p:cNvPr id="7" name="Dia számának helye 6">
             <a:extLst>
               <a:ext uri="{FF2B5EF4-FFF2-40B4-BE49-F238E27FC236}">
-                <a16:creationId xmlns:a16="http://schemas.microsoft.com/office/drawing/2014/main" id="{9D7BE2A7-FA0F-D1CB-4C81-4F42A7317EDA}"/>
+                <a16:creationId xmlns:a16="http://schemas.microsoft.com/office/drawing/2014/main" xmlns="" id="{9D7BE2A7-FA0F-D1CB-4C81-4F42A7317EDA}"/>
               </a:ext>
             </a:extLst>
           </p:cNvPr>
@@ -2625,7 +2625,7 @@
           <p:cNvPr id="2" name="Cím 1">
             <a:extLst>
               <a:ext uri="{FF2B5EF4-FFF2-40B4-BE49-F238E27FC236}">
-                <a16:creationId xmlns:a16="http://schemas.microsoft.com/office/drawing/2014/main" id="{B0784514-8C93-1D41-0ADC-AE65182FDD80}"/>
+                <a16:creationId xmlns:a16="http://schemas.microsoft.com/office/drawing/2014/main" xmlns="" id="{B0784514-8C93-1D41-0ADC-AE65182FDD80}"/>
               </a:ext>
             </a:extLst>
           </p:cNvPr>
@@ -2662,7 +2662,7 @@
           <p:cNvPr id="3" name="Kép helye 2">
             <a:extLst>
               <a:ext uri="{FF2B5EF4-FFF2-40B4-BE49-F238E27FC236}">
-                <a16:creationId xmlns:a16="http://schemas.microsoft.com/office/drawing/2014/main" id="{A322284F-F90F-B535-EB30-0E01F4BBCD18}"/>
+                <a16:creationId xmlns:a16="http://schemas.microsoft.com/office/drawing/2014/main" xmlns="" id="{A322284F-F90F-B535-EB30-0E01F4BBCD18}"/>
               </a:ext>
             </a:extLst>
           </p:cNvPr>
@@ -2729,7 +2729,7 @@
           <p:cNvPr id="4" name="Szöveg helye 3">
             <a:extLst>
               <a:ext uri="{FF2B5EF4-FFF2-40B4-BE49-F238E27FC236}">
-                <a16:creationId xmlns:a16="http://schemas.microsoft.com/office/drawing/2014/main" id="{D72DEB85-590B-1098-22C9-0A2BD35856A5}"/>
+                <a16:creationId xmlns:a16="http://schemas.microsoft.com/office/drawing/2014/main" xmlns="" id="{D72DEB85-590B-1098-22C9-0A2BD35856A5}"/>
               </a:ext>
             </a:extLst>
           </p:cNvPr>
@@ -2800,7 +2800,7 @@
           <p:cNvPr id="5" name="Dátum helye 4">
             <a:extLst>
               <a:ext uri="{FF2B5EF4-FFF2-40B4-BE49-F238E27FC236}">
-                <a16:creationId xmlns:a16="http://schemas.microsoft.com/office/drawing/2014/main" id="{FF0EEE38-B9C3-57C4-28D5-83BF2BDFBC37}"/>
+                <a16:creationId xmlns:a16="http://schemas.microsoft.com/office/drawing/2014/main" xmlns="" id="{FF0EEE38-B9C3-57C4-28D5-83BF2BDFBC37}"/>
               </a:ext>
             </a:extLst>
           </p:cNvPr>
@@ -2818,7 +2818,7 @@
           <a:p>
             <a:fld id="{8E532DDB-289F-42C2-8F57-09A656E29423}" type="datetimeFigureOut">
               <a:rPr lang="hu-HU" smtClean="0"/>
-              <a:t>2024. 01. 24.</a:t>
+              <a:t>2024. 01. 25.</a:t>
             </a:fld>
             <a:endParaRPr lang="hu-HU"/>
           </a:p>
@@ -2829,7 +2829,7 @@
           <p:cNvPr id="6" name="Élőláb helye 5">
             <a:extLst>
               <a:ext uri="{FF2B5EF4-FFF2-40B4-BE49-F238E27FC236}">
-                <a16:creationId xmlns:a16="http://schemas.microsoft.com/office/drawing/2014/main" id="{9A8C60BB-E846-A556-7D6F-80E4666550F6}"/>
+                <a16:creationId xmlns:a16="http://schemas.microsoft.com/office/drawing/2014/main" xmlns="" id="{9A8C60BB-E846-A556-7D6F-80E4666550F6}"/>
               </a:ext>
             </a:extLst>
           </p:cNvPr>
@@ -2854,7 +2854,7 @@
           <p:cNvPr id="7" name="Dia számának helye 6">
             <a:extLst>
               <a:ext uri="{FF2B5EF4-FFF2-40B4-BE49-F238E27FC236}">
-                <a16:creationId xmlns:a16="http://schemas.microsoft.com/office/drawing/2014/main" id="{F40C4142-B31B-0592-C73D-7D1D2251D700}"/>
+                <a16:creationId xmlns:a16="http://schemas.microsoft.com/office/drawing/2014/main" xmlns="" id="{F40C4142-B31B-0592-C73D-7D1D2251D700}"/>
               </a:ext>
             </a:extLst>
           </p:cNvPr>
@@ -2918,7 +2918,7 @@
           <p:cNvPr id="2" name="Cím helye 1">
             <a:extLst>
               <a:ext uri="{FF2B5EF4-FFF2-40B4-BE49-F238E27FC236}">
-                <a16:creationId xmlns:a16="http://schemas.microsoft.com/office/drawing/2014/main" id="{17782075-6685-2989-CE63-F72F6A17CA3B}"/>
+                <a16:creationId xmlns:a16="http://schemas.microsoft.com/office/drawing/2014/main" xmlns="" id="{17782075-6685-2989-CE63-F72F6A17CA3B}"/>
               </a:ext>
             </a:extLst>
           </p:cNvPr>
@@ -2956,7 +2956,7 @@
           <p:cNvPr id="3" name="Szöveg helye 2">
             <a:extLst>
               <a:ext uri="{FF2B5EF4-FFF2-40B4-BE49-F238E27FC236}">
-                <a16:creationId xmlns:a16="http://schemas.microsoft.com/office/drawing/2014/main" id="{62170818-01AE-3631-E7D4-F09960BC7755}"/>
+                <a16:creationId xmlns:a16="http://schemas.microsoft.com/office/drawing/2014/main" xmlns="" id="{62170818-01AE-3631-E7D4-F09960BC7755}"/>
               </a:ext>
             </a:extLst>
           </p:cNvPr>
@@ -3023,7 +3023,7 @@
           <p:cNvPr id="4" name="Dátum helye 3">
             <a:extLst>
               <a:ext uri="{FF2B5EF4-FFF2-40B4-BE49-F238E27FC236}">
-                <a16:creationId xmlns:a16="http://schemas.microsoft.com/office/drawing/2014/main" id="{5E44EABD-3951-FE87-043A-DEE26A772C31}"/>
+                <a16:creationId xmlns:a16="http://schemas.microsoft.com/office/drawing/2014/main" xmlns="" id="{5E44EABD-3951-FE87-043A-DEE26A772C31}"/>
               </a:ext>
             </a:extLst>
           </p:cNvPr>
@@ -3059,7 +3059,7 @@
           <a:p>
             <a:fld id="{8E532DDB-289F-42C2-8F57-09A656E29423}" type="datetimeFigureOut">
               <a:rPr lang="hu-HU" smtClean="0"/>
-              <a:t>2024. 01. 24.</a:t>
+              <a:t>2024. 01. 25.</a:t>
             </a:fld>
             <a:endParaRPr lang="hu-HU"/>
           </a:p>
@@ -3070,7 +3070,7 @@
           <p:cNvPr id="5" name="Élőláb helye 4">
             <a:extLst>
               <a:ext uri="{FF2B5EF4-FFF2-40B4-BE49-F238E27FC236}">
-                <a16:creationId xmlns:a16="http://schemas.microsoft.com/office/drawing/2014/main" id="{198D541F-EDD3-7ECD-372B-4F0F3E42E056}"/>
+                <a16:creationId xmlns:a16="http://schemas.microsoft.com/office/drawing/2014/main" xmlns="" id="{198D541F-EDD3-7ECD-372B-4F0F3E42E056}"/>
               </a:ext>
             </a:extLst>
           </p:cNvPr>
@@ -3113,7 +3113,7 @@
           <p:cNvPr id="6" name="Dia számának helye 5">
             <a:extLst>
               <a:ext uri="{FF2B5EF4-FFF2-40B4-BE49-F238E27FC236}">
-                <a16:creationId xmlns:a16="http://schemas.microsoft.com/office/drawing/2014/main" id="{3B1F9F43-DBAD-7623-FC58-2CBFA5EC9A4A}"/>
+                <a16:creationId xmlns:a16="http://schemas.microsoft.com/office/drawing/2014/main" xmlns="" id="{3B1F9F43-DBAD-7623-FC58-2CBFA5EC9A4A}"/>
               </a:ext>
             </a:extLst>
           </p:cNvPr>
@@ -3489,7 +3489,7 @@
           <p:cNvPr id="4" name="Ellipszis 3">
             <a:extLst>
               <a:ext uri="{FF2B5EF4-FFF2-40B4-BE49-F238E27FC236}">
-                <a16:creationId xmlns:a16="http://schemas.microsoft.com/office/drawing/2014/main" id="{5E590742-0F2F-708E-87FC-8CF5ABA75119}"/>
+                <a16:creationId xmlns:a16="http://schemas.microsoft.com/office/drawing/2014/main" xmlns="" id="{5E590742-0F2F-708E-87FC-8CF5ABA75119}"/>
               </a:ext>
             </a:extLst>
           </p:cNvPr>
@@ -3548,7 +3548,7 @@
           <p:cNvPr id="5" name="Ellipszis 4">
             <a:extLst>
               <a:ext uri="{FF2B5EF4-FFF2-40B4-BE49-F238E27FC236}">
-                <a16:creationId xmlns:a16="http://schemas.microsoft.com/office/drawing/2014/main" id="{7BFA035C-0E90-EF99-09EB-F01F1787B99D}"/>
+                <a16:creationId xmlns:a16="http://schemas.microsoft.com/office/drawing/2014/main" xmlns="" id="{7BFA035C-0E90-EF99-09EB-F01F1787B99D}"/>
               </a:ext>
             </a:extLst>
           </p:cNvPr>
@@ -3604,7 +3604,7 @@
           <p:cNvPr id="6" name="Téglalap: lekerekített 5">
             <a:extLst>
               <a:ext uri="{FF2B5EF4-FFF2-40B4-BE49-F238E27FC236}">
-                <a16:creationId xmlns:a16="http://schemas.microsoft.com/office/drawing/2014/main" id="{FF8E1E1E-E25D-9D44-58A0-641AE3D16840}"/>
+                <a16:creationId xmlns:a16="http://schemas.microsoft.com/office/drawing/2014/main" xmlns="" id="{FF8E1E1E-E25D-9D44-58A0-641AE3D16840}"/>
               </a:ext>
             </a:extLst>
           </p:cNvPr>
@@ -3670,7 +3670,7 @@
           <p:cNvPr id="7" name="Téglalap: lekerekített 6">
             <a:extLst>
               <a:ext uri="{FF2B5EF4-FFF2-40B4-BE49-F238E27FC236}">
-                <a16:creationId xmlns:a16="http://schemas.microsoft.com/office/drawing/2014/main" id="{876BD73A-04ED-68D6-0CFC-B55B322B54B6}"/>
+                <a16:creationId xmlns:a16="http://schemas.microsoft.com/office/drawing/2014/main" xmlns="" id="{876BD73A-04ED-68D6-0CFC-B55B322B54B6}"/>
               </a:ext>
             </a:extLst>
           </p:cNvPr>
@@ -3736,7 +3736,7 @@
           <p:cNvPr id="8" name="Téglalap: lekerekített 7">
             <a:extLst>
               <a:ext uri="{FF2B5EF4-FFF2-40B4-BE49-F238E27FC236}">
-                <a16:creationId xmlns:a16="http://schemas.microsoft.com/office/drawing/2014/main" id="{A949ACA4-0F6E-139B-8268-493DDA55C128}"/>
+                <a16:creationId xmlns:a16="http://schemas.microsoft.com/office/drawing/2014/main" xmlns="" id="{A949ACA4-0F6E-139B-8268-493DDA55C128}"/>
               </a:ext>
             </a:extLst>
           </p:cNvPr>
@@ -3802,7 +3802,7 @@
           <p:cNvPr id="9" name="Téglalap: lekerekített 8">
             <a:extLst>
               <a:ext uri="{FF2B5EF4-FFF2-40B4-BE49-F238E27FC236}">
-                <a16:creationId xmlns:a16="http://schemas.microsoft.com/office/drawing/2014/main" id="{D9B78EC0-CC66-2DDA-134B-90693F675712}"/>
+                <a16:creationId xmlns:a16="http://schemas.microsoft.com/office/drawing/2014/main" xmlns="" id="{D9B78EC0-CC66-2DDA-134B-90693F675712}"/>
               </a:ext>
             </a:extLst>
           </p:cNvPr>
@@ -3860,7 +3860,7 @@
           <p:cNvPr id="10" name="Téglalap: lekerekített 9">
             <a:extLst>
               <a:ext uri="{FF2B5EF4-FFF2-40B4-BE49-F238E27FC236}">
-                <a16:creationId xmlns:a16="http://schemas.microsoft.com/office/drawing/2014/main" id="{2E3A3B9D-563A-3AE1-8B49-D5C002EEA99D}"/>
+                <a16:creationId xmlns:a16="http://schemas.microsoft.com/office/drawing/2014/main" xmlns="" id="{2E3A3B9D-563A-3AE1-8B49-D5C002EEA99D}"/>
               </a:ext>
             </a:extLst>
           </p:cNvPr>
@@ -3926,7 +3926,7 @@
           <p:cNvPr id="11" name="Téglalap: lekerekített 10">
             <a:extLst>
               <a:ext uri="{FF2B5EF4-FFF2-40B4-BE49-F238E27FC236}">
-                <a16:creationId xmlns:a16="http://schemas.microsoft.com/office/drawing/2014/main" id="{DF3EB93E-2E32-E334-3C4E-462E031D3FD7}"/>
+                <a16:creationId xmlns:a16="http://schemas.microsoft.com/office/drawing/2014/main" xmlns="" id="{DF3EB93E-2E32-E334-3C4E-462E031D3FD7}"/>
               </a:ext>
             </a:extLst>
           </p:cNvPr>
@@ -3984,7 +3984,7 @@
           <p:cNvPr id="12" name="Téglalap: lekerekített 11">
             <a:extLst>
               <a:ext uri="{FF2B5EF4-FFF2-40B4-BE49-F238E27FC236}">
-                <a16:creationId xmlns:a16="http://schemas.microsoft.com/office/drawing/2014/main" id="{B12CDA0D-4782-C9A6-DEFD-8858E69E0D7B}"/>
+                <a16:creationId xmlns:a16="http://schemas.microsoft.com/office/drawing/2014/main" xmlns="" id="{B12CDA0D-4782-C9A6-DEFD-8858E69E0D7B}"/>
               </a:ext>
             </a:extLst>
           </p:cNvPr>
@@ -4050,7 +4050,7 @@
           <p:cNvPr id="13" name="Téglalap: lekerekített 12">
             <a:extLst>
               <a:ext uri="{FF2B5EF4-FFF2-40B4-BE49-F238E27FC236}">
-                <a16:creationId xmlns:a16="http://schemas.microsoft.com/office/drawing/2014/main" id="{74CFAF27-3E7A-F8C8-BD2F-DD4524B7DCE9}"/>
+                <a16:creationId xmlns:a16="http://schemas.microsoft.com/office/drawing/2014/main" xmlns="" id="{74CFAF27-3E7A-F8C8-BD2F-DD4524B7DCE9}"/>
               </a:ext>
             </a:extLst>
           </p:cNvPr>
@@ -4116,7 +4116,7 @@
           <p:cNvPr id="14" name="Téglalap: lekerekített 13">
             <a:extLst>
               <a:ext uri="{FF2B5EF4-FFF2-40B4-BE49-F238E27FC236}">
-                <a16:creationId xmlns:a16="http://schemas.microsoft.com/office/drawing/2014/main" id="{4FF50EB6-58FD-EF34-ECC2-721D27B4C713}"/>
+                <a16:creationId xmlns:a16="http://schemas.microsoft.com/office/drawing/2014/main" xmlns="" id="{4FF50EB6-58FD-EF34-ECC2-721D27B4C713}"/>
               </a:ext>
             </a:extLst>
           </p:cNvPr>
@@ -4174,7 +4174,7 @@
           <p:cNvPr id="15" name="Szövegdoboz 14">
             <a:extLst>
               <a:ext uri="{FF2B5EF4-FFF2-40B4-BE49-F238E27FC236}">
-                <a16:creationId xmlns:a16="http://schemas.microsoft.com/office/drawing/2014/main" id="{BAD904EC-5503-CAE6-53A8-7648AE393A9D}"/>
+                <a16:creationId xmlns:a16="http://schemas.microsoft.com/office/drawing/2014/main" xmlns="" id="{BAD904EC-5503-CAE6-53A8-7648AE393A9D}"/>
               </a:ext>
             </a:extLst>
           </p:cNvPr>
@@ -4203,7 +4203,7 @@
           <a:lstStyle/>
           <a:p>
             <a:r>
-              <a:rPr lang="hu-HU" sz="11000" dirty="0" err="1">
+              <a:rPr lang="hu-HU" sz="11000" dirty="0" smtClean="0">
                 <a:solidFill>
                   <a:schemeClr val="bg1"/>
                 </a:solidFill>
@@ -4241,7 +4241,7 @@
           <p:cNvPr id="16" name="Szövegdoboz 15">
             <a:extLst>
               <a:ext uri="{FF2B5EF4-FFF2-40B4-BE49-F238E27FC236}">
-                <a16:creationId xmlns:a16="http://schemas.microsoft.com/office/drawing/2014/main" id="{C9117FAE-FE67-5743-F7DB-0D7FE2C64D91}"/>
+                <a16:creationId xmlns:a16="http://schemas.microsoft.com/office/drawing/2014/main" xmlns="" id="{C9117FAE-FE67-5743-F7DB-0D7FE2C64D91}"/>
               </a:ext>
             </a:extLst>
           </p:cNvPr>
@@ -4274,6 +4274,10 @@
                 <a:latin typeface="Barlow" panose="020F0502020204030204" pitchFamily="2" charset="-18"/>
               </a:rPr>
               <a:t>5. Fejezet dokumentációja:</a:t>
+            </a:r>
+            <a:r>
+              <a:rPr lang="hu-HU" sz="2000" dirty="0"/>
+              <a:t/>
             </a:r>
             <a:br>
               <a:rPr lang="hu-HU" sz="2000" dirty="0"/>
@@ -4302,18 +4306,9 @@
   <p:clrMapOvr>
     <a:masterClrMapping/>
   </p:clrMapOvr>
-  <mc:AlternateContent xmlns:mc="http://schemas.openxmlformats.org/markup-compatibility/2006" xmlns:p14="http://schemas.microsoft.com/office/powerpoint/2010/main">
-    <mc:Choice Requires="p14">
-      <p:transition p14:dur="100">
-        <p:cut/>
-      </p:transition>
-    </mc:Choice>
-    <mc:Fallback xmlns="">
-      <p:transition>
-        <p:cut/>
-      </p:transition>
-    </mc:Fallback>
-  </mc:AlternateContent>
+  <p:transition spd="slow">
+    <p:push dir="u"/>
+  </p:transition>
   <p:timing>
     <p:tnLst>
       <p:par>
@@ -4978,12 +4973,672 @@
           <a:chExt cx="0" cy="0"/>
         </a:xfrm>
       </p:grpSpPr>
+      <p:grpSp>
+        <p:nvGrpSpPr>
+          <p:cNvPr id="3" name="Group 2"/>
+          <p:cNvGrpSpPr/>
+          <p:nvPr/>
+        </p:nvGrpSpPr>
+        <p:grpSpPr>
+          <a:xfrm>
+            <a:off x="880044" y="293914"/>
+            <a:ext cx="4784269" cy="6270171"/>
+            <a:chOff x="880044" y="293914"/>
+            <a:chExt cx="4784269" cy="6270171"/>
+          </a:xfrm>
+        </p:grpSpPr>
+        <p:sp>
+          <p:nvSpPr>
+            <p:cNvPr id="4" name="Téglalap: lekerekített 3">
+              <a:extLst>
+                <a:ext uri="{FF2B5EF4-FFF2-40B4-BE49-F238E27FC236}">
+                  <a16:creationId xmlns:a16="http://schemas.microsoft.com/office/drawing/2014/main" xmlns="" id="{BC187220-8284-1B2B-8CE3-7C613265D444}"/>
+                </a:ext>
+              </a:extLst>
+            </p:cNvPr>
+            <p:cNvSpPr/>
+            <p:nvPr/>
+          </p:nvSpPr>
+          <p:spPr>
+            <a:xfrm>
+              <a:off x="880044" y="293914"/>
+              <a:ext cx="4784269" cy="6270171"/>
+            </a:xfrm>
+            <a:prstGeom prst="roundRect">
+              <a:avLst>
+                <a:gd name="adj" fmla="val 4094"/>
+              </a:avLst>
+            </a:prstGeom>
+            <a:solidFill>
+              <a:schemeClr val="bg1">
+                <a:alpha val="80000"/>
+              </a:schemeClr>
+            </a:solidFill>
+            <a:ln w="120650" cap="sq">
+              <a:noFill/>
+              <a:round/>
+            </a:ln>
+          </p:spPr>
+          <p:style>
+            <a:lnRef idx="2">
+              <a:schemeClr val="accent1">
+                <a:shade val="15000"/>
+              </a:schemeClr>
+            </a:lnRef>
+            <a:fillRef idx="1">
+              <a:schemeClr val="accent1"/>
+            </a:fillRef>
+            <a:effectRef idx="0">
+              <a:schemeClr val="accent1"/>
+            </a:effectRef>
+            <a:fontRef idx="minor">
+              <a:schemeClr val="lt1"/>
+            </a:fontRef>
+          </p:style>
+          <p:txBody>
+            <a:bodyPr rtlCol="0" anchor="ctr"/>
+            <a:lstStyle/>
+            <a:p>
+              <a:pPr algn="ctr"/>
+              <a:endParaRPr lang="hu-HU" dirty="0"/>
+            </a:p>
+          </p:txBody>
+        </p:sp>
+        <p:sp>
+          <p:nvSpPr>
+            <p:cNvPr id="6" name="Szövegdoboz 5">
+              <a:extLst>
+                <a:ext uri="{FF2B5EF4-FFF2-40B4-BE49-F238E27FC236}">
+                  <a16:creationId xmlns:a16="http://schemas.microsoft.com/office/drawing/2014/main" xmlns="" id="{5B6AC857-2A98-66B3-8AC9-33FBAB3EDDF5}"/>
+                </a:ext>
+              </a:extLst>
+            </p:cNvPr>
+            <p:cNvSpPr txBox="1"/>
+            <p:nvPr/>
+          </p:nvSpPr>
+          <p:spPr>
+            <a:xfrm>
+              <a:off x="1128030" y="1597693"/>
+              <a:ext cx="4095750" cy="2031325"/>
+            </a:xfrm>
+            <a:prstGeom prst="rect">
+              <a:avLst/>
+            </a:prstGeom>
+            <a:noFill/>
+          </p:spPr>
+          <p:txBody>
+            <a:bodyPr wrap="square" rtlCol="0">
+              <a:spAutoFit/>
+            </a:bodyPr>
+            <a:lstStyle/>
+            <a:p>
+              <a:pPr algn="just"/>
+              <a:r>
+                <a:rPr lang="en-US" b="1" i="0" dirty="0">
+                  <a:solidFill>
+                    <a:srgbClr val="5019B3"/>
+                  </a:solidFill>
+                  <a:effectLst/>
+                  <a:latin typeface="Rubik"/>
+                </a:rPr>
+                <a:t>In </a:t>
+              </a:r>
+              <a:r>
+                <a:rPr lang="en-US" b="1" i="0" dirty="0" err="1">
+                  <a:solidFill>
+                    <a:srgbClr val="5019B3"/>
+                  </a:solidFill>
+                  <a:effectLst/>
+                  <a:latin typeface="Rubik"/>
+                </a:rPr>
+                <a:t>Pygame</a:t>
+              </a:r>
+              <a:r>
+                <a:rPr lang="en-US" b="1" i="0" dirty="0">
+                  <a:solidFill>
+                    <a:srgbClr val="5019B3"/>
+                  </a:solidFill>
+                  <a:effectLst/>
+                  <a:latin typeface="Rubik"/>
+                </a:rPr>
+                <a:t>, a sprite is an object that represents a game element. It can be an image, animation, or any other visual element in a game. </a:t>
+              </a:r>
+              <a:r>
+                <a:rPr lang="en-US" b="1" i="0" dirty="0" err="1">
+                  <a:solidFill>
+                    <a:srgbClr val="5019B3"/>
+                  </a:solidFill>
+                  <a:effectLst/>
+                  <a:latin typeface="Rubik"/>
+                </a:rPr>
+                <a:t>Pygame</a:t>
+              </a:r>
+              <a:r>
+                <a:rPr lang="en-US" b="1" i="0" dirty="0">
+                  <a:solidFill>
+                    <a:srgbClr val="5019B3"/>
+                  </a:solidFill>
+                  <a:effectLst/>
+                  <a:latin typeface="Rubik"/>
+                </a:rPr>
+                <a:t> provides a Sprite class that you can use to create and manage sprites efficiently.</a:t>
+              </a:r>
+              <a:r>
+                <a:rPr lang="en-US" dirty="0"/>
+                <a:t/>
+              </a:r>
+              <a:br>
+                <a:rPr lang="en-US" dirty="0"/>
+              </a:br>
+              <a:endParaRPr lang="hu-HU" dirty="0"/>
+            </a:p>
+          </p:txBody>
+        </p:sp>
+        <p:sp>
+          <p:nvSpPr>
+            <p:cNvPr id="7" name="Szövegdoboz 6">
+              <a:extLst>
+                <a:ext uri="{FF2B5EF4-FFF2-40B4-BE49-F238E27FC236}">
+                  <a16:creationId xmlns:a16="http://schemas.microsoft.com/office/drawing/2014/main" xmlns="" id="{7819F685-963E-271F-BC1B-FDA54155C9CE}"/>
+                </a:ext>
+              </a:extLst>
+            </p:cNvPr>
+            <p:cNvSpPr txBox="1"/>
+            <p:nvPr/>
+          </p:nvSpPr>
+          <p:spPr>
+            <a:xfrm>
+              <a:off x="1647142" y="735919"/>
+              <a:ext cx="3057525" cy="861774"/>
+            </a:xfrm>
+            <a:prstGeom prst="rect">
+              <a:avLst/>
+            </a:prstGeom>
+            <a:noFill/>
+          </p:spPr>
+          <p:txBody>
+            <a:bodyPr wrap="square" rtlCol="0">
+              <a:spAutoFit/>
+            </a:bodyPr>
+            <a:lstStyle/>
+            <a:p>
+              <a:pPr algn="ctr"/>
+              <a:r>
+                <a:rPr lang="hu-HU" sz="3200" b="1" i="0" dirty="0">
+                  <a:solidFill>
+                    <a:srgbClr val="5019B3"/>
+                  </a:solidFill>
+                  <a:effectLst/>
+                  <a:latin typeface="Rubik"/>
+                </a:rPr>
+                <a:t>Mi is az a </a:t>
+              </a:r>
+              <a:r>
+                <a:rPr lang="hu-HU" sz="3200" b="1" i="0" dirty="0" err="1">
+                  <a:solidFill>
+                    <a:srgbClr val="5019B3"/>
+                  </a:solidFill>
+                  <a:effectLst/>
+                  <a:latin typeface="Rubik"/>
+                </a:rPr>
+                <a:t>sprite</a:t>
+              </a:r>
+              <a:r>
+                <a:rPr lang="hu-HU" sz="3200" b="1" i="0" dirty="0">
+                  <a:solidFill>
+                    <a:srgbClr val="5019B3"/>
+                  </a:solidFill>
+                  <a:effectLst/>
+                  <a:latin typeface="Rubik"/>
+                </a:rPr>
+                <a:t>?</a:t>
+              </a:r>
+            </a:p>
+            <a:p>
+              <a:endParaRPr lang="hu-HU" dirty="0"/>
+            </a:p>
+          </p:txBody>
+        </p:sp>
+      </p:grpSp>
+      <p:sp>
+        <p:nvSpPr>
+          <p:cNvPr id="8" name="Téglalap: lekerekített 7">
+            <a:extLst>
+              <a:ext uri="{FF2B5EF4-FFF2-40B4-BE49-F238E27FC236}">
+                <a16:creationId xmlns:a16="http://schemas.microsoft.com/office/drawing/2014/main" xmlns="" id="{104486A8-B0E8-F708-7D72-B551D3E54053}"/>
+              </a:ext>
+            </a:extLst>
+          </p:cNvPr>
+          <p:cNvSpPr/>
+          <p:nvPr/>
+        </p:nvSpPr>
+        <p:spPr>
+          <a:xfrm>
+            <a:off x="6527687" y="3629018"/>
+            <a:ext cx="4784269" cy="2811242"/>
+          </a:xfrm>
+          <a:prstGeom prst="roundRect">
+            <a:avLst>
+              <a:gd name="adj" fmla="val 4094"/>
+            </a:avLst>
+          </a:prstGeom>
+          <a:solidFill>
+            <a:schemeClr val="bg1">
+              <a:alpha val="80000"/>
+            </a:schemeClr>
+          </a:solidFill>
+          <a:ln w="120650" cap="sq">
+            <a:noFill/>
+            <a:round/>
+          </a:ln>
+        </p:spPr>
+        <p:style>
+          <a:lnRef idx="2">
+            <a:schemeClr val="accent1">
+              <a:shade val="15000"/>
+            </a:schemeClr>
+          </a:lnRef>
+          <a:fillRef idx="1">
+            <a:schemeClr val="accent1"/>
+          </a:fillRef>
+          <a:effectRef idx="0">
+            <a:schemeClr val="accent1"/>
+          </a:effectRef>
+          <a:fontRef idx="minor">
+            <a:schemeClr val="lt1"/>
+          </a:fontRef>
+        </p:style>
+        <p:txBody>
+          <a:bodyPr rtlCol="0" anchor="ctr"/>
+          <a:lstStyle/>
+          <a:p>
+            <a:pPr algn="ctr"/>
+            <a:endParaRPr lang="hu-HU" dirty="0"/>
+          </a:p>
+        </p:txBody>
+      </p:sp>
+      <p:grpSp>
+        <p:nvGrpSpPr>
+          <p:cNvPr id="2" name="Group 1"/>
+          <p:cNvGrpSpPr/>
+          <p:nvPr/>
+        </p:nvGrpSpPr>
+        <p:grpSpPr>
+          <a:xfrm>
+            <a:off x="6527686" y="378290"/>
+            <a:ext cx="4784269" cy="2811242"/>
+            <a:chOff x="6527686" y="378290"/>
+            <a:chExt cx="4784269" cy="2811242"/>
+          </a:xfrm>
+        </p:grpSpPr>
+        <p:sp>
+          <p:nvSpPr>
+            <p:cNvPr id="5" name="Téglalap: lekerekített 4">
+              <a:extLst>
+                <a:ext uri="{FF2B5EF4-FFF2-40B4-BE49-F238E27FC236}">
+                  <a16:creationId xmlns:a16="http://schemas.microsoft.com/office/drawing/2014/main" xmlns="" id="{B74CBF98-6A67-702F-008D-E30CBEB44963}"/>
+                </a:ext>
+              </a:extLst>
+            </p:cNvPr>
+            <p:cNvSpPr/>
+            <p:nvPr/>
+          </p:nvSpPr>
+          <p:spPr>
+            <a:xfrm>
+              <a:off x="6527686" y="378290"/>
+              <a:ext cx="4784269" cy="2811242"/>
+            </a:xfrm>
+            <a:prstGeom prst="roundRect">
+              <a:avLst>
+                <a:gd name="adj" fmla="val 4094"/>
+              </a:avLst>
+            </a:prstGeom>
+            <a:solidFill>
+              <a:schemeClr val="bg1">
+                <a:alpha val="80000"/>
+              </a:schemeClr>
+            </a:solidFill>
+            <a:ln w="120650" cap="sq">
+              <a:noFill/>
+              <a:round/>
+            </a:ln>
+          </p:spPr>
+          <p:style>
+            <a:lnRef idx="2">
+              <a:schemeClr val="accent1">
+                <a:shade val="15000"/>
+              </a:schemeClr>
+            </a:lnRef>
+            <a:fillRef idx="1">
+              <a:schemeClr val="accent1"/>
+            </a:fillRef>
+            <a:effectRef idx="0">
+              <a:schemeClr val="accent1"/>
+            </a:effectRef>
+            <a:fontRef idx="minor">
+              <a:schemeClr val="lt1"/>
+            </a:fontRef>
+          </p:style>
+          <p:txBody>
+            <a:bodyPr rtlCol="0" anchor="ctr"/>
+            <a:lstStyle/>
+            <a:p>
+              <a:pPr algn="ctr"/>
+              <a:r>
+                <a:rPr lang="hu-HU" dirty="0" smtClean="0"/>
+                <a:t> </a:t>
+              </a:r>
+              <a:endParaRPr lang="hu-HU" dirty="0"/>
+            </a:p>
+          </p:txBody>
+        </p:sp>
+        <p:pic>
+          <p:nvPicPr>
+            <p:cNvPr id="1026" name="Picture 2">
+              <a:extLst>
+                <a:ext uri="{FF2B5EF4-FFF2-40B4-BE49-F238E27FC236}">
+                  <a16:creationId xmlns:a16="http://schemas.microsoft.com/office/drawing/2014/main" xmlns="" id="{7A82368D-859C-5EE3-8D89-77E6D75EAD7D}"/>
+                </a:ext>
+              </a:extLst>
+            </p:cNvPr>
+            <p:cNvPicPr>
+              <a:picLocks noChangeAspect="1" noChangeArrowheads="1"/>
+            </p:cNvPicPr>
+            <p:nvPr/>
+          </p:nvPicPr>
+          <p:blipFill>
+            <a:blip r:embed="rId2">
+              <a:extLst>
+                <a:ext uri="{28A0092B-C50C-407E-A947-70E740481C1C}">
+                  <a14:useLocalDpi xmlns:a14="http://schemas.microsoft.com/office/drawing/2010/main" val="0"/>
+                </a:ext>
+              </a:extLst>
+            </a:blip>
+            <a:srcRect/>
+            <a:stretch>
+              <a:fillRect/>
+            </a:stretch>
+          </p:blipFill>
+          <p:spPr bwMode="auto">
+            <a:xfrm>
+              <a:off x="6725670" y="1166806"/>
+              <a:ext cx="4388302" cy="1234210"/>
+            </a:xfrm>
+            <a:prstGeom prst="rect">
+              <a:avLst/>
+            </a:prstGeom>
+            <a:noFill/>
+            <a:extLst>
+              <a:ext uri="{909E8E84-426E-40DD-AFC4-6F175D3DCCD1}">
+                <a14:hiddenFill xmlns:a14="http://schemas.microsoft.com/office/drawing/2010/main">
+                  <a:solidFill>
+                    <a:srgbClr val="FFFFFF"/>
+                  </a:solidFill>
+                </a14:hiddenFill>
+              </a:ext>
+            </a:extLst>
+          </p:spPr>
+        </p:pic>
+      </p:grpSp>
+    </p:spTree>
+    <p:extLst>
+      <p:ext uri="{BB962C8B-B14F-4D97-AF65-F5344CB8AC3E}">
+        <p14:creationId xmlns:p14="http://schemas.microsoft.com/office/powerpoint/2010/main" val="2433985320"/>
+      </p:ext>
+    </p:extLst>
+  </p:cSld>
+  <p:clrMapOvr>
+    <a:masterClrMapping/>
+  </p:clrMapOvr>
+  <p:transition spd="slow">
+    <p:push dir="u"/>
+  </p:transition>
+  <p:timing>
+    <p:tnLst>
+      <p:par>
+        <p:cTn id="1" dur="indefinite" restart="never" nodeType="tmRoot">
+          <p:childTnLst>
+            <p:seq concurrent="1" nextAc="seek">
+              <p:cTn id="2" dur="indefinite" nodeType="mainSeq">
+                <p:childTnLst>
+                  <p:par>
+                    <p:cTn id="3" fill="hold">
+                      <p:stCondLst>
+                        <p:cond delay="indefinite"/>
+                      </p:stCondLst>
+                      <p:childTnLst>
+                        <p:par>
+                          <p:cTn id="4" fill="hold">
+                            <p:stCondLst>
+                              <p:cond delay="0"/>
+                            </p:stCondLst>
+                            <p:childTnLst>
+                              <p:par>
+                                <p:cTn id="5" presetID="2" presetClass="entr" presetSubtype="4" fill="hold" nodeType="clickEffect">
+                                  <p:stCondLst>
+                                    <p:cond delay="0"/>
+                                  </p:stCondLst>
+                                  <p:childTnLst>
+                                    <p:set>
+                                      <p:cBhvr>
+                                        <p:cTn id="6" dur="1" fill="hold">
+                                          <p:stCondLst>
+                                            <p:cond delay="0"/>
+                                          </p:stCondLst>
+                                        </p:cTn>
+                                        <p:tgtEl>
+                                          <p:spTgt spid="3"/>
+                                        </p:tgtEl>
+                                        <p:attrNameLst>
+                                          <p:attrName>style.visibility</p:attrName>
+                                        </p:attrNameLst>
+                                      </p:cBhvr>
+                                      <p:to>
+                                        <p:strVal val="visible"/>
+                                      </p:to>
+                                    </p:set>
+                                    <p:anim calcmode="lin" valueType="num">
+                                      <p:cBhvr additive="base">
+                                        <p:cTn id="7" dur="1000" fill="hold"/>
+                                        <p:tgtEl>
+                                          <p:spTgt spid="3"/>
+                                        </p:tgtEl>
+                                        <p:attrNameLst>
+                                          <p:attrName>ppt_x</p:attrName>
+                                        </p:attrNameLst>
+                                      </p:cBhvr>
+                                      <p:tavLst>
+                                        <p:tav tm="0">
+                                          <p:val>
+                                            <p:strVal val="#ppt_x"/>
+                                          </p:val>
+                                        </p:tav>
+                                        <p:tav tm="100000">
+                                          <p:val>
+                                            <p:strVal val="#ppt_x"/>
+                                          </p:val>
+                                        </p:tav>
+                                      </p:tavLst>
+                                    </p:anim>
+                                    <p:anim calcmode="lin" valueType="num">
+                                      <p:cBhvr additive="base">
+                                        <p:cTn id="8" dur="1000" fill="hold"/>
+                                        <p:tgtEl>
+                                          <p:spTgt spid="3"/>
+                                        </p:tgtEl>
+                                        <p:attrNameLst>
+                                          <p:attrName>ppt_y</p:attrName>
+                                        </p:attrNameLst>
+                                      </p:cBhvr>
+                                      <p:tavLst>
+                                        <p:tav tm="0">
+                                          <p:val>
+                                            <p:strVal val="1+#ppt_h/2"/>
+                                          </p:val>
+                                        </p:tav>
+                                        <p:tav tm="100000">
+                                          <p:val>
+                                            <p:strVal val="#ppt_y"/>
+                                          </p:val>
+                                        </p:tav>
+                                      </p:tavLst>
+                                    </p:anim>
+                                  </p:childTnLst>
+                                </p:cTn>
+                              </p:par>
+                            </p:childTnLst>
+                          </p:cTn>
+                        </p:par>
+                      </p:childTnLst>
+                    </p:cTn>
+                  </p:par>
+                  <p:par>
+                    <p:cTn id="9" fill="hold">
+                      <p:stCondLst>
+                        <p:cond delay="indefinite"/>
+                      </p:stCondLst>
+                      <p:childTnLst>
+                        <p:par>
+                          <p:cTn id="10" fill="hold">
+                            <p:stCondLst>
+                              <p:cond delay="0"/>
+                            </p:stCondLst>
+                            <p:childTnLst>
+                              <p:par>
+                                <p:cTn id="11" presetID="2" presetClass="entr" presetSubtype="4" fill="hold" nodeType="clickEffect">
+                                  <p:stCondLst>
+                                    <p:cond delay="0"/>
+                                  </p:stCondLst>
+                                  <p:childTnLst>
+                                    <p:set>
+                                      <p:cBhvr>
+                                        <p:cTn id="12" dur="1" fill="hold">
+                                          <p:stCondLst>
+                                            <p:cond delay="0"/>
+                                          </p:stCondLst>
+                                        </p:cTn>
+                                        <p:tgtEl>
+                                          <p:spTgt spid="2"/>
+                                        </p:tgtEl>
+                                        <p:attrNameLst>
+                                          <p:attrName>style.visibility</p:attrName>
+                                        </p:attrNameLst>
+                                      </p:cBhvr>
+                                      <p:to>
+                                        <p:strVal val="visible"/>
+                                      </p:to>
+                                    </p:set>
+                                    <p:anim calcmode="lin" valueType="num">
+                                      <p:cBhvr additive="base">
+                                        <p:cTn id="13" dur="1000" fill="hold"/>
+                                        <p:tgtEl>
+                                          <p:spTgt spid="2"/>
+                                        </p:tgtEl>
+                                        <p:attrNameLst>
+                                          <p:attrName>ppt_x</p:attrName>
+                                        </p:attrNameLst>
+                                      </p:cBhvr>
+                                      <p:tavLst>
+                                        <p:tav tm="0">
+                                          <p:val>
+                                            <p:strVal val="#ppt_x"/>
+                                          </p:val>
+                                        </p:tav>
+                                        <p:tav tm="100000">
+                                          <p:val>
+                                            <p:strVal val="#ppt_x"/>
+                                          </p:val>
+                                        </p:tav>
+                                      </p:tavLst>
+                                    </p:anim>
+                                    <p:anim calcmode="lin" valueType="num">
+                                      <p:cBhvr additive="base">
+                                        <p:cTn id="14" dur="1000" fill="hold"/>
+                                        <p:tgtEl>
+                                          <p:spTgt spid="2"/>
+                                        </p:tgtEl>
+                                        <p:attrNameLst>
+                                          <p:attrName>ppt_y</p:attrName>
+                                        </p:attrNameLst>
+                                      </p:cBhvr>
+                                      <p:tavLst>
+                                        <p:tav tm="0">
+                                          <p:val>
+                                            <p:strVal val="1+#ppt_h/2"/>
+                                          </p:val>
+                                        </p:tav>
+                                        <p:tav tm="100000">
+                                          <p:val>
+                                            <p:strVal val="#ppt_y"/>
+                                          </p:val>
+                                        </p:tav>
+                                      </p:tavLst>
+                                    </p:anim>
+                                  </p:childTnLst>
+                                </p:cTn>
+                              </p:par>
+                            </p:childTnLst>
+                          </p:cTn>
+                        </p:par>
+                      </p:childTnLst>
+                    </p:cTn>
+                  </p:par>
+                </p:childTnLst>
+              </p:cTn>
+              <p:prevCondLst>
+                <p:cond evt="onPrev" delay="0">
+                  <p:tgtEl>
+                    <p:sldTgt/>
+                  </p:tgtEl>
+                </p:cond>
+              </p:prevCondLst>
+              <p:nextCondLst>
+                <p:cond evt="onNext" delay="0">
+                  <p:tgtEl>
+                    <p:sldTgt/>
+                  </p:tgtEl>
+                </p:cond>
+              </p:nextCondLst>
+            </p:seq>
+          </p:childTnLst>
+        </p:cTn>
+      </p:par>
+    </p:tnLst>
+  </p:timing>
+</p:sld>
+</file>
+
+<file path=ppt/slides/slide3.xml><?xml version="1.0" encoding="utf-8"?>
+<p:sld xmlns:a="http://schemas.openxmlformats.org/drawingml/2006/main" xmlns:r="http://schemas.openxmlformats.org/officeDocument/2006/relationships" xmlns:p="http://schemas.openxmlformats.org/presentationml/2006/main">
+  <p:cSld>
+    <p:bg>
+      <p:bgPr>
+        <a:solidFill>
+          <a:srgbClr val="5019B3"/>
+        </a:solidFill>
+        <a:effectLst/>
+      </p:bgPr>
+    </p:bg>
+    <p:spTree>
+      <p:nvGrpSpPr>
+        <p:cNvPr id="1" name=""/>
+        <p:cNvGrpSpPr/>
+        <p:nvPr/>
+      </p:nvGrpSpPr>
+      <p:grpSpPr>
+        <a:xfrm>
+          <a:off x="0" y="0"/>
+          <a:ext cx="0" cy="0"/>
+          <a:chOff x="0" y="0"/>
+          <a:chExt cx="0" cy="0"/>
+        </a:xfrm>
+      </p:grpSpPr>
       <p:sp>
         <p:nvSpPr>
           <p:cNvPr id="4" name="Téglalap: lekerekített 3">
             <a:extLst>
               <a:ext uri="{FF2B5EF4-FFF2-40B4-BE49-F238E27FC236}">
-                <a16:creationId xmlns:a16="http://schemas.microsoft.com/office/drawing/2014/main" id="{BC187220-8284-1B2B-8CE3-7C613265D444}"/>
+                <a16:creationId xmlns:a16="http://schemas.microsoft.com/office/drawing/2014/main" xmlns="" id="{BC187220-8284-1B2B-8CE3-7C613265D444}"/>
               </a:ext>
             </a:extLst>
           </p:cNvPr>
@@ -5040,7 +5695,7 @@
           <p:cNvPr id="5" name="Téglalap: lekerekített 4">
             <a:extLst>
               <a:ext uri="{FF2B5EF4-FFF2-40B4-BE49-F238E27FC236}">
-                <a16:creationId xmlns:a16="http://schemas.microsoft.com/office/drawing/2014/main" id="{B74CBF98-6A67-702F-008D-E30CBEB44963}"/>
+                <a16:creationId xmlns:a16="http://schemas.microsoft.com/office/drawing/2014/main" xmlns="" id="{B74CBF98-6A67-702F-008D-E30CBEB44963}"/>
               </a:ext>
             </a:extLst>
           </p:cNvPr>
@@ -5049,8 +5704,8 @@
         </p:nvSpPr>
         <p:spPr>
           <a:xfrm>
-            <a:off x="6527687" y="417740"/>
-            <a:ext cx="4784269" cy="2811242"/>
+            <a:off x="6527687" y="293914"/>
+            <a:ext cx="4784269" cy="6270170"/>
           </a:xfrm>
           <a:prstGeom prst="roundRect">
             <a:avLst>
@@ -5097,7 +5752,7 @@
           <p:cNvPr id="6" name="Szövegdoboz 5">
             <a:extLst>
               <a:ext uri="{FF2B5EF4-FFF2-40B4-BE49-F238E27FC236}">
-                <a16:creationId xmlns:a16="http://schemas.microsoft.com/office/drawing/2014/main" id="{5B6AC857-2A98-66B3-8AC9-33FBAB3EDDF5}"/>
+                <a16:creationId xmlns:a16="http://schemas.microsoft.com/office/drawing/2014/main" xmlns="" id="{5B6AC857-2A98-66B3-8AC9-33FBAB3EDDF5}"/>
               </a:ext>
             </a:extLst>
           </p:cNvPr>
@@ -5171,6 +5826,10 @@
               </a:rPr>
               <a:t> provides a Sprite class that you can use to create and manage sprites efficiently.</a:t>
             </a:r>
+            <a:r>
+              <a:rPr lang="en-US" dirty="0"/>
+              <a:t/>
+            </a:r>
             <a:br>
               <a:rPr lang="en-US" dirty="0"/>
             </a:br>
@@ -5183,7 +5842,7 @@
           <p:cNvPr id="7" name="Szövegdoboz 6">
             <a:extLst>
               <a:ext uri="{FF2B5EF4-FFF2-40B4-BE49-F238E27FC236}">
-                <a16:creationId xmlns:a16="http://schemas.microsoft.com/office/drawing/2014/main" id="{7819F685-963E-271F-BC1B-FDA54155C9CE}"/>
+                <a16:creationId xmlns:a16="http://schemas.microsoft.com/office/drawing/2014/main" xmlns="" id="{7819F685-963E-271F-BC1B-FDA54155C9CE}"/>
               </a:ext>
             </a:extLst>
           </p:cNvPr>
@@ -5243,124 +5902,147 @@
           </a:p>
         </p:txBody>
       </p:sp>
-      <p:sp>
-        <p:nvSpPr>
-          <p:cNvPr id="8" name="Téglalap: lekerekített 7">
-            <a:extLst>
-              <a:ext uri="{FF2B5EF4-FFF2-40B4-BE49-F238E27FC236}">
-                <a16:creationId xmlns:a16="http://schemas.microsoft.com/office/drawing/2014/main" id="{104486A8-B0E8-F708-7D72-B551D3E54053}"/>
-              </a:ext>
-            </a:extLst>
-          </p:cNvPr>
-          <p:cNvSpPr/>
-          <p:nvPr/>
-        </p:nvSpPr>
-        <p:spPr>
-          <a:xfrm>
-            <a:off x="6527687" y="3629018"/>
-            <a:ext cx="4784269" cy="2811242"/>
-          </a:xfrm>
-          <a:prstGeom prst="roundRect">
-            <a:avLst>
-              <a:gd name="adj" fmla="val 4094"/>
-            </a:avLst>
-          </a:prstGeom>
-          <a:solidFill>
-            <a:schemeClr val="bg1">
-              <a:alpha val="80000"/>
-            </a:schemeClr>
-          </a:solidFill>
-          <a:ln w="120650" cap="sq">
-            <a:noFill/>
-            <a:round/>
-          </a:ln>
-        </p:spPr>
-        <p:style>
-          <a:lnRef idx="2">
-            <a:schemeClr val="accent1">
-              <a:shade val="15000"/>
-            </a:schemeClr>
-          </a:lnRef>
-          <a:fillRef idx="1">
-            <a:schemeClr val="accent1"/>
-          </a:fillRef>
-          <a:effectRef idx="0">
-            <a:schemeClr val="accent1"/>
-          </a:effectRef>
-          <a:fontRef idx="minor">
-            <a:schemeClr val="lt1"/>
-          </a:fontRef>
-        </p:style>
-        <p:txBody>
-          <a:bodyPr rtlCol="0" anchor="ctr"/>
-          <a:lstStyle/>
-          <a:p>
-            <a:pPr algn="ctr"/>
-            <a:endParaRPr lang="hu-HU" dirty="0"/>
-          </a:p>
-        </p:txBody>
-      </p:sp>
-      <p:pic>
-        <p:nvPicPr>
-          <p:cNvPr id="1026" name="Picture 2">
-            <a:extLst>
-              <a:ext uri="{FF2B5EF4-FFF2-40B4-BE49-F238E27FC236}">
-                <a16:creationId xmlns:a16="http://schemas.microsoft.com/office/drawing/2014/main" id="{7A82368D-859C-5EE3-8D89-77E6D75EAD7D}"/>
-              </a:ext>
-            </a:extLst>
-          </p:cNvPr>
-          <p:cNvPicPr>
-            <a:picLocks noChangeAspect="1" noChangeArrowheads="1"/>
-          </p:cNvPicPr>
-          <p:nvPr/>
-        </p:nvPicPr>
-        <p:blipFill>
-          <a:blip r:embed="rId2">
-            <a:extLst>
-              <a:ext uri="{28A0092B-C50C-407E-A947-70E740481C1C}">
-                <a14:useLocalDpi xmlns:a14="http://schemas.microsoft.com/office/drawing/2010/main" val="0"/>
-              </a:ext>
-            </a:extLst>
-          </a:blip>
-          <a:srcRect/>
-          <a:stretch>
-            <a:fillRect/>
-          </a:stretch>
-        </p:blipFill>
-        <p:spPr bwMode="auto">
-          <a:xfrm>
-            <a:off x="6725670" y="1166806"/>
-            <a:ext cx="4388302" cy="1234210"/>
-          </a:xfrm>
-          <a:prstGeom prst="rect">
-            <a:avLst/>
-          </a:prstGeom>
-          <a:noFill/>
-          <a:extLst>
-            <a:ext uri="{909E8E84-426E-40DD-AFC4-6F175D3DCCD1}">
-              <a14:hiddenFill xmlns:a14="http://schemas.microsoft.com/office/drawing/2010/main">
-                <a:solidFill>
-                  <a:srgbClr val="FFFFFF"/>
-                </a:solidFill>
-              </a14:hiddenFill>
-            </a:ext>
-          </a:extLst>
-        </p:spPr>
-      </p:pic>
     </p:spTree>
     <p:extLst>
       <p:ext uri="{BB962C8B-B14F-4D97-AF65-F5344CB8AC3E}">
-        <p14:creationId xmlns:p14="http://schemas.microsoft.com/office/powerpoint/2010/main" val="2989583105"/>
+        <p14:creationId xmlns:p14="http://schemas.microsoft.com/office/powerpoint/2010/main" val="1827483191"/>
       </p:ext>
     </p:extLst>
   </p:cSld>
   <p:clrMapOvr>
     <a:masterClrMapping/>
   </p:clrMapOvr>
+  <p:transition spd="slow">
+    <p:push dir="u"/>
+  </p:transition>
+  <p:timing>
+    <p:tnLst>
+      <p:par>
+        <p:cTn id="1" dur="indefinite" restart="never" nodeType="tmRoot">
+          <p:childTnLst>
+            <p:seq concurrent="1" nextAc="seek">
+              <p:cTn id="2" dur="indefinite" nodeType="mainSeq">
+                <p:childTnLst>
+                  <p:par>
+                    <p:cTn id="3" fill="hold">
+                      <p:stCondLst>
+                        <p:cond delay="indefinite"/>
+                      </p:stCondLst>
+                      <p:childTnLst>
+                        <p:par>
+                          <p:cTn id="4" fill="hold">
+                            <p:stCondLst>
+                              <p:cond delay="0"/>
+                            </p:stCondLst>
+                            <p:childTnLst>
+                              <p:par>
+                                <p:cTn id="5" presetID="2" presetClass="entr" presetSubtype="4" fill="hold" grpId="0" nodeType="clickEffect">
+                                  <p:stCondLst>
+                                    <p:cond delay="0"/>
+                                  </p:stCondLst>
+                                  <p:childTnLst>
+                                    <p:set>
+                                      <p:cBhvr>
+                                        <p:cTn id="6" dur="1" fill="hold">
+                                          <p:stCondLst>
+                                            <p:cond delay="0"/>
+                                          </p:stCondLst>
+                                        </p:cTn>
+                                        <p:tgtEl>
+                                          <p:spTgt spid="5"/>
+                                        </p:tgtEl>
+                                        <p:attrNameLst>
+                                          <p:attrName>style.visibility</p:attrName>
+                                        </p:attrNameLst>
+                                      </p:cBhvr>
+                                      <p:to>
+                                        <p:strVal val="visible"/>
+                                      </p:to>
+                                    </p:set>
+                                    <p:anim calcmode="lin" valueType="num">
+                                      <p:cBhvr additive="base">
+                                        <p:cTn id="7" dur="1000" fill="hold"/>
+                                        <p:tgtEl>
+                                          <p:spTgt spid="5"/>
+                                        </p:tgtEl>
+                                        <p:attrNameLst>
+                                          <p:attrName>ppt_x</p:attrName>
+                                        </p:attrNameLst>
+                                      </p:cBhvr>
+                                      <p:tavLst>
+                                        <p:tav tm="0">
+                                          <p:val>
+                                            <p:strVal val="#ppt_x"/>
+                                          </p:val>
+                                        </p:tav>
+                                        <p:tav tm="100000">
+                                          <p:val>
+                                            <p:strVal val="#ppt_x"/>
+                                          </p:val>
+                                        </p:tav>
+                                      </p:tavLst>
+                                    </p:anim>
+                                    <p:anim calcmode="lin" valueType="num">
+                                      <p:cBhvr additive="base">
+                                        <p:cTn id="8" dur="1000" fill="hold"/>
+                                        <p:tgtEl>
+                                          <p:spTgt spid="5"/>
+                                        </p:tgtEl>
+                                        <p:attrNameLst>
+                                          <p:attrName>ppt_y</p:attrName>
+                                        </p:attrNameLst>
+                                      </p:cBhvr>
+                                      <p:tavLst>
+                                        <p:tav tm="0">
+                                          <p:val>
+                                            <p:strVal val="1+#ppt_h/2"/>
+                                          </p:val>
+                                        </p:tav>
+                                        <p:tav tm="100000">
+                                          <p:val>
+                                            <p:strVal val="#ppt_y"/>
+                                          </p:val>
+                                        </p:tav>
+                                      </p:tavLst>
+                                    </p:anim>
+                                  </p:childTnLst>
+                                </p:cTn>
+                              </p:par>
+                            </p:childTnLst>
+                          </p:cTn>
+                        </p:par>
+                      </p:childTnLst>
+                    </p:cTn>
+                  </p:par>
+                </p:childTnLst>
+              </p:cTn>
+              <p:prevCondLst>
+                <p:cond evt="onPrev" delay="0">
+                  <p:tgtEl>
+                    <p:sldTgt/>
+                  </p:tgtEl>
+                </p:cond>
+              </p:prevCondLst>
+              <p:nextCondLst>
+                <p:cond evt="onNext" delay="0">
+                  <p:tgtEl>
+                    <p:sldTgt/>
+                  </p:tgtEl>
+                </p:cond>
+              </p:nextCondLst>
+            </p:seq>
+          </p:childTnLst>
+        </p:cTn>
+      </p:par>
+    </p:tnLst>
+    <p:bldLst>
+      <p:bldP spid="5" grpId="0" animBg="1"/>
+    </p:bldLst>
+  </p:timing>
 </p:sld>
 </file>
 
-<file path=ppt/slides/slide3.xml><?xml version="1.0" encoding="utf-8"?>
+<file path=ppt/slides/slide4.xml><?xml version="1.0" encoding="utf-8"?>
 <p:sld xmlns:a="http://schemas.openxmlformats.org/drawingml/2006/main" xmlns:r="http://schemas.openxmlformats.org/officeDocument/2006/relationships" xmlns:p="http://schemas.openxmlformats.org/presentationml/2006/main">
   <p:cSld>
     <p:bg>
@@ -5387,67 +6069,60 @@
       </p:grpSpPr>
       <p:sp>
         <p:nvSpPr>
-          <p:cNvPr id="4" name="Téglalap: lekerekített 3">
-            <a:extLst>
-              <a:ext uri="{FF2B5EF4-FFF2-40B4-BE49-F238E27FC236}">
-                <a16:creationId xmlns:a16="http://schemas.microsoft.com/office/drawing/2014/main" id="{BC187220-8284-1B2B-8CE3-7C613265D444}"/>
-              </a:ext>
-            </a:extLst>
-          </p:cNvPr>
-          <p:cNvSpPr/>
-          <p:nvPr/>
-        </p:nvSpPr>
-        <p:spPr>
-          <a:xfrm>
-            <a:off x="880044" y="293914"/>
-            <a:ext cx="4784269" cy="6270171"/>
-          </a:xfrm>
-          <a:prstGeom prst="roundRect">
-            <a:avLst>
-              <a:gd name="adj" fmla="val 4094"/>
-            </a:avLst>
-          </a:prstGeom>
-          <a:solidFill>
-            <a:schemeClr val="bg1">
-              <a:alpha val="80000"/>
-            </a:schemeClr>
-          </a:solidFill>
-          <a:ln w="120650" cap="sq">
-            <a:noFill/>
-            <a:round/>
-          </a:ln>
-        </p:spPr>
-        <p:style>
-          <a:lnRef idx="2">
-            <a:schemeClr val="accent1">
-              <a:shade val="15000"/>
-            </a:schemeClr>
-          </a:lnRef>
-          <a:fillRef idx="1">
-            <a:schemeClr val="accent1"/>
-          </a:fillRef>
-          <a:effectRef idx="0">
-            <a:schemeClr val="accent1"/>
-          </a:effectRef>
-          <a:fontRef idx="minor">
-            <a:schemeClr val="lt1"/>
-          </a:fontRef>
-        </p:style>
-        <p:txBody>
-          <a:bodyPr rtlCol="0" anchor="ctr"/>
+          <p:cNvPr id="2" name="Cím 1">
+            <a:extLst>
+              <a:ext uri="{FF2B5EF4-FFF2-40B4-BE49-F238E27FC236}">
+                <a16:creationId xmlns:a16="http://schemas.microsoft.com/office/drawing/2014/main" xmlns="" id="{D1CE9B8A-DB08-5227-4E90-0FE396A4D141}"/>
+              </a:ext>
+            </a:extLst>
+          </p:cNvPr>
+          <p:cNvSpPr>
+            <a:spLocks noGrp="1"/>
+          </p:cNvSpPr>
+          <p:nvPr>
+            <p:ph type="ctrTitle"/>
+          </p:nvPr>
+        </p:nvSpPr>
+        <p:spPr/>
+        <p:txBody>
+          <a:bodyPr/>
           <a:lstStyle/>
           <a:p>
-            <a:pPr algn="ctr"/>
-            <a:endParaRPr lang="hu-HU" dirty="0"/>
-          </a:p>
-        </p:txBody>
-      </p:sp>
-      <p:sp>
-        <p:nvSpPr>
-          <p:cNvPr id="5" name="Téglalap: lekerekített 4">
-            <a:extLst>
-              <a:ext uri="{FF2B5EF4-FFF2-40B4-BE49-F238E27FC236}">
-                <a16:creationId xmlns:a16="http://schemas.microsoft.com/office/drawing/2014/main" id="{B74CBF98-6A67-702F-008D-E30CBEB44963}"/>
+            <a:endParaRPr lang="hu-HU"/>
+          </a:p>
+        </p:txBody>
+      </p:sp>
+      <p:sp>
+        <p:nvSpPr>
+          <p:cNvPr id="3" name="Alcím 2">
+            <a:extLst>
+              <a:ext uri="{FF2B5EF4-FFF2-40B4-BE49-F238E27FC236}">
+                <a16:creationId xmlns:a16="http://schemas.microsoft.com/office/drawing/2014/main" xmlns="" id="{33E051B4-6ACD-E318-EC79-47D89175A6C0}"/>
+              </a:ext>
+            </a:extLst>
+          </p:cNvPr>
+          <p:cNvSpPr>
+            <a:spLocks noGrp="1"/>
+          </p:cNvSpPr>
+          <p:nvPr>
+            <p:ph type="subTitle" idx="1"/>
+          </p:nvPr>
+        </p:nvSpPr>
+        <p:spPr/>
+        <p:txBody>
+          <a:bodyPr/>
+          <a:lstStyle/>
+          <a:p>
+            <a:endParaRPr lang="hu-HU"/>
+          </a:p>
+        </p:txBody>
+      </p:sp>
+      <p:sp>
+        <p:nvSpPr>
+          <p:cNvPr id="4" name="Téglalap: lekerekített 4">
+            <a:extLst>
+              <a:ext uri="{FF2B5EF4-FFF2-40B4-BE49-F238E27FC236}">
+                <a16:creationId xmlns:a16="http://schemas.microsoft.com/office/drawing/2014/main" xmlns="" id="{B74CBF98-6A67-702F-008D-E30CBEB44963}"/>
               </a:ext>
             </a:extLst>
           </p:cNvPr>
@@ -5499,574 +6174,26 @@
           </a:p>
         </p:txBody>
       </p:sp>
-      <p:sp>
-        <p:nvSpPr>
-          <p:cNvPr id="6" name="Szövegdoboz 5">
-            <a:extLst>
-              <a:ext uri="{FF2B5EF4-FFF2-40B4-BE49-F238E27FC236}">
-                <a16:creationId xmlns:a16="http://schemas.microsoft.com/office/drawing/2014/main" id="{5B6AC857-2A98-66B3-8AC9-33FBAB3EDDF5}"/>
-              </a:ext>
-            </a:extLst>
-          </p:cNvPr>
-          <p:cNvSpPr txBox="1"/>
-          <p:nvPr/>
-        </p:nvSpPr>
-        <p:spPr>
-          <a:xfrm>
-            <a:off x="1128030" y="1597693"/>
-            <a:ext cx="4095750" cy="2031325"/>
-          </a:xfrm>
-          <a:prstGeom prst="rect">
-            <a:avLst/>
-          </a:prstGeom>
-          <a:noFill/>
-        </p:spPr>
-        <p:txBody>
-          <a:bodyPr wrap="square" rtlCol="0">
-            <a:spAutoFit/>
-          </a:bodyPr>
-          <a:lstStyle/>
-          <a:p>
-            <a:pPr algn="just"/>
-            <a:r>
-              <a:rPr lang="en-US" b="1" i="0" dirty="0">
-                <a:solidFill>
-                  <a:srgbClr val="5019B3"/>
-                </a:solidFill>
-                <a:effectLst/>
-                <a:latin typeface="Rubik"/>
-              </a:rPr>
-              <a:t>In </a:t>
-            </a:r>
-            <a:r>
-              <a:rPr lang="en-US" b="1" i="0" dirty="0" err="1">
-                <a:solidFill>
-                  <a:srgbClr val="5019B3"/>
-                </a:solidFill>
-                <a:effectLst/>
-                <a:latin typeface="Rubik"/>
-              </a:rPr>
-              <a:t>Pygame</a:t>
-            </a:r>
-            <a:r>
-              <a:rPr lang="en-US" b="1" i="0" dirty="0">
-                <a:solidFill>
-                  <a:srgbClr val="5019B3"/>
-                </a:solidFill>
-                <a:effectLst/>
-                <a:latin typeface="Rubik"/>
-              </a:rPr>
-              <a:t>, a sprite is an object that represents a game element. It can be an image, animation, or any other visual element in a game. </a:t>
-            </a:r>
-            <a:r>
-              <a:rPr lang="en-US" b="1" i="0" dirty="0" err="1">
-                <a:solidFill>
-                  <a:srgbClr val="5019B3"/>
-                </a:solidFill>
-                <a:effectLst/>
-                <a:latin typeface="Rubik"/>
-              </a:rPr>
-              <a:t>Pygame</a:t>
-            </a:r>
-            <a:r>
-              <a:rPr lang="en-US" b="1" i="0" dirty="0">
-                <a:solidFill>
-                  <a:srgbClr val="5019B3"/>
-                </a:solidFill>
-                <a:effectLst/>
-                <a:latin typeface="Rubik"/>
-              </a:rPr>
-              <a:t> provides a Sprite class that you can use to create and manage sprites efficiently.</a:t>
-            </a:r>
-            <a:br>
-              <a:rPr lang="en-US" dirty="0"/>
-            </a:br>
-            <a:endParaRPr lang="hu-HU" dirty="0"/>
-          </a:p>
-        </p:txBody>
-      </p:sp>
-      <p:sp>
-        <p:nvSpPr>
-          <p:cNvPr id="7" name="Szövegdoboz 6">
-            <a:extLst>
-              <a:ext uri="{FF2B5EF4-FFF2-40B4-BE49-F238E27FC236}">
-                <a16:creationId xmlns:a16="http://schemas.microsoft.com/office/drawing/2014/main" id="{7819F685-963E-271F-BC1B-FDA54155C9CE}"/>
-              </a:ext>
-            </a:extLst>
-          </p:cNvPr>
-          <p:cNvSpPr txBox="1"/>
-          <p:nvPr/>
-        </p:nvSpPr>
-        <p:spPr>
-          <a:xfrm>
-            <a:off x="1647142" y="735919"/>
-            <a:ext cx="3057525" cy="861774"/>
-          </a:xfrm>
-          <a:prstGeom prst="rect">
-            <a:avLst/>
-          </a:prstGeom>
-          <a:noFill/>
-        </p:spPr>
-        <p:txBody>
-          <a:bodyPr wrap="square" rtlCol="0">
-            <a:spAutoFit/>
-          </a:bodyPr>
-          <a:lstStyle/>
-          <a:p>
-            <a:pPr algn="ctr"/>
-            <a:r>
-              <a:rPr lang="hu-HU" sz="3200" b="1" i="0" dirty="0">
-                <a:solidFill>
-                  <a:srgbClr val="5019B3"/>
-                </a:solidFill>
-                <a:effectLst/>
-                <a:latin typeface="Rubik"/>
-              </a:rPr>
-              <a:t>Mi is az a </a:t>
-            </a:r>
-            <a:r>
-              <a:rPr lang="hu-HU" sz="3200" b="1" i="0" dirty="0" err="1">
-                <a:solidFill>
-                  <a:srgbClr val="5019B3"/>
-                </a:solidFill>
-                <a:effectLst/>
-                <a:latin typeface="Rubik"/>
-              </a:rPr>
-              <a:t>sprite</a:t>
-            </a:r>
-            <a:r>
-              <a:rPr lang="hu-HU" sz="3200" b="1" i="0" dirty="0">
-                <a:solidFill>
-                  <a:srgbClr val="5019B3"/>
-                </a:solidFill>
-                <a:effectLst/>
-                <a:latin typeface="Rubik"/>
-              </a:rPr>
-              <a:t>?</a:t>
-            </a:r>
-          </a:p>
-          <a:p>
-            <a:endParaRPr lang="hu-HU" dirty="0"/>
-          </a:p>
-        </p:txBody>
-      </p:sp>
     </p:spTree>
     <p:extLst>
       <p:ext uri="{BB962C8B-B14F-4D97-AF65-F5344CB8AC3E}">
-        <p14:creationId xmlns:p14="http://schemas.microsoft.com/office/powerpoint/2010/main" val="1827483191"/>
+        <p14:creationId xmlns:p14="http://schemas.microsoft.com/office/powerpoint/2010/main" val="605018872"/>
       </p:ext>
     </p:extLst>
   </p:cSld>
   <p:clrMapOvr>
     <a:masterClrMapping/>
   </p:clrMapOvr>
-</p:sld>
-</file>
-
-<file path=ppt/slides/slide4.xml><?xml version="1.0" encoding="utf-8"?>
-<p:sld xmlns:a="http://schemas.openxmlformats.org/drawingml/2006/main" xmlns:r="http://schemas.openxmlformats.org/officeDocument/2006/relationships" xmlns:p="http://schemas.openxmlformats.org/presentationml/2006/main">
-  <p:cSld>
-    <p:bg>
-      <p:bgPr>
-        <a:solidFill>
-          <a:srgbClr val="5019B3"/>
-        </a:solidFill>
-        <a:effectLst/>
-      </p:bgPr>
-    </p:bg>
-    <p:spTree>
-      <p:nvGrpSpPr>
-        <p:cNvPr id="1" name=""/>
-        <p:cNvGrpSpPr/>
-        <p:nvPr/>
-      </p:nvGrpSpPr>
-      <p:grpSpPr>
-        <a:xfrm>
-          <a:off x="0" y="0"/>
-          <a:ext cx="0" cy="0"/>
-          <a:chOff x="0" y="0"/>
-          <a:chExt cx="0" cy="0"/>
-        </a:xfrm>
-      </p:grpSpPr>
-      <p:sp>
-        <p:nvSpPr>
-          <p:cNvPr id="4" name="Téglalap: lekerekített 3">
-            <a:extLst>
-              <a:ext uri="{FF2B5EF4-FFF2-40B4-BE49-F238E27FC236}">
-                <a16:creationId xmlns:a16="http://schemas.microsoft.com/office/drawing/2014/main" id="{BC187220-8284-1B2B-8CE3-7C613265D444}"/>
-              </a:ext>
-            </a:extLst>
-          </p:cNvPr>
-          <p:cNvSpPr/>
-          <p:nvPr/>
-        </p:nvSpPr>
-        <p:spPr>
-          <a:xfrm>
-            <a:off x="880044" y="293914"/>
-            <a:ext cx="4784269" cy="6270171"/>
-          </a:xfrm>
-          <a:prstGeom prst="roundRect">
-            <a:avLst>
-              <a:gd name="adj" fmla="val 4094"/>
-            </a:avLst>
-          </a:prstGeom>
-          <a:solidFill>
-            <a:schemeClr val="bg1">
-              <a:alpha val="80000"/>
-            </a:schemeClr>
-          </a:solidFill>
-          <a:ln w="120650" cap="sq">
-            <a:noFill/>
-            <a:round/>
-          </a:ln>
-        </p:spPr>
-        <p:style>
-          <a:lnRef idx="2">
-            <a:schemeClr val="accent1">
-              <a:shade val="15000"/>
-            </a:schemeClr>
-          </a:lnRef>
-          <a:fillRef idx="1">
-            <a:schemeClr val="accent1"/>
-          </a:fillRef>
-          <a:effectRef idx="0">
-            <a:schemeClr val="accent1"/>
-          </a:effectRef>
-          <a:fontRef idx="minor">
-            <a:schemeClr val="lt1"/>
-          </a:fontRef>
-        </p:style>
-        <p:txBody>
-          <a:bodyPr rtlCol="0" anchor="ctr"/>
-          <a:lstStyle/>
-          <a:p>
-            <a:pPr algn="ctr"/>
-            <a:endParaRPr lang="hu-HU" dirty="0"/>
-          </a:p>
-        </p:txBody>
-      </p:sp>
-      <p:sp>
-        <p:nvSpPr>
-          <p:cNvPr id="5" name="Téglalap: lekerekített 4">
-            <a:extLst>
-              <a:ext uri="{FF2B5EF4-FFF2-40B4-BE49-F238E27FC236}">
-                <a16:creationId xmlns:a16="http://schemas.microsoft.com/office/drawing/2014/main" id="{B74CBF98-6A67-702F-008D-E30CBEB44963}"/>
-              </a:ext>
-            </a:extLst>
-          </p:cNvPr>
-          <p:cNvSpPr/>
-          <p:nvPr/>
-        </p:nvSpPr>
-        <p:spPr>
-          <a:xfrm>
-            <a:off x="6527687" y="417740"/>
-            <a:ext cx="4784269" cy="2811242"/>
-          </a:xfrm>
-          <a:prstGeom prst="roundRect">
-            <a:avLst>
-              <a:gd name="adj" fmla="val 4094"/>
-            </a:avLst>
-          </a:prstGeom>
-          <a:solidFill>
-            <a:schemeClr val="bg1">
-              <a:alpha val="80000"/>
-            </a:schemeClr>
-          </a:solidFill>
-          <a:ln w="120650" cap="sq">
-            <a:noFill/>
-            <a:round/>
-          </a:ln>
-        </p:spPr>
-        <p:style>
-          <a:lnRef idx="2">
-            <a:schemeClr val="accent1">
-              <a:shade val="15000"/>
-            </a:schemeClr>
-          </a:lnRef>
-          <a:fillRef idx="1">
-            <a:schemeClr val="accent1"/>
-          </a:fillRef>
-          <a:effectRef idx="0">
-            <a:schemeClr val="accent1"/>
-          </a:effectRef>
-          <a:fontRef idx="minor">
-            <a:schemeClr val="lt1"/>
-          </a:fontRef>
-        </p:style>
-        <p:txBody>
-          <a:bodyPr rtlCol="0" anchor="ctr"/>
-          <a:lstStyle/>
-          <a:p>
-            <a:pPr algn="ctr"/>
-            <a:endParaRPr lang="hu-HU" dirty="0"/>
-          </a:p>
-        </p:txBody>
-      </p:sp>
-      <p:sp>
-        <p:nvSpPr>
-          <p:cNvPr id="6" name="Szövegdoboz 5">
-            <a:extLst>
-              <a:ext uri="{FF2B5EF4-FFF2-40B4-BE49-F238E27FC236}">
-                <a16:creationId xmlns:a16="http://schemas.microsoft.com/office/drawing/2014/main" id="{5B6AC857-2A98-66B3-8AC9-33FBAB3EDDF5}"/>
-              </a:ext>
-            </a:extLst>
-          </p:cNvPr>
-          <p:cNvSpPr txBox="1"/>
-          <p:nvPr/>
-        </p:nvSpPr>
-        <p:spPr>
-          <a:xfrm>
-            <a:off x="1128030" y="1597693"/>
-            <a:ext cx="4095750" cy="2031325"/>
-          </a:xfrm>
-          <a:prstGeom prst="rect">
-            <a:avLst/>
-          </a:prstGeom>
-          <a:noFill/>
-        </p:spPr>
-        <p:txBody>
-          <a:bodyPr wrap="square" rtlCol="0">
-            <a:spAutoFit/>
-          </a:bodyPr>
-          <a:lstStyle/>
-          <a:p>
-            <a:pPr algn="just"/>
-            <a:r>
-              <a:rPr lang="en-US" b="1" i="0" dirty="0">
-                <a:solidFill>
-                  <a:srgbClr val="5019B3"/>
-                </a:solidFill>
-                <a:effectLst/>
-                <a:latin typeface="Rubik"/>
-              </a:rPr>
-              <a:t>In </a:t>
-            </a:r>
-            <a:r>
-              <a:rPr lang="en-US" b="1" i="0" dirty="0" err="1">
-                <a:solidFill>
-                  <a:srgbClr val="5019B3"/>
-                </a:solidFill>
-                <a:effectLst/>
-                <a:latin typeface="Rubik"/>
-              </a:rPr>
-              <a:t>Pygame</a:t>
-            </a:r>
-            <a:r>
-              <a:rPr lang="en-US" b="1" i="0" dirty="0">
-                <a:solidFill>
-                  <a:srgbClr val="5019B3"/>
-                </a:solidFill>
-                <a:effectLst/>
-                <a:latin typeface="Rubik"/>
-              </a:rPr>
-              <a:t>, a sprite is an object that represents a game element. It can be an image, animation, or any other visual element in a game. </a:t>
-            </a:r>
-            <a:r>
-              <a:rPr lang="en-US" b="1" i="0" dirty="0" err="1">
-                <a:solidFill>
-                  <a:srgbClr val="5019B3"/>
-                </a:solidFill>
-                <a:effectLst/>
-                <a:latin typeface="Rubik"/>
-              </a:rPr>
-              <a:t>Pygame</a:t>
-            </a:r>
-            <a:r>
-              <a:rPr lang="en-US" b="1" i="0" dirty="0">
-                <a:solidFill>
-                  <a:srgbClr val="5019B3"/>
-                </a:solidFill>
-                <a:effectLst/>
-                <a:latin typeface="Rubik"/>
-              </a:rPr>
-              <a:t> provides a Sprite class that you can use to create and manage sprites efficiently.</a:t>
-            </a:r>
-            <a:br>
-              <a:rPr lang="en-US" dirty="0"/>
-            </a:br>
-            <a:endParaRPr lang="hu-HU" dirty="0"/>
-          </a:p>
-        </p:txBody>
-      </p:sp>
-      <p:sp>
-        <p:nvSpPr>
-          <p:cNvPr id="7" name="Szövegdoboz 6">
-            <a:extLst>
-              <a:ext uri="{FF2B5EF4-FFF2-40B4-BE49-F238E27FC236}">
-                <a16:creationId xmlns:a16="http://schemas.microsoft.com/office/drawing/2014/main" id="{7819F685-963E-271F-BC1B-FDA54155C9CE}"/>
-              </a:ext>
-            </a:extLst>
-          </p:cNvPr>
-          <p:cNvSpPr txBox="1"/>
-          <p:nvPr/>
-        </p:nvSpPr>
-        <p:spPr>
-          <a:xfrm>
-            <a:off x="1647142" y="735919"/>
-            <a:ext cx="3057525" cy="861774"/>
-          </a:xfrm>
-          <a:prstGeom prst="rect">
-            <a:avLst/>
-          </a:prstGeom>
-          <a:noFill/>
-        </p:spPr>
-        <p:txBody>
-          <a:bodyPr wrap="square" rtlCol="0">
-            <a:spAutoFit/>
-          </a:bodyPr>
-          <a:lstStyle/>
-          <a:p>
-            <a:pPr algn="ctr"/>
-            <a:r>
-              <a:rPr lang="hu-HU" sz="3200" b="1" i="0" dirty="0">
-                <a:solidFill>
-                  <a:srgbClr val="5019B3"/>
-                </a:solidFill>
-                <a:effectLst/>
-                <a:latin typeface="Rubik"/>
-              </a:rPr>
-              <a:t>Mi is az a </a:t>
-            </a:r>
-            <a:r>
-              <a:rPr lang="hu-HU" sz="3200" b="1" i="0" dirty="0" err="1">
-                <a:solidFill>
-                  <a:srgbClr val="5019B3"/>
-                </a:solidFill>
-                <a:effectLst/>
-                <a:latin typeface="Rubik"/>
-              </a:rPr>
-              <a:t>sprite</a:t>
-            </a:r>
-            <a:r>
-              <a:rPr lang="hu-HU" sz="3200" b="1" i="0" dirty="0">
-                <a:solidFill>
-                  <a:srgbClr val="5019B3"/>
-                </a:solidFill>
-                <a:effectLst/>
-                <a:latin typeface="Rubik"/>
-              </a:rPr>
-              <a:t>?</a:t>
-            </a:r>
-          </a:p>
-          <a:p>
-            <a:endParaRPr lang="hu-HU" dirty="0"/>
-          </a:p>
-        </p:txBody>
-      </p:sp>
-      <p:sp>
-        <p:nvSpPr>
-          <p:cNvPr id="8" name="Téglalap: lekerekített 7">
-            <a:extLst>
-              <a:ext uri="{FF2B5EF4-FFF2-40B4-BE49-F238E27FC236}">
-                <a16:creationId xmlns:a16="http://schemas.microsoft.com/office/drawing/2014/main" id="{104486A8-B0E8-F708-7D72-B551D3E54053}"/>
-              </a:ext>
-            </a:extLst>
-          </p:cNvPr>
-          <p:cNvSpPr/>
-          <p:nvPr/>
-        </p:nvSpPr>
-        <p:spPr>
-          <a:xfrm>
-            <a:off x="6527687" y="3629018"/>
-            <a:ext cx="4784269" cy="2811242"/>
-          </a:xfrm>
-          <a:prstGeom prst="roundRect">
-            <a:avLst>
-              <a:gd name="adj" fmla="val 4094"/>
-            </a:avLst>
-          </a:prstGeom>
-          <a:solidFill>
-            <a:schemeClr val="bg1">
-              <a:alpha val="80000"/>
-            </a:schemeClr>
-          </a:solidFill>
-          <a:ln w="120650" cap="sq">
-            <a:noFill/>
-            <a:round/>
-          </a:ln>
-        </p:spPr>
-        <p:style>
-          <a:lnRef idx="2">
-            <a:schemeClr val="accent1">
-              <a:shade val="15000"/>
-            </a:schemeClr>
-          </a:lnRef>
-          <a:fillRef idx="1">
-            <a:schemeClr val="accent1"/>
-          </a:fillRef>
-          <a:effectRef idx="0">
-            <a:schemeClr val="accent1"/>
-          </a:effectRef>
-          <a:fontRef idx="minor">
-            <a:schemeClr val="lt1"/>
-          </a:fontRef>
-        </p:style>
-        <p:txBody>
-          <a:bodyPr rtlCol="0" anchor="ctr"/>
-          <a:lstStyle/>
-          <a:p>
-            <a:pPr algn="ctr"/>
-            <a:endParaRPr lang="hu-HU" dirty="0"/>
-          </a:p>
-        </p:txBody>
-      </p:sp>
-      <p:pic>
-        <p:nvPicPr>
-          <p:cNvPr id="1026" name="Picture 2">
-            <a:extLst>
-              <a:ext uri="{FF2B5EF4-FFF2-40B4-BE49-F238E27FC236}">
-                <a16:creationId xmlns:a16="http://schemas.microsoft.com/office/drawing/2014/main" id="{7A82368D-859C-5EE3-8D89-77E6D75EAD7D}"/>
-              </a:ext>
-            </a:extLst>
-          </p:cNvPr>
-          <p:cNvPicPr>
-            <a:picLocks noChangeAspect="1" noChangeArrowheads="1"/>
-          </p:cNvPicPr>
-          <p:nvPr/>
-        </p:nvPicPr>
-        <p:blipFill>
-          <a:blip r:embed="rId2">
-            <a:extLst>
-              <a:ext uri="{28A0092B-C50C-407E-A947-70E740481C1C}">
-                <a14:useLocalDpi xmlns:a14="http://schemas.microsoft.com/office/drawing/2010/main" val="0"/>
-              </a:ext>
-            </a:extLst>
-          </a:blip>
-          <a:srcRect/>
-          <a:stretch>
-            <a:fillRect/>
-          </a:stretch>
-        </p:blipFill>
-        <p:spPr bwMode="auto">
-          <a:xfrm>
-            <a:off x="6725670" y="1166806"/>
-            <a:ext cx="4388302" cy="1234210"/>
-          </a:xfrm>
-          <a:prstGeom prst="rect">
-            <a:avLst/>
-          </a:prstGeom>
-          <a:noFill/>
-          <a:extLst>
-            <a:ext uri="{909E8E84-426E-40DD-AFC4-6F175D3DCCD1}">
-              <a14:hiddenFill xmlns:a14="http://schemas.microsoft.com/office/drawing/2010/main">
-                <a:solidFill>
-                  <a:srgbClr val="FFFFFF"/>
-                </a:solidFill>
-              </a14:hiddenFill>
-            </a:ext>
-          </a:extLst>
-        </p:spPr>
-      </p:pic>
-    </p:spTree>
-    <p:extLst>
-      <p:ext uri="{BB962C8B-B14F-4D97-AF65-F5344CB8AC3E}">
-        <p14:creationId xmlns:p14="http://schemas.microsoft.com/office/powerpoint/2010/main" val="2433985320"/>
-      </p:ext>
-    </p:extLst>
-  </p:cSld>
-  <p:clrMapOvr>
-    <a:masterClrMapping/>
-  </p:clrMapOvr>
+  <p:transition spd="slow">
+    <p:push dir="u"/>
+  </p:transition>
+  <p:timing>
+    <p:tnLst>
+      <p:par>
+        <p:cTn id="1" dur="indefinite" restart="never" nodeType="tmRoot"/>
+      </p:par>
+    </p:tnLst>
+  </p:timing>
 </p:sld>
 </file>
 
@@ -6097,64 +6224,716 @@
       </p:grpSpPr>
       <p:sp>
         <p:nvSpPr>
-          <p:cNvPr id="2" name="Cím 1">
-            <a:extLst>
-              <a:ext uri="{FF2B5EF4-FFF2-40B4-BE49-F238E27FC236}">
-                <a16:creationId xmlns:a16="http://schemas.microsoft.com/office/drawing/2014/main" id="{D1CE9B8A-DB08-5227-4E90-0FE396A4D141}"/>
-              </a:ext>
-            </a:extLst>
-          </p:cNvPr>
-          <p:cNvSpPr>
-            <a:spLocks noGrp="1"/>
-          </p:cNvSpPr>
-          <p:nvPr>
-            <p:ph type="ctrTitle"/>
-          </p:nvPr>
-        </p:nvSpPr>
-        <p:spPr/>
-        <p:txBody>
-          <a:bodyPr/>
+          <p:cNvPr id="4" name="Ellipszis 3">
+            <a:extLst>
+              <a:ext uri="{FF2B5EF4-FFF2-40B4-BE49-F238E27FC236}">
+                <a16:creationId xmlns:a16="http://schemas.microsoft.com/office/drawing/2014/main" xmlns="" id="{5E590742-0F2F-708E-87FC-8CF5ABA75119}"/>
+              </a:ext>
+            </a:extLst>
+          </p:cNvPr>
+          <p:cNvSpPr/>
+          <p:nvPr/>
+        </p:nvSpPr>
+        <p:spPr>
+          <a:xfrm>
+            <a:off x="2803967" y="136967"/>
+            <a:ext cx="6584065" cy="6584065"/>
+          </a:xfrm>
+          <a:prstGeom prst="ellipse">
+            <a:avLst/>
+          </a:prstGeom>
+          <a:solidFill>
+            <a:srgbClr val="4B199F"/>
+          </a:solidFill>
+          <a:ln>
+            <a:noFill/>
+          </a:ln>
+          <a:effectLst>
+            <a:innerShdw blurRad="533400">
+              <a:prstClr val="black">
+                <a:alpha val="71000"/>
+              </a:prstClr>
+            </a:innerShdw>
+          </a:effectLst>
+        </p:spPr>
+        <p:style>
+          <a:lnRef idx="2">
+            <a:schemeClr val="accent1">
+              <a:shade val="15000"/>
+            </a:schemeClr>
+          </a:lnRef>
+          <a:fillRef idx="1">
+            <a:schemeClr val="accent1"/>
+          </a:fillRef>
+          <a:effectRef idx="0">
+            <a:schemeClr val="accent1"/>
+          </a:effectRef>
+          <a:fontRef idx="minor">
+            <a:schemeClr val="lt1"/>
+          </a:fontRef>
+        </p:style>
+        <p:txBody>
+          <a:bodyPr rtlCol="0" anchor="ctr"/>
           <a:lstStyle/>
           <a:p>
+            <a:pPr algn="ctr"/>
             <a:endParaRPr lang="hu-HU"/>
           </a:p>
         </p:txBody>
       </p:sp>
       <p:sp>
         <p:nvSpPr>
-          <p:cNvPr id="3" name="Alcím 2">
-            <a:extLst>
-              <a:ext uri="{FF2B5EF4-FFF2-40B4-BE49-F238E27FC236}">
-                <a16:creationId xmlns:a16="http://schemas.microsoft.com/office/drawing/2014/main" id="{33E051B4-6ACD-E318-EC79-47D89175A6C0}"/>
-              </a:ext>
-            </a:extLst>
-          </p:cNvPr>
-          <p:cNvSpPr>
-            <a:spLocks noGrp="1"/>
-          </p:cNvSpPr>
-          <p:nvPr>
-            <p:ph type="subTitle" idx="1"/>
-          </p:nvPr>
-        </p:nvSpPr>
-        <p:spPr/>
-        <p:txBody>
-          <a:bodyPr/>
+          <p:cNvPr id="5" name="Ellipszis 4">
+            <a:extLst>
+              <a:ext uri="{FF2B5EF4-FFF2-40B4-BE49-F238E27FC236}">
+                <a16:creationId xmlns:a16="http://schemas.microsoft.com/office/drawing/2014/main" xmlns="" id="{7BFA035C-0E90-EF99-09EB-F01F1787B99D}"/>
+              </a:ext>
+            </a:extLst>
+          </p:cNvPr>
+          <p:cNvSpPr/>
+          <p:nvPr/>
+        </p:nvSpPr>
+        <p:spPr>
+          <a:xfrm>
+            <a:off x="3530277" y="863277"/>
+            <a:ext cx="5131443" cy="5131443"/>
+          </a:xfrm>
+          <a:prstGeom prst="ellipse">
+            <a:avLst/>
+          </a:prstGeom>
+          <a:solidFill>
+            <a:srgbClr val="441887"/>
+          </a:solidFill>
+          <a:effectLst>
+            <a:innerShdw blurRad="368300">
+              <a:prstClr val="black">
+                <a:alpha val="41000"/>
+              </a:prstClr>
+            </a:innerShdw>
+          </a:effectLst>
+        </p:spPr>
+        <p:style>
+          <a:lnRef idx="2">
+            <a:schemeClr val="accent1">
+              <a:shade val="15000"/>
+            </a:schemeClr>
+          </a:lnRef>
+          <a:fillRef idx="1">
+            <a:schemeClr val="accent1"/>
+          </a:fillRef>
+          <a:effectRef idx="0">
+            <a:schemeClr val="accent1"/>
+          </a:effectRef>
+          <a:fontRef idx="minor">
+            <a:schemeClr val="lt1"/>
+          </a:fontRef>
+        </p:style>
+        <p:txBody>
+          <a:bodyPr rtlCol="0" anchor="ctr"/>
           <a:lstStyle/>
           <a:p>
+            <a:pPr algn="ctr"/>
             <a:endParaRPr lang="hu-HU"/>
+          </a:p>
+        </p:txBody>
+      </p:sp>
+      <p:sp>
+        <p:nvSpPr>
+          <p:cNvPr id="15" name="Szövegdoboz 14">
+            <a:extLst>
+              <a:ext uri="{FF2B5EF4-FFF2-40B4-BE49-F238E27FC236}">
+                <a16:creationId xmlns:a16="http://schemas.microsoft.com/office/drawing/2014/main" xmlns="" id="{BAD904EC-5503-CAE6-53A8-7648AE393A9D}"/>
+              </a:ext>
+            </a:extLst>
+          </p:cNvPr>
+          <p:cNvSpPr txBox="1"/>
+          <p:nvPr/>
+        </p:nvSpPr>
+        <p:spPr>
+          <a:xfrm>
+            <a:off x="4049861" y="2141397"/>
+            <a:ext cx="4396873" cy="1754326"/>
+          </a:xfrm>
+          <a:prstGeom prst="rect">
+            <a:avLst/>
+          </a:prstGeom>
+          <a:noFill/>
+          <a:effectLst>
+            <a:outerShdw sx="1000" sy="1000" algn="ctr" rotWithShape="0">
+              <a:srgbClr val="000000"/>
+            </a:outerShdw>
+          </a:effectLst>
+        </p:spPr>
+        <p:txBody>
+          <a:bodyPr wrap="square" rtlCol="0">
+            <a:spAutoFit/>
+          </a:bodyPr>
+          <a:lstStyle/>
+          <a:p>
+            <a:r>
+              <a:rPr lang="hu-HU" sz="5400" dirty="0" smtClean="0">
+                <a:solidFill>
+                  <a:schemeClr val="bg1"/>
+                </a:solidFill>
+                <a:effectLst>
+                  <a:outerShdw dist="38100" sx="101000" sy="101000" algn="l" rotWithShape="0">
+                    <a:prstClr val="black">
+                      <a:alpha val="10000"/>
+                    </a:prstClr>
+                  </a:outerShdw>
+                </a:effectLst>
+                <a:latin typeface="Segoe UI Black" panose="020B0A02040204020203" pitchFamily="34" charset="0"/>
+                <a:ea typeface="Segoe UI Black" panose="020B0A02040204020203" pitchFamily="34" charset="0"/>
+              </a:rPr>
+              <a:t>Köszönjük a figyelmet!</a:t>
+            </a:r>
+            <a:endParaRPr lang="hu-HU" sz="5400" dirty="0">
+              <a:solidFill>
+                <a:schemeClr val="bg1"/>
+              </a:solidFill>
+              <a:effectLst>
+                <a:outerShdw dist="38100" sx="101000" sy="101000" algn="l" rotWithShape="0">
+                  <a:prstClr val="black">
+                    <a:alpha val="10000"/>
+                  </a:prstClr>
+                </a:outerShdw>
+              </a:effectLst>
+              <a:latin typeface="Segoe UI Black" panose="020B0A02040204020203" pitchFamily="34" charset="0"/>
+              <a:ea typeface="Segoe UI Black" panose="020B0A02040204020203" pitchFamily="34" charset="0"/>
+            </a:endParaRPr>
+          </a:p>
+        </p:txBody>
+      </p:sp>
+      <p:sp>
+        <p:nvSpPr>
+          <p:cNvPr id="17" name="Szövegdoboz 15">
+            <a:extLst>
+              <a:ext uri="{FF2B5EF4-FFF2-40B4-BE49-F238E27FC236}">
+                <a16:creationId xmlns:a16="http://schemas.microsoft.com/office/drawing/2014/main" xmlns="" id="{C9117FAE-FE67-5743-F7DB-0D7FE2C64D91}"/>
+              </a:ext>
+            </a:extLst>
+          </p:cNvPr>
+          <p:cNvSpPr txBox="1"/>
+          <p:nvPr/>
+        </p:nvSpPr>
+        <p:spPr>
+          <a:xfrm>
+            <a:off x="3745262" y="4098842"/>
+            <a:ext cx="4701472" cy="646331"/>
+          </a:xfrm>
+          <a:prstGeom prst="rect">
+            <a:avLst/>
+          </a:prstGeom>
+          <a:noFill/>
+        </p:spPr>
+        <p:txBody>
+          <a:bodyPr wrap="square" rtlCol="0">
+            <a:spAutoFit/>
+          </a:bodyPr>
+          <a:lstStyle/>
+          <a:p>
+            <a:r>
+              <a:rPr lang="hu-HU" sz="1600" b="0" i="0" dirty="0" smtClean="0">
+                <a:solidFill>
+                  <a:srgbClr val="FFFFFF"/>
+                </a:solidFill>
+                <a:effectLst/>
+                <a:latin typeface="Barlow" panose="020F0502020204030204" pitchFamily="2" charset="-18"/>
+              </a:rPr>
+              <a:t>Készítette: </a:t>
+            </a:r>
+            <a:r>
+              <a:rPr lang="hu-HU" sz="1600" dirty="0">
+                <a:solidFill>
+                  <a:srgbClr val="FFFFFF"/>
+                </a:solidFill>
+                <a:latin typeface="Barlow" panose="020F0502020204030204" pitchFamily="2" charset="-18"/>
+              </a:rPr>
+              <a:t>Kállai </a:t>
+            </a:r>
+            <a:r>
+              <a:rPr lang="hu-HU" sz="1600" dirty="0" smtClean="0">
+                <a:solidFill>
+                  <a:srgbClr val="FFFFFF"/>
+                </a:solidFill>
+                <a:latin typeface="Barlow" panose="020F0502020204030204" pitchFamily="2" charset="-18"/>
+              </a:rPr>
+              <a:t>Gábor, </a:t>
+            </a:r>
+            <a:r>
+              <a:rPr lang="hu-HU" sz="1600" dirty="0">
+                <a:solidFill>
+                  <a:srgbClr val="FFFFFF"/>
+                </a:solidFill>
+                <a:latin typeface="Barlow" panose="020F0502020204030204" pitchFamily="2" charset="-18"/>
+              </a:rPr>
+              <a:t>Szalai </a:t>
+            </a:r>
+            <a:r>
+              <a:rPr lang="hu-HU" sz="1600" dirty="0" smtClean="0">
+                <a:solidFill>
+                  <a:srgbClr val="FFFFFF"/>
+                </a:solidFill>
+                <a:latin typeface="Barlow" panose="020F0502020204030204" pitchFamily="2" charset="-18"/>
+              </a:rPr>
+              <a:t>Bence, </a:t>
+            </a:r>
+            <a:r>
+              <a:rPr lang="hu-HU" sz="1600" dirty="0">
+                <a:solidFill>
+                  <a:srgbClr val="FFFFFF"/>
+                </a:solidFill>
+                <a:latin typeface="Barlow" panose="020F0502020204030204" pitchFamily="2" charset="-18"/>
+              </a:rPr>
+              <a:t>Bánhidai </a:t>
+            </a:r>
+            <a:r>
+              <a:rPr lang="hu-HU" sz="1600" dirty="0" smtClean="0">
+                <a:solidFill>
+                  <a:srgbClr val="FFFFFF"/>
+                </a:solidFill>
+                <a:latin typeface="Barlow" panose="020F0502020204030204" pitchFamily="2" charset="-18"/>
+              </a:rPr>
+              <a:t>Mátyás</a:t>
+            </a:r>
+            <a:endParaRPr lang="hu-HU" sz="1600" b="0" i="0" dirty="0" smtClean="0">
+              <a:solidFill>
+                <a:srgbClr val="FFFFFF"/>
+              </a:solidFill>
+              <a:effectLst/>
+              <a:latin typeface="Barlow" panose="020F0502020204030204" pitchFamily="2" charset="-18"/>
+            </a:endParaRPr>
+          </a:p>
+          <a:p>
+            <a:pPr algn="ctr"/>
+            <a:endParaRPr lang="hu-HU" sz="2000" dirty="0"/>
           </a:p>
         </p:txBody>
       </p:sp>
     </p:spTree>
     <p:extLst>
       <p:ext uri="{BB962C8B-B14F-4D97-AF65-F5344CB8AC3E}">
-        <p14:creationId xmlns:p14="http://schemas.microsoft.com/office/powerpoint/2010/main" val="605018872"/>
+        <p14:creationId xmlns:p14="http://schemas.microsoft.com/office/powerpoint/2010/main" val="2378275473"/>
       </p:ext>
     </p:extLst>
   </p:cSld>
   <p:clrMapOvr>
     <a:masterClrMapping/>
   </p:clrMapOvr>
+  <p:transition spd="slow">
+    <p:push dir="u"/>
+  </p:transition>
+  <p:timing>
+    <p:tnLst>
+      <p:par>
+        <p:cTn id="1" dur="indefinite" restart="never" nodeType="tmRoot">
+          <p:childTnLst>
+            <p:seq concurrent="1" nextAc="seek">
+              <p:cTn id="2" dur="indefinite" nodeType="mainSeq">
+                <p:childTnLst>
+                  <p:par>
+                    <p:cTn id="3" fill="hold">
+                      <p:stCondLst>
+                        <p:cond delay="indefinite"/>
+                        <p:cond evt="onBegin" delay="0">
+                          <p:tn val="2"/>
+                        </p:cond>
+                      </p:stCondLst>
+                      <p:childTnLst>
+                        <p:par>
+                          <p:cTn id="4" fill="hold">
+                            <p:stCondLst>
+                              <p:cond delay="0"/>
+                            </p:stCondLst>
+                            <p:childTnLst>
+                              <p:par>
+                                <p:cTn id="5" presetID="53" presetClass="entr" presetSubtype="16" fill="hold" grpId="0" nodeType="withEffect">
+                                  <p:stCondLst>
+                                    <p:cond delay="0"/>
+                                  </p:stCondLst>
+                                  <p:childTnLst>
+                                    <p:set>
+                                      <p:cBhvr>
+                                        <p:cTn id="6" dur="1" fill="hold">
+                                          <p:stCondLst>
+                                            <p:cond delay="0"/>
+                                          </p:stCondLst>
+                                        </p:cTn>
+                                        <p:tgtEl>
+                                          <p:spTgt spid="4"/>
+                                        </p:tgtEl>
+                                        <p:attrNameLst>
+                                          <p:attrName>style.visibility</p:attrName>
+                                        </p:attrNameLst>
+                                      </p:cBhvr>
+                                      <p:to>
+                                        <p:strVal val="visible"/>
+                                      </p:to>
+                                    </p:set>
+                                    <p:anim calcmode="lin" valueType="num">
+                                      <p:cBhvr>
+                                        <p:cTn id="7" dur="300" fill="hold"/>
+                                        <p:tgtEl>
+                                          <p:spTgt spid="4"/>
+                                        </p:tgtEl>
+                                        <p:attrNameLst>
+                                          <p:attrName>ppt_w</p:attrName>
+                                        </p:attrNameLst>
+                                      </p:cBhvr>
+                                      <p:tavLst>
+                                        <p:tav tm="0">
+                                          <p:val>
+                                            <p:fltVal val="0"/>
+                                          </p:val>
+                                        </p:tav>
+                                        <p:tav tm="100000">
+                                          <p:val>
+                                            <p:strVal val="#ppt_w"/>
+                                          </p:val>
+                                        </p:tav>
+                                      </p:tavLst>
+                                    </p:anim>
+                                    <p:anim calcmode="lin" valueType="num">
+                                      <p:cBhvr>
+                                        <p:cTn id="8" dur="300" fill="hold"/>
+                                        <p:tgtEl>
+                                          <p:spTgt spid="4"/>
+                                        </p:tgtEl>
+                                        <p:attrNameLst>
+                                          <p:attrName>ppt_h</p:attrName>
+                                        </p:attrNameLst>
+                                      </p:cBhvr>
+                                      <p:tavLst>
+                                        <p:tav tm="0">
+                                          <p:val>
+                                            <p:fltVal val="0"/>
+                                          </p:val>
+                                        </p:tav>
+                                        <p:tav tm="100000">
+                                          <p:val>
+                                            <p:strVal val="#ppt_h"/>
+                                          </p:val>
+                                        </p:tav>
+                                      </p:tavLst>
+                                    </p:anim>
+                                    <p:animEffect transition="in" filter="fade">
+                                      <p:cBhvr>
+                                        <p:cTn id="9" dur="300"/>
+                                        <p:tgtEl>
+                                          <p:spTgt spid="4"/>
+                                        </p:tgtEl>
+                                      </p:cBhvr>
+                                    </p:animEffect>
+                                  </p:childTnLst>
+                                </p:cTn>
+                              </p:par>
+                            </p:childTnLst>
+                          </p:cTn>
+                        </p:par>
+                        <p:par>
+                          <p:cTn id="10" fill="hold">
+                            <p:stCondLst>
+                              <p:cond delay="300"/>
+                            </p:stCondLst>
+                            <p:childTnLst>
+                              <p:par>
+                                <p:cTn id="11" presetID="53" presetClass="entr" presetSubtype="16" fill="hold" grpId="0" nodeType="afterEffect">
+                                  <p:stCondLst>
+                                    <p:cond delay="200"/>
+                                  </p:stCondLst>
+                                  <p:childTnLst>
+                                    <p:set>
+                                      <p:cBhvr>
+                                        <p:cTn id="12" dur="1" fill="hold">
+                                          <p:stCondLst>
+                                            <p:cond delay="0"/>
+                                          </p:stCondLst>
+                                        </p:cTn>
+                                        <p:tgtEl>
+                                          <p:spTgt spid="5"/>
+                                        </p:tgtEl>
+                                        <p:attrNameLst>
+                                          <p:attrName>style.visibility</p:attrName>
+                                        </p:attrNameLst>
+                                      </p:cBhvr>
+                                      <p:to>
+                                        <p:strVal val="visible"/>
+                                      </p:to>
+                                    </p:set>
+                                    <p:anim calcmode="lin" valueType="num">
+                                      <p:cBhvr>
+                                        <p:cTn id="13" dur="300" fill="hold"/>
+                                        <p:tgtEl>
+                                          <p:spTgt spid="5"/>
+                                        </p:tgtEl>
+                                        <p:attrNameLst>
+                                          <p:attrName>ppt_w</p:attrName>
+                                        </p:attrNameLst>
+                                      </p:cBhvr>
+                                      <p:tavLst>
+                                        <p:tav tm="0">
+                                          <p:val>
+                                            <p:fltVal val="0"/>
+                                          </p:val>
+                                        </p:tav>
+                                        <p:tav tm="100000">
+                                          <p:val>
+                                            <p:strVal val="#ppt_w"/>
+                                          </p:val>
+                                        </p:tav>
+                                      </p:tavLst>
+                                    </p:anim>
+                                    <p:anim calcmode="lin" valueType="num">
+                                      <p:cBhvr>
+                                        <p:cTn id="14" dur="300" fill="hold"/>
+                                        <p:tgtEl>
+                                          <p:spTgt spid="5"/>
+                                        </p:tgtEl>
+                                        <p:attrNameLst>
+                                          <p:attrName>ppt_h</p:attrName>
+                                        </p:attrNameLst>
+                                      </p:cBhvr>
+                                      <p:tavLst>
+                                        <p:tav tm="0">
+                                          <p:val>
+                                            <p:fltVal val="0"/>
+                                          </p:val>
+                                        </p:tav>
+                                        <p:tav tm="100000">
+                                          <p:val>
+                                            <p:strVal val="#ppt_h"/>
+                                          </p:val>
+                                        </p:tav>
+                                      </p:tavLst>
+                                    </p:anim>
+                                    <p:animEffect transition="in" filter="fade">
+                                      <p:cBhvr>
+                                        <p:cTn id="15" dur="300"/>
+                                        <p:tgtEl>
+                                          <p:spTgt spid="5"/>
+                                        </p:tgtEl>
+                                      </p:cBhvr>
+                                    </p:animEffect>
+                                  </p:childTnLst>
+                                </p:cTn>
+                              </p:par>
+                            </p:childTnLst>
+                          </p:cTn>
+                        </p:par>
+                        <p:par>
+                          <p:cTn id="16" fill="hold">
+                            <p:stCondLst>
+                              <p:cond delay="800"/>
+                            </p:stCondLst>
+                            <p:childTnLst>
+                              <p:par>
+                                <p:cTn id="17" presetID="2" presetClass="entr" presetSubtype="4" fill="hold" nodeType="afterEffect">
+                                  <p:stCondLst>
+                                    <p:cond delay="500"/>
+                                  </p:stCondLst>
+                                  <p:childTnLst>
+                                    <p:set>
+                                      <p:cBhvr>
+                                        <p:cTn id="18" dur="1" fill="hold">
+                                          <p:stCondLst>
+                                            <p:cond delay="0"/>
+                                          </p:stCondLst>
+                                        </p:cTn>
+                                        <p:tgtEl>
+                                          <p:spTgt spid="15">
+                                            <p:txEl>
+                                              <p:pRg st="0" end="0"/>
+                                            </p:txEl>
+                                          </p:spTgt>
+                                        </p:tgtEl>
+                                        <p:attrNameLst>
+                                          <p:attrName>style.visibility</p:attrName>
+                                        </p:attrNameLst>
+                                      </p:cBhvr>
+                                      <p:to>
+                                        <p:strVal val="visible"/>
+                                      </p:to>
+                                    </p:set>
+                                    <p:anim calcmode="lin" valueType="num">
+                                      <p:cBhvr additive="base">
+                                        <p:cTn id="19" dur="1300" fill="hold"/>
+                                        <p:tgtEl>
+                                          <p:spTgt spid="15">
+                                            <p:txEl>
+                                              <p:pRg st="0" end="0"/>
+                                            </p:txEl>
+                                          </p:spTgt>
+                                        </p:tgtEl>
+                                        <p:attrNameLst>
+                                          <p:attrName>ppt_x</p:attrName>
+                                        </p:attrNameLst>
+                                      </p:cBhvr>
+                                      <p:tavLst>
+                                        <p:tav tm="0">
+                                          <p:val>
+                                            <p:strVal val="#ppt_x"/>
+                                          </p:val>
+                                        </p:tav>
+                                        <p:tav tm="100000">
+                                          <p:val>
+                                            <p:strVal val="#ppt_x"/>
+                                          </p:val>
+                                        </p:tav>
+                                      </p:tavLst>
+                                    </p:anim>
+                                    <p:anim calcmode="lin" valueType="num">
+                                      <p:cBhvr additive="base">
+                                        <p:cTn id="20" dur="1300" fill="hold"/>
+                                        <p:tgtEl>
+                                          <p:spTgt spid="15">
+                                            <p:txEl>
+                                              <p:pRg st="0" end="0"/>
+                                            </p:txEl>
+                                          </p:spTgt>
+                                        </p:tgtEl>
+                                        <p:attrNameLst>
+                                          <p:attrName>ppt_y</p:attrName>
+                                        </p:attrNameLst>
+                                      </p:cBhvr>
+                                      <p:tavLst>
+                                        <p:tav tm="0">
+                                          <p:val>
+                                            <p:strVal val="1+#ppt_h/2"/>
+                                          </p:val>
+                                        </p:tav>
+                                        <p:tav tm="100000">
+                                          <p:val>
+                                            <p:strVal val="#ppt_y"/>
+                                          </p:val>
+                                        </p:tav>
+                                      </p:tavLst>
+                                    </p:anim>
+                                  </p:childTnLst>
+                                </p:cTn>
+                              </p:par>
+                            </p:childTnLst>
+                          </p:cTn>
+                        </p:par>
+                        <p:par>
+                          <p:cTn id="21" fill="hold">
+                            <p:stCondLst>
+                              <p:cond delay="2600"/>
+                            </p:stCondLst>
+                            <p:childTnLst>
+                              <p:par>
+                                <p:cTn id="22" presetID="42" presetClass="entr" presetSubtype="0" fill="hold" grpId="0" nodeType="afterEffect">
+                                  <p:stCondLst>
+                                    <p:cond delay="0"/>
+                                  </p:stCondLst>
+                                  <p:childTnLst>
+                                    <p:set>
+                                      <p:cBhvr>
+                                        <p:cTn id="23" dur="1" fill="hold">
+                                          <p:stCondLst>
+                                            <p:cond delay="0"/>
+                                          </p:stCondLst>
+                                        </p:cTn>
+                                        <p:tgtEl>
+                                          <p:spTgt spid="17"/>
+                                        </p:tgtEl>
+                                        <p:attrNameLst>
+                                          <p:attrName>style.visibility</p:attrName>
+                                        </p:attrNameLst>
+                                      </p:cBhvr>
+                                      <p:to>
+                                        <p:strVal val="visible"/>
+                                      </p:to>
+                                    </p:set>
+                                    <p:animEffect transition="in" filter="fade">
+                                      <p:cBhvr>
+                                        <p:cTn id="24" dur="1000"/>
+                                        <p:tgtEl>
+                                          <p:spTgt spid="17"/>
+                                        </p:tgtEl>
+                                      </p:cBhvr>
+                                    </p:animEffect>
+                                    <p:anim calcmode="lin" valueType="num">
+                                      <p:cBhvr>
+                                        <p:cTn id="25" dur="1000" fill="hold"/>
+                                        <p:tgtEl>
+                                          <p:spTgt spid="17"/>
+                                        </p:tgtEl>
+                                        <p:attrNameLst>
+                                          <p:attrName>ppt_x</p:attrName>
+                                        </p:attrNameLst>
+                                      </p:cBhvr>
+                                      <p:tavLst>
+                                        <p:tav tm="0">
+                                          <p:val>
+                                            <p:strVal val="#ppt_x"/>
+                                          </p:val>
+                                        </p:tav>
+                                        <p:tav tm="100000">
+                                          <p:val>
+                                            <p:strVal val="#ppt_x"/>
+                                          </p:val>
+                                        </p:tav>
+                                      </p:tavLst>
+                                    </p:anim>
+                                    <p:anim calcmode="lin" valueType="num">
+                                      <p:cBhvr>
+                                        <p:cTn id="26" dur="1000" fill="hold"/>
+                                        <p:tgtEl>
+                                          <p:spTgt spid="17"/>
+                                        </p:tgtEl>
+                                        <p:attrNameLst>
+                                          <p:attrName>ppt_y</p:attrName>
+                                        </p:attrNameLst>
+                                      </p:cBhvr>
+                                      <p:tavLst>
+                                        <p:tav tm="0">
+                                          <p:val>
+                                            <p:strVal val="#ppt_y+.1"/>
+                                          </p:val>
+                                        </p:tav>
+                                        <p:tav tm="100000">
+                                          <p:val>
+                                            <p:strVal val="#ppt_y"/>
+                                          </p:val>
+                                        </p:tav>
+                                      </p:tavLst>
+                                    </p:anim>
+                                  </p:childTnLst>
+                                </p:cTn>
+                              </p:par>
+                            </p:childTnLst>
+                          </p:cTn>
+                        </p:par>
+                      </p:childTnLst>
+                    </p:cTn>
+                  </p:par>
+                </p:childTnLst>
+              </p:cTn>
+              <p:prevCondLst>
+                <p:cond evt="onPrev" delay="0">
+                  <p:tgtEl>
+                    <p:sldTgt/>
+                  </p:tgtEl>
+                </p:cond>
+              </p:prevCondLst>
+              <p:nextCondLst>
+                <p:cond evt="onNext" delay="0">
+                  <p:tgtEl>
+                    <p:sldTgt/>
+                  </p:tgtEl>
+                </p:cond>
+              </p:nextCondLst>
+            </p:seq>
+          </p:childTnLst>
+        </p:cTn>
+      </p:par>
+    </p:tnLst>
+    <p:bldLst>
+      <p:bldP spid="4" grpId="0" animBg="1"/>
+      <p:bldP spid="5" grpId="0" animBg="1"/>
+      <p:bldP spid="17" grpId="0"/>
+    </p:bldLst>
+  </p:timing>
 </p:sld>
 </file>
 

--- a/Prezentáció.pptx
+++ b/Prezentáció.pptx
@@ -5,14 +5,16 @@
     <p:sldMasterId id="2147483648" r:id="rId1"/>
   </p:sldMasterIdLst>
   <p:notesMasterIdLst>
-    <p:notesMasterId r:id="rId7"/>
+    <p:notesMasterId r:id="rId9"/>
   </p:notesMasterIdLst>
   <p:sldIdLst>
     <p:sldId id="261" r:id="rId2"/>
-    <p:sldId id="266" r:id="rId3"/>
-    <p:sldId id="265" r:id="rId4"/>
-    <p:sldId id="264" r:id="rId5"/>
-    <p:sldId id="267" r:id="rId6"/>
+    <p:sldId id="269" r:id="rId3"/>
+    <p:sldId id="266" r:id="rId4"/>
+    <p:sldId id="265" r:id="rId5"/>
+    <p:sldId id="264" r:id="rId6"/>
+    <p:sldId id="267" r:id="rId7"/>
+    <p:sldId id="268" r:id="rId8"/>
   </p:sldIdLst>
   <p:sldSz cx="12192000" cy="6858000"/>
   <p:notesSz cx="6858000" cy="9144000"/>
@@ -216,7 +218,7 @@
           <a:p>
             <a:fld id="{045CADAF-2C59-4E58-A455-8868FC9726FC}" type="datetimeFigureOut">
               <a:rPr lang="hu-HU" smtClean="0"/>
-              <a:t>2024. 01. 25.</a:t>
+              <a:t>2024.01.26</a:t>
             </a:fld>
             <a:endParaRPr lang="hu-HU"/>
           </a:p>
@@ -505,7 +507,7 @@
           <p:cNvPr id="2" name="Cím 1">
             <a:extLst>
               <a:ext uri="{FF2B5EF4-FFF2-40B4-BE49-F238E27FC236}">
-                <a16:creationId xmlns:a16="http://schemas.microsoft.com/office/drawing/2014/main" xmlns="" id="{79B6456A-B89F-DB5E-FE02-0F1DA12AD99C}"/>
+                <a16:creationId xmlns:a16="http://schemas.microsoft.com/office/drawing/2014/main" id="{79B6456A-B89F-DB5E-FE02-0F1DA12AD99C}"/>
               </a:ext>
             </a:extLst>
           </p:cNvPr>
@@ -542,7 +544,7 @@
           <p:cNvPr id="3" name="Alcím 2">
             <a:extLst>
               <a:ext uri="{FF2B5EF4-FFF2-40B4-BE49-F238E27FC236}">
-                <a16:creationId xmlns:a16="http://schemas.microsoft.com/office/drawing/2014/main" xmlns="" id="{A6DE1E2A-F8A7-5B84-A151-03A46EFC33A0}"/>
+                <a16:creationId xmlns:a16="http://schemas.microsoft.com/office/drawing/2014/main" id="{A6DE1E2A-F8A7-5B84-A151-03A46EFC33A0}"/>
               </a:ext>
             </a:extLst>
           </p:cNvPr>
@@ -612,7 +614,7 @@
           <p:cNvPr id="4" name="Dátum helye 3">
             <a:extLst>
               <a:ext uri="{FF2B5EF4-FFF2-40B4-BE49-F238E27FC236}">
-                <a16:creationId xmlns:a16="http://schemas.microsoft.com/office/drawing/2014/main" xmlns="" id="{F980237B-C6D6-EEEC-6B52-84C67949BF3B}"/>
+                <a16:creationId xmlns:a16="http://schemas.microsoft.com/office/drawing/2014/main" id="{F980237B-C6D6-EEEC-6B52-84C67949BF3B}"/>
               </a:ext>
             </a:extLst>
           </p:cNvPr>
@@ -630,7 +632,7 @@
           <a:p>
             <a:fld id="{8E532DDB-289F-42C2-8F57-09A656E29423}" type="datetimeFigureOut">
               <a:rPr lang="hu-HU" smtClean="0"/>
-              <a:t>2024. 01. 25.</a:t>
+              <a:t>2024.01.26</a:t>
             </a:fld>
             <a:endParaRPr lang="hu-HU"/>
           </a:p>
@@ -641,7 +643,7 @@
           <p:cNvPr id="5" name="Élőláb helye 4">
             <a:extLst>
               <a:ext uri="{FF2B5EF4-FFF2-40B4-BE49-F238E27FC236}">
-                <a16:creationId xmlns:a16="http://schemas.microsoft.com/office/drawing/2014/main" xmlns="" id="{28C59F81-E057-3434-B32E-2F293C18052C}"/>
+                <a16:creationId xmlns:a16="http://schemas.microsoft.com/office/drawing/2014/main" id="{28C59F81-E057-3434-B32E-2F293C18052C}"/>
               </a:ext>
             </a:extLst>
           </p:cNvPr>
@@ -666,7 +668,7 @@
           <p:cNvPr id="6" name="Dia számának helye 5">
             <a:extLst>
               <a:ext uri="{FF2B5EF4-FFF2-40B4-BE49-F238E27FC236}">
-                <a16:creationId xmlns:a16="http://schemas.microsoft.com/office/drawing/2014/main" xmlns="" id="{C1AF783E-2A3F-DDD6-8CA2-C976E1B0C6A1}"/>
+                <a16:creationId xmlns:a16="http://schemas.microsoft.com/office/drawing/2014/main" id="{C1AF783E-2A3F-DDD6-8CA2-C976E1B0C6A1}"/>
               </a:ext>
             </a:extLst>
           </p:cNvPr>
@@ -725,7 +727,7 @@
           <p:cNvPr id="2" name="Cím 1">
             <a:extLst>
               <a:ext uri="{FF2B5EF4-FFF2-40B4-BE49-F238E27FC236}">
-                <a16:creationId xmlns:a16="http://schemas.microsoft.com/office/drawing/2014/main" xmlns="" id="{DDA30CDC-3A8E-3316-F1FC-A9220E50C37B}"/>
+                <a16:creationId xmlns:a16="http://schemas.microsoft.com/office/drawing/2014/main" id="{DDA30CDC-3A8E-3316-F1FC-A9220E50C37B}"/>
               </a:ext>
             </a:extLst>
           </p:cNvPr>
@@ -753,7 +755,7 @@
           <p:cNvPr id="3" name="Függőleges szöveg helye 2">
             <a:extLst>
               <a:ext uri="{FF2B5EF4-FFF2-40B4-BE49-F238E27FC236}">
-                <a16:creationId xmlns:a16="http://schemas.microsoft.com/office/drawing/2014/main" xmlns="" id="{83D8B0E5-C35F-E4C0-6AC3-2B5A64F7A76F}"/>
+                <a16:creationId xmlns:a16="http://schemas.microsoft.com/office/drawing/2014/main" id="{83D8B0E5-C35F-E4C0-6AC3-2B5A64F7A76F}"/>
               </a:ext>
             </a:extLst>
           </p:cNvPr>
@@ -810,7 +812,7 @@
           <p:cNvPr id="4" name="Dátum helye 3">
             <a:extLst>
               <a:ext uri="{FF2B5EF4-FFF2-40B4-BE49-F238E27FC236}">
-                <a16:creationId xmlns:a16="http://schemas.microsoft.com/office/drawing/2014/main" xmlns="" id="{27E917AB-2C23-72BC-58BD-AD4F821B36F8}"/>
+                <a16:creationId xmlns:a16="http://schemas.microsoft.com/office/drawing/2014/main" id="{27E917AB-2C23-72BC-58BD-AD4F821B36F8}"/>
               </a:ext>
             </a:extLst>
           </p:cNvPr>
@@ -828,7 +830,7 @@
           <a:p>
             <a:fld id="{8E532DDB-289F-42C2-8F57-09A656E29423}" type="datetimeFigureOut">
               <a:rPr lang="hu-HU" smtClean="0"/>
-              <a:t>2024. 01. 25.</a:t>
+              <a:t>2024.01.26</a:t>
             </a:fld>
             <a:endParaRPr lang="hu-HU"/>
           </a:p>
@@ -839,7 +841,7 @@
           <p:cNvPr id="5" name="Élőláb helye 4">
             <a:extLst>
               <a:ext uri="{FF2B5EF4-FFF2-40B4-BE49-F238E27FC236}">
-                <a16:creationId xmlns:a16="http://schemas.microsoft.com/office/drawing/2014/main" xmlns="" id="{4B6D012D-1C6A-411E-6219-2F45E5523C6B}"/>
+                <a16:creationId xmlns:a16="http://schemas.microsoft.com/office/drawing/2014/main" id="{4B6D012D-1C6A-411E-6219-2F45E5523C6B}"/>
               </a:ext>
             </a:extLst>
           </p:cNvPr>
@@ -864,7 +866,7 @@
           <p:cNvPr id="6" name="Dia számának helye 5">
             <a:extLst>
               <a:ext uri="{FF2B5EF4-FFF2-40B4-BE49-F238E27FC236}">
-                <a16:creationId xmlns:a16="http://schemas.microsoft.com/office/drawing/2014/main" xmlns="" id="{5F592276-49E8-0983-AC04-5D66492B2658}"/>
+                <a16:creationId xmlns:a16="http://schemas.microsoft.com/office/drawing/2014/main" id="{5F592276-49E8-0983-AC04-5D66492B2658}"/>
               </a:ext>
             </a:extLst>
           </p:cNvPr>
@@ -923,7 +925,7 @@
           <p:cNvPr id="2" name="Függőleges cím 1">
             <a:extLst>
               <a:ext uri="{FF2B5EF4-FFF2-40B4-BE49-F238E27FC236}">
-                <a16:creationId xmlns:a16="http://schemas.microsoft.com/office/drawing/2014/main" xmlns="" id="{A6B2959D-F0DB-7505-3887-5F0F8A4ED834}"/>
+                <a16:creationId xmlns:a16="http://schemas.microsoft.com/office/drawing/2014/main" id="{A6B2959D-F0DB-7505-3887-5F0F8A4ED834}"/>
               </a:ext>
             </a:extLst>
           </p:cNvPr>
@@ -956,7 +958,7 @@
           <p:cNvPr id="3" name="Függőleges szöveg helye 2">
             <a:extLst>
               <a:ext uri="{FF2B5EF4-FFF2-40B4-BE49-F238E27FC236}">
-                <a16:creationId xmlns:a16="http://schemas.microsoft.com/office/drawing/2014/main" xmlns="" id="{20E0E6C5-085C-D09C-084F-C460729F9E6D}"/>
+                <a16:creationId xmlns:a16="http://schemas.microsoft.com/office/drawing/2014/main" id="{20E0E6C5-085C-D09C-084F-C460729F9E6D}"/>
               </a:ext>
             </a:extLst>
           </p:cNvPr>
@@ -1018,7 +1020,7 @@
           <p:cNvPr id="4" name="Dátum helye 3">
             <a:extLst>
               <a:ext uri="{FF2B5EF4-FFF2-40B4-BE49-F238E27FC236}">
-                <a16:creationId xmlns:a16="http://schemas.microsoft.com/office/drawing/2014/main" xmlns="" id="{DFF17BF3-0335-8A93-5A46-EC3F20E0ADE1}"/>
+                <a16:creationId xmlns:a16="http://schemas.microsoft.com/office/drawing/2014/main" id="{DFF17BF3-0335-8A93-5A46-EC3F20E0ADE1}"/>
               </a:ext>
             </a:extLst>
           </p:cNvPr>
@@ -1036,7 +1038,7 @@
           <a:p>
             <a:fld id="{8E532DDB-289F-42C2-8F57-09A656E29423}" type="datetimeFigureOut">
               <a:rPr lang="hu-HU" smtClean="0"/>
-              <a:t>2024. 01. 25.</a:t>
+              <a:t>2024.01.26</a:t>
             </a:fld>
             <a:endParaRPr lang="hu-HU"/>
           </a:p>
@@ -1047,7 +1049,7 @@
           <p:cNvPr id="5" name="Élőláb helye 4">
             <a:extLst>
               <a:ext uri="{FF2B5EF4-FFF2-40B4-BE49-F238E27FC236}">
-                <a16:creationId xmlns:a16="http://schemas.microsoft.com/office/drawing/2014/main" xmlns="" id="{3AFF700C-B4A6-FF55-FA3A-937997218C71}"/>
+                <a16:creationId xmlns:a16="http://schemas.microsoft.com/office/drawing/2014/main" id="{3AFF700C-B4A6-FF55-FA3A-937997218C71}"/>
               </a:ext>
             </a:extLst>
           </p:cNvPr>
@@ -1072,7 +1074,7 @@
           <p:cNvPr id="6" name="Dia számának helye 5">
             <a:extLst>
               <a:ext uri="{FF2B5EF4-FFF2-40B4-BE49-F238E27FC236}">
-                <a16:creationId xmlns:a16="http://schemas.microsoft.com/office/drawing/2014/main" xmlns="" id="{B456B9AE-E4C3-00FA-5622-26ECD962BC14}"/>
+                <a16:creationId xmlns:a16="http://schemas.microsoft.com/office/drawing/2014/main" id="{B456B9AE-E4C3-00FA-5622-26ECD962BC14}"/>
               </a:ext>
             </a:extLst>
           </p:cNvPr>
@@ -1131,7 +1133,7 @@
           <p:cNvPr id="2" name="Cím 1">
             <a:extLst>
               <a:ext uri="{FF2B5EF4-FFF2-40B4-BE49-F238E27FC236}">
-                <a16:creationId xmlns:a16="http://schemas.microsoft.com/office/drawing/2014/main" xmlns="" id="{8F09B032-43DE-EB55-9460-DDEBB15DC2E7}"/>
+                <a16:creationId xmlns:a16="http://schemas.microsoft.com/office/drawing/2014/main" id="{8F09B032-43DE-EB55-9460-DDEBB15DC2E7}"/>
               </a:ext>
             </a:extLst>
           </p:cNvPr>
@@ -1159,7 +1161,7 @@
           <p:cNvPr id="3" name="Tartalom helye 2">
             <a:extLst>
               <a:ext uri="{FF2B5EF4-FFF2-40B4-BE49-F238E27FC236}">
-                <a16:creationId xmlns:a16="http://schemas.microsoft.com/office/drawing/2014/main" xmlns="" id="{93761993-65DF-B03B-15A1-DAAA88CF63C3}"/>
+                <a16:creationId xmlns:a16="http://schemas.microsoft.com/office/drawing/2014/main" id="{93761993-65DF-B03B-15A1-DAAA88CF63C3}"/>
               </a:ext>
             </a:extLst>
           </p:cNvPr>
@@ -1216,7 +1218,7 @@
           <p:cNvPr id="4" name="Dátum helye 3">
             <a:extLst>
               <a:ext uri="{FF2B5EF4-FFF2-40B4-BE49-F238E27FC236}">
-                <a16:creationId xmlns:a16="http://schemas.microsoft.com/office/drawing/2014/main" xmlns="" id="{EC19022C-9411-F196-94CA-7EB83954162C}"/>
+                <a16:creationId xmlns:a16="http://schemas.microsoft.com/office/drawing/2014/main" id="{EC19022C-9411-F196-94CA-7EB83954162C}"/>
               </a:ext>
             </a:extLst>
           </p:cNvPr>
@@ -1234,7 +1236,7 @@
           <a:p>
             <a:fld id="{8E532DDB-289F-42C2-8F57-09A656E29423}" type="datetimeFigureOut">
               <a:rPr lang="hu-HU" smtClean="0"/>
-              <a:t>2024. 01. 25.</a:t>
+              <a:t>2024.01.26</a:t>
             </a:fld>
             <a:endParaRPr lang="hu-HU"/>
           </a:p>
@@ -1245,7 +1247,7 @@
           <p:cNvPr id="5" name="Élőláb helye 4">
             <a:extLst>
               <a:ext uri="{FF2B5EF4-FFF2-40B4-BE49-F238E27FC236}">
-                <a16:creationId xmlns:a16="http://schemas.microsoft.com/office/drawing/2014/main" xmlns="" id="{D92C1323-42F5-817C-23A6-5BD482993B91}"/>
+                <a16:creationId xmlns:a16="http://schemas.microsoft.com/office/drawing/2014/main" id="{D92C1323-42F5-817C-23A6-5BD482993B91}"/>
               </a:ext>
             </a:extLst>
           </p:cNvPr>
@@ -1270,7 +1272,7 @@
           <p:cNvPr id="6" name="Dia számának helye 5">
             <a:extLst>
               <a:ext uri="{FF2B5EF4-FFF2-40B4-BE49-F238E27FC236}">
-                <a16:creationId xmlns:a16="http://schemas.microsoft.com/office/drawing/2014/main" xmlns="" id="{7AAADE6D-0E59-9965-FCC6-DEC79020261D}"/>
+                <a16:creationId xmlns:a16="http://schemas.microsoft.com/office/drawing/2014/main" id="{7AAADE6D-0E59-9965-FCC6-DEC79020261D}"/>
               </a:ext>
             </a:extLst>
           </p:cNvPr>
@@ -1329,7 +1331,7 @@
           <p:cNvPr id="2" name="Cím 1">
             <a:extLst>
               <a:ext uri="{FF2B5EF4-FFF2-40B4-BE49-F238E27FC236}">
-                <a16:creationId xmlns:a16="http://schemas.microsoft.com/office/drawing/2014/main" xmlns="" id="{7A4FD609-97C6-FDCF-196C-C04CE372C3DE}"/>
+                <a16:creationId xmlns:a16="http://schemas.microsoft.com/office/drawing/2014/main" id="{7A4FD609-97C6-FDCF-196C-C04CE372C3DE}"/>
               </a:ext>
             </a:extLst>
           </p:cNvPr>
@@ -1366,7 +1368,7 @@
           <p:cNvPr id="3" name="Szöveg helye 2">
             <a:extLst>
               <a:ext uri="{FF2B5EF4-FFF2-40B4-BE49-F238E27FC236}">
-                <a16:creationId xmlns:a16="http://schemas.microsoft.com/office/drawing/2014/main" xmlns="" id="{5FF2CCF6-3BEC-B1BD-A408-1E0E439D4494}"/>
+                <a16:creationId xmlns:a16="http://schemas.microsoft.com/office/drawing/2014/main" id="{5FF2CCF6-3BEC-B1BD-A408-1E0E439D4494}"/>
               </a:ext>
             </a:extLst>
           </p:cNvPr>
@@ -1491,7 +1493,7 @@
           <p:cNvPr id="4" name="Dátum helye 3">
             <a:extLst>
               <a:ext uri="{FF2B5EF4-FFF2-40B4-BE49-F238E27FC236}">
-                <a16:creationId xmlns:a16="http://schemas.microsoft.com/office/drawing/2014/main" xmlns="" id="{02D96E93-B7FD-52C4-1976-571A32AA135C}"/>
+                <a16:creationId xmlns:a16="http://schemas.microsoft.com/office/drawing/2014/main" id="{02D96E93-B7FD-52C4-1976-571A32AA135C}"/>
               </a:ext>
             </a:extLst>
           </p:cNvPr>
@@ -1509,7 +1511,7 @@
           <a:p>
             <a:fld id="{8E532DDB-289F-42C2-8F57-09A656E29423}" type="datetimeFigureOut">
               <a:rPr lang="hu-HU" smtClean="0"/>
-              <a:t>2024. 01. 25.</a:t>
+              <a:t>2024.01.26</a:t>
             </a:fld>
             <a:endParaRPr lang="hu-HU"/>
           </a:p>
@@ -1520,7 +1522,7 @@
           <p:cNvPr id="5" name="Élőláb helye 4">
             <a:extLst>
               <a:ext uri="{FF2B5EF4-FFF2-40B4-BE49-F238E27FC236}">
-                <a16:creationId xmlns:a16="http://schemas.microsoft.com/office/drawing/2014/main" xmlns="" id="{427CAFE0-46BC-55A4-87F5-A8059EC7A0F7}"/>
+                <a16:creationId xmlns:a16="http://schemas.microsoft.com/office/drawing/2014/main" id="{427CAFE0-46BC-55A4-87F5-A8059EC7A0F7}"/>
               </a:ext>
             </a:extLst>
           </p:cNvPr>
@@ -1545,7 +1547,7 @@
           <p:cNvPr id="6" name="Dia számának helye 5">
             <a:extLst>
               <a:ext uri="{FF2B5EF4-FFF2-40B4-BE49-F238E27FC236}">
-                <a16:creationId xmlns:a16="http://schemas.microsoft.com/office/drawing/2014/main" xmlns="" id="{CC3EFF7C-F069-DFE5-3306-0E561AF4AE11}"/>
+                <a16:creationId xmlns:a16="http://schemas.microsoft.com/office/drawing/2014/main" id="{CC3EFF7C-F069-DFE5-3306-0E561AF4AE11}"/>
               </a:ext>
             </a:extLst>
           </p:cNvPr>
@@ -1604,7 +1606,7 @@
           <p:cNvPr id="2" name="Cím 1">
             <a:extLst>
               <a:ext uri="{FF2B5EF4-FFF2-40B4-BE49-F238E27FC236}">
-                <a16:creationId xmlns:a16="http://schemas.microsoft.com/office/drawing/2014/main" xmlns="" id="{DD16BD1C-A96C-C433-11C4-7FB2F9CF4217}"/>
+                <a16:creationId xmlns:a16="http://schemas.microsoft.com/office/drawing/2014/main" id="{DD16BD1C-A96C-C433-11C4-7FB2F9CF4217}"/>
               </a:ext>
             </a:extLst>
           </p:cNvPr>
@@ -1632,7 +1634,7 @@
           <p:cNvPr id="3" name="Tartalom helye 2">
             <a:extLst>
               <a:ext uri="{FF2B5EF4-FFF2-40B4-BE49-F238E27FC236}">
-                <a16:creationId xmlns:a16="http://schemas.microsoft.com/office/drawing/2014/main" xmlns="" id="{216662B5-E8AA-B1E7-B29B-CC9EA1747EB8}"/>
+                <a16:creationId xmlns:a16="http://schemas.microsoft.com/office/drawing/2014/main" id="{216662B5-E8AA-B1E7-B29B-CC9EA1747EB8}"/>
               </a:ext>
             </a:extLst>
           </p:cNvPr>
@@ -1694,7 +1696,7 @@
           <p:cNvPr id="4" name="Tartalom helye 3">
             <a:extLst>
               <a:ext uri="{FF2B5EF4-FFF2-40B4-BE49-F238E27FC236}">
-                <a16:creationId xmlns:a16="http://schemas.microsoft.com/office/drawing/2014/main" xmlns="" id="{F91EB719-6D94-619D-DA44-432529F07A64}"/>
+                <a16:creationId xmlns:a16="http://schemas.microsoft.com/office/drawing/2014/main" id="{F91EB719-6D94-619D-DA44-432529F07A64}"/>
               </a:ext>
             </a:extLst>
           </p:cNvPr>
@@ -1756,7 +1758,7 @@
           <p:cNvPr id="5" name="Dátum helye 4">
             <a:extLst>
               <a:ext uri="{FF2B5EF4-FFF2-40B4-BE49-F238E27FC236}">
-                <a16:creationId xmlns:a16="http://schemas.microsoft.com/office/drawing/2014/main" xmlns="" id="{F719282D-DF51-71E0-FA65-579C7251FFED}"/>
+                <a16:creationId xmlns:a16="http://schemas.microsoft.com/office/drawing/2014/main" id="{F719282D-DF51-71E0-FA65-579C7251FFED}"/>
               </a:ext>
             </a:extLst>
           </p:cNvPr>
@@ -1774,7 +1776,7 @@
           <a:p>
             <a:fld id="{8E532DDB-289F-42C2-8F57-09A656E29423}" type="datetimeFigureOut">
               <a:rPr lang="hu-HU" smtClean="0"/>
-              <a:t>2024. 01. 25.</a:t>
+              <a:t>2024.01.26</a:t>
             </a:fld>
             <a:endParaRPr lang="hu-HU"/>
           </a:p>
@@ -1785,7 +1787,7 @@
           <p:cNvPr id="6" name="Élőláb helye 5">
             <a:extLst>
               <a:ext uri="{FF2B5EF4-FFF2-40B4-BE49-F238E27FC236}">
-                <a16:creationId xmlns:a16="http://schemas.microsoft.com/office/drawing/2014/main" xmlns="" id="{9CA010A5-65CA-F06E-E671-C1073A8C6DFA}"/>
+                <a16:creationId xmlns:a16="http://schemas.microsoft.com/office/drawing/2014/main" id="{9CA010A5-65CA-F06E-E671-C1073A8C6DFA}"/>
               </a:ext>
             </a:extLst>
           </p:cNvPr>
@@ -1810,7 +1812,7 @@
           <p:cNvPr id="7" name="Dia számának helye 6">
             <a:extLst>
               <a:ext uri="{FF2B5EF4-FFF2-40B4-BE49-F238E27FC236}">
-                <a16:creationId xmlns:a16="http://schemas.microsoft.com/office/drawing/2014/main" xmlns="" id="{16635656-463D-7407-9573-D0E1E69DA9BA}"/>
+                <a16:creationId xmlns:a16="http://schemas.microsoft.com/office/drawing/2014/main" id="{16635656-463D-7407-9573-D0E1E69DA9BA}"/>
               </a:ext>
             </a:extLst>
           </p:cNvPr>
@@ -1877,7 +1879,7 @@
           <p:cNvPr id="10" name="Téglalap: lekerekített 9">
             <a:extLst>
               <a:ext uri="{FF2B5EF4-FFF2-40B4-BE49-F238E27FC236}">
-                <a16:creationId xmlns:a16="http://schemas.microsoft.com/office/drawing/2014/main" xmlns="" id="{5C929177-02C2-6B75-4903-1A897B6B857B}"/>
+                <a16:creationId xmlns:a16="http://schemas.microsoft.com/office/drawing/2014/main" id="{5C929177-02C2-6B75-4903-1A897B6B857B}"/>
               </a:ext>
             </a:extLst>
           </p:cNvPr>
@@ -1934,7 +1936,7 @@
           <p:cNvPr id="12" name="Téglalap: lekerekített 11">
             <a:extLst>
               <a:ext uri="{FF2B5EF4-FFF2-40B4-BE49-F238E27FC236}">
-                <a16:creationId xmlns:a16="http://schemas.microsoft.com/office/drawing/2014/main" xmlns="" id="{4263DA3D-3720-84C8-46EF-56A35EEE76D5}"/>
+                <a16:creationId xmlns:a16="http://schemas.microsoft.com/office/drawing/2014/main" id="{4263DA3D-3720-84C8-46EF-56A35EEE76D5}"/>
               </a:ext>
             </a:extLst>
           </p:cNvPr>
@@ -2020,7 +2022,7 @@
           <p:cNvPr id="2" name="Cím 1">
             <a:extLst>
               <a:ext uri="{FF2B5EF4-FFF2-40B4-BE49-F238E27FC236}">
-                <a16:creationId xmlns:a16="http://schemas.microsoft.com/office/drawing/2014/main" xmlns="" id="{9BB4D70D-713A-8887-D67D-44EF31009DDB}"/>
+                <a16:creationId xmlns:a16="http://schemas.microsoft.com/office/drawing/2014/main" id="{9BB4D70D-713A-8887-D67D-44EF31009DDB}"/>
               </a:ext>
             </a:extLst>
           </p:cNvPr>
@@ -2048,7 +2050,7 @@
           <p:cNvPr id="3" name="Dátum helye 2">
             <a:extLst>
               <a:ext uri="{FF2B5EF4-FFF2-40B4-BE49-F238E27FC236}">
-                <a16:creationId xmlns:a16="http://schemas.microsoft.com/office/drawing/2014/main" xmlns="" id="{38F97F01-6921-2071-E7CF-B953B6A631B9}"/>
+                <a16:creationId xmlns:a16="http://schemas.microsoft.com/office/drawing/2014/main" id="{38F97F01-6921-2071-E7CF-B953B6A631B9}"/>
               </a:ext>
             </a:extLst>
           </p:cNvPr>
@@ -2066,7 +2068,7 @@
           <a:p>
             <a:fld id="{8E532DDB-289F-42C2-8F57-09A656E29423}" type="datetimeFigureOut">
               <a:rPr lang="hu-HU" smtClean="0"/>
-              <a:t>2024. 01. 25.</a:t>
+              <a:t>2024.01.26</a:t>
             </a:fld>
             <a:endParaRPr lang="hu-HU"/>
           </a:p>
@@ -2077,7 +2079,7 @@
           <p:cNvPr id="4" name="Élőláb helye 3">
             <a:extLst>
               <a:ext uri="{FF2B5EF4-FFF2-40B4-BE49-F238E27FC236}">
-                <a16:creationId xmlns:a16="http://schemas.microsoft.com/office/drawing/2014/main" xmlns="" id="{792745E5-843C-C4BC-0A40-C73AF021DF1B}"/>
+                <a16:creationId xmlns:a16="http://schemas.microsoft.com/office/drawing/2014/main" id="{792745E5-843C-C4BC-0A40-C73AF021DF1B}"/>
               </a:ext>
             </a:extLst>
           </p:cNvPr>
@@ -2102,7 +2104,7 @@
           <p:cNvPr id="5" name="Dia számának helye 4">
             <a:extLst>
               <a:ext uri="{FF2B5EF4-FFF2-40B4-BE49-F238E27FC236}">
-                <a16:creationId xmlns:a16="http://schemas.microsoft.com/office/drawing/2014/main" xmlns="" id="{368A0A24-A47E-950C-021B-05FD744DD010}"/>
+                <a16:creationId xmlns:a16="http://schemas.microsoft.com/office/drawing/2014/main" id="{368A0A24-A47E-950C-021B-05FD744DD010}"/>
               </a:ext>
             </a:extLst>
           </p:cNvPr>
@@ -2169,7 +2171,7 @@
           <p:cNvPr id="5" name="Ellipszis 4">
             <a:extLst>
               <a:ext uri="{FF2B5EF4-FFF2-40B4-BE49-F238E27FC236}">
-                <a16:creationId xmlns:a16="http://schemas.microsoft.com/office/drawing/2014/main" xmlns="" id="{A0BDDF6C-542F-81C9-9F4B-8813C7292558}"/>
+                <a16:creationId xmlns:a16="http://schemas.microsoft.com/office/drawing/2014/main" id="{A0BDDF6C-542F-81C9-9F4B-8813C7292558}"/>
               </a:ext>
             </a:extLst>
           </p:cNvPr>
@@ -2228,7 +2230,7 @@
           <p:cNvPr id="6" name="Ellipszis 5">
             <a:extLst>
               <a:ext uri="{FF2B5EF4-FFF2-40B4-BE49-F238E27FC236}">
-                <a16:creationId xmlns:a16="http://schemas.microsoft.com/office/drawing/2014/main" xmlns="" id="{9D7F498D-E1BA-D32F-5381-088641790353}"/>
+                <a16:creationId xmlns:a16="http://schemas.microsoft.com/office/drawing/2014/main" id="{9D7F498D-E1BA-D32F-5381-088641790353}"/>
               </a:ext>
             </a:extLst>
           </p:cNvPr>
@@ -2314,7 +2316,7 @@
           <p:cNvPr id="2" name="Cím 1">
             <a:extLst>
               <a:ext uri="{FF2B5EF4-FFF2-40B4-BE49-F238E27FC236}">
-                <a16:creationId xmlns:a16="http://schemas.microsoft.com/office/drawing/2014/main" xmlns="" id="{4BA820B7-A734-61BA-025C-8A1D6FB9D823}"/>
+                <a16:creationId xmlns:a16="http://schemas.microsoft.com/office/drawing/2014/main" id="{4BA820B7-A734-61BA-025C-8A1D6FB9D823}"/>
               </a:ext>
             </a:extLst>
           </p:cNvPr>
@@ -2351,7 +2353,7 @@
           <p:cNvPr id="3" name="Tartalom helye 2">
             <a:extLst>
               <a:ext uri="{FF2B5EF4-FFF2-40B4-BE49-F238E27FC236}">
-                <a16:creationId xmlns:a16="http://schemas.microsoft.com/office/drawing/2014/main" xmlns="" id="{D85A7804-99D9-2553-C6EE-AE084D6A85BE}"/>
+                <a16:creationId xmlns:a16="http://schemas.microsoft.com/office/drawing/2014/main" id="{D85A7804-99D9-2553-C6EE-AE084D6A85BE}"/>
               </a:ext>
             </a:extLst>
           </p:cNvPr>
@@ -2441,7 +2443,7 @@
           <p:cNvPr id="4" name="Szöveg helye 3">
             <a:extLst>
               <a:ext uri="{FF2B5EF4-FFF2-40B4-BE49-F238E27FC236}">
-                <a16:creationId xmlns:a16="http://schemas.microsoft.com/office/drawing/2014/main" xmlns="" id="{6E20636C-67A0-A9ED-9447-E65E3DBC68BE}"/>
+                <a16:creationId xmlns:a16="http://schemas.microsoft.com/office/drawing/2014/main" id="{6E20636C-67A0-A9ED-9447-E65E3DBC68BE}"/>
               </a:ext>
             </a:extLst>
           </p:cNvPr>
@@ -2512,7 +2514,7 @@
           <p:cNvPr id="5" name="Dátum helye 4">
             <a:extLst>
               <a:ext uri="{FF2B5EF4-FFF2-40B4-BE49-F238E27FC236}">
-                <a16:creationId xmlns:a16="http://schemas.microsoft.com/office/drawing/2014/main" xmlns="" id="{9F312683-9595-AE25-326A-8C5877B6B683}"/>
+                <a16:creationId xmlns:a16="http://schemas.microsoft.com/office/drawing/2014/main" id="{9F312683-9595-AE25-326A-8C5877B6B683}"/>
               </a:ext>
             </a:extLst>
           </p:cNvPr>
@@ -2530,7 +2532,7 @@
           <a:p>
             <a:fld id="{8E532DDB-289F-42C2-8F57-09A656E29423}" type="datetimeFigureOut">
               <a:rPr lang="hu-HU" smtClean="0"/>
-              <a:t>2024. 01. 25.</a:t>
+              <a:t>2024.01.26</a:t>
             </a:fld>
             <a:endParaRPr lang="hu-HU"/>
           </a:p>
@@ -2541,7 +2543,7 @@
           <p:cNvPr id="6" name="Élőláb helye 5">
             <a:extLst>
               <a:ext uri="{FF2B5EF4-FFF2-40B4-BE49-F238E27FC236}">
-                <a16:creationId xmlns:a16="http://schemas.microsoft.com/office/drawing/2014/main" xmlns="" id="{8966127D-5FB5-31BD-9ADA-D2182F34B42E}"/>
+                <a16:creationId xmlns:a16="http://schemas.microsoft.com/office/drawing/2014/main" id="{8966127D-5FB5-31BD-9ADA-D2182F34B42E}"/>
               </a:ext>
             </a:extLst>
           </p:cNvPr>
@@ -2566,7 +2568,7 @@
           <p:cNvPr id="7" name="Dia számának helye 6">
             <a:extLst>
               <a:ext uri="{FF2B5EF4-FFF2-40B4-BE49-F238E27FC236}">
-                <a16:creationId xmlns:a16="http://schemas.microsoft.com/office/drawing/2014/main" xmlns="" id="{9D7BE2A7-FA0F-D1CB-4C81-4F42A7317EDA}"/>
+                <a16:creationId xmlns:a16="http://schemas.microsoft.com/office/drawing/2014/main" id="{9D7BE2A7-FA0F-D1CB-4C81-4F42A7317EDA}"/>
               </a:ext>
             </a:extLst>
           </p:cNvPr>
@@ -2625,7 +2627,7 @@
           <p:cNvPr id="2" name="Cím 1">
             <a:extLst>
               <a:ext uri="{FF2B5EF4-FFF2-40B4-BE49-F238E27FC236}">
-                <a16:creationId xmlns:a16="http://schemas.microsoft.com/office/drawing/2014/main" xmlns="" id="{B0784514-8C93-1D41-0ADC-AE65182FDD80}"/>
+                <a16:creationId xmlns:a16="http://schemas.microsoft.com/office/drawing/2014/main" id="{B0784514-8C93-1D41-0ADC-AE65182FDD80}"/>
               </a:ext>
             </a:extLst>
           </p:cNvPr>
@@ -2662,7 +2664,7 @@
           <p:cNvPr id="3" name="Kép helye 2">
             <a:extLst>
               <a:ext uri="{FF2B5EF4-FFF2-40B4-BE49-F238E27FC236}">
-                <a16:creationId xmlns:a16="http://schemas.microsoft.com/office/drawing/2014/main" xmlns="" id="{A322284F-F90F-B535-EB30-0E01F4BBCD18}"/>
+                <a16:creationId xmlns:a16="http://schemas.microsoft.com/office/drawing/2014/main" id="{A322284F-F90F-B535-EB30-0E01F4BBCD18}"/>
               </a:ext>
             </a:extLst>
           </p:cNvPr>
@@ -2729,7 +2731,7 @@
           <p:cNvPr id="4" name="Szöveg helye 3">
             <a:extLst>
               <a:ext uri="{FF2B5EF4-FFF2-40B4-BE49-F238E27FC236}">
-                <a16:creationId xmlns:a16="http://schemas.microsoft.com/office/drawing/2014/main" xmlns="" id="{D72DEB85-590B-1098-22C9-0A2BD35856A5}"/>
+                <a16:creationId xmlns:a16="http://schemas.microsoft.com/office/drawing/2014/main" id="{D72DEB85-590B-1098-22C9-0A2BD35856A5}"/>
               </a:ext>
             </a:extLst>
           </p:cNvPr>
@@ -2800,7 +2802,7 @@
           <p:cNvPr id="5" name="Dátum helye 4">
             <a:extLst>
               <a:ext uri="{FF2B5EF4-FFF2-40B4-BE49-F238E27FC236}">
-                <a16:creationId xmlns:a16="http://schemas.microsoft.com/office/drawing/2014/main" xmlns="" id="{FF0EEE38-B9C3-57C4-28D5-83BF2BDFBC37}"/>
+                <a16:creationId xmlns:a16="http://schemas.microsoft.com/office/drawing/2014/main" id="{FF0EEE38-B9C3-57C4-28D5-83BF2BDFBC37}"/>
               </a:ext>
             </a:extLst>
           </p:cNvPr>
@@ -2818,7 +2820,7 @@
           <a:p>
             <a:fld id="{8E532DDB-289F-42C2-8F57-09A656E29423}" type="datetimeFigureOut">
               <a:rPr lang="hu-HU" smtClean="0"/>
-              <a:t>2024. 01. 25.</a:t>
+              <a:t>2024.01.26</a:t>
             </a:fld>
             <a:endParaRPr lang="hu-HU"/>
           </a:p>
@@ -2829,7 +2831,7 @@
           <p:cNvPr id="6" name="Élőláb helye 5">
             <a:extLst>
               <a:ext uri="{FF2B5EF4-FFF2-40B4-BE49-F238E27FC236}">
-                <a16:creationId xmlns:a16="http://schemas.microsoft.com/office/drawing/2014/main" xmlns="" id="{9A8C60BB-E846-A556-7D6F-80E4666550F6}"/>
+                <a16:creationId xmlns:a16="http://schemas.microsoft.com/office/drawing/2014/main" id="{9A8C60BB-E846-A556-7D6F-80E4666550F6}"/>
               </a:ext>
             </a:extLst>
           </p:cNvPr>
@@ -2854,7 +2856,7 @@
           <p:cNvPr id="7" name="Dia számának helye 6">
             <a:extLst>
               <a:ext uri="{FF2B5EF4-FFF2-40B4-BE49-F238E27FC236}">
-                <a16:creationId xmlns:a16="http://schemas.microsoft.com/office/drawing/2014/main" xmlns="" id="{F40C4142-B31B-0592-C73D-7D1D2251D700}"/>
+                <a16:creationId xmlns:a16="http://schemas.microsoft.com/office/drawing/2014/main" id="{F40C4142-B31B-0592-C73D-7D1D2251D700}"/>
               </a:ext>
             </a:extLst>
           </p:cNvPr>
@@ -2918,7 +2920,7 @@
           <p:cNvPr id="2" name="Cím helye 1">
             <a:extLst>
               <a:ext uri="{FF2B5EF4-FFF2-40B4-BE49-F238E27FC236}">
-                <a16:creationId xmlns:a16="http://schemas.microsoft.com/office/drawing/2014/main" xmlns="" id="{17782075-6685-2989-CE63-F72F6A17CA3B}"/>
+                <a16:creationId xmlns:a16="http://schemas.microsoft.com/office/drawing/2014/main" id="{17782075-6685-2989-CE63-F72F6A17CA3B}"/>
               </a:ext>
             </a:extLst>
           </p:cNvPr>
@@ -2956,7 +2958,7 @@
           <p:cNvPr id="3" name="Szöveg helye 2">
             <a:extLst>
               <a:ext uri="{FF2B5EF4-FFF2-40B4-BE49-F238E27FC236}">
-                <a16:creationId xmlns:a16="http://schemas.microsoft.com/office/drawing/2014/main" xmlns="" id="{62170818-01AE-3631-E7D4-F09960BC7755}"/>
+                <a16:creationId xmlns:a16="http://schemas.microsoft.com/office/drawing/2014/main" id="{62170818-01AE-3631-E7D4-F09960BC7755}"/>
               </a:ext>
             </a:extLst>
           </p:cNvPr>
@@ -3023,7 +3025,7 @@
           <p:cNvPr id="4" name="Dátum helye 3">
             <a:extLst>
               <a:ext uri="{FF2B5EF4-FFF2-40B4-BE49-F238E27FC236}">
-                <a16:creationId xmlns:a16="http://schemas.microsoft.com/office/drawing/2014/main" xmlns="" id="{5E44EABD-3951-FE87-043A-DEE26A772C31}"/>
+                <a16:creationId xmlns:a16="http://schemas.microsoft.com/office/drawing/2014/main" id="{5E44EABD-3951-FE87-043A-DEE26A772C31}"/>
               </a:ext>
             </a:extLst>
           </p:cNvPr>
@@ -3059,7 +3061,7 @@
           <a:p>
             <a:fld id="{8E532DDB-289F-42C2-8F57-09A656E29423}" type="datetimeFigureOut">
               <a:rPr lang="hu-HU" smtClean="0"/>
-              <a:t>2024. 01. 25.</a:t>
+              <a:t>2024.01.26</a:t>
             </a:fld>
             <a:endParaRPr lang="hu-HU"/>
           </a:p>
@@ -3070,7 +3072,7 @@
           <p:cNvPr id="5" name="Élőláb helye 4">
             <a:extLst>
               <a:ext uri="{FF2B5EF4-FFF2-40B4-BE49-F238E27FC236}">
-                <a16:creationId xmlns:a16="http://schemas.microsoft.com/office/drawing/2014/main" xmlns="" id="{198D541F-EDD3-7ECD-372B-4F0F3E42E056}"/>
+                <a16:creationId xmlns:a16="http://schemas.microsoft.com/office/drawing/2014/main" id="{198D541F-EDD3-7ECD-372B-4F0F3E42E056}"/>
               </a:ext>
             </a:extLst>
           </p:cNvPr>
@@ -3113,7 +3115,7 @@
           <p:cNvPr id="6" name="Dia számának helye 5">
             <a:extLst>
               <a:ext uri="{FF2B5EF4-FFF2-40B4-BE49-F238E27FC236}">
-                <a16:creationId xmlns:a16="http://schemas.microsoft.com/office/drawing/2014/main" xmlns="" id="{3B1F9F43-DBAD-7623-FC58-2CBFA5EC9A4A}"/>
+                <a16:creationId xmlns:a16="http://schemas.microsoft.com/office/drawing/2014/main" id="{3B1F9F43-DBAD-7623-FC58-2CBFA5EC9A4A}"/>
               </a:ext>
             </a:extLst>
           </p:cNvPr>
@@ -3489,7 +3491,7 @@
           <p:cNvPr id="4" name="Ellipszis 3">
             <a:extLst>
               <a:ext uri="{FF2B5EF4-FFF2-40B4-BE49-F238E27FC236}">
-                <a16:creationId xmlns:a16="http://schemas.microsoft.com/office/drawing/2014/main" xmlns="" id="{5E590742-0F2F-708E-87FC-8CF5ABA75119}"/>
+                <a16:creationId xmlns:a16="http://schemas.microsoft.com/office/drawing/2014/main" id="{5E590742-0F2F-708E-87FC-8CF5ABA75119}"/>
               </a:ext>
             </a:extLst>
           </p:cNvPr>
@@ -3548,7 +3550,7 @@
           <p:cNvPr id="5" name="Ellipszis 4">
             <a:extLst>
               <a:ext uri="{FF2B5EF4-FFF2-40B4-BE49-F238E27FC236}">
-                <a16:creationId xmlns:a16="http://schemas.microsoft.com/office/drawing/2014/main" xmlns="" id="{7BFA035C-0E90-EF99-09EB-F01F1787B99D}"/>
+                <a16:creationId xmlns:a16="http://schemas.microsoft.com/office/drawing/2014/main" id="{7BFA035C-0E90-EF99-09EB-F01F1787B99D}"/>
               </a:ext>
             </a:extLst>
           </p:cNvPr>
@@ -3567,9 +3569,9 @@
             <a:srgbClr val="441887"/>
           </a:solidFill>
           <a:effectLst>
-            <a:innerShdw blurRad="368300">
+            <a:innerShdw blurRad="393700">
               <a:prstClr val="black">
-                <a:alpha val="41000"/>
+                <a:alpha val="40000"/>
               </a:prstClr>
             </a:innerShdw>
           </a:effectLst>
@@ -3604,7 +3606,7 @@
           <p:cNvPr id="6" name="Téglalap: lekerekített 5">
             <a:extLst>
               <a:ext uri="{FF2B5EF4-FFF2-40B4-BE49-F238E27FC236}">
-                <a16:creationId xmlns:a16="http://schemas.microsoft.com/office/drawing/2014/main" xmlns="" id="{FF8E1E1E-E25D-9D44-58A0-641AE3D16840}"/>
+                <a16:creationId xmlns:a16="http://schemas.microsoft.com/office/drawing/2014/main" id="{FF8E1E1E-E25D-9D44-58A0-641AE3D16840}"/>
               </a:ext>
             </a:extLst>
           </p:cNvPr>
@@ -3670,7 +3672,7 @@
           <p:cNvPr id="7" name="Téglalap: lekerekített 6">
             <a:extLst>
               <a:ext uri="{FF2B5EF4-FFF2-40B4-BE49-F238E27FC236}">
-                <a16:creationId xmlns:a16="http://schemas.microsoft.com/office/drawing/2014/main" xmlns="" id="{876BD73A-04ED-68D6-0CFC-B55B322B54B6}"/>
+                <a16:creationId xmlns:a16="http://schemas.microsoft.com/office/drawing/2014/main" id="{876BD73A-04ED-68D6-0CFC-B55B322B54B6}"/>
               </a:ext>
             </a:extLst>
           </p:cNvPr>
@@ -3736,7 +3738,7 @@
           <p:cNvPr id="8" name="Téglalap: lekerekített 7">
             <a:extLst>
               <a:ext uri="{FF2B5EF4-FFF2-40B4-BE49-F238E27FC236}">
-                <a16:creationId xmlns:a16="http://schemas.microsoft.com/office/drawing/2014/main" xmlns="" id="{A949ACA4-0F6E-139B-8268-493DDA55C128}"/>
+                <a16:creationId xmlns:a16="http://schemas.microsoft.com/office/drawing/2014/main" id="{A949ACA4-0F6E-139B-8268-493DDA55C128}"/>
               </a:ext>
             </a:extLst>
           </p:cNvPr>
@@ -3802,7 +3804,7 @@
           <p:cNvPr id="9" name="Téglalap: lekerekített 8">
             <a:extLst>
               <a:ext uri="{FF2B5EF4-FFF2-40B4-BE49-F238E27FC236}">
-                <a16:creationId xmlns:a16="http://schemas.microsoft.com/office/drawing/2014/main" xmlns="" id="{D9B78EC0-CC66-2DDA-134B-90693F675712}"/>
+                <a16:creationId xmlns:a16="http://schemas.microsoft.com/office/drawing/2014/main" id="{D9B78EC0-CC66-2DDA-134B-90693F675712}"/>
               </a:ext>
             </a:extLst>
           </p:cNvPr>
@@ -3860,7 +3862,7 @@
           <p:cNvPr id="10" name="Téglalap: lekerekített 9">
             <a:extLst>
               <a:ext uri="{FF2B5EF4-FFF2-40B4-BE49-F238E27FC236}">
-                <a16:creationId xmlns:a16="http://schemas.microsoft.com/office/drawing/2014/main" xmlns="" id="{2E3A3B9D-563A-3AE1-8B49-D5C002EEA99D}"/>
+                <a16:creationId xmlns:a16="http://schemas.microsoft.com/office/drawing/2014/main" id="{2E3A3B9D-563A-3AE1-8B49-D5C002EEA99D}"/>
               </a:ext>
             </a:extLst>
           </p:cNvPr>
@@ -3926,7 +3928,7 @@
           <p:cNvPr id="11" name="Téglalap: lekerekített 10">
             <a:extLst>
               <a:ext uri="{FF2B5EF4-FFF2-40B4-BE49-F238E27FC236}">
-                <a16:creationId xmlns:a16="http://schemas.microsoft.com/office/drawing/2014/main" xmlns="" id="{DF3EB93E-2E32-E334-3C4E-462E031D3FD7}"/>
+                <a16:creationId xmlns:a16="http://schemas.microsoft.com/office/drawing/2014/main" id="{DF3EB93E-2E32-E334-3C4E-462E031D3FD7}"/>
               </a:ext>
             </a:extLst>
           </p:cNvPr>
@@ -3984,7 +3986,7 @@
           <p:cNvPr id="12" name="Téglalap: lekerekített 11">
             <a:extLst>
               <a:ext uri="{FF2B5EF4-FFF2-40B4-BE49-F238E27FC236}">
-                <a16:creationId xmlns:a16="http://schemas.microsoft.com/office/drawing/2014/main" xmlns="" id="{B12CDA0D-4782-C9A6-DEFD-8858E69E0D7B}"/>
+                <a16:creationId xmlns:a16="http://schemas.microsoft.com/office/drawing/2014/main" id="{B12CDA0D-4782-C9A6-DEFD-8858E69E0D7B}"/>
               </a:ext>
             </a:extLst>
           </p:cNvPr>
@@ -4050,7 +4052,7 @@
           <p:cNvPr id="13" name="Téglalap: lekerekített 12">
             <a:extLst>
               <a:ext uri="{FF2B5EF4-FFF2-40B4-BE49-F238E27FC236}">
-                <a16:creationId xmlns:a16="http://schemas.microsoft.com/office/drawing/2014/main" xmlns="" id="{74CFAF27-3E7A-F8C8-BD2F-DD4524B7DCE9}"/>
+                <a16:creationId xmlns:a16="http://schemas.microsoft.com/office/drawing/2014/main" id="{74CFAF27-3E7A-F8C8-BD2F-DD4524B7DCE9}"/>
               </a:ext>
             </a:extLst>
           </p:cNvPr>
@@ -4116,7 +4118,7 @@
           <p:cNvPr id="14" name="Téglalap: lekerekített 13">
             <a:extLst>
               <a:ext uri="{FF2B5EF4-FFF2-40B4-BE49-F238E27FC236}">
-                <a16:creationId xmlns:a16="http://schemas.microsoft.com/office/drawing/2014/main" xmlns="" id="{4FF50EB6-58FD-EF34-ECC2-721D27B4C713}"/>
+                <a16:creationId xmlns:a16="http://schemas.microsoft.com/office/drawing/2014/main" id="{4FF50EB6-58FD-EF34-ECC2-721D27B4C713}"/>
               </a:ext>
             </a:extLst>
           </p:cNvPr>
@@ -4174,7 +4176,7 @@
           <p:cNvPr id="15" name="Szövegdoboz 14">
             <a:extLst>
               <a:ext uri="{FF2B5EF4-FFF2-40B4-BE49-F238E27FC236}">
-                <a16:creationId xmlns:a16="http://schemas.microsoft.com/office/drawing/2014/main" xmlns="" id="{BAD904EC-5503-CAE6-53A8-7648AE393A9D}"/>
+                <a16:creationId xmlns:a16="http://schemas.microsoft.com/office/drawing/2014/main" id="{BAD904EC-5503-CAE6-53A8-7648AE393A9D}"/>
               </a:ext>
             </a:extLst>
           </p:cNvPr>
@@ -4203,7 +4205,7 @@
           <a:lstStyle/>
           <a:p>
             <a:r>
-              <a:rPr lang="hu-HU" sz="11000" dirty="0" smtClean="0">
+              <a:rPr lang="hu-HU" sz="11000" dirty="0">
                 <a:solidFill>
                   <a:schemeClr val="bg1"/>
                 </a:solidFill>
@@ -4219,20 +4221,6 @@
               </a:rPr>
               <a:t>pygame</a:t>
             </a:r>
-            <a:endParaRPr lang="hu-HU" sz="11000" dirty="0">
-              <a:solidFill>
-                <a:schemeClr val="bg1"/>
-              </a:solidFill>
-              <a:effectLst>
-                <a:outerShdw dist="38100" sx="101000" sy="101000" algn="l" rotWithShape="0">
-                  <a:prstClr val="black">
-                    <a:alpha val="10000"/>
-                  </a:prstClr>
-                </a:outerShdw>
-              </a:effectLst>
-              <a:latin typeface="Segoe UI Black" panose="020B0A02040204020203" pitchFamily="34" charset="0"/>
-              <a:ea typeface="Segoe UI Black" panose="020B0A02040204020203" pitchFamily="34" charset="0"/>
-            </a:endParaRPr>
           </a:p>
         </p:txBody>
       </p:sp>
@@ -4241,7 +4229,7 @@
           <p:cNvPr id="16" name="Szövegdoboz 15">
             <a:extLst>
               <a:ext uri="{FF2B5EF4-FFF2-40B4-BE49-F238E27FC236}">
-                <a16:creationId xmlns:a16="http://schemas.microsoft.com/office/drawing/2014/main" xmlns="" id="{C9117FAE-FE67-5743-F7DB-0D7FE2C64D91}"/>
+                <a16:creationId xmlns:a16="http://schemas.microsoft.com/office/drawing/2014/main" id="{C9117FAE-FE67-5743-F7DB-0D7FE2C64D91}"/>
               </a:ext>
             </a:extLst>
           </p:cNvPr>
@@ -4274,10 +4262,6 @@
                 <a:latin typeface="Barlow" panose="020F0502020204030204" pitchFamily="2" charset="-18"/>
               </a:rPr>
               <a:t>5. Fejezet dokumentációja:</a:t>
-            </a:r>
-            <a:r>
-              <a:rPr lang="hu-HU" sz="2000" dirty="0"/>
-              <a:t/>
             </a:r>
             <a:br>
               <a:rPr lang="hu-HU" sz="2000" dirty="0"/>
@@ -4973,6 +4957,481 @@
           <a:chExt cx="0" cy="0"/>
         </a:xfrm>
       </p:grpSpPr>
+      <p:sp>
+        <p:nvSpPr>
+          <p:cNvPr id="7" name="Téglalap: lekerekített 6">
+            <a:extLst>
+              <a:ext uri="{FF2B5EF4-FFF2-40B4-BE49-F238E27FC236}">
+                <a16:creationId xmlns:a16="http://schemas.microsoft.com/office/drawing/2014/main" id="{9E83F3BB-AE52-4C22-B3C7-E052C54A356D}"/>
+              </a:ext>
+            </a:extLst>
+          </p:cNvPr>
+          <p:cNvSpPr/>
+          <p:nvPr/>
+        </p:nvSpPr>
+        <p:spPr>
+          <a:xfrm>
+            <a:off x="836499" y="812800"/>
+            <a:ext cx="4784269" cy="2256972"/>
+          </a:xfrm>
+          <a:prstGeom prst="roundRect">
+            <a:avLst>
+              <a:gd name="adj" fmla="val 4094"/>
+            </a:avLst>
+          </a:prstGeom>
+          <a:solidFill>
+            <a:schemeClr val="bg1">
+              <a:alpha val="80000"/>
+            </a:schemeClr>
+          </a:solidFill>
+          <a:ln w="120650" cap="sq">
+            <a:noFill/>
+            <a:round/>
+          </a:ln>
+        </p:spPr>
+        <p:style>
+          <a:lnRef idx="2">
+            <a:schemeClr val="accent1">
+              <a:shade val="15000"/>
+            </a:schemeClr>
+          </a:lnRef>
+          <a:fillRef idx="1">
+            <a:schemeClr val="accent1"/>
+          </a:fillRef>
+          <a:effectRef idx="0">
+            <a:schemeClr val="accent1"/>
+          </a:effectRef>
+          <a:fontRef idx="minor">
+            <a:schemeClr val="lt1"/>
+          </a:fontRef>
+        </p:style>
+        <p:txBody>
+          <a:bodyPr rtlCol="0" anchor="ctr"/>
+          <a:lstStyle/>
+          <a:p>
+            <a:pPr algn="ctr"/>
+            <a:endParaRPr lang="hu-HU" dirty="0"/>
+          </a:p>
+        </p:txBody>
+      </p:sp>
+      <p:sp>
+        <p:nvSpPr>
+          <p:cNvPr id="8" name="Téglalap: lekerekített 7">
+            <a:extLst>
+              <a:ext uri="{FF2B5EF4-FFF2-40B4-BE49-F238E27FC236}">
+                <a16:creationId xmlns:a16="http://schemas.microsoft.com/office/drawing/2014/main" id="{59C7E15A-6049-4717-8363-2D58AB3A0EDC}"/>
+              </a:ext>
+            </a:extLst>
+          </p:cNvPr>
+          <p:cNvSpPr/>
+          <p:nvPr/>
+        </p:nvSpPr>
+        <p:spPr>
+          <a:xfrm>
+            <a:off x="836498" y="3889829"/>
+            <a:ext cx="4784269" cy="2256971"/>
+          </a:xfrm>
+          <a:prstGeom prst="roundRect">
+            <a:avLst>
+              <a:gd name="adj" fmla="val 4094"/>
+            </a:avLst>
+          </a:prstGeom>
+          <a:solidFill>
+            <a:schemeClr val="bg1">
+              <a:alpha val="80000"/>
+            </a:schemeClr>
+          </a:solidFill>
+          <a:ln w="120650" cap="sq">
+            <a:noFill/>
+            <a:round/>
+          </a:ln>
+        </p:spPr>
+        <p:style>
+          <a:lnRef idx="2">
+            <a:schemeClr val="accent1">
+              <a:shade val="15000"/>
+            </a:schemeClr>
+          </a:lnRef>
+          <a:fillRef idx="1">
+            <a:schemeClr val="accent1"/>
+          </a:fillRef>
+          <a:effectRef idx="0">
+            <a:schemeClr val="accent1"/>
+          </a:effectRef>
+          <a:fontRef idx="minor">
+            <a:schemeClr val="lt1"/>
+          </a:fontRef>
+        </p:style>
+        <p:txBody>
+          <a:bodyPr rtlCol="0" anchor="ctr"/>
+          <a:lstStyle/>
+          <a:p>
+            <a:pPr algn="ctr"/>
+            <a:endParaRPr lang="hu-HU" dirty="0"/>
+          </a:p>
+        </p:txBody>
+      </p:sp>
+      <p:sp>
+        <p:nvSpPr>
+          <p:cNvPr id="10" name="Téglalap: lekerekített 9">
+            <a:extLst>
+              <a:ext uri="{FF2B5EF4-FFF2-40B4-BE49-F238E27FC236}">
+                <a16:creationId xmlns:a16="http://schemas.microsoft.com/office/drawing/2014/main" id="{73205799-383A-425A-AF8B-9CAFCC08C585}"/>
+              </a:ext>
+            </a:extLst>
+          </p:cNvPr>
+          <p:cNvSpPr/>
+          <p:nvPr/>
+        </p:nvSpPr>
+        <p:spPr>
+          <a:xfrm>
+            <a:off x="6527686" y="812800"/>
+            <a:ext cx="4784269" cy="2002971"/>
+          </a:xfrm>
+          <a:prstGeom prst="roundRect">
+            <a:avLst>
+              <a:gd name="adj" fmla="val 4094"/>
+            </a:avLst>
+          </a:prstGeom>
+          <a:solidFill>
+            <a:schemeClr val="bg1">
+              <a:alpha val="80000"/>
+            </a:schemeClr>
+          </a:solidFill>
+          <a:ln w="120650" cap="sq">
+            <a:noFill/>
+            <a:round/>
+          </a:ln>
+        </p:spPr>
+        <p:style>
+          <a:lnRef idx="2">
+            <a:schemeClr val="accent1">
+              <a:shade val="15000"/>
+            </a:schemeClr>
+          </a:lnRef>
+          <a:fillRef idx="1">
+            <a:schemeClr val="accent1"/>
+          </a:fillRef>
+          <a:effectRef idx="0">
+            <a:schemeClr val="accent1"/>
+          </a:effectRef>
+          <a:fontRef idx="minor">
+            <a:schemeClr val="lt1"/>
+          </a:fontRef>
+        </p:style>
+        <p:txBody>
+          <a:bodyPr rtlCol="0" anchor="ctr"/>
+          <a:lstStyle/>
+          <a:p>
+            <a:pPr algn="ctr"/>
+            <a:r>
+              <a:rPr lang="hu-HU" dirty="0"/>
+              <a:t> </a:t>
+            </a:r>
+          </a:p>
+        </p:txBody>
+      </p:sp>
+      <p:pic>
+        <p:nvPicPr>
+          <p:cNvPr id="11" name="Picture 2">
+            <a:extLst>
+              <a:ext uri="{FF2B5EF4-FFF2-40B4-BE49-F238E27FC236}">
+                <a16:creationId xmlns:a16="http://schemas.microsoft.com/office/drawing/2014/main" id="{9AAC4877-3D0E-473E-847D-33672580B58E}"/>
+              </a:ext>
+            </a:extLst>
+          </p:cNvPr>
+          <p:cNvPicPr>
+            <a:picLocks noChangeAspect="1" noChangeArrowheads="1"/>
+          </p:cNvPicPr>
+          <p:nvPr/>
+        </p:nvPicPr>
+        <p:blipFill>
+          <a:blip r:embed="rId2">
+            <a:extLst>
+              <a:ext uri="{28A0092B-C50C-407E-A947-70E740481C1C}">
+                <a14:useLocalDpi xmlns:a14="http://schemas.microsoft.com/office/drawing/2010/main" val="0"/>
+              </a:ext>
+            </a:extLst>
+          </a:blip>
+          <a:srcRect/>
+          <a:stretch>
+            <a:fillRect/>
+          </a:stretch>
+        </p:blipFill>
+        <p:spPr bwMode="auto">
+          <a:xfrm>
+            <a:off x="6725670" y="1166806"/>
+            <a:ext cx="4388302" cy="1234210"/>
+          </a:xfrm>
+          <a:prstGeom prst="rect">
+            <a:avLst/>
+          </a:prstGeom>
+          <a:noFill/>
+          <a:extLst>
+            <a:ext uri="{909E8E84-426E-40DD-AFC4-6F175D3DCCD1}">
+              <a14:hiddenFill xmlns:a14="http://schemas.microsoft.com/office/drawing/2010/main">
+                <a:solidFill>
+                  <a:srgbClr val="FFFFFF"/>
+                </a:solidFill>
+              </a14:hiddenFill>
+            </a:ext>
+          </a:extLst>
+        </p:spPr>
+      </p:pic>
+    </p:spTree>
+    <p:extLst>
+      <p:ext uri="{BB962C8B-B14F-4D97-AF65-F5344CB8AC3E}">
+        <p14:creationId xmlns:p14="http://schemas.microsoft.com/office/powerpoint/2010/main" val="1638558615"/>
+      </p:ext>
+    </p:extLst>
+  </p:cSld>
+  <p:clrMapOvr>
+    <a:masterClrMapping/>
+  </p:clrMapOvr>
+  <p:timing>
+    <p:tnLst>
+      <p:par>
+        <p:cTn id="1" dur="indefinite" restart="never" nodeType="tmRoot">
+          <p:childTnLst>
+            <p:seq concurrent="1" nextAc="seek">
+              <p:cTn id="2" dur="indefinite" nodeType="mainSeq">
+                <p:childTnLst>
+                  <p:par>
+                    <p:cTn id="3" fill="hold">
+                      <p:stCondLst>
+                        <p:cond delay="indefinite"/>
+                      </p:stCondLst>
+                      <p:childTnLst>
+                        <p:par>
+                          <p:cTn id="4" fill="hold">
+                            <p:stCondLst>
+                              <p:cond delay="0"/>
+                            </p:stCondLst>
+                            <p:childTnLst>
+                              <p:par>
+                                <p:cTn id="5" presetID="2" presetClass="entr" presetSubtype="4" fill="hold" grpId="0" nodeType="clickEffect">
+                                  <p:stCondLst>
+                                    <p:cond delay="0"/>
+                                  </p:stCondLst>
+                                  <p:childTnLst>
+                                    <p:set>
+                                      <p:cBhvr>
+                                        <p:cTn id="6" dur="1" fill="hold">
+                                          <p:stCondLst>
+                                            <p:cond delay="0"/>
+                                          </p:stCondLst>
+                                        </p:cTn>
+                                        <p:tgtEl>
+                                          <p:spTgt spid="7"/>
+                                        </p:tgtEl>
+                                        <p:attrNameLst>
+                                          <p:attrName>style.visibility</p:attrName>
+                                        </p:attrNameLst>
+                                      </p:cBhvr>
+                                      <p:to>
+                                        <p:strVal val="visible"/>
+                                      </p:to>
+                                    </p:set>
+                                    <p:anim calcmode="lin" valueType="num">
+                                      <p:cBhvr additive="base">
+                                        <p:cTn id="7" dur="500" fill="hold"/>
+                                        <p:tgtEl>
+                                          <p:spTgt spid="7"/>
+                                        </p:tgtEl>
+                                        <p:attrNameLst>
+                                          <p:attrName>ppt_x</p:attrName>
+                                        </p:attrNameLst>
+                                      </p:cBhvr>
+                                      <p:tavLst>
+                                        <p:tav tm="0">
+                                          <p:val>
+                                            <p:strVal val="#ppt_x"/>
+                                          </p:val>
+                                        </p:tav>
+                                        <p:tav tm="100000">
+                                          <p:val>
+                                            <p:strVal val="#ppt_x"/>
+                                          </p:val>
+                                        </p:tav>
+                                      </p:tavLst>
+                                    </p:anim>
+                                    <p:anim calcmode="lin" valueType="num">
+                                      <p:cBhvr additive="base">
+                                        <p:cTn id="8" dur="500" fill="hold"/>
+                                        <p:tgtEl>
+                                          <p:spTgt spid="7"/>
+                                        </p:tgtEl>
+                                        <p:attrNameLst>
+                                          <p:attrName>ppt_y</p:attrName>
+                                        </p:attrNameLst>
+                                      </p:cBhvr>
+                                      <p:tavLst>
+                                        <p:tav tm="0">
+                                          <p:val>
+                                            <p:strVal val="1+#ppt_h/2"/>
+                                          </p:val>
+                                        </p:tav>
+                                        <p:tav tm="100000">
+                                          <p:val>
+                                            <p:strVal val="#ppt_y"/>
+                                          </p:val>
+                                        </p:tav>
+                                      </p:tavLst>
+                                    </p:anim>
+                                  </p:childTnLst>
+                                </p:cTn>
+                              </p:par>
+                            </p:childTnLst>
+                          </p:cTn>
+                        </p:par>
+                      </p:childTnLst>
+                    </p:cTn>
+                  </p:par>
+                  <p:par>
+                    <p:cTn id="9" fill="hold">
+                      <p:stCondLst>
+                        <p:cond delay="indefinite"/>
+                      </p:stCondLst>
+                      <p:childTnLst>
+                        <p:par>
+                          <p:cTn id="10" fill="hold">
+                            <p:stCondLst>
+                              <p:cond delay="0"/>
+                            </p:stCondLst>
+                            <p:childTnLst>
+                              <p:par>
+                                <p:cTn id="11" presetID="2" presetClass="entr" presetSubtype="4" fill="hold" grpId="0" nodeType="clickEffect">
+                                  <p:stCondLst>
+                                    <p:cond delay="0"/>
+                                  </p:stCondLst>
+                                  <p:childTnLst>
+                                    <p:set>
+                                      <p:cBhvr>
+                                        <p:cTn id="12" dur="1" fill="hold">
+                                          <p:stCondLst>
+                                            <p:cond delay="0"/>
+                                          </p:stCondLst>
+                                        </p:cTn>
+                                        <p:tgtEl>
+                                          <p:spTgt spid="8"/>
+                                        </p:tgtEl>
+                                        <p:attrNameLst>
+                                          <p:attrName>style.visibility</p:attrName>
+                                        </p:attrNameLst>
+                                      </p:cBhvr>
+                                      <p:to>
+                                        <p:strVal val="visible"/>
+                                      </p:to>
+                                    </p:set>
+                                    <p:anim calcmode="lin" valueType="num">
+                                      <p:cBhvr additive="base">
+                                        <p:cTn id="13" dur="500" fill="hold"/>
+                                        <p:tgtEl>
+                                          <p:spTgt spid="8"/>
+                                        </p:tgtEl>
+                                        <p:attrNameLst>
+                                          <p:attrName>ppt_x</p:attrName>
+                                        </p:attrNameLst>
+                                      </p:cBhvr>
+                                      <p:tavLst>
+                                        <p:tav tm="0">
+                                          <p:val>
+                                            <p:strVal val="#ppt_x"/>
+                                          </p:val>
+                                        </p:tav>
+                                        <p:tav tm="100000">
+                                          <p:val>
+                                            <p:strVal val="#ppt_x"/>
+                                          </p:val>
+                                        </p:tav>
+                                      </p:tavLst>
+                                    </p:anim>
+                                    <p:anim calcmode="lin" valueType="num">
+                                      <p:cBhvr additive="base">
+                                        <p:cTn id="14" dur="500" fill="hold"/>
+                                        <p:tgtEl>
+                                          <p:spTgt spid="8"/>
+                                        </p:tgtEl>
+                                        <p:attrNameLst>
+                                          <p:attrName>ppt_y</p:attrName>
+                                        </p:attrNameLst>
+                                      </p:cBhvr>
+                                      <p:tavLst>
+                                        <p:tav tm="0">
+                                          <p:val>
+                                            <p:strVal val="1+#ppt_h/2"/>
+                                          </p:val>
+                                        </p:tav>
+                                        <p:tav tm="100000">
+                                          <p:val>
+                                            <p:strVal val="#ppt_y"/>
+                                          </p:val>
+                                        </p:tav>
+                                      </p:tavLst>
+                                    </p:anim>
+                                  </p:childTnLst>
+                                </p:cTn>
+                              </p:par>
+                            </p:childTnLst>
+                          </p:cTn>
+                        </p:par>
+                      </p:childTnLst>
+                    </p:cTn>
+                  </p:par>
+                </p:childTnLst>
+              </p:cTn>
+              <p:prevCondLst>
+                <p:cond evt="onPrev" delay="0">
+                  <p:tgtEl>
+                    <p:sldTgt/>
+                  </p:tgtEl>
+                </p:cond>
+              </p:prevCondLst>
+              <p:nextCondLst>
+                <p:cond evt="onNext" delay="0">
+                  <p:tgtEl>
+                    <p:sldTgt/>
+                  </p:tgtEl>
+                </p:cond>
+              </p:nextCondLst>
+            </p:seq>
+          </p:childTnLst>
+        </p:cTn>
+      </p:par>
+    </p:tnLst>
+    <p:bldLst>
+      <p:bldP spid="7" grpId="0" animBg="1"/>
+      <p:bldP spid="8" grpId="0" animBg="1"/>
+    </p:bldLst>
+  </p:timing>
+</p:sld>
+</file>
+
+<file path=ppt/slides/slide3.xml><?xml version="1.0" encoding="utf-8"?>
+<p:sld xmlns:a="http://schemas.openxmlformats.org/drawingml/2006/main" xmlns:r="http://schemas.openxmlformats.org/officeDocument/2006/relationships" xmlns:p="http://schemas.openxmlformats.org/presentationml/2006/main">
+  <p:cSld>
+    <p:bg>
+      <p:bgPr>
+        <a:solidFill>
+          <a:srgbClr val="5019B3"/>
+        </a:solidFill>
+        <a:effectLst/>
+      </p:bgPr>
+    </p:bg>
+    <p:spTree>
+      <p:nvGrpSpPr>
+        <p:cNvPr id="1" name=""/>
+        <p:cNvGrpSpPr/>
+        <p:nvPr/>
+      </p:nvGrpSpPr>
+      <p:grpSpPr>
+        <a:xfrm>
+          <a:off x="0" y="0"/>
+          <a:ext cx="0" cy="0"/>
+          <a:chOff x="0" y="0"/>
+          <a:chExt cx="0" cy="0"/>
+        </a:xfrm>
+      </p:grpSpPr>
       <p:grpSp>
         <p:nvGrpSpPr>
           <p:cNvPr id="3" name="Group 2"/>
@@ -4992,7 +5451,7 @@
             <p:cNvPr id="4" name="Téglalap: lekerekített 3">
               <a:extLst>
                 <a:ext uri="{FF2B5EF4-FFF2-40B4-BE49-F238E27FC236}">
-                  <a16:creationId xmlns:a16="http://schemas.microsoft.com/office/drawing/2014/main" xmlns="" id="{BC187220-8284-1B2B-8CE3-7C613265D444}"/>
+                  <a16:creationId xmlns:a16="http://schemas.microsoft.com/office/drawing/2014/main" id="{BC187220-8284-1B2B-8CE3-7C613265D444}"/>
                 </a:ext>
               </a:extLst>
             </p:cNvPr>
@@ -5049,7 +5508,7 @@
             <p:cNvPr id="6" name="Szövegdoboz 5">
               <a:extLst>
                 <a:ext uri="{FF2B5EF4-FFF2-40B4-BE49-F238E27FC236}">
-                  <a16:creationId xmlns:a16="http://schemas.microsoft.com/office/drawing/2014/main" xmlns="" id="{5B6AC857-2A98-66B3-8AC9-33FBAB3EDDF5}"/>
+                  <a16:creationId xmlns:a16="http://schemas.microsoft.com/office/drawing/2014/main" id="{5B6AC857-2A98-66B3-8AC9-33FBAB3EDDF5}"/>
                 </a:ext>
               </a:extLst>
             </p:cNvPr>
@@ -5123,10 +5582,6 @@
                 </a:rPr>
                 <a:t> provides a Sprite class that you can use to create and manage sprites efficiently.</a:t>
               </a:r>
-              <a:r>
-                <a:rPr lang="en-US" dirty="0"/>
-                <a:t/>
-              </a:r>
               <a:br>
                 <a:rPr lang="en-US" dirty="0"/>
               </a:br>
@@ -5139,7 +5594,7 @@
             <p:cNvPr id="7" name="Szövegdoboz 6">
               <a:extLst>
                 <a:ext uri="{FF2B5EF4-FFF2-40B4-BE49-F238E27FC236}">
-                  <a16:creationId xmlns:a16="http://schemas.microsoft.com/office/drawing/2014/main" xmlns="" id="{7819F685-963E-271F-BC1B-FDA54155C9CE}"/>
+                  <a16:creationId xmlns:a16="http://schemas.microsoft.com/office/drawing/2014/main" id="{7819F685-963E-271F-BC1B-FDA54155C9CE}"/>
                 </a:ext>
               </a:extLst>
             </p:cNvPr>
@@ -5205,7 +5660,7 @@
           <p:cNvPr id="8" name="Téglalap: lekerekített 7">
             <a:extLst>
               <a:ext uri="{FF2B5EF4-FFF2-40B4-BE49-F238E27FC236}">
-                <a16:creationId xmlns:a16="http://schemas.microsoft.com/office/drawing/2014/main" xmlns="" id="{104486A8-B0E8-F708-7D72-B551D3E54053}"/>
+                <a16:creationId xmlns:a16="http://schemas.microsoft.com/office/drawing/2014/main" id="{104486A8-B0E8-F708-7D72-B551D3E54053}"/>
               </a:ext>
             </a:extLst>
           </p:cNvPr>
@@ -5276,7 +5731,7 @@
             <p:cNvPr id="5" name="Téglalap: lekerekített 4">
               <a:extLst>
                 <a:ext uri="{FF2B5EF4-FFF2-40B4-BE49-F238E27FC236}">
-                  <a16:creationId xmlns:a16="http://schemas.microsoft.com/office/drawing/2014/main" xmlns="" id="{B74CBF98-6A67-702F-008D-E30CBEB44963}"/>
+                  <a16:creationId xmlns:a16="http://schemas.microsoft.com/office/drawing/2014/main" id="{B74CBF98-6A67-702F-008D-E30CBEB44963}"/>
                 </a:ext>
               </a:extLst>
             </p:cNvPr>
@@ -5325,10 +5780,9 @@
             <a:p>
               <a:pPr algn="ctr"/>
               <a:r>
-                <a:rPr lang="hu-HU" dirty="0" smtClean="0"/>
+                <a:rPr lang="hu-HU" dirty="0"/>
                 <a:t> </a:t>
               </a:r>
-              <a:endParaRPr lang="hu-HU" dirty="0"/>
             </a:p>
           </p:txBody>
         </p:sp>
@@ -5337,7 +5791,7 @@
             <p:cNvPr id="1026" name="Picture 2">
               <a:extLst>
                 <a:ext uri="{FF2B5EF4-FFF2-40B4-BE49-F238E27FC236}">
-                  <a16:creationId xmlns:a16="http://schemas.microsoft.com/office/drawing/2014/main" xmlns="" id="{7A82368D-859C-5EE3-8D89-77E6D75EAD7D}"/>
+                  <a16:creationId xmlns:a16="http://schemas.microsoft.com/office/drawing/2014/main" id="{7A82368D-859C-5EE3-8D89-77E6D75EAD7D}"/>
                 </a:ext>
               </a:extLst>
             </p:cNvPr>
@@ -5405,6 +5859,9 @@
                     <p:cTn id="3" fill="hold">
                       <p:stCondLst>
                         <p:cond delay="indefinite"/>
+                        <p:cond evt="onBegin" delay="0">
+                          <p:tn val="2"/>
+                        </p:cond>
                       </p:stCondLst>
                       <p:childTnLst>
                         <p:par>
@@ -5414,7 +5871,7 @@
                             </p:stCondLst>
                             <p:childTnLst>
                               <p:par>
-                                <p:cTn id="5" presetID="2" presetClass="entr" presetSubtype="4" fill="hold" nodeType="clickEffect">
+                                <p:cTn id="5" presetID="2" presetClass="entr" presetSubtype="4" fill="hold" nodeType="withEffect">
                                   <p:stCondLst>
                                     <p:cond delay="0"/>
                                   </p:stCondLst>
@@ -5583,6 +6040,97 @@
                       </p:childTnLst>
                     </p:cTn>
                   </p:par>
+                  <p:par>
+                    <p:cTn id="15" fill="hold">
+                      <p:stCondLst>
+                        <p:cond delay="indefinite"/>
+                      </p:stCondLst>
+                      <p:childTnLst>
+                        <p:par>
+                          <p:cTn id="16" fill="hold">
+                            <p:stCondLst>
+                              <p:cond delay="0"/>
+                            </p:stCondLst>
+                            <p:childTnLst>
+                              <p:par>
+                                <p:cTn id="17" presetID="2" presetClass="entr" presetSubtype="4" fill="hold" grpId="0" nodeType="clickEffect">
+                                  <p:stCondLst>
+                                    <p:cond delay="0"/>
+                                  </p:stCondLst>
+                                  <p:childTnLst>
+                                    <p:set>
+                                      <p:cBhvr>
+                                        <p:cTn id="18" dur="1" fill="hold">
+                                          <p:stCondLst>
+                                            <p:cond delay="0"/>
+                                          </p:stCondLst>
+                                        </p:cTn>
+                                        <p:tgtEl>
+                                          <p:spTgt spid="8"/>
+                                        </p:tgtEl>
+                                        <p:attrNameLst>
+                                          <p:attrName>style.visibility</p:attrName>
+                                        </p:attrNameLst>
+                                      </p:cBhvr>
+                                      <p:to>
+                                        <p:strVal val="visible"/>
+                                      </p:to>
+                                    </p:set>
+                                    <p:anim calcmode="lin" valueType="num">
+                                      <p:cBhvr additive="base">
+                                        <p:cTn id="19" dur="500" fill="hold"/>
+                                        <p:tgtEl>
+                                          <p:spTgt spid="8"/>
+                                        </p:tgtEl>
+                                        <p:attrNameLst>
+                                          <p:attrName>ppt_x</p:attrName>
+                                        </p:attrNameLst>
+                                      </p:cBhvr>
+                                      <p:tavLst>
+                                        <p:tav tm="0">
+                                          <p:val>
+                                            <p:strVal val="#ppt_x"/>
+                                          </p:val>
+                                        </p:tav>
+                                        <p:tav tm="100000">
+                                          <p:val>
+                                            <p:strVal val="#ppt_x"/>
+                                          </p:val>
+                                        </p:tav>
+                                      </p:tavLst>
+                                    </p:anim>
+                                    <p:anim calcmode="lin" valueType="num">
+                                      <p:cBhvr additive="base">
+                                        <p:cTn id="20" dur="500" fill="hold"/>
+                                        <p:tgtEl>
+                                          <p:spTgt spid="8"/>
+                                        </p:tgtEl>
+                                        <p:attrNameLst>
+                                          <p:attrName>ppt_y</p:attrName>
+                                        </p:attrNameLst>
+                                      </p:cBhvr>
+                                      <p:tavLst>
+                                        <p:tav tm="0">
+                                          <p:val>
+                                            <p:strVal val="1+#ppt_h/2"/>
+                                          </p:val>
+                                        </p:tav>
+                                        <p:tav tm="100000">
+                                          <p:val>
+                                            <p:strVal val="#ppt_y"/>
+                                          </p:val>
+                                        </p:tav>
+                                      </p:tavLst>
+                                    </p:anim>
+                                  </p:childTnLst>
+                                </p:cTn>
+                              </p:par>
+                            </p:childTnLst>
+                          </p:cTn>
+                        </p:par>
+                      </p:childTnLst>
+                    </p:cTn>
+                  </p:par>
                 </p:childTnLst>
               </p:cTn>
               <p:prevCondLst>
@@ -5604,11 +6152,14 @@
         </p:cTn>
       </p:par>
     </p:tnLst>
+    <p:bldLst>
+      <p:bldP spid="8" grpId="0" animBg="1"/>
+    </p:bldLst>
   </p:timing>
 </p:sld>
 </file>
 
-<file path=ppt/slides/slide3.xml><?xml version="1.0" encoding="utf-8"?>
+<file path=ppt/slides/slide4.xml><?xml version="1.0" encoding="utf-8"?>
 <p:sld xmlns:a="http://schemas.openxmlformats.org/drawingml/2006/main" xmlns:r="http://schemas.openxmlformats.org/officeDocument/2006/relationships" xmlns:p="http://schemas.openxmlformats.org/presentationml/2006/main">
   <p:cSld>
     <p:bg>
@@ -5638,7 +6189,7 @@
           <p:cNvPr id="4" name="Téglalap: lekerekített 3">
             <a:extLst>
               <a:ext uri="{FF2B5EF4-FFF2-40B4-BE49-F238E27FC236}">
-                <a16:creationId xmlns:a16="http://schemas.microsoft.com/office/drawing/2014/main" xmlns="" id="{BC187220-8284-1B2B-8CE3-7C613265D444}"/>
+                <a16:creationId xmlns:a16="http://schemas.microsoft.com/office/drawing/2014/main" id="{BC187220-8284-1B2B-8CE3-7C613265D444}"/>
               </a:ext>
             </a:extLst>
           </p:cNvPr>
@@ -5695,7 +6246,7 @@
           <p:cNvPr id="5" name="Téglalap: lekerekített 4">
             <a:extLst>
               <a:ext uri="{FF2B5EF4-FFF2-40B4-BE49-F238E27FC236}">
-                <a16:creationId xmlns:a16="http://schemas.microsoft.com/office/drawing/2014/main" xmlns="" id="{B74CBF98-6A67-702F-008D-E30CBEB44963}"/>
+                <a16:creationId xmlns:a16="http://schemas.microsoft.com/office/drawing/2014/main" id="{B74CBF98-6A67-702F-008D-E30CBEB44963}"/>
               </a:ext>
             </a:extLst>
           </p:cNvPr>
@@ -5752,7 +6303,7 @@
           <p:cNvPr id="6" name="Szövegdoboz 5">
             <a:extLst>
               <a:ext uri="{FF2B5EF4-FFF2-40B4-BE49-F238E27FC236}">
-                <a16:creationId xmlns:a16="http://schemas.microsoft.com/office/drawing/2014/main" xmlns="" id="{5B6AC857-2A98-66B3-8AC9-33FBAB3EDDF5}"/>
+                <a16:creationId xmlns:a16="http://schemas.microsoft.com/office/drawing/2014/main" id="{5B6AC857-2A98-66B3-8AC9-33FBAB3EDDF5}"/>
               </a:ext>
             </a:extLst>
           </p:cNvPr>
@@ -5826,10 +6377,6 @@
               </a:rPr>
               <a:t> provides a Sprite class that you can use to create and manage sprites efficiently.</a:t>
             </a:r>
-            <a:r>
-              <a:rPr lang="en-US" dirty="0"/>
-              <a:t/>
-            </a:r>
             <a:br>
               <a:rPr lang="en-US" dirty="0"/>
             </a:br>
@@ -5842,7 +6389,7 @@
           <p:cNvPr id="7" name="Szövegdoboz 6">
             <a:extLst>
               <a:ext uri="{FF2B5EF4-FFF2-40B4-BE49-F238E27FC236}">
-                <a16:creationId xmlns:a16="http://schemas.microsoft.com/office/drawing/2014/main" xmlns="" id="{7819F685-963E-271F-BC1B-FDA54155C9CE}"/>
+                <a16:creationId xmlns:a16="http://schemas.microsoft.com/office/drawing/2014/main" id="{7819F685-963E-271F-BC1B-FDA54155C9CE}"/>
               </a:ext>
             </a:extLst>
           </p:cNvPr>
@@ -6042,7 +6589,7 @@
 </p:sld>
 </file>
 
-<file path=ppt/slides/slide4.xml><?xml version="1.0" encoding="utf-8"?>
+<file path=ppt/slides/slide5.xml><?xml version="1.0" encoding="utf-8"?>
 <p:sld xmlns:a="http://schemas.openxmlformats.org/drawingml/2006/main" xmlns:r="http://schemas.openxmlformats.org/officeDocument/2006/relationships" xmlns:p="http://schemas.openxmlformats.org/presentationml/2006/main">
   <p:cSld>
     <p:bg>
@@ -6072,7 +6619,7 @@
           <p:cNvPr id="2" name="Cím 1">
             <a:extLst>
               <a:ext uri="{FF2B5EF4-FFF2-40B4-BE49-F238E27FC236}">
-                <a16:creationId xmlns:a16="http://schemas.microsoft.com/office/drawing/2014/main" xmlns="" id="{D1CE9B8A-DB08-5227-4E90-0FE396A4D141}"/>
+                <a16:creationId xmlns:a16="http://schemas.microsoft.com/office/drawing/2014/main" id="{D1CE9B8A-DB08-5227-4E90-0FE396A4D141}"/>
               </a:ext>
             </a:extLst>
           </p:cNvPr>
@@ -6097,7 +6644,7 @@
           <p:cNvPr id="3" name="Alcím 2">
             <a:extLst>
               <a:ext uri="{FF2B5EF4-FFF2-40B4-BE49-F238E27FC236}">
-                <a16:creationId xmlns:a16="http://schemas.microsoft.com/office/drawing/2014/main" xmlns="" id="{33E051B4-6ACD-E318-EC79-47D89175A6C0}"/>
+                <a16:creationId xmlns:a16="http://schemas.microsoft.com/office/drawing/2014/main" id="{33E051B4-6ACD-E318-EC79-47D89175A6C0}"/>
               </a:ext>
             </a:extLst>
           </p:cNvPr>
@@ -6119,10 +6666,10 @@
       </p:sp>
       <p:sp>
         <p:nvSpPr>
-          <p:cNvPr id="4" name="Téglalap: lekerekített 4">
+          <p:cNvPr id="5" name="Téglalap: lekerekített 4">
             <a:extLst>
               <a:ext uri="{FF2B5EF4-FFF2-40B4-BE49-F238E27FC236}">
-                <a16:creationId xmlns:a16="http://schemas.microsoft.com/office/drawing/2014/main" xmlns="" id="{B74CBF98-6A67-702F-008D-E30CBEB44963}"/>
+                <a16:creationId xmlns:a16="http://schemas.microsoft.com/office/drawing/2014/main" id="{C5BDCC62-F9EF-42AD-9B0E-82FDB2144CDA}"/>
               </a:ext>
             </a:extLst>
           </p:cNvPr>
@@ -6131,7 +6678,7 @@
         </p:nvSpPr>
         <p:spPr>
           <a:xfrm>
-            <a:off x="6527687" y="293914"/>
+            <a:off x="880044" y="293914"/>
             <a:ext cx="4784269" cy="6270170"/>
           </a:xfrm>
           <a:prstGeom prst="roundRect">
@@ -6190,14 +6737,131 @@
   <p:timing>
     <p:tnLst>
       <p:par>
-        <p:cTn id="1" dur="indefinite" restart="never" nodeType="tmRoot"/>
+        <p:cTn id="1" dur="indefinite" restart="never" nodeType="tmRoot">
+          <p:childTnLst>
+            <p:seq concurrent="1" nextAc="seek">
+              <p:cTn id="2" dur="indefinite" nodeType="mainSeq">
+                <p:childTnLst>
+                  <p:par>
+                    <p:cTn id="3" fill="hold">
+                      <p:stCondLst>
+                        <p:cond delay="indefinite"/>
+                      </p:stCondLst>
+                      <p:childTnLst>
+                        <p:par>
+                          <p:cTn id="4" fill="hold">
+                            <p:stCondLst>
+                              <p:cond delay="0"/>
+                            </p:stCondLst>
+                            <p:childTnLst>
+                              <p:par>
+                                <p:cTn id="5" presetID="2" presetClass="entr" presetSubtype="4" fill="hold" grpId="0" nodeType="clickEffect">
+                                  <p:stCondLst>
+                                    <p:cond delay="0"/>
+                                  </p:stCondLst>
+                                  <p:childTnLst>
+                                    <p:set>
+                                      <p:cBhvr>
+                                        <p:cTn id="6" dur="1" fill="hold">
+                                          <p:stCondLst>
+                                            <p:cond delay="0"/>
+                                          </p:stCondLst>
+                                        </p:cTn>
+                                        <p:tgtEl>
+                                          <p:spTgt spid="5"/>
+                                        </p:tgtEl>
+                                        <p:attrNameLst>
+                                          <p:attrName>style.visibility</p:attrName>
+                                        </p:attrNameLst>
+                                      </p:cBhvr>
+                                      <p:to>
+                                        <p:strVal val="visible"/>
+                                      </p:to>
+                                    </p:set>
+                                    <p:anim calcmode="lin" valueType="num">
+                                      <p:cBhvr additive="base">
+                                        <p:cTn id="7" dur="500" fill="hold"/>
+                                        <p:tgtEl>
+                                          <p:spTgt spid="5"/>
+                                        </p:tgtEl>
+                                        <p:attrNameLst>
+                                          <p:attrName>ppt_x</p:attrName>
+                                        </p:attrNameLst>
+                                      </p:cBhvr>
+                                      <p:tavLst>
+                                        <p:tav tm="0">
+                                          <p:val>
+                                            <p:strVal val="#ppt_x"/>
+                                          </p:val>
+                                        </p:tav>
+                                        <p:tav tm="100000">
+                                          <p:val>
+                                            <p:strVal val="#ppt_x"/>
+                                          </p:val>
+                                        </p:tav>
+                                      </p:tavLst>
+                                    </p:anim>
+                                    <p:anim calcmode="lin" valueType="num">
+                                      <p:cBhvr additive="base">
+                                        <p:cTn id="8" dur="500" fill="hold"/>
+                                        <p:tgtEl>
+                                          <p:spTgt spid="5"/>
+                                        </p:tgtEl>
+                                        <p:attrNameLst>
+                                          <p:attrName>ppt_y</p:attrName>
+                                        </p:attrNameLst>
+                                      </p:cBhvr>
+                                      <p:tavLst>
+                                        <p:tav tm="0">
+                                          <p:val>
+                                            <p:strVal val="1+#ppt_h/2"/>
+                                          </p:val>
+                                        </p:tav>
+                                        <p:tav tm="100000">
+                                          <p:val>
+                                            <p:strVal val="#ppt_y"/>
+                                          </p:val>
+                                        </p:tav>
+                                      </p:tavLst>
+                                    </p:anim>
+                                  </p:childTnLst>
+                                </p:cTn>
+                              </p:par>
+                            </p:childTnLst>
+                          </p:cTn>
+                        </p:par>
+                      </p:childTnLst>
+                    </p:cTn>
+                  </p:par>
+                </p:childTnLst>
+              </p:cTn>
+              <p:prevCondLst>
+                <p:cond evt="onPrev" delay="0">
+                  <p:tgtEl>
+                    <p:sldTgt/>
+                  </p:tgtEl>
+                </p:cond>
+              </p:prevCondLst>
+              <p:nextCondLst>
+                <p:cond evt="onNext" delay="0">
+                  <p:tgtEl>
+                    <p:sldTgt/>
+                  </p:tgtEl>
+                </p:cond>
+              </p:nextCondLst>
+            </p:seq>
+          </p:childTnLst>
+        </p:cTn>
       </p:par>
     </p:tnLst>
+    <p:bldLst>
+      <p:bldP spid="5" grpId="0" animBg="1"/>
+    </p:bldLst>
   </p:timing>
 </p:sld>
 </file>
 
-<file path=ppt/slides/slide5.xml><?xml version="1.0" encoding="utf-8"?>
+<file path=ppt/slides/slide6.xml><?xml version="1.0" encoding="utf-8"?>
 <p:sld xmlns:a="http://schemas.openxmlformats.org/drawingml/2006/main" xmlns:r="http://schemas.openxmlformats.org/officeDocument/2006/relationships" xmlns:p="http://schemas.openxmlformats.org/presentationml/2006/main">
   <p:cSld>
     <p:bg>
@@ -6227,7 +6891,7 @@
           <p:cNvPr id="4" name="Ellipszis 3">
             <a:extLst>
               <a:ext uri="{FF2B5EF4-FFF2-40B4-BE49-F238E27FC236}">
-                <a16:creationId xmlns:a16="http://schemas.microsoft.com/office/drawing/2014/main" xmlns="" id="{5E590742-0F2F-708E-87FC-8CF5ABA75119}"/>
+                <a16:creationId xmlns:a16="http://schemas.microsoft.com/office/drawing/2014/main" id="{5E590742-0F2F-708E-87FC-8CF5ABA75119}"/>
               </a:ext>
             </a:extLst>
           </p:cNvPr>
@@ -6286,7 +6950,7 @@
           <p:cNvPr id="5" name="Ellipszis 4">
             <a:extLst>
               <a:ext uri="{FF2B5EF4-FFF2-40B4-BE49-F238E27FC236}">
-                <a16:creationId xmlns:a16="http://schemas.microsoft.com/office/drawing/2014/main" xmlns="" id="{7BFA035C-0E90-EF99-09EB-F01F1787B99D}"/>
+                <a16:creationId xmlns:a16="http://schemas.microsoft.com/office/drawing/2014/main" id="{7BFA035C-0E90-EF99-09EB-F01F1787B99D}"/>
               </a:ext>
             </a:extLst>
           </p:cNvPr>
@@ -6342,7 +7006,7 @@
           <p:cNvPr id="15" name="Szövegdoboz 14">
             <a:extLst>
               <a:ext uri="{FF2B5EF4-FFF2-40B4-BE49-F238E27FC236}">
-                <a16:creationId xmlns:a16="http://schemas.microsoft.com/office/drawing/2014/main" xmlns="" id="{BAD904EC-5503-CAE6-53A8-7648AE393A9D}"/>
+                <a16:creationId xmlns:a16="http://schemas.microsoft.com/office/drawing/2014/main" id="{BAD904EC-5503-CAE6-53A8-7648AE393A9D}"/>
               </a:ext>
             </a:extLst>
           </p:cNvPr>
@@ -6371,7 +7035,7 @@
           <a:lstStyle/>
           <a:p>
             <a:r>
-              <a:rPr lang="hu-HU" sz="5400" dirty="0" smtClean="0">
+              <a:rPr lang="hu-HU" sz="5400" dirty="0">
                 <a:solidFill>
                   <a:schemeClr val="bg1"/>
                 </a:solidFill>
@@ -6387,20 +7051,6 @@
               </a:rPr>
               <a:t>Köszönjük a figyelmet!</a:t>
             </a:r>
-            <a:endParaRPr lang="hu-HU" sz="5400" dirty="0">
-              <a:solidFill>
-                <a:schemeClr val="bg1"/>
-              </a:solidFill>
-              <a:effectLst>
-                <a:outerShdw dist="38100" sx="101000" sy="101000" algn="l" rotWithShape="0">
-                  <a:prstClr val="black">
-                    <a:alpha val="10000"/>
-                  </a:prstClr>
-                </a:outerShdw>
-              </a:effectLst>
-              <a:latin typeface="Segoe UI Black" panose="020B0A02040204020203" pitchFamily="34" charset="0"/>
-              <a:ea typeface="Segoe UI Black" panose="020B0A02040204020203" pitchFamily="34" charset="0"/>
-            </a:endParaRPr>
           </a:p>
         </p:txBody>
       </p:sp>
@@ -6409,7 +7059,7 @@
           <p:cNvPr id="17" name="Szövegdoboz 15">
             <a:extLst>
               <a:ext uri="{FF2B5EF4-FFF2-40B4-BE49-F238E27FC236}">
-                <a16:creationId xmlns:a16="http://schemas.microsoft.com/office/drawing/2014/main" xmlns="" id="{C9117FAE-FE67-5743-F7DB-0D7FE2C64D91}"/>
+                <a16:creationId xmlns:a16="http://schemas.microsoft.com/office/drawing/2014/main" id="{C9117FAE-FE67-5743-F7DB-0D7FE2C64D91}"/>
               </a:ext>
             </a:extLst>
           </p:cNvPr>
@@ -6433,7 +7083,7 @@
           <a:lstStyle/>
           <a:p>
             <a:r>
-              <a:rPr lang="hu-HU" sz="1600" b="0" i="0" dirty="0" smtClean="0">
+              <a:rPr lang="hu-HU" sz="1600" b="0" i="0" dirty="0">
                 <a:solidFill>
                   <a:srgbClr val="FFFFFF"/>
                 </a:solidFill>
@@ -6449,54 +7099,9 @@
                 </a:solidFill>
                 <a:latin typeface="Barlow" panose="020F0502020204030204" pitchFamily="2" charset="-18"/>
               </a:rPr>
-              <a:t>Kállai </a:t>
+              <a:t>Kállai Gábor, Szalai Bence, Bánhidai Mátyás</a:t>
             </a:r>
-            <a:r>
-              <a:rPr lang="hu-HU" sz="1600" dirty="0" smtClean="0">
-                <a:solidFill>
-                  <a:srgbClr val="FFFFFF"/>
-                </a:solidFill>
-                <a:latin typeface="Barlow" panose="020F0502020204030204" pitchFamily="2" charset="-18"/>
-              </a:rPr>
-              <a:t>Gábor, </a:t>
-            </a:r>
-            <a:r>
-              <a:rPr lang="hu-HU" sz="1600" dirty="0">
-                <a:solidFill>
-                  <a:srgbClr val="FFFFFF"/>
-                </a:solidFill>
-                <a:latin typeface="Barlow" panose="020F0502020204030204" pitchFamily="2" charset="-18"/>
-              </a:rPr>
-              <a:t>Szalai </a:t>
-            </a:r>
-            <a:r>
-              <a:rPr lang="hu-HU" sz="1600" dirty="0" smtClean="0">
-                <a:solidFill>
-                  <a:srgbClr val="FFFFFF"/>
-                </a:solidFill>
-                <a:latin typeface="Barlow" panose="020F0502020204030204" pitchFamily="2" charset="-18"/>
-              </a:rPr>
-              <a:t>Bence, </a:t>
-            </a:r>
-            <a:r>
-              <a:rPr lang="hu-HU" sz="1600" dirty="0">
-                <a:solidFill>
-                  <a:srgbClr val="FFFFFF"/>
-                </a:solidFill>
-                <a:latin typeface="Barlow" panose="020F0502020204030204" pitchFamily="2" charset="-18"/>
-              </a:rPr>
-              <a:t>Bánhidai </a:t>
-            </a:r>
-            <a:r>
-              <a:rPr lang="hu-HU" sz="1600" dirty="0" smtClean="0">
-                <a:solidFill>
-                  <a:srgbClr val="FFFFFF"/>
-                </a:solidFill>
-                <a:latin typeface="Barlow" panose="020F0502020204030204" pitchFamily="2" charset="-18"/>
-              </a:rPr>
-              <a:t>Mátyás</a:t>
-            </a:r>
-            <a:endParaRPr lang="hu-HU" sz="1600" b="0" i="0" dirty="0" smtClean="0">
+            <a:endParaRPr lang="hu-HU" sz="1600" b="0" i="0" dirty="0">
               <a:solidFill>
                 <a:srgbClr val="FFFFFF"/>
               </a:solidFill>
@@ -6932,6 +7537,1401 @@
       <p:bldP spid="4" grpId="0" animBg="1"/>
       <p:bldP spid="5" grpId="0" animBg="1"/>
       <p:bldP spid="17" grpId="0"/>
+    </p:bldLst>
+  </p:timing>
+</p:sld>
+</file>
+
+<file path=ppt/slides/slide7.xml><?xml version="1.0" encoding="utf-8"?>
+<p:sld xmlns:a="http://schemas.openxmlformats.org/drawingml/2006/main" xmlns:r="http://schemas.openxmlformats.org/officeDocument/2006/relationships" xmlns:p="http://schemas.openxmlformats.org/presentationml/2006/main">
+  <p:cSld>
+    <p:bg>
+      <p:bgPr>
+        <a:solidFill>
+          <a:srgbClr val="5019B3"/>
+        </a:solidFill>
+        <a:effectLst/>
+      </p:bgPr>
+    </p:bg>
+    <p:spTree>
+      <p:nvGrpSpPr>
+        <p:cNvPr id="1" name=""/>
+        <p:cNvGrpSpPr/>
+        <p:nvPr/>
+      </p:nvGrpSpPr>
+      <p:grpSpPr>
+        <a:xfrm>
+          <a:off x="0" y="0"/>
+          <a:ext cx="0" cy="0"/>
+          <a:chOff x="0" y="0"/>
+          <a:chExt cx="0" cy="0"/>
+        </a:xfrm>
+      </p:grpSpPr>
+      <p:sp>
+        <p:nvSpPr>
+          <p:cNvPr id="44" name="Ellipszis 43">
+            <a:extLst>
+              <a:ext uri="{FF2B5EF4-FFF2-40B4-BE49-F238E27FC236}">
+                <a16:creationId xmlns:a16="http://schemas.microsoft.com/office/drawing/2014/main" id="{645329D2-24D7-4E68-B864-0EBD807ED9C7}"/>
+              </a:ext>
+            </a:extLst>
+          </p:cNvPr>
+          <p:cNvSpPr/>
+          <p:nvPr/>
+        </p:nvSpPr>
+        <p:spPr>
+          <a:xfrm>
+            <a:off x="4464495" y="1699940"/>
+            <a:ext cx="3263000" cy="3263000"/>
+          </a:xfrm>
+          <a:prstGeom prst="ellipse">
+            <a:avLst/>
+          </a:prstGeom>
+          <a:solidFill>
+            <a:srgbClr val="5019B3"/>
+          </a:solidFill>
+          <a:ln>
+            <a:noFill/>
+          </a:ln>
+          <a:effectLst>
+            <a:innerShdw blurRad="381000">
+              <a:prstClr val="black">
+                <a:alpha val="66000"/>
+              </a:prstClr>
+            </a:innerShdw>
+          </a:effectLst>
+        </p:spPr>
+        <p:style>
+          <a:lnRef idx="2">
+            <a:schemeClr val="accent1">
+              <a:shade val="50000"/>
+            </a:schemeClr>
+          </a:lnRef>
+          <a:fillRef idx="1">
+            <a:schemeClr val="accent1"/>
+          </a:fillRef>
+          <a:effectRef idx="0">
+            <a:schemeClr val="accent1"/>
+          </a:effectRef>
+          <a:fontRef idx="minor">
+            <a:schemeClr val="lt1"/>
+          </a:fontRef>
+        </p:style>
+        <p:txBody>
+          <a:bodyPr rtlCol="0" anchor="ctr"/>
+          <a:lstStyle/>
+          <a:p>
+            <a:pPr algn="ctr"/>
+            <a:endParaRPr lang="hu-HU" dirty="0"/>
+          </a:p>
+        </p:txBody>
+      </p:sp>
+      <p:sp>
+        <p:nvSpPr>
+          <p:cNvPr id="45" name="Ellipszis 44">
+            <a:extLst>
+              <a:ext uri="{FF2B5EF4-FFF2-40B4-BE49-F238E27FC236}">
+                <a16:creationId xmlns:a16="http://schemas.microsoft.com/office/drawing/2014/main" id="{1CF101B2-BBC2-495C-A7C8-A35500CDEADA}"/>
+              </a:ext>
+            </a:extLst>
+          </p:cNvPr>
+          <p:cNvSpPr/>
+          <p:nvPr/>
+        </p:nvSpPr>
+        <p:spPr>
+          <a:xfrm>
+            <a:off x="4855026" y="2077429"/>
+            <a:ext cx="2481934" cy="2481934"/>
+          </a:xfrm>
+          <a:prstGeom prst="ellipse">
+            <a:avLst/>
+          </a:prstGeom>
+          <a:solidFill>
+            <a:srgbClr val="4B199F"/>
+          </a:solidFill>
+          <a:ln>
+            <a:noFill/>
+          </a:ln>
+          <a:effectLst>
+            <a:innerShdw blurRad="254000">
+              <a:prstClr val="black">
+                <a:alpha val="40000"/>
+              </a:prstClr>
+            </a:innerShdw>
+          </a:effectLst>
+        </p:spPr>
+        <p:style>
+          <a:lnRef idx="2">
+            <a:schemeClr val="accent1">
+              <a:shade val="50000"/>
+            </a:schemeClr>
+          </a:lnRef>
+          <a:fillRef idx="1">
+            <a:schemeClr val="accent1"/>
+          </a:fillRef>
+          <a:effectRef idx="0">
+            <a:schemeClr val="accent1"/>
+          </a:effectRef>
+          <a:fontRef idx="minor">
+            <a:schemeClr val="lt1"/>
+          </a:fontRef>
+        </p:style>
+        <p:txBody>
+          <a:bodyPr rtlCol="0" anchor="ctr"/>
+          <a:lstStyle/>
+          <a:p>
+            <a:pPr algn="ctr"/>
+            <a:endParaRPr lang="hu-HU" dirty="0"/>
+          </a:p>
+        </p:txBody>
+      </p:sp>
+      <p:sp>
+        <p:nvSpPr>
+          <p:cNvPr id="50" name="Téglalap: lekerekített 49">
+            <a:extLst>
+              <a:ext uri="{FF2B5EF4-FFF2-40B4-BE49-F238E27FC236}">
+                <a16:creationId xmlns:a16="http://schemas.microsoft.com/office/drawing/2014/main" id="{8B38A860-78B7-48BD-A452-FE7ADB9753AD}"/>
+              </a:ext>
+            </a:extLst>
+          </p:cNvPr>
+          <p:cNvSpPr/>
+          <p:nvPr/>
+        </p:nvSpPr>
+        <p:spPr>
+          <a:xfrm>
+            <a:off x="639682" y="6858000"/>
+            <a:ext cx="2939337" cy="3214914"/>
+          </a:xfrm>
+          <a:prstGeom prst="roundRect">
+            <a:avLst>
+              <a:gd name="adj" fmla="val 4094"/>
+            </a:avLst>
+          </a:prstGeom>
+          <a:solidFill>
+            <a:schemeClr val="bg1">
+              <a:alpha val="80000"/>
+            </a:schemeClr>
+          </a:solidFill>
+          <a:ln w="120650" cap="sq">
+            <a:noFill/>
+            <a:round/>
+          </a:ln>
+        </p:spPr>
+        <p:style>
+          <a:lnRef idx="2">
+            <a:schemeClr val="accent1">
+              <a:shade val="15000"/>
+            </a:schemeClr>
+          </a:lnRef>
+          <a:fillRef idx="1">
+            <a:schemeClr val="accent1"/>
+          </a:fillRef>
+          <a:effectRef idx="0">
+            <a:schemeClr val="accent1"/>
+          </a:effectRef>
+          <a:fontRef idx="minor">
+            <a:schemeClr val="lt1"/>
+          </a:fontRef>
+        </p:style>
+        <p:txBody>
+          <a:bodyPr rtlCol="0" anchor="ctr"/>
+          <a:lstStyle/>
+          <a:p>
+            <a:pPr algn="ctr"/>
+            <a:r>
+              <a:rPr lang="hu-HU" dirty="0"/>
+              <a:t> </a:t>
+            </a:r>
+          </a:p>
+        </p:txBody>
+      </p:sp>
+      <p:pic>
+        <p:nvPicPr>
+          <p:cNvPr id="1032" name="Picture 8" descr="Your very First GitHub Repository. | by olatunde ibitoye | Medium">
+            <a:extLst>
+              <a:ext uri="{FF2B5EF4-FFF2-40B4-BE49-F238E27FC236}">
+                <a16:creationId xmlns:a16="http://schemas.microsoft.com/office/drawing/2014/main" id="{65697C37-BB70-40DD-AFE7-60C0822C6AB9}"/>
+              </a:ext>
+            </a:extLst>
+          </p:cNvPr>
+          <p:cNvPicPr>
+            <a:picLocks noChangeAspect="1" noChangeArrowheads="1"/>
+          </p:cNvPicPr>
+          <p:nvPr/>
+        </p:nvPicPr>
+        <p:blipFill>
+          <a:blip r:embed="rId2">
+            <a:extLst>
+              <a:ext uri="{28A0092B-C50C-407E-A947-70E740481C1C}">
+                <a14:useLocalDpi xmlns:a14="http://schemas.microsoft.com/office/drawing/2010/main" val="0"/>
+              </a:ext>
+            </a:extLst>
+          </a:blip>
+          <a:srcRect/>
+          <a:stretch>
+            <a:fillRect/>
+          </a:stretch>
+        </p:blipFill>
+        <p:spPr bwMode="auto">
+          <a:xfrm>
+            <a:off x="3859772" y="-1657785"/>
+            <a:ext cx="4472441" cy="1657785"/>
+          </a:xfrm>
+          <a:prstGeom prst="rect">
+            <a:avLst/>
+          </a:prstGeom>
+          <a:noFill/>
+          <a:extLst>
+            <a:ext uri="{909E8E84-426E-40DD-AFC4-6F175D3DCCD1}">
+              <a14:hiddenFill xmlns:a14="http://schemas.microsoft.com/office/drawing/2010/main">
+                <a:solidFill>
+                  <a:srgbClr val="FFFFFF"/>
+                </a:solidFill>
+              </a14:hiddenFill>
+            </a:ext>
+          </a:extLst>
+        </p:spPr>
+      </p:pic>
+      <p:sp>
+        <p:nvSpPr>
+          <p:cNvPr id="66" name="Ellipszis 65">
+            <a:extLst>
+              <a:ext uri="{FF2B5EF4-FFF2-40B4-BE49-F238E27FC236}">
+                <a16:creationId xmlns:a16="http://schemas.microsoft.com/office/drawing/2014/main" id="{56912AC2-6561-42FD-80C1-49350133FB8A}"/>
+              </a:ext>
+            </a:extLst>
+          </p:cNvPr>
+          <p:cNvSpPr/>
+          <p:nvPr/>
+        </p:nvSpPr>
+        <p:spPr>
+          <a:xfrm>
+            <a:off x="477850" y="1699940"/>
+            <a:ext cx="3263000" cy="3263000"/>
+          </a:xfrm>
+          <a:prstGeom prst="ellipse">
+            <a:avLst/>
+          </a:prstGeom>
+          <a:solidFill>
+            <a:srgbClr val="5019B3"/>
+          </a:solidFill>
+          <a:ln>
+            <a:noFill/>
+          </a:ln>
+          <a:effectLst>
+            <a:innerShdw blurRad="381000">
+              <a:prstClr val="black">
+                <a:alpha val="66000"/>
+              </a:prstClr>
+            </a:innerShdw>
+          </a:effectLst>
+        </p:spPr>
+        <p:style>
+          <a:lnRef idx="2">
+            <a:schemeClr val="accent1">
+              <a:shade val="50000"/>
+            </a:schemeClr>
+          </a:lnRef>
+          <a:fillRef idx="1">
+            <a:schemeClr val="accent1"/>
+          </a:fillRef>
+          <a:effectRef idx="0">
+            <a:schemeClr val="accent1"/>
+          </a:effectRef>
+          <a:fontRef idx="minor">
+            <a:schemeClr val="lt1"/>
+          </a:fontRef>
+        </p:style>
+        <p:txBody>
+          <a:bodyPr rtlCol="0" anchor="ctr"/>
+          <a:lstStyle/>
+          <a:p>
+            <a:pPr algn="ctr"/>
+            <a:endParaRPr lang="hu-HU" dirty="0"/>
+          </a:p>
+        </p:txBody>
+      </p:sp>
+      <p:sp>
+        <p:nvSpPr>
+          <p:cNvPr id="67" name="Ellipszis 66">
+            <a:extLst>
+              <a:ext uri="{FF2B5EF4-FFF2-40B4-BE49-F238E27FC236}">
+                <a16:creationId xmlns:a16="http://schemas.microsoft.com/office/drawing/2014/main" id="{32F74799-D3F6-4A89-A83F-A3F32E86FA9E}"/>
+              </a:ext>
+            </a:extLst>
+          </p:cNvPr>
+          <p:cNvSpPr/>
+          <p:nvPr/>
+        </p:nvSpPr>
+        <p:spPr>
+          <a:xfrm>
+            <a:off x="868381" y="2077429"/>
+            <a:ext cx="2481934" cy="2481934"/>
+          </a:xfrm>
+          <a:prstGeom prst="ellipse">
+            <a:avLst/>
+          </a:prstGeom>
+          <a:solidFill>
+            <a:srgbClr val="4B199F"/>
+          </a:solidFill>
+          <a:ln>
+            <a:noFill/>
+          </a:ln>
+          <a:effectLst>
+            <a:innerShdw blurRad="254000">
+              <a:prstClr val="black">
+                <a:alpha val="40000"/>
+              </a:prstClr>
+            </a:innerShdw>
+          </a:effectLst>
+        </p:spPr>
+        <p:style>
+          <a:lnRef idx="2">
+            <a:schemeClr val="accent1">
+              <a:shade val="50000"/>
+            </a:schemeClr>
+          </a:lnRef>
+          <a:fillRef idx="1">
+            <a:schemeClr val="accent1"/>
+          </a:fillRef>
+          <a:effectRef idx="0">
+            <a:schemeClr val="accent1"/>
+          </a:effectRef>
+          <a:fontRef idx="minor">
+            <a:schemeClr val="lt1"/>
+          </a:fontRef>
+        </p:style>
+        <p:txBody>
+          <a:bodyPr rtlCol="0" anchor="ctr"/>
+          <a:lstStyle/>
+          <a:p>
+            <a:pPr algn="ctr"/>
+            <a:endParaRPr lang="hu-HU" dirty="0"/>
+          </a:p>
+        </p:txBody>
+      </p:sp>
+      <p:sp>
+        <p:nvSpPr>
+          <p:cNvPr id="69" name="Ellipszis 68">
+            <a:extLst>
+              <a:ext uri="{FF2B5EF4-FFF2-40B4-BE49-F238E27FC236}">
+                <a16:creationId xmlns:a16="http://schemas.microsoft.com/office/drawing/2014/main" id="{EA0495DE-046E-4ED7-8708-5EC8AE2AC86E}"/>
+              </a:ext>
+            </a:extLst>
+          </p:cNvPr>
+          <p:cNvSpPr/>
+          <p:nvPr/>
+        </p:nvSpPr>
+        <p:spPr>
+          <a:xfrm>
+            <a:off x="8332217" y="1686896"/>
+            <a:ext cx="3263000" cy="3263000"/>
+          </a:xfrm>
+          <a:prstGeom prst="ellipse">
+            <a:avLst/>
+          </a:prstGeom>
+          <a:solidFill>
+            <a:srgbClr val="5019B3"/>
+          </a:solidFill>
+          <a:ln>
+            <a:noFill/>
+          </a:ln>
+          <a:effectLst>
+            <a:innerShdw blurRad="381000">
+              <a:prstClr val="black">
+                <a:alpha val="66000"/>
+              </a:prstClr>
+            </a:innerShdw>
+          </a:effectLst>
+        </p:spPr>
+        <p:style>
+          <a:lnRef idx="2">
+            <a:schemeClr val="accent1">
+              <a:shade val="50000"/>
+            </a:schemeClr>
+          </a:lnRef>
+          <a:fillRef idx="1">
+            <a:schemeClr val="accent1"/>
+          </a:fillRef>
+          <a:effectRef idx="0">
+            <a:schemeClr val="accent1"/>
+          </a:effectRef>
+          <a:fontRef idx="minor">
+            <a:schemeClr val="lt1"/>
+          </a:fontRef>
+        </p:style>
+        <p:txBody>
+          <a:bodyPr rtlCol="0" anchor="ctr"/>
+          <a:lstStyle/>
+          <a:p>
+            <a:pPr algn="ctr"/>
+            <a:endParaRPr lang="hu-HU" dirty="0"/>
+          </a:p>
+        </p:txBody>
+      </p:sp>
+      <p:sp>
+        <p:nvSpPr>
+          <p:cNvPr id="70" name="Ellipszis 69">
+            <a:extLst>
+              <a:ext uri="{FF2B5EF4-FFF2-40B4-BE49-F238E27FC236}">
+                <a16:creationId xmlns:a16="http://schemas.microsoft.com/office/drawing/2014/main" id="{0B57A567-0E0A-4116-B280-EDE7321AE0BD}"/>
+              </a:ext>
+            </a:extLst>
+          </p:cNvPr>
+          <p:cNvSpPr/>
+          <p:nvPr/>
+        </p:nvSpPr>
+        <p:spPr>
+          <a:xfrm>
+            <a:off x="8722748" y="2064385"/>
+            <a:ext cx="2481934" cy="2481934"/>
+          </a:xfrm>
+          <a:prstGeom prst="ellipse">
+            <a:avLst/>
+          </a:prstGeom>
+          <a:solidFill>
+            <a:srgbClr val="4B199F"/>
+          </a:solidFill>
+          <a:ln>
+            <a:noFill/>
+          </a:ln>
+          <a:effectLst>
+            <a:innerShdw blurRad="254000">
+              <a:prstClr val="black">
+                <a:alpha val="40000"/>
+              </a:prstClr>
+            </a:innerShdw>
+          </a:effectLst>
+        </p:spPr>
+        <p:style>
+          <a:lnRef idx="2">
+            <a:schemeClr val="accent1">
+              <a:shade val="50000"/>
+            </a:schemeClr>
+          </a:lnRef>
+          <a:fillRef idx="1">
+            <a:schemeClr val="accent1"/>
+          </a:fillRef>
+          <a:effectRef idx="0">
+            <a:schemeClr val="accent1"/>
+          </a:effectRef>
+          <a:fontRef idx="minor">
+            <a:schemeClr val="lt1"/>
+          </a:fontRef>
+        </p:style>
+        <p:txBody>
+          <a:bodyPr rtlCol="0" anchor="ctr"/>
+          <a:lstStyle/>
+          <a:p>
+            <a:pPr algn="ctr"/>
+            <a:endParaRPr lang="hu-HU" dirty="0"/>
+          </a:p>
+        </p:txBody>
+      </p:sp>
+      <p:pic>
+        <p:nvPicPr>
+          <p:cNvPr id="1038" name="Picture 14" descr="https://avatars.githubusercontent.com/u/122269847?v=4">
+            <a:extLst>
+              <a:ext uri="{FF2B5EF4-FFF2-40B4-BE49-F238E27FC236}">
+                <a16:creationId xmlns:a16="http://schemas.microsoft.com/office/drawing/2014/main" id="{7CD961B7-2720-4DD3-A1FC-99878FABF62E}"/>
+              </a:ext>
+            </a:extLst>
+          </p:cNvPr>
+          <p:cNvPicPr>
+            <a:picLocks noChangeAspect="1" noChangeArrowheads="1"/>
+          </p:cNvPicPr>
+          <p:nvPr/>
+        </p:nvPicPr>
+        <p:blipFill>
+          <a:blip r:embed="rId3">
+            <a:extLst>
+              <a:ext uri="{28A0092B-C50C-407E-A947-70E740481C1C}">
+                <a14:useLocalDpi xmlns:a14="http://schemas.microsoft.com/office/drawing/2010/main" val="0"/>
+              </a:ext>
+            </a:extLst>
+          </a:blip>
+          <a:srcRect/>
+          <a:stretch>
+            <a:fillRect/>
+          </a:stretch>
+        </p:blipFill>
+        <p:spPr bwMode="auto">
+          <a:xfrm>
+            <a:off x="1157424" y="2366472"/>
+            <a:ext cx="1903848" cy="1903848"/>
+          </a:xfrm>
+          <a:prstGeom prst="ellipse">
+            <a:avLst/>
+          </a:prstGeom>
+          <a:noFill/>
+          <a:extLst>
+            <a:ext uri="{909E8E84-426E-40DD-AFC4-6F175D3DCCD1}">
+              <a14:hiddenFill xmlns:a14="http://schemas.microsoft.com/office/drawing/2010/main">
+                <a:solidFill>
+                  <a:srgbClr val="FFFFFF"/>
+                </a:solidFill>
+              </a14:hiddenFill>
+            </a:ext>
+          </a:extLst>
+        </p:spPr>
+      </p:pic>
+      <p:sp>
+        <p:nvSpPr>
+          <p:cNvPr id="75" name="Téglalap: lekerekített 74">
+            <a:extLst>
+              <a:ext uri="{FF2B5EF4-FFF2-40B4-BE49-F238E27FC236}">
+                <a16:creationId xmlns:a16="http://schemas.microsoft.com/office/drawing/2014/main" id="{F061B00D-FF28-417F-8E89-78FED159E63E}"/>
+              </a:ext>
+            </a:extLst>
+          </p:cNvPr>
+          <p:cNvSpPr/>
+          <p:nvPr/>
+        </p:nvSpPr>
+        <p:spPr>
+          <a:xfrm>
+            <a:off x="4626323" y="6858000"/>
+            <a:ext cx="2939337" cy="3214914"/>
+          </a:xfrm>
+          <a:prstGeom prst="roundRect">
+            <a:avLst>
+              <a:gd name="adj" fmla="val 4094"/>
+            </a:avLst>
+          </a:prstGeom>
+          <a:solidFill>
+            <a:schemeClr val="bg1">
+              <a:alpha val="80000"/>
+            </a:schemeClr>
+          </a:solidFill>
+          <a:ln w="120650" cap="sq">
+            <a:noFill/>
+            <a:round/>
+          </a:ln>
+        </p:spPr>
+        <p:style>
+          <a:lnRef idx="2">
+            <a:schemeClr val="accent1">
+              <a:shade val="15000"/>
+            </a:schemeClr>
+          </a:lnRef>
+          <a:fillRef idx="1">
+            <a:schemeClr val="accent1"/>
+          </a:fillRef>
+          <a:effectRef idx="0">
+            <a:schemeClr val="accent1"/>
+          </a:effectRef>
+          <a:fontRef idx="minor">
+            <a:schemeClr val="lt1"/>
+          </a:fontRef>
+        </p:style>
+        <p:txBody>
+          <a:bodyPr rtlCol="0" anchor="ctr"/>
+          <a:lstStyle/>
+          <a:p>
+            <a:pPr algn="ctr"/>
+            <a:r>
+              <a:rPr lang="hu-HU" dirty="0"/>
+              <a:t> </a:t>
+            </a:r>
+          </a:p>
+        </p:txBody>
+      </p:sp>
+      <p:sp>
+        <p:nvSpPr>
+          <p:cNvPr id="76" name="Téglalap: lekerekített 75">
+            <a:extLst>
+              <a:ext uri="{FF2B5EF4-FFF2-40B4-BE49-F238E27FC236}">
+                <a16:creationId xmlns:a16="http://schemas.microsoft.com/office/drawing/2014/main" id="{4A770DFA-F1B4-42B9-ACDE-1808FFD1ECEF}"/>
+              </a:ext>
+            </a:extLst>
+          </p:cNvPr>
+          <p:cNvSpPr/>
+          <p:nvPr/>
+        </p:nvSpPr>
+        <p:spPr>
+          <a:xfrm>
+            <a:off x="8494046" y="6858000"/>
+            <a:ext cx="2939337" cy="3214914"/>
+          </a:xfrm>
+          <a:prstGeom prst="roundRect">
+            <a:avLst>
+              <a:gd name="adj" fmla="val 4094"/>
+            </a:avLst>
+          </a:prstGeom>
+          <a:solidFill>
+            <a:schemeClr val="bg1">
+              <a:alpha val="80000"/>
+            </a:schemeClr>
+          </a:solidFill>
+          <a:ln w="120650" cap="sq">
+            <a:noFill/>
+            <a:round/>
+          </a:ln>
+        </p:spPr>
+        <p:style>
+          <a:lnRef idx="2">
+            <a:schemeClr val="accent1">
+              <a:shade val="15000"/>
+            </a:schemeClr>
+          </a:lnRef>
+          <a:fillRef idx="1">
+            <a:schemeClr val="accent1"/>
+          </a:fillRef>
+          <a:effectRef idx="0">
+            <a:schemeClr val="accent1"/>
+          </a:effectRef>
+          <a:fontRef idx="minor">
+            <a:schemeClr val="lt1"/>
+          </a:fontRef>
+        </p:style>
+        <p:txBody>
+          <a:bodyPr rtlCol="0" anchor="ctr"/>
+          <a:lstStyle/>
+          <a:p>
+            <a:pPr algn="ctr"/>
+            <a:r>
+              <a:rPr lang="hu-HU" dirty="0"/>
+              <a:t> </a:t>
+            </a:r>
+          </a:p>
+        </p:txBody>
+      </p:sp>
+    </p:spTree>
+    <p:extLst>
+      <p:ext uri="{BB962C8B-B14F-4D97-AF65-F5344CB8AC3E}">
+        <p14:creationId xmlns:p14="http://schemas.microsoft.com/office/powerpoint/2010/main" val="883911337"/>
+      </p:ext>
+    </p:extLst>
+  </p:cSld>
+  <p:clrMapOvr>
+    <a:masterClrMapping/>
+  </p:clrMapOvr>
+  <p:transition spd="slow">
+    <p:push dir="u"/>
+  </p:transition>
+  <p:timing>
+    <p:tnLst>
+      <p:par>
+        <p:cTn id="1" dur="indefinite" restart="never" nodeType="tmRoot">
+          <p:childTnLst>
+            <p:seq concurrent="1" nextAc="seek">
+              <p:cTn id="2" dur="indefinite" nodeType="mainSeq">
+                <p:childTnLst>
+                  <p:par>
+                    <p:cTn id="3" fill="hold">
+                      <p:stCondLst>
+                        <p:cond delay="indefinite"/>
+                        <p:cond evt="onBegin" delay="0">
+                          <p:tn val="2"/>
+                        </p:cond>
+                      </p:stCondLst>
+                      <p:childTnLst>
+                        <p:par>
+                          <p:cTn id="4" fill="hold">
+                            <p:stCondLst>
+                              <p:cond delay="0"/>
+                            </p:stCondLst>
+                            <p:childTnLst>
+                              <p:par>
+                                <p:cTn id="5" presetID="53" presetClass="entr" presetSubtype="16" fill="hold" grpId="0" nodeType="afterEffect">
+                                  <p:stCondLst>
+                                    <p:cond delay="0"/>
+                                  </p:stCondLst>
+                                  <p:childTnLst>
+                                    <p:set>
+                                      <p:cBhvr>
+                                        <p:cTn id="6" dur="1" fill="hold">
+                                          <p:stCondLst>
+                                            <p:cond delay="0"/>
+                                          </p:stCondLst>
+                                        </p:cTn>
+                                        <p:tgtEl>
+                                          <p:spTgt spid="66"/>
+                                        </p:tgtEl>
+                                        <p:attrNameLst>
+                                          <p:attrName>style.visibility</p:attrName>
+                                        </p:attrNameLst>
+                                      </p:cBhvr>
+                                      <p:to>
+                                        <p:strVal val="visible"/>
+                                      </p:to>
+                                    </p:set>
+                                    <p:anim calcmode="lin" valueType="num">
+                                      <p:cBhvr>
+                                        <p:cTn id="7" dur="500" fill="hold"/>
+                                        <p:tgtEl>
+                                          <p:spTgt spid="66"/>
+                                        </p:tgtEl>
+                                        <p:attrNameLst>
+                                          <p:attrName>ppt_w</p:attrName>
+                                        </p:attrNameLst>
+                                      </p:cBhvr>
+                                      <p:tavLst>
+                                        <p:tav tm="0">
+                                          <p:val>
+                                            <p:fltVal val="0"/>
+                                          </p:val>
+                                        </p:tav>
+                                        <p:tav tm="100000">
+                                          <p:val>
+                                            <p:strVal val="#ppt_w"/>
+                                          </p:val>
+                                        </p:tav>
+                                      </p:tavLst>
+                                    </p:anim>
+                                    <p:anim calcmode="lin" valueType="num">
+                                      <p:cBhvr>
+                                        <p:cTn id="8" dur="500" fill="hold"/>
+                                        <p:tgtEl>
+                                          <p:spTgt spid="66"/>
+                                        </p:tgtEl>
+                                        <p:attrNameLst>
+                                          <p:attrName>ppt_h</p:attrName>
+                                        </p:attrNameLst>
+                                      </p:cBhvr>
+                                      <p:tavLst>
+                                        <p:tav tm="0">
+                                          <p:val>
+                                            <p:fltVal val="0"/>
+                                          </p:val>
+                                        </p:tav>
+                                        <p:tav tm="100000">
+                                          <p:val>
+                                            <p:strVal val="#ppt_h"/>
+                                          </p:val>
+                                        </p:tav>
+                                      </p:tavLst>
+                                    </p:anim>
+                                    <p:animEffect transition="in" filter="fade">
+                                      <p:cBhvr>
+                                        <p:cTn id="9" dur="500"/>
+                                        <p:tgtEl>
+                                          <p:spTgt spid="66"/>
+                                        </p:tgtEl>
+                                      </p:cBhvr>
+                                    </p:animEffect>
+                                  </p:childTnLst>
+                                </p:cTn>
+                              </p:par>
+                            </p:childTnLst>
+                          </p:cTn>
+                        </p:par>
+                        <p:par>
+                          <p:cTn id="10" fill="hold">
+                            <p:stCondLst>
+                              <p:cond delay="500"/>
+                            </p:stCondLst>
+                            <p:childTnLst>
+                              <p:par>
+                                <p:cTn id="11" presetID="53" presetClass="entr" presetSubtype="16" fill="hold" grpId="0" nodeType="afterEffect">
+                                  <p:stCondLst>
+                                    <p:cond delay="0"/>
+                                  </p:stCondLst>
+                                  <p:childTnLst>
+                                    <p:set>
+                                      <p:cBhvr>
+                                        <p:cTn id="12" dur="1" fill="hold">
+                                          <p:stCondLst>
+                                            <p:cond delay="0"/>
+                                          </p:stCondLst>
+                                        </p:cTn>
+                                        <p:tgtEl>
+                                          <p:spTgt spid="67"/>
+                                        </p:tgtEl>
+                                        <p:attrNameLst>
+                                          <p:attrName>style.visibility</p:attrName>
+                                        </p:attrNameLst>
+                                      </p:cBhvr>
+                                      <p:to>
+                                        <p:strVal val="visible"/>
+                                      </p:to>
+                                    </p:set>
+                                    <p:anim calcmode="lin" valueType="num">
+                                      <p:cBhvr>
+                                        <p:cTn id="13" dur="500" fill="hold"/>
+                                        <p:tgtEl>
+                                          <p:spTgt spid="67"/>
+                                        </p:tgtEl>
+                                        <p:attrNameLst>
+                                          <p:attrName>ppt_w</p:attrName>
+                                        </p:attrNameLst>
+                                      </p:cBhvr>
+                                      <p:tavLst>
+                                        <p:tav tm="0">
+                                          <p:val>
+                                            <p:fltVal val="0"/>
+                                          </p:val>
+                                        </p:tav>
+                                        <p:tav tm="100000">
+                                          <p:val>
+                                            <p:strVal val="#ppt_w"/>
+                                          </p:val>
+                                        </p:tav>
+                                      </p:tavLst>
+                                    </p:anim>
+                                    <p:anim calcmode="lin" valueType="num">
+                                      <p:cBhvr>
+                                        <p:cTn id="14" dur="500" fill="hold"/>
+                                        <p:tgtEl>
+                                          <p:spTgt spid="67"/>
+                                        </p:tgtEl>
+                                        <p:attrNameLst>
+                                          <p:attrName>ppt_h</p:attrName>
+                                        </p:attrNameLst>
+                                      </p:cBhvr>
+                                      <p:tavLst>
+                                        <p:tav tm="0">
+                                          <p:val>
+                                            <p:fltVal val="0"/>
+                                          </p:val>
+                                        </p:tav>
+                                        <p:tav tm="100000">
+                                          <p:val>
+                                            <p:strVal val="#ppt_h"/>
+                                          </p:val>
+                                        </p:tav>
+                                      </p:tavLst>
+                                    </p:anim>
+                                    <p:animEffect transition="in" filter="fade">
+                                      <p:cBhvr>
+                                        <p:cTn id="15" dur="500"/>
+                                        <p:tgtEl>
+                                          <p:spTgt spid="67"/>
+                                        </p:tgtEl>
+                                      </p:cBhvr>
+                                    </p:animEffect>
+                                  </p:childTnLst>
+                                </p:cTn>
+                              </p:par>
+                              <p:par>
+                                <p:cTn id="16" presetID="53" presetClass="entr" presetSubtype="16" fill="hold" nodeType="withEffect">
+                                  <p:stCondLst>
+                                    <p:cond delay="300"/>
+                                  </p:stCondLst>
+                                  <p:childTnLst>
+                                    <p:set>
+                                      <p:cBhvr>
+                                        <p:cTn id="17" dur="1" fill="hold">
+                                          <p:stCondLst>
+                                            <p:cond delay="0"/>
+                                          </p:stCondLst>
+                                        </p:cTn>
+                                        <p:tgtEl>
+                                          <p:spTgt spid="1038"/>
+                                        </p:tgtEl>
+                                        <p:attrNameLst>
+                                          <p:attrName>style.visibility</p:attrName>
+                                        </p:attrNameLst>
+                                      </p:cBhvr>
+                                      <p:to>
+                                        <p:strVal val="visible"/>
+                                      </p:to>
+                                    </p:set>
+                                    <p:anim calcmode="lin" valueType="num">
+                                      <p:cBhvr>
+                                        <p:cTn id="18" dur="500" fill="hold"/>
+                                        <p:tgtEl>
+                                          <p:spTgt spid="1038"/>
+                                        </p:tgtEl>
+                                        <p:attrNameLst>
+                                          <p:attrName>ppt_w</p:attrName>
+                                        </p:attrNameLst>
+                                      </p:cBhvr>
+                                      <p:tavLst>
+                                        <p:tav tm="0">
+                                          <p:val>
+                                            <p:fltVal val="0"/>
+                                          </p:val>
+                                        </p:tav>
+                                        <p:tav tm="100000">
+                                          <p:val>
+                                            <p:strVal val="#ppt_w"/>
+                                          </p:val>
+                                        </p:tav>
+                                      </p:tavLst>
+                                    </p:anim>
+                                    <p:anim calcmode="lin" valueType="num">
+                                      <p:cBhvr>
+                                        <p:cTn id="19" dur="500" fill="hold"/>
+                                        <p:tgtEl>
+                                          <p:spTgt spid="1038"/>
+                                        </p:tgtEl>
+                                        <p:attrNameLst>
+                                          <p:attrName>ppt_h</p:attrName>
+                                        </p:attrNameLst>
+                                      </p:cBhvr>
+                                      <p:tavLst>
+                                        <p:tav tm="0">
+                                          <p:val>
+                                            <p:fltVal val="0"/>
+                                          </p:val>
+                                        </p:tav>
+                                        <p:tav tm="100000">
+                                          <p:val>
+                                            <p:strVal val="#ppt_h"/>
+                                          </p:val>
+                                        </p:tav>
+                                      </p:tavLst>
+                                    </p:anim>
+                                    <p:animEffect transition="in" filter="fade">
+                                      <p:cBhvr>
+                                        <p:cTn id="20" dur="500"/>
+                                        <p:tgtEl>
+                                          <p:spTgt spid="1038"/>
+                                        </p:tgtEl>
+                                      </p:cBhvr>
+                                    </p:animEffect>
+                                  </p:childTnLst>
+                                </p:cTn>
+                              </p:par>
+                              <p:par>
+                                <p:cTn id="21" presetID="53" presetClass="entr" presetSubtype="16" fill="hold" grpId="0" nodeType="withEffect">
+                                  <p:stCondLst>
+                                    <p:cond delay="0"/>
+                                  </p:stCondLst>
+                                  <p:childTnLst>
+                                    <p:set>
+                                      <p:cBhvr>
+                                        <p:cTn id="22" dur="1" fill="hold">
+                                          <p:stCondLst>
+                                            <p:cond delay="0"/>
+                                          </p:stCondLst>
+                                        </p:cTn>
+                                        <p:tgtEl>
+                                          <p:spTgt spid="44"/>
+                                        </p:tgtEl>
+                                        <p:attrNameLst>
+                                          <p:attrName>style.visibility</p:attrName>
+                                        </p:attrNameLst>
+                                      </p:cBhvr>
+                                      <p:to>
+                                        <p:strVal val="visible"/>
+                                      </p:to>
+                                    </p:set>
+                                    <p:anim calcmode="lin" valueType="num">
+                                      <p:cBhvr>
+                                        <p:cTn id="23" dur="500" fill="hold"/>
+                                        <p:tgtEl>
+                                          <p:spTgt spid="44"/>
+                                        </p:tgtEl>
+                                        <p:attrNameLst>
+                                          <p:attrName>ppt_w</p:attrName>
+                                        </p:attrNameLst>
+                                      </p:cBhvr>
+                                      <p:tavLst>
+                                        <p:tav tm="0">
+                                          <p:val>
+                                            <p:fltVal val="0"/>
+                                          </p:val>
+                                        </p:tav>
+                                        <p:tav tm="100000">
+                                          <p:val>
+                                            <p:strVal val="#ppt_w"/>
+                                          </p:val>
+                                        </p:tav>
+                                      </p:tavLst>
+                                    </p:anim>
+                                    <p:anim calcmode="lin" valueType="num">
+                                      <p:cBhvr>
+                                        <p:cTn id="24" dur="500" fill="hold"/>
+                                        <p:tgtEl>
+                                          <p:spTgt spid="44"/>
+                                        </p:tgtEl>
+                                        <p:attrNameLst>
+                                          <p:attrName>ppt_h</p:attrName>
+                                        </p:attrNameLst>
+                                      </p:cBhvr>
+                                      <p:tavLst>
+                                        <p:tav tm="0">
+                                          <p:val>
+                                            <p:fltVal val="0"/>
+                                          </p:val>
+                                        </p:tav>
+                                        <p:tav tm="100000">
+                                          <p:val>
+                                            <p:strVal val="#ppt_h"/>
+                                          </p:val>
+                                        </p:tav>
+                                      </p:tavLst>
+                                    </p:anim>
+                                    <p:animEffect transition="in" filter="fade">
+                                      <p:cBhvr>
+                                        <p:cTn id="25" dur="500"/>
+                                        <p:tgtEl>
+                                          <p:spTgt spid="44"/>
+                                        </p:tgtEl>
+                                      </p:cBhvr>
+                                    </p:animEffect>
+                                  </p:childTnLst>
+                                </p:cTn>
+                              </p:par>
+                              <p:par>
+                                <p:cTn id="26" presetID="53" presetClass="entr" presetSubtype="16" fill="hold" grpId="0" nodeType="withEffect">
+                                  <p:stCondLst>
+                                    <p:cond delay="500"/>
+                                  </p:stCondLst>
+                                  <p:childTnLst>
+                                    <p:set>
+                                      <p:cBhvr>
+                                        <p:cTn id="27" dur="1" fill="hold">
+                                          <p:stCondLst>
+                                            <p:cond delay="0"/>
+                                          </p:stCondLst>
+                                        </p:cTn>
+                                        <p:tgtEl>
+                                          <p:spTgt spid="45"/>
+                                        </p:tgtEl>
+                                        <p:attrNameLst>
+                                          <p:attrName>style.visibility</p:attrName>
+                                        </p:attrNameLst>
+                                      </p:cBhvr>
+                                      <p:to>
+                                        <p:strVal val="visible"/>
+                                      </p:to>
+                                    </p:set>
+                                    <p:anim calcmode="lin" valueType="num">
+                                      <p:cBhvr>
+                                        <p:cTn id="28" dur="500" fill="hold"/>
+                                        <p:tgtEl>
+                                          <p:spTgt spid="45"/>
+                                        </p:tgtEl>
+                                        <p:attrNameLst>
+                                          <p:attrName>ppt_w</p:attrName>
+                                        </p:attrNameLst>
+                                      </p:cBhvr>
+                                      <p:tavLst>
+                                        <p:tav tm="0">
+                                          <p:val>
+                                            <p:fltVal val="0"/>
+                                          </p:val>
+                                        </p:tav>
+                                        <p:tav tm="100000">
+                                          <p:val>
+                                            <p:strVal val="#ppt_w"/>
+                                          </p:val>
+                                        </p:tav>
+                                      </p:tavLst>
+                                    </p:anim>
+                                    <p:anim calcmode="lin" valueType="num">
+                                      <p:cBhvr>
+                                        <p:cTn id="29" dur="500" fill="hold"/>
+                                        <p:tgtEl>
+                                          <p:spTgt spid="45"/>
+                                        </p:tgtEl>
+                                        <p:attrNameLst>
+                                          <p:attrName>ppt_h</p:attrName>
+                                        </p:attrNameLst>
+                                      </p:cBhvr>
+                                      <p:tavLst>
+                                        <p:tav tm="0">
+                                          <p:val>
+                                            <p:fltVal val="0"/>
+                                          </p:val>
+                                        </p:tav>
+                                        <p:tav tm="100000">
+                                          <p:val>
+                                            <p:strVal val="#ppt_h"/>
+                                          </p:val>
+                                        </p:tav>
+                                      </p:tavLst>
+                                    </p:anim>
+                                    <p:animEffect transition="in" filter="fade">
+                                      <p:cBhvr>
+                                        <p:cTn id="30" dur="500"/>
+                                        <p:tgtEl>
+                                          <p:spTgt spid="45"/>
+                                        </p:tgtEl>
+                                      </p:cBhvr>
+                                    </p:animEffect>
+                                  </p:childTnLst>
+                                </p:cTn>
+                              </p:par>
+                              <p:par>
+                                <p:cTn id="31" presetID="53" presetClass="entr" presetSubtype="16" fill="hold" grpId="0" nodeType="withEffect">
+                                  <p:stCondLst>
+                                    <p:cond delay="500"/>
+                                  </p:stCondLst>
+                                  <p:childTnLst>
+                                    <p:set>
+                                      <p:cBhvr>
+                                        <p:cTn id="32" dur="1" fill="hold">
+                                          <p:stCondLst>
+                                            <p:cond delay="0"/>
+                                          </p:stCondLst>
+                                        </p:cTn>
+                                        <p:tgtEl>
+                                          <p:spTgt spid="69"/>
+                                        </p:tgtEl>
+                                        <p:attrNameLst>
+                                          <p:attrName>style.visibility</p:attrName>
+                                        </p:attrNameLst>
+                                      </p:cBhvr>
+                                      <p:to>
+                                        <p:strVal val="visible"/>
+                                      </p:to>
+                                    </p:set>
+                                    <p:anim calcmode="lin" valueType="num">
+                                      <p:cBhvr>
+                                        <p:cTn id="33" dur="500" fill="hold"/>
+                                        <p:tgtEl>
+                                          <p:spTgt spid="69"/>
+                                        </p:tgtEl>
+                                        <p:attrNameLst>
+                                          <p:attrName>ppt_w</p:attrName>
+                                        </p:attrNameLst>
+                                      </p:cBhvr>
+                                      <p:tavLst>
+                                        <p:tav tm="0">
+                                          <p:val>
+                                            <p:fltVal val="0"/>
+                                          </p:val>
+                                        </p:tav>
+                                        <p:tav tm="100000">
+                                          <p:val>
+                                            <p:strVal val="#ppt_w"/>
+                                          </p:val>
+                                        </p:tav>
+                                      </p:tavLst>
+                                    </p:anim>
+                                    <p:anim calcmode="lin" valueType="num">
+                                      <p:cBhvr>
+                                        <p:cTn id="34" dur="500" fill="hold"/>
+                                        <p:tgtEl>
+                                          <p:spTgt spid="69"/>
+                                        </p:tgtEl>
+                                        <p:attrNameLst>
+                                          <p:attrName>ppt_h</p:attrName>
+                                        </p:attrNameLst>
+                                      </p:cBhvr>
+                                      <p:tavLst>
+                                        <p:tav tm="0">
+                                          <p:val>
+                                            <p:fltVal val="0"/>
+                                          </p:val>
+                                        </p:tav>
+                                        <p:tav tm="100000">
+                                          <p:val>
+                                            <p:strVal val="#ppt_h"/>
+                                          </p:val>
+                                        </p:tav>
+                                      </p:tavLst>
+                                    </p:anim>
+                                    <p:animEffect transition="in" filter="fade">
+                                      <p:cBhvr>
+                                        <p:cTn id="35" dur="500"/>
+                                        <p:tgtEl>
+                                          <p:spTgt spid="69"/>
+                                        </p:tgtEl>
+                                      </p:cBhvr>
+                                    </p:animEffect>
+                                  </p:childTnLst>
+                                </p:cTn>
+                              </p:par>
+                              <p:par>
+                                <p:cTn id="36" presetID="53" presetClass="entr" presetSubtype="16" fill="hold" grpId="0" nodeType="withEffect">
+                                  <p:stCondLst>
+                                    <p:cond delay="1000"/>
+                                  </p:stCondLst>
+                                  <p:childTnLst>
+                                    <p:set>
+                                      <p:cBhvr>
+                                        <p:cTn id="37" dur="1" fill="hold">
+                                          <p:stCondLst>
+                                            <p:cond delay="0"/>
+                                          </p:stCondLst>
+                                        </p:cTn>
+                                        <p:tgtEl>
+                                          <p:spTgt spid="70"/>
+                                        </p:tgtEl>
+                                        <p:attrNameLst>
+                                          <p:attrName>style.visibility</p:attrName>
+                                        </p:attrNameLst>
+                                      </p:cBhvr>
+                                      <p:to>
+                                        <p:strVal val="visible"/>
+                                      </p:to>
+                                    </p:set>
+                                    <p:anim calcmode="lin" valueType="num">
+                                      <p:cBhvr>
+                                        <p:cTn id="38" dur="500" fill="hold"/>
+                                        <p:tgtEl>
+                                          <p:spTgt spid="70"/>
+                                        </p:tgtEl>
+                                        <p:attrNameLst>
+                                          <p:attrName>ppt_w</p:attrName>
+                                        </p:attrNameLst>
+                                      </p:cBhvr>
+                                      <p:tavLst>
+                                        <p:tav tm="0">
+                                          <p:val>
+                                            <p:fltVal val="0"/>
+                                          </p:val>
+                                        </p:tav>
+                                        <p:tav tm="100000">
+                                          <p:val>
+                                            <p:strVal val="#ppt_w"/>
+                                          </p:val>
+                                        </p:tav>
+                                      </p:tavLst>
+                                    </p:anim>
+                                    <p:anim calcmode="lin" valueType="num">
+                                      <p:cBhvr>
+                                        <p:cTn id="39" dur="500" fill="hold"/>
+                                        <p:tgtEl>
+                                          <p:spTgt spid="70"/>
+                                        </p:tgtEl>
+                                        <p:attrNameLst>
+                                          <p:attrName>ppt_h</p:attrName>
+                                        </p:attrNameLst>
+                                      </p:cBhvr>
+                                      <p:tavLst>
+                                        <p:tav tm="0">
+                                          <p:val>
+                                            <p:fltVal val="0"/>
+                                          </p:val>
+                                        </p:tav>
+                                        <p:tav tm="100000">
+                                          <p:val>
+                                            <p:strVal val="#ppt_h"/>
+                                          </p:val>
+                                        </p:tav>
+                                      </p:tavLst>
+                                    </p:anim>
+                                    <p:animEffect transition="in" filter="fade">
+                                      <p:cBhvr>
+                                        <p:cTn id="40" dur="500"/>
+                                        <p:tgtEl>
+                                          <p:spTgt spid="70"/>
+                                        </p:tgtEl>
+                                      </p:cBhvr>
+                                    </p:animEffect>
+                                  </p:childTnLst>
+                                </p:cTn>
+                              </p:par>
+                              <p:par>
+                                <p:cTn id="41" presetID="42" presetClass="path" presetSubtype="0" accel="50000" decel="50000" fill="hold" nodeType="withEffect">
+                                  <p:stCondLst>
+                                    <p:cond delay="0"/>
+                                  </p:stCondLst>
+                                  <p:childTnLst>
+                                    <p:animMotion origin="layout" path="M 0 3.33333E-6 L 0 0.25 " pathEditMode="relative" rAng="0" ptsTypes="AA">
+                                      <p:cBhvr>
+                                        <p:cTn id="42" dur="2000" fill="hold"/>
+                                        <p:tgtEl>
+                                          <p:spTgt spid="1032"/>
+                                        </p:tgtEl>
+                                        <p:attrNameLst>
+                                          <p:attrName>ppt_x</p:attrName>
+                                          <p:attrName>ppt_y</p:attrName>
+                                        </p:attrNameLst>
+                                      </p:cBhvr>
+                                      <p:rCtr x="0" y="12500"/>
+                                    </p:animMotion>
+                                  </p:childTnLst>
+                                </p:cTn>
+                              </p:par>
+                              <p:par>
+                                <p:cTn id="43" presetID="64" presetClass="path" presetSubtype="0" accel="50000" decel="50000" fill="hold" grpId="0" nodeType="withEffect">
+                                  <p:stCondLst>
+                                    <p:cond delay="0"/>
+                                  </p:stCondLst>
+                                  <p:childTnLst>
+                                    <p:animMotion origin="layout" path="M 3.125E-6 7.40741E-7 L 3.125E-6 -0.25 " pathEditMode="relative" rAng="0" ptsTypes="AA">
+                                      <p:cBhvr>
+                                        <p:cTn id="44" dur="2000" fill="hold"/>
+                                        <p:tgtEl>
+                                          <p:spTgt spid="50"/>
+                                        </p:tgtEl>
+                                        <p:attrNameLst>
+                                          <p:attrName>ppt_x</p:attrName>
+                                          <p:attrName>ppt_y</p:attrName>
+                                        </p:attrNameLst>
+                                      </p:cBhvr>
+                                      <p:rCtr x="0" y="-12500"/>
+                                    </p:animMotion>
+                                  </p:childTnLst>
+                                </p:cTn>
+                              </p:par>
+                              <p:par>
+                                <p:cTn id="45" presetID="64" presetClass="path" presetSubtype="0" accel="50000" decel="50000" fill="hold" grpId="0" nodeType="withEffect">
+                                  <p:stCondLst>
+                                    <p:cond delay="250"/>
+                                  </p:stCondLst>
+                                  <p:childTnLst>
+                                    <p:animMotion origin="layout" path="M 0 7.40741E-7 L 0 -0.25 " pathEditMode="relative" rAng="0" ptsTypes="AA">
+                                      <p:cBhvr>
+                                        <p:cTn id="46" dur="2000" fill="hold"/>
+                                        <p:tgtEl>
+                                          <p:spTgt spid="75"/>
+                                        </p:tgtEl>
+                                        <p:attrNameLst>
+                                          <p:attrName>ppt_x</p:attrName>
+                                          <p:attrName>ppt_y</p:attrName>
+                                        </p:attrNameLst>
+                                      </p:cBhvr>
+                                      <p:rCtr x="0" y="-12500"/>
+                                    </p:animMotion>
+                                  </p:childTnLst>
+                                </p:cTn>
+                              </p:par>
+                              <p:par>
+                                <p:cTn id="47" presetID="64" presetClass="path" presetSubtype="0" accel="50000" decel="50000" fill="hold" grpId="0" nodeType="withEffect">
+                                  <p:stCondLst>
+                                    <p:cond delay="500"/>
+                                  </p:stCondLst>
+                                  <p:childTnLst>
+                                    <p:animMotion origin="layout" path="M 2.5E-6 7.40741E-7 L 2.5E-6 -0.25 " pathEditMode="relative" rAng="0" ptsTypes="AA">
+                                      <p:cBhvr>
+                                        <p:cTn id="48" dur="2000" fill="hold"/>
+                                        <p:tgtEl>
+                                          <p:spTgt spid="76"/>
+                                        </p:tgtEl>
+                                        <p:attrNameLst>
+                                          <p:attrName>ppt_x</p:attrName>
+                                          <p:attrName>ppt_y</p:attrName>
+                                        </p:attrNameLst>
+                                      </p:cBhvr>
+                                      <p:rCtr x="0" y="-12500"/>
+                                    </p:animMotion>
+                                  </p:childTnLst>
+                                </p:cTn>
+                              </p:par>
+                            </p:childTnLst>
+                          </p:cTn>
+                        </p:par>
+                      </p:childTnLst>
+                    </p:cTn>
+                  </p:par>
+                </p:childTnLst>
+              </p:cTn>
+              <p:prevCondLst>
+                <p:cond evt="onPrev" delay="0">
+                  <p:tgtEl>
+                    <p:sldTgt/>
+                  </p:tgtEl>
+                </p:cond>
+              </p:prevCondLst>
+              <p:nextCondLst>
+                <p:cond evt="onNext" delay="0">
+                  <p:tgtEl>
+                    <p:sldTgt/>
+                  </p:tgtEl>
+                </p:cond>
+              </p:nextCondLst>
+            </p:seq>
+          </p:childTnLst>
+        </p:cTn>
+      </p:par>
+    </p:tnLst>
+    <p:bldLst>
+      <p:bldP spid="44" grpId="0" animBg="1"/>
+      <p:bldP spid="45" grpId="0" animBg="1"/>
+      <p:bldP spid="50" grpId="0" animBg="1"/>
+      <p:bldP spid="66" grpId="0" animBg="1"/>
+      <p:bldP spid="67" grpId="0" animBg="1"/>
+      <p:bldP spid="69" grpId="0" animBg="1"/>
+      <p:bldP spid="70" grpId="0" animBg="1"/>
+      <p:bldP spid="75" grpId="0" animBg="1"/>
+      <p:bldP spid="76" grpId="0" animBg="1"/>
     </p:bldLst>
   </p:timing>
 </p:sld>

--- a/Prezentáció.pptx
+++ b/Prezentáció.pptx
@@ -4971,8 +4971,8 @@
         </p:nvSpPr>
         <p:spPr>
           <a:xfrm>
-            <a:off x="836499" y="812800"/>
-            <a:ext cx="4784269" cy="2256972"/>
+            <a:off x="-5910146" y="194253"/>
+            <a:ext cx="5656146" cy="1640305"/>
           </a:xfrm>
           <a:prstGeom prst="roundRect">
             <a:avLst>
@@ -5010,16 +5010,32 @@
           <a:lstStyle/>
           <a:p>
             <a:pPr algn="ctr"/>
-            <a:endParaRPr lang="hu-HU" dirty="0"/>
+            <a:r>
+              <a:rPr lang="hu-HU" sz="4400" dirty="0">
+                <a:solidFill>
+                  <a:srgbClr val="5019B3"/>
+                </a:solidFill>
+                <a:effectLst>
+                  <a:outerShdw dist="38100" sx="101000" sy="101000" algn="l" rotWithShape="0">
+                    <a:prstClr val="black">
+                      <a:alpha val="0"/>
+                    </a:prstClr>
+                  </a:outerShdw>
+                </a:effectLst>
+                <a:latin typeface="Segoe UI Black" panose="020B0A02040204020203" pitchFamily="34" charset="0"/>
+                <a:ea typeface="Segoe UI Black" panose="020B0A02040204020203" pitchFamily="34" charset="0"/>
+              </a:rPr>
+              <a:t>Tartalom</a:t>
+            </a:r>
           </a:p>
         </p:txBody>
       </p:sp>
       <p:sp>
         <p:nvSpPr>
-          <p:cNvPr id="8" name="Téglalap: lekerekített 7">
+          <p:cNvPr id="6" name="Téglalap: lekerekített 5">
             <a:extLst>
               <a:ext uri="{FF2B5EF4-FFF2-40B4-BE49-F238E27FC236}">
-                <a16:creationId xmlns:a16="http://schemas.microsoft.com/office/drawing/2014/main" id="{59C7E15A-6049-4717-8363-2D58AB3A0EDC}"/>
+                <a16:creationId xmlns:a16="http://schemas.microsoft.com/office/drawing/2014/main" id="{7054393B-7C14-4BF7-B3BE-977FD580A87B}"/>
               </a:ext>
             </a:extLst>
           </p:cNvPr>
@@ -5028,8 +5044,8 @@
         </p:nvSpPr>
         <p:spPr>
           <a:xfrm>
-            <a:off x="836498" y="3889829"/>
-            <a:ext cx="4784269" cy="2256971"/>
+            <a:off x="3399551" y="3429000"/>
+            <a:ext cx="2500311" cy="2335886"/>
           </a:xfrm>
           <a:prstGeom prst="roundRect">
             <a:avLst>
@@ -5067,16 +5083,32 @@
           <a:lstStyle/>
           <a:p>
             <a:pPr algn="ctr"/>
-            <a:endParaRPr lang="hu-HU" dirty="0"/>
+            <a:r>
+              <a:rPr lang="hu-HU" sz="2800" dirty="0">
+                <a:solidFill>
+                  <a:srgbClr val="5019B3"/>
+                </a:solidFill>
+                <a:effectLst>
+                  <a:outerShdw dist="38100" sx="101000" sy="101000" algn="l" rotWithShape="0">
+                    <a:prstClr val="black">
+                      <a:alpha val="0"/>
+                    </a:prstClr>
+                  </a:outerShdw>
+                </a:effectLst>
+                <a:latin typeface="Segoe UI Black" panose="020B0A02040204020203" pitchFamily="34" charset="0"/>
+                <a:ea typeface="Segoe UI Black" panose="020B0A02040204020203" pitchFamily="34" charset="0"/>
+              </a:rPr>
+              <a:t>Objektum orientáltság</a:t>
+            </a:r>
           </a:p>
         </p:txBody>
       </p:sp>
       <p:sp>
         <p:nvSpPr>
-          <p:cNvPr id="10" name="Téglalap: lekerekített 9">
+          <p:cNvPr id="12" name="Téglalap: lekerekített 11">
             <a:extLst>
               <a:ext uri="{FF2B5EF4-FFF2-40B4-BE49-F238E27FC236}">
-                <a16:creationId xmlns:a16="http://schemas.microsoft.com/office/drawing/2014/main" id="{73205799-383A-425A-AF8B-9CAFCC08C585}"/>
+                <a16:creationId xmlns:a16="http://schemas.microsoft.com/office/drawing/2014/main" id="{012748AF-1348-4B58-90F4-37F17048BB84}"/>
               </a:ext>
             </a:extLst>
           </p:cNvPr>
@@ -5085,8 +5117,8 @@
         </p:nvSpPr>
         <p:spPr>
           <a:xfrm>
-            <a:off x="6527686" y="812800"/>
-            <a:ext cx="4784269" cy="2002971"/>
+            <a:off x="454770" y="3429000"/>
+            <a:ext cx="2500311" cy="2335886"/>
           </a:xfrm>
           <a:prstGeom prst="roundRect">
             <a:avLst>
@@ -5125,59 +5157,199 @@
           <a:p>
             <a:pPr algn="ctr"/>
             <a:r>
-              <a:rPr lang="hu-HU" dirty="0"/>
-              <a:t> </a:t>
+              <a:rPr lang="hu-HU" sz="2800" dirty="0" err="1">
+                <a:solidFill>
+                  <a:srgbClr val="5019B3"/>
+                </a:solidFill>
+                <a:effectLst>
+                  <a:outerShdw dist="38100" sx="101000" sy="101000" algn="l" rotWithShape="0">
+                    <a:prstClr val="black">
+                      <a:alpha val="0"/>
+                    </a:prstClr>
+                  </a:outerShdw>
+                </a:effectLst>
+                <a:latin typeface="Segoe UI Black" panose="020B0A02040204020203" pitchFamily="34" charset="0"/>
+                <a:ea typeface="Segoe UI Black" panose="020B0A02040204020203" pitchFamily="34" charset="0"/>
+              </a:rPr>
+              <a:t>Spriteok</a:t>
             </a:r>
+            <a:endParaRPr lang="hu-HU" sz="2800" dirty="0">
+              <a:solidFill>
+                <a:srgbClr val="5019B3"/>
+              </a:solidFill>
+              <a:effectLst>
+                <a:outerShdw dist="38100" sx="101000" sy="101000" algn="l" rotWithShape="0">
+                  <a:prstClr val="black">
+                    <a:alpha val="0"/>
+                  </a:prstClr>
+                </a:outerShdw>
+              </a:effectLst>
+              <a:latin typeface="Segoe UI Black" panose="020B0A02040204020203" pitchFamily="34" charset="0"/>
+              <a:ea typeface="Segoe UI Black" panose="020B0A02040204020203" pitchFamily="34" charset="0"/>
+            </a:endParaRPr>
           </a:p>
         </p:txBody>
       </p:sp>
-      <p:pic>
-        <p:nvPicPr>
-          <p:cNvPr id="11" name="Picture 2">
+      <p:sp>
+        <p:nvSpPr>
+          <p:cNvPr id="13" name="Téglalap: lekerekített 12">
             <a:extLst>
               <a:ext uri="{FF2B5EF4-FFF2-40B4-BE49-F238E27FC236}">
-                <a16:creationId xmlns:a16="http://schemas.microsoft.com/office/drawing/2014/main" id="{9AAC4877-3D0E-473E-847D-33672580B58E}"/>
+                <a16:creationId xmlns:a16="http://schemas.microsoft.com/office/drawing/2014/main" id="{29EE426C-E1ED-4BC2-A95D-B12B6380874E}"/>
               </a:ext>
             </a:extLst>
           </p:cNvPr>
-          <p:cNvPicPr>
-            <a:picLocks noChangeAspect="1" noChangeArrowheads="1"/>
-          </p:cNvPicPr>
+          <p:cNvSpPr/>
           <p:nvPr/>
-        </p:nvPicPr>
-        <p:blipFill>
-          <a:blip r:embed="rId2">
+        </p:nvSpPr>
+        <p:spPr>
+          <a:xfrm>
+            <a:off x="6344332" y="3429000"/>
+            <a:ext cx="2500311" cy="2335886"/>
+          </a:xfrm>
+          <a:prstGeom prst="roundRect">
+            <a:avLst>
+              <a:gd name="adj" fmla="val 4094"/>
+            </a:avLst>
+          </a:prstGeom>
+          <a:solidFill>
+            <a:schemeClr val="bg1">
+              <a:alpha val="80000"/>
+            </a:schemeClr>
+          </a:solidFill>
+          <a:ln w="120650" cap="sq">
+            <a:noFill/>
+            <a:round/>
+          </a:ln>
+        </p:spPr>
+        <p:style>
+          <a:lnRef idx="2">
+            <a:schemeClr val="accent1">
+              <a:shade val="15000"/>
+            </a:schemeClr>
+          </a:lnRef>
+          <a:fillRef idx="1">
+            <a:schemeClr val="accent1"/>
+          </a:fillRef>
+          <a:effectRef idx="0">
+            <a:schemeClr val="accent1"/>
+          </a:effectRef>
+          <a:fontRef idx="minor">
+            <a:schemeClr val="lt1"/>
+          </a:fontRef>
+        </p:style>
+        <p:txBody>
+          <a:bodyPr rtlCol="0" anchor="ctr"/>
+          <a:lstStyle/>
+          <a:p>
+            <a:pPr algn="ctr"/>
+            <a:r>
+              <a:rPr lang="hu-HU" sz="2800" dirty="0">
+                <a:solidFill>
+                  <a:srgbClr val="5019B3"/>
+                </a:solidFill>
+                <a:effectLst>
+                  <a:outerShdw dist="38100" sx="101000" sy="101000" algn="l" rotWithShape="0">
+                    <a:prstClr val="black">
+                      <a:alpha val="0"/>
+                    </a:prstClr>
+                  </a:outerShdw>
+                </a:effectLst>
+                <a:latin typeface="Segoe UI Black" panose="020B0A02040204020203" pitchFamily="34" charset="0"/>
+                <a:ea typeface="Segoe UI Black" panose="020B0A02040204020203" pitchFamily="34" charset="0"/>
+              </a:rPr>
+              <a:t>Weboldal</a:t>
+            </a:r>
+          </a:p>
+        </p:txBody>
+      </p:sp>
+      <p:sp>
+        <p:nvSpPr>
+          <p:cNvPr id="14" name="Téglalap: lekerekített 13">
             <a:extLst>
-              <a:ext uri="{28A0092B-C50C-407E-A947-70E740481C1C}">
-                <a14:useLocalDpi xmlns:a14="http://schemas.microsoft.com/office/drawing/2010/main" val="0"/>
+              <a:ext uri="{FF2B5EF4-FFF2-40B4-BE49-F238E27FC236}">
+                <a16:creationId xmlns:a16="http://schemas.microsoft.com/office/drawing/2014/main" id="{7170385F-4939-4517-881C-C91E6029C871}"/>
               </a:ext>
             </a:extLst>
-          </a:blip>
-          <a:srcRect/>
-          <a:stretch>
-            <a:fillRect/>
-          </a:stretch>
-        </p:blipFill>
-        <p:spPr bwMode="auto">
+          </p:cNvPr>
+          <p:cNvSpPr/>
+          <p:nvPr/>
+        </p:nvSpPr>
+        <p:spPr>
           <a:xfrm>
-            <a:off x="6725670" y="1166806"/>
-            <a:ext cx="4388302" cy="1234210"/>
+            <a:off x="9289113" y="3429000"/>
+            <a:ext cx="2500311" cy="2335886"/>
           </a:xfrm>
-          <a:prstGeom prst="rect">
-            <a:avLst/>
+          <a:prstGeom prst="roundRect">
+            <a:avLst>
+              <a:gd name="adj" fmla="val 4094"/>
+            </a:avLst>
           </a:prstGeom>
-          <a:noFill/>
-          <a:extLst>
-            <a:ext uri="{909E8E84-426E-40DD-AFC4-6F175D3DCCD1}">
-              <a14:hiddenFill xmlns:a14="http://schemas.microsoft.com/office/drawing/2010/main">
+          <a:solidFill>
+            <a:schemeClr val="bg1">
+              <a:alpha val="80000"/>
+            </a:schemeClr>
+          </a:solidFill>
+          <a:ln w="120650" cap="sq">
+            <a:noFill/>
+            <a:round/>
+          </a:ln>
+        </p:spPr>
+        <p:style>
+          <a:lnRef idx="2">
+            <a:schemeClr val="accent1">
+              <a:shade val="15000"/>
+            </a:schemeClr>
+          </a:lnRef>
+          <a:fillRef idx="1">
+            <a:schemeClr val="accent1"/>
+          </a:fillRef>
+          <a:effectRef idx="0">
+            <a:schemeClr val="accent1"/>
+          </a:effectRef>
+          <a:fontRef idx="minor">
+            <a:schemeClr val="lt1"/>
+          </a:fontRef>
+        </p:style>
+        <p:txBody>
+          <a:bodyPr rtlCol="0" anchor="ctr"/>
+          <a:lstStyle/>
+          <a:p>
+            <a:pPr algn="ctr"/>
+            <a:r>
+              <a:rPr lang="hu-HU" sz="2800" dirty="0" err="1">
                 <a:solidFill>
-                  <a:srgbClr val="FFFFFF"/>
+                  <a:srgbClr val="5019B3"/>
                 </a:solidFill>
-              </a14:hiddenFill>
-            </a:ext>
-          </a:extLst>
-        </p:spPr>
-      </p:pic>
+                <a:effectLst>
+                  <a:outerShdw dist="38100" sx="101000" sy="101000" algn="l" rotWithShape="0">
+                    <a:prstClr val="black">
+                      <a:alpha val="0"/>
+                    </a:prstClr>
+                  </a:outerShdw>
+                </a:effectLst>
+                <a:latin typeface="Segoe UI Black" panose="020B0A02040204020203" pitchFamily="34" charset="0"/>
+                <a:ea typeface="Segoe UI Black" panose="020B0A02040204020203" pitchFamily="34" charset="0"/>
+              </a:rPr>
+              <a:t>Github</a:t>
+            </a:r>
+            <a:endParaRPr lang="hu-HU" sz="2800" dirty="0">
+              <a:solidFill>
+                <a:srgbClr val="5019B3"/>
+              </a:solidFill>
+              <a:effectLst>
+                <a:outerShdw dist="38100" sx="101000" sy="101000" algn="l" rotWithShape="0">
+                  <a:prstClr val="black">
+                    <a:alpha val="0"/>
+                  </a:prstClr>
+                </a:outerShdw>
+              </a:effectLst>
+              <a:latin typeface="Segoe UI Black" panose="020B0A02040204020203" pitchFamily="34" charset="0"/>
+              <a:ea typeface="Segoe UI Black" panose="020B0A02040204020203" pitchFamily="34" charset="0"/>
+            </a:endParaRPr>
+          </a:p>
+        </p:txBody>
+      </p:sp>
     </p:spTree>
     <p:extLst>
       <p:ext uri="{BB962C8B-B14F-4D97-AF65-F5344CB8AC3E}">
@@ -5200,6 +5372,9 @@
                     <p:cTn id="3" fill="hold">
                       <p:stCondLst>
                         <p:cond delay="indefinite"/>
+                        <p:cond evt="onBegin" delay="0">
+                          <p:tn val="2"/>
+                        </p:cond>
                       </p:stCondLst>
                       <p:childTnLst>
                         <p:par>
@@ -5209,20 +5384,42 @@
                             </p:stCondLst>
                             <p:childTnLst>
                               <p:par>
-                                <p:cTn id="5" presetID="2" presetClass="entr" presetSubtype="4" fill="hold" grpId="0" nodeType="clickEffect">
+                                <p:cTn id="5" presetID="63" presetClass="path" presetSubtype="0" accel="50000" decel="50000" fill="hold" grpId="0" nodeType="withEffect">
+                                  <p:stCondLst>
+                                    <p:cond delay="0"/>
+                                  </p:stCondLst>
+                                  <p:childTnLst>
+                                    <p:animMotion origin="layout" path="M 4.375E-6 3.33333E-6 L 0.46849 3.33333E-6 " pathEditMode="relative" rAng="0" ptsTypes="AA">
+                                      <p:cBhvr>
+                                        <p:cTn id="6" dur="2000" fill="hold"/>
+                                        <p:tgtEl>
+                                          <p:spTgt spid="7"/>
+                                        </p:tgtEl>
+                                        <p:attrNameLst>
+                                          <p:attrName>ppt_x</p:attrName>
+                                          <p:attrName>ppt_y</p:attrName>
+                                        </p:attrNameLst>
+                                      </p:cBhvr>
+                                      <p:rCtr x="23424" y="0"/>
+                                    </p:animMotion>
+                                  </p:childTnLst>
+                                </p:cTn>
+                              </p:par>
+                              <p:par>
+                                <p:cTn id="7" presetID="2" presetClass="entr" presetSubtype="4" fill="hold" grpId="0" nodeType="withEffect">
                                   <p:stCondLst>
                                     <p:cond delay="0"/>
                                   </p:stCondLst>
                                   <p:childTnLst>
                                     <p:set>
                                       <p:cBhvr>
-                                        <p:cTn id="6" dur="1" fill="hold">
+                                        <p:cTn id="8" dur="1" fill="hold">
                                           <p:stCondLst>
                                             <p:cond delay="0"/>
                                           </p:stCondLst>
                                         </p:cTn>
                                         <p:tgtEl>
-                                          <p:spTgt spid="7"/>
+                                          <p:spTgt spid="12"/>
                                         </p:tgtEl>
                                         <p:attrNameLst>
                                           <p:attrName>style.visibility</p:attrName>
@@ -5234,9 +5431,9 @@
                                     </p:set>
                                     <p:anim calcmode="lin" valueType="num">
                                       <p:cBhvr additive="base">
-                                        <p:cTn id="7" dur="500" fill="hold"/>
+                                        <p:cTn id="9" dur="500" fill="hold"/>
                                         <p:tgtEl>
-                                          <p:spTgt spid="7"/>
+                                          <p:spTgt spid="12"/>
                                         </p:tgtEl>
                                         <p:attrNameLst>
                                           <p:attrName>ppt_x</p:attrName>
@@ -5257,9 +5454,9 @@
                                     </p:anim>
                                     <p:anim calcmode="lin" valueType="num">
                                       <p:cBhvr additive="base">
-                                        <p:cTn id="8" dur="500" fill="hold"/>
+                                        <p:cTn id="10" dur="500" fill="hold"/>
                                         <p:tgtEl>
-                                          <p:spTgt spid="7"/>
+                                          <p:spTgt spid="12"/>
                                         </p:tgtEl>
                                         <p:attrNameLst>
                                           <p:attrName>ppt_y</p:attrName>
@@ -5281,28 +5478,10 @@
                                   </p:childTnLst>
                                 </p:cTn>
                               </p:par>
-                            </p:childTnLst>
-                          </p:cTn>
-                        </p:par>
-                      </p:childTnLst>
-                    </p:cTn>
-                  </p:par>
-                  <p:par>
-                    <p:cTn id="9" fill="hold">
-                      <p:stCondLst>
-                        <p:cond delay="indefinite"/>
-                      </p:stCondLst>
-                      <p:childTnLst>
-                        <p:par>
-                          <p:cTn id="10" fill="hold">
-                            <p:stCondLst>
-                              <p:cond delay="0"/>
-                            </p:stCondLst>
-                            <p:childTnLst>
                               <p:par>
-                                <p:cTn id="11" presetID="2" presetClass="entr" presetSubtype="4" fill="hold" grpId="0" nodeType="clickEffect">
+                                <p:cTn id="11" presetID="2" presetClass="entr" presetSubtype="4" fill="hold" grpId="0" nodeType="withEffect">
                                   <p:stCondLst>
-                                    <p:cond delay="0"/>
+                                    <p:cond delay="100"/>
                                   </p:stCondLst>
                                   <p:childTnLst>
                                     <p:set>
@@ -5313,7 +5492,7 @@
                                           </p:stCondLst>
                                         </p:cTn>
                                         <p:tgtEl>
-                                          <p:spTgt spid="8"/>
+                                          <p:spTgt spid="6"/>
                                         </p:tgtEl>
                                         <p:attrNameLst>
                                           <p:attrName>style.visibility</p:attrName>
@@ -5327,7 +5506,7 @@
                                       <p:cBhvr additive="base">
                                         <p:cTn id="13" dur="500" fill="hold"/>
                                         <p:tgtEl>
-                                          <p:spTgt spid="8"/>
+                                          <p:spTgt spid="6"/>
                                         </p:tgtEl>
                                         <p:attrNameLst>
                                           <p:attrName>ppt_x</p:attrName>
@@ -5350,7 +5529,153 @@
                                       <p:cBhvr additive="base">
                                         <p:cTn id="14" dur="500" fill="hold"/>
                                         <p:tgtEl>
-                                          <p:spTgt spid="8"/>
+                                          <p:spTgt spid="6"/>
+                                        </p:tgtEl>
+                                        <p:attrNameLst>
+                                          <p:attrName>ppt_y</p:attrName>
+                                        </p:attrNameLst>
+                                      </p:cBhvr>
+                                      <p:tavLst>
+                                        <p:tav tm="0">
+                                          <p:val>
+                                            <p:strVal val="1+#ppt_h/2"/>
+                                          </p:val>
+                                        </p:tav>
+                                        <p:tav tm="100000">
+                                          <p:val>
+                                            <p:strVal val="#ppt_y"/>
+                                          </p:val>
+                                        </p:tav>
+                                      </p:tavLst>
+                                    </p:anim>
+                                  </p:childTnLst>
+                                </p:cTn>
+                              </p:par>
+                              <p:par>
+                                <p:cTn id="15" presetID="2" presetClass="entr" presetSubtype="4" fill="hold" grpId="0" nodeType="withEffect">
+                                  <p:stCondLst>
+                                    <p:cond delay="300"/>
+                                  </p:stCondLst>
+                                  <p:childTnLst>
+                                    <p:set>
+                                      <p:cBhvr>
+                                        <p:cTn id="16" dur="1" fill="hold">
+                                          <p:stCondLst>
+                                            <p:cond delay="0"/>
+                                          </p:stCondLst>
+                                        </p:cTn>
+                                        <p:tgtEl>
+                                          <p:spTgt spid="13"/>
+                                        </p:tgtEl>
+                                        <p:attrNameLst>
+                                          <p:attrName>style.visibility</p:attrName>
+                                        </p:attrNameLst>
+                                      </p:cBhvr>
+                                      <p:to>
+                                        <p:strVal val="visible"/>
+                                      </p:to>
+                                    </p:set>
+                                    <p:anim calcmode="lin" valueType="num">
+                                      <p:cBhvr additive="base">
+                                        <p:cTn id="17" dur="500" fill="hold"/>
+                                        <p:tgtEl>
+                                          <p:spTgt spid="13"/>
+                                        </p:tgtEl>
+                                        <p:attrNameLst>
+                                          <p:attrName>ppt_x</p:attrName>
+                                        </p:attrNameLst>
+                                      </p:cBhvr>
+                                      <p:tavLst>
+                                        <p:tav tm="0">
+                                          <p:val>
+                                            <p:strVal val="#ppt_x"/>
+                                          </p:val>
+                                        </p:tav>
+                                        <p:tav tm="100000">
+                                          <p:val>
+                                            <p:strVal val="#ppt_x"/>
+                                          </p:val>
+                                        </p:tav>
+                                      </p:tavLst>
+                                    </p:anim>
+                                    <p:anim calcmode="lin" valueType="num">
+                                      <p:cBhvr additive="base">
+                                        <p:cTn id="18" dur="500" fill="hold"/>
+                                        <p:tgtEl>
+                                          <p:spTgt spid="13"/>
+                                        </p:tgtEl>
+                                        <p:attrNameLst>
+                                          <p:attrName>ppt_y</p:attrName>
+                                        </p:attrNameLst>
+                                      </p:cBhvr>
+                                      <p:tavLst>
+                                        <p:tav tm="0">
+                                          <p:val>
+                                            <p:strVal val="1+#ppt_h/2"/>
+                                          </p:val>
+                                        </p:tav>
+                                        <p:tav tm="100000">
+                                          <p:val>
+                                            <p:strVal val="#ppt_y"/>
+                                          </p:val>
+                                        </p:tav>
+                                      </p:tavLst>
+                                    </p:anim>
+                                  </p:childTnLst>
+                                </p:cTn>
+                              </p:par>
+                              <p:par>
+                                <p:cTn id="19" presetID="2" presetClass="entr" presetSubtype="4" fill="hold" grpId="0" nodeType="withEffect">
+                                  <p:stCondLst>
+                                    <p:cond delay="400"/>
+                                  </p:stCondLst>
+                                  <p:childTnLst>
+                                    <p:set>
+                                      <p:cBhvr>
+                                        <p:cTn id="20" dur="1" fill="hold">
+                                          <p:stCondLst>
+                                            <p:cond delay="0"/>
+                                          </p:stCondLst>
+                                        </p:cTn>
+                                        <p:tgtEl>
+                                          <p:spTgt spid="14"/>
+                                        </p:tgtEl>
+                                        <p:attrNameLst>
+                                          <p:attrName>style.visibility</p:attrName>
+                                        </p:attrNameLst>
+                                      </p:cBhvr>
+                                      <p:to>
+                                        <p:strVal val="visible"/>
+                                      </p:to>
+                                    </p:set>
+                                    <p:anim calcmode="lin" valueType="num">
+                                      <p:cBhvr additive="base">
+                                        <p:cTn id="21" dur="500" fill="hold"/>
+                                        <p:tgtEl>
+                                          <p:spTgt spid="14"/>
+                                        </p:tgtEl>
+                                        <p:attrNameLst>
+                                          <p:attrName>ppt_x</p:attrName>
+                                        </p:attrNameLst>
+                                      </p:cBhvr>
+                                      <p:tavLst>
+                                        <p:tav tm="0">
+                                          <p:val>
+                                            <p:strVal val="#ppt_x"/>
+                                          </p:val>
+                                        </p:tav>
+                                        <p:tav tm="100000">
+                                          <p:val>
+                                            <p:strVal val="#ppt_x"/>
+                                          </p:val>
+                                        </p:tav>
+                                      </p:tavLst>
+                                    </p:anim>
+                                    <p:anim calcmode="lin" valueType="num">
+                                      <p:cBhvr additive="base">
+                                        <p:cTn id="22" dur="500" fill="hold"/>
+                                        <p:tgtEl>
+                                          <p:spTgt spid="14"/>
                                         </p:tgtEl>
                                         <p:attrNameLst>
                                           <p:attrName>ppt_y</p:attrName>
@@ -5401,7 +5726,10 @@
     </p:tnLst>
     <p:bldLst>
       <p:bldP spid="7" grpId="0" animBg="1"/>
-      <p:bldP spid="8" grpId="0" animBg="1"/>
+      <p:bldP spid="6" grpId="0" animBg="1"/>
+      <p:bldP spid="12" grpId="0" animBg="1"/>
+      <p:bldP spid="13" grpId="0" animBg="1"/>
+      <p:bldP spid="14" grpId="0" animBg="1"/>
     </p:bldLst>
   </p:timing>
 </p:sld>
@@ -7739,7 +8067,62 @@
           <a:p>
             <a:pPr algn="ctr"/>
             <a:r>
-              <a:rPr lang="hu-HU" dirty="0"/>
+              <a:rPr lang="hu-HU" dirty="0">
+                <a:solidFill>
+                  <a:srgbClr val="5019B3"/>
+                </a:solidFill>
+              </a:rPr>
+              <a:t>33%</a:t>
+            </a:r>
+          </a:p>
+          <a:p>
+            <a:pPr algn="ctr"/>
+            <a:endParaRPr lang="hu-HU" dirty="0">
+              <a:solidFill>
+                <a:srgbClr val="5019B3"/>
+              </a:solidFill>
+            </a:endParaRPr>
+          </a:p>
+          <a:p>
+            <a:pPr algn="ctr"/>
+            <a:endParaRPr lang="hu-HU" dirty="0">
+              <a:solidFill>
+                <a:srgbClr val="5019B3"/>
+              </a:solidFill>
+            </a:endParaRPr>
+          </a:p>
+          <a:p>
+            <a:pPr algn="ctr"/>
+            <a:endParaRPr lang="hu-HU" dirty="0">
+              <a:solidFill>
+                <a:srgbClr val="5019B3"/>
+              </a:solidFill>
+            </a:endParaRPr>
+          </a:p>
+          <a:p>
+            <a:pPr algn="ctr"/>
+            <a:endParaRPr lang="hu-HU" dirty="0">
+              <a:solidFill>
+                <a:srgbClr val="5019B3"/>
+              </a:solidFill>
+            </a:endParaRPr>
+          </a:p>
+          <a:p>
+            <a:pPr algn="ctr"/>
+            <a:endParaRPr lang="hu-HU" dirty="0">
+              <a:solidFill>
+                <a:srgbClr val="5019B3"/>
+              </a:solidFill>
+            </a:endParaRPr>
+          </a:p>
+          <a:p>
+            <a:pPr algn="ctr"/>
+            <a:r>
+              <a:rPr lang="hu-HU" dirty="0">
+                <a:solidFill>
+                  <a:srgbClr val="5019B3"/>
+                </a:solidFill>
+              </a:rPr>
               <a:t> </a:t>
             </a:r>
           </a:p>
@@ -8129,9 +8512,61 @@
           <a:p>
             <a:pPr algn="ctr"/>
             <a:r>
-              <a:rPr lang="hu-HU" dirty="0"/>
-              <a:t> </a:t>
+              <a:rPr lang="hu-HU" dirty="0">
+                <a:solidFill>
+                  <a:srgbClr val="5019B3"/>
+                </a:solidFill>
+              </a:rPr>
+              <a:t>33% </a:t>
             </a:r>
+          </a:p>
+          <a:p>
+            <a:pPr algn="ctr"/>
+            <a:endParaRPr lang="hu-HU" dirty="0">
+              <a:solidFill>
+                <a:srgbClr val="5019B3"/>
+              </a:solidFill>
+            </a:endParaRPr>
+          </a:p>
+          <a:p>
+            <a:pPr algn="ctr"/>
+            <a:endParaRPr lang="hu-HU" dirty="0">
+              <a:solidFill>
+                <a:srgbClr val="5019B3"/>
+              </a:solidFill>
+            </a:endParaRPr>
+          </a:p>
+          <a:p>
+            <a:pPr algn="ctr"/>
+            <a:endParaRPr lang="hu-HU" dirty="0">
+              <a:solidFill>
+                <a:srgbClr val="5019B3"/>
+              </a:solidFill>
+            </a:endParaRPr>
+          </a:p>
+          <a:p>
+            <a:pPr algn="ctr"/>
+            <a:endParaRPr lang="hu-HU" dirty="0">
+              <a:solidFill>
+                <a:srgbClr val="5019B3"/>
+              </a:solidFill>
+            </a:endParaRPr>
+          </a:p>
+          <a:p>
+            <a:pPr algn="ctr"/>
+            <a:endParaRPr lang="hu-HU" dirty="0">
+              <a:solidFill>
+                <a:srgbClr val="5019B3"/>
+              </a:solidFill>
+            </a:endParaRPr>
+          </a:p>
+          <a:p>
+            <a:pPr algn="ctr"/>
+            <a:endParaRPr lang="hu-HU" dirty="0">
+              <a:solidFill>
+                <a:srgbClr val="5019B3"/>
+              </a:solidFill>
+            </a:endParaRPr>
           </a:p>
         </p:txBody>
       </p:sp>
@@ -8188,6 +8623,65 @@
           <a:lstStyle/>
           <a:p>
             <a:pPr algn="ctr"/>
+            <a:r>
+              <a:rPr lang="hu-HU" dirty="0">
+                <a:solidFill>
+                  <a:srgbClr val="5019B3"/>
+                </a:solidFill>
+              </a:rPr>
+              <a:t>33%</a:t>
+            </a:r>
+          </a:p>
+          <a:p>
+            <a:pPr algn="ctr"/>
+            <a:endParaRPr lang="hu-HU" dirty="0">
+              <a:solidFill>
+                <a:srgbClr val="5019B3"/>
+              </a:solidFill>
+            </a:endParaRPr>
+          </a:p>
+          <a:p>
+            <a:pPr algn="ctr"/>
+            <a:endParaRPr lang="hu-HU" dirty="0">
+              <a:solidFill>
+                <a:srgbClr val="5019B3"/>
+              </a:solidFill>
+            </a:endParaRPr>
+          </a:p>
+          <a:p>
+            <a:pPr algn="ctr"/>
+            <a:endParaRPr lang="hu-HU" dirty="0">
+              <a:solidFill>
+                <a:srgbClr val="5019B3"/>
+              </a:solidFill>
+            </a:endParaRPr>
+          </a:p>
+          <a:p>
+            <a:pPr algn="ctr"/>
+            <a:endParaRPr lang="hu-HU" dirty="0">
+              <a:solidFill>
+                <a:srgbClr val="5019B3"/>
+              </a:solidFill>
+            </a:endParaRPr>
+          </a:p>
+          <a:p>
+            <a:pPr algn="ctr"/>
+            <a:endParaRPr lang="hu-HU" dirty="0">
+              <a:solidFill>
+                <a:srgbClr val="5019B3"/>
+              </a:solidFill>
+            </a:endParaRPr>
+          </a:p>
+          <a:p>
+            <a:pPr algn="ctr"/>
+            <a:r>
+              <a:rPr lang="hu-HU" dirty="0">
+                <a:solidFill>
+                  <a:srgbClr val="5019B3"/>
+                </a:solidFill>
+              </a:rPr>
+              <a:t> </a:t>
+            </a:r>
             <a:r>
               <a:rPr lang="hu-HU" dirty="0"/>
               <a:t> </a:t>

--- a/Prezentáció.pptx
+++ b/Prezentáció.pptx
@@ -4685,33 +4685,15 @@
                                   </p:childTnLst>
                                 </p:cTn>
                               </p:par>
-                            </p:childTnLst>
-                          </p:cTn>
-                        </p:par>
-                      </p:childTnLst>
-                    </p:cTn>
-                  </p:par>
-                  <p:par>
-                    <p:cTn id="34" fill="hold">
-                      <p:stCondLst>
-                        <p:cond delay="indefinite"/>
-                      </p:stCondLst>
-                      <p:childTnLst>
-                        <p:par>
-                          <p:cTn id="35" fill="hold">
-                            <p:stCondLst>
-                              <p:cond delay="0"/>
-                            </p:stCondLst>
-                            <p:childTnLst>
                               <p:par>
-                                <p:cTn id="36" presetID="2" presetClass="entr" presetSubtype="4" fill="hold" nodeType="clickEffect">
+                                <p:cTn id="34" presetID="2" presetClass="entr" presetSubtype="4" fill="hold" nodeType="withEffect">
                                   <p:stCondLst>
-                                    <p:cond delay="0"/>
+                                    <p:cond delay="700"/>
                                   </p:stCondLst>
                                   <p:childTnLst>
                                     <p:set>
                                       <p:cBhvr>
-                                        <p:cTn id="37" dur="1" fill="hold">
+                                        <p:cTn id="35" dur="1" fill="hold">
                                           <p:stCondLst>
                                             <p:cond delay="0"/>
                                           </p:stCondLst>
@@ -4733,7 +4715,7 @@
                                     </p:set>
                                     <p:anim calcmode="lin" valueType="num">
                                       <p:cBhvr additive="base">
-                                        <p:cTn id="38" dur="1300" fill="hold"/>
+                                        <p:cTn id="36" dur="1300" fill="hold"/>
                                         <p:tgtEl>
                                           <p:spTgt spid="15">
                                             <p:txEl>
@@ -4760,7 +4742,7 @@
                                     </p:anim>
                                     <p:anim calcmode="lin" valueType="num">
                                       <p:cBhvr additive="base">
-                                        <p:cTn id="39" dur="1300" fill="hold"/>
+                                        <p:cTn id="37" dur="1300" fill="hold"/>
                                         <p:tgtEl>
                                           <p:spTgt spid="15">
                                             <p:txEl>
@@ -4788,33 +4770,15 @@
                                   </p:childTnLst>
                                 </p:cTn>
                               </p:par>
-                            </p:childTnLst>
-                          </p:cTn>
-                        </p:par>
-                      </p:childTnLst>
-                    </p:cTn>
-                  </p:par>
-                  <p:par>
-                    <p:cTn id="40" fill="hold">
-                      <p:stCondLst>
-                        <p:cond delay="indefinite"/>
-                      </p:stCondLst>
-                      <p:childTnLst>
-                        <p:par>
-                          <p:cTn id="41" fill="hold">
-                            <p:stCondLst>
-                              <p:cond delay="0"/>
-                            </p:stCondLst>
-                            <p:childTnLst>
                               <p:par>
-                                <p:cTn id="42" presetID="42" presetClass="entr" presetSubtype="0" fill="hold" grpId="0" nodeType="clickEffect">
+                                <p:cTn id="38" presetID="42" presetClass="entr" presetSubtype="0" fill="hold" grpId="0" nodeType="withEffect">
                                   <p:stCondLst>
-                                    <p:cond delay="0"/>
+                                    <p:cond delay="2000"/>
                                   </p:stCondLst>
                                   <p:childTnLst>
                                     <p:set>
                                       <p:cBhvr>
-                                        <p:cTn id="43" dur="1" fill="hold">
+                                        <p:cTn id="39" dur="1" fill="hold">
                                           <p:stCondLst>
                                             <p:cond delay="0"/>
                                           </p:stCondLst>
@@ -4832,7 +4796,7 @@
                                     </p:set>
                                     <p:animEffect transition="in" filter="fade">
                                       <p:cBhvr>
-                                        <p:cTn id="44" dur="1000"/>
+                                        <p:cTn id="40" dur="1000"/>
                                         <p:tgtEl>
                                           <p:spTgt spid="16"/>
                                         </p:tgtEl>
@@ -4840,7 +4804,7 @@
                                     </p:animEffect>
                                     <p:anim calcmode="lin" valueType="num">
                                       <p:cBhvr>
-                                        <p:cTn id="45" dur="1000" fill="hold"/>
+                                        <p:cTn id="41" dur="1000" fill="hold"/>
                                         <p:tgtEl>
                                           <p:spTgt spid="16"/>
                                         </p:tgtEl>
@@ -4863,7 +4827,7 @@
                                     </p:anim>
                                     <p:anim calcmode="lin" valueType="num">
                                       <p:cBhvr>
-                                        <p:cTn id="46" dur="1000" fill="hold"/>
+                                        <p:cTn id="42" dur="1000" fill="hold"/>
                                         <p:tgtEl>
                                           <p:spTgt spid="16"/>
                                         </p:tgtEl>
@@ -6162,6 +6126,38 @@
           </p:spPr>
         </p:pic>
       </p:grpSp>
+      <p:pic>
+        <p:nvPicPr>
+          <p:cNvPr id="9" name="Kép 8">
+            <a:extLst>
+              <a:ext uri="{FF2B5EF4-FFF2-40B4-BE49-F238E27FC236}">
+                <a16:creationId xmlns:a16="http://schemas.microsoft.com/office/drawing/2014/main" id="{5B790B36-93CA-4AF6-AADC-C651C05A2519}"/>
+              </a:ext>
+            </a:extLst>
+          </p:cNvPr>
+          <p:cNvPicPr>
+            <a:picLocks noChangeAspect="1"/>
+          </p:cNvPicPr>
+          <p:nvPr/>
+        </p:nvPicPr>
+        <p:blipFill>
+          <a:blip r:embed="rId3"/>
+          <a:stretch>
+            <a:fillRect/>
+          </a:stretch>
+        </p:blipFill>
+        <p:spPr>
+          <a:xfrm>
+            <a:off x="6987125" y="3738021"/>
+            <a:ext cx="3865390" cy="2593236"/>
+          </a:xfrm>
+          <a:prstGeom prst="roundRect">
+            <a:avLst>
+              <a:gd name="adj" fmla="val 2289"/>
+            </a:avLst>
+          </a:prstGeom>
+        </p:spPr>
+      </p:pic>
     </p:spTree>
     <p:extLst>
       <p:ext uri="{BB962C8B-B14F-4D97-AF65-F5344CB8AC3E}">

--- a/Prezentáció.pptx
+++ b/Prezentáció.pptx
@@ -5,16 +5,17 @@
     <p:sldMasterId id="2147483648" r:id="rId1"/>
   </p:sldMasterIdLst>
   <p:notesMasterIdLst>
-    <p:notesMasterId r:id="rId9"/>
+    <p:notesMasterId r:id="rId10"/>
   </p:notesMasterIdLst>
   <p:sldIdLst>
     <p:sldId id="261" r:id="rId2"/>
     <p:sldId id="269" r:id="rId3"/>
-    <p:sldId id="266" r:id="rId4"/>
-    <p:sldId id="265" r:id="rId5"/>
-    <p:sldId id="264" r:id="rId6"/>
-    <p:sldId id="267" r:id="rId7"/>
-    <p:sldId id="268" r:id="rId8"/>
+    <p:sldId id="270" r:id="rId4"/>
+    <p:sldId id="266" r:id="rId5"/>
+    <p:sldId id="265" r:id="rId6"/>
+    <p:sldId id="264" r:id="rId7"/>
+    <p:sldId id="267" r:id="rId8"/>
+    <p:sldId id="268" r:id="rId9"/>
   </p:sldIdLst>
   <p:sldSz cx="12192000" cy="6858000"/>
   <p:notesSz cx="6858000" cy="9144000"/>
@@ -218,7 +219,7 @@
           <a:p>
             <a:fld id="{045CADAF-2C59-4E58-A455-8868FC9726FC}" type="datetimeFigureOut">
               <a:rPr lang="hu-HU" smtClean="0"/>
-              <a:t>2024.01.26</a:t>
+              <a:t>2024. 01. 27.</a:t>
             </a:fld>
             <a:endParaRPr lang="hu-HU"/>
           </a:p>
@@ -507,7 +508,7 @@
           <p:cNvPr id="2" name="Cím 1">
             <a:extLst>
               <a:ext uri="{FF2B5EF4-FFF2-40B4-BE49-F238E27FC236}">
-                <a16:creationId xmlns:a16="http://schemas.microsoft.com/office/drawing/2014/main" id="{79B6456A-B89F-DB5E-FE02-0F1DA12AD99C}"/>
+                <a16:creationId xmlns:a16="http://schemas.microsoft.com/office/drawing/2014/main" xmlns="" id="{79B6456A-B89F-DB5E-FE02-0F1DA12AD99C}"/>
               </a:ext>
             </a:extLst>
           </p:cNvPr>
@@ -544,7 +545,7 @@
           <p:cNvPr id="3" name="Alcím 2">
             <a:extLst>
               <a:ext uri="{FF2B5EF4-FFF2-40B4-BE49-F238E27FC236}">
-                <a16:creationId xmlns:a16="http://schemas.microsoft.com/office/drawing/2014/main" id="{A6DE1E2A-F8A7-5B84-A151-03A46EFC33A0}"/>
+                <a16:creationId xmlns:a16="http://schemas.microsoft.com/office/drawing/2014/main" xmlns="" id="{A6DE1E2A-F8A7-5B84-A151-03A46EFC33A0}"/>
               </a:ext>
             </a:extLst>
           </p:cNvPr>
@@ -614,7 +615,7 @@
           <p:cNvPr id="4" name="Dátum helye 3">
             <a:extLst>
               <a:ext uri="{FF2B5EF4-FFF2-40B4-BE49-F238E27FC236}">
-                <a16:creationId xmlns:a16="http://schemas.microsoft.com/office/drawing/2014/main" id="{F980237B-C6D6-EEEC-6B52-84C67949BF3B}"/>
+                <a16:creationId xmlns:a16="http://schemas.microsoft.com/office/drawing/2014/main" xmlns="" id="{F980237B-C6D6-EEEC-6B52-84C67949BF3B}"/>
               </a:ext>
             </a:extLst>
           </p:cNvPr>
@@ -632,7 +633,7 @@
           <a:p>
             <a:fld id="{8E532DDB-289F-42C2-8F57-09A656E29423}" type="datetimeFigureOut">
               <a:rPr lang="hu-HU" smtClean="0"/>
-              <a:t>2024.01.26</a:t>
+              <a:t>2024. 01. 27.</a:t>
             </a:fld>
             <a:endParaRPr lang="hu-HU"/>
           </a:p>
@@ -643,7 +644,7 @@
           <p:cNvPr id="5" name="Élőláb helye 4">
             <a:extLst>
               <a:ext uri="{FF2B5EF4-FFF2-40B4-BE49-F238E27FC236}">
-                <a16:creationId xmlns:a16="http://schemas.microsoft.com/office/drawing/2014/main" id="{28C59F81-E057-3434-B32E-2F293C18052C}"/>
+                <a16:creationId xmlns:a16="http://schemas.microsoft.com/office/drawing/2014/main" xmlns="" id="{28C59F81-E057-3434-B32E-2F293C18052C}"/>
               </a:ext>
             </a:extLst>
           </p:cNvPr>
@@ -668,7 +669,7 @@
           <p:cNvPr id="6" name="Dia számának helye 5">
             <a:extLst>
               <a:ext uri="{FF2B5EF4-FFF2-40B4-BE49-F238E27FC236}">
-                <a16:creationId xmlns:a16="http://schemas.microsoft.com/office/drawing/2014/main" id="{C1AF783E-2A3F-DDD6-8CA2-C976E1B0C6A1}"/>
+                <a16:creationId xmlns:a16="http://schemas.microsoft.com/office/drawing/2014/main" xmlns="" id="{C1AF783E-2A3F-DDD6-8CA2-C976E1B0C6A1}"/>
               </a:ext>
             </a:extLst>
           </p:cNvPr>
@@ -727,7 +728,7 @@
           <p:cNvPr id="2" name="Cím 1">
             <a:extLst>
               <a:ext uri="{FF2B5EF4-FFF2-40B4-BE49-F238E27FC236}">
-                <a16:creationId xmlns:a16="http://schemas.microsoft.com/office/drawing/2014/main" id="{DDA30CDC-3A8E-3316-F1FC-A9220E50C37B}"/>
+                <a16:creationId xmlns:a16="http://schemas.microsoft.com/office/drawing/2014/main" xmlns="" id="{DDA30CDC-3A8E-3316-F1FC-A9220E50C37B}"/>
               </a:ext>
             </a:extLst>
           </p:cNvPr>
@@ -755,7 +756,7 @@
           <p:cNvPr id="3" name="Függőleges szöveg helye 2">
             <a:extLst>
               <a:ext uri="{FF2B5EF4-FFF2-40B4-BE49-F238E27FC236}">
-                <a16:creationId xmlns:a16="http://schemas.microsoft.com/office/drawing/2014/main" id="{83D8B0E5-C35F-E4C0-6AC3-2B5A64F7A76F}"/>
+                <a16:creationId xmlns:a16="http://schemas.microsoft.com/office/drawing/2014/main" xmlns="" id="{83D8B0E5-C35F-E4C0-6AC3-2B5A64F7A76F}"/>
               </a:ext>
             </a:extLst>
           </p:cNvPr>
@@ -812,7 +813,7 @@
           <p:cNvPr id="4" name="Dátum helye 3">
             <a:extLst>
               <a:ext uri="{FF2B5EF4-FFF2-40B4-BE49-F238E27FC236}">
-                <a16:creationId xmlns:a16="http://schemas.microsoft.com/office/drawing/2014/main" id="{27E917AB-2C23-72BC-58BD-AD4F821B36F8}"/>
+                <a16:creationId xmlns:a16="http://schemas.microsoft.com/office/drawing/2014/main" xmlns="" id="{27E917AB-2C23-72BC-58BD-AD4F821B36F8}"/>
               </a:ext>
             </a:extLst>
           </p:cNvPr>
@@ -830,7 +831,7 @@
           <a:p>
             <a:fld id="{8E532DDB-289F-42C2-8F57-09A656E29423}" type="datetimeFigureOut">
               <a:rPr lang="hu-HU" smtClean="0"/>
-              <a:t>2024.01.26</a:t>
+              <a:t>2024. 01. 27.</a:t>
             </a:fld>
             <a:endParaRPr lang="hu-HU"/>
           </a:p>
@@ -841,7 +842,7 @@
           <p:cNvPr id="5" name="Élőláb helye 4">
             <a:extLst>
               <a:ext uri="{FF2B5EF4-FFF2-40B4-BE49-F238E27FC236}">
-                <a16:creationId xmlns:a16="http://schemas.microsoft.com/office/drawing/2014/main" id="{4B6D012D-1C6A-411E-6219-2F45E5523C6B}"/>
+                <a16:creationId xmlns:a16="http://schemas.microsoft.com/office/drawing/2014/main" xmlns="" id="{4B6D012D-1C6A-411E-6219-2F45E5523C6B}"/>
               </a:ext>
             </a:extLst>
           </p:cNvPr>
@@ -866,7 +867,7 @@
           <p:cNvPr id="6" name="Dia számának helye 5">
             <a:extLst>
               <a:ext uri="{FF2B5EF4-FFF2-40B4-BE49-F238E27FC236}">
-                <a16:creationId xmlns:a16="http://schemas.microsoft.com/office/drawing/2014/main" id="{5F592276-49E8-0983-AC04-5D66492B2658}"/>
+                <a16:creationId xmlns:a16="http://schemas.microsoft.com/office/drawing/2014/main" xmlns="" id="{5F592276-49E8-0983-AC04-5D66492B2658}"/>
               </a:ext>
             </a:extLst>
           </p:cNvPr>
@@ -925,7 +926,7 @@
           <p:cNvPr id="2" name="Függőleges cím 1">
             <a:extLst>
               <a:ext uri="{FF2B5EF4-FFF2-40B4-BE49-F238E27FC236}">
-                <a16:creationId xmlns:a16="http://schemas.microsoft.com/office/drawing/2014/main" id="{A6B2959D-F0DB-7505-3887-5F0F8A4ED834}"/>
+                <a16:creationId xmlns:a16="http://schemas.microsoft.com/office/drawing/2014/main" xmlns="" id="{A6B2959D-F0DB-7505-3887-5F0F8A4ED834}"/>
               </a:ext>
             </a:extLst>
           </p:cNvPr>
@@ -958,7 +959,7 @@
           <p:cNvPr id="3" name="Függőleges szöveg helye 2">
             <a:extLst>
               <a:ext uri="{FF2B5EF4-FFF2-40B4-BE49-F238E27FC236}">
-                <a16:creationId xmlns:a16="http://schemas.microsoft.com/office/drawing/2014/main" id="{20E0E6C5-085C-D09C-084F-C460729F9E6D}"/>
+                <a16:creationId xmlns:a16="http://schemas.microsoft.com/office/drawing/2014/main" xmlns="" id="{20E0E6C5-085C-D09C-084F-C460729F9E6D}"/>
               </a:ext>
             </a:extLst>
           </p:cNvPr>
@@ -1020,7 +1021,7 @@
           <p:cNvPr id="4" name="Dátum helye 3">
             <a:extLst>
               <a:ext uri="{FF2B5EF4-FFF2-40B4-BE49-F238E27FC236}">
-                <a16:creationId xmlns:a16="http://schemas.microsoft.com/office/drawing/2014/main" id="{DFF17BF3-0335-8A93-5A46-EC3F20E0ADE1}"/>
+                <a16:creationId xmlns:a16="http://schemas.microsoft.com/office/drawing/2014/main" xmlns="" id="{DFF17BF3-0335-8A93-5A46-EC3F20E0ADE1}"/>
               </a:ext>
             </a:extLst>
           </p:cNvPr>
@@ -1038,7 +1039,7 @@
           <a:p>
             <a:fld id="{8E532DDB-289F-42C2-8F57-09A656E29423}" type="datetimeFigureOut">
               <a:rPr lang="hu-HU" smtClean="0"/>
-              <a:t>2024.01.26</a:t>
+              <a:t>2024. 01. 27.</a:t>
             </a:fld>
             <a:endParaRPr lang="hu-HU"/>
           </a:p>
@@ -1049,7 +1050,7 @@
           <p:cNvPr id="5" name="Élőláb helye 4">
             <a:extLst>
               <a:ext uri="{FF2B5EF4-FFF2-40B4-BE49-F238E27FC236}">
-                <a16:creationId xmlns:a16="http://schemas.microsoft.com/office/drawing/2014/main" id="{3AFF700C-B4A6-FF55-FA3A-937997218C71}"/>
+                <a16:creationId xmlns:a16="http://schemas.microsoft.com/office/drawing/2014/main" xmlns="" id="{3AFF700C-B4A6-FF55-FA3A-937997218C71}"/>
               </a:ext>
             </a:extLst>
           </p:cNvPr>
@@ -1074,7 +1075,7 @@
           <p:cNvPr id="6" name="Dia számának helye 5">
             <a:extLst>
               <a:ext uri="{FF2B5EF4-FFF2-40B4-BE49-F238E27FC236}">
-                <a16:creationId xmlns:a16="http://schemas.microsoft.com/office/drawing/2014/main" id="{B456B9AE-E4C3-00FA-5622-26ECD962BC14}"/>
+                <a16:creationId xmlns:a16="http://schemas.microsoft.com/office/drawing/2014/main" xmlns="" id="{B456B9AE-E4C3-00FA-5622-26ECD962BC14}"/>
               </a:ext>
             </a:extLst>
           </p:cNvPr>
@@ -1133,7 +1134,7 @@
           <p:cNvPr id="2" name="Cím 1">
             <a:extLst>
               <a:ext uri="{FF2B5EF4-FFF2-40B4-BE49-F238E27FC236}">
-                <a16:creationId xmlns:a16="http://schemas.microsoft.com/office/drawing/2014/main" id="{8F09B032-43DE-EB55-9460-DDEBB15DC2E7}"/>
+                <a16:creationId xmlns:a16="http://schemas.microsoft.com/office/drawing/2014/main" xmlns="" id="{8F09B032-43DE-EB55-9460-DDEBB15DC2E7}"/>
               </a:ext>
             </a:extLst>
           </p:cNvPr>
@@ -1161,7 +1162,7 @@
           <p:cNvPr id="3" name="Tartalom helye 2">
             <a:extLst>
               <a:ext uri="{FF2B5EF4-FFF2-40B4-BE49-F238E27FC236}">
-                <a16:creationId xmlns:a16="http://schemas.microsoft.com/office/drawing/2014/main" id="{93761993-65DF-B03B-15A1-DAAA88CF63C3}"/>
+                <a16:creationId xmlns:a16="http://schemas.microsoft.com/office/drawing/2014/main" xmlns="" id="{93761993-65DF-B03B-15A1-DAAA88CF63C3}"/>
               </a:ext>
             </a:extLst>
           </p:cNvPr>
@@ -1218,7 +1219,7 @@
           <p:cNvPr id="4" name="Dátum helye 3">
             <a:extLst>
               <a:ext uri="{FF2B5EF4-FFF2-40B4-BE49-F238E27FC236}">
-                <a16:creationId xmlns:a16="http://schemas.microsoft.com/office/drawing/2014/main" id="{EC19022C-9411-F196-94CA-7EB83954162C}"/>
+                <a16:creationId xmlns:a16="http://schemas.microsoft.com/office/drawing/2014/main" xmlns="" id="{EC19022C-9411-F196-94CA-7EB83954162C}"/>
               </a:ext>
             </a:extLst>
           </p:cNvPr>
@@ -1236,7 +1237,7 @@
           <a:p>
             <a:fld id="{8E532DDB-289F-42C2-8F57-09A656E29423}" type="datetimeFigureOut">
               <a:rPr lang="hu-HU" smtClean="0"/>
-              <a:t>2024.01.26</a:t>
+              <a:t>2024. 01. 27.</a:t>
             </a:fld>
             <a:endParaRPr lang="hu-HU"/>
           </a:p>
@@ -1247,7 +1248,7 @@
           <p:cNvPr id="5" name="Élőláb helye 4">
             <a:extLst>
               <a:ext uri="{FF2B5EF4-FFF2-40B4-BE49-F238E27FC236}">
-                <a16:creationId xmlns:a16="http://schemas.microsoft.com/office/drawing/2014/main" id="{D92C1323-42F5-817C-23A6-5BD482993B91}"/>
+                <a16:creationId xmlns:a16="http://schemas.microsoft.com/office/drawing/2014/main" xmlns="" id="{D92C1323-42F5-817C-23A6-5BD482993B91}"/>
               </a:ext>
             </a:extLst>
           </p:cNvPr>
@@ -1272,7 +1273,7 @@
           <p:cNvPr id="6" name="Dia számának helye 5">
             <a:extLst>
               <a:ext uri="{FF2B5EF4-FFF2-40B4-BE49-F238E27FC236}">
-                <a16:creationId xmlns:a16="http://schemas.microsoft.com/office/drawing/2014/main" id="{7AAADE6D-0E59-9965-FCC6-DEC79020261D}"/>
+                <a16:creationId xmlns:a16="http://schemas.microsoft.com/office/drawing/2014/main" xmlns="" id="{7AAADE6D-0E59-9965-FCC6-DEC79020261D}"/>
               </a:ext>
             </a:extLst>
           </p:cNvPr>
@@ -1331,7 +1332,7 @@
           <p:cNvPr id="2" name="Cím 1">
             <a:extLst>
               <a:ext uri="{FF2B5EF4-FFF2-40B4-BE49-F238E27FC236}">
-                <a16:creationId xmlns:a16="http://schemas.microsoft.com/office/drawing/2014/main" id="{7A4FD609-97C6-FDCF-196C-C04CE372C3DE}"/>
+                <a16:creationId xmlns:a16="http://schemas.microsoft.com/office/drawing/2014/main" xmlns="" id="{7A4FD609-97C6-FDCF-196C-C04CE372C3DE}"/>
               </a:ext>
             </a:extLst>
           </p:cNvPr>
@@ -1368,7 +1369,7 @@
           <p:cNvPr id="3" name="Szöveg helye 2">
             <a:extLst>
               <a:ext uri="{FF2B5EF4-FFF2-40B4-BE49-F238E27FC236}">
-                <a16:creationId xmlns:a16="http://schemas.microsoft.com/office/drawing/2014/main" id="{5FF2CCF6-3BEC-B1BD-A408-1E0E439D4494}"/>
+                <a16:creationId xmlns:a16="http://schemas.microsoft.com/office/drawing/2014/main" xmlns="" id="{5FF2CCF6-3BEC-B1BD-A408-1E0E439D4494}"/>
               </a:ext>
             </a:extLst>
           </p:cNvPr>
@@ -1493,7 +1494,7 @@
           <p:cNvPr id="4" name="Dátum helye 3">
             <a:extLst>
               <a:ext uri="{FF2B5EF4-FFF2-40B4-BE49-F238E27FC236}">
-                <a16:creationId xmlns:a16="http://schemas.microsoft.com/office/drawing/2014/main" id="{02D96E93-B7FD-52C4-1976-571A32AA135C}"/>
+                <a16:creationId xmlns:a16="http://schemas.microsoft.com/office/drawing/2014/main" xmlns="" id="{02D96E93-B7FD-52C4-1976-571A32AA135C}"/>
               </a:ext>
             </a:extLst>
           </p:cNvPr>
@@ -1511,7 +1512,7 @@
           <a:p>
             <a:fld id="{8E532DDB-289F-42C2-8F57-09A656E29423}" type="datetimeFigureOut">
               <a:rPr lang="hu-HU" smtClean="0"/>
-              <a:t>2024.01.26</a:t>
+              <a:t>2024. 01. 27.</a:t>
             </a:fld>
             <a:endParaRPr lang="hu-HU"/>
           </a:p>
@@ -1522,7 +1523,7 @@
           <p:cNvPr id="5" name="Élőláb helye 4">
             <a:extLst>
               <a:ext uri="{FF2B5EF4-FFF2-40B4-BE49-F238E27FC236}">
-                <a16:creationId xmlns:a16="http://schemas.microsoft.com/office/drawing/2014/main" id="{427CAFE0-46BC-55A4-87F5-A8059EC7A0F7}"/>
+                <a16:creationId xmlns:a16="http://schemas.microsoft.com/office/drawing/2014/main" xmlns="" id="{427CAFE0-46BC-55A4-87F5-A8059EC7A0F7}"/>
               </a:ext>
             </a:extLst>
           </p:cNvPr>
@@ -1547,7 +1548,7 @@
           <p:cNvPr id="6" name="Dia számának helye 5">
             <a:extLst>
               <a:ext uri="{FF2B5EF4-FFF2-40B4-BE49-F238E27FC236}">
-                <a16:creationId xmlns:a16="http://schemas.microsoft.com/office/drawing/2014/main" id="{CC3EFF7C-F069-DFE5-3306-0E561AF4AE11}"/>
+                <a16:creationId xmlns:a16="http://schemas.microsoft.com/office/drawing/2014/main" xmlns="" id="{CC3EFF7C-F069-DFE5-3306-0E561AF4AE11}"/>
               </a:ext>
             </a:extLst>
           </p:cNvPr>
@@ -1606,7 +1607,7 @@
           <p:cNvPr id="2" name="Cím 1">
             <a:extLst>
               <a:ext uri="{FF2B5EF4-FFF2-40B4-BE49-F238E27FC236}">
-                <a16:creationId xmlns:a16="http://schemas.microsoft.com/office/drawing/2014/main" id="{DD16BD1C-A96C-C433-11C4-7FB2F9CF4217}"/>
+                <a16:creationId xmlns:a16="http://schemas.microsoft.com/office/drawing/2014/main" xmlns="" id="{DD16BD1C-A96C-C433-11C4-7FB2F9CF4217}"/>
               </a:ext>
             </a:extLst>
           </p:cNvPr>
@@ -1634,7 +1635,7 @@
           <p:cNvPr id="3" name="Tartalom helye 2">
             <a:extLst>
               <a:ext uri="{FF2B5EF4-FFF2-40B4-BE49-F238E27FC236}">
-                <a16:creationId xmlns:a16="http://schemas.microsoft.com/office/drawing/2014/main" id="{216662B5-E8AA-B1E7-B29B-CC9EA1747EB8}"/>
+                <a16:creationId xmlns:a16="http://schemas.microsoft.com/office/drawing/2014/main" xmlns="" id="{216662B5-E8AA-B1E7-B29B-CC9EA1747EB8}"/>
               </a:ext>
             </a:extLst>
           </p:cNvPr>
@@ -1696,7 +1697,7 @@
           <p:cNvPr id="4" name="Tartalom helye 3">
             <a:extLst>
               <a:ext uri="{FF2B5EF4-FFF2-40B4-BE49-F238E27FC236}">
-                <a16:creationId xmlns:a16="http://schemas.microsoft.com/office/drawing/2014/main" id="{F91EB719-6D94-619D-DA44-432529F07A64}"/>
+                <a16:creationId xmlns:a16="http://schemas.microsoft.com/office/drawing/2014/main" xmlns="" id="{F91EB719-6D94-619D-DA44-432529F07A64}"/>
               </a:ext>
             </a:extLst>
           </p:cNvPr>
@@ -1758,7 +1759,7 @@
           <p:cNvPr id="5" name="Dátum helye 4">
             <a:extLst>
               <a:ext uri="{FF2B5EF4-FFF2-40B4-BE49-F238E27FC236}">
-                <a16:creationId xmlns:a16="http://schemas.microsoft.com/office/drawing/2014/main" id="{F719282D-DF51-71E0-FA65-579C7251FFED}"/>
+                <a16:creationId xmlns:a16="http://schemas.microsoft.com/office/drawing/2014/main" xmlns="" id="{F719282D-DF51-71E0-FA65-579C7251FFED}"/>
               </a:ext>
             </a:extLst>
           </p:cNvPr>
@@ -1776,7 +1777,7 @@
           <a:p>
             <a:fld id="{8E532DDB-289F-42C2-8F57-09A656E29423}" type="datetimeFigureOut">
               <a:rPr lang="hu-HU" smtClean="0"/>
-              <a:t>2024.01.26</a:t>
+              <a:t>2024. 01. 27.</a:t>
             </a:fld>
             <a:endParaRPr lang="hu-HU"/>
           </a:p>
@@ -1787,7 +1788,7 @@
           <p:cNvPr id="6" name="Élőláb helye 5">
             <a:extLst>
               <a:ext uri="{FF2B5EF4-FFF2-40B4-BE49-F238E27FC236}">
-                <a16:creationId xmlns:a16="http://schemas.microsoft.com/office/drawing/2014/main" id="{9CA010A5-65CA-F06E-E671-C1073A8C6DFA}"/>
+                <a16:creationId xmlns:a16="http://schemas.microsoft.com/office/drawing/2014/main" xmlns="" id="{9CA010A5-65CA-F06E-E671-C1073A8C6DFA}"/>
               </a:ext>
             </a:extLst>
           </p:cNvPr>
@@ -1812,7 +1813,7 @@
           <p:cNvPr id="7" name="Dia számának helye 6">
             <a:extLst>
               <a:ext uri="{FF2B5EF4-FFF2-40B4-BE49-F238E27FC236}">
-                <a16:creationId xmlns:a16="http://schemas.microsoft.com/office/drawing/2014/main" id="{16635656-463D-7407-9573-D0E1E69DA9BA}"/>
+                <a16:creationId xmlns:a16="http://schemas.microsoft.com/office/drawing/2014/main" xmlns="" id="{16635656-463D-7407-9573-D0E1E69DA9BA}"/>
               </a:ext>
             </a:extLst>
           </p:cNvPr>
@@ -1879,7 +1880,7 @@
           <p:cNvPr id="10" name="Téglalap: lekerekített 9">
             <a:extLst>
               <a:ext uri="{FF2B5EF4-FFF2-40B4-BE49-F238E27FC236}">
-                <a16:creationId xmlns:a16="http://schemas.microsoft.com/office/drawing/2014/main" id="{5C929177-02C2-6B75-4903-1A897B6B857B}"/>
+                <a16:creationId xmlns:a16="http://schemas.microsoft.com/office/drawing/2014/main" xmlns="" id="{5C929177-02C2-6B75-4903-1A897B6B857B}"/>
               </a:ext>
             </a:extLst>
           </p:cNvPr>
@@ -1936,7 +1937,7 @@
           <p:cNvPr id="12" name="Téglalap: lekerekített 11">
             <a:extLst>
               <a:ext uri="{FF2B5EF4-FFF2-40B4-BE49-F238E27FC236}">
-                <a16:creationId xmlns:a16="http://schemas.microsoft.com/office/drawing/2014/main" id="{4263DA3D-3720-84C8-46EF-56A35EEE76D5}"/>
+                <a16:creationId xmlns:a16="http://schemas.microsoft.com/office/drawing/2014/main" xmlns="" id="{4263DA3D-3720-84C8-46EF-56A35EEE76D5}"/>
               </a:ext>
             </a:extLst>
           </p:cNvPr>
@@ -2022,7 +2023,7 @@
           <p:cNvPr id="2" name="Cím 1">
             <a:extLst>
               <a:ext uri="{FF2B5EF4-FFF2-40B4-BE49-F238E27FC236}">
-                <a16:creationId xmlns:a16="http://schemas.microsoft.com/office/drawing/2014/main" id="{9BB4D70D-713A-8887-D67D-44EF31009DDB}"/>
+                <a16:creationId xmlns:a16="http://schemas.microsoft.com/office/drawing/2014/main" xmlns="" id="{9BB4D70D-713A-8887-D67D-44EF31009DDB}"/>
               </a:ext>
             </a:extLst>
           </p:cNvPr>
@@ -2050,7 +2051,7 @@
           <p:cNvPr id="3" name="Dátum helye 2">
             <a:extLst>
               <a:ext uri="{FF2B5EF4-FFF2-40B4-BE49-F238E27FC236}">
-                <a16:creationId xmlns:a16="http://schemas.microsoft.com/office/drawing/2014/main" id="{38F97F01-6921-2071-E7CF-B953B6A631B9}"/>
+                <a16:creationId xmlns:a16="http://schemas.microsoft.com/office/drawing/2014/main" xmlns="" id="{38F97F01-6921-2071-E7CF-B953B6A631B9}"/>
               </a:ext>
             </a:extLst>
           </p:cNvPr>
@@ -2068,7 +2069,7 @@
           <a:p>
             <a:fld id="{8E532DDB-289F-42C2-8F57-09A656E29423}" type="datetimeFigureOut">
               <a:rPr lang="hu-HU" smtClean="0"/>
-              <a:t>2024.01.26</a:t>
+              <a:t>2024. 01. 27.</a:t>
             </a:fld>
             <a:endParaRPr lang="hu-HU"/>
           </a:p>
@@ -2079,7 +2080,7 @@
           <p:cNvPr id="4" name="Élőláb helye 3">
             <a:extLst>
               <a:ext uri="{FF2B5EF4-FFF2-40B4-BE49-F238E27FC236}">
-                <a16:creationId xmlns:a16="http://schemas.microsoft.com/office/drawing/2014/main" id="{792745E5-843C-C4BC-0A40-C73AF021DF1B}"/>
+                <a16:creationId xmlns:a16="http://schemas.microsoft.com/office/drawing/2014/main" xmlns="" id="{792745E5-843C-C4BC-0A40-C73AF021DF1B}"/>
               </a:ext>
             </a:extLst>
           </p:cNvPr>
@@ -2104,7 +2105,7 @@
           <p:cNvPr id="5" name="Dia számának helye 4">
             <a:extLst>
               <a:ext uri="{FF2B5EF4-FFF2-40B4-BE49-F238E27FC236}">
-                <a16:creationId xmlns:a16="http://schemas.microsoft.com/office/drawing/2014/main" id="{368A0A24-A47E-950C-021B-05FD744DD010}"/>
+                <a16:creationId xmlns:a16="http://schemas.microsoft.com/office/drawing/2014/main" xmlns="" id="{368A0A24-A47E-950C-021B-05FD744DD010}"/>
               </a:ext>
             </a:extLst>
           </p:cNvPr>
@@ -2171,7 +2172,7 @@
           <p:cNvPr id="5" name="Ellipszis 4">
             <a:extLst>
               <a:ext uri="{FF2B5EF4-FFF2-40B4-BE49-F238E27FC236}">
-                <a16:creationId xmlns:a16="http://schemas.microsoft.com/office/drawing/2014/main" id="{A0BDDF6C-542F-81C9-9F4B-8813C7292558}"/>
+                <a16:creationId xmlns:a16="http://schemas.microsoft.com/office/drawing/2014/main" xmlns="" id="{A0BDDF6C-542F-81C9-9F4B-8813C7292558}"/>
               </a:ext>
             </a:extLst>
           </p:cNvPr>
@@ -2230,7 +2231,7 @@
           <p:cNvPr id="6" name="Ellipszis 5">
             <a:extLst>
               <a:ext uri="{FF2B5EF4-FFF2-40B4-BE49-F238E27FC236}">
-                <a16:creationId xmlns:a16="http://schemas.microsoft.com/office/drawing/2014/main" id="{9D7F498D-E1BA-D32F-5381-088641790353}"/>
+                <a16:creationId xmlns:a16="http://schemas.microsoft.com/office/drawing/2014/main" xmlns="" id="{9D7F498D-E1BA-D32F-5381-088641790353}"/>
               </a:ext>
             </a:extLst>
           </p:cNvPr>
@@ -2316,7 +2317,7 @@
           <p:cNvPr id="2" name="Cím 1">
             <a:extLst>
               <a:ext uri="{FF2B5EF4-FFF2-40B4-BE49-F238E27FC236}">
-                <a16:creationId xmlns:a16="http://schemas.microsoft.com/office/drawing/2014/main" id="{4BA820B7-A734-61BA-025C-8A1D6FB9D823}"/>
+                <a16:creationId xmlns:a16="http://schemas.microsoft.com/office/drawing/2014/main" xmlns="" id="{4BA820B7-A734-61BA-025C-8A1D6FB9D823}"/>
               </a:ext>
             </a:extLst>
           </p:cNvPr>
@@ -2353,7 +2354,7 @@
           <p:cNvPr id="3" name="Tartalom helye 2">
             <a:extLst>
               <a:ext uri="{FF2B5EF4-FFF2-40B4-BE49-F238E27FC236}">
-                <a16:creationId xmlns:a16="http://schemas.microsoft.com/office/drawing/2014/main" id="{D85A7804-99D9-2553-C6EE-AE084D6A85BE}"/>
+                <a16:creationId xmlns:a16="http://schemas.microsoft.com/office/drawing/2014/main" xmlns="" id="{D85A7804-99D9-2553-C6EE-AE084D6A85BE}"/>
               </a:ext>
             </a:extLst>
           </p:cNvPr>
@@ -2443,7 +2444,7 @@
           <p:cNvPr id="4" name="Szöveg helye 3">
             <a:extLst>
               <a:ext uri="{FF2B5EF4-FFF2-40B4-BE49-F238E27FC236}">
-                <a16:creationId xmlns:a16="http://schemas.microsoft.com/office/drawing/2014/main" id="{6E20636C-67A0-A9ED-9447-E65E3DBC68BE}"/>
+                <a16:creationId xmlns:a16="http://schemas.microsoft.com/office/drawing/2014/main" xmlns="" id="{6E20636C-67A0-A9ED-9447-E65E3DBC68BE}"/>
               </a:ext>
             </a:extLst>
           </p:cNvPr>
@@ -2514,7 +2515,7 @@
           <p:cNvPr id="5" name="Dátum helye 4">
             <a:extLst>
               <a:ext uri="{FF2B5EF4-FFF2-40B4-BE49-F238E27FC236}">
-                <a16:creationId xmlns:a16="http://schemas.microsoft.com/office/drawing/2014/main" id="{9F312683-9595-AE25-326A-8C5877B6B683}"/>
+                <a16:creationId xmlns:a16="http://schemas.microsoft.com/office/drawing/2014/main" xmlns="" id="{9F312683-9595-AE25-326A-8C5877B6B683}"/>
               </a:ext>
             </a:extLst>
           </p:cNvPr>
@@ -2532,7 +2533,7 @@
           <a:p>
             <a:fld id="{8E532DDB-289F-42C2-8F57-09A656E29423}" type="datetimeFigureOut">
               <a:rPr lang="hu-HU" smtClean="0"/>
-              <a:t>2024.01.26</a:t>
+              <a:t>2024. 01. 27.</a:t>
             </a:fld>
             <a:endParaRPr lang="hu-HU"/>
           </a:p>
@@ -2543,7 +2544,7 @@
           <p:cNvPr id="6" name="Élőláb helye 5">
             <a:extLst>
               <a:ext uri="{FF2B5EF4-FFF2-40B4-BE49-F238E27FC236}">
-                <a16:creationId xmlns:a16="http://schemas.microsoft.com/office/drawing/2014/main" id="{8966127D-5FB5-31BD-9ADA-D2182F34B42E}"/>
+                <a16:creationId xmlns:a16="http://schemas.microsoft.com/office/drawing/2014/main" xmlns="" id="{8966127D-5FB5-31BD-9ADA-D2182F34B42E}"/>
               </a:ext>
             </a:extLst>
           </p:cNvPr>
@@ -2568,7 +2569,7 @@
           <p:cNvPr id="7" name="Dia számának helye 6">
             <a:extLst>
               <a:ext uri="{FF2B5EF4-FFF2-40B4-BE49-F238E27FC236}">
-                <a16:creationId xmlns:a16="http://schemas.microsoft.com/office/drawing/2014/main" id="{9D7BE2A7-FA0F-D1CB-4C81-4F42A7317EDA}"/>
+                <a16:creationId xmlns:a16="http://schemas.microsoft.com/office/drawing/2014/main" xmlns="" id="{9D7BE2A7-FA0F-D1CB-4C81-4F42A7317EDA}"/>
               </a:ext>
             </a:extLst>
           </p:cNvPr>
@@ -2627,7 +2628,7 @@
           <p:cNvPr id="2" name="Cím 1">
             <a:extLst>
               <a:ext uri="{FF2B5EF4-FFF2-40B4-BE49-F238E27FC236}">
-                <a16:creationId xmlns:a16="http://schemas.microsoft.com/office/drawing/2014/main" id="{B0784514-8C93-1D41-0ADC-AE65182FDD80}"/>
+                <a16:creationId xmlns:a16="http://schemas.microsoft.com/office/drawing/2014/main" xmlns="" id="{B0784514-8C93-1D41-0ADC-AE65182FDD80}"/>
               </a:ext>
             </a:extLst>
           </p:cNvPr>
@@ -2664,7 +2665,7 @@
           <p:cNvPr id="3" name="Kép helye 2">
             <a:extLst>
               <a:ext uri="{FF2B5EF4-FFF2-40B4-BE49-F238E27FC236}">
-                <a16:creationId xmlns:a16="http://schemas.microsoft.com/office/drawing/2014/main" id="{A322284F-F90F-B535-EB30-0E01F4BBCD18}"/>
+                <a16:creationId xmlns:a16="http://schemas.microsoft.com/office/drawing/2014/main" xmlns="" id="{A322284F-F90F-B535-EB30-0E01F4BBCD18}"/>
               </a:ext>
             </a:extLst>
           </p:cNvPr>
@@ -2731,7 +2732,7 @@
           <p:cNvPr id="4" name="Szöveg helye 3">
             <a:extLst>
               <a:ext uri="{FF2B5EF4-FFF2-40B4-BE49-F238E27FC236}">
-                <a16:creationId xmlns:a16="http://schemas.microsoft.com/office/drawing/2014/main" id="{D72DEB85-590B-1098-22C9-0A2BD35856A5}"/>
+                <a16:creationId xmlns:a16="http://schemas.microsoft.com/office/drawing/2014/main" xmlns="" id="{D72DEB85-590B-1098-22C9-0A2BD35856A5}"/>
               </a:ext>
             </a:extLst>
           </p:cNvPr>
@@ -2802,7 +2803,7 @@
           <p:cNvPr id="5" name="Dátum helye 4">
             <a:extLst>
               <a:ext uri="{FF2B5EF4-FFF2-40B4-BE49-F238E27FC236}">
-                <a16:creationId xmlns:a16="http://schemas.microsoft.com/office/drawing/2014/main" id="{FF0EEE38-B9C3-57C4-28D5-83BF2BDFBC37}"/>
+                <a16:creationId xmlns:a16="http://schemas.microsoft.com/office/drawing/2014/main" xmlns="" id="{FF0EEE38-B9C3-57C4-28D5-83BF2BDFBC37}"/>
               </a:ext>
             </a:extLst>
           </p:cNvPr>
@@ -2820,7 +2821,7 @@
           <a:p>
             <a:fld id="{8E532DDB-289F-42C2-8F57-09A656E29423}" type="datetimeFigureOut">
               <a:rPr lang="hu-HU" smtClean="0"/>
-              <a:t>2024.01.26</a:t>
+              <a:t>2024. 01. 27.</a:t>
             </a:fld>
             <a:endParaRPr lang="hu-HU"/>
           </a:p>
@@ -2831,7 +2832,7 @@
           <p:cNvPr id="6" name="Élőláb helye 5">
             <a:extLst>
               <a:ext uri="{FF2B5EF4-FFF2-40B4-BE49-F238E27FC236}">
-                <a16:creationId xmlns:a16="http://schemas.microsoft.com/office/drawing/2014/main" id="{9A8C60BB-E846-A556-7D6F-80E4666550F6}"/>
+                <a16:creationId xmlns:a16="http://schemas.microsoft.com/office/drawing/2014/main" xmlns="" id="{9A8C60BB-E846-A556-7D6F-80E4666550F6}"/>
               </a:ext>
             </a:extLst>
           </p:cNvPr>
@@ -2856,7 +2857,7 @@
           <p:cNvPr id="7" name="Dia számának helye 6">
             <a:extLst>
               <a:ext uri="{FF2B5EF4-FFF2-40B4-BE49-F238E27FC236}">
-                <a16:creationId xmlns:a16="http://schemas.microsoft.com/office/drawing/2014/main" id="{F40C4142-B31B-0592-C73D-7D1D2251D700}"/>
+                <a16:creationId xmlns:a16="http://schemas.microsoft.com/office/drawing/2014/main" xmlns="" id="{F40C4142-B31B-0592-C73D-7D1D2251D700}"/>
               </a:ext>
             </a:extLst>
           </p:cNvPr>
@@ -2920,7 +2921,7 @@
           <p:cNvPr id="2" name="Cím helye 1">
             <a:extLst>
               <a:ext uri="{FF2B5EF4-FFF2-40B4-BE49-F238E27FC236}">
-                <a16:creationId xmlns:a16="http://schemas.microsoft.com/office/drawing/2014/main" id="{17782075-6685-2989-CE63-F72F6A17CA3B}"/>
+                <a16:creationId xmlns:a16="http://schemas.microsoft.com/office/drawing/2014/main" xmlns="" id="{17782075-6685-2989-CE63-F72F6A17CA3B}"/>
               </a:ext>
             </a:extLst>
           </p:cNvPr>
@@ -2958,7 +2959,7 @@
           <p:cNvPr id="3" name="Szöveg helye 2">
             <a:extLst>
               <a:ext uri="{FF2B5EF4-FFF2-40B4-BE49-F238E27FC236}">
-                <a16:creationId xmlns:a16="http://schemas.microsoft.com/office/drawing/2014/main" id="{62170818-01AE-3631-E7D4-F09960BC7755}"/>
+                <a16:creationId xmlns:a16="http://schemas.microsoft.com/office/drawing/2014/main" xmlns="" id="{62170818-01AE-3631-E7D4-F09960BC7755}"/>
               </a:ext>
             </a:extLst>
           </p:cNvPr>
@@ -3025,7 +3026,7 @@
           <p:cNvPr id="4" name="Dátum helye 3">
             <a:extLst>
               <a:ext uri="{FF2B5EF4-FFF2-40B4-BE49-F238E27FC236}">
-                <a16:creationId xmlns:a16="http://schemas.microsoft.com/office/drawing/2014/main" id="{5E44EABD-3951-FE87-043A-DEE26A772C31}"/>
+                <a16:creationId xmlns:a16="http://schemas.microsoft.com/office/drawing/2014/main" xmlns="" id="{5E44EABD-3951-FE87-043A-DEE26A772C31}"/>
               </a:ext>
             </a:extLst>
           </p:cNvPr>
@@ -3061,7 +3062,7 @@
           <a:p>
             <a:fld id="{8E532DDB-289F-42C2-8F57-09A656E29423}" type="datetimeFigureOut">
               <a:rPr lang="hu-HU" smtClean="0"/>
-              <a:t>2024.01.26</a:t>
+              <a:t>2024. 01. 27.</a:t>
             </a:fld>
             <a:endParaRPr lang="hu-HU"/>
           </a:p>
@@ -3072,7 +3073,7 @@
           <p:cNvPr id="5" name="Élőláb helye 4">
             <a:extLst>
               <a:ext uri="{FF2B5EF4-FFF2-40B4-BE49-F238E27FC236}">
-                <a16:creationId xmlns:a16="http://schemas.microsoft.com/office/drawing/2014/main" id="{198D541F-EDD3-7ECD-372B-4F0F3E42E056}"/>
+                <a16:creationId xmlns:a16="http://schemas.microsoft.com/office/drawing/2014/main" xmlns="" id="{198D541F-EDD3-7ECD-372B-4F0F3E42E056}"/>
               </a:ext>
             </a:extLst>
           </p:cNvPr>
@@ -3115,7 +3116,7 @@
           <p:cNvPr id="6" name="Dia számának helye 5">
             <a:extLst>
               <a:ext uri="{FF2B5EF4-FFF2-40B4-BE49-F238E27FC236}">
-                <a16:creationId xmlns:a16="http://schemas.microsoft.com/office/drawing/2014/main" id="{3B1F9F43-DBAD-7623-FC58-2CBFA5EC9A4A}"/>
+                <a16:creationId xmlns:a16="http://schemas.microsoft.com/office/drawing/2014/main" xmlns="" id="{3B1F9F43-DBAD-7623-FC58-2CBFA5EC9A4A}"/>
               </a:ext>
             </a:extLst>
           </p:cNvPr>
@@ -3491,7 +3492,7 @@
           <p:cNvPr id="4" name="Ellipszis 3">
             <a:extLst>
               <a:ext uri="{FF2B5EF4-FFF2-40B4-BE49-F238E27FC236}">
-                <a16:creationId xmlns:a16="http://schemas.microsoft.com/office/drawing/2014/main" id="{5E590742-0F2F-708E-87FC-8CF5ABA75119}"/>
+                <a16:creationId xmlns:a16="http://schemas.microsoft.com/office/drawing/2014/main" xmlns="" id="{5E590742-0F2F-708E-87FC-8CF5ABA75119}"/>
               </a:ext>
             </a:extLst>
           </p:cNvPr>
@@ -3550,7 +3551,7 @@
           <p:cNvPr id="5" name="Ellipszis 4">
             <a:extLst>
               <a:ext uri="{FF2B5EF4-FFF2-40B4-BE49-F238E27FC236}">
-                <a16:creationId xmlns:a16="http://schemas.microsoft.com/office/drawing/2014/main" id="{7BFA035C-0E90-EF99-09EB-F01F1787B99D}"/>
+                <a16:creationId xmlns:a16="http://schemas.microsoft.com/office/drawing/2014/main" xmlns="" id="{7BFA035C-0E90-EF99-09EB-F01F1787B99D}"/>
               </a:ext>
             </a:extLst>
           </p:cNvPr>
@@ -3606,7 +3607,7 @@
           <p:cNvPr id="6" name="Téglalap: lekerekített 5">
             <a:extLst>
               <a:ext uri="{FF2B5EF4-FFF2-40B4-BE49-F238E27FC236}">
-                <a16:creationId xmlns:a16="http://schemas.microsoft.com/office/drawing/2014/main" id="{FF8E1E1E-E25D-9D44-58A0-641AE3D16840}"/>
+                <a16:creationId xmlns:a16="http://schemas.microsoft.com/office/drawing/2014/main" xmlns="" id="{FF8E1E1E-E25D-9D44-58A0-641AE3D16840}"/>
               </a:ext>
             </a:extLst>
           </p:cNvPr>
@@ -3672,7 +3673,7 @@
           <p:cNvPr id="7" name="Téglalap: lekerekített 6">
             <a:extLst>
               <a:ext uri="{FF2B5EF4-FFF2-40B4-BE49-F238E27FC236}">
-                <a16:creationId xmlns:a16="http://schemas.microsoft.com/office/drawing/2014/main" id="{876BD73A-04ED-68D6-0CFC-B55B322B54B6}"/>
+                <a16:creationId xmlns:a16="http://schemas.microsoft.com/office/drawing/2014/main" xmlns="" id="{876BD73A-04ED-68D6-0CFC-B55B322B54B6}"/>
               </a:ext>
             </a:extLst>
           </p:cNvPr>
@@ -3738,7 +3739,7 @@
           <p:cNvPr id="8" name="Téglalap: lekerekített 7">
             <a:extLst>
               <a:ext uri="{FF2B5EF4-FFF2-40B4-BE49-F238E27FC236}">
-                <a16:creationId xmlns:a16="http://schemas.microsoft.com/office/drawing/2014/main" id="{A949ACA4-0F6E-139B-8268-493DDA55C128}"/>
+                <a16:creationId xmlns:a16="http://schemas.microsoft.com/office/drawing/2014/main" xmlns="" id="{A949ACA4-0F6E-139B-8268-493DDA55C128}"/>
               </a:ext>
             </a:extLst>
           </p:cNvPr>
@@ -3804,7 +3805,7 @@
           <p:cNvPr id="9" name="Téglalap: lekerekített 8">
             <a:extLst>
               <a:ext uri="{FF2B5EF4-FFF2-40B4-BE49-F238E27FC236}">
-                <a16:creationId xmlns:a16="http://schemas.microsoft.com/office/drawing/2014/main" id="{D9B78EC0-CC66-2DDA-134B-90693F675712}"/>
+                <a16:creationId xmlns:a16="http://schemas.microsoft.com/office/drawing/2014/main" xmlns="" id="{D9B78EC0-CC66-2DDA-134B-90693F675712}"/>
               </a:ext>
             </a:extLst>
           </p:cNvPr>
@@ -3862,7 +3863,7 @@
           <p:cNvPr id="10" name="Téglalap: lekerekített 9">
             <a:extLst>
               <a:ext uri="{FF2B5EF4-FFF2-40B4-BE49-F238E27FC236}">
-                <a16:creationId xmlns:a16="http://schemas.microsoft.com/office/drawing/2014/main" id="{2E3A3B9D-563A-3AE1-8B49-D5C002EEA99D}"/>
+                <a16:creationId xmlns:a16="http://schemas.microsoft.com/office/drawing/2014/main" xmlns="" id="{2E3A3B9D-563A-3AE1-8B49-D5C002EEA99D}"/>
               </a:ext>
             </a:extLst>
           </p:cNvPr>
@@ -3928,7 +3929,7 @@
           <p:cNvPr id="11" name="Téglalap: lekerekített 10">
             <a:extLst>
               <a:ext uri="{FF2B5EF4-FFF2-40B4-BE49-F238E27FC236}">
-                <a16:creationId xmlns:a16="http://schemas.microsoft.com/office/drawing/2014/main" id="{DF3EB93E-2E32-E334-3C4E-462E031D3FD7}"/>
+                <a16:creationId xmlns:a16="http://schemas.microsoft.com/office/drawing/2014/main" xmlns="" id="{DF3EB93E-2E32-E334-3C4E-462E031D3FD7}"/>
               </a:ext>
             </a:extLst>
           </p:cNvPr>
@@ -3986,7 +3987,7 @@
           <p:cNvPr id="12" name="Téglalap: lekerekített 11">
             <a:extLst>
               <a:ext uri="{FF2B5EF4-FFF2-40B4-BE49-F238E27FC236}">
-                <a16:creationId xmlns:a16="http://schemas.microsoft.com/office/drawing/2014/main" id="{B12CDA0D-4782-C9A6-DEFD-8858E69E0D7B}"/>
+                <a16:creationId xmlns:a16="http://schemas.microsoft.com/office/drawing/2014/main" xmlns="" id="{B12CDA0D-4782-C9A6-DEFD-8858E69E0D7B}"/>
               </a:ext>
             </a:extLst>
           </p:cNvPr>
@@ -4052,7 +4053,7 @@
           <p:cNvPr id="13" name="Téglalap: lekerekített 12">
             <a:extLst>
               <a:ext uri="{FF2B5EF4-FFF2-40B4-BE49-F238E27FC236}">
-                <a16:creationId xmlns:a16="http://schemas.microsoft.com/office/drawing/2014/main" id="{74CFAF27-3E7A-F8C8-BD2F-DD4524B7DCE9}"/>
+                <a16:creationId xmlns:a16="http://schemas.microsoft.com/office/drawing/2014/main" xmlns="" id="{74CFAF27-3E7A-F8C8-BD2F-DD4524B7DCE9}"/>
               </a:ext>
             </a:extLst>
           </p:cNvPr>
@@ -4118,7 +4119,7 @@
           <p:cNvPr id="14" name="Téglalap: lekerekített 13">
             <a:extLst>
               <a:ext uri="{FF2B5EF4-FFF2-40B4-BE49-F238E27FC236}">
-                <a16:creationId xmlns:a16="http://schemas.microsoft.com/office/drawing/2014/main" id="{4FF50EB6-58FD-EF34-ECC2-721D27B4C713}"/>
+                <a16:creationId xmlns:a16="http://schemas.microsoft.com/office/drawing/2014/main" xmlns="" id="{4FF50EB6-58FD-EF34-ECC2-721D27B4C713}"/>
               </a:ext>
             </a:extLst>
           </p:cNvPr>
@@ -4176,7 +4177,7 @@
           <p:cNvPr id="15" name="Szövegdoboz 14">
             <a:extLst>
               <a:ext uri="{FF2B5EF4-FFF2-40B4-BE49-F238E27FC236}">
-                <a16:creationId xmlns:a16="http://schemas.microsoft.com/office/drawing/2014/main" id="{BAD904EC-5503-CAE6-53A8-7648AE393A9D}"/>
+                <a16:creationId xmlns:a16="http://schemas.microsoft.com/office/drawing/2014/main" xmlns="" id="{BAD904EC-5503-CAE6-53A8-7648AE393A9D}"/>
               </a:ext>
             </a:extLst>
           </p:cNvPr>
@@ -4229,7 +4230,7 @@
           <p:cNvPr id="16" name="Szövegdoboz 15">
             <a:extLst>
               <a:ext uri="{FF2B5EF4-FFF2-40B4-BE49-F238E27FC236}">
-                <a16:creationId xmlns:a16="http://schemas.microsoft.com/office/drawing/2014/main" id="{C9117FAE-FE67-5743-F7DB-0D7FE2C64D91}"/>
+                <a16:creationId xmlns:a16="http://schemas.microsoft.com/office/drawing/2014/main" xmlns="" id="{C9117FAE-FE67-5743-F7DB-0D7FE2C64D91}"/>
               </a:ext>
             </a:extLst>
           </p:cNvPr>
@@ -4262,6 +4263,10 @@
                 <a:latin typeface="Barlow" panose="020F0502020204030204" pitchFamily="2" charset="-18"/>
               </a:rPr>
               <a:t>5. Fejezet dokumentációja:</a:t>
+            </a:r>
+            <a:r>
+              <a:rPr lang="hu-HU" sz="2000" dirty="0"/>
+              <a:t/>
             </a:r>
             <a:br>
               <a:rPr lang="hu-HU" sz="2000" dirty="0"/>
@@ -4926,7 +4931,7 @@
           <p:cNvPr id="7" name="Téglalap: lekerekített 6">
             <a:extLst>
               <a:ext uri="{FF2B5EF4-FFF2-40B4-BE49-F238E27FC236}">
-                <a16:creationId xmlns:a16="http://schemas.microsoft.com/office/drawing/2014/main" id="{9E83F3BB-AE52-4C22-B3C7-E052C54A356D}"/>
+                <a16:creationId xmlns:a16="http://schemas.microsoft.com/office/drawing/2014/main" xmlns="" id="{9E83F3BB-AE52-4C22-B3C7-E052C54A356D}"/>
               </a:ext>
             </a:extLst>
           </p:cNvPr>
@@ -4999,7 +5004,7 @@
           <p:cNvPr id="6" name="Téglalap: lekerekített 5">
             <a:extLst>
               <a:ext uri="{FF2B5EF4-FFF2-40B4-BE49-F238E27FC236}">
-                <a16:creationId xmlns:a16="http://schemas.microsoft.com/office/drawing/2014/main" id="{7054393B-7C14-4BF7-B3BE-977FD580A87B}"/>
+                <a16:creationId xmlns:a16="http://schemas.microsoft.com/office/drawing/2014/main" xmlns="" id="{7054393B-7C14-4BF7-B3BE-977FD580A87B}"/>
               </a:ext>
             </a:extLst>
           </p:cNvPr>
@@ -5072,7 +5077,7 @@
           <p:cNvPr id="12" name="Téglalap: lekerekített 11">
             <a:extLst>
               <a:ext uri="{FF2B5EF4-FFF2-40B4-BE49-F238E27FC236}">
-                <a16:creationId xmlns:a16="http://schemas.microsoft.com/office/drawing/2014/main" id="{012748AF-1348-4B58-90F4-37F17048BB84}"/>
+                <a16:creationId xmlns:a16="http://schemas.microsoft.com/office/drawing/2014/main" xmlns="" id="{012748AF-1348-4B58-90F4-37F17048BB84}"/>
               </a:ext>
             </a:extLst>
           </p:cNvPr>
@@ -5159,7 +5164,7 @@
           <p:cNvPr id="13" name="Téglalap: lekerekített 12">
             <a:extLst>
               <a:ext uri="{FF2B5EF4-FFF2-40B4-BE49-F238E27FC236}">
-                <a16:creationId xmlns:a16="http://schemas.microsoft.com/office/drawing/2014/main" id="{29EE426C-E1ED-4BC2-A95D-B12B6380874E}"/>
+                <a16:creationId xmlns:a16="http://schemas.microsoft.com/office/drawing/2014/main" xmlns="" id="{29EE426C-E1ED-4BC2-A95D-B12B6380874E}"/>
               </a:ext>
             </a:extLst>
           </p:cNvPr>
@@ -5232,7 +5237,7 @@
           <p:cNvPr id="14" name="Téglalap: lekerekített 13">
             <a:extLst>
               <a:ext uri="{FF2B5EF4-FFF2-40B4-BE49-F238E27FC236}">
-                <a16:creationId xmlns:a16="http://schemas.microsoft.com/office/drawing/2014/main" id="{7170385F-4939-4517-881C-C91E6029C871}"/>
+                <a16:creationId xmlns:a16="http://schemas.microsoft.com/office/drawing/2014/main" xmlns="" id="{7170385F-4939-4517-881C-C91E6029C871}"/>
               </a:ext>
             </a:extLst>
           </p:cNvPr>
@@ -5724,6 +5729,642 @@
           <a:chExt cx="0" cy="0"/>
         </a:xfrm>
       </p:grpSpPr>
+      <p:sp>
+        <p:nvSpPr>
+          <p:cNvPr id="6" name="Romboid 5">
+            <a:extLst>
+              <a:ext uri="{FF2B5EF4-FFF2-40B4-BE49-F238E27FC236}">
+                <a16:creationId xmlns="" xmlns:a16="http://schemas.microsoft.com/office/drawing/2014/main" id="{320388CF-6B7B-4133-B1A6-BB1004E72F35}"/>
+              </a:ext>
+            </a:extLst>
+          </p:cNvPr>
+          <p:cNvSpPr/>
+          <p:nvPr/>
+        </p:nvSpPr>
+        <p:spPr>
+          <a:xfrm>
+            <a:off x="-3357228" y="8128000"/>
+            <a:ext cx="6339513" cy="7695563"/>
+          </a:xfrm>
+          <a:prstGeom prst="parallelogram">
+            <a:avLst/>
+          </a:prstGeom>
+          <a:solidFill>
+            <a:srgbClr val="0C0F0C"/>
+          </a:solidFill>
+          <a:ln>
+            <a:noFill/>
+          </a:ln>
+        </p:spPr>
+        <p:style>
+          <a:lnRef idx="2">
+            <a:schemeClr val="accent1">
+              <a:shade val="50000"/>
+            </a:schemeClr>
+          </a:lnRef>
+          <a:fillRef idx="1">
+            <a:schemeClr val="accent1"/>
+          </a:fillRef>
+          <a:effectRef idx="0">
+            <a:schemeClr val="accent1"/>
+          </a:effectRef>
+          <a:fontRef idx="minor">
+            <a:schemeClr val="lt1"/>
+          </a:fontRef>
+        </p:style>
+        <p:txBody>
+          <a:bodyPr rtlCol="0" anchor="ctr"/>
+          <a:lstStyle/>
+          <a:p>
+            <a:pPr algn="ctr"/>
+            <a:endParaRPr lang="hu-HU"/>
+          </a:p>
+        </p:txBody>
+      </p:sp>
+      <p:sp>
+        <p:nvSpPr>
+          <p:cNvPr id="7" name="Romboid 6">
+            <a:extLst>
+              <a:ext uri="{FF2B5EF4-FFF2-40B4-BE49-F238E27FC236}">
+                <a16:creationId xmlns="" xmlns:a16="http://schemas.microsoft.com/office/drawing/2014/main" id="{8926B01F-DF41-47D5-AA37-0DF3C9519D4D}"/>
+              </a:ext>
+            </a:extLst>
+          </p:cNvPr>
+          <p:cNvSpPr/>
+          <p:nvPr/>
+        </p:nvSpPr>
+        <p:spPr>
+          <a:xfrm>
+            <a:off x="10091433" y="-8471173"/>
+            <a:ext cx="6196668" cy="7575259"/>
+          </a:xfrm>
+          <a:prstGeom prst="parallelogram">
+            <a:avLst/>
+          </a:prstGeom>
+          <a:solidFill>
+            <a:schemeClr val="bg1"/>
+          </a:solidFill>
+        </p:spPr>
+        <p:style>
+          <a:lnRef idx="2">
+            <a:schemeClr val="accent1">
+              <a:shade val="50000"/>
+            </a:schemeClr>
+          </a:lnRef>
+          <a:fillRef idx="1">
+            <a:schemeClr val="accent1"/>
+          </a:fillRef>
+          <a:effectRef idx="0">
+            <a:schemeClr val="accent1"/>
+          </a:effectRef>
+          <a:fontRef idx="minor">
+            <a:schemeClr val="lt1"/>
+          </a:fontRef>
+        </p:style>
+        <p:txBody>
+          <a:bodyPr rtlCol="0" anchor="ctr"/>
+          <a:lstStyle/>
+          <a:p>
+            <a:pPr algn="ctr"/>
+            <a:endParaRPr lang="hu-HU"/>
+          </a:p>
+        </p:txBody>
+      </p:sp>
+      <p:sp>
+        <p:nvSpPr>
+          <p:cNvPr id="8" name="Romboid 7">
+            <a:extLst>
+              <a:ext uri="{FF2B5EF4-FFF2-40B4-BE49-F238E27FC236}">
+                <a16:creationId xmlns="" xmlns:a16="http://schemas.microsoft.com/office/drawing/2014/main" id="{A9669614-0D7C-436A-A55C-63D5F965F1C5}"/>
+              </a:ext>
+            </a:extLst>
+          </p:cNvPr>
+          <p:cNvSpPr/>
+          <p:nvPr/>
+        </p:nvSpPr>
+        <p:spPr>
+          <a:xfrm>
+            <a:off x="12860539" y="3189578"/>
+            <a:ext cx="6196668" cy="7575259"/>
+          </a:xfrm>
+          <a:prstGeom prst="parallelogram">
+            <a:avLst/>
+          </a:prstGeom>
+          <a:solidFill>
+            <a:srgbClr val="700000"/>
+          </a:solidFill>
+        </p:spPr>
+        <p:style>
+          <a:lnRef idx="2">
+            <a:schemeClr val="accent1">
+              <a:shade val="50000"/>
+            </a:schemeClr>
+          </a:lnRef>
+          <a:fillRef idx="1">
+            <a:schemeClr val="accent1"/>
+          </a:fillRef>
+          <a:effectRef idx="0">
+            <a:schemeClr val="accent1"/>
+          </a:effectRef>
+          <a:fontRef idx="minor">
+            <a:schemeClr val="lt1"/>
+          </a:fontRef>
+        </p:style>
+        <p:txBody>
+          <a:bodyPr rtlCol="0" anchor="ctr"/>
+          <a:lstStyle/>
+          <a:p>
+            <a:pPr algn="ctr"/>
+            <a:endParaRPr lang="hu-HU"/>
+          </a:p>
+        </p:txBody>
+      </p:sp>
+      <p:pic>
+        <p:nvPicPr>
+          <p:cNvPr id="1028" name="Picture 4" descr="File:Sass Logo Color.svg - Wikipedia">
+            <a:extLst>
+              <a:ext uri="{FF2B5EF4-FFF2-40B4-BE49-F238E27FC236}">
+                <a16:creationId xmlns="" xmlns:a16="http://schemas.microsoft.com/office/drawing/2014/main" id="{359B9CB3-1AB1-4A07-90FB-10C65366CA93}"/>
+              </a:ext>
+            </a:extLst>
+          </p:cNvPr>
+          <p:cNvPicPr>
+            <a:picLocks noChangeAspect="1" noChangeArrowheads="1"/>
+          </p:cNvPicPr>
+          <p:nvPr/>
+        </p:nvPicPr>
+        <p:blipFill>
+          <a:blip r:embed="rId2" cstate="print">
+            <a:extLst>
+              <a:ext uri="{28A0092B-C50C-407E-A947-70E740481C1C}">
+                <a14:useLocalDpi xmlns:a14="http://schemas.microsoft.com/office/drawing/2010/main" val="0"/>
+              </a:ext>
+            </a:extLst>
+          </a:blip>
+          <a:srcRect/>
+          <a:stretch>
+            <a:fillRect/>
+          </a:stretch>
+        </p:blipFill>
+        <p:spPr bwMode="auto">
+          <a:xfrm>
+            <a:off x="5163704" y="1093059"/>
+            <a:ext cx="2247394" cy="1685545"/>
+          </a:xfrm>
+          <a:prstGeom prst="rect">
+            <a:avLst/>
+          </a:prstGeom>
+          <a:noFill/>
+          <a:extLst>
+            <a:ext uri="{909E8E84-426E-40DD-AFC4-6F175D3DCCD1}">
+              <a14:hiddenFill xmlns:a14="http://schemas.microsoft.com/office/drawing/2010/main">
+                <a:solidFill>
+                  <a:srgbClr val="FFFFFF"/>
+                </a:solidFill>
+              </a14:hiddenFill>
+            </a:ext>
+          </a:extLst>
+        </p:spPr>
+      </p:pic>
+      <p:pic>
+        <p:nvPicPr>
+          <p:cNvPr id="1030" name="Picture 6" descr="GSAP (@greensock) / X">
+            <a:extLst>
+              <a:ext uri="{FF2B5EF4-FFF2-40B4-BE49-F238E27FC236}">
+                <a16:creationId xmlns="" xmlns:a16="http://schemas.microsoft.com/office/drawing/2014/main" id="{4B8323EF-07BE-41C7-8721-4356E599B4F2}"/>
+              </a:ext>
+            </a:extLst>
+          </p:cNvPr>
+          <p:cNvPicPr>
+            <a:picLocks noChangeAspect="1" noChangeArrowheads="1"/>
+          </p:cNvPicPr>
+          <p:nvPr/>
+        </p:nvPicPr>
+        <p:blipFill>
+          <a:blip r:embed="rId3">
+            <a:extLst>
+              <a:ext uri="{28A0092B-C50C-407E-A947-70E740481C1C}">
+                <a14:useLocalDpi xmlns:a14="http://schemas.microsoft.com/office/drawing/2010/main" val="0"/>
+              </a:ext>
+            </a:extLst>
+          </a:blip>
+          <a:srcRect/>
+          <a:stretch>
+            <a:fillRect/>
+          </a:stretch>
+        </p:blipFill>
+        <p:spPr bwMode="auto">
+          <a:xfrm>
+            <a:off x="682669" y="918100"/>
+            <a:ext cx="2271478" cy="2271478"/>
+          </a:xfrm>
+          <a:prstGeom prst="rect">
+            <a:avLst/>
+          </a:prstGeom>
+          <a:noFill/>
+          <a:extLst>
+            <a:ext uri="{909E8E84-426E-40DD-AFC4-6F175D3DCCD1}">
+              <a14:hiddenFill xmlns:a14="http://schemas.microsoft.com/office/drawing/2010/main">
+                <a:solidFill>
+                  <a:srgbClr val="FFFFFF"/>
+                </a:solidFill>
+              </a14:hiddenFill>
+            </a:ext>
+          </a:extLst>
+        </p:spPr>
+      </p:pic>
+      <p:pic>
+        <p:nvPicPr>
+          <p:cNvPr id="9" name="Picture 2" descr="Make a Code Snippet component in Blazor using Highlight JS | Science Viking  Labs"/>
+          <p:cNvPicPr>
+            <a:picLocks noChangeAspect="1" noChangeArrowheads="1"/>
+          </p:cNvPicPr>
+          <p:nvPr/>
+        </p:nvPicPr>
+        <p:blipFill>
+          <a:blip r:embed="rId4">
+            <a:extLst>
+              <a:ext uri="{28A0092B-C50C-407E-A947-70E740481C1C}">
+                <a14:useLocalDpi xmlns:a14="http://schemas.microsoft.com/office/drawing/2010/main" val="0"/>
+              </a:ext>
+            </a:extLst>
+          </a:blip>
+          <a:srcRect/>
+          <a:stretch>
+            <a:fillRect/>
+          </a:stretch>
+        </p:blipFill>
+        <p:spPr bwMode="auto">
+          <a:xfrm>
+            <a:off x="9027567" y="1301433"/>
+            <a:ext cx="2742556" cy="1268798"/>
+          </a:xfrm>
+          <a:prstGeom prst="rect">
+            <a:avLst/>
+          </a:prstGeom>
+          <a:solidFill>
+            <a:srgbClr val="700000"/>
+          </a:solidFill>
+        </p:spPr>
+      </p:pic>
+      <p:sp>
+        <p:nvSpPr>
+          <p:cNvPr id="11" name="Parallelogram 10"/>
+          <p:cNvSpPr/>
+          <p:nvPr/>
+        </p:nvSpPr>
+        <p:spPr>
+          <a:xfrm>
+            <a:off x="-13605813" y="4788823"/>
+            <a:ext cx="13506931" cy="1739932"/>
+          </a:xfrm>
+          <a:prstGeom prst="parallelogram">
+            <a:avLst/>
+          </a:prstGeom>
+          <a:solidFill>
+            <a:schemeClr val="tx1">
+              <a:lumMod val="75000"/>
+              <a:lumOff val="25000"/>
+              <a:alpha val="80000"/>
+            </a:schemeClr>
+          </a:solidFill>
+          <a:ln w="120650" cap="sq">
+            <a:noFill/>
+            <a:round/>
+          </a:ln>
+        </p:spPr>
+        <p:style>
+          <a:lnRef idx="2">
+            <a:schemeClr val="accent1">
+              <a:shade val="15000"/>
+            </a:schemeClr>
+          </a:lnRef>
+          <a:fillRef idx="1">
+            <a:schemeClr val="accent1"/>
+          </a:fillRef>
+          <a:effectRef idx="0">
+            <a:schemeClr val="accent1"/>
+          </a:effectRef>
+          <a:fontRef idx="minor">
+            <a:schemeClr val="lt1"/>
+          </a:fontRef>
+        </p:style>
+        <p:txBody>
+          <a:bodyPr rtlCol="0" anchor="ctr"/>
+          <a:lstStyle/>
+          <a:p>
+            <a:pPr algn="ctr"/>
+            <a:r>
+              <a:rPr lang="hu-HU" sz="4800" dirty="0" smtClean="0">
+                <a:latin typeface="Segoe UI Black" panose="020B0A02040204020203" pitchFamily="34" charset="0"/>
+                <a:ea typeface="Segoe UI Black" panose="020B0A02040204020203" pitchFamily="34" charset="0"/>
+              </a:rPr>
+              <a:t>Felhasznált technológiák</a:t>
+            </a:r>
+            <a:endParaRPr lang="hu-HU" sz="4800" dirty="0">
+              <a:latin typeface="Segoe UI Black" panose="020B0A02040204020203" pitchFamily="34" charset="0"/>
+              <a:ea typeface="Segoe UI Black" panose="020B0A02040204020203" pitchFamily="34" charset="0"/>
+            </a:endParaRPr>
+          </a:p>
+        </p:txBody>
+      </p:sp>
+    </p:spTree>
+    <p:extLst>
+      <p:ext uri="{BB962C8B-B14F-4D97-AF65-F5344CB8AC3E}">
+        <p14:creationId xmlns:p14="http://schemas.microsoft.com/office/powerpoint/2010/main" val="259315612"/>
+      </p:ext>
+    </p:extLst>
+  </p:cSld>
+  <p:clrMapOvr>
+    <a:masterClrMapping/>
+  </p:clrMapOvr>
+  <p:timing>
+    <p:tnLst>
+      <p:par>
+        <p:cTn id="1" dur="indefinite" restart="never" nodeType="tmRoot">
+          <p:childTnLst>
+            <p:seq concurrent="1" nextAc="seek">
+              <p:cTn id="2" dur="indefinite" nodeType="mainSeq">
+                <p:childTnLst>
+                  <p:par>
+                    <p:cTn id="3" fill="hold">
+                      <p:stCondLst>
+                        <p:cond delay="indefinite"/>
+                        <p:cond evt="onBegin" delay="0">
+                          <p:tn val="2"/>
+                        </p:cond>
+                      </p:stCondLst>
+                      <p:childTnLst>
+                        <p:par>
+                          <p:cTn id="4" fill="hold">
+                            <p:stCondLst>
+                              <p:cond delay="0"/>
+                            </p:stCondLst>
+                            <p:childTnLst>
+                              <p:par>
+                                <p:cTn id="5" presetID="42" presetClass="path" presetSubtype="0" accel="50000" decel="50000" fill="hold" grpId="0" nodeType="afterEffect">
+                                  <p:stCondLst>
+                                    <p:cond delay="200"/>
+                                  </p:stCondLst>
+                                  <p:childTnLst>
+                                    <p:animMotion origin="layout" path="M 4.58333E-6 3.7037E-6 L 0.14036 -1.28125 " pathEditMode="relative" rAng="0" ptsTypes="AA">
+                                      <p:cBhvr>
+                                        <p:cTn id="6" dur="1800" fill="hold"/>
+                                        <p:tgtEl>
+                                          <p:spTgt spid="6"/>
+                                        </p:tgtEl>
+                                        <p:attrNameLst>
+                                          <p:attrName>ppt_x</p:attrName>
+                                          <p:attrName>ppt_y</p:attrName>
+                                        </p:attrNameLst>
+                                      </p:cBhvr>
+                                      <p:rCtr x="7018" y="-64074"/>
+                                    </p:animMotion>
+                                  </p:childTnLst>
+                                </p:cTn>
+                              </p:par>
+                              <p:par>
+                                <p:cTn id="7" presetID="42" presetClass="path" presetSubtype="0" accel="50000" decel="50000" fill="hold" grpId="0" nodeType="withEffect">
+                                  <p:stCondLst>
+                                    <p:cond delay="600"/>
+                                  </p:stCondLst>
+                                  <p:childTnLst>
+                                    <p:animMotion origin="layout" path="M -0.43385 -0.07269 L -0.58177 1.18287 " pathEditMode="relative" rAng="0" ptsTypes="AA">
+                                      <p:cBhvr>
+                                        <p:cTn id="8" dur="2200" fill="hold"/>
+                                        <p:tgtEl>
+                                          <p:spTgt spid="7"/>
+                                        </p:tgtEl>
+                                        <p:attrNameLst>
+                                          <p:attrName>ppt_x</p:attrName>
+                                          <p:attrName>ppt_y</p:attrName>
+                                        </p:attrNameLst>
+                                      </p:cBhvr>
+                                      <p:rCtr x="-7396" y="62778"/>
+                                    </p:animMotion>
+                                  </p:childTnLst>
+                                </p:cTn>
+                              </p:par>
+                              <p:par>
+                                <p:cTn id="9" presetID="42" presetClass="path" presetSubtype="0" accel="50000" decel="50000" fill="hold" grpId="0" nodeType="withEffect">
+                                  <p:stCondLst>
+                                    <p:cond delay="1100"/>
+                                  </p:stCondLst>
+                                  <p:childTnLst>
+                                    <p:animMotion origin="layout" path="M -0.56835 0.62153 L -0.43398 -0.56065 " pathEditMode="relative" rAng="0" ptsTypes="AA">
+                                      <p:cBhvr>
+                                        <p:cTn id="10" dur="2100" fill="hold"/>
+                                        <p:tgtEl>
+                                          <p:spTgt spid="8"/>
+                                        </p:tgtEl>
+                                        <p:attrNameLst>
+                                          <p:attrName>ppt_x</p:attrName>
+                                          <p:attrName>ppt_y</p:attrName>
+                                        </p:attrNameLst>
+                                      </p:cBhvr>
+                                      <p:rCtr x="6719" y="-59120"/>
+                                    </p:animMotion>
+                                  </p:childTnLst>
+                                </p:cTn>
+                              </p:par>
+                            </p:childTnLst>
+                          </p:cTn>
+                        </p:par>
+                        <p:par>
+                          <p:cTn id="11" fill="hold">
+                            <p:stCondLst>
+                              <p:cond delay="3200"/>
+                            </p:stCondLst>
+                            <p:childTnLst>
+                              <p:par>
+                                <p:cTn id="12" presetID="18" presetClass="entr" presetSubtype="12" fill="hold" nodeType="afterEffect">
+                                  <p:stCondLst>
+                                    <p:cond delay="0"/>
+                                  </p:stCondLst>
+                                  <p:childTnLst>
+                                    <p:set>
+                                      <p:cBhvr>
+                                        <p:cTn id="13" dur="1" fill="hold">
+                                          <p:stCondLst>
+                                            <p:cond delay="0"/>
+                                          </p:stCondLst>
+                                        </p:cTn>
+                                        <p:tgtEl>
+                                          <p:spTgt spid="1030"/>
+                                        </p:tgtEl>
+                                        <p:attrNameLst>
+                                          <p:attrName>style.visibility</p:attrName>
+                                        </p:attrNameLst>
+                                      </p:cBhvr>
+                                      <p:to>
+                                        <p:strVal val="visible"/>
+                                      </p:to>
+                                    </p:set>
+                                    <p:animEffect transition="in" filter="strips(downLeft)">
+                                      <p:cBhvr>
+                                        <p:cTn id="14" dur="1000"/>
+                                        <p:tgtEl>
+                                          <p:spTgt spid="1030"/>
+                                        </p:tgtEl>
+                                      </p:cBhvr>
+                                    </p:animEffect>
+                                  </p:childTnLst>
+                                </p:cTn>
+                              </p:par>
+                              <p:par>
+                                <p:cTn id="15" presetID="18" presetClass="entr" presetSubtype="12" fill="hold" nodeType="withEffect">
+                                  <p:stCondLst>
+                                    <p:cond delay="300"/>
+                                  </p:stCondLst>
+                                  <p:childTnLst>
+                                    <p:set>
+                                      <p:cBhvr>
+                                        <p:cTn id="16" dur="1" fill="hold">
+                                          <p:stCondLst>
+                                            <p:cond delay="0"/>
+                                          </p:stCondLst>
+                                        </p:cTn>
+                                        <p:tgtEl>
+                                          <p:spTgt spid="1028"/>
+                                        </p:tgtEl>
+                                        <p:attrNameLst>
+                                          <p:attrName>style.visibility</p:attrName>
+                                        </p:attrNameLst>
+                                      </p:cBhvr>
+                                      <p:to>
+                                        <p:strVal val="visible"/>
+                                      </p:to>
+                                    </p:set>
+                                    <p:animEffect transition="in" filter="strips(downLeft)">
+                                      <p:cBhvr>
+                                        <p:cTn id="17" dur="1000"/>
+                                        <p:tgtEl>
+                                          <p:spTgt spid="1028"/>
+                                        </p:tgtEl>
+                                      </p:cBhvr>
+                                    </p:animEffect>
+                                  </p:childTnLst>
+                                </p:cTn>
+                              </p:par>
+                              <p:par>
+                                <p:cTn id="18" presetID="18" presetClass="entr" presetSubtype="12" fill="hold" nodeType="withEffect">
+                                  <p:stCondLst>
+                                    <p:cond delay="700"/>
+                                  </p:stCondLst>
+                                  <p:childTnLst>
+                                    <p:set>
+                                      <p:cBhvr>
+                                        <p:cTn id="19" dur="1" fill="hold">
+                                          <p:stCondLst>
+                                            <p:cond delay="0"/>
+                                          </p:stCondLst>
+                                        </p:cTn>
+                                        <p:tgtEl>
+                                          <p:spTgt spid="9"/>
+                                        </p:tgtEl>
+                                        <p:attrNameLst>
+                                          <p:attrName>style.visibility</p:attrName>
+                                        </p:attrNameLst>
+                                      </p:cBhvr>
+                                      <p:to>
+                                        <p:strVal val="visible"/>
+                                      </p:to>
+                                    </p:set>
+                                    <p:animEffect transition="in" filter="strips(downLeft)">
+                                      <p:cBhvr>
+                                        <p:cTn id="20" dur="1000"/>
+                                        <p:tgtEl>
+                                          <p:spTgt spid="9"/>
+                                        </p:tgtEl>
+                                      </p:cBhvr>
+                                    </p:animEffect>
+                                  </p:childTnLst>
+                                </p:cTn>
+                              </p:par>
+                              <p:par>
+                                <p:cTn id="21" presetID="63" presetClass="path" presetSubtype="0" accel="50000" decel="50000" fill="hold" grpId="0" nodeType="withEffect">
+                                  <p:stCondLst>
+                                    <p:cond delay="1000"/>
+                                  </p:stCondLst>
+                                  <p:childTnLst>
+                                    <p:animMotion origin="layout" path="M -1.06523 -1.48148E-6 L 1.07136 -0.00301 " pathEditMode="relative" rAng="0" ptsTypes="AA">
+                                      <p:cBhvr>
+                                        <p:cTn id="22" dur="2000" fill="hold"/>
+                                        <p:tgtEl>
+                                          <p:spTgt spid="11"/>
+                                        </p:tgtEl>
+                                        <p:attrNameLst>
+                                          <p:attrName>ppt_x</p:attrName>
+                                          <p:attrName>ppt_y</p:attrName>
+                                        </p:attrNameLst>
+                                      </p:cBhvr>
+                                      <p:rCtr x="106836" y="-162"/>
+                                    </p:animMotion>
+                                  </p:childTnLst>
+                                </p:cTn>
+                              </p:par>
+                            </p:childTnLst>
+                          </p:cTn>
+                        </p:par>
+                      </p:childTnLst>
+                    </p:cTn>
+                  </p:par>
+                </p:childTnLst>
+              </p:cTn>
+              <p:prevCondLst>
+                <p:cond evt="onPrev" delay="0">
+                  <p:tgtEl>
+                    <p:sldTgt/>
+                  </p:tgtEl>
+                </p:cond>
+              </p:prevCondLst>
+              <p:nextCondLst>
+                <p:cond evt="onNext" delay="0">
+                  <p:tgtEl>
+                    <p:sldTgt/>
+                  </p:tgtEl>
+                </p:cond>
+              </p:nextCondLst>
+            </p:seq>
+          </p:childTnLst>
+        </p:cTn>
+      </p:par>
+    </p:tnLst>
+    <p:bldLst>
+      <p:bldP spid="6" grpId="0" animBg="1"/>
+      <p:bldP spid="7" grpId="0" animBg="1"/>
+      <p:bldP spid="8" grpId="0" animBg="1"/>
+      <p:bldP spid="11" grpId="0" animBg="1"/>
+    </p:bldLst>
+  </p:timing>
+</p:sld>
+</file>
+
+<file path=ppt/slides/slide4.xml><?xml version="1.0" encoding="utf-8"?>
+<p:sld xmlns:a="http://schemas.openxmlformats.org/drawingml/2006/main" xmlns:r="http://schemas.openxmlformats.org/officeDocument/2006/relationships" xmlns:p="http://schemas.openxmlformats.org/presentationml/2006/main">
+  <p:cSld>
+    <p:bg>
+      <p:bgPr>
+        <a:solidFill>
+          <a:srgbClr val="5019B3"/>
+        </a:solidFill>
+        <a:effectLst/>
+      </p:bgPr>
+    </p:bg>
+    <p:spTree>
+      <p:nvGrpSpPr>
+        <p:cNvPr id="1" name=""/>
+        <p:cNvGrpSpPr/>
+        <p:nvPr/>
+      </p:nvGrpSpPr>
+      <p:grpSpPr>
+        <a:xfrm>
+          <a:off x="0" y="0"/>
+          <a:ext cx="0" cy="0"/>
+          <a:chOff x="0" y="0"/>
+          <a:chExt cx="0" cy="0"/>
+        </a:xfrm>
+      </p:grpSpPr>
       <p:grpSp>
         <p:nvGrpSpPr>
           <p:cNvPr id="3" name="Group 2"/>
@@ -5743,7 +6384,7 @@
             <p:cNvPr id="4" name="Téglalap: lekerekített 3">
               <a:extLst>
                 <a:ext uri="{FF2B5EF4-FFF2-40B4-BE49-F238E27FC236}">
-                  <a16:creationId xmlns:a16="http://schemas.microsoft.com/office/drawing/2014/main" id="{BC187220-8284-1B2B-8CE3-7C613265D444}"/>
+                  <a16:creationId xmlns:a16="http://schemas.microsoft.com/office/drawing/2014/main" xmlns="" id="{BC187220-8284-1B2B-8CE3-7C613265D444}"/>
                 </a:ext>
               </a:extLst>
             </p:cNvPr>
@@ -5800,7 +6441,7 @@
             <p:cNvPr id="6" name="Szövegdoboz 5">
               <a:extLst>
                 <a:ext uri="{FF2B5EF4-FFF2-40B4-BE49-F238E27FC236}">
-                  <a16:creationId xmlns:a16="http://schemas.microsoft.com/office/drawing/2014/main" id="{5B6AC857-2A98-66B3-8AC9-33FBAB3EDDF5}"/>
+                  <a16:creationId xmlns:a16="http://schemas.microsoft.com/office/drawing/2014/main" xmlns="" id="{5B6AC857-2A98-66B3-8AC9-33FBAB3EDDF5}"/>
                 </a:ext>
               </a:extLst>
             </p:cNvPr>
@@ -5874,6 +6515,10 @@
                 </a:rPr>
                 <a:t> provides a Sprite class that you can use to create and manage sprites efficiently.</a:t>
               </a:r>
+              <a:r>
+                <a:rPr lang="en-US" dirty="0"/>
+                <a:t/>
+              </a:r>
               <a:br>
                 <a:rPr lang="en-US" dirty="0"/>
               </a:br>
@@ -5886,7 +6531,7 @@
             <p:cNvPr id="7" name="Szövegdoboz 6">
               <a:extLst>
                 <a:ext uri="{FF2B5EF4-FFF2-40B4-BE49-F238E27FC236}">
-                  <a16:creationId xmlns:a16="http://schemas.microsoft.com/office/drawing/2014/main" id="{7819F685-963E-271F-BC1B-FDA54155C9CE}"/>
+                  <a16:creationId xmlns:a16="http://schemas.microsoft.com/office/drawing/2014/main" xmlns="" id="{7819F685-963E-271F-BC1B-FDA54155C9CE}"/>
                 </a:ext>
               </a:extLst>
             </p:cNvPr>
@@ -5947,63 +6592,6 @@
           </p:txBody>
         </p:sp>
       </p:grpSp>
-      <p:sp>
-        <p:nvSpPr>
-          <p:cNvPr id="8" name="Téglalap: lekerekített 7">
-            <a:extLst>
-              <a:ext uri="{FF2B5EF4-FFF2-40B4-BE49-F238E27FC236}">
-                <a16:creationId xmlns:a16="http://schemas.microsoft.com/office/drawing/2014/main" id="{104486A8-B0E8-F708-7D72-B551D3E54053}"/>
-              </a:ext>
-            </a:extLst>
-          </p:cNvPr>
-          <p:cNvSpPr/>
-          <p:nvPr/>
-        </p:nvSpPr>
-        <p:spPr>
-          <a:xfrm>
-            <a:off x="6527687" y="3629018"/>
-            <a:ext cx="4784269" cy="2811242"/>
-          </a:xfrm>
-          <a:prstGeom prst="roundRect">
-            <a:avLst>
-              <a:gd name="adj" fmla="val 4094"/>
-            </a:avLst>
-          </a:prstGeom>
-          <a:solidFill>
-            <a:schemeClr val="bg1">
-              <a:alpha val="80000"/>
-            </a:schemeClr>
-          </a:solidFill>
-          <a:ln w="120650" cap="sq">
-            <a:noFill/>
-            <a:round/>
-          </a:ln>
-        </p:spPr>
-        <p:style>
-          <a:lnRef idx="2">
-            <a:schemeClr val="accent1">
-              <a:shade val="15000"/>
-            </a:schemeClr>
-          </a:lnRef>
-          <a:fillRef idx="1">
-            <a:schemeClr val="accent1"/>
-          </a:fillRef>
-          <a:effectRef idx="0">
-            <a:schemeClr val="accent1"/>
-          </a:effectRef>
-          <a:fontRef idx="minor">
-            <a:schemeClr val="lt1"/>
-          </a:fontRef>
-        </p:style>
-        <p:txBody>
-          <a:bodyPr rtlCol="0" anchor="ctr"/>
-          <a:lstStyle/>
-          <a:p>
-            <a:pPr algn="ctr"/>
-            <a:endParaRPr lang="hu-HU" dirty="0"/>
-          </a:p>
-        </p:txBody>
-      </p:sp>
       <p:grpSp>
         <p:nvGrpSpPr>
           <p:cNvPr id="2" name="Group 1"/>
@@ -6023,7 +6611,7 @@
             <p:cNvPr id="5" name="Téglalap: lekerekített 4">
               <a:extLst>
                 <a:ext uri="{FF2B5EF4-FFF2-40B4-BE49-F238E27FC236}">
-                  <a16:creationId xmlns:a16="http://schemas.microsoft.com/office/drawing/2014/main" id="{B74CBF98-6A67-702F-008D-E30CBEB44963}"/>
+                  <a16:creationId xmlns:a16="http://schemas.microsoft.com/office/drawing/2014/main" xmlns="" id="{B74CBF98-6A67-702F-008D-E30CBEB44963}"/>
                 </a:ext>
               </a:extLst>
             </p:cNvPr>
@@ -6083,7 +6671,7 @@
             <p:cNvPr id="1026" name="Picture 2">
               <a:extLst>
                 <a:ext uri="{FF2B5EF4-FFF2-40B4-BE49-F238E27FC236}">
-                  <a16:creationId xmlns:a16="http://schemas.microsoft.com/office/drawing/2014/main" id="{7A82368D-859C-5EE3-8D89-77E6D75EAD7D}"/>
+                  <a16:creationId xmlns:a16="http://schemas.microsoft.com/office/drawing/2014/main" xmlns="" id="{7A82368D-859C-5EE3-8D89-77E6D75EAD7D}"/>
                 </a:ext>
               </a:extLst>
             </p:cNvPr>
@@ -6126,38 +6714,110 @@
           </p:spPr>
         </p:pic>
       </p:grpSp>
-      <p:pic>
-        <p:nvPicPr>
-          <p:cNvPr id="9" name="Kép 8">
-            <a:extLst>
-              <a:ext uri="{FF2B5EF4-FFF2-40B4-BE49-F238E27FC236}">
-                <a16:creationId xmlns:a16="http://schemas.microsoft.com/office/drawing/2014/main" id="{5B790B36-93CA-4AF6-AADC-C651C05A2519}"/>
-              </a:ext>
-            </a:extLst>
-          </p:cNvPr>
-          <p:cNvPicPr>
-            <a:picLocks noChangeAspect="1"/>
-          </p:cNvPicPr>
+      <p:grpSp>
+        <p:nvGrpSpPr>
+          <p:cNvPr id="10" name="Group 9"/>
+          <p:cNvGrpSpPr/>
           <p:nvPr/>
-        </p:nvPicPr>
-        <p:blipFill>
-          <a:blip r:embed="rId3"/>
-          <a:stretch>
-            <a:fillRect/>
-          </a:stretch>
-        </p:blipFill>
-        <p:spPr>
+        </p:nvGrpSpPr>
+        <p:grpSpPr>
           <a:xfrm>
-            <a:off x="6987125" y="3738021"/>
-            <a:ext cx="3865390" cy="2593236"/>
+            <a:off x="6527687" y="3629018"/>
+            <a:ext cx="4784269" cy="2811242"/>
+            <a:chOff x="6527687" y="3629018"/>
+            <a:chExt cx="4784269" cy="2811242"/>
           </a:xfrm>
-          <a:prstGeom prst="roundRect">
-            <a:avLst>
-              <a:gd name="adj" fmla="val 2289"/>
-            </a:avLst>
-          </a:prstGeom>
-        </p:spPr>
-      </p:pic>
+        </p:grpSpPr>
+        <p:sp>
+          <p:nvSpPr>
+            <p:cNvPr id="8" name="Téglalap: lekerekített 7">
+              <a:extLst>
+                <a:ext uri="{FF2B5EF4-FFF2-40B4-BE49-F238E27FC236}">
+                  <a16:creationId xmlns:a16="http://schemas.microsoft.com/office/drawing/2014/main" xmlns="" id="{104486A8-B0E8-F708-7D72-B551D3E54053}"/>
+                </a:ext>
+              </a:extLst>
+            </p:cNvPr>
+            <p:cNvSpPr/>
+            <p:nvPr/>
+          </p:nvSpPr>
+          <p:spPr>
+            <a:xfrm>
+              <a:off x="6527687" y="3629018"/>
+              <a:ext cx="4784269" cy="2811242"/>
+            </a:xfrm>
+            <a:prstGeom prst="roundRect">
+              <a:avLst>
+                <a:gd name="adj" fmla="val 4094"/>
+              </a:avLst>
+            </a:prstGeom>
+            <a:solidFill>
+              <a:schemeClr val="bg1">
+                <a:alpha val="80000"/>
+              </a:schemeClr>
+            </a:solidFill>
+            <a:ln w="120650" cap="sq">
+              <a:noFill/>
+              <a:round/>
+            </a:ln>
+          </p:spPr>
+          <p:style>
+            <a:lnRef idx="2">
+              <a:schemeClr val="accent1">
+                <a:shade val="15000"/>
+              </a:schemeClr>
+            </a:lnRef>
+            <a:fillRef idx="1">
+              <a:schemeClr val="accent1"/>
+            </a:fillRef>
+            <a:effectRef idx="0">
+              <a:schemeClr val="accent1"/>
+            </a:effectRef>
+            <a:fontRef idx="minor">
+              <a:schemeClr val="lt1"/>
+            </a:fontRef>
+          </p:style>
+          <p:txBody>
+            <a:bodyPr rtlCol="0" anchor="ctr"/>
+            <a:lstStyle/>
+            <a:p>
+              <a:pPr algn="ctr"/>
+              <a:endParaRPr lang="hu-HU" dirty="0"/>
+            </a:p>
+          </p:txBody>
+        </p:sp>
+        <p:pic>
+          <p:nvPicPr>
+            <p:cNvPr id="9" name="Kép 8">
+              <a:extLst>
+                <a:ext uri="{FF2B5EF4-FFF2-40B4-BE49-F238E27FC236}">
+                  <a16:creationId xmlns:a16="http://schemas.microsoft.com/office/drawing/2014/main" xmlns="" id="{5B790B36-93CA-4AF6-AADC-C651C05A2519}"/>
+                </a:ext>
+              </a:extLst>
+            </p:cNvPr>
+            <p:cNvPicPr>
+              <a:picLocks noChangeAspect="1"/>
+            </p:cNvPicPr>
+            <p:nvPr/>
+          </p:nvPicPr>
+          <p:blipFill>
+            <a:blip r:embed="rId3"/>
+            <a:stretch>
+              <a:fillRect/>
+            </a:stretch>
+          </p:blipFill>
+          <p:spPr>
+            <a:xfrm>
+              <a:off x="6987125" y="3738021"/>
+              <a:ext cx="3865390" cy="2593236"/>
+            </a:xfrm>
+            <a:prstGeom prst="roundRect">
+              <a:avLst>
+                <a:gd name="adj" fmla="val 2289"/>
+              </a:avLst>
+            </a:prstGeom>
+          </p:spPr>
+        </p:pic>
+      </p:grpSp>
     </p:spTree>
     <p:extLst>
       <p:ext uri="{BB962C8B-B14F-4D97-AF65-F5344CB8AC3E}">
@@ -6364,97 +7024,6 @@
                       </p:childTnLst>
                     </p:cTn>
                   </p:par>
-                  <p:par>
-                    <p:cTn id="15" fill="hold">
-                      <p:stCondLst>
-                        <p:cond delay="indefinite"/>
-                      </p:stCondLst>
-                      <p:childTnLst>
-                        <p:par>
-                          <p:cTn id="16" fill="hold">
-                            <p:stCondLst>
-                              <p:cond delay="0"/>
-                            </p:stCondLst>
-                            <p:childTnLst>
-                              <p:par>
-                                <p:cTn id="17" presetID="2" presetClass="entr" presetSubtype="4" fill="hold" grpId="0" nodeType="clickEffect">
-                                  <p:stCondLst>
-                                    <p:cond delay="0"/>
-                                  </p:stCondLst>
-                                  <p:childTnLst>
-                                    <p:set>
-                                      <p:cBhvr>
-                                        <p:cTn id="18" dur="1" fill="hold">
-                                          <p:stCondLst>
-                                            <p:cond delay="0"/>
-                                          </p:stCondLst>
-                                        </p:cTn>
-                                        <p:tgtEl>
-                                          <p:spTgt spid="8"/>
-                                        </p:tgtEl>
-                                        <p:attrNameLst>
-                                          <p:attrName>style.visibility</p:attrName>
-                                        </p:attrNameLst>
-                                      </p:cBhvr>
-                                      <p:to>
-                                        <p:strVal val="visible"/>
-                                      </p:to>
-                                    </p:set>
-                                    <p:anim calcmode="lin" valueType="num">
-                                      <p:cBhvr additive="base">
-                                        <p:cTn id="19" dur="500" fill="hold"/>
-                                        <p:tgtEl>
-                                          <p:spTgt spid="8"/>
-                                        </p:tgtEl>
-                                        <p:attrNameLst>
-                                          <p:attrName>ppt_x</p:attrName>
-                                        </p:attrNameLst>
-                                      </p:cBhvr>
-                                      <p:tavLst>
-                                        <p:tav tm="0">
-                                          <p:val>
-                                            <p:strVal val="#ppt_x"/>
-                                          </p:val>
-                                        </p:tav>
-                                        <p:tav tm="100000">
-                                          <p:val>
-                                            <p:strVal val="#ppt_x"/>
-                                          </p:val>
-                                        </p:tav>
-                                      </p:tavLst>
-                                    </p:anim>
-                                    <p:anim calcmode="lin" valueType="num">
-                                      <p:cBhvr additive="base">
-                                        <p:cTn id="20" dur="500" fill="hold"/>
-                                        <p:tgtEl>
-                                          <p:spTgt spid="8"/>
-                                        </p:tgtEl>
-                                        <p:attrNameLst>
-                                          <p:attrName>ppt_y</p:attrName>
-                                        </p:attrNameLst>
-                                      </p:cBhvr>
-                                      <p:tavLst>
-                                        <p:tav tm="0">
-                                          <p:val>
-                                            <p:strVal val="1+#ppt_h/2"/>
-                                          </p:val>
-                                        </p:tav>
-                                        <p:tav tm="100000">
-                                          <p:val>
-                                            <p:strVal val="#ppt_y"/>
-                                          </p:val>
-                                        </p:tav>
-                                      </p:tavLst>
-                                    </p:anim>
-                                  </p:childTnLst>
-                                </p:cTn>
-                              </p:par>
-                            </p:childTnLst>
-                          </p:cTn>
-                        </p:par>
-                      </p:childTnLst>
-                    </p:cTn>
-                  </p:par>
                 </p:childTnLst>
               </p:cTn>
               <p:prevCondLst>
@@ -6476,14 +7045,11 @@
         </p:cTn>
       </p:par>
     </p:tnLst>
-    <p:bldLst>
-      <p:bldP spid="8" grpId="0" animBg="1"/>
-    </p:bldLst>
   </p:timing>
 </p:sld>
 </file>
 
-<file path=ppt/slides/slide4.xml><?xml version="1.0" encoding="utf-8"?>
+<file path=ppt/slides/slide5.xml><?xml version="1.0" encoding="utf-8"?>
 <p:sld xmlns:a="http://schemas.openxmlformats.org/drawingml/2006/main" xmlns:r="http://schemas.openxmlformats.org/officeDocument/2006/relationships" xmlns:p="http://schemas.openxmlformats.org/presentationml/2006/main">
   <p:cSld>
     <p:bg>
@@ -6513,7 +7079,7 @@
           <p:cNvPr id="4" name="Téglalap: lekerekített 3">
             <a:extLst>
               <a:ext uri="{FF2B5EF4-FFF2-40B4-BE49-F238E27FC236}">
-                <a16:creationId xmlns:a16="http://schemas.microsoft.com/office/drawing/2014/main" id="{BC187220-8284-1B2B-8CE3-7C613265D444}"/>
+                <a16:creationId xmlns:a16="http://schemas.microsoft.com/office/drawing/2014/main" xmlns="" id="{BC187220-8284-1B2B-8CE3-7C613265D444}"/>
               </a:ext>
             </a:extLst>
           </p:cNvPr>
@@ -6570,7 +7136,7 @@
           <p:cNvPr id="5" name="Téglalap: lekerekített 4">
             <a:extLst>
               <a:ext uri="{FF2B5EF4-FFF2-40B4-BE49-F238E27FC236}">
-                <a16:creationId xmlns:a16="http://schemas.microsoft.com/office/drawing/2014/main" id="{B74CBF98-6A67-702F-008D-E30CBEB44963}"/>
+                <a16:creationId xmlns:a16="http://schemas.microsoft.com/office/drawing/2014/main" xmlns="" id="{B74CBF98-6A67-702F-008D-E30CBEB44963}"/>
               </a:ext>
             </a:extLst>
           </p:cNvPr>
@@ -6627,7 +7193,7 @@
           <p:cNvPr id="6" name="Szövegdoboz 5">
             <a:extLst>
               <a:ext uri="{FF2B5EF4-FFF2-40B4-BE49-F238E27FC236}">
-                <a16:creationId xmlns:a16="http://schemas.microsoft.com/office/drawing/2014/main" id="{5B6AC857-2A98-66B3-8AC9-33FBAB3EDDF5}"/>
+                <a16:creationId xmlns:a16="http://schemas.microsoft.com/office/drawing/2014/main" xmlns="" id="{5B6AC857-2A98-66B3-8AC9-33FBAB3EDDF5}"/>
               </a:ext>
             </a:extLst>
           </p:cNvPr>
@@ -6701,6 +7267,10 @@
               </a:rPr>
               <a:t> provides a Sprite class that you can use to create and manage sprites efficiently.</a:t>
             </a:r>
+            <a:r>
+              <a:rPr lang="en-US" dirty="0"/>
+              <a:t/>
+            </a:r>
             <a:br>
               <a:rPr lang="en-US" dirty="0"/>
             </a:br>
@@ -6713,7 +7283,7 @@
           <p:cNvPr id="7" name="Szövegdoboz 6">
             <a:extLst>
               <a:ext uri="{FF2B5EF4-FFF2-40B4-BE49-F238E27FC236}">
-                <a16:creationId xmlns:a16="http://schemas.microsoft.com/office/drawing/2014/main" id="{7819F685-963E-271F-BC1B-FDA54155C9CE}"/>
+                <a16:creationId xmlns:a16="http://schemas.microsoft.com/office/drawing/2014/main" xmlns="" id="{7819F685-963E-271F-BC1B-FDA54155C9CE}"/>
               </a:ext>
             </a:extLst>
           </p:cNvPr>
@@ -6913,7 +7483,7 @@
 </p:sld>
 </file>
 
-<file path=ppt/slides/slide5.xml><?xml version="1.0" encoding="utf-8"?>
+<file path=ppt/slides/slide6.xml><?xml version="1.0" encoding="utf-8"?>
 <p:sld xmlns:a="http://schemas.openxmlformats.org/drawingml/2006/main" xmlns:r="http://schemas.openxmlformats.org/officeDocument/2006/relationships" xmlns:p="http://schemas.openxmlformats.org/presentationml/2006/main">
   <p:cSld>
     <p:bg>
@@ -6943,7 +7513,7 @@
           <p:cNvPr id="2" name="Cím 1">
             <a:extLst>
               <a:ext uri="{FF2B5EF4-FFF2-40B4-BE49-F238E27FC236}">
-                <a16:creationId xmlns:a16="http://schemas.microsoft.com/office/drawing/2014/main" id="{D1CE9B8A-DB08-5227-4E90-0FE396A4D141}"/>
+                <a16:creationId xmlns:a16="http://schemas.microsoft.com/office/drawing/2014/main" xmlns="" id="{D1CE9B8A-DB08-5227-4E90-0FE396A4D141}"/>
               </a:ext>
             </a:extLst>
           </p:cNvPr>
@@ -6968,7 +7538,7 @@
           <p:cNvPr id="3" name="Alcím 2">
             <a:extLst>
               <a:ext uri="{FF2B5EF4-FFF2-40B4-BE49-F238E27FC236}">
-                <a16:creationId xmlns:a16="http://schemas.microsoft.com/office/drawing/2014/main" id="{33E051B4-6ACD-E318-EC79-47D89175A6C0}"/>
+                <a16:creationId xmlns:a16="http://schemas.microsoft.com/office/drawing/2014/main" xmlns="" id="{33E051B4-6ACD-E318-EC79-47D89175A6C0}"/>
               </a:ext>
             </a:extLst>
           </p:cNvPr>
@@ -6993,7 +7563,7 @@
           <p:cNvPr id="5" name="Téglalap: lekerekített 4">
             <a:extLst>
               <a:ext uri="{FF2B5EF4-FFF2-40B4-BE49-F238E27FC236}">
-                <a16:creationId xmlns:a16="http://schemas.microsoft.com/office/drawing/2014/main" id="{C5BDCC62-F9EF-42AD-9B0E-82FDB2144CDA}"/>
+                <a16:creationId xmlns:a16="http://schemas.microsoft.com/office/drawing/2014/main" xmlns="" id="{C5BDCC62-F9EF-42AD-9B0E-82FDB2144CDA}"/>
               </a:ext>
             </a:extLst>
           </p:cNvPr>
@@ -7185,7 +7755,7 @@
 </p:sld>
 </file>
 
-<file path=ppt/slides/slide6.xml><?xml version="1.0" encoding="utf-8"?>
+<file path=ppt/slides/slide7.xml><?xml version="1.0" encoding="utf-8"?>
 <p:sld xmlns:a="http://schemas.openxmlformats.org/drawingml/2006/main" xmlns:r="http://schemas.openxmlformats.org/officeDocument/2006/relationships" xmlns:p="http://schemas.openxmlformats.org/presentationml/2006/main">
   <p:cSld>
     <p:bg>
@@ -7215,7 +7785,7 @@
           <p:cNvPr id="4" name="Ellipszis 3">
             <a:extLst>
               <a:ext uri="{FF2B5EF4-FFF2-40B4-BE49-F238E27FC236}">
-                <a16:creationId xmlns:a16="http://schemas.microsoft.com/office/drawing/2014/main" id="{5E590742-0F2F-708E-87FC-8CF5ABA75119}"/>
+                <a16:creationId xmlns:a16="http://schemas.microsoft.com/office/drawing/2014/main" xmlns="" id="{5E590742-0F2F-708E-87FC-8CF5ABA75119}"/>
               </a:ext>
             </a:extLst>
           </p:cNvPr>
@@ -7274,7 +7844,7 @@
           <p:cNvPr id="5" name="Ellipszis 4">
             <a:extLst>
               <a:ext uri="{FF2B5EF4-FFF2-40B4-BE49-F238E27FC236}">
-                <a16:creationId xmlns:a16="http://schemas.microsoft.com/office/drawing/2014/main" id="{7BFA035C-0E90-EF99-09EB-F01F1787B99D}"/>
+                <a16:creationId xmlns:a16="http://schemas.microsoft.com/office/drawing/2014/main" xmlns="" id="{7BFA035C-0E90-EF99-09EB-F01F1787B99D}"/>
               </a:ext>
             </a:extLst>
           </p:cNvPr>
@@ -7330,7 +7900,7 @@
           <p:cNvPr id="15" name="Szövegdoboz 14">
             <a:extLst>
               <a:ext uri="{FF2B5EF4-FFF2-40B4-BE49-F238E27FC236}">
-                <a16:creationId xmlns:a16="http://schemas.microsoft.com/office/drawing/2014/main" id="{BAD904EC-5503-CAE6-53A8-7648AE393A9D}"/>
+                <a16:creationId xmlns:a16="http://schemas.microsoft.com/office/drawing/2014/main" xmlns="" id="{BAD904EC-5503-CAE6-53A8-7648AE393A9D}"/>
               </a:ext>
             </a:extLst>
           </p:cNvPr>
@@ -7383,7 +7953,7 @@
           <p:cNvPr id="17" name="Szövegdoboz 15">
             <a:extLst>
               <a:ext uri="{FF2B5EF4-FFF2-40B4-BE49-F238E27FC236}">
-                <a16:creationId xmlns:a16="http://schemas.microsoft.com/office/drawing/2014/main" id="{C9117FAE-FE67-5743-F7DB-0D7FE2C64D91}"/>
+                <a16:creationId xmlns:a16="http://schemas.microsoft.com/office/drawing/2014/main" xmlns="" id="{C9117FAE-FE67-5743-F7DB-0D7FE2C64D91}"/>
               </a:ext>
             </a:extLst>
           </p:cNvPr>
@@ -7866,7 +8436,7 @@
 </p:sld>
 </file>
 
-<file path=ppt/slides/slide7.xml><?xml version="1.0" encoding="utf-8"?>
+<file path=ppt/slides/slide8.xml><?xml version="1.0" encoding="utf-8"?>
 <p:sld xmlns:a="http://schemas.openxmlformats.org/drawingml/2006/main" xmlns:r="http://schemas.openxmlformats.org/officeDocument/2006/relationships" xmlns:p="http://schemas.openxmlformats.org/presentationml/2006/main">
   <p:cSld>
     <p:bg>
@@ -7896,7 +8466,7 @@
           <p:cNvPr id="44" name="Ellipszis 43">
             <a:extLst>
               <a:ext uri="{FF2B5EF4-FFF2-40B4-BE49-F238E27FC236}">
-                <a16:creationId xmlns:a16="http://schemas.microsoft.com/office/drawing/2014/main" id="{645329D2-24D7-4E68-B864-0EBD807ED9C7}"/>
+                <a16:creationId xmlns:a16="http://schemas.microsoft.com/office/drawing/2014/main" xmlns="" id="{645329D2-24D7-4E68-B864-0EBD807ED9C7}"/>
               </a:ext>
             </a:extLst>
           </p:cNvPr>
@@ -7955,7 +8525,7 @@
           <p:cNvPr id="45" name="Ellipszis 44">
             <a:extLst>
               <a:ext uri="{FF2B5EF4-FFF2-40B4-BE49-F238E27FC236}">
-                <a16:creationId xmlns:a16="http://schemas.microsoft.com/office/drawing/2014/main" id="{1CF101B2-BBC2-495C-A7C8-A35500CDEADA}"/>
+                <a16:creationId xmlns:a16="http://schemas.microsoft.com/office/drawing/2014/main" xmlns="" id="{1CF101B2-BBC2-495C-A7C8-A35500CDEADA}"/>
               </a:ext>
             </a:extLst>
           </p:cNvPr>
@@ -8014,7 +8584,7 @@
           <p:cNvPr id="50" name="Téglalap: lekerekített 49">
             <a:extLst>
               <a:ext uri="{FF2B5EF4-FFF2-40B4-BE49-F238E27FC236}">
-                <a16:creationId xmlns:a16="http://schemas.microsoft.com/office/drawing/2014/main" id="{8B38A860-78B7-48BD-A452-FE7ADB9753AD}"/>
+                <a16:creationId xmlns:a16="http://schemas.microsoft.com/office/drawing/2014/main" xmlns="" id="{8B38A860-78B7-48BD-A452-FE7ADB9753AD}"/>
               </a:ext>
             </a:extLst>
           </p:cNvPr>
@@ -8129,7 +8699,7 @@
           <p:cNvPr id="1032" name="Picture 8" descr="Your very First GitHub Repository. | by olatunde ibitoye | Medium">
             <a:extLst>
               <a:ext uri="{FF2B5EF4-FFF2-40B4-BE49-F238E27FC236}">
-                <a16:creationId xmlns:a16="http://schemas.microsoft.com/office/drawing/2014/main" id="{65697C37-BB70-40DD-AFE7-60C0822C6AB9}"/>
+                <a16:creationId xmlns:a16="http://schemas.microsoft.com/office/drawing/2014/main" xmlns="" id="{65697C37-BB70-40DD-AFE7-60C0822C6AB9}"/>
               </a:ext>
             </a:extLst>
           </p:cNvPr>
@@ -8139,7 +8709,7 @@
           <p:nvPr/>
         </p:nvPicPr>
         <p:blipFill>
-          <a:blip r:embed="rId2">
+          <a:blip r:embed="rId2" cstate="print">
             <a:extLst>
               <a:ext uri="{28A0092B-C50C-407E-A947-70E740481C1C}">
                 <a14:useLocalDpi xmlns:a14="http://schemas.microsoft.com/office/drawing/2010/main" val="0"/>
@@ -8176,7 +8746,7 @@
           <p:cNvPr id="66" name="Ellipszis 65">
             <a:extLst>
               <a:ext uri="{FF2B5EF4-FFF2-40B4-BE49-F238E27FC236}">
-                <a16:creationId xmlns:a16="http://schemas.microsoft.com/office/drawing/2014/main" id="{56912AC2-6561-42FD-80C1-49350133FB8A}"/>
+                <a16:creationId xmlns:a16="http://schemas.microsoft.com/office/drawing/2014/main" xmlns="" id="{56912AC2-6561-42FD-80C1-49350133FB8A}"/>
               </a:ext>
             </a:extLst>
           </p:cNvPr>
@@ -8235,7 +8805,7 @@
           <p:cNvPr id="67" name="Ellipszis 66">
             <a:extLst>
               <a:ext uri="{FF2B5EF4-FFF2-40B4-BE49-F238E27FC236}">
-                <a16:creationId xmlns:a16="http://schemas.microsoft.com/office/drawing/2014/main" id="{32F74799-D3F6-4A89-A83F-A3F32E86FA9E}"/>
+                <a16:creationId xmlns:a16="http://schemas.microsoft.com/office/drawing/2014/main" xmlns="" id="{32F74799-D3F6-4A89-A83F-A3F32E86FA9E}"/>
               </a:ext>
             </a:extLst>
           </p:cNvPr>
@@ -8294,7 +8864,7 @@
           <p:cNvPr id="69" name="Ellipszis 68">
             <a:extLst>
               <a:ext uri="{FF2B5EF4-FFF2-40B4-BE49-F238E27FC236}">
-                <a16:creationId xmlns:a16="http://schemas.microsoft.com/office/drawing/2014/main" id="{EA0495DE-046E-4ED7-8708-5EC8AE2AC86E}"/>
+                <a16:creationId xmlns:a16="http://schemas.microsoft.com/office/drawing/2014/main" xmlns="" id="{EA0495DE-046E-4ED7-8708-5EC8AE2AC86E}"/>
               </a:ext>
             </a:extLst>
           </p:cNvPr>
@@ -8353,7 +8923,7 @@
           <p:cNvPr id="70" name="Ellipszis 69">
             <a:extLst>
               <a:ext uri="{FF2B5EF4-FFF2-40B4-BE49-F238E27FC236}">
-                <a16:creationId xmlns:a16="http://schemas.microsoft.com/office/drawing/2014/main" id="{0B57A567-0E0A-4116-B280-EDE7321AE0BD}"/>
+                <a16:creationId xmlns:a16="http://schemas.microsoft.com/office/drawing/2014/main" xmlns="" id="{0B57A567-0E0A-4116-B280-EDE7321AE0BD}"/>
               </a:ext>
             </a:extLst>
           </p:cNvPr>
@@ -8412,7 +8982,7 @@
           <p:cNvPr id="1038" name="Picture 14" descr="https://avatars.githubusercontent.com/u/122269847?v=4">
             <a:extLst>
               <a:ext uri="{FF2B5EF4-FFF2-40B4-BE49-F238E27FC236}">
-                <a16:creationId xmlns:a16="http://schemas.microsoft.com/office/drawing/2014/main" id="{7CD961B7-2720-4DD3-A1FC-99878FABF62E}"/>
+                <a16:creationId xmlns:a16="http://schemas.microsoft.com/office/drawing/2014/main" xmlns="" id="{7CD961B7-2720-4DD3-A1FC-99878FABF62E}"/>
               </a:ext>
             </a:extLst>
           </p:cNvPr>
@@ -8422,7 +8992,7 @@
           <p:nvPr/>
         </p:nvPicPr>
         <p:blipFill>
-          <a:blip r:embed="rId3">
+          <a:blip r:embed="rId3" cstate="print">
             <a:extLst>
               <a:ext uri="{28A0092B-C50C-407E-A947-70E740481C1C}">
                 <a14:useLocalDpi xmlns:a14="http://schemas.microsoft.com/office/drawing/2010/main" val="0"/>
@@ -8459,7 +9029,7 @@
           <p:cNvPr id="75" name="Téglalap: lekerekített 74">
             <a:extLst>
               <a:ext uri="{FF2B5EF4-FFF2-40B4-BE49-F238E27FC236}">
-                <a16:creationId xmlns:a16="http://schemas.microsoft.com/office/drawing/2014/main" id="{F061B00D-FF28-417F-8E89-78FED159E63E}"/>
+                <a16:creationId xmlns:a16="http://schemas.microsoft.com/office/drawing/2014/main" xmlns="" id="{F061B00D-FF28-417F-8E89-78FED159E63E}"/>
               </a:ext>
             </a:extLst>
           </p:cNvPr>
@@ -8571,7 +9141,7 @@
           <p:cNvPr id="76" name="Téglalap: lekerekített 75">
             <a:extLst>
               <a:ext uri="{FF2B5EF4-FFF2-40B4-BE49-F238E27FC236}">
-                <a16:creationId xmlns:a16="http://schemas.microsoft.com/office/drawing/2014/main" id="{4A770DFA-F1B4-42B9-ACDE-1808FFD1ECEF}"/>
+                <a16:creationId xmlns:a16="http://schemas.microsoft.com/office/drawing/2014/main" xmlns="" id="{4A770DFA-F1B4-42B9-ACDE-1808FFD1ECEF}"/>
               </a:ext>
             </a:extLst>
           </p:cNvPr>

--- a/Prezentáció.pptx
+++ b/Prezentáció.pptx
@@ -5,17 +5,20 @@
     <p:sldMasterId id="2147483648" r:id="rId1"/>
   </p:sldMasterIdLst>
   <p:notesMasterIdLst>
-    <p:notesMasterId r:id="rId10"/>
+    <p:notesMasterId r:id="rId13"/>
   </p:notesMasterIdLst>
   <p:sldIdLst>
     <p:sldId id="261" r:id="rId2"/>
     <p:sldId id="269" r:id="rId3"/>
     <p:sldId id="270" r:id="rId4"/>
-    <p:sldId id="266" r:id="rId5"/>
-    <p:sldId id="265" r:id="rId6"/>
-    <p:sldId id="264" r:id="rId7"/>
-    <p:sldId id="267" r:id="rId8"/>
-    <p:sldId id="268" r:id="rId9"/>
+    <p:sldId id="271" r:id="rId5"/>
+    <p:sldId id="273" r:id="rId6"/>
+    <p:sldId id="272" r:id="rId7"/>
+    <p:sldId id="266" r:id="rId8"/>
+    <p:sldId id="265" r:id="rId9"/>
+    <p:sldId id="264" r:id="rId10"/>
+    <p:sldId id="267" r:id="rId11"/>
+    <p:sldId id="268" r:id="rId12"/>
   </p:sldIdLst>
   <p:sldSz cx="12192000" cy="6858000"/>
   <p:notesSz cx="6858000" cy="9144000"/>
@@ -116,7 +119,18 @@
   </p:defaultTextStyle>
   <p:extLst>
     <p:ext uri="{EFAFB233-063F-42B5-8137-9DF3F51BA10A}">
-      <p15:sldGuideLst xmlns:p15="http://schemas.microsoft.com/office/powerpoint/2012/main"/>
+      <p15:sldGuideLst xmlns:p15="http://schemas.microsoft.com/office/powerpoint/2012/main">
+        <p15:guide id="1" orient="horz" pos="2160" userDrawn="1">
+          <p15:clr>
+            <a:srgbClr val="A4A3A4"/>
+          </p15:clr>
+        </p15:guide>
+        <p15:guide id="2" pos="3840" userDrawn="1">
+          <p15:clr>
+            <a:srgbClr val="A4A3A4"/>
+          </p15:clr>
+        </p15:guide>
+      </p15:sldGuideLst>
     </p:ext>
     <p:ext uri="{2D200454-40CA-4A62-9FC3-DE9A4176ACB9}">
       <p15:notesGuideLst xmlns:p15="http://schemas.microsoft.com/office/powerpoint/2012/main"/>
@@ -219,7 +233,7 @@
           <a:p>
             <a:fld id="{045CADAF-2C59-4E58-A455-8868FC9726FC}" type="datetimeFigureOut">
               <a:rPr lang="hu-HU" smtClean="0"/>
-              <a:t>2024. 01. 27.</a:t>
+              <a:t>2024.01.31</a:t>
             </a:fld>
             <a:endParaRPr lang="hu-HU"/>
           </a:p>
@@ -508,7 +522,7 @@
           <p:cNvPr id="2" name="Cím 1">
             <a:extLst>
               <a:ext uri="{FF2B5EF4-FFF2-40B4-BE49-F238E27FC236}">
-                <a16:creationId xmlns:a16="http://schemas.microsoft.com/office/drawing/2014/main" xmlns="" id="{79B6456A-B89F-DB5E-FE02-0F1DA12AD99C}"/>
+                <a16:creationId xmlns:a16="http://schemas.microsoft.com/office/drawing/2014/main" id="{79B6456A-B89F-DB5E-FE02-0F1DA12AD99C}"/>
               </a:ext>
             </a:extLst>
           </p:cNvPr>
@@ -545,7 +559,7 @@
           <p:cNvPr id="3" name="Alcím 2">
             <a:extLst>
               <a:ext uri="{FF2B5EF4-FFF2-40B4-BE49-F238E27FC236}">
-                <a16:creationId xmlns:a16="http://schemas.microsoft.com/office/drawing/2014/main" xmlns="" id="{A6DE1E2A-F8A7-5B84-A151-03A46EFC33A0}"/>
+                <a16:creationId xmlns:a16="http://schemas.microsoft.com/office/drawing/2014/main" id="{A6DE1E2A-F8A7-5B84-A151-03A46EFC33A0}"/>
               </a:ext>
             </a:extLst>
           </p:cNvPr>
@@ -615,7 +629,7 @@
           <p:cNvPr id="4" name="Dátum helye 3">
             <a:extLst>
               <a:ext uri="{FF2B5EF4-FFF2-40B4-BE49-F238E27FC236}">
-                <a16:creationId xmlns:a16="http://schemas.microsoft.com/office/drawing/2014/main" xmlns="" id="{F980237B-C6D6-EEEC-6B52-84C67949BF3B}"/>
+                <a16:creationId xmlns:a16="http://schemas.microsoft.com/office/drawing/2014/main" id="{F980237B-C6D6-EEEC-6B52-84C67949BF3B}"/>
               </a:ext>
             </a:extLst>
           </p:cNvPr>
@@ -633,7 +647,7 @@
           <a:p>
             <a:fld id="{8E532DDB-289F-42C2-8F57-09A656E29423}" type="datetimeFigureOut">
               <a:rPr lang="hu-HU" smtClean="0"/>
-              <a:t>2024. 01. 27.</a:t>
+              <a:t>2024.01.31</a:t>
             </a:fld>
             <a:endParaRPr lang="hu-HU"/>
           </a:p>
@@ -644,7 +658,7 @@
           <p:cNvPr id="5" name="Élőláb helye 4">
             <a:extLst>
               <a:ext uri="{FF2B5EF4-FFF2-40B4-BE49-F238E27FC236}">
-                <a16:creationId xmlns:a16="http://schemas.microsoft.com/office/drawing/2014/main" xmlns="" id="{28C59F81-E057-3434-B32E-2F293C18052C}"/>
+                <a16:creationId xmlns:a16="http://schemas.microsoft.com/office/drawing/2014/main" id="{28C59F81-E057-3434-B32E-2F293C18052C}"/>
               </a:ext>
             </a:extLst>
           </p:cNvPr>
@@ -669,7 +683,7 @@
           <p:cNvPr id="6" name="Dia számának helye 5">
             <a:extLst>
               <a:ext uri="{FF2B5EF4-FFF2-40B4-BE49-F238E27FC236}">
-                <a16:creationId xmlns:a16="http://schemas.microsoft.com/office/drawing/2014/main" xmlns="" id="{C1AF783E-2A3F-DDD6-8CA2-C976E1B0C6A1}"/>
+                <a16:creationId xmlns:a16="http://schemas.microsoft.com/office/drawing/2014/main" id="{C1AF783E-2A3F-DDD6-8CA2-C976E1B0C6A1}"/>
               </a:ext>
             </a:extLst>
           </p:cNvPr>
@@ -728,7 +742,7 @@
           <p:cNvPr id="2" name="Cím 1">
             <a:extLst>
               <a:ext uri="{FF2B5EF4-FFF2-40B4-BE49-F238E27FC236}">
-                <a16:creationId xmlns:a16="http://schemas.microsoft.com/office/drawing/2014/main" xmlns="" id="{DDA30CDC-3A8E-3316-F1FC-A9220E50C37B}"/>
+                <a16:creationId xmlns:a16="http://schemas.microsoft.com/office/drawing/2014/main" id="{DDA30CDC-3A8E-3316-F1FC-A9220E50C37B}"/>
               </a:ext>
             </a:extLst>
           </p:cNvPr>
@@ -756,7 +770,7 @@
           <p:cNvPr id="3" name="Függőleges szöveg helye 2">
             <a:extLst>
               <a:ext uri="{FF2B5EF4-FFF2-40B4-BE49-F238E27FC236}">
-                <a16:creationId xmlns:a16="http://schemas.microsoft.com/office/drawing/2014/main" xmlns="" id="{83D8B0E5-C35F-E4C0-6AC3-2B5A64F7A76F}"/>
+                <a16:creationId xmlns:a16="http://schemas.microsoft.com/office/drawing/2014/main" id="{83D8B0E5-C35F-E4C0-6AC3-2B5A64F7A76F}"/>
               </a:ext>
             </a:extLst>
           </p:cNvPr>
@@ -813,7 +827,7 @@
           <p:cNvPr id="4" name="Dátum helye 3">
             <a:extLst>
               <a:ext uri="{FF2B5EF4-FFF2-40B4-BE49-F238E27FC236}">
-                <a16:creationId xmlns:a16="http://schemas.microsoft.com/office/drawing/2014/main" xmlns="" id="{27E917AB-2C23-72BC-58BD-AD4F821B36F8}"/>
+                <a16:creationId xmlns:a16="http://schemas.microsoft.com/office/drawing/2014/main" id="{27E917AB-2C23-72BC-58BD-AD4F821B36F8}"/>
               </a:ext>
             </a:extLst>
           </p:cNvPr>
@@ -831,7 +845,7 @@
           <a:p>
             <a:fld id="{8E532DDB-289F-42C2-8F57-09A656E29423}" type="datetimeFigureOut">
               <a:rPr lang="hu-HU" smtClean="0"/>
-              <a:t>2024. 01. 27.</a:t>
+              <a:t>2024.01.31</a:t>
             </a:fld>
             <a:endParaRPr lang="hu-HU"/>
           </a:p>
@@ -842,7 +856,7 @@
           <p:cNvPr id="5" name="Élőláb helye 4">
             <a:extLst>
               <a:ext uri="{FF2B5EF4-FFF2-40B4-BE49-F238E27FC236}">
-                <a16:creationId xmlns:a16="http://schemas.microsoft.com/office/drawing/2014/main" xmlns="" id="{4B6D012D-1C6A-411E-6219-2F45E5523C6B}"/>
+                <a16:creationId xmlns:a16="http://schemas.microsoft.com/office/drawing/2014/main" id="{4B6D012D-1C6A-411E-6219-2F45E5523C6B}"/>
               </a:ext>
             </a:extLst>
           </p:cNvPr>
@@ -867,7 +881,7 @@
           <p:cNvPr id="6" name="Dia számának helye 5">
             <a:extLst>
               <a:ext uri="{FF2B5EF4-FFF2-40B4-BE49-F238E27FC236}">
-                <a16:creationId xmlns:a16="http://schemas.microsoft.com/office/drawing/2014/main" xmlns="" id="{5F592276-49E8-0983-AC04-5D66492B2658}"/>
+                <a16:creationId xmlns:a16="http://schemas.microsoft.com/office/drawing/2014/main" id="{5F592276-49E8-0983-AC04-5D66492B2658}"/>
               </a:ext>
             </a:extLst>
           </p:cNvPr>
@@ -926,7 +940,7 @@
           <p:cNvPr id="2" name="Függőleges cím 1">
             <a:extLst>
               <a:ext uri="{FF2B5EF4-FFF2-40B4-BE49-F238E27FC236}">
-                <a16:creationId xmlns:a16="http://schemas.microsoft.com/office/drawing/2014/main" xmlns="" id="{A6B2959D-F0DB-7505-3887-5F0F8A4ED834}"/>
+                <a16:creationId xmlns:a16="http://schemas.microsoft.com/office/drawing/2014/main" id="{A6B2959D-F0DB-7505-3887-5F0F8A4ED834}"/>
               </a:ext>
             </a:extLst>
           </p:cNvPr>
@@ -959,7 +973,7 @@
           <p:cNvPr id="3" name="Függőleges szöveg helye 2">
             <a:extLst>
               <a:ext uri="{FF2B5EF4-FFF2-40B4-BE49-F238E27FC236}">
-                <a16:creationId xmlns:a16="http://schemas.microsoft.com/office/drawing/2014/main" xmlns="" id="{20E0E6C5-085C-D09C-084F-C460729F9E6D}"/>
+                <a16:creationId xmlns:a16="http://schemas.microsoft.com/office/drawing/2014/main" id="{20E0E6C5-085C-D09C-084F-C460729F9E6D}"/>
               </a:ext>
             </a:extLst>
           </p:cNvPr>
@@ -1021,7 +1035,7 @@
           <p:cNvPr id="4" name="Dátum helye 3">
             <a:extLst>
               <a:ext uri="{FF2B5EF4-FFF2-40B4-BE49-F238E27FC236}">
-                <a16:creationId xmlns:a16="http://schemas.microsoft.com/office/drawing/2014/main" xmlns="" id="{DFF17BF3-0335-8A93-5A46-EC3F20E0ADE1}"/>
+                <a16:creationId xmlns:a16="http://schemas.microsoft.com/office/drawing/2014/main" id="{DFF17BF3-0335-8A93-5A46-EC3F20E0ADE1}"/>
               </a:ext>
             </a:extLst>
           </p:cNvPr>
@@ -1039,7 +1053,7 @@
           <a:p>
             <a:fld id="{8E532DDB-289F-42C2-8F57-09A656E29423}" type="datetimeFigureOut">
               <a:rPr lang="hu-HU" smtClean="0"/>
-              <a:t>2024. 01. 27.</a:t>
+              <a:t>2024.01.31</a:t>
             </a:fld>
             <a:endParaRPr lang="hu-HU"/>
           </a:p>
@@ -1050,7 +1064,7 @@
           <p:cNvPr id="5" name="Élőláb helye 4">
             <a:extLst>
               <a:ext uri="{FF2B5EF4-FFF2-40B4-BE49-F238E27FC236}">
-                <a16:creationId xmlns:a16="http://schemas.microsoft.com/office/drawing/2014/main" xmlns="" id="{3AFF700C-B4A6-FF55-FA3A-937997218C71}"/>
+                <a16:creationId xmlns:a16="http://schemas.microsoft.com/office/drawing/2014/main" id="{3AFF700C-B4A6-FF55-FA3A-937997218C71}"/>
               </a:ext>
             </a:extLst>
           </p:cNvPr>
@@ -1075,7 +1089,7 @@
           <p:cNvPr id="6" name="Dia számának helye 5">
             <a:extLst>
               <a:ext uri="{FF2B5EF4-FFF2-40B4-BE49-F238E27FC236}">
-                <a16:creationId xmlns:a16="http://schemas.microsoft.com/office/drawing/2014/main" xmlns="" id="{B456B9AE-E4C3-00FA-5622-26ECD962BC14}"/>
+                <a16:creationId xmlns:a16="http://schemas.microsoft.com/office/drawing/2014/main" id="{B456B9AE-E4C3-00FA-5622-26ECD962BC14}"/>
               </a:ext>
             </a:extLst>
           </p:cNvPr>
@@ -1134,7 +1148,7 @@
           <p:cNvPr id="2" name="Cím 1">
             <a:extLst>
               <a:ext uri="{FF2B5EF4-FFF2-40B4-BE49-F238E27FC236}">
-                <a16:creationId xmlns:a16="http://schemas.microsoft.com/office/drawing/2014/main" xmlns="" id="{8F09B032-43DE-EB55-9460-DDEBB15DC2E7}"/>
+                <a16:creationId xmlns:a16="http://schemas.microsoft.com/office/drawing/2014/main" id="{8F09B032-43DE-EB55-9460-DDEBB15DC2E7}"/>
               </a:ext>
             </a:extLst>
           </p:cNvPr>
@@ -1162,7 +1176,7 @@
           <p:cNvPr id="3" name="Tartalom helye 2">
             <a:extLst>
               <a:ext uri="{FF2B5EF4-FFF2-40B4-BE49-F238E27FC236}">
-                <a16:creationId xmlns:a16="http://schemas.microsoft.com/office/drawing/2014/main" xmlns="" id="{93761993-65DF-B03B-15A1-DAAA88CF63C3}"/>
+                <a16:creationId xmlns:a16="http://schemas.microsoft.com/office/drawing/2014/main" id="{93761993-65DF-B03B-15A1-DAAA88CF63C3}"/>
               </a:ext>
             </a:extLst>
           </p:cNvPr>
@@ -1219,7 +1233,7 @@
           <p:cNvPr id="4" name="Dátum helye 3">
             <a:extLst>
               <a:ext uri="{FF2B5EF4-FFF2-40B4-BE49-F238E27FC236}">
-                <a16:creationId xmlns:a16="http://schemas.microsoft.com/office/drawing/2014/main" xmlns="" id="{EC19022C-9411-F196-94CA-7EB83954162C}"/>
+                <a16:creationId xmlns:a16="http://schemas.microsoft.com/office/drawing/2014/main" id="{EC19022C-9411-F196-94CA-7EB83954162C}"/>
               </a:ext>
             </a:extLst>
           </p:cNvPr>
@@ -1237,7 +1251,7 @@
           <a:p>
             <a:fld id="{8E532DDB-289F-42C2-8F57-09A656E29423}" type="datetimeFigureOut">
               <a:rPr lang="hu-HU" smtClean="0"/>
-              <a:t>2024. 01. 27.</a:t>
+              <a:t>2024.01.31</a:t>
             </a:fld>
             <a:endParaRPr lang="hu-HU"/>
           </a:p>
@@ -1248,7 +1262,7 @@
           <p:cNvPr id="5" name="Élőláb helye 4">
             <a:extLst>
               <a:ext uri="{FF2B5EF4-FFF2-40B4-BE49-F238E27FC236}">
-                <a16:creationId xmlns:a16="http://schemas.microsoft.com/office/drawing/2014/main" xmlns="" id="{D92C1323-42F5-817C-23A6-5BD482993B91}"/>
+                <a16:creationId xmlns:a16="http://schemas.microsoft.com/office/drawing/2014/main" id="{D92C1323-42F5-817C-23A6-5BD482993B91}"/>
               </a:ext>
             </a:extLst>
           </p:cNvPr>
@@ -1273,7 +1287,7 @@
           <p:cNvPr id="6" name="Dia számának helye 5">
             <a:extLst>
               <a:ext uri="{FF2B5EF4-FFF2-40B4-BE49-F238E27FC236}">
-                <a16:creationId xmlns:a16="http://schemas.microsoft.com/office/drawing/2014/main" xmlns="" id="{7AAADE6D-0E59-9965-FCC6-DEC79020261D}"/>
+                <a16:creationId xmlns:a16="http://schemas.microsoft.com/office/drawing/2014/main" id="{7AAADE6D-0E59-9965-FCC6-DEC79020261D}"/>
               </a:ext>
             </a:extLst>
           </p:cNvPr>
@@ -1332,7 +1346,7 @@
           <p:cNvPr id="2" name="Cím 1">
             <a:extLst>
               <a:ext uri="{FF2B5EF4-FFF2-40B4-BE49-F238E27FC236}">
-                <a16:creationId xmlns:a16="http://schemas.microsoft.com/office/drawing/2014/main" xmlns="" id="{7A4FD609-97C6-FDCF-196C-C04CE372C3DE}"/>
+                <a16:creationId xmlns:a16="http://schemas.microsoft.com/office/drawing/2014/main" id="{7A4FD609-97C6-FDCF-196C-C04CE372C3DE}"/>
               </a:ext>
             </a:extLst>
           </p:cNvPr>
@@ -1369,7 +1383,7 @@
           <p:cNvPr id="3" name="Szöveg helye 2">
             <a:extLst>
               <a:ext uri="{FF2B5EF4-FFF2-40B4-BE49-F238E27FC236}">
-                <a16:creationId xmlns:a16="http://schemas.microsoft.com/office/drawing/2014/main" xmlns="" id="{5FF2CCF6-3BEC-B1BD-A408-1E0E439D4494}"/>
+                <a16:creationId xmlns:a16="http://schemas.microsoft.com/office/drawing/2014/main" id="{5FF2CCF6-3BEC-B1BD-A408-1E0E439D4494}"/>
               </a:ext>
             </a:extLst>
           </p:cNvPr>
@@ -1494,7 +1508,7 @@
           <p:cNvPr id="4" name="Dátum helye 3">
             <a:extLst>
               <a:ext uri="{FF2B5EF4-FFF2-40B4-BE49-F238E27FC236}">
-                <a16:creationId xmlns:a16="http://schemas.microsoft.com/office/drawing/2014/main" xmlns="" id="{02D96E93-B7FD-52C4-1976-571A32AA135C}"/>
+                <a16:creationId xmlns:a16="http://schemas.microsoft.com/office/drawing/2014/main" id="{02D96E93-B7FD-52C4-1976-571A32AA135C}"/>
               </a:ext>
             </a:extLst>
           </p:cNvPr>
@@ -1512,7 +1526,7 @@
           <a:p>
             <a:fld id="{8E532DDB-289F-42C2-8F57-09A656E29423}" type="datetimeFigureOut">
               <a:rPr lang="hu-HU" smtClean="0"/>
-              <a:t>2024. 01. 27.</a:t>
+              <a:t>2024.01.31</a:t>
             </a:fld>
             <a:endParaRPr lang="hu-HU"/>
           </a:p>
@@ -1523,7 +1537,7 @@
           <p:cNvPr id="5" name="Élőláb helye 4">
             <a:extLst>
               <a:ext uri="{FF2B5EF4-FFF2-40B4-BE49-F238E27FC236}">
-                <a16:creationId xmlns:a16="http://schemas.microsoft.com/office/drawing/2014/main" xmlns="" id="{427CAFE0-46BC-55A4-87F5-A8059EC7A0F7}"/>
+                <a16:creationId xmlns:a16="http://schemas.microsoft.com/office/drawing/2014/main" id="{427CAFE0-46BC-55A4-87F5-A8059EC7A0F7}"/>
               </a:ext>
             </a:extLst>
           </p:cNvPr>
@@ -1548,7 +1562,7 @@
           <p:cNvPr id="6" name="Dia számának helye 5">
             <a:extLst>
               <a:ext uri="{FF2B5EF4-FFF2-40B4-BE49-F238E27FC236}">
-                <a16:creationId xmlns:a16="http://schemas.microsoft.com/office/drawing/2014/main" xmlns="" id="{CC3EFF7C-F069-DFE5-3306-0E561AF4AE11}"/>
+                <a16:creationId xmlns:a16="http://schemas.microsoft.com/office/drawing/2014/main" id="{CC3EFF7C-F069-DFE5-3306-0E561AF4AE11}"/>
               </a:ext>
             </a:extLst>
           </p:cNvPr>
@@ -1607,7 +1621,7 @@
           <p:cNvPr id="2" name="Cím 1">
             <a:extLst>
               <a:ext uri="{FF2B5EF4-FFF2-40B4-BE49-F238E27FC236}">
-                <a16:creationId xmlns:a16="http://schemas.microsoft.com/office/drawing/2014/main" xmlns="" id="{DD16BD1C-A96C-C433-11C4-7FB2F9CF4217}"/>
+                <a16:creationId xmlns:a16="http://schemas.microsoft.com/office/drawing/2014/main" id="{DD16BD1C-A96C-C433-11C4-7FB2F9CF4217}"/>
               </a:ext>
             </a:extLst>
           </p:cNvPr>
@@ -1635,7 +1649,7 @@
           <p:cNvPr id="3" name="Tartalom helye 2">
             <a:extLst>
               <a:ext uri="{FF2B5EF4-FFF2-40B4-BE49-F238E27FC236}">
-                <a16:creationId xmlns:a16="http://schemas.microsoft.com/office/drawing/2014/main" xmlns="" id="{216662B5-E8AA-B1E7-B29B-CC9EA1747EB8}"/>
+                <a16:creationId xmlns:a16="http://schemas.microsoft.com/office/drawing/2014/main" id="{216662B5-E8AA-B1E7-B29B-CC9EA1747EB8}"/>
               </a:ext>
             </a:extLst>
           </p:cNvPr>
@@ -1697,7 +1711,7 @@
           <p:cNvPr id="4" name="Tartalom helye 3">
             <a:extLst>
               <a:ext uri="{FF2B5EF4-FFF2-40B4-BE49-F238E27FC236}">
-                <a16:creationId xmlns:a16="http://schemas.microsoft.com/office/drawing/2014/main" xmlns="" id="{F91EB719-6D94-619D-DA44-432529F07A64}"/>
+                <a16:creationId xmlns:a16="http://schemas.microsoft.com/office/drawing/2014/main" id="{F91EB719-6D94-619D-DA44-432529F07A64}"/>
               </a:ext>
             </a:extLst>
           </p:cNvPr>
@@ -1759,7 +1773,7 @@
           <p:cNvPr id="5" name="Dátum helye 4">
             <a:extLst>
               <a:ext uri="{FF2B5EF4-FFF2-40B4-BE49-F238E27FC236}">
-                <a16:creationId xmlns:a16="http://schemas.microsoft.com/office/drawing/2014/main" xmlns="" id="{F719282D-DF51-71E0-FA65-579C7251FFED}"/>
+                <a16:creationId xmlns:a16="http://schemas.microsoft.com/office/drawing/2014/main" id="{F719282D-DF51-71E0-FA65-579C7251FFED}"/>
               </a:ext>
             </a:extLst>
           </p:cNvPr>
@@ -1777,7 +1791,7 @@
           <a:p>
             <a:fld id="{8E532DDB-289F-42C2-8F57-09A656E29423}" type="datetimeFigureOut">
               <a:rPr lang="hu-HU" smtClean="0"/>
-              <a:t>2024. 01. 27.</a:t>
+              <a:t>2024.01.31</a:t>
             </a:fld>
             <a:endParaRPr lang="hu-HU"/>
           </a:p>
@@ -1788,7 +1802,7 @@
           <p:cNvPr id="6" name="Élőláb helye 5">
             <a:extLst>
               <a:ext uri="{FF2B5EF4-FFF2-40B4-BE49-F238E27FC236}">
-                <a16:creationId xmlns:a16="http://schemas.microsoft.com/office/drawing/2014/main" xmlns="" id="{9CA010A5-65CA-F06E-E671-C1073A8C6DFA}"/>
+                <a16:creationId xmlns:a16="http://schemas.microsoft.com/office/drawing/2014/main" id="{9CA010A5-65CA-F06E-E671-C1073A8C6DFA}"/>
               </a:ext>
             </a:extLst>
           </p:cNvPr>
@@ -1813,7 +1827,7 @@
           <p:cNvPr id="7" name="Dia számának helye 6">
             <a:extLst>
               <a:ext uri="{FF2B5EF4-FFF2-40B4-BE49-F238E27FC236}">
-                <a16:creationId xmlns:a16="http://schemas.microsoft.com/office/drawing/2014/main" xmlns="" id="{16635656-463D-7407-9573-D0E1E69DA9BA}"/>
+                <a16:creationId xmlns:a16="http://schemas.microsoft.com/office/drawing/2014/main" id="{16635656-463D-7407-9573-D0E1E69DA9BA}"/>
               </a:ext>
             </a:extLst>
           </p:cNvPr>
@@ -1880,7 +1894,7 @@
           <p:cNvPr id="10" name="Téglalap: lekerekített 9">
             <a:extLst>
               <a:ext uri="{FF2B5EF4-FFF2-40B4-BE49-F238E27FC236}">
-                <a16:creationId xmlns:a16="http://schemas.microsoft.com/office/drawing/2014/main" xmlns="" id="{5C929177-02C2-6B75-4903-1A897B6B857B}"/>
+                <a16:creationId xmlns:a16="http://schemas.microsoft.com/office/drawing/2014/main" id="{5C929177-02C2-6B75-4903-1A897B6B857B}"/>
               </a:ext>
             </a:extLst>
           </p:cNvPr>
@@ -1937,7 +1951,7 @@
           <p:cNvPr id="12" name="Téglalap: lekerekített 11">
             <a:extLst>
               <a:ext uri="{FF2B5EF4-FFF2-40B4-BE49-F238E27FC236}">
-                <a16:creationId xmlns:a16="http://schemas.microsoft.com/office/drawing/2014/main" xmlns="" id="{4263DA3D-3720-84C8-46EF-56A35EEE76D5}"/>
+                <a16:creationId xmlns:a16="http://schemas.microsoft.com/office/drawing/2014/main" id="{4263DA3D-3720-84C8-46EF-56A35EEE76D5}"/>
               </a:ext>
             </a:extLst>
           </p:cNvPr>
@@ -2023,7 +2037,7 @@
           <p:cNvPr id="2" name="Cím 1">
             <a:extLst>
               <a:ext uri="{FF2B5EF4-FFF2-40B4-BE49-F238E27FC236}">
-                <a16:creationId xmlns:a16="http://schemas.microsoft.com/office/drawing/2014/main" xmlns="" id="{9BB4D70D-713A-8887-D67D-44EF31009DDB}"/>
+                <a16:creationId xmlns:a16="http://schemas.microsoft.com/office/drawing/2014/main" id="{9BB4D70D-713A-8887-D67D-44EF31009DDB}"/>
               </a:ext>
             </a:extLst>
           </p:cNvPr>
@@ -2051,7 +2065,7 @@
           <p:cNvPr id="3" name="Dátum helye 2">
             <a:extLst>
               <a:ext uri="{FF2B5EF4-FFF2-40B4-BE49-F238E27FC236}">
-                <a16:creationId xmlns:a16="http://schemas.microsoft.com/office/drawing/2014/main" xmlns="" id="{38F97F01-6921-2071-E7CF-B953B6A631B9}"/>
+                <a16:creationId xmlns:a16="http://schemas.microsoft.com/office/drawing/2014/main" id="{38F97F01-6921-2071-E7CF-B953B6A631B9}"/>
               </a:ext>
             </a:extLst>
           </p:cNvPr>
@@ -2069,7 +2083,7 @@
           <a:p>
             <a:fld id="{8E532DDB-289F-42C2-8F57-09A656E29423}" type="datetimeFigureOut">
               <a:rPr lang="hu-HU" smtClean="0"/>
-              <a:t>2024. 01. 27.</a:t>
+              <a:t>2024.01.31</a:t>
             </a:fld>
             <a:endParaRPr lang="hu-HU"/>
           </a:p>
@@ -2080,7 +2094,7 @@
           <p:cNvPr id="4" name="Élőláb helye 3">
             <a:extLst>
               <a:ext uri="{FF2B5EF4-FFF2-40B4-BE49-F238E27FC236}">
-                <a16:creationId xmlns:a16="http://schemas.microsoft.com/office/drawing/2014/main" xmlns="" id="{792745E5-843C-C4BC-0A40-C73AF021DF1B}"/>
+                <a16:creationId xmlns:a16="http://schemas.microsoft.com/office/drawing/2014/main" id="{792745E5-843C-C4BC-0A40-C73AF021DF1B}"/>
               </a:ext>
             </a:extLst>
           </p:cNvPr>
@@ -2105,7 +2119,7 @@
           <p:cNvPr id="5" name="Dia számának helye 4">
             <a:extLst>
               <a:ext uri="{FF2B5EF4-FFF2-40B4-BE49-F238E27FC236}">
-                <a16:creationId xmlns:a16="http://schemas.microsoft.com/office/drawing/2014/main" xmlns="" id="{368A0A24-A47E-950C-021B-05FD744DD010}"/>
+                <a16:creationId xmlns:a16="http://schemas.microsoft.com/office/drawing/2014/main" id="{368A0A24-A47E-950C-021B-05FD744DD010}"/>
               </a:ext>
             </a:extLst>
           </p:cNvPr>
@@ -2172,7 +2186,7 @@
           <p:cNvPr id="5" name="Ellipszis 4">
             <a:extLst>
               <a:ext uri="{FF2B5EF4-FFF2-40B4-BE49-F238E27FC236}">
-                <a16:creationId xmlns:a16="http://schemas.microsoft.com/office/drawing/2014/main" xmlns="" id="{A0BDDF6C-542F-81C9-9F4B-8813C7292558}"/>
+                <a16:creationId xmlns:a16="http://schemas.microsoft.com/office/drawing/2014/main" id="{A0BDDF6C-542F-81C9-9F4B-8813C7292558}"/>
               </a:ext>
             </a:extLst>
           </p:cNvPr>
@@ -2231,7 +2245,7 @@
           <p:cNvPr id="6" name="Ellipszis 5">
             <a:extLst>
               <a:ext uri="{FF2B5EF4-FFF2-40B4-BE49-F238E27FC236}">
-                <a16:creationId xmlns:a16="http://schemas.microsoft.com/office/drawing/2014/main" xmlns="" id="{9D7F498D-E1BA-D32F-5381-088641790353}"/>
+                <a16:creationId xmlns:a16="http://schemas.microsoft.com/office/drawing/2014/main" id="{9D7F498D-E1BA-D32F-5381-088641790353}"/>
               </a:ext>
             </a:extLst>
           </p:cNvPr>
@@ -2317,7 +2331,7 @@
           <p:cNvPr id="2" name="Cím 1">
             <a:extLst>
               <a:ext uri="{FF2B5EF4-FFF2-40B4-BE49-F238E27FC236}">
-                <a16:creationId xmlns:a16="http://schemas.microsoft.com/office/drawing/2014/main" xmlns="" id="{4BA820B7-A734-61BA-025C-8A1D6FB9D823}"/>
+                <a16:creationId xmlns:a16="http://schemas.microsoft.com/office/drawing/2014/main" id="{4BA820B7-A734-61BA-025C-8A1D6FB9D823}"/>
               </a:ext>
             </a:extLst>
           </p:cNvPr>
@@ -2354,7 +2368,7 @@
           <p:cNvPr id="3" name="Tartalom helye 2">
             <a:extLst>
               <a:ext uri="{FF2B5EF4-FFF2-40B4-BE49-F238E27FC236}">
-                <a16:creationId xmlns:a16="http://schemas.microsoft.com/office/drawing/2014/main" xmlns="" id="{D85A7804-99D9-2553-C6EE-AE084D6A85BE}"/>
+                <a16:creationId xmlns:a16="http://schemas.microsoft.com/office/drawing/2014/main" id="{D85A7804-99D9-2553-C6EE-AE084D6A85BE}"/>
               </a:ext>
             </a:extLst>
           </p:cNvPr>
@@ -2444,7 +2458,7 @@
           <p:cNvPr id="4" name="Szöveg helye 3">
             <a:extLst>
               <a:ext uri="{FF2B5EF4-FFF2-40B4-BE49-F238E27FC236}">
-                <a16:creationId xmlns:a16="http://schemas.microsoft.com/office/drawing/2014/main" xmlns="" id="{6E20636C-67A0-A9ED-9447-E65E3DBC68BE}"/>
+                <a16:creationId xmlns:a16="http://schemas.microsoft.com/office/drawing/2014/main" id="{6E20636C-67A0-A9ED-9447-E65E3DBC68BE}"/>
               </a:ext>
             </a:extLst>
           </p:cNvPr>
@@ -2515,7 +2529,7 @@
           <p:cNvPr id="5" name="Dátum helye 4">
             <a:extLst>
               <a:ext uri="{FF2B5EF4-FFF2-40B4-BE49-F238E27FC236}">
-                <a16:creationId xmlns:a16="http://schemas.microsoft.com/office/drawing/2014/main" xmlns="" id="{9F312683-9595-AE25-326A-8C5877B6B683}"/>
+                <a16:creationId xmlns:a16="http://schemas.microsoft.com/office/drawing/2014/main" id="{9F312683-9595-AE25-326A-8C5877B6B683}"/>
               </a:ext>
             </a:extLst>
           </p:cNvPr>
@@ -2533,7 +2547,7 @@
           <a:p>
             <a:fld id="{8E532DDB-289F-42C2-8F57-09A656E29423}" type="datetimeFigureOut">
               <a:rPr lang="hu-HU" smtClean="0"/>
-              <a:t>2024. 01. 27.</a:t>
+              <a:t>2024.01.31</a:t>
             </a:fld>
             <a:endParaRPr lang="hu-HU"/>
           </a:p>
@@ -2544,7 +2558,7 @@
           <p:cNvPr id="6" name="Élőláb helye 5">
             <a:extLst>
               <a:ext uri="{FF2B5EF4-FFF2-40B4-BE49-F238E27FC236}">
-                <a16:creationId xmlns:a16="http://schemas.microsoft.com/office/drawing/2014/main" xmlns="" id="{8966127D-5FB5-31BD-9ADA-D2182F34B42E}"/>
+                <a16:creationId xmlns:a16="http://schemas.microsoft.com/office/drawing/2014/main" id="{8966127D-5FB5-31BD-9ADA-D2182F34B42E}"/>
               </a:ext>
             </a:extLst>
           </p:cNvPr>
@@ -2569,7 +2583,7 @@
           <p:cNvPr id="7" name="Dia számának helye 6">
             <a:extLst>
               <a:ext uri="{FF2B5EF4-FFF2-40B4-BE49-F238E27FC236}">
-                <a16:creationId xmlns:a16="http://schemas.microsoft.com/office/drawing/2014/main" xmlns="" id="{9D7BE2A7-FA0F-D1CB-4C81-4F42A7317EDA}"/>
+                <a16:creationId xmlns:a16="http://schemas.microsoft.com/office/drawing/2014/main" id="{9D7BE2A7-FA0F-D1CB-4C81-4F42A7317EDA}"/>
               </a:ext>
             </a:extLst>
           </p:cNvPr>
@@ -2628,7 +2642,7 @@
           <p:cNvPr id="2" name="Cím 1">
             <a:extLst>
               <a:ext uri="{FF2B5EF4-FFF2-40B4-BE49-F238E27FC236}">
-                <a16:creationId xmlns:a16="http://schemas.microsoft.com/office/drawing/2014/main" xmlns="" id="{B0784514-8C93-1D41-0ADC-AE65182FDD80}"/>
+                <a16:creationId xmlns:a16="http://schemas.microsoft.com/office/drawing/2014/main" id="{B0784514-8C93-1D41-0ADC-AE65182FDD80}"/>
               </a:ext>
             </a:extLst>
           </p:cNvPr>
@@ -2665,7 +2679,7 @@
           <p:cNvPr id="3" name="Kép helye 2">
             <a:extLst>
               <a:ext uri="{FF2B5EF4-FFF2-40B4-BE49-F238E27FC236}">
-                <a16:creationId xmlns:a16="http://schemas.microsoft.com/office/drawing/2014/main" xmlns="" id="{A322284F-F90F-B535-EB30-0E01F4BBCD18}"/>
+                <a16:creationId xmlns:a16="http://schemas.microsoft.com/office/drawing/2014/main" id="{A322284F-F90F-B535-EB30-0E01F4BBCD18}"/>
               </a:ext>
             </a:extLst>
           </p:cNvPr>
@@ -2732,7 +2746,7 @@
           <p:cNvPr id="4" name="Szöveg helye 3">
             <a:extLst>
               <a:ext uri="{FF2B5EF4-FFF2-40B4-BE49-F238E27FC236}">
-                <a16:creationId xmlns:a16="http://schemas.microsoft.com/office/drawing/2014/main" xmlns="" id="{D72DEB85-590B-1098-22C9-0A2BD35856A5}"/>
+                <a16:creationId xmlns:a16="http://schemas.microsoft.com/office/drawing/2014/main" id="{D72DEB85-590B-1098-22C9-0A2BD35856A5}"/>
               </a:ext>
             </a:extLst>
           </p:cNvPr>
@@ -2803,7 +2817,7 @@
           <p:cNvPr id="5" name="Dátum helye 4">
             <a:extLst>
               <a:ext uri="{FF2B5EF4-FFF2-40B4-BE49-F238E27FC236}">
-                <a16:creationId xmlns:a16="http://schemas.microsoft.com/office/drawing/2014/main" xmlns="" id="{FF0EEE38-B9C3-57C4-28D5-83BF2BDFBC37}"/>
+                <a16:creationId xmlns:a16="http://schemas.microsoft.com/office/drawing/2014/main" id="{FF0EEE38-B9C3-57C4-28D5-83BF2BDFBC37}"/>
               </a:ext>
             </a:extLst>
           </p:cNvPr>
@@ -2821,7 +2835,7 @@
           <a:p>
             <a:fld id="{8E532DDB-289F-42C2-8F57-09A656E29423}" type="datetimeFigureOut">
               <a:rPr lang="hu-HU" smtClean="0"/>
-              <a:t>2024. 01. 27.</a:t>
+              <a:t>2024.01.31</a:t>
             </a:fld>
             <a:endParaRPr lang="hu-HU"/>
           </a:p>
@@ -2832,7 +2846,7 @@
           <p:cNvPr id="6" name="Élőláb helye 5">
             <a:extLst>
               <a:ext uri="{FF2B5EF4-FFF2-40B4-BE49-F238E27FC236}">
-                <a16:creationId xmlns:a16="http://schemas.microsoft.com/office/drawing/2014/main" xmlns="" id="{9A8C60BB-E846-A556-7D6F-80E4666550F6}"/>
+                <a16:creationId xmlns:a16="http://schemas.microsoft.com/office/drawing/2014/main" id="{9A8C60BB-E846-A556-7D6F-80E4666550F6}"/>
               </a:ext>
             </a:extLst>
           </p:cNvPr>
@@ -2857,7 +2871,7 @@
           <p:cNvPr id="7" name="Dia számának helye 6">
             <a:extLst>
               <a:ext uri="{FF2B5EF4-FFF2-40B4-BE49-F238E27FC236}">
-                <a16:creationId xmlns:a16="http://schemas.microsoft.com/office/drawing/2014/main" xmlns="" id="{F40C4142-B31B-0592-C73D-7D1D2251D700}"/>
+                <a16:creationId xmlns:a16="http://schemas.microsoft.com/office/drawing/2014/main" id="{F40C4142-B31B-0592-C73D-7D1D2251D700}"/>
               </a:ext>
             </a:extLst>
           </p:cNvPr>
@@ -2921,7 +2935,7 @@
           <p:cNvPr id="2" name="Cím helye 1">
             <a:extLst>
               <a:ext uri="{FF2B5EF4-FFF2-40B4-BE49-F238E27FC236}">
-                <a16:creationId xmlns:a16="http://schemas.microsoft.com/office/drawing/2014/main" xmlns="" id="{17782075-6685-2989-CE63-F72F6A17CA3B}"/>
+                <a16:creationId xmlns:a16="http://schemas.microsoft.com/office/drawing/2014/main" id="{17782075-6685-2989-CE63-F72F6A17CA3B}"/>
               </a:ext>
             </a:extLst>
           </p:cNvPr>
@@ -2959,7 +2973,7 @@
           <p:cNvPr id="3" name="Szöveg helye 2">
             <a:extLst>
               <a:ext uri="{FF2B5EF4-FFF2-40B4-BE49-F238E27FC236}">
-                <a16:creationId xmlns:a16="http://schemas.microsoft.com/office/drawing/2014/main" xmlns="" id="{62170818-01AE-3631-E7D4-F09960BC7755}"/>
+                <a16:creationId xmlns:a16="http://schemas.microsoft.com/office/drawing/2014/main" id="{62170818-01AE-3631-E7D4-F09960BC7755}"/>
               </a:ext>
             </a:extLst>
           </p:cNvPr>
@@ -3026,7 +3040,7 @@
           <p:cNvPr id="4" name="Dátum helye 3">
             <a:extLst>
               <a:ext uri="{FF2B5EF4-FFF2-40B4-BE49-F238E27FC236}">
-                <a16:creationId xmlns:a16="http://schemas.microsoft.com/office/drawing/2014/main" xmlns="" id="{5E44EABD-3951-FE87-043A-DEE26A772C31}"/>
+                <a16:creationId xmlns:a16="http://schemas.microsoft.com/office/drawing/2014/main" id="{5E44EABD-3951-FE87-043A-DEE26A772C31}"/>
               </a:ext>
             </a:extLst>
           </p:cNvPr>
@@ -3062,7 +3076,7 @@
           <a:p>
             <a:fld id="{8E532DDB-289F-42C2-8F57-09A656E29423}" type="datetimeFigureOut">
               <a:rPr lang="hu-HU" smtClean="0"/>
-              <a:t>2024. 01. 27.</a:t>
+              <a:t>2024.01.31</a:t>
             </a:fld>
             <a:endParaRPr lang="hu-HU"/>
           </a:p>
@@ -3073,7 +3087,7 @@
           <p:cNvPr id="5" name="Élőláb helye 4">
             <a:extLst>
               <a:ext uri="{FF2B5EF4-FFF2-40B4-BE49-F238E27FC236}">
-                <a16:creationId xmlns:a16="http://schemas.microsoft.com/office/drawing/2014/main" xmlns="" id="{198D541F-EDD3-7ECD-372B-4F0F3E42E056}"/>
+                <a16:creationId xmlns:a16="http://schemas.microsoft.com/office/drawing/2014/main" id="{198D541F-EDD3-7ECD-372B-4F0F3E42E056}"/>
               </a:ext>
             </a:extLst>
           </p:cNvPr>
@@ -3116,7 +3130,7 @@
           <p:cNvPr id="6" name="Dia számának helye 5">
             <a:extLst>
               <a:ext uri="{FF2B5EF4-FFF2-40B4-BE49-F238E27FC236}">
-                <a16:creationId xmlns:a16="http://schemas.microsoft.com/office/drawing/2014/main" xmlns="" id="{3B1F9F43-DBAD-7623-FC58-2CBFA5EC9A4A}"/>
+                <a16:creationId xmlns:a16="http://schemas.microsoft.com/office/drawing/2014/main" id="{3B1F9F43-DBAD-7623-FC58-2CBFA5EC9A4A}"/>
               </a:ext>
             </a:extLst>
           </p:cNvPr>
@@ -3492,7 +3506,7 @@
           <p:cNvPr id="4" name="Ellipszis 3">
             <a:extLst>
               <a:ext uri="{FF2B5EF4-FFF2-40B4-BE49-F238E27FC236}">
-                <a16:creationId xmlns:a16="http://schemas.microsoft.com/office/drawing/2014/main" xmlns="" id="{5E590742-0F2F-708E-87FC-8CF5ABA75119}"/>
+                <a16:creationId xmlns:a16="http://schemas.microsoft.com/office/drawing/2014/main" id="{5E590742-0F2F-708E-87FC-8CF5ABA75119}"/>
               </a:ext>
             </a:extLst>
           </p:cNvPr>
@@ -3551,7 +3565,7 @@
           <p:cNvPr id="5" name="Ellipszis 4">
             <a:extLst>
               <a:ext uri="{FF2B5EF4-FFF2-40B4-BE49-F238E27FC236}">
-                <a16:creationId xmlns:a16="http://schemas.microsoft.com/office/drawing/2014/main" xmlns="" id="{7BFA035C-0E90-EF99-09EB-F01F1787B99D}"/>
+                <a16:creationId xmlns:a16="http://schemas.microsoft.com/office/drawing/2014/main" id="{7BFA035C-0E90-EF99-09EB-F01F1787B99D}"/>
               </a:ext>
             </a:extLst>
           </p:cNvPr>
@@ -3607,7 +3621,7 @@
           <p:cNvPr id="6" name="Téglalap: lekerekített 5">
             <a:extLst>
               <a:ext uri="{FF2B5EF4-FFF2-40B4-BE49-F238E27FC236}">
-                <a16:creationId xmlns:a16="http://schemas.microsoft.com/office/drawing/2014/main" xmlns="" id="{FF8E1E1E-E25D-9D44-58A0-641AE3D16840}"/>
+                <a16:creationId xmlns:a16="http://schemas.microsoft.com/office/drawing/2014/main" id="{FF8E1E1E-E25D-9D44-58A0-641AE3D16840}"/>
               </a:ext>
             </a:extLst>
           </p:cNvPr>
@@ -3673,7 +3687,7 @@
           <p:cNvPr id="7" name="Téglalap: lekerekített 6">
             <a:extLst>
               <a:ext uri="{FF2B5EF4-FFF2-40B4-BE49-F238E27FC236}">
-                <a16:creationId xmlns:a16="http://schemas.microsoft.com/office/drawing/2014/main" xmlns="" id="{876BD73A-04ED-68D6-0CFC-B55B322B54B6}"/>
+                <a16:creationId xmlns:a16="http://schemas.microsoft.com/office/drawing/2014/main" id="{876BD73A-04ED-68D6-0CFC-B55B322B54B6}"/>
               </a:ext>
             </a:extLst>
           </p:cNvPr>
@@ -3739,7 +3753,7 @@
           <p:cNvPr id="8" name="Téglalap: lekerekített 7">
             <a:extLst>
               <a:ext uri="{FF2B5EF4-FFF2-40B4-BE49-F238E27FC236}">
-                <a16:creationId xmlns:a16="http://schemas.microsoft.com/office/drawing/2014/main" xmlns="" id="{A949ACA4-0F6E-139B-8268-493DDA55C128}"/>
+                <a16:creationId xmlns:a16="http://schemas.microsoft.com/office/drawing/2014/main" id="{A949ACA4-0F6E-139B-8268-493DDA55C128}"/>
               </a:ext>
             </a:extLst>
           </p:cNvPr>
@@ -3805,7 +3819,7 @@
           <p:cNvPr id="9" name="Téglalap: lekerekített 8">
             <a:extLst>
               <a:ext uri="{FF2B5EF4-FFF2-40B4-BE49-F238E27FC236}">
-                <a16:creationId xmlns:a16="http://schemas.microsoft.com/office/drawing/2014/main" xmlns="" id="{D9B78EC0-CC66-2DDA-134B-90693F675712}"/>
+                <a16:creationId xmlns:a16="http://schemas.microsoft.com/office/drawing/2014/main" id="{D9B78EC0-CC66-2DDA-134B-90693F675712}"/>
               </a:ext>
             </a:extLst>
           </p:cNvPr>
@@ -3863,7 +3877,7 @@
           <p:cNvPr id="10" name="Téglalap: lekerekített 9">
             <a:extLst>
               <a:ext uri="{FF2B5EF4-FFF2-40B4-BE49-F238E27FC236}">
-                <a16:creationId xmlns:a16="http://schemas.microsoft.com/office/drawing/2014/main" xmlns="" id="{2E3A3B9D-563A-3AE1-8B49-D5C002EEA99D}"/>
+                <a16:creationId xmlns:a16="http://schemas.microsoft.com/office/drawing/2014/main" id="{2E3A3B9D-563A-3AE1-8B49-D5C002EEA99D}"/>
               </a:ext>
             </a:extLst>
           </p:cNvPr>
@@ -3929,7 +3943,7 @@
           <p:cNvPr id="11" name="Téglalap: lekerekített 10">
             <a:extLst>
               <a:ext uri="{FF2B5EF4-FFF2-40B4-BE49-F238E27FC236}">
-                <a16:creationId xmlns:a16="http://schemas.microsoft.com/office/drawing/2014/main" xmlns="" id="{DF3EB93E-2E32-E334-3C4E-462E031D3FD7}"/>
+                <a16:creationId xmlns:a16="http://schemas.microsoft.com/office/drawing/2014/main" id="{DF3EB93E-2E32-E334-3C4E-462E031D3FD7}"/>
               </a:ext>
             </a:extLst>
           </p:cNvPr>
@@ -3987,7 +4001,7 @@
           <p:cNvPr id="12" name="Téglalap: lekerekített 11">
             <a:extLst>
               <a:ext uri="{FF2B5EF4-FFF2-40B4-BE49-F238E27FC236}">
-                <a16:creationId xmlns:a16="http://schemas.microsoft.com/office/drawing/2014/main" xmlns="" id="{B12CDA0D-4782-C9A6-DEFD-8858E69E0D7B}"/>
+                <a16:creationId xmlns:a16="http://schemas.microsoft.com/office/drawing/2014/main" id="{B12CDA0D-4782-C9A6-DEFD-8858E69E0D7B}"/>
               </a:ext>
             </a:extLst>
           </p:cNvPr>
@@ -4053,7 +4067,7 @@
           <p:cNvPr id="13" name="Téglalap: lekerekített 12">
             <a:extLst>
               <a:ext uri="{FF2B5EF4-FFF2-40B4-BE49-F238E27FC236}">
-                <a16:creationId xmlns:a16="http://schemas.microsoft.com/office/drawing/2014/main" xmlns="" id="{74CFAF27-3E7A-F8C8-BD2F-DD4524B7DCE9}"/>
+                <a16:creationId xmlns:a16="http://schemas.microsoft.com/office/drawing/2014/main" id="{74CFAF27-3E7A-F8C8-BD2F-DD4524B7DCE9}"/>
               </a:ext>
             </a:extLst>
           </p:cNvPr>
@@ -4119,7 +4133,7 @@
           <p:cNvPr id="14" name="Téglalap: lekerekített 13">
             <a:extLst>
               <a:ext uri="{FF2B5EF4-FFF2-40B4-BE49-F238E27FC236}">
-                <a16:creationId xmlns:a16="http://schemas.microsoft.com/office/drawing/2014/main" xmlns="" id="{4FF50EB6-58FD-EF34-ECC2-721D27B4C713}"/>
+                <a16:creationId xmlns:a16="http://schemas.microsoft.com/office/drawing/2014/main" id="{4FF50EB6-58FD-EF34-ECC2-721D27B4C713}"/>
               </a:ext>
             </a:extLst>
           </p:cNvPr>
@@ -4177,7 +4191,7 @@
           <p:cNvPr id="15" name="Szövegdoboz 14">
             <a:extLst>
               <a:ext uri="{FF2B5EF4-FFF2-40B4-BE49-F238E27FC236}">
-                <a16:creationId xmlns:a16="http://schemas.microsoft.com/office/drawing/2014/main" xmlns="" id="{BAD904EC-5503-CAE6-53A8-7648AE393A9D}"/>
+                <a16:creationId xmlns:a16="http://schemas.microsoft.com/office/drawing/2014/main" id="{BAD904EC-5503-CAE6-53A8-7648AE393A9D}"/>
               </a:ext>
             </a:extLst>
           </p:cNvPr>
@@ -4230,7 +4244,7 @@
           <p:cNvPr id="16" name="Szövegdoboz 15">
             <a:extLst>
               <a:ext uri="{FF2B5EF4-FFF2-40B4-BE49-F238E27FC236}">
-                <a16:creationId xmlns:a16="http://schemas.microsoft.com/office/drawing/2014/main" xmlns="" id="{C9117FAE-FE67-5743-F7DB-0D7FE2C64D91}"/>
+                <a16:creationId xmlns:a16="http://schemas.microsoft.com/office/drawing/2014/main" id="{C9117FAE-FE67-5743-F7DB-0D7FE2C64D91}"/>
               </a:ext>
             </a:extLst>
           </p:cNvPr>
@@ -4263,10 +4277,6 @@
                 <a:latin typeface="Barlow" panose="020F0502020204030204" pitchFamily="2" charset="-18"/>
               </a:rPr>
               <a:t>5. Fejezet dokumentációja:</a:t>
-            </a:r>
-            <a:r>
-              <a:rPr lang="hu-HU" sz="2000" dirty="0"/>
-              <a:t/>
             </a:r>
             <a:br>
               <a:rPr lang="hu-HU" sz="2000" dirty="0"/>
@@ -4901,2861 +4911,7 @@
 </p:sld>
 </file>
 
-<file path=ppt/slides/slide2.xml><?xml version="1.0" encoding="utf-8"?>
-<p:sld xmlns:a="http://schemas.openxmlformats.org/drawingml/2006/main" xmlns:r="http://schemas.openxmlformats.org/officeDocument/2006/relationships" xmlns:p="http://schemas.openxmlformats.org/presentationml/2006/main">
-  <p:cSld>
-    <p:bg>
-      <p:bgPr>
-        <a:solidFill>
-          <a:srgbClr val="5019B3"/>
-        </a:solidFill>
-        <a:effectLst/>
-      </p:bgPr>
-    </p:bg>
-    <p:spTree>
-      <p:nvGrpSpPr>
-        <p:cNvPr id="1" name=""/>
-        <p:cNvGrpSpPr/>
-        <p:nvPr/>
-      </p:nvGrpSpPr>
-      <p:grpSpPr>
-        <a:xfrm>
-          <a:off x="0" y="0"/>
-          <a:ext cx="0" cy="0"/>
-          <a:chOff x="0" y="0"/>
-          <a:chExt cx="0" cy="0"/>
-        </a:xfrm>
-      </p:grpSpPr>
-      <p:sp>
-        <p:nvSpPr>
-          <p:cNvPr id="7" name="Téglalap: lekerekített 6">
-            <a:extLst>
-              <a:ext uri="{FF2B5EF4-FFF2-40B4-BE49-F238E27FC236}">
-                <a16:creationId xmlns:a16="http://schemas.microsoft.com/office/drawing/2014/main" xmlns="" id="{9E83F3BB-AE52-4C22-B3C7-E052C54A356D}"/>
-              </a:ext>
-            </a:extLst>
-          </p:cNvPr>
-          <p:cNvSpPr/>
-          <p:nvPr/>
-        </p:nvSpPr>
-        <p:spPr>
-          <a:xfrm>
-            <a:off x="-5910146" y="194253"/>
-            <a:ext cx="5656146" cy="1640305"/>
-          </a:xfrm>
-          <a:prstGeom prst="roundRect">
-            <a:avLst>
-              <a:gd name="adj" fmla="val 4094"/>
-            </a:avLst>
-          </a:prstGeom>
-          <a:solidFill>
-            <a:schemeClr val="bg1">
-              <a:alpha val="80000"/>
-            </a:schemeClr>
-          </a:solidFill>
-          <a:ln w="120650" cap="sq">
-            <a:noFill/>
-            <a:round/>
-          </a:ln>
-        </p:spPr>
-        <p:style>
-          <a:lnRef idx="2">
-            <a:schemeClr val="accent1">
-              <a:shade val="15000"/>
-            </a:schemeClr>
-          </a:lnRef>
-          <a:fillRef idx="1">
-            <a:schemeClr val="accent1"/>
-          </a:fillRef>
-          <a:effectRef idx="0">
-            <a:schemeClr val="accent1"/>
-          </a:effectRef>
-          <a:fontRef idx="minor">
-            <a:schemeClr val="lt1"/>
-          </a:fontRef>
-        </p:style>
-        <p:txBody>
-          <a:bodyPr rtlCol="0" anchor="ctr"/>
-          <a:lstStyle/>
-          <a:p>
-            <a:pPr algn="ctr"/>
-            <a:r>
-              <a:rPr lang="hu-HU" sz="4400" dirty="0">
-                <a:solidFill>
-                  <a:srgbClr val="5019B3"/>
-                </a:solidFill>
-                <a:effectLst>
-                  <a:outerShdw dist="38100" sx="101000" sy="101000" algn="l" rotWithShape="0">
-                    <a:prstClr val="black">
-                      <a:alpha val="0"/>
-                    </a:prstClr>
-                  </a:outerShdw>
-                </a:effectLst>
-                <a:latin typeface="Segoe UI Black" panose="020B0A02040204020203" pitchFamily="34" charset="0"/>
-                <a:ea typeface="Segoe UI Black" panose="020B0A02040204020203" pitchFamily="34" charset="0"/>
-              </a:rPr>
-              <a:t>Tartalom</a:t>
-            </a:r>
-          </a:p>
-        </p:txBody>
-      </p:sp>
-      <p:sp>
-        <p:nvSpPr>
-          <p:cNvPr id="6" name="Téglalap: lekerekített 5">
-            <a:extLst>
-              <a:ext uri="{FF2B5EF4-FFF2-40B4-BE49-F238E27FC236}">
-                <a16:creationId xmlns:a16="http://schemas.microsoft.com/office/drawing/2014/main" xmlns="" id="{7054393B-7C14-4BF7-B3BE-977FD580A87B}"/>
-              </a:ext>
-            </a:extLst>
-          </p:cNvPr>
-          <p:cNvSpPr/>
-          <p:nvPr/>
-        </p:nvSpPr>
-        <p:spPr>
-          <a:xfrm>
-            <a:off x="3399551" y="3429000"/>
-            <a:ext cx="2500311" cy="2335886"/>
-          </a:xfrm>
-          <a:prstGeom prst="roundRect">
-            <a:avLst>
-              <a:gd name="adj" fmla="val 4094"/>
-            </a:avLst>
-          </a:prstGeom>
-          <a:solidFill>
-            <a:schemeClr val="bg1">
-              <a:alpha val="80000"/>
-            </a:schemeClr>
-          </a:solidFill>
-          <a:ln w="120650" cap="sq">
-            <a:noFill/>
-            <a:round/>
-          </a:ln>
-        </p:spPr>
-        <p:style>
-          <a:lnRef idx="2">
-            <a:schemeClr val="accent1">
-              <a:shade val="15000"/>
-            </a:schemeClr>
-          </a:lnRef>
-          <a:fillRef idx="1">
-            <a:schemeClr val="accent1"/>
-          </a:fillRef>
-          <a:effectRef idx="0">
-            <a:schemeClr val="accent1"/>
-          </a:effectRef>
-          <a:fontRef idx="minor">
-            <a:schemeClr val="lt1"/>
-          </a:fontRef>
-        </p:style>
-        <p:txBody>
-          <a:bodyPr rtlCol="0" anchor="ctr"/>
-          <a:lstStyle/>
-          <a:p>
-            <a:pPr algn="ctr"/>
-            <a:r>
-              <a:rPr lang="hu-HU" sz="2800" dirty="0">
-                <a:solidFill>
-                  <a:srgbClr val="5019B3"/>
-                </a:solidFill>
-                <a:effectLst>
-                  <a:outerShdw dist="38100" sx="101000" sy="101000" algn="l" rotWithShape="0">
-                    <a:prstClr val="black">
-                      <a:alpha val="0"/>
-                    </a:prstClr>
-                  </a:outerShdw>
-                </a:effectLst>
-                <a:latin typeface="Segoe UI Black" panose="020B0A02040204020203" pitchFamily="34" charset="0"/>
-                <a:ea typeface="Segoe UI Black" panose="020B0A02040204020203" pitchFamily="34" charset="0"/>
-              </a:rPr>
-              <a:t>Objektum orientáltság</a:t>
-            </a:r>
-          </a:p>
-        </p:txBody>
-      </p:sp>
-      <p:sp>
-        <p:nvSpPr>
-          <p:cNvPr id="12" name="Téglalap: lekerekített 11">
-            <a:extLst>
-              <a:ext uri="{FF2B5EF4-FFF2-40B4-BE49-F238E27FC236}">
-                <a16:creationId xmlns:a16="http://schemas.microsoft.com/office/drawing/2014/main" xmlns="" id="{012748AF-1348-4B58-90F4-37F17048BB84}"/>
-              </a:ext>
-            </a:extLst>
-          </p:cNvPr>
-          <p:cNvSpPr/>
-          <p:nvPr/>
-        </p:nvSpPr>
-        <p:spPr>
-          <a:xfrm>
-            <a:off x="454770" y="3429000"/>
-            <a:ext cx="2500311" cy="2335886"/>
-          </a:xfrm>
-          <a:prstGeom prst="roundRect">
-            <a:avLst>
-              <a:gd name="adj" fmla="val 4094"/>
-            </a:avLst>
-          </a:prstGeom>
-          <a:solidFill>
-            <a:schemeClr val="bg1">
-              <a:alpha val="80000"/>
-            </a:schemeClr>
-          </a:solidFill>
-          <a:ln w="120650" cap="sq">
-            <a:noFill/>
-            <a:round/>
-          </a:ln>
-        </p:spPr>
-        <p:style>
-          <a:lnRef idx="2">
-            <a:schemeClr val="accent1">
-              <a:shade val="15000"/>
-            </a:schemeClr>
-          </a:lnRef>
-          <a:fillRef idx="1">
-            <a:schemeClr val="accent1"/>
-          </a:fillRef>
-          <a:effectRef idx="0">
-            <a:schemeClr val="accent1"/>
-          </a:effectRef>
-          <a:fontRef idx="minor">
-            <a:schemeClr val="lt1"/>
-          </a:fontRef>
-        </p:style>
-        <p:txBody>
-          <a:bodyPr rtlCol="0" anchor="ctr"/>
-          <a:lstStyle/>
-          <a:p>
-            <a:pPr algn="ctr"/>
-            <a:r>
-              <a:rPr lang="hu-HU" sz="2800" dirty="0" err="1">
-                <a:solidFill>
-                  <a:srgbClr val="5019B3"/>
-                </a:solidFill>
-                <a:effectLst>
-                  <a:outerShdw dist="38100" sx="101000" sy="101000" algn="l" rotWithShape="0">
-                    <a:prstClr val="black">
-                      <a:alpha val="0"/>
-                    </a:prstClr>
-                  </a:outerShdw>
-                </a:effectLst>
-                <a:latin typeface="Segoe UI Black" panose="020B0A02040204020203" pitchFamily="34" charset="0"/>
-                <a:ea typeface="Segoe UI Black" panose="020B0A02040204020203" pitchFamily="34" charset="0"/>
-              </a:rPr>
-              <a:t>Spriteok</a:t>
-            </a:r>
-            <a:endParaRPr lang="hu-HU" sz="2800" dirty="0">
-              <a:solidFill>
-                <a:srgbClr val="5019B3"/>
-              </a:solidFill>
-              <a:effectLst>
-                <a:outerShdw dist="38100" sx="101000" sy="101000" algn="l" rotWithShape="0">
-                  <a:prstClr val="black">
-                    <a:alpha val="0"/>
-                  </a:prstClr>
-                </a:outerShdw>
-              </a:effectLst>
-              <a:latin typeface="Segoe UI Black" panose="020B0A02040204020203" pitchFamily="34" charset="0"/>
-              <a:ea typeface="Segoe UI Black" panose="020B0A02040204020203" pitchFamily="34" charset="0"/>
-            </a:endParaRPr>
-          </a:p>
-        </p:txBody>
-      </p:sp>
-      <p:sp>
-        <p:nvSpPr>
-          <p:cNvPr id="13" name="Téglalap: lekerekített 12">
-            <a:extLst>
-              <a:ext uri="{FF2B5EF4-FFF2-40B4-BE49-F238E27FC236}">
-                <a16:creationId xmlns:a16="http://schemas.microsoft.com/office/drawing/2014/main" xmlns="" id="{29EE426C-E1ED-4BC2-A95D-B12B6380874E}"/>
-              </a:ext>
-            </a:extLst>
-          </p:cNvPr>
-          <p:cNvSpPr/>
-          <p:nvPr/>
-        </p:nvSpPr>
-        <p:spPr>
-          <a:xfrm>
-            <a:off x="6344332" y="3429000"/>
-            <a:ext cx="2500311" cy="2335886"/>
-          </a:xfrm>
-          <a:prstGeom prst="roundRect">
-            <a:avLst>
-              <a:gd name="adj" fmla="val 4094"/>
-            </a:avLst>
-          </a:prstGeom>
-          <a:solidFill>
-            <a:schemeClr val="bg1">
-              <a:alpha val="80000"/>
-            </a:schemeClr>
-          </a:solidFill>
-          <a:ln w="120650" cap="sq">
-            <a:noFill/>
-            <a:round/>
-          </a:ln>
-        </p:spPr>
-        <p:style>
-          <a:lnRef idx="2">
-            <a:schemeClr val="accent1">
-              <a:shade val="15000"/>
-            </a:schemeClr>
-          </a:lnRef>
-          <a:fillRef idx="1">
-            <a:schemeClr val="accent1"/>
-          </a:fillRef>
-          <a:effectRef idx="0">
-            <a:schemeClr val="accent1"/>
-          </a:effectRef>
-          <a:fontRef idx="minor">
-            <a:schemeClr val="lt1"/>
-          </a:fontRef>
-        </p:style>
-        <p:txBody>
-          <a:bodyPr rtlCol="0" anchor="ctr"/>
-          <a:lstStyle/>
-          <a:p>
-            <a:pPr algn="ctr"/>
-            <a:r>
-              <a:rPr lang="hu-HU" sz="2800" dirty="0">
-                <a:solidFill>
-                  <a:srgbClr val="5019B3"/>
-                </a:solidFill>
-                <a:effectLst>
-                  <a:outerShdw dist="38100" sx="101000" sy="101000" algn="l" rotWithShape="0">
-                    <a:prstClr val="black">
-                      <a:alpha val="0"/>
-                    </a:prstClr>
-                  </a:outerShdw>
-                </a:effectLst>
-                <a:latin typeface="Segoe UI Black" panose="020B0A02040204020203" pitchFamily="34" charset="0"/>
-                <a:ea typeface="Segoe UI Black" panose="020B0A02040204020203" pitchFamily="34" charset="0"/>
-              </a:rPr>
-              <a:t>Weboldal</a:t>
-            </a:r>
-          </a:p>
-        </p:txBody>
-      </p:sp>
-      <p:sp>
-        <p:nvSpPr>
-          <p:cNvPr id="14" name="Téglalap: lekerekített 13">
-            <a:extLst>
-              <a:ext uri="{FF2B5EF4-FFF2-40B4-BE49-F238E27FC236}">
-                <a16:creationId xmlns:a16="http://schemas.microsoft.com/office/drawing/2014/main" xmlns="" id="{7170385F-4939-4517-881C-C91E6029C871}"/>
-              </a:ext>
-            </a:extLst>
-          </p:cNvPr>
-          <p:cNvSpPr/>
-          <p:nvPr/>
-        </p:nvSpPr>
-        <p:spPr>
-          <a:xfrm>
-            <a:off x="9289113" y="3429000"/>
-            <a:ext cx="2500311" cy="2335886"/>
-          </a:xfrm>
-          <a:prstGeom prst="roundRect">
-            <a:avLst>
-              <a:gd name="adj" fmla="val 4094"/>
-            </a:avLst>
-          </a:prstGeom>
-          <a:solidFill>
-            <a:schemeClr val="bg1">
-              <a:alpha val="80000"/>
-            </a:schemeClr>
-          </a:solidFill>
-          <a:ln w="120650" cap="sq">
-            <a:noFill/>
-            <a:round/>
-          </a:ln>
-        </p:spPr>
-        <p:style>
-          <a:lnRef idx="2">
-            <a:schemeClr val="accent1">
-              <a:shade val="15000"/>
-            </a:schemeClr>
-          </a:lnRef>
-          <a:fillRef idx="1">
-            <a:schemeClr val="accent1"/>
-          </a:fillRef>
-          <a:effectRef idx="0">
-            <a:schemeClr val="accent1"/>
-          </a:effectRef>
-          <a:fontRef idx="minor">
-            <a:schemeClr val="lt1"/>
-          </a:fontRef>
-        </p:style>
-        <p:txBody>
-          <a:bodyPr rtlCol="0" anchor="ctr"/>
-          <a:lstStyle/>
-          <a:p>
-            <a:pPr algn="ctr"/>
-            <a:r>
-              <a:rPr lang="hu-HU" sz="2800" dirty="0" err="1">
-                <a:solidFill>
-                  <a:srgbClr val="5019B3"/>
-                </a:solidFill>
-                <a:effectLst>
-                  <a:outerShdw dist="38100" sx="101000" sy="101000" algn="l" rotWithShape="0">
-                    <a:prstClr val="black">
-                      <a:alpha val="0"/>
-                    </a:prstClr>
-                  </a:outerShdw>
-                </a:effectLst>
-                <a:latin typeface="Segoe UI Black" panose="020B0A02040204020203" pitchFamily="34" charset="0"/>
-                <a:ea typeface="Segoe UI Black" panose="020B0A02040204020203" pitchFamily="34" charset="0"/>
-              </a:rPr>
-              <a:t>Github</a:t>
-            </a:r>
-            <a:endParaRPr lang="hu-HU" sz="2800" dirty="0">
-              <a:solidFill>
-                <a:srgbClr val="5019B3"/>
-              </a:solidFill>
-              <a:effectLst>
-                <a:outerShdw dist="38100" sx="101000" sy="101000" algn="l" rotWithShape="0">
-                  <a:prstClr val="black">
-                    <a:alpha val="0"/>
-                  </a:prstClr>
-                </a:outerShdw>
-              </a:effectLst>
-              <a:latin typeface="Segoe UI Black" panose="020B0A02040204020203" pitchFamily="34" charset="0"/>
-              <a:ea typeface="Segoe UI Black" panose="020B0A02040204020203" pitchFamily="34" charset="0"/>
-            </a:endParaRPr>
-          </a:p>
-        </p:txBody>
-      </p:sp>
-    </p:spTree>
-    <p:extLst>
-      <p:ext uri="{BB962C8B-B14F-4D97-AF65-F5344CB8AC3E}">
-        <p14:creationId xmlns:p14="http://schemas.microsoft.com/office/powerpoint/2010/main" val="1638558615"/>
-      </p:ext>
-    </p:extLst>
-  </p:cSld>
-  <p:clrMapOvr>
-    <a:masterClrMapping/>
-  </p:clrMapOvr>
-  <p:timing>
-    <p:tnLst>
-      <p:par>
-        <p:cTn id="1" dur="indefinite" restart="never" nodeType="tmRoot">
-          <p:childTnLst>
-            <p:seq concurrent="1" nextAc="seek">
-              <p:cTn id="2" dur="indefinite" nodeType="mainSeq">
-                <p:childTnLst>
-                  <p:par>
-                    <p:cTn id="3" fill="hold">
-                      <p:stCondLst>
-                        <p:cond delay="indefinite"/>
-                        <p:cond evt="onBegin" delay="0">
-                          <p:tn val="2"/>
-                        </p:cond>
-                      </p:stCondLst>
-                      <p:childTnLst>
-                        <p:par>
-                          <p:cTn id="4" fill="hold">
-                            <p:stCondLst>
-                              <p:cond delay="0"/>
-                            </p:stCondLst>
-                            <p:childTnLst>
-                              <p:par>
-                                <p:cTn id="5" presetID="63" presetClass="path" presetSubtype="0" accel="50000" decel="50000" fill="hold" grpId="0" nodeType="withEffect">
-                                  <p:stCondLst>
-                                    <p:cond delay="0"/>
-                                  </p:stCondLst>
-                                  <p:childTnLst>
-                                    <p:animMotion origin="layout" path="M 4.375E-6 3.33333E-6 L 0.46849 3.33333E-6 " pathEditMode="relative" rAng="0" ptsTypes="AA">
-                                      <p:cBhvr>
-                                        <p:cTn id="6" dur="2000" fill="hold"/>
-                                        <p:tgtEl>
-                                          <p:spTgt spid="7"/>
-                                        </p:tgtEl>
-                                        <p:attrNameLst>
-                                          <p:attrName>ppt_x</p:attrName>
-                                          <p:attrName>ppt_y</p:attrName>
-                                        </p:attrNameLst>
-                                      </p:cBhvr>
-                                      <p:rCtr x="23424" y="0"/>
-                                    </p:animMotion>
-                                  </p:childTnLst>
-                                </p:cTn>
-                              </p:par>
-                              <p:par>
-                                <p:cTn id="7" presetID="2" presetClass="entr" presetSubtype="4" fill="hold" grpId="0" nodeType="withEffect">
-                                  <p:stCondLst>
-                                    <p:cond delay="0"/>
-                                  </p:stCondLst>
-                                  <p:childTnLst>
-                                    <p:set>
-                                      <p:cBhvr>
-                                        <p:cTn id="8" dur="1" fill="hold">
-                                          <p:stCondLst>
-                                            <p:cond delay="0"/>
-                                          </p:stCondLst>
-                                        </p:cTn>
-                                        <p:tgtEl>
-                                          <p:spTgt spid="12"/>
-                                        </p:tgtEl>
-                                        <p:attrNameLst>
-                                          <p:attrName>style.visibility</p:attrName>
-                                        </p:attrNameLst>
-                                      </p:cBhvr>
-                                      <p:to>
-                                        <p:strVal val="visible"/>
-                                      </p:to>
-                                    </p:set>
-                                    <p:anim calcmode="lin" valueType="num">
-                                      <p:cBhvr additive="base">
-                                        <p:cTn id="9" dur="500" fill="hold"/>
-                                        <p:tgtEl>
-                                          <p:spTgt spid="12"/>
-                                        </p:tgtEl>
-                                        <p:attrNameLst>
-                                          <p:attrName>ppt_x</p:attrName>
-                                        </p:attrNameLst>
-                                      </p:cBhvr>
-                                      <p:tavLst>
-                                        <p:tav tm="0">
-                                          <p:val>
-                                            <p:strVal val="#ppt_x"/>
-                                          </p:val>
-                                        </p:tav>
-                                        <p:tav tm="100000">
-                                          <p:val>
-                                            <p:strVal val="#ppt_x"/>
-                                          </p:val>
-                                        </p:tav>
-                                      </p:tavLst>
-                                    </p:anim>
-                                    <p:anim calcmode="lin" valueType="num">
-                                      <p:cBhvr additive="base">
-                                        <p:cTn id="10" dur="500" fill="hold"/>
-                                        <p:tgtEl>
-                                          <p:spTgt spid="12"/>
-                                        </p:tgtEl>
-                                        <p:attrNameLst>
-                                          <p:attrName>ppt_y</p:attrName>
-                                        </p:attrNameLst>
-                                      </p:cBhvr>
-                                      <p:tavLst>
-                                        <p:tav tm="0">
-                                          <p:val>
-                                            <p:strVal val="1+#ppt_h/2"/>
-                                          </p:val>
-                                        </p:tav>
-                                        <p:tav tm="100000">
-                                          <p:val>
-                                            <p:strVal val="#ppt_y"/>
-                                          </p:val>
-                                        </p:tav>
-                                      </p:tavLst>
-                                    </p:anim>
-                                  </p:childTnLst>
-                                </p:cTn>
-                              </p:par>
-                              <p:par>
-                                <p:cTn id="11" presetID="2" presetClass="entr" presetSubtype="4" fill="hold" grpId="0" nodeType="withEffect">
-                                  <p:stCondLst>
-                                    <p:cond delay="100"/>
-                                  </p:stCondLst>
-                                  <p:childTnLst>
-                                    <p:set>
-                                      <p:cBhvr>
-                                        <p:cTn id="12" dur="1" fill="hold">
-                                          <p:stCondLst>
-                                            <p:cond delay="0"/>
-                                          </p:stCondLst>
-                                        </p:cTn>
-                                        <p:tgtEl>
-                                          <p:spTgt spid="6"/>
-                                        </p:tgtEl>
-                                        <p:attrNameLst>
-                                          <p:attrName>style.visibility</p:attrName>
-                                        </p:attrNameLst>
-                                      </p:cBhvr>
-                                      <p:to>
-                                        <p:strVal val="visible"/>
-                                      </p:to>
-                                    </p:set>
-                                    <p:anim calcmode="lin" valueType="num">
-                                      <p:cBhvr additive="base">
-                                        <p:cTn id="13" dur="500" fill="hold"/>
-                                        <p:tgtEl>
-                                          <p:spTgt spid="6"/>
-                                        </p:tgtEl>
-                                        <p:attrNameLst>
-                                          <p:attrName>ppt_x</p:attrName>
-                                        </p:attrNameLst>
-                                      </p:cBhvr>
-                                      <p:tavLst>
-                                        <p:tav tm="0">
-                                          <p:val>
-                                            <p:strVal val="#ppt_x"/>
-                                          </p:val>
-                                        </p:tav>
-                                        <p:tav tm="100000">
-                                          <p:val>
-                                            <p:strVal val="#ppt_x"/>
-                                          </p:val>
-                                        </p:tav>
-                                      </p:tavLst>
-                                    </p:anim>
-                                    <p:anim calcmode="lin" valueType="num">
-                                      <p:cBhvr additive="base">
-                                        <p:cTn id="14" dur="500" fill="hold"/>
-                                        <p:tgtEl>
-                                          <p:spTgt spid="6"/>
-                                        </p:tgtEl>
-                                        <p:attrNameLst>
-                                          <p:attrName>ppt_y</p:attrName>
-                                        </p:attrNameLst>
-                                      </p:cBhvr>
-                                      <p:tavLst>
-                                        <p:tav tm="0">
-                                          <p:val>
-                                            <p:strVal val="1+#ppt_h/2"/>
-                                          </p:val>
-                                        </p:tav>
-                                        <p:tav tm="100000">
-                                          <p:val>
-                                            <p:strVal val="#ppt_y"/>
-                                          </p:val>
-                                        </p:tav>
-                                      </p:tavLst>
-                                    </p:anim>
-                                  </p:childTnLst>
-                                </p:cTn>
-                              </p:par>
-                              <p:par>
-                                <p:cTn id="15" presetID="2" presetClass="entr" presetSubtype="4" fill="hold" grpId="0" nodeType="withEffect">
-                                  <p:stCondLst>
-                                    <p:cond delay="300"/>
-                                  </p:stCondLst>
-                                  <p:childTnLst>
-                                    <p:set>
-                                      <p:cBhvr>
-                                        <p:cTn id="16" dur="1" fill="hold">
-                                          <p:stCondLst>
-                                            <p:cond delay="0"/>
-                                          </p:stCondLst>
-                                        </p:cTn>
-                                        <p:tgtEl>
-                                          <p:spTgt spid="13"/>
-                                        </p:tgtEl>
-                                        <p:attrNameLst>
-                                          <p:attrName>style.visibility</p:attrName>
-                                        </p:attrNameLst>
-                                      </p:cBhvr>
-                                      <p:to>
-                                        <p:strVal val="visible"/>
-                                      </p:to>
-                                    </p:set>
-                                    <p:anim calcmode="lin" valueType="num">
-                                      <p:cBhvr additive="base">
-                                        <p:cTn id="17" dur="500" fill="hold"/>
-                                        <p:tgtEl>
-                                          <p:spTgt spid="13"/>
-                                        </p:tgtEl>
-                                        <p:attrNameLst>
-                                          <p:attrName>ppt_x</p:attrName>
-                                        </p:attrNameLst>
-                                      </p:cBhvr>
-                                      <p:tavLst>
-                                        <p:tav tm="0">
-                                          <p:val>
-                                            <p:strVal val="#ppt_x"/>
-                                          </p:val>
-                                        </p:tav>
-                                        <p:tav tm="100000">
-                                          <p:val>
-                                            <p:strVal val="#ppt_x"/>
-                                          </p:val>
-                                        </p:tav>
-                                      </p:tavLst>
-                                    </p:anim>
-                                    <p:anim calcmode="lin" valueType="num">
-                                      <p:cBhvr additive="base">
-                                        <p:cTn id="18" dur="500" fill="hold"/>
-                                        <p:tgtEl>
-                                          <p:spTgt spid="13"/>
-                                        </p:tgtEl>
-                                        <p:attrNameLst>
-                                          <p:attrName>ppt_y</p:attrName>
-                                        </p:attrNameLst>
-                                      </p:cBhvr>
-                                      <p:tavLst>
-                                        <p:tav tm="0">
-                                          <p:val>
-                                            <p:strVal val="1+#ppt_h/2"/>
-                                          </p:val>
-                                        </p:tav>
-                                        <p:tav tm="100000">
-                                          <p:val>
-                                            <p:strVal val="#ppt_y"/>
-                                          </p:val>
-                                        </p:tav>
-                                      </p:tavLst>
-                                    </p:anim>
-                                  </p:childTnLst>
-                                </p:cTn>
-                              </p:par>
-                              <p:par>
-                                <p:cTn id="19" presetID="2" presetClass="entr" presetSubtype="4" fill="hold" grpId="0" nodeType="withEffect">
-                                  <p:stCondLst>
-                                    <p:cond delay="400"/>
-                                  </p:stCondLst>
-                                  <p:childTnLst>
-                                    <p:set>
-                                      <p:cBhvr>
-                                        <p:cTn id="20" dur="1" fill="hold">
-                                          <p:stCondLst>
-                                            <p:cond delay="0"/>
-                                          </p:stCondLst>
-                                        </p:cTn>
-                                        <p:tgtEl>
-                                          <p:spTgt spid="14"/>
-                                        </p:tgtEl>
-                                        <p:attrNameLst>
-                                          <p:attrName>style.visibility</p:attrName>
-                                        </p:attrNameLst>
-                                      </p:cBhvr>
-                                      <p:to>
-                                        <p:strVal val="visible"/>
-                                      </p:to>
-                                    </p:set>
-                                    <p:anim calcmode="lin" valueType="num">
-                                      <p:cBhvr additive="base">
-                                        <p:cTn id="21" dur="500" fill="hold"/>
-                                        <p:tgtEl>
-                                          <p:spTgt spid="14"/>
-                                        </p:tgtEl>
-                                        <p:attrNameLst>
-                                          <p:attrName>ppt_x</p:attrName>
-                                        </p:attrNameLst>
-                                      </p:cBhvr>
-                                      <p:tavLst>
-                                        <p:tav tm="0">
-                                          <p:val>
-                                            <p:strVal val="#ppt_x"/>
-                                          </p:val>
-                                        </p:tav>
-                                        <p:tav tm="100000">
-                                          <p:val>
-                                            <p:strVal val="#ppt_x"/>
-                                          </p:val>
-                                        </p:tav>
-                                      </p:tavLst>
-                                    </p:anim>
-                                    <p:anim calcmode="lin" valueType="num">
-                                      <p:cBhvr additive="base">
-                                        <p:cTn id="22" dur="500" fill="hold"/>
-                                        <p:tgtEl>
-                                          <p:spTgt spid="14"/>
-                                        </p:tgtEl>
-                                        <p:attrNameLst>
-                                          <p:attrName>ppt_y</p:attrName>
-                                        </p:attrNameLst>
-                                      </p:cBhvr>
-                                      <p:tavLst>
-                                        <p:tav tm="0">
-                                          <p:val>
-                                            <p:strVal val="1+#ppt_h/2"/>
-                                          </p:val>
-                                        </p:tav>
-                                        <p:tav tm="100000">
-                                          <p:val>
-                                            <p:strVal val="#ppt_y"/>
-                                          </p:val>
-                                        </p:tav>
-                                      </p:tavLst>
-                                    </p:anim>
-                                  </p:childTnLst>
-                                </p:cTn>
-                              </p:par>
-                            </p:childTnLst>
-                          </p:cTn>
-                        </p:par>
-                      </p:childTnLst>
-                    </p:cTn>
-                  </p:par>
-                </p:childTnLst>
-              </p:cTn>
-              <p:prevCondLst>
-                <p:cond evt="onPrev" delay="0">
-                  <p:tgtEl>
-                    <p:sldTgt/>
-                  </p:tgtEl>
-                </p:cond>
-              </p:prevCondLst>
-              <p:nextCondLst>
-                <p:cond evt="onNext" delay="0">
-                  <p:tgtEl>
-                    <p:sldTgt/>
-                  </p:tgtEl>
-                </p:cond>
-              </p:nextCondLst>
-            </p:seq>
-          </p:childTnLst>
-        </p:cTn>
-      </p:par>
-    </p:tnLst>
-    <p:bldLst>
-      <p:bldP spid="7" grpId="0" animBg="1"/>
-      <p:bldP spid="6" grpId="0" animBg="1"/>
-      <p:bldP spid="12" grpId="0" animBg="1"/>
-      <p:bldP spid="13" grpId="0" animBg="1"/>
-      <p:bldP spid="14" grpId="0" animBg="1"/>
-    </p:bldLst>
-  </p:timing>
-</p:sld>
-</file>
-
-<file path=ppt/slides/slide3.xml><?xml version="1.0" encoding="utf-8"?>
-<p:sld xmlns:a="http://schemas.openxmlformats.org/drawingml/2006/main" xmlns:r="http://schemas.openxmlformats.org/officeDocument/2006/relationships" xmlns:p="http://schemas.openxmlformats.org/presentationml/2006/main">
-  <p:cSld>
-    <p:bg>
-      <p:bgPr>
-        <a:solidFill>
-          <a:srgbClr val="5019B3"/>
-        </a:solidFill>
-        <a:effectLst/>
-      </p:bgPr>
-    </p:bg>
-    <p:spTree>
-      <p:nvGrpSpPr>
-        <p:cNvPr id="1" name=""/>
-        <p:cNvGrpSpPr/>
-        <p:nvPr/>
-      </p:nvGrpSpPr>
-      <p:grpSpPr>
-        <a:xfrm>
-          <a:off x="0" y="0"/>
-          <a:ext cx="0" cy="0"/>
-          <a:chOff x="0" y="0"/>
-          <a:chExt cx="0" cy="0"/>
-        </a:xfrm>
-      </p:grpSpPr>
-      <p:sp>
-        <p:nvSpPr>
-          <p:cNvPr id="6" name="Romboid 5">
-            <a:extLst>
-              <a:ext uri="{FF2B5EF4-FFF2-40B4-BE49-F238E27FC236}">
-                <a16:creationId xmlns="" xmlns:a16="http://schemas.microsoft.com/office/drawing/2014/main" id="{320388CF-6B7B-4133-B1A6-BB1004E72F35}"/>
-              </a:ext>
-            </a:extLst>
-          </p:cNvPr>
-          <p:cNvSpPr/>
-          <p:nvPr/>
-        </p:nvSpPr>
-        <p:spPr>
-          <a:xfrm>
-            <a:off x="-3357228" y="8128000"/>
-            <a:ext cx="6339513" cy="7695563"/>
-          </a:xfrm>
-          <a:prstGeom prst="parallelogram">
-            <a:avLst/>
-          </a:prstGeom>
-          <a:solidFill>
-            <a:srgbClr val="0C0F0C"/>
-          </a:solidFill>
-          <a:ln>
-            <a:noFill/>
-          </a:ln>
-        </p:spPr>
-        <p:style>
-          <a:lnRef idx="2">
-            <a:schemeClr val="accent1">
-              <a:shade val="50000"/>
-            </a:schemeClr>
-          </a:lnRef>
-          <a:fillRef idx="1">
-            <a:schemeClr val="accent1"/>
-          </a:fillRef>
-          <a:effectRef idx="0">
-            <a:schemeClr val="accent1"/>
-          </a:effectRef>
-          <a:fontRef idx="minor">
-            <a:schemeClr val="lt1"/>
-          </a:fontRef>
-        </p:style>
-        <p:txBody>
-          <a:bodyPr rtlCol="0" anchor="ctr"/>
-          <a:lstStyle/>
-          <a:p>
-            <a:pPr algn="ctr"/>
-            <a:endParaRPr lang="hu-HU"/>
-          </a:p>
-        </p:txBody>
-      </p:sp>
-      <p:sp>
-        <p:nvSpPr>
-          <p:cNvPr id="7" name="Romboid 6">
-            <a:extLst>
-              <a:ext uri="{FF2B5EF4-FFF2-40B4-BE49-F238E27FC236}">
-                <a16:creationId xmlns="" xmlns:a16="http://schemas.microsoft.com/office/drawing/2014/main" id="{8926B01F-DF41-47D5-AA37-0DF3C9519D4D}"/>
-              </a:ext>
-            </a:extLst>
-          </p:cNvPr>
-          <p:cNvSpPr/>
-          <p:nvPr/>
-        </p:nvSpPr>
-        <p:spPr>
-          <a:xfrm>
-            <a:off x="10091433" y="-8471173"/>
-            <a:ext cx="6196668" cy="7575259"/>
-          </a:xfrm>
-          <a:prstGeom prst="parallelogram">
-            <a:avLst/>
-          </a:prstGeom>
-          <a:solidFill>
-            <a:schemeClr val="bg1"/>
-          </a:solidFill>
-        </p:spPr>
-        <p:style>
-          <a:lnRef idx="2">
-            <a:schemeClr val="accent1">
-              <a:shade val="50000"/>
-            </a:schemeClr>
-          </a:lnRef>
-          <a:fillRef idx="1">
-            <a:schemeClr val="accent1"/>
-          </a:fillRef>
-          <a:effectRef idx="0">
-            <a:schemeClr val="accent1"/>
-          </a:effectRef>
-          <a:fontRef idx="minor">
-            <a:schemeClr val="lt1"/>
-          </a:fontRef>
-        </p:style>
-        <p:txBody>
-          <a:bodyPr rtlCol="0" anchor="ctr"/>
-          <a:lstStyle/>
-          <a:p>
-            <a:pPr algn="ctr"/>
-            <a:endParaRPr lang="hu-HU"/>
-          </a:p>
-        </p:txBody>
-      </p:sp>
-      <p:sp>
-        <p:nvSpPr>
-          <p:cNvPr id="8" name="Romboid 7">
-            <a:extLst>
-              <a:ext uri="{FF2B5EF4-FFF2-40B4-BE49-F238E27FC236}">
-                <a16:creationId xmlns="" xmlns:a16="http://schemas.microsoft.com/office/drawing/2014/main" id="{A9669614-0D7C-436A-A55C-63D5F965F1C5}"/>
-              </a:ext>
-            </a:extLst>
-          </p:cNvPr>
-          <p:cNvSpPr/>
-          <p:nvPr/>
-        </p:nvSpPr>
-        <p:spPr>
-          <a:xfrm>
-            <a:off x="12860539" y="3189578"/>
-            <a:ext cx="6196668" cy="7575259"/>
-          </a:xfrm>
-          <a:prstGeom prst="parallelogram">
-            <a:avLst/>
-          </a:prstGeom>
-          <a:solidFill>
-            <a:srgbClr val="700000"/>
-          </a:solidFill>
-        </p:spPr>
-        <p:style>
-          <a:lnRef idx="2">
-            <a:schemeClr val="accent1">
-              <a:shade val="50000"/>
-            </a:schemeClr>
-          </a:lnRef>
-          <a:fillRef idx="1">
-            <a:schemeClr val="accent1"/>
-          </a:fillRef>
-          <a:effectRef idx="0">
-            <a:schemeClr val="accent1"/>
-          </a:effectRef>
-          <a:fontRef idx="minor">
-            <a:schemeClr val="lt1"/>
-          </a:fontRef>
-        </p:style>
-        <p:txBody>
-          <a:bodyPr rtlCol="0" anchor="ctr"/>
-          <a:lstStyle/>
-          <a:p>
-            <a:pPr algn="ctr"/>
-            <a:endParaRPr lang="hu-HU"/>
-          </a:p>
-        </p:txBody>
-      </p:sp>
-      <p:pic>
-        <p:nvPicPr>
-          <p:cNvPr id="1028" name="Picture 4" descr="File:Sass Logo Color.svg - Wikipedia">
-            <a:extLst>
-              <a:ext uri="{FF2B5EF4-FFF2-40B4-BE49-F238E27FC236}">
-                <a16:creationId xmlns="" xmlns:a16="http://schemas.microsoft.com/office/drawing/2014/main" id="{359B9CB3-1AB1-4A07-90FB-10C65366CA93}"/>
-              </a:ext>
-            </a:extLst>
-          </p:cNvPr>
-          <p:cNvPicPr>
-            <a:picLocks noChangeAspect="1" noChangeArrowheads="1"/>
-          </p:cNvPicPr>
-          <p:nvPr/>
-        </p:nvPicPr>
-        <p:blipFill>
-          <a:blip r:embed="rId2" cstate="print">
-            <a:extLst>
-              <a:ext uri="{28A0092B-C50C-407E-A947-70E740481C1C}">
-                <a14:useLocalDpi xmlns:a14="http://schemas.microsoft.com/office/drawing/2010/main" val="0"/>
-              </a:ext>
-            </a:extLst>
-          </a:blip>
-          <a:srcRect/>
-          <a:stretch>
-            <a:fillRect/>
-          </a:stretch>
-        </p:blipFill>
-        <p:spPr bwMode="auto">
-          <a:xfrm>
-            <a:off x="5163704" y="1093059"/>
-            <a:ext cx="2247394" cy="1685545"/>
-          </a:xfrm>
-          <a:prstGeom prst="rect">
-            <a:avLst/>
-          </a:prstGeom>
-          <a:noFill/>
-          <a:extLst>
-            <a:ext uri="{909E8E84-426E-40DD-AFC4-6F175D3DCCD1}">
-              <a14:hiddenFill xmlns:a14="http://schemas.microsoft.com/office/drawing/2010/main">
-                <a:solidFill>
-                  <a:srgbClr val="FFFFFF"/>
-                </a:solidFill>
-              </a14:hiddenFill>
-            </a:ext>
-          </a:extLst>
-        </p:spPr>
-      </p:pic>
-      <p:pic>
-        <p:nvPicPr>
-          <p:cNvPr id="1030" name="Picture 6" descr="GSAP (@greensock) / X">
-            <a:extLst>
-              <a:ext uri="{FF2B5EF4-FFF2-40B4-BE49-F238E27FC236}">
-                <a16:creationId xmlns="" xmlns:a16="http://schemas.microsoft.com/office/drawing/2014/main" id="{4B8323EF-07BE-41C7-8721-4356E599B4F2}"/>
-              </a:ext>
-            </a:extLst>
-          </p:cNvPr>
-          <p:cNvPicPr>
-            <a:picLocks noChangeAspect="1" noChangeArrowheads="1"/>
-          </p:cNvPicPr>
-          <p:nvPr/>
-        </p:nvPicPr>
-        <p:blipFill>
-          <a:blip r:embed="rId3">
-            <a:extLst>
-              <a:ext uri="{28A0092B-C50C-407E-A947-70E740481C1C}">
-                <a14:useLocalDpi xmlns:a14="http://schemas.microsoft.com/office/drawing/2010/main" val="0"/>
-              </a:ext>
-            </a:extLst>
-          </a:blip>
-          <a:srcRect/>
-          <a:stretch>
-            <a:fillRect/>
-          </a:stretch>
-        </p:blipFill>
-        <p:spPr bwMode="auto">
-          <a:xfrm>
-            <a:off x="682669" y="918100"/>
-            <a:ext cx="2271478" cy="2271478"/>
-          </a:xfrm>
-          <a:prstGeom prst="rect">
-            <a:avLst/>
-          </a:prstGeom>
-          <a:noFill/>
-          <a:extLst>
-            <a:ext uri="{909E8E84-426E-40DD-AFC4-6F175D3DCCD1}">
-              <a14:hiddenFill xmlns:a14="http://schemas.microsoft.com/office/drawing/2010/main">
-                <a:solidFill>
-                  <a:srgbClr val="FFFFFF"/>
-                </a:solidFill>
-              </a14:hiddenFill>
-            </a:ext>
-          </a:extLst>
-        </p:spPr>
-      </p:pic>
-      <p:pic>
-        <p:nvPicPr>
-          <p:cNvPr id="9" name="Picture 2" descr="Make a Code Snippet component in Blazor using Highlight JS | Science Viking  Labs"/>
-          <p:cNvPicPr>
-            <a:picLocks noChangeAspect="1" noChangeArrowheads="1"/>
-          </p:cNvPicPr>
-          <p:nvPr/>
-        </p:nvPicPr>
-        <p:blipFill>
-          <a:blip r:embed="rId4">
-            <a:extLst>
-              <a:ext uri="{28A0092B-C50C-407E-A947-70E740481C1C}">
-                <a14:useLocalDpi xmlns:a14="http://schemas.microsoft.com/office/drawing/2010/main" val="0"/>
-              </a:ext>
-            </a:extLst>
-          </a:blip>
-          <a:srcRect/>
-          <a:stretch>
-            <a:fillRect/>
-          </a:stretch>
-        </p:blipFill>
-        <p:spPr bwMode="auto">
-          <a:xfrm>
-            <a:off x="9027567" y="1301433"/>
-            <a:ext cx="2742556" cy="1268798"/>
-          </a:xfrm>
-          <a:prstGeom prst="rect">
-            <a:avLst/>
-          </a:prstGeom>
-          <a:solidFill>
-            <a:srgbClr val="700000"/>
-          </a:solidFill>
-        </p:spPr>
-      </p:pic>
-      <p:sp>
-        <p:nvSpPr>
-          <p:cNvPr id="11" name="Parallelogram 10"/>
-          <p:cNvSpPr/>
-          <p:nvPr/>
-        </p:nvSpPr>
-        <p:spPr>
-          <a:xfrm>
-            <a:off x="-13605813" y="4788823"/>
-            <a:ext cx="13506931" cy="1739932"/>
-          </a:xfrm>
-          <a:prstGeom prst="parallelogram">
-            <a:avLst/>
-          </a:prstGeom>
-          <a:solidFill>
-            <a:schemeClr val="tx1">
-              <a:lumMod val="75000"/>
-              <a:lumOff val="25000"/>
-              <a:alpha val="80000"/>
-            </a:schemeClr>
-          </a:solidFill>
-          <a:ln w="120650" cap="sq">
-            <a:noFill/>
-            <a:round/>
-          </a:ln>
-        </p:spPr>
-        <p:style>
-          <a:lnRef idx="2">
-            <a:schemeClr val="accent1">
-              <a:shade val="15000"/>
-            </a:schemeClr>
-          </a:lnRef>
-          <a:fillRef idx="1">
-            <a:schemeClr val="accent1"/>
-          </a:fillRef>
-          <a:effectRef idx="0">
-            <a:schemeClr val="accent1"/>
-          </a:effectRef>
-          <a:fontRef idx="minor">
-            <a:schemeClr val="lt1"/>
-          </a:fontRef>
-        </p:style>
-        <p:txBody>
-          <a:bodyPr rtlCol="0" anchor="ctr"/>
-          <a:lstStyle/>
-          <a:p>
-            <a:pPr algn="ctr"/>
-            <a:r>
-              <a:rPr lang="hu-HU" sz="4800" dirty="0" smtClean="0">
-                <a:latin typeface="Segoe UI Black" panose="020B0A02040204020203" pitchFamily="34" charset="0"/>
-                <a:ea typeface="Segoe UI Black" panose="020B0A02040204020203" pitchFamily="34" charset="0"/>
-              </a:rPr>
-              <a:t>Felhasznált technológiák</a:t>
-            </a:r>
-            <a:endParaRPr lang="hu-HU" sz="4800" dirty="0">
-              <a:latin typeface="Segoe UI Black" panose="020B0A02040204020203" pitchFamily="34" charset="0"/>
-              <a:ea typeface="Segoe UI Black" panose="020B0A02040204020203" pitchFamily="34" charset="0"/>
-            </a:endParaRPr>
-          </a:p>
-        </p:txBody>
-      </p:sp>
-    </p:spTree>
-    <p:extLst>
-      <p:ext uri="{BB962C8B-B14F-4D97-AF65-F5344CB8AC3E}">
-        <p14:creationId xmlns:p14="http://schemas.microsoft.com/office/powerpoint/2010/main" val="259315612"/>
-      </p:ext>
-    </p:extLst>
-  </p:cSld>
-  <p:clrMapOvr>
-    <a:masterClrMapping/>
-  </p:clrMapOvr>
-  <p:timing>
-    <p:tnLst>
-      <p:par>
-        <p:cTn id="1" dur="indefinite" restart="never" nodeType="tmRoot">
-          <p:childTnLst>
-            <p:seq concurrent="1" nextAc="seek">
-              <p:cTn id="2" dur="indefinite" nodeType="mainSeq">
-                <p:childTnLst>
-                  <p:par>
-                    <p:cTn id="3" fill="hold">
-                      <p:stCondLst>
-                        <p:cond delay="indefinite"/>
-                        <p:cond evt="onBegin" delay="0">
-                          <p:tn val="2"/>
-                        </p:cond>
-                      </p:stCondLst>
-                      <p:childTnLst>
-                        <p:par>
-                          <p:cTn id="4" fill="hold">
-                            <p:stCondLst>
-                              <p:cond delay="0"/>
-                            </p:stCondLst>
-                            <p:childTnLst>
-                              <p:par>
-                                <p:cTn id="5" presetID="42" presetClass="path" presetSubtype="0" accel="50000" decel="50000" fill="hold" grpId="0" nodeType="afterEffect">
-                                  <p:stCondLst>
-                                    <p:cond delay="200"/>
-                                  </p:stCondLst>
-                                  <p:childTnLst>
-                                    <p:animMotion origin="layout" path="M 4.58333E-6 3.7037E-6 L 0.14036 -1.28125 " pathEditMode="relative" rAng="0" ptsTypes="AA">
-                                      <p:cBhvr>
-                                        <p:cTn id="6" dur="1800" fill="hold"/>
-                                        <p:tgtEl>
-                                          <p:spTgt spid="6"/>
-                                        </p:tgtEl>
-                                        <p:attrNameLst>
-                                          <p:attrName>ppt_x</p:attrName>
-                                          <p:attrName>ppt_y</p:attrName>
-                                        </p:attrNameLst>
-                                      </p:cBhvr>
-                                      <p:rCtr x="7018" y="-64074"/>
-                                    </p:animMotion>
-                                  </p:childTnLst>
-                                </p:cTn>
-                              </p:par>
-                              <p:par>
-                                <p:cTn id="7" presetID="42" presetClass="path" presetSubtype="0" accel="50000" decel="50000" fill="hold" grpId="0" nodeType="withEffect">
-                                  <p:stCondLst>
-                                    <p:cond delay="600"/>
-                                  </p:stCondLst>
-                                  <p:childTnLst>
-                                    <p:animMotion origin="layout" path="M -0.43385 -0.07269 L -0.58177 1.18287 " pathEditMode="relative" rAng="0" ptsTypes="AA">
-                                      <p:cBhvr>
-                                        <p:cTn id="8" dur="2200" fill="hold"/>
-                                        <p:tgtEl>
-                                          <p:spTgt spid="7"/>
-                                        </p:tgtEl>
-                                        <p:attrNameLst>
-                                          <p:attrName>ppt_x</p:attrName>
-                                          <p:attrName>ppt_y</p:attrName>
-                                        </p:attrNameLst>
-                                      </p:cBhvr>
-                                      <p:rCtr x="-7396" y="62778"/>
-                                    </p:animMotion>
-                                  </p:childTnLst>
-                                </p:cTn>
-                              </p:par>
-                              <p:par>
-                                <p:cTn id="9" presetID="42" presetClass="path" presetSubtype="0" accel="50000" decel="50000" fill="hold" grpId="0" nodeType="withEffect">
-                                  <p:stCondLst>
-                                    <p:cond delay="1100"/>
-                                  </p:stCondLst>
-                                  <p:childTnLst>
-                                    <p:animMotion origin="layout" path="M -0.56835 0.62153 L -0.43398 -0.56065 " pathEditMode="relative" rAng="0" ptsTypes="AA">
-                                      <p:cBhvr>
-                                        <p:cTn id="10" dur="2100" fill="hold"/>
-                                        <p:tgtEl>
-                                          <p:spTgt spid="8"/>
-                                        </p:tgtEl>
-                                        <p:attrNameLst>
-                                          <p:attrName>ppt_x</p:attrName>
-                                          <p:attrName>ppt_y</p:attrName>
-                                        </p:attrNameLst>
-                                      </p:cBhvr>
-                                      <p:rCtr x="6719" y="-59120"/>
-                                    </p:animMotion>
-                                  </p:childTnLst>
-                                </p:cTn>
-                              </p:par>
-                            </p:childTnLst>
-                          </p:cTn>
-                        </p:par>
-                        <p:par>
-                          <p:cTn id="11" fill="hold">
-                            <p:stCondLst>
-                              <p:cond delay="3200"/>
-                            </p:stCondLst>
-                            <p:childTnLst>
-                              <p:par>
-                                <p:cTn id="12" presetID="18" presetClass="entr" presetSubtype="12" fill="hold" nodeType="afterEffect">
-                                  <p:stCondLst>
-                                    <p:cond delay="0"/>
-                                  </p:stCondLst>
-                                  <p:childTnLst>
-                                    <p:set>
-                                      <p:cBhvr>
-                                        <p:cTn id="13" dur="1" fill="hold">
-                                          <p:stCondLst>
-                                            <p:cond delay="0"/>
-                                          </p:stCondLst>
-                                        </p:cTn>
-                                        <p:tgtEl>
-                                          <p:spTgt spid="1030"/>
-                                        </p:tgtEl>
-                                        <p:attrNameLst>
-                                          <p:attrName>style.visibility</p:attrName>
-                                        </p:attrNameLst>
-                                      </p:cBhvr>
-                                      <p:to>
-                                        <p:strVal val="visible"/>
-                                      </p:to>
-                                    </p:set>
-                                    <p:animEffect transition="in" filter="strips(downLeft)">
-                                      <p:cBhvr>
-                                        <p:cTn id="14" dur="1000"/>
-                                        <p:tgtEl>
-                                          <p:spTgt spid="1030"/>
-                                        </p:tgtEl>
-                                      </p:cBhvr>
-                                    </p:animEffect>
-                                  </p:childTnLst>
-                                </p:cTn>
-                              </p:par>
-                              <p:par>
-                                <p:cTn id="15" presetID="18" presetClass="entr" presetSubtype="12" fill="hold" nodeType="withEffect">
-                                  <p:stCondLst>
-                                    <p:cond delay="300"/>
-                                  </p:stCondLst>
-                                  <p:childTnLst>
-                                    <p:set>
-                                      <p:cBhvr>
-                                        <p:cTn id="16" dur="1" fill="hold">
-                                          <p:stCondLst>
-                                            <p:cond delay="0"/>
-                                          </p:stCondLst>
-                                        </p:cTn>
-                                        <p:tgtEl>
-                                          <p:spTgt spid="1028"/>
-                                        </p:tgtEl>
-                                        <p:attrNameLst>
-                                          <p:attrName>style.visibility</p:attrName>
-                                        </p:attrNameLst>
-                                      </p:cBhvr>
-                                      <p:to>
-                                        <p:strVal val="visible"/>
-                                      </p:to>
-                                    </p:set>
-                                    <p:animEffect transition="in" filter="strips(downLeft)">
-                                      <p:cBhvr>
-                                        <p:cTn id="17" dur="1000"/>
-                                        <p:tgtEl>
-                                          <p:spTgt spid="1028"/>
-                                        </p:tgtEl>
-                                      </p:cBhvr>
-                                    </p:animEffect>
-                                  </p:childTnLst>
-                                </p:cTn>
-                              </p:par>
-                              <p:par>
-                                <p:cTn id="18" presetID="18" presetClass="entr" presetSubtype="12" fill="hold" nodeType="withEffect">
-                                  <p:stCondLst>
-                                    <p:cond delay="700"/>
-                                  </p:stCondLst>
-                                  <p:childTnLst>
-                                    <p:set>
-                                      <p:cBhvr>
-                                        <p:cTn id="19" dur="1" fill="hold">
-                                          <p:stCondLst>
-                                            <p:cond delay="0"/>
-                                          </p:stCondLst>
-                                        </p:cTn>
-                                        <p:tgtEl>
-                                          <p:spTgt spid="9"/>
-                                        </p:tgtEl>
-                                        <p:attrNameLst>
-                                          <p:attrName>style.visibility</p:attrName>
-                                        </p:attrNameLst>
-                                      </p:cBhvr>
-                                      <p:to>
-                                        <p:strVal val="visible"/>
-                                      </p:to>
-                                    </p:set>
-                                    <p:animEffect transition="in" filter="strips(downLeft)">
-                                      <p:cBhvr>
-                                        <p:cTn id="20" dur="1000"/>
-                                        <p:tgtEl>
-                                          <p:spTgt spid="9"/>
-                                        </p:tgtEl>
-                                      </p:cBhvr>
-                                    </p:animEffect>
-                                  </p:childTnLst>
-                                </p:cTn>
-                              </p:par>
-                              <p:par>
-                                <p:cTn id="21" presetID="63" presetClass="path" presetSubtype="0" accel="50000" decel="50000" fill="hold" grpId="0" nodeType="withEffect">
-                                  <p:stCondLst>
-                                    <p:cond delay="1000"/>
-                                  </p:stCondLst>
-                                  <p:childTnLst>
-                                    <p:animMotion origin="layout" path="M -1.06523 -1.48148E-6 L 1.07136 -0.00301 " pathEditMode="relative" rAng="0" ptsTypes="AA">
-                                      <p:cBhvr>
-                                        <p:cTn id="22" dur="2000" fill="hold"/>
-                                        <p:tgtEl>
-                                          <p:spTgt spid="11"/>
-                                        </p:tgtEl>
-                                        <p:attrNameLst>
-                                          <p:attrName>ppt_x</p:attrName>
-                                          <p:attrName>ppt_y</p:attrName>
-                                        </p:attrNameLst>
-                                      </p:cBhvr>
-                                      <p:rCtr x="106836" y="-162"/>
-                                    </p:animMotion>
-                                  </p:childTnLst>
-                                </p:cTn>
-                              </p:par>
-                            </p:childTnLst>
-                          </p:cTn>
-                        </p:par>
-                      </p:childTnLst>
-                    </p:cTn>
-                  </p:par>
-                </p:childTnLst>
-              </p:cTn>
-              <p:prevCondLst>
-                <p:cond evt="onPrev" delay="0">
-                  <p:tgtEl>
-                    <p:sldTgt/>
-                  </p:tgtEl>
-                </p:cond>
-              </p:prevCondLst>
-              <p:nextCondLst>
-                <p:cond evt="onNext" delay="0">
-                  <p:tgtEl>
-                    <p:sldTgt/>
-                  </p:tgtEl>
-                </p:cond>
-              </p:nextCondLst>
-            </p:seq>
-          </p:childTnLst>
-        </p:cTn>
-      </p:par>
-    </p:tnLst>
-    <p:bldLst>
-      <p:bldP spid="6" grpId="0" animBg="1"/>
-      <p:bldP spid="7" grpId="0" animBg="1"/>
-      <p:bldP spid="8" grpId="0" animBg="1"/>
-      <p:bldP spid="11" grpId="0" animBg="1"/>
-    </p:bldLst>
-  </p:timing>
-</p:sld>
-</file>
-
-<file path=ppt/slides/slide4.xml><?xml version="1.0" encoding="utf-8"?>
-<p:sld xmlns:a="http://schemas.openxmlformats.org/drawingml/2006/main" xmlns:r="http://schemas.openxmlformats.org/officeDocument/2006/relationships" xmlns:p="http://schemas.openxmlformats.org/presentationml/2006/main">
-  <p:cSld>
-    <p:bg>
-      <p:bgPr>
-        <a:solidFill>
-          <a:srgbClr val="5019B3"/>
-        </a:solidFill>
-        <a:effectLst/>
-      </p:bgPr>
-    </p:bg>
-    <p:spTree>
-      <p:nvGrpSpPr>
-        <p:cNvPr id="1" name=""/>
-        <p:cNvGrpSpPr/>
-        <p:nvPr/>
-      </p:nvGrpSpPr>
-      <p:grpSpPr>
-        <a:xfrm>
-          <a:off x="0" y="0"/>
-          <a:ext cx="0" cy="0"/>
-          <a:chOff x="0" y="0"/>
-          <a:chExt cx="0" cy="0"/>
-        </a:xfrm>
-      </p:grpSpPr>
-      <p:grpSp>
-        <p:nvGrpSpPr>
-          <p:cNvPr id="3" name="Group 2"/>
-          <p:cNvGrpSpPr/>
-          <p:nvPr/>
-        </p:nvGrpSpPr>
-        <p:grpSpPr>
-          <a:xfrm>
-            <a:off x="880044" y="293914"/>
-            <a:ext cx="4784269" cy="6270171"/>
-            <a:chOff x="880044" y="293914"/>
-            <a:chExt cx="4784269" cy="6270171"/>
-          </a:xfrm>
-        </p:grpSpPr>
-        <p:sp>
-          <p:nvSpPr>
-            <p:cNvPr id="4" name="Téglalap: lekerekített 3">
-              <a:extLst>
-                <a:ext uri="{FF2B5EF4-FFF2-40B4-BE49-F238E27FC236}">
-                  <a16:creationId xmlns:a16="http://schemas.microsoft.com/office/drawing/2014/main" xmlns="" id="{BC187220-8284-1B2B-8CE3-7C613265D444}"/>
-                </a:ext>
-              </a:extLst>
-            </p:cNvPr>
-            <p:cNvSpPr/>
-            <p:nvPr/>
-          </p:nvSpPr>
-          <p:spPr>
-            <a:xfrm>
-              <a:off x="880044" y="293914"/>
-              <a:ext cx="4784269" cy="6270171"/>
-            </a:xfrm>
-            <a:prstGeom prst="roundRect">
-              <a:avLst>
-                <a:gd name="adj" fmla="val 4094"/>
-              </a:avLst>
-            </a:prstGeom>
-            <a:solidFill>
-              <a:schemeClr val="bg1">
-                <a:alpha val="80000"/>
-              </a:schemeClr>
-            </a:solidFill>
-            <a:ln w="120650" cap="sq">
-              <a:noFill/>
-              <a:round/>
-            </a:ln>
-          </p:spPr>
-          <p:style>
-            <a:lnRef idx="2">
-              <a:schemeClr val="accent1">
-                <a:shade val="15000"/>
-              </a:schemeClr>
-            </a:lnRef>
-            <a:fillRef idx="1">
-              <a:schemeClr val="accent1"/>
-            </a:fillRef>
-            <a:effectRef idx="0">
-              <a:schemeClr val="accent1"/>
-            </a:effectRef>
-            <a:fontRef idx="minor">
-              <a:schemeClr val="lt1"/>
-            </a:fontRef>
-          </p:style>
-          <p:txBody>
-            <a:bodyPr rtlCol="0" anchor="ctr"/>
-            <a:lstStyle/>
-            <a:p>
-              <a:pPr algn="ctr"/>
-              <a:endParaRPr lang="hu-HU" dirty="0"/>
-            </a:p>
-          </p:txBody>
-        </p:sp>
-        <p:sp>
-          <p:nvSpPr>
-            <p:cNvPr id="6" name="Szövegdoboz 5">
-              <a:extLst>
-                <a:ext uri="{FF2B5EF4-FFF2-40B4-BE49-F238E27FC236}">
-                  <a16:creationId xmlns:a16="http://schemas.microsoft.com/office/drawing/2014/main" xmlns="" id="{5B6AC857-2A98-66B3-8AC9-33FBAB3EDDF5}"/>
-                </a:ext>
-              </a:extLst>
-            </p:cNvPr>
-            <p:cNvSpPr txBox="1"/>
-            <p:nvPr/>
-          </p:nvSpPr>
-          <p:spPr>
-            <a:xfrm>
-              <a:off x="1128030" y="1597693"/>
-              <a:ext cx="4095750" cy="2031325"/>
-            </a:xfrm>
-            <a:prstGeom prst="rect">
-              <a:avLst/>
-            </a:prstGeom>
-            <a:noFill/>
-          </p:spPr>
-          <p:txBody>
-            <a:bodyPr wrap="square" rtlCol="0">
-              <a:spAutoFit/>
-            </a:bodyPr>
-            <a:lstStyle/>
-            <a:p>
-              <a:pPr algn="just"/>
-              <a:r>
-                <a:rPr lang="en-US" b="1" i="0" dirty="0">
-                  <a:solidFill>
-                    <a:srgbClr val="5019B3"/>
-                  </a:solidFill>
-                  <a:effectLst/>
-                  <a:latin typeface="Rubik"/>
-                </a:rPr>
-                <a:t>In </a:t>
-              </a:r>
-              <a:r>
-                <a:rPr lang="en-US" b="1" i="0" dirty="0" err="1">
-                  <a:solidFill>
-                    <a:srgbClr val="5019B3"/>
-                  </a:solidFill>
-                  <a:effectLst/>
-                  <a:latin typeface="Rubik"/>
-                </a:rPr>
-                <a:t>Pygame</a:t>
-              </a:r>
-              <a:r>
-                <a:rPr lang="en-US" b="1" i="0" dirty="0">
-                  <a:solidFill>
-                    <a:srgbClr val="5019B3"/>
-                  </a:solidFill>
-                  <a:effectLst/>
-                  <a:latin typeface="Rubik"/>
-                </a:rPr>
-                <a:t>, a sprite is an object that represents a game element. It can be an image, animation, or any other visual element in a game. </a:t>
-              </a:r>
-              <a:r>
-                <a:rPr lang="en-US" b="1" i="0" dirty="0" err="1">
-                  <a:solidFill>
-                    <a:srgbClr val="5019B3"/>
-                  </a:solidFill>
-                  <a:effectLst/>
-                  <a:latin typeface="Rubik"/>
-                </a:rPr>
-                <a:t>Pygame</a:t>
-              </a:r>
-              <a:r>
-                <a:rPr lang="en-US" b="1" i="0" dirty="0">
-                  <a:solidFill>
-                    <a:srgbClr val="5019B3"/>
-                  </a:solidFill>
-                  <a:effectLst/>
-                  <a:latin typeface="Rubik"/>
-                </a:rPr>
-                <a:t> provides a Sprite class that you can use to create and manage sprites efficiently.</a:t>
-              </a:r>
-              <a:r>
-                <a:rPr lang="en-US" dirty="0"/>
-                <a:t/>
-              </a:r>
-              <a:br>
-                <a:rPr lang="en-US" dirty="0"/>
-              </a:br>
-              <a:endParaRPr lang="hu-HU" dirty="0"/>
-            </a:p>
-          </p:txBody>
-        </p:sp>
-        <p:sp>
-          <p:nvSpPr>
-            <p:cNvPr id="7" name="Szövegdoboz 6">
-              <a:extLst>
-                <a:ext uri="{FF2B5EF4-FFF2-40B4-BE49-F238E27FC236}">
-                  <a16:creationId xmlns:a16="http://schemas.microsoft.com/office/drawing/2014/main" xmlns="" id="{7819F685-963E-271F-BC1B-FDA54155C9CE}"/>
-                </a:ext>
-              </a:extLst>
-            </p:cNvPr>
-            <p:cNvSpPr txBox="1"/>
-            <p:nvPr/>
-          </p:nvSpPr>
-          <p:spPr>
-            <a:xfrm>
-              <a:off x="1647142" y="735919"/>
-              <a:ext cx="3057525" cy="861774"/>
-            </a:xfrm>
-            <a:prstGeom prst="rect">
-              <a:avLst/>
-            </a:prstGeom>
-            <a:noFill/>
-          </p:spPr>
-          <p:txBody>
-            <a:bodyPr wrap="square" rtlCol="0">
-              <a:spAutoFit/>
-            </a:bodyPr>
-            <a:lstStyle/>
-            <a:p>
-              <a:pPr algn="ctr"/>
-              <a:r>
-                <a:rPr lang="hu-HU" sz="3200" b="1" i="0" dirty="0">
-                  <a:solidFill>
-                    <a:srgbClr val="5019B3"/>
-                  </a:solidFill>
-                  <a:effectLst/>
-                  <a:latin typeface="Rubik"/>
-                </a:rPr>
-                <a:t>Mi is az a </a:t>
-              </a:r>
-              <a:r>
-                <a:rPr lang="hu-HU" sz="3200" b="1" i="0" dirty="0" err="1">
-                  <a:solidFill>
-                    <a:srgbClr val="5019B3"/>
-                  </a:solidFill>
-                  <a:effectLst/>
-                  <a:latin typeface="Rubik"/>
-                </a:rPr>
-                <a:t>sprite</a:t>
-              </a:r>
-              <a:r>
-                <a:rPr lang="hu-HU" sz="3200" b="1" i="0" dirty="0">
-                  <a:solidFill>
-                    <a:srgbClr val="5019B3"/>
-                  </a:solidFill>
-                  <a:effectLst/>
-                  <a:latin typeface="Rubik"/>
-                </a:rPr>
-                <a:t>?</a:t>
-              </a:r>
-            </a:p>
-            <a:p>
-              <a:endParaRPr lang="hu-HU" dirty="0"/>
-            </a:p>
-          </p:txBody>
-        </p:sp>
-      </p:grpSp>
-      <p:grpSp>
-        <p:nvGrpSpPr>
-          <p:cNvPr id="2" name="Group 1"/>
-          <p:cNvGrpSpPr/>
-          <p:nvPr/>
-        </p:nvGrpSpPr>
-        <p:grpSpPr>
-          <a:xfrm>
-            <a:off x="6527686" y="378290"/>
-            <a:ext cx="4784269" cy="2811242"/>
-            <a:chOff x="6527686" y="378290"/>
-            <a:chExt cx="4784269" cy="2811242"/>
-          </a:xfrm>
-        </p:grpSpPr>
-        <p:sp>
-          <p:nvSpPr>
-            <p:cNvPr id="5" name="Téglalap: lekerekített 4">
-              <a:extLst>
-                <a:ext uri="{FF2B5EF4-FFF2-40B4-BE49-F238E27FC236}">
-                  <a16:creationId xmlns:a16="http://schemas.microsoft.com/office/drawing/2014/main" xmlns="" id="{B74CBF98-6A67-702F-008D-E30CBEB44963}"/>
-                </a:ext>
-              </a:extLst>
-            </p:cNvPr>
-            <p:cNvSpPr/>
-            <p:nvPr/>
-          </p:nvSpPr>
-          <p:spPr>
-            <a:xfrm>
-              <a:off x="6527686" y="378290"/>
-              <a:ext cx="4784269" cy="2811242"/>
-            </a:xfrm>
-            <a:prstGeom prst="roundRect">
-              <a:avLst>
-                <a:gd name="adj" fmla="val 4094"/>
-              </a:avLst>
-            </a:prstGeom>
-            <a:solidFill>
-              <a:schemeClr val="bg1">
-                <a:alpha val="80000"/>
-              </a:schemeClr>
-            </a:solidFill>
-            <a:ln w="120650" cap="sq">
-              <a:noFill/>
-              <a:round/>
-            </a:ln>
-          </p:spPr>
-          <p:style>
-            <a:lnRef idx="2">
-              <a:schemeClr val="accent1">
-                <a:shade val="15000"/>
-              </a:schemeClr>
-            </a:lnRef>
-            <a:fillRef idx="1">
-              <a:schemeClr val="accent1"/>
-            </a:fillRef>
-            <a:effectRef idx="0">
-              <a:schemeClr val="accent1"/>
-            </a:effectRef>
-            <a:fontRef idx="minor">
-              <a:schemeClr val="lt1"/>
-            </a:fontRef>
-          </p:style>
-          <p:txBody>
-            <a:bodyPr rtlCol="0" anchor="ctr"/>
-            <a:lstStyle/>
-            <a:p>
-              <a:pPr algn="ctr"/>
-              <a:r>
-                <a:rPr lang="hu-HU" dirty="0"/>
-                <a:t> </a:t>
-              </a:r>
-            </a:p>
-          </p:txBody>
-        </p:sp>
-        <p:pic>
-          <p:nvPicPr>
-            <p:cNvPr id="1026" name="Picture 2">
-              <a:extLst>
-                <a:ext uri="{FF2B5EF4-FFF2-40B4-BE49-F238E27FC236}">
-                  <a16:creationId xmlns:a16="http://schemas.microsoft.com/office/drawing/2014/main" xmlns="" id="{7A82368D-859C-5EE3-8D89-77E6D75EAD7D}"/>
-                </a:ext>
-              </a:extLst>
-            </p:cNvPr>
-            <p:cNvPicPr>
-              <a:picLocks noChangeAspect="1" noChangeArrowheads="1"/>
-            </p:cNvPicPr>
-            <p:nvPr/>
-          </p:nvPicPr>
-          <p:blipFill>
-            <a:blip r:embed="rId2">
-              <a:extLst>
-                <a:ext uri="{28A0092B-C50C-407E-A947-70E740481C1C}">
-                  <a14:useLocalDpi xmlns:a14="http://schemas.microsoft.com/office/drawing/2010/main" val="0"/>
-                </a:ext>
-              </a:extLst>
-            </a:blip>
-            <a:srcRect/>
-            <a:stretch>
-              <a:fillRect/>
-            </a:stretch>
-          </p:blipFill>
-          <p:spPr bwMode="auto">
-            <a:xfrm>
-              <a:off x="6725670" y="1166806"/>
-              <a:ext cx="4388302" cy="1234210"/>
-            </a:xfrm>
-            <a:prstGeom prst="rect">
-              <a:avLst/>
-            </a:prstGeom>
-            <a:noFill/>
-            <a:extLst>
-              <a:ext uri="{909E8E84-426E-40DD-AFC4-6F175D3DCCD1}">
-                <a14:hiddenFill xmlns:a14="http://schemas.microsoft.com/office/drawing/2010/main">
-                  <a:solidFill>
-                    <a:srgbClr val="FFFFFF"/>
-                  </a:solidFill>
-                </a14:hiddenFill>
-              </a:ext>
-            </a:extLst>
-          </p:spPr>
-        </p:pic>
-      </p:grpSp>
-      <p:grpSp>
-        <p:nvGrpSpPr>
-          <p:cNvPr id="10" name="Group 9"/>
-          <p:cNvGrpSpPr/>
-          <p:nvPr/>
-        </p:nvGrpSpPr>
-        <p:grpSpPr>
-          <a:xfrm>
-            <a:off x="6527687" y="3629018"/>
-            <a:ext cx="4784269" cy="2811242"/>
-            <a:chOff x="6527687" y="3629018"/>
-            <a:chExt cx="4784269" cy="2811242"/>
-          </a:xfrm>
-        </p:grpSpPr>
-        <p:sp>
-          <p:nvSpPr>
-            <p:cNvPr id="8" name="Téglalap: lekerekített 7">
-              <a:extLst>
-                <a:ext uri="{FF2B5EF4-FFF2-40B4-BE49-F238E27FC236}">
-                  <a16:creationId xmlns:a16="http://schemas.microsoft.com/office/drawing/2014/main" xmlns="" id="{104486A8-B0E8-F708-7D72-B551D3E54053}"/>
-                </a:ext>
-              </a:extLst>
-            </p:cNvPr>
-            <p:cNvSpPr/>
-            <p:nvPr/>
-          </p:nvSpPr>
-          <p:spPr>
-            <a:xfrm>
-              <a:off x="6527687" y="3629018"/>
-              <a:ext cx="4784269" cy="2811242"/>
-            </a:xfrm>
-            <a:prstGeom prst="roundRect">
-              <a:avLst>
-                <a:gd name="adj" fmla="val 4094"/>
-              </a:avLst>
-            </a:prstGeom>
-            <a:solidFill>
-              <a:schemeClr val="bg1">
-                <a:alpha val="80000"/>
-              </a:schemeClr>
-            </a:solidFill>
-            <a:ln w="120650" cap="sq">
-              <a:noFill/>
-              <a:round/>
-            </a:ln>
-          </p:spPr>
-          <p:style>
-            <a:lnRef idx="2">
-              <a:schemeClr val="accent1">
-                <a:shade val="15000"/>
-              </a:schemeClr>
-            </a:lnRef>
-            <a:fillRef idx="1">
-              <a:schemeClr val="accent1"/>
-            </a:fillRef>
-            <a:effectRef idx="0">
-              <a:schemeClr val="accent1"/>
-            </a:effectRef>
-            <a:fontRef idx="minor">
-              <a:schemeClr val="lt1"/>
-            </a:fontRef>
-          </p:style>
-          <p:txBody>
-            <a:bodyPr rtlCol="0" anchor="ctr"/>
-            <a:lstStyle/>
-            <a:p>
-              <a:pPr algn="ctr"/>
-              <a:endParaRPr lang="hu-HU" dirty="0"/>
-            </a:p>
-          </p:txBody>
-        </p:sp>
-        <p:pic>
-          <p:nvPicPr>
-            <p:cNvPr id="9" name="Kép 8">
-              <a:extLst>
-                <a:ext uri="{FF2B5EF4-FFF2-40B4-BE49-F238E27FC236}">
-                  <a16:creationId xmlns:a16="http://schemas.microsoft.com/office/drawing/2014/main" xmlns="" id="{5B790B36-93CA-4AF6-AADC-C651C05A2519}"/>
-                </a:ext>
-              </a:extLst>
-            </p:cNvPr>
-            <p:cNvPicPr>
-              <a:picLocks noChangeAspect="1"/>
-            </p:cNvPicPr>
-            <p:nvPr/>
-          </p:nvPicPr>
-          <p:blipFill>
-            <a:blip r:embed="rId3"/>
-            <a:stretch>
-              <a:fillRect/>
-            </a:stretch>
-          </p:blipFill>
-          <p:spPr>
-            <a:xfrm>
-              <a:off x="6987125" y="3738021"/>
-              <a:ext cx="3865390" cy="2593236"/>
-            </a:xfrm>
-            <a:prstGeom prst="roundRect">
-              <a:avLst>
-                <a:gd name="adj" fmla="val 2289"/>
-              </a:avLst>
-            </a:prstGeom>
-          </p:spPr>
-        </p:pic>
-      </p:grpSp>
-    </p:spTree>
-    <p:extLst>
-      <p:ext uri="{BB962C8B-B14F-4D97-AF65-F5344CB8AC3E}">
-        <p14:creationId xmlns:p14="http://schemas.microsoft.com/office/powerpoint/2010/main" val="2433985320"/>
-      </p:ext>
-    </p:extLst>
-  </p:cSld>
-  <p:clrMapOvr>
-    <a:masterClrMapping/>
-  </p:clrMapOvr>
-  <p:transition spd="slow">
-    <p:push dir="u"/>
-  </p:transition>
-  <p:timing>
-    <p:tnLst>
-      <p:par>
-        <p:cTn id="1" dur="indefinite" restart="never" nodeType="tmRoot">
-          <p:childTnLst>
-            <p:seq concurrent="1" nextAc="seek">
-              <p:cTn id="2" dur="indefinite" nodeType="mainSeq">
-                <p:childTnLst>
-                  <p:par>
-                    <p:cTn id="3" fill="hold">
-                      <p:stCondLst>
-                        <p:cond delay="indefinite"/>
-                        <p:cond evt="onBegin" delay="0">
-                          <p:tn val="2"/>
-                        </p:cond>
-                      </p:stCondLst>
-                      <p:childTnLst>
-                        <p:par>
-                          <p:cTn id="4" fill="hold">
-                            <p:stCondLst>
-                              <p:cond delay="0"/>
-                            </p:stCondLst>
-                            <p:childTnLst>
-                              <p:par>
-                                <p:cTn id="5" presetID="2" presetClass="entr" presetSubtype="4" fill="hold" nodeType="withEffect">
-                                  <p:stCondLst>
-                                    <p:cond delay="0"/>
-                                  </p:stCondLst>
-                                  <p:childTnLst>
-                                    <p:set>
-                                      <p:cBhvr>
-                                        <p:cTn id="6" dur="1" fill="hold">
-                                          <p:stCondLst>
-                                            <p:cond delay="0"/>
-                                          </p:stCondLst>
-                                        </p:cTn>
-                                        <p:tgtEl>
-                                          <p:spTgt spid="3"/>
-                                        </p:tgtEl>
-                                        <p:attrNameLst>
-                                          <p:attrName>style.visibility</p:attrName>
-                                        </p:attrNameLst>
-                                      </p:cBhvr>
-                                      <p:to>
-                                        <p:strVal val="visible"/>
-                                      </p:to>
-                                    </p:set>
-                                    <p:anim calcmode="lin" valueType="num">
-                                      <p:cBhvr additive="base">
-                                        <p:cTn id="7" dur="1000" fill="hold"/>
-                                        <p:tgtEl>
-                                          <p:spTgt spid="3"/>
-                                        </p:tgtEl>
-                                        <p:attrNameLst>
-                                          <p:attrName>ppt_x</p:attrName>
-                                        </p:attrNameLst>
-                                      </p:cBhvr>
-                                      <p:tavLst>
-                                        <p:tav tm="0">
-                                          <p:val>
-                                            <p:strVal val="#ppt_x"/>
-                                          </p:val>
-                                        </p:tav>
-                                        <p:tav tm="100000">
-                                          <p:val>
-                                            <p:strVal val="#ppt_x"/>
-                                          </p:val>
-                                        </p:tav>
-                                      </p:tavLst>
-                                    </p:anim>
-                                    <p:anim calcmode="lin" valueType="num">
-                                      <p:cBhvr additive="base">
-                                        <p:cTn id="8" dur="1000" fill="hold"/>
-                                        <p:tgtEl>
-                                          <p:spTgt spid="3"/>
-                                        </p:tgtEl>
-                                        <p:attrNameLst>
-                                          <p:attrName>ppt_y</p:attrName>
-                                        </p:attrNameLst>
-                                      </p:cBhvr>
-                                      <p:tavLst>
-                                        <p:tav tm="0">
-                                          <p:val>
-                                            <p:strVal val="1+#ppt_h/2"/>
-                                          </p:val>
-                                        </p:tav>
-                                        <p:tav tm="100000">
-                                          <p:val>
-                                            <p:strVal val="#ppt_y"/>
-                                          </p:val>
-                                        </p:tav>
-                                      </p:tavLst>
-                                    </p:anim>
-                                  </p:childTnLst>
-                                </p:cTn>
-                              </p:par>
-                            </p:childTnLst>
-                          </p:cTn>
-                        </p:par>
-                      </p:childTnLst>
-                    </p:cTn>
-                  </p:par>
-                  <p:par>
-                    <p:cTn id="9" fill="hold">
-                      <p:stCondLst>
-                        <p:cond delay="indefinite"/>
-                      </p:stCondLst>
-                      <p:childTnLst>
-                        <p:par>
-                          <p:cTn id="10" fill="hold">
-                            <p:stCondLst>
-                              <p:cond delay="0"/>
-                            </p:stCondLst>
-                            <p:childTnLst>
-                              <p:par>
-                                <p:cTn id="11" presetID="2" presetClass="entr" presetSubtype="4" fill="hold" nodeType="clickEffect">
-                                  <p:stCondLst>
-                                    <p:cond delay="0"/>
-                                  </p:stCondLst>
-                                  <p:childTnLst>
-                                    <p:set>
-                                      <p:cBhvr>
-                                        <p:cTn id="12" dur="1" fill="hold">
-                                          <p:stCondLst>
-                                            <p:cond delay="0"/>
-                                          </p:stCondLst>
-                                        </p:cTn>
-                                        <p:tgtEl>
-                                          <p:spTgt spid="2"/>
-                                        </p:tgtEl>
-                                        <p:attrNameLst>
-                                          <p:attrName>style.visibility</p:attrName>
-                                        </p:attrNameLst>
-                                      </p:cBhvr>
-                                      <p:to>
-                                        <p:strVal val="visible"/>
-                                      </p:to>
-                                    </p:set>
-                                    <p:anim calcmode="lin" valueType="num">
-                                      <p:cBhvr additive="base">
-                                        <p:cTn id="13" dur="1000" fill="hold"/>
-                                        <p:tgtEl>
-                                          <p:spTgt spid="2"/>
-                                        </p:tgtEl>
-                                        <p:attrNameLst>
-                                          <p:attrName>ppt_x</p:attrName>
-                                        </p:attrNameLst>
-                                      </p:cBhvr>
-                                      <p:tavLst>
-                                        <p:tav tm="0">
-                                          <p:val>
-                                            <p:strVal val="#ppt_x"/>
-                                          </p:val>
-                                        </p:tav>
-                                        <p:tav tm="100000">
-                                          <p:val>
-                                            <p:strVal val="#ppt_x"/>
-                                          </p:val>
-                                        </p:tav>
-                                      </p:tavLst>
-                                    </p:anim>
-                                    <p:anim calcmode="lin" valueType="num">
-                                      <p:cBhvr additive="base">
-                                        <p:cTn id="14" dur="1000" fill="hold"/>
-                                        <p:tgtEl>
-                                          <p:spTgt spid="2"/>
-                                        </p:tgtEl>
-                                        <p:attrNameLst>
-                                          <p:attrName>ppt_y</p:attrName>
-                                        </p:attrNameLst>
-                                      </p:cBhvr>
-                                      <p:tavLst>
-                                        <p:tav tm="0">
-                                          <p:val>
-                                            <p:strVal val="1+#ppt_h/2"/>
-                                          </p:val>
-                                        </p:tav>
-                                        <p:tav tm="100000">
-                                          <p:val>
-                                            <p:strVal val="#ppt_y"/>
-                                          </p:val>
-                                        </p:tav>
-                                      </p:tavLst>
-                                    </p:anim>
-                                  </p:childTnLst>
-                                </p:cTn>
-                              </p:par>
-                            </p:childTnLst>
-                          </p:cTn>
-                        </p:par>
-                      </p:childTnLst>
-                    </p:cTn>
-                  </p:par>
-                </p:childTnLst>
-              </p:cTn>
-              <p:prevCondLst>
-                <p:cond evt="onPrev" delay="0">
-                  <p:tgtEl>
-                    <p:sldTgt/>
-                  </p:tgtEl>
-                </p:cond>
-              </p:prevCondLst>
-              <p:nextCondLst>
-                <p:cond evt="onNext" delay="0">
-                  <p:tgtEl>
-                    <p:sldTgt/>
-                  </p:tgtEl>
-                </p:cond>
-              </p:nextCondLst>
-            </p:seq>
-          </p:childTnLst>
-        </p:cTn>
-      </p:par>
-    </p:tnLst>
-  </p:timing>
-</p:sld>
-</file>
-
-<file path=ppt/slides/slide5.xml><?xml version="1.0" encoding="utf-8"?>
-<p:sld xmlns:a="http://schemas.openxmlformats.org/drawingml/2006/main" xmlns:r="http://schemas.openxmlformats.org/officeDocument/2006/relationships" xmlns:p="http://schemas.openxmlformats.org/presentationml/2006/main">
-  <p:cSld>
-    <p:bg>
-      <p:bgPr>
-        <a:solidFill>
-          <a:srgbClr val="5019B3"/>
-        </a:solidFill>
-        <a:effectLst/>
-      </p:bgPr>
-    </p:bg>
-    <p:spTree>
-      <p:nvGrpSpPr>
-        <p:cNvPr id="1" name=""/>
-        <p:cNvGrpSpPr/>
-        <p:nvPr/>
-      </p:nvGrpSpPr>
-      <p:grpSpPr>
-        <a:xfrm>
-          <a:off x="0" y="0"/>
-          <a:ext cx="0" cy="0"/>
-          <a:chOff x="0" y="0"/>
-          <a:chExt cx="0" cy="0"/>
-        </a:xfrm>
-      </p:grpSpPr>
-      <p:sp>
-        <p:nvSpPr>
-          <p:cNvPr id="4" name="Téglalap: lekerekített 3">
-            <a:extLst>
-              <a:ext uri="{FF2B5EF4-FFF2-40B4-BE49-F238E27FC236}">
-                <a16:creationId xmlns:a16="http://schemas.microsoft.com/office/drawing/2014/main" xmlns="" id="{BC187220-8284-1B2B-8CE3-7C613265D444}"/>
-              </a:ext>
-            </a:extLst>
-          </p:cNvPr>
-          <p:cNvSpPr/>
-          <p:nvPr/>
-        </p:nvSpPr>
-        <p:spPr>
-          <a:xfrm>
-            <a:off x="880044" y="293914"/>
-            <a:ext cx="4784269" cy="6270171"/>
-          </a:xfrm>
-          <a:prstGeom prst="roundRect">
-            <a:avLst>
-              <a:gd name="adj" fmla="val 4094"/>
-            </a:avLst>
-          </a:prstGeom>
-          <a:solidFill>
-            <a:schemeClr val="bg1">
-              <a:alpha val="80000"/>
-            </a:schemeClr>
-          </a:solidFill>
-          <a:ln w="120650" cap="sq">
-            <a:noFill/>
-            <a:round/>
-          </a:ln>
-        </p:spPr>
-        <p:style>
-          <a:lnRef idx="2">
-            <a:schemeClr val="accent1">
-              <a:shade val="15000"/>
-            </a:schemeClr>
-          </a:lnRef>
-          <a:fillRef idx="1">
-            <a:schemeClr val="accent1"/>
-          </a:fillRef>
-          <a:effectRef idx="0">
-            <a:schemeClr val="accent1"/>
-          </a:effectRef>
-          <a:fontRef idx="minor">
-            <a:schemeClr val="lt1"/>
-          </a:fontRef>
-        </p:style>
-        <p:txBody>
-          <a:bodyPr rtlCol="0" anchor="ctr"/>
-          <a:lstStyle/>
-          <a:p>
-            <a:pPr algn="ctr"/>
-            <a:endParaRPr lang="hu-HU" dirty="0"/>
-          </a:p>
-        </p:txBody>
-      </p:sp>
-      <p:sp>
-        <p:nvSpPr>
-          <p:cNvPr id="5" name="Téglalap: lekerekített 4">
-            <a:extLst>
-              <a:ext uri="{FF2B5EF4-FFF2-40B4-BE49-F238E27FC236}">
-                <a16:creationId xmlns:a16="http://schemas.microsoft.com/office/drawing/2014/main" xmlns="" id="{B74CBF98-6A67-702F-008D-E30CBEB44963}"/>
-              </a:ext>
-            </a:extLst>
-          </p:cNvPr>
-          <p:cNvSpPr/>
-          <p:nvPr/>
-        </p:nvSpPr>
-        <p:spPr>
-          <a:xfrm>
-            <a:off x="6527687" y="293914"/>
-            <a:ext cx="4784269" cy="6270170"/>
-          </a:xfrm>
-          <a:prstGeom prst="roundRect">
-            <a:avLst>
-              <a:gd name="adj" fmla="val 4094"/>
-            </a:avLst>
-          </a:prstGeom>
-          <a:solidFill>
-            <a:schemeClr val="bg1">
-              <a:alpha val="80000"/>
-            </a:schemeClr>
-          </a:solidFill>
-          <a:ln w="120650" cap="sq">
-            <a:noFill/>
-            <a:round/>
-          </a:ln>
-        </p:spPr>
-        <p:style>
-          <a:lnRef idx="2">
-            <a:schemeClr val="accent1">
-              <a:shade val="15000"/>
-            </a:schemeClr>
-          </a:lnRef>
-          <a:fillRef idx="1">
-            <a:schemeClr val="accent1"/>
-          </a:fillRef>
-          <a:effectRef idx="0">
-            <a:schemeClr val="accent1"/>
-          </a:effectRef>
-          <a:fontRef idx="minor">
-            <a:schemeClr val="lt1"/>
-          </a:fontRef>
-        </p:style>
-        <p:txBody>
-          <a:bodyPr rtlCol="0" anchor="ctr"/>
-          <a:lstStyle/>
-          <a:p>
-            <a:pPr algn="ctr"/>
-            <a:endParaRPr lang="hu-HU" dirty="0"/>
-          </a:p>
-        </p:txBody>
-      </p:sp>
-      <p:sp>
-        <p:nvSpPr>
-          <p:cNvPr id="6" name="Szövegdoboz 5">
-            <a:extLst>
-              <a:ext uri="{FF2B5EF4-FFF2-40B4-BE49-F238E27FC236}">
-                <a16:creationId xmlns:a16="http://schemas.microsoft.com/office/drawing/2014/main" xmlns="" id="{5B6AC857-2A98-66B3-8AC9-33FBAB3EDDF5}"/>
-              </a:ext>
-            </a:extLst>
-          </p:cNvPr>
-          <p:cNvSpPr txBox="1"/>
-          <p:nvPr/>
-        </p:nvSpPr>
-        <p:spPr>
-          <a:xfrm>
-            <a:off x="1128030" y="1597693"/>
-            <a:ext cx="4095750" cy="2031325"/>
-          </a:xfrm>
-          <a:prstGeom prst="rect">
-            <a:avLst/>
-          </a:prstGeom>
-          <a:noFill/>
-        </p:spPr>
-        <p:txBody>
-          <a:bodyPr wrap="square" rtlCol="0">
-            <a:spAutoFit/>
-          </a:bodyPr>
-          <a:lstStyle/>
-          <a:p>
-            <a:pPr algn="just"/>
-            <a:r>
-              <a:rPr lang="en-US" b="1" i="0" dirty="0">
-                <a:solidFill>
-                  <a:srgbClr val="5019B3"/>
-                </a:solidFill>
-                <a:effectLst/>
-                <a:latin typeface="Rubik"/>
-              </a:rPr>
-              <a:t>In </a:t>
-            </a:r>
-            <a:r>
-              <a:rPr lang="en-US" b="1" i="0" dirty="0" err="1">
-                <a:solidFill>
-                  <a:srgbClr val="5019B3"/>
-                </a:solidFill>
-                <a:effectLst/>
-                <a:latin typeface="Rubik"/>
-              </a:rPr>
-              <a:t>Pygame</a:t>
-            </a:r>
-            <a:r>
-              <a:rPr lang="en-US" b="1" i="0" dirty="0">
-                <a:solidFill>
-                  <a:srgbClr val="5019B3"/>
-                </a:solidFill>
-                <a:effectLst/>
-                <a:latin typeface="Rubik"/>
-              </a:rPr>
-              <a:t>, a sprite is an object that represents a game element. It can be an image, animation, or any other visual element in a game. </a:t>
-            </a:r>
-            <a:r>
-              <a:rPr lang="en-US" b="1" i="0" dirty="0" err="1">
-                <a:solidFill>
-                  <a:srgbClr val="5019B3"/>
-                </a:solidFill>
-                <a:effectLst/>
-                <a:latin typeface="Rubik"/>
-              </a:rPr>
-              <a:t>Pygame</a:t>
-            </a:r>
-            <a:r>
-              <a:rPr lang="en-US" b="1" i="0" dirty="0">
-                <a:solidFill>
-                  <a:srgbClr val="5019B3"/>
-                </a:solidFill>
-                <a:effectLst/>
-                <a:latin typeface="Rubik"/>
-              </a:rPr>
-              <a:t> provides a Sprite class that you can use to create and manage sprites efficiently.</a:t>
-            </a:r>
-            <a:r>
-              <a:rPr lang="en-US" dirty="0"/>
-              <a:t/>
-            </a:r>
-            <a:br>
-              <a:rPr lang="en-US" dirty="0"/>
-            </a:br>
-            <a:endParaRPr lang="hu-HU" dirty="0"/>
-          </a:p>
-        </p:txBody>
-      </p:sp>
-      <p:sp>
-        <p:nvSpPr>
-          <p:cNvPr id="7" name="Szövegdoboz 6">
-            <a:extLst>
-              <a:ext uri="{FF2B5EF4-FFF2-40B4-BE49-F238E27FC236}">
-                <a16:creationId xmlns:a16="http://schemas.microsoft.com/office/drawing/2014/main" xmlns="" id="{7819F685-963E-271F-BC1B-FDA54155C9CE}"/>
-              </a:ext>
-            </a:extLst>
-          </p:cNvPr>
-          <p:cNvSpPr txBox="1"/>
-          <p:nvPr/>
-        </p:nvSpPr>
-        <p:spPr>
-          <a:xfrm>
-            <a:off x="1647142" y="735919"/>
-            <a:ext cx="3057525" cy="861774"/>
-          </a:xfrm>
-          <a:prstGeom prst="rect">
-            <a:avLst/>
-          </a:prstGeom>
-          <a:noFill/>
-        </p:spPr>
-        <p:txBody>
-          <a:bodyPr wrap="square" rtlCol="0">
-            <a:spAutoFit/>
-          </a:bodyPr>
-          <a:lstStyle/>
-          <a:p>
-            <a:pPr algn="ctr"/>
-            <a:r>
-              <a:rPr lang="hu-HU" sz="3200" b="1" i="0" dirty="0">
-                <a:solidFill>
-                  <a:srgbClr val="5019B3"/>
-                </a:solidFill>
-                <a:effectLst/>
-                <a:latin typeface="Rubik"/>
-              </a:rPr>
-              <a:t>Mi is az a </a:t>
-            </a:r>
-            <a:r>
-              <a:rPr lang="hu-HU" sz="3200" b="1" i="0" dirty="0" err="1">
-                <a:solidFill>
-                  <a:srgbClr val="5019B3"/>
-                </a:solidFill>
-                <a:effectLst/>
-                <a:latin typeface="Rubik"/>
-              </a:rPr>
-              <a:t>sprite</a:t>
-            </a:r>
-            <a:r>
-              <a:rPr lang="hu-HU" sz="3200" b="1" i="0" dirty="0">
-                <a:solidFill>
-                  <a:srgbClr val="5019B3"/>
-                </a:solidFill>
-                <a:effectLst/>
-                <a:latin typeface="Rubik"/>
-              </a:rPr>
-              <a:t>?</a:t>
-            </a:r>
-          </a:p>
-          <a:p>
-            <a:endParaRPr lang="hu-HU" dirty="0"/>
-          </a:p>
-        </p:txBody>
-      </p:sp>
-    </p:spTree>
-    <p:extLst>
-      <p:ext uri="{BB962C8B-B14F-4D97-AF65-F5344CB8AC3E}">
-        <p14:creationId xmlns:p14="http://schemas.microsoft.com/office/powerpoint/2010/main" val="1827483191"/>
-      </p:ext>
-    </p:extLst>
-  </p:cSld>
-  <p:clrMapOvr>
-    <a:masterClrMapping/>
-  </p:clrMapOvr>
-  <p:transition spd="slow">
-    <p:push dir="u"/>
-  </p:transition>
-  <p:timing>
-    <p:tnLst>
-      <p:par>
-        <p:cTn id="1" dur="indefinite" restart="never" nodeType="tmRoot">
-          <p:childTnLst>
-            <p:seq concurrent="1" nextAc="seek">
-              <p:cTn id="2" dur="indefinite" nodeType="mainSeq">
-                <p:childTnLst>
-                  <p:par>
-                    <p:cTn id="3" fill="hold">
-                      <p:stCondLst>
-                        <p:cond delay="indefinite"/>
-                      </p:stCondLst>
-                      <p:childTnLst>
-                        <p:par>
-                          <p:cTn id="4" fill="hold">
-                            <p:stCondLst>
-                              <p:cond delay="0"/>
-                            </p:stCondLst>
-                            <p:childTnLst>
-                              <p:par>
-                                <p:cTn id="5" presetID="2" presetClass="entr" presetSubtype="4" fill="hold" grpId="0" nodeType="clickEffect">
-                                  <p:stCondLst>
-                                    <p:cond delay="0"/>
-                                  </p:stCondLst>
-                                  <p:childTnLst>
-                                    <p:set>
-                                      <p:cBhvr>
-                                        <p:cTn id="6" dur="1" fill="hold">
-                                          <p:stCondLst>
-                                            <p:cond delay="0"/>
-                                          </p:stCondLst>
-                                        </p:cTn>
-                                        <p:tgtEl>
-                                          <p:spTgt spid="5"/>
-                                        </p:tgtEl>
-                                        <p:attrNameLst>
-                                          <p:attrName>style.visibility</p:attrName>
-                                        </p:attrNameLst>
-                                      </p:cBhvr>
-                                      <p:to>
-                                        <p:strVal val="visible"/>
-                                      </p:to>
-                                    </p:set>
-                                    <p:anim calcmode="lin" valueType="num">
-                                      <p:cBhvr additive="base">
-                                        <p:cTn id="7" dur="1000" fill="hold"/>
-                                        <p:tgtEl>
-                                          <p:spTgt spid="5"/>
-                                        </p:tgtEl>
-                                        <p:attrNameLst>
-                                          <p:attrName>ppt_x</p:attrName>
-                                        </p:attrNameLst>
-                                      </p:cBhvr>
-                                      <p:tavLst>
-                                        <p:tav tm="0">
-                                          <p:val>
-                                            <p:strVal val="#ppt_x"/>
-                                          </p:val>
-                                        </p:tav>
-                                        <p:tav tm="100000">
-                                          <p:val>
-                                            <p:strVal val="#ppt_x"/>
-                                          </p:val>
-                                        </p:tav>
-                                      </p:tavLst>
-                                    </p:anim>
-                                    <p:anim calcmode="lin" valueType="num">
-                                      <p:cBhvr additive="base">
-                                        <p:cTn id="8" dur="1000" fill="hold"/>
-                                        <p:tgtEl>
-                                          <p:spTgt spid="5"/>
-                                        </p:tgtEl>
-                                        <p:attrNameLst>
-                                          <p:attrName>ppt_y</p:attrName>
-                                        </p:attrNameLst>
-                                      </p:cBhvr>
-                                      <p:tavLst>
-                                        <p:tav tm="0">
-                                          <p:val>
-                                            <p:strVal val="1+#ppt_h/2"/>
-                                          </p:val>
-                                        </p:tav>
-                                        <p:tav tm="100000">
-                                          <p:val>
-                                            <p:strVal val="#ppt_y"/>
-                                          </p:val>
-                                        </p:tav>
-                                      </p:tavLst>
-                                    </p:anim>
-                                  </p:childTnLst>
-                                </p:cTn>
-                              </p:par>
-                            </p:childTnLst>
-                          </p:cTn>
-                        </p:par>
-                      </p:childTnLst>
-                    </p:cTn>
-                  </p:par>
-                </p:childTnLst>
-              </p:cTn>
-              <p:prevCondLst>
-                <p:cond evt="onPrev" delay="0">
-                  <p:tgtEl>
-                    <p:sldTgt/>
-                  </p:tgtEl>
-                </p:cond>
-              </p:prevCondLst>
-              <p:nextCondLst>
-                <p:cond evt="onNext" delay="0">
-                  <p:tgtEl>
-                    <p:sldTgt/>
-                  </p:tgtEl>
-                </p:cond>
-              </p:nextCondLst>
-            </p:seq>
-          </p:childTnLst>
-        </p:cTn>
-      </p:par>
-    </p:tnLst>
-    <p:bldLst>
-      <p:bldP spid="5" grpId="0" animBg="1"/>
-    </p:bldLst>
-  </p:timing>
-</p:sld>
-</file>
-
-<file path=ppt/slides/slide6.xml><?xml version="1.0" encoding="utf-8"?>
-<p:sld xmlns:a="http://schemas.openxmlformats.org/drawingml/2006/main" xmlns:r="http://schemas.openxmlformats.org/officeDocument/2006/relationships" xmlns:p="http://schemas.openxmlformats.org/presentationml/2006/main">
-  <p:cSld>
-    <p:bg>
-      <p:bgPr>
-        <a:solidFill>
-          <a:srgbClr val="5019B3"/>
-        </a:solidFill>
-        <a:effectLst/>
-      </p:bgPr>
-    </p:bg>
-    <p:spTree>
-      <p:nvGrpSpPr>
-        <p:cNvPr id="1" name=""/>
-        <p:cNvGrpSpPr/>
-        <p:nvPr/>
-      </p:nvGrpSpPr>
-      <p:grpSpPr>
-        <a:xfrm>
-          <a:off x="0" y="0"/>
-          <a:ext cx="0" cy="0"/>
-          <a:chOff x="0" y="0"/>
-          <a:chExt cx="0" cy="0"/>
-        </a:xfrm>
-      </p:grpSpPr>
-      <p:sp>
-        <p:nvSpPr>
-          <p:cNvPr id="2" name="Cím 1">
-            <a:extLst>
-              <a:ext uri="{FF2B5EF4-FFF2-40B4-BE49-F238E27FC236}">
-                <a16:creationId xmlns:a16="http://schemas.microsoft.com/office/drawing/2014/main" xmlns="" id="{D1CE9B8A-DB08-5227-4E90-0FE396A4D141}"/>
-              </a:ext>
-            </a:extLst>
-          </p:cNvPr>
-          <p:cNvSpPr>
-            <a:spLocks noGrp="1"/>
-          </p:cNvSpPr>
-          <p:nvPr>
-            <p:ph type="ctrTitle"/>
-          </p:nvPr>
-        </p:nvSpPr>
-        <p:spPr/>
-        <p:txBody>
-          <a:bodyPr/>
-          <a:lstStyle/>
-          <a:p>
-            <a:endParaRPr lang="hu-HU"/>
-          </a:p>
-        </p:txBody>
-      </p:sp>
-      <p:sp>
-        <p:nvSpPr>
-          <p:cNvPr id="3" name="Alcím 2">
-            <a:extLst>
-              <a:ext uri="{FF2B5EF4-FFF2-40B4-BE49-F238E27FC236}">
-                <a16:creationId xmlns:a16="http://schemas.microsoft.com/office/drawing/2014/main" xmlns="" id="{33E051B4-6ACD-E318-EC79-47D89175A6C0}"/>
-              </a:ext>
-            </a:extLst>
-          </p:cNvPr>
-          <p:cNvSpPr>
-            <a:spLocks noGrp="1"/>
-          </p:cNvSpPr>
-          <p:nvPr>
-            <p:ph type="subTitle" idx="1"/>
-          </p:nvPr>
-        </p:nvSpPr>
-        <p:spPr/>
-        <p:txBody>
-          <a:bodyPr/>
-          <a:lstStyle/>
-          <a:p>
-            <a:endParaRPr lang="hu-HU"/>
-          </a:p>
-        </p:txBody>
-      </p:sp>
-      <p:sp>
-        <p:nvSpPr>
-          <p:cNvPr id="5" name="Téglalap: lekerekített 4">
-            <a:extLst>
-              <a:ext uri="{FF2B5EF4-FFF2-40B4-BE49-F238E27FC236}">
-                <a16:creationId xmlns:a16="http://schemas.microsoft.com/office/drawing/2014/main" xmlns="" id="{C5BDCC62-F9EF-42AD-9B0E-82FDB2144CDA}"/>
-              </a:ext>
-            </a:extLst>
-          </p:cNvPr>
-          <p:cNvSpPr/>
-          <p:nvPr/>
-        </p:nvSpPr>
-        <p:spPr>
-          <a:xfrm>
-            <a:off x="880044" y="293914"/>
-            <a:ext cx="4784269" cy="6270170"/>
-          </a:xfrm>
-          <a:prstGeom prst="roundRect">
-            <a:avLst>
-              <a:gd name="adj" fmla="val 4094"/>
-            </a:avLst>
-          </a:prstGeom>
-          <a:solidFill>
-            <a:schemeClr val="bg1">
-              <a:alpha val="80000"/>
-            </a:schemeClr>
-          </a:solidFill>
-          <a:ln w="120650" cap="sq">
-            <a:noFill/>
-            <a:round/>
-          </a:ln>
-        </p:spPr>
-        <p:style>
-          <a:lnRef idx="2">
-            <a:schemeClr val="accent1">
-              <a:shade val="15000"/>
-            </a:schemeClr>
-          </a:lnRef>
-          <a:fillRef idx="1">
-            <a:schemeClr val="accent1"/>
-          </a:fillRef>
-          <a:effectRef idx="0">
-            <a:schemeClr val="accent1"/>
-          </a:effectRef>
-          <a:fontRef idx="minor">
-            <a:schemeClr val="lt1"/>
-          </a:fontRef>
-        </p:style>
-        <p:txBody>
-          <a:bodyPr rtlCol="0" anchor="ctr"/>
-          <a:lstStyle/>
-          <a:p>
-            <a:pPr algn="ctr"/>
-            <a:endParaRPr lang="hu-HU" dirty="0"/>
-          </a:p>
-        </p:txBody>
-      </p:sp>
-    </p:spTree>
-    <p:extLst>
-      <p:ext uri="{BB962C8B-B14F-4D97-AF65-F5344CB8AC3E}">
-        <p14:creationId xmlns:p14="http://schemas.microsoft.com/office/powerpoint/2010/main" val="605018872"/>
-      </p:ext>
-    </p:extLst>
-  </p:cSld>
-  <p:clrMapOvr>
-    <a:masterClrMapping/>
-  </p:clrMapOvr>
-  <p:transition spd="slow">
-    <p:push dir="u"/>
-  </p:transition>
-  <p:timing>
-    <p:tnLst>
-      <p:par>
-        <p:cTn id="1" dur="indefinite" restart="never" nodeType="tmRoot">
-          <p:childTnLst>
-            <p:seq concurrent="1" nextAc="seek">
-              <p:cTn id="2" dur="indefinite" nodeType="mainSeq">
-                <p:childTnLst>
-                  <p:par>
-                    <p:cTn id="3" fill="hold">
-                      <p:stCondLst>
-                        <p:cond delay="indefinite"/>
-                      </p:stCondLst>
-                      <p:childTnLst>
-                        <p:par>
-                          <p:cTn id="4" fill="hold">
-                            <p:stCondLst>
-                              <p:cond delay="0"/>
-                            </p:stCondLst>
-                            <p:childTnLst>
-                              <p:par>
-                                <p:cTn id="5" presetID="2" presetClass="entr" presetSubtype="4" fill="hold" grpId="0" nodeType="clickEffect">
-                                  <p:stCondLst>
-                                    <p:cond delay="0"/>
-                                  </p:stCondLst>
-                                  <p:childTnLst>
-                                    <p:set>
-                                      <p:cBhvr>
-                                        <p:cTn id="6" dur="1" fill="hold">
-                                          <p:stCondLst>
-                                            <p:cond delay="0"/>
-                                          </p:stCondLst>
-                                        </p:cTn>
-                                        <p:tgtEl>
-                                          <p:spTgt spid="5"/>
-                                        </p:tgtEl>
-                                        <p:attrNameLst>
-                                          <p:attrName>style.visibility</p:attrName>
-                                        </p:attrNameLst>
-                                      </p:cBhvr>
-                                      <p:to>
-                                        <p:strVal val="visible"/>
-                                      </p:to>
-                                    </p:set>
-                                    <p:anim calcmode="lin" valueType="num">
-                                      <p:cBhvr additive="base">
-                                        <p:cTn id="7" dur="500" fill="hold"/>
-                                        <p:tgtEl>
-                                          <p:spTgt spid="5"/>
-                                        </p:tgtEl>
-                                        <p:attrNameLst>
-                                          <p:attrName>ppt_x</p:attrName>
-                                        </p:attrNameLst>
-                                      </p:cBhvr>
-                                      <p:tavLst>
-                                        <p:tav tm="0">
-                                          <p:val>
-                                            <p:strVal val="#ppt_x"/>
-                                          </p:val>
-                                        </p:tav>
-                                        <p:tav tm="100000">
-                                          <p:val>
-                                            <p:strVal val="#ppt_x"/>
-                                          </p:val>
-                                        </p:tav>
-                                      </p:tavLst>
-                                    </p:anim>
-                                    <p:anim calcmode="lin" valueType="num">
-                                      <p:cBhvr additive="base">
-                                        <p:cTn id="8" dur="500" fill="hold"/>
-                                        <p:tgtEl>
-                                          <p:spTgt spid="5"/>
-                                        </p:tgtEl>
-                                        <p:attrNameLst>
-                                          <p:attrName>ppt_y</p:attrName>
-                                        </p:attrNameLst>
-                                      </p:cBhvr>
-                                      <p:tavLst>
-                                        <p:tav tm="0">
-                                          <p:val>
-                                            <p:strVal val="1+#ppt_h/2"/>
-                                          </p:val>
-                                        </p:tav>
-                                        <p:tav tm="100000">
-                                          <p:val>
-                                            <p:strVal val="#ppt_y"/>
-                                          </p:val>
-                                        </p:tav>
-                                      </p:tavLst>
-                                    </p:anim>
-                                  </p:childTnLst>
-                                </p:cTn>
-                              </p:par>
-                            </p:childTnLst>
-                          </p:cTn>
-                        </p:par>
-                      </p:childTnLst>
-                    </p:cTn>
-                  </p:par>
-                </p:childTnLst>
-              </p:cTn>
-              <p:prevCondLst>
-                <p:cond evt="onPrev" delay="0">
-                  <p:tgtEl>
-                    <p:sldTgt/>
-                  </p:tgtEl>
-                </p:cond>
-              </p:prevCondLst>
-              <p:nextCondLst>
-                <p:cond evt="onNext" delay="0">
-                  <p:tgtEl>
-                    <p:sldTgt/>
-                  </p:tgtEl>
-                </p:cond>
-              </p:nextCondLst>
-            </p:seq>
-          </p:childTnLst>
-        </p:cTn>
-      </p:par>
-    </p:tnLst>
-    <p:bldLst>
-      <p:bldP spid="5" grpId="0" animBg="1"/>
-    </p:bldLst>
-  </p:timing>
-</p:sld>
-</file>
-
-<file path=ppt/slides/slide7.xml><?xml version="1.0" encoding="utf-8"?>
+<file path=ppt/slides/slide10.xml><?xml version="1.0" encoding="utf-8"?>
 <p:sld xmlns:a="http://schemas.openxmlformats.org/drawingml/2006/main" xmlns:r="http://schemas.openxmlformats.org/officeDocument/2006/relationships" xmlns:p="http://schemas.openxmlformats.org/presentationml/2006/main">
   <p:cSld>
     <p:bg>
@@ -7785,7 +4941,7 @@
           <p:cNvPr id="4" name="Ellipszis 3">
             <a:extLst>
               <a:ext uri="{FF2B5EF4-FFF2-40B4-BE49-F238E27FC236}">
-                <a16:creationId xmlns:a16="http://schemas.microsoft.com/office/drawing/2014/main" xmlns="" id="{5E590742-0F2F-708E-87FC-8CF5ABA75119}"/>
+                <a16:creationId xmlns:a16="http://schemas.microsoft.com/office/drawing/2014/main" id="{5E590742-0F2F-708E-87FC-8CF5ABA75119}"/>
               </a:ext>
             </a:extLst>
           </p:cNvPr>
@@ -7844,7 +5000,7 @@
           <p:cNvPr id="5" name="Ellipszis 4">
             <a:extLst>
               <a:ext uri="{FF2B5EF4-FFF2-40B4-BE49-F238E27FC236}">
-                <a16:creationId xmlns:a16="http://schemas.microsoft.com/office/drawing/2014/main" xmlns="" id="{7BFA035C-0E90-EF99-09EB-F01F1787B99D}"/>
+                <a16:creationId xmlns:a16="http://schemas.microsoft.com/office/drawing/2014/main" id="{7BFA035C-0E90-EF99-09EB-F01F1787B99D}"/>
               </a:ext>
             </a:extLst>
           </p:cNvPr>
@@ -7900,7 +5056,7 @@
           <p:cNvPr id="15" name="Szövegdoboz 14">
             <a:extLst>
               <a:ext uri="{FF2B5EF4-FFF2-40B4-BE49-F238E27FC236}">
-                <a16:creationId xmlns:a16="http://schemas.microsoft.com/office/drawing/2014/main" xmlns="" id="{BAD904EC-5503-CAE6-53A8-7648AE393A9D}"/>
+                <a16:creationId xmlns:a16="http://schemas.microsoft.com/office/drawing/2014/main" id="{BAD904EC-5503-CAE6-53A8-7648AE393A9D}"/>
               </a:ext>
             </a:extLst>
           </p:cNvPr>
@@ -7953,7 +5109,7 @@
           <p:cNvPr id="17" name="Szövegdoboz 15">
             <a:extLst>
               <a:ext uri="{FF2B5EF4-FFF2-40B4-BE49-F238E27FC236}">
-                <a16:creationId xmlns:a16="http://schemas.microsoft.com/office/drawing/2014/main" xmlns="" id="{C9117FAE-FE67-5743-F7DB-0D7FE2C64D91}"/>
+                <a16:creationId xmlns:a16="http://schemas.microsoft.com/office/drawing/2014/main" id="{C9117FAE-FE67-5743-F7DB-0D7FE2C64D91}"/>
               </a:ext>
             </a:extLst>
           </p:cNvPr>
@@ -8436,7 +5592,7 @@
 </p:sld>
 </file>
 
-<file path=ppt/slides/slide8.xml><?xml version="1.0" encoding="utf-8"?>
+<file path=ppt/slides/slide11.xml><?xml version="1.0" encoding="utf-8"?>
 <p:sld xmlns:a="http://schemas.openxmlformats.org/drawingml/2006/main" xmlns:r="http://schemas.openxmlformats.org/officeDocument/2006/relationships" xmlns:p="http://schemas.openxmlformats.org/presentationml/2006/main">
   <p:cSld>
     <p:bg>
@@ -8466,7 +5622,7 @@
           <p:cNvPr id="44" name="Ellipszis 43">
             <a:extLst>
               <a:ext uri="{FF2B5EF4-FFF2-40B4-BE49-F238E27FC236}">
-                <a16:creationId xmlns:a16="http://schemas.microsoft.com/office/drawing/2014/main" xmlns="" id="{645329D2-24D7-4E68-B864-0EBD807ED9C7}"/>
+                <a16:creationId xmlns:a16="http://schemas.microsoft.com/office/drawing/2014/main" id="{645329D2-24D7-4E68-B864-0EBD807ED9C7}"/>
               </a:ext>
             </a:extLst>
           </p:cNvPr>
@@ -8525,7 +5681,7 @@
           <p:cNvPr id="45" name="Ellipszis 44">
             <a:extLst>
               <a:ext uri="{FF2B5EF4-FFF2-40B4-BE49-F238E27FC236}">
-                <a16:creationId xmlns:a16="http://schemas.microsoft.com/office/drawing/2014/main" xmlns="" id="{1CF101B2-BBC2-495C-A7C8-A35500CDEADA}"/>
+                <a16:creationId xmlns:a16="http://schemas.microsoft.com/office/drawing/2014/main" id="{1CF101B2-BBC2-495C-A7C8-A35500CDEADA}"/>
               </a:ext>
             </a:extLst>
           </p:cNvPr>
@@ -8584,7 +5740,7 @@
           <p:cNvPr id="50" name="Téglalap: lekerekített 49">
             <a:extLst>
               <a:ext uri="{FF2B5EF4-FFF2-40B4-BE49-F238E27FC236}">
-                <a16:creationId xmlns:a16="http://schemas.microsoft.com/office/drawing/2014/main" xmlns="" id="{8B38A860-78B7-48BD-A452-FE7ADB9753AD}"/>
+                <a16:creationId xmlns:a16="http://schemas.microsoft.com/office/drawing/2014/main" id="{8B38A860-78B7-48BD-A452-FE7ADB9753AD}"/>
               </a:ext>
             </a:extLst>
           </p:cNvPr>
@@ -8699,7 +5855,7 @@
           <p:cNvPr id="1032" name="Picture 8" descr="Your very First GitHub Repository. | by olatunde ibitoye | Medium">
             <a:extLst>
               <a:ext uri="{FF2B5EF4-FFF2-40B4-BE49-F238E27FC236}">
-                <a16:creationId xmlns:a16="http://schemas.microsoft.com/office/drawing/2014/main" xmlns="" id="{65697C37-BB70-40DD-AFE7-60C0822C6AB9}"/>
+                <a16:creationId xmlns:a16="http://schemas.microsoft.com/office/drawing/2014/main" id="{65697C37-BB70-40DD-AFE7-60C0822C6AB9}"/>
               </a:ext>
             </a:extLst>
           </p:cNvPr>
@@ -8746,7 +5902,7 @@
           <p:cNvPr id="66" name="Ellipszis 65">
             <a:extLst>
               <a:ext uri="{FF2B5EF4-FFF2-40B4-BE49-F238E27FC236}">
-                <a16:creationId xmlns:a16="http://schemas.microsoft.com/office/drawing/2014/main" xmlns="" id="{56912AC2-6561-42FD-80C1-49350133FB8A}"/>
+                <a16:creationId xmlns:a16="http://schemas.microsoft.com/office/drawing/2014/main" id="{56912AC2-6561-42FD-80C1-49350133FB8A}"/>
               </a:ext>
             </a:extLst>
           </p:cNvPr>
@@ -8805,7 +5961,7 @@
           <p:cNvPr id="67" name="Ellipszis 66">
             <a:extLst>
               <a:ext uri="{FF2B5EF4-FFF2-40B4-BE49-F238E27FC236}">
-                <a16:creationId xmlns:a16="http://schemas.microsoft.com/office/drawing/2014/main" xmlns="" id="{32F74799-D3F6-4A89-A83F-A3F32E86FA9E}"/>
+                <a16:creationId xmlns:a16="http://schemas.microsoft.com/office/drawing/2014/main" id="{32F74799-D3F6-4A89-A83F-A3F32E86FA9E}"/>
               </a:ext>
             </a:extLst>
           </p:cNvPr>
@@ -8864,7 +6020,7 @@
           <p:cNvPr id="69" name="Ellipszis 68">
             <a:extLst>
               <a:ext uri="{FF2B5EF4-FFF2-40B4-BE49-F238E27FC236}">
-                <a16:creationId xmlns:a16="http://schemas.microsoft.com/office/drawing/2014/main" xmlns="" id="{EA0495DE-046E-4ED7-8708-5EC8AE2AC86E}"/>
+                <a16:creationId xmlns:a16="http://schemas.microsoft.com/office/drawing/2014/main" id="{EA0495DE-046E-4ED7-8708-5EC8AE2AC86E}"/>
               </a:ext>
             </a:extLst>
           </p:cNvPr>
@@ -8923,7 +6079,7 @@
           <p:cNvPr id="70" name="Ellipszis 69">
             <a:extLst>
               <a:ext uri="{FF2B5EF4-FFF2-40B4-BE49-F238E27FC236}">
-                <a16:creationId xmlns:a16="http://schemas.microsoft.com/office/drawing/2014/main" xmlns="" id="{0B57A567-0E0A-4116-B280-EDE7321AE0BD}"/>
+                <a16:creationId xmlns:a16="http://schemas.microsoft.com/office/drawing/2014/main" id="{0B57A567-0E0A-4116-B280-EDE7321AE0BD}"/>
               </a:ext>
             </a:extLst>
           </p:cNvPr>
@@ -8982,7 +6138,7 @@
           <p:cNvPr id="1038" name="Picture 14" descr="https://avatars.githubusercontent.com/u/122269847?v=4">
             <a:extLst>
               <a:ext uri="{FF2B5EF4-FFF2-40B4-BE49-F238E27FC236}">
-                <a16:creationId xmlns:a16="http://schemas.microsoft.com/office/drawing/2014/main" xmlns="" id="{7CD961B7-2720-4DD3-A1FC-99878FABF62E}"/>
+                <a16:creationId xmlns:a16="http://schemas.microsoft.com/office/drawing/2014/main" id="{7CD961B7-2720-4DD3-A1FC-99878FABF62E}"/>
               </a:ext>
             </a:extLst>
           </p:cNvPr>
@@ -9029,7 +6185,7 @@
           <p:cNvPr id="75" name="Téglalap: lekerekített 74">
             <a:extLst>
               <a:ext uri="{FF2B5EF4-FFF2-40B4-BE49-F238E27FC236}">
-                <a16:creationId xmlns:a16="http://schemas.microsoft.com/office/drawing/2014/main" xmlns="" id="{F061B00D-FF28-417F-8E89-78FED159E63E}"/>
+                <a16:creationId xmlns:a16="http://schemas.microsoft.com/office/drawing/2014/main" id="{F061B00D-FF28-417F-8E89-78FED159E63E}"/>
               </a:ext>
             </a:extLst>
           </p:cNvPr>
@@ -9141,7 +6297,7 @@
           <p:cNvPr id="76" name="Téglalap: lekerekített 75">
             <a:extLst>
               <a:ext uri="{FF2B5EF4-FFF2-40B4-BE49-F238E27FC236}">
-                <a16:creationId xmlns:a16="http://schemas.microsoft.com/office/drawing/2014/main" xmlns="" id="{4A770DFA-F1B4-42B9-ACDE-1808FFD1ECEF}"/>
+                <a16:creationId xmlns:a16="http://schemas.microsoft.com/office/drawing/2014/main" id="{4A770DFA-F1B4-42B9-ACDE-1808FFD1ECEF}"/>
               </a:ext>
             </a:extLst>
           </p:cNvPr>
@@ -9997,6 +7153,3413 @@
 </p:sld>
 </file>
 
+<file path=ppt/slides/slide2.xml><?xml version="1.0" encoding="utf-8"?>
+<p:sld xmlns:a="http://schemas.openxmlformats.org/drawingml/2006/main" xmlns:r="http://schemas.openxmlformats.org/officeDocument/2006/relationships" xmlns:p="http://schemas.openxmlformats.org/presentationml/2006/main">
+  <p:cSld>
+    <p:bg>
+      <p:bgPr>
+        <a:solidFill>
+          <a:srgbClr val="5019B3"/>
+        </a:solidFill>
+        <a:effectLst/>
+      </p:bgPr>
+    </p:bg>
+    <p:spTree>
+      <p:nvGrpSpPr>
+        <p:cNvPr id="1" name=""/>
+        <p:cNvGrpSpPr/>
+        <p:nvPr/>
+      </p:nvGrpSpPr>
+      <p:grpSpPr>
+        <a:xfrm>
+          <a:off x="0" y="0"/>
+          <a:ext cx="0" cy="0"/>
+          <a:chOff x="0" y="0"/>
+          <a:chExt cx="0" cy="0"/>
+        </a:xfrm>
+      </p:grpSpPr>
+      <p:sp>
+        <p:nvSpPr>
+          <p:cNvPr id="7" name="Téglalap: lekerekített 6">
+            <a:extLst>
+              <a:ext uri="{FF2B5EF4-FFF2-40B4-BE49-F238E27FC236}">
+                <a16:creationId xmlns:a16="http://schemas.microsoft.com/office/drawing/2014/main" id="{9E83F3BB-AE52-4C22-B3C7-E052C54A356D}"/>
+              </a:ext>
+            </a:extLst>
+          </p:cNvPr>
+          <p:cNvSpPr/>
+          <p:nvPr/>
+        </p:nvSpPr>
+        <p:spPr>
+          <a:xfrm>
+            <a:off x="-5910146" y="194253"/>
+            <a:ext cx="5656146" cy="1640305"/>
+          </a:xfrm>
+          <a:prstGeom prst="roundRect">
+            <a:avLst>
+              <a:gd name="adj" fmla="val 4094"/>
+            </a:avLst>
+          </a:prstGeom>
+          <a:solidFill>
+            <a:schemeClr val="bg1">
+              <a:alpha val="80000"/>
+            </a:schemeClr>
+          </a:solidFill>
+          <a:ln w="120650" cap="sq">
+            <a:noFill/>
+            <a:round/>
+          </a:ln>
+        </p:spPr>
+        <p:style>
+          <a:lnRef idx="2">
+            <a:schemeClr val="accent1">
+              <a:shade val="15000"/>
+            </a:schemeClr>
+          </a:lnRef>
+          <a:fillRef idx="1">
+            <a:schemeClr val="accent1"/>
+          </a:fillRef>
+          <a:effectRef idx="0">
+            <a:schemeClr val="accent1"/>
+          </a:effectRef>
+          <a:fontRef idx="minor">
+            <a:schemeClr val="lt1"/>
+          </a:fontRef>
+        </p:style>
+        <p:txBody>
+          <a:bodyPr rtlCol="0" anchor="ctr"/>
+          <a:lstStyle/>
+          <a:p>
+            <a:pPr algn="ctr"/>
+            <a:r>
+              <a:rPr lang="hu-HU" sz="4400" dirty="0">
+                <a:solidFill>
+                  <a:srgbClr val="5019B3"/>
+                </a:solidFill>
+                <a:effectLst>
+                  <a:outerShdw dist="38100" sx="101000" sy="101000" algn="l" rotWithShape="0">
+                    <a:prstClr val="black">
+                      <a:alpha val="0"/>
+                    </a:prstClr>
+                  </a:outerShdw>
+                </a:effectLst>
+                <a:latin typeface="Segoe UI Black" panose="020B0A02040204020203" pitchFamily="34" charset="0"/>
+                <a:ea typeface="Segoe UI Black" panose="020B0A02040204020203" pitchFamily="34" charset="0"/>
+              </a:rPr>
+              <a:t>Tartalom</a:t>
+            </a:r>
+          </a:p>
+        </p:txBody>
+      </p:sp>
+      <p:sp>
+        <p:nvSpPr>
+          <p:cNvPr id="6" name="Téglalap: lekerekített 5">
+            <a:extLst>
+              <a:ext uri="{FF2B5EF4-FFF2-40B4-BE49-F238E27FC236}">
+                <a16:creationId xmlns:a16="http://schemas.microsoft.com/office/drawing/2014/main" id="{7054393B-7C14-4BF7-B3BE-977FD580A87B}"/>
+              </a:ext>
+            </a:extLst>
+          </p:cNvPr>
+          <p:cNvSpPr/>
+          <p:nvPr/>
+        </p:nvSpPr>
+        <p:spPr>
+          <a:xfrm>
+            <a:off x="3399551" y="3429000"/>
+            <a:ext cx="2500311" cy="2335886"/>
+          </a:xfrm>
+          <a:prstGeom prst="roundRect">
+            <a:avLst>
+              <a:gd name="adj" fmla="val 4094"/>
+            </a:avLst>
+          </a:prstGeom>
+          <a:solidFill>
+            <a:schemeClr val="bg1">
+              <a:alpha val="80000"/>
+            </a:schemeClr>
+          </a:solidFill>
+          <a:ln w="120650" cap="sq">
+            <a:noFill/>
+            <a:round/>
+          </a:ln>
+        </p:spPr>
+        <p:style>
+          <a:lnRef idx="2">
+            <a:schemeClr val="accent1">
+              <a:shade val="15000"/>
+            </a:schemeClr>
+          </a:lnRef>
+          <a:fillRef idx="1">
+            <a:schemeClr val="accent1"/>
+          </a:fillRef>
+          <a:effectRef idx="0">
+            <a:schemeClr val="accent1"/>
+          </a:effectRef>
+          <a:fontRef idx="minor">
+            <a:schemeClr val="lt1"/>
+          </a:fontRef>
+        </p:style>
+        <p:txBody>
+          <a:bodyPr rtlCol="0" anchor="ctr"/>
+          <a:lstStyle/>
+          <a:p>
+            <a:pPr algn="ctr"/>
+            <a:r>
+              <a:rPr lang="hu-HU" sz="2800" dirty="0">
+                <a:solidFill>
+                  <a:srgbClr val="5019B3"/>
+                </a:solidFill>
+                <a:effectLst>
+                  <a:outerShdw dist="38100" sx="101000" sy="101000" algn="l" rotWithShape="0">
+                    <a:prstClr val="black">
+                      <a:alpha val="0"/>
+                    </a:prstClr>
+                  </a:outerShdw>
+                </a:effectLst>
+                <a:latin typeface="Segoe UI Black" panose="020B0A02040204020203" pitchFamily="34" charset="0"/>
+                <a:ea typeface="Segoe UI Black" panose="020B0A02040204020203" pitchFamily="34" charset="0"/>
+              </a:rPr>
+              <a:t>Objektum orientáltság</a:t>
+            </a:r>
+          </a:p>
+        </p:txBody>
+      </p:sp>
+      <p:sp>
+        <p:nvSpPr>
+          <p:cNvPr id="12" name="Téglalap: lekerekített 11">
+            <a:extLst>
+              <a:ext uri="{FF2B5EF4-FFF2-40B4-BE49-F238E27FC236}">
+                <a16:creationId xmlns:a16="http://schemas.microsoft.com/office/drawing/2014/main" id="{012748AF-1348-4B58-90F4-37F17048BB84}"/>
+              </a:ext>
+            </a:extLst>
+          </p:cNvPr>
+          <p:cNvSpPr/>
+          <p:nvPr/>
+        </p:nvSpPr>
+        <p:spPr>
+          <a:xfrm>
+            <a:off x="454770" y="3429000"/>
+            <a:ext cx="2500311" cy="2335886"/>
+          </a:xfrm>
+          <a:prstGeom prst="roundRect">
+            <a:avLst>
+              <a:gd name="adj" fmla="val 4094"/>
+            </a:avLst>
+          </a:prstGeom>
+          <a:solidFill>
+            <a:schemeClr val="bg1">
+              <a:alpha val="80000"/>
+            </a:schemeClr>
+          </a:solidFill>
+          <a:ln w="120650" cap="sq">
+            <a:noFill/>
+            <a:round/>
+          </a:ln>
+        </p:spPr>
+        <p:style>
+          <a:lnRef idx="2">
+            <a:schemeClr val="accent1">
+              <a:shade val="15000"/>
+            </a:schemeClr>
+          </a:lnRef>
+          <a:fillRef idx="1">
+            <a:schemeClr val="accent1"/>
+          </a:fillRef>
+          <a:effectRef idx="0">
+            <a:schemeClr val="accent1"/>
+          </a:effectRef>
+          <a:fontRef idx="minor">
+            <a:schemeClr val="lt1"/>
+          </a:fontRef>
+        </p:style>
+        <p:txBody>
+          <a:bodyPr rtlCol="0" anchor="ctr"/>
+          <a:lstStyle/>
+          <a:p>
+            <a:pPr algn="ctr"/>
+            <a:r>
+              <a:rPr lang="hu-HU" sz="2800" dirty="0" err="1">
+                <a:solidFill>
+                  <a:srgbClr val="5019B3"/>
+                </a:solidFill>
+                <a:effectLst>
+                  <a:outerShdw dist="38100" sx="101000" sy="101000" algn="l" rotWithShape="0">
+                    <a:prstClr val="black">
+                      <a:alpha val="0"/>
+                    </a:prstClr>
+                  </a:outerShdw>
+                </a:effectLst>
+                <a:latin typeface="Segoe UI Black" panose="020B0A02040204020203" pitchFamily="34" charset="0"/>
+                <a:ea typeface="Segoe UI Black" panose="020B0A02040204020203" pitchFamily="34" charset="0"/>
+              </a:rPr>
+              <a:t>Spriteok</a:t>
+            </a:r>
+            <a:endParaRPr lang="hu-HU" sz="2800" dirty="0">
+              <a:solidFill>
+                <a:srgbClr val="5019B3"/>
+              </a:solidFill>
+              <a:effectLst>
+                <a:outerShdw dist="38100" sx="101000" sy="101000" algn="l" rotWithShape="0">
+                  <a:prstClr val="black">
+                    <a:alpha val="0"/>
+                  </a:prstClr>
+                </a:outerShdw>
+              </a:effectLst>
+              <a:latin typeface="Segoe UI Black" panose="020B0A02040204020203" pitchFamily="34" charset="0"/>
+              <a:ea typeface="Segoe UI Black" panose="020B0A02040204020203" pitchFamily="34" charset="0"/>
+            </a:endParaRPr>
+          </a:p>
+        </p:txBody>
+      </p:sp>
+      <p:sp>
+        <p:nvSpPr>
+          <p:cNvPr id="13" name="Téglalap: lekerekített 12">
+            <a:extLst>
+              <a:ext uri="{FF2B5EF4-FFF2-40B4-BE49-F238E27FC236}">
+                <a16:creationId xmlns:a16="http://schemas.microsoft.com/office/drawing/2014/main" id="{29EE426C-E1ED-4BC2-A95D-B12B6380874E}"/>
+              </a:ext>
+            </a:extLst>
+          </p:cNvPr>
+          <p:cNvSpPr/>
+          <p:nvPr/>
+        </p:nvSpPr>
+        <p:spPr>
+          <a:xfrm>
+            <a:off x="6344332" y="3429000"/>
+            <a:ext cx="2500311" cy="2335886"/>
+          </a:xfrm>
+          <a:prstGeom prst="roundRect">
+            <a:avLst>
+              <a:gd name="adj" fmla="val 4094"/>
+            </a:avLst>
+          </a:prstGeom>
+          <a:solidFill>
+            <a:schemeClr val="bg1">
+              <a:alpha val="80000"/>
+            </a:schemeClr>
+          </a:solidFill>
+          <a:ln w="120650" cap="sq">
+            <a:noFill/>
+            <a:round/>
+          </a:ln>
+        </p:spPr>
+        <p:style>
+          <a:lnRef idx="2">
+            <a:schemeClr val="accent1">
+              <a:shade val="15000"/>
+            </a:schemeClr>
+          </a:lnRef>
+          <a:fillRef idx="1">
+            <a:schemeClr val="accent1"/>
+          </a:fillRef>
+          <a:effectRef idx="0">
+            <a:schemeClr val="accent1"/>
+          </a:effectRef>
+          <a:fontRef idx="minor">
+            <a:schemeClr val="lt1"/>
+          </a:fontRef>
+        </p:style>
+        <p:txBody>
+          <a:bodyPr rtlCol="0" anchor="ctr"/>
+          <a:lstStyle/>
+          <a:p>
+            <a:pPr algn="ctr"/>
+            <a:r>
+              <a:rPr lang="hu-HU" sz="2800" dirty="0">
+                <a:solidFill>
+                  <a:srgbClr val="5019B3"/>
+                </a:solidFill>
+                <a:effectLst>
+                  <a:outerShdw dist="38100" sx="101000" sy="101000" algn="l" rotWithShape="0">
+                    <a:prstClr val="black">
+                      <a:alpha val="0"/>
+                    </a:prstClr>
+                  </a:outerShdw>
+                </a:effectLst>
+                <a:latin typeface="Segoe UI Black" panose="020B0A02040204020203" pitchFamily="34" charset="0"/>
+                <a:ea typeface="Segoe UI Black" panose="020B0A02040204020203" pitchFamily="34" charset="0"/>
+              </a:rPr>
+              <a:t>Weboldal</a:t>
+            </a:r>
+          </a:p>
+        </p:txBody>
+      </p:sp>
+      <p:sp>
+        <p:nvSpPr>
+          <p:cNvPr id="14" name="Téglalap: lekerekített 13">
+            <a:extLst>
+              <a:ext uri="{FF2B5EF4-FFF2-40B4-BE49-F238E27FC236}">
+                <a16:creationId xmlns:a16="http://schemas.microsoft.com/office/drawing/2014/main" id="{7170385F-4939-4517-881C-C91E6029C871}"/>
+              </a:ext>
+            </a:extLst>
+          </p:cNvPr>
+          <p:cNvSpPr/>
+          <p:nvPr/>
+        </p:nvSpPr>
+        <p:spPr>
+          <a:xfrm>
+            <a:off x="9289113" y="3429000"/>
+            <a:ext cx="2500311" cy="2335886"/>
+          </a:xfrm>
+          <a:prstGeom prst="roundRect">
+            <a:avLst>
+              <a:gd name="adj" fmla="val 4094"/>
+            </a:avLst>
+          </a:prstGeom>
+          <a:solidFill>
+            <a:schemeClr val="bg1">
+              <a:alpha val="80000"/>
+            </a:schemeClr>
+          </a:solidFill>
+          <a:ln w="120650" cap="sq">
+            <a:noFill/>
+            <a:round/>
+          </a:ln>
+        </p:spPr>
+        <p:style>
+          <a:lnRef idx="2">
+            <a:schemeClr val="accent1">
+              <a:shade val="15000"/>
+            </a:schemeClr>
+          </a:lnRef>
+          <a:fillRef idx="1">
+            <a:schemeClr val="accent1"/>
+          </a:fillRef>
+          <a:effectRef idx="0">
+            <a:schemeClr val="accent1"/>
+          </a:effectRef>
+          <a:fontRef idx="minor">
+            <a:schemeClr val="lt1"/>
+          </a:fontRef>
+        </p:style>
+        <p:txBody>
+          <a:bodyPr rtlCol="0" anchor="ctr"/>
+          <a:lstStyle/>
+          <a:p>
+            <a:pPr algn="ctr"/>
+            <a:r>
+              <a:rPr lang="hu-HU" sz="2800" dirty="0" err="1">
+                <a:solidFill>
+                  <a:srgbClr val="5019B3"/>
+                </a:solidFill>
+                <a:effectLst>
+                  <a:outerShdw dist="38100" sx="101000" sy="101000" algn="l" rotWithShape="0">
+                    <a:prstClr val="black">
+                      <a:alpha val="0"/>
+                    </a:prstClr>
+                  </a:outerShdw>
+                </a:effectLst>
+                <a:latin typeface="Segoe UI Black" panose="020B0A02040204020203" pitchFamily="34" charset="0"/>
+                <a:ea typeface="Segoe UI Black" panose="020B0A02040204020203" pitchFamily="34" charset="0"/>
+              </a:rPr>
+              <a:t>Github</a:t>
+            </a:r>
+            <a:endParaRPr lang="hu-HU" sz="2800" dirty="0">
+              <a:solidFill>
+                <a:srgbClr val="5019B3"/>
+              </a:solidFill>
+              <a:effectLst>
+                <a:outerShdw dist="38100" sx="101000" sy="101000" algn="l" rotWithShape="0">
+                  <a:prstClr val="black">
+                    <a:alpha val="0"/>
+                  </a:prstClr>
+                </a:outerShdw>
+              </a:effectLst>
+              <a:latin typeface="Segoe UI Black" panose="020B0A02040204020203" pitchFamily="34" charset="0"/>
+              <a:ea typeface="Segoe UI Black" panose="020B0A02040204020203" pitchFamily="34" charset="0"/>
+            </a:endParaRPr>
+          </a:p>
+        </p:txBody>
+      </p:sp>
+    </p:spTree>
+    <p:extLst>
+      <p:ext uri="{BB962C8B-B14F-4D97-AF65-F5344CB8AC3E}">
+        <p14:creationId xmlns:p14="http://schemas.microsoft.com/office/powerpoint/2010/main" val="1638558615"/>
+      </p:ext>
+    </p:extLst>
+  </p:cSld>
+  <p:clrMapOvr>
+    <a:masterClrMapping/>
+  </p:clrMapOvr>
+  <p:timing>
+    <p:tnLst>
+      <p:par>
+        <p:cTn id="1" dur="indefinite" restart="never" nodeType="tmRoot">
+          <p:childTnLst>
+            <p:seq concurrent="1" nextAc="seek">
+              <p:cTn id="2" dur="indefinite" nodeType="mainSeq">
+                <p:childTnLst>
+                  <p:par>
+                    <p:cTn id="3" fill="hold">
+                      <p:stCondLst>
+                        <p:cond delay="indefinite"/>
+                        <p:cond evt="onBegin" delay="0">
+                          <p:tn val="2"/>
+                        </p:cond>
+                      </p:stCondLst>
+                      <p:childTnLst>
+                        <p:par>
+                          <p:cTn id="4" fill="hold">
+                            <p:stCondLst>
+                              <p:cond delay="0"/>
+                            </p:stCondLst>
+                            <p:childTnLst>
+                              <p:par>
+                                <p:cTn id="5" presetID="63" presetClass="path" presetSubtype="0" accel="50000" decel="50000" fill="hold" grpId="0" nodeType="withEffect">
+                                  <p:stCondLst>
+                                    <p:cond delay="0"/>
+                                  </p:stCondLst>
+                                  <p:childTnLst>
+                                    <p:animMotion origin="layout" path="M 4.375E-6 3.33333E-6 L 0.46849 3.33333E-6 " pathEditMode="relative" rAng="0" ptsTypes="AA">
+                                      <p:cBhvr>
+                                        <p:cTn id="6" dur="2000" fill="hold"/>
+                                        <p:tgtEl>
+                                          <p:spTgt spid="7"/>
+                                        </p:tgtEl>
+                                        <p:attrNameLst>
+                                          <p:attrName>ppt_x</p:attrName>
+                                          <p:attrName>ppt_y</p:attrName>
+                                        </p:attrNameLst>
+                                      </p:cBhvr>
+                                      <p:rCtr x="23424" y="0"/>
+                                    </p:animMotion>
+                                  </p:childTnLst>
+                                </p:cTn>
+                              </p:par>
+                              <p:par>
+                                <p:cTn id="7" presetID="2" presetClass="entr" presetSubtype="4" fill="hold" grpId="0" nodeType="withEffect">
+                                  <p:stCondLst>
+                                    <p:cond delay="0"/>
+                                  </p:stCondLst>
+                                  <p:childTnLst>
+                                    <p:set>
+                                      <p:cBhvr>
+                                        <p:cTn id="8" dur="1" fill="hold">
+                                          <p:stCondLst>
+                                            <p:cond delay="0"/>
+                                          </p:stCondLst>
+                                        </p:cTn>
+                                        <p:tgtEl>
+                                          <p:spTgt spid="12"/>
+                                        </p:tgtEl>
+                                        <p:attrNameLst>
+                                          <p:attrName>style.visibility</p:attrName>
+                                        </p:attrNameLst>
+                                      </p:cBhvr>
+                                      <p:to>
+                                        <p:strVal val="visible"/>
+                                      </p:to>
+                                    </p:set>
+                                    <p:anim calcmode="lin" valueType="num">
+                                      <p:cBhvr additive="base">
+                                        <p:cTn id="9" dur="500" fill="hold"/>
+                                        <p:tgtEl>
+                                          <p:spTgt spid="12"/>
+                                        </p:tgtEl>
+                                        <p:attrNameLst>
+                                          <p:attrName>ppt_x</p:attrName>
+                                        </p:attrNameLst>
+                                      </p:cBhvr>
+                                      <p:tavLst>
+                                        <p:tav tm="0">
+                                          <p:val>
+                                            <p:strVal val="#ppt_x"/>
+                                          </p:val>
+                                        </p:tav>
+                                        <p:tav tm="100000">
+                                          <p:val>
+                                            <p:strVal val="#ppt_x"/>
+                                          </p:val>
+                                        </p:tav>
+                                      </p:tavLst>
+                                    </p:anim>
+                                    <p:anim calcmode="lin" valueType="num">
+                                      <p:cBhvr additive="base">
+                                        <p:cTn id="10" dur="500" fill="hold"/>
+                                        <p:tgtEl>
+                                          <p:spTgt spid="12"/>
+                                        </p:tgtEl>
+                                        <p:attrNameLst>
+                                          <p:attrName>ppt_y</p:attrName>
+                                        </p:attrNameLst>
+                                      </p:cBhvr>
+                                      <p:tavLst>
+                                        <p:tav tm="0">
+                                          <p:val>
+                                            <p:strVal val="1+#ppt_h/2"/>
+                                          </p:val>
+                                        </p:tav>
+                                        <p:tav tm="100000">
+                                          <p:val>
+                                            <p:strVal val="#ppt_y"/>
+                                          </p:val>
+                                        </p:tav>
+                                      </p:tavLst>
+                                    </p:anim>
+                                  </p:childTnLst>
+                                </p:cTn>
+                              </p:par>
+                              <p:par>
+                                <p:cTn id="11" presetID="2" presetClass="entr" presetSubtype="4" fill="hold" grpId="0" nodeType="withEffect">
+                                  <p:stCondLst>
+                                    <p:cond delay="100"/>
+                                  </p:stCondLst>
+                                  <p:childTnLst>
+                                    <p:set>
+                                      <p:cBhvr>
+                                        <p:cTn id="12" dur="1" fill="hold">
+                                          <p:stCondLst>
+                                            <p:cond delay="0"/>
+                                          </p:stCondLst>
+                                        </p:cTn>
+                                        <p:tgtEl>
+                                          <p:spTgt spid="6"/>
+                                        </p:tgtEl>
+                                        <p:attrNameLst>
+                                          <p:attrName>style.visibility</p:attrName>
+                                        </p:attrNameLst>
+                                      </p:cBhvr>
+                                      <p:to>
+                                        <p:strVal val="visible"/>
+                                      </p:to>
+                                    </p:set>
+                                    <p:anim calcmode="lin" valueType="num">
+                                      <p:cBhvr additive="base">
+                                        <p:cTn id="13" dur="500" fill="hold"/>
+                                        <p:tgtEl>
+                                          <p:spTgt spid="6"/>
+                                        </p:tgtEl>
+                                        <p:attrNameLst>
+                                          <p:attrName>ppt_x</p:attrName>
+                                        </p:attrNameLst>
+                                      </p:cBhvr>
+                                      <p:tavLst>
+                                        <p:tav tm="0">
+                                          <p:val>
+                                            <p:strVal val="#ppt_x"/>
+                                          </p:val>
+                                        </p:tav>
+                                        <p:tav tm="100000">
+                                          <p:val>
+                                            <p:strVal val="#ppt_x"/>
+                                          </p:val>
+                                        </p:tav>
+                                      </p:tavLst>
+                                    </p:anim>
+                                    <p:anim calcmode="lin" valueType="num">
+                                      <p:cBhvr additive="base">
+                                        <p:cTn id="14" dur="500" fill="hold"/>
+                                        <p:tgtEl>
+                                          <p:spTgt spid="6"/>
+                                        </p:tgtEl>
+                                        <p:attrNameLst>
+                                          <p:attrName>ppt_y</p:attrName>
+                                        </p:attrNameLst>
+                                      </p:cBhvr>
+                                      <p:tavLst>
+                                        <p:tav tm="0">
+                                          <p:val>
+                                            <p:strVal val="1+#ppt_h/2"/>
+                                          </p:val>
+                                        </p:tav>
+                                        <p:tav tm="100000">
+                                          <p:val>
+                                            <p:strVal val="#ppt_y"/>
+                                          </p:val>
+                                        </p:tav>
+                                      </p:tavLst>
+                                    </p:anim>
+                                  </p:childTnLst>
+                                </p:cTn>
+                              </p:par>
+                              <p:par>
+                                <p:cTn id="15" presetID="2" presetClass="entr" presetSubtype="4" fill="hold" grpId="0" nodeType="withEffect">
+                                  <p:stCondLst>
+                                    <p:cond delay="300"/>
+                                  </p:stCondLst>
+                                  <p:childTnLst>
+                                    <p:set>
+                                      <p:cBhvr>
+                                        <p:cTn id="16" dur="1" fill="hold">
+                                          <p:stCondLst>
+                                            <p:cond delay="0"/>
+                                          </p:stCondLst>
+                                        </p:cTn>
+                                        <p:tgtEl>
+                                          <p:spTgt spid="13"/>
+                                        </p:tgtEl>
+                                        <p:attrNameLst>
+                                          <p:attrName>style.visibility</p:attrName>
+                                        </p:attrNameLst>
+                                      </p:cBhvr>
+                                      <p:to>
+                                        <p:strVal val="visible"/>
+                                      </p:to>
+                                    </p:set>
+                                    <p:anim calcmode="lin" valueType="num">
+                                      <p:cBhvr additive="base">
+                                        <p:cTn id="17" dur="500" fill="hold"/>
+                                        <p:tgtEl>
+                                          <p:spTgt spid="13"/>
+                                        </p:tgtEl>
+                                        <p:attrNameLst>
+                                          <p:attrName>ppt_x</p:attrName>
+                                        </p:attrNameLst>
+                                      </p:cBhvr>
+                                      <p:tavLst>
+                                        <p:tav tm="0">
+                                          <p:val>
+                                            <p:strVal val="#ppt_x"/>
+                                          </p:val>
+                                        </p:tav>
+                                        <p:tav tm="100000">
+                                          <p:val>
+                                            <p:strVal val="#ppt_x"/>
+                                          </p:val>
+                                        </p:tav>
+                                      </p:tavLst>
+                                    </p:anim>
+                                    <p:anim calcmode="lin" valueType="num">
+                                      <p:cBhvr additive="base">
+                                        <p:cTn id="18" dur="500" fill="hold"/>
+                                        <p:tgtEl>
+                                          <p:spTgt spid="13"/>
+                                        </p:tgtEl>
+                                        <p:attrNameLst>
+                                          <p:attrName>ppt_y</p:attrName>
+                                        </p:attrNameLst>
+                                      </p:cBhvr>
+                                      <p:tavLst>
+                                        <p:tav tm="0">
+                                          <p:val>
+                                            <p:strVal val="1+#ppt_h/2"/>
+                                          </p:val>
+                                        </p:tav>
+                                        <p:tav tm="100000">
+                                          <p:val>
+                                            <p:strVal val="#ppt_y"/>
+                                          </p:val>
+                                        </p:tav>
+                                      </p:tavLst>
+                                    </p:anim>
+                                  </p:childTnLst>
+                                </p:cTn>
+                              </p:par>
+                              <p:par>
+                                <p:cTn id="19" presetID="2" presetClass="entr" presetSubtype="4" fill="hold" grpId="0" nodeType="withEffect">
+                                  <p:stCondLst>
+                                    <p:cond delay="400"/>
+                                  </p:stCondLst>
+                                  <p:childTnLst>
+                                    <p:set>
+                                      <p:cBhvr>
+                                        <p:cTn id="20" dur="1" fill="hold">
+                                          <p:stCondLst>
+                                            <p:cond delay="0"/>
+                                          </p:stCondLst>
+                                        </p:cTn>
+                                        <p:tgtEl>
+                                          <p:spTgt spid="14"/>
+                                        </p:tgtEl>
+                                        <p:attrNameLst>
+                                          <p:attrName>style.visibility</p:attrName>
+                                        </p:attrNameLst>
+                                      </p:cBhvr>
+                                      <p:to>
+                                        <p:strVal val="visible"/>
+                                      </p:to>
+                                    </p:set>
+                                    <p:anim calcmode="lin" valueType="num">
+                                      <p:cBhvr additive="base">
+                                        <p:cTn id="21" dur="500" fill="hold"/>
+                                        <p:tgtEl>
+                                          <p:spTgt spid="14"/>
+                                        </p:tgtEl>
+                                        <p:attrNameLst>
+                                          <p:attrName>ppt_x</p:attrName>
+                                        </p:attrNameLst>
+                                      </p:cBhvr>
+                                      <p:tavLst>
+                                        <p:tav tm="0">
+                                          <p:val>
+                                            <p:strVal val="#ppt_x"/>
+                                          </p:val>
+                                        </p:tav>
+                                        <p:tav tm="100000">
+                                          <p:val>
+                                            <p:strVal val="#ppt_x"/>
+                                          </p:val>
+                                        </p:tav>
+                                      </p:tavLst>
+                                    </p:anim>
+                                    <p:anim calcmode="lin" valueType="num">
+                                      <p:cBhvr additive="base">
+                                        <p:cTn id="22" dur="500" fill="hold"/>
+                                        <p:tgtEl>
+                                          <p:spTgt spid="14"/>
+                                        </p:tgtEl>
+                                        <p:attrNameLst>
+                                          <p:attrName>ppt_y</p:attrName>
+                                        </p:attrNameLst>
+                                      </p:cBhvr>
+                                      <p:tavLst>
+                                        <p:tav tm="0">
+                                          <p:val>
+                                            <p:strVal val="1+#ppt_h/2"/>
+                                          </p:val>
+                                        </p:tav>
+                                        <p:tav tm="100000">
+                                          <p:val>
+                                            <p:strVal val="#ppt_y"/>
+                                          </p:val>
+                                        </p:tav>
+                                      </p:tavLst>
+                                    </p:anim>
+                                  </p:childTnLst>
+                                </p:cTn>
+                              </p:par>
+                            </p:childTnLst>
+                          </p:cTn>
+                        </p:par>
+                      </p:childTnLst>
+                    </p:cTn>
+                  </p:par>
+                </p:childTnLst>
+              </p:cTn>
+              <p:prevCondLst>
+                <p:cond evt="onPrev" delay="0">
+                  <p:tgtEl>
+                    <p:sldTgt/>
+                  </p:tgtEl>
+                </p:cond>
+              </p:prevCondLst>
+              <p:nextCondLst>
+                <p:cond evt="onNext" delay="0">
+                  <p:tgtEl>
+                    <p:sldTgt/>
+                  </p:tgtEl>
+                </p:cond>
+              </p:nextCondLst>
+            </p:seq>
+          </p:childTnLst>
+        </p:cTn>
+      </p:par>
+    </p:tnLst>
+    <p:bldLst>
+      <p:bldP spid="7" grpId="0" animBg="1"/>
+      <p:bldP spid="6" grpId="0" animBg="1"/>
+      <p:bldP spid="12" grpId="0" animBg="1"/>
+      <p:bldP spid="13" grpId="0" animBg="1"/>
+      <p:bldP spid="14" grpId="0" animBg="1"/>
+    </p:bldLst>
+  </p:timing>
+</p:sld>
+</file>
+
+<file path=ppt/slides/slide3.xml><?xml version="1.0" encoding="utf-8"?>
+<p:sld xmlns:a="http://schemas.openxmlformats.org/drawingml/2006/main" xmlns:r="http://schemas.openxmlformats.org/officeDocument/2006/relationships" xmlns:p="http://schemas.openxmlformats.org/presentationml/2006/main">
+  <p:cSld>
+    <p:bg>
+      <p:bgPr>
+        <a:solidFill>
+          <a:srgbClr val="5019B3"/>
+        </a:solidFill>
+        <a:effectLst/>
+      </p:bgPr>
+    </p:bg>
+    <p:spTree>
+      <p:nvGrpSpPr>
+        <p:cNvPr id="1" name=""/>
+        <p:cNvGrpSpPr/>
+        <p:nvPr/>
+      </p:nvGrpSpPr>
+      <p:grpSpPr>
+        <a:xfrm>
+          <a:off x="0" y="0"/>
+          <a:ext cx="0" cy="0"/>
+          <a:chOff x="0" y="0"/>
+          <a:chExt cx="0" cy="0"/>
+        </a:xfrm>
+      </p:grpSpPr>
+      <p:sp>
+        <p:nvSpPr>
+          <p:cNvPr id="6" name="Romboid 5">
+            <a:extLst>
+              <a:ext uri="{FF2B5EF4-FFF2-40B4-BE49-F238E27FC236}">
+                <a16:creationId xmlns:a16="http://schemas.microsoft.com/office/drawing/2014/main" id="{320388CF-6B7B-4133-B1A6-BB1004E72F35}"/>
+              </a:ext>
+            </a:extLst>
+          </p:cNvPr>
+          <p:cNvSpPr/>
+          <p:nvPr/>
+        </p:nvSpPr>
+        <p:spPr>
+          <a:xfrm>
+            <a:off x="-3357228" y="8128000"/>
+            <a:ext cx="6339513" cy="7695563"/>
+          </a:xfrm>
+          <a:prstGeom prst="parallelogram">
+            <a:avLst/>
+          </a:prstGeom>
+          <a:solidFill>
+            <a:srgbClr val="0C0F0C"/>
+          </a:solidFill>
+          <a:ln>
+            <a:noFill/>
+          </a:ln>
+        </p:spPr>
+        <p:style>
+          <a:lnRef idx="2">
+            <a:schemeClr val="accent1">
+              <a:shade val="50000"/>
+            </a:schemeClr>
+          </a:lnRef>
+          <a:fillRef idx="1">
+            <a:schemeClr val="accent1"/>
+          </a:fillRef>
+          <a:effectRef idx="0">
+            <a:schemeClr val="accent1"/>
+          </a:effectRef>
+          <a:fontRef idx="minor">
+            <a:schemeClr val="lt1"/>
+          </a:fontRef>
+        </p:style>
+        <p:txBody>
+          <a:bodyPr rtlCol="0" anchor="ctr"/>
+          <a:lstStyle/>
+          <a:p>
+            <a:pPr algn="ctr"/>
+            <a:endParaRPr lang="hu-HU"/>
+          </a:p>
+        </p:txBody>
+      </p:sp>
+      <p:sp>
+        <p:nvSpPr>
+          <p:cNvPr id="7" name="Romboid 6">
+            <a:extLst>
+              <a:ext uri="{FF2B5EF4-FFF2-40B4-BE49-F238E27FC236}">
+                <a16:creationId xmlns:a16="http://schemas.microsoft.com/office/drawing/2014/main" id="{8926B01F-DF41-47D5-AA37-0DF3C9519D4D}"/>
+              </a:ext>
+            </a:extLst>
+          </p:cNvPr>
+          <p:cNvSpPr/>
+          <p:nvPr/>
+        </p:nvSpPr>
+        <p:spPr>
+          <a:xfrm>
+            <a:off x="10091433" y="-8471173"/>
+            <a:ext cx="6196668" cy="7575259"/>
+          </a:xfrm>
+          <a:prstGeom prst="parallelogram">
+            <a:avLst/>
+          </a:prstGeom>
+          <a:solidFill>
+            <a:schemeClr val="bg1"/>
+          </a:solidFill>
+        </p:spPr>
+        <p:style>
+          <a:lnRef idx="2">
+            <a:schemeClr val="accent1">
+              <a:shade val="50000"/>
+            </a:schemeClr>
+          </a:lnRef>
+          <a:fillRef idx="1">
+            <a:schemeClr val="accent1"/>
+          </a:fillRef>
+          <a:effectRef idx="0">
+            <a:schemeClr val="accent1"/>
+          </a:effectRef>
+          <a:fontRef idx="minor">
+            <a:schemeClr val="lt1"/>
+          </a:fontRef>
+        </p:style>
+        <p:txBody>
+          <a:bodyPr rtlCol="0" anchor="ctr"/>
+          <a:lstStyle/>
+          <a:p>
+            <a:pPr algn="ctr"/>
+            <a:endParaRPr lang="hu-HU"/>
+          </a:p>
+        </p:txBody>
+      </p:sp>
+      <p:sp>
+        <p:nvSpPr>
+          <p:cNvPr id="8" name="Romboid 7">
+            <a:extLst>
+              <a:ext uri="{FF2B5EF4-FFF2-40B4-BE49-F238E27FC236}">
+                <a16:creationId xmlns:a16="http://schemas.microsoft.com/office/drawing/2014/main" id="{A9669614-0D7C-436A-A55C-63D5F965F1C5}"/>
+              </a:ext>
+            </a:extLst>
+          </p:cNvPr>
+          <p:cNvSpPr/>
+          <p:nvPr/>
+        </p:nvSpPr>
+        <p:spPr>
+          <a:xfrm>
+            <a:off x="12860539" y="3189578"/>
+            <a:ext cx="6196668" cy="7575259"/>
+          </a:xfrm>
+          <a:prstGeom prst="parallelogram">
+            <a:avLst/>
+          </a:prstGeom>
+          <a:solidFill>
+            <a:srgbClr val="700000"/>
+          </a:solidFill>
+        </p:spPr>
+        <p:style>
+          <a:lnRef idx="2">
+            <a:schemeClr val="accent1">
+              <a:shade val="50000"/>
+            </a:schemeClr>
+          </a:lnRef>
+          <a:fillRef idx="1">
+            <a:schemeClr val="accent1"/>
+          </a:fillRef>
+          <a:effectRef idx="0">
+            <a:schemeClr val="accent1"/>
+          </a:effectRef>
+          <a:fontRef idx="minor">
+            <a:schemeClr val="lt1"/>
+          </a:fontRef>
+        </p:style>
+        <p:txBody>
+          <a:bodyPr rtlCol="0" anchor="ctr"/>
+          <a:lstStyle/>
+          <a:p>
+            <a:pPr algn="ctr"/>
+            <a:endParaRPr lang="hu-HU"/>
+          </a:p>
+        </p:txBody>
+      </p:sp>
+      <p:pic>
+        <p:nvPicPr>
+          <p:cNvPr id="1028" name="Picture 4" descr="File:Sass Logo Color.svg - Wikipedia">
+            <a:extLst>
+              <a:ext uri="{FF2B5EF4-FFF2-40B4-BE49-F238E27FC236}">
+                <a16:creationId xmlns:a16="http://schemas.microsoft.com/office/drawing/2014/main" id="{359B9CB3-1AB1-4A07-90FB-10C65366CA93}"/>
+              </a:ext>
+            </a:extLst>
+          </p:cNvPr>
+          <p:cNvPicPr>
+            <a:picLocks noChangeAspect="1" noChangeArrowheads="1"/>
+          </p:cNvPicPr>
+          <p:nvPr/>
+        </p:nvPicPr>
+        <p:blipFill>
+          <a:blip r:embed="rId2" cstate="print">
+            <a:extLst>
+              <a:ext uri="{28A0092B-C50C-407E-A947-70E740481C1C}">
+                <a14:useLocalDpi xmlns:a14="http://schemas.microsoft.com/office/drawing/2010/main" val="0"/>
+              </a:ext>
+            </a:extLst>
+          </a:blip>
+          <a:srcRect/>
+          <a:stretch>
+            <a:fillRect/>
+          </a:stretch>
+        </p:blipFill>
+        <p:spPr bwMode="auto">
+          <a:xfrm>
+            <a:off x="5163704" y="1093059"/>
+            <a:ext cx="2247394" cy="1685545"/>
+          </a:xfrm>
+          <a:prstGeom prst="rect">
+            <a:avLst/>
+          </a:prstGeom>
+          <a:noFill/>
+          <a:extLst>
+            <a:ext uri="{909E8E84-426E-40DD-AFC4-6F175D3DCCD1}">
+              <a14:hiddenFill xmlns:a14="http://schemas.microsoft.com/office/drawing/2010/main">
+                <a:solidFill>
+                  <a:srgbClr val="FFFFFF"/>
+                </a:solidFill>
+              </a14:hiddenFill>
+            </a:ext>
+          </a:extLst>
+        </p:spPr>
+      </p:pic>
+      <p:pic>
+        <p:nvPicPr>
+          <p:cNvPr id="9" name="Picture 2" descr="Make a Code Snippet component in Blazor using Highlight JS | Science Viking  Labs"/>
+          <p:cNvPicPr>
+            <a:picLocks noChangeAspect="1" noChangeArrowheads="1"/>
+          </p:cNvPicPr>
+          <p:nvPr/>
+        </p:nvPicPr>
+        <p:blipFill>
+          <a:blip r:embed="rId3">
+            <a:extLst>
+              <a:ext uri="{28A0092B-C50C-407E-A947-70E740481C1C}">
+                <a14:useLocalDpi xmlns:a14="http://schemas.microsoft.com/office/drawing/2010/main" val="0"/>
+              </a:ext>
+            </a:extLst>
+          </a:blip>
+          <a:srcRect/>
+          <a:stretch>
+            <a:fillRect/>
+          </a:stretch>
+        </p:blipFill>
+        <p:spPr bwMode="auto">
+          <a:xfrm>
+            <a:off x="9027567" y="1301433"/>
+            <a:ext cx="2742556" cy="1268798"/>
+          </a:xfrm>
+          <a:prstGeom prst="rect">
+            <a:avLst/>
+          </a:prstGeom>
+          <a:solidFill>
+            <a:srgbClr val="700000"/>
+          </a:solidFill>
+        </p:spPr>
+      </p:pic>
+      <p:sp>
+        <p:nvSpPr>
+          <p:cNvPr id="11" name="Parallelogram 10"/>
+          <p:cNvSpPr/>
+          <p:nvPr/>
+        </p:nvSpPr>
+        <p:spPr>
+          <a:xfrm>
+            <a:off x="-13605813" y="4788823"/>
+            <a:ext cx="13506931" cy="1739932"/>
+          </a:xfrm>
+          <a:prstGeom prst="parallelogram">
+            <a:avLst/>
+          </a:prstGeom>
+          <a:solidFill>
+            <a:schemeClr val="tx1">
+              <a:lumMod val="75000"/>
+              <a:lumOff val="25000"/>
+              <a:alpha val="80000"/>
+            </a:schemeClr>
+          </a:solidFill>
+          <a:ln w="120650" cap="sq">
+            <a:noFill/>
+            <a:round/>
+          </a:ln>
+        </p:spPr>
+        <p:style>
+          <a:lnRef idx="2">
+            <a:schemeClr val="accent1">
+              <a:shade val="15000"/>
+            </a:schemeClr>
+          </a:lnRef>
+          <a:fillRef idx="1">
+            <a:schemeClr val="accent1"/>
+          </a:fillRef>
+          <a:effectRef idx="0">
+            <a:schemeClr val="accent1"/>
+          </a:effectRef>
+          <a:fontRef idx="minor">
+            <a:schemeClr val="lt1"/>
+          </a:fontRef>
+        </p:style>
+        <p:txBody>
+          <a:bodyPr rtlCol="0" anchor="ctr"/>
+          <a:lstStyle/>
+          <a:p>
+            <a:pPr algn="ctr"/>
+            <a:r>
+              <a:rPr lang="hu-HU" sz="4800" dirty="0">
+                <a:latin typeface="Segoe UI Black" panose="020B0A02040204020203" pitchFamily="34" charset="0"/>
+                <a:ea typeface="Segoe UI Black" panose="020B0A02040204020203" pitchFamily="34" charset="0"/>
+              </a:rPr>
+              <a:t>Felhasznált technológiák</a:t>
+            </a:r>
+          </a:p>
+        </p:txBody>
+      </p:sp>
+      <p:pic>
+        <p:nvPicPr>
+          <p:cNvPr id="1026" name="Picture 2" descr="Nem érhető el leírás a fényképhez.">
+            <a:extLst>
+              <a:ext uri="{FF2B5EF4-FFF2-40B4-BE49-F238E27FC236}">
+                <a16:creationId xmlns:a16="http://schemas.microsoft.com/office/drawing/2014/main" id="{C4F4104E-9947-4266-A1FF-657ABF190A98}"/>
+              </a:ext>
+            </a:extLst>
+          </p:cNvPr>
+          <p:cNvPicPr>
+            <a:picLocks noChangeAspect="1" noChangeArrowheads="1"/>
+          </p:cNvPicPr>
+          <p:nvPr/>
+        </p:nvPicPr>
+        <p:blipFill>
+          <a:blip r:embed="rId4">
+            <a:extLst>
+              <a:ext uri="{28A0092B-C50C-407E-A947-70E740481C1C}">
+                <a14:useLocalDpi xmlns:a14="http://schemas.microsoft.com/office/drawing/2010/main" val="0"/>
+              </a:ext>
+            </a:extLst>
+          </a:blip>
+          <a:srcRect/>
+          <a:stretch>
+            <a:fillRect/>
+          </a:stretch>
+        </p:blipFill>
+        <p:spPr bwMode="auto">
+          <a:xfrm>
+            <a:off x="948253" y="1157522"/>
+            <a:ext cx="2271478" cy="2271478"/>
+          </a:xfrm>
+          <a:prstGeom prst="rect">
+            <a:avLst/>
+          </a:prstGeom>
+          <a:noFill/>
+          <a:extLst>
+            <a:ext uri="{909E8E84-426E-40DD-AFC4-6F175D3DCCD1}">
+              <a14:hiddenFill xmlns:a14="http://schemas.microsoft.com/office/drawing/2010/main">
+                <a:solidFill>
+                  <a:srgbClr val="FFFFFF"/>
+                </a:solidFill>
+              </a14:hiddenFill>
+            </a:ext>
+          </a:extLst>
+        </p:spPr>
+      </p:pic>
+    </p:spTree>
+    <p:extLst>
+      <p:ext uri="{BB962C8B-B14F-4D97-AF65-F5344CB8AC3E}">
+        <p14:creationId xmlns:p14="http://schemas.microsoft.com/office/powerpoint/2010/main" val="259315612"/>
+      </p:ext>
+    </p:extLst>
+  </p:cSld>
+  <p:clrMapOvr>
+    <a:masterClrMapping/>
+  </p:clrMapOvr>
+  <p:timing>
+    <p:tnLst>
+      <p:par>
+        <p:cTn id="1" dur="indefinite" restart="never" nodeType="tmRoot">
+          <p:childTnLst>
+            <p:seq concurrent="1" nextAc="seek">
+              <p:cTn id="2" dur="indefinite" nodeType="mainSeq">
+                <p:childTnLst>
+                  <p:par>
+                    <p:cTn id="3" fill="hold">
+                      <p:stCondLst>
+                        <p:cond delay="indefinite"/>
+                        <p:cond evt="onBegin" delay="0">
+                          <p:tn val="2"/>
+                        </p:cond>
+                      </p:stCondLst>
+                      <p:childTnLst>
+                        <p:par>
+                          <p:cTn id="4" fill="hold">
+                            <p:stCondLst>
+                              <p:cond delay="1000"/>
+                            </p:stCondLst>
+                            <p:childTnLst>
+                              <p:par>
+                                <p:cTn id="5" presetID="42" presetClass="path" presetSubtype="0" accel="50000" decel="50000" fill="hold" grpId="0" nodeType="afterEffect">
+                                  <p:stCondLst>
+                                    <p:cond delay="200"/>
+                                  </p:stCondLst>
+                                  <p:childTnLst>
+                                    <p:animMotion origin="layout" path="M 4.58333E-6 3.7037E-6 L 0.14036 -1.28125 " pathEditMode="relative" rAng="0" ptsTypes="AA">
+                                      <p:cBhvr>
+                                        <p:cTn id="6" dur="1800" fill="hold"/>
+                                        <p:tgtEl>
+                                          <p:spTgt spid="6"/>
+                                        </p:tgtEl>
+                                        <p:attrNameLst>
+                                          <p:attrName>ppt_x</p:attrName>
+                                          <p:attrName>ppt_y</p:attrName>
+                                        </p:attrNameLst>
+                                      </p:cBhvr>
+                                      <p:rCtr x="7018" y="-64074"/>
+                                    </p:animMotion>
+                                  </p:childTnLst>
+                                </p:cTn>
+                              </p:par>
+                              <p:par>
+                                <p:cTn id="7" presetID="42" presetClass="path" presetSubtype="0" accel="50000" decel="50000" fill="hold" grpId="0" nodeType="withEffect">
+                                  <p:stCondLst>
+                                    <p:cond delay="600"/>
+                                  </p:stCondLst>
+                                  <p:childTnLst>
+                                    <p:animMotion origin="layout" path="M -0.43385 -0.07269 L -0.58177 1.18287 " pathEditMode="relative" rAng="0" ptsTypes="AA">
+                                      <p:cBhvr>
+                                        <p:cTn id="8" dur="2200" fill="hold"/>
+                                        <p:tgtEl>
+                                          <p:spTgt spid="7"/>
+                                        </p:tgtEl>
+                                        <p:attrNameLst>
+                                          <p:attrName>ppt_x</p:attrName>
+                                          <p:attrName>ppt_y</p:attrName>
+                                        </p:attrNameLst>
+                                      </p:cBhvr>
+                                      <p:rCtr x="-7396" y="62778"/>
+                                    </p:animMotion>
+                                  </p:childTnLst>
+                                </p:cTn>
+                              </p:par>
+                              <p:par>
+                                <p:cTn id="9" presetID="42" presetClass="path" presetSubtype="0" accel="50000" decel="50000" fill="hold" grpId="0" nodeType="withEffect">
+                                  <p:stCondLst>
+                                    <p:cond delay="1100"/>
+                                  </p:stCondLst>
+                                  <p:childTnLst>
+                                    <p:animMotion origin="layout" path="M -0.56835 0.62153 L -0.43398 -0.56065 " pathEditMode="relative" rAng="0" ptsTypes="AA">
+                                      <p:cBhvr>
+                                        <p:cTn id="10" dur="2100" fill="hold"/>
+                                        <p:tgtEl>
+                                          <p:spTgt spid="8"/>
+                                        </p:tgtEl>
+                                        <p:attrNameLst>
+                                          <p:attrName>ppt_x</p:attrName>
+                                          <p:attrName>ppt_y</p:attrName>
+                                        </p:attrNameLst>
+                                      </p:cBhvr>
+                                      <p:rCtr x="6719" y="-59120"/>
+                                    </p:animMotion>
+                                  </p:childTnLst>
+                                </p:cTn>
+                              </p:par>
+                            </p:childTnLst>
+                          </p:cTn>
+                        </p:par>
+                        <p:par>
+                          <p:cTn id="11" fill="hold">
+                            <p:stCondLst>
+                              <p:cond delay="4200"/>
+                            </p:stCondLst>
+                            <p:childTnLst>
+                              <p:par>
+                                <p:cTn id="12" presetID="18" presetClass="entr" presetSubtype="12" fill="hold" nodeType="afterEffect">
+                                  <p:stCondLst>
+                                    <p:cond delay="0"/>
+                                  </p:stCondLst>
+                                  <p:childTnLst>
+                                    <p:set>
+                                      <p:cBhvr>
+                                        <p:cTn id="13" dur="1" fill="hold">
+                                          <p:stCondLst>
+                                            <p:cond delay="0"/>
+                                          </p:stCondLst>
+                                        </p:cTn>
+                                        <p:tgtEl>
+                                          <p:spTgt spid="1026"/>
+                                        </p:tgtEl>
+                                        <p:attrNameLst>
+                                          <p:attrName>style.visibility</p:attrName>
+                                        </p:attrNameLst>
+                                      </p:cBhvr>
+                                      <p:to>
+                                        <p:strVal val="visible"/>
+                                      </p:to>
+                                    </p:set>
+                                    <p:animEffect transition="in" filter="strips(downLeft)">
+                                      <p:cBhvr>
+                                        <p:cTn id="14" dur="1000"/>
+                                        <p:tgtEl>
+                                          <p:spTgt spid="1026"/>
+                                        </p:tgtEl>
+                                      </p:cBhvr>
+                                    </p:animEffect>
+                                  </p:childTnLst>
+                                </p:cTn>
+                              </p:par>
+                              <p:par>
+                                <p:cTn id="15" presetID="18" presetClass="entr" presetSubtype="12" fill="hold" nodeType="withEffect">
+                                  <p:stCondLst>
+                                    <p:cond delay="500"/>
+                                  </p:stCondLst>
+                                  <p:childTnLst>
+                                    <p:set>
+                                      <p:cBhvr>
+                                        <p:cTn id="16" dur="1" fill="hold">
+                                          <p:stCondLst>
+                                            <p:cond delay="0"/>
+                                          </p:stCondLst>
+                                        </p:cTn>
+                                        <p:tgtEl>
+                                          <p:spTgt spid="1028"/>
+                                        </p:tgtEl>
+                                        <p:attrNameLst>
+                                          <p:attrName>style.visibility</p:attrName>
+                                        </p:attrNameLst>
+                                      </p:cBhvr>
+                                      <p:to>
+                                        <p:strVal val="visible"/>
+                                      </p:to>
+                                    </p:set>
+                                    <p:animEffect transition="in" filter="strips(downLeft)">
+                                      <p:cBhvr>
+                                        <p:cTn id="17" dur="1000"/>
+                                        <p:tgtEl>
+                                          <p:spTgt spid="1028"/>
+                                        </p:tgtEl>
+                                      </p:cBhvr>
+                                    </p:animEffect>
+                                  </p:childTnLst>
+                                </p:cTn>
+                              </p:par>
+                              <p:par>
+                                <p:cTn id="18" presetID="18" presetClass="entr" presetSubtype="12" fill="hold" nodeType="withEffect">
+                                  <p:stCondLst>
+                                    <p:cond delay="1000"/>
+                                  </p:stCondLst>
+                                  <p:childTnLst>
+                                    <p:set>
+                                      <p:cBhvr>
+                                        <p:cTn id="19" dur="1" fill="hold">
+                                          <p:stCondLst>
+                                            <p:cond delay="0"/>
+                                          </p:stCondLst>
+                                        </p:cTn>
+                                        <p:tgtEl>
+                                          <p:spTgt spid="9"/>
+                                        </p:tgtEl>
+                                        <p:attrNameLst>
+                                          <p:attrName>style.visibility</p:attrName>
+                                        </p:attrNameLst>
+                                      </p:cBhvr>
+                                      <p:to>
+                                        <p:strVal val="visible"/>
+                                      </p:to>
+                                    </p:set>
+                                    <p:animEffect transition="in" filter="strips(downLeft)">
+                                      <p:cBhvr>
+                                        <p:cTn id="20" dur="1000"/>
+                                        <p:tgtEl>
+                                          <p:spTgt spid="9"/>
+                                        </p:tgtEl>
+                                      </p:cBhvr>
+                                    </p:animEffect>
+                                  </p:childTnLst>
+                                </p:cTn>
+                              </p:par>
+                              <p:par>
+                                <p:cTn id="21" presetID="63" presetClass="path" presetSubtype="0" accel="50000" decel="50000" fill="hold" grpId="0" nodeType="withEffect">
+                                  <p:stCondLst>
+                                    <p:cond delay="1000"/>
+                                  </p:stCondLst>
+                                  <p:childTnLst>
+                                    <p:animMotion origin="layout" path="M -1.06523 -1.48148E-6 L 1.07136 -0.00301 " pathEditMode="relative" rAng="0" ptsTypes="AA">
+                                      <p:cBhvr>
+                                        <p:cTn id="22" dur="2000" fill="hold"/>
+                                        <p:tgtEl>
+                                          <p:spTgt spid="11"/>
+                                        </p:tgtEl>
+                                        <p:attrNameLst>
+                                          <p:attrName>ppt_x</p:attrName>
+                                          <p:attrName>ppt_y</p:attrName>
+                                        </p:attrNameLst>
+                                      </p:cBhvr>
+                                      <p:rCtr x="106836" y="-162"/>
+                                    </p:animMotion>
+                                  </p:childTnLst>
+                                </p:cTn>
+                              </p:par>
+                            </p:childTnLst>
+                          </p:cTn>
+                        </p:par>
+                      </p:childTnLst>
+                    </p:cTn>
+                  </p:par>
+                </p:childTnLst>
+              </p:cTn>
+              <p:prevCondLst>
+                <p:cond evt="onPrev" delay="0">
+                  <p:tgtEl>
+                    <p:sldTgt/>
+                  </p:tgtEl>
+                </p:cond>
+              </p:prevCondLst>
+              <p:nextCondLst>
+                <p:cond evt="onNext" delay="0">
+                  <p:tgtEl>
+                    <p:sldTgt/>
+                  </p:tgtEl>
+                </p:cond>
+              </p:nextCondLst>
+            </p:seq>
+          </p:childTnLst>
+        </p:cTn>
+      </p:par>
+    </p:tnLst>
+    <p:bldLst>
+      <p:bldP spid="6" grpId="0" animBg="1"/>
+      <p:bldP spid="7" grpId="0" animBg="1"/>
+      <p:bldP spid="8" grpId="0" animBg="1"/>
+      <p:bldP spid="11" grpId="0" animBg="1"/>
+    </p:bldLst>
+  </p:timing>
+</p:sld>
+</file>
+
+<file path=ppt/slides/slide4.xml><?xml version="1.0" encoding="utf-8"?>
+<p:sld xmlns:a="http://schemas.openxmlformats.org/drawingml/2006/main" xmlns:r="http://schemas.openxmlformats.org/officeDocument/2006/relationships" xmlns:p="http://schemas.openxmlformats.org/presentationml/2006/main">
+  <p:cSld>
+    <p:bg>
+      <p:bgPr>
+        <a:solidFill>
+          <a:srgbClr val="5019B3"/>
+        </a:solidFill>
+        <a:effectLst/>
+      </p:bgPr>
+    </p:bg>
+    <p:spTree>
+      <p:nvGrpSpPr>
+        <p:cNvPr id="1" name=""/>
+        <p:cNvGrpSpPr/>
+        <p:nvPr/>
+      </p:nvGrpSpPr>
+      <p:grpSpPr>
+        <a:xfrm>
+          <a:off x="0" y="0"/>
+          <a:ext cx="0" cy="0"/>
+          <a:chOff x="0" y="0"/>
+          <a:chExt cx="0" cy="0"/>
+        </a:xfrm>
+      </p:grpSpPr>
+      <p:sp>
+        <p:nvSpPr>
+          <p:cNvPr id="6" name="Romboid 5">
+            <a:extLst>
+              <a:ext uri="{FF2B5EF4-FFF2-40B4-BE49-F238E27FC236}">
+                <a16:creationId xmlns:a16="http://schemas.microsoft.com/office/drawing/2014/main" id="{320388CF-6B7B-4133-B1A6-BB1004E72F35}"/>
+              </a:ext>
+            </a:extLst>
+          </p:cNvPr>
+          <p:cNvSpPr/>
+          <p:nvPr/>
+        </p:nvSpPr>
+        <p:spPr>
+          <a:xfrm>
+            <a:off x="-3268639" y="-718356"/>
+            <a:ext cx="18070489" cy="7695563"/>
+          </a:xfrm>
+          <a:prstGeom prst="parallelogram">
+            <a:avLst/>
+          </a:prstGeom>
+          <a:solidFill>
+            <a:srgbClr val="0C0F0C"/>
+          </a:solidFill>
+          <a:ln>
+            <a:noFill/>
+          </a:ln>
+        </p:spPr>
+        <p:style>
+          <a:lnRef idx="2">
+            <a:schemeClr val="accent1">
+              <a:shade val="50000"/>
+            </a:schemeClr>
+          </a:lnRef>
+          <a:fillRef idx="1">
+            <a:schemeClr val="accent1"/>
+          </a:fillRef>
+          <a:effectRef idx="0">
+            <a:schemeClr val="accent1"/>
+          </a:effectRef>
+          <a:fontRef idx="minor">
+            <a:schemeClr val="lt1"/>
+          </a:fontRef>
+        </p:style>
+        <p:txBody>
+          <a:bodyPr rtlCol="0" anchor="ctr"/>
+          <a:lstStyle/>
+          <a:p>
+            <a:pPr algn="ctr"/>
+            <a:endParaRPr lang="hu-HU"/>
+          </a:p>
+        </p:txBody>
+      </p:sp>
+      <p:sp>
+        <p:nvSpPr>
+          <p:cNvPr id="7" name="Romboid 6">
+            <a:extLst>
+              <a:ext uri="{FF2B5EF4-FFF2-40B4-BE49-F238E27FC236}">
+                <a16:creationId xmlns:a16="http://schemas.microsoft.com/office/drawing/2014/main" id="{8926B01F-DF41-47D5-AA37-0DF3C9519D4D}"/>
+              </a:ext>
+            </a:extLst>
+          </p:cNvPr>
+          <p:cNvSpPr/>
+          <p:nvPr/>
+        </p:nvSpPr>
+        <p:spPr>
+          <a:xfrm>
+            <a:off x="10091433" y="-8471173"/>
+            <a:ext cx="6196668" cy="7575259"/>
+          </a:xfrm>
+          <a:prstGeom prst="parallelogram">
+            <a:avLst/>
+          </a:prstGeom>
+          <a:solidFill>
+            <a:schemeClr val="bg1"/>
+          </a:solidFill>
+        </p:spPr>
+        <p:style>
+          <a:lnRef idx="2">
+            <a:schemeClr val="accent1">
+              <a:shade val="50000"/>
+            </a:schemeClr>
+          </a:lnRef>
+          <a:fillRef idx="1">
+            <a:schemeClr val="accent1"/>
+          </a:fillRef>
+          <a:effectRef idx="0">
+            <a:schemeClr val="accent1"/>
+          </a:effectRef>
+          <a:fontRef idx="minor">
+            <a:schemeClr val="lt1"/>
+          </a:fontRef>
+        </p:style>
+        <p:txBody>
+          <a:bodyPr rtlCol="0" anchor="ctr"/>
+          <a:lstStyle/>
+          <a:p>
+            <a:pPr algn="ctr"/>
+            <a:endParaRPr lang="hu-HU"/>
+          </a:p>
+        </p:txBody>
+      </p:sp>
+      <p:sp>
+        <p:nvSpPr>
+          <p:cNvPr id="8" name="Romboid 7">
+            <a:extLst>
+              <a:ext uri="{FF2B5EF4-FFF2-40B4-BE49-F238E27FC236}">
+                <a16:creationId xmlns:a16="http://schemas.microsoft.com/office/drawing/2014/main" id="{A9669614-0D7C-436A-A55C-63D5F965F1C5}"/>
+              </a:ext>
+            </a:extLst>
+          </p:cNvPr>
+          <p:cNvSpPr/>
+          <p:nvPr/>
+        </p:nvSpPr>
+        <p:spPr>
+          <a:xfrm>
+            <a:off x="12860539" y="3189578"/>
+            <a:ext cx="6196668" cy="7575259"/>
+          </a:xfrm>
+          <a:prstGeom prst="parallelogram">
+            <a:avLst/>
+          </a:prstGeom>
+          <a:solidFill>
+            <a:srgbClr val="700000"/>
+          </a:solidFill>
+        </p:spPr>
+        <p:style>
+          <a:lnRef idx="2">
+            <a:schemeClr val="accent1">
+              <a:shade val="50000"/>
+            </a:schemeClr>
+          </a:lnRef>
+          <a:fillRef idx="1">
+            <a:schemeClr val="accent1"/>
+          </a:fillRef>
+          <a:effectRef idx="0">
+            <a:schemeClr val="accent1"/>
+          </a:effectRef>
+          <a:fontRef idx="minor">
+            <a:schemeClr val="lt1"/>
+          </a:fontRef>
+        </p:style>
+        <p:txBody>
+          <a:bodyPr rtlCol="0" anchor="ctr"/>
+          <a:lstStyle/>
+          <a:p>
+            <a:pPr algn="ctr"/>
+            <a:endParaRPr lang="hu-HU"/>
+          </a:p>
+        </p:txBody>
+      </p:sp>
+      <p:sp>
+        <p:nvSpPr>
+          <p:cNvPr id="11" name="Parallelogram 10"/>
+          <p:cNvSpPr/>
+          <p:nvPr/>
+        </p:nvSpPr>
+        <p:spPr>
+          <a:xfrm>
+            <a:off x="-13605813" y="4788823"/>
+            <a:ext cx="13506931" cy="1739932"/>
+          </a:xfrm>
+          <a:prstGeom prst="parallelogram">
+            <a:avLst/>
+          </a:prstGeom>
+          <a:solidFill>
+            <a:schemeClr val="tx1">
+              <a:lumMod val="75000"/>
+              <a:lumOff val="25000"/>
+              <a:alpha val="80000"/>
+            </a:schemeClr>
+          </a:solidFill>
+          <a:ln w="120650" cap="sq">
+            <a:noFill/>
+            <a:round/>
+          </a:ln>
+        </p:spPr>
+        <p:style>
+          <a:lnRef idx="2">
+            <a:schemeClr val="accent1">
+              <a:shade val="15000"/>
+            </a:schemeClr>
+          </a:lnRef>
+          <a:fillRef idx="1">
+            <a:schemeClr val="accent1"/>
+          </a:fillRef>
+          <a:effectRef idx="0">
+            <a:schemeClr val="accent1"/>
+          </a:effectRef>
+          <a:fontRef idx="minor">
+            <a:schemeClr val="lt1"/>
+          </a:fontRef>
+        </p:style>
+        <p:txBody>
+          <a:bodyPr rtlCol="0" anchor="ctr"/>
+          <a:lstStyle/>
+          <a:p>
+            <a:pPr algn="ctr"/>
+            <a:r>
+              <a:rPr lang="hu-HU" sz="4800" dirty="0">
+                <a:latin typeface="Segoe UI Black" panose="020B0A02040204020203" pitchFamily="34" charset="0"/>
+                <a:ea typeface="Segoe UI Black" panose="020B0A02040204020203" pitchFamily="34" charset="0"/>
+              </a:rPr>
+              <a:t>Felhasznált technológiák</a:t>
+            </a:r>
+          </a:p>
+        </p:txBody>
+      </p:sp>
+      <p:pic>
+        <p:nvPicPr>
+          <p:cNvPr id="10" name="Picture 2" descr="Nem érhető el leírás a fényképhez.">
+            <a:extLst>
+              <a:ext uri="{FF2B5EF4-FFF2-40B4-BE49-F238E27FC236}">
+                <a16:creationId xmlns:a16="http://schemas.microsoft.com/office/drawing/2014/main" id="{89FB9315-CF1D-4D9A-8B58-27C3C2D88622}"/>
+              </a:ext>
+            </a:extLst>
+          </p:cNvPr>
+          <p:cNvPicPr>
+            <a:picLocks noChangeAspect="1" noChangeArrowheads="1"/>
+          </p:cNvPicPr>
+          <p:nvPr/>
+        </p:nvPicPr>
+        <p:blipFill>
+          <a:blip r:embed="rId2">
+            <a:extLst>
+              <a:ext uri="{28A0092B-C50C-407E-A947-70E740481C1C}">
+                <a14:useLocalDpi xmlns:a14="http://schemas.microsoft.com/office/drawing/2010/main" val="0"/>
+              </a:ext>
+            </a:extLst>
+          </a:blip>
+          <a:srcRect/>
+          <a:stretch>
+            <a:fillRect/>
+          </a:stretch>
+        </p:blipFill>
+        <p:spPr bwMode="auto">
+          <a:xfrm>
+            <a:off x="4960261" y="-540649"/>
+            <a:ext cx="2271478" cy="2271478"/>
+          </a:xfrm>
+          <a:prstGeom prst="rect">
+            <a:avLst/>
+          </a:prstGeom>
+          <a:noFill/>
+          <a:extLst>
+            <a:ext uri="{909E8E84-426E-40DD-AFC4-6F175D3DCCD1}">
+              <a14:hiddenFill xmlns:a14="http://schemas.microsoft.com/office/drawing/2010/main">
+                <a:solidFill>
+                  <a:srgbClr val="FFFFFF"/>
+                </a:solidFill>
+              </a14:hiddenFill>
+            </a:ext>
+          </a:extLst>
+        </p:spPr>
+      </p:pic>
+    </p:spTree>
+    <p:extLst>
+      <p:ext uri="{BB962C8B-B14F-4D97-AF65-F5344CB8AC3E}">
+        <p14:creationId xmlns:p14="http://schemas.microsoft.com/office/powerpoint/2010/main" val="2155344345"/>
+      </p:ext>
+    </p:extLst>
+  </p:cSld>
+  <p:clrMapOvr>
+    <a:masterClrMapping/>
+  </p:clrMapOvr>
+  <mc:AlternateContent xmlns:mc="http://schemas.openxmlformats.org/markup-compatibility/2006">
+    <mc:Choice xmlns:p159="http://schemas.microsoft.com/office/powerpoint/2015/09/main" Requires="p159">
+      <p:transition xmlns:p14="http://schemas.microsoft.com/office/powerpoint/2010/main" spd="slow" p14:dur="2000">
+        <p159:morph option="byObject"/>
+      </p:transition>
+    </mc:Choice>
+    <mc:Fallback>
+      <p:transition spd="slow">
+        <p:fade/>
+      </p:transition>
+    </mc:Fallback>
+  </mc:AlternateContent>
+</p:sld>
+</file>
+
+<file path=ppt/slides/slide5.xml><?xml version="1.0" encoding="utf-8"?>
+<p:sld xmlns:a="http://schemas.openxmlformats.org/drawingml/2006/main" xmlns:r="http://schemas.openxmlformats.org/officeDocument/2006/relationships" xmlns:p="http://schemas.openxmlformats.org/presentationml/2006/main">
+  <p:cSld>
+    <p:bg>
+      <p:bgPr>
+        <a:solidFill>
+          <a:srgbClr val="5019B3"/>
+        </a:solidFill>
+        <a:effectLst/>
+      </p:bgPr>
+    </p:bg>
+    <p:spTree>
+      <p:nvGrpSpPr>
+        <p:cNvPr id="1" name=""/>
+        <p:cNvGrpSpPr/>
+        <p:nvPr/>
+      </p:nvGrpSpPr>
+      <p:grpSpPr>
+        <a:xfrm>
+          <a:off x="0" y="0"/>
+          <a:ext cx="0" cy="0"/>
+          <a:chOff x="0" y="0"/>
+          <a:chExt cx="0" cy="0"/>
+        </a:xfrm>
+      </p:grpSpPr>
+      <p:sp>
+        <p:nvSpPr>
+          <p:cNvPr id="7" name="Romboid 6">
+            <a:extLst>
+              <a:ext uri="{FF2B5EF4-FFF2-40B4-BE49-F238E27FC236}">
+                <a16:creationId xmlns:a16="http://schemas.microsoft.com/office/drawing/2014/main" id="{8926B01F-DF41-47D5-AA37-0DF3C9519D4D}"/>
+              </a:ext>
+            </a:extLst>
+          </p:cNvPr>
+          <p:cNvSpPr/>
+          <p:nvPr/>
+        </p:nvSpPr>
+        <p:spPr>
+          <a:xfrm>
+            <a:off x="-4672318" y="-358630"/>
+            <a:ext cx="20445717" cy="7575259"/>
+          </a:xfrm>
+          <a:prstGeom prst="parallelogram">
+            <a:avLst/>
+          </a:prstGeom>
+          <a:solidFill>
+            <a:schemeClr val="bg1"/>
+          </a:solidFill>
+        </p:spPr>
+        <p:style>
+          <a:lnRef idx="2">
+            <a:schemeClr val="accent1">
+              <a:shade val="50000"/>
+            </a:schemeClr>
+          </a:lnRef>
+          <a:fillRef idx="1">
+            <a:schemeClr val="accent1"/>
+          </a:fillRef>
+          <a:effectRef idx="0">
+            <a:schemeClr val="accent1"/>
+          </a:effectRef>
+          <a:fontRef idx="minor">
+            <a:schemeClr val="lt1"/>
+          </a:fontRef>
+        </p:style>
+        <p:txBody>
+          <a:bodyPr rtlCol="0" anchor="ctr"/>
+          <a:lstStyle/>
+          <a:p>
+            <a:pPr algn="ctr"/>
+            <a:endParaRPr lang="hu-HU"/>
+          </a:p>
+        </p:txBody>
+      </p:sp>
+      <p:pic>
+        <p:nvPicPr>
+          <p:cNvPr id="1028" name="Picture 4" descr="File:Sass Logo Color.svg - Wikipedia">
+            <a:extLst>
+              <a:ext uri="{FF2B5EF4-FFF2-40B4-BE49-F238E27FC236}">
+                <a16:creationId xmlns:a16="http://schemas.microsoft.com/office/drawing/2014/main" id="{359B9CB3-1AB1-4A07-90FB-10C65366CA93}"/>
+              </a:ext>
+            </a:extLst>
+          </p:cNvPr>
+          <p:cNvPicPr>
+            <a:picLocks noChangeAspect="1" noChangeArrowheads="1"/>
+          </p:cNvPicPr>
+          <p:nvPr/>
+        </p:nvPicPr>
+        <p:blipFill>
+          <a:blip r:embed="rId2" cstate="print">
+            <a:extLst>
+              <a:ext uri="{28A0092B-C50C-407E-A947-70E740481C1C}">
+                <a14:useLocalDpi xmlns:a14="http://schemas.microsoft.com/office/drawing/2010/main" val="0"/>
+              </a:ext>
+            </a:extLst>
+          </a:blip>
+          <a:srcRect/>
+          <a:stretch>
+            <a:fillRect/>
+          </a:stretch>
+        </p:blipFill>
+        <p:spPr bwMode="auto">
+          <a:xfrm>
+            <a:off x="5073903" y="0"/>
+            <a:ext cx="2247394" cy="1685545"/>
+          </a:xfrm>
+          <a:prstGeom prst="rect">
+            <a:avLst/>
+          </a:prstGeom>
+          <a:noFill/>
+          <a:extLst>
+            <a:ext uri="{909E8E84-426E-40DD-AFC4-6F175D3DCCD1}">
+              <a14:hiddenFill xmlns:a14="http://schemas.microsoft.com/office/drawing/2010/main">
+                <a:solidFill>
+                  <a:srgbClr val="FFFFFF"/>
+                </a:solidFill>
+              </a14:hiddenFill>
+            </a:ext>
+          </a:extLst>
+        </p:spPr>
+      </p:pic>
+    </p:spTree>
+    <p:extLst>
+      <p:ext uri="{BB962C8B-B14F-4D97-AF65-F5344CB8AC3E}">
+        <p14:creationId xmlns:p14="http://schemas.microsoft.com/office/powerpoint/2010/main" val="1099541203"/>
+      </p:ext>
+    </p:extLst>
+  </p:cSld>
+  <p:clrMapOvr>
+    <a:masterClrMapping/>
+  </p:clrMapOvr>
+  <p:transition spd="slow">
+    <p:push/>
+  </p:transition>
+</p:sld>
+</file>
+
+<file path=ppt/slides/slide6.xml><?xml version="1.0" encoding="utf-8"?>
+<p:sld xmlns:a="http://schemas.openxmlformats.org/drawingml/2006/main" xmlns:r="http://schemas.openxmlformats.org/officeDocument/2006/relationships" xmlns:p="http://schemas.openxmlformats.org/presentationml/2006/main">
+  <p:cSld>
+    <p:bg>
+      <p:bgPr>
+        <a:solidFill>
+          <a:srgbClr val="5019B3"/>
+        </a:solidFill>
+        <a:effectLst/>
+      </p:bgPr>
+    </p:bg>
+    <p:spTree>
+      <p:nvGrpSpPr>
+        <p:cNvPr id="1" name=""/>
+        <p:cNvGrpSpPr/>
+        <p:nvPr/>
+      </p:nvGrpSpPr>
+      <p:grpSpPr>
+        <a:xfrm>
+          <a:off x="0" y="0"/>
+          <a:ext cx="0" cy="0"/>
+          <a:chOff x="0" y="0"/>
+          <a:chExt cx="0" cy="0"/>
+        </a:xfrm>
+      </p:grpSpPr>
+      <p:sp>
+        <p:nvSpPr>
+          <p:cNvPr id="8" name="Romboid 7">
+            <a:extLst>
+              <a:ext uri="{FF2B5EF4-FFF2-40B4-BE49-F238E27FC236}">
+                <a16:creationId xmlns:a16="http://schemas.microsoft.com/office/drawing/2014/main" id="{A9669614-0D7C-436A-A55C-63D5F965F1C5}"/>
+              </a:ext>
+            </a:extLst>
+          </p:cNvPr>
+          <p:cNvSpPr/>
+          <p:nvPr/>
+        </p:nvSpPr>
+        <p:spPr>
+          <a:xfrm>
+            <a:off x="-4703562" y="-544222"/>
+            <a:ext cx="20324561" cy="7575259"/>
+          </a:xfrm>
+          <a:prstGeom prst="parallelogram">
+            <a:avLst/>
+          </a:prstGeom>
+          <a:solidFill>
+            <a:srgbClr val="700000"/>
+          </a:solidFill>
+        </p:spPr>
+        <p:style>
+          <a:lnRef idx="2">
+            <a:schemeClr val="accent1">
+              <a:shade val="50000"/>
+            </a:schemeClr>
+          </a:lnRef>
+          <a:fillRef idx="1">
+            <a:schemeClr val="accent1"/>
+          </a:fillRef>
+          <a:effectRef idx="0">
+            <a:schemeClr val="accent1"/>
+          </a:effectRef>
+          <a:fontRef idx="minor">
+            <a:schemeClr val="lt1"/>
+          </a:fontRef>
+        </p:style>
+        <p:txBody>
+          <a:bodyPr rtlCol="0" anchor="ctr"/>
+          <a:lstStyle/>
+          <a:p>
+            <a:pPr algn="ctr"/>
+            <a:endParaRPr lang="hu-HU"/>
+          </a:p>
+        </p:txBody>
+      </p:sp>
+      <p:pic>
+        <p:nvPicPr>
+          <p:cNvPr id="9" name="Picture 2" descr="Make a Code Snippet component in Blazor using Highlight JS | Science Viking  Labs"/>
+          <p:cNvPicPr>
+            <a:picLocks noChangeAspect="1" noChangeArrowheads="1"/>
+          </p:cNvPicPr>
+          <p:nvPr/>
+        </p:nvPicPr>
+        <p:blipFill>
+          <a:blip r:embed="rId2">
+            <a:extLst>
+              <a:ext uri="{28A0092B-C50C-407E-A947-70E740481C1C}">
+                <a14:useLocalDpi xmlns:a14="http://schemas.microsoft.com/office/drawing/2010/main" val="0"/>
+              </a:ext>
+            </a:extLst>
+          </a:blip>
+          <a:srcRect/>
+          <a:stretch>
+            <a:fillRect/>
+          </a:stretch>
+        </p:blipFill>
+        <p:spPr bwMode="auto">
+          <a:xfrm>
+            <a:off x="4724722" y="291783"/>
+            <a:ext cx="2742556" cy="1268798"/>
+          </a:xfrm>
+          <a:prstGeom prst="rect">
+            <a:avLst/>
+          </a:prstGeom>
+          <a:solidFill>
+            <a:srgbClr val="700000"/>
+          </a:solidFill>
+        </p:spPr>
+      </p:pic>
+    </p:spTree>
+    <p:extLst>
+      <p:ext uri="{BB962C8B-B14F-4D97-AF65-F5344CB8AC3E}">
+        <p14:creationId xmlns:p14="http://schemas.microsoft.com/office/powerpoint/2010/main" val="3872305292"/>
+      </p:ext>
+    </p:extLst>
+  </p:cSld>
+  <p:clrMapOvr>
+    <a:masterClrMapping/>
+  </p:clrMapOvr>
+  <p:transition spd="slow">
+    <p:push/>
+  </p:transition>
+</p:sld>
+</file>
+
+<file path=ppt/slides/slide7.xml><?xml version="1.0" encoding="utf-8"?>
+<p:sld xmlns:a="http://schemas.openxmlformats.org/drawingml/2006/main" xmlns:r="http://schemas.openxmlformats.org/officeDocument/2006/relationships" xmlns:p="http://schemas.openxmlformats.org/presentationml/2006/main">
+  <p:cSld>
+    <p:bg>
+      <p:bgPr>
+        <a:solidFill>
+          <a:srgbClr val="5019B3"/>
+        </a:solidFill>
+        <a:effectLst/>
+      </p:bgPr>
+    </p:bg>
+    <p:spTree>
+      <p:nvGrpSpPr>
+        <p:cNvPr id="1" name=""/>
+        <p:cNvGrpSpPr/>
+        <p:nvPr/>
+      </p:nvGrpSpPr>
+      <p:grpSpPr>
+        <a:xfrm>
+          <a:off x="0" y="0"/>
+          <a:ext cx="0" cy="0"/>
+          <a:chOff x="0" y="0"/>
+          <a:chExt cx="0" cy="0"/>
+        </a:xfrm>
+      </p:grpSpPr>
+      <p:grpSp>
+        <p:nvGrpSpPr>
+          <p:cNvPr id="3" name="Group 2"/>
+          <p:cNvGrpSpPr/>
+          <p:nvPr/>
+        </p:nvGrpSpPr>
+        <p:grpSpPr>
+          <a:xfrm>
+            <a:off x="880044" y="293914"/>
+            <a:ext cx="4784269" cy="6270171"/>
+            <a:chOff x="880044" y="293914"/>
+            <a:chExt cx="4784269" cy="6270171"/>
+          </a:xfrm>
+        </p:grpSpPr>
+        <p:sp>
+          <p:nvSpPr>
+            <p:cNvPr id="4" name="Téglalap: lekerekített 3">
+              <a:extLst>
+                <a:ext uri="{FF2B5EF4-FFF2-40B4-BE49-F238E27FC236}">
+                  <a16:creationId xmlns:a16="http://schemas.microsoft.com/office/drawing/2014/main" id="{BC187220-8284-1B2B-8CE3-7C613265D444}"/>
+                </a:ext>
+              </a:extLst>
+            </p:cNvPr>
+            <p:cNvSpPr/>
+            <p:nvPr/>
+          </p:nvSpPr>
+          <p:spPr>
+            <a:xfrm>
+              <a:off x="880044" y="293914"/>
+              <a:ext cx="4784269" cy="6270171"/>
+            </a:xfrm>
+            <a:prstGeom prst="roundRect">
+              <a:avLst>
+                <a:gd name="adj" fmla="val 4094"/>
+              </a:avLst>
+            </a:prstGeom>
+            <a:solidFill>
+              <a:schemeClr val="bg1">
+                <a:alpha val="80000"/>
+              </a:schemeClr>
+            </a:solidFill>
+            <a:ln w="120650" cap="sq">
+              <a:noFill/>
+              <a:round/>
+            </a:ln>
+          </p:spPr>
+          <p:style>
+            <a:lnRef idx="2">
+              <a:schemeClr val="accent1">
+                <a:shade val="15000"/>
+              </a:schemeClr>
+            </a:lnRef>
+            <a:fillRef idx="1">
+              <a:schemeClr val="accent1"/>
+            </a:fillRef>
+            <a:effectRef idx="0">
+              <a:schemeClr val="accent1"/>
+            </a:effectRef>
+            <a:fontRef idx="minor">
+              <a:schemeClr val="lt1"/>
+            </a:fontRef>
+          </p:style>
+          <p:txBody>
+            <a:bodyPr rtlCol="0" anchor="ctr"/>
+            <a:lstStyle/>
+            <a:p>
+              <a:pPr algn="ctr"/>
+              <a:endParaRPr lang="hu-HU" dirty="0"/>
+            </a:p>
+          </p:txBody>
+        </p:sp>
+        <p:sp>
+          <p:nvSpPr>
+            <p:cNvPr id="6" name="Szövegdoboz 5">
+              <a:extLst>
+                <a:ext uri="{FF2B5EF4-FFF2-40B4-BE49-F238E27FC236}">
+                  <a16:creationId xmlns:a16="http://schemas.microsoft.com/office/drawing/2014/main" id="{5B6AC857-2A98-66B3-8AC9-33FBAB3EDDF5}"/>
+                </a:ext>
+              </a:extLst>
+            </p:cNvPr>
+            <p:cNvSpPr txBox="1"/>
+            <p:nvPr/>
+          </p:nvSpPr>
+          <p:spPr>
+            <a:xfrm>
+              <a:off x="1128030" y="1597693"/>
+              <a:ext cx="4095750" cy="2031325"/>
+            </a:xfrm>
+            <a:prstGeom prst="rect">
+              <a:avLst/>
+            </a:prstGeom>
+            <a:noFill/>
+          </p:spPr>
+          <p:txBody>
+            <a:bodyPr wrap="square" rtlCol="0">
+              <a:spAutoFit/>
+            </a:bodyPr>
+            <a:lstStyle/>
+            <a:p>
+              <a:pPr algn="just"/>
+              <a:r>
+                <a:rPr lang="en-US" b="1" i="0" dirty="0">
+                  <a:solidFill>
+                    <a:srgbClr val="5019B3"/>
+                  </a:solidFill>
+                  <a:effectLst/>
+                  <a:latin typeface="Rubik"/>
+                </a:rPr>
+                <a:t>In </a:t>
+              </a:r>
+              <a:r>
+                <a:rPr lang="en-US" b="1" i="0" dirty="0" err="1">
+                  <a:solidFill>
+                    <a:srgbClr val="5019B3"/>
+                  </a:solidFill>
+                  <a:effectLst/>
+                  <a:latin typeface="Rubik"/>
+                </a:rPr>
+                <a:t>Pygame</a:t>
+              </a:r>
+              <a:r>
+                <a:rPr lang="en-US" b="1" i="0" dirty="0">
+                  <a:solidFill>
+                    <a:srgbClr val="5019B3"/>
+                  </a:solidFill>
+                  <a:effectLst/>
+                  <a:latin typeface="Rubik"/>
+                </a:rPr>
+                <a:t>, a sprite is an object that represents a game element. It can be an image, animation, or any other visual element in a game. </a:t>
+              </a:r>
+              <a:r>
+                <a:rPr lang="en-US" b="1" i="0" dirty="0" err="1">
+                  <a:solidFill>
+                    <a:srgbClr val="5019B3"/>
+                  </a:solidFill>
+                  <a:effectLst/>
+                  <a:latin typeface="Rubik"/>
+                </a:rPr>
+                <a:t>Pygame</a:t>
+              </a:r>
+              <a:r>
+                <a:rPr lang="en-US" b="1" i="0" dirty="0">
+                  <a:solidFill>
+                    <a:srgbClr val="5019B3"/>
+                  </a:solidFill>
+                  <a:effectLst/>
+                  <a:latin typeface="Rubik"/>
+                </a:rPr>
+                <a:t> provides a Sprite class that you can use to create and manage sprites efficiently.</a:t>
+              </a:r>
+              <a:br>
+                <a:rPr lang="en-US" dirty="0"/>
+              </a:br>
+              <a:endParaRPr lang="hu-HU" dirty="0"/>
+            </a:p>
+          </p:txBody>
+        </p:sp>
+        <p:sp>
+          <p:nvSpPr>
+            <p:cNvPr id="7" name="Szövegdoboz 6">
+              <a:extLst>
+                <a:ext uri="{FF2B5EF4-FFF2-40B4-BE49-F238E27FC236}">
+                  <a16:creationId xmlns:a16="http://schemas.microsoft.com/office/drawing/2014/main" id="{7819F685-963E-271F-BC1B-FDA54155C9CE}"/>
+                </a:ext>
+              </a:extLst>
+            </p:cNvPr>
+            <p:cNvSpPr txBox="1"/>
+            <p:nvPr/>
+          </p:nvSpPr>
+          <p:spPr>
+            <a:xfrm>
+              <a:off x="1647142" y="735919"/>
+              <a:ext cx="3057525" cy="861774"/>
+            </a:xfrm>
+            <a:prstGeom prst="rect">
+              <a:avLst/>
+            </a:prstGeom>
+            <a:noFill/>
+          </p:spPr>
+          <p:txBody>
+            <a:bodyPr wrap="square" rtlCol="0">
+              <a:spAutoFit/>
+            </a:bodyPr>
+            <a:lstStyle/>
+            <a:p>
+              <a:pPr algn="ctr"/>
+              <a:r>
+                <a:rPr lang="hu-HU" sz="3200" b="1" i="0" dirty="0">
+                  <a:solidFill>
+                    <a:srgbClr val="5019B3"/>
+                  </a:solidFill>
+                  <a:effectLst/>
+                  <a:latin typeface="Rubik"/>
+                </a:rPr>
+                <a:t>Mi is az a </a:t>
+              </a:r>
+              <a:r>
+                <a:rPr lang="hu-HU" sz="3200" b="1" i="0" dirty="0" err="1">
+                  <a:solidFill>
+                    <a:srgbClr val="5019B3"/>
+                  </a:solidFill>
+                  <a:effectLst/>
+                  <a:latin typeface="Rubik"/>
+                </a:rPr>
+                <a:t>sprite</a:t>
+              </a:r>
+              <a:r>
+                <a:rPr lang="hu-HU" sz="3200" b="1" i="0" dirty="0">
+                  <a:solidFill>
+                    <a:srgbClr val="5019B3"/>
+                  </a:solidFill>
+                  <a:effectLst/>
+                  <a:latin typeface="Rubik"/>
+                </a:rPr>
+                <a:t>?</a:t>
+              </a:r>
+            </a:p>
+            <a:p>
+              <a:endParaRPr lang="hu-HU" dirty="0"/>
+            </a:p>
+          </p:txBody>
+        </p:sp>
+      </p:grpSp>
+      <p:grpSp>
+        <p:nvGrpSpPr>
+          <p:cNvPr id="2" name="Group 1"/>
+          <p:cNvGrpSpPr/>
+          <p:nvPr/>
+        </p:nvGrpSpPr>
+        <p:grpSpPr>
+          <a:xfrm>
+            <a:off x="6527686" y="378290"/>
+            <a:ext cx="4784269" cy="2811242"/>
+            <a:chOff x="6527686" y="378290"/>
+            <a:chExt cx="4784269" cy="2811242"/>
+          </a:xfrm>
+        </p:grpSpPr>
+        <p:sp>
+          <p:nvSpPr>
+            <p:cNvPr id="5" name="Téglalap: lekerekített 4">
+              <a:extLst>
+                <a:ext uri="{FF2B5EF4-FFF2-40B4-BE49-F238E27FC236}">
+                  <a16:creationId xmlns:a16="http://schemas.microsoft.com/office/drawing/2014/main" id="{B74CBF98-6A67-702F-008D-E30CBEB44963}"/>
+                </a:ext>
+              </a:extLst>
+            </p:cNvPr>
+            <p:cNvSpPr/>
+            <p:nvPr/>
+          </p:nvSpPr>
+          <p:spPr>
+            <a:xfrm>
+              <a:off x="6527686" y="378290"/>
+              <a:ext cx="4784269" cy="2811242"/>
+            </a:xfrm>
+            <a:prstGeom prst="roundRect">
+              <a:avLst>
+                <a:gd name="adj" fmla="val 4094"/>
+              </a:avLst>
+            </a:prstGeom>
+            <a:solidFill>
+              <a:schemeClr val="bg1">
+                <a:alpha val="80000"/>
+              </a:schemeClr>
+            </a:solidFill>
+            <a:ln w="120650" cap="sq">
+              <a:noFill/>
+              <a:round/>
+            </a:ln>
+          </p:spPr>
+          <p:style>
+            <a:lnRef idx="2">
+              <a:schemeClr val="accent1">
+                <a:shade val="15000"/>
+              </a:schemeClr>
+            </a:lnRef>
+            <a:fillRef idx="1">
+              <a:schemeClr val="accent1"/>
+            </a:fillRef>
+            <a:effectRef idx="0">
+              <a:schemeClr val="accent1"/>
+            </a:effectRef>
+            <a:fontRef idx="minor">
+              <a:schemeClr val="lt1"/>
+            </a:fontRef>
+          </p:style>
+          <p:txBody>
+            <a:bodyPr rtlCol="0" anchor="ctr"/>
+            <a:lstStyle/>
+            <a:p>
+              <a:pPr algn="ctr"/>
+              <a:r>
+                <a:rPr lang="hu-HU" dirty="0"/>
+                <a:t> </a:t>
+              </a:r>
+            </a:p>
+          </p:txBody>
+        </p:sp>
+        <p:pic>
+          <p:nvPicPr>
+            <p:cNvPr id="1026" name="Picture 2">
+              <a:extLst>
+                <a:ext uri="{FF2B5EF4-FFF2-40B4-BE49-F238E27FC236}">
+                  <a16:creationId xmlns:a16="http://schemas.microsoft.com/office/drawing/2014/main" id="{7A82368D-859C-5EE3-8D89-77E6D75EAD7D}"/>
+                </a:ext>
+              </a:extLst>
+            </p:cNvPr>
+            <p:cNvPicPr>
+              <a:picLocks noChangeAspect="1" noChangeArrowheads="1"/>
+            </p:cNvPicPr>
+            <p:nvPr/>
+          </p:nvPicPr>
+          <p:blipFill>
+            <a:blip r:embed="rId2">
+              <a:extLst>
+                <a:ext uri="{28A0092B-C50C-407E-A947-70E740481C1C}">
+                  <a14:useLocalDpi xmlns:a14="http://schemas.microsoft.com/office/drawing/2010/main" val="0"/>
+                </a:ext>
+              </a:extLst>
+            </a:blip>
+            <a:srcRect/>
+            <a:stretch>
+              <a:fillRect/>
+            </a:stretch>
+          </p:blipFill>
+          <p:spPr bwMode="auto">
+            <a:xfrm>
+              <a:off x="6725670" y="1166806"/>
+              <a:ext cx="4388302" cy="1234210"/>
+            </a:xfrm>
+            <a:prstGeom prst="rect">
+              <a:avLst/>
+            </a:prstGeom>
+            <a:noFill/>
+            <a:extLst>
+              <a:ext uri="{909E8E84-426E-40DD-AFC4-6F175D3DCCD1}">
+                <a14:hiddenFill xmlns:a14="http://schemas.microsoft.com/office/drawing/2010/main">
+                  <a:solidFill>
+                    <a:srgbClr val="FFFFFF"/>
+                  </a:solidFill>
+                </a14:hiddenFill>
+              </a:ext>
+            </a:extLst>
+          </p:spPr>
+        </p:pic>
+      </p:grpSp>
+      <p:grpSp>
+        <p:nvGrpSpPr>
+          <p:cNvPr id="10" name="Group 9"/>
+          <p:cNvGrpSpPr/>
+          <p:nvPr/>
+        </p:nvGrpSpPr>
+        <p:grpSpPr>
+          <a:xfrm>
+            <a:off x="6527687" y="3629018"/>
+            <a:ext cx="4784269" cy="2811242"/>
+            <a:chOff x="6527687" y="3629018"/>
+            <a:chExt cx="4784269" cy="2811242"/>
+          </a:xfrm>
+        </p:grpSpPr>
+        <p:sp>
+          <p:nvSpPr>
+            <p:cNvPr id="8" name="Téglalap: lekerekített 7">
+              <a:extLst>
+                <a:ext uri="{FF2B5EF4-FFF2-40B4-BE49-F238E27FC236}">
+                  <a16:creationId xmlns:a16="http://schemas.microsoft.com/office/drawing/2014/main" id="{104486A8-B0E8-F708-7D72-B551D3E54053}"/>
+                </a:ext>
+              </a:extLst>
+            </p:cNvPr>
+            <p:cNvSpPr/>
+            <p:nvPr/>
+          </p:nvSpPr>
+          <p:spPr>
+            <a:xfrm>
+              <a:off x="6527687" y="3629018"/>
+              <a:ext cx="4784269" cy="2811242"/>
+            </a:xfrm>
+            <a:prstGeom prst="roundRect">
+              <a:avLst>
+                <a:gd name="adj" fmla="val 4094"/>
+              </a:avLst>
+            </a:prstGeom>
+            <a:solidFill>
+              <a:schemeClr val="bg1">
+                <a:alpha val="80000"/>
+              </a:schemeClr>
+            </a:solidFill>
+            <a:ln w="120650" cap="sq">
+              <a:noFill/>
+              <a:round/>
+            </a:ln>
+          </p:spPr>
+          <p:style>
+            <a:lnRef idx="2">
+              <a:schemeClr val="accent1">
+                <a:shade val="15000"/>
+              </a:schemeClr>
+            </a:lnRef>
+            <a:fillRef idx="1">
+              <a:schemeClr val="accent1"/>
+            </a:fillRef>
+            <a:effectRef idx="0">
+              <a:schemeClr val="accent1"/>
+            </a:effectRef>
+            <a:fontRef idx="minor">
+              <a:schemeClr val="lt1"/>
+            </a:fontRef>
+          </p:style>
+          <p:txBody>
+            <a:bodyPr rtlCol="0" anchor="ctr"/>
+            <a:lstStyle/>
+            <a:p>
+              <a:pPr algn="ctr"/>
+              <a:endParaRPr lang="hu-HU" dirty="0"/>
+            </a:p>
+          </p:txBody>
+        </p:sp>
+        <p:pic>
+          <p:nvPicPr>
+            <p:cNvPr id="9" name="Kép 8">
+              <a:extLst>
+                <a:ext uri="{FF2B5EF4-FFF2-40B4-BE49-F238E27FC236}">
+                  <a16:creationId xmlns:a16="http://schemas.microsoft.com/office/drawing/2014/main" id="{5B790B36-93CA-4AF6-AADC-C651C05A2519}"/>
+                </a:ext>
+              </a:extLst>
+            </p:cNvPr>
+            <p:cNvPicPr>
+              <a:picLocks noChangeAspect="1"/>
+            </p:cNvPicPr>
+            <p:nvPr/>
+          </p:nvPicPr>
+          <p:blipFill>
+            <a:blip r:embed="rId3"/>
+            <a:stretch>
+              <a:fillRect/>
+            </a:stretch>
+          </p:blipFill>
+          <p:spPr>
+            <a:xfrm>
+              <a:off x="6987125" y="3738021"/>
+              <a:ext cx="3865390" cy="2593236"/>
+            </a:xfrm>
+            <a:prstGeom prst="roundRect">
+              <a:avLst>
+                <a:gd name="adj" fmla="val 2289"/>
+              </a:avLst>
+            </a:prstGeom>
+          </p:spPr>
+        </p:pic>
+      </p:grpSp>
+    </p:spTree>
+    <p:extLst>
+      <p:ext uri="{BB962C8B-B14F-4D97-AF65-F5344CB8AC3E}">
+        <p14:creationId xmlns:p14="http://schemas.microsoft.com/office/powerpoint/2010/main" val="2433985320"/>
+      </p:ext>
+    </p:extLst>
+  </p:cSld>
+  <p:clrMapOvr>
+    <a:masterClrMapping/>
+  </p:clrMapOvr>
+  <p:transition spd="slow">
+    <p:push dir="u"/>
+  </p:transition>
+  <p:timing>
+    <p:tnLst>
+      <p:par>
+        <p:cTn id="1" dur="indefinite" restart="never" nodeType="tmRoot">
+          <p:childTnLst>
+            <p:seq concurrent="1" nextAc="seek">
+              <p:cTn id="2" dur="indefinite" nodeType="mainSeq">
+                <p:childTnLst>
+                  <p:par>
+                    <p:cTn id="3" fill="hold">
+                      <p:stCondLst>
+                        <p:cond delay="indefinite"/>
+                        <p:cond evt="onBegin" delay="0">
+                          <p:tn val="2"/>
+                        </p:cond>
+                      </p:stCondLst>
+                      <p:childTnLst>
+                        <p:par>
+                          <p:cTn id="4" fill="hold">
+                            <p:stCondLst>
+                              <p:cond delay="0"/>
+                            </p:stCondLst>
+                            <p:childTnLst>
+                              <p:par>
+                                <p:cTn id="5" presetID="2" presetClass="entr" presetSubtype="4" fill="hold" nodeType="withEffect">
+                                  <p:stCondLst>
+                                    <p:cond delay="0"/>
+                                  </p:stCondLst>
+                                  <p:childTnLst>
+                                    <p:set>
+                                      <p:cBhvr>
+                                        <p:cTn id="6" dur="1" fill="hold">
+                                          <p:stCondLst>
+                                            <p:cond delay="0"/>
+                                          </p:stCondLst>
+                                        </p:cTn>
+                                        <p:tgtEl>
+                                          <p:spTgt spid="3"/>
+                                        </p:tgtEl>
+                                        <p:attrNameLst>
+                                          <p:attrName>style.visibility</p:attrName>
+                                        </p:attrNameLst>
+                                      </p:cBhvr>
+                                      <p:to>
+                                        <p:strVal val="visible"/>
+                                      </p:to>
+                                    </p:set>
+                                    <p:anim calcmode="lin" valueType="num">
+                                      <p:cBhvr additive="base">
+                                        <p:cTn id="7" dur="1000" fill="hold"/>
+                                        <p:tgtEl>
+                                          <p:spTgt spid="3"/>
+                                        </p:tgtEl>
+                                        <p:attrNameLst>
+                                          <p:attrName>ppt_x</p:attrName>
+                                        </p:attrNameLst>
+                                      </p:cBhvr>
+                                      <p:tavLst>
+                                        <p:tav tm="0">
+                                          <p:val>
+                                            <p:strVal val="#ppt_x"/>
+                                          </p:val>
+                                        </p:tav>
+                                        <p:tav tm="100000">
+                                          <p:val>
+                                            <p:strVal val="#ppt_x"/>
+                                          </p:val>
+                                        </p:tav>
+                                      </p:tavLst>
+                                    </p:anim>
+                                    <p:anim calcmode="lin" valueType="num">
+                                      <p:cBhvr additive="base">
+                                        <p:cTn id="8" dur="1000" fill="hold"/>
+                                        <p:tgtEl>
+                                          <p:spTgt spid="3"/>
+                                        </p:tgtEl>
+                                        <p:attrNameLst>
+                                          <p:attrName>ppt_y</p:attrName>
+                                        </p:attrNameLst>
+                                      </p:cBhvr>
+                                      <p:tavLst>
+                                        <p:tav tm="0">
+                                          <p:val>
+                                            <p:strVal val="1+#ppt_h/2"/>
+                                          </p:val>
+                                        </p:tav>
+                                        <p:tav tm="100000">
+                                          <p:val>
+                                            <p:strVal val="#ppt_y"/>
+                                          </p:val>
+                                        </p:tav>
+                                      </p:tavLst>
+                                    </p:anim>
+                                  </p:childTnLst>
+                                </p:cTn>
+                              </p:par>
+                            </p:childTnLst>
+                          </p:cTn>
+                        </p:par>
+                      </p:childTnLst>
+                    </p:cTn>
+                  </p:par>
+                  <p:par>
+                    <p:cTn id="9" fill="hold">
+                      <p:stCondLst>
+                        <p:cond delay="indefinite"/>
+                      </p:stCondLst>
+                      <p:childTnLst>
+                        <p:par>
+                          <p:cTn id="10" fill="hold">
+                            <p:stCondLst>
+                              <p:cond delay="0"/>
+                            </p:stCondLst>
+                            <p:childTnLst>
+                              <p:par>
+                                <p:cTn id="11" presetID="2" presetClass="entr" presetSubtype="4" fill="hold" nodeType="clickEffect">
+                                  <p:stCondLst>
+                                    <p:cond delay="0"/>
+                                  </p:stCondLst>
+                                  <p:childTnLst>
+                                    <p:set>
+                                      <p:cBhvr>
+                                        <p:cTn id="12" dur="1" fill="hold">
+                                          <p:stCondLst>
+                                            <p:cond delay="0"/>
+                                          </p:stCondLst>
+                                        </p:cTn>
+                                        <p:tgtEl>
+                                          <p:spTgt spid="2"/>
+                                        </p:tgtEl>
+                                        <p:attrNameLst>
+                                          <p:attrName>style.visibility</p:attrName>
+                                        </p:attrNameLst>
+                                      </p:cBhvr>
+                                      <p:to>
+                                        <p:strVal val="visible"/>
+                                      </p:to>
+                                    </p:set>
+                                    <p:anim calcmode="lin" valueType="num">
+                                      <p:cBhvr additive="base">
+                                        <p:cTn id="13" dur="1000" fill="hold"/>
+                                        <p:tgtEl>
+                                          <p:spTgt spid="2"/>
+                                        </p:tgtEl>
+                                        <p:attrNameLst>
+                                          <p:attrName>ppt_x</p:attrName>
+                                        </p:attrNameLst>
+                                      </p:cBhvr>
+                                      <p:tavLst>
+                                        <p:tav tm="0">
+                                          <p:val>
+                                            <p:strVal val="#ppt_x"/>
+                                          </p:val>
+                                        </p:tav>
+                                        <p:tav tm="100000">
+                                          <p:val>
+                                            <p:strVal val="#ppt_x"/>
+                                          </p:val>
+                                        </p:tav>
+                                      </p:tavLst>
+                                    </p:anim>
+                                    <p:anim calcmode="lin" valueType="num">
+                                      <p:cBhvr additive="base">
+                                        <p:cTn id="14" dur="1000" fill="hold"/>
+                                        <p:tgtEl>
+                                          <p:spTgt spid="2"/>
+                                        </p:tgtEl>
+                                        <p:attrNameLst>
+                                          <p:attrName>ppt_y</p:attrName>
+                                        </p:attrNameLst>
+                                      </p:cBhvr>
+                                      <p:tavLst>
+                                        <p:tav tm="0">
+                                          <p:val>
+                                            <p:strVal val="1+#ppt_h/2"/>
+                                          </p:val>
+                                        </p:tav>
+                                        <p:tav tm="100000">
+                                          <p:val>
+                                            <p:strVal val="#ppt_y"/>
+                                          </p:val>
+                                        </p:tav>
+                                      </p:tavLst>
+                                    </p:anim>
+                                  </p:childTnLst>
+                                </p:cTn>
+                              </p:par>
+                            </p:childTnLst>
+                          </p:cTn>
+                        </p:par>
+                      </p:childTnLst>
+                    </p:cTn>
+                  </p:par>
+                </p:childTnLst>
+              </p:cTn>
+              <p:prevCondLst>
+                <p:cond evt="onPrev" delay="0">
+                  <p:tgtEl>
+                    <p:sldTgt/>
+                  </p:tgtEl>
+                </p:cond>
+              </p:prevCondLst>
+              <p:nextCondLst>
+                <p:cond evt="onNext" delay="0">
+                  <p:tgtEl>
+                    <p:sldTgt/>
+                  </p:tgtEl>
+                </p:cond>
+              </p:nextCondLst>
+            </p:seq>
+          </p:childTnLst>
+        </p:cTn>
+      </p:par>
+    </p:tnLst>
+  </p:timing>
+</p:sld>
+</file>
+
+<file path=ppt/slides/slide8.xml><?xml version="1.0" encoding="utf-8"?>
+<p:sld xmlns:a="http://schemas.openxmlformats.org/drawingml/2006/main" xmlns:r="http://schemas.openxmlformats.org/officeDocument/2006/relationships" xmlns:p="http://schemas.openxmlformats.org/presentationml/2006/main">
+  <p:cSld>
+    <p:bg>
+      <p:bgPr>
+        <a:solidFill>
+          <a:srgbClr val="5019B3"/>
+        </a:solidFill>
+        <a:effectLst/>
+      </p:bgPr>
+    </p:bg>
+    <p:spTree>
+      <p:nvGrpSpPr>
+        <p:cNvPr id="1" name=""/>
+        <p:cNvGrpSpPr/>
+        <p:nvPr/>
+      </p:nvGrpSpPr>
+      <p:grpSpPr>
+        <a:xfrm>
+          <a:off x="0" y="0"/>
+          <a:ext cx="0" cy="0"/>
+          <a:chOff x="0" y="0"/>
+          <a:chExt cx="0" cy="0"/>
+        </a:xfrm>
+      </p:grpSpPr>
+      <p:sp>
+        <p:nvSpPr>
+          <p:cNvPr id="4" name="Téglalap: lekerekített 3">
+            <a:extLst>
+              <a:ext uri="{FF2B5EF4-FFF2-40B4-BE49-F238E27FC236}">
+                <a16:creationId xmlns:a16="http://schemas.microsoft.com/office/drawing/2014/main" id="{BC187220-8284-1B2B-8CE3-7C613265D444}"/>
+              </a:ext>
+            </a:extLst>
+          </p:cNvPr>
+          <p:cNvSpPr/>
+          <p:nvPr/>
+        </p:nvSpPr>
+        <p:spPr>
+          <a:xfrm>
+            <a:off x="880044" y="293914"/>
+            <a:ext cx="4784269" cy="6270171"/>
+          </a:xfrm>
+          <a:prstGeom prst="roundRect">
+            <a:avLst>
+              <a:gd name="adj" fmla="val 4094"/>
+            </a:avLst>
+          </a:prstGeom>
+          <a:solidFill>
+            <a:schemeClr val="bg1">
+              <a:alpha val="80000"/>
+            </a:schemeClr>
+          </a:solidFill>
+          <a:ln w="120650" cap="sq">
+            <a:noFill/>
+            <a:round/>
+          </a:ln>
+        </p:spPr>
+        <p:style>
+          <a:lnRef idx="2">
+            <a:schemeClr val="accent1">
+              <a:shade val="15000"/>
+            </a:schemeClr>
+          </a:lnRef>
+          <a:fillRef idx="1">
+            <a:schemeClr val="accent1"/>
+          </a:fillRef>
+          <a:effectRef idx="0">
+            <a:schemeClr val="accent1"/>
+          </a:effectRef>
+          <a:fontRef idx="minor">
+            <a:schemeClr val="lt1"/>
+          </a:fontRef>
+        </p:style>
+        <p:txBody>
+          <a:bodyPr rtlCol="0" anchor="ctr"/>
+          <a:lstStyle/>
+          <a:p>
+            <a:pPr algn="ctr"/>
+            <a:endParaRPr lang="hu-HU" dirty="0"/>
+          </a:p>
+        </p:txBody>
+      </p:sp>
+      <p:sp>
+        <p:nvSpPr>
+          <p:cNvPr id="5" name="Téglalap: lekerekített 4">
+            <a:extLst>
+              <a:ext uri="{FF2B5EF4-FFF2-40B4-BE49-F238E27FC236}">
+                <a16:creationId xmlns:a16="http://schemas.microsoft.com/office/drawing/2014/main" id="{B74CBF98-6A67-702F-008D-E30CBEB44963}"/>
+              </a:ext>
+            </a:extLst>
+          </p:cNvPr>
+          <p:cNvSpPr/>
+          <p:nvPr/>
+        </p:nvSpPr>
+        <p:spPr>
+          <a:xfrm>
+            <a:off x="6527687" y="293914"/>
+            <a:ext cx="4784269" cy="6270170"/>
+          </a:xfrm>
+          <a:prstGeom prst="roundRect">
+            <a:avLst>
+              <a:gd name="adj" fmla="val 4094"/>
+            </a:avLst>
+          </a:prstGeom>
+          <a:solidFill>
+            <a:schemeClr val="bg1">
+              <a:alpha val="80000"/>
+            </a:schemeClr>
+          </a:solidFill>
+          <a:ln w="120650" cap="sq">
+            <a:noFill/>
+            <a:round/>
+          </a:ln>
+        </p:spPr>
+        <p:style>
+          <a:lnRef idx="2">
+            <a:schemeClr val="accent1">
+              <a:shade val="15000"/>
+            </a:schemeClr>
+          </a:lnRef>
+          <a:fillRef idx="1">
+            <a:schemeClr val="accent1"/>
+          </a:fillRef>
+          <a:effectRef idx="0">
+            <a:schemeClr val="accent1"/>
+          </a:effectRef>
+          <a:fontRef idx="minor">
+            <a:schemeClr val="lt1"/>
+          </a:fontRef>
+        </p:style>
+        <p:txBody>
+          <a:bodyPr rtlCol="0" anchor="ctr"/>
+          <a:lstStyle/>
+          <a:p>
+            <a:pPr algn="ctr"/>
+            <a:endParaRPr lang="hu-HU" dirty="0"/>
+          </a:p>
+        </p:txBody>
+      </p:sp>
+      <p:sp>
+        <p:nvSpPr>
+          <p:cNvPr id="6" name="Szövegdoboz 5">
+            <a:extLst>
+              <a:ext uri="{FF2B5EF4-FFF2-40B4-BE49-F238E27FC236}">
+                <a16:creationId xmlns:a16="http://schemas.microsoft.com/office/drawing/2014/main" id="{5B6AC857-2A98-66B3-8AC9-33FBAB3EDDF5}"/>
+              </a:ext>
+            </a:extLst>
+          </p:cNvPr>
+          <p:cNvSpPr txBox="1"/>
+          <p:nvPr/>
+        </p:nvSpPr>
+        <p:spPr>
+          <a:xfrm>
+            <a:off x="1128030" y="1597693"/>
+            <a:ext cx="4095750" cy="2031325"/>
+          </a:xfrm>
+          <a:prstGeom prst="rect">
+            <a:avLst/>
+          </a:prstGeom>
+          <a:noFill/>
+        </p:spPr>
+        <p:txBody>
+          <a:bodyPr wrap="square" rtlCol="0">
+            <a:spAutoFit/>
+          </a:bodyPr>
+          <a:lstStyle/>
+          <a:p>
+            <a:pPr algn="just"/>
+            <a:r>
+              <a:rPr lang="en-US" b="1" i="0" dirty="0">
+                <a:solidFill>
+                  <a:srgbClr val="5019B3"/>
+                </a:solidFill>
+                <a:effectLst/>
+                <a:latin typeface="Rubik"/>
+              </a:rPr>
+              <a:t>In </a:t>
+            </a:r>
+            <a:r>
+              <a:rPr lang="en-US" b="1" i="0" dirty="0" err="1">
+                <a:solidFill>
+                  <a:srgbClr val="5019B3"/>
+                </a:solidFill>
+                <a:effectLst/>
+                <a:latin typeface="Rubik"/>
+              </a:rPr>
+              <a:t>Pygame</a:t>
+            </a:r>
+            <a:r>
+              <a:rPr lang="en-US" b="1" i="0" dirty="0">
+                <a:solidFill>
+                  <a:srgbClr val="5019B3"/>
+                </a:solidFill>
+                <a:effectLst/>
+                <a:latin typeface="Rubik"/>
+              </a:rPr>
+              <a:t>, a sprite is an object that represents a game element. It can be an image, animation, or any other visual element in a game. </a:t>
+            </a:r>
+            <a:r>
+              <a:rPr lang="en-US" b="1" i="0" dirty="0" err="1">
+                <a:solidFill>
+                  <a:srgbClr val="5019B3"/>
+                </a:solidFill>
+                <a:effectLst/>
+                <a:latin typeface="Rubik"/>
+              </a:rPr>
+              <a:t>Pygame</a:t>
+            </a:r>
+            <a:r>
+              <a:rPr lang="en-US" b="1" i="0" dirty="0">
+                <a:solidFill>
+                  <a:srgbClr val="5019B3"/>
+                </a:solidFill>
+                <a:effectLst/>
+                <a:latin typeface="Rubik"/>
+              </a:rPr>
+              <a:t> provides a Sprite class that you can use to create and manage sprites efficiently.</a:t>
+            </a:r>
+            <a:br>
+              <a:rPr lang="en-US" dirty="0"/>
+            </a:br>
+            <a:endParaRPr lang="hu-HU" dirty="0"/>
+          </a:p>
+        </p:txBody>
+      </p:sp>
+      <p:sp>
+        <p:nvSpPr>
+          <p:cNvPr id="7" name="Szövegdoboz 6">
+            <a:extLst>
+              <a:ext uri="{FF2B5EF4-FFF2-40B4-BE49-F238E27FC236}">
+                <a16:creationId xmlns:a16="http://schemas.microsoft.com/office/drawing/2014/main" id="{7819F685-963E-271F-BC1B-FDA54155C9CE}"/>
+              </a:ext>
+            </a:extLst>
+          </p:cNvPr>
+          <p:cNvSpPr txBox="1"/>
+          <p:nvPr/>
+        </p:nvSpPr>
+        <p:spPr>
+          <a:xfrm>
+            <a:off x="1647142" y="735919"/>
+            <a:ext cx="3057525" cy="861774"/>
+          </a:xfrm>
+          <a:prstGeom prst="rect">
+            <a:avLst/>
+          </a:prstGeom>
+          <a:noFill/>
+        </p:spPr>
+        <p:txBody>
+          <a:bodyPr wrap="square" rtlCol="0">
+            <a:spAutoFit/>
+          </a:bodyPr>
+          <a:lstStyle/>
+          <a:p>
+            <a:pPr algn="ctr"/>
+            <a:r>
+              <a:rPr lang="hu-HU" sz="3200" b="1" i="0" dirty="0">
+                <a:solidFill>
+                  <a:srgbClr val="5019B3"/>
+                </a:solidFill>
+                <a:effectLst/>
+                <a:latin typeface="Rubik"/>
+              </a:rPr>
+              <a:t>Mi is az a </a:t>
+            </a:r>
+            <a:r>
+              <a:rPr lang="hu-HU" sz="3200" b="1" i="0" dirty="0" err="1">
+                <a:solidFill>
+                  <a:srgbClr val="5019B3"/>
+                </a:solidFill>
+                <a:effectLst/>
+                <a:latin typeface="Rubik"/>
+              </a:rPr>
+              <a:t>sprite</a:t>
+            </a:r>
+            <a:r>
+              <a:rPr lang="hu-HU" sz="3200" b="1" i="0" dirty="0">
+                <a:solidFill>
+                  <a:srgbClr val="5019B3"/>
+                </a:solidFill>
+                <a:effectLst/>
+                <a:latin typeface="Rubik"/>
+              </a:rPr>
+              <a:t>?</a:t>
+            </a:r>
+          </a:p>
+          <a:p>
+            <a:endParaRPr lang="hu-HU" dirty="0"/>
+          </a:p>
+        </p:txBody>
+      </p:sp>
+    </p:spTree>
+    <p:extLst>
+      <p:ext uri="{BB962C8B-B14F-4D97-AF65-F5344CB8AC3E}">
+        <p14:creationId xmlns:p14="http://schemas.microsoft.com/office/powerpoint/2010/main" val="1827483191"/>
+      </p:ext>
+    </p:extLst>
+  </p:cSld>
+  <p:clrMapOvr>
+    <a:masterClrMapping/>
+  </p:clrMapOvr>
+  <p:transition spd="slow">
+    <p:push dir="u"/>
+  </p:transition>
+  <p:timing>
+    <p:tnLst>
+      <p:par>
+        <p:cTn id="1" dur="indefinite" restart="never" nodeType="tmRoot">
+          <p:childTnLst>
+            <p:seq concurrent="1" nextAc="seek">
+              <p:cTn id="2" dur="indefinite" nodeType="mainSeq">
+                <p:childTnLst>
+                  <p:par>
+                    <p:cTn id="3" fill="hold">
+                      <p:stCondLst>
+                        <p:cond delay="indefinite"/>
+                      </p:stCondLst>
+                      <p:childTnLst>
+                        <p:par>
+                          <p:cTn id="4" fill="hold">
+                            <p:stCondLst>
+                              <p:cond delay="0"/>
+                            </p:stCondLst>
+                            <p:childTnLst>
+                              <p:par>
+                                <p:cTn id="5" presetID="2" presetClass="entr" presetSubtype="4" fill="hold" grpId="0" nodeType="clickEffect">
+                                  <p:stCondLst>
+                                    <p:cond delay="0"/>
+                                  </p:stCondLst>
+                                  <p:childTnLst>
+                                    <p:set>
+                                      <p:cBhvr>
+                                        <p:cTn id="6" dur="1" fill="hold">
+                                          <p:stCondLst>
+                                            <p:cond delay="0"/>
+                                          </p:stCondLst>
+                                        </p:cTn>
+                                        <p:tgtEl>
+                                          <p:spTgt spid="5"/>
+                                        </p:tgtEl>
+                                        <p:attrNameLst>
+                                          <p:attrName>style.visibility</p:attrName>
+                                        </p:attrNameLst>
+                                      </p:cBhvr>
+                                      <p:to>
+                                        <p:strVal val="visible"/>
+                                      </p:to>
+                                    </p:set>
+                                    <p:anim calcmode="lin" valueType="num">
+                                      <p:cBhvr additive="base">
+                                        <p:cTn id="7" dur="1000" fill="hold"/>
+                                        <p:tgtEl>
+                                          <p:spTgt spid="5"/>
+                                        </p:tgtEl>
+                                        <p:attrNameLst>
+                                          <p:attrName>ppt_x</p:attrName>
+                                        </p:attrNameLst>
+                                      </p:cBhvr>
+                                      <p:tavLst>
+                                        <p:tav tm="0">
+                                          <p:val>
+                                            <p:strVal val="#ppt_x"/>
+                                          </p:val>
+                                        </p:tav>
+                                        <p:tav tm="100000">
+                                          <p:val>
+                                            <p:strVal val="#ppt_x"/>
+                                          </p:val>
+                                        </p:tav>
+                                      </p:tavLst>
+                                    </p:anim>
+                                    <p:anim calcmode="lin" valueType="num">
+                                      <p:cBhvr additive="base">
+                                        <p:cTn id="8" dur="1000" fill="hold"/>
+                                        <p:tgtEl>
+                                          <p:spTgt spid="5"/>
+                                        </p:tgtEl>
+                                        <p:attrNameLst>
+                                          <p:attrName>ppt_y</p:attrName>
+                                        </p:attrNameLst>
+                                      </p:cBhvr>
+                                      <p:tavLst>
+                                        <p:tav tm="0">
+                                          <p:val>
+                                            <p:strVal val="1+#ppt_h/2"/>
+                                          </p:val>
+                                        </p:tav>
+                                        <p:tav tm="100000">
+                                          <p:val>
+                                            <p:strVal val="#ppt_y"/>
+                                          </p:val>
+                                        </p:tav>
+                                      </p:tavLst>
+                                    </p:anim>
+                                  </p:childTnLst>
+                                </p:cTn>
+                              </p:par>
+                            </p:childTnLst>
+                          </p:cTn>
+                        </p:par>
+                      </p:childTnLst>
+                    </p:cTn>
+                  </p:par>
+                </p:childTnLst>
+              </p:cTn>
+              <p:prevCondLst>
+                <p:cond evt="onPrev" delay="0">
+                  <p:tgtEl>
+                    <p:sldTgt/>
+                  </p:tgtEl>
+                </p:cond>
+              </p:prevCondLst>
+              <p:nextCondLst>
+                <p:cond evt="onNext" delay="0">
+                  <p:tgtEl>
+                    <p:sldTgt/>
+                  </p:tgtEl>
+                </p:cond>
+              </p:nextCondLst>
+            </p:seq>
+          </p:childTnLst>
+        </p:cTn>
+      </p:par>
+    </p:tnLst>
+    <p:bldLst>
+      <p:bldP spid="5" grpId="0" animBg="1"/>
+    </p:bldLst>
+  </p:timing>
+</p:sld>
+</file>
+
+<file path=ppt/slides/slide9.xml><?xml version="1.0" encoding="utf-8"?>
+<p:sld xmlns:a="http://schemas.openxmlformats.org/drawingml/2006/main" xmlns:r="http://schemas.openxmlformats.org/officeDocument/2006/relationships" xmlns:p="http://schemas.openxmlformats.org/presentationml/2006/main">
+  <p:cSld>
+    <p:bg>
+      <p:bgPr>
+        <a:solidFill>
+          <a:srgbClr val="5019B3"/>
+        </a:solidFill>
+        <a:effectLst/>
+      </p:bgPr>
+    </p:bg>
+    <p:spTree>
+      <p:nvGrpSpPr>
+        <p:cNvPr id="1" name=""/>
+        <p:cNvGrpSpPr/>
+        <p:nvPr/>
+      </p:nvGrpSpPr>
+      <p:grpSpPr>
+        <a:xfrm>
+          <a:off x="0" y="0"/>
+          <a:ext cx="0" cy="0"/>
+          <a:chOff x="0" y="0"/>
+          <a:chExt cx="0" cy="0"/>
+        </a:xfrm>
+      </p:grpSpPr>
+      <p:sp>
+        <p:nvSpPr>
+          <p:cNvPr id="2" name="Cím 1">
+            <a:extLst>
+              <a:ext uri="{FF2B5EF4-FFF2-40B4-BE49-F238E27FC236}">
+                <a16:creationId xmlns:a16="http://schemas.microsoft.com/office/drawing/2014/main" id="{D1CE9B8A-DB08-5227-4E90-0FE396A4D141}"/>
+              </a:ext>
+            </a:extLst>
+          </p:cNvPr>
+          <p:cNvSpPr>
+            <a:spLocks noGrp="1"/>
+          </p:cNvSpPr>
+          <p:nvPr>
+            <p:ph type="ctrTitle"/>
+          </p:nvPr>
+        </p:nvSpPr>
+        <p:spPr/>
+        <p:txBody>
+          <a:bodyPr/>
+          <a:lstStyle/>
+          <a:p>
+            <a:endParaRPr lang="hu-HU"/>
+          </a:p>
+        </p:txBody>
+      </p:sp>
+      <p:sp>
+        <p:nvSpPr>
+          <p:cNvPr id="3" name="Alcím 2">
+            <a:extLst>
+              <a:ext uri="{FF2B5EF4-FFF2-40B4-BE49-F238E27FC236}">
+                <a16:creationId xmlns:a16="http://schemas.microsoft.com/office/drawing/2014/main" id="{33E051B4-6ACD-E318-EC79-47D89175A6C0}"/>
+              </a:ext>
+            </a:extLst>
+          </p:cNvPr>
+          <p:cNvSpPr>
+            <a:spLocks noGrp="1"/>
+          </p:cNvSpPr>
+          <p:nvPr>
+            <p:ph type="subTitle" idx="1"/>
+          </p:nvPr>
+        </p:nvSpPr>
+        <p:spPr/>
+        <p:txBody>
+          <a:bodyPr/>
+          <a:lstStyle/>
+          <a:p>
+            <a:endParaRPr lang="hu-HU"/>
+          </a:p>
+        </p:txBody>
+      </p:sp>
+      <p:sp>
+        <p:nvSpPr>
+          <p:cNvPr id="5" name="Téglalap: lekerekített 4">
+            <a:extLst>
+              <a:ext uri="{FF2B5EF4-FFF2-40B4-BE49-F238E27FC236}">
+                <a16:creationId xmlns:a16="http://schemas.microsoft.com/office/drawing/2014/main" id="{C5BDCC62-F9EF-42AD-9B0E-82FDB2144CDA}"/>
+              </a:ext>
+            </a:extLst>
+          </p:cNvPr>
+          <p:cNvSpPr/>
+          <p:nvPr/>
+        </p:nvSpPr>
+        <p:spPr>
+          <a:xfrm>
+            <a:off x="880044" y="293914"/>
+            <a:ext cx="4784269" cy="6270170"/>
+          </a:xfrm>
+          <a:prstGeom prst="roundRect">
+            <a:avLst>
+              <a:gd name="adj" fmla="val 4094"/>
+            </a:avLst>
+          </a:prstGeom>
+          <a:solidFill>
+            <a:schemeClr val="bg1">
+              <a:alpha val="80000"/>
+            </a:schemeClr>
+          </a:solidFill>
+          <a:ln w="120650" cap="sq">
+            <a:noFill/>
+            <a:round/>
+          </a:ln>
+        </p:spPr>
+        <p:style>
+          <a:lnRef idx="2">
+            <a:schemeClr val="accent1">
+              <a:shade val="15000"/>
+            </a:schemeClr>
+          </a:lnRef>
+          <a:fillRef idx="1">
+            <a:schemeClr val="accent1"/>
+          </a:fillRef>
+          <a:effectRef idx="0">
+            <a:schemeClr val="accent1"/>
+          </a:effectRef>
+          <a:fontRef idx="minor">
+            <a:schemeClr val="lt1"/>
+          </a:fontRef>
+        </p:style>
+        <p:txBody>
+          <a:bodyPr rtlCol="0" anchor="ctr"/>
+          <a:lstStyle/>
+          <a:p>
+            <a:pPr algn="ctr"/>
+            <a:endParaRPr lang="hu-HU" dirty="0"/>
+          </a:p>
+        </p:txBody>
+      </p:sp>
+    </p:spTree>
+    <p:extLst>
+      <p:ext uri="{BB962C8B-B14F-4D97-AF65-F5344CB8AC3E}">
+        <p14:creationId xmlns:p14="http://schemas.microsoft.com/office/powerpoint/2010/main" val="605018872"/>
+      </p:ext>
+    </p:extLst>
+  </p:cSld>
+  <p:clrMapOvr>
+    <a:masterClrMapping/>
+  </p:clrMapOvr>
+  <p:transition spd="slow">
+    <p:push dir="u"/>
+  </p:transition>
+  <p:timing>
+    <p:tnLst>
+      <p:par>
+        <p:cTn id="1" dur="indefinite" restart="never" nodeType="tmRoot">
+          <p:childTnLst>
+            <p:seq concurrent="1" nextAc="seek">
+              <p:cTn id="2" dur="indefinite" nodeType="mainSeq">
+                <p:childTnLst>
+                  <p:par>
+                    <p:cTn id="3" fill="hold">
+                      <p:stCondLst>
+                        <p:cond delay="indefinite"/>
+                      </p:stCondLst>
+                      <p:childTnLst>
+                        <p:par>
+                          <p:cTn id="4" fill="hold">
+                            <p:stCondLst>
+                              <p:cond delay="0"/>
+                            </p:stCondLst>
+                            <p:childTnLst>
+                              <p:par>
+                                <p:cTn id="5" presetID="2" presetClass="entr" presetSubtype="4" fill="hold" grpId="0" nodeType="clickEffect">
+                                  <p:stCondLst>
+                                    <p:cond delay="0"/>
+                                  </p:stCondLst>
+                                  <p:childTnLst>
+                                    <p:set>
+                                      <p:cBhvr>
+                                        <p:cTn id="6" dur="1" fill="hold">
+                                          <p:stCondLst>
+                                            <p:cond delay="0"/>
+                                          </p:stCondLst>
+                                        </p:cTn>
+                                        <p:tgtEl>
+                                          <p:spTgt spid="5"/>
+                                        </p:tgtEl>
+                                        <p:attrNameLst>
+                                          <p:attrName>style.visibility</p:attrName>
+                                        </p:attrNameLst>
+                                      </p:cBhvr>
+                                      <p:to>
+                                        <p:strVal val="visible"/>
+                                      </p:to>
+                                    </p:set>
+                                    <p:anim calcmode="lin" valueType="num">
+                                      <p:cBhvr additive="base">
+                                        <p:cTn id="7" dur="500" fill="hold"/>
+                                        <p:tgtEl>
+                                          <p:spTgt spid="5"/>
+                                        </p:tgtEl>
+                                        <p:attrNameLst>
+                                          <p:attrName>ppt_x</p:attrName>
+                                        </p:attrNameLst>
+                                      </p:cBhvr>
+                                      <p:tavLst>
+                                        <p:tav tm="0">
+                                          <p:val>
+                                            <p:strVal val="#ppt_x"/>
+                                          </p:val>
+                                        </p:tav>
+                                        <p:tav tm="100000">
+                                          <p:val>
+                                            <p:strVal val="#ppt_x"/>
+                                          </p:val>
+                                        </p:tav>
+                                      </p:tavLst>
+                                    </p:anim>
+                                    <p:anim calcmode="lin" valueType="num">
+                                      <p:cBhvr additive="base">
+                                        <p:cTn id="8" dur="500" fill="hold"/>
+                                        <p:tgtEl>
+                                          <p:spTgt spid="5"/>
+                                        </p:tgtEl>
+                                        <p:attrNameLst>
+                                          <p:attrName>ppt_y</p:attrName>
+                                        </p:attrNameLst>
+                                      </p:cBhvr>
+                                      <p:tavLst>
+                                        <p:tav tm="0">
+                                          <p:val>
+                                            <p:strVal val="1+#ppt_h/2"/>
+                                          </p:val>
+                                        </p:tav>
+                                        <p:tav tm="100000">
+                                          <p:val>
+                                            <p:strVal val="#ppt_y"/>
+                                          </p:val>
+                                        </p:tav>
+                                      </p:tavLst>
+                                    </p:anim>
+                                  </p:childTnLst>
+                                </p:cTn>
+                              </p:par>
+                            </p:childTnLst>
+                          </p:cTn>
+                        </p:par>
+                      </p:childTnLst>
+                    </p:cTn>
+                  </p:par>
+                </p:childTnLst>
+              </p:cTn>
+              <p:prevCondLst>
+                <p:cond evt="onPrev" delay="0">
+                  <p:tgtEl>
+                    <p:sldTgt/>
+                  </p:tgtEl>
+                </p:cond>
+              </p:prevCondLst>
+              <p:nextCondLst>
+                <p:cond evt="onNext" delay="0">
+                  <p:tgtEl>
+                    <p:sldTgt/>
+                  </p:tgtEl>
+                </p:cond>
+              </p:nextCondLst>
+            </p:seq>
+          </p:childTnLst>
+        </p:cTn>
+      </p:par>
+    </p:tnLst>
+    <p:bldLst>
+      <p:bldP spid="5" grpId="0" animBg="1"/>
+    </p:bldLst>
+  </p:timing>
+</p:sld>
+</file>
+
 <file path=ppt/theme/theme1.xml><?xml version="1.0" encoding="utf-8"?>
 <a:theme xmlns:a="http://schemas.openxmlformats.org/drawingml/2006/main" name="Office-téma">
   <a:themeElements>

--- a/Prezentáció.pptx
+++ b/Prezentáció.pptx
@@ -5,7 +5,7 @@
     <p:sldMasterId id="2147483648" r:id="rId1"/>
   </p:sldMasterIdLst>
   <p:notesMasterIdLst>
-    <p:notesMasterId r:id="rId13"/>
+    <p:notesMasterId r:id="rId14"/>
   </p:notesMasterIdLst>
   <p:sldIdLst>
     <p:sldId id="261" r:id="rId2"/>
@@ -15,10 +15,11 @@
     <p:sldId id="273" r:id="rId6"/>
     <p:sldId id="272" r:id="rId7"/>
     <p:sldId id="266" r:id="rId8"/>
-    <p:sldId id="265" r:id="rId9"/>
-    <p:sldId id="264" r:id="rId10"/>
-    <p:sldId id="267" r:id="rId11"/>
-    <p:sldId id="268" r:id="rId12"/>
+    <p:sldId id="274" r:id="rId9"/>
+    <p:sldId id="265" r:id="rId10"/>
+    <p:sldId id="264" r:id="rId11"/>
+    <p:sldId id="267" r:id="rId12"/>
+    <p:sldId id="268" r:id="rId13"/>
   </p:sldIdLst>
   <p:sldSz cx="12192000" cy="6858000"/>
   <p:notesSz cx="6858000" cy="9144000"/>
@@ -4938,6 +4939,278 @@
       </p:grpSpPr>
       <p:sp>
         <p:nvSpPr>
+          <p:cNvPr id="2" name="Cím 1">
+            <a:extLst>
+              <a:ext uri="{FF2B5EF4-FFF2-40B4-BE49-F238E27FC236}">
+                <a16:creationId xmlns:a16="http://schemas.microsoft.com/office/drawing/2014/main" id="{D1CE9B8A-DB08-5227-4E90-0FE396A4D141}"/>
+              </a:ext>
+            </a:extLst>
+          </p:cNvPr>
+          <p:cNvSpPr>
+            <a:spLocks noGrp="1"/>
+          </p:cNvSpPr>
+          <p:nvPr>
+            <p:ph type="ctrTitle"/>
+          </p:nvPr>
+        </p:nvSpPr>
+        <p:spPr/>
+        <p:txBody>
+          <a:bodyPr/>
+          <a:lstStyle/>
+          <a:p>
+            <a:endParaRPr lang="hu-HU"/>
+          </a:p>
+        </p:txBody>
+      </p:sp>
+      <p:sp>
+        <p:nvSpPr>
+          <p:cNvPr id="3" name="Alcím 2">
+            <a:extLst>
+              <a:ext uri="{FF2B5EF4-FFF2-40B4-BE49-F238E27FC236}">
+                <a16:creationId xmlns:a16="http://schemas.microsoft.com/office/drawing/2014/main" id="{33E051B4-6ACD-E318-EC79-47D89175A6C0}"/>
+              </a:ext>
+            </a:extLst>
+          </p:cNvPr>
+          <p:cNvSpPr>
+            <a:spLocks noGrp="1"/>
+          </p:cNvSpPr>
+          <p:nvPr>
+            <p:ph type="subTitle" idx="1"/>
+          </p:nvPr>
+        </p:nvSpPr>
+        <p:spPr/>
+        <p:txBody>
+          <a:bodyPr/>
+          <a:lstStyle/>
+          <a:p>
+            <a:endParaRPr lang="hu-HU"/>
+          </a:p>
+        </p:txBody>
+      </p:sp>
+      <p:sp>
+        <p:nvSpPr>
+          <p:cNvPr id="5" name="Téglalap: lekerekített 4">
+            <a:extLst>
+              <a:ext uri="{FF2B5EF4-FFF2-40B4-BE49-F238E27FC236}">
+                <a16:creationId xmlns:a16="http://schemas.microsoft.com/office/drawing/2014/main" id="{C5BDCC62-F9EF-42AD-9B0E-82FDB2144CDA}"/>
+              </a:ext>
+            </a:extLst>
+          </p:cNvPr>
+          <p:cNvSpPr/>
+          <p:nvPr/>
+        </p:nvSpPr>
+        <p:spPr>
+          <a:xfrm>
+            <a:off x="880044" y="293914"/>
+            <a:ext cx="4784269" cy="6270170"/>
+          </a:xfrm>
+          <a:prstGeom prst="roundRect">
+            <a:avLst>
+              <a:gd name="adj" fmla="val 4094"/>
+            </a:avLst>
+          </a:prstGeom>
+          <a:solidFill>
+            <a:schemeClr val="bg1">
+              <a:alpha val="80000"/>
+            </a:schemeClr>
+          </a:solidFill>
+          <a:ln w="120650" cap="sq">
+            <a:noFill/>
+            <a:round/>
+          </a:ln>
+        </p:spPr>
+        <p:style>
+          <a:lnRef idx="2">
+            <a:schemeClr val="accent1">
+              <a:shade val="15000"/>
+            </a:schemeClr>
+          </a:lnRef>
+          <a:fillRef idx="1">
+            <a:schemeClr val="accent1"/>
+          </a:fillRef>
+          <a:effectRef idx="0">
+            <a:schemeClr val="accent1"/>
+          </a:effectRef>
+          <a:fontRef idx="minor">
+            <a:schemeClr val="lt1"/>
+          </a:fontRef>
+        </p:style>
+        <p:txBody>
+          <a:bodyPr rtlCol="0" anchor="ctr"/>
+          <a:lstStyle/>
+          <a:p>
+            <a:pPr algn="ctr"/>
+            <a:endParaRPr lang="hu-HU" dirty="0"/>
+          </a:p>
+        </p:txBody>
+      </p:sp>
+    </p:spTree>
+    <p:extLst>
+      <p:ext uri="{BB962C8B-B14F-4D97-AF65-F5344CB8AC3E}">
+        <p14:creationId xmlns:p14="http://schemas.microsoft.com/office/powerpoint/2010/main" val="605018872"/>
+      </p:ext>
+    </p:extLst>
+  </p:cSld>
+  <p:clrMapOvr>
+    <a:masterClrMapping/>
+  </p:clrMapOvr>
+  <p:transition spd="slow">
+    <p:push dir="u"/>
+  </p:transition>
+  <p:timing>
+    <p:tnLst>
+      <p:par>
+        <p:cTn id="1" dur="indefinite" restart="never" nodeType="tmRoot">
+          <p:childTnLst>
+            <p:seq concurrent="1" nextAc="seek">
+              <p:cTn id="2" dur="indefinite" nodeType="mainSeq">
+                <p:childTnLst>
+                  <p:par>
+                    <p:cTn id="3" fill="hold">
+                      <p:stCondLst>
+                        <p:cond delay="indefinite"/>
+                      </p:stCondLst>
+                      <p:childTnLst>
+                        <p:par>
+                          <p:cTn id="4" fill="hold">
+                            <p:stCondLst>
+                              <p:cond delay="0"/>
+                            </p:stCondLst>
+                            <p:childTnLst>
+                              <p:par>
+                                <p:cTn id="5" presetID="2" presetClass="entr" presetSubtype="4" fill="hold" grpId="0" nodeType="clickEffect">
+                                  <p:stCondLst>
+                                    <p:cond delay="0"/>
+                                  </p:stCondLst>
+                                  <p:childTnLst>
+                                    <p:set>
+                                      <p:cBhvr>
+                                        <p:cTn id="6" dur="1" fill="hold">
+                                          <p:stCondLst>
+                                            <p:cond delay="0"/>
+                                          </p:stCondLst>
+                                        </p:cTn>
+                                        <p:tgtEl>
+                                          <p:spTgt spid="5"/>
+                                        </p:tgtEl>
+                                        <p:attrNameLst>
+                                          <p:attrName>style.visibility</p:attrName>
+                                        </p:attrNameLst>
+                                      </p:cBhvr>
+                                      <p:to>
+                                        <p:strVal val="visible"/>
+                                      </p:to>
+                                    </p:set>
+                                    <p:anim calcmode="lin" valueType="num">
+                                      <p:cBhvr additive="base">
+                                        <p:cTn id="7" dur="500" fill="hold"/>
+                                        <p:tgtEl>
+                                          <p:spTgt spid="5"/>
+                                        </p:tgtEl>
+                                        <p:attrNameLst>
+                                          <p:attrName>ppt_x</p:attrName>
+                                        </p:attrNameLst>
+                                      </p:cBhvr>
+                                      <p:tavLst>
+                                        <p:tav tm="0">
+                                          <p:val>
+                                            <p:strVal val="#ppt_x"/>
+                                          </p:val>
+                                        </p:tav>
+                                        <p:tav tm="100000">
+                                          <p:val>
+                                            <p:strVal val="#ppt_x"/>
+                                          </p:val>
+                                        </p:tav>
+                                      </p:tavLst>
+                                    </p:anim>
+                                    <p:anim calcmode="lin" valueType="num">
+                                      <p:cBhvr additive="base">
+                                        <p:cTn id="8" dur="500" fill="hold"/>
+                                        <p:tgtEl>
+                                          <p:spTgt spid="5"/>
+                                        </p:tgtEl>
+                                        <p:attrNameLst>
+                                          <p:attrName>ppt_y</p:attrName>
+                                        </p:attrNameLst>
+                                      </p:cBhvr>
+                                      <p:tavLst>
+                                        <p:tav tm="0">
+                                          <p:val>
+                                            <p:strVal val="1+#ppt_h/2"/>
+                                          </p:val>
+                                        </p:tav>
+                                        <p:tav tm="100000">
+                                          <p:val>
+                                            <p:strVal val="#ppt_y"/>
+                                          </p:val>
+                                        </p:tav>
+                                      </p:tavLst>
+                                    </p:anim>
+                                  </p:childTnLst>
+                                </p:cTn>
+                              </p:par>
+                            </p:childTnLst>
+                          </p:cTn>
+                        </p:par>
+                      </p:childTnLst>
+                    </p:cTn>
+                  </p:par>
+                </p:childTnLst>
+              </p:cTn>
+              <p:prevCondLst>
+                <p:cond evt="onPrev" delay="0">
+                  <p:tgtEl>
+                    <p:sldTgt/>
+                  </p:tgtEl>
+                </p:cond>
+              </p:prevCondLst>
+              <p:nextCondLst>
+                <p:cond evt="onNext" delay="0">
+                  <p:tgtEl>
+                    <p:sldTgt/>
+                  </p:tgtEl>
+                </p:cond>
+              </p:nextCondLst>
+            </p:seq>
+          </p:childTnLst>
+        </p:cTn>
+      </p:par>
+    </p:tnLst>
+    <p:bldLst>
+      <p:bldP spid="5" grpId="0" animBg="1"/>
+    </p:bldLst>
+  </p:timing>
+</p:sld>
+</file>
+
+<file path=ppt/slides/slide11.xml><?xml version="1.0" encoding="utf-8"?>
+<p:sld xmlns:a="http://schemas.openxmlformats.org/drawingml/2006/main" xmlns:r="http://schemas.openxmlformats.org/officeDocument/2006/relationships" xmlns:p="http://schemas.openxmlformats.org/presentationml/2006/main">
+  <p:cSld>
+    <p:bg>
+      <p:bgPr>
+        <a:solidFill>
+          <a:srgbClr val="5019B3"/>
+        </a:solidFill>
+        <a:effectLst/>
+      </p:bgPr>
+    </p:bg>
+    <p:spTree>
+      <p:nvGrpSpPr>
+        <p:cNvPr id="1" name=""/>
+        <p:cNvGrpSpPr/>
+        <p:nvPr/>
+      </p:nvGrpSpPr>
+      <p:grpSpPr>
+        <a:xfrm>
+          <a:off x="0" y="0"/>
+          <a:ext cx="0" cy="0"/>
+          <a:chOff x="0" y="0"/>
+          <a:chExt cx="0" cy="0"/>
+        </a:xfrm>
+      </p:grpSpPr>
+      <p:sp>
+        <p:nvSpPr>
           <p:cNvPr id="4" name="Ellipszis 3">
             <a:extLst>
               <a:ext uri="{FF2B5EF4-FFF2-40B4-BE49-F238E27FC236}">
@@ -5592,7 +5865,7 @@
 </p:sld>
 </file>
 
-<file path=ppt/slides/slide11.xml><?xml version="1.0" encoding="utf-8"?>
+<file path=ppt/slides/slide12.xml><?xml version="1.0" encoding="utf-8"?>
 <p:sld xmlns:a="http://schemas.openxmlformats.org/drawingml/2006/main" xmlns:r="http://schemas.openxmlformats.org/officeDocument/2006/relationships" xmlns:p="http://schemas.openxmlformats.org/presentationml/2006/main">
   <p:cSld>
     <p:bg>
@@ -5749,7 +6022,7 @@
         </p:nvSpPr>
         <p:spPr>
           <a:xfrm>
-            <a:off x="639682" y="6858000"/>
+            <a:off x="639679" y="6858000"/>
             <a:ext cx="2939337" cy="3214914"/>
           </a:xfrm>
           <a:prstGeom prst="roundRect">
@@ -6411,6 +6684,100 @@
           </a:p>
         </p:txBody>
       </p:sp>
+      <p:pic>
+        <p:nvPicPr>
+          <p:cNvPr id="1030" name="Picture 6" descr="View Benceszalaiii's full-sized avatar">
+            <a:extLst>
+              <a:ext uri="{FF2B5EF4-FFF2-40B4-BE49-F238E27FC236}">
+                <a16:creationId xmlns:a16="http://schemas.microsoft.com/office/drawing/2014/main" id="{07E059F9-3A19-44ED-8C2E-22C8B58F5ABE}"/>
+              </a:ext>
+            </a:extLst>
+          </p:cNvPr>
+          <p:cNvPicPr>
+            <a:picLocks noChangeAspect="1" noChangeArrowheads="1"/>
+          </p:cNvPicPr>
+          <p:nvPr/>
+        </p:nvPicPr>
+        <p:blipFill>
+          <a:blip r:embed="rId4">
+            <a:extLst>
+              <a:ext uri="{28A0092B-C50C-407E-A947-70E740481C1C}">
+                <a14:useLocalDpi xmlns:a14="http://schemas.microsoft.com/office/drawing/2010/main" val="0"/>
+              </a:ext>
+            </a:extLst>
+          </a:blip>
+          <a:srcRect/>
+          <a:stretch>
+            <a:fillRect/>
+          </a:stretch>
+        </p:blipFill>
+        <p:spPr bwMode="auto">
+          <a:xfrm>
+            <a:off x="5144076" y="2379516"/>
+            <a:ext cx="1903848" cy="1903848"/>
+          </a:xfrm>
+          <a:prstGeom prst="ellipse">
+            <a:avLst/>
+          </a:prstGeom>
+          <a:noFill/>
+          <a:extLst>
+            <a:ext uri="{909E8E84-426E-40DD-AFC4-6F175D3DCCD1}">
+              <a14:hiddenFill xmlns:a14="http://schemas.microsoft.com/office/drawing/2010/main">
+                <a:solidFill>
+                  <a:srgbClr val="FFFFFF"/>
+                </a:solidFill>
+              </a14:hiddenFill>
+            </a:ext>
+          </a:extLst>
+        </p:spPr>
+      </p:pic>
+      <p:pic>
+        <p:nvPicPr>
+          <p:cNvPr id="2" name="Picture 8" descr="View kallaigabor06's full-sized avatar">
+            <a:extLst>
+              <a:ext uri="{FF2B5EF4-FFF2-40B4-BE49-F238E27FC236}">
+                <a16:creationId xmlns:a16="http://schemas.microsoft.com/office/drawing/2014/main" id="{813DCCF5-8F15-401B-9890-E04DE5653CBD}"/>
+              </a:ext>
+            </a:extLst>
+          </p:cNvPr>
+          <p:cNvPicPr>
+            <a:picLocks noChangeAspect="1" noChangeArrowheads="1"/>
+          </p:cNvPicPr>
+          <p:nvPr/>
+        </p:nvPicPr>
+        <p:blipFill>
+          <a:blip r:embed="rId5">
+            <a:extLst>
+              <a:ext uri="{28A0092B-C50C-407E-A947-70E740481C1C}">
+                <a14:useLocalDpi xmlns:a14="http://schemas.microsoft.com/office/drawing/2010/main" val="0"/>
+              </a:ext>
+            </a:extLst>
+          </a:blip>
+          <a:srcRect/>
+          <a:stretch>
+            <a:fillRect/>
+          </a:stretch>
+        </p:blipFill>
+        <p:spPr bwMode="auto">
+          <a:xfrm>
+            <a:off x="9011790" y="2366472"/>
+            <a:ext cx="1903848" cy="1903848"/>
+          </a:xfrm>
+          <a:prstGeom prst="ellipse">
+            <a:avLst/>
+          </a:prstGeom>
+          <a:noFill/>
+          <a:extLst>
+            <a:ext uri="{909E8E84-426E-40DD-AFC4-6F175D3DCCD1}">
+              <a14:hiddenFill xmlns:a14="http://schemas.microsoft.com/office/drawing/2010/main">
+                <a:solidFill>
+                  <a:srgbClr val="FFFFFF"/>
+                </a:solidFill>
+              </a14:hiddenFill>
+            </a:ext>
+          </a:extLst>
+        </p:spPr>
+      </p:pic>
     </p:spTree>
     <p:extLst>
       <p:ext uri="{BB962C8B-B14F-4D97-AF65-F5344CB8AC3E}">
@@ -6862,14 +7229,95 @@
                                 </p:cTn>
                               </p:par>
                               <p:par>
-                                <p:cTn id="31" presetID="53" presetClass="entr" presetSubtype="16" fill="hold" grpId="0" nodeType="withEffect">
+                                <p:cTn id="31" presetID="53" presetClass="entr" presetSubtype="16" fill="hold" nodeType="withEffect">
+                                  <p:stCondLst>
+                                    <p:cond delay="900"/>
+                                  </p:stCondLst>
+                                  <p:childTnLst>
+                                    <p:set>
+                                      <p:cBhvr>
+                                        <p:cTn id="32" dur="1" fill="hold">
+                                          <p:stCondLst>
+                                            <p:cond delay="0"/>
+                                          </p:stCondLst>
+                                        </p:cTn>
+                                        <p:tgtEl>
+                                          <p:spTgt spid="1030"/>
+                                        </p:tgtEl>
+                                        <p:attrNameLst>
+                                          <p:attrName>style.visibility</p:attrName>
+                                        </p:attrNameLst>
+                                      </p:cBhvr>
+                                      <p:to>
+                                        <p:strVal val="visible"/>
+                                      </p:to>
+                                    </p:set>
+                                    <p:anim calcmode="lin" valueType="num">
+                                      <p:cBhvr>
+                                        <p:cTn id="33" dur="500" fill="hold"/>
+                                        <p:tgtEl>
+                                          <p:spTgt spid="1030"/>
+                                        </p:tgtEl>
+                                        <p:attrNameLst>
+                                          <p:attrName>ppt_w</p:attrName>
+                                        </p:attrNameLst>
+                                      </p:cBhvr>
+                                      <p:tavLst>
+                                        <p:tav tm="0">
+                                          <p:val>
+                                            <p:fltVal val="0"/>
+                                          </p:val>
+                                        </p:tav>
+                                        <p:tav tm="100000">
+                                          <p:val>
+                                            <p:strVal val="#ppt_w"/>
+                                          </p:val>
+                                        </p:tav>
+                                      </p:tavLst>
+                                    </p:anim>
+                                    <p:anim calcmode="lin" valueType="num">
+                                      <p:cBhvr>
+                                        <p:cTn id="34" dur="500" fill="hold"/>
+                                        <p:tgtEl>
+                                          <p:spTgt spid="1030"/>
+                                        </p:tgtEl>
+                                        <p:attrNameLst>
+                                          <p:attrName>ppt_h</p:attrName>
+                                        </p:attrNameLst>
+                                      </p:cBhvr>
+                                      <p:tavLst>
+                                        <p:tav tm="0">
+                                          <p:val>
+                                            <p:fltVal val="0"/>
+                                          </p:val>
+                                        </p:tav>
+                                        <p:tav tm="100000">
+                                          <p:val>
+                                            <p:strVal val="#ppt_h"/>
+                                          </p:val>
+                                        </p:tav>
+                                      </p:tavLst>
+                                    </p:anim>
+                                    <p:animEffect transition="in" filter="fade">
+                                      <p:cBhvr>
+                                        <p:cTn id="35" dur="500"/>
+                                        <p:tgtEl>
+                                          <p:spTgt spid="1030"/>
+                                        </p:tgtEl>
+                                      </p:cBhvr>
+                                    </p:animEffect>
+                                  </p:childTnLst>
+                                </p:cTn>
+                              </p:par>
+                              <p:par>
+                                <p:cTn id="36" presetID="53" presetClass="entr" presetSubtype="16" fill="hold" grpId="0" nodeType="withEffect">
                                   <p:stCondLst>
                                     <p:cond delay="500"/>
                                   </p:stCondLst>
                                   <p:childTnLst>
                                     <p:set>
                                       <p:cBhvr>
-                                        <p:cTn id="32" dur="1" fill="hold">
+                                        <p:cTn id="37" dur="1" fill="hold">
                                           <p:stCondLst>
                                             <p:cond delay="0"/>
                                           </p:stCondLst>
@@ -6887,7 +7335,7 @@
                                     </p:set>
                                     <p:anim calcmode="lin" valueType="num">
                                       <p:cBhvr>
-                                        <p:cTn id="33" dur="500" fill="hold"/>
+                                        <p:cTn id="38" dur="500" fill="hold"/>
                                         <p:tgtEl>
                                           <p:spTgt spid="69"/>
                                         </p:tgtEl>
@@ -6910,7 +7358,7 @@
                                     </p:anim>
                                     <p:anim calcmode="lin" valueType="num">
                                       <p:cBhvr>
-                                        <p:cTn id="34" dur="500" fill="hold"/>
+                                        <p:cTn id="39" dur="500" fill="hold"/>
                                         <p:tgtEl>
                                           <p:spTgt spid="69"/>
                                         </p:tgtEl>
@@ -6933,7 +7381,7 @@
                                     </p:anim>
                                     <p:animEffect transition="in" filter="fade">
                                       <p:cBhvr>
-                                        <p:cTn id="35" dur="500"/>
+                                        <p:cTn id="40" dur="500"/>
                                         <p:tgtEl>
                                           <p:spTgt spid="69"/>
                                         </p:tgtEl>
@@ -6943,14 +7391,14 @@
                                 </p:cTn>
                               </p:par>
                               <p:par>
-                                <p:cTn id="36" presetID="53" presetClass="entr" presetSubtype="16" fill="hold" grpId="0" nodeType="withEffect">
+                                <p:cTn id="41" presetID="53" presetClass="entr" presetSubtype="16" fill="hold" grpId="0" nodeType="withEffect">
                                   <p:stCondLst>
                                     <p:cond delay="1000"/>
                                   </p:stCondLst>
                                   <p:childTnLst>
                                     <p:set>
                                       <p:cBhvr>
-                                        <p:cTn id="37" dur="1" fill="hold">
+                                        <p:cTn id="42" dur="1" fill="hold">
                                           <p:stCondLst>
                                             <p:cond delay="0"/>
                                           </p:stCondLst>
@@ -6968,7 +7416,7 @@
                                     </p:set>
                                     <p:anim calcmode="lin" valueType="num">
                                       <p:cBhvr>
-                                        <p:cTn id="38" dur="500" fill="hold"/>
+                                        <p:cTn id="43" dur="500" fill="hold"/>
                                         <p:tgtEl>
                                           <p:spTgt spid="70"/>
                                         </p:tgtEl>
@@ -6991,7 +7439,7 @@
                                     </p:anim>
                                     <p:anim calcmode="lin" valueType="num">
                                       <p:cBhvr>
-                                        <p:cTn id="39" dur="500" fill="hold"/>
+                                        <p:cTn id="44" dur="500" fill="hold"/>
                                         <p:tgtEl>
                                           <p:spTgt spid="70"/>
                                         </p:tgtEl>
@@ -7014,7 +7462,7 @@
                                     </p:anim>
                                     <p:animEffect transition="in" filter="fade">
                                       <p:cBhvr>
-                                        <p:cTn id="40" dur="500"/>
+                                        <p:cTn id="45" dur="500"/>
                                         <p:tgtEl>
                                           <p:spTgt spid="70"/>
                                         </p:tgtEl>
@@ -7024,14 +7472,95 @@
                                 </p:cTn>
                               </p:par>
                               <p:par>
-                                <p:cTn id="41" presetID="42" presetClass="path" presetSubtype="0" accel="50000" decel="50000" fill="hold" nodeType="withEffect">
+                                <p:cTn id="46" presetID="53" presetClass="entr" presetSubtype="16" fill="hold" nodeType="withEffect">
+                                  <p:stCondLst>
+                                    <p:cond delay="1400"/>
+                                  </p:stCondLst>
+                                  <p:childTnLst>
+                                    <p:set>
+                                      <p:cBhvr>
+                                        <p:cTn id="47" dur="1" fill="hold">
+                                          <p:stCondLst>
+                                            <p:cond delay="0"/>
+                                          </p:stCondLst>
+                                        </p:cTn>
+                                        <p:tgtEl>
+                                          <p:spTgt spid="2"/>
+                                        </p:tgtEl>
+                                        <p:attrNameLst>
+                                          <p:attrName>style.visibility</p:attrName>
+                                        </p:attrNameLst>
+                                      </p:cBhvr>
+                                      <p:to>
+                                        <p:strVal val="visible"/>
+                                      </p:to>
+                                    </p:set>
+                                    <p:anim calcmode="lin" valueType="num">
+                                      <p:cBhvr>
+                                        <p:cTn id="48" dur="500" fill="hold"/>
+                                        <p:tgtEl>
+                                          <p:spTgt spid="2"/>
+                                        </p:tgtEl>
+                                        <p:attrNameLst>
+                                          <p:attrName>ppt_w</p:attrName>
+                                        </p:attrNameLst>
+                                      </p:cBhvr>
+                                      <p:tavLst>
+                                        <p:tav tm="0">
+                                          <p:val>
+                                            <p:fltVal val="0"/>
+                                          </p:val>
+                                        </p:tav>
+                                        <p:tav tm="100000">
+                                          <p:val>
+                                            <p:strVal val="#ppt_w"/>
+                                          </p:val>
+                                        </p:tav>
+                                      </p:tavLst>
+                                    </p:anim>
+                                    <p:anim calcmode="lin" valueType="num">
+                                      <p:cBhvr>
+                                        <p:cTn id="49" dur="500" fill="hold"/>
+                                        <p:tgtEl>
+                                          <p:spTgt spid="2"/>
+                                        </p:tgtEl>
+                                        <p:attrNameLst>
+                                          <p:attrName>ppt_h</p:attrName>
+                                        </p:attrNameLst>
+                                      </p:cBhvr>
+                                      <p:tavLst>
+                                        <p:tav tm="0">
+                                          <p:val>
+                                            <p:fltVal val="0"/>
+                                          </p:val>
+                                        </p:tav>
+                                        <p:tav tm="100000">
+                                          <p:val>
+                                            <p:strVal val="#ppt_h"/>
+                                          </p:val>
+                                        </p:tav>
+                                      </p:tavLst>
+                                    </p:anim>
+                                    <p:animEffect transition="in" filter="fade">
+                                      <p:cBhvr>
+                                        <p:cTn id="50" dur="500"/>
+                                        <p:tgtEl>
+                                          <p:spTgt spid="2"/>
+                                        </p:tgtEl>
+                                      </p:cBhvr>
+                                    </p:animEffect>
+                                  </p:childTnLst>
+                                </p:cTn>
+                              </p:par>
+                              <p:par>
+                                <p:cTn id="51" presetID="42" presetClass="path" presetSubtype="0" accel="50000" decel="50000" fill="hold" nodeType="withEffect">
                                   <p:stCondLst>
                                     <p:cond delay="0"/>
                                   </p:stCondLst>
                                   <p:childTnLst>
                                     <p:animMotion origin="layout" path="M 0 3.33333E-6 L 0 0.25 " pathEditMode="relative" rAng="0" ptsTypes="AA">
                                       <p:cBhvr>
-                                        <p:cTn id="42" dur="2000" fill="hold"/>
+                                        <p:cTn id="52" dur="2000" fill="hold"/>
                                         <p:tgtEl>
                                           <p:spTgt spid="1032"/>
                                         </p:tgtEl>
@@ -7046,14 +7575,14 @@
                                 </p:cTn>
                               </p:par>
                               <p:par>
-                                <p:cTn id="43" presetID="64" presetClass="path" presetSubtype="0" accel="50000" decel="50000" fill="hold" grpId="0" nodeType="withEffect">
+                                <p:cTn id="53" presetID="64" presetClass="path" presetSubtype="0" accel="50000" decel="50000" fill="hold" grpId="0" nodeType="withEffect">
                                   <p:stCondLst>
                                     <p:cond delay="0"/>
                                   </p:stCondLst>
                                   <p:childTnLst>
-                                    <p:animMotion origin="layout" path="M 3.125E-6 7.40741E-7 L 3.125E-6 -0.25 " pathEditMode="relative" rAng="0" ptsTypes="AA">
+                                    <p:animMotion origin="layout" path="M 3.33333E-6 7.40741E-7 L 3.33333E-6 -0.25 " pathEditMode="relative" rAng="0" ptsTypes="AA">
                                       <p:cBhvr>
-                                        <p:cTn id="44" dur="2000" fill="hold"/>
+                                        <p:cTn id="54" dur="2000" fill="hold"/>
                                         <p:tgtEl>
                                           <p:spTgt spid="50"/>
                                         </p:tgtEl>
@@ -7068,14 +7597,14 @@
                                 </p:cTn>
                               </p:par>
                               <p:par>
-                                <p:cTn id="45" presetID="64" presetClass="path" presetSubtype="0" accel="50000" decel="50000" fill="hold" grpId="0" nodeType="withEffect">
+                                <p:cTn id="55" presetID="64" presetClass="path" presetSubtype="0" accel="50000" decel="50000" fill="hold" grpId="0" nodeType="withEffect">
                                   <p:stCondLst>
                                     <p:cond delay="250"/>
                                   </p:stCondLst>
                                   <p:childTnLst>
                                     <p:animMotion origin="layout" path="M 0 7.40741E-7 L 0 -0.25 " pathEditMode="relative" rAng="0" ptsTypes="AA">
                                       <p:cBhvr>
-                                        <p:cTn id="46" dur="2000" fill="hold"/>
+                                        <p:cTn id="56" dur="2000" fill="hold"/>
                                         <p:tgtEl>
                                           <p:spTgt spid="75"/>
                                         </p:tgtEl>
@@ -7090,14 +7619,14 @@
                                 </p:cTn>
                               </p:par>
                               <p:par>
-                                <p:cTn id="47" presetID="64" presetClass="path" presetSubtype="0" accel="50000" decel="50000" fill="hold" grpId="0" nodeType="withEffect">
+                                <p:cTn id="57" presetID="64" presetClass="path" presetSubtype="0" accel="50000" decel="50000" fill="hold" grpId="0" nodeType="withEffect">
                                   <p:stCondLst>
                                     <p:cond delay="500"/>
                                   </p:stCondLst>
                                   <p:childTnLst>
                                     <p:animMotion origin="layout" path="M 2.5E-6 7.40741E-7 L 2.5E-6 -0.25 " pathEditMode="relative" rAng="0" ptsTypes="AA">
                                       <p:cBhvr>
-                                        <p:cTn id="48" dur="2000" fill="hold"/>
+                                        <p:cTn id="58" dur="2000" fill="hold"/>
                                         <p:tgtEl>
                                           <p:spTgt spid="76"/>
                                         </p:tgtEl>
@@ -8661,7 +9190,7 @@
           <a:lstStyle/>
           <a:p>
             <a:pPr algn="ctr"/>
-            <a:endParaRPr lang="hu-HU"/>
+            <a:endParaRPr lang="hu-HU" dirty="0"/>
           </a:p>
         </p:txBody>
       </p:sp>
@@ -8855,18 +9384,99 @@
           <a:prstGeom prst="rect">
             <a:avLst/>
           </a:prstGeom>
-          <a:noFill/>
-          <a:extLst>
-            <a:ext uri="{909E8E84-426E-40DD-AFC4-6F175D3DCCD1}">
-              <a14:hiddenFill xmlns:a14="http://schemas.microsoft.com/office/drawing/2010/main">
-                <a:solidFill>
-                  <a:srgbClr val="FFFFFF"/>
-                </a:solidFill>
-              </a14:hiddenFill>
-            </a:ext>
-          </a:extLst>
+          <a:solidFill>
+            <a:srgbClr val="09E448"/>
+          </a:solidFill>
+          <a:extLst/>
         </p:spPr>
       </p:pic>
+      <p:sp>
+        <p:nvSpPr>
+          <p:cNvPr id="2" name="Szövegdoboz 1">
+            <a:extLst>
+              <a:ext uri="{FF2B5EF4-FFF2-40B4-BE49-F238E27FC236}">
+                <a16:creationId xmlns:a16="http://schemas.microsoft.com/office/drawing/2014/main" id="{474BE274-0FDE-485B-8C28-F1A5FAF1316C}"/>
+              </a:ext>
+            </a:extLst>
+          </p:cNvPr>
+          <p:cNvSpPr txBox="1"/>
+          <p:nvPr/>
+        </p:nvSpPr>
+        <p:spPr>
+          <a:xfrm>
+            <a:off x="3688565" y="2757498"/>
+            <a:ext cx="6021868" cy="2031325"/>
+          </a:xfrm>
+          <a:prstGeom prst="rect">
+            <a:avLst/>
+          </a:prstGeom>
+          <a:noFill/>
+        </p:spPr>
+        <p:txBody>
+          <a:bodyPr wrap="square" rtlCol="0">
+            <a:spAutoFit/>
+          </a:bodyPr>
+          <a:lstStyle/>
+          <a:p>
+            <a:pPr marL="285750" indent="-285750">
+              <a:buFont typeface="Wingdings" panose="05000000000000000000" pitchFamily="2" charset="2"/>
+              <a:buChar char="§"/>
+            </a:pPr>
+            <a:r>
+              <a:rPr lang="hu-HU" sz="4000" dirty="0" err="1">
+                <a:solidFill>
+                  <a:srgbClr val="09E448"/>
+                </a:solidFill>
+                <a:latin typeface="Segoe UI Black" panose="020B0A02040204020203" pitchFamily="34" charset="0"/>
+                <a:ea typeface="Segoe UI Black" panose="020B0A02040204020203" pitchFamily="34" charset="0"/>
+              </a:rPr>
+              <a:t>Scroll</a:t>
+            </a:r>
+            <a:r>
+              <a:rPr lang="hu-HU" sz="4000" dirty="0">
+                <a:solidFill>
+                  <a:srgbClr val="09E448"/>
+                </a:solidFill>
+                <a:latin typeface="Segoe UI Black" panose="020B0A02040204020203" pitchFamily="34" charset="0"/>
+                <a:ea typeface="Segoe UI Black" panose="020B0A02040204020203" pitchFamily="34" charset="0"/>
+              </a:rPr>
+              <a:t>-animációk</a:t>
+            </a:r>
+          </a:p>
+          <a:p>
+            <a:pPr marL="285750" indent="-285750">
+              <a:buFont typeface="Wingdings" panose="05000000000000000000" pitchFamily="2" charset="2"/>
+              <a:buChar char="§"/>
+            </a:pPr>
+            <a:r>
+              <a:rPr lang="hu-HU" sz="4000" dirty="0">
+                <a:solidFill>
+                  <a:srgbClr val="09E448"/>
+                </a:solidFill>
+                <a:latin typeface="Segoe UI Black" panose="020B0A02040204020203" pitchFamily="34" charset="0"/>
+                <a:ea typeface="Segoe UI Black" panose="020B0A02040204020203" pitchFamily="34" charset="0"/>
+              </a:rPr>
+              <a:t>Reszponzív</a:t>
+            </a:r>
+          </a:p>
+          <a:p>
+            <a:pPr marL="285750" indent="-285750">
+              <a:buFont typeface="Wingdings" panose="05000000000000000000" pitchFamily="2" charset="2"/>
+              <a:buChar char="§"/>
+            </a:pPr>
+            <a:endParaRPr lang="hu-HU" sz="2800" dirty="0">
+              <a:solidFill>
+                <a:srgbClr val="09E448"/>
+              </a:solidFill>
+              <a:latin typeface="Segoe UI Black" panose="020B0A02040204020203" pitchFamily="34" charset="0"/>
+              <a:ea typeface="Segoe UI Black" panose="020B0A02040204020203" pitchFamily="34" charset="0"/>
+            </a:endParaRPr>
+          </a:p>
+          <a:p>
+            <a:endParaRPr lang="hu-HU" dirty="0"/>
+          </a:p>
+        </p:txBody>
+      </p:sp>
     </p:spTree>
     <p:extLst>
       <p:ext uri="{BB962C8B-B14F-4D97-AF65-F5344CB8AC3E}">
@@ -8877,18 +9487,155 @@
   <p:clrMapOvr>
     <a:masterClrMapping/>
   </p:clrMapOvr>
-  <mc:AlternateContent xmlns:mc="http://schemas.openxmlformats.org/markup-compatibility/2006">
-    <mc:Choice xmlns:p159="http://schemas.microsoft.com/office/powerpoint/2015/09/main" Requires="p159">
+  <mc:AlternateContent xmlns:mc="http://schemas.openxmlformats.org/markup-compatibility/2006" xmlns:p159="http://schemas.microsoft.com/office/powerpoint/2015/09/main">
+    <mc:Choice Requires="p159">
       <p:transition xmlns:p14="http://schemas.microsoft.com/office/powerpoint/2010/main" spd="slow" p14:dur="2000">
         <p159:morph option="byObject"/>
       </p:transition>
     </mc:Choice>
-    <mc:Fallback>
+    <mc:Fallback xmlns="">
       <p:transition spd="slow">
         <p:fade/>
       </p:transition>
     </mc:Fallback>
   </mc:AlternateContent>
+  <p:timing>
+    <p:tnLst>
+      <p:par>
+        <p:cTn id="1" dur="indefinite" restart="never" nodeType="tmRoot">
+          <p:childTnLst>
+            <p:seq concurrent="1" nextAc="seek">
+              <p:cTn id="2" dur="indefinite" nodeType="mainSeq">
+                <p:childTnLst>
+                  <p:par>
+                    <p:cTn id="3" fill="hold">
+                      <p:stCondLst>
+                        <p:cond delay="indefinite"/>
+                        <p:cond evt="onBegin" delay="0">
+                          <p:tn val="2"/>
+                        </p:cond>
+                      </p:stCondLst>
+                      <p:childTnLst>
+                        <p:par>
+                          <p:cTn id="4" fill="hold">
+                            <p:stCondLst>
+                              <p:cond delay="0"/>
+                            </p:stCondLst>
+                            <p:childTnLst>
+                              <p:par>
+                                <p:cTn id="5" presetID="18" presetClass="entr" presetSubtype="12" fill="hold" nodeType="afterEffect">
+                                  <p:stCondLst>
+                                    <p:cond delay="0"/>
+                                  </p:stCondLst>
+                                  <p:childTnLst>
+                                    <p:set>
+                                      <p:cBhvr>
+                                        <p:cTn id="6" dur="1" fill="hold">
+                                          <p:stCondLst>
+                                            <p:cond delay="0"/>
+                                          </p:stCondLst>
+                                        </p:cTn>
+                                        <p:tgtEl>
+                                          <p:spTgt spid="2">
+                                            <p:txEl>
+                                              <p:pRg st="0" end="0"/>
+                                            </p:txEl>
+                                          </p:spTgt>
+                                        </p:tgtEl>
+                                        <p:attrNameLst>
+                                          <p:attrName>style.visibility</p:attrName>
+                                        </p:attrNameLst>
+                                      </p:cBhvr>
+                                      <p:to>
+                                        <p:strVal val="visible"/>
+                                      </p:to>
+                                    </p:set>
+                                    <p:animEffect transition="in" filter="strips(downLeft)">
+                                      <p:cBhvr>
+                                        <p:cTn id="7" dur="500"/>
+                                        <p:tgtEl>
+                                          <p:spTgt spid="2">
+                                            <p:txEl>
+                                              <p:pRg st="0" end="0"/>
+                                            </p:txEl>
+                                          </p:spTgt>
+                                        </p:tgtEl>
+                                      </p:cBhvr>
+                                    </p:animEffect>
+                                  </p:childTnLst>
+                                </p:cTn>
+                              </p:par>
+                              <p:par>
+                                <p:cTn id="8" presetID="18" presetClass="entr" presetSubtype="12" fill="hold" nodeType="withEffect">
+                                  <p:stCondLst>
+                                    <p:cond delay="0"/>
+                                  </p:stCondLst>
+                                  <p:childTnLst>
+                                    <p:set>
+                                      <p:cBhvr>
+                                        <p:cTn id="9" dur="1" fill="hold">
+                                          <p:stCondLst>
+                                            <p:cond delay="0"/>
+                                          </p:stCondLst>
+                                        </p:cTn>
+                                        <p:tgtEl>
+                                          <p:spTgt spid="2">
+                                            <p:txEl>
+                                              <p:pRg st="1" end="1"/>
+                                            </p:txEl>
+                                          </p:spTgt>
+                                        </p:tgtEl>
+                                        <p:attrNameLst>
+                                          <p:attrName>style.visibility</p:attrName>
+                                        </p:attrNameLst>
+                                      </p:cBhvr>
+                                      <p:to>
+                                        <p:strVal val="visible"/>
+                                      </p:to>
+                                    </p:set>
+                                    <p:animEffect transition="in" filter="strips(downLeft)">
+                                      <p:cBhvr>
+                                        <p:cTn id="10" dur="500"/>
+                                        <p:tgtEl>
+                                          <p:spTgt spid="2">
+                                            <p:txEl>
+                                              <p:pRg st="1" end="1"/>
+                                            </p:txEl>
+                                          </p:spTgt>
+                                        </p:tgtEl>
+                                      </p:cBhvr>
+                                    </p:animEffect>
+                                  </p:childTnLst>
+                                </p:cTn>
+                              </p:par>
+                            </p:childTnLst>
+                          </p:cTn>
+                        </p:par>
+                      </p:childTnLst>
+                    </p:cTn>
+                  </p:par>
+                </p:childTnLst>
+              </p:cTn>
+              <p:prevCondLst>
+                <p:cond evt="onPrev" delay="0">
+                  <p:tgtEl>
+                    <p:sldTgt/>
+                  </p:tgtEl>
+                </p:cond>
+              </p:prevCondLst>
+              <p:nextCondLst>
+                <p:cond evt="onNext" delay="0">
+                  <p:tgtEl>
+                    <p:sldTgt/>
+                  </p:tgtEl>
+                </p:cond>
+              </p:nextCondLst>
+            </p:seq>
+          </p:childTnLst>
+        </p:cTn>
+      </p:par>
+    </p:tnLst>
+  </p:timing>
 </p:sld>
 </file>
 
@@ -9002,17 +9749,73 @@
             <a:avLst/>
           </a:prstGeom>
           <a:noFill/>
-          <a:extLst>
-            <a:ext uri="{909E8E84-426E-40DD-AFC4-6F175D3DCCD1}">
-              <a14:hiddenFill xmlns:a14="http://schemas.microsoft.com/office/drawing/2010/main">
-                <a:solidFill>
-                  <a:srgbClr val="FFFFFF"/>
-                </a:solidFill>
-              </a14:hiddenFill>
-            </a:ext>
-          </a:extLst>
+          <a:extLst/>
         </p:spPr>
       </p:pic>
+      <p:sp>
+        <p:nvSpPr>
+          <p:cNvPr id="4" name="Szövegdoboz 3">
+            <a:extLst>
+              <a:ext uri="{FF2B5EF4-FFF2-40B4-BE49-F238E27FC236}">
+                <a16:creationId xmlns:a16="http://schemas.microsoft.com/office/drawing/2014/main" id="{14EA37CB-C533-4153-A868-FB8D12258A5D}"/>
+              </a:ext>
+            </a:extLst>
+          </p:cNvPr>
+          <p:cNvSpPr txBox="1"/>
+          <p:nvPr/>
+        </p:nvSpPr>
+        <p:spPr>
+          <a:xfrm>
+            <a:off x="3102857" y="2197894"/>
+            <a:ext cx="6767335" cy="1231106"/>
+          </a:xfrm>
+          <a:prstGeom prst="rect">
+            <a:avLst/>
+          </a:prstGeom>
+          <a:noFill/>
+        </p:spPr>
+        <p:txBody>
+          <a:bodyPr wrap="square" rtlCol="0">
+            <a:spAutoFit/>
+          </a:bodyPr>
+          <a:lstStyle/>
+          <a:p>
+            <a:pPr marL="285750" indent="-285750">
+              <a:buFont typeface="Wingdings" panose="05000000000000000000" pitchFamily="2" charset="2"/>
+              <a:buChar char="§"/>
+            </a:pPr>
+            <a:r>
+              <a:rPr lang="hu-HU" sz="2800" dirty="0">
+                <a:solidFill>
+                  <a:srgbClr val="CD6799"/>
+                </a:solidFill>
+                <a:latin typeface="Segoe UI Black" panose="020B0A02040204020203" pitchFamily="34" charset="0"/>
+                <a:ea typeface="Segoe UI Black" panose="020B0A02040204020203" pitchFamily="34" charset="0"/>
+              </a:rPr>
+              <a:t>A</a:t>
+            </a:r>
+          </a:p>
+          <a:p>
+            <a:pPr marL="285750" indent="-285750">
+              <a:buFont typeface="Wingdings" panose="05000000000000000000" pitchFamily="2" charset="2"/>
+              <a:buChar char="§"/>
+            </a:pPr>
+            <a:r>
+              <a:rPr lang="hu-HU" sz="2800" dirty="0">
+                <a:solidFill>
+                  <a:srgbClr val="CD6799"/>
+                </a:solidFill>
+                <a:latin typeface="Segoe UI Black" panose="020B0A02040204020203" pitchFamily="34" charset="0"/>
+                <a:ea typeface="Segoe UI Black" panose="020B0A02040204020203" pitchFamily="34" charset="0"/>
+              </a:rPr>
+              <a:t>A</a:t>
+            </a:r>
+          </a:p>
+          <a:p>
+            <a:endParaRPr lang="hu-HU" dirty="0"/>
+          </a:p>
+        </p:txBody>
+      </p:sp>
     </p:spTree>
     <p:extLst>
       <p:ext uri="{BB962C8B-B14F-4D97-AF65-F5344CB8AC3E}">
@@ -9137,6 +9940,70 @@
           </a:solidFill>
         </p:spPr>
       </p:pic>
+      <p:sp>
+        <p:nvSpPr>
+          <p:cNvPr id="4" name="Szövegdoboz 3">
+            <a:extLst>
+              <a:ext uri="{FF2B5EF4-FFF2-40B4-BE49-F238E27FC236}">
+                <a16:creationId xmlns:a16="http://schemas.microsoft.com/office/drawing/2014/main" id="{2A3E2DDB-080C-4B7B-A2E6-717251DED09E}"/>
+              </a:ext>
+            </a:extLst>
+          </p:cNvPr>
+          <p:cNvSpPr txBox="1"/>
+          <p:nvPr/>
+        </p:nvSpPr>
+        <p:spPr>
+          <a:xfrm>
+            <a:off x="2712332" y="2197894"/>
+            <a:ext cx="6767335" cy="1231106"/>
+          </a:xfrm>
+          <a:prstGeom prst="rect">
+            <a:avLst/>
+          </a:prstGeom>
+          <a:noFill/>
+        </p:spPr>
+        <p:txBody>
+          <a:bodyPr wrap="square" rtlCol="0">
+            <a:spAutoFit/>
+          </a:bodyPr>
+          <a:lstStyle/>
+          <a:p>
+            <a:pPr marL="285750" indent="-285750">
+              <a:buFont typeface="Wingdings" panose="05000000000000000000" pitchFamily="2" charset="2"/>
+              <a:buChar char="§"/>
+            </a:pPr>
+            <a:r>
+              <a:rPr lang="hu-HU" sz="2800" dirty="0">
+                <a:solidFill>
+                  <a:srgbClr val="F3F7F7"/>
+                </a:solidFill>
+                <a:latin typeface="Segoe UI Black" panose="020B0A02040204020203" pitchFamily="34" charset="0"/>
+                <a:ea typeface="Segoe UI Black" panose="020B0A02040204020203" pitchFamily="34" charset="0"/>
+              </a:rPr>
+              <a:t>A</a:t>
+            </a:r>
+          </a:p>
+          <a:p>
+            <a:pPr marL="285750" indent="-285750">
+              <a:buFont typeface="Wingdings" panose="05000000000000000000" pitchFamily="2" charset="2"/>
+              <a:buChar char="§"/>
+            </a:pPr>
+            <a:r>
+              <a:rPr lang="hu-HU" sz="2800" dirty="0">
+                <a:solidFill>
+                  <a:srgbClr val="F3F7F7"/>
+                </a:solidFill>
+                <a:latin typeface="Segoe UI Black" panose="020B0A02040204020203" pitchFamily="34" charset="0"/>
+                <a:ea typeface="Segoe UI Black" panose="020B0A02040204020203" pitchFamily="34" charset="0"/>
+              </a:rPr>
+              <a:t>A</a:t>
+            </a:r>
+          </a:p>
+          <a:p>
+            <a:endParaRPr lang="hu-HU" dirty="0"/>
+          </a:p>
+        </p:txBody>
+      </p:sp>
     </p:spTree>
     <p:extLst>
       <p:ext uri="{BB962C8B-B14F-4D97-AF65-F5344CB8AC3E}">
@@ -9883,6 +10750,711 @@
           <a:chExt cx="0" cy="0"/>
         </a:xfrm>
       </p:grpSpPr>
+      <p:grpSp>
+        <p:nvGrpSpPr>
+          <p:cNvPr id="3" name="Group 2"/>
+          <p:cNvGrpSpPr/>
+          <p:nvPr/>
+        </p:nvGrpSpPr>
+        <p:grpSpPr>
+          <a:xfrm>
+            <a:off x="880044" y="293914"/>
+            <a:ext cx="4784269" cy="6270171"/>
+            <a:chOff x="880044" y="293914"/>
+            <a:chExt cx="4784269" cy="6270171"/>
+          </a:xfrm>
+        </p:grpSpPr>
+        <p:sp>
+          <p:nvSpPr>
+            <p:cNvPr id="4" name="Téglalap: lekerekített 3">
+              <a:extLst>
+                <a:ext uri="{FF2B5EF4-FFF2-40B4-BE49-F238E27FC236}">
+                  <a16:creationId xmlns:a16="http://schemas.microsoft.com/office/drawing/2014/main" id="{BC187220-8284-1B2B-8CE3-7C613265D444}"/>
+                </a:ext>
+              </a:extLst>
+            </p:cNvPr>
+            <p:cNvSpPr/>
+            <p:nvPr/>
+          </p:nvSpPr>
+          <p:spPr>
+            <a:xfrm>
+              <a:off x="880044" y="293914"/>
+              <a:ext cx="4784269" cy="6270171"/>
+            </a:xfrm>
+            <a:prstGeom prst="roundRect">
+              <a:avLst>
+                <a:gd name="adj" fmla="val 4094"/>
+              </a:avLst>
+            </a:prstGeom>
+            <a:solidFill>
+              <a:schemeClr val="bg1">
+                <a:alpha val="80000"/>
+              </a:schemeClr>
+            </a:solidFill>
+            <a:ln w="120650" cap="sq">
+              <a:noFill/>
+              <a:round/>
+            </a:ln>
+          </p:spPr>
+          <p:style>
+            <a:lnRef idx="2">
+              <a:schemeClr val="accent1">
+                <a:shade val="15000"/>
+              </a:schemeClr>
+            </a:lnRef>
+            <a:fillRef idx="1">
+              <a:schemeClr val="accent1"/>
+            </a:fillRef>
+            <a:effectRef idx="0">
+              <a:schemeClr val="accent1"/>
+            </a:effectRef>
+            <a:fontRef idx="minor">
+              <a:schemeClr val="lt1"/>
+            </a:fontRef>
+          </p:style>
+          <p:txBody>
+            <a:bodyPr rtlCol="0" anchor="ctr"/>
+            <a:lstStyle/>
+            <a:p>
+              <a:pPr algn="ctr"/>
+              <a:endParaRPr lang="hu-HU" dirty="0"/>
+            </a:p>
+          </p:txBody>
+        </p:sp>
+        <p:sp>
+          <p:nvSpPr>
+            <p:cNvPr id="6" name="Szövegdoboz 5">
+              <a:extLst>
+                <a:ext uri="{FF2B5EF4-FFF2-40B4-BE49-F238E27FC236}">
+                  <a16:creationId xmlns:a16="http://schemas.microsoft.com/office/drawing/2014/main" id="{5B6AC857-2A98-66B3-8AC9-33FBAB3EDDF5}"/>
+                </a:ext>
+              </a:extLst>
+            </p:cNvPr>
+            <p:cNvSpPr txBox="1"/>
+            <p:nvPr/>
+          </p:nvSpPr>
+          <p:spPr>
+            <a:xfrm>
+              <a:off x="1128030" y="1597693"/>
+              <a:ext cx="4095750" cy="2031325"/>
+            </a:xfrm>
+            <a:prstGeom prst="rect">
+              <a:avLst/>
+            </a:prstGeom>
+            <a:noFill/>
+          </p:spPr>
+          <p:txBody>
+            <a:bodyPr wrap="square" rtlCol="0">
+              <a:spAutoFit/>
+            </a:bodyPr>
+            <a:lstStyle/>
+            <a:p>
+              <a:pPr algn="just"/>
+              <a:r>
+                <a:rPr lang="en-US" b="1" i="0" dirty="0">
+                  <a:solidFill>
+                    <a:srgbClr val="5019B3"/>
+                  </a:solidFill>
+                  <a:effectLst/>
+                  <a:latin typeface="Rubik"/>
+                </a:rPr>
+                <a:t>In </a:t>
+              </a:r>
+              <a:r>
+                <a:rPr lang="en-US" b="1" i="0" dirty="0" err="1">
+                  <a:solidFill>
+                    <a:srgbClr val="5019B3"/>
+                  </a:solidFill>
+                  <a:effectLst/>
+                  <a:latin typeface="Rubik"/>
+                </a:rPr>
+                <a:t>Pygame</a:t>
+              </a:r>
+              <a:r>
+                <a:rPr lang="en-US" b="1" i="0" dirty="0">
+                  <a:solidFill>
+                    <a:srgbClr val="5019B3"/>
+                  </a:solidFill>
+                  <a:effectLst/>
+                  <a:latin typeface="Rubik"/>
+                </a:rPr>
+                <a:t>, a sprite is an object that represents a game element. It can be an image, animation, or any other visual element in a game. </a:t>
+              </a:r>
+              <a:r>
+                <a:rPr lang="en-US" b="1" i="0" dirty="0" err="1">
+                  <a:solidFill>
+                    <a:srgbClr val="5019B3"/>
+                  </a:solidFill>
+                  <a:effectLst/>
+                  <a:latin typeface="Rubik"/>
+                </a:rPr>
+                <a:t>Pygame</a:t>
+              </a:r>
+              <a:r>
+                <a:rPr lang="en-US" b="1" i="0" dirty="0">
+                  <a:solidFill>
+                    <a:srgbClr val="5019B3"/>
+                  </a:solidFill>
+                  <a:effectLst/>
+                  <a:latin typeface="Rubik"/>
+                </a:rPr>
+                <a:t> provides a Sprite class that you can use to create and manage sprites efficiently.</a:t>
+              </a:r>
+              <a:br>
+                <a:rPr lang="en-US" dirty="0"/>
+              </a:br>
+              <a:endParaRPr lang="hu-HU" dirty="0"/>
+            </a:p>
+          </p:txBody>
+        </p:sp>
+        <p:sp>
+          <p:nvSpPr>
+            <p:cNvPr id="7" name="Szövegdoboz 6">
+              <a:extLst>
+                <a:ext uri="{FF2B5EF4-FFF2-40B4-BE49-F238E27FC236}">
+                  <a16:creationId xmlns:a16="http://schemas.microsoft.com/office/drawing/2014/main" id="{7819F685-963E-271F-BC1B-FDA54155C9CE}"/>
+                </a:ext>
+              </a:extLst>
+            </p:cNvPr>
+            <p:cNvSpPr txBox="1"/>
+            <p:nvPr/>
+          </p:nvSpPr>
+          <p:spPr>
+            <a:xfrm>
+              <a:off x="1647142" y="735919"/>
+              <a:ext cx="3057525" cy="861774"/>
+            </a:xfrm>
+            <a:prstGeom prst="rect">
+              <a:avLst/>
+            </a:prstGeom>
+            <a:noFill/>
+          </p:spPr>
+          <p:txBody>
+            <a:bodyPr wrap="square" rtlCol="0">
+              <a:spAutoFit/>
+            </a:bodyPr>
+            <a:lstStyle/>
+            <a:p>
+              <a:pPr algn="ctr"/>
+              <a:r>
+                <a:rPr lang="hu-HU" sz="3200" b="1" i="0" dirty="0">
+                  <a:solidFill>
+                    <a:srgbClr val="5019B3"/>
+                  </a:solidFill>
+                  <a:effectLst/>
+                  <a:latin typeface="Rubik"/>
+                </a:rPr>
+                <a:t>Mi is az a </a:t>
+              </a:r>
+              <a:r>
+                <a:rPr lang="hu-HU" sz="3200" b="1" i="0" dirty="0" err="1">
+                  <a:solidFill>
+                    <a:srgbClr val="5019B3"/>
+                  </a:solidFill>
+                  <a:effectLst/>
+                  <a:latin typeface="Rubik"/>
+                </a:rPr>
+                <a:t>sprite</a:t>
+              </a:r>
+              <a:r>
+                <a:rPr lang="hu-HU" sz="3200" b="1" i="0" dirty="0">
+                  <a:solidFill>
+                    <a:srgbClr val="5019B3"/>
+                  </a:solidFill>
+                  <a:effectLst/>
+                  <a:latin typeface="Rubik"/>
+                </a:rPr>
+                <a:t>?</a:t>
+              </a:r>
+            </a:p>
+            <a:p>
+              <a:endParaRPr lang="hu-HU" dirty="0"/>
+            </a:p>
+          </p:txBody>
+        </p:sp>
+      </p:grpSp>
+      <p:grpSp>
+        <p:nvGrpSpPr>
+          <p:cNvPr id="2" name="Group 1"/>
+          <p:cNvGrpSpPr/>
+          <p:nvPr/>
+        </p:nvGrpSpPr>
+        <p:grpSpPr>
+          <a:xfrm>
+            <a:off x="6527686" y="378290"/>
+            <a:ext cx="4784269" cy="2811242"/>
+            <a:chOff x="6527686" y="378290"/>
+            <a:chExt cx="4784269" cy="2811242"/>
+          </a:xfrm>
+        </p:grpSpPr>
+        <p:sp>
+          <p:nvSpPr>
+            <p:cNvPr id="5" name="Téglalap: lekerekített 4">
+              <a:extLst>
+                <a:ext uri="{FF2B5EF4-FFF2-40B4-BE49-F238E27FC236}">
+                  <a16:creationId xmlns:a16="http://schemas.microsoft.com/office/drawing/2014/main" id="{B74CBF98-6A67-702F-008D-E30CBEB44963}"/>
+                </a:ext>
+              </a:extLst>
+            </p:cNvPr>
+            <p:cNvSpPr/>
+            <p:nvPr/>
+          </p:nvSpPr>
+          <p:spPr>
+            <a:xfrm>
+              <a:off x="6527686" y="378290"/>
+              <a:ext cx="4784269" cy="2811242"/>
+            </a:xfrm>
+            <a:prstGeom prst="roundRect">
+              <a:avLst>
+                <a:gd name="adj" fmla="val 4094"/>
+              </a:avLst>
+            </a:prstGeom>
+            <a:solidFill>
+              <a:schemeClr val="bg1">
+                <a:alpha val="80000"/>
+              </a:schemeClr>
+            </a:solidFill>
+            <a:ln w="120650" cap="sq">
+              <a:noFill/>
+              <a:round/>
+            </a:ln>
+          </p:spPr>
+          <p:style>
+            <a:lnRef idx="2">
+              <a:schemeClr val="accent1">
+                <a:shade val="15000"/>
+              </a:schemeClr>
+            </a:lnRef>
+            <a:fillRef idx="1">
+              <a:schemeClr val="accent1"/>
+            </a:fillRef>
+            <a:effectRef idx="0">
+              <a:schemeClr val="accent1"/>
+            </a:effectRef>
+            <a:fontRef idx="minor">
+              <a:schemeClr val="lt1"/>
+            </a:fontRef>
+          </p:style>
+          <p:txBody>
+            <a:bodyPr rtlCol="0" anchor="ctr"/>
+            <a:lstStyle/>
+            <a:p>
+              <a:pPr algn="ctr"/>
+              <a:r>
+                <a:rPr lang="hu-HU" dirty="0"/>
+                <a:t> </a:t>
+              </a:r>
+            </a:p>
+          </p:txBody>
+        </p:sp>
+        <p:pic>
+          <p:nvPicPr>
+            <p:cNvPr id="1026" name="Picture 2">
+              <a:extLst>
+                <a:ext uri="{FF2B5EF4-FFF2-40B4-BE49-F238E27FC236}">
+                  <a16:creationId xmlns:a16="http://schemas.microsoft.com/office/drawing/2014/main" id="{7A82368D-859C-5EE3-8D89-77E6D75EAD7D}"/>
+                </a:ext>
+              </a:extLst>
+            </p:cNvPr>
+            <p:cNvPicPr>
+              <a:picLocks noChangeAspect="1" noChangeArrowheads="1"/>
+            </p:cNvPicPr>
+            <p:nvPr/>
+          </p:nvPicPr>
+          <p:blipFill>
+            <a:blip r:embed="rId2">
+              <a:extLst>
+                <a:ext uri="{28A0092B-C50C-407E-A947-70E740481C1C}">
+                  <a14:useLocalDpi xmlns:a14="http://schemas.microsoft.com/office/drawing/2010/main" val="0"/>
+                </a:ext>
+              </a:extLst>
+            </a:blip>
+            <a:srcRect/>
+            <a:stretch>
+              <a:fillRect/>
+            </a:stretch>
+          </p:blipFill>
+          <p:spPr bwMode="auto">
+            <a:xfrm>
+              <a:off x="6725670" y="1166806"/>
+              <a:ext cx="4388302" cy="1234210"/>
+            </a:xfrm>
+            <a:prstGeom prst="rect">
+              <a:avLst/>
+            </a:prstGeom>
+            <a:noFill/>
+            <a:extLst>
+              <a:ext uri="{909E8E84-426E-40DD-AFC4-6F175D3DCCD1}">
+                <a14:hiddenFill xmlns:a14="http://schemas.microsoft.com/office/drawing/2010/main">
+                  <a:solidFill>
+                    <a:srgbClr val="FFFFFF"/>
+                  </a:solidFill>
+                </a14:hiddenFill>
+              </a:ext>
+            </a:extLst>
+          </p:spPr>
+        </p:pic>
+      </p:grpSp>
+      <p:grpSp>
+        <p:nvGrpSpPr>
+          <p:cNvPr id="10" name="Group 9"/>
+          <p:cNvGrpSpPr/>
+          <p:nvPr/>
+        </p:nvGrpSpPr>
+        <p:grpSpPr>
+          <a:xfrm>
+            <a:off x="6527687" y="3629018"/>
+            <a:ext cx="4784269" cy="2811242"/>
+            <a:chOff x="6527687" y="3629018"/>
+            <a:chExt cx="4784269" cy="2811242"/>
+          </a:xfrm>
+        </p:grpSpPr>
+        <p:sp>
+          <p:nvSpPr>
+            <p:cNvPr id="8" name="Téglalap: lekerekített 7">
+              <a:extLst>
+                <a:ext uri="{FF2B5EF4-FFF2-40B4-BE49-F238E27FC236}">
+                  <a16:creationId xmlns:a16="http://schemas.microsoft.com/office/drawing/2014/main" id="{104486A8-B0E8-F708-7D72-B551D3E54053}"/>
+                </a:ext>
+              </a:extLst>
+            </p:cNvPr>
+            <p:cNvSpPr/>
+            <p:nvPr/>
+          </p:nvSpPr>
+          <p:spPr>
+            <a:xfrm>
+              <a:off x="6527687" y="3629018"/>
+              <a:ext cx="4784269" cy="2811242"/>
+            </a:xfrm>
+            <a:prstGeom prst="roundRect">
+              <a:avLst>
+                <a:gd name="adj" fmla="val 4094"/>
+              </a:avLst>
+            </a:prstGeom>
+            <a:solidFill>
+              <a:schemeClr val="bg1">
+                <a:alpha val="80000"/>
+              </a:schemeClr>
+            </a:solidFill>
+            <a:ln w="120650" cap="sq">
+              <a:noFill/>
+              <a:round/>
+            </a:ln>
+          </p:spPr>
+          <p:style>
+            <a:lnRef idx="2">
+              <a:schemeClr val="accent1">
+                <a:shade val="15000"/>
+              </a:schemeClr>
+            </a:lnRef>
+            <a:fillRef idx="1">
+              <a:schemeClr val="accent1"/>
+            </a:fillRef>
+            <a:effectRef idx="0">
+              <a:schemeClr val="accent1"/>
+            </a:effectRef>
+            <a:fontRef idx="minor">
+              <a:schemeClr val="lt1"/>
+            </a:fontRef>
+          </p:style>
+          <p:txBody>
+            <a:bodyPr rtlCol="0" anchor="ctr"/>
+            <a:lstStyle/>
+            <a:p>
+              <a:pPr algn="ctr"/>
+              <a:endParaRPr lang="hu-HU" dirty="0"/>
+            </a:p>
+          </p:txBody>
+        </p:sp>
+        <p:pic>
+          <p:nvPicPr>
+            <p:cNvPr id="9" name="Kép 8">
+              <a:extLst>
+                <a:ext uri="{FF2B5EF4-FFF2-40B4-BE49-F238E27FC236}">
+                  <a16:creationId xmlns:a16="http://schemas.microsoft.com/office/drawing/2014/main" id="{5B790B36-93CA-4AF6-AADC-C651C05A2519}"/>
+                </a:ext>
+              </a:extLst>
+            </p:cNvPr>
+            <p:cNvPicPr>
+              <a:picLocks noChangeAspect="1"/>
+            </p:cNvPicPr>
+            <p:nvPr/>
+          </p:nvPicPr>
+          <p:blipFill>
+            <a:blip r:embed="rId3"/>
+            <a:stretch>
+              <a:fillRect/>
+            </a:stretch>
+          </p:blipFill>
+          <p:spPr>
+            <a:xfrm>
+              <a:off x="6987125" y="3738021"/>
+              <a:ext cx="3865390" cy="2593236"/>
+            </a:xfrm>
+            <a:prstGeom prst="roundRect">
+              <a:avLst>
+                <a:gd name="adj" fmla="val 2289"/>
+              </a:avLst>
+            </a:prstGeom>
+          </p:spPr>
+        </p:pic>
+      </p:grpSp>
+    </p:spTree>
+    <p:extLst>
+      <p:ext uri="{BB962C8B-B14F-4D97-AF65-F5344CB8AC3E}">
+        <p14:creationId xmlns:p14="http://schemas.microsoft.com/office/powerpoint/2010/main" val="3971971737"/>
+      </p:ext>
+    </p:extLst>
+  </p:cSld>
+  <p:clrMapOvr>
+    <a:masterClrMapping/>
+  </p:clrMapOvr>
+  <p:transition spd="slow">
+    <p:push dir="u"/>
+  </p:transition>
+  <p:timing>
+    <p:tnLst>
+      <p:par>
+        <p:cTn id="1" dur="indefinite" restart="never" nodeType="tmRoot">
+          <p:childTnLst>
+            <p:seq concurrent="1" nextAc="seek">
+              <p:cTn id="2" dur="indefinite" nodeType="mainSeq">
+                <p:childTnLst>
+                  <p:par>
+                    <p:cTn id="3" fill="hold">
+                      <p:stCondLst>
+                        <p:cond delay="indefinite"/>
+                        <p:cond evt="onBegin" delay="0">
+                          <p:tn val="2"/>
+                        </p:cond>
+                      </p:stCondLst>
+                      <p:childTnLst>
+                        <p:par>
+                          <p:cTn id="4" fill="hold">
+                            <p:stCondLst>
+                              <p:cond delay="0"/>
+                            </p:stCondLst>
+                            <p:childTnLst>
+                              <p:par>
+                                <p:cTn id="5" presetID="2" presetClass="entr" presetSubtype="4" fill="hold" nodeType="withEffect">
+                                  <p:stCondLst>
+                                    <p:cond delay="0"/>
+                                  </p:stCondLst>
+                                  <p:childTnLst>
+                                    <p:set>
+                                      <p:cBhvr>
+                                        <p:cTn id="6" dur="1" fill="hold">
+                                          <p:stCondLst>
+                                            <p:cond delay="0"/>
+                                          </p:stCondLst>
+                                        </p:cTn>
+                                        <p:tgtEl>
+                                          <p:spTgt spid="3"/>
+                                        </p:tgtEl>
+                                        <p:attrNameLst>
+                                          <p:attrName>style.visibility</p:attrName>
+                                        </p:attrNameLst>
+                                      </p:cBhvr>
+                                      <p:to>
+                                        <p:strVal val="visible"/>
+                                      </p:to>
+                                    </p:set>
+                                    <p:anim calcmode="lin" valueType="num">
+                                      <p:cBhvr additive="base">
+                                        <p:cTn id="7" dur="1000" fill="hold"/>
+                                        <p:tgtEl>
+                                          <p:spTgt spid="3"/>
+                                        </p:tgtEl>
+                                        <p:attrNameLst>
+                                          <p:attrName>ppt_x</p:attrName>
+                                        </p:attrNameLst>
+                                      </p:cBhvr>
+                                      <p:tavLst>
+                                        <p:tav tm="0">
+                                          <p:val>
+                                            <p:strVal val="#ppt_x"/>
+                                          </p:val>
+                                        </p:tav>
+                                        <p:tav tm="100000">
+                                          <p:val>
+                                            <p:strVal val="#ppt_x"/>
+                                          </p:val>
+                                        </p:tav>
+                                      </p:tavLst>
+                                    </p:anim>
+                                    <p:anim calcmode="lin" valueType="num">
+                                      <p:cBhvr additive="base">
+                                        <p:cTn id="8" dur="1000" fill="hold"/>
+                                        <p:tgtEl>
+                                          <p:spTgt spid="3"/>
+                                        </p:tgtEl>
+                                        <p:attrNameLst>
+                                          <p:attrName>ppt_y</p:attrName>
+                                        </p:attrNameLst>
+                                      </p:cBhvr>
+                                      <p:tavLst>
+                                        <p:tav tm="0">
+                                          <p:val>
+                                            <p:strVal val="1+#ppt_h/2"/>
+                                          </p:val>
+                                        </p:tav>
+                                        <p:tav tm="100000">
+                                          <p:val>
+                                            <p:strVal val="#ppt_y"/>
+                                          </p:val>
+                                        </p:tav>
+                                      </p:tavLst>
+                                    </p:anim>
+                                  </p:childTnLst>
+                                </p:cTn>
+                              </p:par>
+                            </p:childTnLst>
+                          </p:cTn>
+                        </p:par>
+                      </p:childTnLst>
+                    </p:cTn>
+                  </p:par>
+                  <p:par>
+                    <p:cTn id="9" fill="hold">
+                      <p:stCondLst>
+                        <p:cond delay="indefinite"/>
+                      </p:stCondLst>
+                      <p:childTnLst>
+                        <p:par>
+                          <p:cTn id="10" fill="hold">
+                            <p:stCondLst>
+                              <p:cond delay="0"/>
+                            </p:stCondLst>
+                            <p:childTnLst>
+                              <p:par>
+                                <p:cTn id="11" presetID="2" presetClass="entr" presetSubtype="4" fill="hold" nodeType="clickEffect">
+                                  <p:stCondLst>
+                                    <p:cond delay="0"/>
+                                  </p:stCondLst>
+                                  <p:childTnLst>
+                                    <p:set>
+                                      <p:cBhvr>
+                                        <p:cTn id="12" dur="1" fill="hold">
+                                          <p:stCondLst>
+                                            <p:cond delay="0"/>
+                                          </p:stCondLst>
+                                        </p:cTn>
+                                        <p:tgtEl>
+                                          <p:spTgt spid="2"/>
+                                        </p:tgtEl>
+                                        <p:attrNameLst>
+                                          <p:attrName>style.visibility</p:attrName>
+                                        </p:attrNameLst>
+                                      </p:cBhvr>
+                                      <p:to>
+                                        <p:strVal val="visible"/>
+                                      </p:to>
+                                    </p:set>
+                                    <p:anim calcmode="lin" valueType="num">
+                                      <p:cBhvr additive="base">
+                                        <p:cTn id="13" dur="1000" fill="hold"/>
+                                        <p:tgtEl>
+                                          <p:spTgt spid="2"/>
+                                        </p:tgtEl>
+                                        <p:attrNameLst>
+                                          <p:attrName>ppt_x</p:attrName>
+                                        </p:attrNameLst>
+                                      </p:cBhvr>
+                                      <p:tavLst>
+                                        <p:tav tm="0">
+                                          <p:val>
+                                            <p:strVal val="#ppt_x"/>
+                                          </p:val>
+                                        </p:tav>
+                                        <p:tav tm="100000">
+                                          <p:val>
+                                            <p:strVal val="#ppt_x"/>
+                                          </p:val>
+                                        </p:tav>
+                                      </p:tavLst>
+                                    </p:anim>
+                                    <p:anim calcmode="lin" valueType="num">
+                                      <p:cBhvr additive="base">
+                                        <p:cTn id="14" dur="1000" fill="hold"/>
+                                        <p:tgtEl>
+                                          <p:spTgt spid="2"/>
+                                        </p:tgtEl>
+                                        <p:attrNameLst>
+                                          <p:attrName>ppt_y</p:attrName>
+                                        </p:attrNameLst>
+                                      </p:cBhvr>
+                                      <p:tavLst>
+                                        <p:tav tm="0">
+                                          <p:val>
+                                            <p:strVal val="1+#ppt_h/2"/>
+                                          </p:val>
+                                        </p:tav>
+                                        <p:tav tm="100000">
+                                          <p:val>
+                                            <p:strVal val="#ppt_y"/>
+                                          </p:val>
+                                        </p:tav>
+                                      </p:tavLst>
+                                    </p:anim>
+                                  </p:childTnLst>
+                                </p:cTn>
+                              </p:par>
+                            </p:childTnLst>
+                          </p:cTn>
+                        </p:par>
+                      </p:childTnLst>
+                    </p:cTn>
+                  </p:par>
+                </p:childTnLst>
+              </p:cTn>
+              <p:prevCondLst>
+                <p:cond evt="onPrev" delay="0">
+                  <p:tgtEl>
+                    <p:sldTgt/>
+                  </p:tgtEl>
+                </p:cond>
+              </p:prevCondLst>
+              <p:nextCondLst>
+                <p:cond evt="onNext" delay="0">
+                  <p:tgtEl>
+                    <p:sldTgt/>
+                  </p:tgtEl>
+                </p:cond>
+              </p:nextCondLst>
+            </p:seq>
+          </p:childTnLst>
+        </p:cTn>
+      </p:par>
+    </p:tnLst>
+  </p:timing>
+</p:sld>
+</file>
+
+<file path=ppt/slides/slide9.xml><?xml version="1.0" encoding="utf-8"?>
+<p:sld xmlns:a="http://schemas.openxmlformats.org/drawingml/2006/main" xmlns:r="http://schemas.openxmlformats.org/officeDocument/2006/relationships" xmlns:p="http://schemas.openxmlformats.org/presentationml/2006/main">
+  <p:cSld>
+    <p:bg>
+      <p:bgPr>
+        <a:solidFill>
+          <a:srgbClr val="5019B3"/>
+        </a:solidFill>
+        <a:effectLst/>
+      </p:bgPr>
+    </p:bg>
+    <p:spTree>
+      <p:nvGrpSpPr>
+        <p:cNvPr id="1" name=""/>
+        <p:cNvGrpSpPr/>
+        <p:nvPr/>
+      </p:nvGrpSpPr>
+      <p:grpSpPr>
+        <a:xfrm>
+          <a:off x="0" y="0"/>
+          <a:ext cx="0" cy="0"/>
+          <a:chOff x="0" y="0"/>
+          <a:chExt cx="0" cy="0"/>
+        </a:xfrm>
+      </p:grpSpPr>
       <p:sp>
         <p:nvSpPr>
           <p:cNvPr id="4" name="Téglalap: lekerekített 3">
@@ -10231,278 +11803,6 @@
                                     <p:anim calcmode="lin" valueType="num">
                                       <p:cBhvr additive="base">
                                         <p:cTn id="8" dur="1000" fill="hold"/>
-                                        <p:tgtEl>
-                                          <p:spTgt spid="5"/>
-                                        </p:tgtEl>
-                                        <p:attrNameLst>
-                                          <p:attrName>ppt_y</p:attrName>
-                                        </p:attrNameLst>
-                                      </p:cBhvr>
-                                      <p:tavLst>
-                                        <p:tav tm="0">
-                                          <p:val>
-                                            <p:strVal val="1+#ppt_h/2"/>
-                                          </p:val>
-                                        </p:tav>
-                                        <p:tav tm="100000">
-                                          <p:val>
-                                            <p:strVal val="#ppt_y"/>
-                                          </p:val>
-                                        </p:tav>
-                                      </p:tavLst>
-                                    </p:anim>
-                                  </p:childTnLst>
-                                </p:cTn>
-                              </p:par>
-                            </p:childTnLst>
-                          </p:cTn>
-                        </p:par>
-                      </p:childTnLst>
-                    </p:cTn>
-                  </p:par>
-                </p:childTnLst>
-              </p:cTn>
-              <p:prevCondLst>
-                <p:cond evt="onPrev" delay="0">
-                  <p:tgtEl>
-                    <p:sldTgt/>
-                  </p:tgtEl>
-                </p:cond>
-              </p:prevCondLst>
-              <p:nextCondLst>
-                <p:cond evt="onNext" delay="0">
-                  <p:tgtEl>
-                    <p:sldTgt/>
-                  </p:tgtEl>
-                </p:cond>
-              </p:nextCondLst>
-            </p:seq>
-          </p:childTnLst>
-        </p:cTn>
-      </p:par>
-    </p:tnLst>
-    <p:bldLst>
-      <p:bldP spid="5" grpId="0" animBg="1"/>
-    </p:bldLst>
-  </p:timing>
-</p:sld>
-</file>
-
-<file path=ppt/slides/slide9.xml><?xml version="1.0" encoding="utf-8"?>
-<p:sld xmlns:a="http://schemas.openxmlformats.org/drawingml/2006/main" xmlns:r="http://schemas.openxmlformats.org/officeDocument/2006/relationships" xmlns:p="http://schemas.openxmlformats.org/presentationml/2006/main">
-  <p:cSld>
-    <p:bg>
-      <p:bgPr>
-        <a:solidFill>
-          <a:srgbClr val="5019B3"/>
-        </a:solidFill>
-        <a:effectLst/>
-      </p:bgPr>
-    </p:bg>
-    <p:spTree>
-      <p:nvGrpSpPr>
-        <p:cNvPr id="1" name=""/>
-        <p:cNvGrpSpPr/>
-        <p:nvPr/>
-      </p:nvGrpSpPr>
-      <p:grpSpPr>
-        <a:xfrm>
-          <a:off x="0" y="0"/>
-          <a:ext cx="0" cy="0"/>
-          <a:chOff x="0" y="0"/>
-          <a:chExt cx="0" cy="0"/>
-        </a:xfrm>
-      </p:grpSpPr>
-      <p:sp>
-        <p:nvSpPr>
-          <p:cNvPr id="2" name="Cím 1">
-            <a:extLst>
-              <a:ext uri="{FF2B5EF4-FFF2-40B4-BE49-F238E27FC236}">
-                <a16:creationId xmlns:a16="http://schemas.microsoft.com/office/drawing/2014/main" id="{D1CE9B8A-DB08-5227-4E90-0FE396A4D141}"/>
-              </a:ext>
-            </a:extLst>
-          </p:cNvPr>
-          <p:cNvSpPr>
-            <a:spLocks noGrp="1"/>
-          </p:cNvSpPr>
-          <p:nvPr>
-            <p:ph type="ctrTitle"/>
-          </p:nvPr>
-        </p:nvSpPr>
-        <p:spPr/>
-        <p:txBody>
-          <a:bodyPr/>
-          <a:lstStyle/>
-          <a:p>
-            <a:endParaRPr lang="hu-HU"/>
-          </a:p>
-        </p:txBody>
-      </p:sp>
-      <p:sp>
-        <p:nvSpPr>
-          <p:cNvPr id="3" name="Alcím 2">
-            <a:extLst>
-              <a:ext uri="{FF2B5EF4-FFF2-40B4-BE49-F238E27FC236}">
-                <a16:creationId xmlns:a16="http://schemas.microsoft.com/office/drawing/2014/main" id="{33E051B4-6ACD-E318-EC79-47D89175A6C0}"/>
-              </a:ext>
-            </a:extLst>
-          </p:cNvPr>
-          <p:cNvSpPr>
-            <a:spLocks noGrp="1"/>
-          </p:cNvSpPr>
-          <p:nvPr>
-            <p:ph type="subTitle" idx="1"/>
-          </p:nvPr>
-        </p:nvSpPr>
-        <p:spPr/>
-        <p:txBody>
-          <a:bodyPr/>
-          <a:lstStyle/>
-          <a:p>
-            <a:endParaRPr lang="hu-HU"/>
-          </a:p>
-        </p:txBody>
-      </p:sp>
-      <p:sp>
-        <p:nvSpPr>
-          <p:cNvPr id="5" name="Téglalap: lekerekített 4">
-            <a:extLst>
-              <a:ext uri="{FF2B5EF4-FFF2-40B4-BE49-F238E27FC236}">
-                <a16:creationId xmlns:a16="http://schemas.microsoft.com/office/drawing/2014/main" id="{C5BDCC62-F9EF-42AD-9B0E-82FDB2144CDA}"/>
-              </a:ext>
-            </a:extLst>
-          </p:cNvPr>
-          <p:cNvSpPr/>
-          <p:nvPr/>
-        </p:nvSpPr>
-        <p:spPr>
-          <a:xfrm>
-            <a:off x="880044" y="293914"/>
-            <a:ext cx="4784269" cy="6270170"/>
-          </a:xfrm>
-          <a:prstGeom prst="roundRect">
-            <a:avLst>
-              <a:gd name="adj" fmla="val 4094"/>
-            </a:avLst>
-          </a:prstGeom>
-          <a:solidFill>
-            <a:schemeClr val="bg1">
-              <a:alpha val="80000"/>
-            </a:schemeClr>
-          </a:solidFill>
-          <a:ln w="120650" cap="sq">
-            <a:noFill/>
-            <a:round/>
-          </a:ln>
-        </p:spPr>
-        <p:style>
-          <a:lnRef idx="2">
-            <a:schemeClr val="accent1">
-              <a:shade val="15000"/>
-            </a:schemeClr>
-          </a:lnRef>
-          <a:fillRef idx="1">
-            <a:schemeClr val="accent1"/>
-          </a:fillRef>
-          <a:effectRef idx="0">
-            <a:schemeClr val="accent1"/>
-          </a:effectRef>
-          <a:fontRef idx="minor">
-            <a:schemeClr val="lt1"/>
-          </a:fontRef>
-        </p:style>
-        <p:txBody>
-          <a:bodyPr rtlCol="0" anchor="ctr"/>
-          <a:lstStyle/>
-          <a:p>
-            <a:pPr algn="ctr"/>
-            <a:endParaRPr lang="hu-HU" dirty="0"/>
-          </a:p>
-        </p:txBody>
-      </p:sp>
-    </p:spTree>
-    <p:extLst>
-      <p:ext uri="{BB962C8B-B14F-4D97-AF65-F5344CB8AC3E}">
-        <p14:creationId xmlns:p14="http://schemas.microsoft.com/office/powerpoint/2010/main" val="605018872"/>
-      </p:ext>
-    </p:extLst>
-  </p:cSld>
-  <p:clrMapOvr>
-    <a:masterClrMapping/>
-  </p:clrMapOvr>
-  <p:transition spd="slow">
-    <p:push dir="u"/>
-  </p:transition>
-  <p:timing>
-    <p:tnLst>
-      <p:par>
-        <p:cTn id="1" dur="indefinite" restart="never" nodeType="tmRoot">
-          <p:childTnLst>
-            <p:seq concurrent="1" nextAc="seek">
-              <p:cTn id="2" dur="indefinite" nodeType="mainSeq">
-                <p:childTnLst>
-                  <p:par>
-                    <p:cTn id="3" fill="hold">
-                      <p:stCondLst>
-                        <p:cond delay="indefinite"/>
-                      </p:stCondLst>
-                      <p:childTnLst>
-                        <p:par>
-                          <p:cTn id="4" fill="hold">
-                            <p:stCondLst>
-                              <p:cond delay="0"/>
-                            </p:stCondLst>
-                            <p:childTnLst>
-                              <p:par>
-                                <p:cTn id="5" presetID="2" presetClass="entr" presetSubtype="4" fill="hold" grpId="0" nodeType="clickEffect">
-                                  <p:stCondLst>
-                                    <p:cond delay="0"/>
-                                  </p:stCondLst>
-                                  <p:childTnLst>
-                                    <p:set>
-                                      <p:cBhvr>
-                                        <p:cTn id="6" dur="1" fill="hold">
-                                          <p:stCondLst>
-                                            <p:cond delay="0"/>
-                                          </p:stCondLst>
-                                        </p:cTn>
-                                        <p:tgtEl>
-                                          <p:spTgt spid="5"/>
-                                        </p:tgtEl>
-                                        <p:attrNameLst>
-                                          <p:attrName>style.visibility</p:attrName>
-                                        </p:attrNameLst>
-                                      </p:cBhvr>
-                                      <p:to>
-                                        <p:strVal val="visible"/>
-                                      </p:to>
-                                    </p:set>
-                                    <p:anim calcmode="lin" valueType="num">
-                                      <p:cBhvr additive="base">
-                                        <p:cTn id="7" dur="500" fill="hold"/>
-                                        <p:tgtEl>
-                                          <p:spTgt spid="5"/>
-                                        </p:tgtEl>
-                                        <p:attrNameLst>
-                                          <p:attrName>ppt_x</p:attrName>
-                                        </p:attrNameLst>
-                                      </p:cBhvr>
-                                      <p:tavLst>
-                                        <p:tav tm="0">
-                                          <p:val>
-                                            <p:strVal val="#ppt_x"/>
-                                          </p:val>
-                                        </p:tav>
-                                        <p:tav tm="100000">
-                                          <p:val>
-                                            <p:strVal val="#ppt_x"/>
-                                          </p:val>
-                                        </p:tav>
-                                      </p:tavLst>
-                                    </p:anim>
-                                    <p:anim calcmode="lin" valueType="num">
-                                      <p:cBhvr additive="base">
-                                        <p:cTn id="8" dur="500" fill="hold"/>
                                         <p:tgtEl>
                                           <p:spTgt spid="5"/>
                                         </p:tgtEl>

--- a/Prezentáció.pptx
+++ b/Prezentáció.pptx
@@ -5,7 +5,7 @@
     <p:sldMasterId id="2147483648" r:id="rId1"/>
   </p:sldMasterIdLst>
   <p:notesMasterIdLst>
-    <p:notesMasterId r:id="rId14"/>
+    <p:notesMasterId r:id="rId12"/>
   </p:notesMasterIdLst>
   <p:sldIdLst>
     <p:sldId id="261" r:id="rId2"/>
@@ -16,10 +16,8 @@
     <p:sldId id="272" r:id="rId7"/>
     <p:sldId id="266" r:id="rId8"/>
     <p:sldId id="274" r:id="rId9"/>
-    <p:sldId id="265" r:id="rId10"/>
-    <p:sldId id="264" r:id="rId11"/>
-    <p:sldId id="267" r:id="rId12"/>
-    <p:sldId id="268" r:id="rId13"/>
+    <p:sldId id="267" r:id="rId10"/>
+    <p:sldId id="268" r:id="rId11"/>
   </p:sldIdLst>
   <p:sldSz cx="12192000" cy="6858000"/>
   <p:notesSz cx="6858000" cy="9144000"/>
@@ -234,7 +232,7 @@
           <a:p>
             <a:fld id="{045CADAF-2C59-4E58-A455-8868FC9726FC}" type="datetimeFigureOut">
               <a:rPr lang="hu-HU" smtClean="0"/>
-              <a:t>2024.01.31</a:t>
+              <a:t>2024. 02. 05.</a:t>
             </a:fld>
             <a:endParaRPr lang="hu-HU"/>
           </a:p>
@@ -523,7 +521,7 @@
           <p:cNvPr id="2" name="Cím 1">
             <a:extLst>
               <a:ext uri="{FF2B5EF4-FFF2-40B4-BE49-F238E27FC236}">
-                <a16:creationId xmlns:a16="http://schemas.microsoft.com/office/drawing/2014/main" id="{79B6456A-B89F-DB5E-FE02-0F1DA12AD99C}"/>
+                <a16:creationId xmlns:a16="http://schemas.microsoft.com/office/drawing/2014/main" xmlns="" id="{79B6456A-B89F-DB5E-FE02-0F1DA12AD99C}"/>
               </a:ext>
             </a:extLst>
           </p:cNvPr>
@@ -560,7 +558,7 @@
           <p:cNvPr id="3" name="Alcím 2">
             <a:extLst>
               <a:ext uri="{FF2B5EF4-FFF2-40B4-BE49-F238E27FC236}">
-                <a16:creationId xmlns:a16="http://schemas.microsoft.com/office/drawing/2014/main" id="{A6DE1E2A-F8A7-5B84-A151-03A46EFC33A0}"/>
+                <a16:creationId xmlns:a16="http://schemas.microsoft.com/office/drawing/2014/main" xmlns="" id="{A6DE1E2A-F8A7-5B84-A151-03A46EFC33A0}"/>
               </a:ext>
             </a:extLst>
           </p:cNvPr>
@@ -630,7 +628,7 @@
           <p:cNvPr id="4" name="Dátum helye 3">
             <a:extLst>
               <a:ext uri="{FF2B5EF4-FFF2-40B4-BE49-F238E27FC236}">
-                <a16:creationId xmlns:a16="http://schemas.microsoft.com/office/drawing/2014/main" id="{F980237B-C6D6-EEEC-6B52-84C67949BF3B}"/>
+                <a16:creationId xmlns:a16="http://schemas.microsoft.com/office/drawing/2014/main" xmlns="" id="{F980237B-C6D6-EEEC-6B52-84C67949BF3B}"/>
               </a:ext>
             </a:extLst>
           </p:cNvPr>
@@ -648,7 +646,7 @@
           <a:p>
             <a:fld id="{8E532DDB-289F-42C2-8F57-09A656E29423}" type="datetimeFigureOut">
               <a:rPr lang="hu-HU" smtClean="0"/>
-              <a:t>2024.01.31</a:t>
+              <a:t>2024. 02. 05.</a:t>
             </a:fld>
             <a:endParaRPr lang="hu-HU"/>
           </a:p>
@@ -659,7 +657,7 @@
           <p:cNvPr id="5" name="Élőláb helye 4">
             <a:extLst>
               <a:ext uri="{FF2B5EF4-FFF2-40B4-BE49-F238E27FC236}">
-                <a16:creationId xmlns:a16="http://schemas.microsoft.com/office/drawing/2014/main" id="{28C59F81-E057-3434-B32E-2F293C18052C}"/>
+                <a16:creationId xmlns:a16="http://schemas.microsoft.com/office/drawing/2014/main" xmlns="" id="{28C59F81-E057-3434-B32E-2F293C18052C}"/>
               </a:ext>
             </a:extLst>
           </p:cNvPr>
@@ -684,7 +682,7 @@
           <p:cNvPr id="6" name="Dia számának helye 5">
             <a:extLst>
               <a:ext uri="{FF2B5EF4-FFF2-40B4-BE49-F238E27FC236}">
-                <a16:creationId xmlns:a16="http://schemas.microsoft.com/office/drawing/2014/main" id="{C1AF783E-2A3F-DDD6-8CA2-C976E1B0C6A1}"/>
+                <a16:creationId xmlns:a16="http://schemas.microsoft.com/office/drawing/2014/main" xmlns="" id="{C1AF783E-2A3F-DDD6-8CA2-C976E1B0C6A1}"/>
               </a:ext>
             </a:extLst>
           </p:cNvPr>
@@ -743,7 +741,7 @@
           <p:cNvPr id="2" name="Cím 1">
             <a:extLst>
               <a:ext uri="{FF2B5EF4-FFF2-40B4-BE49-F238E27FC236}">
-                <a16:creationId xmlns:a16="http://schemas.microsoft.com/office/drawing/2014/main" id="{DDA30CDC-3A8E-3316-F1FC-A9220E50C37B}"/>
+                <a16:creationId xmlns:a16="http://schemas.microsoft.com/office/drawing/2014/main" xmlns="" id="{DDA30CDC-3A8E-3316-F1FC-A9220E50C37B}"/>
               </a:ext>
             </a:extLst>
           </p:cNvPr>
@@ -771,7 +769,7 @@
           <p:cNvPr id="3" name="Függőleges szöveg helye 2">
             <a:extLst>
               <a:ext uri="{FF2B5EF4-FFF2-40B4-BE49-F238E27FC236}">
-                <a16:creationId xmlns:a16="http://schemas.microsoft.com/office/drawing/2014/main" id="{83D8B0E5-C35F-E4C0-6AC3-2B5A64F7A76F}"/>
+                <a16:creationId xmlns:a16="http://schemas.microsoft.com/office/drawing/2014/main" xmlns="" id="{83D8B0E5-C35F-E4C0-6AC3-2B5A64F7A76F}"/>
               </a:ext>
             </a:extLst>
           </p:cNvPr>
@@ -828,7 +826,7 @@
           <p:cNvPr id="4" name="Dátum helye 3">
             <a:extLst>
               <a:ext uri="{FF2B5EF4-FFF2-40B4-BE49-F238E27FC236}">
-                <a16:creationId xmlns:a16="http://schemas.microsoft.com/office/drawing/2014/main" id="{27E917AB-2C23-72BC-58BD-AD4F821B36F8}"/>
+                <a16:creationId xmlns:a16="http://schemas.microsoft.com/office/drawing/2014/main" xmlns="" id="{27E917AB-2C23-72BC-58BD-AD4F821B36F8}"/>
               </a:ext>
             </a:extLst>
           </p:cNvPr>
@@ -846,7 +844,7 @@
           <a:p>
             <a:fld id="{8E532DDB-289F-42C2-8F57-09A656E29423}" type="datetimeFigureOut">
               <a:rPr lang="hu-HU" smtClean="0"/>
-              <a:t>2024.01.31</a:t>
+              <a:t>2024. 02. 05.</a:t>
             </a:fld>
             <a:endParaRPr lang="hu-HU"/>
           </a:p>
@@ -857,7 +855,7 @@
           <p:cNvPr id="5" name="Élőláb helye 4">
             <a:extLst>
               <a:ext uri="{FF2B5EF4-FFF2-40B4-BE49-F238E27FC236}">
-                <a16:creationId xmlns:a16="http://schemas.microsoft.com/office/drawing/2014/main" id="{4B6D012D-1C6A-411E-6219-2F45E5523C6B}"/>
+                <a16:creationId xmlns:a16="http://schemas.microsoft.com/office/drawing/2014/main" xmlns="" id="{4B6D012D-1C6A-411E-6219-2F45E5523C6B}"/>
               </a:ext>
             </a:extLst>
           </p:cNvPr>
@@ -882,7 +880,7 @@
           <p:cNvPr id="6" name="Dia számának helye 5">
             <a:extLst>
               <a:ext uri="{FF2B5EF4-FFF2-40B4-BE49-F238E27FC236}">
-                <a16:creationId xmlns:a16="http://schemas.microsoft.com/office/drawing/2014/main" id="{5F592276-49E8-0983-AC04-5D66492B2658}"/>
+                <a16:creationId xmlns:a16="http://schemas.microsoft.com/office/drawing/2014/main" xmlns="" id="{5F592276-49E8-0983-AC04-5D66492B2658}"/>
               </a:ext>
             </a:extLst>
           </p:cNvPr>
@@ -941,7 +939,7 @@
           <p:cNvPr id="2" name="Függőleges cím 1">
             <a:extLst>
               <a:ext uri="{FF2B5EF4-FFF2-40B4-BE49-F238E27FC236}">
-                <a16:creationId xmlns:a16="http://schemas.microsoft.com/office/drawing/2014/main" id="{A6B2959D-F0DB-7505-3887-5F0F8A4ED834}"/>
+                <a16:creationId xmlns:a16="http://schemas.microsoft.com/office/drawing/2014/main" xmlns="" id="{A6B2959D-F0DB-7505-3887-5F0F8A4ED834}"/>
               </a:ext>
             </a:extLst>
           </p:cNvPr>
@@ -974,7 +972,7 @@
           <p:cNvPr id="3" name="Függőleges szöveg helye 2">
             <a:extLst>
               <a:ext uri="{FF2B5EF4-FFF2-40B4-BE49-F238E27FC236}">
-                <a16:creationId xmlns:a16="http://schemas.microsoft.com/office/drawing/2014/main" id="{20E0E6C5-085C-D09C-084F-C460729F9E6D}"/>
+                <a16:creationId xmlns:a16="http://schemas.microsoft.com/office/drawing/2014/main" xmlns="" id="{20E0E6C5-085C-D09C-084F-C460729F9E6D}"/>
               </a:ext>
             </a:extLst>
           </p:cNvPr>
@@ -1036,7 +1034,7 @@
           <p:cNvPr id="4" name="Dátum helye 3">
             <a:extLst>
               <a:ext uri="{FF2B5EF4-FFF2-40B4-BE49-F238E27FC236}">
-                <a16:creationId xmlns:a16="http://schemas.microsoft.com/office/drawing/2014/main" id="{DFF17BF3-0335-8A93-5A46-EC3F20E0ADE1}"/>
+                <a16:creationId xmlns:a16="http://schemas.microsoft.com/office/drawing/2014/main" xmlns="" id="{DFF17BF3-0335-8A93-5A46-EC3F20E0ADE1}"/>
               </a:ext>
             </a:extLst>
           </p:cNvPr>
@@ -1054,7 +1052,7 @@
           <a:p>
             <a:fld id="{8E532DDB-289F-42C2-8F57-09A656E29423}" type="datetimeFigureOut">
               <a:rPr lang="hu-HU" smtClean="0"/>
-              <a:t>2024.01.31</a:t>
+              <a:t>2024. 02. 05.</a:t>
             </a:fld>
             <a:endParaRPr lang="hu-HU"/>
           </a:p>
@@ -1065,7 +1063,7 @@
           <p:cNvPr id="5" name="Élőláb helye 4">
             <a:extLst>
               <a:ext uri="{FF2B5EF4-FFF2-40B4-BE49-F238E27FC236}">
-                <a16:creationId xmlns:a16="http://schemas.microsoft.com/office/drawing/2014/main" id="{3AFF700C-B4A6-FF55-FA3A-937997218C71}"/>
+                <a16:creationId xmlns:a16="http://schemas.microsoft.com/office/drawing/2014/main" xmlns="" id="{3AFF700C-B4A6-FF55-FA3A-937997218C71}"/>
               </a:ext>
             </a:extLst>
           </p:cNvPr>
@@ -1090,7 +1088,7 @@
           <p:cNvPr id="6" name="Dia számának helye 5">
             <a:extLst>
               <a:ext uri="{FF2B5EF4-FFF2-40B4-BE49-F238E27FC236}">
-                <a16:creationId xmlns:a16="http://schemas.microsoft.com/office/drawing/2014/main" id="{B456B9AE-E4C3-00FA-5622-26ECD962BC14}"/>
+                <a16:creationId xmlns:a16="http://schemas.microsoft.com/office/drawing/2014/main" xmlns="" id="{B456B9AE-E4C3-00FA-5622-26ECD962BC14}"/>
               </a:ext>
             </a:extLst>
           </p:cNvPr>
@@ -1149,7 +1147,7 @@
           <p:cNvPr id="2" name="Cím 1">
             <a:extLst>
               <a:ext uri="{FF2B5EF4-FFF2-40B4-BE49-F238E27FC236}">
-                <a16:creationId xmlns:a16="http://schemas.microsoft.com/office/drawing/2014/main" id="{8F09B032-43DE-EB55-9460-DDEBB15DC2E7}"/>
+                <a16:creationId xmlns:a16="http://schemas.microsoft.com/office/drawing/2014/main" xmlns="" id="{8F09B032-43DE-EB55-9460-DDEBB15DC2E7}"/>
               </a:ext>
             </a:extLst>
           </p:cNvPr>
@@ -1177,7 +1175,7 @@
           <p:cNvPr id="3" name="Tartalom helye 2">
             <a:extLst>
               <a:ext uri="{FF2B5EF4-FFF2-40B4-BE49-F238E27FC236}">
-                <a16:creationId xmlns:a16="http://schemas.microsoft.com/office/drawing/2014/main" id="{93761993-65DF-B03B-15A1-DAAA88CF63C3}"/>
+                <a16:creationId xmlns:a16="http://schemas.microsoft.com/office/drawing/2014/main" xmlns="" id="{93761993-65DF-B03B-15A1-DAAA88CF63C3}"/>
               </a:ext>
             </a:extLst>
           </p:cNvPr>
@@ -1234,7 +1232,7 @@
           <p:cNvPr id="4" name="Dátum helye 3">
             <a:extLst>
               <a:ext uri="{FF2B5EF4-FFF2-40B4-BE49-F238E27FC236}">
-                <a16:creationId xmlns:a16="http://schemas.microsoft.com/office/drawing/2014/main" id="{EC19022C-9411-F196-94CA-7EB83954162C}"/>
+                <a16:creationId xmlns:a16="http://schemas.microsoft.com/office/drawing/2014/main" xmlns="" id="{EC19022C-9411-F196-94CA-7EB83954162C}"/>
               </a:ext>
             </a:extLst>
           </p:cNvPr>
@@ -1252,7 +1250,7 @@
           <a:p>
             <a:fld id="{8E532DDB-289F-42C2-8F57-09A656E29423}" type="datetimeFigureOut">
               <a:rPr lang="hu-HU" smtClean="0"/>
-              <a:t>2024.01.31</a:t>
+              <a:t>2024. 02. 05.</a:t>
             </a:fld>
             <a:endParaRPr lang="hu-HU"/>
           </a:p>
@@ -1263,7 +1261,7 @@
           <p:cNvPr id="5" name="Élőláb helye 4">
             <a:extLst>
               <a:ext uri="{FF2B5EF4-FFF2-40B4-BE49-F238E27FC236}">
-                <a16:creationId xmlns:a16="http://schemas.microsoft.com/office/drawing/2014/main" id="{D92C1323-42F5-817C-23A6-5BD482993B91}"/>
+                <a16:creationId xmlns:a16="http://schemas.microsoft.com/office/drawing/2014/main" xmlns="" id="{D92C1323-42F5-817C-23A6-5BD482993B91}"/>
               </a:ext>
             </a:extLst>
           </p:cNvPr>
@@ -1288,7 +1286,7 @@
           <p:cNvPr id="6" name="Dia számának helye 5">
             <a:extLst>
               <a:ext uri="{FF2B5EF4-FFF2-40B4-BE49-F238E27FC236}">
-                <a16:creationId xmlns:a16="http://schemas.microsoft.com/office/drawing/2014/main" id="{7AAADE6D-0E59-9965-FCC6-DEC79020261D}"/>
+                <a16:creationId xmlns:a16="http://schemas.microsoft.com/office/drawing/2014/main" xmlns="" id="{7AAADE6D-0E59-9965-FCC6-DEC79020261D}"/>
               </a:ext>
             </a:extLst>
           </p:cNvPr>
@@ -1347,7 +1345,7 @@
           <p:cNvPr id="2" name="Cím 1">
             <a:extLst>
               <a:ext uri="{FF2B5EF4-FFF2-40B4-BE49-F238E27FC236}">
-                <a16:creationId xmlns:a16="http://schemas.microsoft.com/office/drawing/2014/main" id="{7A4FD609-97C6-FDCF-196C-C04CE372C3DE}"/>
+                <a16:creationId xmlns:a16="http://schemas.microsoft.com/office/drawing/2014/main" xmlns="" id="{7A4FD609-97C6-FDCF-196C-C04CE372C3DE}"/>
               </a:ext>
             </a:extLst>
           </p:cNvPr>
@@ -1384,7 +1382,7 @@
           <p:cNvPr id="3" name="Szöveg helye 2">
             <a:extLst>
               <a:ext uri="{FF2B5EF4-FFF2-40B4-BE49-F238E27FC236}">
-                <a16:creationId xmlns:a16="http://schemas.microsoft.com/office/drawing/2014/main" id="{5FF2CCF6-3BEC-B1BD-A408-1E0E439D4494}"/>
+                <a16:creationId xmlns:a16="http://schemas.microsoft.com/office/drawing/2014/main" xmlns="" id="{5FF2CCF6-3BEC-B1BD-A408-1E0E439D4494}"/>
               </a:ext>
             </a:extLst>
           </p:cNvPr>
@@ -1509,7 +1507,7 @@
           <p:cNvPr id="4" name="Dátum helye 3">
             <a:extLst>
               <a:ext uri="{FF2B5EF4-FFF2-40B4-BE49-F238E27FC236}">
-                <a16:creationId xmlns:a16="http://schemas.microsoft.com/office/drawing/2014/main" id="{02D96E93-B7FD-52C4-1976-571A32AA135C}"/>
+                <a16:creationId xmlns:a16="http://schemas.microsoft.com/office/drawing/2014/main" xmlns="" id="{02D96E93-B7FD-52C4-1976-571A32AA135C}"/>
               </a:ext>
             </a:extLst>
           </p:cNvPr>
@@ -1527,7 +1525,7 @@
           <a:p>
             <a:fld id="{8E532DDB-289F-42C2-8F57-09A656E29423}" type="datetimeFigureOut">
               <a:rPr lang="hu-HU" smtClean="0"/>
-              <a:t>2024.01.31</a:t>
+              <a:t>2024. 02. 05.</a:t>
             </a:fld>
             <a:endParaRPr lang="hu-HU"/>
           </a:p>
@@ -1538,7 +1536,7 @@
           <p:cNvPr id="5" name="Élőláb helye 4">
             <a:extLst>
               <a:ext uri="{FF2B5EF4-FFF2-40B4-BE49-F238E27FC236}">
-                <a16:creationId xmlns:a16="http://schemas.microsoft.com/office/drawing/2014/main" id="{427CAFE0-46BC-55A4-87F5-A8059EC7A0F7}"/>
+                <a16:creationId xmlns:a16="http://schemas.microsoft.com/office/drawing/2014/main" xmlns="" id="{427CAFE0-46BC-55A4-87F5-A8059EC7A0F7}"/>
               </a:ext>
             </a:extLst>
           </p:cNvPr>
@@ -1563,7 +1561,7 @@
           <p:cNvPr id="6" name="Dia számának helye 5">
             <a:extLst>
               <a:ext uri="{FF2B5EF4-FFF2-40B4-BE49-F238E27FC236}">
-                <a16:creationId xmlns:a16="http://schemas.microsoft.com/office/drawing/2014/main" id="{CC3EFF7C-F069-DFE5-3306-0E561AF4AE11}"/>
+                <a16:creationId xmlns:a16="http://schemas.microsoft.com/office/drawing/2014/main" xmlns="" id="{CC3EFF7C-F069-DFE5-3306-0E561AF4AE11}"/>
               </a:ext>
             </a:extLst>
           </p:cNvPr>
@@ -1622,7 +1620,7 @@
           <p:cNvPr id="2" name="Cím 1">
             <a:extLst>
               <a:ext uri="{FF2B5EF4-FFF2-40B4-BE49-F238E27FC236}">
-                <a16:creationId xmlns:a16="http://schemas.microsoft.com/office/drawing/2014/main" id="{DD16BD1C-A96C-C433-11C4-7FB2F9CF4217}"/>
+                <a16:creationId xmlns:a16="http://schemas.microsoft.com/office/drawing/2014/main" xmlns="" id="{DD16BD1C-A96C-C433-11C4-7FB2F9CF4217}"/>
               </a:ext>
             </a:extLst>
           </p:cNvPr>
@@ -1650,7 +1648,7 @@
           <p:cNvPr id="3" name="Tartalom helye 2">
             <a:extLst>
               <a:ext uri="{FF2B5EF4-FFF2-40B4-BE49-F238E27FC236}">
-                <a16:creationId xmlns:a16="http://schemas.microsoft.com/office/drawing/2014/main" id="{216662B5-E8AA-B1E7-B29B-CC9EA1747EB8}"/>
+                <a16:creationId xmlns:a16="http://schemas.microsoft.com/office/drawing/2014/main" xmlns="" id="{216662B5-E8AA-B1E7-B29B-CC9EA1747EB8}"/>
               </a:ext>
             </a:extLst>
           </p:cNvPr>
@@ -1712,7 +1710,7 @@
           <p:cNvPr id="4" name="Tartalom helye 3">
             <a:extLst>
               <a:ext uri="{FF2B5EF4-FFF2-40B4-BE49-F238E27FC236}">
-                <a16:creationId xmlns:a16="http://schemas.microsoft.com/office/drawing/2014/main" id="{F91EB719-6D94-619D-DA44-432529F07A64}"/>
+                <a16:creationId xmlns:a16="http://schemas.microsoft.com/office/drawing/2014/main" xmlns="" id="{F91EB719-6D94-619D-DA44-432529F07A64}"/>
               </a:ext>
             </a:extLst>
           </p:cNvPr>
@@ -1774,7 +1772,7 @@
           <p:cNvPr id="5" name="Dátum helye 4">
             <a:extLst>
               <a:ext uri="{FF2B5EF4-FFF2-40B4-BE49-F238E27FC236}">
-                <a16:creationId xmlns:a16="http://schemas.microsoft.com/office/drawing/2014/main" id="{F719282D-DF51-71E0-FA65-579C7251FFED}"/>
+                <a16:creationId xmlns:a16="http://schemas.microsoft.com/office/drawing/2014/main" xmlns="" id="{F719282D-DF51-71E0-FA65-579C7251FFED}"/>
               </a:ext>
             </a:extLst>
           </p:cNvPr>
@@ -1792,7 +1790,7 @@
           <a:p>
             <a:fld id="{8E532DDB-289F-42C2-8F57-09A656E29423}" type="datetimeFigureOut">
               <a:rPr lang="hu-HU" smtClean="0"/>
-              <a:t>2024.01.31</a:t>
+              <a:t>2024. 02. 05.</a:t>
             </a:fld>
             <a:endParaRPr lang="hu-HU"/>
           </a:p>
@@ -1803,7 +1801,7 @@
           <p:cNvPr id="6" name="Élőláb helye 5">
             <a:extLst>
               <a:ext uri="{FF2B5EF4-FFF2-40B4-BE49-F238E27FC236}">
-                <a16:creationId xmlns:a16="http://schemas.microsoft.com/office/drawing/2014/main" id="{9CA010A5-65CA-F06E-E671-C1073A8C6DFA}"/>
+                <a16:creationId xmlns:a16="http://schemas.microsoft.com/office/drawing/2014/main" xmlns="" id="{9CA010A5-65CA-F06E-E671-C1073A8C6DFA}"/>
               </a:ext>
             </a:extLst>
           </p:cNvPr>
@@ -1828,7 +1826,7 @@
           <p:cNvPr id="7" name="Dia számának helye 6">
             <a:extLst>
               <a:ext uri="{FF2B5EF4-FFF2-40B4-BE49-F238E27FC236}">
-                <a16:creationId xmlns:a16="http://schemas.microsoft.com/office/drawing/2014/main" id="{16635656-463D-7407-9573-D0E1E69DA9BA}"/>
+                <a16:creationId xmlns:a16="http://schemas.microsoft.com/office/drawing/2014/main" xmlns="" id="{16635656-463D-7407-9573-D0E1E69DA9BA}"/>
               </a:ext>
             </a:extLst>
           </p:cNvPr>
@@ -1895,7 +1893,7 @@
           <p:cNvPr id="10" name="Téglalap: lekerekített 9">
             <a:extLst>
               <a:ext uri="{FF2B5EF4-FFF2-40B4-BE49-F238E27FC236}">
-                <a16:creationId xmlns:a16="http://schemas.microsoft.com/office/drawing/2014/main" id="{5C929177-02C2-6B75-4903-1A897B6B857B}"/>
+                <a16:creationId xmlns:a16="http://schemas.microsoft.com/office/drawing/2014/main" xmlns="" id="{5C929177-02C2-6B75-4903-1A897B6B857B}"/>
               </a:ext>
             </a:extLst>
           </p:cNvPr>
@@ -1952,7 +1950,7 @@
           <p:cNvPr id="12" name="Téglalap: lekerekített 11">
             <a:extLst>
               <a:ext uri="{FF2B5EF4-FFF2-40B4-BE49-F238E27FC236}">
-                <a16:creationId xmlns:a16="http://schemas.microsoft.com/office/drawing/2014/main" id="{4263DA3D-3720-84C8-46EF-56A35EEE76D5}"/>
+                <a16:creationId xmlns:a16="http://schemas.microsoft.com/office/drawing/2014/main" xmlns="" id="{4263DA3D-3720-84C8-46EF-56A35EEE76D5}"/>
               </a:ext>
             </a:extLst>
           </p:cNvPr>
@@ -2038,7 +2036,7 @@
           <p:cNvPr id="2" name="Cím 1">
             <a:extLst>
               <a:ext uri="{FF2B5EF4-FFF2-40B4-BE49-F238E27FC236}">
-                <a16:creationId xmlns:a16="http://schemas.microsoft.com/office/drawing/2014/main" id="{9BB4D70D-713A-8887-D67D-44EF31009DDB}"/>
+                <a16:creationId xmlns:a16="http://schemas.microsoft.com/office/drawing/2014/main" xmlns="" id="{9BB4D70D-713A-8887-D67D-44EF31009DDB}"/>
               </a:ext>
             </a:extLst>
           </p:cNvPr>
@@ -2066,7 +2064,7 @@
           <p:cNvPr id="3" name="Dátum helye 2">
             <a:extLst>
               <a:ext uri="{FF2B5EF4-FFF2-40B4-BE49-F238E27FC236}">
-                <a16:creationId xmlns:a16="http://schemas.microsoft.com/office/drawing/2014/main" id="{38F97F01-6921-2071-E7CF-B953B6A631B9}"/>
+                <a16:creationId xmlns:a16="http://schemas.microsoft.com/office/drawing/2014/main" xmlns="" id="{38F97F01-6921-2071-E7CF-B953B6A631B9}"/>
               </a:ext>
             </a:extLst>
           </p:cNvPr>
@@ -2084,7 +2082,7 @@
           <a:p>
             <a:fld id="{8E532DDB-289F-42C2-8F57-09A656E29423}" type="datetimeFigureOut">
               <a:rPr lang="hu-HU" smtClean="0"/>
-              <a:t>2024.01.31</a:t>
+              <a:t>2024. 02. 05.</a:t>
             </a:fld>
             <a:endParaRPr lang="hu-HU"/>
           </a:p>
@@ -2095,7 +2093,7 @@
           <p:cNvPr id="4" name="Élőláb helye 3">
             <a:extLst>
               <a:ext uri="{FF2B5EF4-FFF2-40B4-BE49-F238E27FC236}">
-                <a16:creationId xmlns:a16="http://schemas.microsoft.com/office/drawing/2014/main" id="{792745E5-843C-C4BC-0A40-C73AF021DF1B}"/>
+                <a16:creationId xmlns:a16="http://schemas.microsoft.com/office/drawing/2014/main" xmlns="" id="{792745E5-843C-C4BC-0A40-C73AF021DF1B}"/>
               </a:ext>
             </a:extLst>
           </p:cNvPr>
@@ -2120,7 +2118,7 @@
           <p:cNvPr id="5" name="Dia számának helye 4">
             <a:extLst>
               <a:ext uri="{FF2B5EF4-FFF2-40B4-BE49-F238E27FC236}">
-                <a16:creationId xmlns:a16="http://schemas.microsoft.com/office/drawing/2014/main" id="{368A0A24-A47E-950C-021B-05FD744DD010}"/>
+                <a16:creationId xmlns:a16="http://schemas.microsoft.com/office/drawing/2014/main" xmlns="" id="{368A0A24-A47E-950C-021B-05FD744DD010}"/>
               </a:ext>
             </a:extLst>
           </p:cNvPr>
@@ -2187,7 +2185,7 @@
           <p:cNvPr id="5" name="Ellipszis 4">
             <a:extLst>
               <a:ext uri="{FF2B5EF4-FFF2-40B4-BE49-F238E27FC236}">
-                <a16:creationId xmlns:a16="http://schemas.microsoft.com/office/drawing/2014/main" id="{A0BDDF6C-542F-81C9-9F4B-8813C7292558}"/>
+                <a16:creationId xmlns:a16="http://schemas.microsoft.com/office/drawing/2014/main" xmlns="" id="{A0BDDF6C-542F-81C9-9F4B-8813C7292558}"/>
               </a:ext>
             </a:extLst>
           </p:cNvPr>
@@ -2246,7 +2244,7 @@
           <p:cNvPr id="6" name="Ellipszis 5">
             <a:extLst>
               <a:ext uri="{FF2B5EF4-FFF2-40B4-BE49-F238E27FC236}">
-                <a16:creationId xmlns:a16="http://schemas.microsoft.com/office/drawing/2014/main" id="{9D7F498D-E1BA-D32F-5381-088641790353}"/>
+                <a16:creationId xmlns:a16="http://schemas.microsoft.com/office/drawing/2014/main" xmlns="" id="{9D7F498D-E1BA-D32F-5381-088641790353}"/>
               </a:ext>
             </a:extLst>
           </p:cNvPr>
@@ -2332,7 +2330,7 @@
           <p:cNvPr id="2" name="Cím 1">
             <a:extLst>
               <a:ext uri="{FF2B5EF4-FFF2-40B4-BE49-F238E27FC236}">
-                <a16:creationId xmlns:a16="http://schemas.microsoft.com/office/drawing/2014/main" id="{4BA820B7-A734-61BA-025C-8A1D6FB9D823}"/>
+                <a16:creationId xmlns:a16="http://schemas.microsoft.com/office/drawing/2014/main" xmlns="" id="{4BA820B7-A734-61BA-025C-8A1D6FB9D823}"/>
               </a:ext>
             </a:extLst>
           </p:cNvPr>
@@ -2369,7 +2367,7 @@
           <p:cNvPr id="3" name="Tartalom helye 2">
             <a:extLst>
               <a:ext uri="{FF2B5EF4-FFF2-40B4-BE49-F238E27FC236}">
-                <a16:creationId xmlns:a16="http://schemas.microsoft.com/office/drawing/2014/main" id="{D85A7804-99D9-2553-C6EE-AE084D6A85BE}"/>
+                <a16:creationId xmlns:a16="http://schemas.microsoft.com/office/drawing/2014/main" xmlns="" id="{D85A7804-99D9-2553-C6EE-AE084D6A85BE}"/>
               </a:ext>
             </a:extLst>
           </p:cNvPr>
@@ -2459,7 +2457,7 @@
           <p:cNvPr id="4" name="Szöveg helye 3">
             <a:extLst>
               <a:ext uri="{FF2B5EF4-FFF2-40B4-BE49-F238E27FC236}">
-                <a16:creationId xmlns:a16="http://schemas.microsoft.com/office/drawing/2014/main" id="{6E20636C-67A0-A9ED-9447-E65E3DBC68BE}"/>
+                <a16:creationId xmlns:a16="http://schemas.microsoft.com/office/drawing/2014/main" xmlns="" id="{6E20636C-67A0-A9ED-9447-E65E3DBC68BE}"/>
               </a:ext>
             </a:extLst>
           </p:cNvPr>
@@ -2530,7 +2528,7 @@
           <p:cNvPr id="5" name="Dátum helye 4">
             <a:extLst>
               <a:ext uri="{FF2B5EF4-FFF2-40B4-BE49-F238E27FC236}">
-                <a16:creationId xmlns:a16="http://schemas.microsoft.com/office/drawing/2014/main" id="{9F312683-9595-AE25-326A-8C5877B6B683}"/>
+                <a16:creationId xmlns:a16="http://schemas.microsoft.com/office/drawing/2014/main" xmlns="" id="{9F312683-9595-AE25-326A-8C5877B6B683}"/>
               </a:ext>
             </a:extLst>
           </p:cNvPr>
@@ -2548,7 +2546,7 @@
           <a:p>
             <a:fld id="{8E532DDB-289F-42C2-8F57-09A656E29423}" type="datetimeFigureOut">
               <a:rPr lang="hu-HU" smtClean="0"/>
-              <a:t>2024.01.31</a:t>
+              <a:t>2024. 02. 05.</a:t>
             </a:fld>
             <a:endParaRPr lang="hu-HU"/>
           </a:p>
@@ -2559,7 +2557,7 @@
           <p:cNvPr id="6" name="Élőláb helye 5">
             <a:extLst>
               <a:ext uri="{FF2B5EF4-FFF2-40B4-BE49-F238E27FC236}">
-                <a16:creationId xmlns:a16="http://schemas.microsoft.com/office/drawing/2014/main" id="{8966127D-5FB5-31BD-9ADA-D2182F34B42E}"/>
+                <a16:creationId xmlns:a16="http://schemas.microsoft.com/office/drawing/2014/main" xmlns="" id="{8966127D-5FB5-31BD-9ADA-D2182F34B42E}"/>
               </a:ext>
             </a:extLst>
           </p:cNvPr>
@@ -2584,7 +2582,7 @@
           <p:cNvPr id="7" name="Dia számának helye 6">
             <a:extLst>
               <a:ext uri="{FF2B5EF4-FFF2-40B4-BE49-F238E27FC236}">
-                <a16:creationId xmlns:a16="http://schemas.microsoft.com/office/drawing/2014/main" id="{9D7BE2A7-FA0F-D1CB-4C81-4F42A7317EDA}"/>
+                <a16:creationId xmlns:a16="http://schemas.microsoft.com/office/drawing/2014/main" xmlns="" id="{9D7BE2A7-FA0F-D1CB-4C81-4F42A7317EDA}"/>
               </a:ext>
             </a:extLst>
           </p:cNvPr>
@@ -2643,7 +2641,7 @@
           <p:cNvPr id="2" name="Cím 1">
             <a:extLst>
               <a:ext uri="{FF2B5EF4-FFF2-40B4-BE49-F238E27FC236}">
-                <a16:creationId xmlns:a16="http://schemas.microsoft.com/office/drawing/2014/main" id="{B0784514-8C93-1D41-0ADC-AE65182FDD80}"/>
+                <a16:creationId xmlns:a16="http://schemas.microsoft.com/office/drawing/2014/main" xmlns="" id="{B0784514-8C93-1D41-0ADC-AE65182FDD80}"/>
               </a:ext>
             </a:extLst>
           </p:cNvPr>
@@ -2680,7 +2678,7 @@
           <p:cNvPr id="3" name="Kép helye 2">
             <a:extLst>
               <a:ext uri="{FF2B5EF4-FFF2-40B4-BE49-F238E27FC236}">
-                <a16:creationId xmlns:a16="http://schemas.microsoft.com/office/drawing/2014/main" id="{A322284F-F90F-B535-EB30-0E01F4BBCD18}"/>
+                <a16:creationId xmlns:a16="http://schemas.microsoft.com/office/drawing/2014/main" xmlns="" id="{A322284F-F90F-B535-EB30-0E01F4BBCD18}"/>
               </a:ext>
             </a:extLst>
           </p:cNvPr>
@@ -2747,7 +2745,7 @@
           <p:cNvPr id="4" name="Szöveg helye 3">
             <a:extLst>
               <a:ext uri="{FF2B5EF4-FFF2-40B4-BE49-F238E27FC236}">
-                <a16:creationId xmlns:a16="http://schemas.microsoft.com/office/drawing/2014/main" id="{D72DEB85-590B-1098-22C9-0A2BD35856A5}"/>
+                <a16:creationId xmlns:a16="http://schemas.microsoft.com/office/drawing/2014/main" xmlns="" id="{D72DEB85-590B-1098-22C9-0A2BD35856A5}"/>
               </a:ext>
             </a:extLst>
           </p:cNvPr>
@@ -2818,7 +2816,7 @@
           <p:cNvPr id="5" name="Dátum helye 4">
             <a:extLst>
               <a:ext uri="{FF2B5EF4-FFF2-40B4-BE49-F238E27FC236}">
-                <a16:creationId xmlns:a16="http://schemas.microsoft.com/office/drawing/2014/main" id="{FF0EEE38-B9C3-57C4-28D5-83BF2BDFBC37}"/>
+                <a16:creationId xmlns:a16="http://schemas.microsoft.com/office/drawing/2014/main" xmlns="" id="{FF0EEE38-B9C3-57C4-28D5-83BF2BDFBC37}"/>
               </a:ext>
             </a:extLst>
           </p:cNvPr>
@@ -2836,7 +2834,7 @@
           <a:p>
             <a:fld id="{8E532DDB-289F-42C2-8F57-09A656E29423}" type="datetimeFigureOut">
               <a:rPr lang="hu-HU" smtClean="0"/>
-              <a:t>2024.01.31</a:t>
+              <a:t>2024. 02. 05.</a:t>
             </a:fld>
             <a:endParaRPr lang="hu-HU"/>
           </a:p>
@@ -2847,7 +2845,7 @@
           <p:cNvPr id="6" name="Élőláb helye 5">
             <a:extLst>
               <a:ext uri="{FF2B5EF4-FFF2-40B4-BE49-F238E27FC236}">
-                <a16:creationId xmlns:a16="http://schemas.microsoft.com/office/drawing/2014/main" id="{9A8C60BB-E846-A556-7D6F-80E4666550F6}"/>
+                <a16:creationId xmlns:a16="http://schemas.microsoft.com/office/drawing/2014/main" xmlns="" id="{9A8C60BB-E846-A556-7D6F-80E4666550F6}"/>
               </a:ext>
             </a:extLst>
           </p:cNvPr>
@@ -2872,7 +2870,7 @@
           <p:cNvPr id="7" name="Dia számának helye 6">
             <a:extLst>
               <a:ext uri="{FF2B5EF4-FFF2-40B4-BE49-F238E27FC236}">
-                <a16:creationId xmlns:a16="http://schemas.microsoft.com/office/drawing/2014/main" id="{F40C4142-B31B-0592-C73D-7D1D2251D700}"/>
+                <a16:creationId xmlns:a16="http://schemas.microsoft.com/office/drawing/2014/main" xmlns="" id="{F40C4142-B31B-0592-C73D-7D1D2251D700}"/>
               </a:ext>
             </a:extLst>
           </p:cNvPr>
@@ -2936,7 +2934,7 @@
           <p:cNvPr id="2" name="Cím helye 1">
             <a:extLst>
               <a:ext uri="{FF2B5EF4-FFF2-40B4-BE49-F238E27FC236}">
-                <a16:creationId xmlns:a16="http://schemas.microsoft.com/office/drawing/2014/main" id="{17782075-6685-2989-CE63-F72F6A17CA3B}"/>
+                <a16:creationId xmlns:a16="http://schemas.microsoft.com/office/drawing/2014/main" xmlns="" id="{17782075-6685-2989-CE63-F72F6A17CA3B}"/>
               </a:ext>
             </a:extLst>
           </p:cNvPr>
@@ -2974,7 +2972,7 @@
           <p:cNvPr id="3" name="Szöveg helye 2">
             <a:extLst>
               <a:ext uri="{FF2B5EF4-FFF2-40B4-BE49-F238E27FC236}">
-                <a16:creationId xmlns:a16="http://schemas.microsoft.com/office/drawing/2014/main" id="{62170818-01AE-3631-E7D4-F09960BC7755}"/>
+                <a16:creationId xmlns:a16="http://schemas.microsoft.com/office/drawing/2014/main" xmlns="" id="{62170818-01AE-3631-E7D4-F09960BC7755}"/>
               </a:ext>
             </a:extLst>
           </p:cNvPr>
@@ -3041,7 +3039,7 @@
           <p:cNvPr id="4" name="Dátum helye 3">
             <a:extLst>
               <a:ext uri="{FF2B5EF4-FFF2-40B4-BE49-F238E27FC236}">
-                <a16:creationId xmlns:a16="http://schemas.microsoft.com/office/drawing/2014/main" id="{5E44EABD-3951-FE87-043A-DEE26A772C31}"/>
+                <a16:creationId xmlns:a16="http://schemas.microsoft.com/office/drawing/2014/main" xmlns="" id="{5E44EABD-3951-FE87-043A-DEE26A772C31}"/>
               </a:ext>
             </a:extLst>
           </p:cNvPr>
@@ -3077,7 +3075,7 @@
           <a:p>
             <a:fld id="{8E532DDB-289F-42C2-8F57-09A656E29423}" type="datetimeFigureOut">
               <a:rPr lang="hu-HU" smtClean="0"/>
-              <a:t>2024.01.31</a:t>
+              <a:t>2024. 02. 05.</a:t>
             </a:fld>
             <a:endParaRPr lang="hu-HU"/>
           </a:p>
@@ -3088,7 +3086,7 @@
           <p:cNvPr id="5" name="Élőláb helye 4">
             <a:extLst>
               <a:ext uri="{FF2B5EF4-FFF2-40B4-BE49-F238E27FC236}">
-                <a16:creationId xmlns:a16="http://schemas.microsoft.com/office/drawing/2014/main" id="{198D541F-EDD3-7ECD-372B-4F0F3E42E056}"/>
+                <a16:creationId xmlns:a16="http://schemas.microsoft.com/office/drawing/2014/main" xmlns="" id="{198D541F-EDD3-7ECD-372B-4F0F3E42E056}"/>
               </a:ext>
             </a:extLst>
           </p:cNvPr>
@@ -3131,7 +3129,7 @@
           <p:cNvPr id="6" name="Dia számának helye 5">
             <a:extLst>
               <a:ext uri="{FF2B5EF4-FFF2-40B4-BE49-F238E27FC236}">
-                <a16:creationId xmlns:a16="http://schemas.microsoft.com/office/drawing/2014/main" id="{3B1F9F43-DBAD-7623-FC58-2CBFA5EC9A4A}"/>
+                <a16:creationId xmlns:a16="http://schemas.microsoft.com/office/drawing/2014/main" xmlns="" id="{3B1F9F43-DBAD-7623-FC58-2CBFA5EC9A4A}"/>
               </a:ext>
             </a:extLst>
           </p:cNvPr>
@@ -3507,7 +3505,7 @@
           <p:cNvPr id="4" name="Ellipszis 3">
             <a:extLst>
               <a:ext uri="{FF2B5EF4-FFF2-40B4-BE49-F238E27FC236}">
-                <a16:creationId xmlns:a16="http://schemas.microsoft.com/office/drawing/2014/main" id="{5E590742-0F2F-708E-87FC-8CF5ABA75119}"/>
+                <a16:creationId xmlns:a16="http://schemas.microsoft.com/office/drawing/2014/main" xmlns="" id="{5E590742-0F2F-708E-87FC-8CF5ABA75119}"/>
               </a:ext>
             </a:extLst>
           </p:cNvPr>
@@ -3566,7 +3564,7 @@
           <p:cNvPr id="5" name="Ellipszis 4">
             <a:extLst>
               <a:ext uri="{FF2B5EF4-FFF2-40B4-BE49-F238E27FC236}">
-                <a16:creationId xmlns:a16="http://schemas.microsoft.com/office/drawing/2014/main" id="{7BFA035C-0E90-EF99-09EB-F01F1787B99D}"/>
+                <a16:creationId xmlns:a16="http://schemas.microsoft.com/office/drawing/2014/main" xmlns="" id="{7BFA035C-0E90-EF99-09EB-F01F1787B99D}"/>
               </a:ext>
             </a:extLst>
           </p:cNvPr>
@@ -3622,7 +3620,7 @@
           <p:cNvPr id="6" name="Téglalap: lekerekített 5">
             <a:extLst>
               <a:ext uri="{FF2B5EF4-FFF2-40B4-BE49-F238E27FC236}">
-                <a16:creationId xmlns:a16="http://schemas.microsoft.com/office/drawing/2014/main" id="{FF8E1E1E-E25D-9D44-58A0-641AE3D16840}"/>
+                <a16:creationId xmlns:a16="http://schemas.microsoft.com/office/drawing/2014/main" xmlns="" id="{FF8E1E1E-E25D-9D44-58A0-641AE3D16840}"/>
               </a:ext>
             </a:extLst>
           </p:cNvPr>
@@ -3688,7 +3686,7 @@
           <p:cNvPr id="7" name="Téglalap: lekerekített 6">
             <a:extLst>
               <a:ext uri="{FF2B5EF4-FFF2-40B4-BE49-F238E27FC236}">
-                <a16:creationId xmlns:a16="http://schemas.microsoft.com/office/drawing/2014/main" id="{876BD73A-04ED-68D6-0CFC-B55B322B54B6}"/>
+                <a16:creationId xmlns:a16="http://schemas.microsoft.com/office/drawing/2014/main" xmlns="" id="{876BD73A-04ED-68D6-0CFC-B55B322B54B6}"/>
               </a:ext>
             </a:extLst>
           </p:cNvPr>
@@ -3754,7 +3752,7 @@
           <p:cNvPr id="8" name="Téglalap: lekerekített 7">
             <a:extLst>
               <a:ext uri="{FF2B5EF4-FFF2-40B4-BE49-F238E27FC236}">
-                <a16:creationId xmlns:a16="http://schemas.microsoft.com/office/drawing/2014/main" id="{A949ACA4-0F6E-139B-8268-493DDA55C128}"/>
+                <a16:creationId xmlns:a16="http://schemas.microsoft.com/office/drawing/2014/main" xmlns="" id="{A949ACA4-0F6E-139B-8268-493DDA55C128}"/>
               </a:ext>
             </a:extLst>
           </p:cNvPr>
@@ -3820,7 +3818,7 @@
           <p:cNvPr id="9" name="Téglalap: lekerekített 8">
             <a:extLst>
               <a:ext uri="{FF2B5EF4-FFF2-40B4-BE49-F238E27FC236}">
-                <a16:creationId xmlns:a16="http://schemas.microsoft.com/office/drawing/2014/main" id="{D9B78EC0-CC66-2DDA-134B-90693F675712}"/>
+                <a16:creationId xmlns:a16="http://schemas.microsoft.com/office/drawing/2014/main" xmlns="" id="{D9B78EC0-CC66-2DDA-134B-90693F675712}"/>
               </a:ext>
             </a:extLst>
           </p:cNvPr>
@@ -3878,7 +3876,7 @@
           <p:cNvPr id="10" name="Téglalap: lekerekített 9">
             <a:extLst>
               <a:ext uri="{FF2B5EF4-FFF2-40B4-BE49-F238E27FC236}">
-                <a16:creationId xmlns:a16="http://schemas.microsoft.com/office/drawing/2014/main" id="{2E3A3B9D-563A-3AE1-8B49-D5C002EEA99D}"/>
+                <a16:creationId xmlns:a16="http://schemas.microsoft.com/office/drawing/2014/main" xmlns="" id="{2E3A3B9D-563A-3AE1-8B49-D5C002EEA99D}"/>
               </a:ext>
             </a:extLst>
           </p:cNvPr>
@@ -3944,7 +3942,7 @@
           <p:cNvPr id="11" name="Téglalap: lekerekített 10">
             <a:extLst>
               <a:ext uri="{FF2B5EF4-FFF2-40B4-BE49-F238E27FC236}">
-                <a16:creationId xmlns:a16="http://schemas.microsoft.com/office/drawing/2014/main" id="{DF3EB93E-2E32-E334-3C4E-462E031D3FD7}"/>
+                <a16:creationId xmlns:a16="http://schemas.microsoft.com/office/drawing/2014/main" xmlns="" id="{DF3EB93E-2E32-E334-3C4E-462E031D3FD7}"/>
               </a:ext>
             </a:extLst>
           </p:cNvPr>
@@ -4002,7 +4000,7 @@
           <p:cNvPr id="12" name="Téglalap: lekerekített 11">
             <a:extLst>
               <a:ext uri="{FF2B5EF4-FFF2-40B4-BE49-F238E27FC236}">
-                <a16:creationId xmlns:a16="http://schemas.microsoft.com/office/drawing/2014/main" id="{B12CDA0D-4782-C9A6-DEFD-8858E69E0D7B}"/>
+                <a16:creationId xmlns:a16="http://schemas.microsoft.com/office/drawing/2014/main" xmlns="" id="{B12CDA0D-4782-C9A6-DEFD-8858E69E0D7B}"/>
               </a:ext>
             </a:extLst>
           </p:cNvPr>
@@ -4068,7 +4066,7 @@
           <p:cNvPr id="13" name="Téglalap: lekerekített 12">
             <a:extLst>
               <a:ext uri="{FF2B5EF4-FFF2-40B4-BE49-F238E27FC236}">
-                <a16:creationId xmlns:a16="http://schemas.microsoft.com/office/drawing/2014/main" id="{74CFAF27-3E7A-F8C8-BD2F-DD4524B7DCE9}"/>
+                <a16:creationId xmlns:a16="http://schemas.microsoft.com/office/drawing/2014/main" xmlns="" id="{74CFAF27-3E7A-F8C8-BD2F-DD4524B7DCE9}"/>
               </a:ext>
             </a:extLst>
           </p:cNvPr>
@@ -4134,7 +4132,7 @@
           <p:cNvPr id="14" name="Téglalap: lekerekített 13">
             <a:extLst>
               <a:ext uri="{FF2B5EF4-FFF2-40B4-BE49-F238E27FC236}">
-                <a16:creationId xmlns:a16="http://schemas.microsoft.com/office/drawing/2014/main" id="{4FF50EB6-58FD-EF34-ECC2-721D27B4C713}"/>
+                <a16:creationId xmlns:a16="http://schemas.microsoft.com/office/drawing/2014/main" xmlns="" id="{4FF50EB6-58FD-EF34-ECC2-721D27B4C713}"/>
               </a:ext>
             </a:extLst>
           </p:cNvPr>
@@ -4192,7 +4190,7 @@
           <p:cNvPr id="15" name="Szövegdoboz 14">
             <a:extLst>
               <a:ext uri="{FF2B5EF4-FFF2-40B4-BE49-F238E27FC236}">
-                <a16:creationId xmlns:a16="http://schemas.microsoft.com/office/drawing/2014/main" id="{BAD904EC-5503-CAE6-53A8-7648AE393A9D}"/>
+                <a16:creationId xmlns:a16="http://schemas.microsoft.com/office/drawing/2014/main" xmlns="" id="{BAD904EC-5503-CAE6-53A8-7648AE393A9D}"/>
               </a:ext>
             </a:extLst>
           </p:cNvPr>
@@ -4245,7 +4243,7 @@
           <p:cNvPr id="16" name="Szövegdoboz 15">
             <a:extLst>
               <a:ext uri="{FF2B5EF4-FFF2-40B4-BE49-F238E27FC236}">
-                <a16:creationId xmlns:a16="http://schemas.microsoft.com/office/drawing/2014/main" id="{C9117FAE-FE67-5743-F7DB-0D7FE2C64D91}"/>
+                <a16:creationId xmlns:a16="http://schemas.microsoft.com/office/drawing/2014/main" xmlns="" id="{C9117FAE-FE67-5743-F7DB-0D7FE2C64D91}"/>
               </a:ext>
             </a:extLst>
           </p:cNvPr>
@@ -4278,6 +4276,10 @@
                 <a:latin typeface="Barlow" panose="020F0502020204030204" pitchFamily="2" charset="-18"/>
               </a:rPr>
               <a:t>5. Fejezet dokumentációja:</a:t>
+            </a:r>
+            <a:r>
+              <a:rPr lang="hu-HU" sz="2000" dirty="0"/>
+              <a:t/>
             </a:r>
             <a:br>
               <a:rPr lang="hu-HU" sz="2000" dirty="0"/>
@@ -4939,963 +4941,10 @@
       </p:grpSpPr>
       <p:sp>
         <p:nvSpPr>
-          <p:cNvPr id="2" name="Cím 1">
+          <p:cNvPr id="44" name="Ellipszis 43">
             <a:extLst>
               <a:ext uri="{FF2B5EF4-FFF2-40B4-BE49-F238E27FC236}">
-                <a16:creationId xmlns:a16="http://schemas.microsoft.com/office/drawing/2014/main" id="{D1CE9B8A-DB08-5227-4E90-0FE396A4D141}"/>
-              </a:ext>
-            </a:extLst>
-          </p:cNvPr>
-          <p:cNvSpPr>
-            <a:spLocks noGrp="1"/>
-          </p:cNvSpPr>
-          <p:nvPr>
-            <p:ph type="ctrTitle"/>
-          </p:nvPr>
-        </p:nvSpPr>
-        <p:spPr/>
-        <p:txBody>
-          <a:bodyPr/>
-          <a:lstStyle/>
-          <a:p>
-            <a:endParaRPr lang="hu-HU"/>
-          </a:p>
-        </p:txBody>
-      </p:sp>
-      <p:sp>
-        <p:nvSpPr>
-          <p:cNvPr id="3" name="Alcím 2">
-            <a:extLst>
-              <a:ext uri="{FF2B5EF4-FFF2-40B4-BE49-F238E27FC236}">
-                <a16:creationId xmlns:a16="http://schemas.microsoft.com/office/drawing/2014/main" id="{33E051B4-6ACD-E318-EC79-47D89175A6C0}"/>
-              </a:ext>
-            </a:extLst>
-          </p:cNvPr>
-          <p:cNvSpPr>
-            <a:spLocks noGrp="1"/>
-          </p:cNvSpPr>
-          <p:nvPr>
-            <p:ph type="subTitle" idx="1"/>
-          </p:nvPr>
-        </p:nvSpPr>
-        <p:spPr/>
-        <p:txBody>
-          <a:bodyPr/>
-          <a:lstStyle/>
-          <a:p>
-            <a:endParaRPr lang="hu-HU"/>
-          </a:p>
-        </p:txBody>
-      </p:sp>
-      <p:sp>
-        <p:nvSpPr>
-          <p:cNvPr id="5" name="Téglalap: lekerekített 4">
-            <a:extLst>
-              <a:ext uri="{FF2B5EF4-FFF2-40B4-BE49-F238E27FC236}">
-                <a16:creationId xmlns:a16="http://schemas.microsoft.com/office/drawing/2014/main" id="{C5BDCC62-F9EF-42AD-9B0E-82FDB2144CDA}"/>
-              </a:ext>
-            </a:extLst>
-          </p:cNvPr>
-          <p:cNvSpPr/>
-          <p:nvPr/>
-        </p:nvSpPr>
-        <p:spPr>
-          <a:xfrm>
-            <a:off x="880044" y="293914"/>
-            <a:ext cx="4784269" cy="6270170"/>
-          </a:xfrm>
-          <a:prstGeom prst="roundRect">
-            <a:avLst>
-              <a:gd name="adj" fmla="val 4094"/>
-            </a:avLst>
-          </a:prstGeom>
-          <a:solidFill>
-            <a:schemeClr val="bg1">
-              <a:alpha val="80000"/>
-            </a:schemeClr>
-          </a:solidFill>
-          <a:ln w="120650" cap="sq">
-            <a:noFill/>
-            <a:round/>
-          </a:ln>
-        </p:spPr>
-        <p:style>
-          <a:lnRef idx="2">
-            <a:schemeClr val="accent1">
-              <a:shade val="15000"/>
-            </a:schemeClr>
-          </a:lnRef>
-          <a:fillRef idx="1">
-            <a:schemeClr val="accent1"/>
-          </a:fillRef>
-          <a:effectRef idx="0">
-            <a:schemeClr val="accent1"/>
-          </a:effectRef>
-          <a:fontRef idx="minor">
-            <a:schemeClr val="lt1"/>
-          </a:fontRef>
-        </p:style>
-        <p:txBody>
-          <a:bodyPr rtlCol="0" anchor="ctr"/>
-          <a:lstStyle/>
-          <a:p>
-            <a:pPr algn="ctr"/>
-            <a:endParaRPr lang="hu-HU" dirty="0"/>
-          </a:p>
-        </p:txBody>
-      </p:sp>
-    </p:spTree>
-    <p:extLst>
-      <p:ext uri="{BB962C8B-B14F-4D97-AF65-F5344CB8AC3E}">
-        <p14:creationId xmlns:p14="http://schemas.microsoft.com/office/powerpoint/2010/main" val="605018872"/>
-      </p:ext>
-    </p:extLst>
-  </p:cSld>
-  <p:clrMapOvr>
-    <a:masterClrMapping/>
-  </p:clrMapOvr>
-  <p:transition spd="slow">
-    <p:push dir="u"/>
-  </p:transition>
-  <p:timing>
-    <p:tnLst>
-      <p:par>
-        <p:cTn id="1" dur="indefinite" restart="never" nodeType="tmRoot">
-          <p:childTnLst>
-            <p:seq concurrent="1" nextAc="seek">
-              <p:cTn id="2" dur="indefinite" nodeType="mainSeq">
-                <p:childTnLst>
-                  <p:par>
-                    <p:cTn id="3" fill="hold">
-                      <p:stCondLst>
-                        <p:cond delay="indefinite"/>
-                      </p:stCondLst>
-                      <p:childTnLst>
-                        <p:par>
-                          <p:cTn id="4" fill="hold">
-                            <p:stCondLst>
-                              <p:cond delay="0"/>
-                            </p:stCondLst>
-                            <p:childTnLst>
-                              <p:par>
-                                <p:cTn id="5" presetID="2" presetClass="entr" presetSubtype="4" fill="hold" grpId="0" nodeType="clickEffect">
-                                  <p:stCondLst>
-                                    <p:cond delay="0"/>
-                                  </p:stCondLst>
-                                  <p:childTnLst>
-                                    <p:set>
-                                      <p:cBhvr>
-                                        <p:cTn id="6" dur="1" fill="hold">
-                                          <p:stCondLst>
-                                            <p:cond delay="0"/>
-                                          </p:stCondLst>
-                                        </p:cTn>
-                                        <p:tgtEl>
-                                          <p:spTgt spid="5"/>
-                                        </p:tgtEl>
-                                        <p:attrNameLst>
-                                          <p:attrName>style.visibility</p:attrName>
-                                        </p:attrNameLst>
-                                      </p:cBhvr>
-                                      <p:to>
-                                        <p:strVal val="visible"/>
-                                      </p:to>
-                                    </p:set>
-                                    <p:anim calcmode="lin" valueType="num">
-                                      <p:cBhvr additive="base">
-                                        <p:cTn id="7" dur="500" fill="hold"/>
-                                        <p:tgtEl>
-                                          <p:spTgt spid="5"/>
-                                        </p:tgtEl>
-                                        <p:attrNameLst>
-                                          <p:attrName>ppt_x</p:attrName>
-                                        </p:attrNameLst>
-                                      </p:cBhvr>
-                                      <p:tavLst>
-                                        <p:tav tm="0">
-                                          <p:val>
-                                            <p:strVal val="#ppt_x"/>
-                                          </p:val>
-                                        </p:tav>
-                                        <p:tav tm="100000">
-                                          <p:val>
-                                            <p:strVal val="#ppt_x"/>
-                                          </p:val>
-                                        </p:tav>
-                                      </p:tavLst>
-                                    </p:anim>
-                                    <p:anim calcmode="lin" valueType="num">
-                                      <p:cBhvr additive="base">
-                                        <p:cTn id="8" dur="500" fill="hold"/>
-                                        <p:tgtEl>
-                                          <p:spTgt spid="5"/>
-                                        </p:tgtEl>
-                                        <p:attrNameLst>
-                                          <p:attrName>ppt_y</p:attrName>
-                                        </p:attrNameLst>
-                                      </p:cBhvr>
-                                      <p:tavLst>
-                                        <p:tav tm="0">
-                                          <p:val>
-                                            <p:strVal val="1+#ppt_h/2"/>
-                                          </p:val>
-                                        </p:tav>
-                                        <p:tav tm="100000">
-                                          <p:val>
-                                            <p:strVal val="#ppt_y"/>
-                                          </p:val>
-                                        </p:tav>
-                                      </p:tavLst>
-                                    </p:anim>
-                                  </p:childTnLst>
-                                </p:cTn>
-                              </p:par>
-                            </p:childTnLst>
-                          </p:cTn>
-                        </p:par>
-                      </p:childTnLst>
-                    </p:cTn>
-                  </p:par>
-                </p:childTnLst>
-              </p:cTn>
-              <p:prevCondLst>
-                <p:cond evt="onPrev" delay="0">
-                  <p:tgtEl>
-                    <p:sldTgt/>
-                  </p:tgtEl>
-                </p:cond>
-              </p:prevCondLst>
-              <p:nextCondLst>
-                <p:cond evt="onNext" delay="0">
-                  <p:tgtEl>
-                    <p:sldTgt/>
-                  </p:tgtEl>
-                </p:cond>
-              </p:nextCondLst>
-            </p:seq>
-          </p:childTnLst>
-        </p:cTn>
-      </p:par>
-    </p:tnLst>
-    <p:bldLst>
-      <p:bldP spid="5" grpId="0" animBg="1"/>
-    </p:bldLst>
-  </p:timing>
-</p:sld>
-</file>
-
-<file path=ppt/slides/slide11.xml><?xml version="1.0" encoding="utf-8"?>
-<p:sld xmlns:a="http://schemas.openxmlformats.org/drawingml/2006/main" xmlns:r="http://schemas.openxmlformats.org/officeDocument/2006/relationships" xmlns:p="http://schemas.openxmlformats.org/presentationml/2006/main">
-  <p:cSld>
-    <p:bg>
-      <p:bgPr>
-        <a:solidFill>
-          <a:srgbClr val="5019B3"/>
-        </a:solidFill>
-        <a:effectLst/>
-      </p:bgPr>
-    </p:bg>
-    <p:spTree>
-      <p:nvGrpSpPr>
-        <p:cNvPr id="1" name=""/>
-        <p:cNvGrpSpPr/>
-        <p:nvPr/>
-      </p:nvGrpSpPr>
-      <p:grpSpPr>
-        <a:xfrm>
-          <a:off x="0" y="0"/>
-          <a:ext cx="0" cy="0"/>
-          <a:chOff x="0" y="0"/>
-          <a:chExt cx="0" cy="0"/>
-        </a:xfrm>
-      </p:grpSpPr>
-      <p:sp>
-        <p:nvSpPr>
-          <p:cNvPr id="4" name="Ellipszis 3">
-            <a:extLst>
-              <a:ext uri="{FF2B5EF4-FFF2-40B4-BE49-F238E27FC236}">
-                <a16:creationId xmlns:a16="http://schemas.microsoft.com/office/drawing/2014/main" id="{5E590742-0F2F-708E-87FC-8CF5ABA75119}"/>
-              </a:ext>
-            </a:extLst>
-          </p:cNvPr>
-          <p:cNvSpPr/>
-          <p:nvPr/>
-        </p:nvSpPr>
-        <p:spPr>
-          <a:xfrm>
-            <a:off x="2803967" y="136967"/>
-            <a:ext cx="6584065" cy="6584065"/>
-          </a:xfrm>
-          <a:prstGeom prst="ellipse">
-            <a:avLst/>
-          </a:prstGeom>
-          <a:solidFill>
-            <a:srgbClr val="4B199F"/>
-          </a:solidFill>
-          <a:ln>
-            <a:noFill/>
-          </a:ln>
-          <a:effectLst>
-            <a:innerShdw blurRad="533400">
-              <a:prstClr val="black">
-                <a:alpha val="71000"/>
-              </a:prstClr>
-            </a:innerShdw>
-          </a:effectLst>
-        </p:spPr>
-        <p:style>
-          <a:lnRef idx="2">
-            <a:schemeClr val="accent1">
-              <a:shade val="15000"/>
-            </a:schemeClr>
-          </a:lnRef>
-          <a:fillRef idx="1">
-            <a:schemeClr val="accent1"/>
-          </a:fillRef>
-          <a:effectRef idx="0">
-            <a:schemeClr val="accent1"/>
-          </a:effectRef>
-          <a:fontRef idx="minor">
-            <a:schemeClr val="lt1"/>
-          </a:fontRef>
-        </p:style>
-        <p:txBody>
-          <a:bodyPr rtlCol="0" anchor="ctr"/>
-          <a:lstStyle/>
-          <a:p>
-            <a:pPr algn="ctr"/>
-            <a:endParaRPr lang="hu-HU"/>
-          </a:p>
-        </p:txBody>
-      </p:sp>
-      <p:sp>
-        <p:nvSpPr>
-          <p:cNvPr id="5" name="Ellipszis 4">
-            <a:extLst>
-              <a:ext uri="{FF2B5EF4-FFF2-40B4-BE49-F238E27FC236}">
-                <a16:creationId xmlns:a16="http://schemas.microsoft.com/office/drawing/2014/main" id="{7BFA035C-0E90-EF99-09EB-F01F1787B99D}"/>
-              </a:ext>
-            </a:extLst>
-          </p:cNvPr>
-          <p:cNvSpPr/>
-          <p:nvPr/>
-        </p:nvSpPr>
-        <p:spPr>
-          <a:xfrm>
-            <a:off x="3530277" y="863277"/>
-            <a:ext cx="5131443" cy="5131443"/>
-          </a:xfrm>
-          <a:prstGeom prst="ellipse">
-            <a:avLst/>
-          </a:prstGeom>
-          <a:solidFill>
-            <a:srgbClr val="441887"/>
-          </a:solidFill>
-          <a:effectLst>
-            <a:innerShdw blurRad="368300">
-              <a:prstClr val="black">
-                <a:alpha val="41000"/>
-              </a:prstClr>
-            </a:innerShdw>
-          </a:effectLst>
-        </p:spPr>
-        <p:style>
-          <a:lnRef idx="2">
-            <a:schemeClr val="accent1">
-              <a:shade val="15000"/>
-            </a:schemeClr>
-          </a:lnRef>
-          <a:fillRef idx="1">
-            <a:schemeClr val="accent1"/>
-          </a:fillRef>
-          <a:effectRef idx="0">
-            <a:schemeClr val="accent1"/>
-          </a:effectRef>
-          <a:fontRef idx="minor">
-            <a:schemeClr val="lt1"/>
-          </a:fontRef>
-        </p:style>
-        <p:txBody>
-          <a:bodyPr rtlCol="0" anchor="ctr"/>
-          <a:lstStyle/>
-          <a:p>
-            <a:pPr algn="ctr"/>
-            <a:endParaRPr lang="hu-HU"/>
-          </a:p>
-        </p:txBody>
-      </p:sp>
-      <p:sp>
-        <p:nvSpPr>
-          <p:cNvPr id="15" name="Szövegdoboz 14">
-            <a:extLst>
-              <a:ext uri="{FF2B5EF4-FFF2-40B4-BE49-F238E27FC236}">
-                <a16:creationId xmlns:a16="http://schemas.microsoft.com/office/drawing/2014/main" id="{BAD904EC-5503-CAE6-53A8-7648AE393A9D}"/>
-              </a:ext>
-            </a:extLst>
-          </p:cNvPr>
-          <p:cNvSpPr txBox="1"/>
-          <p:nvPr/>
-        </p:nvSpPr>
-        <p:spPr>
-          <a:xfrm>
-            <a:off x="4049861" y="2141397"/>
-            <a:ext cx="4396873" cy="1754326"/>
-          </a:xfrm>
-          <a:prstGeom prst="rect">
-            <a:avLst/>
-          </a:prstGeom>
-          <a:noFill/>
-          <a:effectLst>
-            <a:outerShdw sx="1000" sy="1000" algn="ctr" rotWithShape="0">
-              <a:srgbClr val="000000"/>
-            </a:outerShdw>
-          </a:effectLst>
-        </p:spPr>
-        <p:txBody>
-          <a:bodyPr wrap="square" rtlCol="0">
-            <a:spAutoFit/>
-          </a:bodyPr>
-          <a:lstStyle/>
-          <a:p>
-            <a:r>
-              <a:rPr lang="hu-HU" sz="5400" dirty="0">
-                <a:solidFill>
-                  <a:schemeClr val="bg1"/>
-                </a:solidFill>
-                <a:effectLst>
-                  <a:outerShdw dist="38100" sx="101000" sy="101000" algn="l" rotWithShape="0">
-                    <a:prstClr val="black">
-                      <a:alpha val="10000"/>
-                    </a:prstClr>
-                  </a:outerShdw>
-                </a:effectLst>
-                <a:latin typeface="Segoe UI Black" panose="020B0A02040204020203" pitchFamily="34" charset="0"/>
-                <a:ea typeface="Segoe UI Black" panose="020B0A02040204020203" pitchFamily="34" charset="0"/>
-              </a:rPr>
-              <a:t>Köszönjük a figyelmet!</a:t>
-            </a:r>
-          </a:p>
-        </p:txBody>
-      </p:sp>
-      <p:sp>
-        <p:nvSpPr>
-          <p:cNvPr id="17" name="Szövegdoboz 15">
-            <a:extLst>
-              <a:ext uri="{FF2B5EF4-FFF2-40B4-BE49-F238E27FC236}">
-                <a16:creationId xmlns:a16="http://schemas.microsoft.com/office/drawing/2014/main" id="{C9117FAE-FE67-5743-F7DB-0D7FE2C64D91}"/>
-              </a:ext>
-            </a:extLst>
-          </p:cNvPr>
-          <p:cNvSpPr txBox="1"/>
-          <p:nvPr/>
-        </p:nvSpPr>
-        <p:spPr>
-          <a:xfrm>
-            <a:off x="3745262" y="4098842"/>
-            <a:ext cx="4701472" cy="646331"/>
-          </a:xfrm>
-          <a:prstGeom prst="rect">
-            <a:avLst/>
-          </a:prstGeom>
-          <a:noFill/>
-        </p:spPr>
-        <p:txBody>
-          <a:bodyPr wrap="square" rtlCol="0">
-            <a:spAutoFit/>
-          </a:bodyPr>
-          <a:lstStyle/>
-          <a:p>
-            <a:r>
-              <a:rPr lang="hu-HU" sz="1600" b="0" i="0" dirty="0">
-                <a:solidFill>
-                  <a:srgbClr val="FFFFFF"/>
-                </a:solidFill>
-                <a:effectLst/>
-                <a:latin typeface="Barlow" panose="020F0502020204030204" pitchFamily="2" charset="-18"/>
-              </a:rPr>
-              <a:t>Készítette: </a:t>
-            </a:r>
-            <a:r>
-              <a:rPr lang="hu-HU" sz="1600" dirty="0">
-                <a:solidFill>
-                  <a:srgbClr val="FFFFFF"/>
-                </a:solidFill>
-                <a:latin typeface="Barlow" panose="020F0502020204030204" pitchFamily="2" charset="-18"/>
-              </a:rPr>
-              <a:t>Kállai Gábor, Szalai Bence, Bánhidai Mátyás</a:t>
-            </a:r>
-            <a:endParaRPr lang="hu-HU" sz="1600" b="0" i="0" dirty="0">
-              <a:solidFill>
-                <a:srgbClr val="FFFFFF"/>
-              </a:solidFill>
-              <a:effectLst/>
-              <a:latin typeface="Barlow" panose="020F0502020204030204" pitchFamily="2" charset="-18"/>
-            </a:endParaRPr>
-          </a:p>
-          <a:p>
-            <a:pPr algn="ctr"/>
-            <a:endParaRPr lang="hu-HU" sz="2000" dirty="0"/>
-          </a:p>
-        </p:txBody>
-      </p:sp>
-    </p:spTree>
-    <p:extLst>
-      <p:ext uri="{BB962C8B-B14F-4D97-AF65-F5344CB8AC3E}">
-        <p14:creationId xmlns:p14="http://schemas.microsoft.com/office/powerpoint/2010/main" val="2378275473"/>
-      </p:ext>
-    </p:extLst>
-  </p:cSld>
-  <p:clrMapOvr>
-    <a:masterClrMapping/>
-  </p:clrMapOvr>
-  <p:transition spd="slow">
-    <p:push dir="u"/>
-  </p:transition>
-  <p:timing>
-    <p:tnLst>
-      <p:par>
-        <p:cTn id="1" dur="indefinite" restart="never" nodeType="tmRoot">
-          <p:childTnLst>
-            <p:seq concurrent="1" nextAc="seek">
-              <p:cTn id="2" dur="indefinite" nodeType="mainSeq">
-                <p:childTnLst>
-                  <p:par>
-                    <p:cTn id="3" fill="hold">
-                      <p:stCondLst>
-                        <p:cond delay="indefinite"/>
-                        <p:cond evt="onBegin" delay="0">
-                          <p:tn val="2"/>
-                        </p:cond>
-                      </p:stCondLst>
-                      <p:childTnLst>
-                        <p:par>
-                          <p:cTn id="4" fill="hold">
-                            <p:stCondLst>
-                              <p:cond delay="0"/>
-                            </p:stCondLst>
-                            <p:childTnLst>
-                              <p:par>
-                                <p:cTn id="5" presetID="53" presetClass="entr" presetSubtype="16" fill="hold" grpId="0" nodeType="withEffect">
-                                  <p:stCondLst>
-                                    <p:cond delay="0"/>
-                                  </p:stCondLst>
-                                  <p:childTnLst>
-                                    <p:set>
-                                      <p:cBhvr>
-                                        <p:cTn id="6" dur="1" fill="hold">
-                                          <p:stCondLst>
-                                            <p:cond delay="0"/>
-                                          </p:stCondLst>
-                                        </p:cTn>
-                                        <p:tgtEl>
-                                          <p:spTgt spid="4"/>
-                                        </p:tgtEl>
-                                        <p:attrNameLst>
-                                          <p:attrName>style.visibility</p:attrName>
-                                        </p:attrNameLst>
-                                      </p:cBhvr>
-                                      <p:to>
-                                        <p:strVal val="visible"/>
-                                      </p:to>
-                                    </p:set>
-                                    <p:anim calcmode="lin" valueType="num">
-                                      <p:cBhvr>
-                                        <p:cTn id="7" dur="300" fill="hold"/>
-                                        <p:tgtEl>
-                                          <p:spTgt spid="4"/>
-                                        </p:tgtEl>
-                                        <p:attrNameLst>
-                                          <p:attrName>ppt_w</p:attrName>
-                                        </p:attrNameLst>
-                                      </p:cBhvr>
-                                      <p:tavLst>
-                                        <p:tav tm="0">
-                                          <p:val>
-                                            <p:fltVal val="0"/>
-                                          </p:val>
-                                        </p:tav>
-                                        <p:tav tm="100000">
-                                          <p:val>
-                                            <p:strVal val="#ppt_w"/>
-                                          </p:val>
-                                        </p:tav>
-                                      </p:tavLst>
-                                    </p:anim>
-                                    <p:anim calcmode="lin" valueType="num">
-                                      <p:cBhvr>
-                                        <p:cTn id="8" dur="300" fill="hold"/>
-                                        <p:tgtEl>
-                                          <p:spTgt spid="4"/>
-                                        </p:tgtEl>
-                                        <p:attrNameLst>
-                                          <p:attrName>ppt_h</p:attrName>
-                                        </p:attrNameLst>
-                                      </p:cBhvr>
-                                      <p:tavLst>
-                                        <p:tav tm="0">
-                                          <p:val>
-                                            <p:fltVal val="0"/>
-                                          </p:val>
-                                        </p:tav>
-                                        <p:tav tm="100000">
-                                          <p:val>
-                                            <p:strVal val="#ppt_h"/>
-                                          </p:val>
-                                        </p:tav>
-                                      </p:tavLst>
-                                    </p:anim>
-                                    <p:animEffect transition="in" filter="fade">
-                                      <p:cBhvr>
-                                        <p:cTn id="9" dur="300"/>
-                                        <p:tgtEl>
-                                          <p:spTgt spid="4"/>
-                                        </p:tgtEl>
-                                      </p:cBhvr>
-                                    </p:animEffect>
-                                  </p:childTnLst>
-                                </p:cTn>
-                              </p:par>
-                            </p:childTnLst>
-                          </p:cTn>
-                        </p:par>
-                        <p:par>
-                          <p:cTn id="10" fill="hold">
-                            <p:stCondLst>
-                              <p:cond delay="300"/>
-                            </p:stCondLst>
-                            <p:childTnLst>
-                              <p:par>
-                                <p:cTn id="11" presetID="53" presetClass="entr" presetSubtype="16" fill="hold" grpId="0" nodeType="afterEffect">
-                                  <p:stCondLst>
-                                    <p:cond delay="200"/>
-                                  </p:stCondLst>
-                                  <p:childTnLst>
-                                    <p:set>
-                                      <p:cBhvr>
-                                        <p:cTn id="12" dur="1" fill="hold">
-                                          <p:stCondLst>
-                                            <p:cond delay="0"/>
-                                          </p:stCondLst>
-                                        </p:cTn>
-                                        <p:tgtEl>
-                                          <p:spTgt spid="5"/>
-                                        </p:tgtEl>
-                                        <p:attrNameLst>
-                                          <p:attrName>style.visibility</p:attrName>
-                                        </p:attrNameLst>
-                                      </p:cBhvr>
-                                      <p:to>
-                                        <p:strVal val="visible"/>
-                                      </p:to>
-                                    </p:set>
-                                    <p:anim calcmode="lin" valueType="num">
-                                      <p:cBhvr>
-                                        <p:cTn id="13" dur="300" fill="hold"/>
-                                        <p:tgtEl>
-                                          <p:spTgt spid="5"/>
-                                        </p:tgtEl>
-                                        <p:attrNameLst>
-                                          <p:attrName>ppt_w</p:attrName>
-                                        </p:attrNameLst>
-                                      </p:cBhvr>
-                                      <p:tavLst>
-                                        <p:tav tm="0">
-                                          <p:val>
-                                            <p:fltVal val="0"/>
-                                          </p:val>
-                                        </p:tav>
-                                        <p:tav tm="100000">
-                                          <p:val>
-                                            <p:strVal val="#ppt_w"/>
-                                          </p:val>
-                                        </p:tav>
-                                      </p:tavLst>
-                                    </p:anim>
-                                    <p:anim calcmode="lin" valueType="num">
-                                      <p:cBhvr>
-                                        <p:cTn id="14" dur="300" fill="hold"/>
-                                        <p:tgtEl>
-                                          <p:spTgt spid="5"/>
-                                        </p:tgtEl>
-                                        <p:attrNameLst>
-                                          <p:attrName>ppt_h</p:attrName>
-                                        </p:attrNameLst>
-                                      </p:cBhvr>
-                                      <p:tavLst>
-                                        <p:tav tm="0">
-                                          <p:val>
-                                            <p:fltVal val="0"/>
-                                          </p:val>
-                                        </p:tav>
-                                        <p:tav tm="100000">
-                                          <p:val>
-                                            <p:strVal val="#ppt_h"/>
-                                          </p:val>
-                                        </p:tav>
-                                      </p:tavLst>
-                                    </p:anim>
-                                    <p:animEffect transition="in" filter="fade">
-                                      <p:cBhvr>
-                                        <p:cTn id="15" dur="300"/>
-                                        <p:tgtEl>
-                                          <p:spTgt spid="5"/>
-                                        </p:tgtEl>
-                                      </p:cBhvr>
-                                    </p:animEffect>
-                                  </p:childTnLst>
-                                </p:cTn>
-                              </p:par>
-                            </p:childTnLst>
-                          </p:cTn>
-                        </p:par>
-                        <p:par>
-                          <p:cTn id="16" fill="hold">
-                            <p:stCondLst>
-                              <p:cond delay="800"/>
-                            </p:stCondLst>
-                            <p:childTnLst>
-                              <p:par>
-                                <p:cTn id="17" presetID="2" presetClass="entr" presetSubtype="4" fill="hold" nodeType="afterEffect">
-                                  <p:stCondLst>
-                                    <p:cond delay="500"/>
-                                  </p:stCondLst>
-                                  <p:childTnLst>
-                                    <p:set>
-                                      <p:cBhvr>
-                                        <p:cTn id="18" dur="1" fill="hold">
-                                          <p:stCondLst>
-                                            <p:cond delay="0"/>
-                                          </p:stCondLst>
-                                        </p:cTn>
-                                        <p:tgtEl>
-                                          <p:spTgt spid="15">
-                                            <p:txEl>
-                                              <p:pRg st="0" end="0"/>
-                                            </p:txEl>
-                                          </p:spTgt>
-                                        </p:tgtEl>
-                                        <p:attrNameLst>
-                                          <p:attrName>style.visibility</p:attrName>
-                                        </p:attrNameLst>
-                                      </p:cBhvr>
-                                      <p:to>
-                                        <p:strVal val="visible"/>
-                                      </p:to>
-                                    </p:set>
-                                    <p:anim calcmode="lin" valueType="num">
-                                      <p:cBhvr additive="base">
-                                        <p:cTn id="19" dur="1300" fill="hold"/>
-                                        <p:tgtEl>
-                                          <p:spTgt spid="15">
-                                            <p:txEl>
-                                              <p:pRg st="0" end="0"/>
-                                            </p:txEl>
-                                          </p:spTgt>
-                                        </p:tgtEl>
-                                        <p:attrNameLst>
-                                          <p:attrName>ppt_x</p:attrName>
-                                        </p:attrNameLst>
-                                      </p:cBhvr>
-                                      <p:tavLst>
-                                        <p:tav tm="0">
-                                          <p:val>
-                                            <p:strVal val="#ppt_x"/>
-                                          </p:val>
-                                        </p:tav>
-                                        <p:tav tm="100000">
-                                          <p:val>
-                                            <p:strVal val="#ppt_x"/>
-                                          </p:val>
-                                        </p:tav>
-                                      </p:tavLst>
-                                    </p:anim>
-                                    <p:anim calcmode="lin" valueType="num">
-                                      <p:cBhvr additive="base">
-                                        <p:cTn id="20" dur="1300" fill="hold"/>
-                                        <p:tgtEl>
-                                          <p:spTgt spid="15">
-                                            <p:txEl>
-                                              <p:pRg st="0" end="0"/>
-                                            </p:txEl>
-                                          </p:spTgt>
-                                        </p:tgtEl>
-                                        <p:attrNameLst>
-                                          <p:attrName>ppt_y</p:attrName>
-                                        </p:attrNameLst>
-                                      </p:cBhvr>
-                                      <p:tavLst>
-                                        <p:tav tm="0">
-                                          <p:val>
-                                            <p:strVal val="1+#ppt_h/2"/>
-                                          </p:val>
-                                        </p:tav>
-                                        <p:tav tm="100000">
-                                          <p:val>
-                                            <p:strVal val="#ppt_y"/>
-                                          </p:val>
-                                        </p:tav>
-                                      </p:tavLst>
-                                    </p:anim>
-                                  </p:childTnLst>
-                                </p:cTn>
-                              </p:par>
-                            </p:childTnLst>
-                          </p:cTn>
-                        </p:par>
-                        <p:par>
-                          <p:cTn id="21" fill="hold">
-                            <p:stCondLst>
-                              <p:cond delay="2600"/>
-                            </p:stCondLst>
-                            <p:childTnLst>
-                              <p:par>
-                                <p:cTn id="22" presetID="42" presetClass="entr" presetSubtype="0" fill="hold" grpId="0" nodeType="afterEffect">
-                                  <p:stCondLst>
-                                    <p:cond delay="0"/>
-                                  </p:stCondLst>
-                                  <p:childTnLst>
-                                    <p:set>
-                                      <p:cBhvr>
-                                        <p:cTn id="23" dur="1" fill="hold">
-                                          <p:stCondLst>
-                                            <p:cond delay="0"/>
-                                          </p:stCondLst>
-                                        </p:cTn>
-                                        <p:tgtEl>
-                                          <p:spTgt spid="17"/>
-                                        </p:tgtEl>
-                                        <p:attrNameLst>
-                                          <p:attrName>style.visibility</p:attrName>
-                                        </p:attrNameLst>
-                                      </p:cBhvr>
-                                      <p:to>
-                                        <p:strVal val="visible"/>
-                                      </p:to>
-                                    </p:set>
-                                    <p:animEffect transition="in" filter="fade">
-                                      <p:cBhvr>
-                                        <p:cTn id="24" dur="1000"/>
-                                        <p:tgtEl>
-                                          <p:spTgt spid="17"/>
-                                        </p:tgtEl>
-                                      </p:cBhvr>
-                                    </p:animEffect>
-                                    <p:anim calcmode="lin" valueType="num">
-                                      <p:cBhvr>
-                                        <p:cTn id="25" dur="1000" fill="hold"/>
-                                        <p:tgtEl>
-                                          <p:spTgt spid="17"/>
-                                        </p:tgtEl>
-                                        <p:attrNameLst>
-                                          <p:attrName>ppt_x</p:attrName>
-                                        </p:attrNameLst>
-                                      </p:cBhvr>
-                                      <p:tavLst>
-                                        <p:tav tm="0">
-                                          <p:val>
-                                            <p:strVal val="#ppt_x"/>
-                                          </p:val>
-                                        </p:tav>
-                                        <p:tav tm="100000">
-                                          <p:val>
-                                            <p:strVal val="#ppt_x"/>
-                                          </p:val>
-                                        </p:tav>
-                                      </p:tavLst>
-                                    </p:anim>
-                                    <p:anim calcmode="lin" valueType="num">
-                                      <p:cBhvr>
-                                        <p:cTn id="26" dur="1000" fill="hold"/>
-                                        <p:tgtEl>
-                                          <p:spTgt spid="17"/>
-                                        </p:tgtEl>
-                                        <p:attrNameLst>
-                                          <p:attrName>ppt_y</p:attrName>
-                                        </p:attrNameLst>
-                                      </p:cBhvr>
-                                      <p:tavLst>
-                                        <p:tav tm="0">
-                                          <p:val>
-                                            <p:strVal val="#ppt_y+.1"/>
-                                          </p:val>
-                                        </p:tav>
-                                        <p:tav tm="100000">
-                                          <p:val>
-                                            <p:strVal val="#ppt_y"/>
-                                          </p:val>
-                                        </p:tav>
-                                      </p:tavLst>
-                                    </p:anim>
-                                  </p:childTnLst>
-                                </p:cTn>
-                              </p:par>
-                            </p:childTnLst>
-                          </p:cTn>
-                        </p:par>
-                      </p:childTnLst>
-                    </p:cTn>
-                  </p:par>
-                </p:childTnLst>
-              </p:cTn>
-              <p:prevCondLst>
-                <p:cond evt="onPrev" delay="0">
-                  <p:tgtEl>
-                    <p:sldTgt/>
-                  </p:tgtEl>
-                </p:cond>
-              </p:prevCondLst>
-              <p:nextCondLst>
-                <p:cond evt="onNext" delay="0">
-                  <p:tgtEl>
-                    <p:sldTgt/>
-                  </p:tgtEl>
-                </p:cond>
-              </p:nextCondLst>
-            </p:seq>
-          </p:childTnLst>
-        </p:cTn>
-      </p:par>
-    </p:tnLst>
-    <p:bldLst>
-      <p:bldP spid="4" grpId="0" animBg="1"/>
-      <p:bldP spid="5" grpId="0" animBg="1"/>
-      <p:bldP spid="17" grpId="0"/>
-    </p:bldLst>
-  </p:timing>
-</p:sld>
-</file>
-
-<file path=ppt/slides/slide12.xml><?xml version="1.0" encoding="utf-8"?>
-<p:sld xmlns:a="http://schemas.openxmlformats.org/drawingml/2006/main" xmlns:r="http://schemas.openxmlformats.org/officeDocument/2006/relationships" xmlns:p="http://schemas.openxmlformats.org/presentationml/2006/main">
-  <p:cSld>
-    <p:bg>
-      <p:bgPr>
-        <a:solidFill>
-          <a:srgbClr val="5019B3"/>
-        </a:solidFill>
-        <a:effectLst/>
-      </p:bgPr>
-    </p:bg>
-    <p:spTree>
-      <p:nvGrpSpPr>
-        <p:cNvPr id="1" name=""/>
-        <p:cNvGrpSpPr/>
-        <p:nvPr/>
-      </p:nvGrpSpPr>
-      <p:grpSpPr>
-        <a:xfrm>
-          <a:off x="0" y="0"/>
-          <a:ext cx="0" cy="0"/>
-          <a:chOff x="0" y="0"/>
-          <a:chExt cx="0" cy="0"/>
-        </a:xfrm>
-      </p:grpSpPr>
-      <p:sp>
-        <p:nvSpPr>
-          <p:cNvPr id="44" name="Ellipszis 43">
-            <a:extLst>
-              <a:ext uri="{FF2B5EF4-FFF2-40B4-BE49-F238E27FC236}">
-                <a16:creationId xmlns:a16="http://schemas.microsoft.com/office/drawing/2014/main" id="{645329D2-24D7-4E68-B864-0EBD807ED9C7}"/>
+                <a16:creationId xmlns:a16="http://schemas.microsoft.com/office/drawing/2014/main" xmlns="" id="{645329D2-24D7-4E68-B864-0EBD807ED9C7}"/>
               </a:ext>
             </a:extLst>
           </p:cNvPr>
@@ -5954,7 +5003,7 @@
           <p:cNvPr id="45" name="Ellipszis 44">
             <a:extLst>
               <a:ext uri="{FF2B5EF4-FFF2-40B4-BE49-F238E27FC236}">
-                <a16:creationId xmlns:a16="http://schemas.microsoft.com/office/drawing/2014/main" id="{1CF101B2-BBC2-495C-A7C8-A35500CDEADA}"/>
+                <a16:creationId xmlns:a16="http://schemas.microsoft.com/office/drawing/2014/main" xmlns="" id="{1CF101B2-BBC2-495C-A7C8-A35500CDEADA}"/>
               </a:ext>
             </a:extLst>
           </p:cNvPr>
@@ -6013,7 +5062,7 @@
           <p:cNvPr id="50" name="Téglalap: lekerekített 49">
             <a:extLst>
               <a:ext uri="{FF2B5EF4-FFF2-40B4-BE49-F238E27FC236}">
-                <a16:creationId xmlns:a16="http://schemas.microsoft.com/office/drawing/2014/main" id="{8B38A860-78B7-48BD-A452-FE7ADB9753AD}"/>
+                <a16:creationId xmlns:a16="http://schemas.microsoft.com/office/drawing/2014/main" xmlns="" id="{8B38A860-78B7-48BD-A452-FE7ADB9753AD}"/>
               </a:ext>
             </a:extLst>
           </p:cNvPr>
@@ -6128,7 +5177,7 @@
           <p:cNvPr id="1032" name="Picture 8" descr="Your very First GitHub Repository. | by olatunde ibitoye | Medium">
             <a:extLst>
               <a:ext uri="{FF2B5EF4-FFF2-40B4-BE49-F238E27FC236}">
-                <a16:creationId xmlns:a16="http://schemas.microsoft.com/office/drawing/2014/main" id="{65697C37-BB70-40DD-AFE7-60C0822C6AB9}"/>
+                <a16:creationId xmlns:a16="http://schemas.microsoft.com/office/drawing/2014/main" xmlns="" id="{65697C37-BB70-40DD-AFE7-60C0822C6AB9}"/>
               </a:ext>
             </a:extLst>
           </p:cNvPr>
@@ -6175,7 +5224,7 @@
           <p:cNvPr id="66" name="Ellipszis 65">
             <a:extLst>
               <a:ext uri="{FF2B5EF4-FFF2-40B4-BE49-F238E27FC236}">
-                <a16:creationId xmlns:a16="http://schemas.microsoft.com/office/drawing/2014/main" id="{56912AC2-6561-42FD-80C1-49350133FB8A}"/>
+                <a16:creationId xmlns:a16="http://schemas.microsoft.com/office/drawing/2014/main" xmlns="" id="{56912AC2-6561-42FD-80C1-49350133FB8A}"/>
               </a:ext>
             </a:extLst>
           </p:cNvPr>
@@ -6234,7 +5283,7 @@
           <p:cNvPr id="67" name="Ellipszis 66">
             <a:extLst>
               <a:ext uri="{FF2B5EF4-FFF2-40B4-BE49-F238E27FC236}">
-                <a16:creationId xmlns:a16="http://schemas.microsoft.com/office/drawing/2014/main" id="{32F74799-D3F6-4A89-A83F-A3F32E86FA9E}"/>
+                <a16:creationId xmlns:a16="http://schemas.microsoft.com/office/drawing/2014/main" xmlns="" id="{32F74799-D3F6-4A89-A83F-A3F32E86FA9E}"/>
               </a:ext>
             </a:extLst>
           </p:cNvPr>
@@ -6293,7 +5342,7 @@
           <p:cNvPr id="69" name="Ellipszis 68">
             <a:extLst>
               <a:ext uri="{FF2B5EF4-FFF2-40B4-BE49-F238E27FC236}">
-                <a16:creationId xmlns:a16="http://schemas.microsoft.com/office/drawing/2014/main" id="{EA0495DE-046E-4ED7-8708-5EC8AE2AC86E}"/>
+                <a16:creationId xmlns:a16="http://schemas.microsoft.com/office/drawing/2014/main" xmlns="" id="{EA0495DE-046E-4ED7-8708-5EC8AE2AC86E}"/>
               </a:ext>
             </a:extLst>
           </p:cNvPr>
@@ -6352,7 +5401,7 @@
           <p:cNvPr id="70" name="Ellipszis 69">
             <a:extLst>
               <a:ext uri="{FF2B5EF4-FFF2-40B4-BE49-F238E27FC236}">
-                <a16:creationId xmlns:a16="http://schemas.microsoft.com/office/drawing/2014/main" id="{0B57A567-0E0A-4116-B280-EDE7321AE0BD}"/>
+                <a16:creationId xmlns:a16="http://schemas.microsoft.com/office/drawing/2014/main" xmlns="" id="{0B57A567-0E0A-4116-B280-EDE7321AE0BD}"/>
               </a:ext>
             </a:extLst>
           </p:cNvPr>
@@ -6411,7 +5460,7 @@
           <p:cNvPr id="1038" name="Picture 14" descr="https://avatars.githubusercontent.com/u/122269847?v=4">
             <a:extLst>
               <a:ext uri="{FF2B5EF4-FFF2-40B4-BE49-F238E27FC236}">
-                <a16:creationId xmlns:a16="http://schemas.microsoft.com/office/drawing/2014/main" id="{7CD961B7-2720-4DD3-A1FC-99878FABF62E}"/>
+                <a16:creationId xmlns:a16="http://schemas.microsoft.com/office/drawing/2014/main" xmlns="" id="{7CD961B7-2720-4DD3-A1FC-99878FABF62E}"/>
               </a:ext>
             </a:extLst>
           </p:cNvPr>
@@ -6458,7 +5507,7 @@
           <p:cNvPr id="75" name="Téglalap: lekerekített 74">
             <a:extLst>
               <a:ext uri="{FF2B5EF4-FFF2-40B4-BE49-F238E27FC236}">
-                <a16:creationId xmlns:a16="http://schemas.microsoft.com/office/drawing/2014/main" id="{F061B00D-FF28-417F-8E89-78FED159E63E}"/>
+                <a16:creationId xmlns:a16="http://schemas.microsoft.com/office/drawing/2014/main" xmlns="" id="{F061B00D-FF28-417F-8E89-78FED159E63E}"/>
               </a:ext>
             </a:extLst>
           </p:cNvPr>
@@ -6570,7 +5619,7 @@
           <p:cNvPr id="76" name="Téglalap: lekerekített 75">
             <a:extLst>
               <a:ext uri="{FF2B5EF4-FFF2-40B4-BE49-F238E27FC236}">
-                <a16:creationId xmlns:a16="http://schemas.microsoft.com/office/drawing/2014/main" id="{4A770DFA-F1B4-42B9-ACDE-1808FFD1ECEF}"/>
+                <a16:creationId xmlns:a16="http://schemas.microsoft.com/office/drawing/2014/main" xmlns="" id="{4A770DFA-F1B4-42B9-ACDE-1808FFD1ECEF}"/>
               </a:ext>
             </a:extLst>
           </p:cNvPr>
@@ -6689,7 +5738,7 @@
           <p:cNvPr id="1030" name="Picture 6" descr="View Benceszalaiii's full-sized avatar">
             <a:extLst>
               <a:ext uri="{FF2B5EF4-FFF2-40B4-BE49-F238E27FC236}">
-                <a16:creationId xmlns:a16="http://schemas.microsoft.com/office/drawing/2014/main" id="{07E059F9-3A19-44ED-8C2E-22C8B58F5ABE}"/>
+                <a16:creationId xmlns:a16="http://schemas.microsoft.com/office/drawing/2014/main" xmlns="" id="{07E059F9-3A19-44ED-8C2E-22C8B58F5ABE}"/>
               </a:ext>
             </a:extLst>
           </p:cNvPr>
@@ -6736,7 +5785,7 @@
           <p:cNvPr id="2" name="Picture 8" descr="View kallaigabor06's full-sized avatar">
             <a:extLst>
               <a:ext uri="{FF2B5EF4-FFF2-40B4-BE49-F238E27FC236}">
-                <a16:creationId xmlns:a16="http://schemas.microsoft.com/office/drawing/2014/main" id="{813DCCF5-8F15-401B-9890-E04DE5653CBD}"/>
+                <a16:creationId xmlns:a16="http://schemas.microsoft.com/office/drawing/2014/main" xmlns="" id="{813DCCF5-8F15-401B-9890-E04DE5653CBD}"/>
               </a:ext>
             </a:extLst>
           </p:cNvPr>
@@ -7712,7 +6761,7 @@
           <p:cNvPr id="7" name="Téglalap: lekerekített 6">
             <a:extLst>
               <a:ext uri="{FF2B5EF4-FFF2-40B4-BE49-F238E27FC236}">
-                <a16:creationId xmlns:a16="http://schemas.microsoft.com/office/drawing/2014/main" id="{9E83F3BB-AE52-4C22-B3C7-E052C54A356D}"/>
+                <a16:creationId xmlns:a16="http://schemas.microsoft.com/office/drawing/2014/main" xmlns="" id="{9E83F3BB-AE52-4C22-B3C7-E052C54A356D}"/>
               </a:ext>
             </a:extLst>
           </p:cNvPr>
@@ -7785,7 +6834,7 @@
           <p:cNvPr id="6" name="Téglalap: lekerekített 5">
             <a:extLst>
               <a:ext uri="{FF2B5EF4-FFF2-40B4-BE49-F238E27FC236}">
-                <a16:creationId xmlns:a16="http://schemas.microsoft.com/office/drawing/2014/main" id="{7054393B-7C14-4BF7-B3BE-977FD580A87B}"/>
+                <a16:creationId xmlns:a16="http://schemas.microsoft.com/office/drawing/2014/main" xmlns="" id="{7054393B-7C14-4BF7-B3BE-977FD580A87B}"/>
               </a:ext>
             </a:extLst>
           </p:cNvPr>
@@ -7858,7 +6907,7 @@
           <p:cNvPr id="12" name="Téglalap: lekerekített 11">
             <a:extLst>
               <a:ext uri="{FF2B5EF4-FFF2-40B4-BE49-F238E27FC236}">
-                <a16:creationId xmlns:a16="http://schemas.microsoft.com/office/drawing/2014/main" id="{012748AF-1348-4B58-90F4-37F17048BB84}"/>
+                <a16:creationId xmlns:a16="http://schemas.microsoft.com/office/drawing/2014/main" xmlns="" id="{012748AF-1348-4B58-90F4-37F17048BB84}"/>
               </a:ext>
             </a:extLst>
           </p:cNvPr>
@@ -7907,7 +6956,7 @@
           <a:p>
             <a:pPr algn="ctr"/>
             <a:r>
-              <a:rPr lang="hu-HU" sz="2800" dirty="0" err="1">
+              <a:rPr lang="hu-HU" sz="2800" dirty="0" smtClean="0">
                 <a:solidFill>
                   <a:srgbClr val="5019B3"/>
                 </a:solidFill>
@@ -7921,7 +6970,7 @@
                 <a:latin typeface="Segoe UI Black" panose="020B0A02040204020203" pitchFamily="34" charset="0"/>
                 <a:ea typeface="Segoe UI Black" panose="020B0A02040204020203" pitchFamily="34" charset="0"/>
               </a:rPr>
-              <a:t>Spriteok</a:t>
+              <a:t>Weboldal</a:t>
             </a:r>
             <a:endParaRPr lang="hu-HU" sz="2800" dirty="0">
               <a:solidFill>
@@ -7942,10 +6991,97 @@
       </p:sp>
       <p:sp>
         <p:nvSpPr>
-          <p:cNvPr id="13" name="Téglalap: lekerekített 12">
+          <p:cNvPr id="14" name="Téglalap: lekerekített 13">
             <a:extLst>
               <a:ext uri="{FF2B5EF4-FFF2-40B4-BE49-F238E27FC236}">
-                <a16:creationId xmlns:a16="http://schemas.microsoft.com/office/drawing/2014/main" id="{29EE426C-E1ED-4BC2-A95D-B12B6380874E}"/>
+                <a16:creationId xmlns:a16="http://schemas.microsoft.com/office/drawing/2014/main" xmlns="" id="{7170385F-4939-4517-881C-C91E6029C871}"/>
+              </a:ext>
+            </a:extLst>
+          </p:cNvPr>
+          <p:cNvSpPr/>
+          <p:nvPr/>
+        </p:nvSpPr>
+        <p:spPr>
+          <a:xfrm>
+            <a:off x="9289113" y="3429000"/>
+            <a:ext cx="2500311" cy="2335886"/>
+          </a:xfrm>
+          <a:prstGeom prst="roundRect">
+            <a:avLst>
+              <a:gd name="adj" fmla="val 4094"/>
+            </a:avLst>
+          </a:prstGeom>
+          <a:solidFill>
+            <a:schemeClr val="bg1">
+              <a:alpha val="80000"/>
+            </a:schemeClr>
+          </a:solidFill>
+          <a:ln w="120650" cap="sq">
+            <a:noFill/>
+            <a:round/>
+          </a:ln>
+        </p:spPr>
+        <p:style>
+          <a:lnRef idx="2">
+            <a:schemeClr val="accent1">
+              <a:shade val="15000"/>
+            </a:schemeClr>
+          </a:lnRef>
+          <a:fillRef idx="1">
+            <a:schemeClr val="accent1"/>
+          </a:fillRef>
+          <a:effectRef idx="0">
+            <a:schemeClr val="accent1"/>
+          </a:effectRef>
+          <a:fontRef idx="minor">
+            <a:schemeClr val="lt1"/>
+          </a:fontRef>
+        </p:style>
+        <p:txBody>
+          <a:bodyPr rtlCol="0" anchor="ctr"/>
+          <a:lstStyle/>
+          <a:p>
+            <a:pPr algn="ctr"/>
+            <a:r>
+              <a:rPr lang="hu-HU" sz="2800" dirty="0" err="1">
+                <a:solidFill>
+                  <a:srgbClr val="5019B3"/>
+                </a:solidFill>
+                <a:effectLst>
+                  <a:outerShdw dist="38100" sx="101000" sy="101000" algn="l" rotWithShape="0">
+                    <a:prstClr val="black">
+                      <a:alpha val="0"/>
+                    </a:prstClr>
+                  </a:outerShdw>
+                </a:effectLst>
+                <a:latin typeface="Segoe UI Black" panose="020B0A02040204020203" pitchFamily="34" charset="0"/>
+                <a:ea typeface="Segoe UI Black" panose="020B0A02040204020203" pitchFamily="34" charset="0"/>
+              </a:rPr>
+              <a:t>Github</a:t>
+            </a:r>
+            <a:endParaRPr lang="hu-HU" sz="2800" dirty="0">
+              <a:solidFill>
+                <a:srgbClr val="5019B3"/>
+              </a:solidFill>
+              <a:effectLst>
+                <a:outerShdw dist="38100" sx="101000" sy="101000" algn="l" rotWithShape="0">
+                  <a:prstClr val="black">
+                    <a:alpha val="0"/>
+                  </a:prstClr>
+                </a:outerShdw>
+              </a:effectLst>
+              <a:latin typeface="Segoe UI Black" panose="020B0A02040204020203" pitchFamily="34" charset="0"/>
+              <a:ea typeface="Segoe UI Black" panose="020B0A02040204020203" pitchFamily="34" charset="0"/>
+            </a:endParaRPr>
+          </a:p>
+        </p:txBody>
+      </p:sp>
+      <p:sp>
+        <p:nvSpPr>
+          <p:cNvPr id="8" name="Téglalap: lekerekített 5">
+            <a:extLst>
+              <a:ext uri="{FF2B5EF4-FFF2-40B4-BE49-F238E27FC236}">
+                <a16:creationId xmlns:a16="http://schemas.microsoft.com/office/drawing/2014/main" xmlns="" id="{7054393B-7C14-4BF7-B3BE-977FD580A87B}"/>
               </a:ext>
             </a:extLst>
           </p:cNvPr>
@@ -7994,7 +7130,7 @@
           <a:p>
             <a:pPr algn="ctr"/>
             <a:r>
-              <a:rPr lang="hu-HU" sz="2800" dirty="0">
+              <a:rPr lang="hu-HU" sz="2800" dirty="0" smtClean="0">
                 <a:solidFill>
                   <a:srgbClr val="5019B3"/>
                 </a:solidFill>
@@ -8008,80 +7144,7 @@
                 <a:latin typeface="Segoe UI Black" panose="020B0A02040204020203" pitchFamily="34" charset="0"/>
                 <a:ea typeface="Segoe UI Black" panose="020B0A02040204020203" pitchFamily="34" charset="0"/>
               </a:rPr>
-              <a:t>Weboldal</a:t>
-            </a:r>
-          </a:p>
-        </p:txBody>
-      </p:sp>
-      <p:sp>
-        <p:nvSpPr>
-          <p:cNvPr id="14" name="Téglalap: lekerekített 13">
-            <a:extLst>
-              <a:ext uri="{FF2B5EF4-FFF2-40B4-BE49-F238E27FC236}">
-                <a16:creationId xmlns:a16="http://schemas.microsoft.com/office/drawing/2014/main" id="{7170385F-4939-4517-881C-C91E6029C871}"/>
-              </a:ext>
-            </a:extLst>
-          </p:cNvPr>
-          <p:cNvSpPr/>
-          <p:nvPr/>
-        </p:nvSpPr>
-        <p:spPr>
-          <a:xfrm>
-            <a:off x="9289113" y="3429000"/>
-            <a:ext cx="2500311" cy="2335886"/>
-          </a:xfrm>
-          <a:prstGeom prst="roundRect">
-            <a:avLst>
-              <a:gd name="adj" fmla="val 4094"/>
-            </a:avLst>
-          </a:prstGeom>
-          <a:solidFill>
-            <a:schemeClr val="bg1">
-              <a:alpha val="80000"/>
-            </a:schemeClr>
-          </a:solidFill>
-          <a:ln w="120650" cap="sq">
-            <a:noFill/>
-            <a:round/>
-          </a:ln>
-        </p:spPr>
-        <p:style>
-          <a:lnRef idx="2">
-            <a:schemeClr val="accent1">
-              <a:shade val="15000"/>
-            </a:schemeClr>
-          </a:lnRef>
-          <a:fillRef idx="1">
-            <a:schemeClr val="accent1"/>
-          </a:fillRef>
-          <a:effectRef idx="0">
-            <a:schemeClr val="accent1"/>
-          </a:effectRef>
-          <a:fontRef idx="minor">
-            <a:schemeClr val="lt1"/>
-          </a:fontRef>
-        </p:style>
-        <p:txBody>
-          <a:bodyPr rtlCol="0" anchor="ctr"/>
-          <a:lstStyle/>
-          <a:p>
-            <a:pPr algn="ctr"/>
-            <a:r>
-              <a:rPr lang="hu-HU" sz="2800" dirty="0" err="1">
-                <a:solidFill>
-                  <a:srgbClr val="5019B3"/>
-                </a:solidFill>
-                <a:effectLst>
-                  <a:outerShdw dist="38100" sx="101000" sy="101000" algn="l" rotWithShape="0">
-                    <a:prstClr val="black">
-                      <a:alpha val="0"/>
-                    </a:prstClr>
-                  </a:outerShdw>
-                </a:effectLst>
-                <a:latin typeface="Segoe UI Black" panose="020B0A02040204020203" pitchFamily="34" charset="0"/>
-                <a:ea typeface="Segoe UI Black" panose="020B0A02040204020203" pitchFamily="34" charset="0"/>
-              </a:rPr>
-              <a:t>Github</a:t>
+              <a:t>Mintapy</a:t>
             </a:r>
             <a:endParaRPr lang="hu-HU" sz="2800" dirty="0">
               <a:solidFill>
@@ -8304,7 +7367,7 @@
                               <p:par>
                                 <p:cTn id="15" presetID="2" presetClass="entr" presetSubtype="4" fill="hold" grpId="0" nodeType="withEffect">
                                   <p:stCondLst>
-                                    <p:cond delay="300"/>
+                                    <p:cond delay="400"/>
                                   </p:stCondLst>
                                   <p:childTnLst>
                                     <p:set>
@@ -8315,7 +7378,7 @@
                                           </p:stCondLst>
                                         </p:cTn>
                                         <p:tgtEl>
-                                          <p:spTgt spid="13"/>
+                                          <p:spTgt spid="14"/>
                                         </p:tgtEl>
                                         <p:attrNameLst>
                                           <p:attrName>style.visibility</p:attrName>
@@ -8329,7 +7392,7 @@
                                       <p:cBhvr additive="base">
                                         <p:cTn id="17" dur="500" fill="hold"/>
                                         <p:tgtEl>
-                                          <p:spTgt spid="13"/>
+                                          <p:spTgt spid="14"/>
                                         </p:tgtEl>
                                         <p:attrNameLst>
                                           <p:attrName>ppt_x</p:attrName>
@@ -8352,7 +7415,7 @@
                                       <p:cBhvr additive="base">
                                         <p:cTn id="18" dur="500" fill="hold"/>
                                         <p:tgtEl>
-                                          <p:spTgt spid="13"/>
+                                          <p:spTgt spid="14"/>
                                         </p:tgtEl>
                                         <p:attrNameLst>
                                           <p:attrName>ppt_y</p:attrName>
@@ -8377,7 +7440,7 @@
                               <p:par>
                                 <p:cTn id="19" presetID="2" presetClass="entr" presetSubtype="4" fill="hold" grpId="0" nodeType="withEffect">
                                   <p:stCondLst>
-                                    <p:cond delay="400"/>
+                                    <p:cond delay="100"/>
                                   </p:stCondLst>
                                   <p:childTnLst>
                                     <p:set>
@@ -8388,7 +7451,7 @@
                                           </p:stCondLst>
                                         </p:cTn>
                                         <p:tgtEl>
-                                          <p:spTgt spid="14"/>
+                                          <p:spTgt spid="8"/>
                                         </p:tgtEl>
                                         <p:attrNameLst>
                                           <p:attrName>style.visibility</p:attrName>
@@ -8402,7 +7465,7 @@
                                       <p:cBhvr additive="base">
                                         <p:cTn id="21" dur="500" fill="hold"/>
                                         <p:tgtEl>
-                                          <p:spTgt spid="14"/>
+                                          <p:spTgt spid="8"/>
                                         </p:tgtEl>
                                         <p:attrNameLst>
                                           <p:attrName>ppt_x</p:attrName>
@@ -8425,7 +7488,7 @@
                                       <p:cBhvr additive="base">
                                         <p:cTn id="22" dur="500" fill="hold"/>
                                         <p:tgtEl>
-                                          <p:spTgt spid="14"/>
+                                          <p:spTgt spid="8"/>
                                         </p:tgtEl>
                                         <p:attrNameLst>
                                           <p:attrName>ppt_y</p:attrName>
@@ -8478,8 +7541,8 @@
       <p:bldP spid="7" grpId="0" animBg="1"/>
       <p:bldP spid="6" grpId="0" animBg="1"/>
       <p:bldP spid="12" grpId="0" animBg="1"/>
-      <p:bldP spid="13" grpId="0" animBg="1"/>
       <p:bldP spid="14" grpId="0" animBg="1"/>
+      <p:bldP spid="8" grpId="0" animBg="1"/>
     </p:bldLst>
   </p:timing>
 </p:sld>
@@ -8515,7 +7578,7 @@
           <p:cNvPr id="6" name="Romboid 5">
             <a:extLst>
               <a:ext uri="{FF2B5EF4-FFF2-40B4-BE49-F238E27FC236}">
-                <a16:creationId xmlns:a16="http://schemas.microsoft.com/office/drawing/2014/main" id="{320388CF-6B7B-4133-B1A6-BB1004E72F35}"/>
+                <a16:creationId xmlns:a16="http://schemas.microsoft.com/office/drawing/2014/main" xmlns="" id="{320388CF-6B7B-4133-B1A6-BB1004E72F35}"/>
               </a:ext>
             </a:extLst>
           </p:cNvPr>
@@ -8567,7 +7630,7 @@
           <p:cNvPr id="7" name="Romboid 6">
             <a:extLst>
               <a:ext uri="{FF2B5EF4-FFF2-40B4-BE49-F238E27FC236}">
-                <a16:creationId xmlns:a16="http://schemas.microsoft.com/office/drawing/2014/main" id="{8926B01F-DF41-47D5-AA37-0DF3C9519D4D}"/>
+                <a16:creationId xmlns:a16="http://schemas.microsoft.com/office/drawing/2014/main" xmlns="" id="{8926B01F-DF41-47D5-AA37-0DF3C9519D4D}"/>
               </a:ext>
             </a:extLst>
           </p:cNvPr>
@@ -8616,7 +7679,7 @@
           <p:cNvPr id="8" name="Romboid 7">
             <a:extLst>
               <a:ext uri="{FF2B5EF4-FFF2-40B4-BE49-F238E27FC236}">
-                <a16:creationId xmlns:a16="http://schemas.microsoft.com/office/drawing/2014/main" id="{A9669614-0D7C-436A-A55C-63D5F965F1C5}"/>
+                <a16:creationId xmlns:a16="http://schemas.microsoft.com/office/drawing/2014/main" xmlns="" id="{A9669614-0D7C-436A-A55C-63D5F965F1C5}"/>
               </a:ext>
             </a:extLst>
           </p:cNvPr>
@@ -8665,7 +7728,7 @@
           <p:cNvPr id="1028" name="Picture 4" descr="File:Sass Logo Color.svg - Wikipedia">
             <a:extLst>
               <a:ext uri="{FF2B5EF4-FFF2-40B4-BE49-F238E27FC236}">
-                <a16:creationId xmlns:a16="http://schemas.microsoft.com/office/drawing/2014/main" id="{359B9CB3-1AB1-4A07-90FB-10C65366CA93}"/>
+                <a16:creationId xmlns:a16="http://schemas.microsoft.com/office/drawing/2014/main" xmlns="" id="{359B9CB3-1AB1-4A07-90FB-10C65366CA93}"/>
               </a:ext>
             </a:extLst>
           </p:cNvPr>
@@ -8803,7 +7866,7 @@
           <p:cNvPr id="1026" name="Picture 2" descr="Nem érhető el leírás a fényképhez.">
             <a:extLst>
               <a:ext uri="{FF2B5EF4-FFF2-40B4-BE49-F238E27FC236}">
-                <a16:creationId xmlns:a16="http://schemas.microsoft.com/office/drawing/2014/main" id="{C4F4104E-9947-4266-A1FF-657ABF190A98}"/>
+                <a16:creationId xmlns:a16="http://schemas.microsoft.com/office/drawing/2014/main" xmlns="" id="{C4F4104E-9947-4266-A1FF-657ABF190A98}"/>
               </a:ext>
             </a:extLst>
           </p:cNvPr>
@@ -8813,7 +7876,7 @@
           <p:nvPr/>
         </p:nvPicPr>
         <p:blipFill>
-          <a:blip r:embed="rId4">
+          <a:blip r:embed="rId4" cstate="print">
             <a:extLst>
               <a:ext uri="{28A0092B-C50C-407E-A947-70E740481C1C}">
                 <a14:useLocalDpi xmlns:a14="http://schemas.microsoft.com/office/drawing/2010/main" val="0"/>
@@ -9147,7 +8210,7 @@
           <p:cNvPr id="6" name="Romboid 5">
             <a:extLst>
               <a:ext uri="{FF2B5EF4-FFF2-40B4-BE49-F238E27FC236}">
-                <a16:creationId xmlns:a16="http://schemas.microsoft.com/office/drawing/2014/main" id="{320388CF-6B7B-4133-B1A6-BB1004E72F35}"/>
+                <a16:creationId xmlns:a16="http://schemas.microsoft.com/office/drawing/2014/main" xmlns="" id="{320388CF-6B7B-4133-B1A6-BB1004E72F35}"/>
               </a:ext>
             </a:extLst>
           </p:cNvPr>
@@ -9199,7 +8262,7 @@
           <p:cNvPr id="7" name="Romboid 6">
             <a:extLst>
               <a:ext uri="{FF2B5EF4-FFF2-40B4-BE49-F238E27FC236}">
-                <a16:creationId xmlns:a16="http://schemas.microsoft.com/office/drawing/2014/main" id="{8926B01F-DF41-47D5-AA37-0DF3C9519D4D}"/>
+                <a16:creationId xmlns:a16="http://schemas.microsoft.com/office/drawing/2014/main" xmlns="" id="{8926B01F-DF41-47D5-AA37-0DF3C9519D4D}"/>
               </a:ext>
             </a:extLst>
           </p:cNvPr>
@@ -9248,7 +8311,7 @@
           <p:cNvPr id="8" name="Romboid 7">
             <a:extLst>
               <a:ext uri="{FF2B5EF4-FFF2-40B4-BE49-F238E27FC236}">
-                <a16:creationId xmlns:a16="http://schemas.microsoft.com/office/drawing/2014/main" id="{A9669614-0D7C-436A-A55C-63D5F965F1C5}"/>
+                <a16:creationId xmlns:a16="http://schemas.microsoft.com/office/drawing/2014/main" xmlns="" id="{A9669614-0D7C-436A-A55C-63D5F965F1C5}"/>
               </a:ext>
             </a:extLst>
           </p:cNvPr>
@@ -9354,7 +8417,7 @@
           <p:cNvPr id="10" name="Picture 2" descr="Nem érhető el leírás a fényképhez.">
             <a:extLst>
               <a:ext uri="{FF2B5EF4-FFF2-40B4-BE49-F238E27FC236}">
-                <a16:creationId xmlns:a16="http://schemas.microsoft.com/office/drawing/2014/main" id="{89FB9315-CF1D-4D9A-8B58-27C3C2D88622}"/>
+                <a16:creationId xmlns:a16="http://schemas.microsoft.com/office/drawing/2014/main" xmlns="" id="{89FB9315-CF1D-4D9A-8B58-27C3C2D88622}"/>
               </a:ext>
             </a:extLst>
           </p:cNvPr>
@@ -9364,7 +8427,7 @@
           <p:nvPr/>
         </p:nvPicPr>
         <p:blipFill>
-          <a:blip r:embed="rId2">
+          <a:blip r:embed="rId2" cstate="print">
             <a:extLst>
               <a:ext uri="{28A0092B-C50C-407E-A947-70E740481C1C}">
                 <a14:useLocalDpi xmlns:a14="http://schemas.microsoft.com/office/drawing/2010/main" val="0"/>
@@ -9395,7 +8458,7 @@
           <p:cNvPr id="2" name="Szövegdoboz 1">
             <a:extLst>
               <a:ext uri="{FF2B5EF4-FFF2-40B4-BE49-F238E27FC236}">
-                <a16:creationId xmlns:a16="http://schemas.microsoft.com/office/drawing/2014/main" id="{474BE274-0FDE-485B-8C28-F1A5FAF1316C}"/>
+                <a16:creationId xmlns:a16="http://schemas.microsoft.com/office/drawing/2014/main" xmlns="" id="{474BE274-0FDE-485B-8C28-F1A5FAF1316C}"/>
               </a:ext>
             </a:extLst>
           </p:cNvPr>
@@ -9404,8 +8467,8 @@
         </p:nvSpPr>
         <p:spPr>
           <a:xfrm>
-            <a:off x="3688565" y="2757498"/>
-            <a:ext cx="6021868" cy="2031325"/>
+            <a:off x="2823591" y="1908387"/>
+            <a:ext cx="7114475" cy="2277547"/>
           </a:xfrm>
           <a:prstGeom prst="rect">
             <a:avLst/>
@@ -9423,24 +8486,40 @@
               <a:buChar char="§"/>
             </a:pPr>
             <a:r>
-              <a:rPr lang="hu-HU" sz="4000" dirty="0" err="1">
+              <a:rPr lang="hu-HU" sz="3200" dirty="0" smtClean="0">
                 <a:solidFill>
                   <a:srgbClr val="09E448"/>
                 </a:solidFill>
                 <a:latin typeface="Segoe UI Black" panose="020B0A02040204020203" pitchFamily="34" charset="0"/>
                 <a:ea typeface="Segoe UI Black" panose="020B0A02040204020203" pitchFamily="34" charset="0"/>
               </a:rPr>
-              <a:t>Scroll</a:t>
+              <a:t>Animációs sorozatok</a:t>
             </a:r>
+          </a:p>
+          <a:p>
+            <a:pPr marL="285750" indent="-285750">
+              <a:buFont typeface="Wingdings" panose="05000000000000000000" pitchFamily="2" charset="2"/>
+              <a:buChar char="§"/>
+            </a:pPr>
             <a:r>
-              <a:rPr lang="hu-HU" sz="4000" dirty="0">
+              <a:rPr lang="hu-HU" sz="3200" dirty="0">
                 <a:solidFill>
                   <a:srgbClr val="09E448"/>
                 </a:solidFill>
                 <a:latin typeface="Segoe UI Black" panose="020B0A02040204020203" pitchFamily="34" charset="0"/>
                 <a:ea typeface="Segoe UI Black" panose="020B0A02040204020203" pitchFamily="34" charset="0"/>
               </a:rPr>
-              <a:t>-animációk</a:t>
+              <a:t>Időzített események és </a:t>
+            </a:r>
+            <a:r>
+              <a:rPr lang="hu-HU" sz="3200" dirty="0" smtClean="0">
+                <a:solidFill>
+                  <a:srgbClr val="09E448"/>
+                </a:solidFill>
+                <a:latin typeface="Segoe UI Black" panose="020B0A02040204020203" pitchFamily="34" charset="0"/>
+                <a:ea typeface="Segoe UI Black" panose="020B0A02040204020203" pitchFamily="34" charset="0"/>
+              </a:rPr>
+              <a:t>triggerek</a:t>
             </a:r>
           </a:p>
           <a:p>
@@ -9449,7 +8528,7 @@
               <a:buChar char="§"/>
             </a:pPr>
             <a:r>
-              <a:rPr lang="hu-HU" sz="4000" dirty="0">
+              <a:rPr lang="hu-HU" sz="3200" dirty="0" smtClean="0">
                 <a:solidFill>
                   <a:srgbClr val="09E448"/>
                 </a:solidFill>
@@ -9458,6 +8537,13 @@
               </a:rPr>
               <a:t>Reszponzív</a:t>
             </a:r>
+            <a:endParaRPr lang="hu-HU" sz="3200" dirty="0">
+              <a:solidFill>
+                <a:srgbClr val="09E448"/>
+              </a:solidFill>
+              <a:latin typeface="Segoe UI Black" panose="020B0A02040204020203" pitchFamily="34" charset="0"/>
+              <a:ea typeface="Segoe UI Black" panose="020B0A02040204020203" pitchFamily="34" charset="0"/>
+            </a:endParaRPr>
           </a:p>
           <a:p>
             <a:pPr marL="285750" indent="-285750">
@@ -9487,13 +8573,13 @@
   <p:clrMapOvr>
     <a:masterClrMapping/>
   </p:clrMapOvr>
-  <mc:AlternateContent xmlns:mc="http://schemas.openxmlformats.org/markup-compatibility/2006" xmlns:p159="http://schemas.microsoft.com/office/powerpoint/2015/09/main">
-    <mc:Choice Requires="p159">
+  <mc:AlternateContent xmlns:mc="http://schemas.openxmlformats.org/markup-compatibility/2006">
+    <mc:Choice xmlns:p159="http://schemas.microsoft.com/office/powerpoint/2015/09/main" xmlns="" Requires="p159">
       <p:transition xmlns:p14="http://schemas.microsoft.com/office/powerpoint/2010/main" spd="slow" p14:dur="2000">
         <p159:morph option="byObject"/>
       </p:transition>
     </mc:Choice>
-    <mc:Fallback xmlns="">
+    <mc:Fallback>
       <p:transition spd="slow">
         <p:fade/>
       </p:transition>
@@ -9523,7 +8609,7 @@
                             </p:stCondLst>
                             <p:childTnLst>
                               <p:par>
-                                <p:cTn id="5" presetID="18" presetClass="entr" presetSubtype="12" fill="hold" nodeType="afterEffect">
+                                <p:cTn id="5" presetID="18" presetClass="entr" presetSubtype="12" fill="hold" grpId="0" nodeType="afterEffect">
                                   <p:stCondLst>
                                     <p:cond delay="0"/>
                                   </p:stCondLst>
@@ -9536,11 +8622,7 @@
                                           </p:stCondLst>
                                         </p:cTn>
                                         <p:tgtEl>
-                                          <p:spTgt spid="2">
-                                            <p:txEl>
-                                              <p:pRg st="0" end="0"/>
-                                            </p:txEl>
-                                          </p:spTgt>
+                                          <p:spTgt spid="2"/>
                                         </p:tgtEl>
                                         <p:attrNameLst>
                                           <p:attrName>style.visibility</p:attrName>
@@ -9552,56 +8634,9 @@
                                     </p:set>
                                     <p:animEffect transition="in" filter="strips(downLeft)">
                                       <p:cBhvr>
-                                        <p:cTn id="7" dur="500"/>
+                                        <p:cTn id="7" dur="1000"/>
                                         <p:tgtEl>
-                                          <p:spTgt spid="2">
-                                            <p:txEl>
-                                              <p:pRg st="0" end="0"/>
-                                            </p:txEl>
-                                          </p:spTgt>
-                                        </p:tgtEl>
-                                      </p:cBhvr>
-                                    </p:animEffect>
-                                  </p:childTnLst>
-                                </p:cTn>
-                              </p:par>
-                              <p:par>
-                                <p:cTn id="8" presetID="18" presetClass="entr" presetSubtype="12" fill="hold" nodeType="withEffect">
-                                  <p:stCondLst>
-                                    <p:cond delay="0"/>
-                                  </p:stCondLst>
-                                  <p:childTnLst>
-                                    <p:set>
-                                      <p:cBhvr>
-                                        <p:cTn id="9" dur="1" fill="hold">
-                                          <p:stCondLst>
-                                            <p:cond delay="0"/>
-                                          </p:stCondLst>
-                                        </p:cTn>
-                                        <p:tgtEl>
-                                          <p:spTgt spid="2">
-                                            <p:txEl>
-                                              <p:pRg st="1" end="1"/>
-                                            </p:txEl>
-                                          </p:spTgt>
-                                        </p:tgtEl>
-                                        <p:attrNameLst>
-                                          <p:attrName>style.visibility</p:attrName>
-                                        </p:attrNameLst>
-                                      </p:cBhvr>
-                                      <p:to>
-                                        <p:strVal val="visible"/>
-                                      </p:to>
-                                    </p:set>
-                                    <p:animEffect transition="in" filter="strips(downLeft)">
-                                      <p:cBhvr>
-                                        <p:cTn id="10" dur="500"/>
-                                        <p:tgtEl>
-                                          <p:spTgt spid="2">
-                                            <p:txEl>
-                                              <p:pRg st="1" end="1"/>
-                                            </p:txEl>
-                                          </p:spTgt>
+                                          <p:spTgt spid="2"/>
                                         </p:tgtEl>
                                       </p:cBhvr>
                                     </p:animEffect>
@@ -9635,6 +8670,9 @@
         </p:cTn>
       </p:par>
     </p:tnLst>
+    <p:bldLst>
+      <p:bldP spid="2" grpId="0"/>
+    </p:bldLst>
   </p:timing>
 </p:sld>
 </file>
@@ -9669,7 +8707,7 @@
           <p:cNvPr id="7" name="Romboid 6">
             <a:extLst>
               <a:ext uri="{FF2B5EF4-FFF2-40B4-BE49-F238E27FC236}">
-                <a16:creationId xmlns:a16="http://schemas.microsoft.com/office/drawing/2014/main" id="{8926B01F-DF41-47D5-AA37-0DF3C9519D4D}"/>
+                <a16:creationId xmlns:a16="http://schemas.microsoft.com/office/drawing/2014/main" xmlns="" id="{8926B01F-DF41-47D5-AA37-0DF3C9519D4D}"/>
               </a:ext>
             </a:extLst>
           </p:cNvPr>
@@ -9718,7 +8756,7 @@
           <p:cNvPr id="1028" name="Picture 4" descr="File:Sass Logo Color.svg - Wikipedia">
             <a:extLst>
               <a:ext uri="{FF2B5EF4-FFF2-40B4-BE49-F238E27FC236}">
-                <a16:creationId xmlns:a16="http://schemas.microsoft.com/office/drawing/2014/main" id="{359B9CB3-1AB1-4A07-90FB-10C65366CA93}"/>
+                <a16:creationId xmlns:a16="http://schemas.microsoft.com/office/drawing/2014/main" xmlns="" id="{359B9CB3-1AB1-4A07-90FB-10C65366CA93}"/>
               </a:ext>
             </a:extLst>
           </p:cNvPr>
@@ -9757,7 +8795,7 @@
           <p:cNvPr id="4" name="Szövegdoboz 3">
             <a:extLst>
               <a:ext uri="{FF2B5EF4-FFF2-40B4-BE49-F238E27FC236}">
-                <a16:creationId xmlns:a16="http://schemas.microsoft.com/office/drawing/2014/main" id="{14EA37CB-C533-4153-A868-FB8D12258A5D}"/>
+                <a16:creationId xmlns:a16="http://schemas.microsoft.com/office/drawing/2014/main" xmlns="" id="{14EA37CB-C533-4153-A868-FB8D12258A5D}"/>
               </a:ext>
             </a:extLst>
           </p:cNvPr>
@@ -9766,8 +8804,8 @@
         </p:nvSpPr>
         <p:spPr>
           <a:xfrm>
-            <a:off x="3102857" y="2197894"/>
-            <a:ext cx="6767335" cy="1231106"/>
+            <a:off x="2595283" y="2251682"/>
+            <a:ext cx="8700298" cy="2554545"/>
           </a:xfrm>
           <a:prstGeom prst="rect">
             <a:avLst/>
@@ -9785,14 +8823,14 @@
               <a:buChar char="§"/>
             </a:pPr>
             <a:r>
-              <a:rPr lang="hu-HU" sz="2800" dirty="0">
+              <a:rPr lang="hu-HU" sz="3200" dirty="0">
                 <a:solidFill>
                   <a:srgbClr val="CD6799"/>
                 </a:solidFill>
                 <a:latin typeface="Segoe UI Black" panose="020B0A02040204020203" pitchFamily="34" charset="0"/>
                 <a:ea typeface="Segoe UI Black" panose="020B0A02040204020203" pitchFamily="34" charset="0"/>
               </a:rPr>
-              <a:t>A</a:t>
+              <a:t>Stíluslapok előfeldolgozása CSS stílusokra</a:t>
             </a:r>
           </a:p>
           <a:p>
@@ -9801,18 +8839,58 @@
               <a:buChar char="§"/>
             </a:pPr>
             <a:r>
-              <a:rPr lang="hu-HU" sz="2800" dirty="0">
+              <a:rPr lang="hu-HU" sz="3200" dirty="0">
                 <a:solidFill>
                   <a:srgbClr val="CD6799"/>
                 </a:solidFill>
                 <a:latin typeface="Segoe UI Black" panose="020B0A02040204020203" pitchFamily="34" charset="0"/>
                 <a:ea typeface="Segoe UI Black" panose="020B0A02040204020203" pitchFamily="34" charset="0"/>
               </a:rPr>
-              <a:t>A</a:t>
+              <a:t>Változók használata stílusértékek egyszerű </a:t>
             </a:r>
-          </a:p>
-          <a:p>
-            <a:endParaRPr lang="hu-HU" dirty="0"/>
+            <a:r>
+              <a:rPr lang="hu-HU" sz="3200" dirty="0" smtClean="0">
+                <a:solidFill>
+                  <a:srgbClr val="CD6799"/>
+                </a:solidFill>
+                <a:latin typeface="Segoe UI Black" panose="020B0A02040204020203" pitchFamily="34" charset="0"/>
+                <a:ea typeface="Segoe UI Black" panose="020B0A02040204020203" pitchFamily="34" charset="0"/>
+              </a:rPr>
+              <a:t>kezelésére</a:t>
+            </a:r>
+          </a:p>
+          <a:p>
+            <a:pPr marL="285750" indent="-285750">
+              <a:buFont typeface="Wingdings" panose="05000000000000000000" pitchFamily="2" charset="2"/>
+              <a:buChar char="§"/>
+            </a:pPr>
+            <a:r>
+              <a:rPr lang="hu-HU" sz="3200" dirty="0" smtClean="0">
+                <a:solidFill>
+                  <a:srgbClr val="CD6799"/>
+                </a:solidFill>
+                <a:latin typeface="Segoe UI Black" panose="020B0A02040204020203" pitchFamily="34" charset="0"/>
+                <a:ea typeface="Segoe UI Black" panose="020B0A02040204020203" pitchFamily="34" charset="0"/>
+              </a:rPr>
+              <a:t>Beágyazott </a:t>
+            </a:r>
+            <a:r>
+              <a:rPr lang="hu-HU" sz="3200" dirty="0">
+                <a:solidFill>
+                  <a:srgbClr val="CD6799"/>
+                </a:solidFill>
+                <a:latin typeface="Segoe UI Black" panose="020B0A02040204020203" pitchFamily="34" charset="0"/>
+                <a:ea typeface="Segoe UI Black" panose="020B0A02040204020203" pitchFamily="34" charset="0"/>
+              </a:rPr>
+              <a:t>kódblokkok lehetősége</a:t>
+            </a:r>
+            <a:endParaRPr lang="hu-HU" sz="3200" dirty="0" smtClean="0">
+              <a:solidFill>
+                <a:srgbClr val="CD6799"/>
+              </a:solidFill>
+              <a:latin typeface="Segoe UI Black" panose="020B0A02040204020203" pitchFamily="34" charset="0"/>
+              <a:ea typeface="Segoe UI Black" panose="020B0A02040204020203" pitchFamily="34" charset="0"/>
+            </a:endParaRPr>
           </a:p>
         </p:txBody>
       </p:sp>
@@ -9829,6 +8907,95 @@
   <p:transition spd="slow">
     <p:push/>
   </p:transition>
+  <p:timing>
+    <p:tnLst>
+      <p:par>
+        <p:cTn id="1" dur="indefinite" restart="never" nodeType="tmRoot">
+          <p:childTnLst>
+            <p:seq concurrent="1" nextAc="seek">
+              <p:cTn id="2" dur="indefinite" nodeType="mainSeq">
+                <p:childTnLst>
+                  <p:par>
+                    <p:cTn id="3" fill="hold">
+                      <p:stCondLst>
+                        <p:cond delay="indefinite"/>
+                        <p:cond evt="onBegin" delay="0">
+                          <p:tn val="2"/>
+                        </p:cond>
+                      </p:stCondLst>
+                      <p:childTnLst>
+                        <p:par>
+                          <p:cTn id="4" fill="hold">
+                            <p:stCondLst>
+                              <p:cond delay="0"/>
+                            </p:stCondLst>
+                            <p:childTnLst>
+                              <p:par>
+                                <p:cTn id="5" presetID="18" presetClass="entr" presetSubtype="12" fill="hold" grpId="0" nodeType="afterEffect">
+                                  <p:stCondLst>
+                                    <p:cond delay="0"/>
+                                  </p:stCondLst>
+                                  <p:childTnLst>
+                                    <p:set>
+                                      <p:cBhvr>
+                                        <p:cTn id="6" dur="1" fill="hold">
+                                          <p:stCondLst>
+                                            <p:cond delay="0"/>
+                                          </p:stCondLst>
+                                        </p:cTn>
+                                        <p:tgtEl>
+                                          <p:spTgt spid="4"/>
+                                        </p:tgtEl>
+                                        <p:attrNameLst>
+                                          <p:attrName>style.visibility</p:attrName>
+                                        </p:attrNameLst>
+                                      </p:cBhvr>
+                                      <p:to>
+                                        <p:strVal val="visible"/>
+                                      </p:to>
+                                    </p:set>
+                                    <p:animEffect transition="in" filter="strips(downLeft)">
+                                      <p:cBhvr>
+                                        <p:cTn id="7" dur="1000"/>
+                                        <p:tgtEl>
+                                          <p:spTgt spid="4"/>
+                                        </p:tgtEl>
+                                      </p:cBhvr>
+                                    </p:animEffect>
+                                  </p:childTnLst>
+                                </p:cTn>
+                              </p:par>
+                            </p:childTnLst>
+                          </p:cTn>
+                        </p:par>
+                      </p:childTnLst>
+                    </p:cTn>
+                  </p:par>
+                </p:childTnLst>
+              </p:cTn>
+              <p:prevCondLst>
+                <p:cond evt="onPrev" delay="0">
+                  <p:tgtEl>
+                    <p:sldTgt/>
+                  </p:tgtEl>
+                </p:cond>
+              </p:prevCondLst>
+              <p:nextCondLst>
+                <p:cond evt="onNext" delay="0">
+                  <p:tgtEl>
+                    <p:sldTgt/>
+                  </p:tgtEl>
+                </p:cond>
+              </p:nextCondLst>
+            </p:seq>
+          </p:childTnLst>
+        </p:cTn>
+      </p:par>
+    </p:tnLst>
+    <p:bldLst>
+      <p:bldP spid="4" grpId="0"/>
+    </p:bldLst>
+  </p:timing>
 </p:sld>
 </file>
 
@@ -9862,7 +9029,7 @@
           <p:cNvPr id="8" name="Romboid 7">
             <a:extLst>
               <a:ext uri="{FF2B5EF4-FFF2-40B4-BE49-F238E27FC236}">
-                <a16:creationId xmlns:a16="http://schemas.microsoft.com/office/drawing/2014/main" id="{A9669614-0D7C-436A-A55C-63D5F965F1C5}"/>
+                <a16:creationId xmlns:a16="http://schemas.microsoft.com/office/drawing/2014/main" xmlns="" id="{A9669614-0D7C-436A-A55C-63D5F965F1C5}"/>
               </a:ext>
             </a:extLst>
           </p:cNvPr>
@@ -9945,7 +9112,7 @@
           <p:cNvPr id="4" name="Szövegdoboz 3">
             <a:extLst>
               <a:ext uri="{FF2B5EF4-FFF2-40B4-BE49-F238E27FC236}">
-                <a16:creationId xmlns:a16="http://schemas.microsoft.com/office/drawing/2014/main" id="{2A3E2DDB-080C-4B7B-A2E6-717251DED09E}"/>
+                <a16:creationId xmlns:a16="http://schemas.microsoft.com/office/drawing/2014/main" xmlns="" id="{2A3E2DDB-080C-4B7B-A2E6-717251DED09E}"/>
               </a:ext>
             </a:extLst>
           </p:cNvPr>
@@ -9954,8 +9121,8 @@
         </p:nvSpPr>
         <p:spPr>
           <a:xfrm>
-            <a:off x="2712332" y="2197894"/>
-            <a:ext cx="6767335" cy="1231106"/>
+            <a:off x="3048508" y="2320077"/>
+            <a:ext cx="6767335" cy="1846659"/>
           </a:xfrm>
           <a:prstGeom prst="rect">
             <a:avLst/>
@@ -9973,31 +9140,32 @@
               <a:buChar char="§"/>
             </a:pPr>
             <a:r>
-              <a:rPr lang="hu-HU" sz="2800" dirty="0">
+              <a:rPr lang="hu-HU" sz="3200" dirty="0">
                 <a:solidFill>
                   <a:srgbClr val="F3F7F7"/>
                 </a:solidFill>
                 <a:latin typeface="Segoe UI Black" panose="020B0A02040204020203" pitchFamily="34" charset="0"/>
                 <a:ea typeface="Segoe UI Black" panose="020B0A02040204020203" pitchFamily="34" charset="0"/>
               </a:rPr>
-              <a:t>A</a:t>
+              <a:t>Szövegkiemelés (syntax highlighting) a weboldalakon és </a:t>
             </a:r>
-          </a:p>
-          <a:p>
-            <a:pPr marL="285750" indent="-285750">
-              <a:buFont typeface="Wingdings" panose="05000000000000000000" pitchFamily="2" charset="2"/>
-              <a:buChar char="§"/>
-            </a:pPr>
             <a:r>
-              <a:rPr lang="hu-HU" sz="2800" dirty="0">
+              <a:rPr lang="hu-HU" sz="3200" dirty="0" smtClean="0">
                 <a:solidFill>
                   <a:srgbClr val="F3F7F7"/>
                 </a:solidFill>
                 <a:latin typeface="Segoe UI Black" panose="020B0A02040204020203" pitchFamily="34" charset="0"/>
                 <a:ea typeface="Segoe UI Black" panose="020B0A02040204020203" pitchFamily="34" charset="0"/>
               </a:rPr>
-              <a:t>A</a:t>
+              <a:t>alkalmazásokban</a:t>
             </a:r>
+            <a:endParaRPr lang="hu-HU" sz="3200" dirty="0">
+              <a:solidFill>
+                <a:srgbClr val="F3F7F7"/>
+              </a:solidFill>
+              <a:latin typeface="Segoe UI Black" panose="020B0A02040204020203" pitchFamily="34" charset="0"/>
+              <a:ea typeface="Segoe UI Black" panose="020B0A02040204020203" pitchFamily="34" charset="0"/>
+            </a:endParaRPr>
           </a:p>
           <a:p>
             <a:endParaRPr lang="hu-HU" dirty="0"/>
@@ -10017,6 +9185,95 @@
   <p:transition spd="slow">
     <p:push/>
   </p:transition>
+  <p:timing>
+    <p:tnLst>
+      <p:par>
+        <p:cTn id="1" dur="indefinite" restart="never" nodeType="tmRoot">
+          <p:childTnLst>
+            <p:seq concurrent="1" nextAc="seek">
+              <p:cTn id="2" dur="indefinite" nodeType="mainSeq">
+                <p:childTnLst>
+                  <p:par>
+                    <p:cTn id="3" fill="hold">
+                      <p:stCondLst>
+                        <p:cond delay="indefinite"/>
+                        <p:cond evt="onBegin" delay="0">
+                          <p:tn val="2"/>
+                        </p:cond>
+                      </p:stCondLst>
+                      <p:childTnLst>
+                        <p:par>
+                          <p:cTn id="4" fill="hold">
+                            <p:stCondLst>
+                              <p:cond delay="0"/>
+                            </p:stCondLst>
+                            <p:childTnLst>
+                              <p:par>
+                                <p:cTn id="5" presetID="18" presetClass="entr" presetSubtype="12" fill="hold" grpId="0" nodeType="withEffect">
+                                  <p:stCondLst>
+                                    <p:cond delay="0"/>
+                                  </p:stCondLst>
+                                  <p:childTnLst>
+                                    <p:set>
+                                      <p:cBhvr>
+                                        <p:cTn id="6" dur="1" fill="hold">
+                                          <p:stCondLst>
+                                            <p:cond delay="0"/>
+                                          </p:stCondLst>
+                                        </p:cTn>
+                                        <p:tgtEl>
+                                          <p:spTgt spid="4"/>
+                                        </p:tgtEl>
+                                        <p:attrNameLst>
+                                          <p:attrName>style.visibility</p:attrName>
+                                        </p:attrNameLst>
+                                      </p:cBhvr>
+                                      <p:to>
+                                        <p:strVal val="visible"/>
+                                      </p:to>
+                                    </p:set>
+                                    <p:animEffect transition="in" filter="strips(downLeft)">
+                                      <p:cBhvr>
+                                        <p:cTn id="7" dur="1000"/>
+                                        <p:tgtEl>
+                                          <p:spTgt spid="4"/>
+                                        </p:tgtEl>
+                                      </p:cBhvr>
+                                    </p:animEffect>
+                                  </p:childTnLst>
+                                </p:cTn>
+                              </p:par>
+                            </p:childTnLst>
+                          </p:cTn>
+                        </p:par>
+                      </p:childTnLst>
+                    </p:cTn>
+                  </p:par>
+                </p:childTnLst>
+              </p:cTn>
+              <p:prevCondLst>
+                <p:cond evt="onPrev" delay="0">
+                  <p:tgtEl>
+                    <p:sldTgt/>
+                  </p:tgtEl>
+                </p:cond>
+              </p:prevCondLst>
+              <p:nextCondLst>
+                <p:cond evt="onNext" delay="0">
+                  <p:tgtEl>
+                    <p:sldTgt/>
+                  </p:tgtEl>
+                </p:cond>
+              </p:nextCondLst>
+            </p:seq>
+          </p:childTnLst>
+        </p:cTn>
+      </p:par>
+    </p:tnLst>
+    <p:bldLst>
+      <p:bldP spid="4" grpId="0"/>
+    </p:bldLst>
+  </p:timing>
 </p:sld>
 </file>
 
@@ -10047,7 +9304,7 @@
       </p:grpSpPr>
       <p:grpSp>
         <p:nvGrpSpPr>
-          <p:cNvPr id="3" name="Group 2"/>
+          <p:cNvPr id="16" name="Group 15"/>
           <p:cNvGrpSpPr/>
           <p:nvPr/>
         </p:nvGrpSpPr>
@@ -10059,79 +9316,141 @@
             <a:chExt cx="4784269" cy="6270171"/>
           </a:xfrm>
         </p:grpSpPr>
-        <p:sp>
-          <p:nvSpPr>
-            <p:cNvPr id="4" name="Téglalap: lekerekített 3">
-              <a:extLst>
-                <a:ext uri="{FF2B5EF4-FFF2-40B4-BE49-F238E27FC236}">
-                  <a16:creationId xmlns:a16="http://schemas.microsoft.com/office/drawing/2014/main" id="{BC187220-8284-1B2B-8CE3-7C613265D444}"/>
-                </a:ext>
-              </a:extLst>
-            </p:cNvPr>
-            <p:cNvSpPr/>
+        <p:grpSp>
+          <p:nvGrpSpPr>
+            <p:cNvPr id="3" name="Group 2"/>
+            <p:cNvGrpSpPr/>
             <p:nvPr/>
-          </p:nvSpPr>
-          <p:spPr>
+          </p:nvGrpSpPr>
+          <p:grpSpPr>
             <a:xfrm>
               <a:off x="880044" y="293914"/>
               <a:ext cx="4784269" cy="6270171"/>
+              <a:chOff x="880044" y="293914"/>
+              <a:chExt cx="4784269" cy="6270171"/>
             </a:xfrm>
-            <a:prstGeom prst="roundRect">
-              <a:avLst>
-                <a:gd name="adj" fmla="val 4094"/>
-              </a:avLst>
-            </a:prstGeom>
-            <a:solidFill>
-              <a:schemeClr val="bg1">
-                <a:alpha val="80000"/>
-              </a:schemeClr>
-            </a:solidFill>
-            <a:ln w="120650" cap="sq">
+          </p:grpSpPr>
+          <p:sp>
+            <p:nvSpPr>
+              <p:cNvPr id="4" name="Téglalap: lekerekített 3">
+                <a:extLst>
+                  <a:ext uri="{FF2B5EF4-FFF2-40B4-BE49-F238E27FC236}">
+                    <a16:creationId xmlns:a16="http://schemas.microsoft.com/office/drawing/2014/main" xmlns="" id="{BC187220-8284-1B2B-8CE3-7C613265D444}"/>
+                  </a:ext>
+                </a:extLst>
+              </p:cNvPr>
+              <p:cNvSpPr/>
+              <p:nvPr/>
+            </p:nvSpPr>
+            <p:spPr>
+              <a:xfrm>
+                <a:off x="880044" y="293914"/>
+                <a:ext cx="4784269" cy="6270171"/>
+              </a:xfrm>
+              <a:prstGeom prst="roundRect">
+                <a:avLst>
+                  <a:gd name="adj" fmla="val 4094"/>
+                </a:avLst>
+              </a:prstGeom>
+              <a:solidFill>
+                <a:schemeClr val="bg1">
+                  <a:alpha val="80000"/>
+                </a:schemeClr>
+              </a:solidFill>
+              <a:ln w="120650" cap="sq">
+                <a:noFill/>
+                <a:round/>
+              </a:ln>
+            </p:spPr>
+            <p:style>
+              <a:lnRef idx="2">
+                <a:schemeClr val="accent1">
+                  <a:shade val="15000"/>
+                </a:schemeClr>
+              </a:lnRef>
+              <a:fillRef idx="1">
+                <a:schemeClr val="accent1"/>
+              </a:fillRef>
+              <a:effectRef idx="0">
+                <a:schemeClr val="accent1"/>
+              </a:effectRef>
+              <a:fontRef idx="minor">
+                <a:schemeClr val="lt1"/>
+              </a:fontRef>
+            </p:style>
+            <p:txBody>
+              <a:bodyPr rtlCol="0" anchor="ctr"/>
+              <a:lstStyle/>
+              <a:p>
+                <a:pPr algn="ctr"/>
+                <a:endParaRPr lang="hu-HU" dirty="0"/>
+              </a:p>
+            </p:txBody>
+          </p:sp>
+          <p:sp>
+            <p:nvSpPr>
+              <p:cNvPr id="7" name="Szövegdoboz 6">
+                <a:extLst>
+                  <a:ext uri="{FF2B5EF4-FFF2-40B4-BE49-F238E27FC236}">
+                    <a16:creationId xmlns:a16="http://schemas.microsoft.com/office/drawing/2014/main" xmlns="" id="{7819F685-963E-271F-BC1B-FDA54155C9CE}"/>
+                  </a:ext>
+                </a:extLst>
+              </p:cNvPr>
+              <p:cNvSpPr txBox="1"/>
+              <p:nvPr/>
+            </p:nvSpPr>
+            <p:spPr>
+              <a:xfrm>
+                <a:off x="1743415" y="944925"/>
+                <a:ext cx="3057525" cy="1354217"/>
+              </a:xfrm>
+              <a:prstGeom prst="rect">
+                <a:avLst/>
+              </a:prstGeom>
               <a:noFill/>
-              <a:round/>
-            </a:ln>
-          </p:spPr>
-          <p:style>
-            <a:lnRef idx="2">
-              <a:schemeClr val="accent1">
-                <a:shade val="15000"/>
-              </a:schemeClr>
-            </a:lnRef>
-            <a:fillRef idx="1">
-              <a:schemeClr val="accent1"/>
-            </a:fillRef>
-            <a:effectRef idx="0">
-              <a:schemeClr val="accent1"/>
-            </a:effectRef>
-            <a:fontRef idx="minor">
-              <a:schemeClr val="lt1"/>
-            </a:fontRef>
-          </p:style>
-          <p:txBody>
-            <a:bodyPr rtlCol="0" anchor="ctr"/>
-            <a:lstStyle/>
-            <a:p>
-              <a:pPr algn="ctr"/>
-              <a:endParaRPr lang="hu-HU" dirty="0"/>
-            </a:p>
-          </p:txBody>
-        </p:sp>
+            </p:spPr>
+            <p:txBody>
+              <a:bodyPr wrap="square" rtlCol="0">
+                <a:spAutoFit/>
+              </a:bodyPr>
+              <a:lstStyle/>
+              <a:p>
+                <a:pPr algn="ctr"/>
+                <a:r>
+                  <a:rPr lang="hu-HU" sz="3200" b="1" dirty="0" smtClean="0">
+                    <a:solidFill>
+                      <a:srgbClr val="5019B3"/>
+                    </a:solidFill>
+                    <a:latin typeface="Segoe UI Black" panose="020B0A02040204020203" pitchFamily="34" charset="0"/>
+                    <a:ea typeface="Segoe UI Black" panose="020B0A02040204020203" pitchFamily="34" charset="0"/>
+                  </a:rPr>
+                  <a:t>Objektum orientáltság</a:t>
+                </a:r>
+                <a:endParaRPr lang="hu-HU" sz="3200" b="1" i="0" dirty="0">
+                  <a:solidFill>
+                    <a:srgbClr val="5019B3"/>
+                  </a:solidFill>
+                  <a:effectLst/>
+                  <a:latin typeface="Segoe UI Black" panose="020B0A02040204020203" pitchFamily="34" charset="0"/>
+                  <a:ea typeface="Segoe UI Black" panose="020B0A02040204020203" pitchFamily="34" charset="0"/>
+                </a:endParaRPr>
+              </a:p>
+              <a:p>
+                <a:endParaRPr lang="hu-HU" dirty="0"/>
+              </a:p>
+            </p:txBody>
+          </p:sp>
+        </p:grpSp>
         <p:sp>
           <p:nvSpPr>
-            <p:cNvPr id="6" name="Szövegdoboz 5">
-              <a:extLst>
-                <a:ext uri="{FF2B5EF4-FFF2-40B4-BE49-F238E27FC236}">
-                  <a16:creationId xmlns:a16="http://schemas.microsoft.com/office/drawing/2014/main" id="{5B6AC857-2A98-66B3-8AC9-33FBAB3EDDF5}"/>
-                </a:ext>
-              </a:extLst>
-            </p:cNvPr>
+            <p:cNvPr id="11" name="TextBox 10"/>
             <p:cNvSpPr txBox="1"/>
             <p:nvPr/>
           </p:nvSpPr>
           <p:spPr>
             <a:xfrm>
-              <a:off x="1128030" y="1597693"/>
-              <a:ext cx="4095750" cy="2031325"/>
+              <a:off x="1408669" y="2683573"/>
+              <a:ext cx="3815109" cy="2677656"/>
             </a:xfrm>
             <a:prstGeom prst="rect">
               <a:avLst/>
@@ -10144,133 +9463,121 @@
             </a:bodyPr>
             <a:lstStyle/>
             <a:p>
-              <a:pPr algn="just"/>
+              <a:pPr marL="457200" lvl="0" indent="-457200" algn="just">
+                <a:buFont typeface="Arial" panose="020B0604020202020204" pitchFamily="34" charset="0"/>
+                <a:buChar char="•"/>
+              </a:pPr>
               <a:r>
-                <a:rPr lang="en-US" b="1" i="0" dirty="0">
+                <a:rPr lang="hu-HU" sz="2800" dirty="0" smtClean="0">
                   <a:solidFill>
                     <a:srgbClr val="5019B3"/>
                   </a:solidFill>
-                  <a:effectLst/>
-                  <a:latin typeface="Rubik"/>
+                  <a:latin typeface="Segoe UI" panose="020B0502040204020203" pitchFamily="34" charset="0"/>
+                  <a:ea typeface="Segoe UI Black" panose="020B0A02040204020203" pitchFamily="34" charset="0"/>
+                  <a:cs typeface="Segoe UI" panose="020B0502040204020203" pitchFamily="34" charset="0"/>
                 </a:rPr>
-                <a:t>In </a:t>
+                <a:t>Rövid</a:t>
               </a:r>
+            </a:p>
+            <a:p>
+              <a:pPr marL="457200" lvl="0" indent="-457200" algn="just">
+                <a:buFont typeface="Arial" panose="020B0604020202020204" pitchFamily="34" charset="0"/>
+                <a:buChar char="•"/>
+              </a:pPr>
               <a:r>
-                <a:rPr lang="en-US" b="1" i="0" dirty="0" err="1">
+                <a:rPr lang="hu-HU" sz="2800" dirty="0" smtClean="0">
                   <a:solidFill>
                     <a:srgbClr val="5019B3"/>
                   </a:solidFill>
-                  <a:effectLst/>
-                  <a:latin typeface="Rubik"/>
+                  <a:latin typeface="Segoe UI" panose="020B0502040204020203" pitchFamily="34" charset="0"/>
+                  <a:ea typeface="Segoe UI Black" panose="020B0A02040204020203" pitchFamily="34" charset="0"/>
+                  <a:cs typeface="Segoe UI" panose="020B0502040204020203" pitchFamily="34" charset="0"/>
                 </a:rPr>
-                <a:t>Pygame</a:t>
+                <a:t>Jól szervezett</a:t>
               </a:r>
+            </a:p>
+            <a:p>
+              <a:pPr marL="457200" lvl="0" indent="-457200" algn="just">
+                <a:buFont typeface="Arial" panose="020B0604020202020204" pitchFamily="34" charset="0"/>
+                <a:buChar char="•"/>
+              </a:pPr>
               <a:r>
-                <a:rPr lang="en-US" b="1" i="0" dirty="0">
+                <a:rPr lang="hu-HU" sz="2800" dirty="0" smtClean="0">
                   <a:solidFill>
                     <a:srgbClr val="5019B3"/>
                   </a:solidFill>
-                  <a:effectLst/>
-                  <a:latin typeface="Rubik"/>
+                  <a:latin typeface="Segoe UI" panose="020B0502040204020203" pitchFamily="34" charset="0"/>
+                  <a:ea typeface="Segoe UI Black" panose="020B0A02040204020203" pitchFamily="34" charset="0"/>
+                  <a:cs typeface="Segoe UI" panose="020B0502040204020203" pitchFamily="34" charset="0"/>
                 </a:rPr>
-                <a:t>, a sprite is an object that represents a game element. It can be an image, animation, or any other visual element in a game. </a:t>
+                <a:t>Átlátható</a:t>
               </a:r>
+            </a:p>
+            <a:p>
+              <a:pPr marL="457200" lvl="0" indent="-457200" algn="just">
+                <a:buFont typeface="Arial" panose="020B0604020202020204" pitchFamily="34" charset="0"/>
+                <a:buChar char="•"/>
+              </a:pPr>
               <a:r>
-                <a:rPr lang="en-US" b="1" i="0" dirty="0" err="1">
+                <a:rPr lang="hu-HU" sz="2800" dirty="0" smtClean="0">
                   <a:solidFill>
                     <a:srgbClr val="5019B3"/>
                   </a:solidFill>
-                  <a:effectLst/>
-                  <a:latin typeface="Rubik"/>
+                  <a:latin typeface="Segoe UI" panose="020B0502040204020203" pitchFamily="34" charset="0"/>
+                  <a:ea typeface="Segoe UI Black" panose="020B0A02040204020203" pitchFamily="34" charset="0"/>
+                  <a:cs typeface="Segoe UI" panose="020B0502040204020203" pitchFamily="34" charset="0"/>
                 </a:rPr>
-                <a:t>Pygame</a:t>
+                <a:t>Többen egyszerre</a:t>
               </a:r>
+            </a:p>
+            <a:p>
+              <a:pPr marL="457200" lvl="0" indent="-457200" algn="just">
+                <a:buFont typeface="Arial" panose="020B0604020202020204" pitchFamily="34" charset="0"/>
+                <a:buChar char="•"/>
+              </a:pPr>
               <a:r>
-                <a:rPr lang="en-US" b="1" i="0" dirty="0">
+                <a:rPr lang="hu-HU" sz="2800" dirty="0" smtClean="0">
                   <a:solidFill>
                     <a:srgbClr val="5019B3"/>
                   </a:solidFill>
-                  <a:effectLst/>
-                  <a:latin typeface="Rubik"/>
+                  <a:latin typeface="Segoe UI" panose="020B0502040204020203" pitchFamily="34" charset="0"/>
+                  <a:ea typeface="Segoe UI Black" panose="020B0A02040204020203" pitchFamily="34" charset="0"/>
+                  <a:cs typeface="Segoe UI" panose="020B0502040204020203" pitchFamily="34" charset="0"/>
                 </a:rPr>
-                <a:t> provides a Sprite class that you can use to create and manage sprites efficiently.</a:t>
+                <a:t>Karbantartható</a:t>
               </a:r>
-              <a:br>
-                <a:rPr lang="en-US" dirty="0"/>
-              </a:br>
-              <a:endParaRPr lang="hu-HU" dirty="0"/>
             </a:p>
-          </p:txBody>
-        </p:sp>
-        <p:sp>
-          <p:nvSpPr>
-            <p:cNvPr id="7" name="Szövegdoboz 6">
-              <a:extLst>
-                <a:ext uri="{FF2B5EF4-FFF2-40B4-BE49-F238E27FC236}">
-                  <a16:creationId xmlns:a16="http://schemas.microsoft.com/office/drawing/2014/main" id="{7819F685-963E-271F-BC1B-FDA54155C9CE}"/>
-                </a:ext>
-              </a:extLst>
-            </p:cNvPr>
-            <p:cNvSpPr txBox="1"/>
-            <p:nvPr/>
-          </p:nvSpPr>
-          <p:spPr>
-            <a:xfrm>
-              <a:off x="1647142" y="735919"/>
-              <a:ext cx="3057525" cy="861774"/>
-            </a:xfrm>
-            <a:prstGeom prst="rect">
-              <a:avLst/>
-            </a:prstGeom>
-            <a:noFill/>
-          </p:spPr>
-          <p:txBody>
-            <a:bodyPr wrap="square" rtlCol="0">
-              <a:spAutoFit/>
-            </a:bodyPr>
-            <a:lstStyle/>
             <a:p>
-              <a:pPr algn="ctr"/>
+              <a:pPr marL="457200" lvl="0" indent="-457200" algn="just">
+                <a:buFont typeface="Arial" panose="020B0604020202020204" pitchFamily="34" charset="0"/>
+                <a:buChar char="•"/>
+              </a:pPr>
               <a:r>
-                <a:rPr lang="hu-HU" sz="3200" b="1" i="0" dirty="0">
+                <a:rPr lang="hu-HU" sz="2800" dirty="0" smtClean="0">
                   <a:solidFill>
                     <a:srgbClr val="5019B3"/>
                   </a:solidFill>
-                  <a:effectLst/>
-                  <a:latin typeface="Rubik"/>
+                  <a:latin typeface="Segoe UI" panose="020B0502040204020203" pitchFamily="34" charset="0"/>
+                  <a:ea typeface="Segoe UI Black" panose="020B0A02040204020203" pitchFamily="34" charset="0"/>
+                  <a:cs typeface="Segoe UI" panose="020B0502040204020203" pitchFamily="34" charset="0"/>
                 </a:rPr>
-                <a:t>Mi is az a </a:t>
+                <a:t>Újrafelhasználható </a:t>
               </a:r>
-              <a:r>
-                <a:rPr lang="hu-HU" sz="3200" b="1" i="0" dirty="0" err="1">
-                  <a:solidFill>
-                    <a:srgbClr val="5019B3"/>
-                  </a:solidFill>
-                  <a:effectLst/>
-                  <a:latin typeface="Rubik"/>
-                </a:rPr>
-                <a:t>sprite</a:t>
-              </a:r>
-              <a:r>
-                <a:rPr lang="hu-HU" sz="3200" b="1" i="0" dirty="0">
-                  <a:solidFill>
-                    <a:srgbClr val="5019B3"/>
-                  </a:solidFill>
-                  <a:effectLst/>
-                  <a:latin typeface="Rubik"/>
-                </a:rPr>
-                <a:t>?</a:t>
-              </a:r>
-            </a:p>
-            <a:p>
-              <a:endParaRPr lang="hu-HU" dirty="0"/>
+              <a:endParaRPr lang="hu-HU" sz="2800" dirty="0">
+                <a:solidFill>
+                  <a:srgbClr val="5019B3"/>
+                </a:solidFill>
+                <a:latin typeface="Segoe UI" panose="020B0502040204020203" pitchFamily="34" charset="0"/>
+                <a:ea typeface="Segoe UI Black" panose="020B0A02040204020203" pitchFamily="34" charset="0"/>
+                <a:cs typeface="Segoe UI" panose="020B0502040204020203" pitchFamily="34" charset="0"/>
+              </a:endParaRPr>
             </a:p>
           </p:txBody>
         </p:sp>
       </p:grpSp>
       <p:grpSp>
         <p:nvGrpSpPr>
-          <p:cNvPr id="2" name="Group 1"/>
+          <p:cNvPr id="13" name="Group 12"/>
           <p:cNvGrpSpPr/>
           <p:nvPr/>
         </p:nvGrpSpPr>
@@ -10287,7 +9594,7 @@
             <p:cNvPr id="5" name="Téglalap: lekerekített 4">
               <a:extLst>
                 <a:ext uri="{FF2B5EF4-FFF2-40B4-BE49-F238E27FC236}">
-                  <a16:creationId xmlns:a16="http://schemas.microsoft.com/office/drawing/2014/main" id="{B74CBF98-6A67-702F-008D-E30CBEB44963}"/>
+                  <a16:creationId xmlns:a16="http://schemas.microsoft.com/office/drawing/2014/main" xmlns="" id="{B74CBF98-6A67-702F-008D-E30CBEB44963}"/>
                 </a:ext>
               </a:extLst>
             </p:cNvPr>
@@ -10305,9 +9612,9 @@
               </a:avLst>
             </a:prstGeom>
             <a:solidFill>
-              <a:schemeClr val="bg1">
-                <a:alpha val="80000"/>
-              </a:schemeClr>
+              <a:srgbClr val="92D050">
+                <a:alpha val="75000"/>
+              </a:srgbClr>
             </a:solidFill>
             <a:ln w="120650" cap="sq">
               <a:noFill/>
@@ -10344,55 +9651,32 @@
         </p:sp>
         <p:pic>
           <p:nvPicPr>
-            <p:cNvPr id="1026" name="Picture 2">
-              <a:extLst>
-                <a:ext uri="{FF2B5EF4-FFF2-40B4-BE49-F238E27FC236}">
-                  <a16:creationId xmlns:a16="http://schemas.microsoft.com/office/drawing/2014/main" id="{7A82368D-859C-5EE3-8D89-77E6D75EAD7D}"/>
-                </a:ext>
-              </a:extLst>
-            </p:cNvPr>
+            <p:cNvPr id="12" name="Picture 11"/>
             <p:cNvPicPr>
-              <a:picLocks noChangeAspect="1" noChangeArrowheads="1"/>
+              <a:picLocks noChangeAspect="1"/>
             </p:cNvPicPr>
             <p:nvPr/>
           </p:nvPicPr>
           <p:blipFill>
-            <a:blip r:embed="rId2">
-              <a:extLst>
-                <a:ext uri="{28A0092B-C50C-407E-A947-70E740481C1C}">
-                  <a14:useLocalDpi xmlns:a14="http://schemas.microsoft.com/office/drawing/2010/main" val="0"/>
-                </a:ext>
-              </a:extLst>
-            </a:blip>
-            <a:srcRect/>
+            <a:blip r:embed="rId2"/>
             <a:stretch>
               <a:fillRect/>
             </a:stretch>
           </p:blipFill>
-          <p:spPr bwMode="auto">
+          <p:spPr>
             <a:xfrm>
-              <a:off x="6725670" y="1166806"/>
-              <a:ext cx="4388302" cy="1234210"/>
+              <a:off x="7494073" y="557104"/>
+              <a:ext cx="2851494" cy="2453613"/>
             </a:xfrm>
             <a:prstGeom prst="rect">
               <a:avLst/>
             </a:prstGeom>
-            <a:noFill/>
-            <a:extLst>
-              <a:ext uri="{909E8E84-426E-40DD-AFC4-6F175D3DCCD1}">
-                <a14:hiddenFill xmlns:a14="http://schemas.microsoft.com/office/drawing/2010/main">
-                  <a:solidFill>
-                    <a:srgbClr val="FFFFFF"/>
-                  </a:solidFill>
-                </a14:hiddenFill>
-              </a:ext>
-            </a:extLst>
           </p:spPr>
         </p:pic>
       </p:grpSp>
       <p:grpSp>
         <p:nvGrpSpPr>
-          <p:cNvPr id="10" name="Group 9"/>
+          <p:cNvPr id="15" name="Group 14"/>
           <p:cNvGrpSpPr/>
           <p:nvPr/>
         </p:nvGrpSpPr>
@@ -10409,7 +9693,7 @@
             <p:cNvPr id="8" name="Téglalap: lekerekített 7">
               <a:extLst>
                 <a:ext uri="{FF2B5EF4-FFF2-40B4-BE49-F238E27FC236}">
-                  <a16:creationId xmlns:a16="http://schemas.microsoft.com/office/drawing/2014/main" id="{104486A8-B0E8-F708-7D72-B551D3E54053}"/>
+                  <a16:creationId xmlns:a16="http://schemas.microsoft.com/office/drawing/2014/main" xmlns="" id="{104486A8-B0E8-F708-7D72-B551D3E54053}"/>
                 </a:ext>
               </a:extLst>
             </p:cNvPr>
@@ -10427,9 +9711,9 @@
               </a:avLst>
             </a:prstGeom>
             <a:solidFill>
-              <a:schemeClr val="bg1">
-                <a:alpha val="80000"/>
-              </a:schemeClr>
+              <a:srgbClr val="FF0000">
+                <a:alpha val="75000"/>
+              </a:srgbClr>
             </a:solidFill>
             <a:ln w="120650" cap="sq">
               <a:noFill/>
@@ -10463,13 +9747,7 @@
         </p:sp>
         <p:pic>
           <p:nvPicPr>
-            <p:cNvPr id="9" name="Kép 8">
-              <a:extLst>
-                <a:ext uri="{FF2B5EF4-FFF2-40B4-BE49-F238E27FC236}">
-                  <a16:creationId xmlns:a16="http://schemas.microsoft.com/office/drawing/2014/main" id="{5B790B36-93CA-4AF6-AADC-C651C05A2519}"/>
-                </a:ext>
-              </a:extLst>
-            </p:cNvPr>
+            <p:cNvPr id="14" name="Picture 13"/>
             <p:cNvPicPr>
               <a:picLocks noChangeAspect="1"/>
             </p:cNvPicPr>
@@ -10483,13 +9761,11 @@
           </p:blipFill>
           <p:spPr>
             <a:xfrm>
-              <a:off x="6987125" y="3738021"/>
-              <a:ext cx="3865390" cy="2593236"/>
+              <a:off x="7029627" y="3720541"/>
+              <a:ext cx="3780385" cy="2628196"/>
             </a:xfrm>
-            <a:prstGeom prst="roundRect">
-              <a:avLst>
-                <a:gd name="adj" fmla="val 2289"/>
-              </a:avLst>
+            <a:prstGeom prst="rect">
+              <a:avLst/>
             </a:prstGeom>
           </p:spPr>
         </p:pic>
@@ -10519,9 +9795,6 @@
                     <p:cTn id="3" fill="hold">
                       <p:stCondLst>
                         <p:cond delay="indefinite"/>
-                        <p:cond evt="onBegin" delay="0">
-                          <p:tn val="2"/>
-                        </p:cond>
                       </p:stCondLst>
                       <p:childTnLst>
                         <p:par>
@@ -10531,7 +9804,7 @@
                             </p:stCondLst>
                             <p:childTnLst>
                               <p:par>
-                                <p:cTn id="5" presetID="2" presetClass="entr" presetSubtype="4" fill="hold" nodeType="withEffect">
+                                <p:cTn id="5" presetID="2" presetClass="entr" presetSubtype="4" fill="hold" nodeType="clickEffect">
                                   <p:stCondLst>
                                     <p:cond delay="0"/>
                                   </p:stCondLst>
@@ -10544,7 +9817,7 @@
                                           </p:stCondLst>
                                         </p:cTn>
                                         <p:tgtEl>
-                                          <p:spTgt spid="3"/>
+                                          <p:spTgt spid="13"/>
                                         </p:tgtEl>
                                         <p:attrNameLst>
                                           <p:attrName>style.visibility</p:attrName>
@@ -10556,9 +9829,9 @@
                                     </p:set>
                                     <p:anim calcmode="lin" valueType="num">
                                       <p:cBhvr additive="base">
-                                        <p:cTn id="7" dur="1000" fill="hold"/>
+                                        <p:cTn id="7" dur="500" fill="hold"/>
                                         <p:tgtEl>
-                                          <p:spTgt spid="3"/>
+                                          <p:spTgt spid="13"/>
                                         </p:tgtEl>
                                         <p:attrNameLst>
                                           <p:attrName>ppt_x</p:attrName>
@@ -10579,9 +9852,9 @@
                                     </p:anim>
                                     <p:anim calcmode="lin" valueType="num">
                                       <p:cBhvr additive="base">
-                                        <p:cTn id="8" dur="1000" fill="hold"/>
+                                        <p:cTn id="8" dur="500" fill="hold"/>
                                         <p:tgtEl>
-                                          <p:spTgt spid="3"/>
+                                          <p:spTgt spid="13"/>
                                         </p:tgtEl>
                                         <p:attrNameLst>
                                           <p:attrName>ppt_y</p:attrName>
@@ -10635,7 +9908,7 @@
                                           </p:stCondLst>
                                         </p:cTn>
                                         <p:tgtEl>
-                                          <p:spTgt spid="2"/>
+                                          <p:spTgt spid="15"/>
                                         </p:tgtEl>
                                         <p:attrNameLst>
                                           <p:attrName>style.visibility</p:attrName>
@@ -10647,9 +9920,9 @@
                                     </p:set>
                                     <p:anim calcmode="lin" valueType="num">
                                       <p:cBhvr additive="base">
-                                        <p:cTn id="13" dur="1000" fill="hold"/>
+                                        <p:cTn id="13" dur="500" fill="hold"/>
                                         <p:tgtEl>
-                                          <p:spTgt spid="2"/>
+                                          <p:spTgt spid="15"/>
                                         </p:tgtEl>
                                         <p:attrNameLst>
                                           <p:attrName>ppt_x</p:attrName>
@@ -10670,9 +9943,9 @@
                                     </p:anim>
                                     <p:anim calcmode="lin" valueType="num">
                                       <p:cBhvr additive="base">
-                                        <p:cTn id="14" dur="1000" fill="hold"/>
+                                        <p:cTn id="14" dur="500" fill="hold"/>
                                         <p:tgtEl>
-                                          <p:spTgt spid="2"/>
+                                          <p:spTgt spid="15"/>
                                         </p:tgtEl>
                                         <p:attrNameLst>
                                           <p:attrName>ppt_y</p:attrName>
@@ -10750,717 +10023,12 @@
           <a:chExt cx="0" cy="0"/>
         </a:xfrm>
       </p:grpSpPr>
-      <p:grpSp>
-        <p:nvGrpSpPr>
-          <p:cNvPr id="3" name="Group 2"/>
-          <p:cNvGrpSpPr/>
-          <p:nvPr/>
-        </p:nvGrpSpPr>
-        <p:grpSpPr>
-          <a:xfrm>
-            <a:off x="880044" y="293914"/>
-            <a:ext cx="4784269" cy="6270171"/>
-            <a:chOff x="880044" y="293914"/>
-            <a:chExt cx="4784269" cy="6270171"/>
-          </a:xfrm>
-        </p:grpSpPr>
-        <p:sp>
-          <p:nvSpPr>
-            <p:cNvPr id="4" name="Téglalap: lekerekített 3">
-              <a:extLst>
-                <a:ext uri="{FF2B5EF4-FFF2-40B4-BE49-F238E27FC236}">
-                  <a16:creationId xmlns:a16="http://schemas.microsoft.com/office/drawing/2014/main" id="{BC187220-8284-1B2B-8CE3-7C613265D444}"/>
-                </a:ext>
-              </a:extLst>
-            </p:cNvPr>
-            <p:cNvSpPr/>
-            <p:nvPr/>
-          </p:nvSpPr>
-          <p:spPr>
-            <a:xfrm>
-              <a:off x="880044" y="293914"/>
-              <a:ext cx="4784269" cy="6270171"/>
-            </a:xfrm>
-            <a:prstGeom prst="roundRect">
-              <a:avLst>
-                <a:gd name="adj" fmla="val 4094"/>
-              </a:avLst>
-            </a:prstGeom>
-            <a:solidFill>
-              <a:schemeClr val="bg1">
-                <a:alpha val="80000"/>
-              </a:schemeClr>
-            </a:solidFill>
-            <a:ln w="120650" cap="sq">
-              <a:noFill/>
-              <a:round/>
-            </a:ln>
-          </p:spPr>
-          <p:style>
-            <a:lnRef idx="2">
-              <a:schemeClr val="accent1">
-                <a:shade val="15000"/>
-              </a:schemeClr>
-            </a:lnRef>
-            <a:fillRef idx="1">
-              <a:schemeClr val="accent1"/>
-            </a:fillRef>
-            <a:effectRef idx="0">
-              <a:schemeClr val="accent1"/>
-            </a:effectRef>
-            <a:fontRef idx="minor">
-              <a:schemeClr val="lt1"/>
-            </a:fontRef>
-          </p:style>
-          <p:txBody>
-            <a:bodyPr rtlCol="0" anchor="ctr"/>
-            <a:lstStyle/>
-            <a:p>
-              <a:pPr algn="ctr"/>
-              <a:endParaRPr lang="hu-HU" dirty="0"/>
-            </a:p>
-          </p:txBody>
-        </p:sp>
-        <p:sp>
-          <p:nvSpPr>
-            <p:cNvPr id="6" name="Szövegdoboz 5">
-              <a:extLst>
-                <a:ext uri="{FF2B5EF4-FFF2-40B4-BE49-F238E27FC236}">
-                  <a16:creationId xmlns:a16="http://schemas.microsoft.com/office/drawing/2014/main" id="{5B6AC857-2A98-66B3-8AC9-33FBAB3EDDF5}"/>
-                </a:ext>
-              </a:extLst>
-            </p:cNvPr>
-            <p:cNvSpPr txBox="1"/>
-            <p:nvPr/>
-          </p:nvSpPr>
-          <p:spPr>
-            <a:xfrm>
-              <a:off x="1128030" y="1597693"/>
-              <a:ext cx="4095750" cy="2031325"/>
-            </a:xfrm>
-            <a:prstGeom prst="rect">
-              <a:avLst/>
-            </a:prstGeom>
-            <a:noFill/>
-          </p:spPr>
-          <p:txBody>
-            <a:bodyPr wrap="square" rtlCol="0">
-              <a:spAutoFit/>
-            </a:bodyPr>
-            <a:lstStyle/>
-            <a:p>
-              <a:pPr algn="just"/>
-              <a:r>
-                <a:rPr lang="en-US" b="1" i="0" dirty="0">
-                  <a:solidFill>
-                    <a:srgbClr val="5019B3"/>
-                  </a:solidFill>
-                  <a:effectLst/>
-                  <a:latin typeface="Rubik"/>
-                </a:rPr>
-                <a:t>In </a:t>
-              </a:r>
-              <a:r>
-                <a:rPr lang="en-US" b="1" i="0" dirty="0" err="1">
-                  <a:solidFill>
-                    <a:srgbClr val="5019B3"/>
-                  </a:solidFill>
-                  <a:effectLst/>
-                  <a:latin typeface="Rubik"/>
-                </a:rPr>
-                <a:t>Pygame</a:t>
-              </a:r>
-              <a:r>
-                <a:rPr lang="en-US" b="1" i="0" dirty="0">
-                  <a:solidFill>
-                    <a:srgbClr val="5019B3"/>
-                  </a:solidFill>
-                  <a:effectLst/>
-                  <a:latin typeface="Rubik"/>
-                </a:rPr>
-                <a:t>, a sprite is an object that represents a game element. It can be an image, animation, or any other visual element in a game. </a:t>
-              </a:r>
-              <a:r>
-                <a:rPr lang="en-US" b="1" i="0" dirty="0" err="1">
-                  <a:solidFill>
-                    <a:srgbClr val="5019B3"/>
-                  </a:solidFill>
-                  <a:effectLst/>
-                  <a:latin typeface="Rubik"/>
-                </a:rPr>
-                <a:t>Pygame</a:t>
-              </a:r>
-              <a:r>
-                <a:rPr lang="en-US" b="1" i="0" dirty="0">
-                  <a:solidFill>
-                    <a:srgbClr val="5019B3"/>
-                  </a:solidFill>
-                  <a:effectLst/>
-                  <a:latin typeface="Rubik"/>
-                </a:rPr>
-                <a:t> provides a Sprite class that you can use to create and manage sprites efficiently.</a:t>
-              </a:r>
-              <a:br>
-                <a:rPr lang="en-US" dirty="0"/>
-              </a:br>
-              <a:endParaRPr lang="hu-HU" dirty="0"/>
-            </a:p>
-          </p:txBody>
-        </p:sp>
-        <p:sp>
-          <p:nvSpPr>
-            <p:cNvPr id="7" name="Szövegdoboz 6">
-              <a:extLst>
-                <a:ext uri="{FF2B5EF4-FFF2-40B4-BE49-F238E27FC236}">
-                  <a16:creationId xmlns:a16="http://schemas.microsoft.com/office/drawing/2014/main" id="{7819F685-963E-271F-BC1B-FDA54155C9CE}"/>
-                </a:ext>
-              </a:extLst>
-            </p:cNvPr>
-            <p:cNvSpPr txBox="1"/>
-            <p:nvPr/>
-          </p:nvSpPr>
-          <p:spPr>
-            <a:xfrm>
-              <a:off x="1647142" y="735919"/>
-              <a:ext cx="3057525" cy="861774"/>
-            </a:xfrm>
-            <a:prstGeom prst="rect">
-              <a:avLst/>
-            </a:prstGeom>
-            <a:noFill/>
-          </p:spPr>
-          <p:txBody>
-            <a:bodyPr wrap="square" rtlCol="0">
-              <a:spAutoFit/>
-            </a:bodyPr>
-            <a:lstStyle/>
-            <a:p>
-              <a:pPr algn="ctr"/>
-              <a:r>
-                <a:rPr lang="hu-HU" sz="3200" b="1" i="0" dirty="0">
-                  <a:solidFill>
-                    <a:srgbClr val="5019B3"/>
-                  </a:solidFill>
-                  <a:effectLst/>
-                  <a:latin typeface="Rubik"/>
-                </a:rPr>
-                <a:t>Mi is az a </a:t>
-              </a:r>
-              <a:r>
-                <a:rPr lang="hu-HU" sz="3200" b="1" i="0" dirty="0" err="1">
-                  <a:solidFill>
-                    <a:srgbClr val="5019B3"/>
-                  </a:solidFill>
-                  <a:effectLst/>
-                  <a:latin typeface="Rubik"/>
-                </a:rPr>
-                <a:t>sprite</a:t>
-              </a:r>
-              <a:r>
-                <a:rPr lang="hu-HU" sz="3200" b="1" i="0" dirty="0">
-                  <a:solidFill>
-                    <a:srgbClr val="5019B3"/>
-                  </a:solidFill>
-                  <a:effectLst/>
-                  <a:latin typeface="Rubik"/>
-                </a:rPr>
-                <a:t>?</a:t>
-              </a:r>
-            </a:p>
-            <a:p>
-              <a:endParaRPr lang="hu-HU" dirty="0"/>
-            </a:p>
-          </p:txBody>
-        </p:sp>
-      </p:grpSp>
-      <p:grpSp>
-        <p:nvGrpSpPr>
-          <p:cNvPr id="2" name="Group 1"/>
-          <p:cNvGrpSpPr/>
-          <p:nvPr/>
-        </p:nvGrpSpPr>
-        <p:grpSpPr>
-          <a:xfrm>
-            <a:off x="6527686" y="378290"/>
-            <a:ext cx="4784269" cy="2811242"/>
-            <a:chOff x="6527686" y="378290"/>
-            <a:chExt cx="4784269" cy="2811242"/>
-          </a:xfrm>
-        </p:grpSpPr>
-        <p:sp>
-          <p:nvSpPr>
-            <p:cNvPr id="5" name="Téglalap: lekerekített 4">
-              <a:extLst>
-                <a:ext uri="{FF2B5EF4-FFF2-40B4-BE49-F238E27FC236}">
-                  <a16:creationId xmlns:a16="http://schemas.microsoft.com/office/drawing/2014/main" id="{B74CBF98-6A67-702F-008D-E30CBEB44963}"/>
-                </a:ext>
-              </a:extLst>
-            </p:cNvPr>
-            <p:cNvSpPr/>
-            <p:nvPr/>
-          </p:nvSpPr>
-          <p:spPr>
-            <a:xfrm>
-              <a:off x="6527686" y="378290"/>
-              <a:ext cx="4784269" cy="2811242"/>
-            </a:xfrm>
-            <a:prstGeom prst="roundRect">
-              <a:avLst>
-                <a:gd name="adj" fmla="val 4094"/>
-              </a:avLst>
-            </a:prstGeom>
-            <a:solidFill>
-              <a:schemeClr val="bg1">
-                <a:alpha val="80000"/>
-              </a:schemeClr>
-            </a:solidFill>
-            <a:ln w="120650" cap="sq">
-              <a:noFill/>
-              <a:round/>
-            </a:ln>
-          </p:spPr>
-          <p:style>
-            <a:lnRef idx="2">
-              <a:schemeClr val="accent1">
-                <a:shade val="15000"/>
-              </a:schemeClr>
-            </a:lnRef>
-            <a:fillRef idx="1">
-              <a:schemeClr val="accent1"/>
-            </a:fillRef>
-            <a:effectRef idx="0">
-              <a:schemeClr val="accent1"/>
-            </a:effectRef>
-            <a:fontRef idx="minor">
-              <a:schemeClr val="lt1"/>
-            </a:fontRef>
-          </p:style>
-          <p:txBody>
-            <a:bodyPr rtlCol="0" anchor="ctr"/>
-            <a:lstStyle/>
-            <a:p>
-              <a:pPr algn="ctr"/>
-              <a:r>
-                <a:rPr lang="hu-HU" dirty="0"/>
-                <a:t> </a:t>
-              </a:r>
-            </a:p>
-          </p:txBody>
-        </p:sp>
-        <p:pic>
-          <p:nvPicPr>
-            <p:cNvPr id="1026" name="Picture 2">
-              <a:extLst>
-                <a:ext uri="{FF2B5EF4-FFF2-40B4-BE49-F238E27FC236}">
-                  <a16:creationId xmlns:a16="http://schemas.microsoft.com/office/drawing/2014/main" id="{7A82368D-859C-5EE3-8D89-77E6D75EAD7D}"/>
-                </a:ext>
-              </a:extLst>
-            </p:cNvPr>
-            <p:cNvPicPr>
-              <a:picLocks noChangeAspect="1" noChangeArrowheads="1"/>
-            </p:cNvPicPr>
-            <p:nvPr/>
-          </p:nvPicPr>
-          <p:blipFill>
-            <a:blip r:embed="rId2">
-              <a:extLst>
-                <a:ext uri="{28A0092B-C50C-407E-A947-70E740481C1C}">
-                  <a14:useLocalDpi xmlns:a14="http://schemas.microsoft.com/office/drawing/2010/main" val="0"/>
-                </a:ext>
-              </a:extLst>
-            </a:blip>
-            <a:srcRect/>
-            <a:stretch>
-              <a:fillRect/>
-            </a:stretch>
-          </p:blipFill>
-          <p:spPr bwMode="auto">
-            <a:xfrm>
-              <a:off x="6725670" y="1166806"/>
-              <a:ext cx="4388302" cy="1234210"/>
-            </a:xfrm>
-            <a:prstGeom prst="rect">
-              <a:avLst/>
-            </a:prstGeom>
-            <a:noFill/>
-            <a:extLst>
-              <a:ext uri="{909E8E84-426E-40DD-AFC4-6F175D3DCCD1}">
-                <a14:hiddenFill xmlns:a14="http://schemas.microsoft.com/office/drawing/2010/main">
-                  <a:solidFill>
-                    <a:srgbClr val="FFFFFF"/>
-                  </a:solidFill>
-                </a14:hiddenFill>
-              </a:ext>
-            </a:extLst>
-          </p:spPr>
-        </p:pic>
-      </p:grpSp>
-      <p:grpSp>
-        <p:nvGrpSpPr>
-          <p:cNvPr id="10" name="Group 9"/>
-          <p:cNvGrpSpPr/>
-          <p:nvPr/>
-        </p:nvGrpSpPr>
-        <p:grpSpPr>
-          <a:xfrm>
-            <a:off x="6527687" y="3629018"/>
-            <a:ext cx="4784269" cy="2811242"/>
-            <a:chOff x="6527687" y="3629018"/>
-            <a:chExt cx="4784269" cy="2811242"/>
-          </a:xfrm>
-        </p:grpSpPr>
-        <p:sp>
-          <p:nvSpPr>
-            <p:cNvPr id="8" name="Téglalap: lekerekített 7">
-              <a:extLst>
-                <a:ext uri="{FF2B5EF4-FFF2-40B4-BE49-F238E27FC236}">
-                  <a16:creationId xmlns:a16="http://schemas.microsoft.com/office/drawing/2014/main" id="{104486A8-B0E8-F708-7D72-B551D3E54053}"/>
-                </a:ext>
-              </a:extLst>
-            </p:cNvPr>
-            <p:cNvSpPr/>
-            <p:nvPr/>
-          </p:nvSpPr>
-          <p:spPr>
-            <a:xfrm>
-              <a:off x="6527687" y="3629018"/>
-              <a:ext cx="4784269" cy="2811242"/>
-            </a:xfrm>
-            <a:prstGeom prst="roundRect">
-              <a:avLst>
-                <a:gd name="adj" fmla="val 4094"/>
-              </a:avLst>
-            </a:prstGeom>
-            <a:solidFill>
-              <a:schemeClr val="bg1">
-                <a:alpha val="80000"/>
-              </a:schemeClr>
-            </a:solidFill>
-            <a:ln w="120650" cap="sq">
-              <a:noFill/>
-              <a:round/>
-            </a:ln>
-          </p:spPr>
-          <p:style>
-            <a:lnRef idx="2">
-              <a:schemeClr val="accent1">
-                <a:shade val="15000"/>
-              </a:schemeClr>
-            </a:lnRef>
-            <a:fillRef idx="1">
-              <a:schemeClr val="accent1"/>
-            </a:fillRef>
-            <a:effectRef idx="0">
-              <a:schemeClr val="accent1"/>
-            </a:effectRef>
-            <a:fontRef idx="minor">
-              <a:schemeClr val="lt1"/>
-            </a:fontRef>
-          </p:style>
-          <p:txBody>
-            <a:bodyPr rtlCol="0" anchor="ctr"/>
-            <a:lstStyle/>
-            <a:p>
-              <a:pPr algn="ctr"/>
-              <a:endParaRPr lang="hu-HU" dirty="0"/>
-            </a:p>
-          </p:txBody>
-        </p:sp>
-        <p:pic>
-          <p:nvPicPr>
-            <p:cNvPr id="9" name="Kép 8">
-              <a:extLst>
-                <a:ext uri="{FF2B5EF4-FFF2-40B4-BE49-F238E27FC236}">
-                  <a16:creationId xmlns:a16="http://schemas.microsoft.com/office/drawing/2014/main" id="{5B790B36-93CA-4AF6-AADC-C651C05A2519}"/>
-                </a:ext>
-              </a:extLst>
-            </p:cNvPr>
-            <p:cNvPicPr>
-              <a:picLocks noChangeAspect="1"/>
-            </p:cNvPicPr>
-            <p:nvPr/>
-          </p:nvPicPr>
-          <p:blipFill>
-            <a:blip r:embed="rId3"/>
-            <a:stretch>
-              <a:fillRect/>
-            </a:stretch>
-          </p:blipFill>
-          <p:spPr>
-            <a:xfrm>
-              <a:off x="6987125" y="3738021"/>
-              <a:ext cx="3865390" cy="2593236"/>
-            </a:xfrm>
-            <a:prstGeom prst="roundRect">
-              <a:avLst>
-                <a:gd name="adj" fmla="val 2289"/>
-              </a:avLst>
-            </a:prstGeom>
-          </p:spPr>
-        </p:pic>
-      </p:grpSp>
-    </p:spTree>
-    <p:extLst>
-      <p:ext uri="{BB962C8B-B14F-4D97-AF65-F5344CB8AC3E}">
-        <p14:creationId xmlns:p14="http://schemas.microsoft.com/office/powerpoint/2010/main" val="3971971737"/>
-      </p:ext>
-    </p:extLst>
-  </p:cSld>
-  <p:clrMapOvr>
-    <a:masterClrMapping/>
-  </p:clrMapOvr>
-  <p:transition spd="slow">
-    <p:push dir="u"/>
-  </p:transition>
-  <p:timing>
-    <p:tnLst>
-      <p:par>
-        <p:cTn id="1" dur="indefinite" restart="never" nodeType="tmRoot">
-          <p:childTnLst>
-            <p:seq concurrent="1" nextAc="seek">
-              <p:cTn id="2" dur="indefinite" nodeType="mainSeq">
-                <p:childTnLst>
-                  <p:par>
-                    <p:cTn id="3" fill="hold">
-                      <p:stCondLst>
-                        <p:cond delay="indefinite"/>
-                        <p:cond evt="onBegin" delay="0">
-                          <p:tn val="2"/>
-                        </p:cond>
-                      </p:stCondLst>
-                      <p:childTnLst>
-                        <p:par>
-                          <p:cTn id="4" fill="hold">
-                            <p:stCondLst>
-                              <p:cond delay="0"/>
-                            </p:stCondLst>
-                            <p:childTnLst>
-                              <p:par>
-                                <p:cTn id="5" presetID="2" presetClass="entr" presetSubtype="4" fill="hold" nodeType="withEffect">
-                                  <p:stCondLst>
-                                    <p:cond delay="0"/>
-                                  </p:stCondLst>
-                                  <p:childTnLst>
-                                    <p:set>
-                                      <p:cBhvr>
-                                        <p:cTn id="6" dur="1" fill="hold">
-                                          <p:stCondLst>
-                                            <p:cond delay="0"/>
-                                          </p:stCondLst>
-                                        </p:cTn>
-                                        <p:tgtEl>
-                                          <p:spTgt spid="3"/>
-                                        </p:tgtEl>
-                                        <p:attrNameLst>
-                                          <p:attrName>style.visibility</p:attrName>
-                                        </p:attrNameLst>
-                                      </p:cBhvr>
-                                      <p:to>
-                                        <p:strVal val="visible"/>
-                                      </p:to>
-                                    </p:set>
-                                    <p:anim calcmode="lin" valueType="num">
-                                      <p:cBhvr additive="base">
-                                        <p:cTn id="7" dur="1000" fill="hold"/>
-                                        <p:tgtEl>
-                                          <p:spTgt spid="3"/>
-                                        </p:tgtEl>
-                                        <p:attrNameLst>
-                                          <p:attrName>ppt_x</p:attrName>
-                                        </p:attrNameLst>
-                                      </p:cBhvr>
-                                      <p:tavLst>
-                                        <p:tav tm="0">
-                                          <p:val>
-                                            <p:strVal val="#ppt_x"/>
-                                          </p:val>
-                                        </p:tav>
-                                        <p:tav tm="100000">
-                                          <p:val>
-                                            <p:strVal val="#ppt_x"/>
-                                          </p:val>
-                                        </p:tav>
-                                      </p:tavLst>
-                                    </p:anim>
-                                    <p:anim calcmode="lin" valueType="num">
-                                      <p:cBhvr additive="base">
-                                        <p:cTn id="8" dur="1000" fill="hold"/>
-                                        <p:tgtEl>
-                                          <p:spTgt spid="3"/>
-                                        </p:tgtEl>
-                                        <p:attrNameLst>
-                                          <p:attrName>ppt_y</p:attrName>
-                                        </p:attrNameLst>
-                                      </p:cBhvr>
-                                      <p:tavLst>
-                                        <p:tav tm="0">
-                                          <p:val>
-                                            <p:strVal val="1+#ppt_h/2"/>
-                                          </p:val>
-                                        </p:tav>
-                                        <p:tav tm="100000">
-                                          <p:val>
-                                            <p:strVal val="#ppt_y"/>
-                                          </p:val>
-                                        </p:tav>
-                                      </p:tavLst>
-                                    </p:anim>
-                                  </p:childTnLst>
-                                </p:cTn>
-                              </p:par>
-                            </p:childTnLst>
-                          </p:cTn>
-                        </p:par>
-                      </p:childTnLst>
-                    </p:cTn>
-                  </p:par>
-                  <p:par>
-                    <p:cTn id="9" fill="hold">
-                      <p:stCondLst>
-                        <p:cond delay="indefinite"/>
-                      </p:stCondLst>
-                      <p:childTnLst>
-                        <p:par>
-                          <p:cTn id="10" fill="hold">
-                            <p:stCondLst>
-                              <p:cond delay="0"/>
-                            </p:stCondLst>
-                            <p:childTnLst>
-                              <p:par>
-                                <p:cTn id="11" presetID="2" presetClass="entr" presetSubtype="4" fill="hold" nodeType="clickEffect">
-                                  <p:stCondLst>
-                                    <p:cond delay="0"/>
-                                  </p:stCondLst>
-                                  <p:childTnLst>
-                                    <p:set>
-                                      <p:cBhvr>
-                                        <p:cTn id="12" dur="1" fill="hold">
-                                          <p:stCondLst>
-                                            <p:cond delay="0"/>
-                                          </p:stCondLst>
-                                        </p:cTn>
-                                        <p:tgtEl>
-                                          <p:spTgt spid="2"/>
-                                        </p:tgtEl>
-                                        <p:attrNameLst>
-                                          <p:attrName>style.visibility</p:attrName>
-                                        </p:attrNameLst>
-                                      </p:cBhvr>
-                                      <p:to>
-                                        <p:strVal val="visible"/>
-                                      </p:to>
-                                    </p:set>
-                                    <p:anim calcmode="lin" valueType="num">
-                                      <p:cBhvr additive="base">
-                                        <p:cTn id="13" dur="1000" fill="hold"/>
-                                        <p:tgtEl>
-                                          <p:spTgt spid="2"/>
-                                        </p:tgtEl>
-                                        <p:attrNameLst>
-                                          <p:attrName>ppt_x</p:attrName>
-                                        </p:attrNameLst>
-                                      </p:cBhvr>
-                                      <p:tavLst>
-                                        <p:tav tm="0">
-                                          <p:val>
-                                            <p:strVal val="#ppt_x"/>
-                                          </p:val>
-                                        </p:tav>
-                                        <p:tav tm="100000">
-                                          <p:val>
-                                            <p:strVal val="#ppt_x"/>
-                                          </p:val>
-                                        </p:tav>
-                                      </p:tavLst>
-                                    </p:anim>
-                                    <p:anim calcmode="lin" valueType="num">
-                                      <p:cBhvr additive="base">
-                                        <p:cTn id="14" dur="1000" fill="hold"/>
-                                        <p:tgtEl>
-                                          <p:spTgt spid="2"/>
-                                        </p:tgtEl>
-                                        <p:attrNameLst>
-                                          <p:attrName>ppt_y</p:attrName>
-                                        </p:attrNameLst>
-                                      </p:cBhvr>
-                                      <p:tavLst>
-                                        <p:tav tm="0">
-                                          <p:val>
-                                            <p:strVal val="1+#ppt_h/2"/>
-                                          </p:val>
-                                        </p:tav>
-                                        <p:tav tm="100000">
-                                          <p:val>
-                                            <p:strVal val="#ppt_y"/>
-                                          </p:val>
-                                        </p:tav>
-                                      </p:tavLst>
-                                    </p:anim>
-                                  </p:childTnLst>
-                                </p:cTn>
-                              </p:par>
-                            </p:childTnLst>
-                          </p:cTn>
-                        </p:par>
-                      </p:childTnLst>
-                    </p:cTn>
-                  </p:par>
-                </p:childTnLst>
-              </p:cTn>
-              <p:prevCondLst>
-                <p:cond evt="onPrev" delay="0">
-                  <p:tgtEl>
-                    <p:sldTgt/>
-                  </p:tgtEl>
-                </p:cond>
-              </p:prevCondLst>
-              <p:nextCondLst>
-                <p:cond evt="onNext" delay="0">
-                  <p:tgtEl>
-                    <p:sldTgt/>
-                  </p:tgtEl>
-                </p:cond>
-              </p:nextCondLst>
-            </p:seq>
-          </p:childTnLst>
-        </p:cTn>
-      </p:par>
-    </p:tnLst>
-  </p:timing>
-</p:sld>
-</file>
-
-<file path=ppt/slides/slide9.xml><?xml version="1.0" encoding="utf-8"?>
-<p:sld xmlns:a="http://schemas.openxmlformats.org/drawingml/2006/main" xmlns:r="http://schemas.openxmlformats.org/officeDocument/2006/relationships" xmlns:p="http://schemas.openxmlformats.org/presentationml/2006/main">
-  <p:cSld>
-    <p:bg>
-      <p:bgPr>
-        <a:solidFill>
-          <a:srgbClr val="5019B3"/>
-        </a:solidFill>
-        <a:effectLst/>
-      </p:bgPr>
-    </p:bg>
-    <p:spTree>
-      <p:nvGrpSpPr>
-        <p:cNvPr id="1" name=""/>
-        <p:cNvGrpSpPr/>
-        <p:nvPr/>
-      </p:nvGrpSpPr>
-      <p:grpSpPr>
-        <a:xfrm>
-          <a:off x="0" y="0"/>
-          <a:ext cx="0" cy="0"/>
-          <a:chOff x="0" y="0"/>
-          <a:chExt cx="0" cy="0"/>
-        </a:xfrm>
-      </p:grpSpPr>
       <p:sp>
         <p:nvSpPr>
           <p:cNvPr id="4" name="Téglalap: lekerekített 3">
             <a:extLst>
               <a:ext uri="{FF2B5EF4-FFF2-40B4-BE49-F238E27FC236}">
-                <a16:creationId xmlns:a16="http://schemas.microsoft.com/office/drawing/2014/main" id="{BC187220-8284-1B2B-8CE3-7C613265D444}"/>
+                <a16:creationId xmlns:a16="http://schemas.microsoft.com/office/drawing/2014/main" xmlns="" id="{BC187220-8284-1B2B-8CE3-7C613265D444}"/>
               </a:ext>
             </a:extLst>
           </p:cNvPr>
@@ -11517,7 +10085,7 @@
           <p:cNvPr id="5" name="Téglalap: lekerekített 4">
             <a:extLst>
               <a:ext uri="{FF2B5EF4-FFF2-40B4-BE49-F238E27FC236}">
-                <a16:creationId xmlns:a16="http://schemas.microsoft.com/office/drawing/2014/main" id="{B74CBF98-6A67-702F-008D-E30CBEB44963}"/>
+                <a16:creationId xmlns:a16="http://schemas.microsoft.com/office/drawing/2014/main" xmlns="" id="{B74CBF98-6A67-702F-008D-E30CBEB44963}"/>
               </a:ext>
             </a:extLst>
           </p:cNvPr>
@@ -11526,8 +10094,8 @@
         </p:nvSpPr>
         <p:spPr>
           <a:xfrm>
-            <a:off x="6527687" y="293914"/>
-            <a:ext cx="4784269" cy="6270170"/>
+            <a:off x="6527686" y="378290"/>
+            <a:ext cx="4784269" cy="2811242"/>
           </a:xfrm>
           <a:prstGeom prst="roundRect">
             <a:avLst>
@@ -11565,16 +10133,76 @@
           <a:lstStyle/>
           <a:p>
             <a:pPr algn="ctr"/>
-            <a:endParaRPr lang="hu-HU" dirty="0"/>
+            <a:r>
+              <a:rPr lang="hu-HU" dirty="0"/>
+              <a:t> </a:t>
+            </a:r>
           </a:p>
         </p:txBody>
       </p:sp>
       <p:sp>
         <p:nvSpPr>
-          <p:cNvPr id="6" name="Szövegdoboz 5">
+          <p:cNvPr id="8" name="Téglalap: lekerekített 7">
             <a:extLst>
               <a:ext uri="{FF2B5EF4-FFF2-40B4-BE49-F238E27FC236}">
-                <a16:creationId xmlns:a16="http://schemas.microsoft.com/office/drawing/2014/main" id="{5B6AC857-2A98-66B3-8AC9-33FBAB3EDDF5}"/>
+                <a16:creationId xmlns:a16="http://schemas.microsoft.com/office/drawing/2014/main" xmlns="" id="{104486A8-B0E8-F708-7D72-B551D3E54053}"/>
+              </a:ext>
+            </a:extLst>
+          </p:cNvPr>
+          <p:cNvSpPr/>
+          <p:nvPr/>
+        </p:nvSpPr>
+        <p:spPr>
+          <a:xfrm>
+            <a:off x="6527687" y="3629018"/>
+            <a:ext cx="4784269" cy="2811242"/>
+          </a:xfrm>
+          <a:prstGeom prst="roundRect">
+            <a:avLst>
+              <a:gd name="adj" fmla="val 4094"/>
+            </a:avLst>
+          </a:prstGeom>
+          <a:solidFill>
+            <a:schemeClr val="bg1">
+              <a:alpha val="80000"/>
+            </a:schemeClr>
+          </a:solidFill>
+          <a:ln w="120650" cap="sq">
+            <a:noFill/>
+            <a:round/>
+          </a:ln>
+        </p:spPr>
+        <p:style>
+          <a:lnRef idx="2">
+            <a:schemeClr val="accent1">
+              <a:shade val="15000"/>
+            </a:schemeClr>
+          </a:lnRef>
+          <a:fillRef idx="1">
+            <a:schemeClr val="accent1"/>
+          </a:fillRef>
+          <a:effectRef idx="0">
+            <a:schemeClr val="accent1"/>
+          </a:effectRef>
+          <a:fontRef idx="minor">
+            <a:schemeClr val="lt1"/>
+          </a:fontRef>
+        </p:style>
+        <p:txBody>
+          <a:bodyPr rtlCol="0" anchor="ctr"/>
+          <a:lstStyle/>
+          <a:p>
+            <a:pPr algn="ctr"/>
+            <a:endParaRPr lang="hu-HU" dirty="0"/>
+          </a:p>
+        </p:txBody>
+      </p:sp>
+      <p:sp>
+        <p:nvSpPr>
+          <p:cNvPr id="19" name="Szövegdoboz 6">
+            <a:extLst>
+              <a:ext uri="{FF2B5EF4-FFF2-40B4-BE49-F238E27FC236}">
+                <a16:creationId xmlns:a16="http://schemas.microsoft.com/office/drawing/2014/main" xmlns="" id="{7819F685-963E-271F-BC1B-FDA54155C9CE}"/>
               </a:ext>
             </a:extLst>
           </p:cNvPr>
@@ -11583,93 +10211,7 @@
         </p:nvSpPr>
         <p:spPr>
           <a:xfrm>
-            <a:off x="1128030" y="1597693"/>
-            <a:ext cx="4095750" cy="2031325"/>
-          </a:xfrm>
-          <a:prstGeom prst="rect">
-            <a:avLst/>
-          </a:prstGeom>
-          <a:noFill/>
-        </p:spPr>
-        <p:txBody>
-          <a:bodyPr wrap="square" rtlCol="0">
-            <a:spAutoFit/>
-          </a:bodyPr>
-          <a:lstStyle/>
-          <a:p>
-            <a:pPr algn="just"/>
-            <a:r>
-              <a:rPr lang="en-US" b="1" i="0" dirty="0">
-                <a:solidFill>
-                  <a:srgbClr val="5019B3"/>
-                </a:solidFill>
-                <a:effectLst/>
-                <a:latin typeface="Rubik"/>
-              </a:rPr>
-              <a:t>In </a:t>
-            </a:r>
-            <a:r>
-              <a:rPr lang="en-US" b="1" i="0" dirty="0" err="1">
-                <a:solidFill>
-                  <a:srgbClr val="5019B3"/>
-                </a:solidFill>
-                <a:effectLst/>
-                <a:latin typeface="Rubik"/>
-              </a:rPr>
-              <a:t>Pygame</a:t>
-            </a:r>
-            <a:r>
-              <a:rPr lang="en-US" b="1" i="0" dirty="0">
-                <a:solidFill>
-                  <a:srgbClr val="5019B3"/>
-                </a:solidFill>
-                <a:effectLst/>
-                <a:latin typeface="Rubik"/>
-              </a:rPr>
-              <a:t>, a sprite is an object that represents a game element. It can be an image, animation, or any other visual element in a game. </a:t>
-            </a:r>
-            <a:r>
-              <a:rPr lang="en-US" b="1" i="0" dirty="0" err="1">
-                <a:solidFill>
-                  <a:srgbClr val="5019B3"/>
-                </a:solidFill>
-                <a:effectLst/>
-                <a:latin typeface="Rubik"/>
-              </a:rPr>
-              <a:t>Pygame</a:t>
-            </a:r>
-            <a:r>
-              <a:rPr lang="en-US" b="1" i="0" dirty="0">
-                <a:solidFill>
-                  <a:srgbClr val="5019B3"/>
-                </a:solidFill>
-                <a:effectLst/>
-                <a:latin typeface="Rubik"/>
-              </a:rPr>
-              <a:t> provides a Sprite class that you can use to create and manage sprites efficiently.</a:t>
-            </a:r>
-            <a:br>
-              <a:rPr lang="en-US" dirty="0"/>
-            </a:br>
-            <a:endParaRPr lang="hu-HU" dirty="0"/>
-          </a:p>
-        </p:txBody>
-      </p:sp>
-      <p:sp>
-        <p:nvSpPr>
-          <p:cNvPr id="7" name="Szövegdoboz 6">
-            <a:extLst>
-              <a:ext uri="{FF2B5EF4-FFF2-40B4-BE49-F238E27FC236}">
-                <a16:creationId xmlns:a16="http://schemas.microsoft.com/office/drawing/2014/main" id="{7819F685-963E-271F-BC1B-FDA54155C9CE}"/>
-              </a:ext>
-            </a:extLst>
-          </p:cNvPr>
-          <p:cNvSpPr txBox="1"/>
-          <p:nvPr/>
-        </p:nvSpPr>
-        <p:spPr>
-          <a:xfrm>
-            <a:off x="1647142" y="735919"/>
+            <a:off x="1743415" y="944925"/>
             <a:ext cx="3057525" cy="861774"/>
           </a:xfrm>
           <a:prstGeom prst="rect">
@@ -11685,45 +10227,358 @@
           <a:p>
             <a:pPr algn="ctr"/>
             <a:r>
-              <a:rPr lang="hu-HU" sz="3200" b="1" i="0" dirty="0">
+              <a:rPr lang="hu-HU" sz="3200" b="1" dirty="0" smtClean="0">
                 <a:solidFill>
                   <a:srgbClr val="5019B3"/>
                 </a:solidFill>
-                <a:effectLst/>
-                <a:latin typeface="Rubik"/>
+                <a:latin typeface="Segoe UI Black" panose="020B0A02040204020203" pitchFamily="34" charset="0"/>
+                <a:ea typeface="Segoe UI Black" panose="020B0A02040204020203" pitchFamily="34" charset="0"/>
               </a:rPr>
-              <a:t>Mi is az a </a:t>
+              <a:t>Mintaproject</a:t>
             </a:r>
+            <a:endParaRPr lang="hu-HU" sz="3200" b="1" i="0" dirty="0">
+              <a:solidFill>
+                <a:srgbClr val="5019B3"/>
+              </a:solidFill>
+              <a:effectLst/>
+              <a:latin typeface="Segoe UI Black" panose="020B0A02040204020203" pitchFamily="34" charset="0"/>
+              <a:ea typeface="Segoe UI Black" panose="020B0A02040204020203" pitchFamily="34" charset="0"/>
+            </a:endParaRPr>
+          </a:p>
+          <a:p>
+            <a:endParaRPr lang="hu-HU" dirty="0"/>
+          </a:p>
+        </p:txBody>
+      </p:sp>
+      <p:sp>
+        <p:nvSpPr>
+          <p:cNvPr id="20" name="TextBox 19"/>
+          <p:cNvSpPr txBox="1"/>
+          <p:nvPr/>
+        </p:nvSpPr>
+        <p:spPr>
+          <a:xfrm>
+            <a:off x="1408669" y="2683573"/>
+            <a:ext cx="3815109" cy="523220"/>
+          </a:xfrm>
+          <a:prstGeom prst="rect">
+            <a:avLst/>
+          </a:prstGeom>
+          <a:noFill/>
+        </p:spPr>
+        <p:txBody>
+          <a:bodyPr wrap="square" rtlCol="0">
+            <a:spAutoFit/>
+          </a:bodyPr>
+          <a:lstStyle/>
+          <a:p>
+            <a:pPr marL="457200" lvl="0" indent="-457200" algn="just">
+              <a:buFont typeface="Arial" panose="020B0604020202020204" pitchFamily="34" charset="0"/>
+              <a:buChar char="•"/>
+            </a:pPr>
             <a:r>
-              <a:rPr lang="hu-HU" sz="3200" b="1" i="0" dirty="0" err="1">
+              <a:rPr lang="hu-HU" sz="2800" dirty="0" smtClean="0">
                 <a:solidFill>
                   <a:srgbClr val="5019B3"/>
                 </a:solidFill>
-                <a:effectLst/>
-                <a:latin typeface="Rubik"/>
+                <a:latin typeface="Segoe UI" panose="020B0502040204020203" pitchFamily="34" charset="0"/>
+                <a:ea typeface="Segoe UI Black" panose="020B0A02040204020203" pitchFamily="34" charset="0"/>
+                <a:cs typeface="Segoe UI" panose="020B0502040204020203" pitchFamily="34" charset="0"/>
               </a:rPr>
-              <a:t>sprite</a:t>
+              <a:t>asd</a:t>
             </a:r>
-            <a:r>
-              <a:rPr lang="hu-HU" sz="3200" b="1" i="0" dirty="0">
-                <a:solidFill>
-                  <a:srgbClr val="5019B3"/>
-                </a:solidFill>
-                <a:effectLst/>
-                <a:latin typeface="Rubik"/>
-              </a:rPr>
-              <a:t>?</a:t>
-            </a:r>
-          </a:p>
-          <a:p>
-            <a:endParaRPr lang="hu-HU" dirty="0"/>
+            <a:endParaRPr lang="hu-HU" sz="2800" dirty="0">
+              <a:solidFill>
+                <a:srgbClr val="5019B3"/>
+              </a:solidFill>
+              <a:latin typeface="Segoe UI" panose="020B0502040204020203" pitchFamily="34" charset="0"/>
+              <a:ea typeface="Segoe UI Black" panose="020B0A02040204020203" pitchFamily="34" charset="0"/>
+              <a:cs typeface="Segoe UI" panose="020B0502040204020203" pitchFamily="34" charset="0"/>
+            </a:endParaRPr>
           </a:p>
         </p:txBody>
       </p:sp>
     </p:spTree>
     <p:extLst>
       <p:ext uri="{BB962C8B-B14F-4D97-AF65-F5344CB8AC3E}">
-        <p14:creationId xmlns:p14="http://schemas.microsoft.com/office/powerpoint/2010/main" val="1827483191"/>
+        <p14:creationId xmlns:p14="http://schemas.microsoft.com/office/powerpoint/2010/main" val="3971971737"/>
+      </p:ext>
+    </p:extLst>
+  </p:cSld>
+  <p:clrMapOvr>
+    <a:masterClrMapping/>
+  </p:clrMapOvr>
+  <p:transition spd="slow">
+    <p:push dir="u"/>
+  </p:transition>
+  <p:timing>
+    <p:tnLst>
+      <p:par>
+        <p:cTn id="1" dur="indefinite" restart="never" nodeType="tmRoot"/>
+      </p:par>
+    </p:tnLst>
+  </p:timing>
+</p:sld>
+</file>
+
+<file path=ppt/slides/slide9.xml><?xml version="1.0" encoding="utf-8"?>
+<p:sld xmlns:a="http://schemas.openxmlformats.org/drawingml/2006/main" xmlns:r="http://schemas.openxmlformats.org/officeDocument/2006/relationships" xmlns:p="http://schemas.openxmlformats.org/presentationml/2006/main">
+  <p:cSld>
+    <p:bg>
+      <p:bgPr>
+        <a:solidFill>
+          <a:srgbClr val="5019B3"/>
+        </a:solidFill>
+        <a:effectLst/>
+      </p:bgPr>
+    </p:bg>
+    <p:spTree>
+      <p:nvGrpSpPr>
+        <p:cNvPr id="1" name=""/>
+        <p:cNvGrpSpPr/>
+        <p:nvPr/>
+      </p:nvGrpSpPr>
+      <p:grpSpPr>
+        <a:xfrm>
+          <a:off x="0" y="0"/>
+          <a:ext cx="0" cy="0"/>
+          <a:chOff x="0" y="0"/>
+          <a:chExt cx="0" cy="0"/>
+        </a:xfrm>
+      </p:grpSpPr>
+      <p:sp>
+        <p:nvSpPr>
+          <p:cNvPr id="4" name="Ellipszis 3">
+            <a:extLst>
+              <a:ext uri="{FF2B5EF4-FFF2-40B4-BE49-F238E27FC236}">
+                <a16:creationId xmlns:a16="http://schemas.microsoft.com/office/drawing/2014/main" xmlns="" id="{5E590742-0F2F-708E-87FC-8CF5ABA75119}"/>
+              </a:ext>
+            </a:extLst>
+          </p:cNvPr>
+          <p:cNvSpPr/>
+          <p:nvPr/>
+        </p:nvSpPr>
+        <p:spPr>
+          <a:xfrm>
+            <a:off x="2803967" y="136967"/>
+            <a:ext cx="6584065" cy="6584065"/>
+          </a:xfrm>
+          <a:prstGeom prst="ellipse">
+            <a:avLst/>
+          </a:prstGeom>
+          <a:solidFill>
+            <a:srgbClr val="4B199F"/>
+          </a:solidFill>
+          <a:ln>
+            <a:noFill/>
+          </a:ln>
+          <a:effectLst>
+            <a:innerShdw blurRad="533400">
+              <a:prstClr val="black">
+                <a:alpha val="71000"/>
+              </a:prstClr>
+            </a:innerShdw>
+          </a:effectLst>
+        </p:spPr>
+        <p:style>
+          <a:lnRef idx="2">
+            <a:schemeClr val="accent1">
+              <a:shade val="15000"/>
+            </a:schemeClr>
+          </a:lnRef>
+          <a:fillRef idx="1">
+            <a:schemeClr val="accent1"/>
+          </a:fillRef>
+          <a:effectRef idx="0">
+            <a:schemeClr val="accent1"/>
+          </a:effectRef>
+          <a:fontRef idx="minor">
+            <a:schemeClr val="lt1"/>
+          </a:fontRef>
+        </p:style>
+        <p:txBody>
+          <a:bodyPr rtlCol="0" anchor="ctr"/>
+          <a:lstStyle/>
+          <a:p>
+            <a:pPr algn="ctr"/>
+            <a:endParaRPr lang="hu-HU"/>
+          </a:p>
+        </p:txBody>
+      </p:sp>
+      <p:sp>
+        <p:nvSpPr>
+          <p:cNvPr id="5" name="Ellipszis 4">
+            <a:extLst>
+              <a:ext uri="{FF2B5EF4-FFF2-40B4-BE49-F238E27FC236}">
+                <a16:creationId xmlns:a16="http://schemas.microsoft.com/office/drawing/2014/main" xmlns="" id="{7BFA035C-0E90-EF99-09EB-F01F1787B99D}"/>
+              </a:ext>
+            </a:extLst>
+          </p:cNvPr>
+          <p:cNvSpPr/>
+          <p:nvPr/>
+        </p:nvSpPr>
+        <p:spPr>
+          <a:xfrm>
+            <a:off x="3530277" y="863277"/>
+            <a:ext cx="5131443" cy="5131443"/>
+          </a:xfrm>
+          <a:prstGeom prst="ellipse">
+            <a:avLst/>
+          </a:prstGeom>
+          <a:solidFill>
+            <a:srgbClr val="441887"/>
+          </a:solidFill>
+          <a:effectLst>
+            <a:innerShdw blurRad="368300">
+              <a:prstClr val="black">
+                <a:alpha val="41000"/>
+              </a:prstClr>
+            </a:innerShdw>
+          </a:effectLst>
+        </p:spPr>
+        <p:style>
+          <a:lnRef idx="2">
+            <a:schemeClr val="accent1">
+              <a:shade val="15000"/>
+            </a:schemeClr>
+          </a:lnRef>
+          <a:fillRef idx="1">
+            <a:schemeClr val="accent1"/>
+          </a:fillRef>
+          <a:effectRef idx="0">
+            <a:schemeClr val="accent1"/>
+          </a:effectRef>
+          <a:fontRef idx="minor">
+            <a:schemeClr val="lt1"/>
+          </a:fontRef>
+        </p:style>
+        <p:txBody>
+          <a:bodyPr rtlCol="0" anchor="ctr"/>
+          <a:lstStyle/>
+          <a:p>
+            <a:pPr algn="ctr"/>
+            <a:endParaRPr lang="hu-HU"/>
+          </a:p>
+        </p:txBody>
+      </p:sp>
+      <p:sp>
+        <p:nvSpPr>
+          <p:cNvPr id="15" name="Szövegdoboz 14">
+            <a:extLst>
+              <a:ext uri="{FF2B5EF4-FFF2-40B4-BE49-F238E27FC236}">
+                <a16:creationId xmlns:a16="http://schemas.microsoft.com/office/drawing/2014/main" xmlns="" id="{BAD904EC-5503-CAE6-53A8-7648AE393A9D}"/>
+              </a:ext>
+            </a:extLst>
+          </p:cNvPr>
+          <p:cNvSpPr txBox="1"/>
+          <p:nvPr/>
+        </p:nvSpPr>
+        <p:spPr>
+          <a:xfrm>
+            <a:off x="4049861" y="2141397"/>
+            <a:ext cx="4396873" cy="1754326"/>
+          </a:xfrm>
+          <a:prstGeom prst="rect">
+            <a:avLst/>
+          </a:prstGeom>
+          <a:noFill/>
+          <a:effectLst>
+            <a:outerShdw sx="1000" sy="1000" algn="ctr" rotWithShape="0">
+              <a:srgbClr val="000000"/>
+            </a:outerShdw>
+          </a:effectLst>
+        </p:spPr>
+        <p:txBody>
+          <a:bodyPr wrap="square" rtlCol="0">
+            <a:spAutoFit/>
+          </a:bodyPr>
+          <a:lstStyle/>
+          <a:p>
+            <a:r>
+              <a:rPr lang="hu-HU" sz="5400" dirty="0">
+                <a:solidFill>
+                  <a:schemeClr val="bg1"/>
+                </a:solidFill>
+                <a:effectLst>
+                  <a:outerShdw dist="38100" sx="101000" sy="101000" algn="l" rotWithShape="0">
+                    <a:prstClr val="black">
+                      <a:alpha val="10000"/>
+                    </a:prstClr>
+                  </a:outerShdw>
+                </a:effectLst>
+                <a:latin typeface="Segoe UI Black" panose="020B0A02040204020203" pitchFamily="34" charset="0"/>
+                <a:ea typeface="Segoe UI Black" panose="020B0A02040204020203" pitchFamily="34" charset="0"/>
+              </a:rPr>
+              <a:t>Köszönjük a figyelmet!</a:t>
+            </a:r>
+          </a:p>
+        </p:txBody>
+      </p:sp>
+      <p:sp>
+        <p:nvSpPr>
+          <p:cNvPr id="17" name="Szövegdoboz 15">
+            <a:extLst>
+              <a:ext uri="{FF2B5EF4-FFF2-40B4-BE49-F238E27FC236}">
+                <a16:creationId xmlns:a16="http://schemas.microsoft.com/office/drawing/2014/main" xmlns="" id="{C9117FAE-FE67-5743-F7DB-0D7FE2C64D91}"/>
+              </a:ext>
+            </a:extLst>
+          </p:cNvPr>
+          <p:cNvSpPr txBox="1"/>
+          <p:nvPr/>
+        </p:nvSpPr>
+        <p:spPr>
+          <a:xfrm>
+            <a:off x="3745262" y="4098842"/>
+            <a:ext cx="4701472" cy="646331"/>
+          </a:xfrm>
+          <a:prstGeom prst="rect">
+            <a:avLst/>
+          </a:prstGeom>
+          <a:noFill/>
+        </p:spPr>
+        <p:txBody>
+          <a:bodyPr wrap="square" rtlCol="0">
+            <a:spAutoFit/>
+          </a:bodyPr>
+          <a:lstStyle/>
+          <a:p>
+            <a:r>
+              <a:rPr lang="hu-HU" sz="1600" b="0" i="0" dirty="0">
+                <a:solidFill>
+                  <a:srgbClr val="FFFFFF"/>
+                </a:solidFill>
+                <a:effectLst/>
+                <a:latin typeface="Barlow" panose="020F0502020204030204" pitchFamily="2" charset="-18"/>
+              </a:rPr>
+              <a:t>Készítette: </a:t>
+            </a:r>
+            <a:r>
+              <a:rPr lang="hu-HU" sz="1600" dirty="0">
+                <a:solidFill>
+                  <a:srgbClr val="FFFFFF"/>
+                </a:solidFill>
+                <a:latin typeface="Barlow" panose="020F0502020204030204" pitchFamily="2" charset="-18"/>
+              </a:rPr>
+              <a:t>Kállai Gábor, Szalai Bence, Bánhidai Mátyás</a:t>
+            </a:r>
+            <a:endParaRPr lang="hu-HU" sz="1600" b="0" i="0" dirty="0">
+              <a:solidFill>
+                <a:srgbClr val="FFFFFF"/>
+              </a:solidFill>
+              <a:effectLst/>
+              <a:latin typeface="Barlow" panose="020F0502020204030204" pitchFamily="2" charset="-18"/>
+            </a:endParaRPr>
+          </a:p>
+          <a:p>
+            <a:pPr algn="ctr"/>
+            <a:endParaRPr lang="hu-HU" sz="2000" dirty="0"/>
+          </a:p>
+        </p:txBody>
+      </p:sp>
+    </p:spTree>
+    <p:extLst>
+      <p:ext uri="{BB962C8B-B14F-4D97-AF65-F5344CB8AC3E}">
+        <p14:creationId xmlns:p14="http://schemas.microsoft.com/office/powerpoint/2010/main" val="2378275473"/>
       </p:ext>
     </p:extLst>
   </p:cSld>
@@ -11745,6 +10600,9 @@
                     <p:cTn id="3" fill="hold">
                       <p:stCondLst>
                         <p:cond delay="indefinite"/>
+                        <p:cond evt="onBegin" delay="0">
+                          <p:tn val="2"/>
+                        </p:cond>
                       </p:stCondLst>
                       <p:childTnLst>
                         <p:par>
@@ -11754,7 +10612,7 @@
                             </p:stCondLst>
                             <p:childTnLst>
                               <p:par>
-                                <p:cTn id="5" presetID="2" presetClass="entr" presetSubtype="4" fill="hold" grpId="0" nodeType="clickEffect">
+                                <p:cTn id="5" presetID="53" presetClass="entr" presetSubtype="16" fill="hold" grpId="0" nodeType="withEffect">
                                   <p:stCondLst>
                                     <p:cond delay="0"/>
                                   </p:stCondLst>
@@ -11762,6 +10620,96 @@
                                     <p:set>
                                       <p:cBhvr>
                                         <p:cTn id="6" dur="1" fill="hold">
+                                          <p:stCondLst>
+                                            <p:cond delay="0"/>
+                                          </p:stCondLst>
+                                        </p:cTn>
+                                        <p:tgtEl>
+                                          <p:spTgt spid="4"/>
+                                        </p:tgtEl>
+                                        <p:attrNameLst>
+                                          <p:attrName>style.visibility</p:attrName>
+                                        </p:attrNameLst>
+                                      </p:cBhvr>
+                                      <p:to>
+                                        <p:strVal val="visible"/>
+                                      </p:to>
+                                    </p:set>
+                                    <p:anim calcmode="lin" valueType="num">
+                                      <p:cBhvr>
+                                        <p:cTn id="7" dur="300" fill="hold"/>
+                                        <p:tgtEl>
+                                          <p:spTgt spid="4"/>
+                                        </p:tgtEl>
+                                        <p:attrNameLst>
+                                          <p:attrName>ppt_w</p:attrName>
+                                        </p:attrNameLst>
+                                      </p:cBhvr>
+                                      <p:tavLst>
+                                        <p:tav tm="0">
+                                          <p:val>
+                                            <p:fltVal val="0"/>
+                                          </p:val>
+                                        </p:tav>
+                                        <p:tav tm="100000">
+                                          <p:val>
+                                            <p:strVal val="#ppt_w"/>
+                                          </p:val>
+                                        </p:tav>
+                                      </p:tavLst>
+                                    </p:anim>
+                                    <p:anim calcmode="lin" valueType="num">
+                                      <p:cBhvr>
+                                        <p:cTn id="8" dur="300" fill="hold"/>
+                                        <p:tgtEl>
+                                          <p:spTgt spid="4"/>
+                                        </p:tgtEl>
+                                        <p:attrNameLst>
+                                          <p:attrName>ppt_h</p:attrName>
+                                        </p:attrNameLst>
+                                      </p:cBhvr>
+                                      <p:tavLst>
+                                        <p:tav tm="0">
+                                          <p:val>
+                                            <p:fltVal val="0"/>
+                                          </p:val>
+                                        </p:tav>
+                                        <p:tav tm="100000">
+                                          <p:val>
+                                            <p:strVal val="#ppt_h"/>
+                                          </p:val>
+                                        </p:tav>
+                                      </p:tavLst>
+                                    </p:anim>
+                                    <p:animEffect transition="in" filter="fade">
+                                      <p:cBhvr>
+                                        <p:cTn id="9" dur="300"/>
+                                        <p:tgtEl>
+                                          <p:spTgt spid="4"/>
+                                        </p:tgtEl>
+                                      </p:cBhvr>
+                                    </p:animEffect>
+                                  </p:childTnLst>
+                                </p:cTn>
+                              </p:par>
+                            </p:childTnLst>
+                          </p:cTn>
+                        </p:par>
+                        <p:par>
+                          <p:cTn id="10" fill="hold">
+                            <p:stCondLst>
+                              <p:cond delay="300"/>
+                            </p:stCondLst>
+                            <p:childTnLst>
+                              <p:par>
+                                <p:cTn id="11" presetID="53" presetClass="entr" presetSubtype="16" fill="hold" grpId="0" nodeType="afterEffect">
+                                  <p:stCondLst>
+                                    <p:cond delay="200"/>
+                                  </p:stCondLst>
+                                  <p:childTnLst>
+                                    <p:set>
+                                      <p:cBhvr>
+                                        <p:cTn id="12" dur="1" fill="hold">
                                           <p:stCondLst>
                                             <p:cond delay="0"/>
                                           </p:stCondLst>
@@ -11778,10 +10726,108 @@
                                       </p:to>
                                     </p:set>
                                     <p:anim calcmode="lin" valueType="num">
-                                      <p:cBhvr additive="base">
-                                        <p:cTn id="7" dur="1000" fill="hold"/>
+                                      <p:cBhvr>
+                                        <p:cTn id="13" dur="300" fill="hold"/>
                                         <p:tgtEl>
                                           <p:spTgt spid="5"/>
+                                        </p:tgtEl>
+                                        <p:attrNameLst>
+                                          <p:attrName>ppt_w</p:attrName>
+                                        </p:attrNameLst>
+                                      </p:cBhvr>
+                                      <p:tavLst>
+                                        <p:tav tm="0">
+                                          <p:val>
+                                            <p:fltVal val="0"/>
+                                          </p:val>
+                                        </p:tav>
+                                        <p:tav tm="100000">
+                                          <p:val>
+                                            <p:strVal val="#ppt_w"/>
+                                          </p:val>
+                                        </p:tav>
+                                      </p:tavLst>
+                                    </p:anim>
+                                    <p:anim calcmode="lin" valueType="num">
+                                      <p:cBhvr>
+                                        <p:cTn id="14" dur="300" fill="hold"/>
+                                        <p:tgtEl>
+                                          <p:spTgt spid="5"/>
+                                        </p:tgtEl>
+                                        <p:attrNameLst>
+                                          <p:attrName>ppt_h</p:attrName>
+                                        </p:attrNameLst>
+                                      </p:cBhvr>
+                                      <p:tavLst>
+                                        <p:tav tm="0">
+                                          <p:val>
+                                            <p:fltVal val="0"/>
+                                          </p:val>
+                                        </p:tav>
+                                        <p:tav tm="100000">
+                                          <p:val>
+                                            <p:strVal val="#ppt_h"/>
+                                          </p:val>
+                                        </p:tav>
+                                      </p:tavLst>
+                                    </p:anim>
+                                    <p:animEffect transition="in" filter="fade">
+                                      <p:cBhvr>
+                                        <p:cTn id="15" dur="300"/>
+                                        <p:tgtEl>
+                                          <p:spTgt spid="5"/>
+                                        </p:tgtEl>
+                                      </p:cBhvr>
+                                    </p:animEffect>
+                                  </p:childTnLst>
+                                </p:cTn>
+                              </p:par>
+                            </p:childTnLst>
+                          </p:cTn>
+                        </p:par>
+                        <p:par>
+                          <p:cTn id="16" fill="hold">
+                            <p:stCondLst>
+                              <p:cond delay="800"/>
+                            </p:stCondLst>
+                            <p:childTnLst>
+                              <p:par>
+                                <p:cTn id="17" presetID="2" presetClass="entr" presetSubtype="4" fill="hold" nodeType="afterEffect">
+                                  <p:stCondLst>
+                                    <p:cond delay="500"/>
+                                  </p:stCondLst>
+                                  <p:childTnLst>
+                                    <p:set>
+                                      <p:cBhvr>
+                                        <p:cTn id="18" dur="1" fill="hold">
+                                          <p:stCondLst>
+                                            <p:cond delay="0"/>
+                                          </p:stCondLst>
+                                        </p:cTn>
+                                        <p:tgtEl>
+                                          <p:spTgt spid="15">
+                                            <p:txEl>
+                                              <p:pRg st="0" end="0"/>
+                                            </p:txEl>
+                                          </p:spTgt>
+                                        </p:tgtEl>
+                                        <p:attrNameLst>
+                                          <p:attrName>style.visibility</p:attrName>
+                                        </p:attrNameLst>
+                                      </p:cBhvr>
+                                      <p:to>
+                                        <p:strVal val="visible"/>
+                                      </p:to>
+                                    </p:set>
+                                    <p:anim calcmode="lin" valueType="num">
+                                      <p:cBhvr additive="base">
+                                        <p:cTn id="19" dur="1300" fill="hold"/>
+                                        <p:tgtEl>
+                                          <p:spTgt spid="15">
+                                            <p:txEl>
+                                              <p:pRg st="0" end="0"/>
+                                            </p:txEl>
+                                          </p:spTgt>
                                         </p:tgtEl>
                                         <p:attrNameLst>
                                           <p:attrName>ppt_x</p:attrName>
@@ -11802,9 +10848,13 @@
                                     </p:anim>
                                     <p:anim calcmode="lin" valueType="num">
                                       <p:cBhvr additive="base">
-                                        <p:cTn id="8" dur="1000" fill="hold"/>
+                                        <p:cTn id="20" dur="1300" fill="hold"/>
                                         <p:tgtEl>
-                                          <p:spTgt spid="5"/>
+                                          <p:spTgt spid="15">
+                                            <p:txEl>
+                                              <p:pRg st="0" end="0"/>
+                                            </p:txEl>
+                                          </p:spTgt>
                                         </p:tgtEl>
                                         <p:attrNameLst>
                                           <p:attrName>ppt_y</p:attrName>
@@ -11814,6 +10864,96 @@
                                         <p:tav tm="0">
                                           <p:val>
                                             <p:strVal val="1+#ppt_h/2"/>
+                                          </p:val>
+                                        </p:tav>
+                                        <p:tav tm="100000">
+                                          <p:val>
+                                            <p:strVal val="#ppt_y"/>
+                                          </p:val>
+                                        </p:tav>
+                                      </p:tavLst>
+                                    </p:anim>
+                                  </p:childTnLst>
+                                </p:cTn>
+                              </p:par>
+                            </p:childTnLst>
+                          </p:cTn>
+                        </p:par>
+                        <p:par>
+                          <p:cTn id="21" fill="hold">
+                            <p:stCondLst>
+                              <p:cond delay="2600"/>
+                            </p:stCondLst>
+                            <p:childTnLst>
+                              <p:par>
+                                <p:cTn id="22" presetID="42" presetClass="entr" presetSubtype="0" fill="hold" grpId="0" nodeType="afterEffect">
+                                  <p:stCondLst>
+                                    <p:cond delay="0"/>
+                                  </p:stCondLst>
+                                  <p:childTnLst>
+                                    <p:set>
+                                      <p:cBhvr>
+                                        <p:cTn id="23" dur="1" fill="hold">
+                                          <p:stCondLst>
+                                            <p:cond delay="0"/>
+                                          </p:stCondLst>
+                                        </p:cTn>
+                                        <p:tgtEl>
+                                          <p:spTgt spid="17"/>
+                                        </p:tgtEl>
+                                        <p:attrNameLst>
+                                          <p:attrName>style.visibility</p:attrName>
+                                        </p:attrNameLst>
+                                      </p:cBhvr>
+                                      <p:to>
+                                        <p:strVal val="visible"/>
+                                      </p:to>
+                                    </p:set>
+                                    <p:animEffect transition="in" filter="fade">
+                                      <p:cBhvr>
+                                        <p:cTn id="24" dur="1000"/>
+                                        <p:tgtEl>
+                                          <p:spTgt spid="17"/>
+                                        </p:tgtEl>
+                                      </p:cBhvr>
+                                    </p:animEffect>
+                                    <p:anim calcmode="lin" valueType="num">
+                                      <p:cBhvr>
+                                        <p:cTn id="25" dur="1000" fill="hold"/>
+                                        <p:tgtEl>
+                                          <p:spTgt spid="17"/>
+                                        </p:tgtEl>
+                                        <p:attrNameLst>
+                                          <p:attrName>ppt_x</p:attrName>
+                                        </p:attrNameLst>
+                                      </p:cBhvr>
+                                      <p:tavLst>
+                                        <p:tav tm="0">
+                                          <p:val>
+                                            <p:strVal val="#ppt_x"/>
+                                          </p:val>
+                                        </p:tav>
+                                        <p:tav tm="100000">
+                                          <p:val>
+                                            <p:strVal val="#ppt_x"/>
+                                          </p:val>
+                                        </p:tav>
+                                      </p:tavLst>
+                                    </p:anim>
+                                    <p:anim calcmode="lin" valueType="num">
+                                      <p:cBhvr>
+                                        <p:cTn id="26" dur="1000" fill="hold"/>
+                                        <p:tgtEl>
+                                          <p:spTgt spid="17"/>
+                                        </p:tgtEl>
+                                        <p:attrNameLst>
+                                          <p:attrName>ppt_y</p:attrName>
+                                        </p:attrNameLst>
+                                      </p:cBhvr>
+                                      <p:tavLst>
+                                        <p:tav tm="0">
+                                          <p:val>
+                                            <p:strVal val="#ppt_y+.1"/>
                                           </p:val>
                                         </p:tav>
                                         <p:tav tm="100000">
@@ -11854,7 +10994,9 @@
       </p:par>
     </p:tnLst>
     <p:bldLst>
+      <p:bldP spid="4" grpId="0" animBg="1"/>
       <p:bldP spid="5" grpId="0" animBg="1"/>
+      <p:bldP spid="17" grpId="0"/>
     </p:bldLst>
   </p:timing>
 </p:sld>

--- a/Prezentáció.pptx
+++ b/Prezentáció.pptx
@@ -232,7 +232,7 @@
           <a:p>
             <a:fld id="{045CADAF-2C59-4E58-A455-8868FC9726FC}" type="datetimeFigureOut">
               <a:rPr lang="hu-HU" smtClean="0"/>
-              <a:t>2024. 02. 05.</a:t>
+              <a:t>2024.02.07</a:t>
             </a:fld>
             <a:endParaRPr lang="hu-HU"/>
           </a:p>
@@ -521,7 +521,7 @@
           <p:cNvPr id="2" name="Cím 1">
             <a:extLst>
               <a:ext uri="{FF2B5EF4-FFF2-40B4-BE49-F238E27FC236}">
-                <a16:creationId xmlns:a16="http://schemas.microsoft.com/office/drawing/2014/main" xmlns="" id="{79B6456A-B89F-DB5E-FE02-0F1DA12AD99C}"/>
+                <a16:creationId xmlns:a16="http://schemas.microsoft.com/office/drawing/2014/main" id="{79B6456A-B89F-DB5E-FE02-0F1DA12AD99C}"/>
               </a:ext>
             </a:extLst>
           </p:cNvPr>
@@ -558,7 +558,7 @@
           <p:cNvPr id="3" name="Alcím 2">
             <a:extLst>
               <a:ext uri="{FF2B5EF4-FFF2-40B4-BE49-F238E27FC236}">
-                <a16:creationId xmlns:a16="http://schemas.microsoft.com/office/drawing/2014/main" xmlns="" id="{A6DE1E2A-F8A7-5B84-A151-03A46EFC33A0}"/>
+                <a16:creationId xmlns:a16="http://schemas.microsoft.com/office/drawing/2014/main" id="{A6DE1E2A-F8A7-5B84-A151-03A46EFC33A0}"/>
               </a:ext>
             </a:extLst>
           </p:cNvPr>
@@ -628,7 +628,7 @@
           <p:cNvPr id="4" name="Dátum helye 3">
             <a:extLst>
               <a:ext uri="{FF2B5EF4-FFF2-40B4-BE49-F238E27FC236}">
-                <a16:creationId xmlns:a16="http://schemas.microsoft.com/office/drawing/2014/main" xmlns="" id="{F980237B-C6D6-EEEC-6B52-84C67949BF3B}"/>
+                <a16:creationId xmlns:a16="http://schemas.microsoft.com/office/drawing/2014/main" id="{F980237B-C6D6-EEEC-6B52-84C67949BF3B}"/>
               </a:ext>
             </a:extLst>
           </p:cNvPr>
@@ -646,7 +646,7 @@
           <a:p>
             <a:fld id="{8E532DDB-289F-42C2-8F57-09A656E29423}" type="datetimeFigureOut">
               <a:rPr lang="hu-HU" smtClean="0"/>
-              <a:t>2024. 02. 05.</a:t>
+              <a:t>2024.02.07</a:t>
             </a:fld>
             <a:endParaRPr lang="hu-HU"/>
           </a:p>
@@ -657,7 +657,7 @@
           <p:cNvPr id="5" name="Élőláb helye 4">
             <a:extLst>
               <a:ext uri="{FF2B5EF4-FFF2-40B4-BE49-F238E27FC236}">
-                <a16:creationId xmlns:a16="http://schemas.microsoft.com/office/drawing/2014/main" xmlns="" id="{28C59F81-E057-3434-B32E-2F293C18052C}"/>
+                <a16:creationId xmlns:a16="http://schemas.microsoft.com/office/drawing/2014/main" id="{28C59F81-E057-3434-B32E-2F293C18052C}"/>
               </a:ext>
             </a:extLst>
           </p:cNvPr>
@@ -682,7 +682,7 @@
           <p:cNvPr id="6" name="Dia számának helye 5">
             <a:extLst>
               <a:ext uri="{FF2B5EF4-FFF2-40B4-BE49-F238E27FC236}">
-                <a16:creationId xmlns:a16="http://schemas.microsoft.com/office/drawing/2014/main" xmlns="" id="{C1AF783E-2A3F-DDD6-8CA2-C976E1B0C6A1}"/>
+                <a16:creationId xmlns:a16="http://schemas.microsoft.com/office/drawing/2014/main" id="{C1AF783E-2A3F-DDD6-8CA2-C976E1B0C6A1}"/>
               </a:ext>
             </a:extLst>
           </p:cNvPr>
@@ -741,7 +741,7 @@
           <p:cNvPr id="2" name="Cím 1">
             <a:extLst>
               <a:ext uri="{FF2B5EF4-FFF2-40B4-BE49-F238E27FC236}">
-                <a16:creationId xmlns:a16="http://schemas.microsoft.com/office/drawing/2014/main" xmlns="" id="{DDA30CDC-3A8E-3316-F1FC-A9220E50C37B}"/>
+                <a16:creationId xmlns:a16="http://schemas.microsoft.com/office/drawing/2014/main" id="{DDA30CDC-3A8E-3316-F1FC-A9220E50C37B}"/>
               </a:ext>
             </a:extLst>
           </p:cNvPr>
@@ -769,7 +769,7 @@
           <p:cNvPr id="3" name="Függőleges szöveg helye 2">
             <a:extLst>
               <a:ext uri="{FF2B5EF4-FFF2-40B4-BE49-F238E27FC236}">
-                <a16:creationId xmlns:a16="http://schemas.microsoft.com/office/drawing/2014/main" xmlns="" id="{83D8B0E5-C35F-E4C0-6AC3-2B5A64F7A76F}"/>
+                <a16:creationId xmlns:a16="http://schemas.microsoft.com/office/drawing/2014/main" id="{83D8B0E5-C35F-E4C0-6AC3-2B5A64F7A76F}"/>
               </a:ext>
             </a:extLst>
           </p:cNvPr>
@@ -826,7 +826,7 @@
           <p:cNvPr id="4" name="Dátum helye 3">
             <a:extLst>
               <a:ext uri="{FF2B5EF4-FFF2-40B4-BE49-F238E27FC236}">
-                <a16:creationId xmlns:a16="http://schemas.microsoft.com/office/drawing/2014/main" xmlns="" id="{27E917AB-2C23-72BC-58BD-AD4F821B36F8}"/>
+                <a16:creationId xmlns:a16="http://schemas.microsoft.com/office/drawing/2014/main" id="{27E917AB-2C23-72BC-58BD-AD4F821B36F8}"/>
               </a:ext>
             </a:extLst>
           </p:cNvPr>
@@ -844,7 +844,7 @@
           <a:p>
             <a:fld id="{8E532DDB-289F-42C2-8F57-09A656E29423}" type="datetimeFigureOut">
               <a:rPr lang="hu-HU" smtClean="0"/>
-              <a:t>2024. 02. 05.</a:t>
+              <a:t>2024.02.07</a:t>
             </a:fld>
             <a:endParaRPr lang="hu-HU"/>
           </a:p>
@@ -855,7 +855,7 @@
           <p:cNvPr id="5" name="Élőláb helye 4">
             <a:extLst>
               <a:ext uri="{FF2B5EF4-FFF2-40B4-BE49-F238E27FC236}">
-                <a16:creationId xmlns:a16="http://schemas.microsoft.com/office/drawing/2014/main" xmlns="" id="{4B6D012D-1C6A-411E-6219-2F45E5523C6B}"/>
+                <a16:creationId xmlns:a16="http://schemas.microsoft.com/office/drawing/2014/main" id="{4B6D012D-1C6A-411E-6219-2F45E5523C6B}"/>
               </a:ext>
             </a:extLst>
           </p:cNvPr>
@@ -880,7 +880,7 @@
           <p:cNvPr id="6" name="Dia számának helye 5">
             <a:extLst>
               <a:ext uri="{FF2B5EF4-FFF2-40B4-BE49-F238E27FC236}">
-                <a16:creationId xmlns:a16="http://schemas.microsoft.com/office/drawing/2014/main" xmlns="" id="{5F592276-49E8-0983-AC04-5D66492B2658}"/>
+                <a16:creationId xmlns:a16="http://schemas.microsoft.com/office/drawing/2014/main" id="{5F592276-49E8-0983-AC04-5D66492B2658}"/>
               </a:ext>
             </a:extLst>
           </p:cNvPr>
@@ -939,7 +939,7 @@
           <p:cNvPr id="2" name="Függőleges cím 1">
             <a:extLst>
               <a:ext uri="{FF2B5EF4-FFF2-40B4-BE49-F238E27FC236}">
-                <a16:creationId xmlns:a16="http://schemas.microsoft.com/office/drawing/2014/main" xmlns="" id="{A6B2959D-F0DB-7505-3887-5F0F8A4ED834}"/>
+                <a16:creationId xmlns:a16="http://schemas.microsoft.com/office/drawing/2014/main" id="{A6B2959D-F0DB-7505-3887-5F0F8A4ED834}"/>
               </a:ext>
             </a:extLst>
           </p:cNvPr>
@@ -972,7 +972,7 @@
           <p:cNvPr id="3" name="Függőleges szöveg helye 2">
             <a:extLst>
               <a:ext uri="{FF2B5EF4-FFF2-40B4-BE49-F238E27FC236}">
-                <a16:creationId xmlns:a16="http://schemas.microsoft.com/office/drawing/2014/main" xmlns="" id="{20E0E6C5-085C-D09C-084F-C460729F9E6D}"/>
+                <a16:creationId xmlns:a16="http://schemas.microsoft.com/office/drawing/2014/main" id="{20E0E6C5-085C-D09C-084F-C460729F9E6D}"/>
               </a:ext>
             </a:extLst>
           </p:cNvPr>
@@ -1034,7 +1034,7 @@
           <p:cNvPr id="4" name="Dátum helye 3">
             <a:extLst>
               <a:ext uri="{FF2B5EF4-FFF2-40B4-BE49-F238E27FC236}">
-                <a16:creationId xmlns:a16="http://schemas.microsoft.com/office/drawing/2014/main" xmlns="" id="{DFF17BF3-0335-8A93-5A46-EC3F20E0ADE1}"/>
+                <a16:creationId xmlns:a16="http://schemas.microsoft.com/office/drawing/2014/main" id="{DFF17BF3-0335-8A93-5A46-EC3F20E0ADE1}"/>
               </a:ext>
             </a:extLst>
           </p:cNvPr>
@@ -1052,7 +1052,7 @@
           <a:p>
             <a:fld id="{8E532DDB-289F-42C2-8F57-09A656E29423}" type="datetimeFigureOut">
               <a:rPr lang="hu-HU" smtClean="0"/>
-              <a:t>2024. 02. 05.</a:t>
+              <a:t>2024.02.07</a:t>
             </a:fld>
             <a:endParaRPr lang="hu-HU"/>
           </a:p>
@@ -1063,7 +1063,7 @@
           <p:cNvPr id="5" name="Élőláb helye 4">
             <a:extLst>
               <a:ext uri="{FF2B5EF4-FFF2-40B4-BE49-F238E27FC236}">
-                <a16:creationId xmlns:a16="http://schemas.microsoft.com/office/drawing/2014/main" xmlns="" id="{3AFF700C-B4A6-FF55-FA3A-937997218C71}"/>
+                <a16:creationId xmlns:a16="http://schemas.microsoft.com/office/drawing/2014/main" id="{3AFF700C-B4A6-FF55-FA3A-937997218C71}"/>
               </a:ext>
             </a:extLst>
           </p:cNvPr>
@@ -1088,7 +1088,7 @@
           <p:cNvPr id="6" name="Dia számának helye 5">
             <a:extLst>
               <a:ext uri="{FF2B5EF4-FFF2-40B4-BE49-F238E27FC236}">
-                <a16:creationId xmlns:a16="http://schemas.microsoft.com/office/drawing/2014/main" xmlns="" id="{B456B9AE-E4C3-00FA-5622-26ECD962BC14}"/>
+                <a16:creationId xmlns:a16="http://schemas.microsoft.com/office/drawing/2014/main" id="{B456B9AE-E4C3-00FA-5622-26ECD962BC14}"/>
               </a:ext>
             </a:extLst>
           </p:cNvPr>
@@ -1147,7 +1147,7 @@
           <p:cNvPr id="2" name="Cím 1">
             <a:extLst>
               <a:ext uri="{FF2B5EF4-FFF2-40B4-BE49-F238E27FC236}">
-                <a16:creationId xmlns:a16="http://schemas.microsoft.com/office/drawing/2014/main" xmlns="" id="{8F09B032-43DE-EB55-9460-DDEBB15DC2E7}"/>
+                <a16:creationId xmlns:a16="http://schemas.microsoft.com/office/drawing/2014/main" id="{8F09B032-43DE-EB55-9460-DDEBB15DC2E7}"/>
               </a:ext>
             </a:extLst>
           </p:cNvPr>
@@ -1175,7 +1175,7 @@
           <p:cNvPr id="3" name="Tartalom helye 2">
             <a:extLst>
               <a:ext uri="{FF2B5EF4-FFF2-40B4-BE49-F238E27FC236}">
-                <a16:creationId xmlns:a16="http://schemas.microsoft.com/office/drawing/2014/main" xmlns="" id="{93761993-65DF-B03B-15A1-DAAA88CF63C3}"/>
+                <a16:creationId xmlns:a16="http://schemas.microsoft.com/office/drawing/2014/main" id="{93761993-65DF-B03B-15A1-DAAA88CF63C3}"/>
               </a:ext>
             </a:extLst>
           </p:cNvPr>
@@ -1232,7 +1232,7 @@
           <p:cNvPr id="4" name="Dátum helye 3">
             <a:extLst>
               <a:ext uri="{FF2B5EF4-FFF2-40B4-BE49-F238E27FC236}">
-                <a16:creationId xmlns:a16="http://schemas.microsoft.com/office/drawing/2014/main" xmlns="" id="{EC19022C-9411-F196-94CA-7EB83954162C}"/>
+                <a16:creationId xmlns:a16="http://schemas.microsoft.com/office/drawing/2014/main" id="{EC19022C-9411-F196-94CA-7EB83954162C}"/>
               </a:ext>
             </a:extLst>
           </p:cNvPr>
@@ -1250,7 +1250,7 @@
           <a:p>
             <a:fld id="{8E532DDB-289F-42C2-8F57-09A656E29423}" type="datetimeFigureOut">
               <a:rPr lang="hu-HU" smtClean="0"/>
-              <a:t>2024. 02. 05.</a:t>
+              <a:t>2024.02.07</a:t>
             </a:fld>
             <a:endParaRPr lang="hu-HU"/>
           </a:p>
@@ -1261,7 +1261,7 @@
           <p:cNvPr id="5" name="Élőláb helye 4">
             <a:extLst>
               <a:ext uri="{FF2B5EF4-FFF2-40B4-BE49-F238E27FC236}">
-                <a16:creationId xmlns:a16="http://schemas.microsoft.com/office/drawing/2014/main" xmlns="" id="{D92C1323-42F5-817C-23A6-5BD482993B91}"/>
+                <a16:creationId xmlns:a16="http://schemas.microsoft.com/office/drawing/2014/main" id="{D92C1323-42F5-817C-23A6-5BD482993B91}"/>
               </a:ext>
             </a:extLst>
           </p:cNvPr>
@@ -1286,7 +1286,7 @@
           <p:cNvPr id="6" name="Dia számának helye 5">
             <a:extLst>
               <a:ext uri="{FF2B5EF4-FFF2-40B4-BE49-F238E27FC236}">
-                <a16:creationId xmlns:a16="http://schemas.microsoft.com/office/drawing/2014/main" xmlns="" id="{7AAADE6D-0E59-9965-FCC6-DEC79020261D}"/>
+                <a16:creationId xmlns:a16="http://schemas.microsoft.com/office/drawing/2014/main" id="{7AAADE6D-0E59-9965-FCC6-DEC79020261D}"/>
               </a:ext>
             </a:extLst>
           </p:cNvPr>
@@ -1345,7 +1345,7 @@
           <p:cNvPr id="2" name="Cím 1">
             <a:extLst>
               <a:ext uri="{FF2B5EF4-FFF2-40B4-BE49-F238E27FC236}">
-                <a16:creationId xmlns:a16="http://schemas.microsoft.com/office/drawing/2014/main" xmlns="" id="{7A4FD609-97C6-FDCF-196C-C04CE372C3DE}"/>
+                <a16:creationId xmlns:a16="http://schemas.microsoft.com/office/drawing/2014/main" id="{7A4FD609-97C6-FDCF-196C-C04CE372C3DE}"/>
               </a:ext>
             </a:extLst>
           </p:cNvPr>
@@ -1382,7 +1382,7 @@
           <p:cNvPr id="3" name="Szöveg helye 2">
             <a:extLst>
               <a:ext uri="{FF2B5EF4-FFF2-40B4-BE49-F238E27FC236}">
-                <a16:creationId xmlns:a16="http://schemas.microsoft.com/office/drawing/2014/main" xmlns="" id="{5FF2CCF6-3BEC-B1BD-A408-1E0E439D4494}"/>
+                <a16:creationId xmlns:a16="http://schemas.microsoft.com/office/drawing/2014/main" id="{5FF2CCF6-3BEC-B1BD-A408-1E0E439D4494}"/>
               </a:ext>
             </a:extLst>
           </p:cNvPr>
@@ -1507,7 +1507,7 @@
           <p:cNvPr id="4" name="Dátum helye 3">
             <a:extLst>
               <a:ext uri="{FF2B5EF4-FFF2-40B4-BE49-F238E27FC236}">
-                <a16:creationId xmlns:a16="http://schemas.microsoft.com/office/drawing/2014/main" xmlns="" id="{02D96E93-B7FD-52C4-1976-571A32AA135C}"/>
+                <a16:creationId xmlns:a16="http://schemas.microsoft.com/office/drawing/2014/main" id="{02D96E93-B7FD-52C4-1976-571A32AA135C}"/>
               </a:ext>
             </a:extLst>
           </p:cNvPr>
@@ -1525,7 +1525,7 @@
           <a:p>
             <a:fld id="{8E532DDB-289F-42C2-8F57-09A656E29423}" type="datetimeFigureOut">
               <a:rPr lang="hu-HU" smtClean="0"/>
-              <a:t>2024. 02. 05.</a:t>
+              <a:t>2024.02.07</a:t>
             </a:fld>
             <a:endParaRPr lang="hu-HU"/>
           </a:p>
@@ -1536,7 +1536,7 @@
           <p:cNvPr id="5" name="Élőláb helye 4">
             <a:extLst>
               <a:ext uri="{FF2B5EF4-FFF2-40B4-BE49-F238E27FC236}">
-                <a16:creationId xmlns:a16="http://schemas.microsoft.com/office/drawing/2014/main" xmlns="" id="{427CAFE0-46BC-55A4-87F5-A8059EC7A0F7}"/>
+                <a16:creationId xmlns:a16="http://schemas.microsoft.com/office/drawing/2014/main" id="{427CAFE0-46BC-55A4-87F5-A8059EC7A0F7}"/>
               </a:ext>
             </a:extLst>
           </p:cNvPr>
@@ -1561,7 +1561,7 @@
           <p:cNvPr id="6" name="Dia számának helye 5">
             <a:extLst>
               <a:ext uri="{FF2B5EF4-FFF2-40B4-BE49-F238E27FC236}">
-                <a16:creationId xmlns:a16="http://schemas.microsoft.com/office/drawing/2014/main" xmlns="" id="{CC3EFF7C-F069-DFE5-3306-0E561AF4AE11}"/>
+                <a16:creationId xmlns:a16="http://schemas.microsoft.com/office/drawing/2014/main" id="{CC3EFF7C-F069-DFE5-3306-0E561AF4AE11}"/>
               </a:ext>
             </a:extLst>
           </p:cNvPr>
@@ -1620,7 +1620,7 @@
           <p:cNvPr id="2" name="Cím 1">
             <a:extLst>
               <a:ext uri="{FF2B5EF4-FFF2-40B4-BE49-F238E27FC236}">
-                <a16:creationId xmlns:a16="http://schemas.microsoft.com/office/drawing/2014/main" xmlns="" id="{DD16BD1C-A96C-C433-11C4-7FB2F9CF4217}"/>
+                <a16:creationId xmlns:a16="http://schemas.microsoft.com/office/drawing/2014/main" id="{DD16BD1C-A96C-C433-11C4-7FB2F9CF4217}"/>
               </a:ext>
             </a:extLst>
           </p:cNvPr>
@@ -1648,7 +1648,7 @@
           <p:cNvPr id="3" name="Tartalom helye 2">
             <a:extLst>
               <a:ext uri="{FF2B5EF4-FFF2-40B4-BE49-F238E27FC236}">
-                <a16:creationId xmlns:a16="http://schemas.microsoft.com/office/drawing/2014/main" xmlns="" id="{216662B5-E8AA-B1E7-B29B-CC9EA1747EB8}"/>
+                <a16:creationId xmlns:a16="http://schemas.microsoft.com/office/drawing/2014/main" id="{216662B5-E8AA-B1E7-B29B-CC9EA1747EB8}"/>
               </a:ext>
             </a:extLst>
           </p:cNvPr>
@@ -1710,7 +1710,7 @@
           <p:cNvPr id="4" name="Tartalom helye 3">
             <a:extLst>
               <a:ext uri="{FF2B5EF4-FFF2-40B4-BE49-F238E27FC236}">
-                <a16:creationId xmlns:a16="http://schemas.microsoft.com/office/drawing/2014/main" xmlns="" id="{F91EB719-6D94-619D-DA44-432529F07A64}"/>
+                <a16:creationId xmlns:a16="http://schemas.microsoft.com/office/drawing/2014/main" id="{F91EB719-6D94-619D-DA44-432529F07A64}"/>
               </a:ext>
             </a:extLst>
           </p:cNvPr>
@@ -1772,7 +1772,7 @@
           <p:cNvPr id="5" name="Dátum helye 4">
             <a:extLst>
               <a:ext uri="{FF2B5EF4-FFF2-40B4-BE49-F238E27FC236}">
-                <a16:creationId xmlns:a16="http://schemas.microsoft.com/office/drawing/2014/main" xmlns="" id="{F719282D-DF51-71E0-FA65-579C7251FFED}"/>
+                <a16:creationId xmlns:a16="http://schemas.microsoft.com/office/drawing/2014/main" id="{F719282D-DF51-71E0-FA65-579C7251FFED}"/>
               </a:ext>
             </a:extLst>
           </p:cNvPr>
@@ -1790,7 +1790,7 @@
           <a:p>
             <a:fld id="{8E532DDB-289F-42C2-8F57-09A656E29423}" type="datetimeFigureOut">
               <a:rPr lang="hu-HU" smtClean="0"/>
-              <a:t>2024. 02. 05.</a:t>
+              <a:t>2024.02.07</a:t>
             </a:fld>
             <a:endParaRPr lang="hu-HU"/>
           </a:p>
@@ -1801,7 +1801,7 @@
           <p:cNvPr id="6" name="Élőláb helye 5">
             <a:extLst>
               <a:ext uri="{FF2B5EF4-FFF2-40B4-BE49-F238E27FC236}">
-                <a16:creationId xmlns:a16="http://schemas.microsoft.com/office/drawing/2014/main" xmlns="" id="{9CA010A5-65CA-F06E-E671-C1073A8C6DFA}"/>
+                <a16:creationId xmlns:a16="http://schemas.microsoft.com/office/drawing/2014/main" id="{9CA010A5-65CA-F06E-E671-C1073A8C6DFA}"/>
               </a:ext>
             </a:extLst>
           </p:cNvPr>
@@ -1826,7 +1826,7 @@
           <p:cNvPr id="7" name="Dia számának helye 6">
             <a:extLst>
               <a:ext uri="{FF2B5EF4-FFF2-40B4-BE49-F238E27FC236}">
-                <a16:creationId xmlns:a16="http://schemas.microsoft.com/office/drawing/2014/main" xmlns="" id="{16635656-463D-7407-9573-D0E1E69DA9BA}"/>
+                <a16:creationId xmlns:a16="http://schemas.microsoft.com/office/drawing/2014/main" id="{16635656-463D-7407-9573-D0E1E69DA9BA}"/>
               </a:ext>
             </a:extLst>
           </p:cNvPr>
@@ -1893,7 +1893,7 @@
           <p:cNvPr id="10" name="Téglalap: lekerekített 9">
             <a:extLst>
               <a:ext uri="{FF2B5EF4-FFF2-40B4-BE49-F238E27FC236}">
-                <a16:creationId xmlns:a16="http://schemas.microsoft.com/office/drawing/2014/main" xmlns="" id="{5C929177-02C2-6B75-4903-1A897B6B857B}"/>
+                <a16:creationId xmlns:a16="http://schemas.microsoft.com/office/drawing/2014/main" id="{5C929177-02C2-6B75-4903-1A897B6B857B}"/>
               </a:ext>
             </a:extLst>
           </p:cNvPr>
@@ -1950,7 +1950,7 @@
           <p:cNvPr id="12" name="Téglalap: lekerekített 11">
             <a:extLst>
               <a:ext uri="{FF2B5EF4-FFF2-40B4-BE49-F238E27FC236}">
-                <a16:creationId xmlns:a16="http://schemas.microsoft.com/office/drawing/2014/main" xmlns="" id="{4263DA3D-3720-84C8-46EF-56A35EEE76D5}"/>
+                <a16:creationId xmlns:a16="http://schemas.microsoft.com/office/drawing/2014/main" id="{4263DA3D-3720-84C8-46EF-56A35EEE76D5}"/>
               </a:ext>
             </a:extLst>
           </p:cNvPr>
@@ -2036,7 +2036,7 @@
           <p:cNvPr id="2" name="Cím 1">
             <a:extLst>
               <a:ext uri="{FF2B5EF4-FFF2-40B4-BE49-F238E27FC236}">
-                <a16:creationId xmlns:a16="http://schemas.microsoft.com/office/drawing/2014/main" xmlns="" id="{9BB4D70D-713A-8887-D67D-44EF31009DDB}"/>
+                <a16:creationId xmlns:a16="http://schemas.microsoft.com/office/drawing/2014/main" id="{9BB4D70D-713A-8887-D67D-44EF31009DDB}"/>
               </a:ext>
             </a:extLst>
           </p:cNvPr>
@@ -2064,7 +2064,7 @@
           <p:cNvPr id="3" name="Dátum helye 2">
             <a:extLst>
               <a:ext uri="{FF2B5EF4-FFF2-40B4-BE49-F238E27FC236}">
-                <a16:creationId xmlns:a16="http://schemas.microsoft.com/office/drawing/2014/main" xmlns="" id="{38F97F01-6921-2071-E7CF-B953B6A631B9}"/>
+                <a16:creationId xmlns:a16="http://schemas.microsoft.com/office/drawing/2014/main" id="{38F97F01-6921-2071-E7CF-B953B6A631B9}"/>
               </a:ext>
             </a:extLst>
           </p:cNvPr>
@@ -2082,7 +2082,7 @@
           <a:p>
             <a:fld id="{8E532DDB-289F-42C2-8F57-09A656E29423}" type="datetimeFigureOut">
               <a:rPr lang="hu-HU" smtClean="0"/>
-              <a:t>2024. 02. 05.</a:t>
+              <a:t>2024.02.07</a:t>
             </a:fld>
             <a:endParaRPr lang="hu-HU"/>
           </a:p>
@@ -2093,7 +2093,7 @@
           <p:cNvPr id="4" name="Élőláb helye 3">
             <a:extLst>
               <a:ext uri="{FF2B5EF4-FFF2-40B4-BE49-F238E27FC236}">
-                <a16:creationId xmlns:a16="http://schemas.microsoft.com/office/drawing/2014/main" xmlns="" id="{792745E5-843C-C4BC-0A40-C73AF021DF1B}"/>
+                <a16:creationId xmlns:a16="http://schemas.microsoft.com/office/drawing/2014/main" id="{792745E5-843C-C4BC-0A40-C73AF021DF1B}"/>
               </a:ext>
             </a:extLst>
           </p:cNvPr>
@@ -2118,7 +2118,7 @@
           <p:cNvPr id="5" name="Dia számának helye 4">
             <a:extLst>
               <a:ext uri="{FF2B5EF4-FFF2-40B4-BE49-F238E27FC236}">
-                <a16:creationId xmlns:a16="http://schemas.microsoft.com/office/drawing/2014/main" xmlns="" id="{368A0A24-A47E-950C-021B-05FD744DD010}"/>
+                <a16:creationId xmlns:a16="http://schemas.microsoft.com/office/drawing/2014/main" id="{368A0A24-A47E-950C-021B-05FD744DD010}"/>
               </a:ext>
             </a:extLst>
           </p:cNvPr>
@@ -2185,7 +2185,7 @@
           <p:cNvPr id="5" name="Ellipszis 4">
             <a:extLst>
               <a:ext uri="{FF2B5EF4-FFF2-40B4-BE49-F238E27FC236}">
-                <a16:creationId xmlns:a16="http://schemas.microsoft.com/office/drawing/2014/main" xmlns="" id="{A0BDDF6C-542F-81C9-9F4B-8813C7292558}"/>
+                <a16:creationId xmlns:a16="http://schemas.microsoft.com/office/drawing/2014/main" id="{A0BDDF6C-542F-81C9-9F4B-8813C7292558}"/>
               </a:ext>
             </a:extLst>
           </p:cNvPr>
@@ -2244,7 +2244,7 @@
           <p:cNvPr id="6" name="Ellipszis 5">
             <a:extLst>
               <a:ext uri="{FF2B5EF4-FFF2-40B4-BE49-F238E27FC236}">
-                <a16:creationId xmlns:a16="http://schemas.microsoft.com/office/drawing/2014/main" xmlns="" id="{9D7F498D-E1BA-D32F-5381-088641790353}"/>
+                <a16:creationId xmlns:a16="http://schemas.microsoft.com/office/drawing/2014/main" id="{9D7F498D-E1BA-D32F-5381-088641790353}"/>
               </a:ext>
             </a:extLst>
           </p:cNvPr>
@@ -2330,7 +2330,7 @@
           <p:cNvPr id="2" name="Cím 1">
             <a:extLst>
               <a:ext uri="{FF2B5EF4-FFF2-40B4-BE49-F238E27FC236}">
-                <a16:creationId xmlns:a16="http://schemas.microsoft.com/office/drawing/2014/main" xmlns="" id="{4BA820B7-A734-61BA-025C-8A1D6FB9D823}"/>
+                <a16:creationId xmlns:a16="http://schemas.microsoft.com/office/drawing/2014/main" id="{4BA820B7-A734-61BA-025C-8A1D6FB9D823}"/>
               </a:ext>
             </a:extLst>
           </p:cNvPr>
@@ -2367,7 +2367,7 @@
           <p:cNvPr id="3" name="Tartalom helye 2">
             <a:extLst>
               <a:ext uri="{FF2B5EF4-FFF2-40B4-BE49-F238E27FC236}">
-                <a16:creationId xmlns:a16="http://schemas.microsoft.com/office/drawing/2014/main" xmlns="" id="{D85A7804-99D9-2553-C6EE-AE084D6A85BE}"/>
+                <a16:creationId xmlns:a16="http://schemas.microsoft.com/office/drawing/2014/main" id="{D85A7804-99D9-2553-C6EE-AE084D6A85BE}"/>
               </a:ext>
             </a:extLst>
           </p:cNvPr>
@@ -2457,7 +2457,7 @@
           <p:cNvPr id="4" name="Szöveg helye 3">
             <a:extLst>
               <a:ext uri="{FF2B5EF4-FFF2-40B4-BE49-F238E27FC236}">
-                <a16:creationId xmlns:a16="http://schemas.microsoft.com/office/drawing/2014/main" xmlns="" id="{6E20636C-67A0-A9ED-9447-E65E3DBC68BE}"/>
+                <a16:creationId xmlns:a16="http://schemas.microsoft.com/office/drawing/2014/main" id="{6E20636C-67A0-A9ED-9447-E65E3DBC68BE}"/>
               </a:ext>
             </a:extLst>
           </p:cNvPr>
@@ -2528,7 +2528,7 @@
           <p:cNvPr id="5" name="Dátum helye 4">
             <a:extLst>
               <a:ext uri="{FF2B5EF4-FFF2-40B4-BE49-F238E27FC236}">
-                <a16:creationId xmlns:a16="http://schemas.microsoft.com/office/drawing/2014/main" xmlns="" id="{9F312683-9595-AE25-326A-8C5877B6B683}"/>
+                <a16:creationId xmlns:a16="http://schemas.microsoft.com/office/drawing/2014/main" id="{9F312683-9595-AE25-326A-8C5877B6B683}"/>
               </a:ext>
             </a:extLst>
           </p:cNvPr>
@@ -2546,7 +2546,7 @@
           <a:p>
             <a:fld id="{8E532DDB-289F-42C2-8F57-09A656E29423}" type="datetimeFigureOut">
               <a:rPr lang="hu-HU" smtClean="0"/>
-              <a:t>2024. 02. 05.</a:t>
+              <a:t>2024.02.07</a:t>
             </a:fld>
             <a:endParaRPr lang="hu-HU"/>
           </a:p>
@@ -2557,7 +2557,7 @@
           <p:cNvPr id="6" name="Élőláb helye 5">
             <a:extLst>
               <a:ext uri="{FF2B5EF4-FFF2-40B4-BE49-F238E27FC236}">
-                <a16:creationId xmlns:a16="http://schemas.microsoft.com/office/drawing/2014/main" xmlns="" id="{8966127D-5FB5-31BD-9ADA-D2182F34B42E}"/>
+                <a16:creationId xmlns:a16="http://schemas.microsoft.com/office/drawing/2014/main" id="{8966127D-5FB5-31BD-9ADA-D2182F34B42E}"/>
               </a:ext>
             </a:extLst>
           </p:cNvPr>
@@ -2582,7 +2582,7 @@
           <p:cNvPr id="7" name="Dia számának helye 6">
             <a:extLst>
               <a:ext uri="{FF2B5EF4-FFF2-40B4-BE49-F238E27FC236}">
-                <a16:creationId xmlns:a16="http://schemas.microsoft.com/office/drawing/2014/main" xmlns="" id="{9D7BE2A7-FA0F-D1CB-4C81-4F42A7317EDA}"/>
+                <a16:creationId xmlns:a16="http://schemas.microsoft.com/office/drawing/2014/main" id="{9D7BE2A7-FA0F-D1CB-4C81-4F42A7317EDA}"/>
               </a:ext>
             </a:extLst>
           </p:cNvPr>
@@ -2641,7 +2641,7 @@
           <p:cNvPr id="2" name="Cím 1">
             <a:extLst>
               <a:ext uri="{FF2B5EF4-FFF2-40B4-BE49-F238E27FC236}">
-                <a16:creationId xmlns:a16="http://schemas.microsoft.com/office/drawing/2014/main" xmlns="" id="{B0784514-8C93-1D41-0ADC-AE65182FDD80}"/>
+                <a16:creationId xmlns:a16="http://schemas.microsoft.com/office/drawing/2014/main" id="{B0784514-8C93-1D41-0ADC-AE65182FDD80}"/>
               </a:ext>
             </a:extLst>
           </p:cNvPr>
@@ -2678,7 +2678,7 @@
           <p:cNvPr id="3" name="Kép helye 2">
             <a:extLst>
               <a:ext uri="{FF2B5EF4-FFF2-40B4-BE49-F238E27FC236}">
-                <a16:creationId xmlns:a16="http://schemas.microsoft.com/office/drawing/2014/main" xmlns="" id="{A322284F-F90F-B535-EB30-0E01F4BBCD18}"/>
+                <a16:creationId xmlns:a16="http://schemas.microsoft.com/office/drawing/2014/main" id="{A322284F-F90F-B535-EB30-0E01F4BBCD18}"/>
               </a:ext>
             </a:extLst>
           </p:cNvPr>
@@ -2745,7 +2745,7 @@
           <p:cNvPr id="4" name="Szöveg helye 3">
             <a:extLst>
               <a:ext uri="{FF2B5EF4-FFF2-40B4-BE49-F238E27FC236}">
-                <a16:creationId xmlns:a16="http://schemas.microsoft.com/office/drawing/2014/main" xmlns="" id="{D72DEB85-590B-1098-22C9-0A2BD35856A5}"/>
+                <a16:creationId xmlns:a16="http://schemas.microsoft.com/office/drawing/2014/main" id="{D72DEB85-590B-1098-22C9-0A2BD35856A5}"/>
               </a:ext>
             </a:extLst>
           </p:cNvPr>
@@ -2816,7 +2816,7 @@
           <p:cNvPr id="5" name="Dátum helye 4">
             <a:extLst>
               <a:ext uri="{FF2B5EF4-FFF2-40B4-BE49-F238E27FC236}">
-                <a16:creationId xmlns:a16="http://schemas.microsoft.com/office/drawing/2014/main" xmlns="" id="{FF0EEE38-B9C3-57C4-28D5-83BF2BDFBC37}"/>
+                <a16:creationId xmlns:a16="http://schemas.microsoft.com/office/drawing/2014/main" id="{FF0EEE38-B9C3-57C4-28D5-83BF2BDFBC37}"/>
               </a:ext>
             </a:extLst>
           </p:cNvPr>
@@ -2834,7 +2834,7 @@
           <a:p>
             <a:fld id="{8E532DDB-289F-42C2-8F57-09A656E29423}" type="datetimeFigureOut">
               <a:rPr lang="hu-HU" smtClean="0"/>
-              <a:t>2024. 02. 05.</a:t>
+              <a:t>2024.02.07</a:t>
             </a:fld>
             <a:endParaRPr lang="hu-HU"/>
           </a:p>
@@ -2845,7 +2845,7 @@
           <p:cNvPr id="6" name="Élőláb helye 5">
             <a:extLst>
               <a:ext uri="{FF2B5EF4-FFF2-40B4-BE49-F238E27FC236}">
-                <a16:creationId xmlns:a16="http://schemas.microsoft.com/office/drawing/2014/main" xmlns="" id="{9A8C60BB-E846-A556-7D6F-80E4666550F6}"/>
+                <a16:creationId xmlns:a16="http://schemas.microsoft.com/office/drawing/2014/main" id="{9A8C60BB-E846-A556-7D6F-80E4666550F6}"/>
               </a:ext>
             </a:extLst>
           </p:cNvPr>
@@ -2870,7 +2870,7 @@
           <p:cNvPr id="7" name="Dia számának helye 6">
             <a:extLst>
               <a:ext uri="{FF2B5EF4-FFF2-40B4-BE49-F238E27FC236}">
-                <a16:creationId xmlns:a16="http://schemas.microsoft.com/office/drawing/2014/main" xmlns="" id="{F40C4142-B31B-0592-C73D-7D1D2251D700}"/>
+                <a16:creationId xmlns:a16="http://schemas.microsoft.com/office/drawing/2014/main" id="{F40C4142-B31B-0592-C73D-7D1D2251D700}"/>
               </a:ext>
             </a:extLst>
           </p:cNvPr>
@@ -2934,7 +2934,7 @@
           <p:cNvPr id="2" name="Cím helye 1">
             <a:extLst>
               <a:ext uri="{FF2B5EF4-FFF2-40B4-BE49-F238E27FC236}">
-                <a16:creationId xmlns:a16="http://schemas.microsoft.com/office/drawing/2014/main" xmlns="" id="{17782075-6685-2989-CE63-F72F6A17CA3B}"/>
+                <a16:creationId xmlns:a16="http://schemas.microsoft.com/office/drawing/2014/main" id="{17782075-6685-2989-CE63-F72F6A17CA3B}"/>
               </a:ext>
             </a:extLst>
           </p:cNvPr>
@@ -2972,7 +2972,7 @@
           <p:cNvPr id="3" name="Szöveg helye 2">
             <a:extLst>
               <a:ext uri="{FF2B5EF4-FFF2-40B4-BE49-F238E27FC236}">
-                <a16:creationId xmlns:a16="http://schemas.microsoft.com/office/drawing/2014/main" xmlns="" id="{62170818-01AE-3631-E7D4-F09960BC7755}"/>
+                <a16:creationId xmlns:a16="http://schemas.microsoft.com/office/drawing/2014/main" id="{62170818-01AE-3631-E7D4-F09960BC7755}"/>
               </a:ext>
             </a:extLst>
           </p:cNvPr>
@@ -3039,7 +3039,7 @@
           <p:cNvPr id="4" name="Dátum helye 3">
             <a:extLst>
               <a:ext uri="{FF2B5EF4-FFF2-40B4-BE49-F238E27FC236}">
-                <a16:creationId xmlns:a16="http://schemas.microsoft.com/office/drawing/2014/main" xmlns="" id="{5E44EABD-3951-FE87-043A-DEE26A772C31}"/>
+                <a16:creationId xmlns:a16="http://schemas.microsoft.com/office/drawing/2014/main" id="{5E44EABD-3951-FE87-043A-DEE26A772C31}"/>
               </a:ext>
             </a:extLst>
           </p:cNvPr>
@@ -3075,7 +3075,7 @@
           <a:p>
             <a:fld id="{8E532DDB-289F-42C2-8F57-09A656E29423}" type="datetimeFigureOut">
               <a:rPr lang="hu-HU" smtClean="0"/>
-              <a:t>2024. 02. 05.</a:t>
+              <a:t>2024.02.07</a:t>
             </a:fld>
             <a:endParaRPr lang="hu-HU"/>
           </a:p>
@@ -3086,7 +3086,7 @@
           <p:cNvPr id="5" name="Élőláb helye 4">
             <a:extLst>
               <a:ext uri="{FF2B5EF4-FFF2-40B4-BE49-F238E27FC236}">
-                <a16:creationId xmlns:a16="http://schemas.microsoft.com/office/drawing/2014/main" xmlns="" id="{198D541F-EDD3-7ECD-372B-4F0F3E42E056}"/>
+                <a16:creationId xmlns:a16="http://schemas.microsoft.com/office/drawing/2014/main" id="{198D541F-EDD3-7ECD-372B-4F0F3E42E056}"/>
               </a:ext>
             </a:extLst>
           </p:cNvPr>
@@ -3129,7 +3129,7 @@
           <p:cNvPr id="6" name="Dia számának helye 5">
             <a:extLst>
               <a:ext uri="{FF2B5EF4-FFF2-40B4-BE49-F238E27FC236}">
-                <a16:creationId xmlns:a16="http://schemas.microsoft.com/office/drawing/2014/main" xmlns="" id="{3B1F9F43-DBAD-7623-FC58-2CBFA5EC9A4A}"/>
+                <a16:creationId xmlns:a16="http://schemas.microsoft.com/office/drawing/2014/main" id="{3B1F9F43-DBAD-7623-FC58-2CBFA5EC9A4A}"/>
               </a:ext>
             </a:extLst>
           </p:cNvPr>
@@ -3505,7 +3505,7 @@
           <p:cNvPr id="4" name="Ellipszis 3">
             <a:extLst>
               <a:ext uri="{FF2B5EF4-FFF2-40B4-BE49-F238E27FC236}">
-                <a16:creationId xmlns:a16="http://schemas.microsoft.com/office/drawing/2014/main" xmlns="" id="{5E590742-0F2F-708E-87FC-8CF5ABA75119}"/>
+                <a16:creationId xmlns:a16="http://schemas.microsoft.com/office/drawing/2014/main" id="{5E590742-0F2F-708E-87FC-8CF5ABA75119}"/>
               </a:ext>
             </a:extLst>
           </p:cNvPr>
@@ -3564,7 +3564,7 @@
           <p:cNvPr id="5" name="Ellipszis 4">
             <a:extLst>
               <a:ext uri="{FF2B5EF4-FFF2-40B4-BE49-F238E27FC236}">
-                <a16:creationId xmlns:a16="http://schemas.microsoft.com/office/drawing/2014/main" xmlns="" id="{7BFA035C-0E90-EF99-09EB-F01F1787B99D}"/>
+                <a16:creationId xmlns:a16="http://schemas.microsoft.com/office/drawing/2014/main" id="{7BFA035C-0E90-EF99-09EB-F01F1787B99D}"/>
               </a:ext>
             </a:extLst>
           </p:cNvPr>
@@ -3620,7 +3620,7 @@
           <p:cNvPr id="6" name="Téglalap: lekerekített 5">
             <a:extLst>
               <a:ext uri="{FF2B5EF4-FFF2-40B4-BE49-F238E27FC236}">
-                <a16:creationId xmlns:a16="http://schemas.microsoft.com/office/drawing/2014/main" xmlns="" id="{FF8E1E1E-E25D-9D44-58A0-641AE3D16840}"/>
+                <a16:creationId xmlns:a16="http://schemas.microsoft.com/office/drawing/2014/main" id="{FF8E1E1E-E25D-9D44-58A0-641AE3D16840}"/>
               </a:ext>
             </a:extLst>
           </p:cNvPr>
@@ -3686,7 +3686,7 @@
           <p:cNvPr id="7" name="Téglalap: lekerekített 6">
             <a:extLst>
               <a:ext uri="{FF2B5EF4-FFF2-40B4-BE49-F238E27FC236}">
-                <a16:creationId xmlns:a16="http://schemas.microsoft.com/office/drawing/2014/main" xmlns="" id="{876BD73A-04ED-68D6-0CFC-B55B322B54B6}"/>
+                <a16:creationId xmlns:a16="http://schemas.microsoft.com/office/drawing/2014/main" id="{876BD73A-04ED-68D6-0CFC-B55B322B54B6}"/>
               </a:ext>
             </a:extLst>
           </p:cNvPr>
@@ -3752,7 +3752,7 @@
           <p:cNvPr id="8" name="Téglalap: lekerekített 7">
             <a:extLst>
               <a:ext uri="{FF2B5EF4-FFF2-40B4-BE49-F238E27FC236}">
-                <a16:creationId xmlns:a16="http://schemas.microsoft.com/office/drawing/2014/main" xmlns="" id="{A949ACA4-0F6E-139B-8268-493DDA55C128}"/>
+                <a16:creationId xmlns:a16="http://schemas.microsoft.com/office/drawing/2014/main" id="{A949ACA4-0F6E-139B-8268-493DDA55C128}"/>
               </a:ext>
             </a:extLst>
           </p:cNvPr>
@@ -3818,7 +3818,7 @@
           <p:cNvPr id="9" name="Téglalap: lekerekített 8">
             <a:extLst>
               <a:ext uri="{FF2B5EF4-FFF2-40B4-BE49-F238E27FC236}">
-                <a16:creationId xmlns:a16="http://schemas.microsoft.com/office/drawing/2014/main" xmlns="" id="{D9B78EC0-CC66-2DDA-134B-90693F675712}"/>
+                <a16:creationId xmlns:a16="http://schemas.microsoft.com/office/drawing/2014/main" id="{D9B78EC0-CC66-2DDA-134B-90693F675712}"/>
               </a:ext>
             </a:extLst>
           </p:cNvPr>
@@ -3876,7 +3876,7 @@
           <p:cNvPr id="10" name="Téglalap: lekerekített 9">
             <a:extLst>
               <a:ext uri="{FF2B5EF4-FFF2-40B4-BE49-F238E27FC236}">
-                <a16:creationId xmlns:a16="http://schemas.microsoft.com/office/drawing/2014/main" xmlns="" id="{2E3A3B9D-563A-3AE1-8B49-D5C002EEA99D}"/>
+                <a16:creationId xmlns:a16="http://schemas.microsoft.com/office/drawing/2014/main" id="{2E3A3B9D-563A-3AE1-8B49-D5C002EEA99D}"/>
               </a:ext>
             </a:extLst>
           </p:cNvPr>
@@ -3942,7 +3942,7 @@
           <p:cNvPr id="11" name="Téglalap: lekerekített 10">
             <a:extLst>
               <a:ext uri="{FF2B5EF4-FFF2-40B4-BE49-F238E27FC236}">
-                <a16:creationId xmlns:a16="http://schemas.microsoft.com/office/drawing/2014/main" xmlns="" id="{DF3EB93E-2E32-E334-3C4E-462E031D3FD7}"/>
+                <a16:creationId xmlns:a16="http://schemas.microsoft.com/office/drawing/2014/main" id="{DF3EB93E-2E32-E334-3C4E-462E031D3FD7}"/>
               </a:ext>
             </a:extLst>
           </p:cNvPr>
@@ -4000,7 +4000,7 @@
           <p:cNvPr id="12" name="Téglalap: lekerekített 11">
             <a:extLst>
               <a:ext uri="{FF2B5EF4-FFF2-40B4-BE49-F238E27FC236}">
-                <a16:creationId xmlns:a16="http://schemas.microsoft.com/office/drawing/2014/main" xmlns="" id="{B12CDA0D-4782-C9A6-DEFD-8858E69E0D7B}"/>
+                <a16:creationId xmlns:a16="http://schemas.microsoft.com/office/drawing/2014/main" id="{B12CDA0D-4782-C9A6-DEFD-8858E69E0D7B}"/>
               </a:ext>
             </a:extLst>
           </p:cNvPr>
@@ -4066,7 +4066,7 @@
           <p:cNvPr id="13" name="Téglalap: lekerekített 12">
             <a:extLst>
               <a:ext uri="{FF2B5EF4-FFF2-40B4-BE49-F238E27FC236}">
-                <a16:creationId xmlns:a16="http://schemas.microsoft.com/office/drawing/2014/main" xmlns="" id="{74CFAF27-3E7A-F8C8-BD2F-DD4524B7DCE9}"/>
+                <a16:creationId xmlns:a16="http://schemas.microsoft.com/office/drawing/2014/main" id="{74CFAF27-3E7A-F8C8-BD2F-DD4524B7DCE9}"/>
               </a:ext>
             </a:extLst>
           </p:cNvPr>
@@ -4132,7 +4132,7 @@
           <p:cNvPr id="14" name="Téglalap: lekerekített 13">
             <a:extLst>
               <a:ext uri="{FF2B5EF4-FFF2-40B4-BE49-F238E27FC236}">
-                <a16:creationId xmlns:a16="http://schemas.microsoft.com/office/drawing/2014/main" xmlns="" id="{4FF50EB6-58FD-EF34-ECC2-721D27B4C713}"/>
+                <a16:creationId xmlns:a16="http://schemas.microsoft.com/office/drawing/2014/main" id="{4FF50EB6-58FD-EF34-ECC2-721D27B4C713}"/>
               </a:ext>
             </a:extLst>
           </p:cNvPr>
@@ -4190,7 +4190,7 @@
           <p:cNvPr id="15" name="Szövegdoboz 14">
             <a:extLst>
               <a:ext uri="{FF2B5EF4-FFF2-40B4-BE49-F238E27FC236}">
-                <a16:creationId xmlns:a16="http://schemas.microsoft.com/office/drawing/2014/main" xmlns="" id="{BAD904EC-5503-CAE6-53A8-7648AE393A9D}"/>
+                <a16:creationId xmlns:a16="http://schemas.microsoft.com/office/drawing/2014/main" id="{BAD904EC-5503-CAE6-53A8-7648AE393A9D}"/>
               </a:ext>
             </a:extLst>
           </p:cNvPr>
@@ -4243,7 +4243,7 @@
           <p:cNvPr id="16" name="Szövegdoboz 15">
             <a:extLst>
               <a:ext uri="{FF2B5EF4-FFF2-40B4-BE49-F238E27FC236}">
-                <a16:creationId xmlns:a16="http://schemas.microsoft.com/office/drawing/2014/main" xmlns="" id="{C9117FAE-FE67-5743-F7DB-0D7FE2C64D91}"/>
+                <a16:creationId xmlns:a16="http://schemas.microsoft.com/office/drawing/2014/main" id="{C9117FAE-FE67-5743-F7DB-0D7FE2C64D91}"/>
               </a:ext>
             </a:extLst>
           </p:cNvPr>
@@ -4276,10 +4276,6 @@
                 <a:latin typeface="Barlow" panose="020F0502020204030204" pitchFamily="2" charset="-18"/>
               </a:rPr>
               <a:t>5. Fejezet dokumentációja:</a:t>
-            </a:r>
-            <a:r>
-              <a:rPr lang="hu-HU" sz="2000" dirty="0"/>
-              <a:t/>
             </a:r>
             <a:br>
               <a:rPr lang="hu-HU" sz="2000" dirty="0"/>
@@ -4944,7 +4940,7 @@
           <p:cNvPr id="44" name="Ellipszis 43">
             <a:extLst>
               <a:ext uri="{FF2B5EF4-FFF2-40B4-BE49-F238E27FC236}">
-                <a16:creationId xmlns:a16="http://schemas.microsoft.com/office/drawing/2014/main" xmlns="" id="{645329D2-24D7-4E68-B864-0EBD807ED9C7}"/>
+                <a16:creationId xmlns:a16="http://schemas.microsoft.com/office/drawing/2014/main" id="{645329D2-24D7-4E68-B864-0EBD807ED9C7}"/>
               </a:ext>
             </a:extLst>
           </p:cNvPr>
@@ -5003,7 +4999,7 @@
           <p:cNvPr id="45" name="Ellipszis 44">
             <a:extLst>
               <a:ext uri="{FF2B5EF4-FFF2-40B4-BE49-F238E27FC236}">
-                <a16:creationId xmlns:a16="http://schemas.microsoft.com/office/drawing/2014/main" xmlns="" id="{1CF101B2-BBC2-495C-A7C8-A35500CDEADA}"/>
+                <a16:creationId xmlns:a16="http://schemas.microsoft.com/office/drawing/2014/main" id="{1CF101B2-BBC2-495C-A7C8-A35500CDEADA}"/>
               </a:ext>
             </a:extLst>
           </p:cNvPr>
@@ -5062,7 +5058,7 @@
           <p:cNvPr id="50" name="Téglalap: lekerekített 49">
             <a:extLst>
               <a:ext uri="{FF2B5EF4-FFF2-40B4-BE49-F238E27FC236}">
-                <a16:creationId xmlns:a16="http://schemas.microsoft.com/office/drawing/2014/main" xmlns="" id="{8B38A860-78B7-48BD-A452-FE7ADB9753AD}"/>
+                <a16:creationId xmlns:a16="http://schemas.microsoft.com/office/drawing/2014/main" id="{8B38A860-78B7-48BD-A452-FE7ADB9753AD}"/>
               </a:ext>
             </a:extLst>
           </p:cNvPr>
@@ -5177,7 +5173,7 @@
           <p:cNvPr id="1032" name="Picture 8" descr="Your very First GitHub Repository. | by olatunde ibitoye | Medium">
             <a:extLst>
               <a:ext uri="{FF2B5EF4-FFF2-40B4-BE49-F238E27FC236}">
-                <a16:creationId xmlns:a16="http://schemas.microsoft.com/office/drawing/2014/main" xmlns="" id="{65697C37-BB70-40DD-AFE7-60C0822C6AB9}"/>
+                <a16:creationId xmlns:a16="http://schemas.microsoft.com/office/drawing/2014/main" id="{65697C37-BB70-40DD-AFE7-60C0822C6AB9}"/>
               </a:ext>
             </a:extLst>
           </p:cNvPr>
@@ -5224,7 +5220,7 @@
           <p:cNvPr id="66" name="Ellipszis 65">
             <a:extLst>
               <a:ext uri="{FF2B5EF4-FFF2-40B4-BE49-F238E27FC236}">
-                <a16:creationId xmlns:a16="http://schemas.microsoft.com/office/drawing/2014/main" xmlns="" id="{56912AC2-6561-42FD-80C1-49350133FB8A}"/>
+                <a16:creationId xmlns:a16="http://schemas.microsoft.com/office/drawing/2014/main" id="{56912AC2-6561-42FD-80C1-49350133FB8A}"/>
               </a:ext>
             </a:extLst>
           </p:cNvPr>
@@ -5283,7 +5279,7 @@
           <p:cNvPr id="67" name="Ellipszis 66">
             <a:extLst>
               <a:ext uri="{FF2B5EF4-FFF2-40B4-BE49-F238E27FC236}">
-                <a16:creationId xmlns:a16="http://schemas.microsoft.com/office/drawing/2014/main" xmlns="" id="{32F74799-D3F6-4A89-A83F-A3F32E86FA9E}"/>
+                <a16:creationId xmlns:a16="http://schemas.microsoft.com/office/drawing/2014/main" id="{32F74799-D3F6-4A89-A83F-A3F32E86FA9E}"/>
               </a:ext>
             </a:extLst>
           </p:cNvPr>
@@ -5342,7 +5338,7 @@
           <p:cNvPr id="69" name="Ellipszis 68">
             <a:extLst>
               <a:ext uri="{FF2B5EF4-FFF2-40B4-BE49-F238E27FC236}">
-                <a16:creationId xmlns:a16="http://schemas.microsoft.com/office/drawing/2014/main" xmlns="" id="{EA0495DE-046E-4ED7-8708-5EC8AE2AC86E}"/>
+                <a16:creationId xmlns:a16="http://schemas.microsoft.com/office/drawing/2014/main" id="{EA0495DE-046E-4ED7-8708-5EC8AE2AC86E}"/>
               </a:ext>
             </a:extLst>
           </p:cNvPr>
@@ -5401,7 +5397,7 @@
           <p:cNvPr id="70" name="Ellipszis 69">
             <a:extLst>
               <a:ext uri="{FF2B5EF4-FFF2-40B4-BE49-F238E27FC236}">
-                <a16:creationId xmlns:a16="http://schemas.microsoft.com/office/drawing/2014/main" xmlns="" id="{0B57A567-0E0A-4116-B280-EDE7321AE0BD}"/>
+                <a16:creationId xmlns:a16="http://schemas.microsoft.com/office/drawing/2014/main" id="{0B57A567-0E0A-4116-B280-EDE7321AE0BD}"/>
               </a:ext>
             </a:extLst>
           </p:cNvPr>
@@ -5460,7 +5456,7 @@
           <p:cNvPr id="1038" name="Picture 14" descr="https://avatars.githubusercontent.com/u/122269847?v=4">
             <a:extLst>
               <a:ext uri="{FF2B5EF4-FFF2-40B4-BE49-F238E27FC236}">
-                <a16:creationId xmlns:a16="http://schemas.microsoft.com/office/drawing/2014/main" xmlns="" id="{7CD961B7-2720-4DD3-A1FC-99878FABF62E}"/>
+                <a16:creationId xmlns:a16="http://schemas.microsoft.com/office/drawing/2014/main" id="{7CD961B7-2720-4DD3-A1FC-99878FABF62E}"/>
               </a:ext>
             </a:extLst>
           </p:cNvPr>
@@ -5507,7 +5503,7 @@
           <p:cNvPr id="75" name="Téglalap: lekerekített 74">
             <a:extLst>
               <a:ext uri="{FF2B5EF4-FFF2-40B4-BE49-F238E27FC236}">
-                <a16:creationId xmlns:a16="http://schemas.microsoft.com/office/drawing/2014/main" xmlns="" id="{F061B00D-FF28-417F-8E89-78FED159E63E}"/>
+                <a16:creationId xmlns:a16="http://schemas.microsoft.com/office/drawing/2014/main" id="{F061B00D-FF28-417F-8E89-78FED159E63E}"/>
               </a:ext>
             </a:extLst>
           </p:cNvPr>
@@ -5619,7 +5615,7 @@
           <p:cNvPr id="76" name="Téglalap: lekerekített 75">
             <a:extLst>
               <a:ext uri="{FF2B5EF4-FFF2-40B4-BE49-F238E27FC236}">
-                <a16:creationId xmlns:a16="http://schemas.microsoft.com/office/drawing/2014/main" xmlns="" id="{4A770DFA-F1B4-42B9-ACDE-1808FFD1ECEF}"/>
+                <a16:creationId xmlns:a16="http://schemas.microsoft.com/office/drawing/2014/main" id="{4A770DFA-F1B4-42B9-ACDE-1808FFD1ECEF}"/>
               </a:ext>
             </a:extLst>
           </p:cNvPr>
@@ -5738,7 +5734,7 @@
           <p:cNvPr id="1030" name="Picture 6" descr="View Benceszalaiii's full-sized avatar">
             <a:extLst>
               <a:ext uri="{FF2B5EF4-FFF2-40B4-BE49-F238E27FC236}">
-                <a16:creationId xmlns:a16="http://schemas.microsoft.com/office/drawing/2014/main" xmlns="" id="{07E059F9-3A19-44ED-8C2E-22C8B58F5ABE}"/>
+                <a16:creationId xmlns:a16="http://schemas.microsoft.com/office/drawing/2014/main" id="{07E059F9-3A19-44ED-8C2E-22C8B58F5ABE}"/>
               </a:ext>
             </a:extLst>
           </p:cNvPr>
@@ -5785,7 +5781,7 @@
           <p:cNvPr id="2" name="Picture 8" descr="View kallaigabor06's full-sized avatar">
             <a:extLst>
               <a:ext uri="{FF2B5EF4-FFF2-40B4-BE49-F238E27FC236}">
-                <a16:creationId xmlns:a16="http://schemas.microsoft.com/office/drawing/2014/main" xmlns="" id="{813DCCF5-8F15-401B-9890-E04DE5653CBD}"/>
+                <a16:creationId xmlns:a16="http://schemas.microsoft.com/office/drawing/2014/main" id="{813DCCF5-8F15-401B-9890-E04DE5653CBD}"/>
               </a:ext>
             </a:extLst>
           </p:cNvPr>
@@ -6761,7 +6757,7 @@
           <p:cNvPr id="7" name="Téglalap: lekerekített 6">
             <a:extLst>
               <a:ext uri="{FF2B5EF4-FFF2-40B4-BE49-F238E27FC236}">
-                <a16:creationId xmlns:a16="http://schemas.microsoft.com/office/drawing/2014/main" xmlns="" id="{9E83F3BB-AE52-4C22-B3C7-E052C54A356D}"/>
+                <a16:creationId xmlns:a16="http://schemas.microsoft.com/office/drawing/2014/main" id="{9E83F3BB-AE52-4C22-B3C7-E052C54A356D}"/>
               </a:ext>
             </a:extLst>
           </p:cNvPr>
@@ -6834,7 +6830,7 @@
           <p:cNvPr id="6" name="Téglalap: lekerekített 5">
             <a:extLst>
               <a:ext uri="{FF2B5EF4-FFF2-40B4-BE49-F238E27FC236}">
-                <a16:creationId xmlns:a16="http://schemas.microsoft.com/office/drawing/2014/main" xmlns="" id="{7054393B-7C14-4BF7-B3BE-977FD580A87B}"/>
+                <a16:creationId xmlns:a16="http://schemas.microsoft.com/office/drawing/2014/main" id="{7054393B-7C14-4BF7-B3BE-977FD580A87B}"/>
               </a:ext>
             </a:extLst>
           </p:cNvPr>
@@ -6907,7 +6903,7 @@
           <p:cNvPr id="12" name="Téglalap: lekerekített 11">
             <a:extLst>
               <a:ext uri="{FF2B5EF4-FFF2-40B4-BE49-F238E27FC236}">
-                <a16:creationId xmlns:a16="http://schemas.microsoft.com/office/drawing/2014/main" xmlns="" id="{012748AF-1348-4B58-90F4-37F17048BB84}"/>
+                <a16:creationId xmlns:a16="http://schemas.microsoft.com/office/drawing/2014/main" id="{012748AF-1348-4B58-90F4-37F17048BB84}"/>
               </a:ext>
             </a:extLst>
           </p:cNvPr>
@@ -6956,7 +6952,7 @@
           <a:p>
             <a:pPr algn="ctr"/>
             <a:r>
-              <a:rPr lang="hu-HU" sz="2800" dirty="0" smtClean="0">
+              <a:rPr lang="hu-HU" sz="2800" dirty="0">
                 <a:solidFill>
                   <a:srgbClr val="5019B3"/>
                 </a:solidFill>
@@ -6972,20 +6968,6 @@
               </a:rPr>
               <a:t>Weboldal</a:t>
             </a:r>
-            <a:endParaRPr lang="hu-HU" sz="2800" dirty="0">
-              <a:solidFill>
-                <a:srgbClr val="5019B3"/>
-              </a:solidFill>
-              <a:effectLst>
-                <a:outerShdw dist="38100" sx="101000" sy="101000" algn="l" rotWithShape="0">
-                  <a:prstClr val="black">
-                    <a:alpha val="0"/>
-                  </a:prstClr>
-                </a:outerShdw>
-              </a:effectLst>
-              <a:latin typeface="Segoe UI Black" panose="020B0A02040204020203" pitchFamily="34" charset="0"/>
-              <a:ea typeface="Segoe UI Black" panose="020B0A02040204020203" pitchFamily="34" charset="0"/>
-            </a:endParaRPr>
           </a:p>
         </p:txBody>
       </p:sp>
@@ -6994,7 +6976,7 @@
           <p:cNvPr id="14" name="Téglalap: lekerekített 13">
             <a:extLst>
               <a:ext uri="{FF2B5EF4-FFF2-40B4-BE49-F238E27FC236}">
-                <a16:creationId xmlns:a16="http://schemas.microsoft.com/office/drawing/2014/main" xmlns="" id="{7170385F-4939-4517-881C-C91E6029C871}"/>
+                <a16:creationId xmlns:a16="http://schemas.microsoft.com/office/drawing/2014/main" id="{7170385F-4939-4517-881C-C91E6029C871}"/>
               </a:ext>
             </a:extLst>
           </p:cNvPr>
@@ -7081,7 +7063,7 @@
           <p:cNvPr id="8" name="Téglalap: lekerekített 5">
             <a:extLst>
               <a:ext uri="{FF2B5EF4-FFF2-40B4-BE49-F238E27FC236}">
-                <a16:creationId xmlns:a16="http://schemas.microsoft.com/office/drawing/2014/main" xmlns="" id="{7054393B-7C14-4BF7-B3BE-977FD580A87B}"/>
+                <a16:creationId xmlns:a16="http://schemas.microsoft.com/office/drawing/2014/main" id="{7054393B-7C14-4BF7-B3BE-977FD580A87B}"/>
               </a:ext>
             </a:extLst>
           </p:cNvPr>
@@ -7130,7 +7112,7 @@
           <a:p>
             <a:pPr algn="ctr"/>
             <a:r>
-              <a:rPr lang="hu-HU" sz="2800" dirty="0" smtClean="0">
+              <a:rPr lang="hu-HU" sz="2800" dirty="0">
                 <a:solidFill>
                   <a:srgbClr val="5019B3"/>
                 </a:solidFill>
@@ -7146,20 +7128,6 @@
               </a:rPr>
               <a:t>Mintapy</a:t>
             </a:r>
-            <a:endParaRPr lang="hu-HU" sz="2800" dirty="0">
-              <a:solidFill>
-                <a:srgbClr val="5019B3"/>
-              </a:solidFill>
-              <a:effectLst>
-                <a:outerShdw dist="38100" sx="101000" sy="101000" algn="l" rotWithShape="0">
-                  <a:prstClr val="black">
-                    <a:alpha val="0"/>
-                  </a:prstClr>
-                </a:outerShdw>
-              </a:effectLst>
-              <a:latin typeface="Segoe UI Black" panose="020B0A02040204020203" pitchFamily="34" charset="0"/>
-              <a:ea typeface="Segoe UI Black" panose="020B0A02040204020203" pitchFamily="34" charset="0"/>
-            </a:endParaRPr>
           </a:p>
         </p:txBody>
       </p:sp>
@@ -7578,7 +7546,7 @@
           <p:cNvPr id="6" name="Romboid 5">
             <a:extLst>
               <a:ext uri="{FF2B5EF4-FFF2-40B4-BE49-F238E27FC236}">
-                <a16:creationId xmlns:a16="http://schemas.microsoft.com/office/drawing/2014/main" xmlns="" id="{320388CF-6B7B-4133-B1A6-BB1004E72F35}"/>
+                <a16:creationId xmlns:a16="http://schemas.microsoft.com/office/drawing/2014/main" id="{320388CF-6B7B-4133-B1A6-BB1004E72F35}"/>
               </a:ext>
             </a:extLst>
           </p:cNvPr>
@@ -7630,7 +7598,7 @@
           <p:cNvPr id="7" name="Romboid 6">
             <a:extLst>
               <a:ext uri="{FF2B5EF4-FFF2-40B4-BE49-F238E27FC236}">
-                <a16:creationId xmlns:a16="http://schemas.microsoft.com/office/drawing/2014/main" xmlns="" id="{8926B01F-DF41-47D5-AA37-0DF3C9519D4D}"/>
+                <a16:creationId xmlns:a16="http://schemas.microsoft.com/office/drawing/2014/main" id="{8926B01F-DF41-47D5-AA37-0DF3C9519D4D}"/>
               </a:ext>
             </a:extLst>
           </p:cNvPr>
@@ -7679,7 +7647,7 @@
           <p:cNvPr id="8" name="Romboid 7">
             <a:extLst>
               <a:ext uri="{FF2B5EF4-FFF2-40B4-BE49-F238E27FC236}">
-                <a16:creationId xmlns:a16="http://schemas.microsoft.com/office/drawing/2014/main" xmlns="" id="{A9669614-0D7C-436A-A55C-63D5F965F1C5}"/>
+                <a16:creationId xmlns:a16="http://schemas.microsoft.com/office/drawing/2014/main" id="{A9669614-0D7C-436A-A55C-63D5F965F1C5}"/>
               </a:ext>
             </a:extLst>
           </p:cNvPr>
@@ -7728,7 +7696,7 @@
           <p:cNvPr id="1028" name="Picture 4" descr="File:Sass Logo Color.svg - Wikipedia">
             <a:extLst>
               <a:ext uri="{FF2B5EF4-FFF2-40B4-BE49-F238E27FC236}">
-                <a16:creationId xmlns:a16="http://schemas.microsoft.com/office/drawing/2014/main" xmlns="" id="{359B9CB3-1AB1-4A07-90FB-10C65366CA93}"/>
+                <a16:creationId xmlns:a16="http://schemas.microsoft.com/office/drawing/2014/main" id="{359B9CB3-1AB1-4A07-90FB-10C65366CA93}"/>
               </a:ext>
             </a:extLst>
           </p:cNvPr>
@@ -7866,7 +7834,7 @@
           <p:cNvPr id="1026" name="Picture 2" descr="Nem érhető el leírás a fényképhez.">
             <a:extLst>
               <a:ext uri="{FF2B5EF4-FFF2-40B4-BE49-F238E27FC236}">
-                <a16:creationId xmlns:a16="http://schemas.microsoft.com/office/drawing/2014/main" xmlns="" id="{C4F4104E-9947-4266-A1FF-657ABF190A98}"/>
+                <a16:creationId xmlns:a16="http://schemas.microsoft.com/office/drawing/2014/main" id="{C4F4104E-9947-4266-A1FF-657ABF190A98}"/>
               </a:ext>
             </a:extLst>
           </p:cNvPr>
@@ -8210,7 +8178,7 @@
           <p:cNvPr id="6" name="Romboid 5">
             <a:extLst>
               <a:ext uri="{FF2B5EF4-FFF2-40B4-BE49-F238E27FC236}">
-                <a16:creationId xmlns:a16="http://schemas.microsoft.com/office/drawing/2014/main" xmlns="" id="{320388CF-6B7B-4133-B1A6-BB1004E72F35}"/>
+                <a16:creationId xmlns:a16="http://schemas.microsoft.com/office/drawing/2014/main" id="{320388CF-6B7B-4133-B1A6-BB1004E72F35}"/>
               </a:ext>
             </a:extLst>
           </p:cNvPr>
@@ -8262,7 +8230,7 @@
           <p:cNvPr id="7" name="Romboid 6">
             <a:extLst>
               <a:ext uri="{FF2B5EF4-FFF2-40B4-BE49-F238E27FC236}">
-                <a16:creationId xmlns:a16="http://schemas.microsoft.com/office/drawing/2014/main" xmlns="" id="{8926B01F-DF41-47D5-AA37-0DF3C9519D4D}"/>
+                <a16:creationId xmlns:a16="http://schemas.microsoft.com/office/drawing/2014/main" id="{8926B01F-DF41-47D5-AA37-0DF3C9519D4D}"/>
               </a:ext>
             </a:extLst>
           </p:cNvPr>
@@ -8311,7 +8279,7 @@
           <p:cNvPr id="8" name="Romboid 7">
             <a:extLst>
               <a:ext uri="{FF2B5EF4-FFF2-40B4-BE49-F238E27FC236}">
-                <a16:creationId xmlns:a16="http://schemas.microsoft.com/office/drawing/2014/main" xmlns="" id="{A9669614-0D7C-436A-A55C-63D5F965F1C5}"/>
+                <a16:creationId xmlns:a16="http://schemas.microsoft.com/office/drawing/2014/main" id="{A9669614-0D7C-436A-A55C-63D5F965F1C5}"/>
               </a:ext>
             </a:extLst>
           </p:cNvPr>
@@ -8417,7 +8385,7 @@
           <p:cNvPr id="10" name="Picture 2" descr="Nem érhető el leírás a fényképhez.">
             <a:extLst>
               <a:ext uri="{FF2B5EF4-FFF2-40B4-BE49-F238E27FC236}">
-                <a16:creationId xmlns:a16="http://schemas.microsoft.com/office/drawing/2014/main" xmlns="" id="{89FB9315-CF1D-4D9A-8B58-27C3C2D88622}"/>
+                <a16:creationId xmlns:a16="http://schemas.microsoft.com/office/drawing/2014/main" id="{89FB9315-CF1D-4D9A-8B58-27C3C2D88622}"/>
               </a:ext>
             </a:extLst>
           </p:cNvPr>
@@ -8458,7 +8426,7 @@
           <p:cNvPr id="2" name="Szövegdoboz 1">
             <a:extLst>
               <a:ext uri="{FF2B5EF4-FFF2-40B4-BE49-F238E27FC236}">
-                <a16:creationId xmlns:a16="http://schemas.microsoft.com/office/drawing/2014/main" xmlns="" id="{474BE274-0FDE-485B-8C28-F1A5FAF1316C}"/>
+                <a16:creationId xmlns:a16="http://schemas.microsoft.com/office/drawing/2014/main" id="{474BE274-0FDE-485B-8C28-F1A5FAF1316C}"/>
               </a:ext>
             </a:extLst>
           </p:cNvPr>
@@ -8486,7 +8454,7 @@
               <a:buChar char="§"/>
             </a:pPr>
             <a:r>
-              <a:rPr lang="hu-HU" sz="3200" dirty="0" smtClean="0">
+              <a:rPr lang="hu-HU" sz="3200" dirty="0">
                 <a:solidFill>
                   <a:srgbClr val="09E448"/>
                 </a:solidFill>
@@ -8509,17 +8477,7 @@
                 <a:latin typeface="Segoe UI Black" panose="020B0A02040204020203" pitchFamily="34" charset="0"/>
                 <a:ea typeface="Segoe UI Black" panose="020B0A02040204020203" pitchFamily="34" charset="0"/>
               </a:rPr>
-              <a:t>Időzített események és </a:t>
-            </a:r>
-            <a:r>
-              <a:rPr lang="hu-HU" sz="3200" dirty="0" smtClean="0">
-                <a:solidFill>
-                  <a:srgbClr val="09E448"/>
-                </a:solidFill>
-                <a:latin typeface="Segoe UI Black" panose="020B0A02040204020203" pitchFamily="34" charset="0"/>
-                <a:ea typeface="Segoe UI Black" panose="020B0A02040204020203" pitchFamily="34" charset="0"/>
-              </a:rPr>
-              <a:t>triggerek</a:t>
+              <a:t>Időzített események és triggerek</a:t>
             </a:r>
           </a:p>
           <a:p>
@@ -8528,7 +8486,7 @@
               <a:buChar char="§"/>
             </a:pPr>
             <a:r>
-              <a:rPr lang="hu-HU" sz="3200" dirty="0" smtClean="0">
+              <a:rPr lang="hu-HU" sz="3200" dirty="0">
                 <a:solidFill>
                   <a:srgbClr val="09E448"/>
                 </a:solidFill>
@@ -8537,13 +8495,6 @@
               </a:rPr>
               <a:t>Reszponzív</a:t>
             </a:r>
-            <a:endParaRPr lang="hu-HU" sz="3200" dirty="0">
-              <a:solidFill>
-                <a:srgbClr val="09E448"/>
-              </a:solidFill>
-              <a:latin typeface="Segoe UI Black" panose="020B0A02040204020203" pitchFamily="34" charset="0"/>
-              <a:ea typeface="Segoe UI Black" panose="020B0A02040204020203" pitchFamily="34" charset="0"/>
-            </a:endParaRPr>
           </a:p>
           <a:p>
             <a:pPr marL="285750" indent="-285750">
@@ -8573,13 +8524,13 @@
   <p:clrMapOvr>
     <a:masterClrMapping/>
   </p:clrMapOvr>
-  <mc:AlternateContent xmlns:mc="http://schemas.openxmlformats.org/markup-compatibility/2006">
-    <mc:Choice xmlns:p159="http://schemas.microsoft.com/office/powerpoint/2015/09/main" xmlns="" Requires="p159">
+  <mc:AlternateContent xmlns:mc="http://schemas.openxmlformats.org/markup-compatibility/2006" xmlns:p159="http://schemas.microsoft.com/office/powerpoint/2015/09/main">
+    <mc:Choice Requires="p159">
       <p:transition xmlns:p14="http://schemas.microsoft.com/office/powerpoint/2010/main" spd="slow" p14:dur="2000">
         <p159:morph option="byObject"/>
       </p:transition>
     </mc:Choice>
-    <mc:Fallback>
+    <mc:Fallback xmlns="">
       <p:transition spd="slow">
         <p:fade/>
       </p:transition>
@@ -8707,7 +8658,7 @@
           <p:cNvPr id="7" name="Romboid 6">
             <a:extLst>
               <a:ext uri="{FF2B5EF4-FFF2-40B4-BE49-F238E27FC236}">
-                <a16:creationId xmlns:a16="http://schemas.microsoft.com/office/drawing/2014/main" xmlns="" id="{8926B01F-DF41-47D5-AA37-0DF3C9519D4D}"/>
+                <a16:creationId xmlns:a16="http://schemas.microsoft.com/office/drawing/2014/main" id="{8926B01F-DF41-47D5-AA37-0DF3C9519D4D}"/>
               </a:ext>
             </a:extLst>
           </p:cNvPr>
@@ -8756,7 +8707,7 @@
           <p:cNvPr id="1028" name="Picture 4" descr="File:Sass Logo Color.svg - Wikipedia">
             <a:extLst>
               <a:ext uri="{FF2B5EF4-FFF2-40B4-BE49-F238E27FC236}">
-                <a16:creationId xmlns:a16="http://schemas.microsoft.com/office/drawing/2014/main" xmlns="" id="{359B9CB3-1AB1-4A07-90FB-10C65366CA93}"/>
+                <a16:creationId xmlns:a16="http://schemas.microsoft.com/office/drawing/2014/main" id="{359B9CB3-1AB1-4A07-90FB-10C65366CA93}"/>
               </a:ext>
             </a:extLst>
           </p:cNvPr>
@@ -8795,7 +8746,7 @@
           <p:cNvPr id="4" name="Szövegdoboz 3">
             <a:extLst>
               <a:ext uri="{FF2B5EF4-FFF2-40B4-BE49-F238E27FC236}">
-                <a16:creationId xmlns:a16="http://schemas.microsoft.com/office/drawing/2014/main" xmlns="" id="{14EA37CB-C533-4153-A868-FB8D12258A5D}"/>
+                <a16:creationId xmlns:a16="http://schemas.microsoft.com/office/drawing/2014/main" id="{14EA37CB-C533-4153-A868-FB8D12258A5D}"/>
               </a:ext>
             </a:extLst>
           </p:cNvPr>
@@ -8846,17 +8797,7 @@
                 <a:latin typeface="Segoe UI Black" panose="020B0A02040204020203" pitchFamily="34" charset="0"/>
                 <a:ea typeface="Segoe UI Black" panose="020B0A02040204020203" pitchFamily="34" charset="0"/>
               </a:rPr>
-              <a:t>Változók használata stílusértékek egyszerű </a:t>
-            </a:r>
-            <a:r>
-              <a:rPr lang="hu-HU" sz="3200" dirty="0" smtClean="0">
-                <a:solidFill>
-                  <a:srgbClr val="CD6799"/>
-                </a:solidFill>
-                <a:latin typeface="Segoe UI Black" panose="020B0A02040204020203" pitchFamily="34" charset="0"/>
-                <a:ea typeface="Segoe UI Black" panose="020B0A02040204020203" pitchFamily="34" charset="0"/>
-              </a:rPr>
-              <a:t>kezelésére</a:t>
+              <a:t>Változók használata stílusértékek egyszerű kezelésére</a:t>
             </a:r>
           </a:p>
           <a:p>
@@ -8864,16 +8805,6 @@
               <a:buFont typeface="Wingdings" panose="05000000000000000000" pitchFamily="2" charset="2"/>
               <a:buChar char="§"/>
             </a:pPr>
-            <a:r>
-              <a:rPr lang="hu-HU" sz="3200" dirty="0" smtClean="0">
-                <a:solidFill>
-                  <a:srgbClr val="CD6799"/>
-                </a:solidFill>
-                <a:latin typeface="Segoe UI Black" panose="020B0A02040204020203" pitchFamily="34" charset="0"/>
-                <a:ea typeface="Segoe UI Black" panose="020B0A02040204020203" pitchFamily="34" charset="0"/>
-              </a:rPr>
-              <a:t>Beágyazott </a:t>
-            </a:r>
             <a:r>
               <a:rPr lang="hu-HU" sz="3200" dirty="0">
                 <a:solidFill>
@@ -8882,15 +8813,8 @@
                 <a:latin typeface="Segoe UI Black" panose="020B0A02040204020203" pitchFamily="34" charset="0"/>
                 <a:ea typeface="Segoe UI Black" panose="020B0A02040204020203" pitchFamily="34" charset="0"/>
               </a:rPr>
-              <a:t>kódblokkok lehetősége</a:t>
+              <a:t>Beágyazott kódblokkok lehetősége</a:t>
             </a:r>
-            <a:endParaRPr lang="hu-HU" sz="3200" dirty="0" smtClean="0">
-              <a:solidFill>
-                <a:srgbClr val="CD6799"/>
-              </a:solidFill>
-              <a:latin typeface="Segoe UI Black" panose="020B0A02040204020203" pitchFamily="34" charset="0"/>
-              <a:ea typeface="Segoe UI Black" panose="020B0A02040204020203" pitchFamily="34" charset="0"/>
-            </a:endParaRPr>
           </a:p>
         </p:txBody>
       </p:sp>
@@ -9029,7 +8953,7 @@
           <p:cNvPr id="8" name="Romboid 7">
             <a:extLst>
               <a:ext uri="{FF2B5EF4-FFF2-40B4-BE49-F238E27FC236}">
-                <a16:creationId xmlns:a16="http://schemas.microsoft.com/office/drawing/2014/main" xmlns="" id="{A9669614-0D7C-436A-A55C-63D5F965F1C5}"/>
+                <a16:creationId xmlns:a16="http://schemas.microsoft.com/office/drawing/2014/main" id="{A9669614-0D7C-436A-A55C-63D5F965F1C5}"/>
               </a:ext>
             </a:extLst>
           </p:cNvPr>
@@ -9112,7 +9036,7 @@
           <p:cNvPr id="4" name="Szövegdoboz 3">
             <a:extLst>
               <a:ext uri="{FF2B5EF4-FFF2-40B4-BE49-F238E27FC236}">
-                <a16:creationId xmlns:a16="http://schemas.microsoft.com/office/drawing/2014/main" xmlns="" id="{2A3E2DDB-080C-4B7B-A2E6-717251DED09E}"/>
+                <a16:creationId xmlns:a16="http://schemas.microsoft.com/office/drawing/2014/main" id="{2A3E2DDB-080C-4B7B-A2E6-717251DED09E}"/>
               </a:ext>
             </a:extLst>
           </p:cNvPr>
@@ -9147,25 +9071,8 @@
                 <a:latin typeface="Segoe UI Black" panose="020B0A02040204020203" pitchFamily="34" charset="0"/>
                 <a:ea typeface="Segoe UI Black" panose="020B0A02040204020203" pitchFamily="34" charset="0"/>
               </a:rPr>
-              <a:t>Szövegkiemelés (syntax highlighting) a weboldalakon és </a:t>
+              <a:t>Szövegkiemelés (syntax highlighting) a weboldalakon és alkalmazásokban</a:t>
             </a:r>
-            <a:r>
-              <a:rPr lang="hu-HU" sz="3200" dirty="0" smtClean="0">
-                <a:solidFill>
-                  <a:srgbClr val="F3F7F7"/>
-                </a:solidFill>
-                <a:latin typeface="Segoe UI Black" panose="020B0A02040204020203" pitchFamily="34" charset="0"/>
-                <a:ea typeface="Segoe UI Black" panose="020B0A02040204020203" pitchFamily="34" charset="0"/>
-              </a:rPr>
-              <a:t>alkalmazásokban</a:t>
-            </a:r>
-            <a:endParaRPr lang="hu-HU" sz="3200" dirty="0">
-              <a:solidFill>
-                <a:srgbClr val="F3F7F7"/>
-              </a:solidFill>
-              <a:latin typeface="Segoe UI Black" panose="020B0A02040204020203" pitchFamily="34" charset="0"/>
-              <a:ea typeface="Segoe UI Black" panose="020B0A02040204020203" pitchFamily="34" charset="0"/>
-            </a:endParaRPr>
           </a:p>
           <a:p>
             <a:endParaRPr lang="hu-HU" dirty="0"/>
@@ -9335,7 +9242,7 @@
               <p:cNvPr id="4" name="Téglalap: lekerekített 3">
                 <a:extLst>
                   <a:ext uri="{FF2B5EF4-FFF2-40B4-BE49-F238E27FC236}">
-                    <a16:creationId xmlns:a16="http://schemas.microsoft.com/office/drawing/2014/main" xmlns="" id="{BC187220-8284-1B2B-8CE3-7C613265D444}"/>
+                    <a16:creationId xmlns:a16="http://schemas.microsoft.com/office/drawing/2014/main" id="{BC187220-8284-1B2B-8CE3-7C613265D444}"/>
                   </a:ext>
                 </a:extLst>
               </p:cNvPr>
@@ -9392,7 +9299,7 @@
               <p:cNvPr id="7" name="Szövegdoboz 6">
                 <a:extLst>
                   <a:ext uri="{FF2B5EF4-FFF2-40B4-BE49-F238E27FC236}">
-                    <a16:creationId xmlns:a16="http://schemas.microsoft.com/office/drawing/2014/main" xmlns="" id="{7819F685-963E-271F-BC1B-FDA54155C9CE}"/>
+                    <a16:creationId xmlns:a16="http://schemas.microsoft.com/office/drawing/2014/main" id="{7819F685-963E-271F-BC1B-FDA54155C9CE}"/>
                   </a:ext>
                 </a:extLst>
               </p:cNvPr>
@@ -9417,7 +9324,7 @@
               <a:p>
                 <a:pPr algn="ctr"/>
                 <a:r>
-                  <a:rPr lang="hu-HU" sz="3200" b="1" dirty="0" smtClean="0">
+                  <a:rPr lang="hu-HU" sz="3200" b="1" dirty="0">
                     <a:solidFill>
                       <a:srgbClr val="5019B3"/>
                     </a:solidFill>
@@ -9464,11 +9371,11 @@
             <a:lstStyle/>
             <a:p>
               <a:pPr marL="457200" lvl="0" indent="-457200" algn="just">
-                <a:buFont typeface="Arial" panose="020B0604020202020204" pitchFamily="34" charset="0"/>
-                <a:buChar char="•"/>
+                <a:buFont typeface="Wingdings" panose="05000000000000000000" pitchFamily="2" charset="2"/>
+                <a:buChar char="§"/>
               </a:pPr>
               <a:r>
-                <a:rPr lang="hu-HU" sz="2800" dirty="0" smtClean="0">
+                <a:rPr lang="hu-HU" sz="2800" dirty="0">
                   <a:solidFill>
                     <a:srgbClr val="5019B3"/>
                   </a:solidFill>
@@ -9481,11 +9388,11 @@
             </a:p>
             <a:p>
               <a:pPr marL="457200" lvl="0" indent="-457200" algn="just">
-                <a:buFont typeface="Arial" panose="020B0604020202020204" pitchFamily="34" charset="0"/>
-                <a:buChar char="•"/>
+                <a:buFont typeface="Wingdings" panose="05000000000000000000" pitchFamily="2" charset="2"/>
+                <a:buChar char="§"/>
               </a:pPr>
               <a:r>
-                <a:rPr lang="hu-HU" sz="2800" dirty="0" smtClean="0">
+                <a:rPr lang="hu-HU" sz="2800" dirty="0">
                   <a:solidFill>
                     <a:srgbClr val="5019B3"/>
                   </a:solidFill>
@@ -9498,11 +9405,11 @@
             </a:p>
             <a:p>
               <a:pPr marL="457200" lvl="0" indent="-457200" algn="just">
-                <a:buFont typeface="Arial" panose="020B0604020202020204" pitchFamily="34" charset="0"/>
-                <a:buChar char="•"/>
+                <a:buFont typeface="Wingdings" panose="05000000000000000000" pitchFamily="2" charset="2"/>
+                <a:buChar char="§"/>
               </a:pPr>
               <a:r>
-                <a:rPr lang="hu-HU" sz="2800" dirty="0" smtClean="0">
+                <a:rPr lang="hu-HU" sz="2800" dirty="0">
                   <a:solidFill>
                     <a:srgbClr val="5019B3"/>
                   </a:solidFill>
@@ -9515,11 +9422,11 @@
             </a:p>
             <a:p>
               <a:pPr marL="457200" lvl="0" indent="-457200" algn="just">
-                <a:buFont typeface="Arial" panose="020B0604020202020204" pitchFamily="34" charset="0"/>
-                <a:buChar char="•"/>
+                <a:buFont typeface="Wingdings" panose="05000000000000000000" pitchFamily="2" charset="2"/>
+                <a:buChar char="§"/>
               </a:pPr>
               <a:r>
-                <a:rPr lang="hu-HU" sz="2800" dirty="0" smtClean="0">
+                <a:rPr lang="hu-HU" sz="2800" dirty="0">
                   <a:solidFill>
                     <a:srgbClr val="5019B3"/>
                   </a:solidFill>
@@ -9532,11 +9439,11 @@
             </a:p>
             <a:p>
               <a:pPr marL="457200" lvl="0" indent="-457200" algn="just">
-                <a:buFont typeface="Arial" panose="020B0604020202020204" pitchFamily="34" charset="0"/>
-                <a:buChar char="•"/>
+                <a:buFont typeface="Wingdings" panose="05000000000000000000" pitchFamily="2" charset="2"/>
+                <a:buChar char="§"/>
               </a:pPr>
               <a:r>
-                <a:rPr lang="hu-HU" sz="2800" dirty="0" smtClean="0">
+                <a:rPr lang="hu-HU" sz="2800" dirty="0">
                   <a:solidFill>
                     <a:srgbClr val="5019B3"/>
                   </a:solidFill>
@@ -9549,11 +9456,11 @@
             </a:p>
             <a:p>
               <a:pPr marL="457200" lvl="0" indent="-457200" algn="just">
-                <a:buFont typeface="Arial" panose="020B0604020202020204" pitchFamily="34" charset="0"/>
-                <a:buChar char="•"/>
+                <a:buFont typeface="Wingdings" panose="05000000000000000000" pitchFamily="2" charset="2"/>
+                <a:buChar char="§"/>
               </a:pPr>
               <a:r>
-                <a:rPr lang="hu-HU" sz="2800" dirty="0" smtClean="0">
+                <a:rPr lang="hu-HU" sz="2800" dirty="0">
                   <a:solidFill>
                     <a:srgbClr val="5019B3"/>
                   </a:solidFill>
@@ -9563,14 +9470,6 @@
                 </a:rPr>
                 <a:t>Újrafelhasználható </a:t>
               </a:r>
-              <a:endParaRPr lang="hu-HU" sz="2800" dirty="0">
-                <a:solidFill>
-                  <a:srgbClr val="5019B3"/>
-                </a:solidFill>
-                <a:latin typeface="Segoe UI" panose="020B0502040204020203" pitchFamily="34" charset="0"/>
-                <a:ea typeface="Segoe UI Black" panose="020B0A02040204020203" pitchFamily="34" charset="0"/>
-                <a:cs typeface="Segoe UI" panose="020B0502040204020203" pitchFamily="34" charset="0"/>
-              </a:endParaRPr>
             </a:p>
           </p:txBody>
         </p:sp>
@@ -9594,7 +9493,7 @@
             <p:cNvPr id="5" name="Téglalap: lekerekített 4">
               <a:extLst>
                 <a:ext uri="{FF2B5EF4-FFF2-40B4-BE49-F238E27FC236}">
-                  <a16:creationId xmlns:a16="http://schemas.microsoft.com/office/drawing/2014/main" xmlns="" id="{B74CBF98-6A67-702F-008D-E30CBEB44963}"/>
+                  <a16:creationId xmlns:a16="http://schemas.microsoft.com/office/drawing/2014/main" id="{B74CBF98-6A67-702F-008D-E30CBEB44963}"/>
                 </a:ext>
               </a:extLst>
             </p:cNvPr>
@@ -9665,7 +9564,7 @@
           </p:blipFill>
           <p:spPr>
             <a:xfrm>
-              <a:off x="7494073" y="557104"/>
+              <a:off x="7494072" y="557104"/>
               <a:ext cx="2851494" cy="2453613"/>
             </a:xfrm>
             <a:prstGeom prst="rect">
@@ -9693,7 +9592,7 @@
             <p:cNvPr id="8" name="Téglalap: lekerekített 7">
               <a:extLst>
                 <a:ext uri="{FF2B5EF4-FFF2-40B4-BE49-F238E27FC236}">
-                  <a16:creationId xmlns:a16="http://schemas.microsoft.com/office/drawing/2014/main" xmlns="" id="{104486A8-B0E8-F708-7D72-B551D3E54053}"/>
+                  <a16:creationId xmlns:a16="http://schemas.microsoft.com/office/drawing/2014/main" id="{104486A8-B0E8-F708-7D72-B551D3E54053}"/>
                 </a:ext>
               </a:extLst>
             </p:cNvPr>
@@ -10023,281 +9922,119 @@
           <a:chExt cx="0" cy="0"/>
         </a:xfrm>
       </p:grpSpPr>
-      <p:sp>
-        <p:nvSpPr>
-          <p:cNvPr id="4" name="Téglalap: lekerekített 3">
+      <p:grpSp>
+        <p:nvGrpSpPr>
+          <p:cNvPr id="14" name="Csoportba foglalás 13">
             <a:extLst>
               <a:ext uri="{FF2B5EF4-FFF2-40B4-BE49-F238E27FC236}">
-                <a16:creationId xmlns:a16="http://schemas.microsoft.com/office/drawing/2014/main" xmlns="" id="{BC187220-8284-1B2B-8CE3-7C613265D444}"/>
+                <a16:creationId xmlns:a16="http://schemas.microsoft.com/office/drawing/2014/main" id="{3B2D9987-9990-48F5-9025-793BE542D26E}"/>
               </a:ext>
             </a:extLst>
           </p:cNvPr>
-          <p:cNvSpPr/>
+          <p:cNvGrpSpPr/>
           <p:nvPr/>
-        </p:nvSpPr>
-        <p:spPr>
+        </p:nvGrpSpPr>
+        <p:grpSpPr>
           <a:xfrm>
-            <a:off x="880044" y="293914"/>
-            <a:ext cx="4784269" cy="6270171"/>
+            <a:off x="-7905134" y="-265296"/>
+            <a:ext cx="13362659" cy="7123296"/>
+            <a:chOff x="-7905134" y="-265296"/>
+            <a:chExt cx="13362659" cy="7123296"/>
           </a:xfrm>
-          <a:prstGeom prst="roundRect">
-            <a:avLst>
-              <a:gd name="adj" fmla="val 4094"/>
-            </a:avLst>
-          </a:prstGeom>
-          <a:solidFill>
-            <a:schemeClr val="bg1">
-              <a:alpha val="80000"/>
-            </a:schemeClr>
-          </a:solidFill>
-          <a:ln w="120650" cap="sq">
-            <a:noFill/>
-            <a:round/>
-          </a:ln>
-        </p:spPr>
-        <p:style>
-          <a:lnRef idx="2">
-            <a:schemeClr val="accent1">
-              <a:shade val="15000"/>
-            </a:schemeClr>
-          </a:lnRef>
-          <a:fillRef idx="1">
-            <a:schemeClr val="accent1"/>
-          </a:fillRef>
-          <a:effectRef idx="0">
-            <a:schemeClr val="accent1"/>
-          </a:effectRef>
-          <a:fontRef idx="minor">
-            <a:schemeClr val="lt1"/>
-          </a:fontRef>
-        </p:style>
-        <p:txBody>
-          <a:bodyPr rtlCol="0" anchor="ctr"/>
-          <a:lstStyle/>
-          <a:p>
-            <a:pPr algn="ctr"/>
-            <a:endParaRPr lang="hu-HU" dirty="0"/>
-          </a:p>
-        </p:txBody>
-      </p:sp>
-      <p:sp>
-        <p:nvSpPr>
-          <p:cNvPr id="5" name="Téglalap: lekerekített 4">
-            <a:extLst>
-              <a:ext uri="{FF2B5EF4-FFF2-40B4-BE49-F238E27FC236}">
-                <a16:creationId xmlns:a16="http://schemas.microsoft.com/office/drawing/2014/main" xmlns="" id="{B74CBF98-6A67-702F-008D-E30CBEB44963}"/>
-              </a:ext>
-            </a:extLst>
-          </p:cNvPr>
-          <p:cNvSpPr/>
-          <p:nvPr/>
-        </p:nvSpPr>
-        <p:spPr>
-          <a:xfrm>
-            <a:off x="6527686" y="378290"/>
-            <a:ext cx="4784269" cy="2811242"/>
-          </a:xfrm>
-          <a:prstGeom prst="roundRect">
-            <a:avLst>
-              <a:gd name="adj" fmla="val 4094"/>
-            </a:avLst>
-          </a:prstGeom>
-          <a:solidFill>
-            <a:schemeClr val="bg1">
-              <a:alpha val="80000"/>
-            </a:schemeClr>
-          </a:solidFill>
-          <a:ln w="120650" cap="sq">
-            <a:noFill/>
-            <a:round/>
-          </a:ln>
-        </p:spPr>
-        <p:style>
-          <a:lnRef idx="2">
-            <a:schemeClr val="accent1">
-              <a:shade val="15000"/>
-            </a:schemeClr>
-          </a:lnRef>
-          <a:fillRef idx="1">
-            <a:schemeClr val="accent1"/>
-          </a:fillRef>
-          <a:effectRef idx="0">
-            <a:schemeClr val="accent1"/>
-          </a:effectRef>
-          <a:fontRef idx="minor">
-            <a:schemeClr val="lt1"/>
-          </a:fontRef>
-        </p:style>
-        <p:txBody>
-          <a:bodyPr rtlCol="0" anchor="ctr"/>
-          <a:lstStyle/>
-          <a:p>
-            <a:pPr algn="ctr"/>
-            <a:r>
-              <a:rPr lang="hu-HU" dirty="0"/>
-              <a:t> </a:t>
-            </a:r>
-          </a:p>
-        </p:txBody>
-      </p:sp>
-      <p:sp>
-        <p:nvSpPr>
-          <p:cNvPr id="8" name="Téglalap: lekerekített 7">
-            <a:extLst>
-              <a:ext uri="{FF2B5EF4-FFF2-40B4-BE49-F238E27FC236}">
-                <a16:creationId xmlns:a16="http://schemas.microsoft.com/office/drawing/2014/main" xmlns="" id="{104486A8-B0E8-F708-7D72-B551D3E54053}"/>
-              </a:ext>
-            </a:extLst>
-          </p:cNvPr>
-          <p:cNvSpPr/>
-          <p:nvPr/>
-        </p:nvSpPr>
-        <p:spPr>
-          <a:xfrm>
-            <a:off x="6527687" y="3629018"/>
-            <a:ext cx="4784269" cy="2811242"/>
-          </a:xfrm>
-          <a:prstGeom prst="roundRect">
-            <a:avLst>
-              <a:gd name="adj" fmla="val 4094"/>
-            </a:avLst>
-          </a:prstGeom>
-          <a:solidFill>
-            <a:schemeClr val="bg1">
-              <a:alpha val="80000"/>
-            </a:schemeClr>
-          </a:solidFill>
-          <a:ln w="120650" cap="sq">
-            <a:noFill/>
-            <a:round/>
-          </a:ln>
-        </p:spPr>
-        <p:style>
-          <a:lnRef idx="2">
-            <a:schemeClr val="accent1">
-              <a:shade val="15000"/>
-            </a:schemeClr>
-          </a:lnRef>
-          <a:fillRef idx="1">
-            <a:schemeClr val="accent1"/>
-          </a:fillRef>
-          <a:effectRef idx="0">
-            <a:schemeClr val="accent1"/>
-          </a:effectRef>
-          <a:fontRef idx="minor">
-            <a:schemeClr val="lt1"/>
-          </a:fontRef>
-        </p:style>
-        <p:txBody>
-          <a:bodyPr rtlCol="0" anchor="ctr"/>
-          <a:lstStyle/>
-          <a:p>
-            <a:pPr algn="ctr"/>
-            <a:endParaRPr lang="hu-HU" dirty="0"/>
-          </a:p>
-        </p:txBody>
-      </p:sp>
-      <p:sp>
-        <p:nvSpPr>
-          <p:cNvPr id="19" name="Szövegdoboz 6">
-            <a:extLst>
-              <a:ext uri="{FF2B5EF4-FFF2-40B4-BE49-F238E27FC236}">
-                <a16:creationId xmlns:a16="http://schemas.microsoft.com/office/drawing/2014/main" xmlns="" id="{7819F685-963E-271F-BC1B-FDA54155C9CE}"/>
-              </a:ext>
-            </a:extLst>
-          </p:cNvPr>
-          <p:cNvSpPr txBox="1"/>
-          <p:nvPr/>
-        </p:nvSpPr>
-        <p:spPr>
-          <a:xfrm>
-            <a:off x="1743415" y="944925"/>
-            <a:ext cx="3057525" cy="861774"/>
-          </a:xfrm>
-          <a:prstGeom prst="rect">
-            <a:avLst/>
-          </a:prstGeom>
-          <a:noFill/>
-        </p:spPr>
-        <p:txBody>
-          <a:bodyPr wrap="square" rtlCol="0">
-            <a:spAutoFit/>
-          </a:bodyPr>
-          <a:lstStyle/>
-          <a:p>
-            <a:pPr algn="ctr"/>
-            <a:r>
-              <a:rPr lang="hu-HU" sz="3200" b="1" dirty="0" smtClean="0">
-                <a:solidFill>
-                  <a:srgbClr val="5019B3"/>
-                </a:solidFill>
-                <a:latin typeface="Segoe UI Black" panose="020B0A02040204020203" pitchFamily="34" charset="0"/>
-                <a:ea typeface="Segoe UI Black" panose="020B0A02040204020203" pitchFamily="34" charset="0"/>
-              </a:rPr>
-              <a:t>Mintaproject</a:t>
-            </a:r>
-            <a:endParaRPr lang="hu-HU" sz="3200" b="1" i="0" dirty="0">
-              <a:solidFill>
-                <a:srgbClr val="5019B3"/>
-              </a:solidFill>
-              <a:effectLst/>
-              <a:latin typeface="Segoe UI Black" panose="020B0A02040204020203" pitchFamily="34" charset="0"/>
-              <a:ea typeface="Segoe UI Black" panose="020B0A02040204020203" pitchFamily="34" charset="0"/>
-            </a:endParaRPr>
-          </a:p>
-          <a:p>
-            <a:endParaRPr lang="hu-HU" dirty="0"/>
-          </a:p>
-        </p:txBody>
-      </p:sp>
-      <p:sp>
-        <p:nvSpPr>
-          <p:cNvPr id="20" name="TextBox 19"/>
-          <p:cNvSpPr txBox="1"/>
-          <p:nvPr/>
-        </p:nvSpPr>
-        <p:spPr>
-          <a:xfrm>
-            <a:off x="1408669" y="2683573"/>
-            <a:ext cx="3815109" cy="523220"/>
-          </a:xfrm>
-          <a:prstGeom prst="rect">
-            <a:avLst/>
-          </a:prstGeom>
-          <a:noFill/>
-        </p:spPr>
-        <p:txBody>
-          <a:bodyPr wrap="square" rtlCol="0">
-            <a:spAutoFit/>
-          </a:bodyPr>
-          <a:lstStyle/>
-          <a:p>
-            <a:pPr marL="457200" lvl="0" indent="-457200" algn="just">
-              <a:buFont typeface="Arial" panose="020B0604020202020204" pitchFamily="34" charset="0"/>
-              <a:buChar char="•"/>
-            </a:pPr>
-            <a:r>
-              <a:rPr lang="hu-HU" sz="2800" dirty="0" smtClean="0">
-                <a:solidFill>
-                  <a:srgbClr val="5019B3"/>
-                </a:solidFill>
-                <a:latin typeface="Segoe UI" panose="020B0502040204020203" pitchFamily="34" charset="0"/>
-                <a:ea typeface="Segoe UI Black" panose="020B0A02040204020203" pitchFamily="34" charset="0"/>
-                <a:cs typeface="Segoe UI" panose="020B0502040204020203" pitchFamily="34" charset="0"/>
-              </a:rPr>
-              <a:t>asd</a:t>
-            </a:r>
-            <a:endParaRPr lang="hu-HU" sz="2800" dirty="0">
-              <a:solidFill>
-                <a:srgbClr val="5019B3"/>
-              </a:solidFill>
-              <a:latin typeface="Segoe UI" panose="020B0502040204020203" pitchFamily="34" charset="0"/>
-              <a:ea typeface="Segoe UI Black" panose="020B0A02040204020203" pitchFamily="34" charset="0"/>
-              <a:cs typeface="Segoe UI" panose="020B0502040204020203" pitchFamily="34" charset="0"/>
-            </a:endParaRPr>
-          </a:p>
-        </p:txBody>
-      </p:sp>
+        </p:grpSpPr>
+        <p:sp>
+          <p:nvSpPr>
+            <p:cNvPr id="13" name="Téglalap 12">
+              <a:extLst>
+                <a:ext uri="{FF2B5EF4-FFF2-40B4-BE49-F238E27FC236}">
+                  <a16:creationId xmlns:a16="http://schemas.microsoft.com/office/drawing/2014/main" id="{C3721E22-CE86-4A6C-9593-2364035461FA}"/>
+                </a:ext>
+              </a:extLst>
+            </p:cNvPr>
+            <p:cNvSpPr/>
+            <p:nvPr/>
+          </p:nvSpPr>
+          <p:spPr>
+            <a:xfrm>
+              <a:off x="-7905134" y="2420752"/>
+              <a:ext cx="9271924" cy="4437247"/>
+            </a:xfrm>
+            <a:prstGeom prst="rect">
+              <a:avLst/>
+            </a:prstGeom>
+            <a:solidFill>
+              <a:srgbClr val="5018B4"/>
+            </a:solidFill>
+            <a:ln>
+              <a:noFill/>
+            </a:ln>
+          </p:spPr>
+          <p:style>
+            <a:lnRef idx="2">
+              <a:schemeClr val="accent1">
+                <a:shade val="50000"/>
+              </a:schemeClr>
+            </a:lnRef>
+            <a:fillRef idx="1">
+              <a:schemeClr val="accent1"/>
+            </a:fillRef>
+            <a:effectRef idx="0">
+              <a:schemeClr val="accent1"/>
+            </a:effectRef>
+            <a:fontRef idx="minor">
+              <a:schemeClr val="lt1"/>
+            </a:fontRef>
+          </p:style>
+          <p:txBody>
+            <a:bodyPr rtlCol="0" anchor="ctr"/>
+            <a:lstStyle/>
+            <a:p>
+              <a:pPr algn="ctr"/>
+              <a:r>
+                <a:rPr lang="hu-HU" dirty="0" err="1"/>
+                <a:t>asdfsdfsdfasdfasdfas</a:t>
+              </a:r>
+              <a:endParaRPr lang="hu-HU" dirty="0"/>
+            </a:p>
+          </p:txBody>
+        </p:sp>
+        <p:pic>
+          <p:nvPicPr>
+            <p:cNvPr id="12" name="Kép 11">
+              <a:extLst>
+                <a:ext uri="{FF2B5EF4-FFF2-40B4-BE49-F238E27FC236}">
+                  <a16:creationId xmlns:a16="http://schemas.microsoft.com/office/drawing/2014/main" id="{118B224A-E193-49AD-83D8-09F6A71DDCFB}"/>
+                </a:ext>
+              </a:extLst>
+            </p:cNvPr>
+            <p:cNvPicPr>
+              <a:picLocks noChangeAspect="1"/>
+            </p:cNvPicPr>
+            <p:nvPr/>
+          </p:nvPicPr>
+          <p:blipFill>
+            <a:blip r:embed="rId2">
+              <a:extLst>
+                <a:ext uri="{28A0092B-C50C-407E-A947-70E740481C1C}">
+                  <a14:useLocalDpi xmlns:a14="http://schemas.microsoft.com/office/drawing/2010/main" val="0"/>
+                </a:ext>
+              </a:extLst>
+            </a:blip>
+            <a:stretch>
+              <a:fillRect/>
+            </a:stretch>
+          </p:blipFill>
+          <p:spPr>
+            <a:xfrm>
+              <a:off x="-1665771" y="-265296"/>
+              <a:ext cx="7123296" cy="7123296"/>
+            </a:xfrm>
+            <a:prstGeom prst="rect">
+              <a:avLst/>
+            </a:prstGeom>
+          </p:spPr>
+        </p:pic>
+      </p:grpSp>
     </p:spTree>
     <p:extLst>
       <p:ext uri="{BB962C8B-B14F-4D97-AF65-F5344CB8AC3E}">
@@ -10314,7 +10051,69 @@
   <p:timing>
     <p:tnLst>
       <p:par>
-        <p:cTn id="1" dur="indefinite" restart="never" nodeType="tmRoot"/>
+        <p:cTn id="1" dur="indefinite" restart="never" nodeType="tmRoot">
+          <p:childTnLst>
+            <p:seq concurrent="1" nextAc="seek">
+              <p:cTn id="2" dur="indefinite" nodeType="mainSeq">
+                <p:childTnLst>
+                  <p:par>
+                    <p:cTn id="3" fill="hold">
+                      <p:stCondLst>
+                        <p:cond delay="indefinite"/>
+                      </p:stCondLst>
+                      <p:childTnLst>
+                        <p:par>
+                          <p:cTn id="4" fill="hold">
+                            <p:stCondLst>
+                              <p:cond delay="0"/>
+                            </p:stCondLst>
+                            <p:childTnLst>
+                              <p:par>
+                                <p:cTn id="5" presetID="63" presetClass="path" presetSubtype="0" accel="50000" decel="50000" fill="hold" nodeType="clickEffect">
+                                  <p:stCondLst>
+                                    <p:cond delay="0"/>
+                                  </p:stCondLst>
+                                  <p:childTnLst>
+                                    <p:animMotion origin="layout" path="M 0 0 L 0.25 0 E" pathEditMode="relative" ptsTypes="">
+                                      <p:cBhvr>
+                                        <p:cTn id="6" dur="2000" fill="hold"/>
+                                        <p:tgtEl>
+                                          <p:spTgt spid="14"/>
+                                        </p:tgtEl>
+                                        <p:attrNameLst>
+                                          <p:attrName>ppt_x</p:attrName>
+                                          <p:attrName>ppt_y</p:attrName>
+                                        </p:attrNameLst>
+                                      </p:cBhvr>
+                                    </p:animMotion>
+                                  </p:childTnLst>
+                                </p:cTn>
+                              </p:par>
+                            </p:childTnLst>
+                          </p:cTn>
+                        </p:par>
+                      </p:childTnLst>
+                    </p:cTn>
+                  </p:par>
+                </p:childTnLst>
+              </p:cTn>
+              <p:prevCondLst>
+                <p:cond evt="onPrev" delay="0">
+                  <p:tgtEl>
+                    <p:sldTgt/>
+                  </p:tgtEl>
+                </p:cond>
+              </p:prevCondLst>
+              <p:nextCondLst>
+                <p:cond evt="onNext" delay="0">
+                  <p:tgtEl>
+                    <p:sldTgt/>
+                  </p:tgtEl>
+                </p:cond>
+              </p:nextCondLst>
+            </p:seq>
+          </p:childTnLst>
+        </p:cTn>
       </p:par>
     </p:tnLst>
   </p:timing>
@@ -10351,7 +10150,7 @@
           <p:cNvPr id="4" name="Ellipszis 3">
             <a:extLst>
               <a:ext uri="{FF2B5EF4-FFF2-40B4-BE49-F238E27FC236}">
-                <a16:creationId xmlns:a16="http://schemas.microsoft.com/office/drawing/2014/main" xmlns="" id="{5E590742-0F2F-708E-87FC-8CF5ABA75119}"/>
+                <a16:creationId xmlns:a16="http://schemas.microsoft.com/office/drawing/2014/main" id="{5E590742-0F2F-708E-87FC-8CF5ABA75119}"/>
               </a:ext>
             </a:extLst>
           </p:cNvPr>
@@ -10410,7 +10209,7 @@
           <p:cNvPr id="5" name="Ellipszis 4">
             <a:extLst>
               <a:ext uri="{FF2B5EF4-FFF2-40B4-BE49-F238E27FC236}">
-                <a16:creationId xmlns:a16="http://schemas.microsoft.com/office/drawing/2014/main" xmlns="" id="{7BFA035C-0E90-EF99-09EB-F01F1787B99D}"/>
+                <a16:creationId xmlns:a16="http://schemas.microsoft.com/office/drawing/2014/main" id="{7BFA035C-0E90-EF99-09EB-F01F1787B99D}"/>
               </a:ext>
             </a:extLst>
           </p:cNvPr>
@@ -10466,7 +10265,7 @@
           <p:cNvPr id="15" name="Szövegdoboz 14">
             <a:extLst>
               <a:ext uri="{FF2B5EF4-FFF2-40B4-BE49-F238E27FC236}">
-                <a16:creationId xmlns:a16="http://schemas.microsoft.com/office/drawing/2014/main" xmlns="" id="{BAD904EC-5503-CAE6-53A8-7648AE393A9D}"/>
+                <a16:creationId xmlns:a16="http://schemas.microsoft.com/office/drawing/2014/main" id="{BAD904EC-5503-CAE6-53A8-7648AE393A9D}"/>
               </a:ext>
             </a:extLst>
           </p:cNvPr>
@@ -10519,7 +10318,7 @@
           <p:cNvPr id="17" name="Szövegdoboz 15">
             <a:extLst>
               <a:ext uri="{FF2B5EF4-FFF2-40B4-BE49-F238E27FC236}">
-                <a16:creationId xmlns:a16="http://schemas.microsoft.com/office/drawing/2014/main" xmlns="" id="{C9117FAE-FE67-5743-F7DB-0D7FE2C64D91}"/>
+                <a16:creationId xmlns:a16="http://schemas.microsoft.com/office/drawing/2014/main" id="{C9117FAE-FE67-5743-F7DB-0D7FE2C64D91}"/>
               </a:ext>
             </a:extLst>
           </p:cNvPr>

--- a/Prezentáció.pptx
+++ b/Prezentáció.pptx
@@ -232,7 +232,7 @@
           <a:p>
             <a:fld id="{045CADAF-2C59-4E58-A455-8868FC9726FC}" type="datetimeFigureOut">
               <a:rPr lang="hu-HU" smtClean="0"/>
-              <a:t>2024.02.07</a:t>
+              <a:t>2024. 02. 07.</a:t>
             </a:fld>
             <a:endParaRPr lang="hu-HU"/>
           </a:p>
@@ -521,7 +521,7 @@
           <p:cNvPr id="2" name="Cím 1">
             <a:extLst>
               <a:ext uri="{FF2B5EF4-FFF2-40B4-BE49-F238E27FC236}">
-                <a16:creationId xmlns:a16="http://schemas.microsoft.com/office/drawing/2014/main" id="{79B6456A-B89F-DB5E-FE02-0F1DA12AD99C}"/>
+                <a16:creationId xmlns:a16="http://schemas.microsoft.com/office/drawing/2014/main" xmlns="" id="{79B6456A-B89F-DB5E-FE02-0F1DA12AD99C}"/>
               </a:ext>
             </a:extLst>
           </p:cNvPr>
@@ -558,7 +558,7 @@
           <p:cNvPr id="3" name="Alcím 2">
             <a:extLst>
               <a:ext uri="{FF2B5EF4-FFF2-40B4-BE49-F238E27FC236}">
-                <a16:creationId xmlns:a16="http://schemas.microsoft.com/office/drawing/2014/main" id="{A6DE1E2A-F8A7-5B84-A151-03A46EFC33A0}"/>
+                <a16:creationId xmlns:a16="http://schemas.microsoft.com/office/drawing/2014/main" xmlns="" id="{A6DE1E2A-F8A7-5B84-A151-03A46EFC33A0}"/>
               </a:ext>
             </a:extLst>
           </p:cNvPr>
@@ -628,7 +628,7 @@
           <p:cNvPr id="4" name="Dátum helye 3">
             <a:extLst>
               <a:ext uri="{FF2B5EF4-FFF2-40B4-BE49-F238E27FC236}">
-                <a16:creationId xmlns:a16="http://schemas.microsoft.com/office/drawing/2014/main" id="{F980237B-C6D6-EEEC-6B52-84C67949BF3B}"/>
+                <a16:creationId xmlns:a16="http://schemas.microsoft.com/office/drawing/2014/main" xmlns="" id="{F980237B-C6D6-EEEC-6B52-84C67949BF3B}"/>
               </a:ext>
             </a:extLst>
           </p:cNvPr>
@@ -646,7 +646,7 @@
           <a:p>
             <a:fld id="{8E532DDB-289F-42C2-8F57-09A656E29423}" type="datetimeFigureOut">
               <a:rPr lang="hu-HU" smtClean="0"/>
-              <a:t>2024.02.07</a:t>
+              <a:t>2024. 02. 07.</a:t>
             </a:fld>
             <a:endParaRPr lang="hu-HU"/>
           </a:p>
@@ -657,7 +657,7 @@
           <p:cNvPr id="5" name="Élőláb helye 4">
             <a:extLst>
               <a:ext uri="{FF2B5EF4-FFF2-40B4-BE49-F238E27FC236}">
-                <a16:creationId xmlns:a16="http://schemas.microsoft.com/office/drawing/2014/main" id="{28C59F81-E057-3434-B32E-2F293C18052C}"/>
+                <a16:creationId xmlns:a16="http://schemas.microsoft.com/office/drawing/2014/main" xmlns="" id="{28C59F81-E057-3434-B32E-2F293C18052C}"/>
               </a:ext>
             </a:extLst>
           </p:cNvPr>
@@ -682,7 +682,7 @@
           <p:cNvPr id="6" name="Dia számának helye 5">
             <a:extLst>
               <a:ext uri="{FF2B5EF4-FFF2-40B4-BE49-F238E27FC236}">
-                <a16:creationId xmlns:a16="http://schemas.microsoft.com/office/drawing/2014/main" id="{C1AF783E-2A3F-DDD6-8CA2-C976E1B0C6A1}"/>
+                <a16:creationId xmlns:a16="http://schemas.microsoft.com/office/drawing/2014/main" xmlns="" id="{C1AF783E-2A3F-DDD6-8CA2-C976E1B0C6A1}"/>
               </a:ext>
             </a:extLst>
           </p:cNvPr>
@@ -741,7 +741,7 @@
           <p:cNvPr id="2" name="Cím 1">
             <a:extLst>
               <a:ext uri="{FF2B5EF4-FFF2-40B4-BE49-F238E27FC236}">
-                <a16:creationId xmlns:a16="http://schemas.microsoft.com/office/drawing/2014/main" id="{DDA30CDC-3A8E-3316-F1FC-A9220E50C37B}"/>
+                <a16:creationId xmlns:a16="http://schemas.microsoft.com/office/drawing/2014/main" xmlns="" id="{DDA30CDC-3A8E-3316-F1FC-A9220E50C37B}"/>
               </a:ext>
             </a:extLst>
           </p:cNvPr>
@@ -769,7 +769,7 @@
           <p:cNvPr id="3" name="Függőleges szöveg helye 2">
             <a:extLst>
               <a:ext uri="{FF2B5EF4-FFF2-40B4-BE49-F238E27FC236}">
-                <a16:creationId xmlns:a16="http://schemas.microsoft.com/office/drawing/2014/main" id="{83D8B0E5-C35F-E4C0-6AC3-2B5A64F7A76F}"/>
+                <a16:creationId xmlns:a16="http://schemas.microsoft.com/office/drawing/2014/main" xmlns="" id="{83D8B0E5-C35F-E4C0-6AC3-2B5A64F7A76F}"/>
               </a:ext>
             </a:extLst>
           </p:cNvPr>
@@ -826,7 +826,7 @@
           <p:cNvPr id="4" name="Dátum helye 3">
             <a:extLst>
               <a:ext uri="{FF2B5EF4-FFF2-40B4-BE49-F238E27FC236}">
-                <a16:creationId xmlns:a16="http://schemas.microsoft.com/office/drawing/2014/main" id="{27E917AB-2C23-72BC-58BD-AD4F821B36F8}"/>
+                <a16:creationId xmlns:a16="http://schemas.microsoft.com/office/drawing/2014/main" xmlns="" id="{27E917AB-2C23-72BC-58BD-AD4F821B36F8}"/>
               </a:ext>
             </a:extLst>
           </p:cNvPr>
@@ -844,7 +844,7 @@
           <a:p>
             <a:fld id="{8E532DDB-289F-42C2-8F57-09A656E29423}" type="datetimeFigureOut">
               <a:rPr lang="hu-HU" smtClean="0"/>
-              <a:t>2024.02.07</a:t>
+              <a:t>2024. 02. 07.</a:t>
             </a:fld>
             <a:endParaRPr lang="hu-HU"/>
           </a:p>
@@ -855,7 +855,7 @@
           <p:cNvPr id="5" name="Élőláb helye 4">
             <a:extLst>
               <a:ext uri="{FF2B5EF4-FFF2-40B4-BE49-F238E27FC236}">
-                <a16:creationId xmlns:a16="http://schemas.microsoft.com/office/drawing/2014/main" id="{4B6D012D-1C6A-411E-6219-2F45E5523C6B}"/>
+                <a16:creationId xmlns:a16="http://schemas.microsoft.com/office/drawing/2014/main" xmlns="" id="{4B6D012D-1C6A-411E-6219-2F45E5523C6B}"/>
               </a:ext>
             </a:extLst>
           </p:cNvPr>
@@ -880,7 +880,7 @@
           <p:cNvPr id="6" name="Dia számának helye 5">
             <a:extLst>
               <a:ext uri="{FF2B5EF4-FFF2-40B4-BE49-F238E27FC236}">
-                <a16:creationId xmlns:a16="http://schemas.microsoft.com/office/drawing/2014/main" id="{5F592276-49E8-0983-AC04-5D66492B2658}"/>
+                <a16:creationId xmlns:a16="http://schemas.microsoft.com/office/drawing/2014/main" xmlns="" id="{5F592276-49E8-0983-AC04-5D66492B2658}"/>
               </a:ext>
             </a:extLst>
           </p:cNvPr>
@@ -939,7 +939,7 @@
           <p:cNvPr id="2" name="Függőleges cím 1">
             <a:extLst>
               <a:ext uri="{FF2B5EF4-FFF2-40B4-BE49-F238E27FC236}">
-                <a16:creationId xmlns:a16="http://schemas.microsoft.com/office/drawing/2014/main" id="{A6B2959D-F0DB-7505-3887-5F0F8A4ED834}"/>
+                <a16:creationId xmlns:a16="http://schemas.microsoft.com/office/drawing/2014/main" xmlns="" id="{A6B2959D-F0DB-7505-3887-5F0F8A4ED834}"/>
               </a:ext>
             </a:extLst>
           </p:cNvPr>
@@ -972,7 +972,7 @@
           <p:cNvPr id="3" name="Függőleges szöveg helye 2">
             <a:extLst>
               <a:ext uri="{FF2B5EF4-FFF2-40B4-BE49-F238E27FC236}">
-                <a16:creationId xmlns:a16="http://schemas.microsoft.com/office/drawing/2014/main" id="{20E0E6C5-085C-D09C-084F-C460729F9E6D}"/>
+                <a16:creationId xmlns:a16="http://schemas.microsoft.com/office/drawing/2014/main" xmlns="" id="{20E0E6C5-085C-D09C-084F-C460729F9E6D}"/>
               </a:ext>
             </a:extLst>
           </p:cNvPr>
@@ -1034,7 +1034,7 @@
           <p:cNvPr id="4" name="Dátum helye 3">
             <a:extLst>
               <a:ext uri="{FF2B5EF4-FFF2-40B4-BE49-F238E27FC236}">
-                <a16:creationId xmlns:a16="http://schemas.microsoft.com/office/drawing/2014/main" id="{DFF17BF3-0335-8A93-5A46-EC3F20E0ADE1}"/>
+                <a16:creationId xmlns:a16="http://schemas.microsoft.com/office/drawing/2014/main" xmlns="" id="{DFF17BF3-0335-8A93-5A46-EC3F20E0ADE1}"/>
               </a:ext>
             </a:extLst>
           </p:cNvPr>
@@ -1052,7 +1052,7 @@
           <a:p>
             <a:fld id="{8E532DDB-289F-42C2-8F57-09A656E29423}" type="datetimeFigureOut">
               <a:rPr lang="hu-HU" smtClean="0"/>
-              <a:t>2024.02.07</a:t>
+              <a:t>2024. 02. 07.</a:t>
             </a:fld>
             <a:endParaRPr lang="hu-HU"/>
           </a:p>
@@ -1063,7 +1063,7 @@
           <p:cNvPr id="5" name="Élőláb helye 4">
             <a:extLst>
               <a:ext uri="{FF2B5EF4-FFF2-40B4-BE49-F238E27FC236}">
-                <a16:creationId xmlns:a16="http://schemas.microsoft.com/office/drawing/2014/main" id="{3AFF700C-B4A6-FF55-FA3A-937997218C71}"/>
+                <a16:creationId xmlns:a16="http://schemas.microsoft.com/office/drawing/2014/main" xmlns="" id="{3AFF700C-B4A6-FF55-FA3A-937997218C71}"/>
               </a:ext>
             </a:extLst>
           </p:cNvPr>
@@ -1088,7 +1088,7 @@
           <p:cNvPr id="6" name="Dia számának helye 5">
             <a:extLst>
               <a:ext uri="{FF2B5EF4-FFF2-40B4-BE49-F238E27FC236}">
-                <a16:creationId xmlns:a16="http://schemas.microsoft.com/office/drawing/2014/main" id="{B456B9AE-E4C3-00FA-5622-26ECD962BC14}"/>
+                <a16:creationId xmlns:a16="http://schemas.microsoft.com/office/drawing/2014/main" xmlns="" id="{B456B9AE-E4C3-00FA-5622-26ECD962BC14}"/>
               </a:ext>
             </a:extLst>
           </p:cNvPr>
@@ -1147,7 +1147,7 @@
           <p:cNvPr id="2" name="Cím 1">
             <a:extLst>
               <a:ext uri="{FF2B5EF4-FFF2-40B4-BE49-F238E27FC236}">
-                <a16:creationId xmlns:a16="http://schemas.microsoft.com/office/drawing/2014/main" id="{8F09B032-43DE-EB55-9460-DDEBB15DC2E7}"/>
+                <a16:creationId xmlns:a16="http://schemas.microsoft.com/office/drawing/2014/main" xmlns="" id="{8F09B032-43DE-EB55-9460-DDEBB15DC2E7}"/>
               </a:ext>
             </a:extLst>
           </p:cNvPr>
@@ -1175,7 +1175,7 @@
           <p:cNvPr id="3" name="Tartalom helye 2">
             <a:extLst>
               <a:ext uri="{FF2B5EF4-FFF2-40B4-BE49-F238E27FC236}">
-                <a16:creationId xmlns:a16="http://schemas.microsoft.com/office/drawing/2014/main" id="{93761993-65DF-B03B-15A1-DAAA88CF63C3}"/>
+                <a16:creationId xmlns:a16="http://schemas.microsoft.com/office/drawing/2014/main" xmlns="" id="{93761993-65DF-B03B-15A1-DAAA88CF63C3}"/>
               </a:ext>
             </a:extLst>
           </p:cNvPr>
@@ -1232,7 +1232,7 @@
           <p:cNvPr id="4" name="Dátum helye 3">
             <a:extLst>
               <a:ext uri="{FF2B5EF4-FFF2-40B4-BE49-F238E27FC236}">
-                <a16:creationId xmlns:a16="http://schemas.microsoft.com/office/drawing/2014/main" id="{EC19022C-9411-F196-94CA-7EB83954162C}"/>
+                <a16:creationId xmlns:a16="http://schemas.microsoft.com/office/drawing/2014/main" xmlns="" id="{EC19022C-9411-F196-94CA-7EB83954162C}"/>
               </a:ext>
             </a:extLst>
           </p:cNvPr>
@@ -1250,7 +1250,7 @@
           <a:p>
             <a:fld id="{8E532DDB-289F-42C2-8F57-09A656E29423}" type="datetimeFigureOut">
               <a:rPr lang="hu-HU" smtClean="0"/>
-              <a:t>2024.02.07</a:t>
+              <a:t>2024. 02. 07.</a:t>
             </a:fld>
             <a:endParaRPr lang="hu-HU"/>
           </a:p>
@@ -1261,7 +1261,7 @@
           <p:cNvPr id="5" name="Élőláb helye 4">
             <a:extLst>
               <a:ext uri="{FF2B5EF4-FFF2-40B4-BE49-F238E27FC236}">
-                <a16:creationId xmlns:a16="http://schemas.microsoft.com/office/drawing/2014/main" id="{D92C1323-42F5-817C-23A6-5BD482993B91}"/>
+                <a16:creationId xmlns:a16="http://schemas.microsoft.com/office/drawing/2014/main" xmlns="" id="{D92C1323-42F5-817C-23A6-5BD482993B91}"/>
               </a:ext>
             </a:extLst>
           </p:cNvPr>
@@ -1286,7 +1286,7 @@
           <p:cNvPr id="6" name="Dia számának helye 5">
             <a:extLst>
               <a:ext uri="{FF2B5EF4-FFF2-40B4-BE49-F238E27FC236}">
-                <a16:creationId xmlns:a16="http://schemas.microsoft.com/office/drawing/2014/main" id="{7AAADE6D-0E59-9965-FCC6-DEC79020261D}"/>
+                <a16:creationId xmlns:a16="http://schemas.microsoft.com/office/drawing/2014/main" xmlns="" id="{7AAADE6D-0E59-9965-FCC6-DEC79020261D}"/>
               </a:ext>
             </a:extLst>
           </p:cNvPr>
@@ -1345,7 +1345,7 @@
           <p:cNvPr id="2" name="Cím 1">
             <a:extLst>
               <a:ext uri="{FF2B5EF4-FFF2-40B4-BE49-F238E27FC236}">
-                <a16:creationId xmlns:a16="http://schemas.microsoft.com/office/drawing/2014/main" id="{7A4FD609-97C6-FDCF-196C-C04CE372C3DE}"/>
+                <a16:creationId xmlns:a16="http://schemas.microsoft.com/office/drawing/2014/main" xmlns="" id="{7A4FD609-97C6-FDCF-196C-C04CE372C3DE}"/>
               </a:ext>
             </a:extLst>
           </p:cNvPr>
@@ -1382,7 +1382,7 @@
           <p:cNvPr id="3" name="Szöveg helye 2">
             <a:extLst>
               <a:ext uri="{FF2B5EF4-FFF2-40B4-BE49-F238E27FC236}">
-                <a16:creationId xmlns:a16="http://schemas.microsoft.com/office/drawing/2014/main" id="{5FF2CCF6-3BEC-B1BD-A408-1E0E439D4494}"/>
+                <a16:creationId xmlns:a16="http://schemas.microsoft.com/office/drawing/2014/main" xmlns="" id="{5FF2CCF6-3BEC-B1BD-A408-1E0E439D4494}"/>
               </a:ext>
             </a:extLst>
           </p:cNvPr>
@@ -1507,7 +1507,7 @@
           <p:cNvPr id="4" name="Dátum helye 3">
             <a:extLst>
               <a:ext uri="{FF2B5EF4-FFF2-40B4-BE49-F238E27FC236}">
-                <a16:creationId xmlns:a16="http://schemas.microsoft.com/office/drawing/2014/main" id="{02D96E93-B7FD-52C4-1976-571A32AA135C}"/>
+                <a16:creationId xmlns:a16="http://schemas.microsoft.com/office/drawing/2014/main" xmlns="" id="{02D96E93-B7FD-52C4-1976-571A32AA135C}"/>
               </a:ext>
             </a:extLst>
           </p:cNvPr>
@@ -1525,7 +1525,7 @@
           <a:p>
             <a:fld id="{8E532DDB-289F-42C2-8F57-09A656E29423}" type="datetimeFigureOut">
               <a:rPr lang="hu-HU" smtClean="0"/>
-              <a:t>2024.02.07</a:t>
+              <a:t>2024. 02. 07.</a:t>
             </a:fld>
             <a:endParaRPr lang="hu-HU"/>
           </a:p>
@@ -1536,7 +1536,7 @@
           <p:cNvPr id="5" name="Élőláb helye 4">
             <a:extLst>
               <a:ext uri="{FF2B5EF4-FFF2-40B4-BE49-F238E27FC236}">
-                <a16:creationId xmlns:a16="http://schemas.microsoft.com/office/drawing/2014/main" id="{427CAFE0-46BC-55A4-87F5-A8059EC7A0F7}"/>
+                <a16:creationId xmlns:a16="http://schemas.microsoft.com/office/drawing/2014/main" xmlns="" id="{427CAFE0-46BC-55A4-87F5-A8059EC7A0F7}"/>
               </a:ext>
             </a:extLst>
           </p:cNvPr>
@@ -1561,7 +1561,7 @@
           <p:cNvPr id="6" name="Dia számának helye 5">
             <a:extLst>
               <a:ext uri="{FF2B5EF4-FFF2-40B4-BE49-F238E27FC236}">
-                <a16:creationId xmlns:a16="http://schemas.microsoft.com/office/drawing/2014/main" id="{CC3EFF7C-F069-DFE5-3306-0E561AF4AE11}"/>
+                <a16:creationId xmlns:a16="http://schemas.microsoft.com/office/drawing/2014/main" xmlns="" id="{CC3EFF7C-F069-DFE5-3306-0E561AF4AE11}"/>
               </a:ext>
             </a:extLst>
           </p:cNvPr>
@@ -1620,7 +1620,7 @@
           <p:cNvPr id="2" name="Cím 1">
             <a:extLst>
               <a:ext uri="{FF2B5EF4-FFF2-40B4-BE49-F238E27FC236}">
-                <a16:creationId xmlns:a16="http://schemas.microsoft.com/office/drawing/2014/main" id="{DD16BD1C-A96C-C433-11C4-7FB2F9CF4217}"/>
+                <a16:creationId xmlns:a16="http://schemas.microsoft.com/office/drawing/2014/main" xmlns="" id="{DD16BD1C-A96C-C433-11C4-7FB2F9CF4217}"/>
               </a:ext>
             </a:extLst>
           </p:cNvPr>
@@ -1648,7 +1648,7 @@
           <p:cNvPr id="3" name="Tartalom helye 2">
             <a:extLst>
               <a:ext uri="{FF2B5EF4-FFF2-40B4-BE49-F238E27FC236}">
-                <a16:creationId xmlns:a16="http://schemas.microsoft.com/office/drawing/2014/main" id="{216662B5-E8AA-B1E7-B29B-CC9EA1747EB8}"/>
+                <a16:creationId xmlns:a16="http://schemas.microsoft.com/office/drawing/2014/main" xmlns="" id="{216662B5-E8AA-B1E7-B29B-CC9EA1747EB8}"/>
               </a:ext>
             </a:extLst>
           </p:cNvPr>
@@ -1710,7 +1710,7 @@
           <p:cNvPr id="4" name="Tartalom helye 3">
             <a:extLst>
               <a:ext uri="{FF2B5EF4-FFF2-40B4-BE49-F238E27FC236}">
-                <a16:creationId xmlns:a16="http://schemas.microsoft.com/office/drawing/2014/main" id="{F91EB719-6D94-619D-DA44-432529F07A64}"/>
+                <a16:creationId xmlns:a16="http://schemas.microsoft.com/office/drawing/2014/main" xmlns="" id="{F91EB719-6D94-619D-DA44-432529F07A64}"/>
               </a:ext>
             </a:extLst>
           </p:cNvPr>
@@ -1772,7 +1772,7 @@
           <p:cNvPr id="5" name="Dátum helye 4">
             <a:extLst>
               <a:ext uri="{FF2B5EF4-FFF2-40B4-BE49-F238E27FC236}">
-                <a16:creationId xmlns:a16="http://schemas.microsoft.com/office/drawing/2014/main" id="{F719282D-DF51-71E0-FA65-579C7251FFED}"/>
+                <a16:creationId xmlns:a16="http://schemas.microsoft.com/office/drawing/2014/main" xmlns="" id="{F719282D-DF51-71E0-FA65-579C7251FFED}"/>
               </a:ext>
             </a:extLst>
           </p:cNvPr>
@@ -1790,7 +1790,7 @@
           <a:p>
             <a:fld id="{8E532DDB-289F-42C2-8F57-09A656E29423}" type="datetimeFigureOut">
               <a:rPr lang="hu-HU" smtClean="0"/>
-              <a:t>2024.02.07</a:t>
+              <a:t>2024. 02. 07.</a:t>
             </a:fld>
             <a:endParaRPr lang="hu-HU"/>
           </a:p>
@@ -1801,7 +1801,7 @@
           <p:cNvPr id="6" name="Élőláb helye 5">
             <a:extLst>
               <a:ext uri="{FF2B5EF4-FFF2-40B4-BE49-F238E27FC236}">
-                <a16:creationId xmlns:a16="http://schemas.microsoft.com/office/drawing/2014/main" id="{9CA010A5-65CA-F06E-E671-C1073A8C6DFA}"/>
+                <a16:creationId xmlns:a16="http://schemas.microsoft.com/office/drawing/2014/main" xmlns="" id="{9CA010A5-65CA-F06E-E671-C1073A8C6DFA}"/>
               </a:ext>
             </a:extLst>
           </p:cNvPr>
@@ -1826,7 +1826,7 @@
           <p:cNvPr id="7" name="Dia számának helye 6">
             <a:extLst>
               <a:ext uri="{FF2B5EF4-FFF2-40B4-BE49-F238E27FC236}">
-                <a16:creationId xmlns:a16="http://schemas.microsoft.com/office/drawing/2014/main" id="{16635656-463D-7407-9573-D0E1E69DA9BA}"/>
+                <a16:creationId xmlns:a16="http://schemas.microsoft.com/office/drawing/2014/main" xmlns="" id="{16635656-463D-7407-9573-D0E1E69DA9BA}"/>
               </a:ext>
             </a:extLst>
           </p:cNvPr>
@@ -1893,7 +1893,7 @@
           <p:cNvPr id="10" name="Téglalap: lekerekített 9">
             <a:extLst>
               <a:ext uri="{FF2B5EF4-FFF2-40B4-BE49-F238E27FC236}">
-                <a16:creationId xmlns:a16="http://schemas.microsoft.com/office/drawing/2014/main" id="{5C929177-02C2-6B75-4903-1A897B6B857B}"/>
+                <a16:creationId xmlns:a16="http://schemas.microsoft.com/office/drawing/2014/main" xmlns="" id="{5C929177-02C2-6B75-4903-1A897B6B857B}"/>
               </a:ext>
             </a:extLst>
           </p:cNvPr>
@@ -1950,7 +1950,7 @@
           <p:cNvPr id="12" name="Téglalap: lekerekített 11">
             <a:extLst>
               <a:ext uri="{FF2B5EF4-FFF2-40B4-BE49-F238E27FC236}">
-                <a16:creationId xmlns:a16="http://schemas.microsoft.com/office/drawing/2014/main" id="{4263DA3D-3720-84C8-46EF-56A35EEE76D5}"/>
+                <a16:creationId xmlns:a16="http://schemas.microsoft.com/office/drawing/2014/main" xmlns="" id="{4263DA3D-3720-84C8-46EF-56A35EEE76D5}"/>
               </a:ext>
             </a:extLst>
           </p:cNvPr>
@@ -2036,7 +2036,7 @@
           <p:cNvPr id="2" name="Cím 1">
             <a:extLst>
               <a:ext uri="{FF2B5EF4-FFF2-40B4-BE49-F238E27FC236}">
-                <a16:creationId xmlns:a16="http://schemas.microsoft.com/office/drawing/2014/main" id="{9BB4D70D-713A-8887-D67D-44EF31009DDB}"/>
+                <a16:creationId xmlns:a16="http://schemas.microsoft.com/office/drawing/2014/main" xmlns="" id="{9BB4D70D-713A-8887-D67D-44EF31009DDB}"/>
               </a:ext>
             </a:extLst>
           </p:cNvPr>
@@ -2064,7 +2064,7 @@
           <p:cNvPr id="3" name="Dátum helye 2">
             <a:extLst>
               <a:ext uri="{FF2B5EF4-FFF2-40B4-BE49-F238E27FC236}">
-                <a16:creationId xmlns:a16="http://schemas.microsoft.com/office/drawing/2014/main" id="{38F97F01-6921-2071-E7CF-B953B6A631B9}"/>
+                <a16:creationId xmlns:a16="http://schemas.microsoft.com/office/drawing/2014/main" xmlns="" id="{38F97F01-6921-2071-E7CF-B953B6A631B9}"/>
               </a:ext>
             </a:extLst>
           </p:cNvPr>
@@ -2082,7 +2082,7 @@
           <a:p>
             <a:fld id="{8E532DDB-289F-42C2-8F57-09A656E29423}" type="datetimeFigureOut">
               <a:rPr lang="hu-HU" smtClean="0"/>
-              <a:t>2024.02.07</a:t>
+              <a:t>2024. 02. 07.</a:t>
             </a:fld>
             <a:endParaRPr lang="hu-HU"/>
           </a:p>
@@ -2093,7 +2093,7 @@
           <p:cNvPr id="4" name="Élőláb helye 3">
             <a:extLst>
               <a:ext uri="{FF2B5EF4-FFF2-40B4-BE49-F238E27FC236}">
-                <a16:creationId xmlns:a16="http://schemas.microsoft.com/office/drawing/2014/main" id="{792745E5-843C-C4BC-0A40-C73AF021DF1B}"/>
+                <a16:creationId xmlns:a16="http://schemas.microsoft.com/office/drawing/2014/main" xmlns="" id="{792745E5-843C-C4BC-0A40-C73AF021DF1B}"/>
               </a:ext>
             </a:extLst>
           </p:cNvPr>
@@ -2118,7 +2118,7 @@
           <p:cNvPr id="5" name="Dia számának helye 4">
             <a:extLst>
               <a:ext uri="{FF2B5EF4-FFF2-40B4-BE49-F238E27FC236}">
-                <a16:creationId xmlns:a16="http://schemas.microsoft.com/office/drawing/2014/main" id="{368A0A24-A47E-950C-021B-05FD744DD010}"/>
+                <a16:creationId xmlns:a16="http://schemas.microsoft.com/office/drawing/2014/main" xmlns="" id="{368A0A24-A47E-950C-021B-05FD744DD010}"/>
               </a:ext>
             </a:extLst>
           </p:cNvPr>
@@ -2185,7 +2185,7 @@
           <p:cNvPr id="5" name="Ellipszis 4">
             <a:extLst>
               <a:ext uri="{FF2B5EF4-FFF2-40B4-BE49-F238E27FC236}">
-                <a16:creationId xmlns:a16="http://schemas.microsoft.com/office/drawing/2014/main" id="{A0BDDF6C-542F-81C9-9F4B-8813C7292558}"/>
+                <a16:creationId xmlns:a16="http://schemas.microsoft.com/office/drawing/2014/main" xmlns="" id="{A0BDDF6C-542F-81C9-9F4B-8813C7292558}"/>
               </a:ext>
             </a:extLst>
           </p:cNvPr>
@@ -2244,7 +2244,7 @@
           <p:cNvPr id="6" name="Ellipszis 5">
             <a:extLst>
               <a:ext uri="{FF2B5EF4-FFF2-40B4-BE49-F238E27FC236}">
-                <a16:creationId xmlns:a16="http://schemas.microsoft.com/office/drawing/2014/main" id="{9D7F498D-E1BA-D32F-5381-088641790353}"/>
+                <a16:creationId xmlns:a16="http://schemas.microsoft.com/office/drawing/2014/main" xmlns="" id="{9D7F498D-E1BA-D32F-5381-088641790353}"/>
               </a:ext>
             </a:extLst>
           </p:cNvPr>
@@ -2330,7 +2330,7 @@
           <p:cNvPr id="2" name="Cím 1">
             <a:extLst>
               <a:ext uri="{FF2B5EF4-FFF2-40B4-BE49-F238E27FC236}">
-                <a16:creationId xmlns:a16="http://schemas.microsoft.com/office/drawing/2014/main" id="{4BA820B7-A734-61BA-025C-8A1D6FB9D823}"/>
+                <a16:creationId xmlns:a16="http://schemas.microsoft.com/office/drawing/2014/main" xmlns="" id="{4BA820B7-A734-61BA-025C-8A1D6FB9D823}"/>
               </a:ext>
             </a:extLst>
           </p:cNvPr>
@@ -2367,7 +2367,7 @@
           <p:cNvPr id="3" name="Tartalom helye 2">
             <a:extLst>
               <a:ext uri="{FF2B5EF4-FFF2-40B4-BE49-F238E27FC236}">
-                <a16:creationId xmlns:a16="http://schemas.microsoft.com/office/drawing/2014/main" id="{D85A7804-99D9-2553-C6EE-AE084D6A85BE}"/>
+                <a16:creationId xmlns:a16="http://schemas.microsoft.com/office/drawing/2014/main" xmlns="" id="{D85A7804-99D9-2553-C6EE-AE084D6A85BE}"/>
               </a:ext>
             </a:extLst>
           </p:cNvPr>
@@ -2457,7 +2457,7 @@
           <p:cNvPr id="4" name="Szöveg helye 3">
             <a:extLst>
               <a:ext uri="{FF2B5EF4-FFF2-40B4-BE49-F238E27FC236}">
-                <a16:creationId xmlns:a16="http://schemas.microsoft.com/office/drawing/2014/main" id="{6E20636C-67A0-A9ED-9447-E65E3DBC68BE}"/>
+                <a16:creationId xmlns:a16="http://schemas.microsoft.com/office/drawing/2014/main" xmlns="" id="{6E20636C-67A0-A9ED-9447-E65E3DBC68BE}"/>
               </a:ext>
             </a:extLst>
           </p:cNvPr>
@@ -2528,7 +2528,7 @@
           <p:cNvPr id="5" name="Dátum helye 4">
             <a:extLst>
               <a:ext uri="{FF2B5EF4-FFF2-40B4-BE49-F238E27FC236}">
-                <a16:creationId xmlns:a16="http://schemas.microsoft.com/office/drawing/2014/main" id="{9F312683-9595-AE25-326A-8C5877B6B683}"/>
+                <a16:creationId xmlns:a16="http://schemas.microsoft.com/office/drawing/2014/main" xmlns="" id="{9F312683-9595-AE25-326A-8C5877B6B683}"/>
               </a:ext>
             </a:extLst>
           </p:cNvPr>
@@ -2546,7 +2546,7 @@
           <a:p>
             <a:fld id="{8E532DDB-289F-42C2-8F57-09A656E29423}" type="datetimeFigureOut">
               <a:rPr lang="hu-HU" smtClean="0"/>
-              <a:t>2024.02.07</a:t>
+              <a:t>2024. 02. 07.</a:t>
             </a:fld>
             <a:endParaRPr lang="hu-HU"/>
           </a:p>
@@ -2557,7 +2557,7 @@
           <p:cNvPr id="6" name="Élőláb helye 5">
             <a:extLst>
               <a:ext uri="{FF2B5EF4-FFF2-40B4-BE49-F238E27FC236}">
-                <a16:creationId xmlns:a16="http://schemas.microsoft.com/office/drawing/2014/main" id="{8966127D-5FB5-31BD-9ADA-D2182F34B42E}"/>
+                <a16:creationId xmlns:a16="http://schemas.microsoft.com/office/drawing/2014/main" xmlns="" id="{8966127D-5FB5-31BD-9ADA-D2182F34B42E}"/>
               </a:ext>
             </a:extLst>
           </p:cNvPr>
@@ -2582,7 +2582,7 @@
           <p:cNvPr id="7" name="Dia számának helye 6">
             <a:extLst>
               <a:ext uri="{FF2B5EF4-FFF2-40B4-BE49-F238E27FC236}">
-                <a16:creationId xmlns:a16="http://schemas.microsoft.com/office/drawing/2014/main" id="{9D7BE2A7-FA0F-D1CB-4C81-4F42A7317EDA}"/>
+                <a16:creationId xmlns:a16="http://schemas.microsoft.com/office/drawing/2014/main" xmlns="" id="{9D7BE2A7-FA0F-D1CB-4C81-4F42A7317EDA}"/>
               </a:ext>
             </a:extLst>
           </p:cNvPr>
@@ -2641,7 +2641,7 @@
           <p:cNvPr id="2" name="Cím 1">
             <a:extLst>
               <a:ext uri="{FF2B5EF4-FFF2-40B4-BE49-F238E27FC236}">
-                <a16:creationId xmlns:a16="http://schemas.microsoft.com/office/drawing/2014/main" id="{B0784514-8C93-1D41-0ADC-AE65182FDD80}"/>
+                <a16:creationId xmlns:a16="http://schemas.microsoft.com/office/drawing/2014/main" xmlns="" id="{B0784514-8C93-1D41-0ADC-AE65182FDD80}"/>
               </a:ext>
             </a:extLst>
           </p:cNvPr>
@@ -2678,7 +2678,7 @@
           <p:cNvPr id="3" name="Kép helye 2">
             <a:extLst>
               <a:ext uri="{FF2B5EF4-FFF2-40B4-BE49-F238E27FC236}">
-                <a16:creationId xmlns:a16="http://schemas.microsoft.com/office/drawing/2014/main" id="{A322284F-F90F-B535-EB30-0E01F4BBCD18}"/>
+                <a16:creationId xmlns:a16="http://schemas.microsoft.com/office/drawing/2014/main" xmlns="" id="{A322284F-F90F-B535-EB30-0E01F4BBCD18}"/>
               </a:ext>
             </a:extLst>
           </p:cNvPr>
@@ -2745,7 +2745,7 @@
           <p:cNvPr id="4" name="Szöveg helye 3">
             <a:extLst>
               <a:ext uri="{FF2B5EF4-FFF2-40B4-BE49-F238E27FC236}">
-                <a16:creationId xmlns:a16="http://schemas.microsoft.com/office/drawing/2014/main" id="{D72DEB85-590B-1098-22C9-0A2BD35856A5}"/>
+                <a16:creationId xmlns:a16="http://schemas.microsoft.com/office/drawing/2014/main" xmlns="" id="{D72DEB85-590B-1098-22C9-0A2BD35856A5}"/>
               </a:ext>
             </a:extLst>
           </p:cNvPr>
@@ -2816,7 +2816,7 @@
           <p:cNvPr id="5" name="Dátum helye 4">
             <a:extLst>
               <a:ext uri="{FF2B5EF4-FFF2-40B4-BE49-F238E27FC236}">
-                <a16:creationId xmlns:a16="http://schemas.microsoft.com/office/drawing/2014/main" id="{FF0EEE38-B9C3-57C4-28D5-83BF2BDFBC37}"/>
+                <a16:creationId xmlns:a16="http://schemas.microsoft.com/office/drawing/2014/main" xmlns="" id="{FF0EEE38-B9C3-57C4-28D5-83BF2BDFBC37}"/>
               </a:ext>
             </a:extLst>
           </p:cNvPr>
@@ -2834,7 +2834,7 @@
           <a:p>
             <a:fld id="{8E532DDB-289F-42C2-8F57-09A656E29423}" type="datetimeFigureOut">
               <a:rPr lang="hu-HU" smtClean="0"/>
-              <a:t>2024.02.07</a:t>
+              <a:t>2024. 02. 07.</a:t>
             </a:fld>
             <a:endParaRPr lang="hu-HU"/>
           </a:p>
@@ -2845,7 +2845,7 @@
           <p:cNvPr id="6" name="Élőláb helye 5">
             <a:extLst>
               <a:ext uri="{FF2B5EF4-FFF2-40B4-BE49-F238E27FC236}">
-                <a16:creationId xmlns:a16="http://schemas.microsoft.com/office/drawing/2014/main" id="{9A8C60BB-E846-A556-7D6F-80E4666550F6}"/>
+                <a16:creationId xmlns:a16="http://schemas.microsoft.com/office/drawing/2014/main" xmlns="" id="{9A8C60BB-E846-A556-7D6F-80E4666550F6}"/>
               </a:ext>
             </a:extLst>
           </p:cNvPr>
@@ -2870,7 +2870,7 @@
           <p:cNvPr id="7" name="Dia számának helye 6">
             <a:extLst>
               <a:ext uri="{FF2B5EF4-FFF2-40B4-BE49-F238E27FC236}">
-                <a16:creationId xmlns:a16="http://schemas.microsoft.com/office/drawing/2014/main" id="{F40C4142-B31B-0592-C73D-7D1D2251D700}"/>
+                <a16:creationId xmlns:a16="http://schemas.microsoft.com/office/drawing/2014/main" xmlns="" id="{F40C4142-B31B-0592-C73D-7D1D2251D700}"/>
               </a:ext>
             </a:extLst>
           </p:cNvPr>
@@ -2934,7 +2934,7 @@
           <p:cNvPr id="2" name="Cím helye 1">
             <a:extLst>
               <a:ext uri="{FF2B5EF4-FFF2-40B4-BE49-F238E27FC236}">
-                <a16:creationId xmlns:a16="http://schemas.microsoft.com/office/drawing/2014/main" id="{17782075-6685-2989-CE63-F72F6A17CA3B}"/>
+                <a16:creationId xmlns:a16="http://schemas.microsoft.com/office/drawing/2014/main" xmlns="" id="{17782075-6685-2989-CE63-F72F6A17CA3B}"/>
               </a:ext>
             </a:extLst>
           </p:cNvPr>
@@ -2972,7 +2972,7 @@
           <p:cNvPr id="3" name="Szöveg helye 2">
             <a:extLst>
               <a:ext uri="{FF2B5EF4-FFF2-40B4-BE49-F238E27FC236}">
-                <a16:creationId xmlns:a16="http://schemas.microsoft.com/office/drawing/2014/main" id="{62170818-01AE-3631-E7D4-F09960BC7755}"/>
+                <a16:creationId xmlns:a16="http://schemas.microsoft.com/office/drawing/2014/main" xmlns="" id="{62170818-01AE-3631-E7D4-F09960BC7755}"/>
               </a:ext>
             </a:extLst>
           </p:cNvPr>
@@ -3039,7 +3039,7 @@
           <p:cNvPr id="4" name="Dátum helye 3">
             <a:extLst>
               <a:ext uri="{FF2B5EF4-FFF2-40B4-BE49-F238E27FC236}">
-                <a16:creationId xmlns:a16="http://schemas.microsoft.com/office/drawing/2014/main" id="{5E44EABD-3951-FE87-043A-DEE26A772C31}"/>
+                <a16:creationId xmlns:a16="http://schemas.microsoft.com/office/drawing/2014/main" xmlns="" id="{5E44EABD-3951-FE87-043A-DEE26A772C31}"/>
               </a:ext>
             </a:extLst>
           </p:cNvPr>
@@ -3075,7 +3075,7 @@
           <a:p>
             <a:fld id="{8E532DDB-289F-42C2-8F57-09A656E29423}" type="datetimeFigureOut">
               <a:rPr lang="hu-HU" smtClean="0"/>
-              <a:t>2024.02.07</a:t>
+              <a:t>2024. 02. 07.</a:t>
             </a:fld>
             <a:endParaRPr lang="hu-HU"/>
           </a:p>
@@ -3086,7 +3086,7 @@
           <p:cNvPr id="5" name="Élőláb helye 4">
             <a:extLst>
               <a:ext uri="{FF2B5EF4-FFF2-40B4-BE49-F238E27FC236}">
-                <a16:creationId xmlns:a16="http://schemas.microsoft.com/office/drawing/2014/main" id="{198D541F-EDD3-7ECD-372B-4F0F3E42E056}"/>
+                <a16:creationId xmlns:a16="http://schemas.microsoft.com/office/drawing/2014/main" xmlns="" id="{198D541F-EDD3-7ECD-372B-4F0F3E42E056}"/>
               </a:ext>
             </a:extLst>
           </p:cNvPr>
@@ -3129,7 +3129,7 @@
           <p:cNvPr id="6" name="Dia számának helye 5">
             <a:extLst>
               <a:ext uri="{FF2B5EF4-FFF2-40B4-BE49-F238E27FC236}">
-                <a16:creationId xmlns:a16="http://schemas.microsoft.com/office/drawing/2014/main" id="{3B1F9F43-DBAD-7623-FC58-2CBFA5EC9A4A}"/>
+                <a16:creationId xmlns:a16="http://schemas.microsoft.com/office/drawing/2014/main" xmlns="" id="{3B1F9F43-DBAD-7623-FC58-2CBFA5EC9A4A}"/>
               </a:ext>
             </a:extLst>
           </p:cNvPr>
@@ -3505,7 +3505,7 @@
           <p:cNvPr id="4" name="Ellipszis 3">
             <a:extLst>
               <a:ext uri="{FF2B5EF4-FFF2-40B4-BE49-F238E27FC236}">
-                <a16:creationId xmlns:a16="http://schemas.microsoft.com/office/drawing/2014/main" id="{5E590742-0F2F-708E-87FC-8CF5ABA75119}"/>
+                <a16:creationId xmlns:a16="http://schemas.microsoft.com/office/drawing/2014/main" xmlns="" id="{5E590742-0F2F-708E-87FC-8CF5ABA75119}"/>
               </a:ext>
             </a:extLst>
           </p:cNvPr>
@@ -3564,7 +3564,7 @@
           <p:cNvPr id="5" name="Ellipszis 4">
             <a:extLst>
               <a:ext uri="{FF2B5EF4-FFF2-40B4-BE49-F238E27FC236}">
-                <a16:creationId xmlns:a16="http://schemas.microsoft.com/office/drawing/2014/main" id="{7BFA035C-0E90-EF99-09EB-F01F1787B99D}"/>
+                <a16:creationId xmlns:a16="http://schemas.microsoft.com/office/drawing/2014/main" xmlns="" id="{7BFA035C-0E90-EF99-09EB-F01F1787B99D}"/>
               </a:ext>
             </a:extLst>
           </p:cNvPr>
@@ -3620,7 +3620,7 @@
           <p:cNvPr id="6" name="Téglalap: lekerekített 5">
             <a:extLst>
               <a:ext uri="{FF2B5EF4-FFF2-40B4-BE49-F238E27FC236}">
-                <a16:creationId xmlns:a16="http://schemas.microsoft.com/office/drawing/2014/main" id="{FF8E1E1E-E25D-9D44-58A0-641AE3D16840}"/>
+                <a16:creationId xmlns:a16="http://schemas.microsoft.com/office/drawing/2014/main" xmlns="" id="{FF8E1E1E-E25D-9D44-58A0-641AE3D16840}"/>
               </a:ext>
             </a:extLst>
           </p:cNvPr>
@@ -3686,7 +3686,7 @@
           <p:cNvPr id="7" name="Téglalap: lekerekített 6">
             <a:extLst>
               <a:ext uri="{FF2B5EF4-FFF2-40B4-BE49-F238E27FC236}">
-                <a16:creationId xmlns:a16="http://schemas.microsoft.com/office/drawing/2014/main" id="{876BD73A-04ED-68D6-0CFC-B55B322B54B6}"/>
+                <a16:creationId xmlns:a16="http://schemas.microsoft.com/office/drawing/2014/main" xmlns="" id="{876BD73A-04ED-68D6-0CFC-B55B322B54B6}"/>
               </a:ext>
             </a:extLst>
           </p:cNvPr>
@@ -3752,7 +3752,7 @@
           <p:cNvPr id="8" name="Téglalap: lekerekített 7">
             <a:extLst>
               <a:ext uri="{FF2B5EF4-FFF2-40B4-BE49-F238E27FC236}">
-                <a16:creationId xmlns:a16="http://schemas.microsoft.com/office/drawing/2014/main" id="{A949ACA4-0F6E-139B-8268-493DDA55C128}"/>
+                <a16:creationId xmlns:a16="http://schemas.microsoft.com/office/drawing/2014/main" xmlns="" id="{A949ACA4-0F6E-139B-8268-493DDA55C128}"/>
               </a:ext>
             </a:extLst>
           </p:cNvPr>
@@ -3818,7 +3818,7 @@
           <p:cNvPr id="9" name="Téglalap: lekerekített 8">
             <a:extLst>
               <a:ext uri="{FF2B5EF4-FFF2-40B4-BE49-F238E27FC236}">
-                <a16:creationId xmlns:a16="http://schemas.microsoft.com/office/drawing/2014/main" id="{D9B78EC0-CC66-2DDA-134B-90693F675712}"/>
+                <a16:creationId xmlns:a16="http://schemas.microsoft.com/office/drawing/2014/main" xmlns="" id="{D9B78EC0-CC66-2DDA-134B-90693F675712}"/>
               </a:ext>
             </a:extLst>
           </p:cNvPr>
@@ -3876,7 +3876,7 @@
           <p:cNvPr id="10" name="Téglalap: lekerekített 9">
             <a:extLst>
               <a:ext uri="{FF2B5EF4-FFF2-40B4-BE49-F238E27FC236}">
-                <a16:creationId xmlns:a16="http://schemas.microsoft.com/office/drawing/2014/main" id="{2E3A3B9D-563A-3AE1-8B49-D5C002EEA99D}"/>
+                <a16:creationId xmlns:a16="http://schemas.microsoft.com/office/drawing/2014/main" xmlns="" id="{2E3A3B9D-563A-3AE1-8B49-D5C002EEA99D}"/>
               </a:ext>
             </a:extLst>
           </p:cNvPr>
@@ -3942,7 +3942,7 @@
           <p:cNvPr id="11" name="Téglalap: lekerekített 10">
             <a:extLst>
               <a:ext uri="{FF2B5EF4-FFF2-40B4-BE49-F238E27FC236}">
-                <a16:creationId xmlns:a16="http://schemas.microsoft.com/office/drawing/2014/main" id="{DF3EB93E-2E32-E334-3C4E-462E031D3FD7}"/>
+                <a16:creationId xmlns:a16="http://schemas.microsoft.com/office/drawing/2014/main" xmlns="" id="{DF3EB93E-2E32-E334-3C4E-462E031D3FD7}"/>
               </a:ext>
             </a:extLst>
           </p:cNvPr>
@@ -4000,7 +4000,7 @@
           <p:cNvPr id="12" name="Téglalap: lekerekített 11">
             <a:extLst>
               <a:ext uri="{FF2B5EF4-FFF2-40B4-BE49-F238E27FC236}">
-                <a16:creationId xmlns:a16="http://schemas.microsoft.com/office/drawing/2014/main" id="{B12CDA0D-4782-C9A6-DEFD-8858E69E0D7B}"/>
+                <a16:creationId xmlns:a16="http://schemas.microsoft.com/office/drawing/2014/main" xmlns="" id="{B12CDA0D-4782-C9A6-DEFD-8858E69E0D7B}"/>
               </a:ext>
             </a:extLst>
           </p:cNvPr>
@@ -4066,7 +4066,7 @@
           <p:cNvPr id="13" name="Téglalap: lekerekített 12">
             <a:extLst>
               <a:ext uri="{FF2B5EF4-FFF2-40B4-BE49-F238E27FC236}">
-                <a16:creationId xmlns:a16="http://schemas.microsoft.com/office/drawing/2014/main" id="{74CFAF27-3E7A-F8C8-BD2F-DD4524B7DCE9}"/>
+                <a16:creationId xmlns:a16="http://schemas.microsoft.com/office/drawing/2014/main" xmlns="" id="{74CFAF27-3E7A-F8C8-BD2F-DD4524B7DCE9}"/>
               </a:ext>
             </a:extLst>
           </p:cNvPr>
@@ -4132,7 +4132,7 @@
           <p:cNvPr id="14" name="Téglalap: lekerekített 13">
             <a:extLst>
               <a:ext uri="{FF2B5EF4-FFF2-40B4-BE49-F238E27FC236}">
-                <a16:creationId xmlns:a16="http://schemas.microsoft.com/office/drawing/2014/main" id="{4FF50EB6-58FD-EF34-ECC2-721D27B4C713}"/>
+                <a16:creationId xmlns:a16="http://schemas.microsoft.com/office/drawing/2014/main" xmlns="" id="{4FF50EB6-58FD-EF34-ECC2-721D27B4C713}"/>
               </a:ext>
             </a:extLst>
           </p:cNvPr>
@@ -4190,7 +4190,7 @@
           <p:cNvPr id="15" name="Szövegdoboz 14">
             <a:extLst>
               <a:ext uri="{FF2B5EF4-FFF2-40B4-BE49-F238E27FC236}">
-                <a16:creationId xmlns:a16="http://schemas.microsoft.com/office/drawing/2014/main" id="{BAD904EC-5503-CAE6-53A8-7648AE393A9D}"/>
+                <a16:creationId xmlns:a16="http://schemas.microsoft.com/office/drawing/2014/main" xmlns="" id="{BAD904EC-5503-CAE6-53A8-7648AE393A9D}"/>
               </a:ext>
             </a:extLst>
           </p:cNvPr>
@@ -4243,7 +4243,7 @@
           <p:cNvPr id="16" name="Szövegdoboz 15">
             <a:extLst>
               <a:ext uri="{FF2B5EF4-FFF2-40B4-BE49-F238E27FC236}">
-                <a16:creationId xmlns:a16="http://schemas.microsoft.com/office/drawing/2014/main" id="{C9117FAE-FE67-5743-F7DB-0D7FE2C64D91}"/>
+                <a16:creationId xmlns:a16="http://schemas.microsoft.com/office/drawing/2014/main" xmlns="" id="{C9117FAE-FE67-5743-F7DB-0D7FE2C64D91}"/>
               </a:ext>
             </a:extLst>
           </p:cNvPr>
@@ -4276,6 +4276,10 @@
                 <a:latin typeface="Barlow" panose="020F0502020204030204" pitchFamily="2" charset="-18"/>
               </a:rPr>
               <a:t>5. Fejezet dokumentációja:</a:t>
+            </a:r>
+            <a:r>
+              <a:rPr lang="hu-HU" sz="2000" dirty="0"/>
+              <a:t/>
             </a:r>
             <a:br>
               <a:rPr lang="hu-HU" sz="2000" dirty="0"/>
@@ -4940,7 +4944,7 @@
           <p:cNvPr id="44" name="Ellipszis 43">
             <a:extLst>
               <a:ext uri="{FF2B5EF4-FFF2-40B4-BE49-F238E27FC236}">
-                <a16:creationId xmlns:a16="http://schemas.microsoft.com/office/drawing/2014/main" id="{645329D2-24D7-4E68-B864-0EBD807ED9C7}"/>
+                <a16:creationId xmlns:a16="http://schemas.microsoft.com/office/drawing/2014/main" xmlns="" id="{645329D2-24D7-4E68-B864-0EBD807ED9C7}"/>
               </a:ext>
             </a:extLst>
           </p:cNvPr>
@@ -4999,7 +5003,7 @@
           <p:cNvPr id="45" name="Ellipszis 44">
             <a:extLst>
               <a:ext uri="{FF2B5EF4-FFF2-40B4-BE49-F238E27FC236}">
-                <a16:creationId xmlns:a16="http://schemas.microsoft.com/office/drawing/2014/main" id="{1CF101B2-BBC2-495C-A7C8-A35500CDEADA}"/>
+                <a16:creationId xmlns:a16="http://schemas.microsoft.com/office/drawing/2014/main" xmlns="" id="{1CF101B2-BBC2-495C-A7C8-A35500CDEADA}"/>
               </a:ext>
             </a:extLst>
           </p:cNvPr>
@@ -5058,7 +5062,7 @@
           <p:cNvPr id="50" name="Téglalap: lekerekített 49">
             <a:extLst>
               <a:ext uri="{FF2B5EF4-FFF2-40B4-BE49-F238E27FC236}">
-                <a16:creationId xmlns:a16="http://schemas.microsoft.com/office/drawing/2014/main" id="{8B38A860-78B7-48BD-A452-FE7ADB9753AD}"/>
+                <a16:creationId xmlns:a16="http://schemas.microsoft.com/office/drawing/2014/main" xmlns="" id="{8B38A860-78B7-48BD-A452-FE7ADB9753AD}"/>
               </a:ext>
             </a:extLst>
           </p:cNvPr>
@@ -5173,7 +5177,7 @@
           <p:cNvPr id="1032" name="Picture 8" descr="Your very First GitHub Repository. | by olatunde ibitoye | Medium">
             <a:extLst>
               <a:ext uri="{FF2B5EF4-FFF2-40B4-BE49-F238E27FC236}">
-                <a16:creationId xmlns:a16="http://schemas.microsoft.com/office/drawing/2014/main" id="{65697C37-BB70-40DD-AFE7-60C0822C6AB9}"/>
+                <a16:creationId xmlns:a16="http://schemas.microsoft.com/office/drawing/2014/main" xmlns="" id="{65697C37-BB70-40DD-AFE7-60C0822C6AB9}"/>
               </a:ext>
             </a:extLst>
           </p:cNvPr>
@@ -5220,7 +5224,7 @@
           <p:cNvPr id="66" name="Ellipszis 65">
             <a:extLst>
               <a:ext uri="{FF2B5EF4-FFF2-40B4-BE49-F238E27FC236}">
-                <a16:creationId xmlns:a16="http://schemas.microsoft.com/office/drawing/2014/main" id="{56912AC2-6561-42FD-80C1-49350133FB8A}"/>
+                <a16:creationId xmlns:a16="http://schemas.microsoft.com/office/drawing/2014/main" xmlns="" id="{56912AC2-6561-42FD-80C1-49350133FB8A}"/>
               </a:ext>
             </a:extLst>
           </p:cNvPr>
@@ -5279,7 +5283,7 @@
           <p:cNvPr id="67" name="Ellipszis 66">
             <a:extLst>
               <a:ext uri="{FF2B5EF4-FFF2-40B4-BE49-F238E27FC236}">
-                <a16:creationId xmlns:a16="http://schemas.microsoft.com/office/drawing/2014/main" id="{32F74799-D3F6-4A89-A83F-A3F32E86FA9E}"/>
+                <a16:creationId xmlns:a16="http://schemas.microsoft.com/office/drawing/2014/main" xmlns="" id="{32F74799-D3F6-4A89-A83F-A3F32E86FA9E}"/>
               </a:ext>
             </a:extLst>
           </p:cNvPr>
@@ -5338,7 +5342,7 @@
           <p:cNvPr id="69" name="Ellipszis 68">
             <a:extLst>
               <a:ext uri="{FF2B5EF4-FFF2-40B4-BE49-F238E27FC236}">
-                <a16:creationId xmlns:a16="http://schemas.microsoft.com/office/drawing/2014/main" id="{EA0495DE-046E-4ED7-8708-5EC8AE2AC86E}"/>
+                <a16:creationId xmlns:a16="http://schemas.microsoft.com/office/drawing/2014/main" xmlns="" id="{EA0495DE-046E-4ED7-8708-5EC8AE2AC86E}"/>
               </a:ext>
             </a:extLst>
           </p:cNvPr>
@@ -5397,7 +5401,7 @@
           <p:cNvPr id="70" name="Ellipszis 69">
             <a:extLst>
               <a:ext uri="{FF2B5EF4-FFF2-40B4-BE49-F238E27FC236}">
-                <a16:creationId xmlns:a16="http://schemas.microsoft.com/office/drawing/2014/main" id="{0B57A567-0E0A-4116-B280-EDE7321AE0BD}"/>
+                <a16:creationId xmlns:a16="http://schemas.microsoft.com/office/drawing/2014/main" xmlns="" id="{0B57A567-0E0A-4116-B280-EDE7321AE0BD}"/>
               </a:ext>
             </a:extLst>
           </p:cNvPr>
@@ -5456,7 +5460,7 @@
           <p:cNvPr id="1038" name="Picture 14" descr="https://avatars.githubusercontent.com/u/122269847?v=4">
             <a:extLst>
               <a:ext uri="{FF2B5EF4-FFF2-40B4-BE49-F238E27FC236}">
-                <a16:creationId xmlns:a16="http://schemas.microsoft.com/office/drawing/2014/main" id="{7CD961B7-2720-4DD3-A1FC-99878FABF62E}"/>
+                <a16:creationId xmlns:a16="http://schemas.microsoft.com/office/drawing/2014/main" xmlns="" id="{7CD961B7-2720-4DD3-A1FC-99878FABF62E}"/>
               </a:ext>
             </a:extLst>
           </p:cNvPr>
@@ -5503,7 +5507,7 @@
           <p:cNvPr id="75" name="Téglalap: lekerekített 74">
             <a:extLst>
               <a:ext uri="{FF2B5EF4-FFF2-40B4-BE49-F238E27FC236}">
-                <a16:creationId xmlns:a16="http://schemas.microsoft.com/office/drawing/2014/main" id="{F061B00D-FF28-417F-8E89-78FED159E63E}"/>
+                <a16:creationId xmlns:a16="http://schemas.microsoft.com/office/drawing/2014/main" xmlns="" id="{F061B00D-FF28-417F-8E89-78FED159E63E}"/>
               </a:ext>
             </a:extLst>
           </p:cNvPr>
@@ -5615,7 +5619,7 @@
           <p:cNvPr id="76" name="Téglalap: lekerekített 75">
             <a:extLst>
               <a:ext uri="{FF2B5EF4-FFF2-40B4-BE49-F238E27FC236}">
-                <a16:creationId xmlns:a16="http://schemas.microsoft.com/office/drawing/2014/main" id="{4A770DFA-F1B4-42B9-ACDE-1808FFD1ECEF}"/>
+                <a16:creationId xmlns:a16="http://schemas.microsoft.com/office/drawing/2014/main" xmlns="" id="{4A770DFA-F1B4-42B9-ACDE-1808FFD1ECEF}"/>
               </a:ext>
             </a:extLst>
           </p:cNvPr>
@@ -5734,7 +5738,7 @@
           <p:cNvPr id="1030" name="Picture 6" descr="View Benceszalaiii's full-sized avatar">
             <a:extLst>
               <a:ext uri="{FF2B5EF4-FFF2-40B4-BE49-F238E27FC236}">
-                <a16:creationId xmlns:a16="http://schemas.microsoft.com/office/drawing/2014/main" id="{07E059F9-3A19-44ED-8C2E-22C8B58F5ABE}"/>
+                <a16:creationId xmlns:a16="http://schemas.microsoft.com/office/drawing/2014/main" xmlns="" id="{07E059F9-3A19-44ED-8C2E-22C8B58F5ABE}"/>
               </a:ext>
             </a:extLst>
           </p:cNvPr>
@@ -5781,7 +5785,7 @@
           <p:cNvPr id="2" name="Picture 8" descr="View kallaigabor06's full-sized avatar">
             <a:extLst>
               <a:ext uri="{FF2B5EF4-FFF2-40B4-BE49-F238E27FC236}">
-                <a16:creationId xmlns:a16="http://schemas.microsoft.com/office/drawing/2014/main" id="{813DCCF5-8F15-401B-9890-E04DE5653CBD}"/>
+                <a16:creationId xmlns:a16="http://schemas.microsoft.com/office/drawing/2014/main" xmlns="" id="{813DCCF5-8F15-401B-9890-E04DE5653CBD}"/>
               </a:ext>
             </a:extLst>
           </p:cNvPr>
@@ -6757,7 +6761,7 @@
           <p:cNvPr id="7" name="Téglalap: lekerekített 6">
             <a:extLst>
               <a:ext uri="{FF2B5EF4-FFF2-40B4-BE49-F238E27FC236}">
-                <a16:creationId xmlns:a16="http://schemas.microsoft.com/office/drawing/2014/main" id="{9E83F3BB-AE52-4C22-B3C7-E052C54A356D}"/>
+                <a16:creationId xmlns:a16="http://schemas.microsoft.com/office/drawing/2014/main" xmlns="" id="{9E83F3BB-AE52-4C22-B3C7-E052C54A356D}"/>
               </a:ext>
             </a:extLst>
           </p:cNvPr>
@@ -6830,7 +6834,7 @@
           <p:cNvPr id="6" name="Téglalap: lekerekített 5">
             <a:extLst>
               <a:ext uri="{FF2B5EF4-FFF2-40B4-BE49-F238E27FC236}">
-                <a16:creationId xmlns:a16="http://schemas.microsoft.com/office/drawing/2014/main" id="{7054393B-7C14-4BF7-B3BE-977FD580A87B}"/>
+                <a16:creationId xmlns:a16="http://schemas.microsoft.com/office/drawing/2014/main" xmlns="" id="{7054393B-7C14-4BF7-B3BE-977FD580A87B}"/>
               </a:ext>
             </a:extLst>
           </p:cNvPr>
@@ -6903,7 +6907,7 @@
           <p:cNvPr id="12" name="Téglalap: lekerekített 11">
             <a:extLst>
               <a:ext uri="{FF2B5EF4-FFF2-40B4-BE49-F238E27FC236}">
-                <a16:creationId xmlns:a16="http://schemas.microsoft.com/office/drawing/2014/main" id="{012748AF-1348-4B58-90F4-37F17048BB84}"/>
+                <a16:creationId xmlns:a16="http://schemas.microsoft.com/office/drawing/2014/main" xmlns="" id="{012748AF-1348-4B58-90F4-37F17048BB84}"/>
               </a:ext>
             </a:extLst>
           </p:cNvPr>
@@ -6976,7 +6980,7 @@
           <p:cNvPr id="14" name="Téglalap: lekerekített 13">
             <a:extLst>
               <a:ext uri="{FF2B5EF4-FFF2-40B4-BE49-F238E27FC236}">
-                <a16:creationId xmlns:a16="http://schemas.microsoft.com/office/drawing/2014/main" id="{7170385F-4939-4517-881C-C91E6029C871}"/>
+                <a16:creationId xmlns:a16="http://schemas.microsoft.com/office/drawing/2014/main" xmlns="" id="{7170385F-4939-4517-881C-C91E6029C871}"/>
               </a:ext>
             </a:extLst>
           </p:cNvPr>
@@ -7063,7 +7067,7 @@
           <p:cNvPr id="8" name="Téglalap: lekerekített 5">
             <a:extLst>
               <a:ext uri="{FF2B5EF4-FFF2-40B4-BE49-F238E27FC236}">
-                <a16:creationId xmlns:a16="http://schemas.microsoft.com/office/drawing/2014/main" id="{7054393B-7C14-4BF7-B3BE-977FD580A87B}"/>
+                <a16:creationId xmlns:a16="http://schemas.microsoft.com/office/drawing/2014/main" xmlns="" id="{7054393B-7C14-4BF7-B3BE-977FD580A87B}"/>
               </a:ext>
             </a:extLst>
           </p:cNvPr>
@@ -7546,7 +7550,7 @@
           <p:cNvPr id="6" name="Romboid 5">
             <a:extLst>
               <a:ext uri="{FF2B5EF4-FFF2-40B4-BE49-F238E27FC236}">
-                <a16:creationId xmlns:a16="http://schemas.microsoft.com/office/drawing/2014/main" id="{320388CF-6B7B-4133-B1A6-BB1004E72F35}"/>
+                <a16:creationId xmlns:a16="http://schemas.microsoft.com/office/drawing/2014/main" xmlns="" id="{320388CF-6B7B-4133-B1A6-BB1004E72F35}"/>
               </a:ext>
             </a:extLst>
           </p:cNvPr>
@@ -7598,7 +7602,7 @@
           <p:cNvPr id="7" name="Romboid 6">
             <a:extLst>
               <a:ext uri="{FF2B5EF4-FFF2-40B4-BE49-F238E27FC236}">
-                <a16:creationId xmlns:a16="http://schemas.microsoft.com/office/drawing/2014/main" id="{8926B01F-DF41-47D5-AA37-0DF3C9519D4D}"/>
+                <a16:creationId xmlns:a16="http://schemas.microsoft.com/office/drawing/2014/main" xmlns="" id="{8926B01F-DF41-47D5-AA37-0DF3C9519D4D}"/>
               </a:ext>
             </a:extLst>
           </p:cNvPr>
@@ -7647,7 +7651,7 @@
           <p:cNvPr id="8" name="Romboid 7">
             <a:extLst>
               <a:ext uri="{FF2B5EF4-FFF2-40B4-BE49-F238E27FC236}">
-                <a16:creationId xmlns:a16="http://schemas.microsoft.com/office/drawing/2014/main" id="{A9669614-0D7C-436A-A55C-63D5F965F1C5}"/>
+                <a16:creationId xmlns:a16="http://schemas.microsoft.com/office/drawing/2014/main" xmlns="" id="{A9669614-0D7C-436A-A55C-63D5F965F1C5}"/>
               </a:ext>
             </a:extLst>
           </p:cNvPr>
@@ -7696,7 +7700,7 @@
           <p:cNvPr id="1028" name="Picture 4" descr="File:Sass Logo Color.svg - Wikipedia">
             <a:extLst>
               <a:ext uri="{FF2B5EF4-FFF2-40B4-BE49-F238E27FC236}">
-                <a16:creationId xmlns:a16="http://schemas.microsoft.com/office/drawing/2014/main" id="{359B9CB3-1AB1-4A07-90FB-10C65366CA93}"/>
+                <a16:creationId xmlns:a16="http://schemas.microsoft.com/office/drawing/2014/main" xmlns="" id="{359B9CB3-1AB1-4A07-90FB-10C65366CA93}"/>
               </a:ext>
             </a:extLst>
           </p:cNvPr>
@@ -7834,7 +7838,7 @@
           <p:cNvPr id="1026" name="Picture 2" descr="Nem érhető el leírás a fényképhez.">
             <a:extLst>
               <a:ext uri="{FF2B5EF4-FFF2-40B4-BE49-F238E27FC236}">
-                <a16:creationId xmlns:a16="http://schemas.microsoft.com/office/drawing/2014/main" id="{C4F4104E-9947-4266-A1FF-657ABF190A98}"/>
+                <a16:creationId xmlns:a16="http://schemas.microsoft.com/office/drawing/2014/main" xmlns="" id="{C4F4104E-9947-4266-A1FF-657ABF190A98}"/>
               </a:ext>
             </a:extLst>
           </p:cNvPr>
@@ -8178,7 +8182,7 @@
           <p:cNvPr id="6" name="Romboid 5">
             <a:extLst>
               <a:ext uri="{FF2B5EF4-FFF2-40B4-BE49-F238E27FC236}">
-                <a16:creationId xmlns:a16="http://schemas.microsoft.com/office/drawing/2014/main" id="{320388CF-6B7B-4133-B1A6-BB1004E72F35}"/>
+                <a16:creationId xmlns:a16="http://schemas.microsoft.com/office/drawing/2014/main" xmlns="" id="{320388CF-6B7B-4133-B1A6-BB1004E72F35}"/>
               </a:ext>
             </a:extLst>
           </p:cNvPr>
@@ -8230,7 +8234,7 @@
           <p:cNvPr id="7" name="Romboid 6">
             <a:extLst>
               <a:ext uri="{FF2B5EF4-FFF2-40B4-BE49-F238E27FC236}">
-                <a16:creationId xmlns:a16="http://schemas.microsoft.com/office/drawing/2014/main" id="{8926B01F-DF41-47D5-AA37-0DF3C9519D4D}"/>
+                <a16:creationId xmlns:a16="http://schemas.microsoft.com/office/drawing/2014/main" xmlns="" id="{8926B01F-DF41-47D5-AA37-0DF3C9519D4D}"/>
               </a:ext>
             </a:extLst>
           </p:cNvPr>
@@ -8279,7 +8283,7 @@
           <p:cNvPr id="8" name="Romboid 7">
             <a:extLst>
               <a:ext uri="{FF2B5EF4-FFF2-40B4-BE49-F238E27FC236}">
-                <a16:creationId xmlns:a16="http://schemas.microsoft.com/office/drawing/2014/main" id="{A9669614-0D7C-436A-A55C-63D5F965F1C5}"/>
+                <a16:creationId xmlns:a16="http://schemas.microsoft.com/office/drawing/2014/main" xmlns="" id="{A9669614-0D7C-436A-A55C-63D5F965F1C5}"/>
               </a:ext>
             </a:extLst>
           </p:cNvPr>
@@ -8385,7 +8389,7 @@
           <p:cNvPr id="10" name="Picture 2" descr="Nem érhető el leírás a fényképhez.">
             <a:extLst>
               <a:ext uri="{FF2B5EF4-FFF2-40B4-BE49-F238E27FC236}">
-                <a16:creationId xmlns:a16="http://schemas.microsoft.com/office/drawing/2014/main" id="{89FB9315-CF1D-4D9A-8B58-27C3C2D88622}"/>
+                <a16:creationId xmlns:a16="http://schemas.microsoft.com/office/drawing/2014/main" xmlns="" id="{89FB9315-CF1D-4D9A-8B58-27C3C2D88622}"/>
               </a:ext>
             </a:extLst>
           </p:cNvPr>
@@ -8426,7 +8430,7 @@
           <p:cNvPr id="2" name="Szövegdoboz 1">
             <a:extLst>
               <a:ext uri="{FF2B5EF4-FFF2-40B4-BE49-F238E27FC236}">
-                <a16:creationId xmlns:a16="http://schemas.microsoft.com/office/drawing/2014/main" id="{474BE274-0FDE-485B-8C28-F1A5FAF1316C}"/>
+                <a16:creationId xmlns:a16="http://schemas.microsoft.com/office/drawing/2014/main" xmlns="" id="{474BE274-0FDE-485B-8C28-F1A5FAF1316C}"/>
               </a:ext>
             </a:extLst>
           </p:cNvPr>
@@ -8524,13 +8528,13 @@
   <p:clrMapOvr>
     <a:masterClrMapping/>
   </p:clrMapOvr>
-  <mc:AlternateContent xmlns:mc="http://schemas.openxmlformats.org/markup-compatibility/2006" xmlns:p159="http://schemas.microsoft.com/office/powerpoint/2015/09/main">
-    <mc:Choice Requires="p159">
+  <mc:AlternateContent xmlns:mc="http://schemas.openxmlformats.org/markup-compatibility/2006">
+    <mc:Choice xmlns:p159="http://schemas.microsoft.com/office/powerpoint/2015/09/main" xmlns="" Requires="p159">
       <p:transition xmlns:p14="http://schemas.microsoft.com/office/powerpoint/2010/main" spd="slow" p14:dur="2000">
         <p159:morph option="byObject"/>
       </p:transition>
     </mc:Choice>
-    <mc:Fallback xmlns="">
+    <mc:Fallback>
       <p:transition spd="slow">
         <p:fade/>
       </p:transition>
@@ -8658,7 +8662,7 @@
           <p:cNvPr id="7" name="Romboid 6">
             <a:extLst>
               <a:ext uri="{FF2B5EF4-FFF2-40B4-BE49-F238E27FC236}">
-                <a16:creationId xmlns:a16="http://schemas.microsoft.com/office/drawing/2014/main" id="{8926B01F-DF41-47D5-AA37-0DF3C9519D4D}"/>
+                <a16:creationId xmlns:a16="http://schemas.microsoft.com/office/drawing/2014/main" xmlns="" id="{8926B01F-DF41-47D5-AA37-0DF3C9519D4D}"/>
               </a:ext>
             </a:extLst>
           </p:cNvPr>
@@ -8707,7 +8711,7 @@
           <p:cNvPr id="1028" name="Picture 4" descr="File:Sass Logo Color.svg - Wikipedia">
             <a:extLst>
               <a:ext uri="{FF2B5EF4-FFF2-40B4-BE49-F238E27FC236}">
-                <a16:creationId xmlns:a16="http://schemas.microsoft.com/office/drawing/2014/main" id="{359B9CB3-1AB1-4A07-90FB-10C65366CA93}"/>
+                <a16:creationId xmlns:a16="http://schemas.microsoft.com/office/drawing/2014/main" xmlns="" id="{359B9CB3-1AB1-4A07-90FB-10C65366CA93}"/>
               </a:ext>
             </a:extLst>
           </p:cNvPr>
@@ -8746,7 +8750,7 @@
           <p:cNvPr id="4" name="Szövegdoboz 3">
             <a:extLst>
               <a:ext uri="{FF2B5EF4-FFF2-40B4-BE49-F238E27FC236}">
-                <a16:creationId xmlns:a16="http://schemas.microsoft.com/office/drawing/2014/main" id="{14EA37CB-C533-4153-A868-FB8D12258A5D}"/>
+                <a16:creationId xmlns:a16="http://schemas.microsoft.com/office/drawing/2014/main" xmlns="" id="{14EA37CB-C533-4153-A868-FB8D12258A5D}"/>
               </a:ext>
             </a:extLst>
           </p:cNvPr>
@@ -8953,7 +8957,7 @@
           <p:cNvPr id="8" name="Romboid 7">
             <a:extLst>
               <a:ext uri="{FF2B5EF4-FFF2-40B4-BE49-F238E27FC236}">
-                <a16:creationId xmlns:a16="http://schemas.microsoft.com/office/drawing/2014/main" id="{A9669614-0D7C-436A-A55C-63D5F965F1C5}"/>
+                <a16:creationId xmlns:a16="http://schemas.microsoft.com/office/drawing/2014/main" xmlns="" id="{A9669614-0D7C-436A-A55C-63D5F965F1C5}"/>
               </a:ext>
             </a:extLst>
           </p:cNvPr>
@@ -9036,7 +9040,7 @@
           <p:cNvPr id="4" name="Szövegdoboz 3">
             <a:extLst>
               <a:ext uri="{FF2B5EF4-FFF2-40B4-BE49-F238E27FC236}">
-                <a16:creationId xmlns:a16="http://schemas.microsoft.com/office/drawing/2014/main" id="{2A3E2DDB-080C-4B7B-A2E6-717251DED09E}"/>
+                <a16:creationId xmlns:a16="http://schemas.microsoft.com/office/drawing/2014/main" xmlns="" id="{2A3E2DDB-080C-4B7B-A2E6-717251DED09E}"/>
               </a:ext>
             </a:extLst>
           </p:cNvPr>
@@ -9242,7 +9246,7 @@
               <p:cNvPr id="4" name="Téglalap: lekerekített 3">
                 <a:extLst>
                   <a:ext uri="{FF2B5EF4-FFF2-40B4-BE49-F238E27FC236}">
-                    <a16:creationId xmlns:a16="http://schemas.microsoft.com/office/drawing/2014/main" id="{BC187220-8284-1B2B-8CE3-7C613265D444}"/>
+                    <a16:creationId xmlns:a16="http://schemas.microsoft.com/office/drawing/2014/main" xmlns="" id="{BC187220-8284-1B2B-8CE3-7C613265D444}"/>
                   </a:ext>
                 </a:extLst>
               </p:cNvPr>
@@ -9299,7 +9303,7 @@
               <p:cNvPr id="7" name="Szövegdoboz 6">
                 <a:extLst>
                   <a:ext uri="{FF2B5EF4-FFF2-40B4-BE49-F238E27FC236}">
-                    <a16:creationId xmlns:a16="http://schemas.microsoft.com/office/drawing/2014/main" id="{7819F685-963E-271F-BC1B-FDA54155C9CE}"/>
+                    <a16:creationId xmlns:a16="http://schemas.microsoft.com/office/drawing/2014/main" xmlns="" id="{7819F685-963E-271F-BC1B-FDA54155C9CE}"/>
                   </a:ext>
                 </a:extLst>
               </p:cNvPr>
@@ -9493,7 +9497,7 @@
             <p:cNvPr id="5" name="Téglalap: lekerekített 4">
               <a:extLst>
                 <a:ext uri="{FF2B5EF4-FFF2-40B4-BE49-F238E27FC236}">
-                  <a16:creationId xmlns:a16="http://schemas.microsoft.com/office/drawing/2014/main" id="{B74CBF98-6A67-702F-008D-E30CBEB44963}"/>
+                  <a16:creationId xmlns:a16="http://schemas.microsoft.com/office/drawing/2014/main" xmlns="" id="{B74CBF98-6A67-702F-008D-E30CBEB44963}"/>
                 </a:ext>
               </a:extLst>
             </p:cNvPr>
@@ -9581,7 +9585,7 @@
         </p:nvGrpSpPr>
         <p:grpSpPr>
           <a:xfrm>
-            <a:off x="6527687" y="3629018"/>
+            <a:off x="6527684" y="3752843"/>
             <a:ext cx="4784269" cy="2811242"/>
             <a:chOff x="6527687" y="3629018"/>
             <a:chExt cx="4784269" cy="2811242"/>
@@ -9592,7 +9596,7 @@
             <p:cNvPr id="8" name="Téglalap: lekerekített 7">
               <a:extLst>
                 <a:ext uri="{FF2B5EF4-FFF2-40B4-BE49-F238E27FC236}">
-                  <a16:creationId xmlns:a16="http://schemas.microsoft.com/office/drawing/2014/main" id="{104486A8-B0E8-F708-7D72-B551D3E54053}"/>
+                  <a16:creationId xmlns:a16="http://schemas.microsoft.com/office/drawing/2014/main" xmlns="" id="{104486A8-B0E8-F708-7D72-B551D3E54053}"/>
                 </a:ext>
               </a:extLst>
             </p:cNvPr>
@@ -9652,16 +9656,15 @@
             </p:cNvPicPr>
             <p:nvPr/>
           </p:nvPicPr>
-          <p:blipFill>
+          <p:blipFill rotWithShape="1">
             <a:blip r:embed="rId3"/>
-            <a:stretch>
-              <a:fillRect/>
-            </a:stretch>
+            <a:srcRect l="504" t="6304" r="-504" b="-725"/>
+            <a:stretch/>
           </p:blipFill>
           <p:spPr>
             <a:xfrm>
-              <a:off x="7029627" y="3720541"/>
-              <a:ext cx="3780385" cy="2628196"/>
+              <a:off x="7029627" y="3793845"/>
+              <a:ext cx="3780385" cy="2481587"/>
             </a:xfrm>
             <a:prstGeom prst="rect">
               <a:avLst/>
@@ -9922,32 +9925,242 @@
           <a:chExt cx="0" cy="0"/>
         </a:xfrm>
       </p:grpSpPr>
-      <p:grpSp>
-        <p:nvGrpSpPr>
-          <p:cNvPr id="14" name="Csoportba foglalás 13">
+      <p:sp>
+        <p:nvSpPr>
+          <p:cNvPr id="8" name="Téglalap: lekerekített 6">
             <a:extLst>
               <a:ext uri="{FF2B5EF4-FFF2-40B4-BE49-F238E27FC236}">
-                <a16:creationId xmlns:a16="http://schemas.microsoft.com/office/drawing/2014/main" id="{3B2D9987-9990-48F5-9025-793BE542D26E}"/>
+                <a16:creationId xmlns:a16="http://schemas.microsoft.com/office/drawing/2014/main" xmlns="" id="{9E83F3BB-AE52-4C22-B3C7-E052C54A356D}"/>
               </a:ext>
             </a:extLst>
           </p:cNvPr>
+          <p:cNvSpPr/>
+          <p:nvPr/>
+        </p:nvSpPr>
+        <p:spPr>
+          <a:xfrm>
+            <a:off x="-5910146" y="194253"/>
+            <a:ext cx="5656146" cy="1640305"/>
+          </a:xfrm>
+          <a:prstGeom prst="roundRect">
+            <a:avLst>
+              <a:gd name="adj" fmla="val 4094"/>
+            </a:avLst>
+          </a:prstGeom>
+          <a:solidFill>
+            <a:schemeClr val="bg1">
+              <a:alpha val="80000"/>
+            </a:schemeClr>
+          </a:solidFill>
+          <a:ln w="120650" cap="sq">
+            <a:noFill/>
+            <a:round/>
+          </a:ln>
+        </p:spPr>
+        <p:style>
+          <a:lnRef idx="2">
+            <a:schemeClr val="accent1">
+              <a:shade val="15000"/>
+            </a:schemeClr>
+          </a:lnRef>
+          <a:fillRef idx="1">
+            <a:schemeClr val="accent1"/>
+          </a:fillRef>
+          <a:effectRef idx="0">
+            <a:schemeClr val="accent1"/>
+          </a:effectRef>
+          <a:fontRef idx="minor">
+            <a:schemeClr val="lt1"/>
+          </a:fontRef>
+        </p:style>
+        <p:txBody>
+          <a:bodyPr rtlCol="0" anchor="ctr"/>
+          <a:lstStyle/>
+          <a:p>
+            <a:pPr algn="ctr"/>
+            <a:r>
+              <a:rPr lang="hu-HU" sz="4400" dirty="0">
+                <a:solidFill>
+                  <a:srgbClr val="5019B3"/>
+                </a:solidFill>
+                <a:effectLst>
+                  <a:outerShdw dist="38100" sx="101000" sy="101000" algn="l" rotWithShape="0">
+                    <a:prstClr val="black">
+                      <a:alpha val="0"/>
+                    </a:prstClr>
+                  </a:outerShdw>
+                </a:effectLst>
+                <a:latin typeface="Segoe UI Black" panose="020B0A02040204020203" pitchFamily="34" charset="0"/>
+                <a:ea typeface="Segoe UI Black" panose="020B0A02040204020203" pitchFamily="34" charset="0"/>
+              </a:rPr>
+              <a:t>Mintaproject</a:t>
+            </a:r>
+            <a:endParaRPr lang="hu-HU" sz="4400" dirty="0">
+              <a:solidFill>
+                <a:srgbClr val="5019B3"/>
+              </a:solidFill>
+              <a:effectLst>
+                <a:outerShdw dist="38100" sx="101000" sy="101000" algn="l" rotWithShape="0">
+                  <a:prstClr val="black">
+                    <a:alpha val="0"/>
+                  </a:prstClr>
+                </a:outerShdw>
+              </a:effectLst>
+              <a:latin typeface="Segoe UI Black" panose="020B0A02040204020203" pitchFamily="34" charset="0"/>
+              <a:ea typeface="Segoe UI Black" panose="020B0A02040204020203" pitchFamily="34" charset="0"/>
+            </a:endParaRPr>
+          </a:p>
+        </p:txBody>
+      </p:sp>
+      <p:sp>
+        <p:nvSpPr>
+          <p:cNvPr id="5" name="TextBox 4"/>
+          <p:cNvSpPr txBox="1"/>
+          <p:nvPr/>
+        </p:nvSpPr>
+        <p:spPr>
+          <a:xfrm>
+            <a:off x="2805829" y="2802283"/>
+            <a:ext cx="2827454" cy="3539430"/>
+          </a:xfrm>
+          <a:prstGeom prst="rect">
+            <a:avLst/>
+          </a:prstGeom>
+          <a:noFill/>
+        </p:spPr>
+        <p:txBody>
+          <a:bodyPr wrap="square" rtlCol="0">
+            <a:spAutoFit/>
+          </a:bodyPr>
+          <a:lstStyle/>
+          <a:p>
+            <a:pPr marL="457200" indent="-457200">
+              <a:buFont typeface="Wingdings" panose="05000000000000000000" pitchFamily="2" charset="2"/>
+              <a:buChar char="§"/>
+            </a:pPr>
+            <a:r>
+              <a:rPr lang="hu-HU" sz="3200" dirty="0" smtClean="0">
+                <a:solidFill>
+                  <a:schemeClr val="bg1"/>
+                </a:solidFill>
+                <a:latin typeface="Segoe UI" panose="020B0502040204020203" pitchFamily="34" charset="0"/>
+                <a:cs typeface="Segoe UI" panose="020B0502040204020203" pitchFamily="34" charset="0"/>
+              </a:rPr>
+              <a:t>OOP</a:t>
+            </a:r>
+          </a:p>
+          <a:p>
+            <a:pPr marL="457200" indent="-457200">
+              <a:buFont typeface="Wingdings" panose="05000000000000000000" pitchFamily="2" charset="2"/>
+              <a:buChar char="§"/>
+            </a:pPr>
+            <a:r>
+              <a:rPr lang="hu-HU" sz="3200" dirty="0" smtClean="0">
+                <a:solidFill>
+                  <a:schemeClr val="bg1"/>
+                </a:solidFill>
+                <a:latin typeface="Segoe UI" panose="020B0502040204020203" pitchFamily="34" charset="0"/>
+                <a:cs typeface="Segoe UI" panose="020B0502040204020203" pitchFamily="34" charset="0"/>
+              </a:rPr>
+              <a:t>Score</a:t>
+            </a:r>
+          </a:p>
+          <a:p>
+            <a:pPr marL="457200" indent="-457200">
+              <a:buFont typeface="Wingdings" panose="05000000000000000000" pitchFamily="2" charset="2"/>
+              <a:buChar char="§"/>
+            </a:pPr>
+            <a:r>
+              <a:rPr lang="hu-HU" sz="3200" dirty="0" smtClean="0">
+                <a:solidFill>
+                  <a:schemeClr val="bg1"/>
+                </a:solidFill>
+                <a:latin typeface="Segoe UI" panose="020B0502040204020203" pitchFamily="34" charset="0"/>
+                <a:cs typeface="Segoe UI" panose="020B0502040204020203" pitchFamily="34" charset="0"/>
+              </a:rPr>
+              <a:t>Collision</a:t>
+            </a:r>
+          </a:p>
+          <a:p>
+            <a:pPr marL="457200" indent="-457200">
+              <a:buFont typeface="Wingdings" panose="05000000000000000000" pitchFamily="2" charset="2"/>
+              <a:buChar char="§"/>
+            </a:pPr>
+            <a:r>
+              <a:rPr lang="hu-HU" sz="3200" dirty="0" smtClean="0">
+                <a:solidFill>
+                  <a:schemeClr val="bg1"/>
+                </a:solidFill>
+                <a:latin typeface="Segoe UI" panose="020B0502040204020203" pitchFamily="34" charset="0"/>
+                <a:cs typeface="Segoe UI" panose="020B0502040204020203" pitchFamily="34" charset="0"/>
+              </a:rPr>
+              <a:t>Ugrás</a:t>
+            </a:r>
+          </a:p>
+          <a:p>
+            <a:pPr marL="457200" indent="-457200">
+              <a:buFont typeface="Wingdings" panose="05000000000000000000" pitchFamily="2" charset="2"/>
+              <a:buChar char="§"/>
+            </a:pPr>
+            <a:r>
+              <a:rPr lang="hu-HU" sz="3200" dirty="0" smtClean="0">
+                <a:solidFill>
+                  <a:schemeClr val="bg1"/>
+                </a:solidFill>
+                <a:latin typeface="Segoe UI" panose="020B0502040204020203" pitchFamily="34" charset="0"/>
+                <a:cs typeface="Segoe UI" panose="020B0502040204020203" pitchFamily="34" charset="0"/>
+              </a:rPr>
+              <a:t>Platform</a:t>
+            </a:r>
+          </a:p>
+          <a:p>
+            <a:pPr marL="457200" indent="-457200">
+              <a:buFont typeface="Wingdings" panose="05000000000000000000" pitchFamily="2" charset="2"/>
+              <a:buChar char="§"/>
+            </a:pPr>
+            <a:endParaRPr lang="hu-HU" sz="3200" dirty="0" smtClean="0">
+              <a:solidFill>
+                <a:schemeClr val="bg1"/>
+              </a:solidFill>
+              <a:latin typeface="Segoe UI" panose="020B0502040204020203" pitchFamily="34" charset="0"/>
+              <a:cs typeface="Segoe UI" panose="020B0502040204020203" pitchFamily="34" charset="0"/>
+            </a:endParaRPr>
+          </a:p>
+          <a:p>
+            <a:pPr marL="285750" indent="-285750">
+              <a:buFont typeface="Arial" panose="020B0604020202020204" pitchFamily="34" charset="0"/>
+              <a:buChar char="•"/>
+            </a:pPr>
+            <a:endParaRPr lang="hu-HU" sz="3200" dirty="0">
+              <a:solidFill>
+                <a:schemeClr val="bg1"/>
+              </a:solidFill>
+              <a:latin typeface="Segoe UI" panose="020B0502040204020203" pitchFamily="34" charset="0"/>
+              <a:cs typeface="Segoe UI" panose="020B0502040204020203" pitchFamily="34" charset="0"/>
+            </a:endParaRPr>
+          </a:p>
+        </p:txBody>
+      </p:sp>
+      <p:grpSp>
+        <p:nvGrpSpPr>
+          <p:cNvPr id="7" name="Group 6"/>
           <p:cNvGrpSpPr/>
           <p:nvPr/>
         </p:nvGrpSpPr>
         <p:grpSpPr>
           <a:xfrm>
-            <a:off x="-7905134" y="-265296"/>
-            <a:ext cx="13362659" cy="7123296"/>
-            <a:chOff x="-7905134" y="-265296"/>
-            <a:chExt cx="13362659" cy="7123296"/>
+            <a:off x="5738588" y="2397352"/>
+            <a:ext cx="6146545" cy="4349294"/>
+            <a:chOff x="5738588" y="2397352"/>
+            <a:chExt cx="6146545" cy="4349294"/>
           </a:xfrm>
         </p:grpSpPr>
         <p:sp>
           <p:nvSpPr>
-            <p:cNvPr id="13" name="Téglalap 12">
+            <p:cNvPr id="11" name="Téglalap: lekerekített 5">
               <a:extLst>
                 <a:ext uri="{FF2B5EF4-FFF2-40B4-BE49-F238E27FC236}">
-                  <a16:creationId xmlns:a16="http://schemas.microsoft.com/office/drawing/2014/main" id="{C3721E22-CE86-4A6C-9593-2364035461FA}"/>
+                  <a16:creationId xmlns:a16="http://schemas.microsoft.com/office/drawing/2014/main" xmlns="" id="{7054393B-7C14-4BF7-B3BE-977FD580A87B}"/>
                 </a:ext>
               </a:extLst>
             </p:cNvPr>
@@ -9956,8 +10169,111 @@
           </p:nvSpPr>
           <p:spPr>
             <a:xfrm>
-              <a:off x="-7905134" y="2420752"/>
-              <a:ext cx="9271924" cy="4437247"/>
+              <a:off x="5738588" y="2397352"/>
+              <a:ext cx="6146545" cy="4349294"/>
+            </a:xfrm>
+            <a:prstGeom prst="roundRect">
+              <a:avLst>
+                <a:gd name="adj" fmla="val 4094"/>
+              </a:avLst>
+            </a:prstGeom>
+            <a:solidFill>
+              <a:schemeClr val="bg1">
+                <a:alpha val="80000"/>
+              </a:schemeClr>
+            </a:solidFill>
+            <a:ln w="120650" cap="sq">
+              <a:noFill/>
+              <a:round/>
+            </a:ln>
+          </p:spPr>
+          <p:style>
+            <a:lnRef idx="2">
+              <a:schemeClr val="accent1">
+                <a:shade val="15000"/>
+              </a:schemeClr>
+            </a:lnRef>
+            <a:fillRef idx="1">
+              <a:schemeClr val="accent1"/>
+            </a:fillRef>
+            <a:effectRef idx="0">
+              <a:schemeClr val="accent1"/>
+            </a:effectRef>
+            <a:fontRef idx="minor">
+              <a:schemeClr val="lt1"/>
+            </a:fontRef>
+          </p:style>
+          <p:txBody>
+            <a:bodyPr rtlCol="0" anchor="ctr"/>
+            <a:lstStyle/>
+            <a:p>
+              <a:pPr algn="ctr"/>
+              <a:endParaRPr lang="hu-HU" sz="2800" dirty="0">
+                <a:solidFill>
+                  <a:srgbClr val="5019B3"/>
+                </a:solidFill>
+                <a:effectLst>
+                  <a:outerShdw dist="38100" sx="101000" sy="101000" algn="l" rotWithShape="0">
+                    <a:prstClr val="black">
+                      <a:alpha val="0"/>
+                    </a:prstClr>
+                  </a:outerShdw>
+                </a:effectLst>
+                <a:latin typeface="Segoe UI Black" panose="020B0A02040204020203" pitchFamily="34" charset="0"/>
+                <a:ea typeface="Segoe UI Black" panose="020B0A02040204020203" pitchFamily="34" charset="0"/>
+              </a:endParaRPr>
+            </a:p>
+          </p:txBody>
+        </p:sp>
+        <p:pic>
+          <p:nvPicPr>
+            <p:cNvPr id="6" name="Picture 5"/>
+            <p:cNvPicPr>
+              <a:picLocks noChangeAspect="1"/>
+            </p:cNvPicPr>
+            <p:nvPr/>
+          </p:nvPicPr>
+          <p:blipFill>
+            <a:blip r:embed="rId2"/>
+            <a:stretch>
+              <a:fillRect/>
+            </a:stretch>
+          </p:blipFill>
+          <p:spPr>
+            <a:xfrm>
+              <a:off x="5949199" y="2557180"/>
+              <a:ext cx="5725324" cy="4029637"/>
+            </a:xfrm>
+            <a:prstGeom prst="rect">
+              <a:avLst/>
+            </a:prstGeom>
+          </p:spPr>
+        </p:pic>
+      </p:grpSp>
+      <p:grpSp>
+        <p:nvGrpSpPr>
+          <p:cNvPr id="9" name="Group 8"/>
+          <p:cNvGrpSpPr/>
+          <p:nvPr/>
+        </p:nvGrpSpPr>
+        <p:grpSpPr>
+          <a:xfrm>
+            <a:off x="-1691573" y="-265296"/>
+            <a:ext cx="13883573" cy="7123296"/>
+            <a:chOff x="-1691573" y="-265296"/>
+            <a:chExt cx="13883573" cy="7123296"/>
+          </a:xfrm>
+        </p:grpSpPr>
+        <p:sp>
+          <p:nvSpPr>
+            <p:cNvPr id="2" name="Rectangle 1"/>
+            <p:cNvSpPr/>
+            <p:nvPr/>
+          </p:nvSpPr>
+          <p:spPr>
+            <a:xfrm>
+              <a:off x="1433392" y="2286000"/>
+              <a:ext cx="10758608" cy="4572000"/>
             </a:xfrm>
             <a:prstGeom prst="rect">
               <a:avLst/>
@@ -9990,11 +10306,7 @@
             <a:lstStyle/>
             <a:p>
               <a:pPr algn="ctr"/>
-              <a:r>
-                <a:rPr lang="hu-HU" dirty="0" err="1"/>
-                <a:t>asdfsdfsdfasdfasdfas</a:t>
-              </a:r>
-              <a:endParaRPr lang="hu-HU" dirty="0"/>
+              <a:endParaRPr lang="hu-HU"/>
             </a:p>
           </p:txBody>
         </p:sp>
@@ -10003,7 +10315,7 @@
             <p:cNvPr id="12" name="Kép 11">
               <a:extLst>
                 <a:ext uri="{FF2B5EF4-FFF2-40B4-BE49-F238E27FC236}">
-                  <a16:creationId xmlns:a16="http://schemas.microsoft.com/office/drawing/2014/main" id="{118B224A-E193-49AD-83D8-09F6A71DDCFB}"/>
+                  <a16:creationId xmlns:a16="http://schemas.microsoft.com/office/drawing/2014/main" xmlns="" id="{118B224A-E193-49AD-83D8-09F6A71DDCFB}"/>
                 </a:ext>
               </a:extLst>
             </p:cNvPr>
@@ -10013,7 +10325,7 @@
             <p:nvPr/>
           </p:nvPicPr>
           <p:blipFill>
-            <a:blip r:embed="rId2">
+            <a:blip r:embed="rId3">
               <a:extLst>
                 <a:ext uri="{28A0092B-C50C-407E-A947-70E740481C1C}">
                   <a14:useLocalDpi xmlns:a14="http://schemas.microsoft.com/office/drawing/2010/main" val="0"/>
@@ -10026,7 +10338,7 @@
           </p:blipFill>
           <p:spPr>
             <a:xfrm>
-              <a:off x="-1665771" y="-265296"/>
+              <a:off x="-1691573" y="-265296"/>
               <a:ext cx="7123296" cy="7123296"/>
             </a:xfrm>
             <a:prstGeom prst="rect">
@@ -10060,6 +10372,9 @@
                     <p:cTn id="3" fill="hold">
                       <p:stCondLst>
                         <p:cond delay="indefinite"/>
+                        <p:cond evt="onBegin" delay="0">
+                          <p:tn val="2"/>
+                        </p:cond>
                       </p:stCondLst>
                       <p:childTnLst>
                         <p:par>
@@ -10069,22 +10384,45 @@
                             </p:stCondLst>
                             <p:childTnLst>
                               <p:par>
-                                <p:cTn id="5" presetID="63" presetClass="path" presetSubtype="0" accel="50000" decel="50000" fill="hold" nodeType="clickEffect">
+                                <p:cTn id="5" presetID="63" presetClass="path" presetSubtype="0" accel="50000" decel="50000" fill="hold" grpId="0" nodeType="withEffect">
                                   <p:stCondLst>
                                     <p:cond delay="0"/>
                                   </p:stCondLst>
                                   <p:childTnLst>
-                                    <p:animMotion origin="layout" path="M 0 0 L 0.25 0 E" pathEditMode="relative" ptsTypes="">
+                                    <p:animMotion origin="layout" path="M 4.375E-6 3.33333E-6 L 0.46849 3.33333E-6 " pathEditMode="relative" rAng="0" ptsTypes="AA">
                                       <p:cBhvr>
                                         <p:cTn id="6" dur="2000" fill="hold"/>
                                         <p:tgtEl>
-                                          <p:spTgt spid="14"/>
+                                          <p:spTgt spid="8"/>
                                         </p:tgtEl>
                                         <p:attrNameLst>
                                           <p:attrName>ppt_x</p:attrName>
                                           <p:attrName>ppt_y</p:attrName>
                                         </p:attrNameLst>
                                       </p:cBhvr>
+                                      <p:rCtr x="23424" y="0"/>
+                                    </p:animMotion>
+                                  </p:childTnLst>
+                                </p:cTn>
+                              </p:par>
+                              <p:par>
+                                <p:cTn id="7" presetID="63" presetClass="path" presetSubtype="0" accel="50000" decel="50000" fill="hold" nodeType="withEffect">
+                                  <p:stCondLst>
+                                    <p:cond delay="600"/>
+                                  </p:stCondLst>
+                                  <p:childTnLst>
+                                    <p:animMotion origin="layout" path="M 1.04167E-6 4.44444E-6 L 0.88659 4.44444E-6 " pathEditMode="relative" rAng="0" ptsTypes="AA">
+                                      <p:cBhvr>
+                                        <p:cTn id="8" dur="2000" fill="hold"/>
+                                        <p:tgtEl>
+                                          <p:spTgt spid="9"/>
+                                        </p:tgtEl>
+                                        <p:attrNameLst>
+                                          <p:attrName>ppt_x</p:attrName>
+                                          <p:attrName>ppt_y</p:attrName>
+                                        </p:attrNameLst>
+                                      </p:cBhvr>
+                                      <p:rCtr x="44323" y="0"/>
                                     </p:animMotion>
                                   </p:childTnLst>
                                 </p:cTn>
@@ -10116,6 +10454,9 @@
         </p:cTn>
       </p:par>
     </p:tnLst>
+    <p:bldLst>
+      <p:bldP spid="8" grpId="0" animBg="1"/>
+    </p:bldLst>
   </p:timing>
 </p:sld>
 </file>
@@ -10150,7 +10491,7 @@
           <p:cNvPr id="4" name="Ellipszis 3">
             <a:extLst>
               <a:ext uri="{FF2B5EF4-FFF2-40B4-BE49-F238E27FC236}">
-                <a16:creationId xmlns:a16="http://schemas.microsoft.com/office/drawing/2014/main" id="{5E590742-0F2F-708E-87FC-8CF5ABA75119}"/>
+                <a16:creationId xmlns:a16="http://schemas.microsoft.com/office/drawing/2014/main" xmlns="" id="{5E590742-0F2F-708E-87FC-8CF5ABA75119}"/>
               </a:ext>
             </a:extLst>
           </p:cNvPr>
@@ -10209,7 +10550,7 @@
           <p:cNvPr id="5" name="Ellipszis 4">
             <a:extLst>
               <a:ext uri="{FF2B5EF4-FFF2-40B4-BE49-F238E27FC236}">
-                <a16:creationId xmlns:a16="http://schemas.microsoft.com/office/drawing/2014/main" id="{7BFA035C-0E90-EF99-09EB-F01F1787B99D}"/>
+                <a16:creationId xmlns:a16="http://schemas.microsoft.com/office/drawing/2014/main" xmlns="" id="{7BFA035C-0E90-EF99-09EB-F01F1787B99D}"/>
               </a:ext>
             </a:extLst>
           </p:cNvPr>
@@ -10265,7 +10606,7 @@
           <p:cNvPr id="15" name="Szövegdoboz 14">
             <a:extLst>
               <a:ext uri="{FF2B5EF4-FFF2-40B4-BE49-F238E27FC236}">
-                <a16:creationId xmlns:a16="http://schemas.microsoft.com/office/drawing/2014/main" id="{BAD904EC-5503-CAE6-53A8-7648AE393A9D}"/>
+                <a16:creationId xmlns:a16="http://schemas.microsoft.com/office/drawing/2014/main" xmlns="" id="{BAD904EC-5503-CAE6-53A8-7648AE393A9D}"/>
               </a:ext>
             </a:extLst>
           </p:cNvPr>
@@ -10318,7 +10659,7 @@
           <p:cNvPr id="17" name="Szövegdoboz 15">
             <a:extLst>
               <a:ext uri="{FF2B5EF4-FFF2-40B4-BE49-F238E27FC236}">
-                <a16:creationId xmlns:a16="http://schemas.microsoft.com/office/drawing/2014/main" id="{C9117FAE-FE67-5743-F7DB-0D7FE2C64D91}"/>
+                <a16:creationId xmlns:a16="http://schemas.microsoft.com/office/drawing/2014/main" xmlns="" id="{C9117FAE-FE67-5743-F7DB-0D7FE2C64D91}"/>
               </a:ext>
             </a:extLst>
           </p:cNvPr>

--- a/Prezentáció.pptx
+++ b/Prezentáció.pptx
@@ -232,7 +232,7 @@
           <a:p>
             <a:fld id="{045CADAF-2C59-4E58-A455-8868FC9726FC}" type="datetimeFigureOut">
               <a:rPr lang="hu-HU" smtClean="0"/>
-              <a:t>2024. 02. 07.</a:t>
+              <a:t>2024.02.08</a:t>
             </a:fld>
             <a:endParaRPr lang="hu-HU"/>
           </a:p>
@@ -521,7 +521,7 @@
           <p:cNvPr id="2" name="Cím 1">
             <a:extLst>
               <a:ext uri="{FF2B5EF4-FFF2-40B4-BE49-F238E27FC236}">
-                <a16:creationId xmlns:a16="http://schemas.microsoft.com/office/drawing/2014/main" xmlns="" id="{79B6456A-B89F-DB5E-FE02-0F1DA12AD99C}"/>
+                <a16:creationId xmlns:a16="http://schemas.microsoft.com/office/drawing/2014/main" id="{79B6456A-B89F-DB5E-FE02-0F1DA12AD99C}"/>
               </a:ext>
             </a:extLst>
           </p:cNvPr>
@@ -558,7 +558,7 @@
           <p:cNvPr id="3" name="Alcím 2">
             <a:extLst>
               <a:ext uri="{FF2B5EF4-FFF2-40B4-BE49-F238E27FC236}">
-                <a16:creationId xmlns:a16="http://schemas.microsoft.com/office/drawing/2014/main" xmlns="" id="{A6DE1E2A-F8A7-5B84-A151-03A46EFC33A0}"/>
+                <a16:creationId xmlns:a16="http://schemas.microsoft.com/office/drawing/2014/main" id="{A6DE1E2A-F8A7-5B84-A151-03A46EFC33A0}"/>
               </a:ext>
             </a:extLst>
           </p:cNvPr>
@@ -628,7 +628,7 @@
           <p:cNvPr id="4" name="Dátum helye 3">
             <a:extLst>
               <a:ext uri="{FF2B5EF4-FFF2-40B4-BE49-F238E27FC236}">
-                <a16:creationId xmlns:a16="http://schemas.microsoft.com/office/drawing/2014/main" xmlns="" id="{F980237B-C6D6-EEEC-6B52-84C67949BF3B}"/>
+                <a16:creationId xmlns:a16="http://schemas.microsoft.com/office/drawing/2014/main" id="{F980237B-C6D6-EEEC-6B52-84C67949BF3B}"/>
               </a:ext>
             </a:extLst>
           </p:cNvPr>
@@ -646,7 +646,7 @@
           <a:p>
             <a:fld id="{8E532DDB-289F-42C2-8F57-09A656E29423}" type="datetimeFigureOut">
               <a:rPr lang="hu-HU" smtClean="0"/>
-              <a:t>2024. 02. 07.</a:t>
+              <a:t>2024.02.08</a:t>
             </a:fld>
             <a:endParaRPr lang="hu-HU"/>
           </a:p>
@@ -657,7 +657,7 @@
           <p:cNvPr id="5" name="Élőláb helye 4">
             <a:extLst>
               <a:ext uri="{FF2B5EF4-FFF2-40B4-BE49-F238E27FC236}">
-                <a16:creationId xmlns:a16="http://schemas.microsoft.com/office/drawing/2014/main" xmlns="" id="{28C59F81-E057-3434-B32E-2F293C18052C}"/>
+                <a16:creationId xmlns:a16="http://schemas.microsoft.com/office/drawing/2014/main" id="{28C59F81-E057-3434-B32E-2F293C18052C}"/>
               </a:ext>
             </a:extLst>
           </p:cNvPr>
@@ -682,7 +682,7 @@
           <p:cNvPr id="6" name="Dia számának helye 5">
             <a:extLst>
               <a:ext uri="{FF2B5EF4-FFF2-40B4-BE49-F238E27FC236}">
-                <a16:creationId xmlns:a16="http://schemas.microsoft.com/office/drawing/2014/main" xmlns="" id="{C1AF783E-2A3F-DDD6-8CA2-C976E1B0C6A1}"/>
+                <a16:creationId xmlns:a16="http://schemas.microsoft.com/office/drawing/2014/main" id="{C1AF783E-2A3F-DDD6-8CA2-C976E1B0C6A1}"/>
               </a:ext>
             </a:extLst>
           </p:cNvPr>
@@ -741,7 +741,7 @@
           <p:cNvPr id="2" name="Cím 1">
             <a:extLst>
               <a:ext uri="{FF2B5EF4-FFF2-40B4-BE49-F238E27FC236}">
-                <a16:creationId xmlns:a16="http://schemas.microsoft.com/office/drawing/2014/main" xmlns="" id="{DDA30CDC-3A8E-3316-F1FC-A9220E50C37B}"/>
+                <a16:creationId xmlns:a16="http://schemas.microsoft.com/office/drawing/2014/main" id="{DDA30CDC-3A8E-3316-F1FC-A9220E50C37B}"/>
               </a:ext>
             </a:extLst>
           </p:cNvPr>
@@ -769,7 +769,7 @@
           <p:cNvPr id="3" name="Függőleges szöveg helye 2">
             <a:extLst>
               <a:ext uri="{FF2B5EF4-FFF2-40B4-BE49-F238E27FC236}">
-                <a16:creationId xmlns:a16="http://schemas.microsoft.com/office/drawing/2014/main" xmlns="" id="{83D8B0E5-C35F-E4C0-6AC3-2B5A64F7A76F}"/>
+                <a16:creationId xmlns:a16="http://schemas.microsoft.com/office/drawing/2014/main" id="{83D8B0E5-C35F-E4C0-6AC3-2B5A64F7A76F}"/>
               </a:ext>
             </a:extLst>
           </p:cNvPr>
@@ -826,7 +826,7 @@
           <p:cNvPr id="4" name="Dátum helye 3">
             <a:extLst>
               <a:ext uri="{FF2B5EF4-FFF2-40B4-BE49-F238E27FC236}">
-                <a16:creationId xmlns:a16="http://schemas.microsoft.com/office/drawing/2014/main" xmlns="" id="{27E917AB-2C23-72BC-58BD-AD4F821B36F8}"/>
+                <a16:creationId xmlns:a16="http://schemas.microsoft.com/office/drawing/2014/main" id="{27E917AB-2C23-72BC-58BD-AD4F821B36F8}"/>
               </a:ext>
             </a:extLst>
           </p:cNvPr>
@@ -844,7 +844,7 @@
           <a:p>
             <a:fld id="{8E532DDB-289F-42C2-8F57-09A656E29423}" type="datetimeFigureOut">
               <a:rPr lang="hu-HU" smtClean="0"/>
-              <a:t>2024. 02. 07.</a:t>
+              <a:t>2024.02.08</a:t>
             </a:fld>
             <a:endParaRPr lang="hu-HU"/>
           </a:p>
@@ -855,7 +855,7 @@
           <p:cNvPr id="5" name="Élőláb helye 4">
             <a:extLst>
               <a:ext uri="{FF2B5EF4-FFF2-40B4-BE49-F238E27FC236}">
-                <a16:creationId xmlns:a16="http://schemas.microsoft.com/office/drawing/2014/main" xmlns="" id="{4B6D012D-1C6A-411E-6219-2F45E5523C6B}"/>
+                <a16:creationId xmlns:a16="http://schemas.microsoft.com/office/drawing/2014/main" id="{4B6D012D-1C6A-411E-6219-2F45E5523C6B}"/>
               </a:ext>
             </a:extLst>
           </p:cNvPr>
@@ -880,7 +880,7 @@
           <p:cNvPr id="6" name="Dia számának helye 5">
             <a:extLst>
               <a:ext uri="{FF2B5EF4-FFF2-40B4-BE49-F238E27FC236}">
-                <a16:creationId xmlns:a16="http://schemas.microsoft.com/office/drawing/2014/main" xmlns="" id="{5F592276-49E8-0983-AC04-5D66492B2658}"/>
+                <a16:creationId xmlns:a16="http://schemas.microsoft.com/office/drawing/2014/main" id="{5F592276-49E8-0983-AC04-5D66492B2658}"/>
               </a:ext>
             </a:extLst>
           </p:cNvPr>
@@ -939,7 +939,7 @@
           <p:cNvPr id="2" name="Függőleges cím 1">
             <a:extLst>
               <a:ext uri="{FF2B5EF4-FFF2-40B4-BE49-F238E27FC236}">
-                <a16:creationId xmlns:a16="http://schemas.microsoft.com/office/drawing/2014/main" xmlns="" id="{A6B2959D-F0DB-7505-3887-5F0F8A4ED834}"/>
+                <a16:creationId xmlns:a16="http://schemas.microsoft.com/office/drawing/2014/main" id="{A6B2959D-F0DB-7505-3887-5F0F8A4ED834}"/>
               </a:ext>
             </a:extLst>
           </p:cNvPr>
@@ -972,7 +972,7 @@
           <p:cNvPr id="3" name="Függőleges szöveg helye 2">
             <a:extLst>
               <a:ext uri="{FF2B5EF4-FFF2-40B4-BE49-F238E27FC236}">
-                <a16:creationId xmlns:a16="http://schemas.microsoft.com/office/drawing/2014/main" xmlns="" id="{20E0E6C5-085C-D09C-084F-C460729F9E6D}"/>
+                <a16:creationId xmlns:a16="http://schemas.microsoft.com/office/drawing/2014/main" id="{20E0E6C5-085C-D09C-084F-C460729F9E6D}"/>
               </a:ext>
             </a:extLst>
           </p:cNvPr>
@@ -1034,7 +1034,7 @@
           <p:cNvPr id="4" name="Dátum helye 3">
             <a:extLst>
               <a:ext uri="{FF2B5EF4-FFF2-40B4-BE49-F238E27FC236}">
-                <a16:creationId xmlns:a16="http://schemas.microsoft.com/office/drawing/2014/main" xmlns="" id="{DFF17BF3-0335-8A93-5A46-EC3F20E0ADE1}"/>
+                <a16:creationId xmlns:a16="http://schemas.microsoft.com/office/drawing/2014/main" id="{DFF17BF3-0335-8A93-5A46-EC3F20E0ADE1}"/>
               </a:ext>
             </a:extLst>
           </p:cNvPr>
@@ -1052,7 +1052,7 @@
           <a:p>
             <a:fld id="{8E532DDB-289F-42C2-8F57-09A656E29423}" type="datetimeFigureOut">
               <a:rPr lang="hu-HU" smtClean="0"/>
-              <a:t>2024. 02. 07.</a:t>
+              <a:t>2024.02.08</a:t>
             </a:fld>
             <a:endParaRPr lang="hu-HU"/>
           </a:p>
@@ -1063,7 +1063,7 @@
           <p:cNvPr id="5" name="Élőláb helye 4">
             <a:extLst>
               <a:ext uri="{FF2B5EF4-FFF2-40B4-BE49-F238E27FC236}">
-                <a16:creationId xmlns:a16="http://schemas.microsoft.com/office/drawing/2014/main" xmlns="" id="{3AFF700C-B4A6-FF55-FA3A-937997218C71}"/>
+                <a16:creationId xmlns:a16="http://schemas.microsoft.com/office/drawing/2014/main" id="{3AFF700C-B4A6-FF55-FA3A-937997218C71}"/>
               </a:ext>
             </a:extLst>
           </p:cNvPr>
@@ -1088,7 +1088,7 @@
           <p:cNvPr id="6" name="Dia számának helye 5">
             <a:extLst>
               <a:ext uri="{FF2B5EF4-FFF2-40B4-BE49-F238E27FC236}">
-                <a16:creationId xmlns:a16="http://schemas.microsoft.com/office/drawing/2014/main" xmlns="" id="{B456B9AE-E4C3-00FA-5622-26ECD962BC14}"/>
+                <a16:creationId xmlns:a16="http://schemas.microsoft.com/office/drawing/2014/main" id="{B456B9AE-E4C3-00FA-5622-26ECD962BC14}"/>
               </a:ext>
             </a:extLst>
           </p:cNvPr>
@@ -1147,7 +1147,7 @@
           <p:cNvPr id="2" name="Cím 1">
             <a:extLst>
               <a:ext uri="{FF2B5EF4-FFF2-40B4-BE49-F238E27FC236}">
-                <a16:creationId xmlns:a16="http://schemas.microsoft.com/office/drawing/2014/main" xmlns="" id="{8F09B032-43DE-EB55-9460-DDEBB15DC2E7}"/>
+                <a16:creationId xmlns:a16="http://schemas.microsoft.com/office/drawing/2014/main" id="{8F09B032-43DE-EB55-9460-DDEBB15DC2E7}"/>
               </a:ext>
             </a:extLst>
           </p:cNvPr>
@@ -1175,7 +1175,7 @@
           <p:cNvPr id="3" name="Tartalom helye 2">
             <a:extLst>
               <a:ext uri="{FF2B5EF4-FFF2-40B4-BE49-F238E27FC236}">
-                <a16:creationId xmlns:a16="http://schemas.microsoft.com/office/drawing/2014/main" xmlns="" id="{93761993-65DF-B03B-15A1-DAAA88CF63C3}"/>
+                <a16:creationId xmlns:a16="http://schemas.microsoft.com/office/drawing/2014/main" id="{93761993-65DF-B03B-15A1-DAAA88CF63C3}"/>
               </a:ext>
             </a:extLst>
           </p:cNvPr>
@@ -1232,7 +1232,7 @@
           <p:cNvPr id="4" name="Dátum helye 3">
             <a:extLst>
               <a:ext uri="{FF2B5EF4-FFF2-40B4-BE49-F238E27FC236}">
-                <a16:creationId xmlns:a16="http://schemas.microsoft.com/office/drawing/2014/main" xmlns="" id="{EC19022C-9411-F196-94CA-7EB83954162C}"/>
+                <a16:creationId xmlns:a16="http://schemas.microsoft.com/office/drawing/2014/main" id="{EC19022C-9411-F196-94CA-7EB83954162C}"/>
               </a:ext>
             </a:extLst>
           </p:cNvPr>
@@ -1250,7 +1250,7 @@
           <a:p>
             <a:fld id="{8E532DDB-289F-42C2-8F57-09A656E29423}" type="datetimeFigureOut">
               <a:rPr lang="hu-HU" smtClean="0"/>
-              <a:t>2024. 02. 07.</a:t>
+              <a:t>2024.02.08</a:t>
             </a:fld>
             <a:endParaRPr lang="hu-HU"/>
           </a:p>
@@ -1261,7 +1261,7 @@
           <p:cNvPr id="5" name="Élőláb helye 4">
             <a:extLst>
               <a:ext uri="{FF2B5EF4-FFF2-40B4-BE49-F238E27FC236}">
-                <a16:creationId xmlns:a16="http://schemas.microsoft.com/office/drawing/2014/main" xmlns="" id="{D92C1323-42F5-817C-23A6-5BD482993B91}"/>
+                <a16:creationId xmlns:a16="http://schemas.microsoft.com/office/drawing/2014/main" id="{D92C1323-42F5-817C-23A6-5BD482993B91}"/>
               </a:ext>
             </a:extLst>
           </p:cNvPr>
@@ -1286,7 +1286,7 @@
           <p:cNvPr id="6" name="Dia számának helye 5">
             <a:extLst>
               <a:ext uri="{FF2B5EF4-FFF2-40B4-BE49-F238E27FC236}">
-                <a16:creationId xmlns:a16="http://schemas.microsoft.com/office/drawing/2014/main" xmlns="" id="{7AAADE6D-0E59-9965-FCC6-DEC79020261D}"/>
+                <a16:creationId xmlns:a16="http://schemas.microsoft.com/office/drawing/2014/main" id="{7AAADE6D-0E59-9965-FCC6-DEC79020261D}"/>
               </a:ext>
             </a:extLst>
           </p:cNvPr>
@@ -1345,7 +1345,7 @@
           <p:cNvPr id="2" name="Cím 1">
             <a:extLst>
               <a:ext uri="{FF2B5EF4-FFF2-40B4-BE49-F238E27FC236}">
-                <a16:creationId xmlns:a16="http://schemas.microsoft.com/office/drawing/2014/main" xmlns="" id="{7A4FD609-97C6-FDCF-196C-C04CE372C3DE}"/>
+                <a16:creationId xmlns:a16="http://schemas.microsoft.com/office/drawing/2014/main" id="{7A4FD609-97C6-FDCF-196C-C04CE372C3DE}"/>
               </a:ext>
             </a:extLst>
           </p:cNvPr>
@@ -1382,7 +1382,7 @@
           <p:cNvPr id="3" name="Szöveg helye 2">
             <a:extLst>
               <a:ext uri="{FF2B5EF4-FFF2-40B4-BE49-F238E27FC236}">
-                <a16:creationId xmlns:a16="http://schemas.microsoft.com/office/drawing/2014/main" xmlns="" id="{5FF2CCF6-3BEC-B1BD-A408-1E0E439D4494}"/>
+                <a16:creationId xmlns:a16="http://schemas.microsoft.com/office/drawing/2014/main" id="{5FF2CCF6-3BEC-B1BD-A408-1E0E439D4494}"/>
               </a:ext>
             </a:extLst>
           </p:cNvPr>
@@ -1507,7 +1507,7 @@
           <p:cNvPr id="4" name="Dátum helye 3">
             <a:extLst>
               <a:ext uri="{FF2B5EF4-FFF2-40B4-BE49-F238E27FC236}">
-                <a16:creationId xmlns:a16="http://schemas.microsoft.com/office/drawing/2014/main" xmlns="" id="{02D96E93-B7FD-52C4-1976-571A32AA135C}"/>
+                <a16:creationId xmlns:a16="http://schemas.microsoft.com/office/drawing/2014/main" id="{02D96E93-B7FD-52C4-1976-571A32AA135C}"/>
               </a:ext>
             </a:extLst>
           </p:cNvPr>
@@ -1525,7 +1525,7 @@
           <a:p>
             <a:fld id="{8E532DDB-289F-42C2-8F57-09A656E29423}" type="datetimeFigureOut">
               <a:rPr lang="hu-HU" smtClean="0"/>
-              <a:t>2024. 02. 07.</a:t>
+              <a:t>2024.02.08</a:t>
             </a:fld>
             <a:endParaRPr lang="hu-HU"/>
           </a:p>
@@ -1536,7 +1536,7 @@
           <p:cNvPr id="5" name="Élőláb helye 4">
             <a:extLst>
               <a:ext uri="{FF2B5EF4-FFF2-40B4-BE49-F238E27FC236}">
-                <a16:creationId xmlns:a16="http://schemas.microsoft.com/office/drawing/2014/main" xmlns="" id="{427CAFE0-46BC-55A4-87F5-A8059EC7A0F7}"/>
+                <a16:creationId xmlns:a16="http://schemas.microsoft.com/office/drawing/2014/main" id="{427CAFE0-46BC-55A4-87F5-A8059EC7A0F7}"/>
               </a:ext>
             </a:extLst>
           </p:cNvPr>
@@ -1561,7 +1561,7 @@
           <p:cNvPr id="6" name="Dia számának helye 5">
             <a:extLst>
               <a:ext uri="{FF2B5EF4-FFF2-40B4-BE49-F238E27FC236}">
-                <a16:creationId xmlns:a16="http://schemas.microsoft.com/office/drawing/2014/main" xmlns="" id="{CC3EFF7C-F069-DFE5-3306-0E561AF4AE11}"/>
+                <a16:creationId xmlns:a16="http://schemas.microsoft.com/office/drawing/2014/main" id="{CC3EFF7C-F069-DFE5-3306-0E561AF4AE11}"/>
               </a:ext>
             </a:extLst>
           </p:cNvPr>
@@ -1620,7 +1620,7 @@
           <p:cNvPr id="2" name="Cím 1">
             <a:extLst>
               <a:ext uri="{FF2B5EF4-FFF2-40B4-BE49-F238E27FC236}">
-                <a16:creationId xmlns:a16="http://schemas.microsoft.com/office/drawing/2014/main" xmlns="" id="{DD16BD1C-A96C-C433-11C4-7FB2F9CF4217}"/>
+                <a16:creationId xmlns:a16="http://schemas.microsoft.com/office/drawing/2014/main" id="{DD16BD1C-A96C-C433-11C4-7FB2F9CF4217}"/>
               </a:ext>
             </a:extLst>
           </p:cNvPr>
@@ -1648,7 +1648,7 @@
           <p:cNvPr id="3" name="Tartalom helye 2">
             <a:extLst>
               <a:ext uri="{FF2B5EF4-FFF2-40B4-BE49-F238E27FC236}">
-                <a16:creationId xmlns:a16="http://schemas.microsoft.com/office/drawing/2014/main" xmlns="" id="{216662B5-E8AA-B1E7-B29B-CC9EA1747EB8}"/>
+                <a16:creationId xmlns:a16="http://schemas.microsoft.com/office/drawing/2014/main" id="{216662B5-E8AA-B1E7-B29B-CC9EA1747EB8}"/>
               </a:ext>
             </a:extLst>
           </p:cNvPr>
@@ -1710,7 +1710,7 @@
           <p:cNvPr id="4" name="Tartalom helye 3">
             <a:extLst>
               <a:ext uri="{FF2B5EF4-FFF2-40B4-BE49-F238E27FC236}">
-                <a16:creationId xmlns:a16="http://schemas.microsoft.com/office/drawing/2014/main" xmlns="" id="{F91EB719-6D94-619D-DA44-432529F07A64}"/>
+                <a16:creationId xmlns:a16="http://schemas.microsoft.com/office/drawing/2014/main" id="{F91EB719-6D94-619D-DA44-432529F07A64}"/>
               </a:ext>
             </a:extLst>
           </p:cNvPr>
@@ -1772,7 +1772,7 @@
           <p:cNvPr id="5" name="Dátum helye 4">
             <a:extLst>
               <a:ext uri="{FF2B5EF4-FFF2-40B4-BE49-F238E27FC236}">
-                <a16:creationId xmlns:a16="http://schemas.microsoft.com/office/drawing/2014/main" xmlns="" id="{F719282D-DF51-71E0-FA65-579C7251FFED}"/>
+                <a16:creationId xmlns:a16="http://schemas.microsoft.com/office/drawing/2014/main" id="{F719282D-DF51-71E0-FA65-579C7251FFED}"/>
               </a:ext>
             </a:extLst>
           </p:cNvPr>
@@ -1790,7 +1790,7 @@
           <a:p>
             <a:fld id="{8E532DDB-289F-42C2-8F57-09A656E29423}" type="datetimeFigureOut">
               <a:rPr lang="hu-HU" smtClean="0"/>
-              <a:t>2024. 02. 07.</a:t>
+              <a:t>2024.02.08</a:t>
             </a:fld>
             <a:endParaRPr lang="hu-HU"/>
           </a:p>
@@ -1801,7 +1801,7 @@
           <p:cNvPr id="6" name="Élőláb helye 5">
             <a:extLst>
               <a:ext uri="{FF2B5EF4-FFF2-40B4-BE49-F238E27FC236}">
-                <a16:creationId xmlns:a16="http://schemas.microsoft.com/office/drawing/2014/main" xmlns="" id="{9CA010A5-65CA-F06E-E671-C1073A8C6DFA}"/>
+                <a16:creationId xmlns:a16="http://schemas.microsoft.com/office/drawing/2014/main" id="{9CA010A5-65CA-F06E-E671-C1073A8C6DFA}"/>
               </a:ext>
             </a:extLst>
           </p:cNvPr>
@@ -1826,7 +1826,7 @@
           <p:cNvPr id="7" name="Dia számának helye 6">
             <a:extLst>
               <a:ext uri="{FF2B5EF4-FFF2-40B4-BE49-F238E27FC236}">
-                <a16:creationId xmlns:a16="http://schemas.microsoft.com/office/drawing/2014/main" xmlns="" id="{16635656-463D-7407-9573-D0E1E69DA9BA}"/>
+                <a16:creationId xmlns:a16="http://schemas.microsoft.com/office/drawing/2014/main" id="{16635656-463D-7407-9573-D0E1E69DA9BA}"/>
               </a:ext>
             </a:extLst>
           </p:cNvPr>
@@ -1893,7 +1893,7 @@
           <p:cNvPr id="10" name="Téglalap: lekerekített 9">
             <a:extLst>
               <a:ext uri="{FF2B5EF4-FFF2-40B4-BE49-F238E27FC236}">
-                <a16:creationId xmlns:a16="http://schemas.microsoft.com/office/drawing/2014/main" xmlns="" id="{5C929177-02C2-6B75-4903-1A897B6B857B}"/>
+                <a16:creationId xmlns:a16="http://schemas.microsoft.com/office/drawing/2014/main" id="{5C929177-02C2-6B75-4903-1A897B6B857B}"/>
               </a:ext>
             </a:extLst>
           </p:cNvPr>
@@ -1950,7 +1950,7 @@
           <p:cNvPr id="12" name="Téglalap: lekerekített 11">
             <a:extLst>
               <a:ext uri="{FF2B5EF4-FFF2-40B4-BE49-F238E27FC236}">
-                <a16:creationId xmlns:a16="http://schemas.microsoft.com/office/drawing/2014/main" xmlns="" id="{4263DA3D-3720-84C8-46EF-56A35EEE76D5}"/>
+                <a16:creationId xmlns:a16="http://schemas.microsoft.com/office/drawing/2014/main" id="{4263DA3D-3720-84C8-46EF-56A35EEE76D5}"/>
               </a:ext>
             </a:extLst>
           </p:cNvPr>
@@ -2036,7 +2036,7 @@
           <p:cNvPr id="2" name="Cím 1">
             <a:extLst>
               <a:ext uri="{FF2B5EF4-FFF2-40B4-BE49-F238E27FC236}">
-                <a16:creationId xmlns:a16="http://schemas.microsoft.com/office/drawing/2014/main" xmlns="" id="{9BB4D70D-713A-8887-D67D-44EF31009DDB}"/>
+                <a16:creationId xmlns:a16="http://schemas.microsoft.com/office/drawing/2014/main" id="{9BB4D70D-713A-8887-D67D-44EF31009DDB}"/>
               </a:ext>
             </a:extLst>
           </p:cNvPr>
@@ -2064,7 +2064,7 @@
           <p:cNvPr id="3" name="Dátum helye 2">
             <a:extLst>
               <a:ext uri="{FF2B5EF4-FFF2-40B4-BE49-F238E27FC236}">
-                <a16:creationId xmlns:a16="http://schemas.microsoft.com/office/drawing/2014/main" xmlns="" id="{38F97F01-6921-2071-E7CF-B953B6A631B9}"/>
+                <a16:creationId xmlns:a16="http://schemas.microsoft.com/office/drawing/2014/main" id="{38F97F01-6921-2071-E7CF-B953B6A631B9}"/>
               </a:ext>
             </a:extLst>
           </p:cNvPr>
@@ -2082,7 +2082,7 @@
           <a:p>
             <a:fld id="{8E532DDB-289F-42C2-8F57-09A656E29423}" type="datetimeFigureOut">
               <a:rPr lang="hu-HU" smtClean="0"/>
-              <a:t>2024. 02. 07.</a:t>
+              <a:t>2024.02.08</a:t>
             </a:fld>
             <a:endParaRPr lang="hu-HU"/>
           </a:p>
@@ -2093,7 +2093,7 @@
           <p:cNvPr id="4" name="Élőláb helye 3">
             <a:extLst>
               <a:ext uri="{FF2B5EF4-FFF2-40B4-BE49-F238E27FC236}">
-                <a16:creationId xmlns:a16="http://schemas.microsoft.com/office/drawing/2014/main" xmlns="" id="{792745E5-843C-C4BC-0A40-C73AF021DF1B}"/>
+                <a16:creationId xmlns:a16="http://schemas.microsoft.com/office/drawing/2014/main" id="{792745E5-843C-C4BC-0A40-C73AF021DF1B}"/>
               </a:ext>
             </a:extLst>
           </p:cNvPr>
@@ -2118,7 +2118,7 @@
           <p:cNvPr id="5" name="Dia számának helye 4">
             <a:extLst>
               <a:ext uri="{FF2B5EF4-FFF2-40B4-BE49-F238E27FC236}">
-                <a16:creationId xmlns:a16="http://schemas.microsoft.com/office/drawing/2014/main" xmlns="" id="{368A0A24-A47E-950C-021B-05FD744DD010}"/>
+                <a16:creationId xmlns:a16="http://schemas.microsoft.com/office/drawing/2014/main" id="{368A0A24-A47E-950C-021B-05FD744DD010}"/>
               </a:ext>
             </a:extLst>
           </p:cNvPr>
@@ -2185,7 +2185,7 @@
           <p:cNvPr id="5" name="Ellipszis 4">
             <a:extLst>
               <a:ext uri="{FF2B5EF4-FFF2-40B4-BE49-F238E27FC236}">
-                <a16:creationId xmlns:a16="http://schemas.microsoft.com/office/drawing/2014/main" xmlns="" id="{A0BDDF6C-542F-81C9-9F4B-8813C7292558}"/>
+                <a16:creationId xmlns:a16="http://schemas.microsoft.com/office/drawing/2014/main" id="{A0BDDF6C-542F-81C9-9F4B-8813C7292558}"/>
               </a:ext>
             </a:extLst>
           </p:cNvPr>
@@ -2244,7 +2244,7 @@
           <p:cNvPr id="6" name="Ellipszis 5">
             <a:extLst>
               <a:ext uri="{FF2B5EF4-FFF2-40B4-BE49-F238E27FC236}">
-                <a16:creationId xmlns:a16="http://schemas.microsoft.com/office/drawing/2014/main" xmlns="" id="{9D7F498D-E1BA-D32F-5381-088641790353}"/>
+                <a16:creationId xmlns:a16="http://schemas.microsoft.com/office/drawing/2014/main" id="{9D7F498D-E1BA-D32F-5381-088641790353}"/>
               </a:ext>
             </a:extLst>
           </p:cNvPr>
@@ -2330,7 +2330,7 @@
           <p:cNvPr id="2" name="Cím 1">
             <a:extLst>
               <a:ext uri="{FF2B5EF4-FFF2-40B4-BE49-F238E27FC236}">
-                <a16:creationId xmlns:a16="http://schemas.microsoft.com/office/drawing/2014/main" xmlns="" id="{4BA820B7-A734-61BA-025C-8A1D6FB9D823}"/>
+                <a16:creationId xmlns:a16="http://schemas.microsoft.com/office/drawing/2014/main" id="{4BA820B7-A734-61BA-025C-8A1D6FB9D823}"/>
               </a:ext>
             </a:extLst>
           </p:cNvPr>
@@ -2367,7 +2367,7 @@
           <p:cNvPr id="3" name="Tartalom helye 2">
             <a:extLst>
               <a:ext uri="{FF2B5EF4-FFF2-40B4-BE49-F238E27FC236}">
-                <a16:creationId xmlns:a16="http://schemas.microsoft.com/office/drawing/2014/main" xmlns="" id="{D85A7804-99D9-2553-C6EE-AE084D6A85BE}"/>
+                <a16:creationId xmlns:a16="http://schemas.microsoft.com/office/drawing/2014/main" id="{D85A7804-99D9-2553-C6EE-AE084D6A85BE}"/>
               </a:ext>
             </a:extLst>
           </p:cNvPr>
@@ -2457,7 +2457,7 @@
           <p:cNvPr id="4" name="Szöveg helye 3">
             <a:extLst>
               <a:ext uri="{FF2B5EF4-FFF2-40B4-BE49-F238E27FC236}">
-                <a16:creationId xmlns:a16="http://schemas.microsoft.com/office/drawing/2014/main" xmlns="" id="{6E20636C-67A0-A9ED-9447-E65E3DBC68BE}"/>
+                <a16:creationId xmlns:a16="http://schemas.microsoft.com/office/drawing/2014/main" id="{6E20636C-67A0-A9ED-9447-E65E3DBC68BE}"/>
               </a:ext>
             </a:extLst>
           </p:cNvPr>
@@ -2528,7 +2528,7 @@
           <p:cNvPr id="5" name="Dátum helye 4">
             <a:extLst>
               <a:ext uri="{FF2B5EF4-FFF2-40B4-BE49-F238E27FC236}">
-                <a16:creationId xmlns:a16="http://schemas.microsoft.com/office/drawing/2014/main" xmlns="" id="{9F312683-9595-AE25-326A-8C5877B6B683}"/>
+                <a16:creationId xmlns:a16="http://schemas.microsoft.com/office/drawing/2014/main" id="{9F312683-9595-AE25-326A-8C5877B6B683}"/>
               </a:ext>
             </a:extLst>
           </p:cNvPr>
@@ -2546,7 +2546,7 @@
           <a:p>
             <a:fld id="{8E532DDB-289F-42C2-8F57-09A656E29423}" type="datetimeFigureOut">
               <a:rPr lang="hu-HU" smtClean="0"/>
-              <a:t>2024. 02. 07.</a:t>
+              <a:t>2024.02.08</a:t>
             </a:fld>
             <a:endParaRPr lang="hu-HU"/>
           </a:p>
@@ -2557,7 +2557,7 @@
           <p:cNvPr id="6" name="Élőláb helye 5">
             <a:extLst>
               <a:ext uri="{FF2B5EF4-FFF2-40B4-BE49-F238E27FC236}">
-                <a16:creationId xmlns:a16="http://schemas.microsoft.com/office/drawing/2014/main" xmlns="" id="{8966127D-5FB5-31BD-9ADA-D2182F34B42E}"/>
+                <a16:creationId xmlns:a16="http://schemas.microsoft.com/office/drawing/2014/main" id="{8966127D-5FB5-31BD-9ADA-D2182F34B42E}"/>
               </a:ext>
             </a:extLst>
           </p:cNvPr>
@@ -2582,7 +2582,7 @@
           <p:cNvPr id="7" name="Dia számának helye 6">
             <a:extLst>
               <a:ext uri="{FF2B5EF4-FFF2-40B4-BE49-F238E27FC236}">
-                <a16:creationId xmlns:a16="http://schemas.microsoft.com/office/drawing/2014/main" xmlns="" id="{9D7BE2A7-FA0F-D1CB-4C81-4F42A7317EDA}"/>
+                <a16:creationId xmlns:a16="http://schemas.microsoft.com/office/drawing/2014/main" id="{9D7BE2A7-FA0F-D1CB-4C81-4F42A7317EDA}"/>
               </a:ext>
             </a:extLst>
           </p:cNvPr>
@@ -2641,7 +2641,7 @@
           <p:cNvPr id="2" name="Cím 1">
             <a:extLst>
               <a:ext uri="{FF2B5EF4-FFF2-40B4-BE49-F238E27FC236}">
-                <a16:creationId xmlns:a16="http://schemas.microsoft.com/office/drawing/2014/main" xmlns="" id="{B0784514-8C93-1D41-0ADC-AE65182FDD80}"/>
+                <a16:creationId xmlns:a16="http://schemas.microsoft.com/office/drawing/2014/main" id="{B0784514-8C93-1D41-0ADC-AE65182FDD80}"/>
               </a:ext>
             </a:extLst>
           </p:cNvPr>
@@ -2678,7 +2678,7 @@
           <p:cNvPr id="3" name="Kép helye 2">
             <a:extLst>
               <a:ext uri="{FF2B5EF4-FFF2-40B4-BE49-F238E27FC236}">
-                <a16:creationId xmlns:a16="http://schemas.microsoft.com/office/drawing/2014/main" xmlns="" id="{A322284F-F90F-B535-EB30-0E01F4BBCD18}"/>
+                <a16:creationId xmlns:a16="http://schemas.microsoft.com/office/drawing/2014/main" id="{A322284F-F90F-B535-EB30-0E01F4BBCD18}"/>
               </a:ext>
             </a:extLst>
           </p:cNvPr>
@@ -2745,7 +2745,7 @@
           <p:cNvPr id="4" name="Szöveg helye 3">
             <a:extLst>
               <a:ext uri="{FF2B5EF4-FFF2-40B4-BE49-F238E27FC236}">
-                <a16:creationId xmlns:a16="http://schemas.microsoft.com/office/drawing/2014/main" xmlns="" id="{D72DEB85-590B-1098-22C9-0A2BD35856A5}"/>
+                <a16:creationId xmlns:a16="http://schemas.microsoft.com/office/drawing/2014/main" id="{D72DEB85-590B-1098-22C9-0A2BD35856A5}"/>
               </a:ext>
             </a:extLst>
           </p:cNvPr>
@@ -2816,7 +2816,7 @@
           <p:cNvPr id="5" name="Dátum helye 4">
             <a:extLst>
               <a:ext uri="{FF2B5EF4-FFF2-40B4-BE49-F238E27FC236}">
-                <a16:creationId xmlns:a16="http://schemas.microsoft.com/office/drawing/2014/main" xmlns="" id="{FF0EEE38-B9C3-57C4-28D5-83BF2BDFBC37}"/>
+                <a16:creationId xmlns:a16="http://schemas.microsoft.com/office/drawing/2014/main" id="{FF0EEE38-B9C3-57C4-28D5-83BF2BDFBC37}"/>
               </a:ext>
             </a:extLst>
           </p:cNvPr>
@@ -2834,7 +2834,7 @@
           <a:p>
             <a:fld id="{8E532DDB-289F-42C2-8F57-09A656E29423}" type="datetimeFigureOut">
               <a:rPr lang="hu-HU" smtClean="0"/>
-              <a:t>2024. 02. 07.</a:t>
+              <a:t>2024.02.08</a:t>
             </a:fld>
             <a:endParaRPr lang="hu-HU"/>
           </a:p>
@@ -2845,7 +2845,7 @@
           <p:cNvPr id="6" name="Élőláb helye 5">
             <a:extLst>
               <a:ext uri="{FF2B5EF4-FFF2-40B4-BE49-F238E27FC236}">
-                <a16:creationId xmlns:a16="http://schemas.microsoft.com/office/drawing/2014/main" xmlns="" id="{9A8C60BB-E846-A556-7D6F-80E4666550F6}"/>
+                <a16:creationId xmlns:a16="http://schemas.microsoft.com/office/drawing/2014/main" id="{9A8C60BB-E846-A556-7D6F-80E4666550F6}"/>
               </a:ext>
             </a:extLst>
           </p:cNvPr>
@@ -2870,7 +2870,7 @@
           <p:cNvPr id="7" name="Dia számának helye 6">
             <a:extLst>
               <a:ext uri="{FF2B5EF4-FFF2-40B4-BE49-F238E27FC236}">
-                <a16:creationId xmlns:a16="http://schemas.microsoft.com/office/drawing/2014/main" xmlns="" id="{F40C4142-B31B-0592-C73D-7D1D2251D700}"/>
+                <a16:creationId xmlns:a16="http://schemas.microsoft.com/office/drawing/2014/main" id="{F40C4142-B31B-0592-C73D-7D1D2251D700}"/>
               </a:ext>
             </a:extLst>
           </p:cNvPr>
@@ -2934,7 +2934,7 @@
           <p:cNvPr id="2" name="Cím helye 1">
             <a:extLst>
               <a:ext uri="{FF2B5EF4-FFF2-40B4-BE49-F238E27FC236}">
-                <a16:creationId xmlns:a16="http://schemas.microsoft.com/office/drawing/2014/main" xmlns="" id="{17782075-6685-2989-CE63-F72F6A17CA3B}"/>
+                <a16:creationId xmlns:a16="http://schemas.microsoft.com/office/drawing/2014/main" id="{17782075-6685-2989-CE63-F72F6A17CA3B}"/>
               </a:ext>
             </a:extLst>
           </p:cNvPr>
@@ -2972,7 +2972,7 @@
           <p:cNvPr id="3" name="Szöveg helye 2">
             <a:extLst>
               <a:ext uri="{FF2B5EF4-FFF2-40B4-BE49-F238E27FC236}">
-                <a16:creationId xmlns:a16="http://schemas.microsoft.com/office/drawing/2014/main" xmlns="" id="{62170818-01AE-3631-E7D4-F09960BC7755}"/>
+                <a16:creationId xmlns:a16="http://schemas.microsoft.com/office/drawing/2014/main" id="{62170818-01AE-3631-E7D4-F09960BC7755}"/>
               </a:ext>
             </a:extLst>
           </p:cNvPr>
@@ -3039,7 +3039,7 @@
           <p:cNvPr id="4" name="Dátum helye 3">
             <a:extLst>
               <a:ext uri="{FF2B5EF4-FFF2-40B4-BE49-F238E27FC236}">
-                <a16:creationId xmlns:a16="http://schemas.microsoft.com/office/drawing/2014/main" xmlns="" id="{5E44EABD-3951-FE87-043A-DEE26A772C31}"/>
+                <a16:creationId xmlns:a16="http://schemas.microsoft.com/office/drawing/2014/main" id="{5E44EABD-3951-FE87-043A-DEE26A772C31}"/>
               </a:ext>
             </a:extLst>
           </p:cNvPr>
@@ -3075,7 +3075,7 @@
           <a:p>
             <a:fld id="{8E532DDB-289F-42C2-8F57-09A656E29423}" type="datetimeFigureOut">
               <a:rPr lang="hu-HU" smtClean="0"/>
-              <a:t>2024. 02. 07.</a:t>
+              <a:t>2024.02.08</a:t>
             </a:fld>
             <a:endParaRPr lang="hu-HU"/>
           </a:p>
@@ -3086,7 +3086,7 @@
           <p:cNvPr id="5" name="Élőláb helye 4">
             <a:extLst>
               <a:ext uri="{FF2B5EF4-FFF2-40B4-BE49-F238E27FC236}">
-                <a16:creationId xmlns:a16="http://schemas.microsoft.com/office/drawing/2014/main" xmlns="" id="{198D541F-EDD3-7ECD-372B-4F0F3E42E056}"/>
+                <a16:creationId xmlns:a16="http://schemas.microsoft.com/office/drawing/2014/main" id="{198D541F-EDD3-7ECD-372B-4F0F3E42E056}"/>
               </a:ext>
             </a:extLst>
           </p:cNvPr>
@@ -3129,7 +3129,7 @@
           <p:cNvPr id="6" name="Dia számának helye 5">
             <a:extLst>
               <a:ext uri="{FF2B5EF4-FFF2-40B4-BE49-F238E27FC236}">
-                <a16:creationId xmlns:a16="http://schemas.microsoft.com/office/drawing/2014/main" xmlns="" id="{3B1F9F43-DBAD-7623-FC58-2CBFA5EC9A4A}"/>
+                <a16:creationId xmlns:a16="http://schemas.microsoft.com/office/drawing/2014/main" id="{3B1F9F43-DBAD-7623-FC58-2CBFA5EC9A4A}"/>
               </a:ext>
             </a:extLst>
           </p:cNvPr>
@@ -3505,7 +3505,7 @@
           <p:cNvPr id="4" name="Ellipszis 3">
             <a:extLst>
               <a:ext uri="{FF2B5EF4-FFF2-40B4-BE49-F238E27FC236}">
-                <a16:creationId xmlns:a16="http://schemas.microsoft.com/office/drawing/2014/main" xmlns="" id="{5E590742-0F2F-708E-87FC-8CF5ABA75119}"/>
+                <a16:creationId xmlns:a16="http://schemas.microsoft.com/office/drawing/2014/main" id="{5E590742-0F2F-708E-87FC-8CF5ABA75119}"/>
               </a:ext>
             </a:extLst>
           </p:cNvPr>
@@ -3564,7 +3564,7 @@
           <p:cNvPr id="5" name="Ellipszis 4">
             <a:extLst>
               <a:ext uri="{FF2B5EF4-FFF2-40B4-BE49-F238E27FC236}">
-                <a16:creationId xmlns:a16="http://schemas.microsoft.com/office/drawing/2014/main" xmlns="" id="{7BFA035C-0E90-EF99-09EB-F01F1787B99D}"/>
+                <a16:creationId xmlns:a16="http://schemas.microsoft.com/office/drawing/2014/main" id="{7BFA035C-0E90-EF99-09EB-F01F1787B99D}"/>
               </a:ext>
             </a:extLst>
           </p:cNvPr>
@@ -3620,7 +3620,7 @@
           <p:cNvPr id="6" name="Téglalap: lekerekített 5">
             <a:extLst>
               <a:ext uri="{FF2B5EF4-FFF2-40B4-BE49-F238E27FC236}">
-                <a16:creationId xmlns:a16="http://schemas.microsoft.com/office/drawing/2014/main" xmlns="" id="{FF8E1E1E-E25D-9D44-58A0-641AE3D16840}"/>
+                <a16:creationId xmlns:a16="http://schemas.microsoft.com/office/drawing/2014/main" id="{FF8E1E1E-E25D-9D44-58A0-641AE3D16840}"/>
               </a:ext>
             </a:extLst>
           </p:cNvPr>
@@ -3686,7 +3686,7 @@
           <p:cNvPr id="7" name="Téglalap: lekerekített 6">
             <a:extLst>
               <a:ext uri="{FF2B5EF4-FFF2-40B4-BE49-F238E27FC236}">
-                <a16:creationId xmlns:a16="http://schemas.microsoft.com/office/drawing/2014/main" xmlns="" id="{876BD73A-04ED-68D6-0CFC-B55B322B54B6}"/>
+                <a16:creationId xmlns:a16="http://schemas.microsoft.com/office/drawing/2014/main" id="{876BD73A-04ED-68D6-0CFC-B55B322B54B6}"/>
               </a:ext>
             </a:extLst>
           </p:cNvPr>
@@ -3752,7 +3752,7 @@
           <p:cNvPr id="8" name="Téglalap: lekerekített 7">
             <a:extLst>
               <a:ext uri="{FF2B5EF4-FFF2-40B4-BE49-F238E27FC236}">
-                <a16:creationId xmlns:a16="http://schemas.microsoft.com/office/drawing/2014/main" xmlns="" id="{A949ACA4-0F6E-139B-8268-493DDA55C128}"/>
+                <a16:creationId xmlns:a16="http://schemas.microsoft.com/office/drawing/2014/main" id="{A949ACA4-0F6E-139B-8268-493DDA55C128}"/>
               </a:ext>
             </a:extLst>
           </p:cNvPr>
@@ -3818,7 +3818,7 @@
           <p:cNvPr id="9" name="Téglalap: lekerekített 8">
             <a:extLst>
               <a:ext uri="{FF2B5EF4-FFF2-40B4-BE49-F238E27FC236}">
-                <a16:creationId xmlns:a16="http://schemas.microsoft.com/office/drawing/2014/main" xmlns="" id="{D9B78EC0-CC66-2DDA-134B-90693F675712}"/>
+                <a16:creationId xmlns:a16="http://schemas.microsoft.com/office/drawing/2014/main" id="{D9B78EC0-CC66-2DDA-134B-90693F675712}"/>
               </a:ext>
             </a:extLst>
           </p:cNvPr>
@@ -3876,7 +3876,7 @@
           <p:cNvPr id="10" name="Téglalap: lekerekített 9">
             <a:extLst>
               <a:ext uri="{FF2B5EF4-FFF2-40B4-BE49-F238E27FC236}">
-                <a16:creationId xmlns:a16="http://schemas.microsoft.com/office/drawing/2014/main" xmlns="" id="{2E3A3B9D-563A-3AE1-8B49-D5C002EEA99D}"/>
+                <a16:creationId xmlns:a16="http://schemas.microsoft.com/office/drawing/2014/main" id="{2E3A3B9D-563A-3AE1-8B49-D5C002EEA99D}"/>
               </a:ext>
             </a:extLst>
           </p:cNvPr>
@@ -3942,7 +3942,7 @@
           <p:cNvPr id="11" name="Téglalap: lekerekített 10">
             <a:extLst>
               <a:ext uri="{FF2B5EF4-FFF2-40B4-BE49-F238E27FC236}">
-                <a16:creationId xmlns:a16="http://schemas.microsoft.com/office/drawing/2014/main" xmlns="" id="{DF3EB93E-2E32-E334-3C4E-462E031D3FD7}"/>
+                <a16:creationId xmlns:a16="http://schemas.microsoft.com/office/drawing/2014/main" id="{DF3EB93E-2E32-E334-3C4E-462E031D3FD7}"/>
               </a:ext>
             </a:extLst>
           </p:cNvPr>
@@ -4000,7 +4000,7 @@
           <p:cNvPr id="12" name="Téglalap: lekerekített 11">
             <a:extLst>
               <a:ext uri="{FF2B5EF4-FFF2-40B4-BE49-F238E27FC236}">
-                <a16:creationId xmlns:a16="http://schemas.microsoft.com/office/drawing/2014/main" xmlns="" id="{B12CDA0D-4782-C9A6-DEFD-8858E69E0D7B}"/>
+                <a16:creationId xmlns:a16="http://schemas.microsoft.com/office/drawing/2014/main" id="{B12CDA0D-4782-C9A6-DEFD-8858E69E0D7B}"/>
               </a:ext>
             </a:extLst>
           </p:cNvPr>
@@ -4066,7 +4066,7 @@
           <p:cNvPr id="13" name="Téglalap: lekerekített 12">
             <a:extLst>
               <a:ext uri="{FF2B5EF4-FFF2-40B4-BE49-F238E27FC236}">
-                <a16:creationId xmlns:a16="http://schemas.microsoft.com/office/drawing/2014/main" xmlns="" id="{74CFAF27-3E7A-F8C8-BD2F-DD4524B7DCE9}"/>
+                <a16:creationId xmlns:a16="http://schemas.microsoft.com/office/drawing/2014/main" id="{74CFAF27-3E7A-F8C8-BD2F-DD4524B7DCE9}"/>
               </a:ext>
             </a:extLst>
           </p:cNvPr>
@@ -4132,7 +4132,7 @@
           <p:cNvPr id="14" name="Téglalap: lekerekített 13">
             <a:extLst>
               <a:ext uri="{FF2B5EF4-FFF2-40B4-BE49-F238E27FC236}">
-                <a16:creationId xmlns:a16="http://schemas.microsoft.com/office/drawing/2014/main" xmlns="" id="{4FF50EB6-58FD-EF34-ECC2-721D27B4C713}"/>
+                <a16:creationId xmlns:a16="http://schemas.microsoft.com/office/drawing/2014/main" id="{4FF50EB6-58FD-EF34-ECC2-721D27B4C713}"/>
               </a:ext>
             </a:extLst>
           </p:cNvPr>
@@ -4190,7 +4190,7 @@
           <p:cNvPr id="15" name="Szövegdoboz 14">
             <a:extLst>
               <a:ext uri="{FF2B5EF4-FFF2-40B4-BE49-F238E27FC236}">
-                <a16:creationId xmlns:a16="http://schemas.microsoft.com/office/drawing/2014/main" xmlns="" id="{BAD904EC-5503-CAE6-53A8-7648AE393A9D}"/>
+                <a16:creationId xmlns:a16="http://schemas.microsoft.com/office/drawing/2014/main" id="{BAD904EC-5503-CAE6-53A8-7648AE393A9D}"/>
               </a:ext>
             </a:extLst>
           </p:cNvPr>
@@ -4243,7 +4243,7 @@
           <p:cNvPr id="16" name="Szövegdoboz 15">
             <a:extLst>
               <a:ext uri="{FF2B5EF4-FFF2-40B4-BE49-F238E27FC236}">
-                <a16:creationId xmlns:a16="http://schemas.microsoft.com/office/drawing/2014/main" xmlns="" id="{C9117FAE-FE67-5743-F7DB-0D7FE2C64D91}"/>
+                <a16:creationId xmlns:a16="http://schemas.microsoft.com/office/drawing/2014/main" id="{C9117FAE-FE67-5743-F7DB-0D7FE2C64D91}"/>
               </a:ext>
             </a:extLst>
           </p:cNvPr>
@@ -4253,7 +4253,7 @@
         <p:spPr>
           <a:xfrm>
             <a:off x="4306474" y="4205290"/>
-            <a:ext cx="4001322" cy="707886"/>
+            <a:ext cx="4001322" cy="400110"/>
           </a:xfrm>
           <a:prstGeom prst="rect">
             <a:avLst/>
@@ -4275,24 +4275,7 @@
                 <a:effectLst/>
                 <a:latin typeface="Barlow" panose="020F0502020204030204" pitchFamily="2" charset="-18"/>
               </a:rPr>
-              <a:t>5. Fejezet dokumentációja:</a:t>
-            </a:r>
-            <a:r>
-              <a:rPr lang="hu-HU" sz="2000" dirty="0"/>
-              <a:t/>
-            </a:r>
-            <a:br>
-              <a:rPr lang="hu-HU" sz="2000" dirty="0"/>
-            </a:br>
-            <a:r>
-              <a:rPr lang="hu-HU" sz="2000" b="0" i="0" dirty="0" err="1">
-                <a:solidFill>
-                  <a:srgbClr val="FFFFFF"/>
-                </a:solidFill>
-                <a:effectLst/>
-                <a:latin typeface="Barlow" panose="020F0502020204030204" pitchFamily="2" charset="-18"/>
-              </a:rPr>
-              <a:t>Spriteok</a:t>
+              <a:t>5. Fejezet</a:t>
             </a:r>
             <a:endParaRPr lang="hu-HU" sz="2000" dirty="0"/>
           </a:p>
@@ -4944,7 +4927,7 @@
           <p:cNvPr id="44" name="Ellipszis 43">
             <a:extLst>
               <a:ext uri="{FF2B5EF4-FFF2-40B4-BE49-F238E27FC236}">
-                <a16:creationId xmlns:a16="http://schemas.microsoft.com/office/drawing/2014/main" xmlns="" id="{645329D2-24D7-4E68-B864-0EBD807ED9C7}"/>
+                <a16:creationId xmlns:a16="http://schemas.microsoft.com/office/drawing/2014/main" id="{645329D2-24D7-4E68-B864-0EBD807ED9C7}"/>
               </a:ext>
             </a:extLst>
           </p:cNvPr>
@@ -5003,7 +4986,7 @@
           <p:cNvPr id="45" name="Ellipszis 44">
             <a:extLst>
               <a:ext uri="{FF2B5EF4-FFF2-40B4-BE49-F238E27FC236}">
-                <a16:creationId xmlns:a16="http://schemas.microsoft.com/office/drawing/2014/main" xmlns="" id="{1CF101B2-BBC2-495C-A7C8-A35500CDEADA}"/>
+                <a16:creationId xmlns:a16="http://schemas.microsoft.com/office/drawing/2014/main" id="{1CF101B2-BBC2-495C-A7C8-A35500CDEADA}"/>
               </a:ext>
             </a:extLst>
           </p:cNvPr>
@@ -5062,7 +5045,7 @@
           <p:cNvPr id="50" name="Téglalap: lekerekített 49">
             <a:extLst>
               <a:ext uri="{FF2B5EF4-FFF2-40B4-BE49-F238E27FC236}">
-                <a16:creationId xmlns:a16="http://schemas.microsoft.com/office/drawing/2014/main" xmlns="" id="{8B38A860-78B7-48BD-A452-FE7ADB9753AD}"/>
+                <a16:creationId xmlns:a16="http://schemas.microsoft.com/office/drawing/2014/main" id="{8B38A860-78B7-48BD-A452-FE7ADB9753AD}"/>
               </a:ext>
             </a:extLst>
           </p:cNvPr>
@@ -5177,7 +5160,7 @@
           <p:cNvPr id="1032" name="Picture 8" descr="Your very First GitHub Repository. | by olatunde ibitoye | Medium">
             <a:extLst>
               <a:ext uri="{FF2B5EF4-FFF2-40B4-BE49-F238E27FC236}">
-                <a16:creationId xmlns:a16="http://schemas.microsoft.com/office/drawing/2014/main" xmlns="" id="{65697C37-BB70-40DD-AFE7-60C0822C6AB9}"/>
+                <a16:creationId xmlns:a16="http://schemas.microsoft.com/office/drawing/2014/main" id="{65697C37-BB70-40DD-AFE7-60C0822C6AB9}"/>
               </a:ext>
             </a:extLst>
           </p:cNvPr>
@@ -5224,7 +5207,7 @@
           <p:cNvPr id="66" name="Ellipszis 65">
             <a:extLst>
               <a:ext uri="{FF2B5EF4-FFF2-40B4-BE49-F238E27FC236}">
-                <a16:creationId xmlns:a16="http://schemas.microsoft.com/office/drawing/2014/main" xmlns="" id="{56912AC2-6561-42FD-80C1-49350133FB8A}"/>
+                <a16:creationId xmlns:a16="http://schemas.microsoft.com/office/drawing/2014/main" id="{56912AC2-6561-42FD-80C1-49350133FB8A}"/>
               </a:ext>
             </a:extLst>
           </p:cNvPr>
@@ -5283,7 +5266,7 @@
           <p:cNvPr id="67" name="Ellipszis 66">
             <a:extLst>
               <a:ext uri="{FF2B5EF4-FFF2-40B4-BE49-F238E27FC236}">
-                <a16:creationId xmlns:a16="http://schemas.microsoft.com/office/drawing/2014/main" xmlns="" id="{32F74799-D3F6-4A89-A83F-A3F32E86FA9E}"/>
+                <a16:creationId xmlns:a16="http://schemas.microsoft.com/office/drawing/2014/main" id="{32F74799-D3F6-4A89-A83F-A3F32E86FA9E}"/>
               </a:ext>
             </a:extLst>
           </p:cNvPr>
@@ -5342,7 +5325,7 @@
           <p:cNvPr id="69" name="Ellipszis 68">
             <a:extLst>
               <a:ext uri="{FF2B5EF4-FFF2-40B4-BE49-F238E27FC236}">
-                <a16:creationId xmlns:a16="http://schemas.microsoft.com/office/drawing/2014/main" xmlns="" id="{EA0495DE-046E-4ED7-8708-5EC8AE2AC86E}"/>
+                <a16:creationId xmlns:a16="http://schemas.microsoft.com/office/drawing/2014/main" id="{EA0495DE-046E-4ED7-8708-5EC8AE2AC86E}"/>
               </a:ext>
             </a:extLst>
           </p:cNvPr>
@@ -5401,7 +5384,7 @@
           <p:cNvPr id="70" name="Ellipszis 69">
             <a:extLst>
               <a:ext uri="{FF2B5EF4-FFF2-40B4-BE49-F238E27FC236}">
-                <a16:creationId xmlns:a16="http://schemas.microsoft.com/office/drawing/2014/main" xmlns="" id="{0B57A567-0E0A-4116-B280-EDE7321AE0BD}"/>
+                <a16:creationId xmlns:a16="http://schemas.microsoft.com/office/drawing/2014/main" id="{0B57A567-0E0A-4116-B280-EDE7321AE0BD}"/>
               </a:ext>
             </a:extLst>
           </p:cNvPr>
@@ -5460,7 +5443,7 @@
           <p:cNvPr id="1038" name="Picture 14" descr="https://avatars.githubusercontent.com/u/122269847?v=4">
             <a:extLst>
               <a:ext uri="{FF2B5EF4-FFF2-40B4-BE49-F238E27FC236}">
-                <a16:creationId xmlns:a16="http://schemas.microsoft.com/office/drawing/2014/main" xmlns="" id="{7CD961B7-2720-4DD3-A1FC-99878FABF62E}"/>
+                <a16:creationId xmlns:a16="http://schemas.microsoft.com/office/drawing/2014/main" id="{7CD961B7-2720-4DD3-A1FC-99878FABF62E}"/>
               </a:ext>
             </a:extLst>
           </p:cNvPr>
@@ -5507,7 +5490,7 @@
           <p:cNvPr id="75" name="Téglalap: lekerekített 74">
             <a:extLst>
               <a:ext uri="{FF2B5EF4-FFF2-40B4-BE49-F238E27FC236}">
-                <a16:creationId xmlns:a16="http://schemas.microsoft.com/office/drawing/2014/main" xmlns="" id="{F061B00D-FF28-417F-8E89-78FED159E63E}"/>
+                <a16:creationId xmlns:a16="http://schemas.microsoft.com/office/drawing/2014/main" id="{F061B00D-FF28-417F-8E89-78FED159E63E}"/>
               </a:ext>
             </a:extLst>
           </p:cNvPr>
@@ -5619,7 +5602,7 @@
           <p:cNvPr id="76" name="Téglalap: lekerekített 75">
             <a:extLst>
               <a:ext uri="{FF2B5EF4-FFF2-40B4-BE49-F238E27FC236}">
-                <a16:creationId xmlns:a16="http://schemas.microsoft.com/office/drawing/2014/main" xmlns="" id="{4A770DFA-F1B4-42B9-ACDE-1808FFD1ECEF}"/>
+                <a16:creationId xmlns:a16="http://schemas.microsoft.com/office/drawing/2014/main" id="{4A770DFA-F1B4-42B9-ACDE-1808FFD1ECEF}"/>
               </a:ext>
             </a:extLst>
           </p:cNvPr>
@@ -5738,7 +5721,7 @@
           <p:cNvPr id="1030" name="Picture 6" descr="View Benceszalaiii's full-sized avatar">
             <a:extLst>
               <a:ext uri="{FF2B5EF4-FFF2-40B4-BE49-F238E27FC236}">
-                <a16:creationId xmlns:a16="http://schemas.microsoft.com/office/drawing/2014/main" xmlns="" id="{07E059F9-3A19-44ED-8C2E-22C8B58F5ABE}"/>
+                <a16:creationId xmlns:a16="http://schemas.microsoft.com/office/drawing/2014/main" id="{07E059F9-3A19-44ED-8C2E-22C8B58F5ABE}"/>
               </a:ext>
             </a:extLst>
           </p:cNvPr>
@@ -5785,7 +5768,7 @@
           <p:cNvPr id="2" name="Picture 8" descr="View kallaigabor06's full-sized avatar">
             <a:extLst>
               <a:ext uri="{FF2B5EF4-FFF2-40B4-BE49-F238E27FC236}">
-                <a16:creationId xmlns:a16="http://schemas.microsoft.com/office/drawing/2014/main" xmlns="" id="{813DCCF5-8F15-401B-9890-E04DE5653CBD}"/>
+                <a16:creationId xmlns:a16="http://schemas.microsoft.com/office/drawing/2014/main" id="{813DCCF5-8F15-401B-9890-E04DE5653CBD}"/>
               </a:ext>
             </a:extLst>
           </p:cNvPr>
@@ -6761,7 +6744,7 @@
           <p:cNvPr id="7" name="Téglalap: lekerekített 6">
             <a:extLst>
               <a:ext uri="{FF2B5EF4-FFF2-40B4-BE49-F238E27FC236}">
-                <a16:creationId xmlns:a16="http://schemas.microsoft.com/office/drawing/2014/main" xmlns="" id="{9E83F3BB-AE52-4C22-B3C7-E052C54A356D}"/>
+                <a16:creationId xmlns:a16="http://schemas.microsoft.com/office/drawing/2014/main" id="{9E83F3BB-AE52-4C22-B3C7-E052C54A356D}"/>
               </a:ext>
             </a:extLst>
           </p:cNvPr>
@@ -6834,7 +6817,7 @@
           <p:cNvPr id="6" name="Téglalap: lekerekített 5">
             <a:extLst>
               <a:ext uri="{FF2B5EF4-FFF2-40B4-BE49-F238E27FC236}">
-                <a16:creationId xmlns:a16="http://schemas.microsoft.com/office/drawing/2014/main" xmlns="" id="{7054393B-7C14-4BF7-B3BE-977FD580A87B}"/>
+                <a16:creationId xmlns:a16="http://schemas.microsoft.com/office/drawing/2014/main" id="{7054393B-7C14-4BF7-B3BE-977FD580A87B}"/>
               </a:ext>
             </a:extLst>
           </p:cNvPr>
@@ -6907,7 +6890,7 @@
           <p:cNvPr id="12" name="Téglalap: lekerekített 11">
             <a:extLst>
               <a:ext uri="{FF2B5EF4-FFF2-40B4-BE49-F238E27FC236}">
-                <a16:creationId xmlns:a16="http://schemas.microsoft.com/office/drawing/2014/main" xmlns="" id="{012748AF-1348-4B58-90F4-37F17048BB84}"/>
+                <a16:creationId xmlns:a16="http://schemas.microsoft.com/office/drawing/2014/main" id="{012748AF-1348-4B58-90F4-37F17048BB84}"/>
               </a:ext>
             </a:extLst>
           </p:cNvPr>
@@ -6980,7 +6963,7 @@
           <p:cNvPr id="14" name="Téglalap: lekerekített 13">
             <a:extLst>
               <a:ext uri="{FF2B5EF4-FFF2-40B4-BE49-F238E27FC236}">
-                <a16:creationId xmlns:a16="http://schemas.microsoft.com/office/drawing/2014/main" xmlns="" id="{7170385F-4939-4517-881C-C91E6029C871}"/>
+                <a16:creationId xmlns:a16="http://schemas.microsoft.com/office/drawing/2014/main" id="{7170385F-4939-4517-881C-C91E6029C871}"/>
               </a:ext>
             </a:extLst>
           </p:cNvPr>
@@ -7067,7 +7050,7 @@
           <p:cNvPr id="8" name="Téglalap: lekerekített 5">
             <a:extLst>
               <a:ext uri="{FF2B5EF4-FFF2-40B4-BE49-F238E27FC236}">
-                <a16:creationId xmlns:a16="http://schemas.microsoft.com/office/drawing/2014/main" xmlns="" id="{7054393B-7C14-4BF7-B3BE-977FD580A87B}"/>
+                <a16:creationId xmlns:a16="http://schemas.microsoft.com/office/drawing/2014/main" id="{7054393B-7C14-4BF7-B3BE-977FD580A87B}"/>
               </a:ext>
             </a:extLst>
           </p:cNvPr>
@@ -7550,7 +7533,7 @@
           <p:cNvPr id="6" name="Romboid 5">
             <a:extLst>
               <a:ext uri="{FF2B5EF4-FFF2-40B4-BE49-F238E27FC236}">
-                <a16:creationId xmlns:a16="http://schemas.microsoft.com/office/drawing/2014/main" xmlns="" id="{320388CF-6B7B-4133-B1A6-BB1004E72F35}"/>
+                <a16:creationId xmlns:a16="http://schemas.microsoft.com/office/drawing/2014/main" id="{320388CF-6B7B-4133-B1A6-BB1004E72F35}"/>
               </a:ext>
             </a:extLst>
           </p:cNvPr>
@@ -7602,7 +7585,7 @@
           <p:cNvPr id="7" name="Romboid 6">
             <a:extLst>
               <a:ext uri="{FF2B5EF4-FFF2-40B4-BE49-F238E27FC236}">
-                <a16:creationId xmlns:a16="http://schemas.microsoft.com/office/drawing/2014/main" xmlns="" id="{8926B01F-DF41-47D5-AA37-0DF3C9519D4D}"/>
+                <a16:creationId xmlns:a16="http://schemas.microsoft.com/office/drawing/2014/main" id="{8926B01F-DF41-47D5-AA37-0DF3C9519D4D}"/>
               </a:ext>
             </a:extLst>
           </p:cNvPr>
@@ -7651,7 +7634,7 @@
           <p:cNvPr id="8" name="Romboid 7">
             <a:extLst>
               <a:ext uri="{FF2B5EF4-FFF2-40B4-BE49-F238E27FC236}">
-                <a16:creationId xmlns:a16="http://schemas.microsoft.com/office/drawing/2014/main" xmlns="" id="{A9669614-0D7C-436A-A55C-63D5F965F1C5}"/>
+                <a16:creationId xmlns:a16="http://schemas.microsoft.com/office/drawing/2014/main" id="{A9669614-0D7C-436A-A55C-63D5F965F1C5}"/>
               </a:ext>
             </a:extLst>
           </p:cNvPr>
@@ -7700,7 +7683,7 @@
           <p:cNvPr id="1028" name="Picture 4" descr="File:Sass Logo Color.svg - Wikipedia">
             <a:extLst>
               <a:ext uri="{FF2B5EF4-FFF2-40B4-BE49-F238E27FC236}">
-                <a16:creationId xmlns:a16="http://schemas.microsoft.com/office/drawing/2014/main" xmlns="" id="{359B9CB3-1AB1-4A07-90FB-10C65366CA93}"/>
+                <a16:creationId xmlns:a16="http://schemas.microsoft.com/office/drawing/2014/main" id="{359B9CB3-1AB1-4A07-90FB-10C65366CA93}"/>
               </a:ext>
             </a:extLst>
           </p:cNvPr>
@@ -7838,7 +7821,7 @@
           <p:cNvPr id="1026" name="Picture 2" descr="Nem érhető el leírás a fényképhez.">
             <a:extLst>
               <a:ext uri="{FF2B5EF4-FFF2-40B4-BE49-F238E27FC236}">
-                <a16:creationId xmlns:a16="http://schemas.microsoft.com/office/drawing/2014/main" xmlns="" id="{C4F4104E-9947-4266-A1FF-657ABF190A98}"/>
+                <a16:creationId xmlns:a16="http://schemas.microsoft.com/office/drawing/2014/main" id="{C4F4104E-9947-4266-A1FF-657ABF190A98}"/>
               </a:ext>
             </a:extLst>
           </p:cNvPr>
@@ -8182,7 +8165,7 @@
           <p:cNvPr id="6" name="Romboid 5">
             <a:extLst>
               <a:ext uri="{FF2B5EF4-FFF2-40B4-BE49-F238E27FC236}">
-                <a16:creationId xmlns:a16="http://schemas.microsoft.com/office/drawing/2014/main" xmlns="" id="{320388CF-6B7B-4133-B1A6-BB1004E72F35}"/>
+                <a16:creationId xmlns:a16="http://schemas.microsoft.com/office/drawing/2014/main" id="{320388CF-6B7B-4133-B1A6-BB1004E72F35}"/>
               </a:ext>
             </a:extLst>
           </p:cNvPr>
@@ -8234,7 +8217,7 @@
           <p:cNvPr id="7" name="Romboid 6">
             <a:extLst>
               <a:ext uri="{FF2B5EF4-FFF2-40B4-BE49-F238E27FC236}">
-                <a16:creationId xmlns:a16="http://schemas.microsoft.com/office/drawing/2014/main" xmlns="" id="{8926B01F-DF41-47D5-AA37-0DF3C9519D4D}"/>
+                <a16:creationId xmlns:a16="http://schemas.microsoft.com/office/drawing/2014/main" id="{8926B01F-DF41-47D5-AA37-0DF3C9519D4D}"/>
               </a:ext>
             </a:extLst>
           </p:cNvPr>
@@ -8283,7 +8266,7 @@
           <p:cNvPr id="8" name="Romboid 7">
             <a:extLst>
               <a:ext uri="{FF2B5EF4-FFF2-40B4-BE49-F238E27FC236}">
-                <a16:creationId xmlns:a16="http://schemas.microsoft.com/office/drawing/2014/main" xmlns="" id="{A9669614-0D7C-436A-A55C-63D5F965F1C5}"/>
+                <a16:creationId xmlns:a16="http://schemas.microsoft.com/office/drawing/2014/main" id="{A9669614-0D7C-436A-A55C-63D5F965F1C5}"/>
               </a:ext>
             </a:extLst>
           </p:cNvPr>
@@ -8389,7 +8372,7 @@
           <p:cNvPr id="10" name="Picture 2" descr="Nem érhető el leírás a fényképhez.">
             <a:extLst>
               <a:ext uri="{FF2B5EF4-FFF2-40B4-BE49-F238E27FC236}">
-                <a16:creationId xmlns:a16="http://schemas.microsoft.com/office/drawing/2014/main" xmlns="" id="{89FB9315-CF1D-4D9A-8B58-27C3C2D88622}"/>
+                <a16:creationId xmlns:a16="http://schemas.microsoft.com/office/drawing/2014/main" id="{89FB9315-CF1D-4D9A-8B58-27C3C2D88622}"/>
               </a:ext>
             </a:extLst>
           </p:cNvPr>
@@ -8430,7 +8413,7 @@
           <p:cNvPr id="2" name="Szövegdoboz 1">
             <a:extLst>
               <a:ext uri="{FF2B5EF4-FFF2-40B4-BE49-F238E27FC236}">
-                <a16:creationId xmlns:a16="http://schemas.microsoft.com/office/drawing/2014/main" xmlns="" id="{474BE274-0FDE-485B-8C28-F1A5FAF1316C}"/>
+                <a16:creationId xmlns:a16="http://schemas.microsoft.com/office/drawing/2014/main" id="{474BE274-0FDE-485B-8C28-F1A5FAF1316C}"/>
               </a:ext>
             </a:extLst>
           </p:cNvPr>
@@ -8528,13 +8511,13 @@
   <p:clrMapOvr>
     <a:masterClrMapping/>
   </p:clrMapOvr>
-  <mc:AlternateContent xmlns:mc="http://schemas.openxmlformats.org/markup-compatibility/2006">
-    <mc:Choice xmlns:p159="http://schemas.microsoft.com/office/powerpoint/2015/09/main" xmlns="" Requires="p159">
+  <mc:AlternateContent xmlns:mc="http://schemas.openxmlformats.org/markup-compatibility/2006" xmlns:p159="http://schemas.microsoft.com/office/powerpoint/2015/09/main">
+    <mc:Choice Requires="p159">
       <p:transition xmlns:p14="http://schemas.microsoft.com/office/powerpoint/2010/main" spd="slow" p14:dur="2000">
         <p159:morph option="byObject"/>
       </p:transition>
     </mc:Choice>
-    <mc:Fallback>
+    <mc:Fallback xmlns="">
       <p:transition spd="slow">
         <p:fade/>
       </p:transition>
@@ -8662,7 +8645,7 @@
           <p:cNvPr id="7" name="Romboid 6">
             <a:extLst>
               <a:ext uri="{FF2B5EF4-FFF2-40B4-BE49-F238E27FC236}">
-                <a16:creationId xmlns:a16="http://schemas.microsoft.com/office/drawing/2014/main" xmlns="" id="{8926B01F-DF41-47D5-AA37-0DF3C9519D4D}"/>
+                <a16:creationId xmlns:a16="http://schemas.microsoft.com/office/drawing/2014/main" id="{8926B01F-DF41-47D5-AA37-0DF3C9519D4D}"/>
               </a:ext>
             </a:extLst>
           </p:cNvPr>
@@ -8711,7 +8694,7 @@
           <p:cNvPr id="1028" name="Picture 4" descr="File:Sass Logo Color.svg - Wikipedia">
             <a:extLst>
               <a:ext uri="{FF2B5EF4-FFF2-40B4-BE49-F238E27FC236}">
-                <a16:creationId xmlns:a16="http://schemas.microsoft.com/office/drawing/2014/main" xmlns="" id="{359B9CB3-1AB1-4A07-90FB-10C65366CA93}"/>
+                <a16:creationId xmlns:a16="http://schemas.microsoft.com/office/drawing/2014/main" id="{359B9CB3-1AB1-4A07-90FB-10C65366CA93}"/>
               </a:ext>
             </a:extLst>
           </p:cNvPr>
@@ -8750,7 +8733,7 @@
           <p:cNvPr id="4" name="Szövegdoboz 3">
             <a:extLst>
               <a:ext uri="{FF2B5EF4-FFF2-40B4-BE49-F238E27FC236}">
-                <a16:creationId xmlns:a16="http://schemas.microsoft.com/office/drawing/2014/main" xmlns="" id="{14EA37CB-C533-4153-A868-FB8D12258A5D}"/>
+                <a16:creationId xmlns:a16="http://schemas.microsoft.com/office/drawing/2014/main" id="{14EA37CB-C533-4153-A868-FB8D12258A5D}"/>
               </a:ext>
             </a:extLst>
           </p:cNvPr>
@@ -8957,7 +8940,7 @@
           <p:cNvPr id="8" name="Romboid 7">
             <a:extLst>
               <a:ext uri="{FF2B5EF4-FFF2-40B4-BE49-F238E27FC236}">
-                <a16:creationId xmlns:a16="http://schemas.microsoft.com/office/drawing/2014/main" xmlns="" id="{A9669614-0D7C-436A-A55C-63D5F965F1C5}"/>
+                <a16:creationId xmlns:a16="http://schemas.microsoft.com/office/drawing/2014/main" id="{A9669614-0D7C-436A-A55C-63D5F965F1C5}"/>
               </a:ext>
             </a:extLst>
           </p:cNvPr>
@@ -9040,7 +9023,7 @@
           <p:cNvPr id="4" name="Szövegdoboz 3">
             <a:extLst>
               <a:ext uri="{FF2B5EF4-FFF2-40B4-BE49-F238E27FC236}">
-                <a16:creationId xmlns:a16="http://schemas.microsoft.com/office/drawing/2014/main" xmlns="" id="{2A3E2DDB-080C-4B7B-A2E6-717251DED09E}"/>
+                <a16:creationId xmlns:a16="http://schemas.microsoft.com/office/drawing/2014/main" id="{2A3E2DDB-080C-4B7B-A2E6-717251DED09E}"/>
               </a:ext>
             </a:extLst>
           </p:cNvPr>
@@ -9246,7 +9229,7 @@
               <p:cNvPr id="4" name="Téglalap: lekerekített 3">
                 <a:extLst>
                   <a:ext uri="{FF2B5EF4-FFF2-40B4-BE49-F238E27FC236}">
-                    <a16:creationId xmlns:a16="http://schemas.microsoft.com/office/drawing/2014/main" xmlns="" id="{BC187220-8284-1B2B-8CE3-7C613265D444}"/>
+                    <a16:creationId xmlns:a16="http://schemas.microsoft.com/office/drawing/2014/main" id="{BC187220-8284-1B2B-8CE3-7C613265D444}"/>
                   </a:ext>
                 </a:extLst>
               </p:cNvPr>
@@ -9303,7 +9286,7 @@
               <p:cNvPr id="7" name="Szövegdoboz 6">
                 <a:extLst>
                   <a:ext uri="{FF2B5EF4-FFF2-40B4-BE49-F238E27FC236}">
-                    <a16:creationId xmlns:a16="http://schemas.microsoft.com/office/drawing/2014/main" xmlns="" id="{7819F685-963E-271F-BC1B-FDA54155C9CE}"/>
+                    <a16:creationId xmlns:a16="http://schemas.microsoft.com/office/drawing/2014/main" id="{7819F685-963E-271F-BC1B-FDA54155C9CE}"/>
                   </a:ext>
                 </a:extLst>
               </p:cNvPr>
@@ -9497,7 +9480,7 @@
             <p:cNvPr id="5" name="Téglalap: lekerekített 4">
               <a:extLst>
                 <a:ext uri="{FF2B5EF4-FFF2-40B4-BE49-F238E27FC236}">
-                  <a16:creationId xmlns:a16="http://schemas.microsoft.com/office/drawing/2014/main" xmlns="" id="{B74CBF98-6A67-702F-008D-E30CBEB44963}"/>
+                  <a16:creationId xmlns:a16="http://schemas.microsoft.com/office/drawing/2014/main" id="{B74CBF98-6A67-702F-008D-E30CBEB44963}"/>
                 </a:ext>
               </a:extLst>
             </p:cNvPr>
@@ -9596,7 +9579,7 @@
             <p:cNvPr id="8" name="Téglalap: lekerekített 7">
               <a:extLst>
                 <a:ext uri="{FF2B5EF4-FFF2-40B4-BE49-F238E27FC236}">
-                  <a16:creationId xmlns:a16="http://schemas.microsoft.com/office/drawing/2014/main" xmlns="" id="{104486A8-B0E8-F708-7D72-B551D3E54053}"/>
+                  <a16:creationId xmlns:a16="http://schemas.microsoft.com/office/drawing/2014/main" id="{104486A8-B0E8-F708-7D72-B551D3E54053}"/>
                 </a:ext>
               </a:extLst>
             </p:cNvPr>
@@ -9930,7 +9913,7 @@
           <p:cNvPr id="8" name="Téglalap: lekerekített 6">
             <a:extLst>
               <a:ext uri="{FF2B5EF4-FFF2-40B4-BE49-F238E27FC236}">
-                <a16:creationId xmlns:a16="http://schemas.microsoft.com/office/drawing/2014/main" xmlns="" id="{9E83F3BB-AE52-4C22-B3C7-E052C54A356D}"/>
+                <a16:creationId xmlns:a16="http://schemas.microsoft.com/office/drawing/2014/main" id="{9E83F3BB-AE52-4C22-B3C7-E052C54A356D}"/>
               </a:ext>
             </a:extLst>
           </p:cNvPr>
@@ -9995,20 +9978,6 @@
               </a:rPr>
               <a:t>Mintaproject</a:t>
             </a:r>
-            <a:endParaRPr lang="hu-HU" sz="4400" dirty="0">
-              <a:solidFill>
-                <a:srgbClr val="5019B3"/>
-              </a:solidFill>
-              <a:effectLst>
-                <a:outerShdw dist="38100" sx="101000" sy="101000" algn="l" rotWithShape="0">
-                  <a:prstClr val="black">
-                    <a:alpha val="0"/>
-                  </a:prstClr>
-                </a:outerShdw>
-              </a:effectLst>
-              <a:latin typeface="Segoe UI Black" panose="020B0A02040204020203" pitchFamily="34" charset="0"/>
-              <a:ea typeface="Segoe UI Black" panose="020B0A02040204020203" pitchFamily="34" charset="0"/>
-            </a:endParaRPr>
           </a:p>
         </p:txBody>
       </p:sp>
@@ -10039,7 +10008,7 @@
               <a:buChar char="§"/>
             </a:pPr>
             <a:r>
-              <a:rPr lang="hu-HU" sz="3200" dirty="0" smtClean="0">
+              <a:rPr lang="hu-HU" sz="3200" dirty="0">
                 <a:solidFill>
                   <a:schemeClr val="bg1"/>
                 </a:solidFill>
@@ -10055,7 +10024,7 @@
               <a:buChar char="§"/>
             </a:pPr>
             <a:r>
-              <a:rPr lang="hu-HU" sz="3200" dirty="0" smtClean="0">
+              <a:rPr lang="hu-HU" sz="3200" dirty="0">
                 <a:solidFill>
                   <a:schemeClr val="bg1"/>
                 </a:solidFill>
@@ -10071,7 +10040,7 @@
               <a:buChar char="§"/>
             </a:pPr>
             <a:r>
-              <a:rPr lang="hu-HU" sz="3200" dirty="0" smtClean="0">
+              <a:rPr lang="hu-HU" sz="3200" dirty="0">
                 <a:solidFill>
                   <a:schemeClr val="bg1"/>
                 </a:solidFill>
@@ -10087,7 +10056,7 @@
               <a:buChar char="§"/>
             </a:pPr>
             <a:r>
-              <a:rPr lang="hu-HU" sz="3200" dirty="0" smtClean="0">
+              <a:rPr lang="hu-HU" sz="3200" dirty="0">
                 <a:solidFill>
                   <a:schemeClr val="bg1"/>
                 </a:solidFill>
@@ -10103,7 +10072,7 @@
               <a:buChar char="§"/>
             </a:pPr>
             <a:r>
-              <a:rPr lang="hu-HU" sz="3200" dirty="0" smtClean="0">
+              <a:rPr lang="hu-HU" sz="3200" dirty="0">
                 <a:solidFill>
                   <a:schemeClr val="bg1"/>
                 </a:solidFill>
@@ -10118,7 +10087,7 @@
               <a:buFont typeface="Wingdings" panose="05000000000000000000" pitchFamily="2" charset="2"/>
               <a:buChar char="§"/>
             </a:pPr>
-            <a:endParaRPr lang="hu-HU" sz="3200" dirty="0" smtClean="0">
+            <a:endParaRPr lang="hu-HU" sz="3200" dirty="0">
               <a:solidFill>
                 <a:schemeClr val="bg1"/>
               </a:solidFill>
@@ -10160,7 +10129,7 @@
             <p:cNvPr id="11" name="Téglalap: lekerekített 5">
               <a:extLst>
                 <a:ext uri="{FF2B5EF4-FFF2-40B4-BE49-F238E27FC236}">
-                  <a16:creationId xmlns:a16="http://schemas.microsoft.com/office/drawing/2014/main" xmlns="" id="{7054393B-7C14-4BF7-B3BE-977FD580A87B}"/>
+                  <a16:creationId xmlns:a16="http://schemas.microsoft.com/office/drawing/2014/main" id="{7054393B-7C14-4BF7-B3BE-977FD580A87B}"/>
                 </a:ext>
               </a:extLst>
             </p:cNvPr>
@@ -10315,7 +10284,7 @@
             <p:cNvPr id="12" name="Kép 11">
               <a:extLst>
                 <a:ext uri="{FF2B5EF4-FFF2-40B4-BE49-F238E27FC236}">
-                  <a16:creationId xmlns:a16="http://schemas.microsoft.com/office/drawing/2014/main" xmlns="" id="{118B224A-E193-49AD-83D8-09F6A71DDCFB}"/>
+                  <a16:creationId xmlns:a16="http://schemas.microsoft.com/office/drawing/2014/main" id="{118B224A-E193-49AD-83D8-09F6A71DDCFB}"/>
                 </a:ext>
               </a:extLst>
             </p:cNvPr>
@@ -10491,7 +10460,7 @@
           <p:cNvPr id="4" name="Ellipszis 3">
             <a:extLst>
               <a:ext uri="{FF2B5EF4-FFF2-40B4-BE49-F238E27FC236}">
-                <a16:creationId xmlns:a16="http://schemas.microsoft.com/office/drawing/2014/main" xmlns="" id="{5E590742-0F2F-708E-87FC-8CF5ABA75119}"/>
+                <a16:creationId xmlns:a16="http://schemas.microsoft.com/office/drawing/2014/main" id="{5E590742-0F2F-708E-87FC-8CF5ABA75119}"/>
               </a:ext>
             </a:extLst>
           </p:cNvPr>
@@ -10550,7 +10519,7 @@
           <p:cNvPr id="5" name="Ellipszis 4">
             <a:extLst>
               <a:ext uri="{FF2B5EF4-FFF2-40B4-BE49-F238E27FC236}">
-                <a16:creationId xmlns:a16="http://schemas.microsoft.com/office/drawing/2014/main" xmlns="" id="{7BFA035C-0E90-EF99-09EB-F01F1787B99D}"/>
+                <a16:creationId xmlns:a16="http://schemas.microsoft.com/office/drawing/2014/main" id="{7BFA035C-0E90-EF99-09EB-F01F1787B99D}"/>
               </a:ext>
             </a:extLst>
           </p:cNvPr>
@@ -10606,7 +10575,7 @@
           <p:cNvPr id="15" name="Szövegdoboz 14">
             <a:extLst>
               <a:ext uri="{FF2B5EF4-FFF2-40B4-BE49-F238E27FC236}">
-                <a16:creationId xmlns:a16="http://schemas.microsoft.com/office/drawing/2014/main" xmlns="" id="{BAD904EC-5503-CAE6-53A8-7648AE393A9D}"/>
+                <a16:creationId xmlns:a16="http://schemas.microsoft.com/office/drawing/2014/main" id="{BAD904EC-5503-CAE6-53A8-7648AE393A9D}"/>
               </a:ext>
             </a:extLst>
           </p:cNvPr>
@@ -10659,7 +10628,7 @@
           <p:cNvPr id="17" name="Szövegdoboz 15">
             <a:extLst>
               <a:ext uri="{FF2B5EF4-FFF2-40B4-BE49-F238E27FC236}">
-                <a16:creationId xmlns:a16="http://schemas.microsoft.com/office/drawing/2014/main" xmlns="" id="{C9117FAE-FE67-5743-F7DB-0D7FE2C64D91}"/>
+                <a16:creationId xmlns:a16="http://schemas.microsoft.com/office/drawing/2014/main" id="{C9117FAE-FE67-5743-F7DB-0D7FE2C64D91}"/>
               </a:ext>
             </a:extLst>
           </p:cNvPr>

--- a/Prezentáció.pptx
+++ b/Prezentáció.pptx
@@ -5,7 +5,7 @@
     <p:sldMasterId id="2147483648" r:id="rId1"/>
   </p:sldMasterIdLst>
   <p:notesMasterIdLst>
-    <p:notesMasterId r:id="rId12"/>
+    <p:notesMasterId r:id="rId16"/>
   </p:notesMasterIdLst>
   <p:sldIdLst>
     <p:sldId id="261" r:id="rId2"/>
@@ -15,9 +15,13 @@
     <p:sldId id="273" r:id="rId6"/>
     <p:sldId id="272" r:id="rId7"/>
     <p:sldId id="266" r:id="rId8"/>
-    <p:sldId id="274" r:id="rId9"/>
-    <p:sldId id="267" r:id="rId10"/>
-    <p:sldId id="268" r:id="rId11"/>
+    <p:sldId id="276" r:id="rId9"/>
+    <p:sldId id="278" r:id="rId10"/>
+    <p:sldId id="275" r:id="rId11"/>
+    <p:sldId id="277" r:id="rId12"/>
+    <p:sldId id="274" r:id="rId13"/>
+    <p:sldId id="267" r:id="rId14"/>
+    <p:sldId id="268" r:id="rId15"/>
   </p:sldIdLst>
   <p:sldSz cx="12192000" cy="6858000"/>
   <p:notesSz cx="6858000" cy="9144000"/>
@@ -140,7 +144,7 @@
 
 <file path=ppt/commentAuthors.xml><?xml version="1.0" encoding="utf-8"?>
 <p:cmAuthorLst xmlns:a="http://schemas.openxmlformats.org/drawingml/2006/main" xmlns:r="http://schemas.openxmlformats.org/officeDocument/2006/relationships" xmlns:p="http://schemas.openxmlformats.org/presentationml/2006/main">
-  <p:cmAuthor id="1" name="Mátyás Nagy" initials="MN" lastIdx="1" clrIdx="0">
+  <p:cmAuthor id="1" name="Mátyás Nagy" initials="MN" lastIdx="2" clrIdx="0">
     <p:extLst>
       <p:ext uri="{19B8F6BF-5375-455C-9EA6-DF929625EA0E}">
         <p15:presenceInfo xmlns:p15="http://schemas.microsoft.com/office/powerpoint/2012/main" userId="2ba31157574e31e8" providerId="Windows Live"/>
@@ -232,7 +236,7 @@
           <a:p>
             <a:fld id="{045CADAF-2C59-4E58-A455-8868FC9726FC}" type="datetimeFigureOut">
               <a:rPr lang="hu-HU" smtClean="0"/>
-              <a:t>2024.02.08</a:t>
+              <a:t>2024. 02. 08.</a:t>
             </a:fld>
             <a:endParaRPr lang="hu-HU"/>
           </a:p>
@@ -499,6 +503,563 @@
 </p:notesMaster>
 </file>
 
+<file path=ppt/notesSlides/notesSlide1.xml><?xml version="1.0" encoding="utf-8"?>
+<p:notes xmlns:a="http://schemas.openxmlformats.org/drawingml/2006/main" xmlns:r="http://schemas.openxmlformats.org/officeDocument/2006/relationships" xmlns:p="http://schemas.openxmlformats.org/presentationml/2006/main">
+  <p:cSld>
+    <p:spTree>
+      <p:nvGrpSpPr>
+        <p:cNvPr id="1" name=""/>
+        <p:cNvGrpSpPr/>
+        <p:nvPr/>
+      </p:nvGrpSpPr>
+      <p:grpSpPr>
+        <a:xfrm>
+          <a:off x="0" y="0"/>
+          <a:ext cx="0" cy="0"/>
+          <a:chOff x="0" y="0"/>
+          <a:chExt cx="0" cy="0"/>
+        </a:xfrm>
+      </p:grpSpPr>
+      <p:sp>
+        <p:nvSpPr>
+          <p:cNvPr id="2" name="Slide Image Placeholder 1"/>
+          <p:cNvSpPr>
+            <a:spLocks noGrp="1" noRot="1" noChangeAspect="1"/>
+          </p:cNvSpPr>
+          <p:nvPr>
+            <p:ph type="sldImg"/>
+          </p:nvPr>
+        </p:nvSpPr>
+        <p:spPr/>
+      </p:sp>
+      <p:sp>
+        <p:nvSpPr>
+          <p:cNvPr id="3" name="Notes Placeholder 2"/>
+          <p:cNvSpPr>
+            <a:spLocks noGrp="1"/>
+          </p:cNvSpPr>
+          <p:nvPr>
+            <p:ph type="body" idx="1"/>
+          </p:nvPr>
+        </p:nvSpPr>
+        <p:spPr/>
+        <p:txBody>
+          <a:bodyPr/>
+          <a:lstStyle/>
+          <a:p>
+            <a:r>
+              <a:rPr lang="hu-HU" dirty="0" smtClean="0"/>
+              <a:t>1.</a:t>
+            </a:r>
+            <a:r>
+              <a:rPr lang="hu-HU" baseline="0" dirty="0" smtClean="0"/>
+              <a:t> </a:t>
+            </a:r>
+            <a:r>
+              <a:rPr lang="hu-HU" dirty="0" smtClean="0"/>
+              <a:t>Class-&gt;</a:t>
+            </a:r>
+            <a:r>
+              <a:rPr lang="hu-HU" baseline="0" dirty="0" smtClean="0"/>
+              <a:t> kötelezően két attribútum</a:t>
+            </a:r>
+            <a:endParaRPr lang="hu-HU" dirty="0" smtClean="0"/>
+          </a:p>
+          <a:p>
+            <a:r>
+              <a:rPr lang="hu-HU" dirty="0" smtClean="0"/>
+              <a:t>2. Groupsingle</a:t>
+            </a:r>
+            <a:r>
+              <a:rPr lang="hu-HU" baseline="0" dirty="0" smtClean="0"/>
+              <a:t> 1-1 objektumot tud tárolni -&gt; tárolónak adok nevet -&gt; példányosított objektumot </a:t>
+            </a:r>
+            <a:endParaRPr lang="hu-HU" dirty="0" smtClean="0"/>
+          </a:p>
+          <a:p>
+            <a:r>
+              <a:rPr lang="hu-HU" dirty="0" smtClean="0"/>
+              <a:t>3. Update metódus felülírt -&gt; felülírja az</a:t>
+            </a:r>
+            <a:r>
+              <a:rPr lang="hu-HU" baseline="0" dirty="0" smtClean="0"/>
+              <a:t> ősosztályban az update metódust</a:t>
+            </a:r>
+          </a:p>
+          <a:p>
+            <a:endParaRPr lang="hu-HU" dirty="0"/>
+          </a:p>
+        </p:txBody>
+      </p:sp>
+      <p:sp>
+        <p:nvSpPr>
+          <p:cNvPr id="4" name="Slide Number Placeholder 3"/>
+          <p:cNvSpPr>
+            <a:spLocks noGrp="1"/>
+          </p:cNvSpPr>
+          <p:nvPr>
+            <p:ph type="sldNum" sz="quarter" idx="10"/>
+          </p:nvPr>
+        </p:nvSpPr>
+        <p:spPr/>
+        <p:txBody>
+          <a:bodyPr/>
+          <a:lstStyle/>
+          <a:p>
+            <a:fld id="{B1022D60-2C5D-4817-AA60-98F767DAA183}" type="slidenum">
+              <a:rPr lang="hu-HU" smtClean="0"/>
+              <a:t>8</a:t>
+            </a:fld>
+            <a:endParaRPr lang="hu-HU"/>
+          </a:p>
+        </p:txBody>
+      </p:sp>
+    </p:spTree>
+    <p:extLst>
+      <p:ext uri="{BB962C8B-B14F-4D97-AF65-F5344CB8AC3E}">
+        <p14:creationId xmlns:p14="http://schemas.microsoft.com/office/powerpoint/2010/main" val="2866352275"/>
+      </p:ext>
+    </p:extLst>
+  </p:cSld>
+  <p:clrMapOvr>
+    <a:masterClrMapping/>
+  </p:clrMapOvr>
+</p:notes>
+</file>
+
+<file path=ppt/notesSlides/notesSlide2.xml><?xml version="1.0" encoding="utf-8"?>
+<p:notes xmlns:a="http://schemas.openxmlformats.org/drawingml/2006/main" xmlns:r="http://schemas.openxmlformats.org/officeDocument/2006/relationships" xmlns:p="http://schemas.openxmlformats.org/presentationml/2006/main">
+  <p:cSld>
+    <p:spTree>
+      <p:nvGrpSpPr>
+        <p:cNvPr id="1" name=""/>
+        <p:cNvGrpSpPr/>
+        <p:nvPr/>
+      </p:nvGrpSpPr>
+      <p:grpSpPr>
+        <a:xfrm>
+          <a:off x="0" y="0"/>
+          <a:ext cx="0" cy="0"/>
+          <a:chOff x="0" y="0"/>
+          <a:chExt cx="0" cy="0"/>
+        </a:xfrm>
+      </p:grpSpPr>
+      <p:sp>
+        <p:nvSpPr>
+          <p:cNvPr id="2" name="Slide Image Placeholder 1"/>
+          <p:cNvSpPr>
+            <a:spLocks noGrp="1" noRot="1" noChangeAspect="1"/>
+          </p:cNvSpPr>
+          <p:nvPr>
+            <p:ph type="sldImg"/>
+          </p:nvPr>
+        </p:nvSpPr>
+        <p:spPr/>
+      </p:sp>
+      <p:sp>
+        <p:nvSpPr>
+          <p:cNvPr id="3" name="Notes Placeholder 2"/>
+          <p:cNvSpPr>
+            <a:spLocks noGrp="1"/>
+          </p:cNvSpPr>
+          <p:nvPr>
+            <p:ph type="body" idx="1"/>
+          </p:nvPr>
+        </p:nvSpPr>
+        <p:spPr/>
+        <p:txBody>
+          <a:bodyPr/>
+          <a:lstStyle/>
+          <a:p>
+            <a:pPr marL="228600" indent="-228600">
+              <a:buAutoNum type="arabicPeriod"/>
+            </a:pPr>
+            <a:r>
+              <a:rPr lang="hu-HU" dirty="0" smtClean="0"/>
+              <a:t>Ugyanúgy kap Surfacet</a:t>
+            </a:r>
+            <a:r>
+              <a:rPr lang="hu-HU" baseline="0" dirty="0" smtClean="0"/>
+              <a:t> és Rectet, memoriatörlés ha kinnt vannak a képből</a:t>
+            </a:r>
+          </a:p>
+          <a:p>
+            <a:pPr marL="228600" indent="-228600">
+              <a:buAutoNum type="arabicPeriod"/>
+            </a:pPr>
+            <a:r>
+              <a:rPr lang="hu-HU" baseline="0" dirty="0" smtClean="0"/>
+              <a:t>Fruit_timer – új event, amit 1 másodpercenként következik be</a:t>
+            </a:r>
+          </a:p>
+          <a:p>
+            <a:pPr marL="228600" indent="-228600">
+              <a:buAutoNum type="arabicPeriod"/>
+            </a:pPr>
+            <a:r>
+              <a:rPr lang="hu-HU" baseline="0" dirty="0" smtClean="0"/>
+              <a:t>Ha bekövetkezik az esemény akkor eandom helyen medjelenik egy gyüm</a:t>
+            </a:r>
+          </a:p>
+          <a:p>
+            <a:r>
+              <a:rPr lang="hu-HU" baseline="0" dirty="0" smtClean="0"/>
+              <a:t>Aztán </a:t>
+            </a:r>
+            <a:r>
+              <a:rPr lang="hu-HU" sz="1200" b="0" kern="1200" dirty="0" smtClean="0">
+                <a:solidFill>
+                  <a:schemeClr val="tx1"/>
+                </a:solidFill>
+                <a:effectLst/>
+                <a:latin typeface="+mn-lt"/>
+                <a:ea typeface="+mn-ea"/>
+                <a:cs typeface="+mn-cs"/>
+              </a:rPr>
+              <a:t>fruit_group.draw(screen)</a:t>
+            </a:r>
+            <a:r>
+              <a:rPr lang="hu-HU" sz="1200" b="0" kern="1200" baseline="0" dirty="0" smtClean="0">
+                <a:solidFill>
+                  <a:schemeClr val="tx1"/>
+                </a:solidFill>
+                <a:effectLst/>
+                <a:latin typeface="+mn-lt"/>
+                <a:ea typeface="+mn-ea"/>
+                <a:cs typeface="+mn-cs"/>
+              </a:rPr>
+              <a:t> és </a:t>
+            </a:r>
+            <a:r>
+              <a:rPr lang="hu-HU" sz="1200" b="0" kern="1200" dirty="0" smtClean="0">
+                <a:solidFill>
+                  <a:schemeClr val="tx1"/>
+                </a:solidFill>
+                <a:effectLst/>
+                <a:latin typeface="+mn-lt"/>
+                <a:ea typeface="+mn-ea"/>
+                <a:cs typeface="+mn-cs"/>
+              </a:rPr>
+              <a:t>fruit_group.update()</a:t>
+            </a:r>
+          </a:p>
+          <a:p>
+            <a:pPr marL="228600" indent="-228600">
+              <a:buAutoNum type="arabicPeriod"/>
+            </a:pPr>
+            <a:endParaRPr lang="hu-HU" baseline="0" dirty="0" smtClean="0"/>
+          </a:p>
+          <a:p>
+            <a:pPr marL="228600" indent="-228600">
+              <a:buAutoNum type="arabicPeriod"/>
+            </a:pPr>
+            <a:endParaRPr lang="hu-HU" dirty="0"/>
+          </a:p>
+        </p:txBody>
+      </p:sp>
+      <p:sp>
+        <p:nvSpPr>
+          <p:cNvPr id="4" name="Slide Number Placeholder 3"/>
+          <p:cNvSpPr>
+            <a:spLocks noGrp="1"/>
+          </p:cNvSpPr>
+          <p:nvPr>
+            <p:ph type="sldNum" sz="quarter" idx="10"/>
+          </p:nvPr>
+        </p:nvSpPr>
+        <p:spPr/>
+        <p:txBody>
+          <a:bodyPr/>
+          <a:lstStyle/>
+          <a:p>
+            <a:fld id="{B1022D60-2C5D-4817-AA60-98F767DAA183}" type="slidenum">
+              <a:rPr lang="hu-HU" smtClean="0"/>
+              <a:t>9</a:t>
+            </a:fld>
+            <a:endParaRPr lang="hu-HU"/>
+          </a:p>
+        </p:txBody>
+      </p:sp>
+    </p:spTree>
+    <p:extLst>
+      <p:ext uri="{BB962C8B-B14F-4D97-AF65-F5344CB8AC3E}">
+        <p14:creationId xmlns:p14="http://schemas.microsoft.com/office/powerpoint/2010/main" val="424374669"/>
+      </p:ext>
+    </p:extLst>
+  </p:cSld>
+  <p:clrMapOvr>
+    <a:masterClrMapping/>
+  </p:clrMapOvr>
+</p:notes>
+</file>
+
+<file path=ppt/notesSlides/notesSlide3.xml><?xml version="1.0" encoding="utf-8"?>
+<p:notes xmlns:a="http://schemas.openxmlformats.org/drawingml/2006/main" xmlns:r="http://schemas.openxmlformats.org/officeDocument/2006/relationships" xmlns:p="http://schemas.openxmlformats.org/presentationml/2006/main">
+  <p:cSld>
+    <p:spTree>
+      <p:nvGrpSpPr>
+        <p:cNvPr id="1" name=""/>
+        <p:cNvGrpSpPr/>
+        <p:nvPr/>
+      </p:nvGrpSpPr>
+      <p:grpSpPr>
+        <a:xfrm>
+          <a:off x="0" y="0"/>
+          <a:ext cx="0" cy="0"/>
+          <a:chOff x="0" y="0"/>
+          <a:chExt cx="0" cy="0"/>
+        </a:xfrm>
+      </p:grpSpPr>
+      <p:sp>
+        <p:nvSpPr>
+          <p:cNvPr id="2" name="Slide Image Placeholder 1"/>
+          <p:cNvSpPr>
+            <a:spLocks noGrp="1" noRot="1" noChangeAspect="1"/>
+          </p:cNvSpPr>
+          <p:nvPr>
+            <p:ph type="sldImg"/>
+          </p:nvPr>
+        </p:nvSpPr>
+        <p:spPr/>
+      </p:sp>
+      <p:sp>
+        <p:nvSpPr>
+          <p:cNvPr id="3" name="Notes Placeholder 2"/>
+          <p:cNvSpPr>
+            <a:spLocks noGrp="1"/>
+          </p:cNvSpPr>
+          <p:nvPr>
+            <p:ph type="body" idx="1"/>
+          </p:nvPr>
+        </p:nvSpPr>
+        <p:spPr/>
+        <p:txBody>
+          <a:bodyPr/>
+          <a:lstStyle/>
+          <a:p>
+            <a:pPr marL="228600" indent="-228600">
+              <a:buAutoNum type="arabicPeriod"/>
+            </a:pPr>
+            <a:r>
+              <a:rPr lang="hu-HU" dirty="0" smtClean="0"/>
+              <a:t>Kötelező megadni a spritecollide-ba (sprite objektum; csoport; hogy a kill teljesüljön</a:t>
+            </a:r>
+            <a:r>
+              <a:rPr lang="hu-HU" baseline="0" dirty="0" smtClean="0"/>
+              <a:t>-&gt; true</a:t>
+            </a:r>
+            <a:r>
+              <a:rPr lang="hu-HU" dirty="0" smtClean="0"/>
+              <a:t>)</a:t>
+            </a:r>
+          </a:p>
+          <a:p>
+            <a:pPr marL="228600" indent="-228600">
+              <a:buAutoNum type="arabicPeriod"/>
+            </a:pPr>
+            <a:r>
+              <a:rPr lang="hu-HU" dirty="0" smtClean="0"/>
+              <a:t>((attact_mode eventloopban</a:t>
+            </a:r>
+            <a:r>
+              <a:rPr lang="hu-HU" baseline="0" dirty="0" smtClean="0"/>
+              <a:t> változik</a:t>
+            </a:r>
+            <a:r>
+              <a:rPr lang="hu-HU" dirty="0" smtClean="0"/>
+              <a:t>))</a:t>
+            </a:r>
+            <a:endParaRPr lang="hu-HU" dirty="0"/>
+          </a:p>
+        </p:txBody>
+      </p:sp>
+      <p:sp>
+        <p:nvSpPr>
+          <p:cNvPr id="4" name="Slide Number Placeholder 3"/>
+          <p:cNvSpPr>
+            <a:spLocks noGrp="1"/>
+          </p:cNvSpPr>
+          <p:nvPr>
+            <p:ph type="sldNum" sz="quarter" idx="10"/>
+          </p:nvPr>
+        </p:nvSpPr>
+        <p:spPr/>
+        <p:txBody>
+          <a:bodyPr/>
+          <a:lstStyle/>
+          <a:p>
+            <a:fld id="{B1022D60-2C5D-4817-AA60-98F767DAA183}" type="slidenum">
+              <a:rPr lang="hu-HU" smtClean="0"/>
+              <a:t>10</a:t>
+            </a:fld>
+            <a:endParaRPr lang="hu-HU"/>
+          </a:p>
+        </p:txBody>
+      </p:sp>
+    </p:spTree>
+    <p:extLst>
+      <p:ext uri="{BB962C8B-B14F-4D97-AF65-F5344CB8AC3E}">
+        <p14:creationId xmlns:p14="http://schemas.microsoft.com/office/powerpoint/2010/main" val="4032801644"/>
+      </p:ext>
+    </p:extLst>
+  </p:cSld>
+  <p:clrMapOvr>
+    <a:masterClrMapping/>
+  </p:clrMapOvr>
+</p:notes>
+</file>
+
+<file path=ppt/notesSlides/notesSlide4.xml><?xml version="1.0" encoding="utf-8"?>
+<p:notes xmlns:a="http://schemas.openxmlformats.org/drawingml/2006/main" xmlns:r="http://schemas.openxmlformats.org/officeDocument/2006/relationships" xmlns:p="http://schemas.openxmlformats.org/presentationml/2006/main">
+  <p:cSld>
+    <p:spTree>
+      <p:nvGrpSpPr>
+        <p:cNvPr id="1" name=""/>
+        <p:cNvGrpSpPr/>
+        <p:nvPr/>
+      </p:nvGrpSpPr>
+      <p:grpSpPr>
+        <a:xfrm>
+          <a:off x="0" y="0"/>
+          <a:ext cx="0" cy="0"/>
+          <a:chOff x="0" y="0"/>
+          <a:chExt cx="0" cy="0"/>
+        </a:xfrm>
+      </p:grpSpPr>
+      <p:sp>
+        <p:nvSpPr>
+          <p:cNvPr id="2" name="Slide Image Placeholder 1"/>
+          <p:cNvSpPr>
+            <a:spLocks noGrp="1" noRot="1" noChangeAspect="1"/>
+          </p:cNvSpPr>
+          <p:nvPr>
+            <p:ph type="sldImg"/>
+          </p:nvPr>
+        </p:nvSpPr>
+        <p:spPr/>
+      </p:sp>
+      <p:sp>
+        <p:nvSpPr>
+          <p:cNvPr id="3" name="Notes Placeholder 2"/>
+          <p:cNvSpPr>
+            <a:spLocks noGrp="1"/>
+          </p:cNvSpPr>
+          <p:nvPr>
+            <p:ph type="body" idx="1"/>
+          </p:nvPr>
+        </p:nvSpPr>
+        <p:spPr/>
+        <p:txBody>
+          <a:bodyPr/>
+          <a:lstStyle/>
+          <a:p>
+            <a:pPr marL="228600" indent="-228600">
+              <a:buAutoNum type="arabicPeriod"/>
+            </a:pPr>
+            <a:r>
+              <a:rPr lang="hu-HU" dirty="0" smtClean="0"/>
+              <a:t>Talaj nélkül</a:t>
+            </a:r>
+            <a:r>
+              <a:rPr lang="hu-HU" baseline="0" dirty="0" smtClean="0"/>
+              <a:t> nincs elrugaszkodás, gravitáció, elrugaszkodás gyorsulása, y irányú elmozdulás összegzése</a:t>
+            </a:r>
+          </a:p>
+          <a:p>
+            <a:pPr marL="228600" indent="-228600">
+              <a:buAutoNum type="arabicPeriod"/>
+            </a:pPr>
+            <a:r>
+              <a:rPr lang="hu-HU" baseline="0" dirty="0" smtClean="0"/>
+              <a:t>Egyre nagyobb mértékben növeljük az esést (1, 2, 3, 4..)</a:t>
+            </a:r>
+          </a:p>
+          <a:p>
+            <a:pPr marL="228600" indent="-228600">
+              <a:buAutoNum type="arabicPeriod"/>
+            </a:pPr>
+            <a:r>
+              <a:rPr lang="hu-HU" baseline="0" dirty="0" smtClean="0"/>
+              <a:t>Meg kell hívni minden függvényt (updateben)</a:t>
+            </a:r>
+          </a:p>
+          <a:p>
+            <a:pPr marL="228600" indent="-228600">
+              <a:buAutoNum type="arabicPeriod"/>
+            </a:pPr>
+            <a:r>
+              <a:rPr lang="hu-HU" baseline="0" dirty="0" smtClean="0"/>
+              <a:t>Rect objektumon hívjuk a colliederect metódust(ha ütközik a platformmal)</a:t>
+            </a:r>
+          </a:p>
+          <a:p>
+            <a:pPr marL="228600" indent="-228600">
+              <a:buAutoNum type="arabicPeriod"/>
+            </a:pPr>
+            <a:r>
+              <a:rPr lang="hu-HU" baseline="0" dirty="0" smtClean="0"/>
+              <a:t>Dy lenullázása -&gt; egyre növekvő erő lenullázása</a:t>
+            </a:r>
+          </a:p>
+          <a:p>
+            <a:pPr marL="228600" indent="-228600">
+              <a:buAutoNum type="arabicPeriod"/>
+            </a:pPr>
+            <a:r>
+              <a:rPr lang="hu-HU" baseline="0" dirty="0" smtClean="0"/>
+              <a:t>((eventloopban ha K_UP és On_platform igaz-e -&gt; ugrás))</a:t>
+            </a:r>
+          </a:p>
+          <a:p>
+            <a:pPr marL="228600" indent="-228600">
+              <a:buAutoNum type="arabicPeriod"/>
+            </a:pPr>
+            <a:endParaRPr lang="hu-HU" baseline="0" dirty="0" smtClean="0"/>
+          </a:p>
+          <a:p>
+            <a:pPr marL="228600" indent="-228600">
+              <a:buAutoNum type="arabicPeriod"/>
+            </a:pPr>
+            <a:endParaRPr lang="hu-HU" dirty="0"/>
+          </a:p>
+        </p:txBody>
+      </p:sp>
+      <p:sp>
+        <p:nvSpPr>
+          <p:cNvPr id="4" name="Slide Number Placeholder 3"/>
+          <p:cNvSpPr>
+            <a:spLocks noGrp="1"/>
+          </p:cNvSpPr>
+          <p:nvPr>
+            <p:ph type="sldNum" sz="quarter" idx="10"/>
+          </p:nvPr>
+        </p:nvSpPr>
+        <p:spPr/>
+        <p:txBody>
+          <a:bodyPr/>
+          <a:lstStyle/>
+          <a:p>
+            <a:fld id="{B1022D60-2C5D-4817-AA60-98F767DAA183}" type="slidenum">
+              <a:rPr lang="hu-HU" smtClean="0"/>
+              <a:t>11</a:t>
+            </a:fld>
+            <a:endParaRPr lang="hu-HU"/>
+          </a:p>
+        </p:txBody>
+      </p:sp>
+    </p:spTree>
+    <p:extLst>
+      <p:ext uri="{BB962C8B-B14F-4D97-AF65-F5344CB8AC3E}">
+        <p14:creationId xmlns:p14="http://schemas.microsoft.com/office/powerpoint/2010/main" val="1347848215"/>
+      </p:ext>
+    </p:extLst>
+  </p:cSld>
+  <p:clrMapOvr>
+    <a:masterClrMapping/>
+  </p:clrMapOvr>
+</p:notes>
+</file>
+
 <file path=ppt/slideLayouts/slideLayout1.xml><?xml version="1.0" encoding="utf-8"?>
 <p:sldLayout xmlns:a="http://schemas.openxmlformats.org/drawingml/2006/main" xmlns:r="http://schemas.openxmlformats.org/officeDocument/2006/relationships" xmlns:p="http://schemas.openxmlformats.org/presentationml/2006/main" type="title" preserve="1">
   <p:cSld name="Címdia">
@@ -521,7 +1082,7 @@
           <p:cNvPr id="2" name="Cím 1">
             <a:extLst>
               <a:ext uri="{FF2B5EF4-FFF2-40B4-BE49-F238E27FC236}">
-                <a16:creationId xmlns:a16="http://schemas.microsoft.com/office/drawing/2014/main" id="{79B6456A-B89F-DB5E-FE02-0F1DA12AD99C}"/>
+                <a16:creationId xmlns:a16="http://schemas.microsoft.com/office/drawing/2014/main" xmlns="" id="{79B6456A-B89F-DB5E-FE02-0F1DA12AD99C}"/>
               </a:ext>
             </a:extLst>
           </p:cNvPr>
@@ -558,7 +1119,7 @@
           <p:cNvPr id="3" name="Alcím 2">
             <a:extLst>
               <a:ext uri="{FF2B5EF4-FFF2-40B4-BE49-F238E27FC236}">
-                <a16:creationId xmlns:a16="http://schemas.microsoft.com/office/drawing/2014/main" id="{A6DE1E2A-F8A7-5B84-A151-03A46EFC33A0}"/>
+                <a16:creationId xmlns:a16="http://schemas.microsoft.com/office/drawing/2014/main" xmlns="" id="{A6DE1E2A-F8A7-5B84-A151-03A46EFC33A0}"/>
               </a:ext>
             </a:extLst>
           </p:cNvPr>
@@ -628,7 +1189,7 @@
           <p:cNvPr id="4" name="Dátum helye 3">
             <a:extLst>
               <a:ext uri="{FF2B5EF4-FFF2-40B4-BE49-F238E27FC236}">
-                <a16:creationId xmlns:a16="http://schemas.microsoft.com/office/drawing/2014/main" id="{F980237B-C6D6-EEEC-6B52-84C67949BF3B}"/>
+                <a16:creationId xmlns:a16="http://schemas.microsoft.com/office/drawing/2014/main" xmlns="" id="{F980237B-C6D6-EEEC-6B52-84C67949BF3B}"/>
               </a:ext>
             </a:extLst>
           </p:cNvPr>
@@ -646,7 +1207,7 @@
           <a:p>
             <a:fld id="{8E532DDB-289F-42C2-8F57-09A656E29423}" type="datetimeFigureOut">
               <a:rPr lang="hu-HU" smtClean="0"/>
-              <a:t>2024.02.08</a:t>
+              <a:t>2024. 02. 08.</a:t>
             </a:fld>
             <a:endParaRPr lang="hu-HU"/>
           </a:p>
@@ -657,7 +1218,7 @@
           <p:cNvPr id="5" name="Élőláb helye 4">
             <a:extLst>
               <a:ext uri="{FF2B5EF4-FFF2-40B4-BE49-F238E27FC236}">
-                <a16:creationId xmlns:a16="http://schemas.microsoft.com/office/drawing/2014/main" id="{28C59F81-E057-3434-B32E-2F293C18052C}"/>
+                <a16:creationId xmlns:a16="http://schemas.microsoft.com/office/drawing/2014/main" xmlns="" id="{28C59F81-E057-3434-B32E-2F293C18052C}"/>
               </a:ext>
             </a:extLst>
           </p:cNvPr>
@@ -682,7 +1243,7 @@
           <p:cNvPr id="6" name="Dia számának helye 5">
             <a:extLst>
               <a:ext uri="{FF2B5EF4-FFF2-40B4-BE49-F238E27FC236}">
-                <a16:creationId xmlns:a16="http://schemas.microsoft.com/office/drawing/2014/main" id="{C1AF783E-2A3F-DDD6-8CA2-C976E1B0C6A1}"/>
+                <a16:creationId xmlns:a16="http://schemas.microsoft.com/office/drawing/2014/main" xmlns="" id="{C1AF783E-2A3F-DDD6-8CA2-C976E1B0C6A1}"/>
               </a:ext>
             </a:extLst>
           </p:cNvPr>
@@ -741,7 +1302,7 @@
           <p:cNvPr id="2" name="Cím 1">
             <a:extLst>
               <a:ext uri="{FF2B5EF4-FFF2-40B4-BE49-F238E27FC236}">
-                <a16:creationId xmlns:a16="http://schemas.microsoft.com/office/drawing/2014/main" id="{DDA30CDC-3A8E-3316-F1FC-A9220E50C37B}"/>
+                <a16:creationId xmlns:a16="http://schemas.microsoft.com/office/drawing/2014/main" xmlns="" id="{DDA30CDC-3A8E-3316-F1FC-A9220E50C37B}"/>
               </a:ext>
             </a:extLst>
           </p:cNvPr>
@@ -769,7 +1330,7 @@
           <p:cNvPr id="3" name="Függőleges szöveg helye 2">
             <a:extLst>
               <a:ext uri="{FF2B5EF4-FFF2-40B4-BE49-F238E27FC236}">
-                <a16:creationId xmlns:a16="http://schemas.microsoft.com/office/drawing/2014/main" id="{83D8B0E5-C35F-E4C0-6AC3-2B5A64F7A76F}"/>
+                <a16:creationId xmlns:a16="http://schemas.microsoft.com/office/drawing/2014/main" xmlns="" id="{83D8B0E5-C35F-E4C0-6AC3-2B5A64F7A76F}"/>
               </a:ext>
             </a:extLst>
           </p:cNvPr>
@@ -826,7 +1387,7 @@
           <p:cNvPr id="4" name="Dátum helye 3">
             <a:extLst>
               <a:ext uri="{FF2B5EF4-FFF2-40B4-BE49-F238E27FC236}">
-                <a16:creationId xmlns:a16="http://schemas.microsoft.com/office/drawing/2014/main" id="{27E917AB-2C23-72BC-58BD-AD4F821B36F8}"/>
+                <a16:creationId xmlns:a16="http://schemas.microsoft.com/office/drawing/2014/main" xmlns="" id="{27E917AB-2C23-72BC-58BD-AD4F821B36F8}"/>
               </a:ext>
             </a:extLst>
           </p:cNvPr>
@@ -844,7 +1405,7 @@
           <a:p>
             <a:fld id="{8E532DDB-289F-42C2-8F57-09A656E29423}" type="datetimeFigureOut">
               <a:rPr lang="hu-HU" smtClean="0"/>
-              <a:t>2024.02.08</a:t>
+              <a:t>2024. 02. 08.</a:t>
             </a:fld>
             <a:endParaRPr lang="hu-HU"/>
           </a:p>
@@ -855,7 +1416,7 @@
           <p:cNvPr id="5" name="Élőláb helye 4">
             <a:extLst>
               <a:ext uri="{FF2B5EF4-FFF2-40B4-BE49-F238E27FC236}">
-                <a16:creationId xmlns:a16="http://schemas.microsoft.com/office/drawing/2014/main" id="{4B6D012D-1C6A-411E-6219-2F45E5523C6B}"/>
+                <a16:creationId xmlns:a16="http://schemas.microsoft.com/office/drawing/2014/main" xmlns="" id="{4B6D012D-1C6A-411E-6219-2F45E5523C6B}"/>
               </a:ext>
             </a:extLst>
           </p:cNvPr>
@@ -880,7 +1441,7 @@
           <p:cNvPr id="6" name="Dia számának helye 5">
             <a:extLst>
               <a:ext uri="{FF2B5EF4-FFF2-40B4-BE49-F238E27FC236}">
-                <a16:creationId xmlns:a16="http://schemas.microsoft.com/office/drawing/2014/main" id="{5F592276-49E8-0983-AC04-5D66492B2658}"/>
+                <a16:creationId xmlns:a16="http://schemas.microsoft.com/office/drawing/2014/main" xmlns="" id="{5F592276-49E8-0983-AC04-5D66492B2658}"/>
               </a:ext>
             </a:extLst>
           </p:cNvPr>
@@ -939,7 +1500,7 @@
           <p:cNvPr id="2" name="Függőleges cím 1">
             <a:extLst>
               <a:ext uri="{FF2B5EF4-FFF2-40B4-BE49-F238E27FC236}">
-                <a16:creationId xmlns:a16="http://schemas.microsoft.com/office/drawing/2014/main" id="{A6B2959D-F0DB-7505-3887-5F0F8A4ED834}"/>
+                <a16:creationId xmlns:a16="http://schemas.microsoft.com/office/drawing/2014/main" xmlns="" id="{A6B2959D-F0DB-7505-3887-5F0F8A4ED834}"/>
               </a:ext>
             </a:extLst>
           </p:cNvPr>
@@ -972,7 +1533,7 @@
           <p:cNvPr id="3" name="Függőleges szöveg helye 2">
             <a:extLst>
               <a:ext uri="{FF2B5EF4-FFF2-40B4-BE49-F238E27FC236}">
-                <a16:creationId xmlns:a16="http://schemas.microsoft.com/office/drawing/2014/main" id="{20E0E6C5-085C-D09C-084F-C460729F9E6D}"/>
+                <a16:creationId xmlns:a16="http://schemas.microsoft.com/office/drawing/2014/main" xmlns="" id="{20E0E6C5-085C-D09C-084F-C460729F9E6D}"/>
               </a:ext>
             </a:extLst>
           </p:cNvPr>
@@ -1034,7 +1595,7 @@
           <p:cNvPr id="4" name="Dátum helye 3">
             <a:extLst>
               <a:ext uri="{FF2B5EF4-FFF2-40B4-BE49-F238E27FC236}">
-                <a16:creationId xmlns:a16="http://schemas.microsoft.com/office/drawing/2014/main" id="{DFF17BF3-0335-8A93-5A46-EC3F20E0ADE1}"/>
+                <a16:creationId xmlns:a16="http://schemas.microsoft.com/office/drawing/2014/main" xmlns="" id="{DFF17BF3-0335-8A93-5A46-EC3F20E0ADE1}"/>
               </a:ext>
             </a:extLst>
           </p:cNvPr>
@@ -1052,7 +1613,7 @@
           <a:p>
             <a:fld id="{8E532DDB-289F-42C2-8F57-09A656E29423}" type="datetimeFigureOut">
               <a:rPr lang="hu-HU" smtClean="0"/>
-              <a:t>2024.02.08</a:t>
+              <a:t>2024. 02. 08.</a:t>
             </a:fld>
             <a:endParaRPr lang="hu-HU"/>
           </a:p>
@@ -1063,7 +1624,7 @@
           <p:cNvPr id="5" name="Élőláb helye 4">
             <a:extLst>
               <a:ext uri="{FF2B5EF4-FFF2-40B4-BE49-F238E27FC236}">
-                <a16:creationId xmlns:a16="http://schemas.microsoft.com/office/drawing/2014/main" id="{3AFF700C-B4A6-FF55-FA3A-937997218C71}"/>
+                <a16:creationId xmlns:a16="http://schemas.microsoft.com/office/drawing/2014/main" xmlns="" id="{3AFF700C-B4A6-FF55-FA3A-937997218C71}"/>
               </a:ext>
             </a:extLst>
           </p:cNvPr>
@@ -1088,7 +1649,7 @@
           <p:cNvPr id="6" name="Dia számának helye 5">
             <a:extLst>
               <a:ext uri="{FF2B5EF4-FFF2-40B4-BE49-F238E27FC236}">
-                <a16:creationId xmlns:a16="http://schemas.microsoft.com/office/drawing/2014/main" id="{B456B9AE-E4C3-00FA-5622-26ECD962BC14}"/>
+                <a16:creationId xmlns:a16="http://schemas.microsoft.com/office/drawing/2014/main" xmlns="" id="{B456B9AE-E4C3-00FA-5622-26ECD962BC14}"/>
               </a:ext>
             </a:extLst>
           </p:cNvPr>
@@ -1147,7 +1708,7 @@
           <p:cNvPr id="2" name="Cím 1">
             <a:extLst>
               <a:ext uri="{FF2B5EF4-FFF2-40B4-BE49-F238E27FC236}">
-                <a16:creationId xmlns:a16="http://schemas.microsoft.com/office/drawing/2014/main" id="{8F09B032-43DE-EB55-9460-DDEBB15DC2E7}"/>
+                <a16:creationId xmlns:a16="http://schemas.microsoft.com/office/drawing/2014/main" xmlns="" id="{8F09B032-43DE-EB55-9460-DDEBB15DC2E7}"/>
               </a:ext>
             </a:extLst>
           </p:cNvPr>
@@ -1175,7 +1736,7 @@
           <p:cNvPr id="3" name="Tartalom helye 2">
             <a:extLst>
               <a:ext uri="{FF2B5EF4-FFF2-40B4-BE49-F238E27FC236}">
-                <a16:creationId xmlns:a16="http://schemas.microsoft.com/office/drawing/2014/main" id="{93761993-65DF-B03B-15A1-DAAA88CF63C3}"/>
+                <a16:creationId xmlns:a16="http://schemas.microsoft.com/office/drawing/2014/main" xmlns="" id="{93761993-65DF-B03B-15A1-DAAA88CF63C3}"/>
               </a:ext>
             </a:extLst>
           </p:cNvPr>
@@ -1232,7 +1793,7 @@
           <p:cNvPr id="4" name="Dátum helye 3">
             <a:extLst>
               <a:ext uri="{FF2B5EF4-FFF2-40B4-BE49-F238E27FC236}">
-                <a16:creationId xmlns:a16="http://schemas.microsoft.com/office/drawing/2014/main" id="{EC19022C-9411-F196-94CA-7EB83954162C}"/>
+                <a16:creationId xmlns:a16="http://schemas.microsoft.com/office/drawing/2014/main" xmlns="" id="{EC19022C-9411-F196-94CA-7EB83954162C}"/>
               </a:ext>
             </a:extLst>
           </p:cNvPr>
@@ -1250,7 +1811,7 @@
           <a:p>
             <a:fld id="{8E532DDB-289F-42C2-8F57-09A656E29423}" type="datetimeFigureOut">
               <a:rPr lang="hu-HU" smtClean="0"/>
-              <a:t>2024.02.08</a:t>
+              <a:t>2024. 02. 08.</a:t>
             </a:fld>
             <a:endParaRPr lang="hu-HU"/>
           </a:p>
@@ -1261,7 +1822,7 @@
           <p:cNvPr id="5" name="Élőláb helye 4">
             <a:extLst>
               <a:ext uri="{FF2B5EF4-FFF2-40B4-BE49-F238E27FC236}">
-                <a16:creationId xmlns:a16="http://schemas.microsoft.com/office/drawing/2014/main" id="{D92C1323-42F5-817C-23A6-5BD482993B91}"/>
+                <a16:creationId xmlns:a16="http://schemas.microsoft.com/office/drawing/2014/main" xmlns="" id="{D92C1323-42F5-817C-23A6-5BD482993B91}"/>
               </a:ext>
             </a:extLst>
           </p:cNvPr>
@@ -1286,7 +1847,7 @@
           <p:cNvPr id="6" name="Dia számának helye 5">
             <a:extLst>
               <a:ext uri="{FF2B5EF4-FFF2-40B4-BE49-F238E27FC236}">
-                <a16:creationId xmlns:a16="http://schemas.microsoft.com/office/drawing/2014/main" id="{7AAADE6D-0E59-9965-FCC6-DEC79020261D}"/>
+                <a16:creationId xmlns:a16="http://schemas.microsoft.com/office/drawing/2014/main" xmlns="" id="{7AAADE6D-0E59-9965-FCC6-DEC79020261D}"/>
               </a:ext>
             </a:extLst>
           </p:cNvPr>
@@ -1345,7 +1906,7 @@
           <p:cNvPr id="2" name="Cím 1">
             <a:extLst>
               <a:ext uri="{FF2B5EF4-FFF2-40B4-BE49-F238E27FC236}">
-                <a16:creationId xmlns:a16="http://schemas.microsoft.com/office/drawing/2014/main" id="{7A4FD609-97C6-FDCF-196C-C04CE372C3DE}"/>
+                <a16:creationId xmlns:a16="http://schemas.microsoft.com/office/drawing/2014/main" xmlns="" id="{7A4FD609-97C6-FDCF-196C-C04CE372C3DE}"/>
               </a:ext>
             </a:extLst>
           </p:cNvPr>
@@ -1382,7 +1943,7 @@
           <p:cNvPr id="3" name="Szöveg helye 2">
             <a:extLst>
               <a:ext uri="{FF2B5EF4-FFF2-40B4-BE49-F238E27FC236}">
-                <a16:creationId xmlns:a16="http://schemas.microsoft.com/office/drawing/2014/main" id="{5FF2CCF6-3BEC-B1BD-A408-1E0E439D4494}"/>
+                <a16:creationId xmlns:a16="http://schemas.microsoft.com/office/drawing/2014/main" xmlns="" id="{5FF2CCF6-3BEC-B1BD-A408-1E0E439D4494}"/>
               </a:ext>
             </a:extLst>
           </p:cNvPr>
@@ -1507,7 +2068,7 @@
           <p:cNvPr id="4" name="Dátum helye 3">
             <a:extLst>
               <a:ext uri="{FF2B5EF4-FFF2-40B4-BE49-F238E27FC236}">
-                <a16:creationId xmlns:a16="http://schemas.microsoft.com/office/drawing/2014/main" id="{02D96E93-B7FD-52C4-1976-571A32AA135C}"/>
+                <a16:creationId xmlns:a16="http://schemas.microsoft.com/office/drawing/2014/main" xmlns="" id="{02D96E93-B7FD-52C4-1976-571A32AA135C}"/>
               </a:ext>
             </a:extLst>
           </p:cNvPr>
@@ -1525,7 +2086,7 @@
           <a:p>
             <a:fld id="{8E532DDB-289F-42C2-8F57-09A656E29423}" type="datetimeFigureOut">
               <a:rPr lang="hu-HU" smtClean="0"/>
-              <a:t>2024.02.08</a:t>
+              <a:t>2024. 02. 08.</a:t>
             </a:fld>
             <a:endParaRPr lang="hu-HU"/>
           </a:p>
@@ -1536,7 +2097,7 @@
           <p:cNvPr id="5" name="Élőláb helye 4">
             <a:extLst>
               <a:ext uri="{FF2B5EF4-FFF2-40B4-BE49-F238E27FC236}">
-                <a16:creationId xmlns:a16="http://schemas.microsoft.com/office/drawing/2014/main" id="{427CAFE0-46BC-55A4-87F5-A8059EC7A0F7}"/>
+                <a16:creationId xmlns:a16="http://schemas.microsoft.com/office/drawing/2014/main" xmlns="" id="{427CAFE0-46BC-55A4-87F5-A8059EC7A0F7}"/>
               </a:ext>
             </a:extLst>
           </p:cNvPr>
@@ -1561,7 +2122,7 @@
           <p:cNvPr id="6" name="Dia számának helye 5">
             <a:extLst>
               <a:ext uri="{FF2B5EF4-FFF2-40B4-BE49-F238E27FC236}">
-                <a16:creationId xmlns:a16="http://schemas.microsoft.com/office/drawing/2014/main" id="{CC3EFF7C-F069-DFE5-3306-0E561AF4AE11}"/>
+                <a16:creationId xmlns:a16="http://schemas.microsoft.com/office/drawing/2014/main" xmlns="" id="{CC3EFF7C-F069-DFE5-3306-0E561AF4AE11}"/>
               </a:ext>
             </a:extLst>
           </p:cNvPr>
@@ -1620,7 +2181,7 @@
           <p:cNvPr id="2" name="Cím 1">
             <a:extLst>
               <a:ext uri="{FF2B5EF4-FFF2-40B4-BE49-F238E27FC236}">
-                <a16:creationId xmlns:a16="http://schemas.microsoft.com/office/drawing/2014/main" id="{DD16BD1C-A96C-C433-11C4-7FB2F9CF4217}"/>
+                <a16:creationId xmlns:a16="http://schemas.microsoft.com/office/drawing/2014/main" xmlns="" id="{DD16BD1C-A96C-C433-11C4-7FB2F9CF4217}"/>
               </a:ext>
             </a:extLst>
           </p:cNvPr>
@@ -1648,7 +2209,7 @@
           <p:cNvPr id="3" name="Tartalom helye 2">
             <a:extLst>
               <a:ext uri="{FF2B5EF4-FFF2-40B4-BE49-F238E27FC236}">
-                <a16:creationId xmlns:a16="http://schemas.microsoft.com/office/drawing/2014/main" id="{216662B5-E8AA-B1E7-B29B-CC9EA1747EB8}"/>
+                <a16:creationId xmlns:a16="http://schemas.microsoft.com/office/drawing/2014/main" xmlns="" id="{216662B5-E8AA-B1E7-B29B-CC9EA1747EB8}"/>
               </a:ext>
             </a:extLst>
           </p:cNvPr>
@@ -1710,7 +2271,7 @@
           <p:cNvPr id="4" name="Tartalom helye 3">
             <a:extLst>
               <a:ext uri="{FF2B5EF4-FFF2-40B4-BE49-F238E27FC236}">
-                <a16:creationId xmlns:a16="http://schemas.microsoft.com/office/drawing/2014/main" id="{F91EB719-6D94-619D-DA44-432529F07A64}"/>
+                <a16:creationId xmlns:a16="http://schemas.microsoft.com/office/drawing/2014/main" xmlns="" id="{F91EB719-6D94-619D-DA44-432529F07A64}"/>
               </a:ext>
             </a:extLst>
           </p:cNvPr>
@@ -1772,7 +2333,7 @@
           <p:cNvPr id="5" name="Dátum helye 4">
             <a:extLst>
               <a:ext uri="{FF2B5EF4-FFF2-40B4-BE49-F238E27FC236}">
-                <a16:creationId xmlns:a16="http://schemas.microsoft.com/office/drawing/2014/main" id="{F719282D-DF51-71E0-FA65-579C7251FFED}"/>
+                <a16:creationId xmlns:a16="http://schemas.microsoft.com/office/drawing/2014/main" xmlns="" id="{F719282D-DF51-71E0-FA65-579C7251FFED}"/>
               </a:ext>
             </a:extLst>
           </p:cNvPr>
@@ -1790,7 +2351,7 @@
           <a:p>
             <a:fld id="{8E532DDB-289F-42C2-8F57-09A656E29423}" type="datetimeFigureOut">
               <a:rPr lang="hu-HU" smtClean="0"/>
-              <a:t>2024.02.08</a:t>
+              <a:t>2024. 02. 08.</a:t>
             </a:fld>
             <a:endParaRPr lang="hu-HU"/>
           </a:p>
@@ -1801,7 +2362,7 @@
           <p:cNvPr id="6" name="Élőláb helye 5">
             <a:extLst>
               <a:ext uri="{FF2B5EF4-FFF2-40B4-BE49-F238E27FC236}">
-                <a16:creationId xmlns:a16="http://schemas.microsoft.com/office/drawing/2014/main" id="{9CA010A5-65CA-F06E-E671-C1073A8C6DFA}"/>
+                <a16:creationId xmlns:a16="http://schemas.microsoft.com/office/drawing/2014/main" xmlns="" id="{9CA010A5-65CA-F06E-E671-C1073A8C6DFA}"/>
               </a:ext>
             </a:extLst>
           </p:cNvPr>
@@ -1826,7 +2387,7 @@
           <p:cNvPr id="7" name="Dia számának helye 6">
             <a:extLst>
               <a:ext uri="{FF2B5EF4-FFF2-40B4-BE49-F238E27FC236}">
-                <a16:creationId xmlns:a16="http://schemas.microsoft.com/office/drawing/2014/main" id="{16635656-463D-7407-9573-D0E1E69DA9BA}"/>
+                <a16:creationId xmlns:a16="http://schemas.microsoft.com/office/drawing/2014/main" xmlns="" id="{16635656-463D-7407-9573-D0E1E69DA9BA}"/>
               </a:ext>
             </a:extLst>
           </p:cNvPr>
@@ -1893,7 +2454,7 @@
           <p:cNvPr id="10" name="Téglalap: lekerekített 9">
             <a:extLst>
               <a:ext uri="{FF2B5EF4-FFF2-40B4-BE49-F238E27FC236}">
-                <a16:creationId xmlns:a16="http://schemas.microsoft.com/office/drawing/2014/main" id="{5C929177-02C2-6B75-4903-1A897B6B857B}"/>
+                <a16:creationId xmlns:a16="http://schemas.microsoft.com/office/drawing/2014/main" xmlns="" id="{5C929177-02C2-6B75-4903-1A897B6B857B}"/>
               </a:ext>
             </a:extLst>
           </p:cNvPr>
@@ -1950,7 +2511,7 @@
           <p:cNvPr id="12" name="Téglalap: lekerekített 11">
             <a:extLst>
               <a:ext uri="{FF2B5EF4-FFF2-40B4-BE49-F238E27FC236}">
-                <a16:creationId xmlns:a16="http://schemas.microsoft.com/office/drawing/2014/main" id="{4263DA3D-3720-84C8-46EF-56A35EEE76D5}"/>
+                <a16:creationId xmlns:a16="http://schemas.microsoft.com/office/drawing/2014/main" xmlns="" id="{4263DA3D-3720-84C8-46EF-56A35EEE76D5}"/>
               </a:ext>
             </a:extLst>
           </p:cNvPr>
@@ -2036,7 +2597,7 @@
           <p:cNvPr id="2" name="Cím 1">
             <a:extLst>
               <a:ext uri="{FF2B5EF4-FFF2-40B4-BE49-F238E27FC236}">
-                <a16:creationId xmlns:a16="http://schemas.microsoft.com/office/drawing/2014/main" id="{9BB4D70D-713A-8887-D67D-44EF31009DDB}"/>
+                <a16:creationId xmlns:a16="http://schemas.microsoft.com/office/drawing/2014/main" xmlns="" id="{9BB4D70D-713A-8887-D67D-44EF31009DDB}"/>
               </a:ext>
             </a:extLst>
           </p:cNvPr>
@@ -2064,7 +2625,7 @@
           <p:cNvPr id="3" name="Dátum helye 2">
             <a:extLst>
               <a:ext uri="{FF2B5EF4-FFF2-40B4-BE49-F238E27FC236}">
-                <a16:creationId xmlns:a16="http://schemas.microsoft.com/office/drawing/2014/main" id="{38F97F01-6921-2071-E7CF-B953B6A631B9}"/>
+                <a16:creationId xmlns:a16="http://schemas.microsoft.com/office/drawing/2014/main" xmlns="" id="{38F97F01-6921-2071-E7CF-B953B6A631B9}"/>
               </a:ext>
             </a:extLst>
           </p:cNvPr>
@@ -2082,7 +2643,7 @@
           <a:p>
             <a:fld id="{8E532DDB-289F-42C2-8F57-09A656E29423}" type="datetimeFigureOut">
               <a:rPr lang="hu-HU" smtClean="0"/>
-              <a:t>2024.02.08</a:t>
+              <a:t>2024. 02. 08.</a:t>
             </a:fld>
             <a:endParaRPr lang="hu-HU"/>
           </a:p>
@@ -2093,7 +2654,7 @@
           <p:cNvPr id="4" name="Élőláb helye 3">
             <a:extLst>
               <a:ext uri="{FF2B5EF4-FFF2-40B4-BE49-F238E27FC236}">
-                <a16:creationId xmlns:a16="http://schemas.microsoft.com/office/drawing/2014/main" id="{792745E5-843C-C4BC-0A40-C73AF021DF1B}"/>
+                <a16:creationId xmlns:a16="http://schemas.microsoft.com/office/drawing/2014/main" xmlns="" id="{792745E5-843C-C4BC-0A40-C73AF021DF1B}"/>
               </a:ext>
             </a:extLst>
           </p:cNvPr>
@@ -2118,7 +2679,7 @@
           <p:cNvPr id="5" name="Dia számának helye 4">
             <a:extLst>
               <a:ext uri="{FF2B5EF4-FFF2-40B4-BE49-F238E27FC236}">
-                <a16:creationId xmlns:a16="http://schemas.microsoft.com/office/drawing/2014/main" id="{368A0A24-A47E-950C-021B-05FD744DD010}"/>
+                <a16:creationId xmlns:a16="http://schemas.microsoft.com/office/drawing/2014/main" xmlns="" id="{368A0A24-A47E-950C-021B-05FD744DD010}"/>
               </a:ext>
             </a:extLst>
           </p:cNvPr>
@@ -2185,7 +2746,7 @@
           <p:cNvPr id="5" name="Ellipszis 4">
             <a:extLst>
               <a:ext uri="{FF2B5EF4-FFF2-40B4-BE49-F238E27FC236}">
-                <a16:creationId xmlns:a16="http://schemas.microsoft.com/office/drawing/2014/main" id="{A0BDDF6C-542F-81C9-9F4B-8813C7292558}"/>
+                <a16:creationId xmlns:a16="http://schemas.microsoft.com/office/drawing/2014/main" xmlns="" id="{A0BDDF6C-542F-81C9-9F4B-8813C7292558}"/>
               </a:ext>
             </a:extLst>
           </p:cNvPr>
@@ -2244,7 +2805,7 @@
           <p:cNvPr id="6" name="Ellipszis 5">
             <a:extLst>
               <a:ext uri="{FF2B5EF4-FFF2-40B4-BE49-F238E27FC236}">
-                <a16:creationId xmlns:a16="http://schemas.microsoft.com/office/drawing/2014/main" id="{9D7F498D-E1BA-D32F-5381-088641790353}"/>
+                <a16:creationId xmlns:a16="http://schemas.microsoft.com/office/drawing/2014/main" xmlns="" id="{9D7F498D-E1BA-D32F-5381-088641790353}"/>
               </a:ext>
             </a:extLst>
           </p:cNvPr>
@@ -2330,7 +2891,7 @@
           <p:cNvPr id="2" name="Cím 1">
             <a:extLst>
               <a:ext uri="{FF2B5EF4-FFF2-40B4-BE49-F238E27FC236}">
-                <a16:creationId xmlns:a16="http://schemas.microsoft.com/office/drawing/2014/main" id="{4BA820B7-A734-61BA-025C-8A1D6FB9D823}"/>
+                <a16:creationId xmlns:a16="http://schemas.microsoft.com/office/drawing/2014/main" xmlns="" id="{4BA820B7-A734-61BA-025C-8A1D6FB9D823}"/>
               </a:ext>
             </a:extLst>
           </p:cNvPr>
@@ -2367,7 +2928,7 @@
           <p:cNvPr id="3" name="Tartalom helye 2">
             <a:extLst>
               <a:ext uri="{FF2B5EF4-FFF2-40B4-BE49-F238E27FC236}">
-                <a16:creationId xmlns:a16="http://schemas.microsoft.com/office/drawing/2014/main" id="{D85A7804-99D9-2553-C6EE-AE084D6A85BE}"/>
+                <a16:creationId xmlns:a16="http://schemas.microsoft.com/office/drawing/2014/main" xmlns="" id="{D85A7804-99D9-2553-C6EE-AE084D6A85BE}"/>
               </a:ext>
             </a:extLst>
           </p:cNvPr>
@@ -2457,7 +3018,7 @@
           <p:cNvPr id="4" name="Szöveg helye 3">
             <a:extLst>
               <a:ext uri="{FF2B5EF4-FFF2-40B4-BE49-F238E27FC236}">
-                <a16:creationId xmlns:a16="http://schemas.microsoft.com/office/drawing/2014/main" id="{6E20636C-67A0-A9ED-9447-E65E3DBC68BE}"/>
+                <a16:creationId xmlns:a16="http://schemas.microsoft.com/office/drawing/2014/main" xmlns="" id="{6E20636C-67A0-A9ED-9447-E65E3DBC68BE}"/>
               </a:ext>
             </a:extLst>
           </p:cNvPr>
@@ -2528,7 +3089,7 @@
           <p:cNvPr id="5" name="Dátum helye 4">
             <a:extLst>
               <a:ext uri="{FF2B5EF4-FFF2-40B4-BE49-F238E27FC236}">
-                <a16:creationId xmlns:a16="http://schemas.microsoft.com/office/drawing/2014/main" id="{9F312683-9595-AE25-326A-8C5877B6B683}"/>
+                <a16:creationId xmlns:a16="http://schemas.microsoft.com/office/drawing/2014/main" xmlns="" id="{9F312683-9595-AE25-326A-8C5877B6B683}"/>
               </a:ext>
             </a:extLst>
           </p:cNvPr>
@@ -2546,7 +3107,7 @@
           <a:p>
             <a:fld id="{8E532DDB-289F-42C2-8F57-09A656E29423}" type="datetimeFigureOut">
               <a:rPr lang="hu-HU" smtClean="0"/>
-              <a:t>2024.02.08</a:t>
+              <a:t>2024. 02. 08.</a:t>
             </a:fld>
             <a:endParaRPr lang="hu-HU"/>
           </a:p>
@@ -2557,7 +3118,7 @@
           <p:cNvPr id="6" name="Élőláb helye 5">
             <a:extLst>
               <a:ext uri="{FF2B5EF4-FFF2-40B4-BE49-F238E27FC236}">
-                <a16:creationId xmlns:a16="http://schemas.microsoft.com/office/drawing/2014/main" id="{8966127D-5FB5-31BD-9ADA-D2182F34B42E}"/>
+                <a16:creationId xmlns:a16="http://schemas.microsoft.com/office/drawing/2014/main" xmlns="" id="{8966127D-5FB5-31BD-9ADA-D2182F34B42E}"/>
               </a:ext>
             </a:extLst>
           </p:cNvPr>
@@ -2582,7 +3143,7 @@
           <p:cNvPr id="7" name="Dia számának helye 6">
             <a:extLst>
               <a:ext uri="{FF2B5EF4-FFF2-40B4-BE49-F238E27FC236}">
-                <a16:creationId xmlns:a16="http://schemas.microsoft.com/office/drawing/2014/main" id="{9D7BE2A7-FA0F-D1CB-4C81-4F42A7317EDA}"/>
+                <a16:creationId xmlns:a16="http://schemas.microsoft.com/office/drawing/2014/main" xmlns="" id="{9D7BE2A7-FA0F-D1CB-4C81-4F42A7317EDA}"/>
               </a:ext>
             </a:extLst>
           </p:cNvPr>
@@ -2641,7 +3202,7 @@
           <p:cNvPr id="2" name="Cím 1">
             <a:extLst>
               <a:ext uri="{FF2B5EF4-FFF2-40B4-BE49-F238E27FC236}">
-                <a16:creationId xmlns:a16="http://schemas.microsoft.com/office/drawing/2014/main" id="{B0784514-8C93-1D41-0ADC-AE65182FDD80}"/>
+                <a16:creationId xmlns:a16="http://schemas.microsoft.com/office/drawing/2014/main" xmlns="" id="{B0784514-8C93-1D41-0ADC-AE65182FDD80}"/>
               </a:ext>
             </a:extLst>
           </p:cNvPr>
@@ -2678,7 +3239,7 @@
           <p:cNvPr id="3" name="Kép helye 2">
             <a:extLst>
               <a:ext uri="{FF2B5EF4-FFF2-40B4-BE49-F238E27FC236}">
-                <a16:creationId xmlns:a16="http://schemas.microsoft.com/office/drawing/2014/main" id="{A322284F-F90F-B535-EB30-0E01F4BBCD18}"/>
+                <a16:creationId xmlns:a16="http://schemas.microsoft.com/office/drawing/2014/main" xmlns="" id="{A322284F-F90F-B535-EB30-0E01F4BBCD18}"/>
               </a:ext>
             </a:extLst>
           </p:cNvPr>
@@ -2745,7 +3306,7 @@
           <p:cNvPr id="4" name="Szöveg helye 3">
             <a:extLst>
               <a:ext uri="{FF2B5EF4-FFF2-40B4-BE49-F238E27FC236}">
-                <a16:creationId xmlns:a16="http://schemas.microsoft.com/office/drawing/2014/main" id="{D72DEB85-590B-1098-22C9-0A2BD35856A5}"/>
+                <a16:creationId xmlns:a16="http://schemas.microsoft.com/office/drawing/2014/main" xmlns="" id="{D72DEB85-590B-1098-22C9-0A2BD35856A5}"/>
               </a:ext>
             </a:extLst>
           </p:cNvPr>
@@ -2816,7 +3377,7 @@
           <p:cNvPr id="5" name="Dátum helye 4">
             <a:extLst>
               <a:ext uri="{FF2B5EF4-FFF2-40B4-BE49-F238E27FC236}">
-                <a16:creationId xmlns:a16="http://schemas.microsoft.com/office/drawing/2014/main" id="{FF0EEE38-B9C3-57C4-28D5-83BF2BDFBC37}"/>
+                <a16:creationId xmlns:a16="http://schemas.microsoft.com/office/drawing/2014/main" xmlns="" id="{FF0EEE38-B9C3-57C4-28D5-83BF2BDFBC37}"/>
               </a:ext>
             </a:extLst>
           </p:cNvPr>
@@ -2834,7 +3395,7 @@
           <a:p>
             <a:fld id="{8E532DDB-289F-42C2-8F57-09A656E29423}" type="datetimeFigureOut">
               <a:rPr lang="hu-HU" smtClean="0"/>
-              <a:t>2024.02.08</a:t>
+              <a:t>2024. 02. 08.</a:t>
             </a:fld>
             <a:endParaRPr lang="hu-HU"/>
           </a:p>
@@ -2845,7 +3406,7 @@
           <p:cNvPr id="6" name="Élőláb helye 5">
             <a:extLst>
               <a:ext uri="{FF2B5EF4-FFF2-40B4-BE49-F238E27FC236}">
-                <a16:creationId xmlns:a16="http://schemas.microsoft.com/office/drawing/2014/main" id="{9A8C60BB-E846-A556-7D6F-80E4666550F6}"/>
+                <a16:creationId xmlns:a16="http://schemas.microsoft.com/office/drawing/2014/main" xmlns="" id="{9A8C60BB-E846-A556-7D6F-80E4666550F6}"/>
               </a:ext>
             </a:extLst>
           </p:cNvPr>
@@ -2870,7 +3431,7 @@
           <p:cNvPr id="7" name="Dia számának helye 6">
             <a:extLst>
               <a:ext uri="{FF2B5EF4-FFF2-40B4-BE49-F238E27FC236}">
-                <a16:creationId xmlns:a16="http://schemas.microsoft.com/office/drawing/2014/main" id="{F40C4142-B31B-0592-C73D-7D1D2251D700}"/>
+                <a16:creationId xmlns:a16="http://schemas.microsoft.com/office/drawing/2014/main" xmlns="" id="{F40C4142-B31B-0592-C73D-7D1D2251D700}"/>
               </a:ext>
             </a:extLst>
           </p:cNvPr>
@@ -2934,7 +3495,7 @@
           <p:cNvPr id="2" name="Cím helye 1">
             <a:extLst>
               <a:ext uri="{FF2B5EF4-FFF2-40B4-BE49-F238E27FC236}">
-                <a16:creationId xmlns:a16="http://schemas.microsoft.com/office/drawing/2014/main" id="{17782075-6685-2989-CE63-F72F6A17CA3B}"/>
+                <a16:creationId xmlns:a16="http://schemas.microsoft.com/office/drawing/2014/main" xmlns="" id="{17782075-6685-2989-CE63-F72F6A17CA3B}"/>
               </a:ext>
             </a:extLst>
           </p:cNvPr>
@@ -2972,7 +3533,7 @@
           <p:cNvPr id="3" name="Szöveg helye 2">
             <a:extLst>
               <a:ext uri="{FF2B5EF4-FFF2-40B4-BE49-F238E27FC236}">
-                <a16:creationId xmlns:a16="http://schemas.microsoft.com/office/drawing/2014/main" id="{62170818-01AE-3631-E7D4-F09960BC7755}"/>
+                <a16:creationId xmlns:a16="http://schemas.microsoft.com/office/drawing/2014/main" xmlns="" id="{62170818-01AE-3631-E7D4-F09960BC7755}"/>
               </a:ext>
             </a:extLst>
           </p:cNvPr>
@@ -3039,7 +3600,7 @@
           <p:cNvPr id="4" name="Dátum helye 3">
             <a:extLst>
               <a:ext uri="{FF2B5EF4-FFF2-40B4-BE49-F238E27FC236}">
-                <a16:creationId xmlns:a16="http://schemas.microsoft.com/office/drawing/2014/main" id="{5E44EABD-3951-FE87-043A-DEE26A772C31}"/>
+                <a16:creationId xmlns:a16="http://schemas.microsoft.com/office/drawing/2014/main" xmlns="" id="{5E44EABD-3951-FE87-043A-DEE26A772C31}"/>
               </a:ext>
             </a:extLst>
           </p:cNvPr>
@@ -3075,7 +3636,7 @@
           <a:p>
             <a:fld id="{8E532DDB-289F-42C2-8F57-09A656E29423}" type="datetimeFigureOut">
               <a:rPr lang="hu-HU" smtClean="0"/>
-              <a:t>2024.02.08</a:t>
+              <a:t>2024. 02. 08.</a:t>
             </a:fld>
             <a:endParaRPr lang="hu-HU"/>
           </a:p>
@@ -3086,7 +3647,7 @@
           <p:cNvPr id="5" name="Élőláb helye 4">
             <a:extLst>
               <a:ext uri="{FF2B5EF4-FFF2-40B4-BE49-F238E27FC236}">
-                <a16:creationId xmlns:a16="http://schemas.microsoft.com/office/drawing/2014/main" id="{198D541F-EDD3-7ECD-372B-4F0F3E42E056}"/>
+                <a16:creationId xmlns:a16="http://schemas.microsoft.com/office/drawing/2014/main" xmlns="" id="{198D541F-EDD3-7ECD-372B-4F0F3E42E056}"/>
               </a:ext>
             </a:extLst>
           </p:cNvPr>
@@ -3129,7 +3690,7 @@
           <p:cNvPr id="6" name="Dia számának helye 5">
             <a:extLst>
               <a:ext uri="{FF2B5EF4-FFF2-40B4-BE49-F238E27FC236}">
-                <a16:creationId xmlns:a16="http://schemas.microsoft.com/office/drawing/2014/main" id="{3B1F9F43-DBAD-7623-FC58-2CBFA5EC9A4A}"/>
+                <a16:creationId xmlns:a16="http://schemas.microsoft.com/office/drawing/2014/main" xmlns="" id="{3B1F9F43-DBAD-7623-FC58-2CBFA5EC9A4A}"/>
               </a:ext>
             </a:extLst>
           </p:cNvPr>
@@ -3505,7 +4066,7 @@
           <p:cNvPr id="4" name="Ellipszis 3">
             <a:extLst>
               <a:ext uri="{FF2B5EF4-FFF2-40B4-BE49-F238E27FC236}">
-                <a16:creationId xmlns:a16="http://schemas.microsoft.com/office/drawing/2014/main" id="{5E590742-0F2F-708E-87FC-8CF5ABA75119}"/>
+                <a16:creationId xmlns:a16="http://schemas.microsoft.com/office/drawing/2014/main" xmlns="" id="{5E590742-0F2F-708E-87FC-8CF5ABA75119}"/>
               </a:ext>
             </a:extLst>
           </p:cNvPr>
@@ -3564,7 +4125,7 @@
           <p:cNvPr id="5" name="Ellipszis 4">
             <a:extLst>
               <a:ext uri="{FF2B5EF4-FFF2-40B4-BE49-F238E27FC236}">
-                <a16:creationId xmlns:a16="http://schemas.microsoft.com/office/drawing/2014/main" id="{7BFA035C-0E90-EF99-09EB-F01F1787B99D}"/>
+                <a16:creationId xmlns:a16="http://schemas.microsoft.com/office/drawing/2014/main" xmlns="" id="{7BFA035C-0E90-EF99-09EB-F01F1787B99D}"/>
               </a:ext>
             </a:extLst>
           </p:cNvPr>
@@ -3620,7 +4181,7 @@
           <p:cNvPr id="6" name="Téglalap: lekerekített 5">
             <a:extLst>
               <a:ext uri="{FF2B5EF4-FFF2-40B4-BE49-F238E27FC236}">
-                <a16:creationId xmlns:a16="http://schemas.microsoft.com/office/drawing/2014/main" id="{FF8E1E1E-E25D-9D44-58A0-641AE3D16840}"/>
+                <a16:creationId xmlns:a16="http://schemas.microsoft.com/office/drawing/2014/main" xmlns="" id="{FF8E1E1E-E25D-9D44-58A0-641AE3D16840}"/>
               </a:ext>
             </a:extLst>
           </p:cNvPr>
@@ -3686,7 +4247,7 @@
           <p:cNvPr id="7" name="Téglalap: lekerekített 6">
             <a:extLst>
               <a:ext uri="{FF2B5EF4-FFF2-40B4-BE49-F238E27FC236}">
-                <a16:creationId xmlns:a16="http://schemas.microsoft.com/office/drawing/2014/main" id="{876BD73A-04ED-68D6-0CFC-B55B322B54B6}"/>
+                <a16:creationId xmlns:a16="http://schemas.microsoft.com/office/drawing/2014/main" xmlns="" id="{876BD73A-04ED-68D6-0CFC-B55B322B54B6}"/>
               </a:ext>
             </a:extLst>
           </p:cNvPr>
@@ -3752,7 +4313,7 @@
           <p:cNvPr id="8" name="Téglalap: lekerekített 7">
             <a:extLst>
               <a:ext uri="{FF2B5EF4-FFF2-40B4-BE49-F238E27FC236}">
-                <a16:creationId xmlns:a16="http://schemas.microsoft.com/office/drawing/2014/main" id="{A949ACA4-0F6E-139B-8268-493DDA55C128}"/>
+                <a16:creationId xmlns:a16="http://schemas.microsoft.com/office/drawing/2014/main" xmlns="" id="{A949ACA4-0F6E-139B-8268-493DDA55C128}"/>
               </a:ext>
             </a:extLst>
           </p:cNvPr>
@@ -3818,7 +4379,7 @@
           <p:cNvPr id="9" name="Téglalap: lekerekített 8">
             <a:extLst>
               <a:ext uri="{FF2B5EF4-FFF2-40B4-BE49-F238E27FC236}">
-                <a16:creationId xmlns:a16="http://schemas.microsoft.com/office/drawing/2014/main" id="{D9B78EC0-CC66-2DDA-134B-90693F675712}"/>
+                <a16:creationId xmlns:a16="http://schemas.microsoft.com/office/drawing/2014/main" xmlns="" id="{D9B78EC0-CC66-2DDA-134B-90693F675712}"/>
               </a:ext>
             </a:extLst>
           </p:cNvPr>
@@ -3876,7 +4437,7 @@
           <p:cNvPr id="10" name="Téglalap: lekerekített 9">
             <a:extLst>
               <a:ext uri="{FF2B5EF4-FFF2-40B4-BE49-F238E27FC236}">
-                <a16:creationId xmlns:a16="http://schemas.microsoft.com/office/drawing/2014/main" id="{2E3A3B9D-563A-3AE1-8B49-D5C002EEA99D}"/>
+                <a16:creationId xmlns:a16="http://schemas.microsoft.com/office/drawing/2014/main" xmlns="" id="{2E3A3B9D-563A-3AE1-8B49-D5C002EEA99D}"/>
               </a:ext>
             </a:extLst>
           </p:cNvPr>
@@ -3942,7 +4503,7 @@
           <p:cNvPr id="11" name="Téglalap: lekerekített 10">
             <a:extLst>
               <a:ext uri="{FF2B5EF4-FFF2-40B4-BE49-F238E27FC236}">
-                <a16:creationId xmlns:a16="http://schemas.microsoft.com/office/drawing/2014/main" id="{DF3EB93E-2E32-E334-3C4E-462E031D3FD7}"/>
+                <a16:creationId xmlns:a16="http://schemas.microsoft.com/office/drawing/2014/main" xmlns="" id="{DF3EB93E-2E32-E334-3C4E-462E031D3FD7}"/>
               </a:ext>
             </a:extLst>
           </p:cNvPr>
@@ -4000,7 +4561,7 @@
           <p:cNvPr id="12" name="Téglalap: lekerekített 11">
             <a:extLst>
               <a:ext uri="{FF2B5EF4-FFF2-40B4-BE49-F238E27FC236}">
-                <a16:creationId xmlns:a16="http://schemas.microsoft.com/office/drawing/2014/main" id="{B12CDA0D-4782-C9A6-DEFD-8858E69E0D7B}"/>
+                <a16:creationId xmlns:a16="http://schemas.microsoft.com/office/drawing/2014/main" xmlns="" id="{B12CDA0D-4782-C9A6-DEFD-8858E69E0D7B}"/>
               </a:ext>
             </a:extLst>
           </p:cNvPr>
@@ -4066,7 +4627,7 @@
           <p:cNvPr id="13" name="Téglalap: lekerekített 12">
             <a:extLst>
               <a:ext uri="{FF2B5EF4-FFF2-40B4-BE49-F238E27FC236}">
-                <a16:creationId xmlns:a16="http://schemas.microsoft.com/office/drawing/2014/main" id="{74CFAF27-3E7A-F8C8-BD2F-DD4524B7DCE9}"/>
+                <a16:creationId xmlns:a16="http://schemas.microsoft.com/office/drawing/2014/main" xmlns="" id="{74CFAF27-3E7A-F8C8-BD2F-DD4524B7DCE9}"/>
               </a:ext>
             </a:extLst>
           </p:cNvPr>
@@ -4132,7 +4693,7 @@
           <p:cNvPr id="14" name="Téglalap: lekerekített 13">
             <a:extLst>
               <a:ext uri="{FF2B5EF4-FFF2-40B4-BE49-F238E27FC236}">
-                <a16:creationId xmlns:a16="http://schemas.microsoft.com/office/drawing/2014/main" id="{4FF50EB6-58FD-EF34-ECC2-721D27B4C713}"/>
+                <a16:creationId xmlns:a16="http://schemas.microsoft.com/office/drawing/2014/main" xmlns="" id="{4FF50EB6-58FD-EF34-ECC2-721D27B4C713}"/>
               </a:ext>
             </a:extLst>
           </p:cNvPr>
@@ -4190,7 +4751,7 @@
           <p:cNvPr id="15" name="Szövegdoboz 14">
             <a:extLst>
               <a:ext uri="{FF2B5EF4-FFF2-40B4-BE49-F238E27FC236}">
-                <a16:creationId xmlns:a16="http://schemas.microsoft.com/office/drawing/2014/main" id="{BAD904EC-5503-CAE6-53A8-7648AE393A9D}"/>
+                <a16:creationId xmlns:a16="http://schemas.microsoft.com/office/drawing/2014/main" xmlns="" id="{BAD904EC-5503-CAE6-53A8-7648AE393A9D}"/>
               </a:ext>
             </a:extLst>
           </p:cNvPr>
@@ -4243,7 +4804,7 @@
           <p:cNvPr id="16" name="Szövegdoboz 15">
             <a:extLst>
               <a:ext uri="{FF2B5EF4-FFF2-40B4-BE49-F238E27FC236}">
-                <a16:creationId xmlns:a16="http://schemas.microsoft.com/office/drawing/2014/main" id="{C9117FAE-FE67-5743-F7DB-0D7FE2C64D91}"/>
+                <a16:creationId xmlns:a16="http://schemas.microsoft.com/office/drawing/2014/main" xmlns="" id="{C9117FAE-FE67-5743-F7DB-0D7FE2C64D91}"/>
               </a:ext>
             </a:extLst>
           </p:cNvPr>
@@ -4903,6 +5464,3166 @@
     <p:bg>
       <p:bgPr>
         <a:solidFill>
+          <a:srgbClr val="5018B4"/>
+        </a:solidFill>
+        <a:effectLst/>
+      </p:bgPr>
+    </p:bg>
+    <p:spTree>
+      <p:nvGrpSpPr>
+        <p:cNvPr id="1" name=""/>
+        <p:cNvGrpSpPr/>
+        <p:nvPr/>
+      </p:nvGrpSpPr>
+      <p:grpSpPr>
+        <a:xfrm>
+          <a:off x="0" y="0"/>
+          <a:ext cx="0" cy="0"/>
+          <a:chOff x="0" y="0"/>
+          <a:chExt cx="0" cy="0"/>
+        </a:xfrm>
+      </p:grpSpPr>
+      <p:grpSp>
+        <p:nvGrpSpPr>
+          <p:cNvPr id="5" name="Group 4"/>
+          <p:cNvGrpSpPr/>
+          <p:nvPr/>
+        </p:nvGrpSpPr>
+        <p:grpSpPr>
+          <a:xfrm>
+            <a:off x="522235" y="-71137"/>
+            <a:ext cx="4784269" cy="1534886"/>
+            <a:chOff x="880044" y="293914"/>
+            <a:chExt cx="4784269" cy="6270171"/>
+          </a:xfrm>
+        </p:grpSpPr>
+        <p:sp>
+          <p:nvSpPr>
+            <p:cNvPr id="7" name="Téglalap: lekerekített 3">
+              <a:extLst>
+                <a:ext uri="{FF2B5EF4-FFF2-40B4-BE49-F238E27FC236}">
+                  <a16:creationId xmlns:a16="http://schemas.microsoft.com/office/drawing/2014/main" xmlns="" id="{BC187220-8284-1B2B-8CE3-7C613265D444}"/>
+                </a:ext>
+              </a:extLst>
+            </p:cNvPr>
+            <p:cNvSpPr/>
+            <p:nvPr/>
+          </p:nvSpPr>
+          <p:spPr>
+            <a:xfrm>
+              <a:off x="880044" y="293914"/>
+              <a:ext cx="4784269" cy="6270171"/>
+            </a:xfrm>
+            <a:prstGeom prst="roundRect">
+              <a:avLst>
+                <a:gd name="adj" fmla="val 4094"/>
+              </a:avLst>
+            </a:prstGeom>
+            <a:solidFill>
+              <a:schemeClr val="bg1">
+                <a:alpha val="80000"/>
+              </a:schemeClr>
+            </a:solidFill>
+            <a:ln w="120650" cap="sq">
+              <a:noFill/>
+              <a:round/>
+            </a:ln>
+          </p:spPr>
+          <p:style>
+            <a:lnRef idx="2">
+              <a:schemeClr val="accent1">
+                <a:shade val="15000"/>
+              </a:schemeClr>
+            </a:lnRef>
+            <a:fillRef idx="1">
+              <a:schemeClr val="accent1"/>
+            </a:fillRef>
+            <a:effectRef idx="0">
+              <a:schemeClr val="accent1"/>
+            </a:effectRef>
+            <a:fontRef idx="minor">
+              <a:schemeClr val="lt1"/>
+            </a:fontRef>
+          </p:style>
+          <p:txBody>
+            <a:bodyPr rtlCol="0" anchor="ctr"/>
+            <a:lstStyle/>
+            <a:p>
+              <a:pPr algn="ctr"/>
+              <a:endParaRPr lang="hu-HU" dirty="0"/>
+            </a:p>
+          </p:txBody>
+        </p:sp>
+        <p:sp>
+          <p:nvSpPr>
+            <p:cNvPr id="8" name="Szövegdoboz 6">
+              <a:extLst>
+                <a:ext uri="{FF2B5EF4-FFF2-40B4-BE49-F238E27FC236}">
+                  <a16:creationId xmlns:a16="http://schemas.microsoft.com/office/drawing/2014/main" xmlns="" id="{7819F685-963E-271F-BC1B-FDA54155C9CE}"/>
+                </a:ext>
+              </a:extLst>
+            </p:cNvPr>
+            <p:cNvSpPr txBox="1"/>
+            <p:nvPr/>
+          </p:nvSpPr>
+          <p:spPr>
+            <a:xfrm>
+              <a:off x="1743415" y="1031966"/>
+              <a:ext cx="3057525" cy="5532119"/>
+            </a:xfrm>
+            <a:prstGeom prst="rect">
+              <a:avLst/>
+            </a:prstGeom>
+            <a:noFill/>
+          </p:spPr>
+          <p:txBody>
+            <a:bodyPr wrap="square" rtlCol="0">
+              <a:spAutoFit/>
+            </a:bodyPr>
+            <a:lstStyle/>
+            <a:p>
+              <a:pPr algn="ctr"/>
+              <a:r>
+                <a:rPr lang="hu-HU" sz="3200" b="1" dirty="0" smtClean="0">
+                  <a:solidFill>
+                    <a:srgbClr val="5019B3"/>
+                  </a:solidFill>
+                  <a:latin typeface="Segoe UI Black" panose="020B0A02040204020203" pitchFamily="34" charset="0"/>
+                  <a:ea typeface="Segoe UI Black" panose="020B0A02040204020203" pitchFamily="34" charset="0"/>
+                </a:rPr>
+                <a:t>Ütközés vizsgálata</a:t>
+              </a:r>
+              <a:endParaRPr lang="hu-HU" sz="3200" b="1" i="0" dirty="0">
+                <a:solidFill>
+                  <a:srgbClr val="5019B3"/>
+                </a:solidFill>
+                <a:effectLst/>
+                <a:latin typeface="Segoe UI Black" panose="020B0A02040204020203" pitchFamily="34" charset="0"/>
+                <a:ea typeface="Segoe UI Black" panose="020B0A02040204020203" pitchFamily="34" charset="0"/>
+              </a:endParaRPr>
+            </a:p>
+            <a:p>
+              <a:endParaRPr lang="hu-HU" dirty="0"/>
+            </a:p>
+          </p:txBody>
+        </p:sp>
+      </p:grpSp>
+      <p:grpSp>
+        <p:nvGrpSpPr>
+          <p:cNvPr id="17" name="Group 16"/>
+          <p:cNvGrpSpPr/>
+          <p:nvPr/>
+        </p:nvGrpSpPr>
+        <p:grpSpPr>
+          <a:xfrm>
+            <a:off x="522235" y="1930399"/>
+            <a:ext cx="6545943" cy="1886857"/>
+            <a:chOff x="4339770" y="3367314"/>
+            <a:chExt cx="6545943" cy="1886857"/>
+          </a:xfrm>
+        </p:grpSpPr>
+        <p:sp>
+          <p:nvSpPr>
+            <p:cNvPr id="12" name="Téglalap: lekerekített 3">
+              <a:extLst>
+                <a:ext uri="{FF2B5EF4-FFF2-40B4-BE49-F238E27FC236}">
+                  <a16:creationId xmlns:a16="http://schemas.microsoft.com/office/drawing/2014/main" xmlns="" id="{BC187220-8284-1B2B-8CE3-7C613265D444}"/>
+                </a:ext>
+              </a:extLst>
+            </p:cNvPr>
+            <p:cNvSpPr/>
+            <p:nvPr/>
+          </p:nvSpPr>
+          <p:spPr>
+            <a:xfrm>
+              <a:off x="4339770" y="3367314"/>
+              <a:ext cx="6545943" cy="1886857"/>
+            </a:xfrm>
+            <a:prstGeom prst="roundRect">
+              <a:avLst>
+                <a:gd name="adj" fmla="val 4094"/>
+              </a:avLst>
+            </a:prstGeom>
+            <a:solidFill>
+              <a:schemeClr val="bg1">
+                <a:alpha val="80000"/>
+              </a:schemeClr>
+            </a:solidFill>
+            <a:ln w="120650" cap="sq">
+              <a:noFill/>
+              <a:round/>
+            </a:ln>
+          </p:spPr>
+          <p:style>
+            <a:lnRef idx="2">
+              <a:schemeClr val="accent1">
+                <a:shade val="15000"/>
+              </a:schemeClr>
+            </a:lnRef>
+            <a:fillRef idx="1">
+              <a:schemeClr val="accent1"/>
+            </a:fillRef>
+            <a:effectRef idx="0">
+              <a:schemeClr val="accent1"/>
+            </a:effectRef>
+            <a:fontRef idx="minor">
+              <a:schemeClr val="lt1"/>
+            </a:fontRef>
+          </p:style>
+          <p:txBody>
+            <a:bodyPr rtlCol="0" anchor="ctr"/>
+            <a:lstStyle/>
+            <a:p>
+              <a:pPr algn="ctr"/>
+              <a:endParaRPr lang="hu-HU" dirty="0"/>
+            </a:p>
+          </p:txBody>
+        </p:sp>
+        <p:pic>
+          <p:nvPicPr>
+            <p:cNvPr id="13" name="Picture 12"/>
+            <p:cNvPicPr>
+              <a:picLocks noChangeAspect="1"/>
+            </p:cNvPicPr>
+            <p:nvPr/>
+          </p:nvPicPr>
+          <p:blipFill>
+            <a:blip r:embed="rId3"/>
+            <a:stretch>
+              <a:fillRect/>
+            </a:stretch>
+          </p:blipFill>
+          <p:spPr>
+            <a:xfrm>
+              <a:off x="4550734" y="3591568"/>
+              <a:ext cx="6124014" cy="1438348"/>
+            </a:xfrm>
+            <a:prstGeom prst="rect">
+              <a:avLst/>
+            </a:prstGeom>
+          </p:spPr>
+        </p:pic>
+      </p:grpSp>
+      <p:grpSp>
+        <p:nvGrpSpPr>
+          <p:cNvPr id="25" name="Group 24"/>
+          <p:cNvGrpSpPr/>
+          <p:nvPr/>
+        </p:nvGrpSpPr>
+        <p:grpSpPr>
+          <a:xfrm>
+            <a:off x="2384176" y="4193075"/>
+            <a:ext cx="6545943" cy="897694"/>
+            <a:chOff x="1908627" y="4265022"/>
+            <a:chExt cx="6545943" cy="897694"/>
+          </a:xfrm>
+        </p:grpSpPr>
+        <p:sp>
+          <p:nvSpPr>
+            <p:cNvPr id="19" name="Téglalap: lekerekített 3">
+              <a:extLst>
+                <a:ext uri="{FF2B5EF4-FFF2-40B4-BE49-F238E27FC236}">
+                  <a16:creationId xmlns:a16="http://schemas.microsoft.com/office/drawing/2014/main" xmlns="" id="{BC187220-8284-1B2B-8CE3-7C613265D444}"/>
+                </a:ext>
+              </a:extLst>
+            </p:cNvPr>
+            <p:cNvSpPr/>
+            <p:nvPr/>
+          </p:nvSpPr>
+          <p:spPr>
+            <a:xfrm>
+              <a:off x="1908627" y="4265022"/>
+              <a:ext cx="6545943" cy="897694"/>
+            </a:xfrm>
+            <a:prstGeom prst="roundRect">
+              <a:avLst>
+                <a:gd name="adj" fmla="val 4094"/>
+              </a:avLst>
+            </a:prstGeom>
+            <a:solidFill>
+              <a:schemeClr val="bg1">
+                <a:alpha val="80000"/>
+              </a:schemeClr>
+            </a:solidFill>
+            <a:ln w="120650" cap="sq">
+              <a:noFill/>
+              <a:round/>
+            </a:ln>
+          </p:spPr>
+          <p:style>
+            <a:lnRef idx="2">
+              <a:schemeClr val="accent1">
+                <a:shade val="15000"/>
+              </a:schemeClr>
+            </a:lnRef>
+            <a:fillRef idx="1">
+              <a:schemeClr val="accent1"/>
+            </a:fillRef>
+            <a:effectRef idx="0">
+              <a:schemeClr val="accent1"/>
+            </a:effectRef>
+            <a:fontRef idx="minor">
+              <a:schemeClr val="lt1"/>
+            </a:fontRef>
+          </p:style>
+          <p:txBody>
+            <a:bodyPr rtlCol="0" anchor="ctr"/>
+            <a:lstStyle/>
+            <a:p>
+              <a:pPr algn="ctr"/>
+              <a:endParaRPr lang="hu-HU" dirty="0"/>
+            </a:p>
+          </p:txBody>
+        </p:sp>
+        <p:pic>
+          <p:nvPicPr>
+            <p:cNvPr id="24" name="Picture 23"/>
+            <p:cNvPicPr>
+              <a:picLocks noChangeAspect="1"/>
+            </p:cNvPicPr>
+            <p:nvPr/>
+          </p:nvPicPr>
+          <p:blipFill>
+            <a:blip r:embed="rId4"/>
+            <a:stretch>
+              <a:fillRect/>
+            </a:stretch>
+          </p:blipFill>
+          <p:spPr>
+            <a:xfrm>
+              <a:off x="2561859" y="4499527"/>
+              <a:ext cx="5239481" cy="428685"/>
+            </a:xfrm>
+            <a:prstGeom prst="rect">
+              <a:avLst/>
+            </a:prstGeom>
+          </p:spPr>
+        </p:pic>
+      </p:grpSp>
+      <p:grpSp>
+        <p:nvGrpSpPr>
+          <p:cNvPr id="30" name="Group 29"/>
+          <p:cNvGrpSpPr/>
+          <p:nvPr/>
+        </p:nvGrpSpPr>
+        <p:grpSpPr>
+          <a:xfrm>
+            <a:off x="7068178" y="5449066"/>
+            <a:ext cx="4131861" cy="897694"/>
+            <a:chOff x="311270" y="5473121"/>
+            <a:chExt cx="4131861" cy="897694"/>
+          </a:xfrm>
+        </p:grpSpPr>
+        <p:sp>
+          <p:nvSpPr>
+            <p:cNvPr id="28" name="Téglalap: lekerekített 3">
+              <a:extLst>
+                <a:ext uri="{FF2B5EF4-FFF2-40B4-BE49-F238E27FC236}">
+                  <a16:creationId xmlns:a16="http://schemas.microsoft.com/office/drawing/2014/main" xmlns="" id="{BC187220-8284-1B2B-8CE3-7C613265D444}"/>
+                </a:ext>
+              </a:extLst>
+            </p:cNvPr>
+            <p:cNvSpPr/>
+            <p:nvPr/>
+          </p:nvSpPr>
+          <p:spPr>
+            <a:xfrm>
+              <a:off x="311270" y="5473121"/>
+              <a:ext cx="4131861" cy="897694"/>
+            </a:xfrm>
+            <a:prstGeom prst="roundRect">
+              <a:avLst>
+                <a:gd name="adj" fmla="val 4094"/>
+              </a:avLst>
+            </a:prstGeom>
+            <a:solidFill>
+              <a:schemeClr val="bg1">
+                <a:alpha val="80000"/>
+              </a:schemeClr>
+            </a:solidFill>
+            <a:ln w="120650" cap="sq">
+              <a:noFill/>
+              <a:round/>
+            </a:ln>
+          </p:spPr>
+          <p:style>
+            <a:lnRef idx="2">
+              <a:schemeClr val="accent1">
+                <a:shade val="15000"/>
+              </a:schemeClr>
+            </a:lnRef>
+            <a:fillRef idx="1">
+              <a:schemeClr val="accent1"/>
+            </a:fillRef>
+            <a:effectRef idx="0">
+              <a:schemeClr val="accent1"/>
+            </a:effectRef>
+            <a:fontRef idx="minor">
+              <a:schemeClr val="lt1"/>
+            </a:fontRef>
+          </p:style>
+          <p:txBody>
+            <a:bodyPr rtlCol="0" anchor="ctr"/>
+            <a:lstStyle/>
+            <a:p>
+              <a:pPr algn="ctr"/>
+              <a:endParaRPr lang="hu-HU" dirty="0"/>
+            </a:p>
+          </p:txBody>
+        </p:sp>
+        <p:pic>
+          <p:nvPicPr>
+            <p:cNvPr id="26" name="Picture 25"/>
+            <p:cNvPicPr>
+              <a:picLocks noChangeAspect="1"/>
+            </p:cNvPicPr>
+            <p:nvPr/>
+          </p:nvPicPr>
+          <p:blipFill>
+            <a:blip r:embed="rId5"/>
+            <a:stretch>
+              <a:fillRect/>
+            </a:stretch>
+          </p:blipFill>
+          <p:spPr>
+            <a:xfrm>
+              <a:off x="862513" y="5721915"/>
+              <a:ext cx="3029373" cy="400106"/>
+            </a:xfrm>
+            <a:prstGeom prst="rect">
+              <a:avLst/>
+            </a:prstGeom>
+          </p:spPr>
+        </p:pic>
+      </p:grpSp>
+    </p:spTree>
+    <p:extLst>
+      <p:ext uri="{BB962C8B-B14F-4D97-AF65-F5344CB8AC3E}">
+        <p14:creationId xmlns:p14="http://schemas.microsoft.com/office/powerpoint/2010/main" val="2383601033"/>
+      </p:ext>
+    </p:extLst>
+  </p:cSld>
+  <p:clrMapOvr>
+    <a:masterClrMapping/>
+  </p:clrMapOvr>
+  <p:transition spd="slow">
+    <p:push dir="u"/>
+  </p:transition>
+  <p:timing>
+    <p:tnLst>
+      <p:par>
+        <p:cTn id="1" dur="indefinite" restart="never" nodeType="tmRoot">
+          <p:childTnLst>
+            <p:seq concurrent="1" nextAc="seek">
+              <p:cTn id="2" dur="indefinite" nodeType="mainSeq">
+                <p:childTnLst>
+                  <p:par>
+                    <p:cTn id="3" fill="hold">
+                      <p:stCondLst>
+                        <p:cond delay="indefinite"/>
+                        <p:cond evt="onBegin" delay="0">
+                          <p:tn val="2"/>
+                        </p:cond>
+                      </p:stCondLst>
+                      <p:childTnLst>
+                        <p:par>
+                          <p:cTn id="4" fill="hold">
+                            <p:stCondLst>
+                              <p:cond delay="0"/>
+                            </p:stCondLst>
+                            <p:childTnLst>
+                              <p:par>
+                                <p:cTn id="5" presetID="2" presetClass="entr" presetSubtype="8" fill="hold" nodeType="afterEffect">
+                                  <p:stCondLst>
+                                    <p:cond delay="0"/>
+                                  </p:stCondLst>
+                                  <p:childTnLst>
+                                    <p:set>
+                                      <p:cBhvr>
+                                        <p:cTn id="6" dur="1" fill="hold">
+                                          <p:stCondLst>
+                                            <p:cond delay="0"/>
+                                          </p:stCondLst>
+                                        </p:cTn>
+                                        <p:tgtEl>
+                                          <p:spTgt spid="5"/>
+                                        </p:tgtEl>
+                                        <p:attrNameLst>
+                                          <p:attrName>style.visibility</p:attrName>
+                                        </p:attrNameLst>
+                                      </p:cBhvr>
+                                      <p:to>
+                                        <p:strVal val="visible"/>
+                                      </p:to>
+                                    </p:set>
+                                    <p:anim calcmode="lin" valueType="num">
+                                      <p:cBhvr additive="base">
+                                        <p:cTn id="7" dur="500" fill="hold"/>
+                                        <p:tgtEl>
+                                          <p:spTgt spid="5"/>
+                                        </p:tgtEl>
+                                        <p:attrNameLst>
+                                          <p:attrName>ppt_x</p:attrName>
+                                        </p:attrNameLst>
+                                      </p:cBhvr>
+                                      <p:tavLst>
+                                        <p:tav tm="0">
+                                          <p:val>
+                                            <p:strVal val="0-#ppt_w/2"/>
+                                          </p:val>
+                                        </p:tav>
+                                        <p:tav tm="100000">
+                                          <p:val>
+                                            <p:strVal val="#ppt_x"/>
+                                          </p:val>
+                                        </p:tav>
+                                      </p:tavLst>
+                                    </p:anim>
+                                    <p:anim calcmode="lin" valueType="num">
+                                      <p:cBhvr additive="base">
+                                        <p:cTn id="8" dur="500" fill="hold"/>
+                                        <p:tgtEl>
+                                          <p:spTgt spid="5"/>
+                                        </p:tgtEl>
+                                        <p:attrNameLst>
+                                          <p:attrName>ppt_y</p:attrName>
+                                        </p:attrNameLst>
+                                      </p:cBhvr>
+                                      <p:tavLst>
+                                        <p:tav tm="0">
+                                          <p:val>
+                                            <p:strVal val="#ppt_y"/>
+                                          </p:val>
+                                        </p:tav>
+                                        <p:tav tm="100000">
+                                          <p:val>
+                                            <p:strVal val="#ppt_y"/>
+                                          </p:val>
+                                        </p:tav>
+                                      </p:tavLst>
+                                    </p:anim>
+                                  </p:childTnLst>
+                                </p:cTn>
+                              </p:par>
+                              <p:par>
+                                <p:cTn id="9" presetID="2" presetClass="entr" presetSubtype="4" fill="hold" nodeType="withEffect">
+                                  <p:stCondLst>
+                                    <p:cond delay="400"/>
+                                  </p:stCondLst>
+                                  <p:childTnLst>
+                                    <p:set>
+                                      <p:cBhvr>
+                                        <p:cTn id="10" dur="1" fill="hold">
+                                          <p:stCondLst>
+                                            <p:cond delay="0"/>
+                                          </p:stCondLst>
+                                        </p:cTn>
+                                        <p:tgtEl>
+                                          <p:spTgt spid="30"/>
+                                        </p:tgtEl>
+                                        <p:attrNameLst>
+                                          <p:attrName>style.visibility</p:attrName>
+                                        </p:attrNameLst>
+                                      </p:cBhvr>
+                                      <p:to>
+                                        <p:strVal val="visible"/>
+                                      </p:to>
+                                    </p:set>
+                                    <p:anim calcmode="lin" valueType="num">
+                                      <p:cBhvr additive="base">
+                                        <p:cTn id="11" dur="500" fill="hold"/>
+                                        <p:tgtEl>
+                                          <p:spTgt spid="30"/>
+                                        </p:tgtEl>
+                                        <p:attrNameLst>
+                                          <p:attrName>ppt_x</p:attrName>
+                                        </p:attrNameLst>
+                                      </p:cBhvr>
+                                      <p:tavLst>
+                                        <p:tav tm="0">
+                                          <p:val>
+                                            <p:strVal val="#ppt_x"/>
+                                          </p:val>
+                                        </p:tav>
+                                        <p:tav tm="100000">
+                                          <p:val>
+                                            <p:strVal val="#ppt_x"/>
+                                          </p:val>
+                                        </p:tav>
+                                      </p:tavLst>
+                                    </p:anim>
+                                    <p:anim calcmode="lin" valueType="num">
+                                      <p:cBhvr additive="base">
+                                        <p:cTn id="12" dur="500" fill="hold"/>
+                                        <p:tgtEl>
+                                          <p:spTgt spid="30"/>
+                                        </p:tgtEl>
+                                        <p:attrNameLst>
+                                          <p:attrName>ppt_y</p:attrName>
+                                        </p:attrNameLst>
+                                      </p:cBhvr>
+                                      <p:tavLst>
+                                        <p:tav tm="0">
+                                          <p:val>
+                                            <p:strVal val="1+#ppt_h/2"/>
+                                          </p:val>
+                                        </p:tav>
+                                        <p:tav tm="100000">
+                                          <p:val>
+                                            <p:strVal val="#ppt_y"/>
+                                          </p:val>
+                                        </p:tav>
+                                      </p:tavLst>
+                                    </p:anim>
+                                  </p:childTnLst>
+                                </p:cTn>
+                              </p:par>
+                              <p:par>
+                                <p:cTn id="13" presetID="2" presetClass="entr" presetSubtype="4" fill="hold" nodeType="withEffect">
+                                  <p:stCondLst>
+                                    <p:cond delay="200"/>
+                                  </p:stCondLst>
+                                  <p:childTnLst>
+                                    <p:set>
+                                      <p:cBhvr>
+                                        <p:cTn id="14" dur="1" fill="hold">
+                                          <p:stCondLst>
+                                            <p:cond delay="0"/>
+                                          </p:stCondLst>
+                                        </p:cTn>
+                                        <p:tgtEl>
+                                          <p:spTgt spid="25"/>
+                                        </p:tgtEl>
+                                        <p:attrNameLst>
+                                          <p:attrName>style.visibility</p:attrName>
+                                        </p:attrNameLst>
+                                      </p:cBhvr>
+                                      <p:to>
+                                        <p:strVal val="visible"/>
+                                      </p:to>
+                                    </p:set>
+                                    <p:anim calcmode="lin" valueType="num">
+                                      <p:cBhvr additive="base">
+                                        <p:cTn id="15" dur="500" fill="hold"/>
+                                        <p:tgtEl>
+                                          <p:spTgt spid="25"/>
+                                        </p:tgtEl>
+                                        <p:attrNameLst>
+                                          <p:attrName>ppt_x</p:attrName>
+                                        </p:attrNameLst>
+                                      </p:cBhvr>
+                                      <p:tavLst>
+                                        <p:tav tm="0">
+                                          <p:val>
+                                            <p:strVal val="#ppt_x"/>
+                                          </p:val>
+                                        </p:tav>
+                                        <p:tav tm="100000">
+                                          <p:val>
+                                            <p:strVal val="#ppt_x"/>
+                                          </p:val>
+                                        </p:tav>
+                                      </p:tavLst>
+                                    </p:anim>
+                                    <p:anim calcmode="lin" valueType="num">
+                                      <p:cBhvr additive="base">
+                                        <p:cTn id="16" dur="500" fill="hold"/>
+                                        <p:tgtEl>
+                                          <p:spTgt spid="25"/>
+                                        </p:tgtEl>
+                                        <p:attrNameLst>
+                                          <p:attrName>ppt_y</p:attrName>
+                                        </p:attrNameLst>
+                                      </p:cBhvr>
+                                      <p:tavLst>
+                                        <p:tav tm="0">
+                                          <p:val>
+                                            <p:strVal val="1+#ppt_h/2"/>
+                                          </p:val>
+                                        </p:tav>
+                                        <p:tav tm="100000">
+                                          <p:val>
+                                            <p:strVal val="#ppt_y"/>
+                                          </p:val>
+                                        </p:tav>
+                                      </p:tavLst>
+                                    </p:anim>
+                                  </p:childTnLst>
+                                </p:cTn>
+                              </p:par>
+                              <p:par>
+                                <p:cTn id="17" presetID="2" presetClass="entr" presetSubtype="4" fill="hold" nodeType="withEffect">
+                                  <p:stCondLst>
+                                    <p:cond delay="0"/>
+                                  </p:stCondLst>
+                                  <p:childTnLst>
+                                    <p:set>
+                                      <p:cBhvr>
+                                        <p:cTn id="18" dur="1" fill="hold">
+                                          <p:stCondLst>
+                                            <p:cond delay="0"/>
+                                          </p:stCondLst>
+                                        </p:cTn>
+                                        <p:tgtEl>
+                                          <p:spTgt spid="17"/>
+                                        </p:tgtEl>
+                                        <p:attrNameLst>
+                                          <p:attrName>style.visibility</p:attrName>
+                                        </p:attrNameLst>
+                                      </p:cBhvr>
+                                      <p:to>
+                                        <p:strVal val="visible"/>
+                                      </p:to>
+                                    </p:set>
+                                    <p:anim calcmode="lin" valueType="num">
+                                      <p:cBhvr additive="base">
+                                        <p:cTn id="19" dur="500" fill="hold"/>
+                                        <p:tgtEl>
+                                          <p:spTgt spid="17"/>
+                                        </p:tgtEl>
+                                        <p:attrNameLst>
+                                          <p:attrName>ppt_x</p:attrName>
+                                        </p:attrNameLst>
+                                      </p:cBhvr>
+                                      <p:tavLst>
+                                        <p:tav tm="0">
+                                          <p:val>
+                                            <p:strVal val="#ppt_x"/>
+                                          </p:val>
+                                        </p:tav>
+                                        <p:tav tm="100000">
+                                          <p:val>
+                                            <p:strVal val="#ppt_x"/>
+                                          </p:val>
+                                        </p:tav>
+                                      </p:tavLst>
+                                    </p:anim>
+                                    <p:anim calcmode="lin" valueType="num">
+                                      <p:cBhvr additive="base">
+                                        <p:cTn id="20" dur="500" fill="hold"/>
+                                        <p:tgtEl>
+                                          <p:spTgt spid="17"/>
+                                        </p:tgtEl>
+                                        <p:attrNameLst>
+                                          <p:attrName>ppt_y</p:attrName>
+                                        </p:attrNameLst>
+                                      </p:cBhvr>
+                                      <p:tavLst>
+                                        <p:tav tm="0">
+                                          <p:val>
+                                            <p:strVal val="1+#ppt_h/2"/>
+                                          </p:val>
+                                        </p:tav>
+                                        <p:tav tm="100000">
+                                          <p:val>
+                                            <p:strVal val="#ppt_y"/>
+                                          </p:val>
+                                        </p:tav>
+                                      </p:tavLst>
+                                    </p:anim>
+                                  </p:childTnLst>
+                                </p:cTn>
+                              </p:par>
+                            </p:childTnLst>
+                          </p:cTn>
+                        </p:par>
+                      </p:childTnLst>
+                    </p:cTn>
+                  </p:par>
+                </p:childTnLst>
+              </p:cTn>
+              <p:prevCondLst>
+                <p:cond evt="onPrev" delay="0">
+                  <p:tgtEl>
+                    <p:sldTgt/>
+                  </p:tgtEl>
+                </p:cond>
+              </p:prevCondLst>
+              <p:nextCondLst>
+                <p:cond evt="onNext" delay="0">
+                  <p:tgtEl>
+                    <p:sldTgt/>
+                  </p:tgtEl>
+                </p:cond>
+              </p:nextCondLst>
+            </p:seq>
+          </p:childTnLst>
+        </p:cTn>
+      </p:par>
+    </p:tnLst>
+  </p:timing>
+</p:sld>
+</file>
+
+<file path=ppt/slides/slide11.xml><?xml version="1.0" encoding="utf-8"?>
+<p:sld xmlns:a="http://schemas.openxmlformats.org/drawingml/2006/main" xmlns:r="http://schemas.openxmlformats.org/officeDocument/2006/relationships" xmlns:p="http://schemas.openxmlformats.org/presentationml/2006/main">
+  <p:cSld>
+    <p:bg>
+      <p:bgPr>
+        <a:solidFill>
+          <a:srgbClr val="5018B4"/>
+        </a:solidFill>
+        <a:effectLst/>
+      </p:bgPr>
+    </p:bg>
+    <p:spTree>
+      <p:nvGrpSpPr>
+        <p:cNvPr id="1" name=""/>
+        <p:cNvGrpSpPr/>
+        <p:nvPr/>
+      </p:nvGrpSpPr>
+      <p:grpSpPr>
+        <a:xfrm>
+          <a:off x="0" y="0"/>
+          <a:ext cx="0" cy="0"/>
+          <a:chOff x="0" y="0"/>
+          <a:chExt cx="0" cy="0"/>
+        </a:xfrm>
+      </p:grpSpPr>
+      <p:grpSp>
+        <p:nvGrpSpPr>
+          <p:cNvPr id="6" name="Group 5"/>
+          <p:cNvGrpSpPr/>
+          <p:nvPr/>
+        </p:nvGrpSpPr>
+        <p:grpSpPr>
+          <a:xfrm>
+            <a:off x="522235" y="-144655"/>
+            <a:ext cx="4784269" cy="1536134"/>
+            <a:chOff x="522233" y="464945"/>
+            <a:chExt cx="4784269" cy="1536134"/>
+          </a:xfrm>
+        </p:grpSpPr>
+        <p:sp>
+          <p:nvSpPr>
+            <p:cNvPr id="4" name="Téglalap: lekerekített 3">
+              <a:extLst>
+                <a:ext uri="{FF2B5EF4-FFF2-40B4-BE49-F238E27FC236}">
+                  <a16:creationId xmlns:a16="http://schemas.microsoft.com/office/drawing/2014/main" xmlns="" id="{BC187220-8284-1B2B-8CE3-7C613265D444}"/>
+                </a:ext>
+              </a:extLst>
+            </p:cNvPr>
+            <p:cNvSpPr/>
+            <p:nvPr/>
+          </p:nvSpPr>
+          <p:spPr>
+            <a:xfrm>
+              <a:off x="522233" y="464945"/>
+              <a:ext cx="4784269" cy="1536133"/>
+            </a:xfrm>
+            <a:prstGeom prst="roundRect">
+              <a:avLst>
+                <a:gd name="adj" fmla="val 4094"/>
+              </a:avLst>
+            </a:prstGeom>
+            <a:solidFill>
+              <a:schemeClr val="bg1">
+                <a:alpha val="80000"/>
+              </a:schemeClr>
+            </a:solidFill>
+            <a:ln w="120650" cap="sq">
+              <a:noFill/>
+              <a:round/>
+            </a:ln>
+          </p:spPr>
+          <p:style>
+            <a:lnRef idx="2">
+              <a:schemeClr val="accent1">
+                <a:shade val="15000"/>
+              </a:schemeClr>
+            </a:lnRef>
+            <a:fillRef idx="1">
+              <a:schemeClr val="accent1"/>
+            </a:fillRef>
+            <a:effectRef idx="0">
+              <a:schemeClr val="accent1"/>
+            </a:effectRef>
+            <a:fontRef idx="minor">
+              <a:schemeClr val="lt1"/>
+            </a:fontRef>
+          </p:style>
+          <p:txBody>
+            <a:bodyPr rtlCol="0" anchor="ctr"/>
+            <a:lstStyle/>
+            <a:p>
+              <a:pPr algn="ctr"/>
+              <a:endParaRPr lang="hu-HU" dirty="0"/>
+            </a:p>
+          </p:txBody>
+        </p:sp>
+        <p:sp>
+          <p:nvSpPr>
+            <p:cNvPr id="5" name="Szövegdoboz 6">
+              <a:extLst>
+                <a:ext uri="{FF2B5EF4-FFF2-40B4-BE49-F238E27FC236}">
+                  <a16:creationId xmlns:a16="http://schemas.microsoft.com/office/drawing/2014/main" xmlns="" id="{7819F685-963E-271F-BC1B-FDA54155C9CE}"/>
+                </a:ext>
+              </a:extLst>
+            </p:cNvPr>
+            <p:cNvSpPr txBox="1"/>
+            <p:nvPr/>
+          </p:nvSpPr>
+          <p:spPr>
+            <a:xfrm>
+              <a:off x="1385606" y="646862"/>
+              <a:ext cx="3057525" cy="1354217"/>
+            </a:xfrm>
+            <a:prstGeom prst="rect">
+              <a:avLst/>
+            </a:prstGeom>
+            <a:noFill/>
+          </p:spPr>
+          <p:txBody>
+            <a:bodyPr wrap="square" rtlCol="0">
+              <a:spAutoFit/>
+            </a:bodyPr>
+            <a:lstStyle/>
+            <a:p>
+              <a:pPr algn="ctr"/>
+              <a:r>
+                <a:rPr lang="hu-HU" sz="3200" b="1" dirty="0" smtClean="0">
+                  <a:solidFill>
+                    <a:srgbClr val="5019B3"/>
+                  </a:solidFill>
+                  <a:latin typeface="Segoe UI Black" panose="020B0A02040204020203" pitchFamily="34" charset="0"/>
+                  <a:ea typeface="Segoe UI Black" panose="020B0A02040204020203" pitchFamily="34" charset="0"/>
+                </a:rPr>
+                <a:t>Ugrás képessége</a:t>
+              </a:r>
+              <a:endParaRPr lang="hu-HU" sz="3200" b="1" i="0" dirty="0">
+                <a:solidFill>
+                  <a:srgbClr val="5019B3"/>
+                </a:solidFill>
+                <a:effectLst/>
+                <a:latin typeface="Segoe UI Black" panose="020B0A02040204020203" pitchFamily="34" charset="0"/>
+                <a:ea typeface="Segoe UI Black" panose="020B0A02040204020203" pitchFamily="34" charset="0"/>
+              </a:endParaRPr>
+            </a:p>
+            <a:p>
+              <a:endParaRPr lang="hu-HU" dirty="0"/>
+            </a:p>
+          </p:txBody>
+        </p:sp>
+      </p:grpSp>
+      <p:grpSp>
+        <p:nvGrpSpPr>
+          <p:cNvPr id="11" name="Group 10"/>
+          <p:cNvGrpSpPr/>
+          <p:nvPr/>
+        </p:nvGrpSpPr>
+        <p:grpSpPr>
+          <a:xfrm>
+            <a:off x="426459" y="1980965"/>
+            <a:ext cx="4784269" cy="2058078"/>
+            <a:chOff x="522235" y="1573395"/>
+            <a:chExt cx="4784269" cy="2058078"/>
+          </a:xfrm>
+        </p:grpSpPr>
+        <p:sp>
+          <p:nvSpPr>
+            <p:cNvPr id="7" name="Téglalap: lekerekített 3">
+              <a:extLst>
+                <a:ext uri="{FF2B5EF4-FFF2-40B4-BE49-F238E27FC236}">
+                  <a16:creationId xmlns:a16="http://schemas.microsoft.com/office/drawing/2014/main" xmlns="" id="{BC187220-8284-1B2B-8CE3-7C613265D444}"/>
+                </a:ext>
+              </a:extLst>
+            </p:cNvPr>
+            <p:cNvSpPr/>
+            <p:nvPr/>
+          </p:nvSpPr>
+          <p:spPr>
+            <a:xfrm>
+              <a:off x="522235" y="1573395"/>
+              <a:ext cx="4784269" cy="2058078"/>
+            </a:xfrm>
+            <a:prstGeom prst="roundRect">
+              <a:avLst>
+                <a:gd name="adj" fmla="val 4094"/>
+              </a:avLst>
+            </a:prstGeom>
+            <a:solidFill>
+              <a:schemeClr val="bg1">
+                <a:alpha val="80000"/>
+              </a:schemeClr>
+            </a:solidFill>
+            <a:ln w="120650" cap="sq">
+              <a:noFill/>
+              <a:round/>
+            </a:ln>
+          </p:spPr>
+          <p:style>
+            <a:lnRef idx="2">
+              <a:schemeClr val="accent1">
+                <a:shade val="15000"/>
+              </a:schemeClr>
+            </a:lnRef>
+            <a:fillRef idx="1">
+              <a:schemeClr val="accent1"/>
+            </a:fillRef>
+            <a:effectRef idx="0">
+              <a:schemeClr val="accent1"/>
+            </a:effectRef>
+            <a:fontRef idx="minor">
+              <a:schemeClr val="lt1"/>
+            </a:fontRef>
+          </p:style>
+          <p:txBody>
+            <a:bodyPr rtlCol="0" anchor="ctr"/>
+            <a:lstStyle/>
+            <a:p>
+              <a:pPr algn="ctr"/>
+              <a:endParaRPr lang="hu-HU" dirty="0"/>
+            </a:p>
+          </p:txBody>
+        </p:sp>
+        <p:pic>
+          <p:nvPicPr>
+            <p:cNvPr id="10" name="Picture 9"/>
+            <p:cNvPicPr>
+              <a:picLocks noChangeAspect="1"/>
+            </p:cNvPicPr>
+            <p:nvPr/>
+          </p:nvPicPr>
+          <p:blipFill>
+            <a:blip r:embed="rId3"/>
+            <a:stretch>
+              <a:fillRect/>
+            </a:stretch>
+          </p:blipFill>
+          <p:spPr>
+            <a:xfrm>
+              <a:off x="713787" y="1907012"/>
+              <a:ext cx="4401164" cy="1390844"/>
+            </a:xfrm>
+            <a:prstGeom prst="rect">
+              <a:avLst/>
+            </a:prstGeom>
+          </p:spPr>
+        </p:pic>
+      </p:grpSp>
+      <p:grpSp>
+        <p:nvGrpSpPr>
+          <p:cNvPr id="14" name="Group 13"/>
+          <p:cNvGrpSpPr/>
+          <p:nvPr/>
+        </p:nvGrpSpPr>
+        <p:grpSpPr>
+          <a:xfrm>
+            <a:off x="6772122" y="413085"/>
+            <a:ext cx="4784269" cy="1724461"/>
+            <a:chOff x="5872296" y="1975334"/>
+            <a:chExt cx="4784269" cy="1724461"/>
+          </a:xfrm>
+        </p:grpSpPr>
+        <p:sp>
+          <p:nvSpPr>
+            <p:cNvPr id="13" name="Téglalap: lekerekített 3">
+              <a:extLst>
+                <a:ext uri="{FF2B5EF4-FFF2-40B4-BE49-F238E27FC236}">
+                  <a16:creationId xmlns:a16="http://schemas.microsoft.com/office/drawing/2014/main" xmlns="" id="{BC187220-8284-1B2B-8CE3-7C613265D444}"/>
+                </a:ext>
+              </a:extLst>
+            </p:cNvPr>
+            <p:cNvSpPr/>
+            <p:nvPr/>
+          </p:nvSpPr>
+          <p:spPr>
+            <a:xfrm>
+              <a:off x="5872296" y="1975334"/>
+              <a:ext cx="4784269" cy="1724461"/>
+            </a:xfrm>
+            <a:prstGeom prst="roundRect">
+              <a:avLst>
+                <a:gd name="adj" fmla="val 4094"/>
+              </a:avLst>
+            </a:prstGeom>
+            <a:solidFill>
+              <a:schemeClr val="bg1">
+                <a:alpha val="80000"/>
+              </a:schemeClr>
+            </a:solidFill>
+            <a:ln w="120650" cap="sq">
+              <a:noFill/>
+              <a:round/>
+            </a:ln>
+          </p:spPr>
+          <p:style>
+            <a:lnRef idx="2">
+              <a:schemeClr val="accent1">
+                <a:shade val="15000"/>
+              </a:schemeClr>
+            </a:lnRef>
+            <a:fillRef idx="1">
+              <a:schemeClr val="accent1"/>
+            </a:fillRef>
+            <a:effectRef idx="0">
+              <a:schemeClr val="accent1"/>
+            </a:effectRef>
+            <a:fontRef idx="minor">
+              <a:schemeClr val="lt1"/>
+            </a:fontRef>
+          </p:style>
+          <p:txBody>
+            <a:bodyPr rtlCol="0" anchor="ctr"/>
+            <a:lstStyle/>
+            <a:p>
+              <a:pPr algn="ctr"/>
+              <a:endParaRPr lang="hu-HU" dirty="0"/>
+            </a:p>
+          </p:txBody>
+        </p:sp>
+        <p:pic>
+          <p:nvPicPr>
+            <p:cNvPr id="12" name="Picture 11"/>
+            <p:cNvPicPr>
+              <a:picLocks noChangeAspect="1"/>
+            </p:cNvPicPr>
+            <p:nvPr/>
+          </p:nvPicPr>
+          <p:blipFill>
+            <a:blip r:embed="rId4"/>
+            <a:stretch>
+              <a:fillRect/>
+            </a:stretch>
+          </p:blipFill>
+          <p:spPr>
+            <a:xfrm>
+              <a:off x="6119129" y="2249640"/>
+              <a:ext cx="4290605" cy="1175851"/>
+            </a:xfrm>
+            <a:prstGeom prst="rect">
+              <a:avLst/>
+            </a:prstGeom>
+          </p:spPr>
+        </p:pic>
+      </p:grpSp>
+      <p:grpSp>
+        <p:nvGrpSpPr>
+          <p:cNvPr id="19" name="Group 18"/>
+          <p:cNvGrpSpPr/>
+          <p:nvPr/>
+        </p:nvGrpSpPr>
+        <p:grpSpPr>
+          <a:xfrm>
+            <a:off x="7265786" y="2411852"/>
+            <a:ext cx="4290605" cy="1357030"/>
+            <a:chOff x="6014626" y="4416753"/>
+            <a:chExt cx="4290605" cy="1357030"/>
+          </a:xfrm>
+        </p:grpSpPr>
+        <p:sp>
+          <p:nvSpPr>
+            <p:cNvPr id="17" name="Téglalap: lekerekített 3">
+              <a:extLst>
+                <a:ext uri="{FF2B5EF4-FFF2-40B4-BE49-F238E27FC236}">
+                  <a16:creationId xmlns:a16="http://schemas.microsoft.com/office/drawing/2014/main" xmlns="" id="{BC187220-8284-1B2B-8CE3-7C613265D444}"/>
+                </a:ext>
+              </a:extLst>
+            </p:cNvPr>
+            <p:cNvSpPr/>
+            <p:nvPr/>
+          </p:nvSpPr>
+          <p:spPr>
+            <a:xfrm>
+              <a:off x="6014626" y="4416753"/>
+              <a:ext cx="4290605" cy="1357030"/>
+            </a:xfrm>
+            <a:prstGeom prst="roundRect">
+              <a:avLst>
+                <a:gd name="adj" fmla="val 4094"/>
+              </a:avLst>
+            </a:prstGeom>
+            <a:solidFill>
+              <a:schemeClr val="bg1">
+                <a:alpha val="80000"/>
+              </a:schemeClr>
+            </a:solidFill>
+            <a:ln w="120650" cap="sq">
+              <a:noFill/>
+              <a:round/>
+            </a:ln>
+          </p:spPr>
+          <p:style>
+            <a:lnRef idx="2">
+              <a:schemeClr val="accent1">
+                <a:shade val="15000"/>
+              </a:schemeClr>
+            </a:lnRef>
+            <a:fillRef idx="1">
+              <a:schemeClr val="accent1"/>
+            </a:fillRef>
+            <a:effectRef idx="0">
+              <a:schemeClr val="accent1"/>
+            </a:effectRef>
+            <a:fontRef idx="minor">
+              <a:schemeClr val="lt1"/>
+            </a:fontRef>
+          </p:style>
+          <p:txBody>
+            <a:bodyPr rtlCol="0" anchor="ctr"/>
+            <a:lstStyle/>
+            <a:p>
+              <a:pPr algn="ctr"/>
+              <a:endParaRPr lang="hu-HU" dirty="0"/>
+            </a:p>
+          </p:txBody>
+        </p:sp>
+        <p:pic>
+          <p:nvPicPr>
+            <p:cNvPr id="15" name="Picture 14"/>
+            <p:cNvPicPr>
+              <a:picLocks noChangeAspect="1"/>
+            </p:cNvPicPr>
+            <p:nvPr/>
+          </p:nvPicPr>
+          <p:blipFill>
+            <a:blip r:embed="rId5"/>
+            <a:stretch>
+              <a:fillRect/>
+            </a:stretch>
+          </p:blipFill>
+          <p:spPr>
+            <a:xfrm>
+              <a:off x="6321345" y="4653306"/>
+              <a:ext cx="3677163" cy="895475"/>
+            </a:xfrm>
+            <a:prstGeom prst="rect">
+              <a:avLst/>
+            </a:prstGeom>
+          </p:spPr>
+        </p:pic>
+      </p:grpSp>
+      <p:grpSp>
+        <p:nvGrpSpPr>
+          <p:cNvPr id="22" name="Group 21"/>
+          <p:cNvGrpSpPr/>
+          <p:nvPr/>
+        </p:nvGrpSpPr>
+        <p:grpSpPr>
+          <a:xfrm>
+            <a:off x="409042" y="4628529"/>
+            <a:ext cx="4963886" cy="1795868"/>
+            <a:chOff x="940526" y="4325701"/>
+            <a:chExt cx="4963886" cy="1795868"/>
+          </a:xfrm>
+        </p:grpSpPr>
+        <p:sp>
+          <p:nvSpPr>
+            <p:cNvPr id="21" name="Téglalap: lekerekített 3">
+              <a:extLst>
+                <a:ext uri="{FF2B5EF4-FFF2-40B4-BE49-F238E27FC236}">
+                  <a16:creationId xmlns:a16="http://schemas.microsoft.com/office/drawing/2014/main" xmlns="" id="{BC187220-8284-1B2B-8CE3-7C613265D444}"/>
+                </a:ext>
+              </a:extLst>
+            </p:cNvPr>
+            <p:cNvSpPr/>
+            <p:nvPr/>
+          </p:nvSpPr>
+          <p:spPr>
+            <a:xfrm>
+              <a:off x="940526" y="4325701"/>
+              <a:ext cx="4963886" cy="1795868"/>
+            </a:xfrm>
+            <a:prstGeom prst="roundRect">
+              <a:avLst>
+                <a:gd name="adj" fmla="val 4094"/>
+              </a:avLst>
+            </a:prstGeom>
+            <a:solidFill>
+              <a:schemeClr val="bg1">
+                <a:alpha val="80000"/>
+              </a:schemeClr>
+            </a:solidFill>
+            <a:ln w="120650" cap="sq">
+              <a:noFill/>
+              <a:round/>
+            </a:ln>
+          </p:spPr>
+          <p:style>
+            <a:lnRef idx="2">
+              <a:schemeClr val="accent1">
+                <a:shade val="15000"/>
+              </a:schemeClr>
+            </a:lnRef>
+            <a:fillRef idx="1">
+              <a:schemeClr val="accent1"/>
+            </a:fillRef>
+            <a:effectRef idx="0">
+              <a:schemeClr val="accent1"/>
+            </a:effectRef>
+            <a:fontRef idx="minor">
+              <a:schemeClr val="lt1"/>
+            </a:fontRef>
+          </p:style>
+          <p:txBody>
+            <a:bodyPr rtlCol="0" anchor="ctr"/>
+            <a:lstStyle/>
+            <a:p>
+              <a:pPr algn="ctr"/>
+              <a:endParaRPr lang="hu-HU" dirty="0"/>
+            </a:p>
+          </p:txBody>
+        </p:sp>
+        <p:pic>
+          <p:nvPicPr>
+            <p:cNvPr id="20" name="Picture 19"/>
+            <p:cNvPicPr>
+              <a:picLocks noChangeAspect="1"/>
+            </p:cNvPicPr>
+            <p:nvPr/>
+          </p:nvPicPr>
+          <p:blipFill>
+            <a:blip r:embed="rId6"/>
+            <a:stretch>
+              <a:fillRect/>
+            </a:stretch>
+          </p:blipFill>
+          <p:spPr>
+            <a:xfrm>
+              <a:off x="1247778" y="4509451"/>
+              <a:ext cx="4349381" cy="1428368"/>
+            </a:xfrm>
+            <a:prstGeom prst="rect">
+              <a:avLst/>
+            </a:prstGeom>
+          </p:spPr>
+        </p:pic>
+      </p:grpSp>
+      <p:grpSp>
+        <p:nvGrpSpPr>
+          <p:cNvPr id="27" name="Group 26"/>
+          <p:cNvGrpSpPr/>
+          <p:nvPr/>
+        </p:nvGrpSpPr>
+        <p:grpSpPr>
+          <a:xfrm>
+            <a:off x="5552639" y="4252319"/>
+            <a:ext cx="6003752" cy="2172078"/>
+            <a:chOff x="5590694" y="4351245"/>
+            <a:chExt cx="6496742" cy="2350435"/>
+          </a:xfrm>
+        </p:grpSpPr>
+        <p:sp>
+          <p:nvSpPr>
+            <p:cNvPr id="25" name="Téglalap: lekerekített 3">
+              <a:extLst>
+                <a:ext uri="{FF2B5EF4-FFF2-40B4-BE49-F238E27FC236}">
+                  <a16:creationId xmlns:a16="http://schemas.microsoft.com/office/drawing/2014/main" xmlns="" id="{BC187220-8284-1B2B-8CE3-7C613265D444}"/>
+                </a:ext>
+              </a:extLst>
+            </p:cNvPr>
+            <p:cNvSpPr/>
+            <p:nvPr/>
+          </p:nvSpPr>
+          <p:spPr>
+            <a:xfrm>
+              <a:off x="5590694" y="4351245"/>
+              <a:ext cx="6496742" cy="2350435"/>
+            </a:xfrm>
+            <a:prstGeom prst="roundRect">
+              <a:avLst>
+                <a:gd name="adj" fmla="val 4094"/>
+              </a:avLst>
+            </a:prstGeom>
+            <a:solidFill>
+              <a:schemeClr val="bg1">
+                <a:alpha val="80000"/>
+              </a:schemeClr>
+            </a:solidFill>
+            <a:ln w="120650" cap="sq">
+              <a:noFill/>
+              <a:round/>
+            </a:ln>
+          </p:spPr>
+          <p:style>
+            <a:lnRef idx="2">
+              <a:schemeClr val="accent1">
+                <a:shade val="15000"/>
+              </a:schemeClr>
+            </a:lnRef>
+            <a:fillRef idx="1">
+              <a:schemeClr val="accent1"/>
+            </a:fillRef>
+            <a:effectRef idx="0">
+              <a:schemeClr val="accent1"/>
+            </a:effectRef>
+            <a:fontRef idx="minor">
+              <a:schemeClr val="lt1"/>
+            </a:fontRef>
+          </p:style>
+          <p:txBody>
+            <a:bodyPr rtlCol="0" anchor="ctr"/>
+            <a:lstStyle/>
+            <a:p>
+              <a:pPr algn="ctr"/>
+              <a:endParaRPr lang="hu-HU" dirty="0"/>
+            </a:p>
+          </p:txBody>
+        </p:sp>
+        <p:pic>
+          <p:nvPicPr>
+            <p:cNvPr id="23" name="Picture 22"/>
+            <p:cNvPicPr>
+              <a:picLocks noChangeAspect="1"/>
+            </p:cNvPicPr>
+            <p:nvPr/>
+          </p:nvPicPr>
+          <p:blipFill>
+            <a:blip r:embed="rId7"/>
+            <a:stretch>
+              <a:fillRect/>
+            </a:stretch>
+          </p:blipFill>
+          <p:spPr>
+            <a:xfrm>
+              <a:off x="5979631" y="4508467"/>
+              <a:ext cx="5718868" cy="2035989"/>
+            </a:xfrm>
+            <a:prstGeom prst="rect">
+              <a:avLst/>
+            </a:prstGeom>
+          </p:spPr>
+        </p:pic>
+      </p:grpSp>
+    </p:spTree>
+    <p:extLst>
+      <p:ext uri="{BB962C8B-B14F-4D97-AF65-F5344CB8AC3E}">
+        <p14:creationId xmlns:p14="http://schemas.microsoft.com/office/powerpoint/2010/main" val="1800626464"/>
+      </p:ext>
+    </p:extLst>
+  </p:cSld>
+  <p:clrMapOvr>
+    <a:masterClrMapping/>
+  </p:clrMapOvr>
+  <p:transition spd="slow">
+    <p:push dir="u"/>
+  </p:transition>
+  <p:timing>
+    <p:tnLst>
+      <p:par>
+        <p:cTn id="1" dur="indefinite" restart="never" nodeType="tmRoot">
+          <p:childTnLst>
+            <p:seq concurrent="1" nextAc="seek">
+              <p:cTn id="2" dur="indefinite" nodeType="mainSeq">
+                <p:childTnLst>
+                  <p:par>
+                    <p:cTn id="3" fill="hold">
+                      <p:stCondLst>
+                        <p:cond delay="indefinite"/>
+                        <p:cond evt="onBegin" delay="0">
+                          <p:tn val="2"/>
+                        </p:cond>
+                      </p:stCondLst>
+                      <p:childTnLst>
+                        <p:par>
+                          <p:cTn id="4" fill="hold">
+                            <p:stCondLst>
+                              <p:cond delay="0"/>
+                            </p:stCondLst>
+                            <p:childTnLst>
+                              <p:par>
+                                <p:cTn id="5" presetID="2" presetClass="entr" presetSubtype="8" fill="hold" nodeType="afterEffect">
+                                  <p:stCondLst>
+                                    <p:cond delay="0"/>
+                                  </p:stCondLst>
+                                  <p:childTnLst>
+                                    <p:set>
+                                      <p:cBhvr>
+                                        <p:cTn id="6" dur="1" fill="hold">
+                                          <p:stCondLst>
+                                            <p:cond delay="0"/>
+                                          </p:stCondLst>
+                                        </p:cTn>
+                                        <p:tgtEl>
+                                          <p:spTgt spid="6"/>
+                                        </p:tgtEl>
+                                        <p:attrNameLst>
+                                          <p:attrName>style.visibility</p:attrName>
+                                        </p:attrNameLst>
+                                      </p:cBhvr>
+                                      <p:to>
+                                        <p:strVal val="visible"/>
+                                      </p:to>
+                                    </p:set>
+                                    <p:anim calcmode="lin" valueType="num">
+                                      <p:cBhvr additive="base">
+                                        <p:cTn id="7" dur="500" fill="hold"/>
+                                        <p:tgtEl>
+                                          <p:spTgt spid="6"/>
+                                        </p:tgtEl>
+                                        <p:attrNameLst>
+                                          <p:attrName>ppt_x</p:attrName>
+                                        </p:attrNameLst>
+                                      </p:cBhvr>
+                                      <p:tavLst>
+                                        <p:tav tm="0">
+                                          <p:val>
+                                            <p:strVal val="0-#ppt_w/2"/>
+                                          </p:val>
+                                        </p:tav>
+                                        <p:tav tm="100000">
+                                          <p:val>
+                                            <p:strVal val="#ppt_x"/>
+                                          </p:val>
+                                        </p:tav>
+                                      </p:tavLst>
+                                    </p:anim>
+                                    <p:anim calcmode="lin" valueType="num">
+                                      <p:cBhvr additive="base">
+                                        <p:cTn id="8" dur="500" fill="hold"/>
+                                        <p:tgtEl>
+                                          <p:spTgt spid="6"/>
+                                        </p:tgtEl>
+                                        <p:attrNameLst>
+                                          <p:attrName>ppt_y</p:attrName>
+                                        </p:attrNameLst>
+                                      </p:cBhvr>
+                                      <p:tavLst>
+                                        <p:tav tm="0">
+                                          <p:val>
+                                            <p:strVal val="#ppt_y"/>
+                                          </p:val>
+                                        </p:tav>
+                                        <p:tav tm="100000">
+                                          <p:val>
+                                            <p:strVal val="#ppt_y"/>
+                                          </p:val>
+                                        </p:tav>
+                                      </p:tavLst>
+                                    </p:anim>
+                                  </p:childTnLst>
+                                </p:cTn>
+                              </p:par>
+                              <p:par>
+                                <p:cTn id="9" presetID="2" presetClass="entr" presetSubtype="4" fill="hold" nodeType="withEffect">
+                                  <p:stCondLst>
+                                    <p:cond delay="500"/>
+                                  </p:stCondLst>
+                                  <p:childTnLst>
+                                    <p:set>
+                                      <p:cBhvr>
+                                        <p:cTn id="10" dur="1" fill="hold">
+                                          <p:stCondLst>
+                                            <p:cond delay="0"/>
+                                          </p:stCondLst>
+                                        </p:cTn>
+                                        <p:tgtEl>
+                                          <p:spTgt spid="14"/>
+                                        </p:tgtEl>
+                                        <p:attrNameLst>
+                                          <p:attrName>style.visibility</p:attrName>
+                                        </p:attrNameLst>
+                                      </p:cBhvr>
+                                      <p:to>
+                                        <p:strVal val="visible"/>
+                                      </p:to>
+                                    </p:set>
+                                    <p:anim calcmode="lin" valueType="num">
+                                      <p:cBhvr additive="base">
+                                        <p:cTn id="11" dur="500" fill="hold"/>
+                                        <p:tgtEl>
+                                          <p:spTgt spid="14"/>
+                                        </p:tgtEl>
+                                        <p:attrNameLst>
+                                          <p:attrName>ppt_x</p:attrName>
+                                        </p:attrNameLst>
+                                      </p:cBhvr>
+                                      <p:tavLst>
+                                        <p:tav tm="0">
+                                          <p:val>
+                                            <p:strVal val="#ppt_x"/>
+                                          </p:val>
+                                        </p:tav>
+                                        <p:tav tm="100000">
+                                          <p:val>
+                                            <p:strVal val="#ppt_x"/>
+                                          </p:val>
+                                        </p:tav>
+                                      </p:tavLst>
+                                    </p:anim>
+                                    <p:anim calcmode="lin" valueType="num">
+                                      <p:cBhvr additive="base">
+                                        <p:cTn id="12" dur="500" fill="hold"/>
+                                        <p:tgtEl>
+                                          <p:spTgt spid="14"/>
+                                        </p:tgtEl>
+                                        <p:attrNameLst>
+                                          <p:attrName>ppt_y</p:attrName>
+                                        </p:attrNameLst>
+                                      </p:cBhvr>
+                                      <p:tavLst>
+                                        <p:tav tm="0">
+                                          <p:val>
+                                            <p:strVal val="1+#ppt_h/2"/>
+                                          </p:val>
+                                        </p:tav>
+                                        <p:tav tm="100000">
+                                          <p:val>
+                                            <p:strVal val="#ppt_y"/>
+                                          </p:val>
+                                        </p:tav>
+                                      </p:tavLst>
+                                    </p:anim>
+                                  </p:childTnLst>
+                                </p:cTn>
+                              </p:par>
+                              <p:par>
+                                <p:cTn id="13" presetID="2" presetClass="entr" presetSubtype="4" fill="hold" nodeType="withEffect">
+                                  <p:stCondLst>
+                                    <p:cond delay="300"/>
+                                  </p:stCondLst>
+                                  <p:childTnLst>
+                                    <p:set>
+                                      <p:cBhvr>
+                                        <p:cTn id="14" dur="1" fill="hold">
+                                          <p:stCondLst>
+                                            <p:cond delay="0"/>
+                                          </p:stCondLst>
+                                        </p:cTn>
+                                        <p:tgtEl>
+                                          <p:spTgt spid="19"/>
+                                        </p:tgtEl>
+                                        <p:attrNameLst>
+                                          <p:attrName>style.visibility</p:attrName>
+                                        </p:attrNameLst>
+                                      </p:cBhvr>
+                                      <p:to>
+                                        <p:strVal val="visible"/>
+                                      </p:to>
+                                    </p:set>
+                                    <p:anim calcmode="lin" valueType="num">
+                                      <p:cBhvr additive="base">
+                                        <p:cTn id="15" dur="500" fill="hold"/>
+                                        <p:tgtEl>
+                                          <p:spTgt spid="19"/>
+                                        </p:tgtEl>
+                                        <p:attrNameLst>
+                                          <p:attrName>ppt_x</p:attrName>
+                                        </p:attrNameLst>
+                                      </p:cBhvr>
+                                      <p:tavLst>
+                                        <p:tav tm="0">
+                                          <p:val>
+                                            <p:strVal val="#ppt_x"/>
+                                          </p:val>
+                                        </p:tav>
+                                        <p:tav tm="100000">
+                                          <p:val>
+                                            <p:strVal val="#ppt_x"/>
+                                          </p:val>
+                                        </p:tav>
+                                      </p:tavLst>
+                                    </p:anim>
+                                    <p:anim calcmode="lin" valueType="num">
+                                      <p:cBhvr additive="base">
+                                        <p:cTn id="16" dur="500" fill="hold"/>
+                                        <p:tgtEl>
+                                          <p:spTgt spid="19"/>
+                                        </p:tgtEl>
+                                        <p:attrNameLst>
+                                          <p:attrName>ppt_y</p:attrName>
+                                        </p:attrNameLst>
+                                      </p:cBhvr>
+                                      <p:tavLst>
+                                        <p:tav tm="0">
+                                          <p:val>
+                                            <p:strVal val="1+#ppt_h/2"/>
+                                          </p:val>
+                                        </p:tav>
+                                        <p:tav tm="100000">
+                                          <p:val>
+                                            <p:strVal val="#ppt_y"/>
+                                          </p:val>
+                                        </p:tav>
+                                      </p:tavLst>
+                                    </p:anim>
+                                  </p:childTnLst>
+                                </p:cTn>
+                              </p:par>
+                              <p:par>
+                                <p:cTn id="17" presetID="2" presetClass="entr" presetSubtype="4" fill="hold" nodeType="withEffect">
+                                  <p:stCondLst>
+                                    <p:cond delay="200"/>
+                                  </p:stCondLst>
+                                  <p:childTnLst>
+                                    <p:set>
+                                      <p:cBhvr>
+                                        <p:cTn id="18" dur="1" fill="hold">
+                                          <p:stCondLst>
+                                            <p:cond delay="0"/>
+                                          </p:stCondLst>
+                                        </p:cTn>
+                                        <p:tgtEl>
+                                          <p:spTgt spid="11"/>
+                                        </p:tgtEl>
+                                        <p:attrNameLst>
+                                          <p:attrName>style.visibility</p:attrName>
+                                        </p:attrNameLst>
+                                      </p:cBhvr>
+                                      <p:to>
+                                        <p:strVal val="visible"/>
+                                      </p:to>
+                                    </p:set>
+                                    <p:anim calcmode="lin" valueType="num">
+                                      <p:cBhvr additive="base">
+                                        <p:cTn id="19" dur="500" fill="hold"/>
+                                        <p:tgtEl>
+                                          <p:spTgt spid="11"/>
+                                        </p:tgtEl>
+                                        <p:attrNameLst>
+                                          <p:attrName>ppt_x</p:attrName>
+                                        </p:attrNameLst>
+                                      </p:cBhvr>
+                                      <p:tavLst>
+                                        <p:tav tm="0">
+                                          <p:val>
+                                            <p:strVal val="#ppt_x"/>
+                                          </p:val>
+                                        </p:tav>
+                                        <p:tav tm="100000">
+                                          <p:val>
+                                            <p:strVal val="#ppt_x"/>
+                                          </p:val>
+                                        </p:tav>
+                                      </p:tavLst>
+                                    </p:anim>
+                                    <p:anim calcmode="lin" valueType="num">
+                                      <p:cBhvr additive="base">
+                                        <p:cTn id="20" dur="500" fill="hold"/>
+                                        <p:tgtEl>
+                                          <p:spTgt spid="11"/>
+                                        </p:tgtEl>
+                                        <p:attrNameLst>
+                                          <p:attrName>ppt_y</p:attrName>
+                                        </p:attrNameLst>
+                                      </p:cBhvr>
+                                      <p:tavLst>
+                                        <p:tav tm="0">
+                                          <p:val>
+                                            <p:strVal val="1+#ppt_h/2"/>
+                                          </p:val>
+                                        </p:tav>
+                                        <p:tav tm="100000">
+                                          <p:val>
+                                            <p:strVal val="#ppt_y"/>
+                                          </p:val>
+                                        </p:tav>
+                                      </p:tavLst>
+                                    </p:anim>
+                                  </p:childTnLst>
+                                </p:cTn>
+                              </p:par>
+                              <p:par>
+                                <p:cTn id="21" presetID="2" presetClass="entr" presetSubtype="4" fill="hold" nodeType="withEffect">
+                                  <p:stCondLst>
+                                    <p:cond delay="100"/>
+                                  </p:stCondLst>
+                                  <p:childTnLst>
+                                    <p:set>
+                                      <p:cBhvr>
+                                        <p:cTn id="22" dur="1" fill="hold">
+                                          <p:stCondLst>
+                                            <p:cond delay="0"/>
+                                          </p:stCondLst>
+                                        </p:cTn>
+                                        <p:tgtEl>
+                                          <p:spTgt spid="22"/>
+                                        </p:tgtEl>
+                                        <p:attrNameLst>
+                                          <p:attrName>style.visibility</p:attrName>
+                                        </p:attrNameLst>
+                                      </p:cBhvr>
+                                      <p:to>
+                                        <p:strVal val="visible"/>
+                                      </p:to>
+                                    </p:set>
+                                    <p:anim calcmode="lin" valueType="num">
+                                      <p:cBhvr additive="base">
+                                        <p:cTn id="23" dur="500" fill="hold"/>
+                                        <p:tgtEl>
+                                          <p:spTgt spid="22"/>
+                                        </p:tgtEl>
+                                        <p:attrNameLst>
+                                          <p:attrName>ppt_x</p:attrName>
+                                        </p:attrNameLst>
+                                      </p:cBhvr>
+                                      <p:tavLst>
+                                        <p:tav tm="0">
+                                          <p:val>
+                                            <p:strVal val="#ppt_x"/>
+                                          </p:val>
+                                        </p:tav>
+                                        <p:tav tm="100000">
+                                          <p:val>
+                                            <p:strVal val="#ppt_x"/>
+                                          </p:val>
+                                        </p:tav>
+                                      </p:tavLst>
+                                    </p:anim>
+                                    <p:anim calcmode="lin" valueType="num">
+                                      <p:cBhvr additive="base">
+                                        <p:cTn id="24" dur="500" fill="hold"/>
+                                        <p:tgtEl>
+                                          <p:spTgt spid="22"/>
+                                        </p:tgtEl>
+                                        <p:attrNameLst>
+                                          <p:attrName>ppt_y</p:attrName>
+                                        </p:attrNameLst>
+                                      </p:cBhvr>
+                                      <p:tavLst>
+                                        <p:tav tm="0">
+                                          <p:val>
+                                            <p:strVal val="1+#ppt_h/2"/>
+                                          </p:val>
+                                        </p:tav>
+                                        <p:tav tm="100000">
+                                          <p:val>
+                                            <p:strVal val="#ppt_y"/>
+                                          </p:val>
+                                        </p:tav>
+                                      </p:tavLst>
+                                    </p:anim>
+                                  </p:childTnLst>
+                                </p:cTn>
+                              </p:par>
+                              <p:par>
+                                <p:cTn id="25" presetID="2" presetClass="entr" presetSubtype="4" fill="hold" nodeType="withEffect">
+                                  <p:stCondLst>
+                                    <p:cond delay="0"/>
+                                  </p:stCondLst>
+                                  <p:childTnLst>
+                                    <p:set>
+                                      <p:cBhvr>
+                                        <p:cTn id="26" dur="1" fill="hold">
+                                          <p:stCondLst>
+                                            <p:cond delay="0"/>
+                                          </p:stCondLst>
+                                        </p:cTn>
+                                        <p:tgtEl>
+                                          <p:spTgt spid="27"/>
+                                        </p:tgtEl>
+                                        <p:attrNameLst>
+                                          <p:attrName>style.visibility</p:attrName>
+                                        </p:attrNameLst>
+                                      </p:cBhvr>
+                                      <p:to>
+                                        <p:strVal val="visible"/>
+                                      </p:to>
+                                    </p:set>
+                                    <p:anim calcmode="lin" valueType="num">
+                                      <p:cBhvr additive="base">
+                                        <p:cTn id="27" dur="500" fill="hold"/>
+                                        <p:tgtEl>
+                                          <p:spTgt spid="27"/>
+                                        </p:tgtEl>
+                                        <p:attrNameLst>
+                                          <p:attrName>ppt_x</p:attrName>
+                                        </p:attrNameLst>
+                                      </p:cBhvr>
+                                      <p:tavLst>
+                                        <p:tav tm="0">
+                                          <p:val>
+                                            <p:strVal val="#ppt_x"/>
+                                          </p:val>
+                                        </p:tav>
+                                        <p:tav tm="100000">
+                                          <p:val>
+                                            <p:strVal val="#ppt_x"/>
+                                          </p:val>
+                                        </p:tav>
+                                      </p:tavLst>
+                                    </p:anim>
+                                    <p:anim calcmode="lin" valueType="num">
+                                      <p:cBhvr additive="base">
+                                        <p:cTn id="28" dur="500" fill="hold"/>
+                                        <p:tgtEl>
+                                          <p:spTgt spid="27"/>
+                                        </p:tgtEl>
+                                        <p:attrNameLst>
+                                          <p:attrName>ppt_y</p:attrName>
+                                        </p:attrNameLst>
+                                      </p:cBhvr>
+                                      <p:tavLst>
+                                        <p:tav tm="0">
+                                          <p:val>
+                                            <p:strVal val="1+#ppt_h/2"/>
+                                          </p:val>
+                                        </p:tav>
+                                        <p:tav tm="100000">
+                                          <p:val>
+                                            <p:strVal val="#ppt_y"/>
+                                          </p:val>
+                                        </p:tav>
+                                      </p:tavLst>
+                                    </p:anim>
+                                  </p:childTnLst>
+                                </p:cTn>
+                              </p:par>
+                            </p:childTnLst>
+                          </p:cTn>
+                        </p:par>
+                      </p:childTnLst>
+                    </p:cTn>
+                  </p:par>
+                </p:childTnLst>
+              </p:cTn>
+              <p:prevCondLst>
+                <p:cond evt="onPrev" delay="0">
+                  <p:tgtEl>
+                    <p:sldTgt/>
+                  </p:tgtEl>
+                </p:cond>
+              </p:prevCondLst>
+              <p:nextCondLst>
+                <p:cond evt="onNext" delay="0">
+                  <p:tgtEl>
+                    <p:sldTgt/>
+                  </p:tgtEl>
+                </p:cond>
+              </p:nextCondLst>
+            </p:seq>
+          </p:childTnLst>
+        </p:cTn>
+      </p:par>
+    </p:tnLst>
+  </p:timing>
+</p:sld>
+</file>
+
+<file path=ppt/slides/slide12.xml><?xml version="1.0" encoding="utf-8"?>
+<p:sld xmlns:a="http://schemas.openxmlformats.org/drawingml/2006/main" xmlns:r="http://schemas.openxmlformats.org/officeDocument/2006/relationships" xmlns:p="http://schemas.openxmlformats.org/presentationml/2006/main">
+  <p:cSld>
+    <p:bg>
+      <p:bgPr>
+        <a:solidFill>
+          <a:srgbClr val="5019B3"/>
+        </a:solidFill>
+        <a:effectLst/>
+      </p:bgPr>
+    </p:bg>
+    <p:spTree>
+      <p:nvGrpSpPr>
+        <p:cNvPr id="1" name=""/>
+        <p:cNvGrpSpPr/>
+        <p:nvPr/>
+      </p:nvGrpSpPr>
+      <p:grpSpPr>
+        <a:xfrm>
+          <a:off x="0" y="0"/>
+          <a:ext cx="0" cy="0"/>
+          <a:chOff x="0" y="0"/>
+          <a:chExt cx="0" cy="0"/>
+        </a:xfrm>
+      </p:grpSpPr>
+      <p:sp>
+        <p:nvSpPr>
+          <p:cNvPr id="8" name="Téglalap: lekerekített 6">
+            <a:extLst>
+              <a:ext uri="{FF2B5EF4-FFF2-40B4-BE49-F238E27FC236}">
+                <a16:creationId xmlns:a16="http://schemas.microsoft.com/office/drawing/2014/main" xmlns="" id="{9E83F3BB-AE52-4C22-B3C7-E052C54A356D}"/>
+              </a:ext>
+            </a:extLst>
+          </p:cNvPr>
+          <p:cNvSpPr/>
+          <p:nvPr/>
+        </p:nvSpPr>
+        <p:spPr>
+          <a:xfrm>
+            <a:off x="-5910146" y="194253"/>
+            <a:ext cx="5656146" cy="1640305"/>
+          </a:xfrm>
+          <a:prstGeom prst="roundRect">
+            <a:avLst>
+              <a:gd name="adj" fmla="val 4094"/>
+            </a:avLst>
+          </a:prstGeom>
+          <a:solidFill>
+            <a:schemeClr val="bg1">
+              <a:alpha val="80000"/>
+            </a:schemeClr>
+          </a:solidFill>
+          <a:ln w="120650" cap="sq">
+            <a:noFill/>
+            <a:round/>
+          </a:ln>
+        </p:spPr>
+        <p:style>
+          <a:lnRef idx="2">
+            <a:schemeClr val="accent1">
+              <a:shade val="15000"/>
+            </a:schemeClr>
+          </a:lnRef>
+          <a:fillRef idx="1">
+            <a:schemeClr val="accent1"/>
+          </a:fillRef>
+          <a:effectRef idx="0">
+            <a:schemeClr val="accent1"/>
+          </a:effectRef>
+          <a:fontRef idx="minor">
+            <a:schemeClr val="lt1"/>
+          </a:fontRef>
+        </p:style>
+        <p:txBody>
+          <a:bodyPr rtlCol="0" anchor="ctr"/>
+          <a:lstStyle/>
+          <a:p>
+            <a:pPr algn="ctr"/>
+            <a:r>
+              <a:rPr lang="hu-HU" sz="4400" dirty="0">
+                <a:solidFill>
+                  <a:srgbClr val="5019B3"/>
+                </a:solidFill>
+                <a:effectLst>
+                  <a:outerShdw dist="38100" sx="101000" sy="101000" algn="l" rotWithShape="0">
+                    <a:prstClr val="black">
+                      <a:alpha val="0"/>
+                    </a:prstClr>
+                  </a:outerShdw>
+                </a:effectLst>
+                <a:latin typeface="Segoe UI Black" panose="020B0A02040204020203" pitchFamily="34" charset="0"/>
+                <a:ea typeface="Segoe UI Black" panose="020B0A02040204020203" pitchFamily="34" charset="0"/>
+              </a:rPr>
+              <a:t>Mintaproject</a:t>
+            </a:r>
+          </a:p>
+        </p:txBody>
+      </p:sp>
+      <p:sp>
+        <p:nvSpPr>
+          <p:cNvPr id="5" name="TextBox 4"/>
+          <p:cNvSpPr txBox="1"/>
+          <p:nvPr/>
+        </p:nvSpPr>
+        <p:spPr>
+          <a:xfrm>
+            <a:off x="2805829" y="2802283"/>
+            <a:ext cx="2827454" cy="3539430"/>
+          </a:xfrm>
+          <a:prstGeom prst="rect">
+            <a:avLst/>
+          </a:prstGeom>
+          <a:noFill/>
+        </p:spPr>
+        <p:txBody>
+          <a:bodyPr wrap="square" rtlCol="0">
+            <a:spAutoFit/>
+          </a:bodyPr>
+          <a:lstStyle/>
+          <a:p>
+            <a:pPr marL="457200" indent="-457200">
+              <a:buFont typeface="Wingdings" panose="05000000000000000000" pitchFamily="2" charset="2"/>
+              <a:buChar char="§"/>
+            </a:pPr>
+            <a:r>
+              <a:rPr lang="hu-HU" sz="3200" dirty="0">
+                <a:solidFill>
+                  <a:schemeClr val="bg1"/>
+                </a:solidFill>
+                <a:latin typeface="Segoe UI" panose="020B0502040204020203" pitchFamily="34" charset="0"/>
+                <a:cs typeface="Segoe UI" panose="020B0502040204020203" pitchFamily="34" charset="0"/>
+              </a:rPr>
+              <a:t>OOP</a:t>
+            </a:r>
+          </a:p>
+          <a:p>
+            <a:pPr marL="457200" indent="-457200">
+              <a:buFont typeface="Wingdings" panose="05000000000000000000" pitchFamily="2" charset="2"/>
+              <a:buChar char="§"/>
+            </a:pPr>
+            <a:r>
+              <a:rPr lang="hu-HU" sz="3200" dirty="0">
+                <a:solidFill>
+                  <a:schemeClr val="bg1"/>
+                </a:solidFill>
+                <a:latin typeface="Segoe UI" panose="020B0502040204020203" pitchFamily="34" charset="0"/>
+                <a:cs typeface="Segoe UI" panose="020B0502040204020203" pitchFamily="34" charset="0"/>
+              </a:rPr>
+              <a:t>Score</a:t>
+            </a:r>
+          </a:p>
+          <a:p>
+            <a:pPr marL="457200" indent="-457200">
+              <a:buFont typeface="Wingdings" panose="05000000000000000000" pitchFamily="2" charset="2"/>
+              <a:buChar char="§"/>
+            </a:pPr>
+            <a:r>
+              <a:rPr lang="hu-HU" sz="3200" dirty="0">
+                <a:solidFill>
+                  <a:schemeClr val="bg1"/>
+                </a:solidFill>
+                <a:latin typeface="Segoe UI" panose="020B0502040204020203" pitchFamily="34" charset="0"/>
+                <a:cs typeface="Segoe UI" panose="020B0502040204020203" pitchFamily="34" charset="0"/>
+              </a:rPr>
+              <a:t>Collision</a:t>
+            </a:r>
+          </a:p>
+          <a:p>
+            <a:pPr marL="457200" indent="-457200">
+              <a:buFont typeface="Wingdings" panose="05000000000000000000" pitchFamily="2" charset="2"/>
+              <a:buChar char="§"/>
+            </a:pPr>
+            <a:r>
+              <a:rPr lang="hu-HU" sz="3200" dirty="0">
+                <a:solidFill>
+                  <a:schemeClr val="bg1"/>
+                </a:solidFill>
+                <a:latin typeface="Segoe UI" panose="020B0502040204020203" pitchFamily="34" charset="0"/>
+                <a:cs typeface="Segoe UI" panose="020B0502040204020203" pitchFamily="34" charset="0"/>
+              </a:rPr>
+              <a:t>Ugrás</a:t>
+            </a:r>
+          </a:p>
+          <a:p>
+            <a:pPr marL="457200" indent="-457200">
+              <a:buFont typeface="Wingdings" panose="05000000000000000000" pitchFamily="2" charset="2"/>
+              <a:buChar char="§"/>
+            </a:pPr>
+            <a:r>
+              <a:rPr lang="hu-HU" sz="3200" dirty="0">
+                <a:solidFill>
+                  <a:schemeClr val="bg1"/>
+                </a:solidFill>
+                <a:latin typeface="Segoe UI" panose="020B0502040204020203" pitchFamily="34" charset="0"/>
+                <a:cs typeface="Segoe UI" panose="020B0502040204020203" pitchFamily="34" charset="0"/>
+              </a:rPr>
+              <a:t>Platform</a:t>
+            </a:r>
+          </a:p>
+          <a:p>
+            <a:pPr marL="457200" indent="-457200">
+              <a:buFont typeface="Wingdings" panose="05000000000000000000" pitchFamily="2" charset="2"/>
+              <a:buChar char="§"/>
+            </a:pPr>
+            <a:endParaRPr lang="hu-HU" sz="3200" dirty="0">
+              <a:solidFill>
+                <a:schemeClr val="bg1"/>
+              </a:solidFill>
+              <a:latin typeface="Segoe UI" panose="020B0502040204020203" pitchFamily="34" charset="0"/>
+              <a:cs typeface="Segoe UI" panose="020B0502040204020203" pitchFamily="34" charset="0"/>
+            </a:endParaRPr>
+          </a:p>
+          <a:p>
+            <a:pPr marL="285750" indent="-285750">
+              <a:buFont typeface="Arial" panose="020B0604020202020204" pitchFamily="34" charset="0"/>
+              <a:buChar char="•"/>
+            </a:pPr>
+            <a:endParaRPr lang="hu-HU" sz="3200" dirty="0">
+              <a:solidFill>
+                <a:schemeClr val="bg1"/>
+              </a:solidFill>
+              <a:latin typeface="Segoe UI" panose="020B0502040204020203" pitchFamily="34" charset="0"/>
+              <a:cs typeface="Segoe UI" panose="020B0502040204020203" pitchFamily="34" charset="0"/>
+            </a:endParaRPr>
+          </a:p>
+        </p:txBody>
+      </p:sp>
+      <p:grpSp>
+        <p:nvGrpSpPr>
+          <p:cNvPr id="7" name="Group 6"/>
+          <p:cNvGrpSpPr/>
+          <p:nvPr/>
+        </p:nvGrpSpPr>
+        <p:grpSpPr>
+          <a:xfrm>
+            <a:off x="5738588" y="2397352"/>
+            <a:ext cx="6146545" cy="4349294"/>
+            <a:chOff x="5738588" y="2397352"/>
+            <a:chExt cx="6146545" cy="4349294"/>
+          </a:xfrm>
+        </p:grpSpPr>
+        <p:sp>
+          <p:nvSpPr>
+            <p:cNvPr id="11" name="Téglalap: lekerekített 5">
+              <a:extLst>
+                <a:ext uri="{FF2B5EF4-FFF2-40B4-BE49-F238E27FC236}">
+                  <a16:creationId xmlns:a16="http://schemas.microsoft.com/office/drawing/2014/main" xmlns="" id="{7054393B-7C14-4BF7-B3BE-977FD580A87B}"/>
+                </a:ext>
+              </a:extLst>
+            </p:cNvPr>
+            <p:cNvSpPr/>
+            <p:nvPr/>
+          </p:nvSpPr>
+          <p:spPr>
+            <a:xfrm>
+              <a:off x="5738588" y="2397352"/>
+              <a:ext cx="6146545" cy="4349294"/>
+            </a:xfrm>
+            <a:prstGeom prst="roundRect">
+              <a:avLst>
+                <a:gd name="adj" fmla="val 4094"/>
+              </a:avLst>
+            </a:prstGeom>
+            <a:solidFill>
+              <a:schemeClr val="bg1">
+                <a:alpha val="80000"/>
+              </a:schemeClr>
+            </a:solidFill>
+            <a:ln w="120650" cap="sq">
+              <a:noFill/>
+              <a:round/>
+            </a:ln>
+          </p:spPr>
+          <p:style>
+            <a:lnRef idx="2">
+              <a:schemeClr val="accent1">
+                <a:shade val="15000"/>
+              </a:schemeClr>
+            </a:lnRef>
+            <a:fillRef idx="1">
+              <a:schemeClr val="accent1"/>
+            </a:fillRef>
+            <a:effectRef idx="0">
+              <a:schemeClr val="accent1"/>
+            </a:effectRef>
+            <a:fontRef idx="minor">
+              <a:schemeClr val="lt1"/>
+            </a:fontRef>
+          </p:style>
+          <p:txBody>
+            <a:bodyPr rtlCol="0" anchor="ctr"/>
+            <a:lstStyle/>
+            <a:p>
+              <a:pPr algn="ctr"/>
+              <a:endParaRPr lang="hu-HU" sz="2800" dirty="0">
+                <a:solidFill>
+                  <a:srgbClr val="5019B3"/>
+                </a:solidFill>
+                <a:effectLst>
+                  <a:outerShdw dist="38100" sx="101000" sy="101000" algn="l" rotWithShape="0">
+                    <a:prstClr val="black">
+                      <a:alpha val="0"/>
+                    </a:prstClr>
+                  </a:outerShdw>
+                </a:effectLst>
+                <a:latin typeface="Segoe UI Black" panose="020B0A02040204020203" pitchFamily="34" charset="0"/>
+                <a:ea typeface="Segoe UI Black" panose="020B0A02040204020203" pitchFamily="34" charset="0"/>
+              </a:endParaRPr>
+            </a:p>
+          </p:txBody>
+        </p:sp>
+        <p:pic>
+          <p:nvPicPr>
+            <p:cNvPr id="6" name="Picture 5"/>
+            <p:cNvPicPr>
+              <a:picLocks noChangeAspect="1"/>
+            </p:cNvPicPr>
+            <p:nvPr/>
+          </p:nvPicPr>
+          <p:blipFill>
+            <a:blip r:embed="rId2"/>
+            <a:stretch>
+              <a:fillRect/>
+            </a:stretch>
+          </p:blipFill>
+          <p:spPr>
+            <a:xfrm>
+              <a:off x="5949199" y="2557180"/>
+              <a:ext cx="5725324" cy="4029637"/>
+            </a:xfrm>
+            <a:prstGeom prst="rect">
+              <a:avLst/>
+            </a:prstGeom>
+          </p:spPr>
+        </p:pic>
+      </p:grpSp>
+      <p:grpSp>
+        <p:nvGrpSpPr>
+          <p:cNvPr id="9" name="Group 8"/>
+          <p:cNvGrpSpPr/>
+          <p:nvPr/>
+        </p:nvGrpSpPr>
+        <p:grpSpPr>
+          <a:xfrm>
+            <a:off x="-1691573" y="-265296"/>
+            <a:ext cx="13883573" cy="7123296"/>
+            <a:chOff x="-1691573" y="-265296"/>
+            <a:chExt cx="13883573" cy="7123296"/>
+          </a:xfrm>
+        </p:grpSpPr>
+        <p:sp>
+          <p:nvSpPr>
+            <p:cNvPr id="2" name="Rectangle 1"/>
+            <p:cNvSpPr/>
+            <p:nvPr/>
+          </p:nvSpPr>
+          <p:spPr>
+            <a:xfrm>
+              <a:off x="1433392" y="2286000"/>
+              <a:ext cx="10758608" cy="4572000"/>
+            </a:xfrm>
+            <a:prstGeom prst="rect">
+              <a:avLst/>
+            </a:prstGeom>
+            <a:solidFill>
+              <a:srgbClr val="5018B4"/>
+            </a:solidFill>
+            <a:ln>
+              <a:noFill/>
+            </a:ln>
+          </p:spPr>
+          <p:style>
+            <a:lnRef idx="2">
+              <a:schemeClr val="accent1">
+                <a:shade val="50000"/>
+              </a:schemeClr>
+            </a:lnRef>
+            <a:fillRef idx="1">
+              <a:schemeClr val="accent1"/>
+            </a:fillRef>
+            <a:effectRef idx="0">
+              <a:schemeClr val="accent1"/>
+            </a:effectRef>
+            <a:fontRef idx="minor">
+              <a:schemeClr val="lt1"/>
+            </a:fontRef>
+          </p:style>
+          <p:txBody>
+            <a:bodyPr rtlCol="0" anchor="ctr"/>
+            <a:lstStyle/>
+            <a:p>
+              <a:pPr algn="ctr"/>
+              <a:endParaRPr lang="hu-HU"/>
+            </a:p>
+          </p:txBody>
+        </p:sp>
+        <p:pic>
+          <p:nvPicPr>
+            <p:cNvPr id="12" name="Kép 11">
+              <a:extLst>
+                <a:ext uri="{FF2B5EF4-FFF2-40B4-BE49-F238E27FC236}">
+                  <a16:creationId xmlns:a16="http://schemas.microsoft.com/office/drawing/2014/main" xmlns="" id="{118B224A-E193-49AD-83D8-09F6A71DDCFB}"/>
+                </a:ext>
+              </a:extLst>
+            </p:cNvPr>
+            <p:cNvPicPr>
+              <a:picLocks noChangeAspect="1"/>
+            </p:cNvPicPr>
+            <p:nvPr/>
+          </p:nvPicPr>
+          <p:blipFill>
+            <a:blip r:embed="rId3">
+              <a:extLst>
+                <a:ext uri="{28A0092B-C50C-407E-A947-70E740481C1C}">
+                  <a14:useLocalDpi xmlns:a14="http://schemas.microsoft.com/office/drawing/2010/main" val="0"/>
+                </a:ext>
+              </a:extLst>
+            </a:blip>
+            <a:stretch>
+              <a:fillRect/>
+            </a:stretch>
+          </p:blipFill>
+          <p:spPr>
+            <a:xfrm>
+              <a:off x="-1691573" y="-265296"/>
+              <a:ext cx="7123296" cy="7123296"/>
+            </a:xfrm>
+            <a:prstGeom prst="rect">
+              <a:avLst/>
+            </a:prstGeom>
+          </p:spPr>
+        </p:pic>
+      </p:grpSp>
+    </p:spTree>
+    <p:extLst>
+      <p:ext uri="{BB962C8B-B14F-4D97-AF65-F5344CB8AC3E}">
+        <p14:creationId xmlns:p14="http://schemas.microsoft.com/office/powerpoint/2010/main" val="3971971737"/>
+      </p:ext>
+    </p:extLst>
+  </p:cSld>
+  <p:clrMapOvr>
+    <a:masterClrMapping/>
+  </p:clrMapOvr>
+  <p:transition spd="slow">
+    <p:push dir="u"/>
+  </p:transition>
+  <p:timing>
+    <p:tnLst>
+      <p:par>
+        <p:cTn id="1" dur="indefinite" restart="never" nodeType="tmRoot">
+          <p:childTnLst>
+            <p:seq concurrent="1" nextAc="seek">
+              <p:cTn id="2" dur="indefinite" nodeType="mainSeq">
+                <p:childTnLst>
+                  <p:par>
+                    <p:cTn id="3" fill="hold">
+                      <p:stCondLst>
+                        <p:cond delay="indefinite"/>
+                        <p:cond evt="onBegin" delay="0">
+                          <p:tn val="2"/>
+                        </p:cond>
+                      </p:stCondLst>
+                      <p:childTnLst>
+                        <p:par>
+                          <p:cTn id="4" fill="hold">
+                            <p:stCondLst>
+                              <p:cond delay="0"/>
+                            </p:stCondLst>
+                            <p:childTnLst>
+                              <p:par>
+                                <p:cTn id="5" presetID="63" presetClass="path" presetSubtype="0" accel="50000" decel="50000" fill="hold" grpId="0" nodeType="withEffect">
+                                  <p:stCondLst>
+                                    <p:cond delay="0"/>
+                                  </p:stCondLst>
+                                  <p:childTnLst>
+                                    <p:animMotion origin="layout" path="M 4.375E-6 3.33333E-6 L 0.46849 3.33333E-6 " pathEditMode="relative" rAng="0" ptsTypes="AA">
+                                      <p:cBhvr>
+                                        <p:cTn id="6" dur="2000" fill="hold"/>
+                                        <p:tgtEl>
+                                          <p:spTgt spid="8"/>
+                                        </p:tgtEl>
+                                        <p:attrNameLst>
+                                          <p:attrName>ppt_x</p:attrName>
+                                          <p:attrName>ppt_y</p:attrName>
+                                        </p:attrNameLst>
+                                      </p:cBhvr>
+                                      <p:rCtr x="23424" y="0"/>
+                                    </p:animMotion>
+                                  </p:childTnLst>
+                                </p:cTn>
+                              </p:par>
+                              <p:par>
+                                <p:cTn id="7" presetID="63" presetClass="path" presetSubtype="0" accel="50000" decel="50000" fill="hold" nodeType="withEffect">
+                                  <p:stCondLst>
+                                    <p:cond delay="600"/>
+                                  </p:stCondLst>
+                                  <p:childTnLst>
+                                    <p:animMotion origin="layout" path="M 1.04167E-6 4.44444E-6 L 1.1069 4.44444E-6 " pathEditMode="relative" rAng="0" ptsTypes="AA">
+                                      <p:cBhvr>
+                                        <p:cTn id="8" dur="2000" fill="hold"/>
+                                        <p:tgtEl>
+                                          <p:spTgt spid="9"/>
+                                        </p:tgtEl>
+                                        <p:attrNameLst>
+                                          <p:attrName>ppt_x</p:attrName>
+                                          <p:attrName>ppt_y</p:attrName>
+                                        </p:attrNameLst>
+                                      </p:cBhvr>
+                                      <p:rCtr x="55339" y="0"/>
+                                    </p:animMotion>
+                                  </p:childTnLst>
+                                </p:cTn>
+                              </p:par>
+                            </p:childTnLst>
+                          </p:cTn>
+                        </p:par>
+                      </p:childTnLst>
+                    </p:cTn>
+                  </p:par>
+                </p:childTnLst>
+              </p:cTn>
+              <p:prevCondLst>
+                <p:cond evt="onPrev" delay="0">
+                  <p:tgtEl>
+                    <p:sldTgt/>
+                  </p:tgtEl>
+                </p:cond>
+              </p:prevCondLst>
+              <p:nextCondLst>
+                <p:cond evt="onNext" delay="0">
+                  <p:tgtEl>
+                    <p:sldTgt/>
+                  </p:tgtEl>
+                </p:cond>
+              </p:nextCondLst>
+            </p:seq>
+          </p:childTnLst>
+        </p:cTn>
+      </p:par>
+    </p:tnLst>
+    <p:bldLst>
+      <p:bldP spid="8" grpId="0" animBg="1"/>
+    </p:bldLst>
+  </p:timing>
+</p:sld>
+</file>
+
+<file path=ppt/slides/slide13.xml><?xml version="1.0" encoding="utf-8"?>
+<p:sld xmlns:a="http://schemas.openxmlformats.org/drawingml/2006/main" xmlns:r="http://schemas.openxmlformats.org/officeDocument/2006/relationships" xmlns:p="http://schemas.openxmlformats.org/presentationml/2006/main">
+  <p:cSld>
+    <p:bg>
+      <p:bgPr>
+        <a:solidFill>
+          <a:srgbClr val="5019B3"/>
+        </a:solidFill>
+        <a:effectLst/>
+      </p:bgPr>
+    </p:bg>
+    <p:spTree>
+      <p:nvGrpSpPr>
+        <p:cNvPr id="1" name=""/>
+        <p:cNvGrpSpPr/>
+        <p:nvPr/>
+      </p:nvGrpSpPr>
+      <p:grpSpPr>
+        <a:xfrm>
+          <a:off x="0" y="0"/>
+          <a:ext cx="0" cy="0"/>
+          <a:chOff x="0" y="0"/>
+          <a:chExt cx="0" cy="0"/>
+        </a:xfrm>
+      </p:grpSpPr>
+      <p:sp>
+        <p:nvSpPr>
+          <p:cNvPr id="4" name="Ellipszis 3">
+            <a:extLst>
+              <a:ext uri="{FF2B5EF4-FFF2-40B4-BE49-F238E27FC236}">
+                <a16:creationId xmlns:a16="http://schemas.microsoft.com/office/drawing/2014/main" xmlns="" id="{5E590742-0F2F-708E-87FC-8CF5ABA75119}"/>
+              </a:ext>
+            </a:extLst>
+          </p:cNvPr>
+          <p:cNvSpPr/>
+          <p:nvPr/>
+        </p:nvSpPr>
+        <p:spPr>
+          <a:xfrm>
+            <a:off x="2803967" y="136967"/>
+            <a:ext cx="6584065" cy="6584065"/>
+          </a:xfrm>
+          <a:prstGeom prst="ellipse">
+            <a:avLst/>
+          </a:prstGeom>
+          <a:solidFill>
+            <a:srgbClr val="4B199F"/>
+          </a:solidFill>
+          <a:ln>
+            <a:noFill/>
+          </a:ln>
+          <a:effectLst>
+            <a:innerShdw blurRad="533400">
+              <a:prstClr val="black">
+                <a:alpha val="71000"/>
+              </a:prstClr>
+            </a:innerShdw>
+          </a:effectLst>
+        </p:spPr>
+        <p:style>
+          <a:lnRef idx="2">
+            <a:schemeClr val="accent1">
+              <a:shade val="15000"/>
+            </a:schemeClr>
+          </a:lnRef>
+          <a:fillRef idx="1">
+            <a:schemeClr val="accent1"/>
+          </a:fillRef>
+          <a:effectRef idx="0">
+            <a:schemeClr val="accent1"/>
+          </a:effectRef>
+          <a:fontRef idx="minor">
+            <a:schemeClr val="lt1"/>
+          </a:fontRef>
+        </p:style>
+        <p:txBody>
+          <a:bodyPr rtlCol="0" anchor="ctr"/>
+          <a:lstStyle/>
+          <a:p>
+            <a:pPr algn="ctr"/>
+            <a:endParaRPr lang="hu-HU"/>
+          </a:p>
+        </p:txBody>
+      </p:sp>
+      <p:sp>
+        <p:nvSpPr>
+          <p:cNvPr id="5" name="Ellipszis 4">
+            <a:extLst>
+              <a:ext uri="{FF2B5EF4-FFF2-40B4-BE49-F238E27FC236}">
+                <a16:creationId xmlns:a16="http://schemas.microsoft.com/office/drawing/2014/main" xmlns="" id="{7BFA035C-0E90-EF99-09EB-F01F1787B99D}"/>
+              </a:ext>
+            </a:extLst>
+          </p:cNvPr>
+          <p:cNvSpPr/>
+          <p:nvPr/>
+        </p:nvSpPr>
+        <p:spPr>
+          <a:xfrm>
+            <a:off x="3530277" y="863277"/>
+            <a:ext cx="5131443" cy="5131443"/>
+          </a:xfrm>
+          <a:prstGeom prst="ellipse">
+            <a:avLst/>
+          </a:prstGeom>
+          <a:solidFill>
+            <a:srgbClr val="441887"/>
+          </a:solidFill>
+          <a:effectLst>
+            <a:innerShdw blurRad="368300">
+              <a:prstClr val="black">
+                <a:alpha val="41000"/>
+              </a:prstClr>
+            </a:innerShdw>
+          </a:effectLst>
+        </p:spPr>
+        <p:style>
+          <a:lnRef idx="2">
+            <a:schemeClr val="accent1">
+              <a:shade val="15000"/>
+            </a:schemeClr>
+          </a:lnRef>
+          <a:fillRef idx="1">
+            <a:schemeClr val="accent1"/>
+          </a:fillRef>
+          <a:effectRef idx="0">
+            <a:schemeClr val="accent1"/>
+          </a:effectRef>
+          <a:fontRef idx="minor">
+            <a:schemeClr val="lt1"/>
+          </a:fontRef>
+        </p:style>
+        <p:txBody>
+          <a:bodyPr rtlCol="0" anchor="ctr"/>
+          <a:lstStyle/>
+          <a:p>
+            <a:pPr algn="ctr"/>
+            <a:endParaRPr lang="hu-HU"/>
+          </a:p>
+        </p:txBody>
+      </p:sp>
+      <p:sp>
+        <p:nvSpPr>
+          <p:cNvPr id="15" name="Szövegdoboz 14">
+            <a:extLst>
+              <a:ext uri="{FF2B5EF4-FFF2-40B4-BE49-F238E27FC236}">
+                <a16:creationId xmlns:a16="http://schemas.microsoft.com/office/drawing/2014/main" xmlns="" id="{BAD904EC-5503-CAE6-53A8-7648AE393A9D}"/>
+              </a:ext>
+            </a:extLst>
+          </p:cNvPr>
+          <p:cNvSpPr txBox="1"/>
+          <p:nvPr/>
+        </p:nvSpPr>
+        <p:spPr>
+          <a:xfrm>
+            <a:off x="4049861" y="2141397"/>
+            <a:ext cx="4396873" cy="1754326"/>
+          </a:xfrm>
+          <a:prstGeom prst="rect">
+            <a:avLst/>
+          </a:prstGeom>
+          <a:noFill/>
+          <a:effectLst>
+            <a:outerShdw sx="1000" sy="1000" algn="ctr" rotWithShape="0">
+              <a:srgbClr val="000000"/>
+            </a:outerShdw>
+          </a:effectLst>
+        </p:spPr>
+        <p:txBody>
+          <a:bodyPr wrap="square" rtlCol="0">
+            <a:spAutoFit/>
+          </a:bodyPr>
+          <a:lstStyle/>
+          <a:p>
+            <a:r>
+              <a:rPr lang="hu-HU" sz="5400" dirty="0">
+                <a:solidFill>
+                  <a:schemeClr val="bg1"/>
+                </a:solidFill>
+                <a:effectLst>
+                  <a:outerShdw dist="38100" sx="101000" sy="101000" algn="l" rotWithShape="0">
+                    <a:prstClr val="black">
+                      <a:alpha val="10000"/>
+                    </a:prstClr>
+                  </a:outerShdw>
+                </a:effectLst>
+                <a:latin typeface="Segoe UI Black" panose="020B0A02040204020203" pitchFamily="34" charset="0"/>
+                <a:ea typeface="Segoe UI Black" panose="020B0A02040204020203" pitchFamily="34" charset="0"/>
+              </a:rPr>
+              <a:t>Köszönjük a figyelmet!</a:t>
+            </a:r>
+          </a:p>
+        </p:txBody>
+      </p:sp>
+      <p:sp>
+        <p:nvSpPr>
+          <p:cNvPr id="17" name="Szövegdoboz 15">
+            <a:extLst>
+              <a:ext uri="{FF2B5EF4-FFF2-40B4-BE49-F238E27FC236}">
+                <a16:creationId xmlns:a16="http://schemas.microsoft.com/office/drawing/2014/main" xmlns="" id="{C9117FAE-FE67-5743-F7DB-0D7FE2C64D91}"/>
+              </a:ext>
+            </a:extLst>
+          </p:cNvPr>
+          <p:cNvSpPr txBox="1"/>
+          <p:nvPr/>
+        </p:nvSpPr>
+        <p:spPr>
+          <a:xfrm>
+            <a:off x="3745262" y="4098842"/>
+            <a:ext cx="4701472" cy="646331"/>
+          </a:xfrm>
+          <a:prstGeom prst="rect">
+            <a:avLst/>
+          </a:prstGeom>
+          <a:noFill/>
+        </p:spPr>
+        <p:txBody>
+          <a:bodyPr wrap="square" rtlCol="0">
+            <a:spAutoFit/>
+          </a:bodyPr>
+          <a:lstStyle/>
+          <a:p>
+            <a:r>
+              <a:rPr lang="hu-HU" sz="1600" b="0" i="0" dirty="0">
+                <a:solidFill>
+                  <a:srgbClr val="FFFFFF"/>
+                </a:solidFill>
+                <a:effectLst/>
+                <a:latin typeface="Barlow" panose="020F0502020204030204" pitchFamily="2" charset="-18"/>
+              </a:rPr>
+              <a:t>Készítette: </a:t>
+            </a:r>
+            <a:r>
+              <a:rPr lang="hu-HU" sz="1600" dirty="0">
+                <a:solidFill>
+                  <a:srgbClr val="FFFFFF"/>
+                </a:solidFill>
+                <a:latin typeface="Barlow" panose="020F0502020204030204" pitchFamily="2" charset="-18"/>
+              </a:rPr>
+              <a:t>Kállai Gábor, Szalai Bence, Bánhidai Mátyás</a:t>
+            </a:r>
+            <a:endParaRPr lang="hu-HU" sz="1600" b="0" i="0" dirty="0">
+              <a:solidFill>
+                <a:srgbClr val="FFFFFF"/>
+              </a:solidFill>
+              <a:effectLst/>
+              <a:latin typeface="Barlow" panose="020F0502020204030204" pitchFamily="2" charset="-18"/>
+            </a:endParaRPr>
+          </a:p>
+          <a:p>
+            <a:pPr algn="ctr"/>
+            <a:endParaRPr lang="hu-HU" sz="2000" dirty="0"/>
+          </a:p>
+        </p:txBody>
+      </p:sp>
+    </p:spTree>
+    <p:extLst>
+      <p:ext uri="{BB962C8B-B14F-4D97-AF65-F5344CB8AC3E}">
+        <p14:creationId xmlns:p14="http://schemas.microsoft.com/office/powerpoint/2010/main" val="2378275473"/>
+      </p:ext>
+    </p:extLst>
+  </p:cSld>
+  <p:clrMapOvr>
+    <a:masterClrMapping/>
+  </p:clrMapOvr>
+  <p:transition spd="slow">
+    <p:push dir="u"/>
+  </p:transition>
+  <p:timing>
+    <p:tnLst>
+      <p:par>
+        <p:cTn id="1" dur="indefinite" restart="never" nodeType="tmRoot">
+          <p:childTnLst>
+            <p:seq concurrent="1" nextAc="seek">
+              <p:cTn id="2" dur="indefinite" nodeType="mainSeq">
+                <p:childTnLst>
+                  <p:par>
+                    <p:cTn id="3" fill="hold">
+                      <p:stCondLst>
+                        <p:cond delay="indefinite"/>
+                        <p:cond evt="onBegin" delay="0">
+                          <p:tn val="2"/>
+                        </p:cond>
+                      </p:stCondLst>
+                      <p:childTnLst>
+                        <p:par>
+                          <p:cTn id="4" fill="hold">
+                            <p:stCondLst>
+                              <p:cond delay="0"/>
+                            </p:stCondLst>
+                            <p:childTnLst>
+                              <p:par>
+                                <p:cTn id="5" presetID="53" presetClass="entr" presetSubtype="16" fill="hold" grpId="0" nodeType="withEffect">
+                                  <p:stCondLst>
+                                    <p:cond delay="0"/>
+                                  </p:stCondLst>
+                                  <p:childTnLst>
+                                    <p:set>
+                                      <p:cBhvr>
+                                        <p:cTn id="6" dur="1" fill="hold">
+                                          <p:stCondLst>
+                                            <p:cond delay="0"/>
+                                          </p:stCondLst>
+                                        </p:cTn>
+                                        <p:tgtEl>
+                                          <p:spTgt spid="4"/>
+                                        </p:tgtEl>
+                                        <p:attrNameLst>
+                                          <p:attrName>style.visibility</p:attrName>
+                                        </p:attrNameLst>
+                                      </p:cBhvr>
+                                      <p:to>
+                                        <p:strVal val="visible"/>
+                                      </p:to>
+                                    </p:set>
+                                    <p:anim calcmode="lin" valueType="num">
+                                      <p:cBhvr>
+                                        <p:cTn id="7" dur="300" fill="hold"/>
+                                        <p:tgtEl>
+                                          <p:spTgt spid="4"/>
+                                        </p:tgtEl>
+                                        <p:attrNameLst>
+                                          <p:attrName>ppt_w</p:attrName>
+                                        </p:attrNameLst>
+                                      </p:cBhvr>
+                                      <p:tavLst>
+                                        <p:tav tm="0">
+                                          <p:val>
+                                            <p:fltVal val="0"/>
+                                          </p:val>
+                                        </p:tav>
+                                        <p:tav tm="100000">
+                                          <p:val>
+                                            <p:strVal val="#ppt_w"/>
+                                          </p:val>
+                                        </p:tav>
+                                      </p:tavLst>
+                                    </p:anim>
+                                    <p:anim calcmode="lin" valueType="num">
+                                      <p:cBhvr>
+                                        <p:cTn id="8" dur="300" fill="hold"/>
+                                        <p:tgtEl>
+                                          <p:spTgt spid="4"/>
+                                        </p:tgtEl>
+                                        <p:attrNameLst>
+                                          <p:attrName>ppt_h</p:attrName>
+                                        </p:attrNameLst>
+                                      </p:cBhvr>
+                                      <p:tavLst>
+                                        <p:tav tm="0">
+                                          <p:val>
+                                            <p:fltVal val="0"/>
+                                          </p:val>
+                                        </p:tav>
+                                        <p:tav tm="100000">
+                                          <p:val>
+                                            <p:strVal val="#ppt_h"/>
+                                          </p:val>
+                                        </p:tav>
+                                      </p:tavLst>
+                                    </p:anim>
+                                    <p:animEffect transition="in" filter="fade">
+                                      <p:cBhvr>
+                                        <p:cTn id="9" dur="300"/>
+                                        <p:tgtEl>
+                                          <p:spTgt spid="4"/>
+                                        </p:tgtEl>
+                                      </p:cBhvr>
+                                    </p:animEffect>
+                                  </p:childTnLst>
+                                </p:cTn>
+                              </p:par>
+                            </p:childTnLst>
+                          </p:cTn>
+                        </p:par>
+                        <p:par>
+                          <p:cTn id="10" fill="hold">
+                            <p:stCondLst>
+                              <p:cond delay="300"/>
+                            </p:stCondLst>
+                            <p:childTnLst>
+                              <p:par>
+                                <p:cTn id="11" presetID="53" presetClass="entr" presetSubtype="16" fill="hold" grpId="0" nodeType="afterEffect">
+                                  <p:stCondLst>
+                                    <p:cond delay="200"/>
+                                  </p:stCondLst>
+                                  <p:childTnLst>
+                                    <p:set>
+                                      <p:cBhvr>
+                                        <p:cTn id="12" dur="1" fill="hold">
+                                          <p:stCondLst>
+                                            <p:cond delay="0"/>
+                                          </p:stCondLst>
+                                        </p:cTn>
+                                        <p:tgtEl>
+                                          <p:spTgt spid="5"/>
+                                        </p:tgtEl>
+                                        <p:attrNameLst>
+                                          <p:attrName>style.visibility</p:attrName>
+                                        </p:attrNameLst>
+                                      </p:cBhvr>
+                                      <p:to>
+                                        <p:strVal val="visible"/>
+                                      </p:to>
+                                    </p:set>
+                                    <p:anim calcmode="lin" valueType="num">
+                                      <p:cBhvr>
+                                        <p:cTn id="13" dur="300" fill="hold"/>
+                                        <p:tgtEl>
+                                          <p:spTgt spid="5"/>
+                                        </p:tgtEl>
+                                        <p:attrNameLst>
+                                          <p:attrName>ppt_w</p:attrName>
+                                        </p:attrNameLst>
+                                      </p:cBhvr>
+                                      <p:tavLst>
+                                        <p:tav tm="0">
+                                          <p:val>
+                                            <p:fltVal val="0"/>
+                                          </p:val>
+                                        </p:tav>
+                                        <p:tav tm="100000">
+                                          <p:val>
+                                            <p:strVal val="#ppt_w"/>
+                                          </p:val>
+                                        </p:tav>
+                                      </p:tavLst>
+                                    </p:anim>
+                                    <p:anim calcmode="lin" valueType="num">
+                                      <p:cBhvr>
+                                        <p:cTn id="14" dur="300" fill="hold"/>
+                                        <p:tgtEl>
+                                          <p:spTgt spid="5"/>
+                                        </p:tgtEl>
+                                        <p:attrNameLst>
+                                          <p:attrName>ppt_h</p:attrName>
+                                        </p:attrNameLst>
+                                      </p:cBhvr>
+                                      <p:tavLst>
+                                        <p:tav tm="0">
+                                          <p:val>
+                                            <p:fltVal val="0"/>
+                                          </p:val>
+                                        </p:tav>
+                                        <p:tav tm="100000">
+                                          <p:val>
+                                            <p:strVal val="#ppt_h"/>
+                                          </p:val>
+                                        </p:tav>
+                                      </p:tavLst>
+                                    </p:anim>
+                                    <p:animEffect transition="in" filter="fade">
+                                      <p:cBhvr>
+                                        <p:cTn id="15" dur="300"/>
+                                        <p:tgtEl>
+                                          <p:spTgt spid="5"/>
+                                        </p:tgtEl>
+                                      </p:cBhvr>
+                                    </p:animEffect>
+                                  </p:childTnLst>
+                                </p:cTn>
+                              </p:par>
+                            </p:childTnLst>
+                          </p:cTn>
+                        </p:par>
+                        <p:par>
+                          <p:cTn id="16" fill="hold">
+                            <p:stCondLst>
+                              <p:cond delay="800"/>
+                            </p:stCondLst>
+                            <p:childTnLst>
+                              <p:par>
+                                <p:cTn id="17" presetID="2" presetClass="entr" presetSubtype="4" fill="hold" nodeType="afterEffect">
+                                  <p:stCondLst>
+                                    <p:cond delay="500"/>
+                                  </p:stCondLst>
+                                  <p:childTnLst>
+                                    <p:set>
+                                      <p:cBhvr>
+                                        <p:cTn id="18" dur="1" fill="hold">
+                                          <p:stCondLst>
+                                            <p:cond delay="0"/>
+                                          </p:stCondLst>
+                                        </p:cTn>
+                                        <p:tgtEl>
+                                          <p:spTgt spid="15">
+                                            <p:txEl>
+                                              <p:pRg st="0" end="0"/>
+                                            </p:txEl>
+                                          </p:spTgt>
+                                        </p:tgtEl>
+                                        <p:attrNameLst>
+                                          <p:attrName>style.visibility</p:attrName>
+                                        </p:attrNameLst>
+                                      </p:cBhvr>
+                                      <p:to>
+                                        <p:strVal val="visible"/>
+                                      </p:to>
+                                    </p:set>
+                                    <p:anim calcmode="lin" valueType="num">
+                                      <p:cBhvr additive="base">
+                                        <p:cTn id="19" dur="1300" fill="hold"/>
+                                        <p:tgtEl>
+                                          <p:spTgt spid="15">
+                                            <p:txEl>
+                                              <p:pRg st="0" end="0"/>
+                                            </p:txEl>
+                                          </p:spTgt>
+                                        </p:tgtEl>
+                                        <p:attrNameLst>
+                                          <p:attrName>ppt_x</p:attrName>
+                                        </p:attrNameLst>
+                                      </p:cBhvr>
+                                      <p:tavLst>
+                                        <p:tav tm="0">
+                                          <p:val>
+                                            <p:strVal val="#ppt_x"/>
+                                          </p:val>
+                                        </p:tav>
+                                        <p:tav tm="100000">
+                                          <p:val>
+                                            <p:strVal val="#ppt_x"/>
+                                          </p:val>
+                                        </p:tav>
+                                      </p:tavLst>
+                                    </p:anim>
+                                    <p:anim calcmode="lin" valueType="num">
+                                      <p:cBhvr additive="base">
+                                        <p:cTn id="20" dur="1300" fill="hold"/>
+                                        <p:tgtEl>
+                                          <p:spTgt spid="15">
+                                            <p:txEl>
+                                              <p:pRg st="0" end="0"/>
+                                            </p:txEl>
+                                          </p:spTgt>
+                                        </p:tgtEl>
+                                        <p:attrNameLst>
+                                          <p:attrName>ppt_y</p:attrName>
+                                        </p:attrNameLst>
+                                      </p:cBhvr>
+                                      <p:tavLst>
+                                        <p:tav tm="0">
+                                          <p:val>
+                                            <p:strVal val="1+#ppt_h/2"/>
+                                          </p:val>
+                                        </p:tav>
+                                        <p:tav tm="100000">
+                                          <p:val>
+                                            <p:strVal val="#ppt_y"/>
+                                          </p:val>
+                                        </p:tav>
+                                      </p:tavLst>
+                                    </p:anim>
+                                  </p:childTnLst>
+                                </p:cTn>
+                              </p:par>
+                            </p:childTnLst>
+                          </p:cTn>
+                        </p:par>
+                        <p:par>
+                          <p:cTn id="21" fill="hold">
+                            <p:stCondLst>
+                              <p:cond delay="2600"/>
+                            </p:stCondLst>
+                            <p:childTnLst>
+                              <p:par>
+                                <p:cTn id="22" presetID="42" presetClass="entr" presetSubtype="0" fill="hold" grpId="0" nodeType="afterEffect">
+                                  <p:stCondLst>
+                                    <p:cond delay="0"/>
+                                  </p:stCondLst>
+                                  <p:childTnLst>
+                                    <p:set>
+                                      <p:cBhvr>
+                                        <p:cTn id="23" dur="1" fill="hold">
+                                          <p:stCondLst>
+                                            <p:cond delay="0"/>
+                                          </p:stCondLst>
+                                        </p:cTn>
+                                        <p:tgtEl>
+                                          <p:spTgt spid="17"/>
+                                        </p:tgtEl>
+                                        <p:attrNameLst>
+                                          <p:attrName>style.visibility</p:attrName>
+                                        </p:attrNameLst>
+                                      </p:cBhvr>
+                                      <p:to>
+                                        <p:strVal val="visible"/>
+                                      </p:to>
+                                    </p:set>
+                                    <p:animEffect transition="in" filter="fade">
+                                      <p:cBhvr>
+                                        <p:cTn id="24" dur="1000"/>
+                                        <p:tgtEl>
+                                          <p:spTgt spid="17"/>
+                                        </p:tgtEl>
+                                      </p:cBhvr>
+                                    </p:animEffect>
+                                    <p:anim calcmode="lin" valueType="num">
+                                      <p:cBhvr>
+                                        <p:cTn id="25" dur="1000" fill="hold"/>
+                                        <p:tgtEl>
+                                          <p:spTgt spid="17"/>
+                                        </p:tgtEl>
+                                        <p:attrNameLst>
+                                          <p:attrName>ppt_x</p:attrName>
+                                        </p:attrNameLst>
+                                      </p:cBhvr>
+                                      <p:tavLst>
+                                        <p:tav tm="0">
+                                          <p:val>
+                                            <p:strVal val="#ppt_x"/>
+                                          </p:val>
+                                        </p:tav>
+                                        <p:tav tm="100000">
+                                          <p:val>
+                                            <p:strVal val="#ppt_x"/>
+                                          </p:val>
+                                        </p:tav>
+                                      </p:tavLst>
+                                    </p:anim>
+                                    <p:anim calcmode="lin" valueType="num">
+                                      <p:cBhvr>
+                                        <p:cTn id="26" dur="1000" fill="hold"/>
+                                        <p:tgtEl>
+                                          <p:spTgt spid="17"/>
+                                        </p:tgtEl>
+                                        <p:attrNameLst>
+                                          <p:attrName>ppt_y</p:attrName>
+                                        </p:attrNameLst>
+                                      </p:cBhvr>
+                                      <p:tavLst>
+                                        <p:tav tm="0">
+                                          <p:val>
+                                            <p:strVal val="#ppt_y+.1"/>
+                                          </p:val>
+                                        </p:tav>
+                                        <p:tav tm="100000">
+                                          <p:val>
+                                            <p:strVal val="#ppt_y"/>
+                                          </p:val>
+                                        </p:tav>
+                                      </p:tavLst>
+                                    </p:anim>
+                                  </p:childTnLst>
+                                </p:cTn>
+                              </p:par>
+                            </p:childTnLst>
+                          </p:cTn>
+                        </p:par>
+                      </p:childTnLst>
+                    </p:cTn>
+                  </p:par>
+                </p:childTnLst>
+              </p:cTn>
+              <p:prevCondLst>
+                <p:cond evt="onPrev" delay="0">
+                  <p:tgtEl>
+                    <p:sldTgt/>
+                  </p:tgtEl>
+                </p:cond>
+              </p:prevCondLst>
+              <p:nextCondLst>
+                <p:cond evt="onNext" delay="0">
+                  <p:tgtEl>
+                    <p:sldTgt/>
+                  </p:tgtEl>
+                </p:cond>
+              </p:nextCondLst>
+            </p:seq>
+          </p:childTnLst>
+        </p:cTn>
+      </p:par>
+    </p:tnLst>
+    <p:bldLst>
+      <p:bldP spid="4" grpId="0" animBg="1"/>
+      <p:bldP spid="5" grpId="0" animBg="1"/>
+      <p:bldP spid="17" grpId="0"/>
+    </p:bldLst>
+  </p:timing>
+</p:sld>
+</file>
+
+<file path=ppt/slides/slide14.xml><?xml version="1.0" encoding="utf-8"?>
+<p:sld xmlns:a="http://schemas.openxmlformats.org/drawingml/2006/main" xmlns:r="http://schemas.openxmlformats.org/officeDocument/2006/relationships" xmlns:p="http://schemas.openxmlformats.org/presentationml/2006/main">
+  <p:cSld>
+    <p:bg>
+      <p:bgPr>
+        <a:solidFill>
           <a:srgbClr val="5019B3"/>
         </a:solidFill>
         <a:effectLst/>
@@ -4927,7 +8648,7 @@
           <p:cNvPr id="44" name="Ellipszis 43">
             <a:extLst>
               <a:ext uri="{FF2B5EF4-FFF2-40B4-BE49-F238E27FC236}">
-                <a16:creationId xmlns:a16="http://schemas.microsoft.com/office/drawing/2014/main" id="{645329D2-24D7-4E68-B864-0EBD807ED9C7}"/>
+                <a16:creationId xmlns:a16="http://schemas.microsoft.com/office/drawing/2014/main" xmlns="" id="{645329D2-24D7-4E68-B864-0EBD807ED9C7}"/>
               </a:ext>
             </a:extLst>
           </p:cNvPr>
@@ -4986,7 +8707,7 @@
           <p:cNvPr id="45" name="Ellipszis 44">
             <a:extLst>
               <a:ext uri="{FF2B5EF4-FFF2-40B4-BE49-F238E27FC236}">
-                <a16:creationId xmlns:a16="http://schemas.microsoft.com/office/drawing/2014/main" id="{1CF101B2-BBC2-495C-A7C8-A35500CDEADA}"/>
+                <a16:creationId xmlns:a16="http://schemas.microsoft.com/office/drawing/2014/main" xmlns="" id="{1CF101B2-BBC2-495C-A7C8-A35500CDEADA}"/>
               </a:ext>
             </a:extLst>
           </p:cNvPr>
@@ -5045,7 +8766,7 @@
           <p:cNvPr id="50" name="Téglalap: lekerekített 49">
             <a:extLst>
               <a:ext uri="{FF2B5EF4-FFF2-40B4-BE49-F238E27FC236}">
-                <a16:creationId xmlns:a16="http://schemas.microsoft.com/office/drawing/2014/main" id="{8B38A860-78B7-48BD-A452-FE7ADB9753AD}"/>
+                <a16:creationId xmlns:a16="http://schemas.microsoft.com/office/drawing/2014/main" xmlns="" id="{8B38A860-78B7-48BD-A452-FE7ADB9753AD}"/>
               </a:ext>
             </a:extLst>
           </p:cNvPr>
@@ -5160,7 +8881,7 @@
           <p:cNvPr id="1032" name="Picture 8" descr="Your very First GitHub Repository. | by olatunde ibitoye | Medium">
             <a:extLst>
               <a:ext uri="{FF2B5EF4-FFF2-40B4-BE49-F238E27FC236}">
-                <a16:creationId xmlns:a16="http://schemas.microsoft.com/office/drawing/2014/main" id="{65697C37-BB70-40DD-AFE7-60C0822C6AB9}"/>
+                <a16:creationId xmlns:a16="http://schemas.microsoft.com/office/drawing/2014/main" xmlns="" id="{65697C37-BB70-40DD-AFE7-60C0822C6AB9}"/>
               </a:ext>
             </a:extLst>
           </p:cNvPr>
@@ -5207,7 +8928,7 @@
           <p:cNvPr id="66" name="Ellipszis 65">
             <a:extLst>
               <a:ext uri="{FF2B5EF4-FFF2-40B4-BE49-F238E27FC236}">
-                <a16:creationId xmlns:a16="http://schemas.microsoft.com/office/drawing/2014/main" id="{56912AC2-6561-42FD-80C1-49350133FB8A}"/>
+                <a16:creationId xmlns:a16="http://schemas.microsoft.com/office/drawing/2014/main" xmlns="" id="{56912AC2-6561-42FD-80C1-49350133FB8A}"/>
               </a:ext>
             </a:extLst>
           </p:cNvPr>
@@ -5266,7 +8987,7 @@
           <p:cNvPr id="67" name="Ellipszis 66">
             <a:extLst>
               <a:ext uri="{FF2B5EF4-FFF2-40B4-BE49-F238E27FC236}">
-                <a16:creationId xmlns:a16="http://schemas.microsoft.com/office/drawing/2014/main" id="{32F74799-D3F6-4A89-A83F-A3F32E86FA9E}"/>
+                <a16:creationId xmlns:a16="http://schemas.microsoft.com/office/drawing/2014/main" xmlns="" id="{32F74799-D3F6-4A89-A83F-A3F32E86FA9E}"/>
               </a:ext>
             </a:extLst>
           </p:cNvPr>
@@ -5325,7 +9046,7 @@
           <p:cNvPr id="69" name="Ellipszis 68">
             <a:extLst>
               <a:ext uri="{FF2B5EF4-FFF2-40B4-BE49-F238E27FC236}">
-                <a16:creationId xmlns:a16="http://schemas.microsoft.com/office/drawing/2014/main" id="{EA0495DE-046E-4ED7-8708-5EC8AE2AC86E}"/>
+                <a16:creationId xmlns:a16="http://schemas.microsoft.com/office/drawing/2014/main" xmlns="" id="{EA0495DE-046E-4ED7-8708-5EC8AE2AC86E}"/>
               </a:ext>
             </a:extLst>
           </p:cNvPr>
@@ -5384,7 +9105,7 @@
           <p:cNvPr id="70" name="Ellipszis 69">
             <a:extLst>
               <a:ext uri="{FF2B5EF4-FFF2-40B4-BE49-F238E27FC236}">
-                <a16:creationId xmlns:a16="http://schemas.microsoft.com/office/drawing/2014/main" id="{0B57A567-0E0A-4116-B280-EDE7321AE0BD}"/>
+                <a16:creationId xmlns:a16="http://schemas.microsoft.com/office/drawing/2014/main" xmlns="" id="{0B57A567-0E0A-4116-B280-EDE7321AE0BD}"/>
               </a:ext>
             </a:extLst>
           </p:cNvPr>
@@ -5443,7 +9164,7 @@
           <p:cNvPr id="1038" name="Picture 14" descr="https://avatars.githubusercontent.com/u/122269847?v=4">
             <a:extLst>
               <a:ext uri="{FF2B5EF4-FFF2-40B4-BE49-F238E27FC236}">
-                <a16:creationId xmlns:a16="http://schemas.microsoft.com/office/drawing/2014/main" id="{7CD961B7-2720-4DD3-A1FC-99878FABF62E}"/>
+                <a16:creationId xmlns:a16="http://schemas.microsoft.com/office/drawing/2014/main" xmlns="" id="{7CD961B7-2720-4DD3-A1FC-99878FABF62E}"/>
               </a:ext>
             </a:extLst>
           </p:cNvPr>
@@ -5490,7 +9211,7 @@
           <p:cNvPr id="75" name="Téglalap: lekerekített 74">
             <a:extLst>
               <a:ext uri="{FF2B5EF4-FFF2-40B4-BE49-F238E27FC236}">
-                <a16:creationId xmlns:a16="http://schemas.microsoft.com/office/drawing/2014/main" id="{F061B00D-FF28-417F-8E89-78FED159E63E}"/>
+                <a16:creationId xmlns:a16="http://schemas.microsoft.com/office/drawing/2014/main" xmlns="" id="{F061B00D-FF28-417F-8E89-78FED159E63E}"/>
               </a:ext>
             </a:extLst>
           </p:cNvPr>
@@ -5602,7 +9323,7 @@
           <p:cNvPr id="76" name="Téglalap: lekerekített 75">
             <a:extLst>
               <a:ext uri="{FF2B5EF4-FFF2-40B4-BE49-F238E27FC236}">
-                <a16:creationId xmlns:a16="http://schemas.microsoft.com/office/drawing/2014/main" id="{4A770DFA-F1B4-42B9-ACDE-1808FFD1ECEF}"/>
+                <a16:creationId xmlns:a16="http://schemas.microsoft.com/office/drawing/2014/main" xmlns="" id="{4A770DFA-F1B4-42B9-ACDE-1808FFD1ECEF}"/>
               </a:ext>
             </a:extLst>
           </p:cNvPr>
@@ -5721,7 +9442,7 @@
           <p:cNvPr id="1030" name="Picture 6" descr="View Benceszalaiii's full-sized avatar">
             <a:extLst>
               <a:ext uri="{FF2B5EF4-FFF2-40B4-BE49-F238E27FC236}">
-                <a16:creationId xmlns:a16="http://schemas.microsoft.com/office/drawing/2014/main" id="{07E059F9-3A19-44ED-8C2E-22C8B58F5ABE}"/>
+                <a16:creationId xmlns:a16="http://schemas.microsoft.com/office/drawing/2014/main" xmlns="" id="{07E059F9-3A19-44ED-8C2E-22C8B58F5ABE}"/>
               </a:ext>
             </a:extLst>
           </p:cNvPr>
@@ -5768,7 +9489,7 @@
           <p:cNvPr id="2" name="Picture 8" descr="View kallaigabor06's full-sized avatar">
             <a:extLst>
               <a:ext uri="{FF2B5EF4-FFF2-40B4-BE49-F238E27FC236}">
-                <a16:creationId xmlns:a16="http://schemas.microsoft.com/office/drawing/2014/main" id="{813DCCF5-8F15-401B-9890-E04DE5653CBD}"/>
+                <a16:creationId xmlns:a16="http://schemas.microsoft.com/office/drawing/2014/main" xmlns="" id="{813DCCF5-8F15-401B-9890-E04DE5653CBD}"/>
               </a:ext>
             </a:extLst>
           </p:cNvPr>
@@ -6744,7 +10465,7 @@
           <p:cNvPr id="7" name="Téglalap: lekerekített 6">
             <a:extLst>
               <a:ext uri="{FF2B5EF4-FFF2-40B4-BE49-F238E27FC236}">
-                <a16:creationId xmlns:a16="http://schemas.microsoft.com/office/drawing/2014/main" id="{9E83F3BB-AE52-4C22-B3C7-E052C54A356D}"/>
+                <a16:creationId xmlns:a16="http://schemas.microsoft.com/office/drawing/2014/main" xmlns="" id="{9E83F3BB-AE52-4C22-B3C7-E052C54A356D}"/>
               </a:ext>
             </a:extLst>
           </p:cNvPr>
@@ -6817,7 +10538,7 @@
           <p:cNvPr id="6" name="Téglalap: lekerekített 5">
             <a:extLst>
               <a:ext uri="{FF2B5EF4-FFF2-40B4-BE49-F238E27FC236}">
-                <a16:creationId xmlns:a16="http://schemas.microsoft.com/office/drawing/2014/main" id="{7054393B-7C14-4BF7-B3BE-977FD580A87B}"/>
+                <a16:creationId xmlns:a16="http://schemas.microsoft.com/office/drawing/2014/main" xmlns="" id="{7054393B-7C14-4BF7-B3BE-977FD580A87B}"/>
               </a:ext>
             </a:extLst>
           </p:cNvPr>
@@ -6890,7 +10611,7 @@
           <p:cNvPr id="12" name="Téglalap: lekerekített 11">
             <a:extLst>
               <a:ext uri="{FF2B5EF4-FFF2-40B4-BE49-F238E27FC236}">
-                <a16:creationId xmlns:a16="http://schemas.microsoft.com/office/drawing/2014/main" id="{012748AF-1348-4B58-90F4-37F17048BB84}"/>
+                <a16:creationId xmlns:a16="http://schemas.microsoft.com/office/drawing/2014/main" xmlns="" id="{012748AF-1348-4B58-90F4-37F17048BB84}"/>
               </a:ext>
             </a:extLst>
           </p:cNvPr>
@@ -6963,7 +10684,7 @@
           <p:cNvPr id="14" name="Téglalap: lekerekített 13">
             <a:extLst>
               <a:ext uri="{FF2B5EF4-FFF2-40B4-BE49-F238E27FC236}">
-                <a16:creationId xmlns:a16="http://schemas.microsoft.com/office/drawing/2014/main" id="{7170385F-4939-4517-881C-C91E6029C871}"/>
+                <a16:creationId xmlns:a16="http://schemas.microsoft.com/office/drawing/2014/main" xmlns="" id="{7170385F-4939-4517-881C-C91E6029C871}"/>
               </a:ext>
             </a:extLst>
           </p:cNvPr>
@@ -7050,7 +10771,7 @@
           <p:cNvPr id="8" name="Téglalap: lekerekített 5">
             <a:extLst>
               <a:ext uri="{FF2B5EF4-FFF2-40B4-BE49-F238E27FC236}">
-                <a16:creationId xmlns:a16="http://schemas.microsoft.com/office/drawing/2014/main" id="{7054393B-7C14-4BF7-B3BE-977FD580A87B}"/>
+                <a16:creationId xmlns:a16="http://schemas.microsoft.com/office/drawing/2014/main" xmlns="" id="{7054393B-7C14-4BF7-B3BE-977FD580A87B}"/>
               </a:ext>
             </a:extLst>
           </p:cNvPr>
@@ -7533,7 +11254,7 @@
           <p:cNvPr id="6" name="Romboid 5">
             <a:extLst>
               <a:ext uri="{FF2B5EF4-FFF2-40B4-BE49-F238E27FC236}">
-                <a16:creationId xmlns:a16="http://schemas.microsoft.com/office/drawing/2014/main" id="{320388CF-6B7B-4133-B1A6-BB1004E72F35}"/>
+                <a16:creationId xmlns:a16="http://schemas.microsoft.com/office/drawing/2014/main" xmlns="" id="{320388CF-6B7B-4133-B1A6-BB1004E72F35}"/>
               </a:ext>
             </a:extLst>
           </p:cNvPr>
@@ -7585,7 +11306,7 @@
           <p:cNvPr id="7" name="Romboid 6">
             <a:extLst>
               <a:ext uri="{FF2B5EF4-FFF2-40B4-BE49-F238E27FC236}">
-                <a16:creationId xmlns:a16="http://schemas.microsoft.com/office/drawing/2014/main" id="{8926B01F-DF41-47D5-AA37-0DF3C9519D4D}"/>
+                <a16:creationId xmlns:a16="http://schemas.microsoft.com/office/drawing/2014/main" xmlns="" id="{8926B01F-DF41-47D5-AA37-0DF3C9519D4D}"/>
               </a:ext>
             </a:extLst>
           </p:cNvPr>
@@ -7634,7 +11355,7 @@
           <p:cNvPr id="8" name="Romboid 7">
             <a:extLst>
               <a:ext uri="{FF2B5EF4-FFF2-40B4-BE49-F238E27FC236}">
-                <a16:creationId xmlns:a16="http://schemas.microsoft.com/office/drawing/2014/main" id="{A9669614-0D7C-436A-A55C-63D5F965F1C5}"/>
+                <a16:creationId xmlns:a16="http://schemas.microsoft.com/office/drawing/2014/main" xmlns="" id="{A9669614-0D7C-436A-A55C-63D5F965F1C5}"/>
               </a:ext>
             </a:extLst>
           </p:cNvPr>
@@ -7683,7 +11404,7 @@
           <p:cNvPr id="1028" name="Picture 4" descr="File:Sass Logo Color.svg - Wikipedia">
             <a:extLst>
               <a:ext uri="{FF2B5EF4-FFF2-40B4-BE49-F238E27FC236}">
-                <a16:creationId xmlns:a16="http://schemas.microsoft.com/office/drawing/2014/main" id="{359B9CB3-1AB1-4A07-90FB-10C65366CA93}"/>
+                <a16:creationId xmlns:a16="http://schemas.microsoft.com/office/drawing/2014/main" xmlns="" id="{359B9CB3-1AB1-4A07-90FB-10C65366CA93}"/>
               </a:ext>
             </a:extLst>
           </p:cNvPr>
@@ -7821,7 +11542,7 @@
           <p:cNvPr id="1026" name="Picture 2" descr="Nem érhető el leírás a fényképhez.">
             <a:extLst>
               <a:ext uri="{FF2B5EF4-FFF2-40B4-BE49-F238E27FC236}">
-                <a16:creationId xmlns:a16="http://schemas.microsoft.com/office/drawing/2014/main" id="{C4F4104E-9947-4266-A1FF-657ABF190A98}"/>
+                <a16:creationId xmlns:a16="http://schemas.microsoft.com/office/drawing/2014/main" xmlns="" id="{C4F4104E-9947-4266-A1FF-657ABF190A98}"/>
               </a:ext>
             </a:extLst>
           </p:cNvPr>
@@ -8165,7 +11886,7 @@
           <p:cNvPr id="6" name="Romboid 5">
             <a:extLst>
               <a:ext uri="{FF2B5EF4-FFF2-40B4-BE49-F238E27FC236}">
-                <a16:creationId xmlns:a16="http://schemas.microsoft.com/office/drawing/2014/main" id="{320388CF-6B7B-4133-B1A6-BB1004E72F35}"/>
+                <a16:creationId xmlns:a16="http://schemas.microsoft.com/office/drawing/2014/main" xmlns="" id="{320388CF-6B7B-4133-B1A6-BB1004E72F35}"/>
               </a:ext>
             </a:extLst>
           </p:cNvPr>
@@ -8217,7 +11938,7 @@
           <p:cNvPr id="7" name="Romboid 6">
             <a:extLst>
               <a:ext uri="{FF2B5EF4-FFF2-40B4-BE49-F238E27FC236}">
-                <a16:creationId xmlns:a16="http://schemas.microsoft.com/office/drawing/2014/main" id="{8926B01F-DF41-47D5-AA37-0DF3C9519D4D}"/>
+                <a16:creationId xmlns:a16="http://schemas.microsoft.com/office/drawing/2014/main" xmlns="" id="{8926B01F-DF41-47D5-AA37-0DF3C9519D4D}"/>
               </a:ext>
             </a:extLst>
           </p:cNvPr>
@@ -8266,7 +11987,7 @@
           <p:cNvPr id="8" name="Romboid 7">
             <a:extLst>
               <a:ext uri="{FF2B5EF4-FFF2-40B4-BE49-F238E27FC236}">
-                <a16:creationId xmlns:a16="http://schemas.microsoft.com/office/drawing/2014/main" id="{A9669614-0D7C-436A-A55C-63D5F965F1C5}"/>
+                <a16:creationId xmlns:a16="http://schemas.microsoft.com/office/drawing/2014/main" xmlns="" id="{A9669614-0D7C-436A-A55C-63D5F965F1C5}"/>
               </a:ext>
             </a:extLst>
           </p:cNvPr>
@@ -8372,7 +12093,7 @@
           <p:cNvPr id="10" name="Picture 2" descr="Nem érhető el leírás a fényképhez.">
             <a:extLst>
               <a:ext uri="{FF2B5EF4-FFF2-40B4-BE49-F238E27FC236}">
-                <a16:creationId xmlns:a16="http://schemas.microsoft.com/office/drawing/2014/main" id="{89FB9315-CF1D-4D9A-8B58-27C3C2D88622}"/>
+                <a16:creationId xmlns:a16="http://schemas.microsoft.com/office/drawing/2014/main" xmlns="" id="{89FB9315-CF1D-4D9A-8B58-27C3C2D88622}"/>
               </a:ext>
             </a:extLst>
           </p:cNvPr>
@@ -8413,7 +12134,7 @@
           <p:cNvPr id="2" name="Szövegdoboz 1">
             <a:extLst>
               <a:ext uri="{FF2B5EF4-FFF2-40B4-BE49-F238E27FC236}">
-                <a16:creationId xmlns:a16="http://schemas.microsoft.com/office/drawing/2014/main" id="{474BE274-0FDE-485B-8C28-F1A5FAF1316C}"/>
+                <a16:creationId xmlns:a16="http://schemas.microsoft.com/office/drawing/2014/main" xmlns="" id="{474BE274-0FDE-485B-8C28-F1A5FAF1316C}"/>
               </a:ext>
             </a:extLst>
           </p:cNvPr>
@@ -8511,13 +12232,13 @@
   <p:clrMapOvr>
     <a:masterClrMapping/>
   </p:clrMapOvr>
-  <mc:AlternateContent xmlns:mc="http://schemas.openxmlformats.org/markup-compatibility/2006" xmlns:p159="http://schemas.microsoft.com/office/powerpoint/2015/09/main">
-    <mc:Choice Requires="p159">
+  <mc:AlternateContent xmlns:mc="http://schemas.openxmlformats.org/markup-compatibility/2006">
+    <mc:Choice xmlns:p159="http://schemas.microsoft.com/office/powerpoint/2015/09/main" xmlns="" Requires="p159">
       <p:transition xmlns:p14="http://schemas.microsoft.com/office/powerpoint/2010/main" spd="slow" p14:dur="2000">
         <p159:morph option="byObject"/>
       </p:transition>
     </mc:Choice>
-    <mc:Fallback xmlns="">
+    <mc:Fallback>
       <p:transition spd="slow">
         <p:fade/>
       </p:transition>
@@ -8645,7 +12366,7 @@
           <p:cNvPr id="7" name="Romboid 6">
             <a:extLst>
               <a:ext uri="{FF2B5EF4-FFF2-40B4-BE49-F238E27FC236}">
-                <a16:creationId xmlns:a16="http://schemas.microsoft.com/office/drawing/2014/main" id="{8926B01F-DF41-47D5-AA37-0DF3C9519D4D}"/>
+                <a16:creationId xmlns:a16="http://schemas.microsoft.com/office/drawing/2014/main" xmlns="" id="{8926B01F-DF41-47D5-AA37-0DF3C9519D4D}"/>
               </a:ext>
             </a:extLst>
           </p:cNvPr>
@@ -8694,7 +12415,7 @@
           <p:cNvPr id="1028" name="Picture 4" descr="File:Sass Logo Color.svg - Wikipedia">
             <a:extLst>
               <a:ext uri="{FF2B5EF4-FFF2-40B4-BE49-F238E27FC236}">
-                <a16:creationId xmlns:a16="http://schemas.microsoft.com/office/drawing/2014/main" id="{359B9CB3-1AB1-4A07-90FB-10C65366CA93}"/>
+                <a16:creationId xmlns:a16="http://schemas.microsoft.com/office/drawing/2014/main" xmlns="" id="{359B9CB3-1AB1-4A07-90FB-10C65366CA93}"/>
               </a:ext>
             </a:extLst>
           </p:cNvPr>
@@ -8733,7 +12454,7 @@
           <p:cNvPr id="4" name="Szövegdoboz 3">
             <a:extLst>
               <a:ext uri="{FF2B5EF4-FFF2-40B4-BE49-F238E27FC236}">
-                <a16:creationId xmlns:a16="http://schemas.microsoft.com/office/drawing/2014/main" id="{14EA37CB-C533-4153-A868-FB8D12258A5D}"/>
+                <a16:creationId xmlns:a16="http://schemas.microsoft.com/office/drawing/2014/main" xmlns="" id="{14EA37CB-C533-4153-A868-FB8D12258A5D}"/>
               </a:ext>
             </a:extLst>
           </p:cNvPr>
@@ -8940,7 +12661,7 @@
           <p:cNvPr id="8" name="Romboid 7">
             <a:extLst>
               <a:ext uri="{FF2B5EF4-FFF2-40B4-BE49-F238E27FC236}">
-                <a16:creationId xmlns:a16="http://schemas.microsoft.com/office/drawing/2014/main" id="{A9669614-0D7C-436A-A55C-63D5F965F1C5}"/>
+                <a16:creationId xmlns:a16="http://schemas.microsoft.com/office/drawing/2014/main" xmlns="" id="{A9669614-0D7C-436A-A55C-63D5F965F1C5}"/>
               </a:ext>
             </a:extLst>
           </p:cNvPr>
@@ -9023,7 +12744,7 @@
           <p:cNvPr id="4" name="Szövegdoboz 3">
             <a:extLst>
               <a:ext uri="{FF2B5EF4-FFF2-40B4-BE49-F238E27FC236}">
-                <a16:creationId xmlns:a16="http://schemas.microsoft.com/office/drawing/2014/main" id="{2A3E2DDB-080C-4B7B-A2E6-717251DED09E}"/>
+                <a16:creationId xmlns:a16="http://schemas.microsoft.com/office/drawing/2014/main" xmlns="" id="{2A3E2DDB-080C-4B7B-A2E6-717251DED09E}"/>
               </a:ext>
             </a:extLst>
           </p:cNvPr>
@@ -9229,7 +12950,7 @@
               <p:cNvPr id="4" name="Téglalap: lekerekített 3">
                 <a:extLst>
                   <a:ext uri="{FF2B5EF4-FFF2-40B4-BE49-F238E27FC236}">
-                    <a16:creationId xmlns:a16="http://schemas.microsoft.com/office/drawing/2014/main" id="{BC187220-8284-1B2B-8CE3-7C613265D444}"/>
+                    <a16:creationId xmlns:a16="http://schemas.microsoft.com/office/drawing/2014/main" xmlns="" id="{BC187220-8284-1B2B-8CE3-7C613265D444}"/>
                   </a:ext>
                 </a:extLst>
               </p:cNvPr>
@@ -9286,7 +13007,7 @@
               <p:cNvPr id="7" name="Szövegdoboz 6">
                 <a:extLst>
                   <a:ext uri="{FF2B5EF4-FFF2-40B4-BE49-F238E27FC236}">
-                    <a16:creationId xmlns:a16="http://schemas.microsoft.com/office/drawing/2014/main" id="{7819F685-963E-271F-BC1B-FDA54155C9CE}"/>
+                    <a16:creationId xmlns:a16="http://schemas.microsoft.com/office/drawing/2014/main" xmlns="" id="{7819F685-963E-271F-BC1B-FDA54155C9CE}"/>
                   </a:ext>
                 </a:extLst>
               </p:cNvPr>
@@ -9463,24 +13184,24 @@
       </p:grpSp>
       <p:grpSp>
         <p:nvGrpSpPr>
-          <p:cNvPr id="13" name="Group 12"/>
+          <p:cNvPr id="26" name="Group 25"/>
           <p:cNvGrpSpPr/>
           <p:nvPr/>
         </p:nvGrpSpPr>
         <p:grpSpPr>
           <a:xfrm>
-            <a:off x="6527686" y="378290"/>
-            <a:ext cx="4784269" cy="2811242"/>
-            <a:chOff x="6527686" y="378290"/>
-            <a:chExt cx="4784269" cy="2811242"/>
+            <a:off x="6097873" y="3008778"/>
+            <a:ext cx="5865364" cy="2987074"/>
+            <a:chOff x="5987135" y="3439852"/>
+            <a:chExt cx="5865364" cy="2987074"/>
           </a:xfrm>
         </p:grpSpPr>
         <p:sp>
           <p:nvSpPr>
-            <p:cNvPr id="5" name="Téglalap: lekerekített 4">
+            <p:cNvPr id="19" name="Téglalap: lekerekített 7">
               <a:extLst>
                 <a:ext uri="{FF2B5EF4-FFF2-40B4-BE49-F238E27FC236}">
-                  <a16:creationId xmlns:a16="http://schemas.microsoft.com/office/drawing/2014/main" id="{B74CBF98-6A67-702F-008D-E30CBEB44963}"/>
+                  <a16:creationId xmlns:a16="http://schemas.microsoft.com/office/drawing/2014/main" xmlns="" id="{104486A8-B0E8-F708-7D72-B551D3E54053}"/>
                 </a:ext>
               </a:extLst>
             </p:cNvPr>
@@ -9489,8 +13210,104 @@
           </p:nvSpPr>
           <p:spPr>
             <a:xfrm>
-              <a:off x="6527686" y="378290"/>
-              <a:ext cx="4784269" cy="2811242"/>
+              <a:off x="5987135" y="3439852"/>
+              <a:ext cx="5865364" cy="2987074"/>
+            </a:xfrm>
+            <a:prstGeom prst="roundRect">
+              <a:avLst>
+                <a:gd name="adj" fmla="val 4094"/>
+              </a:avLst>
+            </a:prstGeom>
+            <a:solidFill>
+              <a:srgbClr val="FF0000">
+                <a:alpha val="75000"/>
+              </a:srgbClr>
+            </a:solidFill>
+            <a:ln w="120650" cap="sq">
+              <a:noFill/>
+              <a:round/>
+            </a:ln>
+          </p:spPr>
+          <p:style>
+            <a:lnRef idx="2">
+              <a:schemeClr val="accent1">
+                <a:shade val="15000"/>
+              </a:schemeClr>
+            </a:lnRef>
+            <a:fillRef idx="1">
+              <a:schemeClr val="accent1"/>
+            </a:fillRef>
+            <a:effectRef idx="0">
+              <a:schemeClr val="accent1"/>
+            </a:effectRef>
+            <a:fontRef idx="minor">
+              <a:schemeClr val="lt1"/>
+            </a:fontRef>
+          </p:style>
+          <p:txBody>
+            <a:bodyPr rtlCol="0" anchor="ctr"/>
+            <a:lstStyle/>
+            <a:p>
+              <a:pPr algn="ctr"/>
+              <a:endParaRPr lang="hu-HU" dirty="0"/>
+            </a:p>
+          </p:txBody>
+        </p:sp>
+        <p:pic>
+          <p:nvPicPr>
+            <p:cNvPr id="23" name="Picture 22"/>
+            <p:cNvPicPr>
+              <a:picLocks noChangeAspect="1"/>
+            </p:cNvPicPr>
+            <p:nvPr/>
+          </p:nvPicPr>
+          <p:blipFill>
+            <a:blip r:embed="rId2"/>
+            <a:stretch>
+              <a:fillRect/>
+            </a:stretch>
+          </p:blipFill>
+          <p:spPr>
+            <a:xfrm>
+              <a:off x="6311575" y="3547240"/>
+              <a:ext cx="5216483" cy="2772297"/>
+            </a:xfrm>
+            <a:prstGeom prst="rect">
+              <a:avLst/>
+            </a:prstGeom>
+          </p:spPr>
+        </p:pic>
+      </p:grpSp>
+      <p:grpSp>
+        <p:nvGrpSpPr>
+          <p:cNvPr id="25" name="Group 24"/>
+          <p:cNvGrpSpPr/>
+          <p:nvPr/>
+        </p:nvGrpSpPr>
+        <p:grpSpPr>
+          <a:xfrm>
+            <a:off x="6097873" y="944925"/>
+            <a:ext cx="5865364" cy="1628458"/>
+            <a:chOff x="5987135" y="944925"/>
+            <a:chExt cx="5865364" cy="1628458"/>
+          </a:xfrm>
+        </p:grpSpPr>
+        <p:sp>
+          <p:nvSpPr>
+            <p:cNvPr id="5" name="Téglalap: lekerekített 4">
+              <a:extLst>
+                <a:ext uri="{FF2B5EF4-FFF2-40B4-BE49-F238E27FC236}">
+                  <a16:creationId xmlns:a16="http://schemas.microsoft.com/office/drawing/2014/main" xmlns="" id="{B74CBF98-6A67-702F-008D-E30CBEB44963}"/>
+                </a:ext>
+              </a:extLst>
+            </p:cNvPr>
+            <p:cNvSpPr/>
+            <p:nvPr/>
+          </p:nvSpPr>
+          <p:spPr>
+            <a:xfrm>
+              <a:off x="5987135" y="944925"/>
+              <a:ext cx="5865364" cy="1628458"/>
             </a:xfrm>
             <a:prstGeom prst="roundRect">
               <a:avLst>
@@ -9537,117 +13354,22 @@
         </p:sp>
         <p:pic>
           <p:nvPicPr>
-            <p:cNvPr id="12" name="Picture 11"/>
+            <p:cNvPr id="24" name="Picture 23"/>
             <p:cNvPicPr>
               <a:picLocks noChangeAspect="1"/>
             </p:cNvPicPr>
             <p:nvPr/>
           </p:nvPicPr>
           <p:blipFill>
-            <a:blip r:embed="rId2"/>
+            <a:blip r:embed="rId3"/>
             <a:stretch>
               <a:fillRect/>
             </a:stretch>
           </p:blipFill>
           <p:spPr>
             <a:xfrm>
-              <a:off x="7494072" y="557104"/>
-              <a:ext cx="2851494" cy="2453613"/>
-            </a:xfrm>
-            <a:prstGeom prst="rect">
-              <a:avLst/>
-            </a:prstGeom>
-          </p:spPr>
-        </p:pic>
-      </p:grpSp>
-      <p:grpSp>
-        <p:nvGrpSpPr>
-          <p:cNvPr id="15" name="Group 14"/>
-          <p:cNvGrpSpPr/>
-          <p:nvPr/>
-        </p:nvGrpSpPr>
-        <p:grpSpPr>
-          <a:xfrm>
-            <a:off x="6527684" y="3752843"/>
-            <a:ext cx="4784269" cy="2811242"/>
-            <a:chOff x="6527687" y="3629018"/>
-            <a:chExt cx="4784269" cy="2811242"/>
-          </a:xfrm>
-        </p:grpSpPr>
-        <p:sp>
-          <p:nvSpPr>
-            <p:cNvPr id="8" name="Téglalap: lekerekített 7">
-              <a:extLst>
-                <a:ext uri="{FF2B5EF4-FFF2-40B4-BE49-F238E27FC236}">
-                  <a16:creationId xmlns:a16="http://schemas.microsoft.com/office/drawing/2014/main" id="{104486A8-B0E8-F708-7D72-B551D3E54053}"/>
-                </a:ext>
-              </a:extLst>
-            </p:cNvPr>
-            <p:cNvSpPr/>
-            <p:nvPr/>
-          </p:nvSpPr>
-          <p:spPr>
-            <a:xfrm>
-              <a:off x="6527687" y="3629018"/>
-              <a:ext cx="4784269" cy="2811242"/>
-            </a:xfrm>
-            <a:prstGeom prst="roundRect">
-              <a:avLst>
-                <a:gd name="adj" fmla="val 4094"/>
-              </a:avLst>
-            </a:prstGeom>
-            <a:solidFill>
-              <a:srgbClr val="FF0000">
-                <a:alpha val="75000"/>
-              </a:srgbClr>
-            </a:solidFill>
-            <a:ln w="120650" cap="sq">
-              <a:noFill/>
-              <a:round/>
-            </a:ln>
-          </p:spPr>
-          <p:style>
-            <a:lnRef idx="2">
-              <a:schemeClr val="accent1">
-                <a:shade val="15000"/>
-              </a:schemeClr>
-            </a:lnRef>
-            <a:fillRef idx="1">
-              <a:schemeClr val="accent1"/>
-            </a:fillRef>
-            <a:effectRef idx="0">
-              <a:schemeClr val="accent1"/>
-            </a:effectRef>
-            <a:fontRef idx="minor">
-              <a:schemeClr val="lt1"/>
-            </a:fontRef>
-          </p:style>
-          <p:txBody>
-            <a:bodyPr rtlCol="0" anchor="ctr"/>
-            <a:lstStyle/>
-            <a:p>
-              <a:pPr algn="ctr"/>
-              <a:endParaRPr lang="hu-HU" dirty="0"/>
-            </a:p>
-          </p:txBody>
-        </p:sp>
-        <p:pic>
-          <p:nvPicPr>
-            <p:cNvPr id="14" name="Picture 13"/>
-            <p:cNvPicPr>
-              <a:picLocks noChangeAspect="1"/>
-            </p:cNvPicPr>
-            <p:nvPr/>
-          </p:nvPicPr>
-          <p:blipFill rotWithShape="1">
-            <a:blip r:embed="rId3"/>
-            <a:srcRect l="504" t="6304" r="-504" b="-725"/>
-            <a:stretch/>
-          </p:blipFill>
-          <p:spPr>
-            <a:xfrm>
-              <a:off x="7029627" y="3793845"/>
-              <a:ext cx="3780385" cy="2481587"/>
+              <a:off x="6328717" y="1082437"/>
+              <a:ext cx="5168545" cy="1353433"/>
             </a:xfrm>
             <a:prstGeom prst="rect">
               <a:avLst/>
@@ -9702,7 +13424,7 @@
                                           </p:stCondLst>
                                         </p:cTn>
                                         <p:tgtEl>
-                                          <p:spTgt spid="13"/>
+                                          <p:spTgt spid="25"/>
                                         </p:tgtEl>
                                         <p:attrNameLst>
                                           <p:attrName>style.visibility</p:attrName>
@@ -9716,7 +13438,7 @@
                                       <p:cBhvr additive="base">
                                         <p:cTn id="7" dur="500" fill="hold"/>
                                         <p:tgtEl>
-                                          <p:spTgt spid="13"/>
+                                          <p:spTgt spid="25"/>
                                         </p:tgtEl>
                                         <p:attrNameLst>
                                           <p:attrName>ppt_x</p:attrName>
@@ -9739,7 +13461,7 @@
                                       <p:cBhvr additive="base">
                                         <p:cTn id="8" dur="500" fill="hold"/>
                                         <p:tgtEl>
-                                          <p:spTgt spid="13"/>
+                                          <p:spTgt spid="25"/>
                                         </p:tgtEl>
                                         <p:attrNameLst>
                                           <p:attrName>ppt_y</p:attrName>
@@ -9793,7 +13515,7 @@
                                           </p:stCondLst>
                                         </p:cTn>
                                         <p:tgtEl>
-                                          <p:spTgt spid="15"/>
+                                          <p:spTgt spid="26"/>
                                         </p:tgtEl>
                                         <p:attrNameLst>
                                           <p:attrName>style.visibility</p:attrName>
@@ -9807,7 +13529,7 @@
                                       <p:cBhvr additive="base">
                                         <p:cTn id="13" dur="500" fill="hold"/>
                                         <p:tgtEl>
-                                          <p:spTgt spid="15"/>
+                                          <p:spTgt spid="26"/>
                                         </p:tgtEl>
                                         <p:attrNameLst>
                                           <p:attrName>ppt_x</p:attrName>
@@ -9830,7 +13552,7 @@
                                       <p:cBhvr additive="base">
                                         <p:cTn id="14" dur="500" fill="hold"/>
                                         <p:tgtEl>
-                                          <p:spTgt spid="15"/>
+                                          <p:spTgt spid="26"/>
                                         </p:tgtEl>
                                         <p:attrNameLst>
                                           <p:attrName>ppt_y</p:attrName>
@@ -9889,7 +13611,7 @@
     <p:bg>
       <p:bgPr>
         <a:solidFill>
-          <a:srgbClr val="5019B3"/>
+          <a:srgbClr val="5018B4"/>
         </a:solidFill>
         <a:effectLst/>
       </p:bgPr>
@@ -9908,228 +13630,26 @@
           <a:chExt cx="0" cy="0"/>
         </a:xfrm>
       </p:grpSpPr>
-      <p:sp>
-        <p:nvSpPr>
-          <p:cNvPr id="8" name="Téglalap: lekerekített 6">
-            <a:extLst>
-              <a:ext uri="{FF2B5EF4-FFF2-40B4-BE49-F238E27FC236}">
-                <a16:creationId xmlns:a16="http://schemas.microsoft.com/office/drawing/2014/main" id="{9E83F3BB-AE52-4C22-B3C7-E052C54A356D}"/>
-              </a:ext>
-            </a:extLst>
-          </p:cNvPr>
-          <p:cNvSpPr/>
-          <p:nvPr/>
-        </p:nvSpPr>
-        <p:spPr>
-          <a:xfrm>
-            <a:off x="-5910146" y="194253"/>
-            <a:ext cx="5656146" cy="1640305"/>
-          </a:xfrm>
-          <a:prstGeom prst="roundRect">
-            <a:avLst>
-              <a:gd name="adj" fmla="val 4094"/>
-            </a:avLst>
-          </a:prstGeom>
-          <a:solidFill>
-            <a:schemeClr val="bg1">
-              <a:alpha val="80000"/>
-            </a:schemeClr>
-          </a:solidFill>
-          <a:ln w="120650" cap="sq">
-            <a:noFill/>
-            <a:round/>
-          </a:ln>
-        </p:spPr>
-        <p:style>
-          <a:lnRef idx="2">
-            <a:schemeClr val="accent1">
-              <a:shade val="15000"/>
-            </a:schemeClr>
-          </a:lnRef>
-          <a:fillRef idx="1">
-            <a:schemeClr val="accent1"/>
-          </a:fillRef>
-          <a:effectRef idx="0">
-            <a:schemeClr val="accent1"/>
-          </a:effectRef>
-          <a:fontRef idx="minor">
-            <a:schemeClr val="lt1"/>
-          </a:fontRef>
-        </p:style>
-        <p:txBody>
-          <a:bodyPr rtlCol="0" anchor="ctr"/>
-          <a:lstStyle/>
-          <a:p>
-            <a:pPr algn="ctr"/>
-            <a:r>
-              <a:rPr lang="hu-HU" sz="4400" dirty="0">
-                <a:solidFill>
-                  <a:srgbClr val="5019B3"/>
-                </a:solidFill>
-                <a:effectLst>
-                  <a:outerShdw dist="38100" sx="101000" sy="101000" algn="l" rotWithShape="0">
-                    <a:prstClr val="black">
-                      <a:alpha val="0"/>
-                    </a:prstClr>
-                  </a:outerShdw>
-                </a:effectLst>
-                <a:latin typeface="Segoe UI Black" panose="020B0A02040204020203" pitchFamily="34" charset="0"/>
-                <a:ea typeface="Segoe UI Black" panose="020B0A02040204020203" pitchFamily="34" charset="0"/>
-              </a:rPr>
-              <a:t>Mintaproject</a:t>
-            </a:r>
-          </a:p>
-        </p:txBody>
-      </p:sp>
-      <p:sp>
-        <p:nvSpPr>
-          <p:cNvPr id="5" name="TextBox 4"/>
-          <p:cNvSpPr txBox="1"/>
-          <p:nvPr/>
-        </p:nvSpPr>
-        <p:spPr>
-          <a:xfrm>
-            <a:off x="2805829" y="2802283"/>
-            <a:ext cx="2827454" cy="3539430"/>
-          </a:xfrm>
-          <a:prstGeom prst="rect">
-            <a:avLst/>
-          </a:prstGeom>
-          <a:noFill/>
-        </p:spPr>
-        <p:txBody>
-          <a:bodyPr wrap="square" rtlCol="0">
-            <a:spAutoFit/>
-          </a:bodyPr>
-          <a:lstStyle/>
-          <a:p>
-            <a:pPr marL="457200" indent="-457200">
-              <a:buFont typeface="Wingdings" panose="05000000000000000000" pitchFamily="2" charset="2"/>
-              <a:buChar char="§"/>
-            </a:pPr>
-            <a:r>
-              <a:rPr lang="hu-HU" sz="3200" dirty="0">
-                <a:solidFill>
-                  <a:schemeClr val="bg1"/>
-                </a:solidFill>
-                <a:latin typeface="Segoe UI" panose="020B0502040204020203" pitchFamily="34" charset="0"/>
-                <a:cs typeface="Segoe UI" panose="020B0502040204020203" pitchFamily="34" charset="0"/>
-              </a:rPr>
-              <a:t>OOP</a:t>
-            </a:r>
-          </a:p>
-          <a:p>
-            <a:pPr marL="457200" indent="-457200">
-              <a:buFont typeface="Wingdings" panose="05000000000000000000" pitchFamily="2" charset="2"/>
-              <a:buChar char="§"/>
-            </a:pPr>
-            <a:r>
-              <a:rPr lang="hu-HU" sz="3200" dirty="0">
-                <a:solidFill>
-                  <a:schemeClr val="bg1"/>
-                </a:solidFill>
-                <a:latin typeface="Segoe UI" panose="020B0502040204020203" pitchFamily="34" charset="0"/>
-                <a:cs typeface="Segoe UI" panose="020B0502040204020203" pitchFamily="34" charset="0"/>
-              </a:rPr>
-              <a:t>Score</a:t>
-            </a:r>
-          </a:p>
-          <a:p>
-            <a:pPr marL="457200" indent="-457200">
-              <a:buFont typeface="Wingdings" panose="05000000000000000000" pitchFamily="2" charset="2"/>
-              <a:buChar char="§"/>
-            </a:pPr>
-            <a:r>
-              <a:rPr lang="hu-HU" sz="3200" dirty="0">
-                <a:solidFill>
-                  <a:schemeClr val="bg1"/>
-                </a:solidFill>
-                <a:latin typeface="Segoe UI" panose="020B0502040204020203" pitchFamily="34" charset="0"/>
-                <a:cs typeface="Segoe UI" panose="020B0502040204020203" pitchFamily="34" charset="0"/>
-              </a:rPr>
-              <a:t>Collision</a:t>
-            </a:r>
-          </a:p>
-          <a:p>
-            <a:pPr marL="457200" indent="-457200">
-              <a:buFont typeface="Wingdings" panose="05000000000000000000" pitchFamily="2" charset="2"/>
-              <a:buChar char="§"/>
-            </a:pPr>
-            <a:r>
-              <a:rPr lang="hu-HU" sz="3200" dirty="0">
-                <a:solidFill>
-                  <a:schemeClr val="bg1"/>
-                </a:solidFill>
-                <a:latin typeface="Segoe UI" panose="020B0502040204020203" pitchFamily="34" charset="0"/>
-                <a:cs typeface="Segoe UI" panose="020B0502040204020203" pitchFamily="34" charset="0"/>
-              </a:rPr>
-              <a:t>Ugrás</a:t>
-            </a:r>
-          </a:p>
-          <a:p>
-            <a:pPr marL="457200" indent="-457200">
-              <a:buFont typeface="Wingdings" panose="05000000000000000000" pitchFamily="2" charset="2"/>
-              <a:buChar char="§"/>
-            </a:pPr>
-            <a:r>
-              <a:rPr lang="hu-HU" sz="3200" dirty="0">
-                <a:solidFill>
-                  <a:schemeClr val="bg1"/>
-                </a:solidFill>
-                <a:latin typeface="Segoe UI" panose="020B0502040204020203" pitchFamily="34" charset="0"/>
-                <a:cs typeface="Segoe UI" panose="020B0502040204020203" pitchFamily="34" charset="0"/>
-              </a:rPr>
-              <a:t>Platform</a:t>
-            </a:r>
-          </a:p>
-          <a:p>
-            <a:pPr marL="457200" indent="-457200">
-              <a:buFont typeface="Wingdings" panose="05000000000000000000" pitchFamily="2" charset="2"/>
-              <a:buChar char="§"/>
-            </a:pPr>
-            <a:endParaRPr lang="hu-HU" sz="3200" dirty="0">
-              <a:solidFill>
-                <a:schemeClr val="bg1"/>
-              </a:solidFill>
-              <a:latin typeface="Segoe UI" panose="020B0502040204020203" pitchFamily="34" charset="0"/>
-              <a:cs typeface="Segoe UI" panose="020B0502040204020203" pitchFamily="34" charset="0"/>
-            </a:endParaRPr>
-          </a:p>
-          <a:p>
-            <a:pPr marL="285750" indent="-285750">
-              <a:buFont typeface="Arial" panose="020B0604020202020204" pitchFamily="34" charset="0"/>
-              <a:buChar char="•"/>
-            </a:pPr>
-            <a:endParaRPr lang="hu-HU" sz="3200" dirty="0">
-              <a:solidFill>
-                <a:schemeClr val="bg1"/>
-              </a:solidFill>
-              <a:latin typeface="Segoe UI" panose="020B0502040204020203" pitchFamily="34" charset="0"/>
-              <a:cs typeface="Segoe UI" panose="020B0502040204020203" pitchFamily="34" charset="0"/>
-            </a:endParaRPr>
-          </a:p>
-        </p:txBody>
-      </p:sp>
       <p:grpSp>
         <p:nvGrpSpPr>
-          <p:cNvPr id="7" name="Group 6"/>
+          <p:cNvPr id="4" name="Group 3"/>
           <p:cNvGrpSpPr/>
           <p:nvPr/>
         </p:nvGrpSpPr>
         <p:grpSpPr>
           <a:xfrm>
-            <a:off x="5738588" y="2397352"/>
-            <a:ext cx="6146545" cy="4349294"/>
-            <a:chOff x="5738588" y="2397352"/>
-            <a:chExt cx="6146545" cy="4349294"/>
+            <a:off x="522235" y="-128893"/>
+            <a:ext cx="4784269" cy="1534886"/>
+            <a:chOff x="880044" y="293914"/>
+            <a:chExt cx="4784269" cy="6270171"/>
           </a:xfrm>
         </p:grpSpPr>
         <p:sp>
           <p:nvSpPr>
-            <p:cNvPr id="11" name="Téglalap: lekerekített 5">
+            <p:cNvPr id="5" name="Téglalap: lekerekített 3">
               <a:extLst>
                 <a:ext uri="{FF2B5EF4-FFF2-40B4-BE49-F238E27FC236}">
-                  <a16:creationId xmlns:a16="http://schemas.microsoft.com/office/drawing/2014/main" id="{7054393B-7C14-4BF7-B3BE-977FD580A87B}"/>
+                  <a16:creationId xmlns:a16="http://schemas.microsoft.com/office/drawing/2014/main" xmlns="" id="{BC187220-8284-1B2B-8CE3-7C613265D444}"/>
                 </a:ext>
               </a:extLst>
             </p:cNvPr>
@@ -10138,8 +13658,8 @@
           </p:nvSpPr>
           <p:spPr>
             <a:xfrm>
-              <a:off x="5738588" y="2397352"/>
-              <a:ext cx="6146545" cy="4349294"/>
+              <a:off x="880044" y="293914"/>
+              <a:ext cx="4784269" cy="6270171"/>
             </a:xfrm>
             <a:prstGeom prst="roundRect">
               <a:avLst>
@@ -10177,87 +13697,114 @@
             <a:lstStyle/>
             <a:p>
               <a:pPr algn="ctr"/>
-              <a:endParaRPr lang="hu-HU" sz="2800" dirty="0">
+              <a:endParaRPr lang="hu-HU" dirty="0"/>
+            </a:p>
+          </p:txBody>
+        </p:sp>
+        <p:sp>
+          <p:nvSpPr>
+            <p:cNvPr id="6" name="Szövegdoboz 6">
+              <a:extLst>
+                <a:ext uri="{FF2B5EF4-FFF2-40B4-BE49-F238E27FC236}">
+                  <a16:creationId xmlns:a16="http://schemas.microsoft.com/office/drawing/2014/main" xmlns="" id="{7819F685-963E-271F-BC1B-FDA54155C9CE}"/>
+                </a:ext>
+              </a:extLst>
+            </p:cNvPr>
+            <p:cNvSpPr txBox="1"/>
+            <p:nvPr/>
+          </p:nvSpPr>
+          <p:spPr>
+            <a:xfrm>
+              <a:off x="1743415" y="2047736"/>
+              <a:ext cx="3057525" cy="3520438"/>
+            </a:xfrm>
+            <a:prstGeom prst="rect">
+              <a:avLst/>
+            </a:prstGeom>
+            <a:noFill/>
+          </p:spPr>
+          <p:txBody>
+            <a:bodyPr wrap="square" rtlCol="0">
+              <a:spAutoFit/>
+            </a:bodyPr>
+            <a:lstStyle/>
+            <a:p>
+              <a:pPr algn="ctr"/>
+              <a:r>
+                <a:rPr lang="hu-HU" sz="3200" b="1" dirty="0" smtClean="0">
+                  <a:solidFill>
+                    <a:srgbClr val="5019B3"/>
+                  </a:solidFill>
+                  <a:latin typeface="Segoe UI Black" panose="020B0A02040204020203" pitchFamily="34" charset="0"/>
+                  <a:ea typeface="Segoe UI Black" panose="020B0A02040204020203" pitchFamily="34" charset="0"/>
+                </a:rPr>
+                <a:t>Ninja class</a:t>
+              </a:r>
+              <a:endParaRPr lang="hu-HU" sz="3200" b="1" i="0" dirty="0">
                 <a:solidFill>
                   <a:srgbClr val="5019B3"/>
                 </a:solidFill>
-                <a:effectLst>
-                  <a:outerShdw dist="38100" sx="101000" sy="101000" algn="l" rotWithShape="0">
-                    <a:prstClr val="black">
-                      <a:alpha val="0"/>
-                    </a:prstClr>
-                  </a:outerShdw>
-                </a:effectLst>
+                <a:effectLst/>
                 <a:latin typeface="Segoe UI Black" panose="020B0A02040204020203" pitchFamily="34" charset="0"/>
                 <a:ea typeface="Segoe UI Black" panose="020B0A02040204020203" pitchFamily="34" charset="0"/>
               </a:endParaRPr>
             </a:p>
+            <a:p>
+              <a:endParaRPr lang="hu-HU" dirty="0"/>
+            </a:p>
           </p:txBody>
         </p:sp>
-        <p:pic>
-          <p:nvPicPr>
-            <p:cNvPr id="6" name="Picture 5"/>
-            <p:cNvPicPr>
-              <a:picLocks noChangeAspect="1"/>
-            </p:cNvPicPr>
-            <p:nvPr/>
-          </p:nvPicPr>
-          <p:blipFill>
-            <a:blip r:embed="rId2"/>
-            <a:stretch>
-              <a:fillRect/>
-            </a:stretch>
-          </p:blipFill>
-          <p:spPr>
-            <a:xfrm>
-              <a:off x="5949199" y="2557180"/>
-              <a:ext cx="5725324" cy="4029637"/>
-            </a:xfrm>
-            <a:prstGeom prst="rect">
-              <a:avLst/>
-            </a:prstGeom>
-          </p:spPr>
-        </p:pic>
       </p:grpSp>
       <p:grpSp>
         <p:nvGrpSpPr>
-          <p:cNvPr id="9" name="Group 8"/>
+          <p:cNvPr id="11" name="Group 10"/>
           <p:cNvGrpSpPr/>
           <p:nvPr/>
         </p:nvGrpSpPr>
         <p:grpSpPr>
           <a:xfrm>
-            <a:off x="-1691573" y="-265296"/>
-            <a:ext cx="13883573" cy="7123296"/>
-            <a:chOff x="-1691573" y="-265296"/>
-            <a:chExt cx="13883573" cy="7123296"/>
+            <a:off x="5708536" y="120787"/>
+            <a:ext cx="4383594" cy="1221055"/>
+            <a:chOff x="522235" y="1835314"/>
+            <a:chExt cx="5385079" cy="1500020"/>
           </a:xfrm>
         </p:grpSpPr>
         <p:sp>
           <p:nvSpPr>
-            <p:cNvPr id="2" name="Rectangle 1"/>
+            <p:cNvPr id="8" name="Téglalap: lekerekített 3">
+              <a:extLst>
+                <a:ext uri="{FF2B5EF4-FFF2-40B4-BE49-F238E27FC236}">
+                  <a16:creationId xmlns:a16="http://schemas.microsoft.com/office/drawing/2014/main" xmlns="" id="{BC187220-8284-1B2B-8CE3-7C613265D444}"/>
+                </a:ext>
+              </a:extLst>
+            </p:cNvPr>
             <p:cNvSpPr/>
             <p:nvPr/>
           </p:nvSpPr>
           <p:spPr>
             <a:xfrm>
-              <a:off x="1433392" y="2286000"/>
-              <a:ext cx="10758608" cy="4572000"/>
+              <a:off x="522235" y="1835314"/>
+              <a:ext cx="5385079" cy="1500020"/>
             </a:xfrm>
-            <a:prstGeom prst="rect">
-              <a:avLst/>
+            <a:prstGeom prst="roundRect">
+              <a:avLst>
+                <a:gd name="adj" fmla="val 4094"/>
+              </a:avLst>
             </a:prstGeom>
             <a:solidFill>
-              <a:srgbClr val="5018B4"/>
+              <a:schemeClr val="bg1">
+                <a:alpha val="80000"/>
+              </a:schemeClr>
             </a:solidFill>
-            <a:ln>
+            <a:ln w="120650" cap="sq">
               <a:noFill/>
+              <a:round/>
             </a:ln>
           </p:spPr>
           <p:style>
             <a:lnRef idx="2">
               <a:schemeClr val="accent1">
-                <a:shade val="50000"/>
+                <a:shade val="15000"/>
               </a:schemeClr>
             </a:lnRef>
             <a:fillRef idx="1">
@@ -10275,40 +13822,508 @@
             <a:lstStyle/>
             <a:p>
               <a:pPr algn="ctr"/>
-              <a:endParaRPr lang="hu-HU"/>
+              <a:endParaRPr lang="hu-HU" dirty="0"/>
             </a:p>
           </p:txBody>
         </p:sp>
         <p:pic>
           <p:nvPicPr>
-            <p:cNvPr id="12" name="Kép 11">
-              <a:extLst>
-                <a:ext uri="{FF2B5EF4-FFF2-40B4-BE49-F238E27FC236}">
-                  <a16:creationId xmlns:a16="http://schemas.microsoft.com/office/drawing/2014/main" id="{118B224A-E193-49AD-83D8-09F6A71DDCFB}"/>
-                </a:ext>
-              </a:extLst>
-            </p:cNvPr>
+            <p:cNvPr id="10" name="Picture 9"/>
             <p:cNvPicPr>
               <a:picLocks noChangeAspect="1"/>
             </p:cNvPicPr>
             <p:nvPr/>
           </p:nvPicPr>
           <p:blipFill>
-            <a:blip r:embed="rId3">
-              <a:extLst>
-                <a:ext uri="{28A0092B-C50C-407E-A947-70E740481C1C}">
-                  <a14:useLocalDpi xmlns:a14="http://schemas.microsoft.com/office/drawing/2010/main" val="0"/>
-                </a:ext>
-              </a:extLst>
-            </a:blip>
+            <a:blip r:embed="rId3"/>
             <a:stretch>
               <a:fillRect/>
             </a:stretch>
           </p:blipFill>
           <p:spPr>
             <a:xfrm>
-              <a:off x="-1691573" y="-265296"/>
-              <a:ext cx="7123296" cy="7123296"/>
+              <a:off x="749834" y="2079105"/>
+              <a:ext cx="4925112" cy="1019317"/>
+            </a:xfrm>
+            <a:prstGeom prst="rect">
+              <a:avLst/>
+            </a:prstGeom>
+          </p:spPr>
+        </p:pic>
+      </p:grpSp>
+      <p:grpSp>
+        <p:nvGrpSpPr>
+          <p:cNvPr id="22" name="Group 21"/>
+          <p:cNvGrpSpPr/>
+          <p:nvPr/>
+        </p:nvGrpSpPr>
+        <p:grpSpPr>
+          <a:xfrm>
+            <a:off x="622021" y="3736800"/>
+            <a:ext cx="5823048" cy="1070078"/>
+            <a:chOff x="3466095" y="3585487"/>
+            <a:chExt cx="8162666" cy="1500020"/>
+          </a:xfrm>
+        </p:grpSpPr>
+        <p:sp>
+          <p:nvSpPr>
+            <p:cNvPr id="14" name="Téglalap: lekerekített 3">
+              <a:extLst>
+                <a:ext uri="{FF2B5EF4-FFF2-40B4-BE49-F238E27FC236}">
+                  <a16:creationId xmlns:a16="http://schemas.microsoft.com/office/drawing/2014/main" xmlns="" id="{BC187220-8284-1B2B-8CE3-7C613265D444}"/>
+                </a:ext>
+              </a:extLst>
+            </p:cNvPr>
+            <p:cNvSpPr/>
+            <p:nvPr/>
+          </p:nvSpPr>
+          <p:spPr>
+            <a:xfrm>
+              <a:off x="3466095" y="3585487"/>
+              <a:ext cx="8162666" cy="1500020"/>
+            </a:xfrm>
+            <a:prstGeom prst="roundRect">
+              <a:avLst>
+                <a:gd name="adj" fmla="val 4094"/>
+              </a:avLst>
+            </a:prstGeom>
+            <a:solidFill>
+              <a:schemeClr val="bg1">
+                <a:alpha val="80000"/>
+              </a:schemeClr>
+            </a:solidFill>
+            <a:ln w="120650" cap="sq">
+              <a:noFill/>
+              <a:round/>
+            </a:ln>
+          </p:spPr>
+          <p:style>
+            <a:lnRef idx="2">
+              <a:schemeClr val="accent1">
+                <a:shade val="15000"/>
+              </a:schemeClr>
+            </a:lnRef>
+            <a:fillRef idx="1">
+              <a:schemeClr val="accent1"/>
+            </a:fillRef>
+            <a:effectRef idx="0">
+              <a:schemeClr val="accent1"/>
+            </a:effectRef>
+            <a:fontRef idx="minor">
+              <a:schemeClr val="lt1"/>
+            </a:fontRef>
+          </p:style>
+          <p:txBody>
+            <a:bodyPr rtlCol="0" anchor="ctr"/>
+            <a:lstStyle/>
+            <a:p>
+              <a:pPr algn="ctr"/>
+              <a:endParaRPr lang="hu-HU" dirty="0"/>
+            </a:p>
+          </p:txBody>
+        </p:sp>
+        <p:pic>
+          <p:nvPicPr>
+            <p:cNvPr id="12" name="Picture 11"/>
+            <p:cNvPicPr>
+              <a:picLocks noChangeAspect="1"/>
+            </p:cNvPicPr>
+            <p:nvPr/>
+          </p:nvPicPr>
+          <p:blipFill>
+            <a:blip r:embed="rId4"/>
+            <a:stretch>
+              <a:fillRect/>
+            </a:stretch>
+          </p:blipFill>
+          <p:spPr>
+            <a:xfrm>
+              <a:off x="3860738" y="3835364"/>
+              <a:ext cx="7373379" cy="1000265"/>
+            </a:xfrm>
+            <a:prstGeom prst="rect">
+              <a:avLst/>
+            </a:prstGeom>
+          </p:spPr>
+        </p:pic>
+      </p:grpSp>
+      <p:grpSp>
+        <p:nvGrpSpPr>
+          <p:cNvPr id="25" name="Group 24"/>
+          <p:cNvGrpSpPr/>
+          <p:nvPr/>
+        </p:nvGrpSpPr>
+        <p:grpSpPr>
+          <a:xfrm>
+            <a:off x="622021" y="5038712"/>
+            <a:ext cx="4400709" cy="856344"/>
+            <a:chOff x="905795" y="5529943"/>
+            <a:chExt cx="4400709" cy="856344"/>
+          </a:xfrm>
+        </p:grpSpPr>
+        <p:sp>
+          <p:nvSpPr>
+            <p:cNvPr id="16" name="Téglalap: lekerekített 3">
+              <a:extLst>
+                <a:ext uri="{FF2B5EF4-FFF2-40B4-BE49-F238E27FC236}">
+                  <a16:creationId xmlns:a16="http://schemas.microsoft.com/office/drawing/2014/main" xmlns="" id="{BC187220-8284-1B2B-8CE3-7C613265D444}"/>
+                </a:ext>
+              </a:extLst>
+            </p:cNvPr>
+            <p:cNvSpPr/>
+            <p:nvPr/>
+          </p:nvSpPr>
+          <p:spPr>
+            <a:xfrm>
+              <a:off x="905795" y="5529943"/>
+              <a:ext cx="4400709" cy="856344"/>
+            </a:xfrm>
+            <a:prstGeom prst="roundRect">
+              <a:avLst>
+                <a:gd name="adj" fmla="val 4094"/>
+              </a:avLst>
+            </a:prstGeom>
+            <a:solidFill>
+              <a:schemeClr val="bg1">
+                <a:alpha val="80000"/>
+              </a:schemeClr>
+            </a:solidFill>
+            <a:ln w="120650" cap="sq">
+              <a:noFill/>
+              <a:round/>
+            </a:ln>
+          </p:spPr>
+          <p:style>
+            <a:lnRef idx="2">
+              <a:schemeClr val="accent1">
+                <a:shade val="15000"/>
+              </a:schemeClr>
+            </a:lnRef>
+            <a:fillRef idx="1">
+              <a:schemeClr val="accent1"/>
+            </a:fillRef>
+            <a:effectRef idx="0">
+              <a:schemeClr val="accent1"/>
+            </a:effectRef>
+            <a:fontRef idx="minor">
+              <a:schemeClr val="lt1"/>
+            </a:fontRef>
+          </p:style>
+          <p:txBody>
+            <a:bodyPr rtlCol="0" anchor="ctr"/>
+            <a:lstStyle/>
+            <a:p>
+              <a:pPr algn="ctr"/>
+              <a:endParaRPr lang="hu-HU" dirty="0"/>
+            </a:p>
+          </p:txBody>
+        </p:sp>
+        <p:pic>
+          <p:nvPicPr>
+            <p:cNvPr id="18" name="Picture 17"/>
+            <p:cNvPicPr>
+              <a:picLocks noChangeAspect="1"/>
+            </p:cNvPicPr>
+            <p:nvPr/>
+          </p:nvPicPr>
+          <p:blipFill>
+            <a:blip r:embed="rId5"/>
+            <a:stretch>
+              <a:fillRect/>
+            </a:stretch>
+          </p:blipFill>
+          <p:spPr>
+            <a:xfrm>
+              <a:off x="1124672" y="5691378"/>
+              <a:ext cx="3962953" cy="533474"/>
+            </a:xfrm>
+            <a:prstGeom prst="rect">
+              <a:avLst/>
+            </a:prstGeom>
+          </p:spPr>
+        </p:pic>
+      </p:grpSp>
+      <p:grpSp>
+        <p:nvGrpSpPr>
+          <p:cNvPr id="26" name="Group 25"/>
+          <p:cNvGrpSpPr/>
+          <p:nvPr/>
+        </p:nvGrpSpPr>
+        <p:grpSpPr>
+          <a:xfrm>
+            <a:off x="5306504" y="5038712"/>
+            <a:ext cx="3556001" cy="856344"/>
+            <a:chOff x="6531428" y="5529943"/>
+            <a:chExt cx="3556001" cy="856344"/>
+          </a:xfrm>
+        </p:grpSpPr>
+        <p:sp>
+          <p:nvSpPr>
+            <p:cNvPr id="19" name="Téglalap: lekerekített 3">
+              <a:extLst>
+                <a:ext uri="{FF2B5EF4-FFF2-40B4-BE49-F238E27FC236}">
+                  <a16:creationId xmlns:a16="http://schemas.microsoft.com/office/drawing/2014/main" xmlns="" id="{BC187220-8284-1B2B-8CE3-7C613265D444}"/>
+                </a:ext>
+              </a:extLst>
+            </p:cNvPr>
+            <p:cNvSpPr/>
+            <p:nvPr/>
+          </p:nvSpPr>
+          <p:spPr>
+            <a:xfrm>
+              <a:off x="6531428" y="5529943"/>
+              <a:ext cx="3556001" cy="856344"/>
+            </a:xfrm>
+            <a:prstGeom prst="roundRect">
+              <a:avLst>
+                <a:gd name="adj" fmla="val 4094"/>
+              </a:avLst>
+            </a:prstGeom>
+            <a:solidFill>
+              <a:schemeClr val="bg1">
+                <a:alpha val="80000"/>
+              </a:schemeClr>
+            </a:solidFill>
+            <a:ln w="120650" cap="sq">
+              <a:noFill/>
+              <a:round/>
+            </a:ln>
+          </p:spPr>
+          <p:style>
+            <a:lnRef idx="2">
+              <a:schemeClr val="accent1">
+                <a:shade val="15000"/>
+              </a:schemeClr>
+            </a:lnRef>
+            <a:fillRef idx="1">
+              <a:schemeClr val="accent1"/>
+            </a:fillRef>
+            <a:effectRef idx="0">
+              <a:schemeClr val="accent1"/>
+            </a:effectRef>
+            <a:fontRef idx="minor">
+              <a:schemeClr val="lt1"/>
+            </a:fontRef>
+          </p:style>
+          <p:txBody>
+            <a:bodyPr rtlCol="0" anchor="ctr"/>
+            <a:lstStyle/>
+            <a:p>
+              <a:pPr algn="ctr"/>
+              <a:endParaRPr lang="hu-HU" dirty="0"/>
+            </a:p>
+          </p:txBody>
+        </p:sp>
+        <p:pic>
+          <p:nvPicPr>
+            <p:cNvPr id="20" name="Picture 19"/>
+            <p:cNvPicPr>
+              <a:picLocks noChangeAspect="1"/>
+            </p:cNvPicPr>
+            <p:nvPr/>
+          </p:nvPicPr>
+          <p:blipFill>
+            <a:blip r:embed="rId6"/>
+            <a:stretch>
+              <a:fillRect/>
+            </a:stretch>
+          </p:blipFill>
+          <p:spPr>
+            <a:xfrm>
+              <a:off x="6737676" y="5691378"/>
+              <a:ext cx="3143689" cy="523948"/>
+            </a:xfrm>
+            <a:prstGeom prst="rect">
+              <a:avLst/>
+            </a:prstGeom>
+          </p:spPr>
+        </p:pic>
+      </p:grpSp>
+      <p:grpSp>
+        <p:nvGrpSpPr>
+          <p:cNvPr id="24" name="Group 23"/>
+          <p:cNvGrpSpPr/>
+          <p:nvPr/>
+        </p:nvGrpSpPr>
+        <p:grpSpPr>
+          <a:xfrm>
+            <a:off x="622021" y="1943384"/>
+            <a:ext cx="7642220" cy="641925"/>
+            <a:chOff x="4157894" y="1735741"/>
+            <a:chExt cx="7642220" cy="641925"/>
+          </a:xfrm>
+        </p:grpSpPr>
+        <p:sp>
+          <p:nvSpPr>
+            <p:cNvPr id="23" name="Téglalap: lekerekített 3">
+              <a:extLst>
+                <a:ext uri="{FF2B5EF4-FFF2-40B4-BE49-F238E27FC236}">
+                  <a16:creationId xmlns:a16="http://schemas.microsoft.com/office/drawing/2014/main" xmlns="" id="{BC187220-8284-1B2B-8CE3-7C613265D444}"/>
+                </a:ext>
+              </a:extLst>
+            </p:cNvPr>
+            <p:cNvSpPr/>
+            <p:nvPr/>
+          </p:nvSpPr>
+          <p:spPr>
+            <a:xfrm>
+              <a:off x="4157894" y="1735741"/>
+              <a:ext cx="7642220" cy="641925"/>
+            </a:xfrm>
+            <a:prstGeom prst="roundRect">
+              <a:avLst>
+                <a:gd name="adj" fmla="val 4094"/>
+              </a:avLst>
+            </a:prstGeom>
+            <a:solidFill>
+              <a:schemeClr val="bg1">
+                <a:alpha val="80000"/>
+              </a:schemeClr>
+            </a:solidFill>
+            <a:ln w="120650" cap="sq">
+              <a:noFill/>
+              <a:round/>
+            </a:ln>
+          </p:spPr>
+          <p:style>
+            <a:lnRef idx="2">
+              <a:schemeClr val="accent1">
+                <a:shade val="15000"/>
+              </a:schemeClr>
+            </a:lnRef>
+            <a:fillRef idx="1">
+              <a:schemeClr val="accent1"/>
+            </a:fillRef>
+            <a:effectRef idx="0">
+              <a:schemeClr val="accent1"/>
+            </a:effectRef>
+            <a:fontRef idx="minor">
+              <a:schemeClr val="lt1"/>
+            </a:fontRef>
+          </p:style>
+          <p:txBody>
+            <a:bodyPr rtlCol="0" anchor="ctr"/>
+            <a:lstStyle/>
+            <a:p>
+              <a:pPr algn="ctr"/>
+              <a:endParaRPr lang="hu-HU" dirty="0"/>
+            </a:p>
+          </p:txBody>
+        </p:sp>
+        <p:pic>
+          <p:nvPicPr>
+            <p:cNvPr id="21" name="Picture 20"/>
+            <p:cNvPicPr>
+              <a:picLocks noChangeAspect="1"/>
+            </p:cNvPicPr>
+            <p:nvPr/>
+          </p:nvPicPr>
+          <p:blipFill>
+            <a:blip r:embed="rId7"/>
+            <a:stretch>
+              <a:fillRect/>
+            </a:stretch>
+          </p:blipFill>
+          <p:spPr>
+            <a:xfrm>
+              <a:off x="4244979" y="1937234"/>
+              <a:ext cx="7468049" cy="264642"/>
+            </a:xfrm>
+            <a:prstGeom prst="rect">
+              <a:avLst/>
+            </a:prstGeom>
+          </p:spPr>
+        </p:pic>
+      </p:grpSp>
+      <p:grpSp>
+        <p:nvGrpSpPr>
+          <p:cNvPr id="31" name="Group 30"/>
+          <p:cNvGrpSpPr/>
+          <p:nvPr/>
+        </p:nvGrpSpPr>
+        <p:grpSpPr>
+          <a:xfrm>
+            <a:off x="622021" y="2863041"/>
+            <a:ext cx="7642220" cy="641925"/>
+            <a:chOff x="1485394" y="3335119"/>
+            <a:chExt cx="7642220" cy="641925"/>
+          </a:xfrm>
+        </p:grpSpPr>
+        <p:sp>
+          <p:nvSpPr>
+            <p:cNvPr id="29" name="Téglalap: lekerekített 3">
+              <a:extLst>
+                <a:ext uri="{FF2B5EF4-FFF2-40B4-BE49-F238E27FC236}">
+                  <a16:creationId xmlns:a16="http://schemas.microsoft.com/office/drawing/2014/main" xmlns="" id="{BC187220-8284-1B2B-8CE3-7C613265D444}"/>
+                </a:ext>
+              </a:extLst>
+            </p:cNvPr>
+            <p:cNvSpPr/>
+            <p:nvPr/>
+          </p:nvSpPr>
+          <p:spPr>
+            <a:xfrm>
+              <a:off x="1485394" y="3335119"/>
+              <a:ext cx="7642220" cy="641925"/>
+            </a:xfrm>
+            <a:prstGeom prst="roundRect">
+              <a:avLst>
+                <a:gd name="adj" fmla="val 4094"/>
+              </a:avLst>
+            </a:prstGeom>
+            <a:solidFill>
+              <a:schemeClr val="bg1">
+                <a:alpha val="80000"/>
+              </a:schemeClr>
+            </a:solidFill>
+            <a:ln w="120650" cap="sq">
+              <a:noFill/>
+              <a:round/>
+            </a:ln>
+          </p:spPr>
+          <p:style>
+            <a:lnRef idx="2">
+              <a:schemeClr val="accent1">
+                <a:shade val="15000"/>
+              </a:schemeClr>
+            </a:lnRef>
+            <a:fillRef idx="1">
+              <a:schemeClr val="accent1"/>
+            </a:fillRef>
+            <a:effectRef idx="0">
+              <a:schemeClr val="accent1"/>
+            </a:effectRef>
+            <a:fontRef idx="minor">
+              <a:schemeClr val="lt1"/>
+            </a:fontRef>
+          </p:style>
+          <p:txBody>
+            <a:bodyPr rtlCol="0" anchor="ctr"/>
+            <a:lstStyle/>
+            <a:p>
+              <a:pPr algn="ctr"/>
+              <a:endParaRPr lang="hu-HU" dirty="0"/>
+            </a:p>
+          </p:txBody>
+        </p:sp>
+        <p:pic>
+          <p:nvPicPr>
+            <p:cNvPr id="27" name="Picture 26"/>
+            <p:cNvPicPr>
+              <a:picLocks noChangeAspect="1"/>
+            </p:cNvPicPr>
+            <p:nvPr/>
+          </p:nvPicPr>
+          <p:blipFill>
+            <a:blip r:embed="rId8"/>
+            <a:stretch>
+              <a:fillRect/>
+            </a:stretch>
+          </p:blipFill>
+          <p:spPr>
+            <a:xfrm>
+              <a:off x="1572183" y="3494135"/>
+              <a:ext cx="7468642" cy="323895"/>
             </a:xfrm>
             <a:prstGeom prst="rect">
               <a:avLst/>
@@ -10319,7 +14334,7 @@
     </p:spTree>
     <p:extLst>
       <p:ext uri="{BB962C8B-B14F-4D97-AF65-F5344CB8AC3E}">
-        <p14:creationId xmlns:p14="http://schemas.microsoft.com/office/powerpoint/2010/main" val="3971971737"/>
+        <p14:creationId xmlns:p14="http://schemas.microsoft.com/office/powerpoint/2010/main" val="2522517966"/>
       </p:ext>
     </p:extLst>
   </p:cSld>
@@ -10353,46 +14368,513 @@
                             </p:stCondLst>
                             <p:childTnLst>
                               <p:par>
-                                <p:cTn id="5" presetID="63" presetClass="path" presetSubtype="0" accel="50000" decel="50000" fill="hold" grpId="0" nodeType="withEffect">
+                                <p:cTn id="5" presetID="2" presetClass="entr" presetSubtype="8" fill="hold" nodeType="afterEffect">
                                   <p:stCondLst>
                                     <p:cond delay="0"/>
                                   </p:stCondLst>
                                   <p:childTnLst>
-                                    <p:animMotion origin="layout" path="M 4.375E-6 3.33333E-6 L 0.46849 3.33333E-6 " pathEditMode="relative" rAng="0" ptsTypes="AA">
+                                    <p:set>
                                       <p:cBhvr>
-                                        <p:cTn id="6" dur="2000" fill="hold"/>
-                                        <p:tgtEl>
-                                          <p:spTgt spid="8"/>
+                                        <p:cTn id="6" dur="1" fill="hold">
+                                          <p:stCondLst>
+                                            <p:cond delay="0"/>
+                                          </p:stCondLst>
+                                        </p:cTn>
+                                        <p:tgtEl>
+                                          <p:spTgt spid="4"/>
+                                        </p:tgtEl>
+                                        <p:attrNameLst>
+                                          <p:attrName>style.visibility</p:attrName>
+                                        </p:attrNameLst>
+                                      </p:cBhvr>
+                                      <p:to>
+                                        <p:strVal val="visible"/>
+                                      </p:to>
+                                    </p:set>
+                                    <p:anim calcmode="lin" valueType="num">
+                                      <p:cBhvr additive="base">
+                                        <p:cTn id="7" dur="500" fill="hold"/>
+                                        <p:tgtEl>
+                                          <p:spTgt spid="4"/>
                                         </p:tgtEl>
                                         <p:attrNameLst>
                                           <p:attrName>ppt_x</p:attrName>
+                                        </p:attrNameLst>
+                                      </p:cBhvr>
+                                      <p:tavLst>
+                                        <p:tav tm="0">
+                                          <p:val>
+                                            <p:strVal val="0-#ppt_w/2"/>
+                                          </p:val>
+                                        </p:tav>
+                                        <p:tav tm="100000">
+                                          <p:val>
+                                            <p:strVal val="#ppt_x"/>
+                                          </p:val>
+                                        </p:tav>
+                                      </p:tavLst>
+                                    </p:anim>
+                                    <p:anim calcmode="lin" valueType="num">
+                                      <p:cBhvr additive="base">
+                                        <p:cTn id="8" dur="500" fill="hold"/>
+                                        <p:tgtEl>
+                                          <p:spTgt spid="4"/>
+                                        </p:tgtEl>
+                                        <p:attrNameLst>
                                           <p:attrName>ppt_y</p:attrName>
                                         </p:attrNameLst>
                                       </p:cBhvr>
-                                      <p:rCtr x="23424" y="0"/>
-                                    </p:animMotion>
+                                      <p:tavLst>
+                                        <p:tav tm="0">
+                                          <p:val>
+                                            <p:strVal val="#ppt_y"/>
+                                          </p:val>
+                                        </p:tav>
+                                        <p:tav tm="100000">
+                                          <p:val>
+                                            <p:strVal val="#ppt_y"/>
+                                          </p:val>
+                                        </p:tav>
+                                      </p:tavLst>
+                                    </p:anim>
                                   </p:childTnLst>
                                 </p:cTn>
                               </p:par>
                               <p:par>
-                                <p:cTn id="7" presetID="63" presetClass="path" presetSubtype="0" accel="50000" decel="50000" fill="hold" nodeType="withEffect">
+                                <p:cTn id="9" presetID="2" presetClass="entr" presetSubtype="4" fill="hold" nodeType="withEffect">
                                   <p:stCondLst>
-                                    <p:cond delay="600"/>
+                                    <p:cond delay="900"/>
                                   </p:stCondLst>
                                   <p:childTnLst>
-                                    <p:animMotion origin="layout" path="M 1.04167E-6 4.44444E-6 L 0.88659 4.44444E-6 " pathEditMode="relative" rAng="0" ptsTypes="AA">
+                                    <p:set>
                                       <p:cBhvr>
-                                        <p:cTn id="8" dur="2000" fill="hold"/>
-                                        <p:tgtEl>
-                                          <p:spTgt spid="9"/>
+                                        <p:cTn id="10" dur="1" fill="hold">
+                                          <p:stCondLst>
+                                            <p:cond delay="0"/>
+                                          </p:stCondLst>
+                                        </p:cTn>
+                                        <p:tgtEl>
+                                          <p:spTgt spid="26"/>
+                                        </p:tgtEl>
+                                        <p:attrNameLst>
+                                          <p:attrName>style.visibility</p:attrName>
+                                        </p:attrNameLst>
+                                      </p:cBhvr>
+                                      <p:to>
+                                        <p:strVal val="visible"/>
+                                      </p:to>
+                                    </p:set>
+                                    <p:anim calcmode="lin" valueType="num">
+                                      <p:cBhvr additive="base">
+                                        <p:cTn id="11" dur="500" fill="hold"/>
+                                        <p:tgtEl>
+                                          <p:spTgt spid="26"/>
                                         </p:tgtEl>
                                         <p:attrNameLst>
                                           <p:attrName>ppt_x</p:attrName>
+                                        </p:attrNameLst>
+                                      </p:cBhvr>
+                                      <p:tavLst>
+                                        <p:tav tm="0">
+                                          <p:val>
+                                            <p:strVal val="#ppt_x"/>
+                                          </p:val>
+                                        </p:tav>
+                                        <p:tav tm="100000">
+                                          <p:val>
+                                            <p:strVal val="#ppt_x"/>
+                                          </p:val>
+                                        </p:tav>
+                                      </p:tavLst>
+                                    </p:anim>
+                                    <p:anim calcmode="lin" valueType="num">
+                                      <p:cBhvr additive="base">
+                                        <p:cTn id="12" dur="500" fill="hold"/>
+                                        <p:tgtEl>
+                                          <p:spTgt spid="26"/>
+                                        </p:tgtEl>
+                                        <p:attrNameLst>
                                           <p:attrName>ppt_y</p:attrName>
                                         </p:attrNameLst>
                                       </p:cBhvr>
-                                      <p:rCtr x="44323" y="0"/>
-                                    </p:animMotion>
+                                      <p:tavLst>
+                                        <p:tav tm="0">
+                                          <p:val>
+                                            <p:strVal val="1+#ppt_h/2"/>
+                                          </p:val>
+                                        </p:tav>
+                                        <p:tav tm="100000">
+                                          <p:val>
+                                            <p:strVal val="#ppt_y"/>
+                                          </p:val>
+                                        </p:tav>
+                                      </p:tavLst>
+                                    </p:anim>
+                                  </p:childTnLst>
+                                </p:cTn>
+                              </p:par>
+                              <p:par>
+                                <p:cTn id="13" presetID="2" presetClass="entr" presetSubtype="4" fill="hold" nodeType="withEffect">
+                                  <p:stCondLst>
+                                    <p:cond delay="700"/>
+                                  </p:stCondLst>
+                                  <p:childTnLst>
+                                    <p:set>
+                                      <p:cBhvr>
+                                        <p:cTn id="14" dur="1" fill="hold">
+                                          <p:stCondLst>
+                                            <p:cond delay="0"/>
+                                          </p:stCondLst>
+                                        </p:cTn>
+                                        <p:tgtEl>
+                                          <p:spTgt spid="25"/>
+                                        </p:tgtEl>
+                                        <p:attrNameLst>
+                                          <p:attrName>style.visibility</p:attrName>
+                                        </p:attrNameLst>
+                                      </p:cBhvr>
+                                      <p:to>
+                                        <p:strVal val="visible"/>
+                                      </p:to>
+                                    </p:set>
+                                    <p:anim calcmode="lin" valueType="num">
+                                      <p:cBhvr additive="base">
+                                        <p:cTn id="15" dur="500" fill="hold"/>
+                                        <p:tgtEl>
+                                          <p:spTgt spid="25"/>
+                                        </p:tgtEl>
+                                        <p:attrNameLst>
+                                          <p:attrName>ppt_x</p:attrName>
+                                        </p:attrNameLst>
+                                      </p:cBhvr>
+                                      <p:tavLst>
+                                        <p:tav tm="0">
+                                          <p:val>
+                                            <p:strVal val="#ppt_x"/>
+                                          </p:val>
+                                        </p:tav>
+                                        <p:tav tm="100000">
+                                          <p:val>
+                                            <p:strVal val="#ppt_x"/>
+                                          </p:val>
+                                        </p:tav>
+                                      </p:tavLst>
+                                    </p:anim>
+                                    <p:anim calcmode="lin" valueType="num">
+                                      <p:cBhvr additive="base">
+                                        <p:cTn id="16" dur="500" fill="hold"/>
+                                        <p:tgtEl>
+                                          <p:spTgt spid="25"/>
+                                        </p:tgtEl>
+                                        <p:attrNameLst>
+                                          <p:attrName>ppt_y</p:attrName>
+                                        </p:attrNameLst>
+                                      </p:cBhvr>
+                                      <p:tavLst>
+                                        <p:tav tm="0">
+                                          <p:val>
+                                            <p:strVal val="1+#ppt_h/2"/>
+                                          </p:val>
+                                        </p:tav>
+                                        <p:tav tm="100000">
+                                          <p:val>
+                                            <p:strVal val="#ppt_y"/>
+                                          </p:val>
+                                        </p:tav>
+                                      </p:tavLst>
+                                    </p:anim>
+                                  </p:childTnLst>
+                                </p:cTn>
+                              </p:par>
+                              <p:par>
+                                <p:cTn id="17" presetID="2" presetClass="entr" presetSubtype="4" fill="hold" nodeType="withEffect">
+                                  <p:stCondLst>
+                                    <p:cond delay="500"/>
+                                  </p:stCondLst>
+                                  <p:childTnLst>
+                                    <p:set>
+                                      <p:cBhvr>
+                                        <p:cTn id="18" dur="1" fill="hold">
+                                          <p:stCondLst>
+                                            <p:cond delay="0"/>
+                                          </p:stCondLst>
+                                        </p:cTn>
+                                        <p:tgtEl>
+                                          <p:spTgt spid="22"/>
+                                        </p:tgtEl>
+                                        <p:attrNameLst>
+                                          <p:attrName>style.visibility</p:attrName>
+                                        </p:attrNameLst>
+                                      </p:cBhvr>
+                                      <p:to>
+                                        <p:strVal val="visible"/>
+                                      </p:to>
+                                    </p:set>
+                                    <p:anim calcmode="lin" valueType="num">
+                                      <p:cBhvr additive="base">
+                                        <p:cTn id="19" dur="500" fill="hold"/>
+                                        <p:tgtEl>
+                                          <p:spTgt spid="22"/>
+                                        </p:tgtEl>
+                                        <p:attrNameLst>
+                                          <p:attrName>ppt_x</p:attrName>
+                                        </p:attrNameLst>
+                                      </p:cBhvr>
+                                      <p:tavLst>
+                                        <p:tav tm="0">
+                                          <p:val>
+                                            <p:strVal val="#ppt_x"/>
+                                          </p:val>
+                                        </p:tav>
+                                        <p:tav tm="100000">
+                                          <p:val>
+                                            <p:strVal val="#ppt_x"/>
+                                          </p:val>
+                                        </p:tav>
+                                      </p:tavLst>
+                                    </p:anim>
+                                    <p:anim calcmode="lin" valueType="num">
+                                      <p:cBhvr additive="base">
+                                        <p:cTn id="20" dur="500" fill="hold"/>
+                                        <p:tgtEl>
+                                          <p:spTgt spid="22"/>
+                                        </p:tgtEl>
+                                        <p:attrNameLst>
+                                          <p:attrName>ppt_y</p:attrName>
+                                        </p:attrNameLst>
+                                      </p:cBhvr>
+                                      <p:tavLst>
+                                        <p:tav tm="0">
+                                          <p:val>
+                                            <p:strVal val="1+#ppt_h/2"/>
+                                          </p:val>
+                                        </p:tav>
+                                        <p:tav tm="100000">
+                                          <p:val>
+                                            <p:strVal val="#ppt_y"/>
+                                          </p:val>
+                                        </p:tav>
+                                      </p:tavLst>
+                                    </p:anim>
+                                  </p:childTnLst>
+                                </p:cTn>
+                              </p:par>
+                              <p:par>
+                                <p:cTn id="21" presetID="2" presetClass="entr" presetSubtype="4" fill="hold" nodeType="withEffect">
+                                  <p:stCondLst>
+                                    <p:cond delay="300"/>
+                                  </p:stCondLst>
+                                  <p:childTnLst>
+                                    <p:set>
+                                      <p:cBhvr>
+                                        <p:cTn id="22" dur="1" fill="hold">
+                                          <p:stCondLst>
+                                            <p:cond delay="0"/>
+                                          </p:stCondLst>
+                                        </p:cTn>
+                                        <p:tgtEl>
+                                          <p:spTgt spid="31"/>
+                                        </p:tgtEl>
+                                        <p:attrNameLst>
+                                          <p:attrName>style.visibility</p:attrName>
+                                        </p:attrNameLst>
+                                      </p:cBhvr>
+                                      <p:to>
+                                        <p:strVal val="visible"/>
+                                      </p:to>
+                                    </p:set>
+                                    <p:anim calcmode="lin" valueType="num">
+                                      <p:cBhvr additive="base">
+                                        <p:cTn id="23" dur="500" fill="hold"/>
+                                        <p:tgtEl>
+                                          <p:spTgt spid="31"/>
+                                        </p:tgtEl>
+                                        <p:attrNameLst>
+                                          <p:attrName>ppt_x</p:attrName>
+                                        </p:attrNameLst>
+                                      </p:cBhvr>
+                                      <p:tavLst>
+                                        <p:tav tm="0">
+                                          <p:val>
+                                            <p:strVal val="#ppt_x"/>
+                                          </p:val>
+                                        </p:tav>
+                                        <p:tav tm="100000">
+                                          <p:val>
+                                            <p:strVal val="#ppt_x"/>
+                                          </p:val>
+                                        </p:tav>
+                                      </p:tavLst>
+                                    </p:anim>
+                                    <p:anim calcmode="lin" valueType="num">
+                                      <p:cBhvr additive="base">
+                                        <p:cTn id="24" dur="500" fill="hold"/>
+                                        <p:tgtEl>
+                                          <p:spTgt spid="31"/>
+                                        </p:tgtEl>
+                                        <p:attrNameLst>
+                                          <p:attrName>ppt_y</p:attrName>
+                                        </p:attrNameLst>
+                                      </p:cBhvr>
+                                      <p:tavLst>
+                                        <p:tav tm="0">
+                                          <p:val>
+                                            <p:strVal val="1+#ppt_h/2"/>
+                                          </p:val>
+                                        </p:tav>
+                                        <p:tav tm="100000">
+                                          <p:val>
+                                            <p:strVal val="#ppt_y"/>
+                                          </p:val>
+                                        </p:tav>
+                                      </p:tavLst>
+                                    </p:anim>
+                                  </p:childTnLst>
+                                </p:cTn>
+                              </p:par>
+                              <p:par>
+                                <p:cTn id="25" presetID="2" presetClass="entr" presetSubtype="4" fill="hold" nodeType="withEffect">
+                                  <p:stCondLst>
+                                    <p:cond delay="200"/>
+                                  </p:stCondLst>
+                                  <p:childTnLst>
+                                    <p:set>
+                                      <p:cBhvr>
+                                        <p:cTn id="26" dur="1" fill="hold">
+                                          <p:stCondLst>
+                                            <p:cond delay="0"/>
+                                          </p:stCondLst>
+                                        </p:cTn>
+                                        <p:tgtEl>
+                                          <p:spTgt spid="24"/>
+                                        </p:tgtEl>
+                                        <p:attrNameLst>
+                                          <p:attrName>style.visibility</p:attrName>
+                                        </p:attrNameLst>
+                                      </p:cBhvr>
+                                      <p:to>
+                                        <p:strVal val="visible"/>
+                                      </p:to>
+                                    </p:set>
+                                    <p:anim calcmode="lin" valueType="num">
+                                      <p:cBhvr additive="base">
+                                        <p:cTn id="27" dur="500" fill="hold"/>
+                                        <p:tgtEl>
+                                          <p:spTgt spid="24"/>
+                                        </p:tgtEl>
+                                        <p:attrNameLst>
+                                          <p:attrName>ppt_x</p:attrName>
+                                        </p:attrNameLst>
+                                      </p:cBhvr>
+                                      <p:tavLst>
+                                        <p:tav tm="0">
+                                          <p:val>
+                                            <p:strVal val="#ppt_x"/>
+                                          </p:val>
+                                        </p:tav>
+                                        <p:tav tm="100000">
+                                          <p:val>
+                                            <p:strVal val="#ppt_x"/>
+                                          </p:val>
+                                        </p:tav>
+                                      </p:tavLst>
+                                    </p:anim>
+                                    <p:anim calcmode="lin" valueType="num">
+                                      <p:cBhvr additive="base">
+                                        <p:cTn id="28" dur="500" fill="hold"/>
+                                        <p:tgtEl>
+                                          <p:spTgt spid="24"/>
+                                        </p:tgtEl>
+                                        <p:attrNameLst>
+                                          <p:attrName>ppt_y</p:attrName>
+                                        </p:attrNameLst>
+                                      </p:cBhvr>
+                                      <p:tavLst>
+                                        <p:tav tm="0">
+                                          <p:val>
+                                            <p:strVal val="1+#ppt_h/2"/>
+                                          </p:val>
+                                        </p:tav>
+                                        <p:tav tm="100000">
+                                          <p:val>
+                                            <p:strVal val="#ppt_y"/>
+                                          </p:val>
+                                        </p:tav>
+                                      </p:tavLst>
+                                    </p:anim>
+                                  </p:childTnLst>
+                                </p:cTn>
+                              </p:par>
+                              <p:par>
+                                <p:cTn id="29" presetID="2" presetClass="entr" presetSubtype="4" fill="hold" nodeType="withEffect">
+                                  <p:stCondLst>
+                                    <p:cond delay="0"/>
+                                  </p:stCondLst>
+                                  <p:childTnLst>
+                                    <p:set>
+                                      <p:cBhvr>
+                                        <p:cTn id="30" dur="1" fill="hold">
+                                          <p:stCondLst>
+                                            <p:cond delay="0"/>
+                                          </p:stCondLst>
+                                        </p:cTn>
+                                        <p:tgtEl>
+                                          <p:spTgt spid="11"/>
+                                        </p:tgtEl>
+                                        <p:attrNameLst>
+                                          <p:attrName>style.visibility</p:attrName>
+                                        </p:attrNameLst>
+                                      </p:cBhvr>
+                                      <p:to>
+                                        <p:strVal val="visible"/>
+                                      </p:to>
+                                    </p:set>
+                                    <p:anim calcmode="lin" valueType="num">
+                                      <p:cBhvr additive="base">
+                                        <p:cTn id="31" dur="500" fill="hold"/>
+                                        <p:tgtEl>
+                                          <p:spTgt spid="11"/>
+                                        </p:tgtEl>
+                                        <p:attrNameLst>
+                                          <p:attrName>ppt_x</p:attrName>
+                                        </p:attrNameLst>
+                                      </p:cBhvr>
+                                      <p:tavLst>
+                                        <p:tav tm="0">
+                                          <p:val>
+                                            <p:strVal val="#ppt_x"/>
+                                          </p:val>
+                                        </p:tav>
+                                        <p:tav tm="100000">
+                                          <p:val>
+                                            <p:strVal val="#ppt_x"/>
+                                          </p:val>
+                                        </p:tav>
+                                      </p:tavLst>
+                                    </p:anim>
+                                    <p:anim calcmode="lin" valueType="num">
+                                      <p:cBhvr additive="base">
+                                        <p:cTn id="32" dur="500" fill="hold"/>
+                                        <p:tgtEl>
+                                          <p:spTgt spid="11"/>
+                                        </p:tgtEl>
+                                        <p:attrNameLst>
+                                          <p:attrName>ppt_y</p:attrName>
+                                        </p:attrNameLst>
+                                      </p:cBhvr>
+                                      <p:tavLst>
+                                        <p:tav tm="0">
+                                          <p:val>
+                                            <p:strVal val="1+#ppt_h/2"/>
+                                          </p:val>
+                                        </p:tav>
+                                        <p:tav tm="100000">
+                                          <p:val>
+                                            <p:strVal val="#ppt_y"/>
+                                          </p:val>
+                                        </p:tav>
+                                      </p:tavLst>
+                                    </p:anim>
                                   </p:childTnLst>
                                 </p:cTn>
                               </p:par>
@@ -10423,9 +14905,6 @@
         </p:cTn>
       </p:par>
     </p:tnLst>
-    <p:bldLst>
-      <p:bldP spid="8" grpId="0" animBg="1"/>
-    </p:bldLst>
   </p:timing>
 </p:sld>
 </file>
@@ -10436,7 +14915,7 @@
     <p:bg>
       <p:bgPr>
         <a:solidFill>
-          <a:srgbClr val="5019B3"/>
+          <a:srgbClr val="5018B4"/>
         </a:solidFill>
         <a:effectLst/>
       </p:bgPr>
@@ -10455,239 +14934,423 @@
           <a:chExt cx="0" cy="0"/>
         </a:xfrm>
       </p:grpSpPr>
-      <p:sp>
-        <p:nvSpPr>
-          <p:cNvPr id="4" name="Ellipszis 3">
-            <a:extLst>
-              <a:ext uri="{FF2B5EF4-FFF2-40B4-BE49-F238E27FC236}">
-                <a16:creationId xmlns:a16="http://schemas.microsoft.com/office/drawing/2014/main" id="{5E590742-0F2F-708E-87FC-8CF5ABA75119}"/>
-              </a:ext>
-            </a:extLst>
-          </p:cNvPr>
-          <p:cNvSpPr/>
+      <p:grpSp>
+        <p:nvGrpSpPr>
+          <p:cNvPr id="5" name="Group 4"/>
+          <p:cNvGrpSpPr/>
           <p:nvPr/>
-        </p:nvSpPr>
-        <p:spPr>
+        </p:nvGrpSpPr>
+        <p:grpSpPr>
           <a:xfrm>
-            <a:off x="2803967" y="136967"/>
-            <a:ext cx="6584065" cy="6584065"/>
+            <a:off x="522235" y="-215979"/>
+            <a:ext cx="4784269" cy="1534886"/>
+            <a:chOff x="880044" y="293914"/>
+            <a:chExt cx="4784269" cy="6270171"/>
           </a:xfrm>
-          <a:prstGeom prst="ellipse">
-            <a:avLst/>
-          </a:prstGeom>
-          <a:solidFill>
-            <a:srgbClr val="4B199F"/>
-          </a:solidFill>
-          <a:ln>
+        </p:grpSpPr>
+        <p:sp>
+          <p:nvSpPr>
+            <p:cNvPr id="6" name="Téglalap: lekerekített 3">
+              <a:extLst>
+                <a:ext uri="{FF2B5EF4-FFF2-40B4-BE49-F238E27FC236}">
+                  <a16:creationId xmlns:a16="http://schemas.microsoft.com/office/drawing/2014/main" xmlns="" id="{BC187220-8284-1B2B-8CE3-7C613265D444}"/>
+                </a:ext>
+              </a:extLst>
+            </p:cNvPr>
+            <p:cNvSpPr/>
+            <p:nvPr/>
+          </p:nvSpPr>
+          <p:spPr>
+            <a:xfrm>
+              <a:off x="880044" y="293914"/>
+              <a:ext cx="4784269" cy="6270171"/>
+            </a:xfrm>
+            <a:prstGeom prst="roundRect">
+              <a:avLst>
+                <a:gd name="adj" fmla="val 4094"/>
+              </a:avLst>
+            </a:prstGeom>
+            <a:solidFill>
+              <a:schemeClr val="bg1">
+                <a:alpha val="80000"/>
+              </a:schemeClr>
+            </a:solidFill>
+            <a:ln w="120650" cap="sq">
+              <a:noFill/>
+              <a:round/>
+            </a:ln>
+          </p:spPr>
+          <p:style>
+            <a:lnRef idx="2">
+              <a:schemeClr val="accent1">
+                <a:shade val="15000"/>
+              </a:schemeClr>
+            </a:lnRef>
+            <a:fillRef idx="1">
+              <a:schemeClr val="accent1"/>
+            </a:fillRef>
+            <a:effectRef idx="0">
+              <a:schemeClr val="accent1"/>
+            </a:effectRef>
+            <a:fontRef idx="minor">
+              <a:schemeClr val="lt1"/>
+            </a:fontRef>
+          </p:style>
+          <p:txBody>
+            <a:bodyPr rtlCol="0" anchor="ctr"/>
+            <a:lstStyle/>
+            <a:p>
+              <a:pPr algn="ctr"/>
+              <a:endParaRPr lang="hu-HU" dirty="0"/>
+            </a:p>
+          </p:txBody>
+        </p:sp>
+        <p:sp>
+          <p:nvSpPr>
+            <p:cNvPr id="7" name="Szövegdoboz 6">
+              <a:extLst>
+                <a:ext uri="{FF2B5EF4-FFF2-40B4-BE49-F238E27FC236}">
+                  <a16:creationId xmlns:a16="http://schemas.microsoft.com/office/drawing/2014/main" xmlns="" id="{7819F685-963E-271F-BC1B-FDA54155C9CE}"/>
+                </a:ext>
+              </a:extLst>
+            </p:cNvPr>
+            <p:cNvSpPr txBox="1"/>
+            <p:nvPr/>
+          </p:nvSpPr>
+          <p:spPr>
+            <a:xfrm>
+              <a:off x="1743415" y="2047736"/>
+              <a:ext cx="3057525" cy="3520438"/>
+            </a:xfrm>
+            <a:prstGeom prst="rect">
+              <a:avLst/>
+            </a:prstGeom>
             <a:noFill/>
-          </a:ln>
-          <a:effectLst>
-            <a:innerShdw blurRad="533400">
-              <a:prstClr val="black">
-                <a:alpha val="71000"/>
-              </a:prstClr>
-            </a:innerShdw>
-          </a:effectLst>
-        </p:spPr>
-        <p:style>
-          <a:lnRef idx="2">
-            <a:schemeClr val="accent1">
-              <a:shade val="15000"/>
-            </a:schemeClr>
-          </a:lnRef>
-          <a:fillRef idx="1">
-            <a:schemeClr val="accent1"/>
-          </a:fillRef>
-          <a:effectRef idx="0">
-            <a:schemeClr val="accent1"/>
-          </a:effectRef>
-          <a:fontRef idx="minor">
-            <a:schemeClr val="lt1"/>
-          </a:fontRef>
-        </p:style>
-        <p:txBody>
-          <a:bodyPr rtlCol="0" anchor="ctr"/>
-          <a:lstStyle/>
-          <a:p>
-            <a:pPr algn="ctr"/>
-            <a:endParaRPr lang="hu-HU"/>
-          </a:p>
-        </p:txBody>
-      </p:sp>
-      <p:sp>
-        <p:nvSpPr>
-          <p:cNvPr id="5" name="Ellipszis 4">
-            <a:extLst>
-              <a:ext uri="{FF2B5EF4-FFF2-40B4-BE49-F238E27FC236}">
-                <a16:creationId xmlns:a16="http://schemas.microsoft.com/office/drawing/2014/main" id="{7BFA035C-0E90-EF99-09EB-F01F1787B99D}"/>
-              </a:ext>
-            </a:extLst>
-          </p:cNvPr>
-          <p:cNvSpPr/>
-          <p:nvPr/>
-        </p:nvSpPr>
-        <p:spPr>
-          <a:xfrm>
-            <a:off x="3530277" y="863277"/>
-            <a:ext cx="5131443" cy="5131443"/>
-          </a:xfrm>
-          <a:prstGeom prst="ellipse">
-            <a:avLst/>
-          </a:prstGeom>
-          <a:solidFill>
-            <a:srgbClr val="441887"/>
-          </a:solidFill>
-          <a:effectLst>
-            <a:innerShdw blurRad="368300">
-              <a:prstClr val="black">
-                <a:alpha val="41000"/>
-              </a:prstClr>
-            </a:innerShdw>
-          </a:effectLst>
-        </p:spPr>
-        <p:style>
-          <a:lnRef idx="2">
-            <a:schemeClr val="accent1">
-              <a:shade val="15000"/>
-            </a:schemeClr>
-          </a:lnRef>
-          <a:fillRef idx="1">
-            <a:schemeClr val="accent1"/>
-          </a:fillRef>
-          <a:effectRef idx="0">
-            <a:schemeClr val="accent1"/>
-          </a:effectRef>
-          <a:fontRef idx="minor">
-            <a:schemeClr val="lt1"/>
-          </a:fontRef>
-        </p:style>
-        <p:txBody>
-          <a:bodyPr rtlCol="0" anchor="ctr"/>
-          <a:lstStyle/>
-          <a:p>
-            <a:pPr algn="ctr"/>
-            <a:endParaRPr lang="hu-HU"/>
-          </a:p>
-        </p:txBody>
-      </p:sp>
-      <p:sp>
-        <p:nvSpPr>
-          <p:cNvPr id="15" name="Szövegdoboz 14">
-            <a:extLst>
-              <a:ext uri="{FF2B5EF4-FFF2-40B4-BE49-F238E27FC236}">
-                <a16:creationId xmlns:a16="http://schemas.microsoft.com/office/drawing/2014/main" id="{BAD904EC-5503-CAE6-53A8-7648AE393A9D}"/>
-              </a:ext>
-            </a:extLst>
-          </p:cNvPr>
-          <p:cNvSpPr txBox="1"/>
-          <p:nvPr/>
-        </p:nvSpPr>
-        <p:spPr>
-          <a:xfrm>
-            <a:off x="4049861" y="2141397"/>
-            <a:ext cx="4396873" cy="1754326"/>
-          </a:xfrm>
-          <a:prstGeom prst="rect">
-            <a:avLst/>
-          </a:prstGeom>
-          <a:noFill/>
-          <a:effectLst>
-            <a:outerShdw sx="1000" sy="1000" algn="ctr" rotWithShape="0">
-              <a:srgbClr val="000000"/>
-            </a:outerShdw>
-          </a:effectLst>
-        </p:spPr>
-        <p:txBody>
-          <a:bodyPr wrap="square" rtlCol="0">
-            <a:spAutoFit/>
-          </a:bodyPr>
-          <a:lstStyle/>
-          <a:p>
-            <a:r>
-              <a:rPr lang="hu-HU" sz="5400" dirty="0">
+          </p:spPr>
+          <p:txBody>
+            <a:bodyPr wrap="square" rtlCol="0">
+              <a:spAutoFit/>
+            </a:bodyPr>
+            <a:lstStyle/>
+            <a:p>
+              <a:pPr algn="ctr"/>
+              <a:r>
+                <a:rPr lang="hu-HU" sz="3200" b="1" dirty="0" smtClean="0">
+                  <a:solidFill>
+                    <a:srgbClr val="5019B3"/>
+                  </a:solidFill>
+                  <a:latin typeface="Segoe UI Black" panose="020B0A02040204020203" pitchFamily="34" charset="0"/>
+                  <a:ea typeface="Segoe UI Black" panose="020B0A02040204020203" pitchFamily="34" charset="0"/>
+                </a:rPr>
+                <a:t>Fruit class</a:t>
+              </a:r>
+              <a:endParaRPr lang="hu-HU" sz="3200" b="1" i="0" dirty="0">
                 <a:solidFill>
-                  <a:schemeClr val="bg1"/>
+                  <a:srgbClr val="5019B3"/>
                 </a:solidFill>
-                <a:effectLst>
-                  <a:outerShdw dist="38100" sx="101000" sy="101000" algn="l" rotWithShape="0">
-                    <a:prstClr val="black">
-                      <a:alpha val="10000"/>
-                    </a:prstClr>
-                  </a:outerShdw>
-                </a:effectLst>
+                <a:effectLst/>
                 <a:latin typeface="Segoe UI Black" panose="020B0A02040204020203" pitchFamily="34" charset="0"/>
                 <a:ea typeface="Segoe UI Black" panose="020B0A02040204020203" pitchFamily="34" charset="0"/>
-              </a:rPr>
-              <a:t>Köszönjük a figyelmet!</a:t>
-            </a:r>
-          </a:p>
-        </p:txBody>
-      </p:sp>
-      <p:sp>
-        <p:nvSpPr>
-          <p:cNvPr id="17" name="Szövegdoboz 15">
-            <a:extLst>
-              <a:ext uri="{FF2B5EF4-FFF2-40B4-BE49-F238E27FC236}">
-                <a16:creationId xmlns:a16="http://schemas.microsoft.com/office/drawing/2014/main" id="{C9117FAE-FE67-5743-F7DB-0D7FE2C64D91}"/>
-              </a:ext>
-            </a:extLst>
-          </p:cNvPr>
-          <p:cNvSpPr txBox="1"/>
+              </a:endParaRPr>
+            </a:p>
+            <a:p>
+              <a:endParaRPr lang="hu-HU" dirty="0"/>
+            </a:p>
+          </p:txBody>
+        </p:sp>
+      </p:grpSp>
+      <p:grpSp>
+        <p:nvGrpSpPr>
+          <p:cNvPr id="11" name="Group 10"/>
+          <p:cNvGrpSpPr/>
           <p:nvPr/>
-        </p:nvSpPr>
-        <p:spPr>
+        </p:nvGrpSpPr>
+        <p:grpSpPr>
           <a:xfrm>
-            <a:off x="3745262" y="4098842"/>
-            <a:ext cx="4701472" cy="646331"/>
+            <a:off x="522235" y="1504437"/>
+            <a:ext cx="7663822" cy="3454641"/>
+            <a:chOff x="522235" y="1504437"/>
+            <a:chExt cx="7663822" cy="3454641"/>
           </a:xfrm>
-          <a:prstGeom prst="rect">
-            <a:avLst/>
-          </a:prstGeom>
-          <a:noFill/>
-        </p:spPr>
-        <p:txBody>
-          <a:bodyPr wrap="square" rtlCol="0">
-            <a:spAutoFit/>
-          </a:bodyPr>
-          <a:lstStyle/>
-          <a:p>
-            <a:r>
-              <a:rPr lang="hu-HU" sz="1600" b="0" i="0" dirty="0">
-                <a:solidFill>
-                  <a:srgbClr val="FFFFFF"/>
-                </a:solidFill>
-                <a:effectLst/>
-                <a:latin typeface="Barlow" panose="020F0502020204030204" pitchFamily="2" charset="-18"/>
-              </a:rPr>
-              <a:t>Készítette: </a:t>
-            </a:r>
-            <a:r>
-              <a:rPr lang="hu-HU" sz="1600" dirty="0">
-                <a:solidFill>
-                  <a:srgbClr val="FFFFFF"/>
-                </a:solidFill>
-                <a:latin typeface="Barlow" panose="020F0502020204030204" pitchFamily="2" charset="-18"/>
-              </a:rPr>
-              <a:t>Kállai Gábor, Szalai Bence, Bánhidai Mátyás</a:t>
-            </a:r>
-            <a:endParaRPr lang="hu-HU" sz="1600" b="0" i="0" dirty="0">
-              <a:solidFill>
-                <a:srgbClr val="FFFFFF"/>
-              </a:solidFill>
-              <a:effectLst/>
-              <a:latin typeface="Barlow" panose="020F0502020204030204" pitchFamily="2" charset="-18"/>
-            </a:endParaRPr>
-          </a:p>
-          <a:p>
-            <a:pPr algn="ctr"/>
-            <a:endParaRPr lang="hu-HU" sz="2000" dirty="0"/>
-          </a:p>
-        </p:txBody>
-      </p:sp>
+        </p:grpSpPr>
+        <p:sp>
+          <p:nvSpPr>
+            <p:cNvPr id="9" name="Téglalap: lekerekített 3">
+              <a:extLst>
+                <a:ext uri="{FF2B5EF4-FFF2-40B4-BE49-F238E27FC236}">
+                  <a16:creationId xmlns:a16="http://schemas.microsoft.com/office/drawing/2014/main" xmlns="" id="{BC187220-8284-1B2B-8CE3-7C613265D444}"/>
+                </a:ext>
+              </a:extLst>
+            </p:cNvPr>
+            <p:cNvSpPr/>
+            <p:nvPr/>
+          </p:nvSpPr>
+          <p:spPr>
+            <a:xfrm>
+              <a:off x="522235" y="1504437"/>
+              <a:ext cx="7663822" cy="3454641"/>
+            </a:xfrm>
+            <a:prstGeom prst="roundRect">
+              <a:avLst>
+                <a:gd name="adj" fmla="val 4094"/>
+              </a:avLst>
+            </a:prstGeom>
+            <a:solidFill>
+              <a:schemeClr val="bg1">
+                <a:alpha val="80000"/>
+              </a:schemeClr>
+            </a:solidFill>
+            <a:ln w="120650" cap="sq">
+              <a:noFill/>
+              <a:round/>
+            </a:ln>
+          </p:spPr>
+          <p:style>
+            <a:lnRef idx="2">
+              <a:schemeClr val="accent1">
+                <a:shade val="15000"/>
+              </a:schemeClr>
+            </a:lnRef>
+            <a:fillRef idx="1">
+              <a:schemeClr val="accent1"/>
+            </a:fillRef>
+            <a:effectRef idx="0">
+              <a:schemeClr val="accent1"/>
+            </a:effectRef>
+            <a:fontRef idx="minor">
+              <a:schemeClr val="lt1"/>
+            </a:fontRef>
+          </p:style>
+          <p:txBody>
+            <a:bodyPr rtlCol="0" anchor="ctr"/>
+            <a:lstStyle/>
+            <a:p>
+              <a:pPr algn="ctr"/>
+              <a:endParaRPr lang="hu-HU" dirty="0"/>
+            </a:p>
+          </p:txBody>
+        </p:sp>
+        <p:pic>
+          <p:nvPicPr>
+            <p:cNvPr id="10" name="Picture 9"/>
+            <p:cNvPicPr>
+              <a:picLocks noChangeAspect="1"/>
+            </p:cNvPicPr>
+            <p:nvPr/>
+          </p:nvPicPr>
+          <p:blipFill>
+            <a:blip r:embed="rId3"/>
+            <a:stretch>
+              <a:fillRect/>
+            </a:stretch>
+          </p:blipFill>
+          <p:spPr>
+            <a:xfrm>
+              <a:off x="841829" y="1748228"/>
+              <a:ext cx="7068457" cy="3016856"/>
+            </a:xfrm>
+            <a:prstGeom prst="rect">
+              <a:avLst/>
+            </a:prstGeom>
+          </p:spPr>
+        </p:pic>
+      </p:grpSp>
+      <p:grpSp>
+        <p:nvGrpSpPr>
+          <p:cNvPr id="16" name="Group 15"/>
+          <p:cNvGrpSpPr/>
+          <p:nvPr/>
+        </p:nvGrpSpPr>
+        <p:grpSpPr>
+          <a:xfrm>
+            <a:off x="522235" y="5144608"/>
+            <a:ext cx="6032792" cy="1598556"/>
+            <a:chOff x="2153265" y="5068810"/>
+            <a:chExt cx="6032792" cy="1598556"/>
+          </a:xfrm>
+        </p:grpSpPr>
+        <p:sp>
+          <p:nvSpPr>
+            <p:cNvPr id="14" name="Téglalap: lekerekített 3">
+              <a:extLst>
+                <a:ext uri="{FF2B5EF4-FFF2-40B4-BE49-F238E27FC236}">
+                  <a16:creationId xmlns:a16="http://schemas.microsoft.com/office/drawing/2014/main" xmlns="" id="{BC187220-8284-1B2B-8CE3-7C613265D444}"/>
+                </a:ext>
+              </a:extLst>
+            </p:cNvPr>
+            <p:cNvSpPr/>
+            <p:nvPr/>
+          </p:nvSpPr>
+          <p:spPr>
+            <a:xfrm>
+              <a:off x="2153265" y="5068810"/>
+              <a:ext cx="6032792" cy="1598556"/>
+            </a:xfrm>
+            <a:prstGeom prst="roundRect">
+              <a:avLst>
+                <a:gd name="adj" fmla="val 4094"/>
+              </a:avLst>
+            </a:prstGeom>
+            <a:solidFill>
+              <a:schemeClr val="bg1">
+                <a:alpha val="80000"/>
+              </a:schemeClr>
+            </a:solidFill>
+            <a:ln w="120650" cap="sq">
+              <a:noFill/>
+              <a:round/>
+            </a:ln>
+          </p:spPr>
+          <p:style>
+            <a:lnRef idx="2">
+              <a:schemeClr val="accent1">
+                <a:shade val="15000"/>
+              </a:schemeClr>
+            </a:lnRef>
+            <a:fillRef idx="1">
+              <a:schemeClr val="accent1"/>
+            </a:fillRef>
+            <a:effectRef idx="0">
+              <a:schemeClr val="accent1"/>
+            </a:effectRef>
+            <a:fontRef idx="minor">
+              <a:schemeClr val="lt1"/>
+            </a:fontRef>
+          </p:style>
+          <p:txBody>
+            <a:bodyPr rtlCol="0" anchor="ctr"/>
+            <a:lstStyle/>
+            <a:p>
+              <a:pPr algn="ctr"/>
+              <a:endParaRPr lang="hu-HU" dirty="0"/>
+            </a:p>
+          </p:txBody>
+        </p:sp>
+        <p:pic>
+          <p:nvPicPr>
+            <p:cNvPr id="12" name="Picture 11"/>
+            <p:cNvPicPr>
+              <a:picLocks noChangeAspect="1"/>
+            </p:cNvPicPr>
+            <p:nvPr/>
+          </p:nvPicPr>
+          <p:blipFill>
+            <a:blip r:embed="rId4"/>
+            <a:stretch>
+              <a:fillRect/>
+            </a:stretch>
+          </p:blipFill>
+          <p:spPr>
+            <a:xfrm>
+              <a:off x="2379309" y="5166076"/>
+              <a:ext cx="5580703" cy="1404024"/>
+            </a:xfrm>
+            <a:prstGeom prst="rect">
+              <a:avLst/>
+            </a:prstGeom>
+          </p:spPr>
+        </p:pic>
+      </p:grpSp>
+      <p:grpSp>
+        <p:nvGrpSpPr>
+          <p:cNvPr id="21" name="Group 20"/>
+          <p:cNvGrpSpPr/>
+          <p:nvPr/>
+        </p:nvGrpSpPr>
+        <p:grpSpPr>
+          <a:xfrm>
+            <a:off x="6781071" y="5512878"/>
+            <a:ext cx="4939077" cy="1133020"/>
+            <a:chOff x="6781071" y="5377376"/>
+            <a:chExt cx="4939077" cy="1133020"/>
+          </a:xfrm>
+        </p:grpSpPr>
+        <p:sp>
+          <p:nvSpPr>
+            <p:cNvPr id="19" name="Téglalap: lekerekített 3">
+              <a:extLst>
+                <a:ext uri="{FF2B5EF4-FFF2-40B4-BE49-F238E27FC236}">
+                  <a16:creationId xmlns:a16="http://schemas.microsoft.com/office/drawing/2014/main" xmlns="" id="{BC187220-8284-1B2B-8CE3-7C613265D444}"/>
+                </a:ext>
+              </a:extLst>
+            </p:cNvPr>
+            <p:cNvSpPr/>
+            <p:nvPr/>
+          </p:nvSpPr>
+          <p:spPr>
+            <a:xfrm>
+              <a:off x="6781071" y="5377376"/>
+              <a:ext cx="4939077" cy="1133020"/>
+            </a:xfrm>
+            <a:prstGeom prst="roundRect">
+              <a:avLst>
+                <a:gd name="adj" fmla="val 4094"/>
+              </a:avLst>
+            </a:prstGeom>
+            <a:solidFill>
+              <a:schemeClr val="bg1">
+                <a:alpha val="80000"/>
+              </a:schemeClr>
+            </a:solidFill>
+            <a:ln w="120650" cap="sq">
+              <a:noFill/>
+              <a:round/>
+            </a:ln>
+          </p:spPr>
+          <p:style>
+            <a:lnRef idx="2">
+              <a:schemeClr val="accent1">
+                <a:shade val="15000"/>
+              </a:schemeClr>
+            </a:lnRef>
+            <a:fillRef idx="1">
+              <a:schemeClr val="accent1"/>
+            </a:fillRef>
+            <a:effectRef idx="0">
+              <a:schemeClr val="accent1"/>
+            </a:effectRef>
+            <a:fontRef idx="minor">
+              <a:schemeClr val="lt1"/>
+            </a:fontRef>
+          </p:style>
+          <p:txBody>
+            <a:bodyPr rtlCol="0" anchor="ctr"/>
+            <a:lstStyle/>
+            <a:p>
+              <a:pPr algn="ctr"/>
+              <a:endParaRPr lang="hu-HU" dirty="0"/>
+            </a:p>
+          </p:txBody>
+        </p:sp>
+        <p:pic>
+          <p:nvPicPr>
+            <p:cNvPr id="17" name="Picture 16"/>
+            <p:cNvPicPr>
+              <a:picLocks noChangeAspect="1"/>
+            </p:cNvPicPr>
+            <p:nvPr/>
+          </p:nvPicPr>
+          <p:blipFill>
+            <a:blip r:embed="rId5"/>
+            <a:stretch>
+              <a:fillRect/>
+            </a:stretch>
+          </p:blipFill>
+          <p:spPr>
+            <a:xfrm>
+              <a:off x="6999633" y="5627532"/>
+              <a:ext cx="4501952" cy="632707"/>
+            </a:xfrm>
+            <a:prstGeom prst="rect">
+              <a:avLst/>
+            </a:prstGeom>
+          </p:spPr>
+        </p:pic>
+      </p:grpSp>
     </p:spTree>
     <p:extLst>
       <p:ext uri="{BB962C8B-B14F-4D97-AF65-F5344CB8AC3E}">
-        <p14:creationId xmlns:p14="http://schemas.microsoft.com/office/powerpoint/2010/main" val="2378275473"/>
+        <p14:creationId xmlns:p14="http://schemas.microsoft.com/office/powerpoint/2010/main" val="3200086466"/>
       </p:ext>
     </p:extLst>
   </p:cSld>
@@ -10721,7 +15384,7 @@
                             </p:stCondLst>
                             <p:childTnLst>
                               <p:par>
-                                <p:cTn id="5" presetID="53" presetClass="entr" presetSubtype="16" fill="hold" grpId="0" nodeType="withEffect">
+                                <p:cTn id="5" presetID="2" presetClass="entr" presetSubtype="8" fill="hold" nodeType="afterEffect">
                                   <p:stCondLst>
                                     <p:cond delay="0"/>
                                   </p:stCondLst>
@@ -10734,7 +15397,7 @@
                                           </p:stCondLst>
                                         </p:cTn>
                                         <p:tgtEl>
-                                          <p:spTgt spid="4"/>
+                                          <p:spTgt spid="5"/>
                                         </p:tgtEl>
                                         <p:attrNameLst>
                                           <p:attrName>style.visibility</p:attrName>
@@ -10745,86 +15408,142 @@
                                       </p:to>
                                     </p:set>
                                     <p:anim calcmode="lin" valueType="num">
-                                      <p:cBhvr>
-                                        <p:cTn id="7" dur="300" fill="hold"/>
-                                        <p:tgtEl>
-                                          <p:spTgt spid="4"/>
+                                      <p:cBhvr additive="base">
+                                        <p:cTn id="7" dur="500" fill="hold"/>
+                                        <p:tgtEl>
+                                          <p:spTgt spid="5"/>
                                         </p:tgtEl>
                                         <p:attrNameLst>
-                                          <p:attrName>ppt_w</p:attrName>
+                                          <p:attrName>ppt_x</p:attrName>
                                         </p:attrNameLst>
                                       </p:cBhvr>
                                       <p:tavLst>
                                         <p:tav tm="0">
                                           <p:val>
-                                            <p:fltVal val="0"/>
+                                            <p:strVal val="0-#ppt_w/2"/>
                                           </p:val>
                                         </p:tav>
                                         <p:tav tm="100000">
                                           <p:val>
-                                            <p:strVal val="#ppt_w"/>
+                                            <p:strVal val="#ppt_x"/>
                                           </p:val>
                                         </p:tav>
                                       </p:tavLst>
                                     </p:anim>
                                     <p:anim calcmode="lin" valueType="num">
-                                      <p:cBhvr>
-                                        <p:cTn id="8" dur="300" fill="hold"/>
-                                        <p:tgtEl>
-                                          <p:spTgt spid="4"/>
+                                      <p:cBhvr additive="base">
+                                        <p:cTn id="8" dur="500" fill="hold"/>
+                                        <p:tgtEl>
+                                          <p:spTgt spid="5"/>
                                         </p:tgtEl>
                                         <p:attrNameLst>
-                                          <p:attrName>ppt_h</p:attrName>
+                                          <p:attrName>ppt_y</p:attrName>
                                         </p:attrNameLst>
                                       </p:cBhvr>
                                       <p:tavLst>
                                         <p:tav tm="0">
                                           <p:val>
-                                            <p:fltVal val="0"/>
+                                            <p:strVal val="#ppt_y"/>
                                           </p:val>
                                         </p:tav>
                                         <p:tav tm="100000">
                                           <p:val>
-                                            <p:strVal val="#ppt_h"/>
+                                            <p:strVal val="#ppt_y"/>
                                           </p:val>
                                         </p:tav>
                                       </p:tavLst>
                                     </p:anim>
-                                    <p:animEffect transition="in" filter="fade">
-                                      <p:cBhvr>
-                                        <p:cTn id="9" dur="300"/>
-                                        <p:tgtEl>
-                                          <p:spTgt spid="4"/>
-                                        </p:tgtEl>
-                                      </p:cBhvr>
-                                    </p:animEffect>
                                   </p:childTnLst>
                                 </p:cTn>
                               </p:par>
-                            </p:childTnLst>
-                          </p:cTn>
-                        </p:par>
-                        <p:par>
-                          <p:cTn id="10" fill="hold">
-                            <p:stCondLst>
-                              <p:cond delay="300"/>
-                            </p:stCondLst>
-                            <p:childTnLst>
                               <p:par>
-                                <p:cTn id="11" presetID="53" presetClass="entr" presetSubtype="16" fill="hold" grpId="0" nodeType="afterEffect">
+                                <p:cTn id="9" presetID="2" presetClass="entr" presetSubtype="4" fill="hold" nodeType="withEffect">
+                                  <p:stCondLst>
+                                    <p:cond delay="300"/>
+                                  </p:stCondLst>
+                                  <p:childTnLst>
+                                    <p:set>
+                                      <p:cBhvr>
+                                        <p:cTn id="10" dur="1" fill="hold">
+                                          <p:stCondLst>
+                                            <p:cond delay="0"/>
+                                          </p:stCondLst>
+                                        </p:cTn>
+                                        <p:tgtEl>
+                                          <p:spTgt spid="21"/>
+                                        </p:tgtEl>
+                                        <p:attrNameLst>
+                                          <p:attrName>style.visibility</p:attrName>
+                                        </p:attrNameLst>
+                                      </p:cBhvr>
+                                      <p:to>
+                                        <p:strVal val="visible"/>
+                                      </p:to>
+                                    </p:set>
+                                    <p:anim calcmode="lin" valueType="num">
+                                      <p:cBhvr additive="base">
+                                        <p:cTn id="11" dur="500" fill="hold"/>
+                                        <p:tgtEl>
+                                          <p:spTgt spid="21"/>
+                                        </p:tgtEl>
+                                        <p:attrNameLst>
+                                          <p:attrName>ppt_x</p:attrName>
+                                        </p:attrNameLst>
+                                      </p:cBhvr>
+                                      <p:tavLst>
+                                        <p:tav tm="0">
+                                          <p:val>
+                                            <p:strVal val="#ppt_x"/>
+                                          </p:val>
+                                        </p:tav>
+                                        <p:tav tm="100000">
+                                          <p:val>
+                                            <p:strVal val="#ppt_x"/>
+                                          </p:val>
+                                        </p:tav>
+                                      </p:tavLst>
+                                    </p:anim>
+                                    <p:anim calcmode="lin" valueType="num">
+                                      <p:cBhvr additive="base">
+                                        <p:cTn id="12" dur="500" fill="hold"/>
+                                        <p:tgtEl>
+                                          <p:spTgt spid="21"/>
+                                        </p:tgtEl>
+                                        <p:attrNameLst>
+                                          <p:attrName>ppt_y</p:attrName>
+                                        </p:attrNameLst>
+                                      </p:cBhvr>
+                                      <p:tavLst>
+                                        <p:tav tm="0">
+                                          <p:val>
+                                            <p:strVal val="1+#ppt_h/2"/>
+                                          </p:val>
+                                        </p:tav>
+                                        <p:tav tm="100000">
+                                          <p:val>
+                                            <p:strVal val="#ppt_y"/>
+                                          </p:val>
+                                        </p:tav>
+                                      </p:tavLst>
+                                    </p:anim>
+                                  </p:childTnLst>
+                                </p:cTn>
+                              </p:par>
+                              <p:par>
+                                <p:cTn id="13" presetID="2" presetClass="entr" presetSubtype="4" fill="hold" nodeType="withEffect">
                                   <p:stCondLst>
                                     <p:cond delay="200"/>
                                   </p:stCondLst>
                                   <p:childTnLst>
                                     <p:set>
                                       <p:cBhvr>
-                                        <p:cTn id="12" dur="1" fill="hold">
+                                        <p:cTn id="14" dur="1" fill="hold">
                                           <p:stCondLst>
                                             <p:cond delay="0"/>
                                           </p:stCondLst>
                                         </p:cTn>
                                         <p:tgtEl>
-                                          <p:spTgt spid="5"/>
+                                          <p:spTgt spid="16"/>
                                         </p:tgtEl>
                                         <p:attrNameLst>
                                           <p:attrName>style.visibility</p:attrName>
@@ -10835,75 +15554,58 @@
                                       </p:to>
                                     </p:set>
                                     <p:anim calcmode="lin" valueType="num">
-                                      <p:cBhvr>
-                                        <p:cTn id="13" dur="300" fill="hold"/>
-                                        <p:tgtEl>
-                                          <p:spTgt spid="5"/>
+                                      <p:cBhvr additive="base">
+                                        <p:cTn id="15" dur="500" fill="hold"/>
+                                        <p:tgtEl>
+                                          <p:spTgt spid="16"/>
                                         </p:tgtEl>
                                         <p:attrNameLst>
-                                          <p:attrName>ppt_w</p:attrName>
+                                          <p:attrName>ppt_x</p:attrName>
                                         </p:attrNameLst>
                                       </p:cBhvr>
                                       <p:tavLst>
                                         <p:tav tm="0">
                                           <p:val>
-                                            <p:fltVal val="0"/>
+                                            <p:strVal val="#ppt_x"/>
                                           </p:val>
                                         </p:tav>
                                         <p:tav tm="100000">
                                           <p:val>
-                                            <p:strVal val="#ppt_w"/>
+                                            <p:strVal val="#ppt_x"/>
                                           </p:val>
                                         </p:tav>
                                       </p:tavLst>
                                     </p:anim>
                                     <p:anim calcmode="lin" valueType="num">
-                                      <p:cBhvr>
-                                        <p:cTn id="14" dur="300" fill="hold"/>
-                                        <p:tgtEl>
-                                          <p:spTgt spid="5"/>
+                                      <p:cBhvr additive="base">
+                                        <p:cTn id="16" dur="500" fill="hold"/>
+                                        <p:tgtEl>
+                                          <p:spTgt spid="16"/>
                                         </p:tgtEl>
                                         <p:attrNameLst>
-                                          <p:attrName>ppt_h</p:attrName>
+                                          <p:attrName>ppt_y</p:attrName>
                                         </p:attrNameLst>
                                       </p:cBhvr>
                                       <p:tavLst>
                                         <p:tav tm="0">
                                           <p:val>
-                                            <p:fltVal val="0"/>
+                                            <p:strVal val="1+#ppt_h/2"/>
                                           </p:val>
                                         </p:tav>
                                         <p:tav tm="100000">
                                           <p:val>
-                                            <p:strVal val="#ppt_h"/>
+                                            <p:strVal val="#ppt_y"/>
                                           </p:val>
                                         </p:tav>
                                       </p:tavLst>
                                     </p:anim>
-                                    <p:animEffect transition="in" filter="fade">
-                                      <p:cBhvr>
-                                        <p:cTn id="15" dur="300"/>
-                                        <p:tgtEl>
-                                          <p:spTgt spid="5"/>
-                                        </p:tgtEl>
-                                      </p:cBhvr>
-                                    </p:animEffect>
                                   </p:childTnLst>
                                 </p:cTn>
                               </p:par>
-                            </p:childTnLst>
-                          </p:cTn>
-                        </p:par>
-                        <p:par>
-                          <p:cTn id="16" fill="hold">
-                            <p:stCondLst>
-                              <p:cond delay="800"/>
-                            </p:stCondLst>
-                            <p:childTnLst>
                               <p:par>
-                                <p:cTn id="17" presetID="2" presetClass="entr" presetSubtype="4" fill="hold" nodeType="afterEffect">
+                                <p:cTn id="17" presetID="2" presetClass="entr" presetSubtype="4" fill="hold" nodeType="withEffect">
                                   <p:stCondLst>
-                                    <p:cond delay="500"/>
+                                    <p:cond delay="0"/>
                                   </p:stCondLst>
                                   <p:childTnLst>
                                     <p:set>
@@ -10914,11 +15616,7 @@
                                           </p:stCondLst>
                                         </p:cTn>
                                         <p:tgtEl>
-                                          <p:spTgt spid="15">
-                                            <p:txEl>
-                                              <p:pRg st="0" end="0"/>
-                                            </p:txEl>
-                                          </p:spTgt>
+                                          <p:spTgt spid="11"/>
                                         </p:tgtEl>
                                         <p:attrNameLst>
                                           <p:attrName>style.visibility</p:attrName>
@@ -10930,13 +15628,9 @@
                                     </p:set>
                                     <p:anim calcmode="lin" valueType="num">
                                       <p:cBhvr additive="base">
-                                        <p:cTn id="19" dur="1300" fill="hold"/>
-                                        <p:tgtEl>
-                                          <p:spTgt spid="15">
-                                            <p:txEl>
-                                              <p:pRg st="0" end="0"/>
-                                            </p:txEl>
-                                          </p:spTgt>
+                                        <p:cTn id="19" dur="500" fill="hold"/>
+                                        <p:tgtEl>
+                                          <p:spTgt spid="11"/>
                                         </p:tgtEl>
                                         <p:attrNameLst>
                                           <p:attrName>ppt_x</p:attrName>
@@ -10957,13 +15651,9 @@
                                     </p:anim>
                                     <p:anim calcmode="lin" valueType="num">
                                       <p:cBhvr additive="base">
-                                        <p:cTn id="20" dur="1300" fill="hold"/>
-                                        <p:tgtEl>
-                                          <p:spTgt spid="15">
-                                            <p:txEl>
-                                              <p:pRg st="0" end="0"/>
-                                            </p:txEl>
-                                          </p:spTgt>
+                                        <p:cTn id="20" dur="500" fill="hold"/>
+                                        <p:tgtEl>
+                                          <p:spTgt spid="11"/>
                                         </p:tgtEl>
                                         <p:attrNameLst>
                                           <p:attrName>ppt_y</p:attrName>
@@ -10973,96 +15663,6 @@
                                         <p:tav tm="0">
                                           <p:val>
                                             <p:strVal val="1+#ppt_h/2"/>
-                                          </p:val>
-                                        </p:tav>
-                                        <p:tav tm="100000">
-                                          <p:val>
-                                            <p:strVal val="#ppt_y"/>
-                                          </p:val>
-                                        </p:tav>
-                                      </p:tavLst>
-                                    </p:anim>
-                                  </p:childTnLst>
-                                </p:cTn>
-                              </p:par>
-                            </p:childTnLst>
-                          </p:cTn>
-                        </p:par>
-                        <p:par>
-                          <p:cTn id="21" fill="hold">
-                            <p:stCondLst>
-                              <p:cond delay="2600"/>
-                            </p:stCondLst>
-                            <p:childTnLst>
-                              <p:par>
-                                <p:cTn id="22" presetID="42" presetClass="entr" presetSubtype="0" fill="hold" grpId="0" nodeType="afterEffect">
-                                  <p:stCondLst>
-                                    <p:cond delay="0"/>
-                                  </p:stCondLst>
-                                  <p:childTnLst>
-                                    <p:set>
-                                      <p:cBhvr>
-                                        <p:cTn id="23" dur="1" fill="hold">
-                                          <p:stCondLst>
-                                            <p:cond delay="0"/>
-                                          </p:stCondLst>
-                                        </p:cTn>
-                                        <p:tgtEl>
-                                          <p:spTgt spid="17"/>
-                                        </p:tgtEl>
-                                        <p:attrNameLst>
-                                          <p:attrName>style.visibility</p:attrName>
-                                        </p:attrNameLst>
-                                      </p:cBhvr>
-                                      <p:to>
-                                        <p:strVal val="visible"/>
-                                      </p:to>
-                                    </p:set>
-                                    <p:animEffect transition="in" filter="fade">
-                                      <p:cBhvr>
-                                        <p:cTn id="24" dur="1000"/>
-                                        <p:tgtEl>
-                                          <p:spTgt spid="17"/>
-                                        </p:tgtEl>
-                                      </p:cBhvr>
-                                    </p:animEffect>
-                                    <p:anim calcmode="lin" valueType="num">
-                                      <p:cBhvr>
-                                        <p:cTn id="25" dur="1000" fill="hold"/>
-                                        <p:tgtEl>
-                                          <p:spTgt spid="17"/>
-                                        </p:tgtEl>
-                                        <p:attrNameLst>
-                                          <p:attrName>ppt_x</p:attrName>
-                                        </p:attrNameLst>
-                                      </p:cBhvr>
-                                      <p:tavLst>
-                                        <p:tav tm="0">
-                                          <p:val>
-                                            <p:strVal val="#ppt_x"/>
-                                          </p:val>
-                                        </p:tav>
-                                        <p:tav tm="100000">
-                                          <p:val>
-                                            <p:strVal val="#ppt_x"/>
-                                          </p:val>
-                                        </p:tav>
-                                      </p:tavLst>
-                                    </p:anim>
-                                    <p:anim calcmode="lin" valueType="num">
-                                      <p:cBhvr>
-                                        <p:cTn id="26" dur="1000" fill="hold"/>
-                                        <p:tgtEl>
-                                          <p:spTgt spid="17"/>
-                                        </p:tgtEl>
-                                        <p:attrNameLst>
-                                          <p:attrName>ppt_y</p:attrName>
-                                        </p:attrNameLst>
-                                      </p:cBhvr>
-                                      <p:tavLst>
-                                        <p:tav tm="0">
-                                          <p:val>
-                                            <p:strVal val="#ppt_y+.1"/>
                                           </p:val>
                                         </p:tav>
                                         <p:tav tm="100000">
@@ -11102,11 +15702,6 @@
         </p:cTn>
       </p:par>
     </p:tnLst>
-    <p:bldLst>
-      <p:bldP spid="4" grpId="0" animBg="1"/>
-      <p:bldP spid="5" grpId="0" animBg="1"/>
-      <p:bldP spid="17" grpId="0"/>
-    </p:bldLst>
   </p:timing>
 </p:sld>
 </file>
